--- a/Highest paying athletes.pptx
+++ b/Highest paying athletes.pptx
@@ -5,10 +5,10 @@
     <p:sldMasterId id="2147483648" r:id="rId4"/>
   </p:sldMasterIdLst>
   <p:notesMasterIdLst>
-    <p:notesMasterId r:id="rId30"/>
+    <p:notesMasterId r:id="rId28"/>
   </p:notesMasterIdLst>
   <p:handoutMasterIdLst>
-    <p:handoutMasterId r:id="rId31"/>
+    <p:handoutMasterId r:id="rId29"/>
   </p:handoutMasterIdLst>
   <p:sldIdLst>
     <p:sldId id="256" r:id="rId5"/>
@@ -17,25 +17,23 @@
     <p:sldId id="262" r:id="rId8"/>
     <p:sldId id="276" r:id="rId9"/>
     <p:sldId id="277" r:id="rId10"/>
-    <p:sldId id="279" r:id="rId11"/>
-    <p:sldId id="260" r:id="rId12"/>
-    <p:sldId id="280" r:id="rId13"/>
-    <p:sldId id="272" r:id="rId14"/>
-    <p:sldId id="283" r:id="rId15"/>
-    <p:sldId id="282" r:id="rId16"/>
-    <p:sldId id="273" r:id="rId17"/>
-    <p:sldId id="284" r:id="rId18"/>
-    <p:sldId id="281" r:id="rId19"/>
-    <p:sldId id="275" r:id="rId20"/>
-    <p:sldId id="270" r:id="rId21"/>
-    <p:sldId id="285" r:id="rId22"/>
-    <p:sldId id="286" r:id="rId23"/>
-    <p:sldId id="266" r:id="rId24"/>
-    <p:sldId id="271" r:id="rId25"/>
-    <p:sldId id="265" r:id="rId26"/>
-    <p:sldId id="264" r:id="rId27"/>
-    <p:sldId id="263" r:id="rId28"/>
-    <p:sldId id="259" r:id="rId29"/>
+    <p:sldId id="281" r:id="rId11"/>
+    <p:sldId id="288" r:id="rId12"/>
+    <p:sldId id="279" r:id="rId13"/>
+    <p:sldId id="260" r:id="rId14"/>
+    <p:sldId id="287" r:id="rId15"/>
+    <p:sldId id="280" r:id="rId16"/>
+    <p:sldId id="272" r:id="rId17"/>
+    <p:sldId id="283" r:id="rId18"/>
+    <p:sldId id="273" r:id="rId19"/>
+    <p:sldId id="282" r:id="rId20"/>
+    <p:sldId id="284" r:id="rId21"/>
+    <p:sldId id="275" r:id="rId22"/>
+    <p:sldId id="270" r:id="rId23"/>
+    <p:sldId id="285" r:id="rId24"/>
+    <p:sldId id="286" r:id="rId25"/>
+    <p:sldId id="266" r:id="rId26"/>
+    <p:sldId id="271" r:id="rId27"/>
   </p:sldIdLst>
   <p:sldSz cx="12192000" cy="6858000"/>
   <p:notesSz cx="6858000" cy="9144000"/>
@@ -2147,7 +2145,7 @@
     </p:spTree>
     <p:extLst>
       <p:ext uri="{BB962C8B-B14F-4D97-AF65-F5344CB8AC3E}">
-        <p14:creationId xmlns:p14="http://schemas.microsoft.com/office/powerpoint/2010/main" val="1508356871"/>
+        <p14:creationId xmlns:p14="http://schemas.microsoft.com/office/powerpoint/2010/main" val="1252516763"/>
       </p:ext>
     </p:extLst>
   </p:cSld>
@@ -2232,7 +2230,7 @@
     </p:spTree>
     <p:extLst>
       <p:ext uri="{BB962C8B-B14F-4D97-AF65-F5344CB8AC3E}">
-        <p14:creationId xmlns:p14="http://schemas.microsoft.com/office/powerpoint/2010/main" val="1861511553"/>
+        <p14:creationId xmlns:p14="http://schemas.microsoft.com/office/powerpoint/2010/main" val="2572684225"/>
       </p:ext>
     </p:extLst>
   </p:cSld>
@@ -2317,7 +2315,7 @@
     </p:spTree>
     <p:extLst>
       <p:ext uri="{BB962C8B-B14F-4D97-AF65-F5344CB8AC3E}">
-        <p14:creationId xmlns:p14="http://schemas.microsoft.com/office/powerpoint/2010/main" val="3695295266"/>
+        <p14:creationId xmlns:p14="http://schemas.microsoft.com/office/powerpoint/2010/main" val="4064346090"/>
       </p:ext>
     </p:extLst>
   </p:cSld>
@@ -2402,7 +2400,7 @@
     </p:spTree>
     <p:extLst>
       <p:ext uri="{BB962C8B-B14F-4D97-AF65-F5344CB8AC3E}">
-        <p14:creationId xmlns:p14="http://schemas.microsoft.com/office/powerpoint/2010/main" val="2482573018"/>
+        <p14:creationId xmlns:p14="http://schemas.microsoft.com/office/powerpoint/2010/main" val="1508356871"/>
       </p:ext>
     </p:extLst>
   </p:cSld>
@@ -2487,7 +2485,7 @@
     </p:spTree>
     <p:extLst>
       <p:ext uri="{BB962C8B-B14F-4D97-AF65-F5344CB8AC3E}">
-        <p14:creationId xmlns:p14="http://schemas.microsoft.com/office/powerpoint/2010/main" val="744345855"/>
+        <p14:creationId xmlns:p14="http://schemas.microsoft.com/office/powerpoint/2010/main" val="1861511553"/>
       </p:ext>
     </p:extLst>
   </p:cSld>
@@ -2572,7 +2570,7 @@
     </p:spTree>
     <p:extLst>
       <p:ext uri="{BB962C8B-B14F-4D97-AF65-F5344CB8AC3E}">
-        <p14:creationId xmlns:p14="http://schemas.microsoft.com/office/powerpoint/2010/main" val="2875452572"/>
+        <p14:creationId xmlns:p14="http://schemas.microsoft.com/office/powerpoint/2010/main" val="2482573018"/>
       </p:ext>
     </p:extLst>
   </p:cSld>
@@ -2657,7 +2655,7 @@
     </p:spTree>
     <p:extLst>
       <p:ext uri="{BB962C8B-B14F-4D97-AF65-F5344CB8AC3E}">
-        <p14:creationId xmlns:p14="http://schemas.microsoft.com/office/powerpoint/2010/main" val="3072382898"/>
+        <p14:creationId xmlns:p14="http://schemas.microsoft.com/office/powerpoint/2010/main" val="3695295266"/>
       </p:ext>
     </p:extLst>
   </p:cSld>
@@ -2742,7 +2740,7 @@
     </p:spTree>
     <p:extLst>
       <p:ext uri="{BB962C8B-B14F-4D97-AF65-F5344CB8AC3E}">
-        <p14:creationId xmlns:p14="http://schemas.microsoft.com/office/powerpoint/2010/main" val="2482224959"/>
+        <p14:creationId xmlns:p14="http://schemas.microsoft.com/office/powerpoint/2010/main" val="744345855"/>
       </p:ext>
     </p:extLst>
   </p:cSld>
@@ -2827,7 +2825,7 @@
     </p:spTree>
     <p:extLst>
       <p:ext uri="{BB962C8B-B14F-4D97-AF65-F5344CB8AC3E}">
-        <p14:creationId xmlns:p14="http://schemas.microsoft.com/office/powerpoint/2010/main" val="2230030803"/>
+        <p14:creationId xmlns:p14="http://schemas.microsoft.com/office/powerpoint/2010/main" val="3072382898"/>
       </p:ext>
     </p:extLst>
   </p:cSld>
@@ -2912,7 +2910,7 @@
     </p:spTree>
     <p:extLst>
       <p:ext uri="{BB962C8B-B14F-4D97-AF65-F5344CB8AC3E}">
-        <p14:creationId xmlns:p14="http://schemas.microsoft.com/office/powerpoint/2010/main" val="324268012"/>
+        <p14:creationId xmlns:p14="http://schemas.microsoft.com/office/powerpoint/2010/main" val="2482224959"/>
       </p:ext>
     </p:extLst>
   </p:cSld>
@@ -3082,7 +3080,7 @@
     </p:spTree>
     <p:extLst>
       <p:ext uri="{BB962C8B-B14F-4D97-AF65-F5344CB8AC3E}">
-        <p14:creationId xmlns:p14="http://schemas.microsoft.com/office/powerpoint/2010/main" val="954942207"/>
+        <p14:creationId xmlns:p14="http://schemas.microsoft.com/office/powerpoint/2010/main" val="2230030803"/>
       </p:ext>
     </p:extLst>
   </p:cSld>
@@ -3167,7 +3165,7 @@
     </p:spTree>
     <p:extLst>
       <p:ext uri="{BB962C8B-B14F-4D97-AF65-F5344CB8AC3E}">
-        <p14:creationId xmlns:p14="http://schemas.microsoft.com/office/powerpoint/2010/main" val="4139515239"/>
+        <p14:creationId xmlns:p14="http://schemas.microsoft.com/office/powerpoint/2010/main" val="324268012"/>
       </p:ext>
     </p:extLst>
   </p:cSld>
@@ -3252,7 +3250,7 @@
     </p:spTree>
     <p:extLst>
       <p:ext uri="{BB962C8B-B14F-4D97-AF65-F5344CB8AC3E}">
-        <p14:creationId xmlns:p14="http://schemas.microsoft.com/office/powerpoint/2010/main" val="2287758305"/>
+        <p14:creationId xmlns:p14="http://schemas.microsoft.com/office/powerpoint/2010/main" val="954942207"/>
       </p:ext>
     </p:extLst>
   </p:cSld>
@@ -3337,177 +3335,7 @@
     </p:spTree>
     <p:extLst>
       <p:ext uri="{BB962C8B-B14F-4D97-AF65-F5344CB8AC3E}">
-        <p14:creationId xmlns:p14="http://schemas.microsoft.com/office/powerpoint/2010/main" val="3865103327"/>
-      </p:ext>
-    </p:extLst>
-  </p:cSld>
-  <p:clrMapOvr>
-    <a:masterClrMapping/>
-  </p:clrMapOvr>
-</p:notes>
-</file>
-
-<file path=ppt/notesSlides/notesSlide24.xml><?xml version="1.0" encoding="utf-8"?>
-<p:notes xmlns:a="http://schemas.openxmlformats.org/drawingml/2006/main" xmlns:r="http://schemas.openxmlformats.org/officeDocument/2006/relationships" xmlns:p="http://schemas.openxmlformats.org/presentationml/2006/main">
-  <p:cSld>
-    <p:spTree>
-      <p:nvGrpSpPr>
-        <p:cNvPr id="1" name=""/>
-        <p:cNvGrpSpPr/>
-        <p:nvPr/>
-      </p:nvGrpSpPr>
-      <p:grpSpPr>
-        <a:xfrm>
-          <a:off x="0" y="0"/>
-          <a:ext cx="0" cy="0"/>
-          <a:chOff x="0" y="0"/>
-          <a:chExt cx="0" cy="0"/>
-        </a:xfrm>
-      </p:grpSpPr>
-      <p:sp>
-        <p:nvSpPr>
-          <p:cNvPr id="2" name="Marcador de imagen de diapositiva 1"/>
-          <p:cNvSpPr>
-            <a:spLocks noGrp="1" noRot="1" noChangeAspect="1"/>
-          </p:cNvSpPr>
-          <p:nvPr>
-            <p:ph type="sldImg"/>
-          </p:nvPr>
-        </p:nvSpPr>
-        <p:spPr/>
-      </p:sp>
-      <p:sp>
-        <p:nvSpPr>
-          <p:cNvPr id="3" name="Marcador de notas 2"/>
-          <p:cNvSpPr>
-            <a:spLocks noGrp="1"/>
-          </p:cNvSpPr>
-          <p:nvPr>
-            <p:ph type="body" idx="1"/>
-          </p:nvPr>
-        </p:nvSpPr>
-        <p:spPr/>
-        <p:txBody>
-          <a:bodyPr/>
-          <a:lstStyle/>
-          <a:p>
-            <a:endParaRPr lang="es-ES" dirty="0"/>
-          </a:p>
-        </p:txBody>
-      </p:sp>
-      <p:sp>
-        <p:nvSpPr>
-          <p:cNvPr id="4" name="Marcador de número de diapositiva 3"/>
-          <p:cNvSpPr>
-            <a:spLocks noGrp="1"/>
-          </p:cNvSpPr>
-          <p:nvPr>
-            <p:ph type="sldNum" sz="quarter" idx="5"/>
-          </p:nvPr>
-        </p:nvSpPr>
-        <p:spPr/>
-        <p:txBody>
-          <a:bodyPr/>
-          <a:lstStyle/>
-          <a:p>
-            <a:pPr rtl="0"/>
-            <a:fld id="{22289C57-55D7-40A4-A101-E74FAC7A092B}" type="slidenum">
-              <a:rPr lang="es-ES" smtClean="0"/>
-              <a:t>24</a:t>
-            </a:fld>
-            <a:endParaRPr lang="es-ES" dirty="0"/>
-          </a:p>
-        </p:txBody>
-      </p:sp>
-    </p:spTree>
-    <p:extLst>
-      <p:ext uri="{BB962C8B-B14F-4D97-AF65-F5344CB8AC3E}">
-        <p14:creationId xmlns:p14="http://schemas.microsoft.com/office/powerpoint/2010/main" val="1995610553"/>
-      </p:ext>
-    </p:extLst>
-  </p:cSld>
-  <p:clrMapOvr>
-    <a:masterClrMapping/>
-  </p:clrMapOvr>
-</p:notes>
-</file>
-
-<file path=ppt/notesSlides/notesSlide25.xml><?xml version="1.0" encoding="utf-8"?>
-<p:notes xmlns:a="http://schemas.openxmlformats.org/drawingml/2006/main" xmlns:r="http://schemas.openxmlformats.org/officeDocument/2006/relationships" xmlns:p="http://schemas.openxmlformats.org/presentationml/2006/main">
-  <p:cSld>
-    <p:spTree>
-      <p:nvGrpSpPr>
-        <p:cNvPr id="1" name=""/>
-        <p:cNvGrpSpPr/>
-        <p:nvPr/>
-      </p:nvGrpSpPr>
-      <p:grpSpPr>
-        <a:xfrm>
-          <a:off x="0" y="0"/>
-          <a:ext cx="0" cy="0"/>
-          <a:chOff x="0" y="0"/>
-          <a:chExt cx="0" cy="0"/>
-        </a:xfrm>
-      </p:grpSpPr>
-      <p:sp>
-        <p:nvSpPr>
-          <p:cNvPr id="2" name="Marcador de imagen de diapositiva 1"/>
-          <p:cNvSpPr>
-            <a:spLocks noGrp="1" noRot="1" noChangeAspect="1"/>
-          </p:cNvSpPr>
-          <p:nvPr>
-            <p:ph type="sldImg"/>
-          </p:nvPr>
-        </p:nvSpPr>
-        <p:spPr/>
-      </p:sp>
-      <p:sp>
-        <p:nvSpPr>
-          <p:cNvPr id="3" name="Marcador de notas 2"/>
-          <p:cNvSpPr>
-            <a:spLocks noGrp="1"/>
-          </p:cNvSpPr>
-          <p:nvPr>
-            <p:ph type="body" idx="1"/>
-          </p:nvPr>
-        </p:nvSpPr>
-        <p:spPr/>
-        <p:txBody>
-          <a:bodyPr/>
-          <a:lstStyle/>
-          <a:p>
-            <a:endParaRPr lang="es-ES" dirty="0"/>
-          </a:p>
-        </p:txBody>
-      </p:sp>
-      <p:sp>
-        <p:nvSpPr>
-          <p:cNvPr id="4" name="Marcador de número de diapositiva 3"/>
-          <p:cNvSpPr>
-            <a:spLocks noGrp="1"/>
-          </p:cNvSpPr>
-          <p:nvPr>
-            <p:ph type="sldNum" sz="quarter" idx="5"/>
-          </p:nvPr>
-        </p:nvSpPr>
-        <p:spPr/>
-        <p:txBody>
-          <a:bodyPr/>
-          <a:lstStyle/>
-          <a:p>
-            <a:pPr rtl="0"/>
-            <a:fld id="{22289C57-55D7-40A4-A101-E74FAC7A092B}" type="slidenum">
-              <a:rPr lang="es-ES" smtClean="0"/>
-              <a:t>25</a:t>
-            </a:fld>
-            <a:endParaRPr lang="es-ES" dirty="0"/>
-          </a:p>
-        </p:txBody>
-      </p:sp>
-    </p:spTree>
-    <p:extLst>
-      <p:ext uri="{BB962C8B-B14F-4D97-AF65-F5344CB8AC3E}">
-        <p14:creationId xmlns:p14="http://schemas.microsoft.com/office/powerpoint/2010/main" val="259689388"/>
+        <p14:creationId xmlns:p14="http://schemas.microsoft.com/office/powerpoint/2010/main" val="4139515239"/>
       </p:ext>
     </p:extLst>
   </p:cSld>
@@ -3932,7 +3760,7 @@
     </p:spTree>
     <p:extLst>
       <p:ext uri="{BB962C8B-B14F-4D97-AF65-F5344CB8AC3E}">
-        <p14:creationId xmlns:p14="http://schemas.microsoft.com/office/powerpoint/2010/main" val="3648304064"/>
+        <p14:creationId xmlns:p14="http://schemas.microsoft.com/office/powerpoint/2010/main" val="2875452572"/>
       </p:ext>
     </p:extLst>
   </p:cSld>
@@ -4017,7 +3845,7 @@
     </p:spTree>
     <p:extLst>
       <p:ext uri="{BB962C8B-B14F-4D97-AF65-F5344CB8AC3E}">
-        <p14:creationId xmlns:p14="http://schemas.microsoft.com/office/powerpoint/2010/main" val="1252516763"/>
+        <p14:creationId xmlns:p14="http://schemas.microsoft.com/office/powerpoint/2010/main" val="4070786815"/>
       </p:ext>
     </p:extLst>
   </p:cSld>
@@ -4102,7 +3930,7 @@
     </p:spTree>
     <p:extLst>
       <p:ext uri="{BB962C8B-B14F-4D97-AF65-F5344CB8AC3E}">
-        <p14:creationId xmlns:p14="http://schemas.microsoft.com/office/powerpoint/2010/main" val="4064346090"/>
+        <p14:creationId xmlns:p14="http://schemas.microsoft.com/office/powerpoint/2010/main" val="3648304064"/>
       </p:ext>
     </p:extLst>
   </p:cSld>
@@ -4497,7 +4325,7 @@
           <a:p>
             <a:pPr rtl="0"/>
             <a:r>
-              <a:rPr lang="en-US"/>
+              <a:rPr lang="en-US" dirty="0"/>
               <a:t>Click icon to add SmartArt graphic</a:t>
             </a:r>
             <a:endParaRPr lang="es-ES" dirty="0"/>
@@ -4531,7 +4359,7 @@
           <a:p>
             <a:pPr rtl="0"/>
             <a:r>
-              <a:rPr lang="es-ES"/>
+              <a:rPr lang="es-ES" dirty="0"/>
               <a:t>20XX</a:t>
             </a:r>
           </a:p>
@@ -4564,7 +4392,7 @@
           <a:p>
             <a:pPr rtl="0"/>
             <a:r>
-              <a:rPr lang="es-ES"/>
+              <a:rPr lang="es-ES" dirty="0"/>
               <a:t>TÍTULO DE LA PRESENTACIÓN</a:t>
             </a:r>
           </a:p>
@@ -5892,7 +5720,7 @@
           <a:p>
             <a:pPr rtl="0"/>
             <a:r>
-              <a:rPr lang="es-ES"/>
+              <a:rPr lang="es-ES" dirty="0"/>
               <a:t>20XX</a:t>
             </a:r>
           </a:p>
@@ -5925,7 +5753,7 @@
           <a:p>
             <a:pPr rtl="0"/>
             <a:r>
-              <a:rPr lang="es-ES"/>
+              <a:rPr lang="es-ES" dirty="0"/>
               <a:t>TÍTULO DE LA PRESENTACIÓN</a:t>
             </a:r>
           </a:p>
@@ -6662,7 +6490,7 @@
           <a:p>
             <a:pPr rtl="0"/>
             <a:r>
-              <a:rPr lang="es-ES"/>
+              <a:rPr lang="es-ES" dirty="0"/>
               <a:t>20XX</a:t>
             </a:r>
           </a:p>
@@ -6695,7 +6523,7 @@
           <a:p>
             <a:pPr rtl="0"/>
             <a:r>
-              <a:rPr lang="es-ES"/>
+              <a:rPr lang="es-ES" dirty="0"/>
               <a:t>TÍTULO DE LA PRESENTACIÓN</a:t>
             </a:r>
           </a:p>
@@ -7190,7 +7018,7 @@
           <a:p>
             <a:pPr rtl="0"/>
             <a:r>
-              <a:rPr lang="es-ES"/>
+              <a:rPr lang="es-ES" dirty="0"/>
               <a:t>20XX</a:t>
             </a:r>
           </a:p>
@@ -7228,7 +7056,7 @@
           <a:p>
             <a:pPr rtl="0"/>
             <a:r>
-              <a:rPr lang="es-ES"/>
+              <a:rPr lang="es-ES" dirty="0"/>
               <a:t>TÍTULO DE LA PRESENTACIÓN</a:t>
             </a:r>
           </a:p>
@@ -7516,7 +7344,7 @@
           <a:p>
             <a:pPr rtl="0"/>
             <a:r>
-              <a:rPr lang="es-ES"/>
+              <a:rPr lang="es-ES" dirty="0"/>
               <a:t>20XX</a:t>
             </a:r>
           </a:p>
@@ -7554,7 +7382,7 @@
           <a:p>
             <a:pPr rtl="0"/>
             <a:r>
-              <a:rPr lang="es-ES"/>
+              <a:rPr lang="es-ES" dirty="0"/>
               <a:t>TÍTULO DE LA PRESENTACIÓN</a:t>
             </a:r>
           </a:p>
@@ -7870,7 +7698,7 @@
           <a:p>
             <a:pPr rtl="0"/>
             <a:r>
-              <a:rPr lang="es-ES"/>
+              <a:rPr lang="es-ES" dirty="0"/>
               <a:t>20XX</a:t>
             </a:r>
           </a:p>
@@ -7908,7 +7736,7 @@
           <a:p>
             <a:pPr rtl="0"/>
             <a:r>
-              <a:rPr lang="es-ES"/>
+              <a:rPr lang="es-ES" dirty="0"/>
               <a:t>TÍTULO DE LA PRESENTACIÓN</a:t>
             </a:r>
           </a:p>
@@ -8191,7 +8019,7 @@
           <a:p>
             <a:pPr rtl="0"/>
             <a:r>
-              <a:rPr lang="es-ES"/>
+              <a:rPr lang="es-ES" dirty="0"/>
               <a:t>20XX</a:t>
             </a:r>
           </a:p>
@@ -8229,7 +8057,7 @@
           <a:p>
             <a:pPr rtl="0"/>
             <a:r>
-              <a:rPr lang="es-ES"/>
+              <a:rPr lang="es-ES" dirty="0"/>
               <a:t>TÍTULO DE LA PRESENTACIÓN</a:t>
             </a:r>
           </a:p>
@@ -8676,7 +8504,7 @@
           <a:p>
             <a:pPr rtl="0"/>
             <a:r>
-              <a:rPr lang="es-ES"/>
+              <a:rPr lang="es-ES" dirty="0"/>
               <a:t>20XX</a:t>
             </a:r>
           </a:p>
@@ -8709,7 +8537,7 @@
           <a:p>
             <a:pPr rtl="0"/>
             <a:r>
-              <a:rPr lang="es-ES"/>
+              <a:rPr lang="es-ES" dirty="0"/>
               <a:t>TÍTULO DE LA PRESENTACIÓN</a:t>
             </a:r>
           </a:p>
@@ -8782,7 +8610,7 @@
           <a:p>
             <a:pPr rtl="0"/>
             <a:r>
-              <a:rPr lang="en-US"/>
+              <a:rPr lang="en-US" dirty="0"/>
               <a:t>Click icon to add chart</a:t>
             </a:r>
             <a:endParaRPr lang="es-ES" dirty="0"/>
@@ -8898,7 +8726,7 @@
           <a:p>
             <a:pPr rtl="0"/>
             <a:r>
-              <a:rPr lang="en-US"/>
+              <a:rPr lang="en-US" dirty="0"/>
               <a:t>Click icon to add table</a:t>
             </a:r>
             <a:endParaRPr lang="es-ES" dirty="0"/>
@@ -8932,7 +8760,7 @@
           <a:p>
             <a:pPr rtl="0"/>
             <a:r>
-              <a:rPr lang="es-ES"/>
+              <a:rPr lang="es-ES" dirty="0"/>
               <a:t>20XX</a:t>
             </a:r>
           </a:p>
@@ -8965,7 +8793,7 @@
           <a:p>
             <a:pPr rtl="0"/>
             <a:r>
-              <a:rPr lang="es-ES"/>
+              <a:rPr lang="es-ES" dirty="0"/>
               <a:t>TÍTULO DE LA PRESENTACIÓN</a:t>
             </a:r>
           </a:p>
@@ -9234,7 +9062,7 @@
           <a:p>
             <a:pPr rtl="0"/>
             <a:r>
-              <a:rPr lang="es-ES"/>
+              <a:rPr lang="es-ES" dirty="0"/>
               <a:t>20XX</a:t>
             </a:r>
           </a:p>
@@ -9272,7 +9100,7 @@
           <a:p>
             <a:pPr rtl="0"/>
             <a:r>
-              <a:rPr lang="es-ES"/>
+              <a:rPr lang="es-ES" dirty="0"/>
               <a:t>TÍTULO DE LA PRESENTACIÓN</a:t>
             </a:r>
           </a:p>
@@ -9481,7 +9309,7 @@
           <a:p>
             <a:pPr rtl="0"/>
             <a:r>
-              <a:rPr lang="en-US"/>
+              <a:rPr lang="en-US" dirty="0"/>
               <a:t>Click icon to add picture</a:t>
             </a:r>
             <a:endParaRPr lang="es-ES" dirty="0"/>
@@ -9685,7 +9513,7 @@
           <a:p>
             <a:pPr rtl="0"/>
             <a:r>
-              <a:rPr lang="en-US"/>
+              <a:rPr lang="en-US" dirty="0"/>
               <a:t>Click icon to add picture</a:t>
             </a:r>
             <a:endParaRPr lang="es-ES" dirty="0"/>
@@ -9889,7 +9717,7 @@
           <a:p>
             <a:pPr lvl="1" rtl="0"/>
             <a:r>
-              <a:rPr lang="en-US"/>
+              <a:rPr lang="en-US" dirty="0"/>
               <a:t>Click icon to add picture</a:t>
             </a:r>
             <a:endParaRPr lang="es-ES" dirty="0"/>
@@ -10093,7 +9921,7 @@
           <a:p>
             <a:pPr rtl="0"/>
             <a:r>
-              <a:rPr lang="en-US"/>
+              <a:rPr lang="en-US" dirty="0"/>
               <a:t>Click icon to add picture</a:t>
             </a:r>
             <a:endParaRPr lang="es-ES" dirty="0"/>
@@ -10287,7 +10115,7 @@
           <a:p>
             <a:pPr rtl="0"/>
             <a:r>
-              <a:rPr lang="es-ES"/>
+              <a:rPr lang="es-ES" dirty="0"/>
               <a:t>20XX</a:t>
             </a:r>
           </a:p>
@@ -10320,7 +10148,7 @@
           <a:p>
             <a:pPr rtl="0"/>
             <a:r>
-              <a:rPr lang="es-ES"/>
+              <a:rPr lang="es-ES" dirty="0"/>
               <a:t>TÍTULO DE LA PRESENTACIÓN</a:t>
             </a:r>
           </a:p>
@@ -10696,7 +10524,7 @@
           <a:p>
             <a:pPr rtl="0"/>
             <a:r>
-              <a:rPr lang="en-US" noProof="0"/>
+              <a:rPr lang="en-US" noProof="0" dirty="0"/>
               <a:t>Click icon to add picture</a:t>
             </a:r>
             <a:endParaRPr lang="es-ES" noProof="0" dirty="0"/>
@@ -10908,7 +10736,7 @@
           <a:p>
             <a:pPr rtl="0"/>
             <a:r>
-              <a:rPr lang="en-US" noProof="0"/>
+              <a:rPr lang="en-US" noProof="0" dirty="0"/>
               <a:t>Click icon to add picture</a:t>
             </a:r>
             <a:endParaRPr lang="es-ES" noProof="0" dirty="0"/>
@@ -11120,7 +10948,7 @@
           <a:p>
             <a:pPr rtl="0"/>
             <a:r>
-              <a:rPr lang="en-US" noProof="0"/>
+              <a:rPr lang="en-US" noProof="0" dirty="0"/>
               <a:t>Click icon to add picture</a:t>
             </a:r>
             <a:endParaRPr lang="es-ES" noProof="0" dirty="0"/>
@@ -11332,7 +11160,7 @@
           <a:p>
             <a:pPr rtl="0"/>
             <a:r>
-              <a:rPr lang="en-US" noProof="0"/>
+              <a:rPr lang="en-US" noProof="0" dirty="0"/>
               <a:t>Click icon to add picture</a:t>
             </a:r>
             <a:endParaRPr lang="es-ES" noProof="0" dirty="0"/>
@@ -11544,7 +11372,7 @@
           <a:p>
             <a:pPr rtl="0"/>
             <a:r>
-              <a:rPr lang="en-US" noProof="0"/>
+              <a:rPr lang="en-US" noProof="0" dirty="0"/>
               <a:t>Click icon to add picture</a:t>
             </a:r>
             <a:endParaRPr lang="es-ES" noProof="0" dirty="0"/>
@@ -11756,7 +11584,7 @@
           <a:p>
             <a:pPr rtl="0"/>
             <a:r>
-              <a:rPr lang="en-US" noProof="0"/>
+              <a:rPr lang="en-US" noProof="0" dirty="0"/>
               <a:t>Click icon to add picture</a:t>
             </a:r>
             <a:endParaRPr lang="es-ES" noProof="0" dirty="0"/>
@@ -11968,7 +11796,7 @@
           <a:p>
             <a:pPr rtl="0"/>
             <a:r>
-              <a:rPr lang="en-US" noProof="0"/>
+              <a:rPr lang="en-US" noProof="0" dirty="0"/>
               <a:t>Click icon to add picture</a:t>
             </a:r>
             <a:endParaRPr lang="es-ES" noProof="0" dirty="0"/>
@@ -12180,7 +12008,7 @@
           <a:p>
             <a:pPr rtl="0"/>
             <a:r>
-              <a:rPr lang="en-US" noProof="0"/>
+              <a:rPr lang="en-US" noProof="0" dirty="0"/>
               <a:t>Click icon to add picture</a:t>
             </a:r>
             <a:endParaRPr lang="es-ES" noProof="0" dirty="0"/>
@@ -12650,7 +12478,7 @@
           <a:p>
             <a:pPr rtl="0"/>
             <a:r>
-              <a:rPr lang="es-ES"/>
+              <a:rPr lang="es-ES" dirty="0"/>
               <a:t>20XX</a:t>
             </a:r>
           </a:p>
@@ -12697,7 +12525,7 @@
           <a:p>
             <a:pPr rtl="0"/>
             <a:r>
-              <a:rPr lang="es-ES"/>
+              <a:rPr lang="es-ES" dirty="0"/>
               <a:t>TÍTULO DE LA PRESENTACIÓN</a:t>
             </a:r>
           </a:p>
@@ -13110,37 +12938,8 @@
             <a:pPr algn="r" rtl="0"/>
             <a:r>
               <a:rPr lang="es-ES" dirty="0"/>
-              <a:t>Forbes </a:t>
-            </a:r>
-            <a:r>
-              <a:rPr lang="es-ES" dirty="0" err="1"/>
-              <a:t>highest</a:t>
-            </a:r>
-            <a:r>
-              <a:rPr lang="es-ES" dirty="0"/>
-              <a:t> </a:t>
-            </a:r>
-            <a:r>
-              <a:rPr lang="es-ES" dirty="0" err="1"/>
-              <a:t>paying</a:t>
-            </a:r>
-            <a:r>
-              <a:rPr lang="es-ES" dirty="0"/>
-              <a:t> </a:t>
-            </a:r>
-            <a:r>
-              <a:rPr lang="es-ES" dirty="0" err="1"/>
-              <a:t>athletes</a:t>
-            </a:r>
-            <a:r>
-              <a:rPr lang="es-ES" dirty="0"/>
-              <a:t> </a:t>
-            </a:r>
-            <a:r>
-              <a:rPr lang="es-ES" dirty="0" err="1"/>
-              <a:t>analysis</a:t>
-            </a:r>
-            <a:endParaRPr lang="es-ES" dirty="0"/>
+              <a:t>Forbes highest paying athletes analysis</a:t>
+            </a:r>
           </a:p>
         </p:txBody>
       </p:sp>
@@ -13192,12 +12991,8 @@
           <a:p>
             <a:pPr algn="r" rtl="0"/>
             <a:r>
-              <a:rPr lang="es-ES" dirty="0" err="1"/>
-              <a:t>Uzor</a:t>
-            </a:r>
-            <a:r>
               <a:rPr lang="es-ES" dirty="0"/>
-              <a:t> Francis</a:t>
+              <a:t>Uzor Francis</a:t>
             </a:r>
           </a:p>
         </p:txBody>
@@ -13326,6 +13121,44 @@
       </p:sp>
       <p:sp>
         <p:nvSpPr>
+          <p:cNvPr id="5" name="Marcador de texto 4">
+            <a:extLst>
+              <a:ext uri="{FF2B5EF4-FFF2-40B4-BE49-F238E27FC236}">
+                <a16:creationId xmlns:a16="http://schemas.microsoft.com/office/drawing/2014/main" id="{91CDEC5F-B8EE-4BC1-843F-13135E6E7AB2}"/>
+              </a:ext>
+            </a:extLst>
+          </p:cNvPr>
+          <p:cNvSpPr>
+            <a:spLocks noGrp="1"/>
+          </p:cNvSpPr>
+          <p:nvPr>
+            <p:ph type="body" sz="quarter" idx="3"/>
+          </p:nvPr>
+        </p:nvSpPr>
+        <p:spPr>
+          <a:xfrm>
+            <a:off x="7410173" y="2776936"/>
+            <a:ext cx="3943627" cy="823912"/>
+          </a:xfrm>
+        </p:spPr>
+        <p:txBody>
+          <a:bodyPr rtlCol="0"/>
+          <a:lstStyle>
+            <a:defPPr>
+              <a:defRPr lang="es-ES"/>
+            </a:defPPr>
+          </a:lstStyle>
+          <a:p>
+            <a:pPr rtl="0"/>
+            <a:r>
+              <a:rPr lang="es-ES" dirty="0"/>
+              <a:t>OPORTUNIDADES BASADAS EN LA NUBE</a:t>
+            </a:r>
+          </a:p>
+        </p:txBody>
+      </p:sp>
+      <p:sp>
+        <p:nvSpPr>
           <p:cNvPr id="6" name="Marcador de contenido 5">
             <a:extLst>
               <a:ext uri="{FF2B5EF4-FFF2-40B4-BE49-F238E27FC236}">
@@ -13367,82 +13200,6 @@
             <a:r>
               <a:rPr lang="es-ES" dirty="0"/>
               <a:t>​Establecer un marco de administración desde dentro</a:t>
-            </a:r>
-          </a:p>
-        </p:txBody>
-      </p:sp>
-      <p:sp>
-        <p:nvSpPr>
-          <p:cNvPr id="7" name="Marcador de fecha 6">
-            <a:extLst>
-              <a:ext uri="{FF2B5EF4-FFF2-40B4-BE49-F238E27FC236}">
-                <a16:creationId xmlns:a16="http://schemas.microsoft.com/office/drawing/2014/main" id="{B2A46C4A-D036-4440-BB64-6754F4FF27C1}"/>
-              </a:ext>
-            </a:extLst>
-          </p:cNvPr>
-          <p:cNvSpPr>
-            <a:spLocks noGrp="1"/>
-          </p:cNvSpPr>
-          <p:nvPr>
-            <p:ph type="dt" sz="half" idx="10"/>
-          </p:nvPr>
-        </p:nvSpPr>
-        <p:spPr>
-          <a:xfrm>
-            <a:off x="838200" y="6356350"/>
-            <a:ext cx="2743200" cy="365125"/>
-          </a:xfrm>
-        </p:spPr>
-        <p:txBody>
-          <a:bodyPr rtlCol="0"/>
-          <a:lstStyle>
-            <a:defPPr>
-              <a:defRPr lang="es-ES"/>
-            </a:defPPr>
-          </a:lstStyle>
-          <a:p>
-            <a:pPr rtl="0"/>
-            <a:r>
-              <a:rPr lang="es-ES"/>
-              <a:t>20XX</a:t>
-            </a:r>
-          </a:p>
-        </p:txBody>
-      </p:sp>
-      <p:sp>
-        <p:nvSpPr>
-          <p:cNvPr id="8" name="Marcador de pie de página 7">
-            <a:extLst>
-              <a:ext uri="{FF2B5EF4-FFF2-40B4-BE49-F238E27FC236}">
-                <a16:creationId xmlns:a16="http://schemas.microsoft.com/office/drawing/2014/main" id="{905F172A-5D5D-43CD-A187-DA0D303F4144}"/>
-              </a:ext>
-            </a:extLst>
-          </p:cNvPr>
-          <p:cNvSpPr>
-            <a:spLocks noGrp="1"/>
-          </p:cNvSpPr>
-          <p:nvPr>
-            <p:ph type="ftr" sz="quarter" idx="11"/>
-          </p:nvPr>
-        </p:nvSpPr>
-        <p:spPr>
-          <a:xfrm>
-            <a:off x="4038600" y="6356350"/>
-            <a:ext cx="4114800" cy="365125"/>
-          </a:xfrm>
-        </p:spPr>
-        <p:txBody>
-          <a:bodyPr rtlCol="0"/>
-          <a:lstStyle>
-            <a:defPPr>
-              <a:defRPr lang="es-ES"/>
-            </a:defPPr>
-          </a:lstStyle>
-          <a:p>
-            <a:pPr rtl="0"/>
-            <a:r>
-              <a:rPr lang="es-ES"/>
-              <a:t>TÍTULO DE LA PRESENTACIÓN</a:t>
             </a:r>
           </a:p>
         </p:txBody>
@@ -13489,10 +13246,10 @@
       </p:sp>
       <p:pic>
         <p:nvPicPr>
-          <p:cNvPr id="26" name="Picture 25" descr="A screen shot of a graph&#10;&#10;Description automatically generated">
-            <a:extLst>
-              <a:ext uri="{FF2B5EF4-FFF2-40B4-BE49-F238E27FC236}">
-                <a16:creationId xmlns:a16="http://schemas.microsoft.com/office/drawing/2014/main" id="{BC0C17C4-F1EB-C0F9-F242-781C31EB0F37}"/>
+          <p:cNvPr id="29" name="Picture 28" descr="A screen shot of a computer&#10;&#10;Description automatically generated">
+            <a:extLst>
+              <a:ext uri="{FF2B5EF4-FFF2-40B4-BE49-F238E27FC236}">
+                <a16:creationId xmlns:a16="http://schemas.microsoft.com/office/drawing/2014/main" id="{032BEF06-BB08-6610-6B5F-24DC94B929B8}"/>
               </a:ext>
             </a:extLst>
           </p:cNvPr>
@@ -13509,8 +13266,8 @@
         </p:blipFill>
         <p:spPr>
           <a:xfrm>
-            <a:off x="952500" y="0"/>
-            <a:ext cx="10287000" cy="6858000"/>
+            <a:off x="313083" y="136525"/>
+            <a:ext cx="12192000" cy="6502401"/>
           </a:xfrm>
           <a:prstGeom prst="rect">
             <a:avLst/>
@@ -13519,56 +13276,38 @@
       </p:pic>
       <p:sp>
         <p:nvSpPr>
-          <p:cNvPr id="29" name="TextBox 28">
-            <a:extLst>
-              <a:ext uri="{FF2B5EF4-FFF2-40B4-BE49-F238E27FC236}">
-                <a16:creationId xmlns:a16="http://schemas.microsoft.com/office/drawing/2014/main" id="{993A9882-C951-B912-1FF9-566A5FD5F323}"/>
-              </a:ext>
-            </a:extLst>
-          </p:cNvPr>
-          <p:cNvSpPr txBox="1"/>
-          <p:nvPr/>
-        </p:nvSpPr>
-        <p:spPr>
-          <a:xfrm>
-            <a:off x="8880613" y="5693973"/>
-            <a:ext cx="1169918" cy="271850"/>
-          </a:xfrm>
-          <a:prstGeom prst="rect">
-            <a:avLst/>
-          </a:prstGeom>
-          <a:noFill/>
-        </p:spPr>
-        <p:txBody>
-          <a:bodyPr wrap="square">
-            <a:spAutoFit/>
-          </a:bodyPr>
-          <a:lstStyle/>
-          <a:p>
-            <a:pPr rtl="0"/>
-            <a:r>
-              <a:rPr lang="es-ES" sz="1100" dirty="0">
-                <a:solidFill>
-                  <a:schemeClr val="accent5"/>
-                </a:solidFill>
-              </a:rPr>
-              <a:t>R</a:t>
-            </a:r>
-            <a:r>
-              <a:rPr lang="es-ES" sz="1100" baseline="30000" dirty="0">
-                <a:solidFill>
-                  <a:schemeClr val="accent5"/>
-                </a:solidFill>
-              </a:rPr>
-              <a:t>2</a:t>
-            </a:r>
-            <a:r>
-              <a:rPr lang="es-ES" sz="1100" dirty="0">
-                <a:solidFill>
-                  <a:schemeClr val="accent5"/>
-                </a:solidFill>
-              </a:rPr>
-              <a:t> = 0.31</a:t>
+          <p:cNvPr id="3" name="Marcador de pie de página 4">
+            <a:extLst>
+              <a:ext uri="{FF2B5EF4-FFF2-40B4-BE49-F238E27FC236}">
+                <a16:creationId xmlns:a16="http://schemas.microsoft.com/office/drawing/2014/main" id="{7FB34D83-F248-FC04-631F-5DC3004200F9}"/>
+              </a:ext>
+            </a:extLst>
+          </p:cNvPr>
+          <p:cNvSpPr>
+            <a:spLocks noGrp="1"/>
+          </p:cNvSpPr>
+          <p:nvPr>
+            <p:ph type="ftr" sz="quarter" idx="11"/>
+          </p:nvPr>
+        </p:nvSpPr>
+        <p:spPr>
+          <a:xfrm>
+            <a:off x="2463800" y="6356350"/>
+            <a:ext cx="3479800" cy="365125"/>
+          </a:xfrm>
+        </p:spPr>
+        <p:txBody>
+          <a:bodyPr rtlCol="0"/>
+          <a:lstStyle>
+            <a:defPPr>
+              <a:defRPr lang="es-ES"/>
+            </a:defPPr>
+          </a:lstStyle>
+          <a:p>
+            <a:pPr rtl="0"/>
+            <a:r>
+              <a:rPr lang="es-ES" dirty="0"/>
+              <a:t>FORBES HIGHEST PAYING ATHLETES ANALYSIS</a:t>
             </a:r>
           </a:p>
         </p:txBody>
@@ -13576,7 +13315,7 @@
     </p:spTree>
     <p:extLst>
       <p:ext uri="{BB962C8B-B14F-4D97-AF65-F5344CB8AC3E}">
-        <p14:creationId xmlns:p14="http://schemas.microsoft.com/office/powerpoint/2010/main" val="2179284411"/>
+        <p14:creationId xmlns:p14="http://schemas.microsoft.com/office/powerpoint/2010/main" val="1663780162"/>
       </p:ext>
     </p:extLst>
   </p:cSld>
@@ -13697,6 +13436,44 @@
       </p:sp>
       <p:sp>
         <p:nvSpPr>
+          <p:cNvPr id="5" name="Marcador de texto 4">
+            <a:extLst>
+              <a:ext uri="{FF2B5EF4-FFF2-40B4-BE49-F238E27FC236}">
+                <a16:creationId xmlns:a16="http://schemas.microsoft.com/office/drawing/2014/main" id="{91CDEC5F-B8EE-4BC1-843F-13135E6E7AB2}"/>
+              </a:ext>
+            </a:extLst>
+          </p:cNvPr>
+          <p:cNvSpPr>
+            <a:spLocks noGrp="1"/>
+          </p:cNvSpPr>
+          <p:nvPr>
+            <p:ph type="body" sz="quarter" idx="3"/>
+          </p:nvPr>
+        </p:nvSpPr>
+        <p:spPr>
+          <a:xfrm>
+            <a:off x="7410173" y="2776936"/>
+            <a:ext cx="3943627" cy="823912"/>
+          </a:xfrm>
+        </p:spPr>
+        <p:txBody>
+          <a:bodyPr rtlCol="0"/>
+          <a:lstStyle>
+            <a:defPPr>
+              <a:defRPr lang="es-ES"/>
+            </a:defPPr>
+          </a:lstStyle>
+          <a:p>
+            <a:pPr rtl="0"/>
+            <a:r>
+              <a:rPr lang="es-ES" dirty="0"/>
+              <a:t>OPORTUNIDADES BASADAS EN LA NUBE</a:t>
+            </a:r>
+          </a:p>
+        </p:txBody>
+      </p:sp>
+      <p:sp>
+        <p:nvSpPr>
           <p:cNvPr id="6" name="Marcador de contenido 5">
             <a:extLst>
               <a:ext uri="{FF2B5EF4-FFF2-40B4-BE49-F238E27FC236}">
@@ -13738,82 +13515,6 @@
             <a:r>
               <a:rPr lang="es-ES" dirty="0"/>
               <a:t>​Establecer un marco de administración desde dentro</a:t>
-            </a:r>
-          </a:p>
-        </p:txBody>
-      </p:sp>
-      <p:sp>
-        <p:nvSpPr>
-          <p:cNvPr id="7" name="Marcador de fecha 6">
-            <a:extLst>
-              <a:ext uri="{FF2B5EF4-FFF2-40B4-BE49-F238E27FC236}">
-                <a16:creationId xmlns:a16="http://schemas.microsoft.com/office/drawing/2014/main" id="{B2A46C4A-D036-4440-BB64-6754F4FF27C1}"/>
-              </a:ext>
-            </a:extLst>
-          </p:cNvPr>
-          <p:cNvSpPr>
-            <a:spLocks noGrp="1"/>
-          </p:cNvSpPr>
-          <p:nvPr>
-            <p:ph type="dt" sz="half" idx="10"/>
-          </p:nvPr>
-        </p:nvSpPr>
-        <p:spPr>
-          <a:xfrm>
-            <a:off x="838200" y="6356350"/>
-            <a:ext cx="2743200" cy="365125"/>
-          </a:xfrm>
-        </p:spPr>
-        <p:txBody>
-          <a:bodyPr rtlCol="0"/>
-          <a:lstStyle>
-            <a:defPPr>
-              <a:defRPr lang="es-ES"/>
-            </a:defPPr>
-          </a:lstStyle>
-          <a:p>
-            <a:pPr rtl="0"/>
-            <a:r>
-              <a:rPr lang="es-ES"/>
-              <a:t>20XX</a:t>
-            </a:r>
-          </a:p>
-        </p:txBody>
-      </p:sp>
-      <p:sp>
-        <p:nvSpPr>
-          <p:cNvPr id="8" name="Marcador de pie de página 7">
-            <a:extLst>
-              <a:ext uri="{FF2B5EF4-FFF2-40B4-BE49-F238E27FC236}">
-                <a16:creationId xmlns:a16="http://schemas.microsoft.com/office/drawing/2014/main" id="{905F172A-5D5D-43CD-A187-DA0D303F4144}"/>
-              </a:ext>
-            </a:extLst>
-          </p:cNvPr>
-          <p:cNvSpPr>
-            <a:spLocks noGrp="1"/>
-          </p:cNvSpPr>
-          <p:nvPr>
-            <p:ph type="ftr" sz="quarter" idx="11"/>
-          </p:nvPr>
-        </p:nvSpPr>
-        <p:spPr>
-          <a:xfrm>
-            <a:off x="4038600" y="6356350"/>
-            <a:ext cx="4114800" cy="365125"/>
-          </a:xfrm>
-        </p:spPr>
-        <p:txBody>
-          <a:bodyPr rtlCol="0"/>
-          <a:lstStyle>
-            <a:defPPr>
-              <a:defRPr lang="es-ES"/>
-            </a:defPPr>
-          </a:lstStyle>
-          <a:p>
-            <a:pPr rtl="0"/>
-            <a:r>
-              <a:rPr lang="es-ES"/>
-              <a:t>TÍTULO DE LA PRESENTACIÓN</a:t>
             </a:r>
           </a:p>
         </p:txBody>
@@ -13858,12 +13559,50 @@
           </a:p>
         </p:txBody>
       </p:sp>
+      <p:sp>
+        <p:nvSpPr>
+          <p:cNvPr id="15" name="Marcador de pie de página 4">
+            <a:extLst>
+              <a:ext uri="{FF2B5EF4-FFF2-40B4-BE49-F238E27FC236}">
+                <a16:creationId xmlns:a16="http://schemas.microsoft.com/office/drawing/2014/main" id="{D03417DB-B8B1-A6C2-EC39-D9E06005B059}"/>
+              </a:ext>
+            </a:extLst>
+          </p:cNvPr>
+          <p:cNvSpPr>
+            <a:spLocks noGrp="1"/>
+          </p:cNvSpPr>
+          <p:nvPr>
+            <p:ph type="ftr" sz="quarter" idx="11"/>
+          </p:nvPr>
+        </p:nvSpPr>
+        <p:spPr>
+          <a:xfrm>
+            <a:off x="2463800" y="6356350"/>
+            <a:ext cx="3479800" cy="365125"/>
+          </a:xfrm>
+        </p:spPr>
+        <p:txBody>
+          <a:bodyPr rtlCol="0"/>
+          <a:lstStyle>
+            <a:defPPr>
+              <a:defRPr lang="es-ES"/>
+            </a:defPPr>
+          </a:lstStyle>
+          <a:p>
+            <a:pPr rtl="0"/>
+            <a:r>
+              <a:rPr lang="es-ES" dirty="0"/>
+              <a:t>FORBES HIGHEST PAYING ATHLETES ANALYSIS</a:t>
+            </a:r>
+          </a:p>
+        </p:txBody>
+      </p:sp>
       <p:pic>
         <p:nvPicPr>
-          <p:cNvPr id="5" name="Picture 4" descr="A screen shot of a graph&#10;&#10;Description automatically generated">
-            <a:extLst>
-              <a:ext uri="{FF2B5EF4-FFF2-40B4-BE49-F238E27FC236}">
-                <a16:creationId xmlns:a16="http://schemas.microsoft.com/office/drawing/2014/main" id="{B769AEE4-2F64-6F2C-79B0-EF29FBDD332A}"/>
+          <p:cNvPr id="16" name="Picture 15">
+            <a:extLst>
+              <a:ext uri="{FF2B5EF4-FFF2-40B4-BE49-F238E27FC236}">
+                <a16:creationId xmlns:a16="http://schemas.microsoft.com/office/drawing/2014/main" id="{35D52BD6-9D73-56BA-529D-C3496AA14645}"/>
               </a:ext>
             </a:extLst>
           </p:cNvPr>
@@ -13880,74 +13619,23 @@
         </p:blipFill>
         <p:spPr>
           <a:xfrm>
-            <a:off x="952500" y="0"/>
-            <a:ext cx="10287000" cy="6858000"/>
+            <a:off x="3509962" y="795337"/>
+            <a:ext cx="5172075" cy="5267325"/>
           </a:xfrm>
           <a:prstGeom prst="rect">
             <a:avLst/>
           </a:prstGeom>
+          <a:effectLst>
+            <a:outerShdw blurRad="50800" dist="50800" dir="5400000" algn="ctr" rotWithShape="0">
+              <a:schemeClr val="bg1"/>
+            </a:outerShdw>
+          </a:effectLst>
         </p:spPr>
       </p:pic>
-      <p:sp>
-        <p:nvSpPr>
-          <p:cNvPr id="29" name="TextBox 28">
-            <a:extLst>
-              <a:ext uri="{FF2B5EF4-FFF2-40B4-BE49-F238E27FC236}">
-                <a16:creationId xmlns:a16="http://schemas.microsoft.com/office/drawing/2014/main" id="{993A9882-C951-B912-1FF9-566A5FD5F323}"/>
-              </a:ext>
-            </a:extLst>
-          </p:cNvPr>
-          <p:cNvSpPr txBox="1"/>
-          <p:nvPr/>
-        </p:nvSpPr>
-        <p:spPr>
-          <a:xfrm>
-            <a:off x="8880613" y="5693973"/>
-            <a:ext cx="1169918" cy="271850"/>
-          </a:xfrm>
-          <a:prstGeom prst="rect">
-            <a:avLst/>
-          </a:prstGeom>
-          <a:noFill/>
-        </p:spPr>
-        <p:txBody>
-          <a:bodyPr wrap="square">
-            <a:spAutoFit/>
-          </a:bodyPr>
-          <a:lstStyle/>
-          <a:p>
-            <a:pPr rtl="0"/>
-            <a:r>
-              <a:rPr lang="es-ES" sz="1100" dirty="0">
-                <a:solidFill>
-                  <a:schemeClr val="accent5"/>
-                </a:solidFill>
-              </a:rPr>
-              <a:t>R</a:t>
-            </a:r>
-            <a:r>
-              <a:rPr lang="es-ES" sz="1100" baseline="30000" dirty="0">
-                <a:solidFill>
-                  <a:schemeClr val="accent5"/>
-                </a:solidFill>
-              </a:rPr>
-              <a:t>2</a:t>
-            </a:r>
-            <a:r>
-              <a:rPr lang="es-ES" sz="1100" dirty="0">
-                <a:solidFill>
-                  <a:schemeClr val="accent5"/>
-                </a:solidFill>
-              </a:rPr>
-              <a:t> = 0.52</a:t>
-            </a:r>
-          </a:p>
-        </p:txBody>
-      </p:sp>
     </p:spTree>
     <p:extLst>
       <p:ext uri="{BB962C8B-B14F-4D97-AF65-F5344CB8AC3E}">
-        <p14:creationId xmlns:p14="http://schemas.microsoft.com/office/powerpoint/2010/main" val="1930365717"/>
+        <p14:creationId xmlns:p14="http://schemas.microsoft.com/office/powerpoint/2010/main" val="921118608"/>
       </p:ext>
     </p:extLst>
   </p:cSld>
@@ -13979,21 +13667,21 @@
           <p:cNvPr id="2" name="Título 1">
             <a:extLst>
               <a:ext uri="{FF2B5EF4-FFF2-40B4-BE49-F238E27FC236}">
-                <a16:creationId xmlns:a16="http://schemas.microsoft.com/office/drawing/2014/main" id="{42DD0E59-4C68-4F87-9821-23C69713D980}"/>
-              </a:ext>
-            </a:extLst>
-          </p:cNvPr>
-          <p:cNvSpPr>
-            <a:spLocks noGrp="1"/>
-          </p:cNvSpPr>
-          <p:nvPr>
-            <p:ph type="title"/>
-          </p:nvPr>
-        </p:nvSpPr>
-        <p:spPr>
-          <a:xfrm>
-            <a:off x="1885156" y="892177"/>
-            <a:ext cx="8421688" cy="1325563"/>
+                <a16:creationId xmlns:a16="http://schemas.microsoft.com/office/drawing/2014/main" id="{B1FE5F11-B7B9-4B80-8C6A-A8A7A7190B77}"/>
+              </a:ext>
+            </a:extLst>
+          </p:cNvPr>
+          <p:cNvSpPr>
+            <a:spLocks noGrp="1"/>
+          </p:cNvSpPr>
+          <p:nvPr>
+            <p:ph type="ctrTitle"/>
+          </p:nvPr>
+        </p:nvSpPr>
+        <p:spPr>
+          <a:xfrm>
+            <a:off x="6389390" y="2571234"/>
+            <a:ext cx="5074920" cy="1715531"/>
           </a:xfrm>
         </p:spPr>
         <p:txBody>
@@ -14006,471 +13694,16 @@
           <a:p>
             <a:pPr rtl="0"/>
             <a:r>
-              <a:rPr lang="es-ES" dirty="0" err="1"/>
-              <a:t>Conclusions</a:t>
-            </a:r>
-            <a:endParaRPr lang="es-ES" dirty="0"/>
-          </a:p>
-        </p:txBody>
-      </p:sp>
-      <p:sp>
-        <p:nvSpPr>
-          <p:cNvPr id="56" name="Marcador de fecha 55">
-            <a:extLst>
-              <a:ext uri="{FF2B5EF4-FFF2-40B4-BE49-F238E27FC236}">
-                <a16:creationId xmlns:a16="http://schemas.microsoft.com/office/drawing/2014/main" id="{B289356A-BDA0-4234-84F2-9F2F25D0D7BD}"/>
-              </a:ext>
-            </a:extLst>
-          </p:cNvPr>
-          <p:cNvSpPr>
-            <a:spLocks noGrp="1"/>
-          </p:cNvSpPr>
-          <p:nvPr>
-            <p:ph type="dt" sz="half" idx="10"/>
-          </p:nvPr>
-        </p:nvSpPr>
-        <p:spPr>
-          <a:xfrm>
-            <a:off x="838200" y="6356350"/>
-            <a:ext cx="2743200" cy="365125"/>
-          </a:xfrm>
-        </p:spPr>
-        <p:txBody>
-          <a:bodyPr rtlCol="0"/>
-          <a:lstStyle>
-            <a:defPPr>
-              <a:defRPr lang="es-ES"/>
-            </a:defPPr>
-          </a:lstStyle>
-          <a:p>
-            <a:pPr rtl="0"/>
-            <a:r>
-              <a:rPr lang="es-ES"/>
-              <a:t>20XX</a:t>
-            </a:r>
-          </a:p>
-        </p:txBody>
-      </p:sp>
-      <p:sp>
-        <p:nvSpPr>
-          <p:cNvPr id="57" name="Marcador de pie de página 56">
-            <a:extLst>
-              <a:ext uri="{FF2B5EF4-FFF2-40B4-BE49-F238E27FC236}">
-                <a16:creationId xmlns:a16="http://schemas.microsoft.com/office/drawing/2014/main" id="{3A38BE84-957B-46B9-A315-4B5064DFF1A1}"/>
-              </a:ext>
-            </a:extLst>
-          </p:cNvPr>
-          <p:cNvSpPr>
-            <a:spLocks noGrp="1"/>
-          </p:cNvSpPr>
-          <p:nvPr>
-            <p:ph type="ftr" sz="quarter" idx="11"/>
-          </p:nvPr>
-        </p:nvSpPr>
-        <p:spPr>
-          <a:xfrm>
-            <a:off x="4038600" y="6356350"/>
-            <a:ext cx="4114800" cy="365125"/>
-          </a:xfrm>
-        </p:spPr>
-        <p:txBody>
-          <a:bodyPr rtlCol="0"/>
-          <a:lstStyle>
-            <a:defPPr>
-              <a:defRPr lang="es-ES"/>
-            </a:defPPr>
-          </a:lstStyle>
-          <a:p>
-            <a:pPr rtl="0"/>
-            <a:r>
-              <a:rPr lang="es-ES"/>
-              <a:t>TÍTULO DE LA PRESENTACIÓN</a:t>
-            </a:r>
-          </a:p>
-        </p:txBody>
-      </p:sp>
-      <p:sp>
-        <p:nvSpPr>
-          <p:cNvPr id="58" name="Marcador de número de diapositiva 57">
-            <a:extLst>
-              <a:ext uri="{FF2B5EF4-FFF2-40B4-BE49-F238E27FC236}">
-                <a16:creationId xmlns:a16="http://schemas.microsoft.com/office/drawing/2014/main" id="{E1900601-8B04-4FF3-B06F-6BEFAC6556D3}"/>
-              </a:ext>
-            </a:extLst>
-          </p:cNvPr>
-          <p:cNvSpPr>
-            <a:spLocks noGrp="1"/>
-          </p:cNvSpPr>
-          <p:nvPr>
-            <p:ph type="sldNum" sz="quarter" idx="12"/>
-          </p:nvPr>
-        </p:nvSpPr>
-        <p:spPr>
-          <a:xfrm>
-            <a:off x="8610600" y="6356350"/>
-            <a:ext cx="2743200" cy="365125"/>
-          </a:xfrm>
-        </p:spPr>
-        <p:txBody>
-          <a:bodyPr rtlCol="0"/>
-          <a:lstStyle>
-            <a:defPPr>
-              <a:defRPr lang="es-ES"/>
-            </a:defPPr>
-          </a:lstStyle>
-          <a:p>
-            <a:pPr rtl="0"/>
-            <a:fld id="{A49DFD55-3C28-40EF-9E31-A92D2E4017FF}" type="slidenum">
-              <a:rPr lang="es-ES" smtClean="0"/>
-              <a:pPr rtl="0"/>
-              <a:t>12</a:t>
-            </a:fld>
-            <a:endParaRPr lang="es-ES" dirty="0"/>
-          </a:p>
-        </p:txBody>
-      </p:sp>
-      <p:sp>
-        <p:nvSpPr>
-          <p:cNvPr id="326" name="Marcador de texto 2">
-            <a:extLst>
-              <a:ext uri="{FF2B5EF4-FFF2-40B4-BE49-F238E27FC236}">
-                <a16:creationId xmlns:a16="http://schemas.microsoft.com/office/drawing/2014/main" id="{7B160DB7-BDF4-9939-C740-26EBBB3E0189}"/>
-              </a:ext>
-            </a:extLst>
-          </p:cNvPr>
-          <p:cNvSpPr>
-            <a:spLocks noGrp="1"/>
-          </p:cNvSpPr>
-          <p:nvPr>
-            <p:ph type="body" idx="1"/>
-          </p:nvPr>
-        </p:nvSpPr>
-        <p:spPr>
-          <a:xfrm>
-            <a:off x="1362074" y="2452812"/>
-            <a:ext cx="9605756" cy="2912564"/>
-          </a:xfrm>
-        </p:spPr>
-        <p:txBody>
-          <a:bodyPr rtlCol="0">
-            <a:normAutofit/>
-          </a:bodyPr>
-          <a:lstStyle>
-            <a:defPPr>
-              <a:defRPr lang="es-ES"/>
-            </a:defPPr>
-          </a:lstStyle>
-          <a:p>
-            <a:pPr rtl="0"/>
-            <a:r>
-              <a:rPr lang="es-ES" sz="1400" dirty="0" err="1"/>
-              <a:t>There</a:t>
-            </a:r>
-            <a:r>
-              <a:rPr lang="es-ES" sz="1400" dirty="0"/>
-              <a:t> </a:t>
-            </a:r>
-            <a:r>
-              <a:rPr lang="es-ES" sz="1400" dirty="0" err="1"/>
-              <a:t>is</a:t>
-            </a:r>
-            <a:r>
-              <a:rPr lang="es-ES" sz="1400" dirty="0"/>
-              <a:t> a positive </a:t>
-            </a:r>
-            <a:r>
-              <a:rPr lang="es-ES" sz="1400" dirty="0" err="1"/>
-              <a:t>correlation</a:t>
-            </a:r>
-            <a:r>
-              <a:rPr lang="es-ES" sz="1400" dirty="0"/>
-              <a:t> </a:t>
-            </a:r>
-            <a:r>
-              <a:rPr lang="es-ES" sz="1400" dirty="0" err="1"/>
-              <a:t>between</a:t>
-            </a:r>
-            <a:r>
-              <a:rPr lang="es-ES" sz="1400" dirty="0"/>
-              <a:t> </a:t>
-            </a:r>
-            <a:r>
-              <a:rPr lang="es-ES" sz="1400" dirty="0" err="1"/>
-              <a:t>year</a:t>
-            </a:r>
-            <a:r>
-              <a:rPr lang="es-ES" sz="1400" dirty="0"/>
-              <a:t> and </a:t>
-            </a:r>
-            <a:r>
-              <a:rPr lang="es-ES" sz="1400" dirty="0" err="1"/>
-              <a:t>adjusted</a:t>
-            </a:r>
-            <a:r>
-              <a:rPr lang="es-ES" sz="1400" dirty="0"/>
-              <a:t> </a:t>
-            </a:r>
-            <a:r>
-              <a:rPr lang="es-ES" sz="1400" dirty="0" err="1"/>
-              <a:t>earnings</a:t>
-            </a:r>
-            <a:r>
-              <a:rPr lang="es-ES" sz="1400" dirty="0"/>
-              <a:t>, </a:t>
-            </a:r>
-            <a:r>
-              <a:rPr lang="es-ES" sz="1400" dirty="0" err="1"/>
-              <a:t>however</a:t>
-            </a:r>
-            <a:r>
-              <a:rPr lang="es-ES" sz="1400" dirty="0"/>
-              <a:t> </a:t>
-            </a:r>
-            <a:r>
-              <a:rPr lang="es-ES" sz="1400" dirty="0" err="1"/>
-              <a:t>only</a:t>
-            </a:r>
-            <a:r>
-              <a:rPr lang="es-ES" sz="1400" dirty="0"/>
-              <a:t> 31% </a:t>
-            </a:r>
-            <a:r>
-              <a:rPr lang="es-ES" sz="1400" dirty="0" err="1"/>
-              <a:t>of</a:t>
-            </a:r>
-            <a:r>
-              <a:rPr lang="es-ES" sz="1400" dirty="0"/>
-              <a:t> </a:t>
-            </a:r>
-            <a:r>
-              <a:rPr lang="es-ES" sz="1400" dirty="0" err="1"/>
-              <a:t>the</a:t>
-            </a:r>
-            <a:r>
-              <a:rPr lang="es-ES" sz="1400" dirty="0"/>
-              <a:t> </a:t>
-            </a:r>
-            <a:r>
-              <a:rPr lang="es-ES" sz="1400" dirty="0" err="1"/>
-              <a:t>variability</a:t>
-            </a:r>
-            <a:r>
-              <a:rPr lang="es-ES" sz="1400" dirty="0"/>
-              <a:t> </a:t>
-            </a:r>
-            <a:r>
-              <a:rPr lang="es-ES" sz="1400" dirty="0" err="1"/>
-              <a:t>is</a:t>
-            </a:r>
-            <a:r>
-              <a:rPr lang="es-ES" sz="1400" dirty="0"/>
-              <a:t> </a:t>
-            </a:r>
-            <a:r>
-              <a:rPr lang="es-ES" sz="1400" dirty="0" err="1"/>
-              <a:t>explained</a:t>
-            </a:r>
-            <a:r>
-              <a:rPr lang="es-ES" sz="1400" dirty="0"/>
-              <a:t> </a:t>
-            </a:r>
-            <a:r>
-              <a:rPr lang="es-ES" sz="1400" dirty="0" err="1"/>
-              <a:t>by</a:t>
-            </a:r>
-            <a:r>
-              <a:rPr lang="es-ES" sz="1400" dirty="0"/>
-              <a:t> </a:t>
-            </a:r>
-            <a:r>
-              <a:rPr lang="es-ES" sz="1400" dirty="0" err="1"/>
-              <a:t>the</a:t>
-            </a:r>
-            <a:r>
-              <a:rPr lang="es-ES" sz="1400" dirty="0"/>
-              <a:t> linear </a:t>
-            </a:r>
-            <a:r>
-              <a:rPr lang="es-ES" sz="1400" dirty="0" err="1"/>
-              <a:t>correlation</a:t>
-            </a:r>
-            <a:r>
-              <a:rPr lang="es-ES" sz="1400" dirty="0"/>
-              <a:t> </a:t>
-            </a:r>
-            <a:r>
-              <a:rPr lang="es-ES" sz="1400" dirty="0" err="1"/>
-              <a:t>model</a:t>
-            </a:r>
-            <a:r>
-              <a:rPr lang="es-ES" sz="1400" dirty="0"/>
-              <a:t>.</a:t>
-            </a:r>
-          </a:p>
-          <a:p>
-            <a:pPr rtl="0"/>
-            <a:endParaRPr lang="es-ES" sz="1400" dirty="0"/>
-          </a:p>
-          <a:p>
-            <a:pPr rtl="0"/>
-            <a:r>
-              <a:rPr lang="es-ES" sz="1400" dirty="0" err="1"/>
-              <a:t>If</a:t>
-            </a:r>
-            <a:r>
-              <a:rPr lang="es-ES" sz="1400" dirty="0"/>
-              <a:t> </a:t>
-            </a:r>
-            <a:r>
-              <a:rPr lang="es-ES" sz="1400" dirty="0" err="1"/>
-              <a:t>we</a:t>
-            </a:r>
-            <a:r>
-              <a:rPr lang="es-ES" sz="1400" dirty="0"/>
-              <a:t> </a:t>
-            </a:r>
-            <a:r>
-              <a:rPr lang="es-ES" sz="1400" dirty="0" err="1"/>
-              <a:t>remove</a:t>
-            </a:r>
-            <a:r>
-              <a:rPr lang="es-ES" sz="1400" dirty="0"/>
-              <a:t> </a:t>
-            </a:r>
-            <a:r>
-              <a:rPr lang="es-ES" sz="1400" dirty="0" err="1"/>
-              <a:t>the</a:t>
-            </a:r>
-            <a:r>
-              <a:rPr lang="es-ES" sz="1400" dirty="0"/>
-              <a:t> top </a:t>
-            </a:r>
-            <a:r>
-              <a:rPr lang="es-ES" sz="1400" dirty="0" err="1"/>
-              <a:t>earner</a:t>
-            </a:r>
-            <a:r>
-              <a:rPr lang="es-ES" sz="1400" dirty="0"/>
-              <a:t> </a:t>
-            </a:r>
-            <a:r>
-              <a:rPr lang="es-ES" sz="1400" dirty="0" err="1"/>
-              <a:t>every</a:t>
-            </a:r>
-            <a:r>
-              <a:rPr lang="es-ES" sz="1400" dirty="0"/>
-              <a:t> </a:t>
-            </a:r>
-            <a:r>
-              <a:rPr lang="es-ES" sz="1400" dirty="0" err="1"/>
-              <a:t>year</a:t>
-            </a:r>
-            <a:r>
-              <a:rPr lang="es-ES" sz="1400" dirty="0"/>
-              <a:t>, </a:t>
-            </a:r>
-            <a:r>
-              <a:rPr lang="es-ES" sz="1400" dirty="0" err="1"/>
-              <a:t>the</a:t>
-            </a:r>
-            <a:r>
-              <a:rPr lang="es-ES" sz="1400" dirty="0"/>
-              <a:t> linear </a:t>
-            </a:r>
-            <a:r>
-              <a:rPr lang="es-ES" sz="1400" dirty="0" err="1"/>
-              <a:t>regression</a:t>
-            </a:r>
-            <a:r>
-              <a:rPr lang="es-ES" sz="1400" dirty="0"/>
-              <a:t> </a:t>
-            </a:r>
-            <a:r>
-              <a:rPr lang="es-ES" sz="1400" dirty="0" err="1"/>
-              <a:t>explains</a:t>
-            </a:r>
-            <a:r>
-              <a:rPr lang="es-ES" sz="1400" dirty="0"/>
-              <a:t> 52% </a:t>
-            </a:r>
-            <a:r>
-              <a:rPr lang="es-ES" sz="1400" dirty="0" err="1"/>
-              <a:t>of</a:t>
-            </a:r>
-            <a:r>
-              <a:rPr lang="es-ES" sz="1400" dirty="0"/>
-              <a:t> </a:t>
-            </a:r>
-            <a:r>
-              <a:rPr lang="es-ES" sz="1400" dirty="0" err="1"/>
-              <a:t>the</a:t>
-            </a:r>
-            <a:r>
-              <a:rPr lang="es-ES" sz="1400" dirty="0"/>
-              <a:t> </a:t>
-            </a:r>
-            <a:r>
-              <a:rPr lang="es-ES" sz="1400" dirty="0" err="1"/>
-              <a:t>variability</a:t>
-            </a:r>
-            <a:r>
-              <a:rPr lang="es-ES" sz="1400" dirty="0"/>
-              <a:t>.</a:t>
-            </a:r>
-          </a:p>
-          <a:p>
-            <a:pPr rtl="0"/>
-            <a:endParaRPr lang="es-ES" sz="1400" dirty="0"/>
-          </a:p>
-          <a:p>
-            <a:pPr rtl="0"/>
-            <a:r>
-              <a:rPr lang="es-ES" sz="1400" dirty="0"/>
-              <a:t>Top </a:t>
-            </a:r>
-            <a:r>
-              <a:rPr lang="es-ES" sz="1400" dirty="0" err="1"/>
-              <a:t>earners</a:t>
-            </a:r>
-            <a:r>
-              <a:rPr lang="es-ES" sz="1400" dirty="0"/>
-              <a:t> </a:t>
-            </a:r>
-            <a:r>
-              <a:rPr lang="es-ES" sz="1400" dirty="0" err="1"/>
-              <a:t>positively</a:t>
-            </a:r>
-            <a:r>
-              <a:rPr lang="es-ES" sz="1400" dirty="0"/>
-              <a:t> </a:t>
-            </a:r>
-            <a:r>
-              <a:rPr lang="es-ES" sz="1400" dirty="0" err="1"/>
-              <a:t>skew</a:t>
-            </a:r>
-            <a:r>
-              <a:rPr lang="es-ES" sz="1400" dirty="0"/>
-              <a:t> </a:t>
-            </a:r>
-            <a:r>
-              <a:rPr lang="es-ES" sz="1400" dirty="0" err="1"/>
-              <a:t>the</a:t>
-            </a:r>
-            <a:r>
-              <a:rPr lang="es-ES" sz="1400" dirty="0"/>
-              <a:t> data</a:t>
-            </a:r>
-          </a:p>
-          <a:p>
-            <a:pPr rtl="0"/>
-            <a:endParaRPr lang="es-ES" sz="1400" dirty="0"/>
+              <a:rPr lang="en-US" sz="2800" dirty="0"/>
+              <a:t>Have top athlete earnings increased in real value over the past 30 years?</a:t>
+            </a:r>
           </a:p>
         </p:txBody>
       </p:sp>
     </p:spTree>
     <p:extLst>
       <p:ext uri="{BB962C8B-B14F-4D97-AF65-F5344CB8AC3E}">
-        <p14:creationId xmlns:p14="http://schemas.microsoft.com/office/powerpoint/2010/main" val="707615222"/>
+        <p14:creationId xmlns:p14="http://schemas.microsoft.com/office/powerpoint/2010/main" val="2150291328"/>
       </p:ext>
     </p:extLst>
   </p:cSld>
@@ -14638,82 +13871,6 @@
       </p:sp>
       <p:sp>
         <p:nvSpPr>
-          <p:cNvPr id="7" name="Marcador de fecha 6">
-            <a:extLst>
-              <a:ext uri="{FF2B5EF4-FFF2-40B4-BE49-F238E27FC236}">
-                <a16:creationId xmlns:a16="http://schemas.microsoft.com/office/drawing/2014/main" id="{B2A46C4A-D036-4440-BB64-6754F4FF27C1}"/>
-              </a:ext>
-            </a:extLst>
-          </p:cNvPr>
-          <p:cNvSpPr>
-            <a:spLocks noGrp="1"/>
-          </p:cNvSpPr>
-          <p:nvPr>
-            <p:ph type="dt" sz="half" idx="10"/>
-          </p:nvPr>
-        </p:nvSpPr>
-        <p:spPr>
-          <a:xfrm>
-            <a:off x="838200" y="6356350"/>
-            <a:ext cx="2743200" cy="365125"/>
-          </a:xfrm>
-        </p:spPr>
-        <p:txBody>
-          <a:bodyPr rtlCol="0"/>
-          <a:lstStyle>
-            <a:defPPr>
-              <a:defRPr lang="es-ES"/>
-            </a:defPPr>
-          </a:lstStyle>
-          <a:p>
-            <a:pPr rtl="0"/>
-            <a:r>
-              <a:rPr lang="es-ES"/>
-              <a:t>20XX</a:t>
-            </a:r>
-          </a:p>
-        </p:txBody>
-      </p:sp>
-      <p:sp>
-        <p:nvSpPr>
-          <p:cNvPr id="8" name="Marcador de pie de página 7">
-            <a:extLst>
-              <a:ext uri="{FF2B5EF4-FFF2-40B4-BE49-F238E27FC236}">
-                <a16:creationId xmlns:a16="http://schemas.microsoft.com/office/drawing/2014/main" id="{905F172A-5D5D-43CD-A187-DA0D303F4144}"/>
-              </a:ext>
-            </a:extLst>
-          </p:cNvPr>
-          <p:cNvSpPr>
-            <a:spLocks noGrp="1"/>
-          </p:cNvSpPr>
-          <p:nvPr>
-            <p:ph type="ftr" sz="quarter" idx="11"/>
-          </p:nvPr>
-        </p:nvSpPr>
-        <p:spPr>
-          <a:xfrm>
-            <a:off x="4038600" y="6356350"/>
-            <a:ext cx="4114800" cy="365125"/>
-          </a:xfrm>
-        </p:spPr>
-        <p:txBody>
-          <a:bodyPr rtlCol="0"/>
-          <a:lstStyle>
-            <a:defPPr>
-              <a:defRPr lang="es-ES"/>
-            </a:defPPr>
-          </a:lstStyle>
-          <a:p>
-            <a:pPr rtl="0"/>
-            <a:r>
-              <a:rPr lang="es-ES"/>
-              <a:t>TÍTULO DE LA PRESENTACIÓN</a:t>
-            </a:r>
-          </a:p>
-        </p:txBody>
-      </p:sp>
-      <p:sp>
-        <p:nvSpPr>
           <p:cNvPr id="9" name="Marcador de número de diapositiva 8">
             <a:extLst>
               <a:ext uri="{FF2B5EF4-FFF2-40B4-BE49-F238E27FC236}">
@@ -14754,10 +13911,10 @@
       </p:sp>
       <p:pic>
         <p:nvPicPr>
-          <p:cNvPr id="13" name="Picture 12" descr="A screen shot of a graph&#10;&#10;Description automatically generated">
-            <a:extLst>
-              <a:ext uri="{FF2B5EF4-FFF2-40B4-BE49-F238E27FC236}">
-                <a16:creationId xmlns:a16="http://schemas.microsoft.com/office/drawing/2014/main" id="{E60AB1D9-9C5A-747D-509D-E89744A34532}"/>
+          <p:cNvPr id="26" name="Picture 25" descr="A screen shot of a graph&#10;&#10;Description automatically generated">
+            <a:extLst>
+              <a:ext uri="{FF2B5EF4-FFF2-40B4-BE49-F238E27FC236}">
+                <a16:creationId xmlns:a16="http://schemas.microsoft.com/office/drawing/2014/main" id="{BC0C17C4-F1EB-C0F9-F242-781C31EB0F37}"/>
               </a:ext>
             </a:extLst>
           </p:cNvPr>
@@ -14775,7 +13932,7 @@
         <p:spPr>
           <a:xfrm>
             <a:off x="952500" y="0"/>
-            <a:ext cx="10287000" cy="6858000"/>
+            <a:ext cx="10287000" cy="6356350"/>
           </a:xfrm>
           <a:prstGeom prst="rect">
             <a:avLst/>
@@ -14784,10 +13941,10 @@
       </p:pic>
       <p:sp>
         <p:nvSpPr>
-          <p:cNvPr id="14" name="TextBox 13">
-            <a:extLst>
-              <a:ext uri="{FF2B5EF4-FFF2-40B4-BE49-F238E27FC236}">
-                <a16:creationId xmlns:a16="http://schemas.microsoft.com/office/drawing/2014/main" id="{2BF54F40-9828-0201-78C6-602BD7F2FBF0}"/>
+          <p:cNvPr id="29" name="TextBox 28">
+            <a:extLst>
+              <a:ext uri="{FF2B5EF4-FFF2-40B4-BE49-F238E27FC236}">
+                <a16:creationId xmlns:a16="http://schemas.microsoft.com/office/drawing/2014/main" id="{993A9882-C951-B912-1FF9-566A5FD5F323}"/>
               </a:ext>
             </a:extLst>
           </p:cNvPr>
@@ -14796,7 +13953,7 @@
         </p:nvSpPr>
         <p:spPr>
           <a:xfrm>
-            <a:off x="8880613" y="5803303"/>
+            <a:off x="8880613" y="5693973"/>
             <a:ext cx="1169918" cy="271850"/>
           </a:xfrm>
           <a:prstGeom prst="rect">
@@ -14833,7 +13990,45 @@
                   <a:schemeClr val="accent5"/>
                 </a:solidFill>
               </a:rPr>
-              <a:t> = 0.25</a:t>
+              <a:t> = 0.31</a:t>
+            </a:r>
+          </a:p>
+        </p:txBody>
+      </p:sp>
+      <p:sp>
+        <p:nvSpPr>
+          <p:cNvPr id="3" name="Marcador de pie de página 4">
+            <a:extLst>
+              <a:ext uri="{FF2B5EF4-FFF2-40B4-BE49-F238E27FC236}">
+                <a16:creationId xmlns:a16="http://schemas.microsoft.com/office/drawing/2014/main" id="{FB46CFE9-5C97-933E-ADB4-7BF400637106}"/>
+              </a:ext>
+            </a:extLst>
+          </p:cNvPr>
+          <p:cNvSpPr>
+            <a:spLocks noGrp="1"/>
+          </p:cNvSpPr>
+          <p:nvPr>
+            <p:ph type="ftr" sz="quarter" idx="11"/>
+          </p:nvPr>
+        </p:nvSpPr>
+        <p:spPr>
+          <a:xfrm>
+            <a:off x="4356100" y="6490814"/>
+            <a:ext cx="3479800" cy="365125"/>
+          </a:xfrm>
+        </p:spPr>
+        <p:txBody>
+          <a:bodyPr rtlCol="0"/>
+          <a:lstStyle>
+            <a:defPPr>
+              <a:defRPr lang="es-ES"/>
+            </a:defPPr>
+          </a:lstStyle>
+          <a:p>
+            <a:pPr rtl="0"/>
+            <a:r>
+              <a:rPr lang="es-ES" dirty="0"/>
+              <a:t>FORBES HIGHEST PAYING ATHLETES ANALYSIS</a:t>
             </a:r>
           </a:p>
         </p:txBody>
@@ -14841,7 +14036,7 @@
     </p:spTree>
     <p:extLst>
       <p:ext uri="{BB962C8B-B14F-4D97-AF65-F5344CB8AC3E}">
-        <p14:creationId xmlns:p14="http://schemas.microsoft.com/office/powerpoint/2010/main" val="1417206755"/>
+        <p14:creationId xmlns:p14="http://schemas.microsoft.com/office/powerpoint/2010/main" val="2179284411"/>
       </p:ext>
     </p:extLst>
   </p:cSld>
@@ -14873,7 +14068,7 @@
           <p:cNvPr id="2" name="Título 1">
             <a:extLst>
               <a:ext uri="{FF2B5EF4-FFF2-40B4-BE49-F238E27FC236}">
-                <a16:creationId xmlns:a16="http://schemas.microsoft.com/office/drawing/2014/main" id="{42DD0E59-4C68-4F87-9821-23C69713D980}"/>
+                <a16:creationId xmlns:a16="http://schemas.microsoft.com/office/drawing/2014/main" id="{09140014-73D5-419B-8867-972BB18D52D4}"/>
               </a:ext>
             </a:extLst>
           </p:cNvPr>
@@ -14886,7 +14081,7 @@
         </p:nvSpPr>
         <p:spPr>
           <a:xfrm>
-            <a:off x="1885156" y="892177"/>
+            <a:off x="2933700" y="892177"/>
             <a:ext cx="8421688" cy="1325563"/>
           </a:xfrm>
         </p:spPr>
@@ -14900,37 +14095,38 @@
           <a:p>
             <a:pPr rtl="0"/>
             <a:r>
-              <a:rPr lang="es-ES" dirty="0" err="1"/>
-              <a:t>Conclusions</a:t>
-            </a:r>
-            <a:endParaRPr lang="es-ES" dirty="0"/>
-          </a:p>
-        </p:txBody>
-      </p:sp>
-      <p:sp>
-        <p:nvSpPr>
-          <p:cNvPr id="56" name="Marcador de fecha 55">
-            <a:extLst>
-              <a:ext uri="{FF2B5EF4-FFF2-40B4-BE49-F238E27FC236}">
-                <a16:creationId xmlns:a16="http://schemas.microsoft.com/office/drawing/2014/main" id="{B289356A-BDA0-4234-84F2-9F2F25D0D7BD}"/>
-              </a:ext>
-            </a:extLst>
-          </p:cNvPr>
-          <p:cNvSpPr>
-            <a:spLocks noGrp="1"/>
-          </p:cNvSpPr>
-          <p:nvPr>
-            <p:ph type="dt" sz="half" idx="10"/>
-          </p:nvPr>
-        </p:nvSpPr>
-        <p:spPr>
-          <a:xfrm>
-            <a:off x="838200" y="6356350"/>
-            <a:ext cx="2743200" cy="365125"/>
-          </a:xfrm>
-        </p:spPr>
-        <p:txBody>
-          <a:bodyPr rtlCol="0"/>
+              <a:rPr lang="es-ES" dirty="0"/>
+              <a:t>ÁREAS DE ENFOQUE</a:t>
+            </a:r>
+          </a:p>
+        </p:txBody>
+      </p:sp>
+      <p:sp>
+        <p:nvSpPr>
+          <p:cNvPr id="4" name="Marcador de contenido 3">
+            <a:extLst>
+              <a:ext uri="{FF2B5EF4-FFF2-40B4-BE49-F238E27FC236}">
+                <a16:creationId xmlns:a16="http://schemas.microsoft.com/office/drawing/2014/main" id="{33D8731E-4977-402E-8BFD-895B4D0544CC}"/>
+              </a:ext>
+            </a:extLst>
+          </p:cNvPr>
+          <p:cNvSpPr>
+            <a:spLocks noGrp="1"/>
+          </p:cNvSpPr>
+          <p:nvPr>
+            <p:ph sz="half" idx="2"/>
+          </p:nvPr>
+        </p:nvSpPr>
+        <p:spPr>
+          <a:xfrm>
+            <a:off x="2933700" y="3834606"/>
+            <a:ext cx="3924300" cy="1997867"/>
+          </a:xfrm>
+        </p:spPr>
+        <p:txBody>
+          <a:bodyPr rtlCol="0">
+            <a:normAutofit/>
+          </a:bodyPr>
           <a:lstStyle>
             <a:defPPr>
               <a:defRPr lang="es-ES"/>
@@ -14939,36 +14135,52 @@
           <a:p>
             <a:pPr rtl="0"/>
             <a:r>
-              <a:rPr lang="es-ES"/>
-              <a:t>20XX</a:t>
-            </a:r>
-          </a:p>
-        </p:txBody>
-      </p:sp>
-      <p:sp>
-        <p:nvSpPr>
-          <p:cNvPr id="57" name="Marcador de pie de página 56">
-            <a:extLst>
-              <a:ext uri="{FF2B5EF4-FFF2-40B4-BE49-F238E27FC236}">
-                <a16:creationId xmlns:a16="http://schemas.microsoft.com/office/drawing/2014/main" id="{3A38BE84-957B-46B9-A315-4B5064DFF1A1}"/>
-              </a:ext>
-            </a:extLst>
-          </p:cNvPr>
-          <p:cNvSpPr>
-            <a:spLocks noGrp="1"/>
-          </p:cNvSpPr>
-          <p:nvPr>
-            <p:ph type="ftr" sz="quarter" idx="11"/>
-          </p:nvPr>
-        </p:nvSpPr>
-        <p:spPr>
-          <a:xfrm>
-            <a:off x="4038600" y="6356350"/>
-            <a:ext cx="4114800" cy="365125"/>
-          </a:xfrm>
-        </p:spPr>
-        <p:txBody>
-          <a:bodyPr rtlCol="0"/>
+              <a:rPr lang="es-ES" dirty="0"/>
+              <a:t>Desarrollar estrategias ganadoras para seguir a la vanguardia de la competencia</a:t>
+            </a:r>
+          </a:p>
+          <a:p>
+            <a:pPr rtl="0"/>
+            <a:r>
+              <a:rPr lang="es-ES" dirty="0"/>
+              <a:t>​Aprovechar los frutos obtenidos para identificar un valor en el terreno de juego</a:t>
+            </a:r>
+          </a:p>
+          <a:p>
+            <a:pPr rtl="0"/>
+            <a:r>
+              <a:rPr lang="es-ES" dirty="0"/>
+              <a:t>​Visualizar la convergencia dirigida al cliente</a:t>
+            </a:r>
+          </a:p>
+        </p:txBody>
+      </p:sp>
+      <p:sp>
+        <p:nvSpPr>
+          <p:cNvPr id="6" name="Marcador de contenido 5">
+            <a:extLst>
+              <a:ext uri="{FF2B5EF4-FFF2-40B4-BE49-F238E27FC236}">
+                <a16:creationId xmlns:a16="http://schemas.microsoft.com/office/drawing/2014/main" id="{50B65871-FA95-449A-B8BC-90486DE532EF}"/>
+              </a:ext>
+            </a:extLst>
+          </p:cNvPr>
+          <p:cNvSpPr>
+            <a:spLocks noGrp="1"/>
+          </p:cNvSpPr>
+          <p:nvPr>
+            <p:ph sz="quarter" idx="4"/>
+          </p:nvPr>
+        </p:nvSpPr>
+        <p:spPr>
+          <a:xfrm>
+            <a:off x="7410173" y="3834606"/>
+            <a:ext cx="3943627" cy="1997867"/>
+          </a:xfrm>
+        </p:spPr>
+        <p:txBody>
+          <a:bodyPr rtlCol="0">
+            <a:normAutofit/>
+          </a:bodyPr>
           <a:lstStyle>
             <a:defPPr>
               <a:defRPr lang="es-ES"/>
@@ -14977,7 +14189,90 @@
           <a:p>
             <a:pPr rtl="0"/>
             <a:r>
-              <a:rPr lang="es-ES"/>
+              <a:rPr lang="es-ES" dirty="0"/>
+              <a:t>Enfoques iterativos para una estrategia corporativa</a:t>
+            </a:r>
+          </a:p>
+          <a:p>
+            <a:pPr rtl="0"/>
+            <a:r>
+              <a:rPr lang="es-ES" dirty="0"/>
+              <a:t>​Establecer un marco de administración desde dentro</a:t>
+            </a:r>
+          </a:p>
+        </p:txBody>
+      </p:sp>
+      <p:sp>
+        <p:nvSpPr>
+          <p:cNvPr id="7" name="Marcador de fecha 6">
+            <a:extLst>
+              <a:ext uri="{FF2B5EF4-FFF2-40B4-BE49-F238E27FC236}">
+                <a16:creationId xmlns:a16="http://schemas.microsoft.com/office/drawing/2014/main" id="{B2A46C4A-D036-4440-BB64-6754F4FF27C1}"/>
+              </a:ext>
+            </a:extLst>
+          </p:cNvPr>
+          <p:cNvSpPr>
+            <a:spLocks noGrp="1"/>
+          </p:cNvSpPr>
+          <p:nvPr>
+            <p:ph type="dt" sz="half" idx="10"/>
+          </p:nvPr>
+        </p:nvSpPr>
+        <p:spPr>
+          <a:xfrm>
+            <a:off x="838200" y="6356350"/>
+            <a:ext cx="2743200" cy="365125"/>
+          </a:xfrm>
+        </p:spPr>
+        <p:txBody>
+          <a:bodyPr rtlCol="0"/>
+          <a:lstStyle>
+            <a:defPPr>
+              <a:defRPr lang="es-ES"/>
+            </a:defPPr>
+          </a:lstStyle>
+          <a:p>
+            <a:pPr rtl="0"/>
+            <a:r>
+              <a:rPr lang="es-ES" dirty="0"/>
+              <a:t>20XX</a:t>
+            </a:r>
+          </a:p>
+        </p:txBody>
+      </p:sp>
+      <p:sp>
+        <p:nvSpPr>
+          <p:cNvPr id="8" name="Marcador de pie de página 7">
+            <a:extLst>
+              <a:ext uri="{FF2B5EF4-FFF2-40B4-BE49-F238E27FC236}">
+                <a16:creationId xmlns:a16="http://schemas.microsoft.com/office/drawing/2014/main" id="{905F172A-5D5D-43CD-A187-DA0D303F4144}"/>
+              </a:ext>
+            </a:extLst>
+          </p:cNvPr>
+          <p:cNvSpPr>
+            <a:spLocks noGrp="1"/>
+          </p:cNvSpPr>
+          <p:nvPr>
+            <p:ph type="ftr" sz="quarter" idx="11"/>
+          </p:nvPr>
+        </p:nvSpPr>
+        <p:spPr>
+          <a:xfrm>
+            <a:off x="4038600" y="6356350"/>
+            <a:ext cx="4114800" cy="365125"/>
+          </a:xfrm>
+        </p:spPr>
+        <p:txBody>
+          <a:bodyPr rtlCol="0"/>
+          <a:lstStyle>
+            <a:defPPr>
+              <a:defRPr lang="es-ES"/>
+            </a:defPPr>
+          </a:lstStyle>
+          <a:p>
+            <a:pPr rtl="0"/>
+            <a:r>
+              <a:rPr lang="es-ES" dirty="0"/>
               <a:t>TÍTULO DE LA PRESENTACIÓN</a:t>
             </a:r>
           </a:p>
@@ -14985,10 +14280,10 @@
       </p:sp>
       <p:sp>
         <p:nvSpPr>
-          <p:cNvPr id="58" name="Marcador de número de diapositiva 57">
-            <a:extLst>
-              <a:ext uri="{FF2B5EF4-FFF2-40B4-BE49-F238E27FC236}">
-                <a16:creationId xmlns:a16="http://schemas.microsoft.com/office/drawing/2014/main" id="{E1900601-8B04-4FF3-B06F-6BEFAC6556D3}"/>
+          <p:cNvPr id="9" name="Marcador de número de diapositiva 8">
+            <a:extLst>
+              <a:ext uri="{FF2B5EF4-FFF2-40B4-BE49-F238E27FC236}">
+                <a16:creationId xmlns:a16="http://schemas.microsoft.com/office/drawing/2014/main" id="{C396FFDC-ADE8-4009-A466-A81787258E88}"/>
               </a:ext>
             </a:extLst>
           </p:cNvPr>
@@ -15023,54 +14318,96 @@
           </a:p>
         </p:txBody>
       </p:sp>
-      <p:sp>
-        <p:nvSpPr>
-          <p:cNvPr id="326" name="Marcador de texto 2">
-            <a:extLst>
-              <a:ext uri="{FF2B5EF4-FFF2-40B4-BE49-F238E27FC236}">
-                <a16:creationId xmlns:a16="http://schemas.microsoft.com/office/drawing/2014/main" id="{7B160DB7-BDF4-9939-C740-26EBBB3E0189}"/>
-              </a:ext>
-            </a:extLst>
-          </p:cNvPr>
-          <p:cNvSpPr>
-            <a:spLocks noGrp="1"/>
-          </p:cNvSpPr>
-          <p:nvPr>
-            <p:ph type="body" idx="1"/>
-          </p:nvPr>
-        </p:nvSpPr>
-        <p:spPr>
-          <a:xfrm>
-            <a:off x="1362074" y="2452812"/>
-            <a:ext cx="9605756" cy="2912564"/>
-          </a:xfrm>
-        </p:spPr>
-        <p:txBody>
-          <a:bodyPr rtlCol="0">
-            <a:normAutofit/>
+      <p:pic>
+        <p:nvPicPr>
+          <p:cNvPr id="5" name="Picture 4" descr="A screen shot of a graph&#10;&#10;Description automatically generated">
+            <a:extLst>
+              <a:ext uri="{FF2B5EF4-FFF2-40B4-BE49-F238E27FC236}">
+                <a16:creationId xmlns:a16="http://schemas.microsoft.com/office/drawing/2014/main" id="{B769AEE4-2F64-6F2C-79B0-EF29FBDD332A}"/>
+              </a:ext>
+            </a:extLst>
+          </p:cNvPr>
+          <p:cNvPicPr>
+            <a:picLocks noChangeAspect="1"/>
+          </p:cNvPicPr>
+          <p:nvPr/>
+        </p:nvPicPr>
+        <p:blipFill>
+          <a:blip r:embed="rId3"/>
+          <a:stretch>
+            <a:fillRect/>
+          </a:stretch>
+        </p:blipFill>
+        <p:spPr>
+          <a:xfrm>
+            <a:off x="952500" y="0"/>
+            <a:ext cx="10287000" cy="6858000"/>
+          </a:xfrm>
+          <a:prstGeom prst="rect">
+            <a:avLst/>
+          </a:prstGeom>
+        </p:spPr>
+      </p:pic>
+      <p:sp>
+        <p:nvSpPr>
+          <p:cNvPr id="29" name="TextBox 28">
+            <a:extLst>
+              <a:ext uri="{FF2B5EF4-FFF2-40B4-BE49-F238E27FC236}">
+                <a16:creationId xmlns:a16="http://schemas.microsoft.com/office/drawing/2014/main" id="{993A9882-C951-B912-1FF9-566A5FD5F323}"/>
+              </a:ext>
+            </a:extLst>
+          </p:cNvPr>
+          <p:cNvSpPr txBox="1"/>
+          <p:nvPr/>
+        </p:nvSpPr>
+        <p:spPr>
+          <a:xfrm>
+            <a:off x="8880613" y="5693973"/>
+            <a:ext cx="1169918" cy="271850"/>
+          </a:xfrm>
+          <a:prstGeom prst="rect">
+            <a:avLst/>
+          </a:prstGeom>
+          <a:noFill/>
+        </p:spPr>
+        <p:txBody>
+          <a:bodyPr wrap="square">
+            <a:spAutoFit/>
           </a:bodyPr>
-          <a:lstStyle>
-            <a:defPPr>
-              <a:defRPr lang="es-ES"/>
-            </a:defPPr>
-          </a:lstStyle>
-          <a:p>
-            <a:pPr rtl="0"/>
-            <a:r>
-              <a:rPr lang="es-ES" sz="1400" dirty="0"/>
-              <a:t>ADD CONCLUSIONS HERE</a:t>
-            </a:r>
-          </a:p>
-          <a:p>
-            <a:pPr rtl="0"/>
-            <a:endParaRPr lang="es-ES" sz="1400" dirty="0"/>
+          <a:lstStyle/>
+          <a:p>
+            <a:pPr rtl="0"/>
+            <a:r>
+              <a:rPr lang="es-ES" sz="1100" dirty="0">
+                <a:solidFill>
+                  <a:schemeClr val="accent5"/>
+                </a:solidFill>
+              </a:rPr>
+              <a:t>R</a:t>
+            </a:r>
+            <a:r>
+              <a:rPr lang="es-ES" sz="1100" baseline="30000" dirty="0">
+                <a:solidFill>
+                  <a:schemeClr val="accent5"/>
+                </a:solidFill>
+              </a:rPr>
+              <a:t>2</a:t>
+            </a:r>
+            <a:r>
+              <a:rPr lang="es-ES" sz="1100" dirty="0">
+                <a:solidFill>
+                  <a:schemeClr val="accent5"/>
+                </a:solidFill>
+              </a:rPr>
+              <a:t> = 0.52</a:t>
+            </a:r>
           </a:p>
         </p:txBody>
       </p:sp>
     </p:spTree>
     <p:extLst>
       <p:ext uri="{BB962C8B-B14F-4D97-AF65-F5344CB8AC3E}">
-        <p14:creationId xmlns:p14="http://schemas.microsoft.com/office/powerpoint/2010/main" val="1007431861"/>
+        <p14:creationId xmlns:p14="http://schemas.microsoft.com/office/powerpoint/2010/main" val="1930365717"/>
       </p:ext>
     </p:extLst>
   </p:cSld>
@@ -15102,21 +14439,21 @@
           <p:cNvPr id="2" name="Título 1">
             <a:extLst>
               <a:ext uri="{FF2B5EF4-FFF2-40B4-BE49-F238E27FC236}">
-                <a16:creationId xmlns:a16="http://schemas.microsoft.com/office/drawing/2014/main" id="{B1FE5F11-B7B9-4B80-8C6A-A8A7A7190B77}"/>
-              </a:ext>
-            </a:extLst>
-          </p:cNvPr>
-          <p:cNvSpPr>
-            <a:spLocks noGrp="1"/>
-          </p:cNvSpPr>
-          <p:nvPr>
-            <p:ph type="ctrTitle"/>
-          </p:nvPr>
-        </p:nvSpPr>
-        <p:spPr>
-          <a:xfrm>
-            <a:off x="6458964" y="2945452"/>
-            <a:ext cx="5074920" cy="967095"/>
+                <a16:creationId xmlns:a16="http://schemas.microsoft.com/office/drawing/2014/main" id="{09140014-73D5-419B-8867-972BB18D52D4}"/>
+              </a:ext>
+            </a:extLst>
+          </p:cNvPr>
+          <p:cNvSpPr>
+            <a:spLocks noGrp="1"/>
+          </p:cNvSpPr>
+          <p:nvPr>
+            <p:ph type="title"/>
+          </p:nvPr>
+        </p:nvSpPr>
+        <p:spPr>
+          <a:xfrm>
+            <a:off x="2933700" y="892177"/>
+            <a:ext cx="8421688" cy="1325563"/>
           </a:xfrm>
         </p:spPr>
         <p:txBody>
@@ -15129,8 +14466,311 @@
           <a:p>
             <a:pPr rtl="0"/>
             <a:r>
-              <a:rPr lang="en-US" sz="2800" dirty="0"/>
-              <a:t>What sport pays its top athletes the most?</a:t>
+              <a:rPr lang="es-ES" dirty="0"/>
+              <a:t>ÁREAS DE ENFOQUE</a:t>
+            </a:r>
+          </a:p>
+        </p:txBody>
+      </p:sp>
+      <p:sp>
+        <p:nvSpPr>
+          <p:cNvPr id="4" name="Marcador de contenido 3">
+            <a:extLst>
+              <a:ext uri="{FF2B5EF4-FFF2-40B4-BE49-F238E27FC236}">
+                <a16:creationId xmlns:a16="http://schemas.microsoft.com/office/drawing/2014/main" id="{33D8731E-4977-402E-8BFD-895B4D0544CC}"/>
+              </a:ext>
+            </a:extLst>
+          </p:cNvPr>
+          <p:cNvSpPr>
+            <a:spLocks noGrp="1"/>
+          </p:cNvSpPr>
+          <p:nvPr>
+            <p:ph sz="half" idx="2"/>
+          </p:nvPr>
+        </p:nvSpPr>
+        <p:spPr>
+          <a:xfrm>
+            <a:off x="2933700" y="3834606"/>
+            <a:ext cx="3924300" cy="1997867"/>
+          </a:xfrm>
+        </p:spPr>
+        <p:txBody>
+          <a:bodyPr rtlCol="0">
+            <a:normAutofit/>
+          </a:bodyPr>
+          <a:lstStyle>
+            <a:defPPr>
+              <a:defRPr lang="es-ES"/>
+            </a:defPPr>
+          </a:lstStyle>
+          <a:p>
+            <a:pPr rtl="0"/>
+            <a:r>
+              <a:rPr lang="es-ES" dirty="0"/>
+              <a:t>Desarrollar estrategias ganadoras para seguir a la vanguardia de la competencia</a:t>
+            </a:r>
+          </a:p>
+          <a:p>
+            <a:pPr rtl="0"/>
+            <a:r>
+              <a:rPr lang="es-ES" dirty="0"/>
+              <a:t>​Aprovechar los frutos obtenidos para identificar un valor en el terreno de juego</a:t>
+            </a:r>
+          </a:p>
+          <a:p>
+            <a:pPr rtl="0"/>
+            <a:r>
+              <a:rPr lang="es-ES" dirty="0"/>
+              <a:t>​Visualizar la convergencia dirigida al cliente</a:t>
+            </a:r>
+          </a:p>
+        </p:txBody>
+      </p:sp>
+      <p:sp>
+        <p:nvSpPr>
+          <p:cNvPr id="6" name="Marcador de contenido 5">
+            <a:extLst>
+              <a:ext uri="{FF2B5EF4-FFF2-40B4-BE49-F238E27FC236}">
+                <a16:creationId xmlns:a16="http://schemas.microsoft.com/office/drawing/2014/main" id="{50B65871-FA95-449A-B8BC-90486DE532EF}"/>
+              </a:ext>
+            </a:extLst>
+          </p:cNvPr>
+          <p:cNvSpPr>
+            <a:spLocks noGrp="1"/>
+          </p:cNvSpPr>
+          <p:nvPr>
+            <p:ph sz="quarter" idx="4"/>
+          </p:nvPr>
+        </p:nvSpPr>
+        <p:spPr>
+          <a:xfrm>
+            <a:off x="7410173" y="3834606"/>
+            <a:ext cx="3943627" cy="1997867"/>
+          </a:xfrm>
+        </p:spPr>
+        <p:txBody>
+          <a:bodyPr rtlCol="0">
+            <a:normAutofit/>
+          </a:bodyPr>
+          <a:lstStyle>
+            <a:defPPr>
+              <a:defRPr lang="es-ES"/>
+            </a:defPPr>
+          </a:lstStyle>
+          <a:p>
+            <a:pPr rtl="0"/>
+            <a:r>
+              <a:rPr lang="es-ES" dirty="0"/>
+              <a:t>Enfoques iterativos para una estrategia corporativa</a:t>
+            </a:r>
+          </a:p>
+          <a:p>
+            <a:pPr rtl="0"/>
+            <a:r>
+              <a:rPr lang="es-ES" dirty="0"/>
+              <a:t>​Establecer un marco de administración desde dentro</a:t>
+            </a:r>
+          </a:p>
+        </p:txBody>
+      </p:sp>
+      <p:sp>
+        <p:nvSpPr>
+          <p:cNvPr id="7" name="Marcador de fecha 6">
+            <a:extLst>
+              <a:ext uri="{FF2B5EF4-FFF2-40B4-BE49-F238E27FC236}">
+                <a16:creationId xmlns:a16="http://schemas.microsoft.com/office/drawing/2014/main" id="{B2A46C4A-D036-4440-BB64-6754F4FF27C1}"/>
+              </a:ext>
+            </a:extLst>
+          </p:cNvPr>
+          <p:cNvSpPr>
+            <a:spLocks noGrp="1"/>
+          </p:cNvSpPr>
+          <p:nvPr>
+            <p:ph type="dt" sz="half" idx="10"/>
+          </p:nvPr>
+        </p:nvSpPr>
+        <p:spPr>
+          <a:xfrm>
+            <a:off x="838200" y="6356350"/>
+            <a:ext cx="2743200" cy="365125"/>
+          </a:xfrm>
+        </p:spPr>
+        <p:txBody>
+          <a:bodyPr rtlCol="0"/>
+          <a:lstStyle>
+            <a:defPPr>
+              <a:defRPr lang="es-ES"/>
+            </a:defPPr>
+          </a:lstStyle>
+          <a:p>
+            <a:pPr rtl="0"/>
+            <a:r>
+              <a:rPr lang="es-ES" dirty="0"/>
+              <a:t>20XX</a:t>
+            </a:r>
+          </a:p>
+        </p:txBody>
+      </p:sp>
+      <p:sp>
+        <p:nvSpPr>
+          <p:cNvPr id="8" name="Marcador de pie de página 7">
+            <a:extLst>
+              <a:ext uri="{FF2B5EF4-FFF2-40B4-BE49-F238E27FC236}">
+                <a16:creationId xmlns:a16="http://schemas.microsoft.com/office/drawing/2014/main" id="{905F172A-5D5D-43CD-A187-DA0D303F4144}"/>
+              </a:ext>
+            </a:extLst>
+          </p:cNvPr>
+          <p:cNvSpPr>
+            <a:spLocks noGrp="1"/>
+          </p:cNvSpPr>
+          <p:nvPr>
+            <p:ph type="ftr" sz="quarter" idx="11"/>
+          </p:nvPr>
+        </p:nvSpPr>
+        <p:spPr>
+          <a:xfrm>
+            <a:off x="4038600" y="6356350"/>
+            <a:ext cx="4114800" cy="365125"/>
+          </a:xfrm>
+        </p:spPr>
+        <p:txBody>
+          <a:bodyPr rtlCol="0"/>
+          <a:lstStyle>
+            <a:defPPr>
+              <a:defRPr lang="es-ES"/>
+            </a:defPPr>
+          </a:lstStyle>
+          <a:p>
+            <a:pPr rtl="0"/>
+            <a:r>
+              <a:rPr lang="es-ES" dirty="0"/>
+              <a:t>TÍTULO DE LA PRESENTACIÓN</a:t>
+            </a:r>
+          </a:p>
+        </p:txBody>
+      </p:sp>
+      <p:sp>
+        <p:nvSpPr>
+          <p:cNvPr id="9" name="Marcador de número de diapositiva 8">
+            <a:extLst>
+              <a:ext uri="{FF2B5EF4-FFF2-40B4-BE49-F238E27FC236}">
+                <a16:creationId xmlns:a16="http://schemas.microsoft.com/office/drawing/2014/main" id="{C396FFDC-ADE8-4009-A466-A81787258E88}"/>
+              </a:ext>
+            </a:extLst>
+          </p:cNvPr>
+          <p:cNvSpPr>
+            <a:spLocks noGrp="1"/>
+          </p:cNvSpPr>
+          <p:nvPr>
+            <p:ph type="sldNum" sz="quarter" idx="12"/>
+          </p:nvPr>
+        </p:nvSpPr>
+        <p:spPr>
+          <a:xfrm>
+            <a:off x="8610600" y="6356350"/>
+            <a:ext cx="2743200" cy="365125"/>
+          </a:xfrm>
+        </p:spPr>
+        <p:txBody>
+          <a:bodyPr rtlCol="0"/>
+          <a:lstStyle>
+            <a:defPPr>
+              <a:defRPr lang="es-ES"/>
+            </a:defPPr>
+          </a:lstStyle>
+          <a:p>
+            <a:pPr rtl="0"/>
+            <a:fld id="{A49DFD55-3C28-40EF-9E31-A92D2E4017FF}" type="slidenum">
+              <a:rPr lang="es-ES" smtClean="0"/>
+              <a:pPr rtl="0"/>
+              <a:t>15</a:t>
+            </a:fld>
+            <a:endParaRPr lang="es-ES" dirty="0"/>
+          </a:p>
+        </p:txBody>
+      </p:sp>
+      <p:pic>
+        <p:nvPicPr>
+          <p:cNvPr id="13" name="Picture 12" descr="A screen shot of a graph&#10;&#10;Description automatically generated">
+            <a:extLst>
+              <a:ext uri="{FF2B5EF4-FFF2-40B4-BE49-F238E27FC236}">
+                <a16:creationId xmlns:a16="http://schemas.microsoft.com/office/drawing/2014/main" id="{E60AB1D9-9C5A-747D-509D-E89744A34532}"/>
+              </a:ext>
+            </a:extLst>
+          </p:cNvPr>
+          <p:cNvPicPr>
+            <a:picLocks noChangeAspect="1"/>
+          </p:cNvPicPr>
+          <p:nvPr/>
+        </p:nvPicPr>
+        <p:blipFill>
+          <a:blip r:embed="rId3"/>
+          <a:stretch>
+            <a:fillRect/>
+          </a:stretch>
+        </p:blipFill>
+        <p:spPr>
+          <a:xfrm>
+            <a:off x="952500" y="0"/>
+            <a:ext cx="10287000" cy="6858000"/>
+          </a:xfrm>
+          <a:prstGeom prst="rect">
+            <a:avLst/>
+          </a:prstGeom>
+        </p:spPr>
+      </p:pic>
+      <p:sp>
+        <p:nvSpPr>
+          <p:cNvPr id="14" name="TextBox 13">
+            <a:extLst>
+              <a:ext uri="{FF2B5EF4-FFF2-40B4-BE49-F238E27FC236}">
+                <a16:creationId xmlns:a16="http://schemas.microsoft.com/office/drawing/2014/main" id="{2BF54F40-9828-0201-78C6-602BD7F2FBF0}"/>
+              </a:ext>
+            </a:extLst>
+          </p:cNvPr>
+          <p:cNvSpPr txBox="1"/>
+          <p:nvPr/>
+        </p:nvSpPr>
+        <p:spPr>
+          <a:xfrm>
+            <a:off x="8880613" y="5803303"/>
+            <a:ext cx="1169918" cy="271850"/>
+          </a:xfrm>
+          <a:prstGeom prst="rect">
+            <a:avLst/>
+          </a:prstGeom>
+          <a:noFill/>
+        </p:spPr>
+        <p:txBody>
+          <a:bodyPr wrap="square">
+            <a:spAutoFit/>
+          </a:bodyPr>
+          <a:lstStyle/>
+          <a:p>
+            <a:pPr rtl="0"/>
+            <a:r>
+              <a:rPr lang="es-ES" sz="1100" dirty="0">
+                <a:solidFill>
+                  <a:schemeClr val="accent5"/>
+                </a:solidFill>
+              </a:rPr>
+              <a:t>R</a:t>
+            </a:r>
+            <a:r>
+              <a:rPr lang="es-ES" sz="1100" baseline="30000" dirty="0">
+                <a:solidFill>
+                  <a:schemeClr val="accent5"/>
+                </a:solidFill>
+              </a:rPr>
+              <a:t>2</a:t>
+            </a:r>
+            <a:r>
+              <a:rPr lang="es-ES" sz="1100" dirty="0">
+                <a:solidFill>
+                  <a:schemeClr val="accent5"/>
+                </a:solidFill>
+              </a:rPr>
+              <a:t> = 0.25</a:t>
             </a:r>
           </a:p>
         </p:txBody>
@@ -15138,7 +14778,7 @@
     </p:spTree>
     <p:extLst>
       <p:ext uri="{BB962C8B-B14F-4D97-AF65-F5344CB8AC3E}">
-        <p14:creationId xmlns:p14="http://schemas.microsoft.com/office/powerpoint/2010/main" val="2448624756"/>
+        <p14:creationId xmlns:p14="http://schemas.microsoft.com/office/powerpoint/2010/main" val="1417206755"/>
       </p:ext>
     </p:extLst>
   </p:cSld>
@@ -15170,7 +14810,7 @@
           <p:cNvPr id="2" name="Título 1">
             <a:extLst>
               <a:ext uri="{FF2B5EF4-FFF2-40B4-BE49-F238E27FC236}">
-                <a16:creationId xmlns:a16="http://schemas.microsoft.com/office/drawing/2014/main" id="{09140014-73D5-419B-8867-972BB18D52D4}"/>
+                <a16:creationId xmlns:a16="http://schemas.microsoft.com/office/drawing/2014/main" id="{42DD0E59-4C68-4F87-9821-23C69713D980}"/>
               </a:ext>
             </a:extLst>
           </p:cNvPr>
@@ -15183,7 +14823,7 @@
         </p:nvSpPr>
         <p:spPr>
           <a:xfrm>
-            <a:off x="2933700" y="892177"/>
+            <a:off x="1885156" y="892177"/>
             <a:ext cx="8421688" cy="1325563"/>
           </a:xfrm>
         </p:spPr>
@@ -15198,37 +14838,35 @@
             <a:pPr rtl="0"/>
             <a:r>
               <a:rPr lang="es-ES" dirty="0"/>
-              <a:t>ÁREAS DE ENFOQUE</a:t>
-            </a:r>
-          </a:p>
-        </p:txBody>
-      </p:sp>
-      <p:sp>
-        <p:nvSpPr>
-          <p:cNvPr id="4" name="Marcador de contenido 3">
-            <a:extLst>
-              <a:ext uri="{FF2B5EF4-FFF2-40B4-BE49-F238E27FC236}">
-                <a16:creationId xmlns:a16="http://schemas.microsoft.com/office/drawing/2014/main" id="{33D8731E-4977-402E-8BFD-895B4D0544CC}"/>
-              </a:ext>
-            </a:extLst>
-          </p:cNvPr>
-          <p:cNvSpPr>
-            <a:spLocks noGrp="1"/>
-          </p:cNvSpPr>
-          <p:nvPr>
-            <p:ph sz="half" idx="2"/>
-          </p:nvPr>
-        </p:nvSpPr>
-        <p:spPr>
-          <a:xfrm>
-            <a:off x="2933700" y="3834606"/>
-            <a:ext cx="3924300" cy="1997867"/>
-          </a:xfrm>
-        </p:spPr>
-        <p:txBody>
-          <a:bodyPr rtlCol="0">
-            <a:normAutofit/>
-          </a:bodyPr>
+              <a:t>Conclusions</a:t>
+            </a:r>
+          </a:p>
+        </p:txBody>
+      </p:sp>
+      <p:sp>
+        <p:nvSpPr>
+          <p:cNvPr id="56" name="Marcador de fecha 55">
+            <a:extLst>
+              <a:ext uri="{FF2B5EF4-FFF2-40B4-BE49-F238E27FC236}">
+                <a16:creationId xmlns:a16="http://schemas.microsoft.com/office/drawing/2014/main" id="{B289356A-BDA0-4234-84F2-9F2F25D0D7BD}"/>
+              </a:ext>
+            </a:extLst>
+          </p:cNvPr>
+          <p:cNvSpPr>
+            <a:spLocks noGrp="1"/>
+          </p:cNvSpPr>
+          <p:nvPr>
+            <p:ph type="dt" sz="half" idx="10"/>
+          </p:nvPr>
+        </p:nvSpPr>
+        <p:spPr>
+          <a:xfrm>
+            <a:off x="838200" y="6356350"/>
+            <a:ext cx="2743200" cy="365125"/>
+          </a:xfrm>
+        </p:spPr>
+        <p:txBody>
+          <a:bodyPr rtlCol="0"/>
           <a:lstStyle>
             <a:defPPr>
               <a:defRPr lang="es-ES"/>
@@ -15238,51 +14876,35 @@
             <a:pPr rtl="0"/>
             <a:r>
               <a:rPr lang="es-ES" dirty="0"/>
-              <a:t>Desarrollar estrategias ganadoras para seguir a la vanguardia de la competencia</a:t>
-            </a:r>
-          </a:p>
-          <a:p>
-            <a:pPr rtl="0"/>
-            <a:r>
-              <a:rPr lang="es-ES" dirty="0"/>
-              <a:t>​Aprovechar los frutos obtenidos para identificar un valor en el terreno de juego</a:t>
-            </a:r>
-          </a:p>
-          <a:p>
-            <a:pPr rtl="0"/>
-            <a:r>
-              <a:rPr lang="es-ES" dirty="0"/>
-              <a:t>​Visualizar la convergencia dirigida al cliente</a:t>
-            </a:r>
-          </a:p>
-        </p:txBody>
-      </p:sp>
-      <p:sp>
-        <p:nvSpPr>
-          <p:cNvPr id="6" name="Marcador de contenido 5">
-            <a:extLst>
-              <a:ext uri="{FF2B5EF4-FFF2-40B4-BE49-F238E27FC236}">
-                <a16:creationId xmlns:a16="http://schemas.microsoft.com/office/drawing/2014/main" id="{50B65871-FA95-449A-B8BC-90486DE532EF}"/>
-              </a:ext>
-            </a:extLst>
-          </p:cNvPr>
-          <p:cNvSpPr>
-            <a:spLocks noGrp="1"/>
-          </p:cNvSpPr>
-          <p:nvPr>
-            <p:ph sz="quarter" idx="4"/>
-          </p:nvPr>
-        </p:nvSpPr>
-        <p:spPr>
-          <a:xfrm>
-            <a:off x="7410173" y="3834606"/>
-            <a:ext cx="3943627" cy="1997867"/>
-          </a:xfrm>
-        </p:spPr>
-        <p:txBody>
-          <a:bodyPr rtlCol="0">
-            <a:normAutofit/>
-          </a:bodyPr>
+              <a:t>20XX</a:t>
+            </a:r>
+          </a:p>
+        </p:txBody>
+      </p:sp>
+      <p:sp>
+        <p:nvSpPr>
+          <p:cNvPr id="57" name="Marcador de pie de página 56">
+            <a:extLst>
+              <a:ext uri="{FF2B5EF4-FFF2-40B4-BE49-F238E27FC236}">
+                <a16:creationId xmlns:a16="http://schemas.microsoft.com/office/drawing/2014/main" id="{3A38BE84-957B-46B9-A315-4B5064DFF1A1}"/>
+              </a:ext>
+            </a:extLst>
+          </p:cNvPr>
+          <p:cNvSpPr>
+            <a:spLocks noGrp="1"/>
+          </p:cNvSpPr>
+          <p:nvPr>
+            <p:ph type="ftr" sz="quarter" idx="11"/>
+          </p:nvPr>
+        </p:nvSpPr>
+        <p:spPr>
+          <a:xfrm>
+            <a:off x="4038600" y="6356350"/>
+            <a:ext cx="4114800" cy="365125"/>
+          </a:xfrm>
+        </p:spPr>
+        <p:txBody>
+          <a:bodyPr rtlCol="0"/>
           <a:lstStyle>
             <a:defPPr>
               <a:defRPr lang="es-ES"/>
@@ -15292,89 +14914,6 @@
             <a:pPr rtl="0"/>
             <a:r>
               <a:rPr lang="es-ES" dirty="0"/>
-              <a:t>Enfoques iterativos para una estrategia corporativa</a:t>
-            </a:r>
-          </a:p>
-          <a:p>
-            <a:pPr rtl="0"/>
-            <a:r>
-              <a:rPr lang="es-ES" dirty="0"/>
-              <a:t>​Establecer un marco de administración desde dentro</a:t>
-            </a:r>
-          </a:p>
-        </p:txBody>
-      </p:sp>
-      <p:sp>
-        <p:nvSpPr>
-          <p:cNvPr id="7" name="Marcador de fecha 6">
-            <a:extLst>
-              <a:ext uri="{FF2B5EF4-FFF2-40B4-BE49-F238E27FC236}">
-                <a16:creationId xmlns:a16="http://schemas.microsoft.com/office/drawing/2014/main" id="{B2A46C4A-D036-4440-BB64-6754F4FF27C1}"/>
-              </a:ext>
-            </a:extLst>
-          </p:cNvPr>
-          <p:cNvSpPr>
-            <a:spLocks noGrp="1"/>
-          </p:cNvSpPr>
-          <p:nvPr>
-            <p:ph type="dt" sz="half" idx="10"/>
-          </p:nvPr>
-        </p:nvSpPr>
-        <p:spPr>
-          <a:xfrm>
-            <a:off x="838200" y="6356350"/>
-            <a:ext cx="2743200" cy="365125"/>
-          </a:xfrm>
-        </p:spPr>
-        <p:txBody>
-          <a:bodyPr rtlCol="0"/>
-          <a:lstStyle>
-            <a:defPPr>
-              <a:defRPr lang="es-ES"/>
-            </a:defPPr>
-          </a:lstStyle>
-          <a:p>
-            <a:pPr rtl="0"/>
-            <a:r>
-              <a:rPr lang="es-ES"/>
-              <a:t>20XX</a:t>
-            </a:r>
-          </a:p>
-        </p:txBody>
-      </p:sp>
-      <p:sp>
-        <p:nvSpPr>
-          <p:cNvPr id="8" name="Marcador de pie de página 7">
-            <a:extLst>
-              <a:ext uri="{FF2B5EF4-FFF2-40B4-BE49-F238E27FC236}">
-                <a16:creationId xmlns:a16="http://schemas.microsoft.com/office/drawing/2014/main" id="{905F172A-5D5D-43CD-A187-DA0D303F4144}"/>
-              </a:ext>
-            </a:extLst>
-          </p:cNvPr>
-          <p:cNvSpPr>
-            <a:spLocks noGrp="1"/>
-          </p:cNvSpPr>
-          <p:nvPr>
-            <p:ph type="ftr" sz="quarter" idx="11"/>
-          </p:nvPr>
-        </p:nvSpPr>
-        <p:spPr>
-          <a:xfrm>
-            <a:off x="4038600" y="6356350"/>
-            <a:ext cx="4114800" cy="365125"/>
-          </a:xfrm>
-        </p:spPr>
-        <p:txBody>
-          <a:bodyPr rtlCol="0"/>
-          <a:lstStyle>
-            <a:defPPr>
-              <a:defRPr lang="es-ES"/>
-            </a:defPPr>
-          </a:lstStyle>
-          <a:p>
-            <a:pPr rtl="0"/>
-            <a:r>
-              <a:rPr lang="es-ES"/>
               <a:t>TÍTULO DE LA PRESENTACIÓN</a:t>
             </a:r>
           </a:p>
@@ -15382,10 +14921,10 @@
       </p:sp>
       <p:sp>
         <p:nvSpPr>
-          <p:cNvPr id="9" name="Marcador de número de diapositiva 8">
-            <a:extLst>
-              <a:ext uri="{FF2B5EF4-FFF2-40B4-BE49-F238E27FC236}">
-                <a16:creationId xmlns:a16="http://schemas.microsoft.com/office/drawing/2014/main" id="{C396FFDC-ADE8-4009-A466-A81787258E88}"/>
+          <p:cNvPr id="58" name="Marcador de número de diapositiva 57">
+            <a:extLst>
+              <a:ext uri="{FF2B5EF4-FFF2-40B4-BE49-F238E27FC236}">
+                <a16:creationId xmlns:a16="http://schemas.microsoft.com/office/drawing/2014/main" id="{E1900601-8B04-4FF3-B06F-6BEFAC6556D3}"/>
               </a:ext>
             </a:extLst>
           </p:cNvPr>
@@ -15420,196 +14959,76 @@
           </a:p>
         </p:txBody>
       </p:sp>
-      <p:pic>
-        <p:nvPicPr>
-          <p:cNvPr id="13" name="Picture 12" descr="A screen shot of a graph&#10;&#10;Description automatically generated">
-            <a:extLst>
-              <a:ext uri="{FF2B5EF4-FFF2-40B4-BE49-F238E27FC236}">
-                <a16:creationId xmlns:a16="http://schemas.microsoft.com/office/drawing/2014/main" id="{E60AB1D9-9C5A-747D-509D-E89744A34532}"/>
-              </a:ext>
-            </a:extLst>
-          </p:cNvPr>
-          <p:cNvPicPr>
-            <a:picLocks noChangeAspect="1"/>
-          </p:cNvPicPr>
-          <p:nvPr/>
-        </p:nvPicPr>
-        <p:blipFill>
-          <a:blip r:embed="rId3"/>
-          <a:stretch>
-            <a:fillRect/>
-          </a:stretch>
-        </p:blipFill>
-        <p:spPr>
-          <a:xfrm>
-            <a:off x="952500" y="-270704"/>
-            <a:ext cx="10287000" cy="6858000"/>
-          </a:xfrm>
-          <a:prstGeom prst="rect">
-            <a:avLst/>
-          </a:prstGeom>
-        </p:spPr>
-      </p:pic>
-      <p:sp>
-        <p:nvSpPr>
-          <p:cNvPr id="3" name="Oval 2">
-            <a:extLst>
-              <a:ext uri="{FF2B5EF4-FFF2-40B4-BE49-F238E27FC236}">
-                <a16:creationId xmlns:a16="http://schemas.microsoft.com/office/drawing/2014/main" id="{6998A596-109F-B8E6-01A0-E9158D7D8FC0}"/>
-              </a:ext>
-            </a:extLst>
-          </p:cNvPr>
-          <p:cNvSpPr/>
-          <p:nvPr/>
-        </p:nvSpPr>
-        <p:spPr>
-          <a:xfrm>
-            <a:off x="8379242" y="553419"/>
-            <a:ext cx="542236" cy="520008"/>
-          </a:xfrm>
-          <a:prstGeom prst="ellipse">
-            <a:avLst/>
-          </a:prstGeom>
-          <a:noFill/>
-          <a:ln w="28575">
-            <a:solidFill>
-              <a:srgbClr val="AE2012"/>
-            </a:solidFill>
-          </a:ln>
-        </p:spPr>
-        <p:style>
-          <a:lnRef idx="2">
-            <a:schemeClr val="accent1">
-              <a:shade val="15000"/>
-            </a:schemeClr>
-          </a:lnRef>
-          <a:fillRef idx="1">
-            <a:schemeClr val="accent1"/>
-          </a:fillRef>
-          <a:effectRef idx="0">
-            <a:schemeClr val="accent1"/>
-          </a:effectRef>
-          <a:fontRef idx="minor">
-            <a:schemeClr val="lt1"/>
-          </a:fontRef>
-        </p:style>
-        <p:txBody>
-          <a:bodyPr rtlCol="0" anchor="ctr"/>
-          <a:lstStyle/>
-          <a:p>
-            <a:pPr algn="ctr"/>
-            <a:endParaRPr lang="es-US" dirty="0"/>
-          </a:p>
-        </p:txBody>
-      </p:sp>
-      <p:sp>
-        <p:nvSpPr>
-          <p:cNvPr id="5" name="Oval 4">
-            <a:extLst>
-              <a:ext uri="{FF2B5EF4-FFF2-40B4-BE49-F238E27FC236}">
-                <a16:creationId xmlns:a16="http://schemas.microsoft.com/office/drawing/2014/main" id="{C7C02EDF-94D5-CA69-341D-1FC4D160C02F}"/>
-              </a:ext>
-            </a:extLst>
-          </p:cNvPr>
-          <p:cNvSpPr/>
-          <p:nvPr/>
-        </p:nvSpPr>
-        <p:spPr>
-          <a:xfrm>
-            <a:off x="9093212" y="1068592"/>
-            <a:ext cx="542236" cy="520008"/>
-          </a:xfrm>
-          <a:prstGeom prst="ellipse">
-            <a:avLst/>
-          </a:prstGeom>
-          <a:noFill/>
-          <a:ln w="28575">
-            <a:solidFill>
-              <a:srgbClr val="AE2012"/>
-            </a:solidFill>
-          </a:ln>
-        </p:spPr>
-        <p:style>
-          <a:lnRef idx="2">
-            <a:schemeClr val="accent1">
-              <a:shade val="15000"/>
-            </a:schemeClr>
-          </a:lnRef>
-          <a:fillRef idx="1">
-            <a:schemeClr val="accent1"/>
-          </a:fillRef>
-          <a:effectRef idx="0">
-            <a:schemeClr val="accent1"/>
-          </a:effectRef>
-          <a:fontRef idx="minor">
-            <a:schemeClr val="lt1"/>
-          </a:fontRef>
-        </p:style>
-        <p:txBody>
-          <a:bodyPr rtlCol="0" anchor="ctr"/>
-          <a:lstStyle/>
-          <a:p>
-            <a:pPr algn="ctr"/>
-            <a:endParaRPr lang="es-US" dirty="0"/>
-          </a:p>
-        </p:txBody>
-      </p:sp>
-      <p:sp>
-        <p:nvSpPr>
-          <p:cNvPr id="10" name="Oval 9">
-            <a:extLst>
-              <a:ext uri="{FF2B5EF4-FFF2-40B4-BE49-F238E27FC236}">
-                <a16:creationId xmlns:a16="http://schemas.microsoft.com/office/drawing/2014/main" id="{64A443F8-ECCA-45EA-A97B-BE2AF1627D03}"/>
-              </a:ext>
-            </a:extLst>
-          </p:cNvPr>
-          <p:cNvSpPr/>
-          <p:nvPr/>
-        </p:nvSpPr>
-        <p:spPr>
-          <a:xfrm>
-            <a:off x="8372608" y="2892446"/>
-            <a:ext cx="542236" cy="520008"/>
-          </a:xfrm>
-          <a:prstGeom prst="ellipse">
-            <a:avLst/>
-          </a:prstGeom>
-          <a:noFill/>
-          <a:ln w="28575">
-            <a:solidFill>
-              <a:srgbClr val="AE2012"/>
-            </a:solidFill>
-          </a:ln>
-        </p:spPr>
-        <p:style>
-          <a:lnRef idx="2">
-            <a:schemeClr val="accent1">
-              <a:shade val="15000"/>
-            </a:schemeClr>
-          </a:lnRef>
-          <a:fillRef idx="1">
-            <a:schemeClr val="accent1"/>
-          </a:fillRef>
-          <a:effectRef idx="0">
-            <a:schemeClr val="accent1"/>
-          </a:effectRef>
-          <a:fontRef idx="minor">
-            <a:schemeClr val="lt1"/>
-          </a:fontRef>
-        </p:style>
-        <p:txBody>
-          <a:bodyPr rtlCol="0" anchor="ctr"/>
-          <a:lstStyle/>
-          <a:p>
-            <a:pPr algn="ctr"/>
-            <a:endParaRPr lang="es-US" dirty="0"/>
+      <p:sp>
+        <p:nvSpPr>
+          <p:cNvPr id="326" name="Marcador de texto 2">
+            <a:extLst>
+              <a:ext uri="{FF2B5EF4-FFF2-40B4-BE49-F238E27FC236}">
+                <a16:creationId xmlns:a16="http://schemas.microsoft.com/office/drawing/2014/main" id="{7B160DB7-BDF4-9939-C740-26EBBB3E0189}"/>
+              </a:ext>
+            </a:extLst>
+          </p:cNvPr>
+          <p:cNvSpPr>
+            <a:spLocks noGrp="1"/>
+          </p:cNvSpPr>
+          <p:nvPr>
+            <p:ph type="body" idx="1"/>
+          </p:nvPr>
+        </p:nvSpPr>
+        <p:spPr>
+          <a:xfrm>
+            <a:off x="1362074" y="2452812"/>
+            <a:ext cx="9605756" cy="2912564"/>
+          </a:xfrm>
+        </p:spPr>
+        <p:txBody>
+          <a:bodyPr rtlCol="0">
+            <a:normAutofit/>
+          </a:bodyPr>
+          <a:lstStyle>
+            <a:defPPr>
+              <a:defRPr lang="es-ES"/>
+            </a:defPPr>
+          </a:lstStyle>
+          <a:p>
+            <a:pPr rtl="0"/>
+            <a:r>
+              <a:rPr lang="es-ES" sz="1400" dirty="0"/>
+              <a:t>There is a positive correlation between year and adjusted earnings, however only 31% of the variability is explained by the linear correlation model.</a:t>
+            </a:r>
+          </a:p>
+          <a:p>
+            <a:pPr rtl="0"/>
+            <a:endParaRPr lang="es-ES" sz="1400" dirty="0"/>
+          </a:p>
+          <a:p>
+            <a:pPr rtl="0"/>
+            <a:r>
+              <a:rPr lang="es-ES" sz="1400" dirty="0"/>
+              <a:t>If we remove the top earner every year, the linear regression explains 52% of the variability.</a:t>
+            </a:r>
+          </a:p>
+          <a:p>
+            <a:pPr rtl="0"/>
+            <a:endParaRPr lang="es-ES" sz="1400" dirty="0"/>
+          </a:p>
+          <a:p>
+            <a:pPr rtl="0"/>
+            <a:r>
+              <a:rPr lang="es-ES" sz="1400" dirty="0"/>
+              <a:t>Top earners positively skew the data</a:t>
+            </a:r>
+          </a:p>
+          <a:p>
+            <a:pPr rtl="0"/>
+            <a:endParaRPr lang="es-ES" sz="1400" dirty="0"/>
           </a:p>
         </p:txBody>
       </p:sp>
     </p:spTree>
     <p:extLst>
       <p:ext uri="{BB962C8B-B14F-4D97-AF65-F5344CB8AC3E}">
-        <p14:creationId xmlns:p14="http://schemas.microsoft.com/office/powerpoint/2010/main" val="144498883"/>
+        <p14:creationId xmlns:p14="http://schemas.microsoft.com/office/powerpoint/2010/main" val="707615222"/>
       </p:ext>
     </p:extLst>
   </p:cSld>
@@ -15638,10 +15057,10 @@
       </p:grpSpPr>
       <p:sp>
         <p:nvSpPr>
-          <p:cNvPr id="3" name="Título 2">
-            <a:extLst>
-              <a:ext uri="{FF2B5EF4-FFF2-40B4-BE49-F238E27FC236}">
-                <a16:creationId xmlns:a16="http://schemas.microsoft.com/office/drawing/2014/main" id="{77762301-F83A-4BEA-9D11-E6C99FB574A8}"/>
+          <p:cNvPr id="2" name="Título 1">
+            <a:extLst>
+              <a:ext uri="{FF2B5EF4-FFF2-40B4-BE49-F238E27FC236}">
+                <a16:creationId xmlns:a16="http://schemas.microsoft.com/office/drawing/2014/main" id="{42DD0E59-4C68-4F87-9821-23C69713D980}"/>
               </a:ext>
             </a:extLst>
           </p:cNvPr>
@@ -15654,8 +15073,8 @@
         </p:nvSpPr>
         <p:spPr>
           <a:xfrm>
-            <a:off x="838200" y="365125"/>
-            <a:ext cx="10515600" cy="1325563"/>
+            <a:off x="1885156" y="892177"/>
+            <a:ext cx="8421688" cy="1325563"/>
           </a:xfrm>
         </p:spPr>
         <p:txBody>
@@ -15669,30 +15088,17 @@
             <a:pPr rtl="0"/>
             <a:r>
               <a:rPr lang="es-ES" dirty="0"/>
-              <a:t>Top </a:t>
-            </a:r>
-            <a:r>
-              <a:rPr lang="es-ES" dirty="0" err="1"/>
-              <a:t>yearly</a:t>
-            </a:r>
-            <a:r>
-              <a:rPr lang="es-ES" dirty="0"/>
-              <a:t> </a:t>
-            </a:r>
-            <a:r>
-              <a:rPr lang="es-ES" dirty="0" err="1"/>
-              <a:t>earnings</a:t>
-            </a:r>
-            <a:endParaRPr lang="es-ES" dirty="0"/>
-          </a:p>
-        </p:txBody>
-      </p:sp>
-      <p:sp>
-        <p:nvSpPr>
-          <p:cNvPr id="6" name="Marcador de fecha 5">
-            <a:extLst>
-              <a:ext uri="{FF2B5EF4-FFF2-40B4-BE49-F238E27FC236}">
-                <a16:creationId xmlns:a16="http://schemas.microsoft.com/office/drawing/2014/main" id="{3627CC26-34EF-4BB9-B289-9EC56B07D1E6}"/>
+              <a:t>Conclusions</a:t>
+            </a:r>
+          </a:p>
+        </p:txBody>
+      </p:sp>
+      <p:sp>
+        <p:nvSpPr>
+          <p:cNvPr id="56" name="Marcador de fecha 55">
+            <a:extLst>
+              <a:ext uri="{FF2B5EF4-FFF2-40B4-BE49-F238E27FC236}">
+                <a16:creationId xmlns:a16="http://schemas.microsoft.com/office/drawing/2014/main" id="{B289356A-BDA0-4234-84F2-9F2F25D0D7BD}"/>
               </a:ext>
             </a:extLst>
           </p:cNvPr>
@@ -15719,7 +15125,7 @@
           <a:p>
             <a:pPr rtl="0"/>
             <a:r>
-              <a:rPr lang="es-ES"/>
+              <a:rPr lang="es-ES" dirty="0"/>
               <a:t>20XX</a:t>
             </a:r>
           </a:p>
@@ -15727,10 +15133,10 @@
       </p:sp>
       <p:sp>
         <p:nvSpPr>
-          <p:cNvPr id="7" name="Marcador de pie de página 6">
-            <a:extLst>
-              <a:ext uri="{FF2B5EF4-FFF2-40B4-BE49-F238E27FC236}">
-                <a16:creationId xmlns:a16="http://schemas.microsoft.com/office/drawing/2014/main" id="{4E98E6AD-9D37-499C-898E-ED12AC36D31D}"/>
+          <p:cNvPr id="57" name="Marcador de pie de página 56">
+            <a:extLst>
+              <a:ext uri="{FF2B5EF4-FFF2-40B4-BE49-F238E27FC236}">
+                <a16:creationId xmlns:a16="http://schemas.microsoft.com/office/drawing/2014/main" id="{3A38BE84-957B-46B9-A315-4B5064DFF1A1}"/>
               </a:ext>
             </a:extLst>
           </p:cNvPr>
@@ -15757,7 +15163,7 @@
           <a:p>
             <a:pPr rtl="0"/>
             <a:r>
-              <a:rPr lang="es-ES"/>
+              <a:rPr lang="es-ES" dirty="0"/>
               <a:t>TÍTULO DE LA PRESENTACIÓN</a:t>
             </a:r>
           </a:p>
@@ -15765,10 +15171,10 @@
       </p:sp>
       <p:sp>
         <p:nvSpPr>
-          <p:cNvPr id="8" name="Marcador de número de diapositiva 7">
-            <a:extLst>
-              <a:ext uri="{FF2B5EF4-FFF2-40B4-BE49-F238E27FC236}">
-                <a16:creationId xmlns:a16="http://schemas.microsoft.com/office/drawing/2014/main" id="{92908AF9-2A07-4B50-BC13-471792106EC8}"/>
+          <p:cNvPr id="58" name="Marcador de número de diapositiva 57">
+            <a:extLst>
+              <a:ext uri="{FF2B5EF4-FFF2-40B4-BE49-F238E27FC236}">
+                <a16:creationId xmlns:a16="http://schemas.microsoft.com/office/drawing/2014/main" id="{E1900601-8B04-4FF3-B06F-6BEFAC6556D3}"/>
               </a:ext>
             </a:extLst>
           </p:cNvPr>
@@ -15803,39 +15209,54 @@
           </a:p>
         </p:txBody>
       </p:sp>
-      <p:pic>
-        <p:nvPicPr>
-          <p:cNvPr id="12" name="Picture 11">
-            <a:extLst>
-              <a:ext uri="{FF2B5EF4-FFF2-40B4-BE49-F238E27FC236}">
-                <a16:creationId xmlns:a16="http://schemas.microsoft.com/office/drawing/2014/main" id="{A612C06D-D748-DBF6-C6F2-9FD984C2E43C}"/>
-              </a:ext>
-            </a:extLst>
-          </p:cNvPr>
-          <p:cNvPicPr>
-            <a:picLocks noChangeAspect="1"/>
-          </p:cNvPicPr>
-          <p:nvPr/>
-        </p:nvPicPr>
-        <p:blipFill rotWithShape="1">
-          <a:blip r:embed="rId3"/>
-          <a:srcRect l="1029" t="899" r="4413" b="4063"/>
-          <a:stretch/>
-        </p:blipFill>
-        <p:spPr>
-          <a:xfrm>
-            <a:off x="331694" y="1564341"/>
-            <a:ext cx="11528612" cy="4173071"/>
-          </a:xfrm>
-          <a:prstGeom prst="rect">
-            <a:avLst/>
-          </a:prstGeom>
-        </p:spPr>
-      </p:pic>
+      <p:sp>
+        <p:nvSpPr>
+          <p:cNvPr id="326" name="Marcador de texto 2">
+            <a:extLst>
+              <a:ext uri="{FF2B5EF4-FFF2-40B4-BE49-F238E27FC236}">
+                <a16:creationId xmlns:a16="http://schemas.microsoft.com/office/drawing/2014/main" id="{7B160DB7-BDF4-9939-C740-26EBBB3E0189}"/>
+              </a:ext>
+            </a:extLst>
+          </p:cNvPr>
+          <p:cNvSpPr>
+            <a:spLocks noGrp="1"/>
+          </p:cNvSpPr>
+          <p:nvPr>
+            <p:ph type="body" idx="1"/>
+          </p:nvPr>
+        </p:nvSpPr>
+        <p:spPr>
+          <a:xfrm>
+            <a:off x="1362074" y="2452812"/>
+            <a:ext cx="9605756" cy="2912564"/>
+          </a:xfrm>
+        </p:spPr>
+        <p:txBody>
+          <a:bodyPr rtlCol="0">
+            <a:normAutofit/>
+          </a:bodyPr>
+          <a:lstStyle>
+            <a:defPPr>
+              <a:defRPr lang="es-ES"/>
+            </a:defPPr>
+          </a:lstStyle>
+          <a:p>
+            <a:pPr rtl="0"/>
+            <a:r>
+              <a:rPr lang="es-ES" sz="1400" dirty="0"/>
+              <a:t>ADD CONCLUSIONS HERE</a:t>
+            </a:r>
+          </a:p>
+          <a:p>
+            <a:pPr rtl="0"/>
+            <a:endParaRPr lang="es-ES" sz="1400" dirty="0"/>
+          </a:p>
+        </p:txBody>
+      </p:sp>
     </p:spTree>
     <p:extLst>
       <p:ext uri="{BB962C8B-B14F-4D97-AF65-F5344CB8AC3E}">
-        <p14:creationId xmlns:p14="http://schemas.microsoft.com/office/powerpoint/2010/main" val="2896385493"/>
+        <p14:creationId xmlns:p14="http://schemas.microsoft.com/office/powerpoint/2010/main" val="1007431861"/>
       </p:ext>
     </p:extLst>
   </p:cSld>
@@ -15867,7 +15288,7 @@
           <p:cNvPr id="2" name="Título 1">
             <a:extLst>
               <a:ext uri="{FF2B5EF4-FFF2-40B4-BE49-F238E27FC236}">
-                <a16:creationId xmlns:a16="http://schemas.microsoft.com/office/drawing/2014/main" id="{42DD0E59-4C68-4F87-9821-23C69713D980}"/>
+                <a16:creationId xmlns:a16="http://schemas.microsoft.com/office/drawing/2014/main" id="{09140014-73D5-419B-8867-972BB18D52D4}"/>
               </a:ext>
             </a:extLst>
           </p:cNvPr>
@@ -15880,7 +15301,7 @@
         </p:nvSpPr>
         <p:spPr>
           <a:xfrm>
-            <a:off x="1885156" y="892177"/>
+            <a:off x="2933700" y="892177"/>
             <a:ext cx="8421688" cy="1325563"/>
           </a:xfrm>
         </p:spPr>
@@ -15894,37 +15315,38 @@
           <a:p>
             <a:pPr rtl="0"/>
             <a:r>
-              <a:rPr lang="es-ES" dirty="0" err="1"/>
-              <a:t>Conclusions</a:t>
-            </a:r>
-            <a:endParaRPr lang="es-ES" dirty="0"/>
-          </a:p>
-        </p:txBody>
-      </p:sp>
-      <p:sp>
-        <p:nvSpPr>
-          <p:cNvPr id="56" name="Marcador de fecha 55">
-            <a:extLst>
-              <a:ext uri="{FF2B5EF4-FFF2-40B4-BE49-F238E27FC236}">
-                <a16:creationId xmlns:a16="http://schemas.microsoft.com/office/drawing/2014/main" id="{B289356A-BDA0-4234-84F2-9F2F25D0D7BD}"/>
-              </a:ext>
-            </a:extLst>
-          </p:cNvPr>
-          <p:cNvSpPr>
-            <a:spLocks noGrp="1"/>
-          </p:cNvSpPr>
-          <p:nvPr>
-            <p:ph type="dt" sz="half" idx="10"/>
-          </p:nvPr>
-        </p:nvSpPr>
-        <p:spPr>
-          <a:xfrm>
-            <a:off x="838200" y="6356350"/>
-            <a:ext cx="2743200" cy="365125"/>
-          </a:xfrm>
-        </p:spPr>
-        <p:txBody>
-          <a:bodyPr rtlCol="0"/>
+              <a:rPr lang="es-ES" dirty="0"/>
+              <a:t>ÁREAS DE ENFOQUE</a:t>
+            </a:r>
+          </a:p>
+        </p:txBody>
+      </p:sp>
+      <p:sp>
+        <p:nvSpPr>
+          <p:cNvPr id="4" name="Marcador de contenido 3">
+            <a:extLst>
+              <a:ext uri="{FF2B5EF4-FFF2-40B4-BE49-F238E27FC236}">
+                <a16:creationId xmlns:a16="http://schemas.microsoft.com/office/drawing/2014/main" id="{33D8731E-4977-402E-8BFD-895B4D0544CC}"/>
+              </a:ext>
+            </a:extLst>
+          </p:cNvPr>
+          <p:cNvSpPr>
+            <a:spLocks noGrp="1"/>
+          </p:cNvSpPr>
+          <p:nvPr>
+            <p:ph sz="half" idx="2"/>
+          </p:nvPr>
+        </p:nvSpPr>
+        <p:spPr>
+          <a:xfrm>
+            <a:off x="2933700" y="3834606"/>
+            <a:ext cx="3924300" cy="1997867"/>
+          </a:xfrm>
+        </p:spPr>
+        <p:txBody>
+          <a:bodyPr rtlCol="0">
+            <a:normAutofit/>
+          </a:bodyPr>
           <a:lstStyle>
             <a:defPPr>
               <a:defRPr lang="es-ES"/>
@@ -15933,36 +15355,52 @@
           <a:p>
             <a:pPr rtl="0"/>
             <a:r>
-              <a:rPr lang="es-ES"/>
-              <a:t>20XX</a:t>
-            </a:r>
-          </a:p>
-        </p:txBody>
-      </p:sp>
-      <p:sp>
-        <p:nvSpPr>
-          <p:cNvPr id="57" name="Marcador de pie de página 56">
-            <a:extLst>
-              <a:ext uri="{FF2B5EF4-FFF2-40B4-BE49-F238E27FC236}">
-                <a16:creationId xmlns:a16="http://schemas.microsoft.com/office/drawing/2014/main" id="{3A38BE84-957B-46B9-A315-4B5064DFF1A1}"/>
-              </a:ext>
-            </a:extLst>
-          </p:cNvPr>
-          <p:cNvSpPr>
-            <a:spLocks noGrp="1"/>
-          </p:cNvSpPr>
-          <p:nvPr>
-            <p:ph type="ftr" sz="quarter" idx="11"/>
-          </p:nvPr>
-        </p:nvSpPr>
-        <p:spPr>
-          <a:xfrm>
-            <a:off x="4038600" y="6356350"/>
-            <a:ext cx="4114800" cy="365125"/>
-          </a:xfrm>
-        </p:spPr>
-        <p:txBody>
-          <a:bodyPr rtlCol="0"/>
+              <a:rPr lang="es-ES" dirty="0"/>
+              <a:t>Desarrollar estrategias ganadoras para seguir a la vanguardia de la competencia</a:t>
+            </a:r>
+          </a:p>
+          <a:p>
+            <a:pPr rtl="0"/>
+            <a:r>
+              <a:rPr lang="es-ES" dirty="0"/>
+              <a:t>​Aprovechar los frutos obtenidos para identificar un valor en el terreno de juego</a:t>
+            </a:r>
+          </a:p>
+          <a:p>
+            <a:pPr rtl="0"/>
+            <a:r>
+              <a:rPr lang="es-ES" dirty="0"/>
+              <a:t>​Visualizar la convergencia dirigida al cliente</a:t>
+            </a:r>
+          </a:p>
+        </p:txBody>
+      </p:sp>
+      <p:sp>
+        <p:nvSpPr>
+          <p:cNvPr id="6" name="Marcador de contenido 5">
+            <a:extLst>
+              <a:ext uri="{FF2B5EF4-FFF2-40B4-BE49-F238E27FC236}">
+                <a16:creationId xmlns:a16="http://schemas.microsoft.com/office/drawing/2014/main" id="{50B65871-FA95-449A-B8BC-90486DE532EF}"/>
+              </a:ext>
+            </a:extLst>
+          </p:cNvPr>
+          <p:cNvSpPr>
+            <a:spLocks noGrp="1"/>
+          </p:cNvSpPr>
+          <p:nvPr>
+            <p:ph sz="quarter" idx="4"/>
+          </p:nvPr>
+        </p:nvSpPr>
+        <p:spPr>
+          <a:xfrm>
+            <a:off x="7410173" y="3834606"/>
+            <a:ext cx="3943627" cy="1997867"/>
+          </a:xfrm>
+        </p:spPr>
+        <p:txBody>
+          <a:bodyPr rtlCol="0">
+            <a:normAutofit/>
+          </a:bodyPr>
           <a:lstStyle>
             <a:defPPr>
               <a:defRPr lang="es-ES"/>
@@ -15971,7 +15409,90 @@
           <a:p>
             <a:pPr rtl="0"/>
             <a:r>
-              <a:rPr lang="es-ES"/>
+              <a:rPr lang="es-ES" dirty="0"/>
+              <a:t>Enfoques iterativos para una estrategia corporativa</a:t>
+            </a:r>
+          </a:p>
+          <a:p>
+            <a:pPr rtl="0"/>
+            <a:r>
+              <a:rPr lang="es-ES" dirty="0"/>
+              <a:t>​Establecer un marco de administración desde dentro</a:t>
+            </a:r>
+          </a:p>
+        </p:txBody>
+      </p:sp>
+      <p:sp>
+        <p:nvSpPr>
+          <p:cNvPr id="7" name="Marcador de fecha 6">
+            <a:extLst>
+              <a:ext uri="{FF2B5EF4-FFF2-40B4-BE49-F238E27FC236}">
+                <a16:creationId xmlns:a16="http://schemas.microsoft.com/office/drawing/2014/main" id="{B2A46C4A-D036-4440-BB64-6754F4FF27C1}"/>
+              </a:ext>
+            </a:extLst>
+          </p:cNvPr>
+          <p:cNvSpPr>
+            <a:spLocks noGrp="1"/>
+          </p:cNvSpPr>
+          <p:nvPr>
+            <p:ph type="dt" sz="half" idx="10"/>
+          </p:nvPr>
+        </p:nvSpPr>
+        <p:spPr>
+          <a:xfrm>
+            <a:off x="838200" y="6356350"/>
+            <a:ext cx="2743200" cy="365125"/>
+          </a:xfrm>
+        </p:spPr>
+        <p:txBody>
+          <a:bodyPr rtlCol="0"/>
+          <a:lstStyle>
+            <a:defPPr>
+              <a:defRPr lang="es-ES"/>
+            </a:defPPr>
+          </a:lstStyle>
+          <a:p>
+            <a:pPr rtl="0"/>
+            <a:r>
+              <a:rPr lang="es-ES" dirty="0"/>
+              <a:t>20XX</a:t>
+            </a:r>
+          </a:p>
+        </p:txBody>
+      </p:sp>
+      <p:sp>
+        <p:nvSpPr>
+          <p:cNvPr id="8" name="Marcador de pie de página 7">
+            <a:extLst>
+              <a:ext uri="{FF2B5EF4-FFF2-40B4-BE49-F238E27FC236}">
+                <a16:creationId xmlns:a16="http://schemas.microsoft.com/office/drawing/2014/main" id="{905F172A-5D5D-43CD-A187-DA0D303F4144}"/>
+              </a:ext>
+            </a:extLst>
+          </p:cNvPr>
+          <p:cNvSpPr>
+            <a:spLocks noGrp="1"/>
+          </p:cNvSpPr>
+          <p:nvPr>
+            <p:ph type="ftr" sz="quarter" idx="11"/>
+          </p:nvPr>
+        </p:nvSpPr>
+        <p:spPr>
+          <a:xfrm>
+            <a:off x="4038600" y="6356350"/>
+            <a:ext cx="4114800" cy="365125"/>
+          </a:xfrm>
+        </p:spPr>
+        <p:txBody>
+          <a:bodyPr rtlCol="0"/>
+          <a:lstStyle>
+            <a:defPPr>
+              <a:defRPr lang="es-ES"/>
+            </a:defPPr>
+          </a:lstStyle>
+          <a:p>
+            <a:pPr rtl="0"/>
+            <a:r>
+              <a:rPr lang="es-ES" dirty="0"/>
               <a:t>TÍTULO DE LA PRESENTACIÓN</a:t>
             </a:r>
           </a:p>
@@ -15979,10 +15500,10 @@
       </p:sp>
       <p:sp>
         <p:nvSpPr>
-          <p:cNvPr id="58" name="Marcador de número de diapositiva 57">
-            <a:extLst>
-              <a:ext uri="{FF2B5EF4-FFF2-40B4-BE49-F238E27FC236}">
-                <a16:creationId xmlns:a16="http://schemas.microsoft.com/office/drawing/2014/main" id="{E1900601-8B04-4FF3-B06F-6BEFAC6556D3}"/>
+          <p:cNvPr id="9" name="Marcador de número de diapositiva 8">
+            <a:extLst>
+              <a:ext uri="{FF2B5EF4-FFF2-40B4-BE49-F238E27FC236}">
+                <a16:creationId xmlns:a16="http://schemas.microsoft.com/office/drawing/2014/main" id="{C396FFDC-ADE8-4009-A466-A81787258E88}"/>
               </a:ext>
             </a:extLst>
           </p:cNvPr>
@@ -16017,54 +15538,196 @@
           </a:p>
         </p:txBody>
       </p:sp>
-      <p:sp>
-        <p:nvSpPr>
-          <p:cNvPr id="326" name="Marcador de texto 2">
-            <a:extLst>
-              <a:ext uri="{FF2B5EF4-FFF2-40B4-BE49-F238E27FC236}">
-                <a16:creationId xmlns:a16="http://schemas.microsoft.com/office/drawing/2014/main" id="{7B160DB7-BDF4-9939-C740-26EBBB3E0189}"/>
-              </a:ext>
-            </a:extLst>
-          </p:cNvPr>
-          <p:cNvSpPr>
-            <a:spLocks noGrp="1"/>
-          </p:cNvSpPr>
-          <p:nvPr>
-            <p:ph type="body" idx="1"/>
-          </p:nvPr>
-        </p:nvSpPr>
-        <p:spPr>
-          <a:xfrm>
-            <a:off x="1362074" y="2452812"/>
-            <a:ext cx="9605756" cy="2912564"/>
-          </a:xfrm>
-        </p:spPr>
-        <p:txBody>
-          <a:bodyPr rtlCol="0">
-            <a:normAutofit/>
-          </a:bodyPr>
-          <a:lstStyle>
-            <a:defPPr>
-              <a:defRPr lang="es-ES"/>
-            </a:defPPr>
-          </a:lstStyle>
-          <a:p>
-            <a:pPr rtl="0"/>
-            <a:r>
-              <a:rPr lang="es-ES" sz="1400" dirty="0"/>
-              <a:t>ADD CONCLUSIONS HERE</a:t>
-            </a:r>
-          </a:p>
-          <a:p>
-            <a:pPr rtl="0"/>
-            <a:endParaRPr lang="es-ES" sz="1400" dirty="0"/>
+      <p:pic>
+        <p:nvPicPr>
+          <p:cNvPr id="13" name="Picture 12" descr="A screen shot of a graph&#10;&#10;Description automatically generated">
+            <a:extLst>
+              <a:ext uri="{FF2B5EF4-FFF2-40B4-BE49-F238E27FC236}">
+                <a16:creationId xmlns:a16="http://schemas.microsoft.com/office/drawing/2014/main" id="{E60AB1D9-9C5A-747D-509D-E89744A34532}"/>
+              </a:ext>
+            </a:extLst>
+          </p:cNvPr>
+          <p:cNvPicPr>
+            <a:picLocks noChangeAspect="1"/>
+          </p:cNvPicPr>
+          <p:nvPr/>
+        </p:nvPicPr>
+        <p:blipFill>
+          <a:blip r:embed="rId3"/>
+          <a:stretch>
+            <a:fillRect/>
+          </a:stretch>
+        </p:blipFill>
+        <p:spPr>
+          <a:xfrm>
+            <a:off x="952500" y="-270704"/>
+            <a:ext cx="10287000" cy="6858000"/>
+          </a:xfrm>
+          <a:prstGeom prst="rect">
+            <a:avLst/>
+          </a:prstGeom>
+        </p:spPr>
+      </p:pic>
+      <p:sp>
+        <p:nvSpPr>
+          <p:cNvPr id="3" name="Oval 2">
+            <a:extLst>
+              <a:ext uri="{FF2B5EF4-FFF2-40B4-BE49-F238E27FC236}">
+                <a16:creationId xmlns:a16="http://schemas.microsoft.com/office/drawing/2014/main" id="{6998A596-109F-B8E6-01A0-E9158D7D8FC0}"/>
+              </a:ext>
+            </a:extLst>
+          </p:cNvPr>
+          <p:cNvSpPr/>
+          <p:nvPr/>
+        </p:nvSpPr>
+        <p:spPr>
+          <a:xfrm>
+            <a:off x="8379242" y="553419"/>
+            <a:ext cx="542236" cy="520008"/>
+          </a:xfrm>
+          <a:prstGeom prst="ellipse">
+            <a:avLst/>
+          </a:prstGeom>
+          <a:noFill/>
+          <a:ln w="28575">
+            <a:solidFill>
+              <a:srgbClr val="AE2012"/>
+            </a:solidFill>
+          </a:ln>
+        </p:spPr>
+        <p:style>
+          <a:lnRef idx="2">
+            <a:schemeClr val="accent1">
+              <a:shade val="15000"/>
+            </a:schemeClr>
+          </a:lnRef>
+          <a:fillRef idx="1">
+            <a:schemeClr val="accent1"/>
+          </a:fillRef>
+          <a:effectRef idx="0">
+            <a:schemeClr val="accent1"/>
+          </a:effectRef>
+          <a:fontRef idx="minor">
+            <a:schemeClr val="lt1"/>
+          </a:fontRef>
+        </p:style>
+        <p:txBody>
+          <a:bodyPr rtlCol="0" anchor="ctr"/>
+          <a:lstStyle/>
+          <a:p>
+            <a:pPr algn="ctr"/>
+            <a:endParaRPr lang="es-US" dirty="0"/>
+          </a:p>
+        </p:txBody>
+      </p:sp>
+      <p:sp>
+        <p:nvSpPr>
+          <p:cNvPr id="5" name="Oval 4">
+            <a:extLst>
+              <a:ext uri="{FF2B5EF4-FFF2-40B4-BE49-F238E27FC236}">
+                <a16:creationId xmlns:a16="http://schemas.microsoft.com/office/drawing/2014/main" id="{C7C02EDF-94D5-CA69-341D-1FC4D160C02F}"/>
+              </a:ext>
+            </a:extLst>
+          </p:cNvPr>
+          <p:cNvSpPr/>
+          <p:nvPr/>
+        </p:nvSpPr>
+        <p:spPr>
+          <a:xfrm>
+            <a:off x="9093212" y="1068592"/>
+            <a:ext cx="542236" cy="520008"/>
+          </a:xfrm>
+          <a:prstGeom prst="ellipse">
+            <a:avLst/>
+          </a:prstGeom>
+          <a:noFill/>
+          <a:ln w="28575">
+            <a:solidFill>
+              <a:srgbClr val="AE2012"/>
+            </a:solidFill>
+          </a:ln>
+        </p:spPr>
+        <p:style>
+          <a:lnRef idx="2">
+            <a:schemeClr val="accent1">
+              <a:shade val="15000"/>
+            </a:schemeClr>
+          </a:lnRef>
+          <a:fillRef idx="1">
+            <a:schemeClr val="accent1"/>
+          </a:fillRef>
+          <a:effectRef idx="0">
+            <a:schemeClr val="accent1"/>
+          </a:effectRef>
+          <a:fontRef idx="minor">
+            <a:schemeClr val="lt1"/>
+          </a:fontRef>
+        </p:style>
+        <p:txBody>
+          <a:bodyPr rtlCol="0" anchor="ctr"/>
+          <a:lstStyle/>
+          <a:p>
+            <a:pPr algn="ctr"/>
+            <a:endParaRPr lang="es-US" dirty="0"/>
+          </a:p>
+        </p:txBody>
+      </p:sp>
+      <p:sp>
+        <p:nvSpPr>
+          <p:cNvPr id="10" name="Oval 9">
+            <a:extLst>
+              <a:ext uri="{FF2B5EF4-FFF2-40B4-BE49-F238E27FC236}">
+                <a16:creationId xmlns:a16="http://schemas.microsoft.com/office/drawing/2014/main" id="{64A443F8-ECCA-45EA-A97B-BE2AF1627D03}"/>
+              </a:ext>
+            </a:extLst>
+          </p:cNvPr>
+          <p:cNvSpPr/>
+          <p:nvPr/>
+        </p:nvSpPr>
+        <p:spPr>
+          <a:xfrm>
+            <a:off x="8372608" y="2892446"/>
+            <a:ext cx="542236" cy="520008"/>
+          </a:xfrm>
+          <a:prstGeom prst="ellipse">
+            <a:avLst/>
+          </a:prstGeom>
+          <a:noFill/>
+          <a:ln w="28575">
+            <a:solidFill>
+              <a:srgbClr val="AE2012"/>
+            </a:solidFill>
+          </a:ln>
+        </p:spPr>
+        <p:style>
+          <a:lnRef idx="2">
+            <a:schemeClr val="accent1">
+              <a:shade val="15000"/>
+            </a:schemeClr>
+          </a:lnRef>
+          <a:fillRef idx="1">
+            <a:schemeClr val="accent1"/>
+          </a:fillRef>
+          <a:effectRef idx="0">
+            <a:schemeClr val="accent1"/>
+          </a:effectRef>
+          <a:fontRef idx="minor">
+            <a:schemeClr val="lt1"/>
+          </a:fontRef>
+        </p:style>
+        <p:txBody>
+          <a:bodyPr rtlCol="0" anchor="ctr"/>
+          <a:lstStyle/>
+          <a:p>
+            <a:pPr algn="ctr"/>
+            <a:endParaRPr lang="es-US" dirty="0"/>
           </a:p>
         </p:txBody>
       </p:sp>
     </p:spTree>
     <p:extLst>
       <p:ext uri="{BB962C8B-B14F-4D97-AF65-F5344CB8AC3E}">
-        <p14:creationId xmlns:p14="http://schemas.microsoft.com/office/powerpoint/2010/main" val="2491923539"/>
+        <p14:creationId xmlns:p14="http://schemas.microsoft.com/office/powerpoint/2010/main" val="144498883"/>
       </p:ext>
     </p:extLst>
   </p:cSld>
@@ -16093,24 +15756,24 @@
       </p:grpSpPr>
       <p:sp>
         <p:nvSpPr>
-          <p:cNvPr id="2" name="Título 1">
-            <a:extLst>
-              <a:ext uri="{FF2B5EF4-FFF2-40B4-BE49-F238E27FC236}">
-                <a16:creationId xmlns:a16="http://schemas.microsoft.com/office/drawing/2014/main" id="{B1FE5F11-B7B9-4B80-8C6A-A8A7A7190B77}"/>
-              </a:ext>
-            </a:extLst>
-          </p:cNvPr>
-          <p:cNvSpPr>
-            <a:spLocks noGrp="1"/>
-          </p:cNvSpPr>
-          <p:nvPr>
-            <p:ph type="ctrTitle"/>
-          </p:nvPr>
-        </p:nvSpPr>
-        <p:spPr>
-          <a:xfrm>
-            <a:off x="6458964" y="2945452"/>
-            <a:ext cx="5074920" cy="967095"/>
+          <p:cNvPr id="3" name="Título 2">
+            <a:extLst>
+              <a:ext uri="{FF2B5EF4-FFF2-40B4-BE49-F238E27FC236}">
+                <a16:creationId xmlns:a16="http://schemas.microsoft.com/office/drawing/2014/main" id="{77762301-F83A-4BEA-9D11-E6C99FB574A8}"/>
+              </a:ext>
+            </a:extLst>
+          </p:cNvPr>
+          <p:cNvSpPr>
+            <a:spLocks noGrp="1"/>
+          </p:cNvSpPr>
+          <p:nvPr>
+            <p:ph type="title"/>
+          </p:nvPr>
+        </p:nvSpPr>
+        <p:spPr>
+          <a:xfrm>
+            <a:off x="838200" y="365125"/>
+            <a:ext cx="10515600" cy="1325563"/>
           </a:xfrm>
         </p:spPr>
         <p:txBody>
@@ -16123,16 +15786,161 @@
           <a:p>
             <a:pPr rtl="0"/>
             <a:r>
-              <a:rPr lang="en-US" sz="2800" dirty="0"/>
-              <a:t>Limitations and next steps</a:t>
-            </a:r>
-          </a:p>
-        </p:txBody>
-      </p:sp>
+              <a:rPr lang="es-ES" dirty="0"/>
+              <a:t>Top yearly earnings</a:t>
+            </a:r>
+          </a:p>
+        </p:txBody>
+      </p:sp>
+      <p:sp>
+        <p:nvSpPr>
+          <p:cNvPr id="6" name="Marcador de fecha 5">
+            <a:extLst>
+              <a:ext uri="{FF2B5EF4-FFF2-40B4-BE49-F238E27FC236}">
+                <a16:creationId xmlns:a16="http://schemas.microsoft.com/office/drawing/2014/main" id="{3627CC26-34EF-4BB9-B289-9EC56B07D1E6}"/>
+              </a:ext>
+            </a:extLst>
+          </p:cNvPr>
+          <p:cNvSpPr>
+            <a:spLocks noGrp="1"/>
+          </p:cNvSpPr>
+          <p:nvPr>
+            <p:ph type="dt" sz="half" idx="10"/>
+          </p:nvPr>
+        </p:nvSpPr>
+        <p:spPr>
+          <a:xfrm>
+            <a:off x="838200" y="6356350"/>
+            <a:ext cx="2743200" cy="365125"/>
+          </a:xfrm>
+        </p:spPr>
+        <p:txBody>
+          <a:bodyPr rtlCol="0"/>
+          <a:lstStyle>
+            <a:defPPr>
+              <a:defRPr lang="es-ES"/>
+            </a:defPPr>
+          </a:lstStyle>
+          <a:p>
+            <a:pPr rtl="0"/>
+            <a:r>
+              <a:rPr lang="es-ES" dirty="0"/>
+              <a:t>20XX</a:t>
+            </a:r>
+          </a:p>
+        </p:txBody>
+      </p:sp>
+      <p:sp>
+        <p:nvSpPr>
+          <p:cNvPr id="7" name="Marcador de pie de página 6">
+            <a:extLst>
+              <a:ext uri="{FF2B5EF4-FFF2-40B4-BE49-F238E27FC236}">
+                <a16:creationId xmlns:a16="http://schemas.microsoft.com/office/drawing/2014/main" id="{4E98E6AD-9D37-499C-898E-ED12AC36D31D}"/>
+              </a:ext>
+            </a:extLst>
+          </p:cNvPr>
+          <p:cNvSpPr>
+            <a:spLocks noGrp="1"/>
+          </p:cNvSpPr>
+          <p:nvPr>
+            <p:ph type="ftr" sz="quarter" idx="11"/>
+          </p:nvPr>
+        </p:nvSpPr>
+        <p:spPr>
+          <a:xfrm>
+            <a:off x="4038600" y="6356350"/>
+            <a:ext cx="4114800" cy="365125"/>
+          </a:xfrm>
+        </p:spPr>
+        <p:txBody>
+          <a:bodyPr rtlCol="0"/>
+          <a:lstStyle>
+            <a:defPPr>
+              <a:defRPr lang="es-ES"/>
+            </a:defPPr>
+          </a:lstStyle>
+          <a:p>
+            <a:pPr rtl="0"/>
+            <a:r>
+              <a:rPr lang="es-ES" dirty="0"/>
+              <a:t>TÍTULO DE LA PRESENTACIÓN</a:t>
+            </a:r>
+          </a:p>
+        </p:txBody>
+      </p:sp>
+      <p:sp>
+        <p:nvSpPr>
+          <p:cNvPr id="8" name="Marcador de número de diapositiva 7">
+            <a:extLst>
+              <a:ext uri="{FF2B5EF4-FFF2-40B4-BE49-F238E27FC236}">
+                <a16:creationId xmlns:a16="http://schemas.microsoft.com/office/drawing/2014/main" id="{92908AF9-2A07-4B50-BC13-471792106EC8}"/>
+              </a:ext>
+            </a:extLst>
+          </p:cNvPr>
+          <p:cNvSpPr>
+            <a:spLocks noGrp="1"/>
+          </p:cNvSpPr>
+          <p:nvPr>
+            <p:ph type="sldNum" sz="quarter" idx="12"/>
+          </p:nvPr>
+        </p:nvSpPr>
+        <p:spPr>
+          <a:xfrm>
+            <a:off x="8610600" y="6356350"/>
+            <a:ext cx="2743200" cy="365125"/>
+          </a:xfrm>
+        </p:spPr>
+        <p:txBody>
+          <a:bodyPr rtlCol="0"/>
+          <a:lstStyle>
+            <a:defPPr>
+              <a:defRPr lang="es-ES"/>
+            </a:defPPr>
+          </a:lstStyle>
+          <a:p>
+            <a:pPr rtl="0"/>
+            <a:fld id="{A49DFD55-3C28-40EF-9E31-A92D2E4017FF}" type="slidenum">
+              <a:rPr lang="es-ES" smtClean="0"/>
+              <a:pPr rtl="0"/>
+              <a:t>19</a:t>
+            </a:fld>
+            <a:endParaRPr lang="es-ES" dirty="0"/>
+          </a:p>
+        </p:txBody>
+      </p:sp>
+      <p:pic>
+        <p:nvPicPr>
+          <p:cNvPr id="12" name="Picture 11">
+            <a:extLst>
+              <a:ext uri="{FF2B5EF4-FFF2-40B4-BE49-F238E27FC236}">
+                <a16:creationId xmlns:a16="http://schemas.microsoft.com/office/drawing/2014/main" id="{A612C06D-D748-DBF6-C6F2-9FD984C2E43C}"/>
+              </a:ext>
+            </a:extLst>
+          </p:cNvPr>
+          <p:cNvPicPr>
+            <a:picLocks noChangeAspect="1"/>
+          </p:cNvPicPr>
+          <p:nvPr/>
+        </p:nvPicPr>
+        <p:blipFill rotWithShape="1">
+          <a:blip r:embed="rId3"/>
+          <a:srcRect l="1029" t="899" r="4413" b="4063"/>
+          <a:stretch/>
+        </p:blipFill>
+        <p:spPr>
+          <a:xfrm>
+            <a:off x="331694" y="1564341"/>
+            <a:ext cx="11528612" cy="4173071"/>
+          </a:xfrm>
+          <a:prstGeom prst="rect">
+            <a:avLst/>
+          </a:prstGeom>
+        </p:spPr>
+      </p:pic>
     </p:spTree>
     <p:extLst>
       <p:ext uri="{BB962C8B-B14F-4D97-AF65-F5344CB8AC3E}">
-        <p14:creationId xmlns:p14="http://schemas.microsoft.com/office/powerpoint/2010/main" val="3671601111"/>
+        <p14:creationId xmlns:p14="http://schemas.microsoft.com/office/powerpoint/2010/main" val="2896385493"/>
       </p:ext>
     </p:extLst>
   </p:cSld>
@@ -16231,380 +16039,22 @@
           <a:p>
             <a:pPr algn="just" rtl="0"/>
             <a:r>
-              <a:rPr lang="es-ES" dirty="0" err="1"/>
-              <a:t>The</a:t>
-            </a:r>
-            <a:r>
               <a:rPr lang="es-ES" dirty="0"/>
-              <a:t> </a:t>
-            </a:r>
-            <a:r>
-              <a:rPr lang="es-ES" dirty="0" err="1"/>
-              <a:t>sports</a:t>
-            </a:r>
+              <a:t>The sports industry is valued in ~ US$ 500 BN worldwide and is growing 5.9% annually according to A.T. Kerney.</a:t>
+            </a:r>
+          </a:p>
+          <a:p>
+            <a:pPr algn="just" rtl="0"/>
             <a:r>
               <a:rPr lang="es-ES" dirty="0"/>
-              <a:t> </a:t>
-            </a:r>
-            <a:r>
-              <a:rPr lang="es-ES" dirty="0" err="1"/>
-              <a:t>industry</a:t>
-            </a:r>
+              <a:t>In 2018, sports sponsorships in N. America amounted to US$ 17 BN. This year, it is estimated to reach US$ 50 BN worldwide</a:t>
+            </a:r>
+          </a:p>
+          <a:p>
+            <a:pPr algn="just" rtl="0"/>
             <a:r>
               <a:rPr lang="es-ES" dirty="0"/>
-              <a:t> </a:t>
-            </a:r>
-            <a:r>
-              <a:rPr lang="es-ES" dirty="0" err="1"/>
-              <a:t>is</a:t>
-            </a:r>
-            <a:r>
-              <a:rPr lang="es-ES" dirty="0"/>
-              <a:t> </a:t>
-            </a:r>
-            <a:r>
-              <a:rPr lang="es-ES" dirty="0" err="1"/>
-              <a:t>valued</a:t>
-            </a:r>
-            <a:r>
-              <a:rPr lang="es-ES" dirty="0"/>
-              <a:t> in ~ US$ 500 BN </a:t>
-            </a:r>
-            <a:r>
-              <a:rPr lang="es-ES" dirty="0" err="1"/>
-              <a:t>worldwide</a:t>
-            </a:r>
-            <a:r>
-              <a:rPr lang="es-ES" dirty="0"/>
-              <a:t> and </a:t>
-            </a:r>
-            <a:r>
-              <a:rPr lang="es-ES" dirty="0" err="1"/>
-              <a:t>is</a:t>
-            </a:r>
-            <a:r>
-              <a:rPr lang="es-ES" dirty="0"/>
-              <a:t> </a:t>
-            </a:r>
-            <a:r>
-              <a:rPr lang="es-ES" dirty="0" err="1"/>
-              <a:t>growing</a:t>
-            </a:r>
-            <a:r>
-              <a:rPr lang="es-ES" dirty="0"/>
-              <a:t> 5.9% </a:t>
-            </a:r>
-            <a:r>
-              <a:rPr lang="es-ES" dirty="0" err="1"/>
-              <a:t>annually</a:t>
-            </a:r>
-            <a:r>
-              <a:rPr lang="es-ES" dirty="0"/>
-              <a:t> </a:t>
-            </a:r>
-            <a:r>
-              <a:rPr lang="es-ES" dirty="0" err="1"/>
-              <a:t>according</a:t>
-            </a:r>
-            <a:r>
-              <a:rPr lang="es-ES" dirty="0"/>
-              <a:t> </a:t>
-            </a:r>
-            <a:r>
-              <a:rPr lang="es-ES" dirty="0" err="1"/>
-              <a:t>to</a:t>
-            </a:r>
-            <a:r>
-              <a:rPr lang="es-ES" dirty="0"/>
-              <a:t> A.T. </a:t>
-            </a:r>
-            <a:r>
-              <a:rPr lang="es-ES" dirty="0" err="1"/>
-              <a:t>Kerney</a:t>
-            </a:r>
-            <a:r>
-              <a:rPr lang="es-ES" dirty="0"/>
-              <a:t>.</a:t>
-            </a:r>
-          </a:p>
-          <a:p>
-            <a:pPr algn="just" rtl="0"/>
-            <a:r>
-              <a:rPr lang="es-ES" dirty="0"/>
-              <a:t>In 2018, </a:t>
-            </a:r>
-            <a:r>
-              <a:rPr lang="es-ES" dirty="0" err="1"/>
-              <a:t>sports</a:t>
-            </a:r>
-            <a:r>
-              <a:rPr lang="es-ES" dirty="0"/>
-              <a:t> </a:t>
-            </a:r>
-            <a:r>
-              <a:rPr lang="es-ES" dirty="0" err="1"/>
-              <a:t>sponsorships</a:t>
-            </a:r>
-            <a:r>
-              <a:rPr lang="es-ES" dirty="0"/>
-              <a:t> in N. </a:t>
-            </a:r>
-            <a:r>
-              <a:rPr lang="es-ES" dirty="0" err="1"/>
-              <a:t>America</a:t>
-            </a:r>
-            <a:r>
-              <a:rPr lang="es-ES" dirty="0"/>
-              <a:t> </a:t>
-            </a:r>
-            <a:r>
-              <a:rPr lang="es-ES" dirty="0" err="1"/>
-              <a:t>amounted</a:t>
-            </a:r>
-            <a:r>
-              <a:rPr lang="es-ES" dirty="0"/>
-              <a:t> </a:t>
-            </a:r>
-            <a:r>
-              <a:rPr lang="es-ES" dirty="0" err="1"/>
-              <a:t>to</a:t>
-            </a:r>
-            <a:r>
-              <a:rPr lang="es-ES" dirty="0"/>
-              <a:t> US$ 17 BN. </a:t>
-            </a:r>
-            <a:r>
-              <a:rPr lang="es-ES" dirty="0" err="1"/>
-              <a:t>This</a:t>
-            </a:r>
-            <a:r>
-              <a:rPr lang="es-ES" dirty="0"/>
-              <a:t> </a:t>
-            </a:r>
-            <a:r>
-              <a:rPr lang="es-ES" dirty="0" err="1"/>
-              <a:t>year</a:t>
-            </a:r>
-            <a:r>
-              <a:rPr lang="es-ES" dirty="0"/>
-              <a:t>, </a:t>
-            </a:r>
-            <a:r>
-              <a:rPr lang="es-ES" dirty="0" err="1"/>
-              <a:t>it</a:t>
-            </a:r>
-            <a:r>
-              <a:rPr lang="es-ES" dirty="0"/>
-              <a:t> </a:t>
-            </a:r>
-            <a:r>
-              <a:rPr lang="es-ES" dirty="0" err="1"/>
-              <a:t>is</a:t>
-            </a:r>
-            <a:r>
-              <a:rPr lang="es-ES" dirty="0"/>
-              <a:t> </a:t>
-            </a:r>
-            <a:r>
-              <a:rPr lang="es-ES" dirty="0" err="1"/>
-              <a:t>estimated</a:t>
-            </a:r>
-            <a:r>
-              <a:rPr lang="es-ES" dirty="0"/>
-              <a:t> </a:t>
-            </a:r>
-            <a:r>
-              <a:rPr lang="es-ES" dirty="0" err="1"/>
-              <a:t>to</a:t>
-            </a:r>
-            <a:r>
-              <a:rPr lang="es-ES" dirty="0"/>
-              <a:t> </a:t>
-            </a:r>
-            <a:r>
-              <a:rPr lang="es-ES" dirty="0" err="1"/>
-              <a:t>reach</a:t>
-            </a:r>
-            <a:r>
-              <a:rPr lang="es-ES" dirty="0"/>
-              <a:t> US$ 50 BN </a:t>
-            </a:r>
-            <a:r>
-              <a:rPr lang="es-ES" dirty="0" err="1"/>
-              <a:t>worldwide</a:t>
-            </a:r>
-            <a:endParaRPr lang="es-ES" dirty="0"/>
-          </a:p>
-          <a:p>
-            <a:pPr algn="just" rtl="0"/>
-            <a:r>
-              <a:rPr lang="es-ES" dirty="0" err="1"/>
-              <a:t>The</a:t>
-            </a:r>
-            <a:r>
-              <a:rPr lang="es-ES" dirty="0"/>
-              <a:t> </a:t>
-            </a:r>
-            <a:r>
-              <a:rPr lang="es-ES" dirty="0" err="1"/>
-              <a:t>most</a:t>
-            </a:r>
-            <a:r>
-              <a:rPr lang="es-ES" dirty="0"/>
-              <a:t> </a:t>
-            </a:r>
-            <a:r>
-              <a:rPr lang="es-ES" dirty="0" err="1"/>
-              <a:t>valuable</a:t>
-            </a:r>
-            <a:r>
-              <a:rPr lang="es-ES" dirty="0"/>
-              <a:t> single </a:t>
-            </a:r>
-            <a:r>
-              <a:rPr lang="es-ES" dirty="0" err="1"/>
-              <a:t>sporting</a:t>
-            </a:r>
-            <a:r>
-              <a:rPr lang="es-ES" dirty="0"/>
-              <a:t> </a:t>
-            </a:r>
-            <a:r>
-              <a:rPr lang="es-ES" dirty="0" err="1"/>
-              <a:t>event</a:t>
-            </a:r>
-            <a:r>
-              <a:rPr lang="es-ES" dirty="0"/>
-              <a:t> in </a:t>
-            </a:r>
-            <a:r>
-              <a:rPr lang="es-ES" dirty="0" err="1"/>
-              <a:t>the</a:t>
-            </a:r>
-            <a:r>
-              <a:rPr lang="es-ES" dirty="0"/>
-              <a:t> </a:t>
-            </a:r>
-            <a:r>
-              <a:rPr lang="es-ES" dirty="0" err="1"/>
-              <a:t>world</a:t>
-            </a:r>
-            <a:r>
-              <a:rPr lang="es-ES" dirty="0"/>
-              <a:t> </a:t>
-            </a:r>
-            <a:r>
-              <a:rPr lang="es-ES" dirty="0" err="1"/>
-              <a:t>is</a:t>
-            </a:r>
-            <a:r>
-              <a:rPr lang="es-ES" dirty="0"/>
-              <a:t> </a:t>
-            </a:r>
-            <a:r>
-              <a:rPr lang="es-ES" dirty="0" err="1"/>
-              <a:t>valued</a:t>
-            </a:r>
-            <a:r>
-              <a:rPr lang="es-ES" dirty="0"/>
-              <a:t> in US$ 379 M. </a:t>
-            </a:r>
-            <a:r>
-              <a:rPr lang="es-ES" dirty="0" err="1"/>
-              <a:t>It’s</a:t>
-            </a:r>
-            <a:r>
-              <a:rPr lang="es-ES" dirty="0"/>
-              <a:t> </a:t>
-            </a:r>
-            <a:r>
-              <a:rPr lang="es-ES" dirty="0" err="1"/>
-              <a:t>the</a:t>
-            </a:r>
-            <a:r>
-              <a:rPr lang="es-ES" dirty="0"/>
-              <a:t> NFL </a:t>
-            </a:r>
-            <a:r>
-              <a:rPr lang="es-ES" dirty="0" err="1"/>
-              <a:t>Superbowl</a:t>
-            </a:r>
-            <a:endParaRPr lang="es-ES" dirty="0"/>
-          </a:p>
-        </p:txBody>
-      </p:sp>
-      <p:sp>
-        <p:nvSpPr>
-          <p:cNvPr id="5" name="Marcador de fecha 4">
-            <a:extLst>
-              <a:ext uri="{FF2B5EF4-FFF2-40B4-BE49-F238E27FC236}">
-                <a16:creationId xmlns:a16="http://schemas.microsoft.com/office/drawing/2014/main" id="{9AB5BAF8-EA80-4AD4-8D83-5960C299573A}"/>
-              </a:ext>
-            </a:extLst>
-          </p:cNvPr>
-          <p:cNvSpPr>
-            <a:spLocks noGrp="1"/>
-          </p:cNvSpPr>
-          <p:nvPr>
-            <p:ph type="dt" sz="half" idx="10"/>
-          </p:nvPr>
-        </p:nvSpPr>
-        <p:spPr>
-          <a:xfrm>
-            <a:off x="1333500" y="6356350"/>
-            <a:ext cx="985157" cy="365125"/>
-          </a:xfrm>
-        </p:spPr>
-        <p:txBody>
-          <a:bodyPr rtlCol="0"/>
-          <a:lstStyle>
-            <a:defPPr>
-              <a:defRPr lang="es-ES"/>
-            </a:defPPr>
-          </a:lstStyle>
-          <a:p>
-            <a:pPr rtl="0"/>
-            <a:r>
-              <a:rPr lang="es-ES"/>
-              <a:t>20XX</a:t>
-            </a:r>
-          </a:p>
-        </p:txBody>
-      </p:sp>
-      <p:sp>
-        <p:nvSpPr>
-          <p:cNvPr id="4" name="Marcador de pie de página 3">
-            <a:extLst>
-              <a:ext uri="{FF2B5EF4-FFF2-40B4-BE49-F238E27FC236}">
-                <a16:creationId xmlns:a16="http://schemas.microsoft.com/office/drawing/2014/main" id="{36C19884-873C-4D13-BE6D-318CF07B0D12}"/>
-              </a:ext>
-            </a:extLst>
-          </p:cNvPr>
-          <p:cNvSpPr>
-            <a:spLocks noGrp="1"/>
-          </p:cNvSpPr>
-          <p:nvPr>
-            <p:ph type="ftr" sz="quarter" idx="11"/>
-          </p:nvPr>
-        </p:nvSpPr>
-        <p:spPr>
-          <a:xfrm>
-            <a:off x="2669886" y="6356349"/>
-            <a:ext cx="2482842" cy="365125"/>
-          </a:xfrm>
-        </p:spPr>
-        <p:txBody>
-          <a:bodyPr rtlCol="0"/>
-          <a:lstStyle>
-            <a:defPPr>
-              <a:defRPr lang="es-ES"/>
-            </a:defPPr>
-          </a:lstStyle>
-          <a:p>
-            <a:pPr rtl="0"/>
-            <a:r>
-              <a:rPr lang="es-ES" dirty="0"/>
-              <a:t>TÍTULO DE LA PRESENTACIÓN</a:t>
+              <a:t>The most valuable single sporting event in the world is valued in US$ 379 M. It’s the NFL Superbowl</a:t>
             </a:r>
           </a:p>
         </p:txBody>
@@ -16684,7 +16134,7 @@
           <p:cNvPr id="2" name="Título 1">
             <a:extLst>
               <a:ext uri="{FF2B5EF4-FFF2-40B4-BE49-F238E27FC236}">
-                <a16:creationId xmlns:a16="http://schemas.microsoft.com/office/drawing/2014/main" id="{4518FC28-E0BD-4387-B8BE-9965D1A57FF1}"/>
+                <a16:creationId xmlns:a16="http://schemas.microsoft.com/office/drawing/2014/main" id="{42DD0E59-4C68-4F87-9821-23C69713D980}"/>
               </a:ext>
             </a:extLst>
           </p:cNvPr>
@@ -16697,8 +16147,8 @@
         </p:nvSpPr>
         <p:spPr>
           <a:xfrm>
-            <a:off x="5476875" y="1671639"/>
-            <a:ext cx="5111750" cy="1204912"/>
+            <a:off x="1885156" y="892177"/>
+            <a:ext cx="8421688" cy="1325563"/>
           </a:xfrm>
         </p:spPr>
         <p:txBody>
@@ -16711,406 +16161,70 @@
           <a:p>
             <a:pPr rtl="0"/>
             <a:r>
-              <a:rPr lang="es-ES" dirty="0" err="1"/>
-              <a:t>limitations</a:t>
-            </a:r>
-            <a:endParaRPr lang="es-ES" dirty="0"/>
-          </a:p>
-        </p:txBody>
-      </p:sp>
-      <p:sp>
-        <p:nvSpPr>
-          <p:cNvPr id="3" name="Marcador de texto 2">
-            <a:extLst>
-              <a:ext uri="{FF2B5EF4-FFF2-40B4-BE49-F238E27FC236}">
-                <a16:creationId xmlns:a16="http://schemas.microsoft.com/office/drawing/2014/main" id="{FED19BCA-B61F-4EA6-A1FB-CCA3BD8506FB}"/>
-              </a:ext>
-            </a:extLst>
-          </p:cNvPr>
-          <p:cNvSpPr>
-            <a:spLocks noGrp="1"/>
-          </p:cNvSpPr>
-          <p:nvPr>
-            <p:ph type="body" idx="1"/>
-          </p:nvPr>
-        </p:nvSpPr>
-        <p:spPr>
-          <a:xfrm>
-            <a:off x="5476874" y="3014731"/>
-            <a:ext cx="5495925" cy="2033856"/>
-          </a:xfrm>
-        </p:spPr>
-        <p:txBody>
-          <a:bodyPr rtlCol="0">
-            <a:normAutofit/>
-          </a:bodyPr>
+              <a:rPr lang="es-ES" dirty="0"/>
+              <a:t>Conclusions</a:t>
+            </a:r>
+          </a:p>
+        </p:txBody>
+      </p:sp>
+      <p:sp>
+        <p:nvSpPr>
+          <p:cNvPr id="56" name="Marcador de fecha 55">
+            <a:extLst>
+              <a:ext uri="{FF2B5EF4-FFF2-40B4-BE49-F238E27FC236}">
+                <a16:creationId xmlns:a16="http://schemas.microsoft.com/office/drawing/2014/main" id="{B289356A-BDA0-4234-84F2-9F2F25D0D7BD}"/>
+              </a:ext>
+            </a:extLst>
+          </p:cNvPr>
+          <p:cNvSpPr>
+            <a:spLocks noGrp="1"/>
+          </p:cNvSpPr>
+          <p:nvPr>
+            <p:ph type="dt" sz="half" idx="10"/>
+          </p:nvPr>
+        </p:nvSpPr>
+        <p:spPr>
+          <a:xfrm>
+            <a:off x="838200" y="6356350"/>
+            <a:ext cx="2743200" cy="365125"/>
+          </a:xfrm>
+        </p:spPr>
+        <p:txBody>
+          <a:bodyPr rtlCol="0"/>
           <a:lstStyle>
             <a:defPPr>
               <a:defRPr lang="es-ES"/>
             </a:defPPr>
           </a:lstStyle>
           <a:p>
-            <a:pPr marL="342900" indent="-342900" rtl="0">
-              <a:buFont typeface="Courier New" panose="02070309020205020404" pitchFamily="49" charset="0"/>
-              <a:buChar char="o"/>
-            </a:pPr>
-            <a:r>
-              <a:rPr lang="es-ES" dirty="0" err="1"/>
-              <a:t>Database</a:t>
-            </a:r>
+            <a:pPr rtl="0"/>
             <a:r>
               <a:rPr lang="es-ES" dirty="0"/>
-              <a:t> </a:t>
-            </a:r>
-            <a:r>
-              <a:rPr lang="es-ES" dirty="0" err="1"/>
-              <a:t>only</a:t>
-            </a:r>
-            <a:r>
-              <a:rPr lang="es-ES" dirty="0"/>
-              <a:t> </a:t>
-            </a:r>
-            <a:r>
-              <a:rPr lang="es-ES" dirty="0" err="1"/>
-              <a:t>included</a:t>
-            </a:r>
-            <a:r>
-              <a:rPr lang="es-ES" dirty="0"/>
-              <a:t> top </a:t>
-            </a:r>
-            <a:r>
-              <a:rPr lang="es-ES" dirty="0" err="1"/>
-              <a:t>earners</a:t>
-            </a:r>
-            <a:r>
-              <a:rPr lang="es-ES" dirty="0"/>
-              <a:t> </a:t>
-            </a:r>
-            <a:r>
-              <a:rPr lang="es-ES" dirty="0" err="1"/>
-              <a:t>for</a:t>
-            </a:r>
-            <a:r>
-              <a:rPr lang="es-ES" dirty="0"/>
-              <a:t> </a:t>
-            </a:r>
-            <a:r>
-              <a:rPr lang="es-ES" dirty="0" err="1"/>
-              <a:t>every</a:t>
-            </a:r>
-            <a:r>
-              <a:rPr lang="es-ES" dirty="0"/>
-              <a:t> </a:t>
-            </a:r>
-            <a:r>
-              <a:rPr lang="es-ES" dirty="0" err="1"/>
-              <a:t>year</a:t>
-            </a:r>
-            <a:r>
-              <a:rPr lang="es-ES" dirty="0"/>
-              <a:t> 10. </a:t>
-            </a:r>
-            <a:r>
-              <a:rPr lang="es-ES" dirty="0" err="1"/>
-              <a:t>It</a:t>
-            </a:r>
-            <a:r>
-              <a:rPr lang="es-ES" dirty="0"/>
-              <a:t> </a:t>
-            </a:r>
-            <a:r>
-              <a:rPr lang="es-ES" dirty="0" err="1"/>
-              <a:t>would</a:t>
-            </a:r>
-            <a:r>
-              <a:rPr lang="es-ES" dirty="0"/>
-              <a:t> be </a:t>
-            </a:r>
-            <a:r>
-              <a:rPr lang="es-ES" dirty="0" err="1"/>
-              <a:t>interesting</a:t>
-            </a:r>
-            <a:r>
-              <a:rPr lang="es-ES" dirty="0"/>
-              <a:t> </a:t>
-            </a:r>
-            <a:r>
-              <a:rPr lang="es-ES" dirty="0" err="1"/>
-              <a:t>to</a:t>
-            </a:r>
-            <a:r>
-              <a:rPr lang="es-ES" dirty="0"/>
-              <a:t> </a:t>
-            </a:r>
-            <a:r>
-              <a:rPr lang="es-ES" dirty="0" err="1"/>
-              <a:t>understand</a:t>
-            </a:r>
-            <a:r>
-              <a:rPr lang="es-ES" dirty="0"/>
-              <a:t> </a:t>
-            </a:r>
-            <a:r>
-              <a:rPr lang="es-ES" dirty="0" err="1"/>
-              <a:t>if</a:t>
-            </a:r>
-            <a:r>
-              <a:rPr lang="es-ES" dirty="0"/>
-              <a:t> regional data </a:t>
-            </a:r>
-            <a:r>
-              <a:rPr lang="es-ES" dirty="0" err="1"/>
-              <a:t>behaves</a:t>
-            </a:r>
-            <a:r>
-              <a:rPr lang="es-ES" dirty="0"/>
-              <a:t> </a:t>
-            </a:r>
-            <a:r>
-              <a:rPr lang="es-ES" dirty="0" err="1"/>
-              <a:t>similarly</a:t>
-            </a:r>
-            <a:r>
-              <a:rPr lang="es-ES" dirty="0"/>
-              <a:t> </a:t>
-            </a:r>
-            <a:r>
-              <a:rPr lang="es-ES" dirty="0" err="1"/>
-              <a:t>when</a:t>
-            </a:r>
-            <a:r>
-              <a:rPr lang="es-ES" dirty="0"/>
-              <a:t> </a:t>
-            </a:r>
-            <a:r>
-              <a:rPr lang="es-ES" dirty="0" err="1"/>
-              <a:t>analyzing</a:t>
-            </a:r>
-            <a:r>
-              <a:rPr lang="es-ES" dirty="0"/>
-              <a:t> a </a:t>
-            </a:r>
-            <a:r>
-              <a:rPr lang="es-ES" dirty="0" err="1"/>
-              <a:t>larger</a:t>
-            </a:r>
-            <a:r>
-              <a:rPr lang="es-ES" dirty="0"/>
-              <a:t> </a:t>
-            </a:r>
-            <a:r>
-              <a:rPr lang="es-ES" dirty="0" err="1"/>
-              <a:t>sample</a:t>
-            </a:r>
-            <a:r>
-              <a:rPr lang="es-ES" dirty="0"/>
-              <a:t> </a:t>
-            </a:r>
-            <a:r>
-              <a:rPr lang="es-ES" dirty="0" err="1"/>
-              <a:t>of</a:t>
-            </a:r>
-            <a:r>
-              <a:rPr lang="es-ES" dirty="0"/>
-              <a:t> </a:t>
-            </a:r>
-            <a:r>
-              <a:rPr lang="es-ES" dirty="0" err="1"/>
-              <a:t>athlete</a:t>
-            </a:r>
-            <a:r>
-              <a:rPr lang="es-ES" dirty="0"/>
-              <a:t> </a:t>
-            </a:r>
-            <a:r>
-              <a:rPr lang="es-ES" dirty="0" err="1"/>
-              <a:t>earnings</a:t>
-            </a:r>
-            <a:r>
-              <a:rPr lang="es-ES" dirty="0"/>
-              <a:t>.</a:t>
-            </a:r>
-          </a:p>
-          <a:p>
-            <a:pPr marL="342900" indent="-342900" rtl="0">
-              <a:buFont typeface="Courier New" panose="02070309020205020404" pitchFamily="49" charset="0"/>
-              <a:buChar char="o"/>
-            </a:pPr>
-            <a:r>
-              <a:rPr lang="es-ES" dirty="0" err="1"/>
-              <a:t>We</a:t>
-            </a:r>
-            <a:r>
-              <a:rPr lang="es-ES" dirty="0"/>
-              <a:t> </a:t>
-            </a:r>
-            <a:r>
-              <a:rPr lang="es-ES" dirty="0" err="1"/>
-              <a:t>lacked</a:t>
-            </a:r>
-            <a:r>
-              <a:rPr lang="es-ES" dirty="0"/>
-              <a:t> </a:t>
-            </a:r>
-            <a:r>
-              <a:rPr lang="es-ES" dirty="0" err="1"/>
-              <a:t>industry</a:t>
-            </a:r>
-            <a:r>
-              <a:rPr lang="es-ES" dirty="0"/>
-              <a:t> data (ex. TV </a:t>
-            </a:r>
-            <a:r>
-              <a:rPr lang="es-ES" dirty="0" err="1"/>
-              <a:t>rights</a:t>
-            </a:r>
-            <a:r>
-              <a:rPr lang="es-ES" dirty="0"/>
-              <a:t>, </a:t>
-            </a:r>
-            <a:r>
-              <a:rPr lang="es-ES" dirty="0" err="1"/>
-              <a:t>number</a:t>
-            </a:r>
-            <a:r>
-              <a:rPr lang="es-ES" dirty="0"/>
-              <a:t> </a:t>
-            </a:r>
-            <a:r>
-              <a:rPr lang="es-ES" dirty="0" err="1"/>
-              <a:t>of</a:t>
-            </a:r>
-            <a:r>
-              <a:rPr lang="es-ES" dirty="0"/>
-              <a:t> </a:t>
-            </a:r>
-            <a:r>
-              <a:rPr lang="es-ES" dirty="0" err="1"/>
-              <a:t>spectators</a:t>
-            </a:r>
-            <a:r>
-              <a:rPr lang="es-ES" dirty="0"/>
-              <a:t>, </a:t>
-            </a:r>
-            <a:r>
-              <a:rPr lang="es-ES" dirty="0" err="1"/>
-              <a:t>team</a:t>
-            </a:r>
-            <a:r>
-              <a:rPr lang="es-ES" dirty="0"/>
-              <a:t> </a:t>
-            </a:r>
-            <a:r>
-              <a:rPr lang="es-ES" dirty="0" err="1"/>
-              <a:t>valuations</a:t>
-            </a:r>
-            <a:r>
-              <a:rPr lang="es-ES" dirty="0"/>
-              <a:t>) </a:t>
-            </a:r>
-            <a:r>
-              <a:rPr lang="es-ES" dirty="0" err="1"/>
-              <a:t>to</a:t>
-            </a:r>
-            <a:r>
-              <a:rPr lang="es-ES" dirty="0"/>
-              <a:t> </a:t>
-            </a:r>
-            <a:r>
-              <a:rPr lang="es-ES" dirty="0" err="1"/>
-              <a:t>carry</a:t>
-            </a:r>
-            <a:r>
-              <a:rPr lang="es-ES" dirty="0"/>
-              <a:t> </a:t>
-            </a:r>
-            <a:r>
-              <a:rPr lang="es-ES" dirty="0" err="1"/>
-              <a:t>out</a:t>
-            </a:r>
-            <a:r>
-              <a:rPr lang="es-ES" dirty="0"/>
-              <a:t> a </a:t>
-            </a:r>
-            <a:r>
-              <a:rPr lang="es-ES" dirty="0" err="1"/>
-              <a:t>correlation</a:t>
-            </a:r>
-            <a:r>
-              <a:rPr lang="es-ES" dirty="0"/>
-              <a:t> </a:t>
-            </a:r>
-            <a:r>
-              <a:rPr lang="es-ES" dirty="0" err="1"/>
-              <a:t>analysis</a:t>
-            </a:r>
-            <a:r>
-              <a:rPr lang="es-ES" dirty="0"/>
-              <a:t> </a:t>
-            </a:r>
-            <a:r>
-              <a:rPr lang="es-ES" dirty="0" err="1"/>
-              <a:t>to</a:t>
-            </a:r>
-            <a:r>
-              <a:rPr lang="es-ES" dirty="0"/>
-              <a:t> </a:t>
-            </a:r>
-            <a:r>
-              <a:rPr lang="es-ES" dirty="0" err="1"/>
-              <a:t>understand</a:t>
-            </a:r>
-            <a:r>
-              <a:rPr lang="es-ES" dirty="0"/>
-              <a:t> </a:t>
-            </a:r>
-            <a:r>
-              <a:rPr lang="es-ES" dirty="0" err="1"/>
-              <a:t>key</a:t>
-            </a:r>
-            <a:r>
-              <a:rPr lang="es-ES" dirty="0"/>
-              <a:t> drivers </a:t>
-            </a:r>
-            <a:r>
-              <a:rPr lang="es-ES" dirty="0" err="1"/>
-              <a:t>for</a:t>
-            </a:r>
-            <a:r>
-              <a:rPr lang="es-ES" dirty="0"/>
-              <a:t> </a:t>
-            </a:r>
-            <a:r>
-              <a:rPr lang="es-ES" dirty="0" err="1"/>
-              <a:t>earnings</a:t>
-            </a:r>
-            <a:r>
-              <a:rPr lang="es-ES" dirty="0"/>
-              <a:t>.</a:t>
-            </a:r>
-          </a:p>
-        </p:txBody>
-      </p:sp>
-      <p:sp>
-        <p:nvSpPr>
-          <p:cNvPr id="4" name="Marcador de fecha 3">
-            <a:extLst>
-              <a:ext uri="{FF2B5EF4-FFF2-40B4-BE49-F238E27FC236}">
-                <a16:creationId xmlns:a16="http://schemas.microsoft.com/office/drawing/2014/main" id="{00560550-EE65-43CE-B899-F421E74287A1}"/>
-              </a:ext>
-            </a:extLst>
-          </p:cNvPr>
-          <p:cNvSpPr>
-            <a:spLocks noGrp="1"/>
-          </p:cNvSpPr>
-          <p:nvPr>
-            <p:ph type="dt" sz="half" idx="10"/>
-          </p:nvPr>
-        </p:nvSpPr>
-        <p:spPr>
-          <a:xfrm>
-            <a:off x="838200" y="6356350"/>
-            <a:ext cx="2743200" cy="365125"/>
+              <a:t>20XX</a:t>
+            </a:r>
+          </a:p>
+        </p:txBody>
+      </p:sp>
+      <p:sp>
+        <p:nvSpPr>
+          <p:cNvPr id="57" name="Marcador de pie de página 56">
+            <a:extLst>
+              <a:ext uri="{FF2B5EF4-FFF2-40B4-BE49-F238E27FC236}">
+                <a16:creationId xmlns:a16="http://schemas.microsoft.com/office/drawing/2014/main" id="{3A38BE84-957B-46B9-A315-4B5064DFF1A1}"/>
+              </a:ext>
+            </a:extLst>
+          </p:cNvPr>
+          <p:cNvSpPr>
+            <a:spLocks noGrp="1"/>
+          </p:cNvSpPr>
+          <p:nvPr>
+            <p:ph type="ftr" sz="quarter" idx="11"/>
+          </p:nvPr>
+        </p:nvSpPr>
+        <p:spPr>
+          <a:xfrm>
+            <a:off x="4038600" y="6356350"/>
+            <a:ext cx="4114800" cy="365125"/>
           </a:xfrm>
         </p:spPr>
         <p:txBody>
@@ -17123,45 +16237,7 @@
           <a:p>
             <a:pPr rtl="0"/>
             <a:r>
-              <a:rPr lang="es-ES"/>
-              <a:t>20XX</a:t>
-            </a:r>
-          </a:p>
-        </p:txBody>
-      </p:sp>
-      <p:sp>
-        <p:nvSpPr>
-          <p:cNvPr id="5" name="Marcador de pie de página 4">
-            <a:extLst>
-              <a:ext uri="{FF2B5EF4-FFF2-40B4-BE49-F238E27FC236}">
-                <a16:creationId xmlns:a16="http://schemas.microsoft.com/office/drawing/2014/main" id="{4135E32A-1A8C-43D2-9C6E-12887B4DEDFB}"/>
-              </a:ext>
-            </a:extLst>
-          </p:cNvPr>
-          <p:cNvSpPr>
-            <a:spLocks noGrp="1"/>
-          </p:cNvSpPr>
-          <p:nvPr>
-            <p:ph type="ftr" sz="quarter" idx="11"/>
-          </p:nvPr>
-        </p:nvSpPr>
-        <p:spPr>
-          <a:xfrm>
-            <a:off x="4038600" y="6356350"/>
-            <a:ext cx="4114800" cy="365125"/>
-          </a:xfrm>
-        </p:spPr>
-        <p:txBody>
-          <a:bodyPr rtlCol="0"/>
-          <a:lstStyle>
-            <a:defPPr>
-              <a:defRPr lang="es-ES"/>
-            </a:defPPr>
-          </a:lstStyle>
-          <a:p>
-            <a:pPr rtl="0"/>
-            <a:r>
-              <a:rPr lang="es-ES"/>
+              <a:rPr lang="es-ES" dirty="0"/>
               <a:t>TÍTULO DE LA PRESENTACIÓN</a:t>
             </a:r>
           </a:p>
@@ -17169,10 +16245,10 @@
       </p:sp>
       <p:sp>
         <p:nvSpPr>
-          <p:cNvPr id="6" name="Marcador de número de diapositiva 5">
-            <a:extLst>
-              <a:ext uri="{FF2B5EF4-FFF2-40B4-BE49-F238E27FC236}">
-                <a16:creationId xmlns:a16="http://schemas.microsoft.com/office/drawing/2014/main" id="{7C4B8313-9270-4128-8674-3A3E42B806BC}"/>
+          <p:cNvPr id="58" name="Marcador de número de diapositiva 57">
+            <a:extLst>
+              <a:ext uri="{FF2B5EF4-FFF2-40B4-BE49-F238E27FC236}">
+                <a16:creationId xmlns:a16="http://schemas.microsoft.com/office/drawing/2014/main" id="{E1900601-8B04-4FF3-B06F-6BEFAC6556D3}"/>
               </a:ext>
             </a:extLst>
           </p:cNvPr>
@@ -17207,10 +16283,54 @@
           </a:p>
         </p:txBody>
       </p:sp>
+      <p:sp>
+        <p:nvSpPr>
+          <p:cNvPr id="326" name="Marcador de texto 2">
+            <a:extLst>
+              <a:ext uri="{FF2B5EF4-FFF2-40B4-BE49-F238E27FC236}">
+                <a16:creationId xmlns:a16="http://schemas.microsoft.com/office/drawing/2014/main" id="{7B160DB7-BDF4-9939-C740-26EBBB3E0189}"/>
+              </a:ext>
+            </a:extLst>
+          </p:cNvPr>
+          <p:cNvSpPr>
+            <a:spLocks noGrp="1"/>
+          </p:cNvSpPr>
+          <p:nvPr>
+            <p:ph type="body" idx="1"/>
+          </p:nvPr>
+        </p:nvSpPr>
+        <p:spPr>
+          <a:xfrm>
+            <a:off x="1362074" y="2452812"/>
+            <a:ext cx="9605756" cy="2912564"/>
+          </a:xfrm>
+        </p:spPr>
+        <p:txBody>
+          <a:bodyPr rtlCol="0">
+            <a:normAutofit/>
+          </a:bodyPr>
+          <a:lstStyle>
+            <a:defPPr>
+              <a:defRPr lang="es-ES"/>
+            </a:defPPr>
+          </a:lstStyle>
+          <a:p>
+            <a:pPr rtl="0"/>
+            <a:r>
+              <a:rPr lang="es-ES" sz="1400" dirty="0"/>
+              <a:t>There are a </a:t>
+            </a:r>
+          </a:p>
+          <a:p>
+            <a:pPr rtl="0"/>
+            <a:endParaRPr lang="es-ES" sz="1400" dirty="0"/>
+          </a:p>
+        </p:txBody>
+      </p:sp>
     </p:spTree>
     <p:extLst>
       <p:ext uri="{BB962C8B-B14F-4D97-AF65-F5344CB8AC3E}">
-        <p14:creationId xmlns:p14="http://schemas.microsoft.com/office/powerpoint/2010/main" val="1742861620"/>
+        <p14:creationId xmlns:p14="http://schemas.microsoft.com/office/powerpoint/2010/main" val="2491923539"/>
       </p:ext>
     </p:extLst>
   </p:cSld>
@@ -17242,7 +16362,7 @@
           <p:cNvPr id="2" name="Título 1">
             <a:extLst>
               <a:ext uri="{FF2B5EF4-FFF2-40B4-BE49-F238E27FC236}">
-                <a16:creationId xmlns:a16="http://schemas.microsoft.com/office/drawing/2014/main" id="{8BDF1EDE-5423-435C-B149-87AB1BC22B83}"/>
+                <a16:creationId xmlns:a16="http://schemas.microsoft.com/office/drawing/2014/main" id="{B1FE5F11-B7B9-4B80-8C6A-A8A7A7190B77}"/>
               </a:ext>
             </a:extLst>
           </p:cNvPr>
@@ -17255,150 +16375,30 @@
         </p:nvSpPr>
         <p:spPr>
           <a:xfrm>
-            <a:off x="5221715" y="2666632"/>
-            <a:ext cx="4523715" cy="1524735"/>
-          </a:xfrm>
-        </p:spPr>
-        <p:txBody>
-          <a:bodyPr rtlCol="0" anchor="ctr"/>
+            <a:off x="6458964" y="2945452"/>
+            <a:ext cx="5074920" cy="967095"/>
+          </a:xfrm>
+        </p:spPr>
+        <p:txBody>
+          <a:bodyPr rtlCol="0"/>
           <a:lstStyle>
             <a:defPPr>
               <a:defRPr lang="es-ES"/>
             </a:defPPr>
           </a:lstStyle>
           <a:p>
-            <a:pPr algn="ctr" rtl="0"/>
-            <a:r>
-              <a:rPr lang="es-ES" dirty="0" err="1"/>
-              <a:t>Thanks</a:t>
-            </a:r>
-            <a:r>
-              <a:rPr lang="es-ES" dirty="0"/>
-              <a:t>!</a:t>
-            </a:r>
-          </a:p>
-        </p:txBody>
-      </p:sp>
-      <p:sp>
-        <p:nvSpPr>
-          <p:cNvPr id="4" name="Marcador de fecha 3">
-            <a:extLst>
-              <a:ext uri="{FF2B5EF4-FFF2-40B4-BE49-F238E27FC236}">
-                <a16:creationId xmlns:a16="http://schemas.microsoft.com/office/drawing/2014/main" id="{A47C7382-18E7-4821-8C61-461D6BBE08FC}"/>
-              </a:ext>
-            </a:extLst>
-          </p:cNvPr>
-          <p:cNvSpPr>
-            <a:spLocks noGrp="1"/>
-          </p:cNvSpPr>
-          <p:nvPr>
-            <p:ph type="dt" sz="half" idx="10"/>
-          </p:nvPr>
-        </p:nvSpPr>
-        <p:spPr>
-          <a:xfrm>
-            <a:off x="4267200" y="6356350"/>
-            <a:ext cx="1774371" cy="365125"/>
-          </a:xfrm>
-        </p:spPr>
-        <p:txBody>
-          <a:bodyPr rtlCol="0"/>
-          <a:lstStyle>
-            <a:defPPr>
-              <a:defRPr lang="es-ES"/>
-            </a:defPPr>
-          </a:lstStyle>
-          <a:p>
-            <a:pPr rtl="0"/>
-            <a:r>
-              <a:rPr lang="es-ES"/>
-              <a:t>20XX</a:t>
-            </a:r>
-          </a:p>
-        </p:txBody>
-      </p:sp>
-      <p:sp>
-        <p:nvSpPr>
-          <p:cNvPr id="5" name="Marcador de pie de página 4">
-            <a:extLst>
-              <a:ext uri="{FF2B5EF4-FFF2-40B4-BE49-F238E27FC236}">
-                <a16:creationId xmlns:a16="http://schemas.microsoft.com/office/drawing/2014/main" id="{3990FA1B-5022-47AB-A0AE-8F5C5797997C}"/>
-              </a:ext>
-            </a:extLst>
-          </p:cNvPr>
-          <p:cNvSpPr>
-            <a:spLocks noGrp="1"/>
-          </p:cNvSpPr>
-          <p:nvPr>
-            <p:ph type="ftr" sz="quarter" idx="11"/>
-          </p:nvPr>
-        </p:nvSpPr>
-        <p:spPr>
-          <a:xfrm>
-            <a:off x="6479721" y="6356350"/>
-            <a:ext cx="2661557" cy="365125"/>
-          </a:xfrm>
-        </p:spPr>
-        <p:txBody>
-          <a:bodyPr rtlCol="0"/>
-          <a:lstStyle>
-            <a:defPPr>
-              <a:defRPr lang="es-ES"/>
-            </a:defPPr>
-          </a:lstStyle>
-          <a:p>
-            <a:pPr rtl="0"/>
-            <a:r>
-              <a:rPr lang="es-ES"/>
-              <a:t>TÍTULO DE LA PRESENTACIÓN</a:t>
-            </a:r>
-          </a:p>
-        </p:txBody>
-      </p:sp>
-      <p:sp>
-        <p:nvSpPr>
-          <p:cNvPr id="6" name="Marcador de número de diapositiva 5">
-            <a:extLst>
-              <a:ext uri="{FF2B5EF4-FFF2-40B4-BE49-F238E27FC236}">
-                <a16:creationId xmlns:a16="http://schemas.microsoft.com/office/drawing/2014/main" id="{4C127D99-645F-4FCF-9573-FDFE2A344FA9}"/>
-              </a:ext>
-            </a:extLst>
-          </p:cNvPr>
-          <p:cNvSpPr>
-            <a:spLocks noGrp="1"/>
-          </p:cNvSpPr>
-          <p:nvPr>
-            <p:ph type="sldNum" sz="quarter" idx="12"/>
-          </p:nvPr>
-        </p:nvSpPr>
-        <p:spPr>
-          <a:xfrm>
-            <a:off x="9579428" y="6356350"/>
-            <a:ext cx="1774371" cy="365125"/>
-          </a:xfrm>
-        </p:spPr>
-        <p:txBody>
-          <a:bodyPr rtlCol="0"/>
-          <a:lstStyle>
-            <a:defPPr>
-              <a:defRPr lang="es-ES"/>
-            </a:defPPr>
-          </a:lstStyle>
-          <a:p>
-            <a:pPr rtl="0"/>
-            <a:fld id="{A49DFD55-3C28-40EF-9E31-A92D2E4017FF}" type="slidenum">
-              <a:rPr lang="es-ES" smtClean="0"/>
-              <a:pPr rtl="0"/>
-              <a:t>21</a:t>
-            </a:fld>
-            <a:endParaRPr lang="es-ES" dirty="0"/>
+            <a:pPr rtl="0"/>
+            <a:r>
+              <a:rPr lang="en-US" sz="2800" dirty="0"/>
+              <a:t>Limitations and next steps</a:t>
+            </a:r>
           </a:p>
         </p:txBody>
       </p:sp>
     </p:spTree>
     <p:extLst>
       <p:ext uri="{BB962C8B-B14F-4D97-AF65-F5344CB8AC3E}">
-        <p14:creationId xmlns:p14="http://schemas.microsoft.com/office/powerpoint/2010/main" val="1969787568"/>
+        <p14:creationId xmlns:p14="http://schemas.microsoft.com/office/powerpoint/2010/main" val="3671601111"/>
       </p:ext>
     </p:extLst>
   </p:cSld>
@@ -17409,7 +16409,7 @@
 </file>
 
 <file path=ppt/slides/slide22.xml><?xml version="1.0" encoding="utf-8"?>
-<p:sld xmlns:a="http://schemas.openxmlformats.org/drawingml/2006/main" xmlns:r="http://schemas.openxmlformats.org/officeDocument/2006/relationships" xmlns:p="http://schemas.openxmlformats.org/presentationml/2006/main" show="0">
+<p:sld xmlns:a="http://schemas.openxmlformats.org/drawingml/2006/main" xmlns:r="http://schemas.openxmlformats.org/officeDocument/2006/relationships" xmlns:p="http://schemas.openxmlformats.org/presentationml/2006/main">
   <p:cSld>
     <p:spTree>
       <p:nvGrpSpPr>
@@ -17430,7 +16430,7 @@
           <p:cNvPr id="2" name="Título 1">
             <a:extLst>
               <a:ext uri="{FF2B5EF4-FFF2-40B4-BE49-F238E27FC236}">
-                <a16:creationId xmlns:a16="http://schemas.microsoft.com/office/drawing/2014/main" id="{D94A2CD4-732A-43E4-BCB9-CBA2055E0AC6}"/>
+                <a16:creationId xmlns:a16="http://schemas.microsoft.com/office/drawing/2014/main" id="{4518FC28-E0BD-4387-B8BE-9965D1A57FF1}"/>
               </a:ext>
             </a:extLst>
           </p:cNvPr>
@@ -17443,8 +16443,8 @@
         </p:nvSpPr>
         <p:spPr>
           <a:xfrm>
-            <a:off x="4657724" y="2809875"/>
-            <a:ext cx="6696075" cy="1909763"/>
+            <a:off x="5428430" y="502056"/>
+            <a:ext cx="5111750" cy="1204912"/>
           </a:xfrm>
         </p:spPr>
         <p:txBody>
@@ -17458,45 +16458,70 @@
             <a:pPr rtl="0"/>
             <a:r>
               <a:rPr lang="es-ES" dirty="0"/>
-              <a:t>LAS OPORTUNIDADES DE NEGOCIO SON COMO LOS AUTOBUSES. SIEMPRE VENDRÁ OTRO.</a:t>
-            </a:r>
-          </a:p>
-        </p:txBody>
-      </p:sp>
-      <p:sp>
-        <p:nvSpPr>
-          <p:cNvPr id="3" name="Subtítulo 2">
-            <a:extLst>
-              <a:ext uri="{FF2B5EF4-FFF2-40B4-BE49-F238E27FC236}">
-                <a16:creationId xmlns:a16="http://schemas.microsoft.com/office/drawing/2014/main" id="{45FD0450-A909-4CD9-8912-96A19ACEB7CB}"/>
-              </a:ext>
-            </a:extLst>
-          </p:cNvPr>
-          <p:cNvSpPr>
-            <a:spLocks noGrp="1"/>
-          </p:cNvSpPr>
-          <p:nvPr>
-            <p:ph type="subTitle" idx="1"/>
-          </p:nvPr>
-        </p:nvSpPr>
-        <p:spPr>
-          <a:xfrm>
-            <a:off x="4657725" y="5028803"/>
-            <a:ext cx="6696074" cy="365125"/>
-          </a:xfrm>
-        </p:spPr>
-        <p:txBody>
-          <a:bodyPr rtlCol="0"/>
+              <a:t>limitations</a:t>
+            </a:r>
+          </a:p>
+        </p:txBody>
+      </p:sp>
+      <p:sp>
+        <p:nvSpPr>
+          <p:cNvPr id="3" name="Marcador de texto 2">
+            <a:extLst>
+              <a:ext uri="{FF2B5EF4-FFF2-40B4-BE49-F238E27FC236}">
+                <a16:creationId xmlns:a16="http://schemas.microsoft.com/office/drawing/2014/main" id="{FED19BCA-B61F-4EA6-A1FB-CCA3BD8506FB}"/>
+              </a:ext>
+            </a:extLst>
+          </p:cNvPr>
+          <p:cNvSpPr>
+            <a:spLocks noGrp="1"/>
+          </p:cNvSpPr>
+          <p:nvPr>
+            <p:ph type="body" idx="1"/>
+          </p:nvPr>
+        </p:nvSpPr>
+        <p:spPr>
+          <a:xfrm>
+            <a:off x="5428430" y="2094275"/>
+            <a:ext cx="5550426" cy="2592781"/>
+          </a:xfrm>
+        </p:spPr>
+        <p:txBody>
+          <a:bodyPr rtlCol="0">
+            <a:normAutofit lnSpcReduction="10000"/>
+          </a:bodyPr>
           <a:lstStyle>
             <a:defPPr>
               <a:defRPr lang="es-ES"/>
             </a:defPPr>
           </a:lstStyle>
           <a:p>
-            <a:pPr rtl="0"/>
+            <a:pPr marL="342900" indent="-342900" rtl="0">
+              <a:buFont typeface="Courier New" panose="02070309020205020404" pitchFamily="49" charset="0"/>
+              <a:buChar char="o"/>
+            </a:pPr>
             <a:r>
               <a:rPr lang="es-ES" dirty="0"/>
-              <a:t>Richard Branson</a:t>
+              <a:t>Database only included top earners for every year 10. It would be interesting to understand if regional data behaves similarly when analyzing a larger sample of athlete earnings.</a:t>
+            </a:r>
+          </a:p>
+          <a:p>
+            <a:pPr marL="342900" indent="-342900" rtl="0">
+              <a:buFont typeface="Courier New" panose="02070309020205020404" pitchFamily="49" charset="0"/>
+              <a:buChar char="o"/>
+            </a:pPr>
+            <a:r>
+              <a:rPr lang="es-ES" dirty="0"/>
+              <a:t>We lacked industry data (ex. TV rights, number of spectators, team valuations) to carry out a correlation analysis to understand key drivers for earnings.</a:t>
+            </a:r>
+          </a:p>
+          <a:p>
+            <a:pPr marL="342900" indent="-342900" rtl="0">
+              <a:buFont typeface="Courier New" panose="02070309020205020404" pitchFamily="49" charset="0"/>
+              <a:buChar char="o"/>
+            </a:pPr>
+            <a:r>
+              <a:rPr lang="es-ES" dirty="0"/>
+              <a:t>When it comes to calculating average earnings by country when it comes to athletes there is a limitation in the form of us not having a large enough sample size to illustrate this effectively</a:t>
             </a:r>
           </a:p>
         </p:txBody>
@@ -17506,7 +16531,7 @@
           <p:cNvPr id="4" name="Marcador de fecha 3">
             <a:extLst>
               <a:ext uri="{FF2B5EF4-FFF2-40B4-BE49-F238E27FC236}">
-                <a16:creationId xmlns:a16="http://schemas.microsoft.com/office/drawing/2014/main" id="{DA53D834-F1E2-4848-8093-D412A7B081AF}"/>
+                <a16:creationId xmlns:a16="http://schemas.microsoft.com/office/drawing/2014/main" id="{00560550-EE65-43CE-B899-F421E74287A1}"/>
               </a:ext>
             </a:extLst>
           </p:cNvPr>
@@ -17519,8 +16544,8 @@
         </p:nvSpPr>
         <p:spPr>
           <a:xfrm>
-            <a:off x="4676774" y="6356350"/>
-            <a:ext cx="1695450" cy="365125"/>
+            <a:off x="838200" y="6356350"/>
+            <a:ext cx="2743200" cy="365125"/>
           </a:xfrm>
         </p:spPr>
         <p:txBody>
@@ -17533,7 +16558,7 @@
           <a:p>
             <a:pPr rtl="0"/>
             <a:r>
-              <a:rPr lang="es-ES"/>
+              <a:rPr lang="es-ES" dirty="0"/>
               <a:t>20XX</a:t>
             </a:r>
           </a:p>
@@ -17544,7 +16569,7 @@
           <p:cNvPr id="5" name="Marcador de pie de página 4">
             <a:extLst>
               <a:ext uri="{FF2B5EF4-FFF2-40B4-BE49-F238E27FC236}">
-                <a16:creationId xmlns:a16="http://schemas.microsoft.com/office/drawing/2014/main" id="{3555A49C-96F4-440D-B89E-A0AE94F70108}"/>
+                <a16:creationId xmlns:a16="http://schemas.microsoft.com/office/drawing/2014/main" id="{4135E32A-1A8C-43D2-9C6E-12887B4DEDFB}"/>
               </a:ext>
             </a:extLst>
           </p:cNvPr>
@@ -17557,8 +16582,8 @@
         </p:nvSpPr>
         <p:spPr>
           <a:xfrm>
-            <a:off x="6743699" y="6356350"/>
-            <a:ext cx="2543175" cy="365125"/>
+            <a:off x="4038600" y="6356350"/>
+            <a:ext cx="4114800" cy="365125"/>
           </a:xfrm>
         </p:spPr>
         <p:txBody>
@@ -17571,7 +16596,7 @@
           <a:p>
             <a:pPr rtl="0"/>
             <a:r>
-              <a:rPr lang="es-ES"/>
+              <a:rPr lang="es-ES" dirty="0"/>
               <a:t>TÍTULO DE LA PRESENTACIÓN</a:t>
             </a:r>
           </a:p>
@@ -17582,7 +16607,7 @@
           <p:cNvPr id="6" name="Marcador de número de diapositiva 5">
             <a:extLst>
               <a:ext uri="{FF2B5EF4-FFF2-40B4-BE49-F238E27FC236}">
-                <a16:creationId xmlns:a16="http://schemas.microsoft.com/office/drawing/2014/main" id="{F2A39FA3-9AE3-4689-A469-B7D2DFCCC2D9}"/>
+                <a16:creationId xmlns:a16="http://schemas.microsoft.com/office/drawing/2014/main" id="{7C4B8313-9270-4128-8674-3A3E42B806BC}"/>
               </a:ext>
             </a:extLst>
           </p:cNvPr>
@@ -17595,8 +16620,8 @@
         </p:nvSpPr>
         <p:spPr>
           <a:xfrm>
-            <a:off x="9658350" y="6356350"/>
-            <a:ext cx="1695450" cy="365125"/>
+            <a:off x="8610600" y="6356350"/>
+            <a:ext cx="2743200" cy="365125"/>
           </a:xfrm>
         </p:spPr>
         <p:txBody>
@@ -17620,7 +16645,7 @@
     </p:spTree>
     <p:extLst>
       <p:ext uri="{BB962C8B-B14F-4D97-AF65-F5344CB8AC3E}">
-        <p14:creationId xmlns:p14="http://schemas.microsoft.com/office/powerpoint/2010/main" val="744379741"/>
+        <p14:creationId xmlns:p14="http://schemas.microsoft.com/office/powerpoint/2010/main" val="1742861620"/>
       </p:ext>
     </p:extLst>
   </p:cSld>
@@ -17652,93 +16677,59 @@
           <p:cNvPr id="2" name="Título 1">
             <a:extLst>
               <a:ext uri="{FF2B5EF4-FFF2-40B4-BE49-F238E27FC236}">
-                <a16:creationId xmlns:a16="http://schemas.microsoft.com/office/drawing/2014/main" id="{4F6A2D15-4D68-4BF7-9421-032AE6C8852C}"/>
-              </a:ext>
-            </a:extLst>
-          </p:cNvPr>
-          <p:cNvSpPr>
-            <a:spLocks noGrp="1"/>
-          </p:cNvSpPr>
-          <p:nvPr>
-            <p:ph type="title"/>
-          </p:nvPr>
-        </p:nvSpPr>
-        <p:spPr>
-          <a:xfrm>
-            <a:off x="1885156" y="892177"/>
-            <a:ext cx="8421688" cy="1325563"/>
-          </a:xfrm>
-        </p:spPr>
-        <p:txBody>
-          <a:bodyPr rtlCol="0"/>
+                <a16:creationId xmlns:a16="http://schemas.microsoft.com/office/drawing/2014/main" id="{8BDF1EDE-5423-435C-B149-87AB1BC22B83}"/>
+              </a:ext>
+            </a:extLst>
+          </p:cNvPr>
+          <p:cNvSpPr>
+            <a:spLocks noGrp="1"/>
+          </p:cNvSpPr>
+          <p:nvPr>
+            <p:ph type="ctrTitle"/>
+          </p:nvPr>
+        </p:nvSpPr>
+        <p:spPr>
+          <a:xfrm>
+            <a:off x="5221715" y="2666632"/>
+            <a:ext cx="4523715" cy="1524735"/>
+          </a:xfrm>
+        </p:spPr>
+        <p:txBody>
+          <a:bodyPr rtlCol="0" anchor="ctr"/>
           <a:lstStyle>
             <a:defPPr>
               <a:defRPr lang="es-ES"/>
             </a:defPPr>
           </a:lstStyle>
           <a:p>
-            <a:pPr rtl="0"/>
+            <a:pPr algn="ctr" rtl="0"/>
             <a:r>
               <a:rPr lang="es-ES" dirty="0"/>
-              <a:t>CONOZCA A NUESTRO EQUIPO</a:t>
-            </a:r>
-          </a:p>
-        </p:txBody>
-      </p:sp>
-      <p:pic>
-        <p:nvPicPr>
-          <p:cNvPr id="16" name="Marcador de posición de imagen 15" descr="Foto de primer plano de las diapositivas de equipo ">
-            <a:extLst>
-              <a:ext uri="{FF2B5EF4-FFF2-40B4-BE49-F238E27FC236}">
-                <a16:creationId xmlns:a16="http://schemas.microsoft.com/office/drawing/2014/main" id="{788ADF35-7762-4E85-BE67-27FDB5522B9D}"/>
-              </a:ext>
-            </a:extLst>
-          </p:cNvPr>
-          <p:cNvPicPr>
-            <a:picLocks noGrp="1" noChangeAspect="1"/>
-          </p:cNvPicPr>
-          <p:nvPr>
-            <p:ph type="pic" sz="quarter" idx="14"/>
-          </p:nvPr>
-        </p:nvPicPr>
-        <p:blipFill rotWithShape="1">
-          <a:blip r:embed="rId3" cstate="screen">
-            <a:extLst>
-              <a:ext uri="{28A0092B-C50C-407E-A947-70E740481C1C}">
-                <a14:useLocalDpi xmlns:a14="http://schemas.microsoft.com/office/drawing/2010/main" val="0"/>
-              </a:ext>
-            </a:extLst>
-          </a:blip>
-          <a:srcRect/>
-          <a:stretch/>
-        </p:blipFill>
-        <p:spPr>
-          <a:xfrm>
-            <a:off x="1487181" y="2886074"/>
-            <a:ext cx="1845511" cy="1845511"/>
-          </a:xfrm>
-        </p:spPr>
-      </p:pic>
-      <p:sp>
-        <p:nvSpPr>
-          <p:cNvPr id="3" name="Marcador de texto 2">
-            <a:extLst>
-              <a:ext uri="{FF2B5EF4-FFF2-40B4-BE49-F238E27FC236}">
-                <a16:creationId xmlns:a16="http://schemas.microsoft.com/office/drawing/2014/main" id="{78BCC184-1096-457B-AB72-BD49E6E54117}"/>
-              </a:ext>
-            </a:extLst>
-          </p:cNvPr>
-          <p:cNvSpPr>
-            <a:spLocks noGrp="1"/>
-          </p:cNvSpPr>
-          <p:nvPr>
-            <p:ph type="body" idx="1"/>
-          </p:nvPr>
-        </p:nvSpPr>
-        <p:spPr>
-          <a:xfrm>
-            <a:off x="1228568" y="5084524"/>
-            <a:ext cx="2317707" cy="343061"/>
+              <a:t>Thanks!</a:t>
+            </a:r>
+          </a:p>
+        </p:txBody>
+      </p:sp>
+      <p:sp>
+        <p:nvSpPr>
+          <p:cNvPr id="4" name="Marcador de fecha 3">
+            <a:extLst>
+              <a:ext uri="{FF2B5EF4-FFF2-40B4-BE49-F238E27FC236}">
+                <a16:creationId xmlns:a16="http://schemas.microsoft.com/office/drawing/2014/main" id="{A47C7382-18E7-4821-8C61-461D6BBE08FC}"/>
+              </a:ext>
+            </a:extLst>
+          </p:cNvPr>
+          <p:cNvSpPr>
+            <a:spLocks noGrp="1"/>
+          </p:cNvSpPr>
+          <p:nvPr>
+            <p:ph type="dt" sz="half" idx="10"/>
+          </p:nvPr>
+        </p:nvSpPr>
+        <p:spPr>
+          <a:xfrm>
+            <a:off x="4267200" y="6356350"/>
+            <a:ext cx="1774371" cy="365125"/>
           </a:xfrm>
         </p:spPr>
         <p:txBody>
@@ -17752,31 +16743,31 @@
             <a:pPr rtl="0"/>
             <a:r>
               <a:rPr lang="es-ES" dirty="0"/>
-              <a:t>DAVID SERNA</a:t>
-            </a:r>
-          </a:p>
-        </p:txBody>
-      </p:sp>
-      <p:sp>
-        <p:nvSpPr>
-          <p:cNvPr id="11" name="Marcador de texto 10">
-            <a:extLst>
-              <a:ext uri="{FF2B5EF4-FFF2-40B4-BE49-F238E27FC236}">
-                <a16:creationId xmlns:a16="http://schemas.microsoft.com/office/drawing/2014/main" id="{DB420882-1CC0-49B4-8DDE-24EC26687506}"/>
-              </a:ext>
-            </a:extLst>
-          </p:cNvPr>
-          <p:cNvSpPr>
-            <a:spLocks noGrp="1"/>
-          </p:cNvSpPr>
-          <p:nvPr>
-            <p:ph type="body" idx="21"/>
-          </p:nvPr>
-        </p:nvSpPr>
-        <p:spPr>
-          <a:xfrm>
-            <a:off x="1487181" y="5464114"/>
-            <a:ext cx="1845511" cy="343061"/>
+              <a:t>20XX</a:t>
+            </a:r>
+          </a:p>
+        </p:txBody>
+      </p:sp>
+      <p:sp>
+        <p:nvSpPr>
+          <p:cNvPr id="5" name="Marcador de pie de página 4">
+            <a:extLst>
+              <a:ext uri="{FF2B5EF4-FFF2-40B4-BE49-F238E27FC236}">
+                <a16:creationId xmlns:a16="http://schemas.microsoft.com/office/drawing/2014/main" id="{3990FA1B-5022-47AB-A0AE-8F5C5797997C}"/>
+              </a:ext>
+            </a:extLst>
+          </p:cNvPr>
+          <p:cNvSpPr>
+            <a:spLocks noGrp="1"/>
+          </p:cNvSpPr>
+          <p:nvPr>
+            <p:ph type="ftr" sz="quarter" idx="11"/>
+          </p:nvPr>
+        </p:nvSpPr>
+        <p:spPr>
+          <a:xfrm>
+            <a:off x="6479721" y="6356350"/>
+            <a:ext cx="2661557" cy="365125"/>
           </a:xfrm>
         </p:spPr>
         <p:txBody>
@@ -17789,412 +16780,6 @@
           <a:p>
             <a:pPr rtl="0"/>
             <a:r>
-              <a:rPr lang="es-ES"/>
-              <a:t>Presidente</a:t>
-            </a:r>
-          </a:p>
-        </p:txBody>
-      </p:sp>
-      <p:pic>
-        <p:nvPicPr>
-          <p:cNvPr id="18" name="Marcador de posición de imagen 17" descr="Foto de primer plano de las diapositivas de equipo ">
-            <a:extLst>
-              <a:ext uri="{FF2B5EF4-FFF2-40B4-BE49-F238E27FC236}">
-                <a16:creationId xmlns:a16="http://schemas.microsoft.com/office/drawing/2014/main" id="{F2557ABA-5037-481D-8C54-94B63E80E2EC}"/>
-              </a:ext>
-            </a:extLst>
-          </p:cNvPr>
-          <p:cNvPicPr>
-            <a:picLocks noGrp="1" noChangeAspect="1"/>
-          </p:cNvPicPr>
-          <p:nvPr>
-            <p:ph type="pic" sz="quarter" idx="15"/>
-          </p:nvPr>
-        </p:nvPicPr>
-        <p:blipFill rotWithShape="1">
-          <a:blip r:embed="rId4" cstate="screen">
-            <a:extLst>
-              <a:ext uri="{28A0092B-C50C-407E-A947-70E740481C1C}">
-                <a14:useLocalDpi xmlns:a14="http://schemas.microsoft.com/office/drawing/2010/main" val="0"/>
-              </a:ext>
-            </a:extLst>
-          </a:blip>
-          <a:srcRect/>
-          <a:stretch/>
-        </p:blipFill>
-        <p:spPr>
-          <a:xfrm>
-            <a:off x="3836914" y="2886074"/>
-            <a:ext cx="1845511" cy="1845511"/>
-          </a:xfrm>
-        </p:spPr>
-      </p:pic>
-      <p:sp>
-        <p:nvSpPr>
-          <p:cNvPr id="8" name="Marcador de texto 7">
-            <a:extLst>
-              <a:ext uri="{FF2B5EF4-FFF2-40B4-BE49-F238E27FC236}">
-                <a16:creationId xmlns:a16="http://schemas.microsoft.com/office/drawing/2014/main" id="{8F0714D4-1A7C-4D7F-A5C0-4F766382B6A9}"/>
-              </a:ext>
-            </a:extLst>
-          </p:cNvPr>
-          <p:cNvSpPr>
-            <a:spLocks noGrp="1"/>
-          </p:cNvSpPr>
-          <p:nvPr>
-            <p:ph type="body" idx="18"/>
-          </p:nvPr>
-        </p:nvSpPr>
-        <p:spPr>
-          <a:xfrm>
-            <a:off x="3578300" y="5084524"/>
-            <a:ext cx="2330816" cy="343061"/>
-          </a:xfrm>
-        </p:spPr>
-        <p:txBody>
-          <a:bodyPr rtlCol="0"/>
-          <a:lstStyle>
-            <a:defPPr>
-              <a:defRPr lang="es-ES"/>
-            </a:defPPr>
-          </a:lstStyle>
-          <a:p>
-            <a:pPr rtl="0"/>
-            <a:r>
-              <a:rPr lang="es-ES" dirty="0"/>
-              <a:t>MIRJAM NILSSON</a:t>
-            </a:r>
-          </a:p>
-        </p:txBody>
-      </p:sp>
-      <p:sp>
-        <p:nvSpPr>
-          <p:cNvPr id="12" name="Marcador de texto 11">
-            <a:extLst>
-              <a:ext uri="{FF2B5EF4-FFF2-40B4-BE49-F238E27FC236}">
-                <a16:creationId xmlns:a16="http://schemas.microsoft.com/office/drawing/2014/main" id="{E017101B-2009-4267-8513-19000E37B1F0}"/>
-              </a:ext>
-            </a:extLst>
-          </p:cNvPr>
-          <p:cNvSpPr>
-            <a:spLocks noGrp="1"/>
-          </p:cNvSpPr>
-          <p:nvPr>
-            <p:ph type="body" idx="22"/>
-          </p:nvPr>
-        </p:nvSpPr>
-        <p:spPr>
-          <a:xfrm>
-            <a:off x="3836913" y="5478796"/>
-            <a:ext cx="1855949" cy="343061"/>
-          </a:xfrm>
-        </p:spPr>
-        <p:txBody>
-          <a:bodyPr rtlCol="0"/>
-          <a:lstStyle>
-            <a:defPPr>
-              <a:defRPr lang="es-ES"/>
-            </a:defPPr>
-          </a:lstStyle>
-          <a:p>
-            <a:pPr rtl="0"/>
-            <a:r>
-              <a:rPr lang="es-ES"/>
-              <a:t>Directora ejecutiva</a:t>
-            </a:r>
-          </a:p>
-        </p:txBody>
-      </p:sp>
-      <p:pic>
-        <p:nvPicPr>
-          <p:cNvPr id="20" name="Marcador de posición de imagen 19" descr="Foto de primer plano de las diapositivas de equipo ">
-            <a:extLst>
-              <a:ext uri="{FF2B5EF4-FFF2-40B4-BE49-F238E27FC236}">
-                <a16:creationId xmlns:a16="http://schemas.microsoft.com/office/drawing/2014/main" id="{618E88B2-D607-4D3C-9519-A591A729DCC9}"/>
-              </a:ext>
-            </a:extLst>
-          </p:cNvPr>
-          <p:cNvPicPr>
-            <a:picLocks noGrp="1" noChangeAspect="1"/>
-          </p:cNvPicPr>
-          <p:nvPr>
-            <p:ph type="pic" sz="quarter" idx="16"/>
-          </p:nvPr>
-        </p:nvPicPr>
-        <p:blipFill rotWithShape="1">
-          <a:blip r:embed="rId5" cstate="screen">
-            <a:extLst>
-              <a:ext uri="{28A0092B-C50C-407E-A947-70E740481C1C}">
-                <a14:useLocalDpi xmlns:a14="http://schemas.microsoft.com/office/drawing/2010/main" val="0"/>
-              </a:ext>
-            </a:extLst>
-          </a:blip>
-          <a:srcRect/>
-          <a:stretch/>
-        </p:blipFill>
-        <p:spPr>
-          <a:xfrm>
-            <a:off x="6327578" y="2886074"/>
-            <a:ext cx="1845511" cy="1845511"/>
-          </a:xfrm>
-        </p:spPr>
-      </p:pic>
-      <p:sp>
-        <p:nvSpPr>
-          <p:cNvPr id="9" name="Marcador de texto 8">
-            <a:extLst>
-              <a:ext uri="{FF2B5EF4-FFF2-40B4-BE49-F238E27FC236}">
-                <a16:creationId xmlns:a16="http://schemas.microsoft.com/office/drawing/2014/main" id="{36AEE506-9967-4592-BC98-D3FD3028A8E5}"/>
-              </a:ext>
-            </a:extLst>
-          </p:cNvPr>
-          <p:cNvSpPr>
-            <a:spLocks noGrp="1"/>
-          </p:cNvSpPr>
-          <p:nvPr>
-            <p:ph type="body" idx="19"/>
-          </p:nvPr>
-        </p:nvSpPr>
-        <p:spPr>
-          <a:xfrm>
-            <a:off x="6068964" y="5084524"/>
-            <a:ext cx="2317707" cy="343061"/>
-          </a:xfrm>
-        </p:spPr>
-        <p:txBody>
-          <a:bodyPr rtlCol="0"/>
-          <a:lstStyle>
-            <a:defPPr>
-              <a:defRPr lang="es-ES"/>
-            </a:defPPr>
-          </a:lstStyle>
-          <a:p>
-            <a:pPr rtl="0"/>
-            <a:r>
-              <a:rPr lang="es-ES" dirty="0"/>
-              <a:t>ELVIRA CANO</a:t>
-            </a:r>
-          </a:p>
-        </p:txBody>
-      </p:sp>
-      <p:sp>
-        <p:nvSpPr>
-          <p:cNvPr id="13" name="Marcador de texto 12">
-            <a:extLst>
-              <a:ext uri="{FF2B5EF4-FFF2-40B4-BE49-F238E27FC236}">
-                <a16:creationId xmlns:a16="http://schemas.microsoft.com/office/drawing/2014/main" id="{D40B843D-6615-46EB-A813-BEBD624EC685}"/>
-              </a:ext>
-            </a:extLst>
-          </p:cNvPr>
-          <p:cNvSpPr>
-            <a:spLocks noGrp="1"/>
-          </p:cNvSpPr>
-          <p:nvPr>
-            <p:ph type="body" idx="23"/>
-          </p:nvPr>
-        </p:nvSpPr>
-        <p:spPr>
-          <a:xfrm>
-            <a:off x="6113994" y="5478796"/>
-            <a:ext cx="2272678" cy="343061"/>
-          </a:xfrm>
-        </p:spPr>
-        <p:txBody>
-          <a:bodyPr rtlCol="0"/>
-          <a:lstStyle>
-            <a:defPPr>
-              <a:defRPr lang="es-ES"/>
-            </a:defPPr>
-          </a:lstStyle>
-          <a:p>
-            <a:pPr rtl="0"/>
-            <a:r>
-              <a:rPr lang="es-ES" dirty="0"/>
-              <a:t>Director de operaciones</a:t>
-            </a:r>
-          </a:p>
-        </p:txBody>
-      </p:sp>
-      <p:pic>
-        <p:nvPicPr>
-          <p:cNvPr id="22" name="Marcador de posición de imagen 21" descr="Foto de primer plano de las diapositivas de equipo ">
-            <a:extLst>
-              <a:ext uri="{FF2B5EF4-FFF2-40B4-BE49-F238E27FC236}">
-                <a16:creationId xmlns:a16="http://schemas.microsoft.com/office/drawing/2014/main" id="{82AF3253-9767-4EC7-B0DB-3A850BEFB035}"/>
-              </a:ext>
-            </a:extLst>
-          </p:cNvPr>
-          <p:cNvPicPr>
-            <a:picLocks noGrp="1" noChangeAspect="1"/>
-          </p:cNvPicPr>
-          <p:nvPr>
-            <p:ph type="pic" sz="quarter" idx="17"/>
-          </p:nvPr>
-        </p:nvPicPr>
-        <p:blipFill rotWithShape="1">
-          <a:blip r:embed="rId6" cstate="screen">
-            <a:extLst>
-              <a:ext uri="{28A0092B-C50C-407E-A947-70E740481C1C}">
-                <a14:useLocalDpi xmlns:a14="http://schemas.microsoft.com/office/drawing/2010/main" val="0"/>
-              </a:ext>
-            </a:extLst>
-          </a:blip>
-          <a:srcRect/>
-          <a:stretch/>
-        </p:blipFill>
-        <p:spPr>
-          <a:xfrm>
-            <a:off x="8747458" y="2886074"/>
-            <a:ext cx="1845511" cy="1845511"/>
-          </a:xfrm>
-        </p:spPr>
-      </p:pic>
-      <p:sp>
-        <p:nvSpPr>
-          <p:cNvPr id="10" name="Marcador de texto 9">
-            <a:extLst>
-              <a:ext uri="{FF2B5EF4-FFF2-40B4-BE49-F238E27FC236}">
-                <a16:creationId xmlns:a16="http://schemas.microsoft.com/office/drawing/2014/main" id="{F5F1AEEC-D56B-4D10-B1F5-63AA91152B53}"/>
-              </a:ext>
-            </a:extLst>
-          </p:cNvPr>
-          <p:cNvSpPr>
-            <a:spLocks noGrp="1"/>
-          </p:cNvSpPr>
-          <p:nvPr>
-            <p:ph type="body" idx="20"/>
-          </p:nvPr>
-        </p:nvSpPr>
-        <p:spPr>
-          <a:xfrm>
-            <a:off x="8488845" y="5084524"/>
-            <a:ext cx="2317706" cy="343061"/>
-          </a:xfrm>
-        </p:spPr>
-        <p:txBody>
-          <a:bodyPr rtlCol="0"/>
-          <a:lstStyle>
-            <a:defPPr>
-              <a:defRPr lang="es-ES"/>
-            </a:defPPr>
-          </a:lstStyle>
-          <a:p>
-            <a:pPr rtl="0"/>
-            <a:r>
-              <a:rPr lang="es-ES" dirty="0"/>
-              <a:t>SERGIO VALLADARES</a:t>
-            </a:r>
-          </a:p>
-        </p:txBody>
-      </p:sp>
-      <p:sp>
-        <p:nvSpPr>
-          <p:cNvPr id="14" name="Marcador de texto 13">
-            <a:extLst>
-              <a:ext uri="{FF2B5EF4-FFF2-40B4-BE49-F238E27FC236}">
-                <a16:creationId xmlns:a16="http://schemas.microsoft.com/office/drawing/2014/main" id="{3099A0B0-BDD0-48DA-AA3E-13153E65129F}"/>
-              </a:ext>
-            </a:extLst>
-          </p:cNvPr>
-          <p:cNvSpPr>
-            <a:spLocks noGrp="1"/>
-          </p:cNvSpPr>
-          <p:nvPr>
-            <p:ph type="body" idx="24"/>
-          </p:nvPr>
-        </p:nvSpPr>
-        <p:spPr>
-          <a:xfrm>
-            <a:off x="8533875" y="5464114"/>
-            <a:ext cx="2272676" cy="343061"/>
-          </a:xfrm>
-        </p:spPr>
-        <p:txBody>
-          <a:bodyPr rtlCol="0"/>
-          <a:lstStyle>
-            <a:defPPr>
-              <a:defRPr lang="es-ES"/>
-            </a:defPPr>
-          </a:lstStyle>
-          <a:p>
-            <a:pPr rtl="0"/>
-            <a:r>
-              <a:rPr lang="es-ES" dirty="0"/>
-              <a:t>Vicepresidente de marketing</a:t>
-            </a:r>
-          </a:p>
-        </p:txBody>
-      </p:sp>
-      <p:sp>
-        <p:nvSpPr>
-          <p:cNvPr id="23" name="Marcador de fecha 22">
-            <a:extLst>
-              <a:ext uri="{FF2B5EF4-FFF2-40B4-BE49-F238E27FC236}">
-                <a16:creationId xmlns:a16="http://schemas.microsoft.com/office/drawing/2014/main" id="{637DEDF5-3FCD-4BC2-86A5-7BE2BF01EA38}"/>
-              </a:ext>
-            </a:extLst>
-          </p:cNvPr>
-          <p:cNvSpPr>
-            <a:spLocks noGrp="1"/>
-          </p:cNvSpPr>
-          <p:nvPr>
-            <p:ph type="dt" sz="half" idx="10"/>
-          </p:nvPr>
-        </p:nvSpPr>
-        <p:spPr>
-          <a:xfrm>
-            <a:off x="838200" y="6356350"/>
-            <a:ext cx="2743200" cy="365125"/>
-          </a:xfrm>
-        </p:spPr>
-        <p:txBody>
-          <a:bodyPr rtlCol="0"/>
-          <a:lstStyle>
-            <a:defPPr>
-              <a:defRPr lang="es-ES"/>
-            </a:defPPr>
-          </a:lstStyle>
-          <a:p>
-            <a:pPr rtl="0"/>
-            <a:r>
-              <a:rPr lang="es-ES"/>
-              <a:t>20XX</a:t>
-            </a:r>
-          </a:p>
-        </p:txBody>
-      </p:sp>
-      <p:sp>
-        <p:nvSpPr>
-          <p:cNvPr id="24" name="Marcador de pie de página 23">
-            <a:extLst>
-              <a:ext uri="{FF2B5EF4-FFF2-40B4-BE49-F238E27FC236}">
-                <a16:creationId xmlns:a16="http://schemas.microsoft.com/office/drawing/2014/main" id="{918C3C97-444D-4600-8553-B9C4C1F8483B}"/>
-              </a:ext>
-            </a:extLst>
-          </p:cNvPr>
-          <p:cNvSpPr>
-            <a:spLocks noGrp="1"/>
-          </p:cNvSpPr>
-          <p:nvPr>
-            <p:ph type="ftr" sz="quarter" idx="11"/>
-          </p:nvPr>
-        </p:nvSpPr>
-        <p:spPr>
-          <a:xfrm>
-            <a:off x="4038600" y="6356350"/>
-            <a:ext cx="4114800" cy="365125"/>
-          </a:xfrm>
-        </p:spPr>
-        <p:txBody>
-          <a:bodyPr rtlCol="0"/>
-          <a:lstStyle>
-            <a:defPPr>
-              <a:defRPr lang="es-ES"/>
-            </a:defPPr>
-          </a:lstStyle>
-          <a:p>
-            <a:pPr rtl="0"/>
-            <a:r>
               <a:rPr lang="es-ES" dirty="0"/>
               <a:t>TÍTULO DE LA PRESENTACIÓN</a:t>
             </a:r>
@@ -18203,10 +16788,10 @@
       </p:sp>
       <p:sp>
         <p:nvSpPr>
-          <p:cNvPr id="25" name="Marcador de número de diapositiva 24">
-            <a:extLst>
-              <a:ext uri="{FF2B5EF4-FFF2-40B4-BE49-F238E27FC236}">
-                <a16:creationId xmlns:a16="http://schemas.microsoft.com/office/drawing/2014/main" id="{148E9129-4CC6-47BA-ACD8-2C632A8660EC}"/>
+          <p:cNvPr id="6" name="Marcador de número de diapositiva 5">
+            <a:extLst>
+              <a:ext uri="{FF2B5EF4-FFF2-40B4-BE49-F238E27FC236}">
+                <a16:creationId xmlns:a16="http://schemas.microsoft.com/office/drawing/2014/main" id="{4C127D99-645F-4FCF-9573-FDFE2A344FA9}"/>
               </a:ext>
             </a:extLst>
           </p:cNvPr>
@@ -18219,8 +16804,8 @@
         </p:nvSpPr>
         <p:spPr>
           <a:xfrm>
-            <a:off x="8610600" y="6356350"/>
-            <a:ext cx="2743200" cy="365125"/>
+            <a:off x="9579428" y="6356350"/>
+            <a:ext cx="1774371" cy="365125"/>
           </a:xfrm>
         </p:spPr>
         <p:txBody>
@@ -18244,1567 +16829,7 @@
     </p:spTree>
     <p:extLst>
       <p:ext uri="{BB962C8B-B14F-4D97-AF65-F5344CB8AC3E}">
-        <p14:creationId xmlns:p14="http://schemas.microsoft.com/office/powerpoint/2010/main" val="2619301236"/>
-      </p:ext>
-    </p:extLst>
-  </p:cSld>
-  <p:clrMapOvr>
-    <a:masterClrMapping/>
-  </p:clrMapOvr>
-</p:sld>
-</file>
-
-<file path=ppt/slides/slide24.xml><?xml version="1.0" encoding="utf-8"?>
-<p:sld xmlns:a="http://schemas.openxmlformats.org/drawingml/2006/main" xmlns:r="http://schemas.openxmlformats.org/officeDocument/2006/relationships" xmlns:p="http://schemas.openxmlformats.org/presentationml/2006/main">
-  <p:cSld>
-    <p:spTree>
-      <p:nvGrpSpPr>
-        <p:cNvPr id="1" name=""/>
-        <p:cNvGrpSpPr/>
-        <p:nvPr/>
-      </p:nvGrpSpPr>
-      <p:grpSpPr>
-        <a:xfrm>
-          <a:off x="0" y="0"/>
-          <a:ext cx="0" cy="0"/>
-          <a:chOff x="0" y="0"/>
-          <a:chExt cx="0" cy="0"/>
-        </a:xfrm>
-      </p:grpSpPr>
-      <p:sp>
-        <p:nvSpPr>
-          <p:cNvPr id="2" name="Título 1">
-            <a:extLst>
-              <a:ext uri="{FF2B5EF4-FFF2-40B4-BE49-F238E27FC236}">
-                <a16:creationId xmlns:a16="http://schemas.microsoft.com/office/drawing/2014/main" id="{42DD0E59-4C68-4F87-9821-23C69713D980}"/>
-              </a:ext>
-            </a:extLst>
-          </p:cNvPr>
-          <p:cNvSpPr>
-            <a:spLocks noGrp="1"/>
-          </p:cNvSpPr>
-          <p:nvPr>
-            <p:ph type="title"/>
-          </p:nvPr>
-        </p:nvSpPr>
-        <p:spPr>
-          <a:xfrm>
-            <a:off x="1885156" y="892177"/>
-            <a:ext cx="8421688" cy="1325563"/>
-          </a:xfrm>
-        </p:spPr>
-        <p:txBody>
-          <a:bodyPr rtlCol="0"/>
-          <a:lstStyle>
-            <a:defPPr>
-              <a:defRPr lang="es-ES"/>
-            </a:defPPr>
-          </a:lstStyle>
-          <a:p>
-            <a:pPr rtl="0"/>
-            <a:r>
-              <a:rPr lang="es-ES" dirty="0"/>
-              <a:t>CONOZCA A NUESTRO EQUIPO </a:t>
-            </a:r>
-          </a:p>
-        </p:txBody>
-      </p:sp>
-      <p:pic>
-        <p:nvPicPr>
-          <p:cNvPr id="357" name="Marcador de posición de imagen 356" descr="Foto de primer plano de las diapositivas de equipo ">
-            <a:extLst>
-              <a:ext uri="{FF2B5EF4-FFF2-40B4-BE49-F238E27FC236}">
-                <a16:creationId xmlns:a16="http://schemas.microsoft.com/office/drawing/2014/main" id="{1AA9DB68-9DD0-4157-9F94-F215A6B134C1}"/>
-              </a:ext>
-            </a:extLst>
-          </p:cNvPr>
-          <p:cNvPicPr>
-            <a:picLocks noGrp="1" noChangeAspect="1"/>
-          </p:cNvPicPr>
-          <p:nvPr>
-            <p:ph type="pic" sz="quarter" idx="14"/>
-          </p:nvPr>
-        </p:nvPicPr>
-        <p:blipFill rotWithShape="1">
-          <a:blip r:embed="rId3">
-            <a:extLst>
-              <a:ext uri="{28A0092B-C50C-407E-A947-70E740481C1C}">
-                <a14:useLocalDpi xmlns:a14="http://schemas.microsoft.com/office/drawing/2010/main" val="0"/>
-              </a:ext>
-            </a:extLst>
-          </a:blip>
-          <a:srcRect/>
-          <a:stretch/>
-        </p:blipFill>
-        <p:spPr>
-          <a:xfrm>
-            <a:off x="1877176" y="2428875"/>
-            <a:ext cx="1066800" cy="1066800"/>
-          </a:xfrm>
-        </p:spPr>
-      </p:pic>
-      <p:sp>
-        <p:nvSpPr>
-          <p:cNvPr id="3" name="Marcador de texto 2">
-            <a:extLst>
-              <a:ext uri="{FF2B5EF4-FFF2-40B4-BE49-F238E27FC236}">
-                <a16:creationId xmlns:a16="http://schemas.microsoft.com/office/drawing/2014/main" id="{25A49E2A-E51F-4DB7-B643-0BACFA4CDF33}"/>
-              </a:ext>
-            </a:extLst>
-          </p:cNvPr>
-          <p:cNvSpPr>
-            <a:spLocks noGrp="1"/>
-          </p:cNvSpPr>
-          <p:nvPr>
-            <p:ph type="body" idx="1"/>
-          </p:nvPr>
-        </p:nvSpPr>
-        <p:spPr>
-          <a:xfrm>
-            <a:off x="1500168" y="3654378"/>
-            <a:ext cx="1828800" cy="343061"/>
-          </a:xfrm>
-        </p:spPr>
-        <p:txBody>
-          <a:bodyPr rtlCol="0"/>
-          <a:lstStyle>
-            <a:defPPr>
-              <a:defRPr lang="es-ES"/>
-            </a:defPPr>
-          </a:lstStyle>
-          <a:p>
-            <a:pPr rtl="0"/>
-            <a:r>
-              <a:rPr lang="es-ES" dirty="0"/>
-              <a:t>DAVID SERNA</a:t>
-            </a:r>
-          </a:p>
-        </p:txBody>
-      </p:sp>
-      <p:sp>
-        <p:nvSpPr>
-          <p:cNvPr id="11" name="Marcador de texto 10">
-            <a:extLst>
-              <a:ext uri="{FF2B5EF4-FFF2-40B4-BE49-F238E27FC236}">
-                <a16:creationId xmlns:a16="http://schemas.microsoft.com/office/drawing/2014/main" id="{AA8375DF-11E9-44DF-BAA3-EACBE17AF4A7}"/>
-              </a:ext>
-            </a:extLst>
-          </p:cNvPr>
-          <p:cNvSpPr>
-            <a:spLocks noGrp="1"/>
-          </p:cNvSpPr>
-          <p:nvPr>
-            <p:ph type="body" idx="21"/>
-          </p:nvPr>
-        </p:nvSpPr>
-        <p:spPr>
-          <a:xfrm>
-            <a:off x="1500168" y="3809747"/>
-            <a:ext cx="1828800" cy="343061"/>
-          </a:xfrm>
-        </p:spPr>
-        <p:txBody>
-          <a:bodyPr rtlCol="0"/>
-          <a:lstStyle>
-            <a:defPPr>
-              <a:defRPr lang="es-ES"/>
-            </a:defPPr>
-          </a:lstStyle>
-          <a:p>
-            <a:pPr rtl="0"/>
-            <a:r>
-              <a:rPr lang="es-ES"/>
-              <a:t>Presidente</a:t>
-            </a:r>
-          </a:p>
-        </p:txBody>
-      </p:sp>
-      <p:pic>
-        <p:nvPicPr>
-          <p:cNvPr id="359" name="Marcador de posición de imagen 358" descr="Foto de primer plano de las diapositivas de equipo ">
-            <a:extLst>
-              <a:ext uri="{FF2B5EF4-FFF2-40B4-BE49-F238E27FC236}">
-                <a16:creationId xmlns:a16="http://schemas.microsoft.com/office/drawing/2014/main" id="{32C08192-2F27-4ED3-9CEE-4C37C7DFE674}"/>
-              </a:ext>
-            </a:extLst>
-          </p:cNvPr>
-          <p:cNvPicPr>
-            <a:picLocks noGrp="1" noChangeAspect="1"/>
-          </p:cNvPicPr>
-          <p:nvPr>
-            <p:ph type="pic" sz="quarter" idx="15"/>
-          </p:nvPr>
-        </p:nvPicPr>
-        <p:blipFill rotWithShape="1">
-          <a:blip r:embed="rId4">
-            <a:extLst>
-              <a:ext uri="{28A0092B-C50C-407E-A947-70E740481C1C}">
-                <a14:useLocalDpi xmlns:a14="http://schemas.microsoft.com/office/drawing/2010/main" val="0"/>
-              </a:ext>
-            </a:extLst>
-          </a:blip>
-          <a:srcRect/>
-          <a:stretch/>
-        </p:blipFill>
-        <p:spPr>
-          <a:xfrm>
-            <a:off x="4226270" y="2428875"/>
-            <a:ext cx="1066800" cy="1066800"/>
-          </a:xfrm>
-        </p:spPr>
-      </p:pic>
-      <p:sp>
-        <p:nvSpPr>
-          <p:cNvPr id="8" name="Marcador de texto 7">
-            <a:extLst>
-              <a:ext uri="{FF2B5EF4-FFF2-40B4-BE49-F238E27FC236}">
-                <a16:creationId xmlns:a16="http://schemas.microsoft.com/office/drawing/2014/main" id="{9584E2DE-7061-44CB-A94B-5555484F9744}"/>
-              </a:ext>
-            </a:extLst>
-          </p:cNvPr>
-          <p:cNvSpPr>
-            <a:spLocks noGrp="1"/>
-          </p:cNvSpPr>
-          <p:nvPr>
-            <p:ph type="body" idx="18"/>
-          </p:nvPr>
-        </p:nvSpPr>
-        <p:spPr>
-          <a:xfrm>
-            <a:off x="3849262" y="3654378"/>
-            <a:ext cx="1828800" cy="343061"/>
-          </a:xfrm>
-        </p:spPr>
-        <p:txBody>
-          <a:bodyPr rtlCol="0"/>
-          <a:lstStyle>
-            <a:defPPr>
-              <a:defRPr lang="es-ES"/>
-            </a:defPPr>
-          </a:lstStyle>
-          <a:p>
-            <a:pPr rtl="0"/>
-            <a:r>
-              <a:rPr lang="es-ES" dirty="0"/>
-              <a:t>MIRJAM NILSSON</a:t>
-            </a:r>
-          </a:p>
-        </p:txBody>
-      </p:sp>
-      <p:sp>
-        <p:nvSpPr>
-          <p:cNvPr id="12" name="Marcador de texto 11">
-            <a:extLst>
-              <a:ext uri="{FF2B5EF4-FFF2-40B4-BE49-F238E27FC236}">
-                <a16:creationId xmlns:a16="http://schemas.microsoft.com/office/drawing/2014/main" id="{57F11552-18E0-4565-AE6F-DE5290DF1269}"/>
-              </a:ext>
-            </a:extLst>
-          </p:cNvPr>
-          <p:cNvSpPr>
-            <a:spLocks noGrp="1"/>
-          </p:cNvSpPr>
-          <p:nvPr>
-            <p:ph type="body" idx="22"/>
-          </p:nvPr>
-        </p:nvSpPr>
-        <p:spPr>
-          <a:xfrm>
-            <a:off x="3849262" y="3809747"/>
-            <a:ext cx="1828800" cy="343061"/>
-          </a:xfrm>
-        </p:spPr>
-        <p:txBody>
-          <a:bodyPr rtlCol="0"/>
-          <a:lstStyle>
-            <a:defPPr>
-              <a:defRPr lang="es-ES"/>
-            </a:defPPr>
-          </a:lstStyle>
-          <a:p>
-            <a:pPr rtl="0"/>
-            <a:r>
-              <a:rPr lang="es-ES" dirty="0"/>
-              <a:t>Directora ejecutiva</a:t>
-            </a:r>
-          </a:p>
-        </p:txBody>
-      </p:sp>
-      <p:pic>
-        <p:nvPicPr>
-          <p:cNvPr id="361" name="Marcador de posición de imagen 360" descr="Foto de primer plano de las diapositivas de equipo ">
-            <a:extLst>
-              <a:ext uri="{FF2B5EF4-FFF2-40B4-BE49-F238E27FC236}">
-                <a16:creationId xmlns:a16="http://schemas.microsoft.com/office/drawing/2014/main" id="{CA581025-9A6A-4294-8F86-E611BCEFAB15}"/>
-              </a:ext>
-            </a:extLst>
-          </p:cNvPr>
-          <p:cNvPicPr>
-            <a:picLocks noGrp="1" noChangeAspect="1"/>
-          </p:cNvPicPr>
-          <p:nvPr>
-            <p:ph type="pic" sz="quarter" idx="37"/>
-          </p:nvPr>
-        </p:nvPicPr>
-        <p:blipFill rotWithShape="1">
-          <a:blip r:embed="rId5">
-            <a:extLst>
-              <a:ext uri="{28A0092B-C50C-407E-A947-70E740481C1C}">
-                <a14:useLocalDpi xmlns:a14="http://schemas.microsoft.com/office/drawing/2010/main" val="0"/>
-              </a:ext>
-            </a:extLst>
-          </a:blip>
-          <a:srcRect/>
-          <a:stretch/>
-        </p:blipFill>
-        <p:spPr>
-          <a:xfrm>
-            <a:off x="6655584" y="2428875"/>
-            <a:ext cx="1066800" cy="1066800"/>
-          </a:xfrm>
-        </p:spPr>
-      </p:pic>
-      <p:sp>
-        <p:nvSpPr>
-          <p:cNvPr id="9" name="Marcador de texto 8">
-            <a:extLst>
-              <a:ext uri="{FF2B5EF4-FFF2-40B4-BE49-F238E27FC236}">
-                <a16:creationId xmlns:a16="http://schemas.microsoft.com/office/drawing/2014/main" id="{87AF403D-91FB-404C-9346-862EFEC3564F}"/>
-              </a:ext>
-            </a:extLst>
-          </p:cNvPr>
-          <p:cNvSpPr>
-            <a:spLocks noGrp="1"/>
-          </p:cNvSpPr>
-          <p:nvPr>
-            <p:ph type="body" idx="19"/>
-          </p:nvPr>
-        </p:nvSpPr>
-        <p:spPr>
-          <a:xfrm>
-            <a:off x="6198355" y="3654378"/>
-            <a:ext cx="2105135" cy="343061"/>
-          </a:xfrm>
-        </p:spPr>
-        <p:txBody>
-          <a:bodyPr rtlCol="0"/>
-          <a:lstStyle>
-            <a:defPPr>
-              <a:defRPr lang="es-ES"/>
-            </a:defPPr>
-          </a:lstStyle>
-          <a:p>
-            <a:pPr rtl="0"/>
-            <a:r>
-              <a:rPr lang="es-ES" dirty="0"/>
-              <a:t>SERGIO VALLADARES</a:t>
-            </a:r>
-          </a:p>
-        </p:txBody>
-      </p:sp>
-      <p:sp>
-        <p:nvSpPr>
-          <p:cNvPr id="13" name="Marcador de texto 12">
-            <a:extLst>
-              <a:ext uri="{FF2B5EF4-FFF2-40B4-BE49-F238E27FC236}">
-                <a16:creationId xmlns:a16="http://schemas.microsoft.com/office/drawing/2014/main" id="{92682AD9-94FA-4E64-864B-DC8F7A320D5C}"/>
-              </a:ext>
-            </a:extLst>
-          </p:cNvPr>
-          <p:cNvSpPr>
-            <a:spLocks noGrp="1"/>
-          </p:cNvSpPr>
-          <p:nvPr>
-            <p:ph type="body" idx="23"/>
-          </p:nvPr>
-        </p:nvSpPr>
-        <p:spPr>
-          <a:xfrm>
-            <a:off x="6095999" y="3809747"/>
-            <a:ext cx="2299855" cy="343061"/>
-          </a:xfrm>
-        </p:spPr>
-        <p:txBody>
-          <a:bodyPr rtlCol="0"/>
-          <a:lstStyle>
-            <a:defPPr>
-              <a:defRPr lang="es-ES"/>
-            </a:defPPr>
-          </a:lstStyle>
-          <a:p>
-            <a:pPr rtl="0"/>
-            <a:r>
-              <a:rPr lang="es-ES" dirty="0"/>
-              <a:t>Director de operaciones</a:t>
-            </a:r>
-          </a:p>
-        </p:txBody>
-      </p:sp>
-      <p:pic>
-        <p:nvPicPr>
-          <p:cNvPr id="363" name="Marcador de posición de imagen 362" descr="Foto de primer plano de las diapositivas de equipo ">
-            <a:extLst>
-              <a:ext uri="{FF2B5EF4-FFF2-40B4-BE49-F238E27FC236}">
-                <a16:creationId xmlns:a16="http://schemas.microsoft.com/office/drawing/2014/main" id="{0AB7C4F4-0E33-47EC-A40D-D03ECD81A39B}"/>
-              </a:ext>
-            </a:extLst>
-          </p:cNvPr>
-          <p:cNvPicPr>
-            <a:picLocks noGrp="1" noChangeAspect="1"/>
-          </p:cNvPicPr>
-          <p:nvPr>
-            <p:ph type="pic" sz="quarter" idx="17"/>
-          </p:nvPr>
-        </p:nvPicPr>
-        <p:blipFill rotWithShape="1">
-          <a:blip r:embed="rId6">
-            <a:extLst>
-              <a:ext uri="{28A0092B-C50C-407E-A947-70E740481C1C}">
-                <a14:useLocalDpi xmlns:a14="http://schemas.microsoft.com/office/drawing/2010/main" val="0"/>
-              </a:ext>
-            </a:extLst>
-          </a:blip>
-          <a:srcRect/>
-          <a:stretch/>
-        </p:blipFill>
-        <p:spPr>
-          <a:xfrm>
-            <a:off x="9136814" y="2428875"/>
-            <a:ext cx="1066800" cy="1066800"/>
-          </a:xfrm>
-        </p:spPr>
-      </p:pic>
-      <p:sp>
-        <p:nvSpPr>
-          <p:cNvPr id="10" name="Marcador de texto 9">
-            <a:extLst>
-              <a:ext uri="{FF2B5EF4-FFF2-40B4-BE49-F238E27FC236}">
-                <a16:creationId xmlns:a16="http://schemas.microsoft.com/office/drawing/2014/main" id="{0EE34DCC-0789-4B21-A328-FF554B1B07BE}"/>
-              </a:ext>
-            </a:extLst>
-          </p:cNvPr>
-          <p:cNvSpPr>
-            <a:spLocks noGrp="1"/>
-          </p:cNvSpPr>
-          <p:nvPr>
-            <p:ph type="body" idx="20"/>
-          </p:nvPr>
-        </p:nvSpPr>
-        <p:spPr>
-          <a:xfrm>
-            <a:off x="8759806" y="3654378"/>
-            <a:ext cx="1828800" cy="343061"/>
-          </a:xfrm>
-        </p:spPr>
-        <p:txBody>
-          <a:bodyPr rtlCol="0"/>
-          <a:lstStyle>
-            <a:defPPr>
-              <a:defRPr lang="es-ES"/>
-            </a:defPPr>
-          </a:lstStyle>
-          <a:p>
-            <a:pPr rtl="0"/>
-            <a:r>
-              <a:rPr lang="es-ES"/>
-              <a:t>SERGIO VALLADARES</a:t>
-            </a:r>
-          </a:p>
-        </p:txBody>
-      </p:sp>
-      <p:sp>
-        <p:nvSpPr>
-          <p:cNvPr id="14" name="Marcador de texto 13">
-            <a:extLst>
-              <a:ext uri="{FF2B5EF4-FFF2-40B4-BE49-F238E27FC236}">
-                <a16:creationId xmlns:a16="http://schemas.microsoft.com/office/drawing/2014/main" id="{AE93F4CF-DD26-41DA-BA4C-2DCAC0B2F5EB}"/>
-              </a:ext>
-            </a:extLst>
-          </p:cNvPr>
-          <p:cNvSpPr>
-            <a:spLocks noGrp="1"/>
-          </p:cNvSpPr>
-          <p:nvPr>
-            <p:ph type="body" idx="24"/>
-          </p:nvPr>
-        </p:nvSpPr>
-        <p:spPr>
-          <a:xfrm>
-            <a:off x="8541355" y="3809747"/>
-            <a:ext cx="2250376" cy="343061"/>
-          </a:xfrm>
-        </p:spPr>
-        <p:txBody>
-          <a:bodyPr rtlCol="0"/>
-          <a:lstStyle>
-            <a:defPPr>
-              <a:defRPr lang="es-ES"/>
-            </a:defPPr>
-          </a:lstStyle>
-          <a:p>
-            <a:pPr rtl="0"/>
-            <a:r>
-              <a:rPr lang="es-ES" dirty="0"/>
-              <a:t>Vicepresidente de marketing</a:t>
-            </a:r>
-          </a:p>
-        </p:txBody>
-      </p:sp>
-      <p:pic>
-        <p:nvPicPr>
-          <p:cNvPr id="365" name="Marcador de posición de imagen 364" descr="Foto de primer plano de las diapositivas de equipo ">
-            <a:extLst>
-              <a:ext uri="{FF2B5EF4-FFF2-40B4-BE49-F238E27FC236}">
-                <a16:creationId xmlns:a16="http://schemas.microsoft.com/office/drawing/2014/main" id="{13CD5AED-E130-432E-8952-7CB3F68F3312}"/>
-              </a:ext>
-            </a:extLst>
-          </p:cNvPr>
-          <p:cNvPicPr>
-            <a:picLocks noGrp="1" noChangeAspect="1"/>
-          </p:cNvPicPr>
-          <p:nvPr>
-            <p:ph type="pic" sz="quarter" idx="26"/>
-          </p:nvPr>
-        </p:nvPicPr>
-        <p:blipFill rotWithShape="1">
-          <a:blip r:embed="rId7">
-            <a:extLst>
-              <a:ext uri="{28A0092B-C50C-407E-A947-70E740481C1C}">
-                <a14:useLocalDpi xmlns:a14="http://schemas.microsoft.com/office/drawing/2010/main" val="0"/>
-              </a:ext>
-            </a:extLst>
-          </a:blip>
-          <a:srcRect/>
-          <a:stretch/>
-        </p:blipFill>
-        <p:spPr>
-          <a:xfrm>
-            <a:off x="1877176" y="4287711"/>
-            <a:ext cx="1066800" cy="1066800"/>
-          </a:xfrm>
-        </p:spPr>
-      </p:pic>
-      <p:sp>
-        <p:nvSpPr>
-          <p:cNvPr id="36" name="Marcador de texto 35">
-            <a:extLst>
-              <a:ext uri="{FF2B5EF4-FFF2-40B4-BE49-F238E27FC236}">
-                <a16:creationId xmlns:a16="http://schemas.microsoft.com/office/drawing/2014/main" id="{9935192B-6592-4598-9D51-CFDF6F0A854F}"/>
-              </a:ext>
-            </a:extLst>
-          </p:cNvPr>
-          <p:cNvSpPr>
-            <a:spLocks noGrp="1"/>
-          </p:cNvSpPr>
-          <p:nvPr>
-            <p:ph type="body" idx="25"/>
-          </p:nvPr>
-        </p:nvSpPr>
-        <p:spPr>
-          <a:xfrm>
-            <a:off x="1500168" y="5513214"/>
-            <a:ext cx="1828800" cy="343061"/>
-          </a:xfrm>
-        </p:spPr>
-        <p:txBody>
-          <a:bodyPr rtlCol="0"/>
-          <a:lstStyle>
-            <a:defPPr>
-              <a:defRPr lang="es-ES"/>
-            </a:defPPr>
-          </a:lstStyle>
-          <a:p>
-            <a:pPr rtl="0"/>
-            <a:r>
-              <a:rPr lang="es-ES" dirty="0"/>
-              <a:t>GRAHAM BARNES</a:t>
-            </a:r>
-          </a:p>
-        </p:txBody>
-      </p:sp>
-      <p:sp>
-        <p:nvSpPr>
-          <p:cNvPr id="44" name="Marcador de texto 43">
-            <a:extLst>
-              <a:ext uri="{FF2B5EF4-FFF2-40B4-BE49-F238E27FC236}">
-                <a16:creationId xmlns:a16="http://schemas.microsoft.com/office/drawing/2014/main" id="{F759A1DD-45A5-4764-8966-C107C4C4832C}"/>
-              </a:ext>
-            </a:extLst>
-          </p:cNvPr>
-          <p:cNvSpPr>
-            <a:spLocks noGrp="1"/>
-          </p:cNvSpPr>
-          <p:nvPr>
-            <p:ph type="body" idx="33"/>
-          </p:nvPr>
-        </p:nvSpPr>
-        <p:spPr>
-          <a:xfrm>
-            <a:off x="1247736" y="5668583"/>
-            <a:ext cx="2333664" cy="343061"/>
-          </a:xfrm>
-        </p:spPr>
-        <p:txBody>
-          <a:bodyPr rtlCol="0"/>
-          <a:lstStyle>
-            <a:defPPr>
-              <a:defRPr lang="es-ES"/>
-            </a:defPPr>
-          </a:lstStyle>
-          <a:p>
-            <a:pPr rtl="0"/>
-            <a:r>
-              <a:rPr lang="es-ES" dirty="0"/>
-              <a:t>Vicepresidente de Producción</a:t>
-            </a:r>
-          </a:p>
-        </p:txBody>
-      </p:sp>
-      <p:pic>
-        <p:nvPicPr>
-          <p:cNvPr id="367" name="Marcador de posición de imagen 366" descr="Foto de primer plano de las diapositivas de equipo ">
-            <a:extLst>
-              <a:ext uri="{FF2B5EF4-FFF2-40B4-BE49-F238E27FC236}">
-                <a16:creationId xmlns:a16="http://schemas.microsoft.com/office/drawing/2014/main" id="{73D462EE-3D1E-4964-B729-2B963BD87288}"/>
-              </a:ext>
-            </a:extLst>
-          </p:cNvPr>
-          <p:cNvPicPr>
-            <a:picLocks noGrp="1" noChangeAspect="1"/>
-          </p:cNvPicPr>
-          <p:nvPr>
-            <p:ph type="pic" sz="quarter" idx="27"/>
-          </p:nvPr>
-        </p:nvPicPr>
-        <p:blipFill rotWithShape="1">
-          <a:blip r:embed="rId8">
-            <a:extLst>
-              <a:ext uri="{28A0092B-C50C-407E-A947-70E740481C1C}">
-                <a14:useLocalDpi xmlns:a14="http://schemas.microsoft.com/office/drawing/2010/main" val="0"/>
-              </a:ext>
-            </a:extLst>
-          </a:blip>
-          <a:srcRect/>
-          <a:stretch/>
-        </p:blipFill>
-        <p:spPr>
-          <a:xfrm>
-            <a:off x="4226270" y="4287711"/>
-            <a:ext cx="1066800" cy="1066800"/>
-          </a:xfrm>
-        </p:spPr>
-      </p:pic>
-      <p:sp>
-        <p:nvSpPr>
-          <p:cNvPr id="41" name="Marcador de texto 40">
-            <a:extLst>
-              <a:ext uri="{FF2B5EF4-FFF2-40B4-BE49-F238E27FC236}">
-                <a16:creationId xmlns:a16="http://schemas.microsoft.com/office/drawing/2014/main" id="{6B09ED3A-8EC7-42CA-B68B-1377E5460E75}"/>
-              </a:ext>
-            </a:extLst>
-          </p:cNvPr>
-          <p:cNvSpPr>
-            <a:spLocks noGrp="1"/>
-          </p:cNvSpPr>
-          <p:nvPr>
-            <p:ph type="body" idx="30"/>
-          </p:nvPr>
-        </p:nvSpPr>
-        <p:spPr>
-          <a:xfrm>
-            <a:off x="3849262" y="5513214"/>
-            <a:ext cx="1828800" cy="343061"/>
-          </a:xfrm>
-        </p:spPr>
-        <p:txBody>
-          <a:bodyPr rtlCol="0"/>
-          <a:lstStyle>
-            <a:defPPr>
-              <a:defRPr lang="es-ES"/>
-            </a:defPPr>
-          </a:lstStyle>
-          <a:p>
-            <a:pPr rtl="0"/>
-            <a:r>
-              <a:rPr lang="es-ES"/>
-              <a:t>ROWAN MURPHY</a:t>
-            </a:r>
-          </a:p>
-        </p:txBody>
-      </p:sp>
-      <p:sp>
-        <p:nvSpPr>
-          <p:cNvPr id="45" name="Marcador de texto 44">
-            <a:extLst>
-              <a:ext uri="{FF2B5EF4-FFF2-40B4-BE49-F238E27FC236}">
-                <a16:creationId xmlns:a16="http://schemas.microsoft.com/office/drawing/2014/main" id="{021B5FEC-BECF-4604-A9AB-1C9E810794F6}"/>
-              </a:ext>
-            </a:extLst>
-          </p:cNvPr>
-          <p:cNvSpPr>
-            <a:spLocks noGrp="1"/>
-          </p:cNvSpPr>
-          <p:nvPr>
-            <p:ph type="body" idx="34"/>
-          </p:nvPr>
-        </p:nvSpPr>
-        <p:spPr>
-          <a:xfrm>
-            <a:off x="3849262" y="5668583"/>
-            <a:ext cx="1828800" cy="343061"/>
-          </a:xfrm>
-        </p:spPr>
-        <p:txBody>
-          <a:bodyPr rtlCol="0"/>
-          <a:lstStyle>
-            <a:defPPr>
-              <a:defRPr lang="es-ES"/>
-            </a:defPPr>
-          </a:lstStyle>
-          <a:p>
-            <a:pPr rtl="0"/>
-            <a:r>
-              <a:rPr lang="es-ES"/>
-              <a:t>Estratega de SEO</a:t>
-            </a:r>
-          </a:p>
-        </p:txBody>
-      </p:sp>
-      <p:pic>
-        <p:nvPicPr>
-          <p:cNvPr id="369" name="Marcador de posición de imagen 368" descr="Foto de primer plano de las diapositivas de equipo ">
-            <a:extLst>
-              <a:ext uri="{FF2B5EF4-FFF2-40B4-BE49-F238E27FC236}">
-                <a16:creationId xmlns:a16="http://schemas.microsoft.com/office/drawing/2014/main" id="{3DD82FDB-1001-45E1-AA54-7904FCC108DE}"/>
-              </a:ext>
-            </a:extLst>
-          </p:cNvPr>
-          <p:cNvPicPr>
-            <a:picLocks noGrp="1" noChangeAspect="1"/>
-          </p:cNvPicPr>
-          <p:nvPr>
-            <p:ph type="pic" sz="quarter" idx="38"/>
-          </p:nvPr>
-        </p:nvPicPr>
-        <p:blipFill rotWithShape="1">
-          <a:blip r:embed="rId9">
-            <a:extLst>
-              <a:ext uri="{28A0092B-C50C-407E-A947-70E740481C1C}">
-                <a14:useLocalDpi xmlns:a14="http://schemas.microsoft.com/office/drawing/2010/main" val="0"/>
-              </a:ext>
-            </a:extLst>
-          </a:blip>
-          <a:srcRect/>
-          <a:stretch/>
-        </p:blipFill>
-        <p:spPr>
-          <a:xfrm>
-            <a:off x="6655584" y="4287711"/>
-            <a:ext cx="1066800" cy="1066800"/>
-          </a:xfrm>
-        </p:spPr>
-      </p:pic>
-      <p:sp>
-        <p:nvSpPr>
-          <p:cNvPr id="42" name="Marcador de texto 41">
-            <a:extLst>
-              <a:ext uri="{FF2B5EF4-FFF2-40B4-BE49-F238E27FC236}">
-                <a16:creationId xmlns:a16="http://schemas.microsoft.com/office/drawing/2014/main" id="{3E07A9F3-763B-41EA-AC65-8EDB2CA31B8A}"/>
-              </a:ext>
-            </a:extLst>
-          </p:cNvPr>
-          <p:cNvSpPr>
-            <a:spLocks noGrp="1"/>
-          </p:cNvSpPr>
-          <p:nvPr>
-            <p:ph type="body" idx="31"/>
-          </p:nvPr>
-        </p:nvSpPr>
-        <p:spPr>
-          <a:xfrm>
-            <a:off x="6339926" y="5513214"/>
-            <a:ext cx="1828800" cy="343061"/>
-          </a:xfrm>
-        </p:spPr>
-        <p:txBody>
-          <a:bodyPr rtlCol="0"/>
-          <a:lstStyle>
-            <a:defPPr>
-              <a:defRPr lang="es-ES"/>
-            </a:defPPr>
-          </a:lstStyle>
-          <a:p>
-            <a:pPr rtl="0"/>
-            <a:r>
-              <a:rPr lang="es-ES" dirty="0"/>
-              <a:t>ELIZABETH MOORE</a:t>
-            </a:r>
-          </a:p>
-        </p:txBody>
-      </p:sp>
-      <p:sp>
-        <p:nvSpPr>
-          <p:cNvPr id="46" name="Marcador de texto 45">
-            <a:extLst>
-              <a:ext uri="{FF2B5EF4-FFF2-40B4-BE49-F238E27FC236}">
-                <a16:creationId xmlns:a16="http://schemas.microsoft.com/office/drawing/2014/main" id="{53A42804-1F4C-424E-9CB4-D1CD97B11CDE}"/>
-              </a:ext>
-            </a:extLst>
-          </p:cNvPr>
-          <p:cNvSpPr>
-            <a:spLocks noGrp="1"/>
-          </p:cNvSpPr>
-          <p:nvPr>
-            <p:ph type="body" idx="35"/>
-          </p:nvPr>
-        </p:nvSpPr>
-        <p:spPr>
-          <a:xfrm>
-            <a:off x="6339926" y="5668583"/>
-            <a:ext cx="1813474" cy="343061"/>
-          </a:xfrm>
-        </p:spPr>
-        <p:txBody>
-          <a:bodyPr rtlCol="0"/>
-          <a:lstStyle>
-            <a:defPPr>
-              <a:defRPr lang="es-ES"/>
-            </a:defPPr>
-          </a:lstStyle>
-          <a:p>
-            <a:pPr rtl="0"/>
-            <a:r>
-              <a:rPr lang="es-ES" dirty="0"/>
-              <a:t>Diseñadora de producto</a:t>
-            </a:r>
-          </a:p>
-        </p:txBody>
-      </p:sp>
-      <p:pic>
-        <p:nvPicPr>
-          <p:cNvPr id="371" name="Marcador de posición de imagen 370" descr="Foto de primer plano de las diapositivas de equipo ">
-            <a:extLst>
-              <a:ext uri="{FF2B5EF4-FFF2-40B4-BE49-F238E27FC236}">
-                <a16:creationId xmlns:a16="http://schemas.microsoft.com/office/drawing/2014/main" id="{5DC64598-F871-46A7-9338-8EB7BF26BEB6}"/>
-              </a:ext>
-            </a:extLst>
-          </p:cNvPr>
-          <p:cNvPicPr>
-            <a:picLocks noGrp="1" noChangeAspect="1"/>
-          </p:cNvPicPr>
-          <p:nvPr>
-            <p:ph type="pic" sz="quarter" idx="29"/>
-          </p:nvPr>
-        </p:nvPicPr>
-        <p:blipFill rotWithShape="1">
-          <a:blip r:embed="rId10">
-            <a:extLst>
-              <a:ext uri="{28A0092B-C50C-407E-A947-70E740481C1C}">
-                <a14:useLocalDpi xmlns:a14="http://schemas.microsoft.com/office/drawing/2010/main" val="0"/>
-              </a:ext>
-            </a:extLst>
-          </a:blip>
-          <a:srcRect/>
-          <a:stretch/>
-        </p:blipFill>
-        <p:spPr>
-          <a:xfrm>
-            <a:off x="9136814" y="4287711"/>
-            <a:ext cx="1066800" cy="1066800"/>
-          </a:xfrm>
-        </p:spPr>
-      </p:pic>
-      <p:sp>
-        <p:nvSpPr>
-          <p:cNvPr id="43" name="Marcador de texto 42">
-            <a:extLst>
-              <a:ext uri="{FF2B5EF4-FFF2-40B4-BE49-F238E27FC236}">
-                <a16:creationId xmlns:a16="http://schemas.microsoft.com/office/drawing/2014/main" id="{7E484450-BE48-4C65-AEE1-5650AAC06067}"/>
-              </a:ext>
-            </a:extLst>
-          </p:cNvPr>
-          <p:cNvSpPr>
-            <a:spLocks noGrp="1"/>
-          </p:cNvSpPr>
-          <p:nvPr>
-            <p:ph type="body" idx="32"/>
-          </p:nvPr>
-        </p:nvSpPr>
-        <p:spPr>
-          <a:xfrm>
-            <a:off x="8759806" y="5513214"/>
-            <a:ext cx="1828800" cy="343061"/>
-          </a:xfrm>
-        </p:spPr>
-        <p:txBody>
-          <a:bodyPr rtlCol="0"/>
-          <a:lstStyle>
-            <a:defPPr>
-              <a:defRPr lang="es-ES"/>
-            </a:defPPr>
-          </a:lstStyle>
-          <a:p>
-            <a:pPr rtl="0"/>
-            <a:r>
-              <a:rPr lang="es-ES"/>
-              <a:t>ROBIN KLINE</a:t>
-            </a:r>
-          </a:p>
-        </p:txBody>
-      </p:sp>
-      <p:sp>
-        <p:nvSpPr>
-          <p:cNvPr id="47" name="Marcador de texto 46">
-            <a:extLst>
-              <a:ext uri="{FF2B5EF4-FFF2-40B4-BE49-F238E27FC236}">
-                <a16:creationId xmlns:a16="http://schemas.microsoft.com/office/drawing/2014/main" id="{8D8B5AD3-AE51-4D7A-AE7B-E9C350D0879B}"/>
-              </a:ext>
-            </a:extLst>
-          </p:cNvPr>
-          <p:cNvSpPr>
-            <a:spLocks noGrp="1"/>
-          </p:cNvSpPr>
-          <p:nvPr>
-            <p:ph type="body" idx="36"/>
-          </p:nvPr>
-        </p:nvSpPr>
-        <p:spPr>
-          <a:xfrm>
-            <a:off x="8541355" y="5668583"/>
-            <a:ext cx="2250376" cy="343061"/>
-          </a:xfrm>
-        </p:spPr>
-        <p:txBody>
-          <a:bodyPr rtlCol="0"/>
-          <a:lstStyle>
-            <a:defPPr>
-              <a:defRPr lang="es-ES"/>
-            </a:defPPr>
-          </a:lstStyle>
-          <a:p>
-            <a:pPr rtl="0"/>
-            <a:r>
-              <a:rPr lang="es-ES" dirty="0"/>
-              <a:t>Desarrollador de contenido</a:t>
-            </a:r>
-          </a:p>
-        </p:txBody>
-      </p:sp>
-      <p:sp>
-        <p:nvSpPr>
-          <p:cNvPr id="56" name="Marcador de fecha 55">
-            <a:extLst>
-              <a:ext uri="{FF2B5EF4-FFF2-40B4-BE49-F238E27FC236}">
-                <a16:creationId xmlns:a16="http://schemas.microsoft.com/office/drawing/2014/main" id="{B289356A-BDA0-4234-84F2-9F2F25D0D7BD}"/>
-              </a:ext>
-            </a:extLst>
-          </p:cNvPr>
-          <p:cNvSpPr>
-            <a:spLocks noGrp="1"/>
-          </p:cNvSpPr>
-          <p:nvPr>
-            <p:ph type="dt" sz="half" idx="10"/>
-          </p:nvPr>
-        </p:nvSpPr>
-        <p:spPr>
-          <a:xfrm>
-            <a:off x="838200" y="6356350"/>
-            <a:ext cx="2743200" cy="365125"/>
-          </a:xfrm>
-        </p:spPr>
-        <p:txBody>
-          <a:bodyPr rtlCol="0"/>
-          <a:lstStyle>
-            <a:defPPr>
-              <a:defRPr lang="es-ES"/>
-            </a:defPPr>
-          </a:lstStyle>
-          <a:p>
-            <a:pPr rtl="0"/>
-            <a:r>
-              <a:rPr lang="es-ES"/>
-              <a:t>20XX</a:t>
-            </a:r>
-          </a:p>
-        </p:txBody>
-      </p:sp>
-      <p:sp>
-        <p:nvSpPr>
-          <p:cNvPr id="57" name="Marcador de pie de página 56">
-            <a:extLst>
-              <a:ext uri="{FF2B5EF4-FFF2-40B4-BE49-F238E27FC236}">
-                <a16:creationId xmlns:a16="http://schemas.microsoft.com/office/drawing/2014/main" id="{3A38BE84-957B-46B9-A315-4B5064DFF1A1}"/>
-              </a:ext>
-            </a:extLst>
-          </p:cNvPr>
-          <p:cNvSpPr>
-            <a:spLocks noGrp="1"/>
-          </p:cNvSpPr>
-          <p:nvPr>
-            <p:ph type="ftr" sz="quarter" idx="11"/>
-          </p:nvPr>
-        </p:nvSpPr>
-        <p:spPr>
-          <a:xfrm>
-            <a:off x="4038600" y="6356350"/>
-            <a:ext cx="4114800" cy="365125"/>
-          </a:xfrm>
-        </p:spPr>
-        <p:txBody>
-          <a:bodyPr rtlCol="0"/>
-          <a:lstStyle>
-            <a:defPPr>
-              <a:defRPr lang="es-ES"/>
-            </a:defPPr>
-          </a:lstStyle>
-          <a:p>
-            <a:pPr rtl="0"/>
-            <a:r>
-              <a:rPr lang="es-ES"/>
-              <a:t>TÍTULO DE LA PRESENTACIÓN</a:t>
-            </a:r>
-          </a:p>
-        </p:txBody>
-      </p:sp>
-      <p:sp>
-        <p:nvSpPr>
-          <p:cNvPr id="58" name="Marcador de número de diapositiva 57">
-            <a:extLst>
-              <a:ext uri="{FF2B5EF4-FFF2-40B4-BE49-F238E27FC236}">
-                <a16:creationId xmlns:a16="http://schemas.microsoft.com/office/drawing/2014/main" id="{E1900601-8B04-4FF3-B06F-6BEFAC6556D3}"/>
-              </a:ext>
-            </a:extLst>
-          </p:cNvPr>
-          <p:cNvSpPr>
-            <a:spLocks noGrp="1"/>
-          </p:cNvSpPr>
-          <p:nvPr>
-            <p:ph type="sldNum" sz="quarter" idx="12"/>
-          </p:nvPr>
-        </p:nvSpPr>
-        <p:spPr>
-          <a:xfrm>
-            <a:off x="8610600" y="6356350"/>
-            <a:ext cx="2743200" cy="365125"/>
-          </a:xfrm>
-        </p:spPr>
-        <p:txBody>
-          <a:bodyPr rtlCol="0"/>
-          <a:lstStyle>
-            <a:defPPr>
-              <a:defRPr lang="es-ES"/>
-            </a:defPPr>
-          </a:lstStyle>
-          <a:p>
-            <a:pPr rtl="0"/>
-            <a:fld id="{A49DFD55-3C28-40EF-9E31-A92D2E4017FF}" type="slidenum">
-              <a:rPr lang="es-ES" smtClean="0"/>
-              <a:pPr rtl="0"/>
-              <a:t>24</a:t>
-            </a:fld>
-            <a:endParaRPr lang="es-ES" dirty="0"/>
-          </a:p>
-        </p:txBody>
-      </p:sp>
-    </p:spTree>
-    <p:extLst>
-      <p:ext uri="{BB962C8B-B14F-4D97-AF65-F5344CB8AC3E}">
-        <p14:creationId xmlns:p14="http://schemas.microsoft.com/office/powerpoint/2010/main" val="4055079983"/>
-      </p:ext>
-    </p:extLst>
-  </p:cSld>
-  <p:clrMapOvr>
-    <a:masterClrMapping/>
-  </p:clrMapOvr>
-</p:sld>
-</file>
-
-<file path=ppt/slides/slide25.xml><?xml version="1.0" encoding="utf-8"?>
-<p:sld xmlns:a="http://schemas.openxmlformats.org/drawingml/2006/main" xmlns:r="http://schemas.openxmlformats.org/officeDocument/2006/relationships" xmlns:p="http://schemas.openxmlformats.org/presentationml/2006/main">
-  <p:cSld>
-    <p:spTree>
-      <p:nvGrpSpPr>
-        <p:cNvPr id="1" name=""/>
-        <p:cNvGrpSpPr/>
-        <p:nvPr/>
-      </p:nvGrpSpPr>
-      <p:grpSpPr>
-        <a:xfrm>
-          <a:off x="0" y="0"/>
-          <a:ext cx="0" cy="0"/>
-          <a:chOff x="0" y="0"/>
-          <a:chExt cx="0" cy="0"/>
-        </a:xfrm>
-      </p:grpSpPr>
-      <p:sp>
-        <p:nvSpPr>
-          <p:cNvPr id="2" name="Título 1">
-            <a:extLst>
-              <a:ext uri="{FF2B5EF4-FFF2-40B4-BE49-F238E27FC236}">
-                <a16:creationId xmlns:a16="http://schemas.microsoft.com/office/drawing/2014/main" id="{FA93DB88-62DD-4C41-977F-D59BEF14EE76}"/>
-              </a:ext>
-            </a:extLst>
-          </p:cNvPr>
-          <p:cNvSpPr>
-            <a:spLocks noGrp="1"/>
-          </p:cNvSpPr>
-          <p:nvPr>
-            <p:ph type="title"/>
-          </p:nvPr>
-        </p:nvSpPr>
-        <p:spPr>
-          <a:xfrm>
-            <a:off x="838200" y="5509419"/>
-            <a:ext cx="4082142" cy="585788"/>
-          </a:xfrm>
-        </p:spPr>
-        <p:txBody>
-          <a:bodyPr rtlCol="0"/>
-          <a:lstStyle>
-            <a:defPPr>
-              <a:defRPr lang="es-ES"/>
-            </a:defPPr>
-          </a:lstStyle>
-          <a:p>
-            <a:pPr rtl="0"/>
-            <a:r>
-              <a:rPr lang="es-ES" dirty="0"/>
-              <a:t>ESCALA DE TIEMPO</a:t>
-            </a:r>
-          </a:p>
-        </p:txBody>
-      </p:sp>
-      <p:sp>
-        <p:nvSpPr>
-          <p:cNvPr id="3" name="Marcador de texto 2">
-            <a:extLst>
-              <a:ext uri="{FF2B5EF4-FFF2-40B4-BE49-F238E27FC236}">
-                <a16:creationId xmlns:a16="http://schemas.microsoft.com/office/drawing/2014/main" id="{AEF37E83-2D8B-42EF-A2C4-5D2BBDB1F05B}"/>
-              </a:ext>
-            </a:extLst>
-          </p:cNvPr>
-          <p:cNvSpPr>
-            <a:spLocks noGrp="1"/>
-          </p:cNvSpPr>
-          <p:nvPr>
-            <p:ph type="body" sz="quarter" idx="13"/>
-          </p:nvPr>
-        </p:nvSpPr>
-        <p:spPr>
-          <a:xfrm>
-            <a:off x="166074" y="1507772"/>
-            <a:ext cx="2141764" cy="514350"/>
-          </a:xfrm>
-        </p:spPr>
-        <p:txBody>
-          <a:bodyPr rtlCol="0"/>
-          <a:lstStyle>
-            <a:defPPr>
-              <a:defRPr lang="es-ES"/>
-            </a:defPPr>
-          </a:lstStyle>
-          <a:p>
-            <a:pPr rtl="0"/>
-            <a:r>
-              <a:rPr lang="es-ES"/>
-              <a:t>T1</a:t>
-            </a:r>
-          </a:p>
-        </p:txBody>
-      </p:sp>
-      <p:sp>
-        <p:nvSpPr>
-          <p:cNvPr id="4" name="Marcador de texto 3">
-            <a:extLst>
-              <a:ext uri="{FF2B5EF4-FFF2-40B4-BE49-F238E27FC236}">
-                <a16:creationId xmlns:a16="http://schemas.microsoft.com/office/drawing/2014/main" id="{B0D77839-2CFD-4BC8-85DA-9EE69CCE1B20}"/>
-              </a:ext>
-            </a:extLst>
-          </p:cNvPr>
-          <p:cNvSpPr>
-            <a:spLocks noGrp="1"/>
-          </p:cNvSpPr>
-          <p:nvPr>
-            <p:ph type="body" sz="quarter" idx="14"/>
-          </p:nvPr>
-        </p:nvSpPr>
-        <p:spPr>
-          <a:xfrm>
-            <a:off x="732131" y="2584097"/>
-            <a:ext cx="2141764" cy="514350"/>
-          </a:xfrm>
-        </p:spPr>
-        <p:txBody>
-          <a:bodyPr rtlCol="0"/>
-          <a:lstStyle>
-            <a:defPPr>
-              <a:defRPr lang="es-ES"/>
-            </a:defPPr>
-          </a:lstStyle>
-          <a:p>
-            <a:pPr rtl="0"/>
-            <a:r>
-              <a:rPr lang="es-ES" dirty="0"/>
-              <a:t>T2</a:t>
-            </a:r>
-          </a:p>
-        </p:txBody>
-      </p:sp>
-      <p:sp>
-        <p:nvSpPr>
-          <p:cNvPr id="5" name="Marcador de texto 4">
-            <a:extLst>
-              <a:ext uri="{FF2B5EF4-FFF2-40B4-BE49-F238E27FC236}">
-                <a16:creationId xmlns:a16="http://schemas.microsoft.com/office/drawing/2014/main" id="{57E386FF-C90F-4484-A843-D4BA75FFF002}"/>
-              </a:ext>
-            </a:extLst>
-          </p:cNvPr>
-          <p:cNvSpPr>
-            <a:spLocks noGrp="1"/>
-          </p:cNvSpPr>
-          <p:nvPr>
-            <p:ph type="body" sz="quarter" idx="15"/>
-          </p:nvPr>
-        </p:nvSpPr>
-        <p:spPr>
-          <a:xfrm>
-            <a:off x="1338556" y="3660422"/>
-            <a:ext cx="2141764" cy="514350"/>
-          </a:xfrm>
-        </p:spPr>
-        <p:txBody>
-          <a:bodyPr rtlCol="0"/>
-          <a:lstStyle>
-            <a:defPPr>
-              <a:defRPr lang="es-ES"/>
-            </a:defPPr>
-          </a:lstStyle>
-          <a:p>
-            <a:pPr rtl="0"/>
-            <a:r>
-              <a:rPr lang="es-ES" dirty="0"/>
-              <a:t>T3</a:t>
-            </a:r>
-          </a:p>
-        </p:txBody>
-      </p:sp>
-      <p:sp>
-        <p:nvSpPr>
-          <p:cNvPr id="6" name="Marcador de texto 5">
-            <a:extLst>
-              <a:ext uri="{FF2B5EF4-FFF2-40B4-BE49-F238E27FC236}">
-                <a16:creationId xmlns:a16="http://schemas.microsoft.com/office/drawing/2014/main" id="{F30780D1-5C1B-411C-81ED-7B9970FCBF8A}"/>
-              </a:ext>
-            </a:extLst>
-          </p:cNvPr>
-          <p:cNvSpPr>
-            <a:spLocks noGrp="1"/>
-          </p:cNvSpPr>
-          <p:nvPr>
-            <p:ph type="body" sz="quarter" idx="16"/>
-          </p:nvPr>
-        </p:nvSpPr>
-        <p:spPr>
-          <a:xfrm>
-            <a:off x="1922756" y="4736748"/>
-            <a:ext cx="2141764" cy="514350"/>
-          </a:xfrm>
-        </p:spPr>
-        <p:txBody>
-          <a:bodyPr rtlCol="0"/>
-          <a:lstStyle>
-            <a:defPPr>
-              <a:defRPr lang="es-ES"/>
-            </a:defPPr>
-          </a:lstStyle>
-          <a:p>
-            <a:pPr rtl="0"/>
-            <a:r>
-              <a:rPr lang="es-ES"/>
-              <a:t>T4</a:t>
-            </a:r>
-          </a:p>
-        </p:txBody>
-      </p:sp>
-      <p:sp>
-        <p:nvSpPr>
-          <p:cNvPr id="12" name="Marcador de texto 11">
-            <a:extLst>
-              <a:ext uri="{FF2B5EF4-FFF2-40B4-BE49-F238E27FC236}">
-                <a16:creationId xmlns:a16="http://schemas.microsoft.com/office/drawing/2014/main" id="{FABE7D8B-D1CD-44C0-AD2D-2ABA67684E97}"/>
-              </a:ext>
-            </a:extLst>
-          </p:cNvPr>
-          <p:cNvSpPr>
-            <a:spLocks noGrp="1"/>
-          </p:cNvSpPr>
-          <p:nvPr>
-            <p:ph type="body" sz="quarter" idx="17"/>
-          </p:nvPr>
-        </p:nvSpPr>
-        <p:spPr>
-          <a:xfrm>
-            <a:off x="4401536" y="1613528"/>
-            <a:ext cx="5102680" cy="1010842"/>
-          </a:xfrm>
-        </p:spPr>
-        <p:txBody>
-          <a:bodyPr rtlCol="0">
-            <a:normAutofit/>
-          </a:bodyPr>
-          <a:lstStyle>
-            <a:defPPr>
-              <a:defRPr lang="es-ES"/>
-            </a:defPPr>
-          </a:lstStyle>
-          <a:p>
-            <a:pPr rtl="0"/>
-            <a:r>
-              <a:rPr lang="es-ES"/>
-              <a:t>Sinergia para el comercio electrónico escalable</a:t>
-            </a:r>
-          </a:p>
-        </p:txBody>
-      </p:sp>
-      <p:sp>
-        <p:nvSpPr>
-          <p:cNvPr id="13" name="Marcador de texto 12">
-            <a:extLst>
-              <a:ext uri="{FF2B5EF4-FFF2-40B4-BE49-F238E27FC236}">
-                <a16:creationId xmlns:a16="http://schemas.microsoft.com/office/drawing/2014/main" id="{8C2F0B15-120C-423F-8EE5-F303B19D5CC5}"/>
-              </a:ext>
-            </a:extLst>
-          </p:cNvPr>
-          <p:cNvSpPr>
-            <a:spLocks noGrp="1"/>
-          </p:cNvSpPr>
-          <p:nvPr>
-            <p:ph type="body" sz="quarter" idx="18"/>
-          </p:nvPr>
-        </p:nvSpPr>
-        <p:spPr>
-          <a:xfrm>
-            <a:off x="4986029" y="2682564"/>
-            <a:ext cx="5102680" cy="1010842"/>
-          </a:xfrm>
-        </p:spPr>
-        <p:txBody>
-          <a:bodyPr rtlCol="0">
-            <a:normAutofit/>
-          </a:bodyPr>
-          <a:lstStyle>
-            <a:defPPr>
-              <a:defRPr lang="es-ES"/>
-            </a:defPPr>
-          </a:lstStyle>
-          <a:p>
-            <a:pPr rtl="0"/>
-            <a:r>
-              <a:rPr lang="es-ES"/>
-              <a:t>Coordinación de aplicaciones para el negocio electrónico</a:t>
-            </a:r>
-          </a:p>
-        </p:txBody>
-      </p:sp>
-      <p:sp>
-        <p:nvSpPr>
-          <p:cNvPr id="14" name="Marcador de texto 13">
-            <a:extLst>
-              <a:ext uri="{FF2B5EF4-FFF2-40B4-BE49-F238E27FC236}">
-                <a16:creationId xmlns:a16="http://schemas.microsoft.com/office/drawing/2014/main" id="{300D2644-F516-41F1-A88D-93673EA209A4}"/>
-              </a:ext>
-            </a:extLst>
-          </p:cNvPr>
-          <p:cNvSpPr>
-            <a:spLocks noGrp="1"/>
-          </p:cNvSpPr>
-          <p:nvPr>
-            <p:ph type="body" sz="quarter" idx="19"/>
-          </p:nvPr>
-        </p:nvSpPr>
-        <p:spPr>
-          <a:xfrm>
-            <a:off x="5576937" y="3755394"/>
-            <a:ext cx="4852655" cy="1010842"/>
-          </a:xfrm>
-        </p:spPr>
-        <p:txBody>
-          <a:bodyPr rtlCol="0">
-            <a:normAutofit/>
-          </a:bodyPr>
-          <a:lstStyle>
-            <a:defPPr>
-              <a:defRPr lang="es-ES"/>
-            </a:defPPr>
-          </a:lstStyle>
-          <a:p>
-            <a:pPr rtl="0"/>
-            <a:r>
-              <a:rPr lang="es-ES" dirty="0"/>
-              <a:t>Implementación de redes estratégicas con necesidades de negocio electrónico atractivas</a:t>
-            </a:r>
-          </a:p>
-        </p:txBody>
-      </p:sp>
-      <p:sp>
-        <p:nvSpPr>
-          <p:cNvPr id="15" name="Marcador de texto 14">
-            <a:extLst>
-              <a:ext uri="{FF2B5EF4-FFF2-40B4-BE49-F238E27FC236}">
-                <a16:creationId xmlns:a16="http://schemas.microsoft.com/office/drawing/2014/main" id="{9405A1F0-98C1-4B11-8D9A-3C009ADC44D0}"/>
-              </a:ext>
-            </a:extLst>
-          </p:cNvPr>
-          <p:cNvSpPr>
-            <a:spLocks noGrp="1"/>
-          </p:cNvSpPr>
-          <p:nvPr>
-            <p:ph type="body" sz="quarter" idx="20"/>
-          </p:nvPr>
-        </p:nvSpPr>
-        <p:spPr>
-          <a:xfrm>
-            <a:off x="6175280" y="4824430"/>
-            <a:ext cx="5102680" cy="1010842"/>
-          </a:xfrm>
-        </p:spPr>
-        <p:txBody>
-          <a:bodyPr rtlCol="0">
-            <a:normAutofit/>
-          </a:bodyPr>
-          <a:lstStyle>
-            <a:defPPr>
-              <a:defRPr lang="es-ES"/>
-            </a:defPPr>
-          </a:lstStyle>
-          <a:p>
-            <a:pPr rtl="0"/>
-            <a:r>
-              <a:rPr lang="es-ES" dirty="0"/>
-              <a:t>Divulgación de métricas estandarizadas</a:t>
-            </a:r>
-          </a:p>
-        </p:txBody>
-      </p:sp>
-      <p:sp>
-        <p:nvSpPr>
-          <p:cNvPr id="16" name="Marcador de fecha 15">
-            <a:extLst>
-              <a:ext uri="{FF2B5EF4-FFF2-40B4-BE49-F238E27FC236}">
-                <a16:creationId xmlns:a16="http://schemas.microsoft.com/office/drawing/2014/main" id="{24238BD7-9B10-4E64-B1B4-FDE6DD70AA60}"/>
-              </a:ext>
-            </a:extLst>
-          </p:cNvPr>
-          <p:cNvSpPr>
-            <a:spLocks noGrp="1"/>
-          </p:cNvSpPr>
-          <p:nvPr>
-            <p:ph type="dt" sz="half" idx="10"/>
-          </p:nvPr>
-        </p:nvSpPr>
-        <p:spPr>
-          <a:xfrm>
-            <a:off x="838200" y="6356350"/>
-            <a:ext cx="2743200" cy="365125"/>
-          </a:xfrm>
-        </p:spPr>
-        <p:txBody>
-          <a:bodyPr rtlCol="0"/>
-          <a:lstStyle>
-            <a:defPPr>
-              <a:defRPr lang="es-ES"/>
-            </a:defPPr>
-          </a:lstStyle>
-          <a:p>
-            <a:pPr rtl="0"/>
-            <a:r>
-              <a:rPr lang="es-ES"/>
-              <a:t>20XX</a:t>
-            </a:r>
-          </a:p>
-        </p:txBody>
-      </p:sp>
-      <p:sp>
-        <p:nvSpPr>
-          <p:cNvPr id="17" name="Marcador de pie de página 16">
-            <a:extLst>
-              <a:ext uri="{FF2B5EF4-FFF2-40B4-BE49-F238E27FC236}">
-                <a16:creationId xmlns:a16="http://schemas.microsoft.com/office/drawing/2014/main" id="{CD3D67B7-A821-49FC-94BE-19EDE9D319A5}"/>
-              </a:ext>
-            </a:extLst>
-          </p:cNvPr>
-          <p:cNvSpPr>
-            <a:spLocks noGrp="1"/>
-          </p:cNvSpPr>
-          <p:nvPr>
-            <p:ph type="ftr" sz="quarter" idx="11"/>
-          </p:nvPr>
-        </p:nvSpPr>
-        <p:spPr>
-          <a:xfrm>
-            <a:off x="6749143" y="6356350"/>
-            <a:ext cx="3775981" cy="365125"/>
-          </a:xfrm>
-        </p:spPr>
-        <p:txBody>
-          <a:bodyPr rtlCol="0"/>
-          <a:lstStyle>
-            <a:defPPr>
-              <a:defRPr lang="es-ES"/>
-            </a:defPPr>
-          </a:lstStyle>
-          <a:p>
-            <a:pPr rtl="0"/>
-            <a:r>
-              <a:rPr lang="es-ES"/>
-              <a:t>TÍTULO DE LA PRESENTACIÓN</a:t>
-            </a:r>
-          </a:p>
-        </p:txBody>
-      </p:sp>
-      <p:sp>
-        <p:nvSpPr>
-          <p:cNvPr id="18" name="Marcador de número de diapositiva 17">
-            <a:extLst>
-              <a:ext uri="{FF2B5EF4-FFF2-40B4-BE49-F238E27FC236}">
-                <a16:creationId xmlns:a16="http://schemas.microsoft.com/office/drawing/2014/main" id="{C8D6D0E8-3983-4B7D-ADB2-077E17AD3BD0}"/>
-              </a:ext>
-            </a:extLst>
-          </p:cNvPr>
-          <p:cNvSpPr>
-            <a:spLocks noGrp="1"/>
-          </p:cNvSpPr>
-          <p:nvPr>
-            <p:ph type="sldNum" sz="quarter" idx="12"/>
-          </p:nvPr>
-        </p:nvSpPr>
-        <p:spPr>
-          <a:xfrm>
-            <a:off x="10810874" y="6356350"/>
-            <a:ext cx="542925" cy="365125"/>
-          </a:xfrm>
-        </p:spPr>
-        <p:txBody>
-          <a:bodyPr rtlCol="0"/>
-          <a:lstStyle>
-            <a:defPPr>
-              <a:defRPr lang="es-ES"/>
-            </a:defPPr>
-          </a:lstStyle>
-          <a:p>
-            <a:pPr rtl="0"/>
-            <a:fld id="{A49DFD55-3C28-40EF-9E31-A92D2E4017FF}" type="slidenum">
-              <a:rPr lang="es-ES" smtClean="0"/>
-              <a:pPr rtl="0"/>
-              <a:t>25</a:t>
-            </a:fld>
-            <a:endParaRPr lang="es-ES" dirty="0"/>
-          </a:p>
-        </p:txBody>
-      </p:sp>
-    </p:spTree>
-    <p:extLst>
-      <p:ext uri="{BB962C8B-B14F-4D97-AF65-F5344CB8AC3E}">
-        <p14:creationId xmlns:p14="http://schemas.microsoft.com/office/powerpoint/2010/main" val="332104327"/>
+        <p14:creationId xmlns:p14="http://schemas.microsoft.com/office/powerpoint/2010/main" val="1969787568"/>
       </p:ext>
     </p:extLst>
   </p:cSld>
@@ -19833,82 +16858,6 @@
       </p:grpSpPr>
       <p:sp>
         <p:nvSpPr>
-          <p:cNvPr id="4" name="Marcador de fecha 3">
-            <a:extLst>
-              <a:ext uri="{FF2B5EF4-FFF2-40B4-BE49-F238E27FC236}">
-                <a16:creationId xmlns:a16="http://schemas.microsoft.com/office/drawing/2014/main" id="{00560550-EE65-43CE-B899-F421E74287A1}"/>
-              </a:ext>
-            </a:extLst>
-          </p:cNvPr>
-          <p:cNvSpPr>
-            <a:spLocks noGrp="1"/>
-          </p:cNvSpPr>
-          <p:nvPr>
-            <p:ph type="dt" sz="half" idx="10"/>
-          </p:nvPr>
-        </p:nvSpPr>
-        <p:spPr>
-          <a:xfrm>
-            <a:off x="838200" y="6356350"/>
-            <a:ext cx="2743200" cy="365125"/>
-          </a:xfrm>
-        </p:spPr>
-        <p:txBody>
-          <a:bodyPr rtlCol="0"/>
-          <a:lstStyle>
-            <a:defPPr>
-              <a:defRPr lang="es-ES"/>
-            </a:defPPr>
-          </a:lstStyle>
-          <a:p>
-            <a:pPr rtl="0"/>
-            <a:r>
-              <a:rPr lang="es-ES"/>
-              <a:t>20XX</a:t>
-            </a:r>
-          </a:p>
-        </p:txBody>
-      </p:sp>
-      <p:sp>
-        <p:nvSpPr>
-          <p:cNvPr id="5" name="Marcador de pie de página 4">
-            <a:extLst>
-              <a:ext uri="{FF2B5EF4-FFF2-40B4-BE49-F238E27FC236}">
-                <a16:creationId xmlns:a16="http://schemas.microsoft.com/office/drawing/2014/main" id="{4135E32A-1A8C-43D2-9C6E-12887B4DEDFB}"/>
-              </a:ext>
-            </a:extLst>
-          </p:cNvPr>
-          <p:cNvSpPr>
-            <a:spLocks noGrp="1"/>
-          </p:cNvSpPr>
-          <p:nvPr>
-            <p:ph type="ftr" sz="quarter" idx="11"/>
-          </p:nvPr>
-        </p:nvSpPr>
-        <p:spPr>
-          <a:xfrm>
-            <a:off x="4038600" y="6356350"/>
-            <a:ext cx="4114800" cy="365125"/>
-          </a:xfrm>
-        </p:spPr>
-        <p:txBody>
-          <a:bodyPr rtlCol="0"/>
-          <a:lstStyle>
-            <a:defPPr>
-              <a:defRPr lang="es-ES"/>
-            </a:defPPr>
-          </a:lstStyle>
-          <a:p>
-            <a:pPr rtl="0"/>
-            <a:r>
-              <a:rPr lang="es-ES"/>
-              <a:t>TÍTULO DE LA PRESENTACIÓN</a:t>
-            </a:r>
-          </a:p>
-        </p:txBody>
-      </p:sp>
-      <p:sp>
-        <p:nvSpPr>
           <p:cNvPr id="6" name="Marcador de número de diapositiva 5">
             <a:extLst>
               <a:ext uri="{FF2B5EF4-FFF2-40B4-BE49-F238E27FC236}">
@@ -20019,76 +16968,8 @@
               <a:buAutoNum type="arabicPeriod"/>
             </a:pPr>
             <a:r>
-              <a:rPr lang="es-ES" dirty="0" err="1"/>
-              <a:t>Have</a:t>
-            </a:r>
-            <a:r>
               <a:rPr lang="es-ES" dirty="0"/>
-              <a:t> top </a:t>
-            </a:r>
-            <a:r>
-              <a:rPr lang="es-ES" dirty="0" err="1"/>
-              <a:t>athlete</a:t>
-            </a:r>
-            <a:r>
-              <a:rPr lang="es-ES" dirty="0"/>
-              <a:t> </a:t>
-            </a:r>
-            <a:r>
-              <a:rPr lang="es-ES" dirty="0" err="1"/>
-              <a:t>earnings</a:t>
-            </a:r>
-            <a:r>
-              <a:rPr lang="es-ES" dirty="0"/>
-              <a:t> </a:t>
-            </a:r>
-            <a:r>
-              <a:rPr lang="es-ES" dirty="0" err="1"/>
-              <a:t>increased</a:t>
-            </a:r>
-            <a:r>
-              <a:rPr lang="es-ES" dirty="0"/>
-              <a:t> in real </a:t>
-            </a:r>
-            <a:r>
-              <a:rPr lang="es-ES" dirty="0" err="1"/>
-              <a:t>value</a:t>
-            </a:r>
-            <a:r>
-              <a:rPr lang="es-ES" dirty="0"/>
-              <a:t> </a:t>
-            </a:r>
-            <a:r>
-              <a:rPr lang="es-ES" dirty="0" err="1"/>
-              <a:t>over</a:t>
-            </a:r>
-            <a:r>
-              <a:rPr lang="es-ES" dirty="0"/>
-              <a:t> </a:t>
-            </a:r>
-            <a:r>
-              <a:rPr lang="es-ES" dirty="0" err="1"/>
-              <a:t>the</a:t>
-            </a:r>
-            <a:r>
-              <a:rPr lang="es-ES" dirty="0"/>
-              <a:t> </a:t>
-            </a:r>
-            <a:r>
-              <a:rPr lang="es-ES" dirty="0" err="1"/>
-              <a:t>past</a:t>
-            </a:r>
-            <a:r>
-              <a:rPr lang="es-ES" dirty="0"/>
-              <a:t> 30 </a:t>
-            </a:r>
-            <a:r>
-              <a:rPr lang="es-ES" dirty="0" err="1"/>
-              <a:t>years</a:t>
-            </a:r>
-            <a:r>
-              <a:rPr lang="es-ES" dirty="0"/>
-              <a:t>?</a:t>
+              <a:t>Have top athlete earnings increased in real value over the past 30 years?</a:t>
             </a:r>
           </a:p>
           <a:p>
@@ -20096,52 +16977,8 @@
               <a:buAutoNum type="arabicPeriod"/>
             </a:pPr>
             <a:r>
-              <a:rPr lang="es-ES" dirty="0" err="1"/>
-              <a:t>What</a:t>
-            </a:r>
-            <a:r>
               <a:rPr lang="es-ES" dirty="0"/>
-              <a:t> sport </a:t>
-            </a:r>
-            <a:r>
-              <a:rPr lang="es-ES" dirty="0" err="1"/>
-              <a:t>pays</a:t>
-            </a:r>
-            <a:r>
-              <a:rPr lang="es-ES" dirty="0"/>
-              <a:t> </a:t>
-            </a:r>
-            <a:r>
-              <a:rPr lang="es-ES" dirty="0" err="1"/>
-              <a:t>it’s</a:t>
-            </a:r>
-            <a:r>
-              <a:rPr lang="es-ES" dirty="0"/>
-              <a:t> top </a:t>
-            </a:r>
-            <a:r>
-              <a:rPr lang="es-ES" dirty="0" err="1"/>
-              <a:t>athletes</a:t>
-            </a:r>
-            <a:r>
-              <a:rPr lang="es-ES" dirty="0"/>
-              <a:t> </a:t>
-            </a:r>
-            <a:r>
-              <a:rPr lang="es-ES" dirty="0" err="1"/>
-              <a:t>the</a:t>
-            </a:r>
-            <a:r>
-              <a:rPr lang="es-ES" dirty="0"/>
-              <a:t> </a:t>
-            </a:r>
-            <a:r>
-              <a:rPr lang="es-ES" dirty="0" err="1"/>
-              <a:t>most</a:t>
-            </a:r>
-            <a:r>
-              <a:rPr lang="es-ES" dirty="0"/>
-              <a:t>?</a:t>
+              <a:t>What sport pays it’s top athletes the most?</a:t>
             </a:r>
           </a:p>
           <a:p>
@@ -20150,95 +16987,45 @@
             </a:pPr>
             <a:r>
               <a:rPr lang="es-ES" dirty="0"/>
-              <a:t>Are </a:t>
-            </a:r>
-            <a:r>
-              <a:rPr lang="es-ES" dirty="0" err="1"/>
-              <a:t>american</a:t>
-            </a:r>
+              <a:t>Are american athletes paid more than their foreign counterparts? Does this differ by sport?</a:t>
+            </a:r>
+          </a:p>
+        </p:txBody>
+      </p:sp>
+      <p:sp>
+        <p:nvSpPr>
+          <p:cNvPr id="2" name="Marcador de pie de página 4">
+            <a:extLst>
+              <a:ext uri="{FF2B5EF4-FFF2-40B4-BE49-F238E27FC236}">
+                <a16:creationId xmlns:a16="http://schemas.microsoft.com/office/drawing/2014/main" id="{56556DA9-BF51-4B8A-8C3C-3FD7B9A7D6F4}"/>
+              </a:ext>
+            </a:extLst>
+          </p:cNvPr>
+          <p:cNvSpPr>
+            <a:spLocks noGrp="1"/>
+          </p:cNvSpPr>
+          <p:nvPr>
+            <p:ph type="ftr" sz="quarter" idx="11"/>
+          </p:nvPr>
+        </p:nvSpPr>
+        <p:spPr>
+          <a:xfrm>
+            <a:off x="2463800" y="6356350"/>
+            <a:ext cx="3479800" cy="365125"/>
+          </a:xfrm>
+        </p:spPr>
+        <p:txBody>
+          <a:bodyPr rtlCol="0"/>
+          <a:lstStyle>
+            <a:defPPr>
+              <a:defRPr lang="es-ES"/>
+            </a:defPPr>
+          </a:lstStyle>
+          <a:p>
+            <a:pPr rtl="0"/>
             <a:r>
               <a:rPr lang="es-ES" dirty="0"/>
-              <a:t> </a:t>
-            </a:r>
-            <a:r>
-              <a:rPr lang="es-ES" dirty="0" err="1"/>
-              <a:t>athletes</a:t>
-            </a:r>
-            <a:r>
-              <a:rPr lang="es-ES" dirty="0"/>
-              <a:t> </a:t>
-            </a:r>
-            <a:r>
-              <a:rPr lang="es-ES" dirty="0" err="1"/>
-              <a:t>paid</a:t>
-            </a:r>
-            <a:r>
-              <a:rPr lang="es-ES" dirty="0"/>
-              <a:t> more </a:t>
-            </a:r>
-            <a:r>
-              <a:rPr lang="es-ES" dirty="0" err="1"/>
-              <a:t>than</a:t>
-            </a:r>
-            <a:r>
-              <a:rPr lang="es-ES" dirty="0"/>
-              <a:t> </a:t>
-            </a:r>
-            <a:r>
-              <a:rPr lang="es-ES" dirty="0" err="1"/>
-              <a:t>their</a:t>
-            </a:r>
-            <a:r>
-              <a:rPr lang="es-ES" dirty="0"/>
-              <a:t> </a:t>
-            </a:r>
-            <a:r>
-              <a:rPr lang="es-ES" dirty="0" err="1"/>
-              <a:t>foreign</a:t>
-            </a:r>
-            <a:r>
-              <a:rPr lang="es-ES" dirty="0"/>
-              <a:t> </a:t>
-            </a:r>
-            <a:r>
-              <a:rPr lang="es-ES" dirty="0" err="1"/>
-              <a:t>counterparts</a:t>
-            </a:r>
-            <a:r>
-              <a:rPr lang="es-ES" dirty="0"/>
-              <a:t>? </a:t>
-            </a:r>
-            <a:r>
-              <a:rPr lang="es-ES" dirty="0" err="1"/>
-              <a:t>Does</a:t>
-            </a:r>
-            <a:r>
-              <a:rPr lang="es-ES" dirty="0"/>
-              <a:t> </a:t>
-            </a:r>
-            <a:r>
-              <a:rPr lang="es-ES" dirty="0" err="1"/>
-              <a:t>this</a:t>
-            </a:r>
-            <a:r>
-              <a:rPr lang="es-ES" dirty="0"/>
-              <a:t> </a:t>
-            </a:r>
-            <a:r>
-              <a:rPr lang="es-ES" dirty="0" err="1"/>
-              <a:t>differ</a:t>
-            </a:r>
-            <a:r>
-              <a:rPr lang="es-ES" dirty="0"/>
-              <a:t> </a:t>
-            </a:r>
-            <a:r>
-              <a:rPr lang="es-ES" dirty="0" err="1"/>
-              <a:t>by</a:t>
-            </a:r>
-            <a:r>
-              <a:rPr lang="es-ES" dirty="0"/>
-              <a:t> sport?</a:t>
+              <a:t>FORBES HIGHEST PAYING ATHLETES ANALYSIS</a:t>
             </a:r>
           </a:p>
         </p:txBody>
@@ -20374,13 +17161,8 @@
             <a:pPr rtl="0"/>
             <a:r>
               <a:rPr lang="es-ES" dirty="0"/>
-              <a:t>Data </a:t>
-            </a:r>
-            <a:r>
-              <a:rPr lang="es-ES" dirty="0" err="1"/>
-              <a:t>cleaning</a:t>
-            </a:r>
-            <a:endParaRPr lang="es-ES" dirty="0"/>
+              <a:t>Data cleaning</a:t>
+            </a:r>
           </a:p>
         </p:txBody>
       </p:sp>
@@ -20419,23 +17201,7 @@
             </a:pPr>
             <a:r>
               <a:rPr lang="es-ES" dirty="0"/>
-              <a:t>Fixed </a:t>
-            </a:r>
-            <a:r>
-              <a:rPr lang="es-ES" dirty="0" err="1"/>
-              <a:t>structural</a:t>
-            </a:r>
-            <a:r>
-              <a:rPr lang="es-ES" dirty="0"/>
-              <a:t> </a:t>
-            </a:r>
-            <a:r>
-              <a:rPr lang="es-ES" dirty="0" err="1"/>
-              <a:t>errors</a:t>
-            </a:r>
-            <a:r>
-              <a:rPr lang="es-ES" dirty="0"/>
-              <a:t>:</a:t>
+              <a:t>Fixed structural errors:</a:t>
             </a:r>
           </a:p>
           <a:p>
@@ -20443,107 +17209,27 @@
               <a:buFont typeface="Courier New" panose="02070309020205020404" pitchFamily="49" charset="0"/>
               <a:buChar char="o"/>
             </a:pPr>
-            <a:r>
-              <a:rPr lang="es-ES" sz="1400" spc="50" dirty="0" err="1">
-                <a:solidFill>
-                  <a:schemeClr val="tx1"/>
-                </a:solidFill>
-              </a:rPr>
-              <a:t>Sports</a:t>
-            </a:r>
             <a:r>
               <a:rPr lang="es-ES" sz="1400" spc="50" dirty="0">
                 <a:solidFill>
                   <a:schemeClr val="tx1"/>
                 </a:solidFill>
               </a:rPr>
-              <a:t> (</a:t>
-            </a:r>
-            <a:r>
-              <a:rPr lang="es-ES" sz="1400" spc="50" dirty="0" err="1">
-                <a:solidFill>
-                  <a:schemeClr val="tx1"/>
-                </a:solidFill>
-              </a:rPr>
-              <a:t>From</a:t>
-            </a:r>
+              <a:t>Sports (From 29 to 13 categories)</a:t>
+            </a:r>
+          </a:p>
+          <a:p>
+            <a:pPr marL="800100" lvl="1" indent="-342900">
+              <a:buFont typeface="Courier New" panose="02070309020205020404" pitchFamily="49" charset="0"/>
+              <a:buChar char="o"/>
+            </a:pPr>
             <a:r>
               <a:rPr lang="es-ES" sz="1400" spc="50" dirty="0">
                 <a:solidFill>
                   <a:schemeClr val="tx1"/>
                 </a:solidFill>
               </a:rPr>
-              <a:t> 29 </a:t>
-            </a:r>
-            <a:r>
-              <a:rPr lang="es-ES" sz="1400" spc="50" dirty="0" err="1">
-                <a:solidFill>
-                  <a:schemeClr val="tx1"/>
-                </a:solidFill>
-              </a:rPr>
-              <a:t>to</a:t>
-            </a:r>
-            <a:r>
-              <a:rPr lang="es-ES" sz="1400" spc="50" dirty="0">
-                <a:solidFill>
-                  <a:schemeClr val="tx1"/>
-                </a:solidFill>
-              </a:rPr>
-              <a:t> 13 </a:t>
-            </a:r>
-            <a:r>
-              <a:rPr lang="es-ES" sz="1400" spc="50" dirty="0" err="1">
-                <a:solidFill>
-                  <a:schemeClr val="tx1"/>
-                </a:solidFill>
-              </a:rPr>
-              <a:t>categories</a:t>
-            </a:r>
-            <a:r>
-              <a:rPr lang="es-ES" sz="1400" spc="50" dirty="0">
-                <a:solidFill>
-                  <a:schemeClr val="tx1"/>
-                </a:solidFill>
-              </a:rPr>
-              <a:t>)</a:t>
-            </a:r>
-          </a:p>
-          <a:p>
-            <a:pPr marL="800100" lvl="1" indent="-342900">
-              <a:buFont typeface="Courier New" panose="02070309020205020404" pitchFamily="49" charset="0"/>
-              <a:buChar char="o"/>
-            </a:pPr>
-            <a:r>
-              <a:rPr lang="es-ES" sz="1400" spc="50" dirty="0" err="1">
-                <a:solidFill>
-                  <a:schemeClr val="tx1"/>
-                </a:solidFill>
-              </a:rPr>
-              <a:t>Nationality</a:t>
-            </a:r>
-            <a:r>
-              <a:rPr lang="es-ES" sz="1400" spc="50" dirty="0">
-                <a:solidFill>
-                  <a:schemeClr val="tx1"/>
-                </a:solidFill>
-              </a:rPr>
-              <a:t> (Fixed 1 </a:t>
-            </a:r>
-            <a:r>
-              <a:rPr lang="es-ES" sz="1400" spc="50" dirty="0" err="1">
-                <a:solidFill>
-                  <a:schemeClr val="tx1"/>
-                </a:solidFill>
-              </a:rPr>
-              <a:t>entry</a:t>
-            </a:r>
-            <a:r>
-              <a:rPr lang="es-ES" sz="1400" spc="50" dirty="0">
-                <a:solidFill>
-                  <a:schemeClr val="tx1"/>
-                </a:solidFill>
-              </a:rPr>
-              <a:t>)</a:t>
+              <a:t>Nationality (Fixed 1 entry)</a:t>
             </a:r>
           </a:p>
           <a:p>
@@ -20556,44 +17242,6 @@
                 <a:schemeClr val="tx1"/>
               </a:solidFill>
             </a:endParaRPr>
-          </a:p>
-        </p:txBody>
-      </p:sp>
-      <p:sp>
-        <p:nvSpPr>
-          <p:cNvPr id="4" name="Marcador de fecha 3">
-            <a:extLst>
-              <a:ext uri="{FF2B5EF4-FFF2-40B4-BE49-F238E27FC236}">
-                <a16:creationId xmlns:a16="http://schemas.microsoft.com/office/drawing/2014/main" id="{70E12647-CCB2-45E2-A9CB-A868F490497E}"/>
-              </a:ext>
-            </a:extLst>
-          </p:cNvPr>
-          <p:cNvSpPr>
-            <a:spLocks noGrp="1"/>
-          </p:cNvSpPr>
-          <p:nvPr>
-            <p:ph type="dt" sz="half" idx="10"/>
-          </p:nvPr>
-        </p:nvSpPr>
-        <p:spPr>
-          <a:xfrm>
-            <a:off x="838200" y="6356350"/>
-            <a:ext cx="1219200" cy="365125"/>
-          </a:xfrm>
-        </p:spPr>
-        <p:txBody>
-          <a:bodyPr rtlCol="0"/>
-          <a:lstStyle>
-            <a:defPPr>
-              <a:defRPr lang="es-ES"/>
-            </a:defPPr>
-          </a:lstStyle>
-          <a:p>
-            <a:pPr rtl="0"/>
-            <a:r>
-              <a:rPr lang="es-ES"/>
-              <a:t>20XX</a:t>
-            </a:r>
           </a:p>
         </p:txBody>
       </p:sp>
@@ -20842,28 +17490,8 @@
           <a:p>
             <a:pPr rtl="0"/>
             <a:r>
-              <a:rPr lang="es-ES" dirty="0" err="1"/>
-              <a:t>Adjusted</a:t>
-            </a:r>
-            <a:r>
               <a:rPr lang="es-ES" dirty="0"/>
-              <a:t> </a:t>
-            </a:r>
-            <a:r>
-              <a:rPr lang="es-ES" dirty="0" err="1"/>
-              <a:t>earnings</a:t>
-            </a:r>
-            <a:r>
-              <a:rPr lang="es-ES" dirty="0"/>
-              <a:t> </a:t>
-            </a:r>
-            <a:r>
-              <a:rPr lang="es-ES" dirty="0" err="1"/>
-              <a:t>to</a:t>
-            </a:r>
-            <a:r>
-              <a:rPr lang="es-ES" dirty="0"/>
-              <a:t> 1990 US$</a:t>
+              <a:t>Adjusted earnings to 1990 US$</a:t>
             </a:r>
           </a:p>
         </p:txBody>
@@ -20903,29 +17531,41 @@
             <a:pPr marL="342900" indent="-342900" rtl="0">
               <a:buAutoNum type="arabicPeriod"/>
             </a:pPr>
-            <a:r>
-              <a:rPr lang="es-ES" sz="1400" spc="50" dirty="0" err="1">
-                <a:solidFill>
-                  <a:schemeClr val="tx1"/>
-                </a:solidFill>
-              </a:rPr>
-              <a:t>Imported</a:t>
-            </a:r>
             <a:r>
               <a:rPr lang="es-ES" sz="1400" spc="50" dirty="0">
                 <a:solidFill>
                   <a:schemeClr val="tx1"/>
                 </a:solidFill>
               </a:rPr>
-              <a:t> </a:t>
-            </a:r>
-            <a:r>
-              <a:rPr lang="es-ES" sz="1400" spc="50" dirty="0" err="1">
+              <a:t>Imported an extra CSV file</a:t>
+            </a:r>
+          </a:p>
+          <a:p>
+            <a:pPr marL="342900" indent="-342900" rtl="0">
+              <a:buAutoNum type="arabicPeriod"/>
+            </a:pPr>
+            <a:r>
+              <a:rPr lang="es-ES" dirty="0"/>
+              <a:t>Grouped CPI by year</a:t>
+            </a:r>
+            <a:endParaRPr lang="es-ES" sz="1400" spc="50" dirty="0">
+              <a:solidFill>
+                <a:schemeClr val="tx1"/>
+              </a:solidFill>
+            </a:endParaRPr>
+          </a:p>
+          <a:p>
+            <a:pPr marL="800100" lvl="1" indent="-342900">
+              <a:buFont typeface="Courier New" panose="02070309020205020404" pitchFamily="49" charset="0"/>
+              <a:buChar char="o"/>
+            </a:pPr>
+            <a:r>
+              <a:rPr lang="en-US" sz="1400" spc="50" dirty="0">
                 <a:solidFill>
                   <a:schemeClr val="tx1"/>
                 </a:solidFill>
               </a:rPr>
-              <a:t>an</a:t>
+              <a:t>Calculated</a:t>
             </a:r>
             <a:r>
               <a:rPr lang="es-ES" sz="1400" spc="50" dirty="0">
@@ -20933,73 +17573,8 @@
                   <a:schemeClr val="tx1"/>
                 </a:solidFill>
               </a:rPr>
-              <a:t> extra CSV file</a:t>
-            </a:r>
-          </a:p>
-          <a:p>
-            <a:pPr marL="342900" indent="-342900" rtl="0">
-              <a:buAutoNum type="arabicPeriod"/>
-            </a:pPr>
-            <a:r>
-              <a:rPr lang="es-ES" dirty="0" err="1"/>
-              <a:t>Grouped</a:t>
-            </a:r>
-            <a:r>
-              <a:rPr lang="es-ES" dirty="0"/>
-              <a:t> CPI </a:t>
-            </a:r>
-            <a:r>
-              <a:rPr lang="es-ES" dirty="0" err="1"/>
-              <a:t>by</a:t>
-            </a:r>
-            <a:r>
-              <a:rPr lang="es-ES" dirty="0"/>
-              <a:t> </a:t>
-            </a:r>
-            <a:r>
-              <a:rPr lang="es-ES" dirty="0" err="1"/>
-              <a:t>year</a:t>
-            </a:r>
-            <a:endParaRPr lang="es-ES" sz="1400" spc="50" dirty="0">
-              <a:solidFill>
-                <a:schemeClr val="tx1"/>
-              </a:solidFill>
-            </a:endParaRPr>
-          </a:p>
-          <a:p>
-            <a:pPr marL="800100" lvl="1" indent="-342900">
-              <a:buFont typeface="Courier New" panose="02070309020205020404" pitchFamily="49" charset="0"/>
-              <a:buChar char="o"/>
-            </a:pPr>
-            <a:r>
-              <a:rPr lang="es-ES" sz="1400" spc="50" dirty="0" err="1">
-                <a:solidFill>
-                  <a:schemeClr val="tx1"/>
-                </a:solidFill>
-              </a:rPr>
-              <a:t>Calculated</a:t>
-            </a:r>
-            <a:r>
-              <a:rPr lang="es-ES" sz="1400" spc="50" dirty="0">
-                <a:solidFill>
-                  <a:schemeClr val="tx1"/>
-                </a:solidFill>
-              </a:rPr>
-              <a:t> mean CPI per </a:t>
-            </a:r>
-            <a:r>
-              <a:rPr lang="es-ES" sz="1400" spc="50" dirty="0" err="1">
-                <a:solidFill>
-                  <a:schemeClr val="tx1"/>
-                </a:solidFill>
-              </a:rPr>
-              <a:t>year</a:t>
-            </a:r>
-            <a:endParaRPr lang="es-ES" sz="1400" spc="50" dirty="0">
-              <a:solidFill>
-                <a:schemeClr val="tx1"/>
-              </a:solidFill>
-            </a:endParaRPr>
+              <a:t> mean CPI per year</a:t>
+            </a:r>
           </a:p>
           <a:p>
             <a:pPr marL="342900" indent="-342900">
@@ -21007,42 +17582,9 @@
               <a:buAutoNum type="arabicPeriod"/>
             </a:pPr>
             <a:r>
-              <a:rPr lang="es-ES" dirty="0" err="1"/>
-              <a:t>Calculated</a:t>
-            </a:r>
-            <a:r>
               <a:rPr lang="es-ES" dirty="0"/>
-              <a:t> </a:t>
-            </a:r>
-            <a:r>
-              <a:rPr lang="es-ES" dirty="0" err="1"/>
-              <a:t>inflation</a:t>
-            </a:r>
-            <a:r>
-              <a:rPr lang="es-ES" dirty="0"/>
-              <a:t> </a:t>
-            </a:r>
-            <a:r>
-              <a:rPr lang="es-ES" dirty="0" err="1"/>
-              <a:t>using</a:t>
-            </a:r>
-            <a:r>
-              <a:rPr lang="es-ES" dirty="0"/>
-              <a:t> CPI formula </a:t>
-            </a:r>
-            <a:r>
-              <a:rPr lang="es-ES" dirty="0" err="1"/>
-              <a:t>with</a:t>
-            </a:r>
-            <a:r>
-              <a:rPr lang="es-ES" dirty="0"/>
-              <a:t> 1990 as base </a:t>
-            </a:r>
-            <a:r>
-              <a:rPr lang="es-ES" dirty="0" err="1"/>
-              <a:t>year</a:t>
-            </a:r>
-            <a:endParaRPr lang="es-ES" dirty="0"/>
+              <a:t>Calculated inflation using CPI formula with 1990 as base year</a:t>
+            </a:r>
           </a:p>
           <a:p>
             <a:pPr marL="342900" indent="-342900">
@@ -21050,58 +17592,9 @@
               <a:buAutoNum type="arabicPeriod"/>
             </a:pPr>
             <a:r>
-              <a:rPr lang="es-ES" dirty="0" err="1"/>
-              <a:t>Merged</a:t>
-            </a:r>
-            <a:r>
               <a:rPr lang="es-ES" dirty="0"/>
-              <a:t> data </a:t>
-            </a:r>
-            <a:r>
-              <a:rPr lang="es-ES" dirty="0" err="1"/>
-              <a:t>with</a:t>
-            </a:r>
-            <a:r>
-              <a:rPr lang="es-ES" dirty="0"/>
-              <a:t> </a:t>
-            </a:r>
-            <a:r>
-              <a:rPr lang="es-ES" dirty="0" err="1"/>
-              <a:t>main</a:t>
-            </a:r>
-            <a:r>
-              <a:rPr lang="es-ES" dirty="0"/>
-              <a:t> DF </a:t>
-            </a:r>
-            <a:r>
-              <a:rPr lang="es-ES" dirty="0" err="1"/>
-              <a:t>by</a:t>
-            </a:r>
-            <a:r>
-              <a:rPr lang="es-ES" dirty="0"/>
-              <a:t> </a:t>
-            </a:r>
-            <a:r>
-              <a:rPr lang="es-ES" dirty="0" err="1"/>
-              <a:t>matching</a:t>
-            </a:r>
-            <a:r>
-              <a:rPr lang="es-ES" dirty="0"/>
-              <a:t> “</a:t>
-            </a:r>
-            <a:r>
-              <a:rPr lang="es-ES" dirty="0" err="1"/>
-              <a:t>Year</a:t>
-            </a:r>
-            <a:r>
-              <a:rPr lang="es-ES" dirty="0"/>
-              <a:t>” </a:t>
-            </a:r>
-            <a:r>
-              <a:rPr lang="es-ES" dirty="0" err="1"/>
-              <a:t>column</a:t>
-            </a:r>
-            <a:endParaRPr lang="es-ES" dirty="0"/>
+              <a:t>Merged data with main DF by matching “Year” column</a:t>
+            </a:r>
           </a:p>
           <a:p>
             <a:pPr marL="342900" indent="-342900">
@@ -21109,111 +17602,8 @@
               <a:buAutoNum type="arabicPeriod"/>
             </a:pPr>
             <a:r>
-              <a:rPr lang="es-ES" dirty="0" err="1"/>
-              <a:t>Divided</a:t>
-            </a:r>
-            <a:r>
               <a:rPr lang="es-ES" dirty="0"/>
-              <a:t> nominal </a:t>
-            </a:r>
-            <a:r>
-              <a:rPr lang="es-ES" dirty="0" err="1"/>
-              <a:t>earnings</a:t>
-            </a:r>
-            <a:r>
-              <a:rPr lang="es-ES" dirty="0"/>
-              <a:t> </a:t>
-            </a:r>
-            <a:r>
-              <a:rPr lang="es-ES" dirty="0" err="1"/>
-              <a:t>by</a:t>
-            </a:r>
-            <a:r>
-              <a:rPr lang="es-ES" dirty="0"/>
-              <a:t> (1 + </a:t>
-            </a:r>
-            <a:r>
-              <a:rPr lang="es-ES" dirty="0" err="1"/>
-              <a:t>inflation</a:t>
-            </a:r>
-            <a:r>
-              <a:rPr lang="es-ES" dirty="0"/>
-              <a:t>) </a:t>
-            </a:r>
-            <a:r>
-              <a:rPr lang="es-ES" dirty="0" err="1"/>
-              <a:t>to</a:t>
-            </a:r>
-            <a:r>
-              <a:rPr lang="es-ES" dirty="0"/>
-              <a:t> </a:t>
-            </a:r>
-            <a:r>
-              <a:rPr lang="es-ES" dirty="0" err="1"/>
-              <a:t>adjust</a:t>
-            </a:r>
-            <a:r>
-              <a:rPr lang="es-ES" dirty="0"/>
-              <a:t> </a:t>
-            </a:r>
-            <a:r>
-              <a:rPr lang="es-ES" dirty="0" err="1"/>
-              <a:t>it</a:t>
-            </a:r>
-            <a:r>
-              <a:rPr lang="es-ES" dirty="0"/>
-              <a:t> </a:t>
-            </a:r>
-            <a:r>
-              <a:rPr lang="es-ES" dirty="0" err="1"/>
-              <a:t>to</a:t>
-            </a:r>
-            <a:r>
-              <a:rPr lang="es-ES" dirty="0"/>
-              <a:t> 1990 </a:t>
-            </a:r>
-            <a:r>
-              <a:rPr lang="es-ES" dirty="0" err="1"/>
-              <a:t>value</a:t>
-            </a:r>
-            <a:endParaRPr lang="es-ES" dirty="0"/>
-          </a:p>
-        </p:txBody>
-      </p:sp>
-      <p:sp>
-        <p:nvSpPr>
-          <p:cNvPr id="4" name="Marcador de fecha 3">
-            <a:extLst>
-              <a:ext uri="{FF2B5EF4-FFF2-40B4-BE49-F238E27FC236}">
-                <a16:creationId xmlns:a16="http://schemas.microsoft.com/office/drawing/2014/main" id="{70E12647-CCB2-45E2-A9CB-A868F490497E}"/>
-              </a:ext>
-            </a:extLst>
-          </p:cNvPr>
-          <p:cNvSpPr>
-            <a:spLocks noGrp="1"/>
-          </p:cNvSpPr>
-          <p:nvPr>
-            <p:ph type="dt" sz="half" idx="10"/>
-          </p:nvPr>
-        </p:nvSpPr>
-        <p:spPr>
-          <a:xfrm>
-            <a:off x="838200" y="6356350"/>
-            <a:ext cx="1219200" cy="365125"/>
-          </a:xfrm>
-        </p:spPr>
-        <p:txBody>
-          <a:bodyPr rtlCol="0"/>
-          <a:lstStyle>
-            <a:defPPr>
-              <a:defRPr lang="es-ES"/>
-            </a:defPPr>
-          </a:lstStyle>
-          <a:p>
-            <a:pPr rtl="0"/>
-            <a:r>
-              <a:rPr lang="es-ES"/>
-              <a:t>20XX</a:t>
+              <a:t>Divided nominal earnings by (1 + inflation) to adjust it to 1990 value</a:t>
             </a:r>
           </a:p>
         </p:txBody>
@@ -21374,8 +17764,8 @@
         </p:nvSpPr>
         <p:spPr>
           <a:xfrm>
-            <a:off x="6369830" y="2544344"/>
-            <a:ext cx="5439132" cy="1769311"/>
+            <a:off x="6458964" y="2945452"/>
+            <a:ext cx="5074920" cy="967095"/>
           </a:xfrm>
         </p:spPr>
         <p:txBody>
@@ -21389,15 +17779,7 @@
             <a:pPr rtl="0"/>
             <a:r>
               <a:rPr lang="en-US" sz="2800" dirty="0"/>
-              <a:t>Are </a:t>
-            </a:r>
-            <a:r>
-              <a:rPr lang="en-US" sz="2800" dirty="0" err="1"/>
-              <a:t>american</a:t>
-            </a:r>
-            <a:r>
-              <a:rPr lang="en-US" sz="2800" dirty="0"/>
-              <a:t> athletes paid more than their foreign counterparts? Does this differ by sport?</a:t>
+              <a:t>What sport pays its top athletes the most?</a:t>
             </a:r>
           </a:p>
         </p:txBody>
@@ -21405,7 +17787,7 @@
     </p:spTree>
     <p:extLst>
       <p:ext uri="{BB962C8B-B14F-4D97-AF65-F5344CB8AC3E}">
-        <p14:creationId xmlns:p14="http://schemas.microsoft.com/office/powerpoint/2010/main" val="2879930823"/>
+        <p14:creationId xmlns:p14="http://schemas.microsoft.com/office/powerpoint/2010/main" val="2448624756"/>
       </p:ext>
     </p:extLst>
   </p:cSld>
@@ -21580,8 +17962,8 @@
         </p:nvSpPr>
         <p:spPr>
           <a:xfrm>
-            <a:off x="7410173" y="3834606"/>
-            <a:ext cx="3943627" cy="1997867"/>
+            <a:off x="10214890" y="3494485"/>
+            <a:ext cx="3724947" cy="1910727"/>
           </a:xfrm>
         </p:spPr>
         <p:txBody>
@@ -21605,82 +17987,6 @@
             <a:r>
               <a:rPr lang="es-ES" dirty="0"/>
               <a:t>​Establecer un marco de administración desde dentro</a:t>
-            </a:r>
-          </a:p>
-        </p:txBody>
-      </p:sp>
-      <p:sp>
-        <p:nvSpPr>
-          <p:cNvPr id="7" name="Marcador de fecha 6">
-            <a:extLst>
-              <a:ext uri="{FF2B5EF4-FFF2-40B4-BE49-F238E27FC236}">
-                <a16:creationId xmlns:a16="http://schemas.microsoft.com/office/drawing/2014/main" id="{B2A46C4A-D036-4440-BB64-6754F4FF27C1}"/>
-              </a:ext>
-            </a:extLst>
-          </p:cNvPr>
-          <p:cNvSpPr>
-            <a:spLocks noGrp="1"/>
-          </p:cNvSpPr>
-          <p:nvPr>
-            <p:ph type="dt" sz="half" idx="10"/>
-          </p:nvPr>
-        </p:nvSpPr>
-        <p:spPr>
-          <a:xfrm>
-            <a:off x="838200" y="6356350"/>
-            <a:ext cx="2743200" cy="365125"/>
-          </a:xfrm>
-        </p:spPr>
-        <p:txBody>
-          <a:bodyPr rtlCol="0"/>
-          <a:lstStyle>
-            <a:defPPr>
-              <a:defRPr lang="es-ES"/>
-            </a:defPPr>
-          </a:lstStyle>
-          <a:p>
-            <a:pPr rtl="0"/>
-            <a:r>
-              <a:rPr lang="es-ES"/>
-              <a:t>20XX</a:t>
-            </a:r>
-          </a:p>
-        </p:txBody>
-      </p:sp>
-      <p:sp>
-        <p:nvSpPr>
-          <p:cNvPr id="8" name="Marcador de pie de página 7">
-            <a:extLst>
-              <a:ext uri="{FF2B5EF4-FFF2-40B4-BE49-F238E27FC236}">
-                <a16:creationId xmlns:a16="http://schemas.microsoft.com/office/drawing/2014/main" id="{905F172A-5D5D-43CD-A187-DA0D303F4144}"/>
-              </a:ext>
-            </a:extLst>
-          </p:cNvPr>
-          <p:cNvSpPr>
-            <a:spLocks noGrp="1"/>
-          </p:cNvSpPr>
-          <p:nvPr>
-            <p:ph type="ftr" sz="quarter" idx="11"/>
-          </p:nvPr>
-        </p:nvSpPr>
-        <p:spPr>
-          <a:xfrm>
-            <a:off x="4038600" y="6356350"/>
-            <a:ext cx="4114800" cy="365125"/>
-          </a:xfrm>
-        </p:spPr>
-        <p:txBody>
-          <a:bodyPr rtlCol="0"/>
-          <a:lstStyle>
-            <a:defPPr>
-              <a:defRPr lang="es-ES"/>
-            </a:defPPr>
-          </a:lstStyle>
-          <a:p>
-            <a:pPr rtl="0"/>
-            <a:r>
-              <a:rPr lang="es-ES"/>
-              <a:t>TÍTULO DE LA PRESENTACIÓN</a:t>
             </a:r>
           </a:p>
         </p:txBody>
@@ -21725,40 +18031,142 @@
           </a:p>
         </p:txBody>
       </p:sp>
+      <p:sp>
+        <p:nvSpPr>
+          <p:cNvPr id="15" name="Marcador de pie de página 4">
+            <a:extLst>
+              <a:ext uri="{FF2B5EF4-FFF2-40B4-BE49-F238E27FC236}">
+                <a16:creationId xmlns:a16="http://schemas.microsoft.com/office/drawing/2014/main" id="{D03417DB-B8B1-A6C2-EC39-D9E06005B059}"/>
+              </a:ext>
+            </a:extLst>
+          </p:cNvPr>
+          <p:cNvSpPr>
+            <a:spLocks noGrp="1"/>
+          </p:cNvSpPr>
+          <p:nvPr>
+            <p:ph type="ftr" sz="quarter" idx="11"/>
+          </p:nvPr>
+        </p:nvSpPr>
+        <p:spPr>
+          <a:xfrm>
+            <a:off x="2463800" y="6356350"/>
+            <a:ext cx="3479800" cy="365125"/>
+          </a:xfrm>
+        </p:spPr>
+        <p:txBody>
+          <a:bodyPr rtlCol="0"/>
+          <a:lstStyle>
+            <a:defPPr>
+              <a:defRPr lang="es-ES"/>
+            </a:defPPr>
+          </a:lstStyle>
+          <a:p>
+            <a:pPr rtl="0"/>
+            <a:r>
+              <a:rPr lang="es-ES" dirty="0"/>
+              <a:t>FORBES HIGHEST PAYING ATHLETES ANALYSIS</a:t>
+            </a:r>
+          </a:p>
+        </p:txBody>
+      </p:sp>
       <p:pic>
         <p:nvPicPr>
-          <p:cNvPr id="29" name="Picture 28" descr="A screen shot of a computer&#10;&#10;Description automatically generated">
-            <a:extLst>
-              <a:ext uri="{FF2B5EF4-FFF2-40B4-BE49-F238E27FC236}">
-                <a16:creationId xmlns:a16="http://schemas.microsoft.com/office/drawing/2014/main" id="{032BEF06-BB08-6610-6B5F-24DC94B929B8}"/>
+          <p:cNvPr id="3074" name="Picture 2">
+            <a:extLst>
+              <a:ext uri="{FF2B5EF4-FFF2-40B4-BE49-F238E27FC236}">
+                <a16:creationId xmlns:a16="http://schemas.microsoft.com/office/drawing/2014/main" id="{A006EAF0-CE30-5E85-45FF-109E2EAD59B7}"/>
               </a:ext>
             </a:extLst>
           </p:cNvPr>
           <p:cNvPicPr>
-            <a:picLocks noChangeAspect="1"/>
+            <a:picLocks noChangeAspect="1" noChangeArrowheads="1"/>
           </p:cNvPicPr>
           <p:nvPr/>
         </p:nvPicPr>
         <p:blipFill>
-          <a:blip r:embed="rId3"/>
+          <a:blip r:embed="rId3">
+            <a:extLst>
+              <a:ext uri="{28A0092B-C50C-407E-A947-70E740481C1C}">
+                <a14:useLocalDpi xmlns:a14="http://schemas.microsoft.com/office/drawing/2010/main" val="0"/>
+              </a:ext>
+            </a:extLst>
+          </a:blip>
+          <a:srcRect/>
           <a:stretch>
             <a:fillRect/>
           </a:stretch>
         </p:blipFill>
-        <p:spPr>
-          <a:xfrm>
-            <a:off x="313083" y="136525"/>
-            <a:ext cx="12192000" cy="6502401"/>
+        <p:spPr bwMode="auto">
+          <a:xfrm>
+            <a:off x="965243" y="502842"/>
+            <a:ext cx="4920177" cy="4946488"/>
           </a:xfrm>
           <a:prstGeom prst="rect">
             <a:avLst/>
           </a:prstGeom>
+          <a:noFill/>
+          <a:extLst>
+            <a:ext uri="{909E8E84-426E-40DD-AFC4-6F175D3DCCD1}">
+              <a14:hiddenFill xmlns:a14="http://schemas.microsoft.com/office/drawing/2010/main">
+                <a:solidFill>
+                  <a:srgbClr val="FFFFFF"/>
+                </a:solidFill>
+              </a14:hiddenFill>
+            </a:ext>
+          </a:extLst>
+        </p:spPr>
+      </p:pic>
+      <p:pic>
+        <p:nvPicPr>
+          <p:cNvPr id="3078" name="Picture 6">
+            <a:extLst>
+              <a:ext uri="{FF2B5EF4-FFF2-40B4-BE49-F238E27FC236}">
+                <a16:creationId xmlns:a16="http://schemas.microsoft.com/office/drawing/2014/main" id="{DF37C092-D923-2FA0-C69F-47732B0C3DF6}"/>
+              </a:ext>
+            </a:extLst>
+          </p:cNvPr>
+          <p:cNvPicPr>
+            <a:picLocks noChangeAspect="1" noChangeArrowheads="1"/>
+          </p:cNvPicPr>
+          <p:nvPr/>
+        </p:nvPicPr>
+        <p:blipFill>
+          <a:blip r:embed="rId4">
+            <a:extLst>
+              <a:ext uri="{28A0092B-C50C-407E-A947-70E740481C1C}">
+                <a14:useLocalDpi xmlns:a14="http://schemas.microsoft.com/office/drawing/2010/main" val="0"/>
+              </a:ext>
+            </a:extLst>
+          </a:blip>
+          <a:srcRect/>
+          <a:stretch>
+            <a:fillRect/>
+          </a:stretch>
+        </p:blipFill>
+        <p:spPr bwMode="auto">
+          <a:xfrm>
+            <a:off x="6306582" y="502843"/>
+            <a:ext cx="5071932" cy="4946487"/>
+          </a:xfrm>
+          <a:prstGeom prst="rect">
+            <a:avLst/>
+          </a:prstGeom>
+          <a:noFill/>
+          <a:extLst>
+            <a:ext uri="{909E8E84-426E-40DD-AFC4-6F175D3DCCD1}">
+              <a14:hiddenFill xmlns:a14="http://schemas.microsoft.com/office/drawing/2010/main">
+                <a:solidFill>
+                  <a:srgbClr val="FFFFFF"/>
+                </a:solidFill>
+              </a14:hiddenFill>
+            </a:ext>
+          </a:extLst>
         </p:spPr>
       </p:pic>
     </p:spTree>
     <p:extLst>
       <p:ext uri="{BB962C8B-B14F-4D97-AF65-F5344CB8AC3E}">
-        <p14:creationId xmlns:p14="http://schemas.microsoft.com/office/powerpoint/2010/main" val="1663780162"/>
+        <p14:creationId xmlns:p14="http://schemas.microsoft.com/office/powerpoint/2010/main" val="2262251188"/>
       </p:ext>
     </p:extLst>
   </p:cSld>
@@ -21803,8 +18211,8 @@
         </p:nvSpPr>
         <p:spPr>
           <a:xfrm>
-            <a:off x="6389390" y="2571234"/>
-            <a:ext cx="5074920" cy="1715531"/>
+            <a:off x="6369830" y="2544344"/>
+            <a:ext cx="5439132" cy="1769311"/>
           </a:xfrm>
         </p:spPr>
         <p:txBody>
@@ -21818,7 +18226,7 @@
             <a:pPr rtl="0"/>
             <a:r>
               <a:rPr lang="en-US" sz="2800" dirty="0"/>
-              <a:t>Have top athlete earnings increased in real value over the past 30 years?</a:t>
+              <a:t>Are american athletes paid more than their foreign counterparts? Does this differ by sport?</a:t>
             </a:r>
           </a:p>
         </p:txBody>
@@ -21826,7 +18234,7 @@
     </p:spTree>
     <p:extLst>
       <p:ext uri="{BB962C8B-B14F-4D97-AF65-F5344CB8AC3E}">
-        <p14:creationId xmlns:p14="http://schemas.microsoft.com/office/powerpoint/2010/main" val="2150291328"/>
+        <p14:creationId xmlns:p14="http://schemas.microsoft.com/office/powerpoint/2010/main" val="2879930823"/>
       </p:ext>
     </p:extLst>
   </p:cSld>
@@ -22628,15 +19036,6 @@
 </file>
 
 <file path=customXml/item1.xml><?xml version="1.0" encoding="utf-8"?>
-<?mso-contentType ?>
-<FormTemplates xmlns="http://schemas.microsoft.com/sharepoint/v3/contenttype/forms">
-  <Display>DocumentLibraryForm</Display>
-  <Edit>DocumentLibraryForm</Edit>
-  <New>DocumentLibraryForm</New>
-</FormTemplates>
-</file>
-
-<file path=customXml/item2.xml><?xml version="1.0" encoding="utf-8"?>
 <ct:contentTypeSchema xmlns:ct="http://schemas.microsoft.com/office/2006/metadata/contentType" xmlns:ma="http://schemas.microsoft.com/office/2006/metadata/properties/metaAttributes" ct:_="" ma:_="" ma:contentTypeName="Document" ma:contentTypeID="0x01010079F111ED35F8CC479449609E8A0923A6" ma:contentTypeVersion="20" ma:contentTypeDescription="Create a new document." ma:contentTypeScope="" ma:versionID="1267097ee5f5874adfcc408041ae252e">
   <xsd:schema xmlns:xsd="http://www.w3.org/2001/XMLSchema" xmlns:xs="http://www.w3.org/2001/XMLSchema" xmlns:p="http://schemas.microsoft.com/office/2006/metadata/properties" xmlns:ns1="http://schemas.microsoft.com/sharepoint/v3" xmlns:ns2="71af3243-3dd4-4a8d-8c0d-dd76da1f02a5" xmlns:ns3="16c05727-aa75-4e4a-9b5f-8a80a1165891" xmlns:ns4="230e9df3-be65-4c73-a93b-d1236ebd677e" targetNamespace="http://schemas.microsoft.com/office/2006/metadata/properties" ma:root="true" ma:fieldsID="395891a93df65b14727750f2c06c306c" ns1:_="" ns2:_="" ns3:_="" ns4:_="">
     <xsd:import namespace="http://schemas.microsoft.com/sharepoint/v3"/>
@@ -22912,6 +19311,15 @@
 </ct:contentTypeSchema>
 </file>
 
+<file path=customXml/item2.xml><?xml version="1.0" encoding="utf-8"?>
+<?mso-contentType ?>
+<FormTemplates xmlns="http://schemas.microsoft.com/sharepoint/v3/contenttype/forms">
+  <Display>DocumentLibraryForm</Display>
+  <Edit>DocumentLibraryForm</Edit>
+  <New>DocumentLibraryForm</New>
+</FormTemplates>
+</file>
+
 <file path=customXml/item3.xml><?xml version="1.0" encoding="utf-8"?>
 <p:properties xmlns:p="http://schemas.microsoft.com/office/2006/metadata/properties" xmlns:xsi="http://www.w3.org/2001/XMLSchema-instance" xmlns:pc="http://schemas.microsoft.com/office/infopath/2007/PartnerControls">
   <documentManagement>
@@ -22932,14 +19340,6 @@
 </file>
 
 <file path=customXml/itemProps1.xml><?xml version="1.0" encoding="utf-8"?>
-<ds:datastoreItem xmlns:ds="http://schemas.openxmlformats.org/officeDocument/2006/customXml" ds:itemID="{0FD6FE22-81A0-4500-AFD0-342D21BB9A2C}">
-  <ds:schemaRefs>
-    <ds:schemaRef ds:uri="http://schemas.microsoft.com/sharepoint/v3/contenttype/forms"/>
-  </ds:schemaRefs>
-</ds:datastoreItem>
-</file>
-
-<file path=customXml/itemProps2.xml><?xml version="1.0" encoding="utf-8"?>
 <ds:datastoreItem xmlns:ds="http://schemas.openxmlformats.org/officeDocument/2006/customXml" ds:itemID="{CC96B61E-1B64-430F-934F-7D1B90028029}">
   <ds:schemaRefs>
     <ds:schemaRef ds:uri="http://schemas.microsoft.com/office/2006/metadata/contentType"/>
@@ -22956,6 +19356,14 @@
     <ds:schemaRef ds:uri="http://purl.org/dc/elements/1.1/"/>
     <ds:schemaRef ds:uri="http://purl.org/dc/terms/"/>
     <ds:schemaRef ds:uri="http://schemas.microsoft.com/internal/obd"/>
+  </ds:schemaRefs>
+</ds:datastoreItem>
+</file>
+
+<file path=customXml/itemProps2.xml><?xml version="1.0" encoding="utf-8"?>
+<ds:datastoreItem xmlns:ds="http://schemas.openxmlformats.org/officeDocument/2006/customXml" ds:itemID="{0FD6FE22-81A0-4500-AFD0-342D21BB9A2C}">
+  <ds:schemaRefs>
+    <ds:schemaRef ds:uri="http://schemas.microsoft.com/sharepoint/v3/contenttype/forms"/>
   </ds:schemaRefs>
 </ds:datastoreItem>
 </file>

--- a/Highest paying athletes.pptx
+++ b/Highest paying athletes.pptx
@@ -1525,7 +1525,7 @@
             <a:pPr rtl="0"/>
             <a:fld id="{73C05029-49FF-4C71-9A35-E8A66CDA7547}" type="datetime1">
               <a:rPr lang="es-ES" smtClean="0"/>
-              <a:t>19/11/2023</a:t>
+              <a:t>20/11/2023</a:t>
             </a:fld>
             <a:endParaRPr lang="es-ES" dirty="0"/>
           </a:p>
@@ -1706,7 +1706,7 @@
           <a:p>
             <a:fld id="{D9FAF403-6288-48A7-9D1B-6DD886599154}" type="datetime1">
               <a:rPr lang="es-ES" smtClean="0"/>
-              <a:t>19/11/2023</a:t>
+              <a:t>20/11/2023</a:t>
             </a:fld>
             <a:endParaRPr lang="es-ES" dirty="0"/>
           </a:p>
@@ -13599,10 +13599,10 @@
       </p:sp>
       <p:pic>
         <p:nvPicPr>
-          <p:cNvPr id="16" name="Picture 15">
-            <a:extLst>
-              <a:ext uri="{FF2B5EF4-FFF2-40B4-BE49-F238E27FC236}">
-                <a16:creationId xmlns:a16="http://schemas.microsoft.com/office/drawing/2014/main" id="{35D52BD6-9D73-56BA-529D-C3496AA14645}"/>
+          <p:cNvPr id="19" name="Picture 18">
+            <a:extLst>
+              <a:ext uri="{FF2B5EF4-FFF2-40B4-BE49-F238E27FC236}">
+                <a16:creationId xmlns:a16="http://schemas.microsoft.com/office/drawing/2014/main" id="{107FBD5C-404A-8952-57AD-16E7D834AE5E}"/>
               </a:ext>
             </a:extLst>
           </p:cNvPr>
@@ -13619,17 +13619,12 @@
         </p:blipFill>
         <p:spPr>
           <a:xfrm>
-            <a:off x="3509962" y="795337"/>
-            <a:ext cx="5172075" cy="5267325"/>
+            <a:off x="0" y="177799"/>
+            <a:ext cx="12192000" cy="6502401"/>
           </a:xfrm>
           <a:prstGeom prst="rect">
             <a:avLst/>
           </a:prstGeom>
-          <a:effectLst>
-            <a:outerShdw blurRad="50800" dist="50800" dir="5400000" algn="ctr" rotWithShape="0">
-              <a:schemeClr val="bg1"/>
-            </a:outerShdw>
-          </a:effectLst>
         </p:spPr>
       </p:pic>
     </p:spTree>
@@ -19036,6 +19031,15 @@
 </file>
 
 <file path=customXml/item1.xml><?xml version="1.0" encoding="utf-8"?>
+<?mso-contentType ?>
+<FormTemplates xmlns="http://schemas.microsoft.com/sharepoint/v3/contenttype/forms">
+  <Display>DocumentLibraryForm</Display>
+  <Edit>DocumentLibraryForm</Edit>
+  <New>DocumentLibraryForm</New>
+</FormTemplates>
+</file>
+
+<file path=customXml/item2.xml><?xml version="1.0" encoding="utf-8"?>
 <ct:contentTypeSchema xmlns:ct="http://schemas.microsoft.com/office/2006/metadata/contentType" xmlns:ma="http://schemas.microsoft.com/office/2006/metadata/properties/metaAttributes" ct:_="" ma:_="" ma:contentTypeName="Document" ma:contentTypeID="0x01010079F111ED35F8CC479449609E8A0923A6" ma:contentTypeVersion="20" ma:contentTypeDescription="Create a new document." ma:contentTypeScope="" ma:versionID="1267097ee5f5874adfcc408041ae252e">
   <xsd:schema xmlns:xsd="http://www.w3.org/2001/XMLSchema" xmlns:xs="http://www.w3.org/2001/XMLSchema" xmlns:p="http://schemas.microsoft.com/office/2006/metadata/properties" xmlns:ns1="http://schemas.microsoft.com/sharepoint/v3" xmlns:ns2="71af3243-3dd4-4a8d-8c0d-dd76da1f02a5" xmlns:ns3="16c05727-aa75-4e4a-9b5f-8a80a1165891" xmlns:ns4="230e9df3-be65-4c73-a93b-d1236ebd677e" targetNamespace="http://schemas.microsoft.com/office/2006/metadata/properties" ma:root="true" ma:fieldsID="395891a93df65b14727750f2c06c306c" ns1:_="" ns2:_="" ns3:_="" ns4:_="">
     <xsd:import namespace="http://schemas.microsoft.com/sharepoint/v3"/>
@@ -19311,15 +19315,6 @@
 </ct:contentTypeSchema>
 </file>
 
-<file path=customXml/item2.xml><?xml version="1.0" encoding="utf-8"?>
-<?mso-contentType ?>
-<FormTemplates xmlns="http://schemas.microsoft.com/sharepoint/v3/contenttype/forms">
-  <Display>DocumentLibraryForm</Display>
-  <Edit>DocumentLibraryForm</Edit>
-  <New>DocumentLibraryForm</New>
-</FormTemplates>
-</file>
-
 <file path=customXml/item3.xml><?xml version="1.0" encoding="utf-8"?>
 <p:properties xmlns:p="http://schemas.microsoft.com/office/2006/metadata/properties" xmlns:xsi="http://www.w3.org/2001/XMLSchema-instance" xmlns:pc="http://schemas.microsoft.com/office/infopath/2007/PartnerControls">
   <documentManagement>
@@ -19340,6 +19335,14 @@
 </file>
 
 <file path=customXml/itemProps1.xml><?xml version="1.0" encoding="utf-8"?>
+<ds:datastoreItem xmlns:ds="http://schemas.openxmlformats.org/officeDocument/2006/customXml" ds:itemID="{0FD6FE22-81A0-4500-AFD0-342D21BB9A2C}">
+  <ds:schemaRefs>
+    <ds:schemaRef ds:uri="http://schemas.microsoft.com/sharepoint/v3/contenttype/forms"/>
+  </ds:schemaRefs>
+</ds:datastoreItem>
+</file>
+
+<file path=customXml/itemProps2.xml><?xml version="1.0" encoding="utf-8"?>
 <ds:datastoreItem xmlns:ds="http://schemas.openxmlformats.org/officeDocument/2006/customXml" ds:itemID="{CC96B61E-1B64-430F-934F-7D1B90028029}">
   <ds:schemaRefs>
     <ds:schemaRef ds:uri="http://schemas.microsoft.com/office/2006/metadata/contentType"/>
@@ -19356,14 +19359,6 @@
     <ds:schemaRef ds:uri="http://purl.org/dc/elements/1.1/"/>
     <ds:schemaRef ds:uri="http://purl.org/dc/terms/"/>
     <ds:schemaRef ds:uri="http://schemas.microsoft.com/internal/obd"/>
-  </ds:schemaRefs>
-</ds:datastoreItem>
-</file>
-
-<file path=customXml/itemProps2.xml><?xml version="1.0" encoding="utf-8"?>
-<ds:datastoreItem xmlns:ds="http://schemas.openxmlformats.org/officeDocument/2006/customXml" ds:itemID="{0FD6FE22-81A0-4500-AFD0-342D21BB9A2C}">
-  <ds:schemaRefs>
-    <ds:schemaRef ds:uri="http://schemas.microsoft.com/sharepoint/v3/contenttype/forms"/>
   </ds:schemaRefs>
 </ds:datastoreItem>
 </file>

--- a/Highest paying athletes.pptx
+++ b/Highest paying athletes.pptx
@@ -21,13 +21,13 @@
     <p:sldId id="288" r:id="rId12"/>
     <p:sldId id="279" r:id="rId13"/>
     <p:sldId id="260" r:id="rId14"/>
-    <p:sldId id="287" r:id="rId15"/>
-    <p:sldId id="280" r:id="rId16"/>
-    <p:sldId id="272" r:id="rId17"/>
-    <p:sldId id="283" r:id="rId18"/>
-    <p:sldId id="273" r:id="rId19"/>
-    <p:sldId id="282" r:id="rId20"/>
-    <p:sldId id="284" r:id="rId21"/>
+    <p:sldId id="284" r:id="rId15"/>
+    <p:sldId id="287" r:id="rId16"/>
+    <p:sldId id="280" r:id="rId17"/>
+    <p:sldId id="272" r:id="rId18"/>
+    <p:sldId id="283" r:id="rId19"/>
+    <p:sldId id="273" r:id="rId20"/>
+    <p:sldId id="282" r:id="rId21"/>
     <p:sldId id="275" r:id="rId22"/>
     <p:sldId id="270" r:id="rId23"/>
     <p:sldId id="285" r:id="rId24"/>
@@ -156,7 +156,7 @@
   <pc:docChgLst>
     <pc:chgData name="Fernanda Valdez" userId="d7d7d7d74fc48452" providerId="LiveId" clId="{C888A48D-F230-4DC9-83B3-65F5A35436E2}"/>
     <pc:docChg chg="undo redo custSel addSld delSld modSld sldOrd">
-      <pc:chgData name="Fernanda Valdez" userId="d7d7d7d74fc48452" providerId="LiveId" clId="{C888A48D-F230-4DC9-83B3-65F5A35436E2}" dt="2023-11-20T02:03:42.642" v="3725" actId="1036"/>
+      <pc:chgData name="Fernanda Valdez" userId="d7d7d7d74fc48452" providerId="LiveId" clId="{C888A48D-F230-4DC9-83B3-65F5A35436E2}" dt="2023-11-20T21:03:55.362" v="4896" actId="20577"/>
       <pc:docMkLst>
         <pc:docMk/>
       </pc:docMkLst>
@@ -1387,14 +1387,14 @@
           </ac:picMkLst>
         </pc:picChg>
       </pc:sldChg>
-      <pc:sldChg chg="modSp add mod">
-        <pc:chgData name="Fernanda Valdez" userId="d7d7d7d74fc48452" providerId="LiveId" clId="{C888A48D-F230-4DC9-83B3-65F5A35436E2}" dt="2023-11-20T01:57:36.545" v="3038" actId="20577"/>
+      <pc:sldChg chg="modSp add mod ord">
+        <pc:chgData name="Fernanda Valdez" userId="d7d7d7d74fc48452" providerId="LiveId" clId="{C888A48D-F230-4DC9-83B3-65F5A35436E2}" dt="2023-11-20T21:03:55.362" v="4896" actId="20577"/>
         <pc:sldMkLst>
           <pc:docMk/>
           <pc:sldMk cId="1007431861" sldId="284"/>
         </pc:sldMkLst>
         <pc:spChg chg="mod">
-          <ac:chgData name="Fernanda Valdez" userId="d7d7d7d74fc48452" providerId="LiveId" clId="{C888A48D-F230-4DC9-83B3-65F5A35436E2}" dt="2023-11-20T01:57:36.545" v="3038" actId="20577"/>
+          <ac:chgData name="Fernanda Valdez" userId="d7d7d7d74fc48452" providerId="LiveId" clId="{C888A48D-F230-4DC9-83B3-65F5A35436E2}" dt="2023-11-20T21:03:55.362" v="4896" actId="20577"/>
           <ac:spMkLst>
             <pc:docMk/>
             <pc:sldMk cId="1007431861" sldId="284"/>
@@ -2230,7 +2230,7 @@
     </p:spTree>
     <p:extLst>
       <p:ext uri="{BB962C8B-B14F-4D97-AF65-F5344CB8AC3E}">
-        <p14:creationId xmlns:p14="http://schemas.microsoft.com/office/powerpoint/2010/main" val="2572684225"/>
+        <p14:creationId xmlns:p14="http://schemas.microsoft.com/office/powerpoint/2010/main" val="744345855"/>
       </p:ext>
     </p:extLst>
   </p:cSld>
@@ -2315,7 +2315,7 @@
     </p:spTree>
     <p:extLst>
       <p:ext uri="{BB962C8B-B14F-4D97-AF65-F5344CB8AC3E}">
-        <p14:creationId xmlns:p14="http://schemas.microsoft.com/office/powerpoint/2010/main" val="4064346090"/>
+        <p14:creationId xmlns:p14="http://schemas.microsoft.com/office/powerpoint/2010/main" val="2572684225"/>
       </p:ext>
     </p:extLst>
   </p:cSld>
@@ -2400,7 +2400,7 @@
     </p:spTree>
     <p:extLst>
       <p:ext uri="{BB962C8B-B14F-4D97-AF65-F5344CB8AC3E}">
-        <p14:creationId xmlns:p14="http://schemas.microsoft.com/office/powerpoint/2010/main" val="1508356871"/>
+        <p14:creationId xmlns:p14="http://schemas.microsoft.com/office/powerpoint/2010/main" val="4064346090"/>
       </p:ext>
     </p:extLst>
   </p:cSld>
@@ -2485,7 +2485,7 @@
     </p:spTree>
     <p:extLst>
       <p:ext uri="{BB962C8B-B14F-4D97-AF65-F5344CB8AC3E}">
-        <p14:creationId xmlns:p14="http://schemas.microsoft.com/office/powerpoint/2010/main" val="1861511553"/>
+        <p14:creationId xmlns:p14="http://schemas.microsoft.com/office/powerpoint/2010/main" val="1508356871"/>
       </p:ext>
     </p:extLst>
   </p:cSld>
@@ -2570,7 +2570,7 @@
     </p:spTree>
     <p:extLst>
       <p:ext uri="{BB962C8B-B14F-4D97-AF65-F5344CB8AC3E}">
-        <p14:creationId xmlns:p14="http://schemas.microsoft.com/office/powerpoint/2010/main" val="2482573018"/>
+        <p14:creationId xmlns:p14="http://schemas.microsoft.com/office/powerpoint/2010/main" val="1861511553"/>
       </p:ext>
     </p:extLst>
   </p:cSld>
@@ -2655,7 +2655,7 @@
     </p:spTree>
     <p:extLst>
       <p:ext uri="{BB962C8B-B14F-4D97-AF65-F5344CB8AC3E}">
-        <p14:creationId xmlns:p14="http://schemas.microsoft.com/office/powerpoint/2010/main" val="3695295266"/>
+        <p14:creationId xmlns:p14="http://schemas.microsoft.com/office/powerpoint/2010/main" val="2482573018"/>
       </p:ext>
     </p:extLst>
   </p:cSld>
@@ -2740,7 +2740,7 @@
     </p:spTree>
     <p:extLst>
       <p:ext uri="{BB962C8B-B14F-4D97-AF65-F5344CB8AC3E}">
-        <p14:creationId xmlns:p14="http://schemas.microsoft.com/office/powerpoint/2010/main" val="744345855"/>
+        <p14:creationId xmlns:p14="http://schemas.microsoft.com/office/powerpoint/2010/main" val="3695295266"/>
       </p:ext>
     </p:extLst>
   </p:cSld>
@@ -13347,7 +13347,7 @@
           <p:cNvPr id="2" name="Título 1">
             <a:extLst>
               <a:ext uri="{FF2B5EF4-FFF2-40B4-BE49-F238E27FC236}">
-                <a16:creationId xmlns:a16="http://schemas.microsoft.com/office/drawing/2014/main" id="{09140014-73D5-419B-8867-972BB18D52D4}"/>
+                <a16:creationId xmlns:a16="http://schemas.microsoft.com/office/drawing/2014/main" id="{42DD0E59-4C68-4F87-9821-23C69713D980}"/>
               </a:ext>
             </a:extLst>
           </p:cNvPr>
@@ -13360,7 +13360,7 @@
         </p:nvSpPr>
         <p:spPr>
           <a:xfrm>
-            <a:off x="2933700" y="892177"/>
+            <a:off x="1885156" y="892177"/>
             <a:ext cx="8421688" cy="1325563"/>
           </a:xfrm>
         </p:spPr>
@@ -13375,37 +13375,35 @@
             <a:pPr rtl="0"/>
             <a:r>
               <a:rPr lang="es-ES" dirty="0"/>
-              <a:t>ÁREAS DE ENFOQUE</a:t>
-            </a:r>
-          </a:p>
-        </p:txBody>
-      </p:sp>
-      <p:sp>
-        <p:nvSpPr>
-          <p:cNvPr id="4" name="Marcador de contenido 3">
-            <a:extLst>
-              <a:ext uri="{FF2B5EF4-FFF2-40B4-BE49-F238E27FC236}">
-                <a16:creationId xmlns:a16="http://schemas.microsoft.com/office/drawing/2014/main" id="{33D8731E-4977-402E-8BFD-895B4D0544CC}"/>
-              </a:ext>
-            </a:extLst>
-          </p:cNvPr>
-          <p:cNvSpPr>
-            <a:spLocks noGrp="1"/>
-          </p:cNvSpPr>
-          <p:nvPr>
-            <p:ph sz="half" idx="2"/>
-          </p:nvPr>
-        </p:nvSpPr>
-        <p:spPr>
-          <a:xfrm>
-            <a:off x="2933700" y="3834606"/>
-            <a:ext cx="3924300" cy="1997867"/>
-          </a:xfrm>
-        </p:spPr>
-        <p:txBody>
-          <a:bodyPr rtlCol="0">
-            <a:normAutofit/>
-          </a:bodyPr>
+              <a:t>Conclusions</a:t>
+            </a:r>
+          </a:p>
+        </p:txBody>
+      </p:sp>
+      <p:sp>
+        <p:nvSpPr>
+          <p:cNvPr id="56" name="Marcador de fecha 55">
+            <a:extLst>
+              <a:ext uri="{FF2B5EF4-FFF2-40B4-BE49-F238E27FC236}">
+                <a16:creationId xmlns:a16="http://schemas.microsoft.com/office/drawing/2014/main" id="{B289356A-BDA0-4234-84F2-9F2F25D0D7BD}"/>
+              </a:ext>
+            </a:extLst>
+          </p:cNvPr>
+          <p:cNvSpPr>
+            <a:spLocks noGrp="1"/>
+          </p:cNvSpPr>
+          <p:nvPr>
+            <p:ph type="dt" sz="half" idx="10"/>
+          </p:nvPr>
+        </p:nvSpPr>
+        <p:spPr>
+          <a:xfrm>
+            <a:off x="838200" y="6356350"/>
+            <a:ext cx="2743200" cy="365125"/>
+          </a:xfrm>
+        </p:spPr>
+        <p:txBody>
+          <a:bodyPr rtlCol="0"/>
           <a:lstStyle>
             <a:defPPr>
               <a:defRPr lang="es-ES"/>
@@ -13415,45 +13413,31 @@
             <a:pPr rtl="0"/>
             <a:r>
               <a:rPr lang="es-ES" dirty="0"/>
-              <a:t>Desarrollar estrategias ganadoras para seguir a la vanguardia de la competencia</a:t>
-            </a:r>
-          </a:p>
-          <a:p>
-            <a:pPr rtl="0"/>
-            <a:r>
-              <a:rPr lang="es-ES" dirty="0"/>
-              <a:t>​Aprovechar los frutos obtenidos para identificar un valor en el terreno de juego</a:t>
-            </a:r>
-          </a:p>
-          <a:p>
-            <a:pPr rtl="0"/>
-            <a:r>
-              <a:rPr lang="es-ES" dirty="0"/>
-              <a:t>​Visualizar la convergencia dirigida al cliente</a:t>
-            </a:r>
-          </a:p>
-        </p:txBody>
-      </p:sp>
-      <p:sp>
-        <p:nvSpPr>
-          <p:cNvPr id="5" name="Marcador de texto 4">
-            <a:extLst>
-              <a:ext uri="{FF2B5EF4-FFF2-40B4-BE49-F238E27FC236}">
-                <a16:creationId xmlns:a16="http://schemas.microsoft.com/office/drawing/2014/main" id="{91CDEC5F-B8EE-4BC1-843F-13135E6E7AB2}"/>
-              </a:ext>
-            </a:extLst>
-          </p:cNvPr>
-          <p:cNvSpPr>
-            <a:spLocks noGrp="1"/>
-          </p:cNvSpPr>
-          <p:nvPr>
-            <p:ph type="body" sz="quarter" idx="3"/>
-          </p:nvPr>
-        </p:nvSpPr>
-        <p:spPr>
-          <a:xfrm>
-            <a:off x="7410173" y="2776936"/>
-            <a:ext cx="3943627" cy="823912"/>
+              <a:t>20XX</a:t>
+            </a:r>
+          </a:p>
+        </p:txBody>
+      </p:sp>
+      <p:sp>
+        <p:nvSpPr>
+          <p:cNvPr id="57" name="Marcador de pie de página 56">
+            <a:extLst>
+              <a:ext uri="{FF2B5EF4-FFF2-40B4-BE49-F238E27FC236}">
+                <a16:creationId xmlns:a16="http://schemas.microsoft.com/office/drawing/2014/main" id="{3A38BE84-957B-46B9-A315-4B5064DFF1A1}"/>
+              </a:ext>
+            </a:extLst>
+          </p:cNvPr>
+          <p:cNvSpPr>
+            <a:spLocks noGrp="1"/>
+          </p:cNvSpPr>
+          <p:nvPr>
+            <p:ph type="ftr" sz="quarter" idx="11"/>
+          </p:nvPr>
+        </p:nvSpPr>
+        <p:spPr>
+          <a:xfrm>
+            <a:off x="4038600" y="6356350"/>
+            <a:ext cx="4114800" cy="365125"/>
           </a:xfrm>
         </p:spPr>
         <p:txBody>
@@ -13467,64 +13451,17 @@
             <a:pPr rtl="0"/>
             <a:r>
               <a:rPr lang="es-ES" dirty="0"/>
-              <a:t>OPORTUNIDADES BASADAS EN LA NUBE</a:t>
-            </a:r>
-          </a:p>
-        </p:txBody>
-      </p:sp>
-      <p:sp>
-        <p:nvSpPr>
-          <p:cNvPr id="6" name="Marcador de contenido 5">
-            <a:extLst>
-              <a:ext uri="{FF2B5EF4-FFF2-40B4-BE49-F238E27FC236}">
-                <a16:creationId xmlns:a16="http://schemas.microsoft.com/office/drawing/2014/main" id="{50B65871-FA95-449A-B8BC-90486DE532EF}"/>
-              </a:ext>
-            </a:extLst>
-          </p:cNvPr>
-          <p:cNvSpPr>
-            <a:spLocks noGrp="1"/>
-          </p:cNvSpPr>
-          <p:nvPr>
-            <p:ph sz="quarter" idx="4"/>
-          </p:nvPr>
-        </p:nvSpPr>
-        <p:spPr>
-          <a:xfrm>
-            <a:off x="7410173" y="3834606"/>
-            <a:ext cx="3943627" cy="1997867"/>
-          </a:xfrm>
-        </p:spPr>
-        <p:txBody>
-          <a:bodyPr rtlCol="0">
-            <a:normAutofit/>
-          </a:bodyPr>
-          <a:lstStyle>
-            <a:defPPr>
-              <a:defRPr lang="es-ES"/>
-            </a:defPPr>
-          </a:lstStyle>
-          <a:p>
-            <a:pPr rtl="0"/>
-            <a:r>
-              <a:rPr lang="es-ES" dirty="0"/>
-              <a:t>Enfoques iterativos para una estrategia corporativa</a:t>
-            </a:r>
-          </a:p>
-          <a:p>
-            <a:pPr rtl="0"/>
-            <a:r>
-              <a:rPr lang="es-ES" dirty="0"/>
-              <a:t>​Establecer un marco de administración desde dentro</a:t>
-            </a:r>
-          </a:p>
-        </p:txBody>
-      </p:sp>
-      <p:sp>
-        <p:nvSpPr>
-          <p:cNvPr id="9" name="Marcador de número de diapositiva 8">
-            <a:extLst>
-              <a:ext uri="{FF2B5EF4-FFF2-40B4-BE49-F238E27FC236}">
-                <a16:creationId xmlns:a16="http://schemas.microsoft.com/office/drawing/2014/main" id="{C396FFDC-ADE8-4009-A466-A81787258E88}"/>
+              <a:t>TÍTULO DE LA PRESENTACIÓN</a:t>
+            </a:r>
+          </a:p>
+        </p:txBody>
+      </p:sp>
+      <p:sp>
+        <p:nvSpPr>
+          <p:cNvPr id="58" name="Marcador de número de diapositiva 57">
+            <a:extLst>
+              <a:ext uri="{FF2B5EF4-FFF2-40B4-BE49-F238E27FC236}">
+                <a16:creationId xmlns:a16="http://schemas.microsoft.com/office/drawing/2014/main" id="{E1900601-8B04-4FF3-B06F-6BEFAC6556D3}"/>
               </a:ext>
             </a:extLst>
           </p:cNvPr>
@@ -13561,28 +13498,30 @@
       </p:sp>
       <p:sp>
         <p:nvSpPr>
-          <p:cNvPr id="15" name="Marcador de pie de página 4">
-            <a:extLst>
-              <a:ext uri="{FF2B5EF4-FFF2-40B4-BE49-F238E27FC236}">
-                <a16:creationId xmlns:a16="http://schemas.microsoft.com/office/drawing/2014/main" id="{D03417DB-B8B1-A6C2-EC39-D9E06005B059}"/>
-              </a:ext>
-            </a:extLst>
-          </p:cNvPr>
-          <p:cNvSpPr>
-            <a:spLocks noGrp="1"/>
-          </p:cNvSpPr>
-          <p:nvPr>
-            <p:ph type="ftr" sz="quarter" idx="11"/>
-          </p:nvPr>
-        </p:nvSpPr>
-        <p:spPr>
-          <a:xfrm>
-            <a:off x="2463800" y="6356350"/>
-            <a:ext cx="3479800" cy="365125"/>
-          </a:xfrm>
-        </p:spPr>
-        <p:txBody>
-          <a:bodyPr rtlCol="0"/>
+          <p:cNvPr id="326" name="Marcador de texto 2">
+            <a:extLst>
+              <a:ext uri="{FF2B5EF4-FFF2-40B4-BE49-F238E27FC236}">
+                <a16:creationId xmlns:a16="http://schemas.microsoft.com/office/drawing/2014/main" id="{7B160DB7-BDF4-9939-C740-26EBBB3E0189}"/>
+              </a:ext>
+            </a:extLst>
+          </p:cNvPr>
+          <p:cNvSpPr>
+            <a:spLocks noGrp="1"/>
+          </p:cNvSpPr>
+          <p:nvPr>
+            <p:ph type="body" idx="1"/>
+          </p:nvPr>
+        </p:nvSpPr>
+        <p:spPr>
+          <a:xfrm>
+            <a:off x="1362074" y="2452812"/>
+            <a:ext cx="9605756" cy="2912564"/>
+          </a:xfrm>
+        </p:spPr>
+        <p:txBody>
+          <a:bodyPr rtlCol="0">
+            <a:normAutofit/>
+          </a:bodyPr>
           <a:lstStyle>
             <a:defPPr>
               <a:defRPr lang="es-ES"/>
@@ -13591,46 +13530,566 @@
           <a:p>
             <a:pPr rtl="0"/>
             <a:r>
-              <a:rPr lang="es-ES" dirty="0"/>
-              <a:t>FORBES HIGHEST PAYING ATHLETES ANALYSIS</a:t>
-            </a:r>
-          </a:p>
-        </p:txBody>
-      </p:sp>
-      <p:pic>
-        <p:nvPicPr>
-          <p:cNvPr id="19" name="Picture 18">
-            <a:extLst>
-              <a:ext uri="{FF2B5EF4-FFF2-40B4-BE49-F238E27FC236}">
-                <a16:creationId xmlns:a16="http://schemas.microsoft.com/office/drawing/2014/main" id="{107FBD5C-404A-8952-57AD-16E7D834AE5E}"/>
-              </a:ext>
-            </a:extLst>
-          </p:cNvPr>
-          <p:cNvPicPr>
-            <a:picLocks noChangeAspect="1"/>
-          </p:cNvPicPr>
-          <p:nvPr/>
-        </p:nvPicPr>
-        <p:blipFill>
-          <a:blip r:embed="rId3"/>
-          <a:stretch>
-            <a:fillRect/>
-          </a:stretch>
-        </p:blipFill>
-        <p:spPr>
-          <a:xfrm>
-            <a:off x="0" y="177799"/>
-            <a:ext cx="12192000" cy="6502401"/>
-          </a:xfrm>
-          <a:prstGeom prst="rect">
-            <a:avLst/>
-          </a:prstGeom>
-        </p:spPr>
-      </p:pic>
+              <a:rPr lang="es-ES" sz="1400" dirty="0"/>
+              <a:t>66% </a:t>
+            </a:r>
+            <a:r>
+              <a:rPr lang="es-ES" sz="1400" dirty="0" err="1"/>
+              <a:t>of</a:t>
+            </a:r>
+            <a:r>
+              <a:rPr lang="es-ES" sz="1400" dirty="0"/>
+              <a:t> </a:t>
+            </a:r>
+            <a:r>
+              <a:rPr lang="es-ES" sz="1400" dirty="0" err="1"/>
+              <a:t>earnings</a:t>
+            </a:r>
+            <a:r>
+              <a:rPr lang="es-ES" sz="1400" dirty="0"/>
+              <a:t> (US$ 5,696 MM) </a:t>
+            </a:r>
+            <a:r>
+              <a:rPr lang="es-ES" sz="1400" dirty="0" err="1"/>
+              <a:t>go</a:t>
+            </a:r>
+            <a:r>
+              <a:rPr lang="es-ES" sz="1400" dirty="0"/>
+              <a:t> </a:t>
+            </a:r>
+            <a:r>
+              <a:rPr lang="es-ES" sz="1400" dirty="0" err="1"/>
+              <a:t>to</a:t>
+            </a:r>
+            <a:r>
+              <a:rPr lang="es-ES" sz="1400" dirty="0"/>
+              <a:t> USA </a:t>
+            </a:r>
+            <a:r>
+              <a:rPr lang="es-ES" sz="1400" dirty="0" err="1"/>
+              <a:t>athletes</a:t>
+            </a:r>
+            <a:r>
+              <a:rPr lang="es-ES" sz="1400" dirty="0"/>
+              <a:t>. </a:t>
+            </a:r>
+            <a:r>
+              <a:rPr lang="es-ES" sz="1400" dirty="0" err="1"/>
+              <a:t>Over</a:t>
+            </a:r>
+            <a:r>
+              <a:rPr lang="es-ES" sz="1400" dirty="0"/>
+              <a:t> US$ 2 MM </a:t>
+            </a:r>
+            <a:r>
+              <a:rPr lang="es-ES" sz="1400" dirty="0" err="1"/>
+              <a:t>of</a:t>
+            </a:r>
+            <a:r>
+              <a:rPr lang="es-ES" sz="1400" dirty="0"/>
+              <a:t> </a:t>
+            </a:r>
+            <a:r>
+              <a:rPr lang="es-ES" sz="1400" dirty="0" err="1"/>
+              <a:t>those</a:t>
+            </a:r>
+            <a:r>
+              <a:rPr lang="es-ES" sz="1400" dirty="0"/>
+              <a:t> </a:t>
+            </a:r>
+            <a:r>
+              <a:rPr lang="es-ES" sz="1400" dirty="0" err="1"/>
+              <a:t>earnings</a:t>
+            </a:r>
+            <a:r>
+              <a:rPr lang="es-ES" sz="1400" dirty="0"/>
+              <a:t> come </a:t>
+            </a:r>
+            <a:r>
+              <a:rPr lang="es-ES" sz="1400" dirty="0" err="1"/>
+              <a:t>from</a:t>
+            </a:r>
+            <a:r>
+              <a:rPr lang="es-ES" sz="1400" dirty="0"/>
+              <a:t> </a:t>
+            </a:r>
+            <a:r>
+              <a:rPr lang="es-ES" sz="1400" dirty="0" err="1"/>
+              <a:t>Basketball</a:t>
+            </a:r>
+            <a:r>
+              <a:rPr lang="es-ES" sz="1400" dirty="0"/>
+              <a:t>.</a:t>
+            </a:r>
+          </a:p>
+          <a:p>
+            <a:pPr rtl="0"/>
+            <a:r>
+              <a:rPr lang="es-ES" sz="1400" dirty="0" err="1"/>
+              <a:t>There</a:t>
+            </a:r>
+            <a:r>
+              <a:rPr lang="es-ES" sz="1400" dirty="0"/>
+              <a:t> </a:t>
+            </a:r>
+            <a:r>
+              <a:rPr lang="es-ES" sz="1400" dirty="0" err="1"/>
+              <a:t>is</a:t>
+            </a:r>
+            <a:r>
+              <a:rPr lang="es-ES" sz="1400" dirty="0"/>
+              <a:t> a </a:t>
+            </a:r>
+            <a:r>
+              <a:rPr lang="es-ES" sz="1400" dirty="0" err="1"/>
+              <a:t>clear</a:t>
+            </a:r>
+            <a:r>
+              <a:rPr lang="es-ES" sz="1400" dirty="0"/>
+              <a:t> </a:t>
+            </a:r>
+            <a:r>
+              <a:rPr lang="es-ES" sz="1400" dirty="0" err="1"/>
+              <a:t>difference</a:t>
+            </a:r>
+            <a:r>
+              <a:rPr lang="es-ES" sz="1400" dirty="0"/>
+              <a:t> in top </a:t>
+            </a:r>
+            <a:r>
+              <a:rPr lang="es-ES" sz="1400" dirty="0" err="1"/>
+              <a:t>paid</a:t>
+            </a:r>
+            <a:r>
+              <a:rPr lang="es-ES" sz="1400" dirty="0"/>
+              <a:t> </a:t>
+            </a:r>
+            <a:r>
+              <a:rPr lang="es-ES" sz="1400" dirty="0" err="1"/>
+              <a:t>athlete</a:t>
+            </a:r>
+            <a:r>
+              <a:rPr lang="es-ES" sz="1400" dirty="0"/>
+              <a:t> </a:t>
+            </a:r>
+            <a:r>
+              <a:rPr lang="es-ES" sz="1400" dirty="0" err="1"/>
+              <a:t>nationality</a:t>
+            </a:r>
+            <a:r>
+              <a:rPr lang="es-ES" sz="1400" dirty="0"/>
+              <a:t> </a:t>
+            </a:r>
+            <a:r>
+              <a:rPr lang="es-ES" sz="1400" dirty="0" err="1"/>
+              <a:t>depending</a:t>
+            </a:r>
+            <a:r>
+              <a:rPr lang="es-ES" sz="1400" dirty="0"/>
+              <a:t> </a:t>
+            </a:r>
+            <a:r>
+              <a:rPr lang="es-ES" sz="1400" dirty="0" err="1"/>
+              <a:t>on</a:t>
+            </a:r>
+            <a:r>
+              <a:rPr lang="es-ES" sz="1400" dirty="0"/>
+              <a:t> </a:t>
+            </a:r>
+            <a:r>
+              <a:rPr lang="es-ES" sz="1400" dirty="0" err="1"/>
+              <a:t>sports</a:t>
+            </a:r>
+            <a:r>
+              <a:rPr lang="es-ES" sz="1400" dirty="0"/>
+              <a:t>. </a:t>
+            </a:r>
+            <a:r>
+              <a:rPr lang="es-ES" sz="1400" dirty="0" err="1"/>
+              <a:t>Baketball</a:t>
+            </a:r>
+            <a:r>
+              <a:rPr lang="es-ES" sz="1400" dirty="0"/>
+              <a:t>, American </a:t>
+            </a:r>
+            <a:r>
+              <a:rPr lang="es-ES" sz="1400" dirty="0" err="1"/>
+              <a:t>Football</a:t>
+            </a:r>
+            <a:r>
+              <a:rPr lang="es-ES" sz="1400" dirty="0"/>
+              <a:t>, </a:t>
+            </a:r>
+            <a:r>
+              <a:rPr lang="es-ES" sz="1400" dirty="0" err="1"/>
+              <a:t>Golfing</a:t>
+            </a:r>
+            <a:r>
+              <a:rPr lang="es-ES" sz="1400" dirty="0"/>
+              <a:t> and </a:t>
+            </a:r>
+            <a:r>
+              <a:rPr lang="es-ES" sz="1400" dirty="0" err="1"/>
+              <a:t>Boxing</a:t>
+            </a:r>
+            <a:r>
+              <a:rPr lang="es-ES" sz="1400" dirty="0"/>
+              <a:t> are </a:t>
+            </a:r>
+            <a:r>
+              <a:rPr lang="es-ES" sz="1400" dirty="0" err="1"/>
+              <a:t>predominantly</a:t>
+            </a:r>
+            <a:r>
+              <a:rPr lang="es-ES" sz="1400" dirty="0"/>
+              <a:t> </a:t>
+            </a:r>
+            <a:r>
+              <a:rPr lang="es-ES" sz="1400" dirty="0" err="1"/>
+              <a:t>american</a:t>
+            </a:r>
+            <a:r>
+              <a:rPr lang="es-ES" sz="1400" dirty="0"/>
+              <a:t> </a:t>
+            </a:r>
+            <a:r>
+              <a:rPr lang="es-ES" sz="1400" dirty="0" err="1"/>
+              <a:t>while</a:t>
+            </a:r>
+            <a:r>
+              <a:rPr lang="es-ES" sz="1400" dirty="0"/>
+              <a:t> F1, Soccer and </a:t>
+            </a:r>
+            <a:r>
+              <a:rPr lang="es-ES" sz="1400" dirty="0" err="1"/>
+              <a:t>Tennis</a:t>
+            </a:r>
+            <a:r>
+              <a:rPr lang="es-ES" sz="1400" dirty="0"/>
+              <a:t> are </a:t>
+            </a:r>
+            <a:r>
+              <a:rPr lang="es-ES" sz="1400" dirty="0" err="1"/>
+              <a:t>predominantly</a:t>
+            </a:r>
+            <a:r>
+              <a:rPr lang="es-ES" sz="1400" dirty="0"/>
+              <a:t> </a:t>
+            </a:r>
+            <a:r>
+              <a:rPr lang="es-ES" sz="1400" dirty="0" err="1"/>
+              <a:t>international</a:t>
+            </a:r>
+            <a:r>
+              <a:rPr lang="es-ES" sz="1400" dirty="0"/>
+              <a:t>. </a:t>
+            </a:r>
+            <a:r>
+              <a:rPr lang="es-ES" sz="1400" dirty="0" err="1"/>
+              <a:t>This</a:t>
+            </a:r>
+            <a:r>
+              <a:rPr lang="es-ES" sz="1400" dirty="0"/>
+              <a:t> </a:t>
+            </a:r>
+            <a:r>
+              <a:rPr lang="es-ES" sz="1400" dirty="0" err="1"/>
+              <a:t>matches</a:t>
+            </a:r>
+            <a:r>
+              <a:rPr lang="es-ES" sz="1400" dirty="0"/>
+              <a:t> </a:t>
+            </a:r>
+            <a:r>
+              <a:rPr lang="es-ES" sz="1400" dirty="0" err="1"/>
+              <a:t>sports</a:t>
+            </a:r>
+            <a:r>
+              <a:rPr lang="es-ES" sz="1400" dirty="0"/>
+              <a:t> </a:t>
+            </a:r>
+            <a:r>
+              <a:rPr lang="es-ES" sz="1400" dirty="0" err="1"/>
+              <a:t>popularity</a:t>
+            </a:r>
+            <a:r>
+              <a:rPr lang="es-ES" sz="1400" dirty="0"/>
+              <a:t> as F1, Soccer and </a:t>
+            </a:r>
+            <a:r>
+              <a:rPr lang="es-ES" sz="1400" dirty="0" err="1"/>
+              <a:t>Tennis</a:t>
+            </a:r>
+            <a:r>
+              <a:rPr lang="es-ES" sz="1400" dirty="0"/>
+              <a:t> are </a:t>
+            </a:r>
+            <a:r>
+              <a:rPr lang="es-ES" sz="1400" dirty="0" err="1"/>
+              <a:t>sports</a:t>
+            </a:r>
+            <a:r>
+              <a:rPr lang="es-ES" sz="1400" dirty="0"/>
+              <a:t> </a:t>
+            </a:r>
+            <a:r>
+              <a:rPr lang="es-ES" sz="1400" dirty="0" err="1"/>
+              <a:t>that</a:t>
+            </a:r>
+            <a:r>
+              <a:rPr lang="es-ES" sz="1400" dirty="0"/>
+              <a:t> </a:t>
+            </a:r>
+            <a:r>
+              <a:rPr lang="es-ES" sz="1400" dirty="0" err="1"/>
+              <a:t>have</a:t>
+            </a:r>
+            <a:r>
+              <a:rPr lang="es-ES" sz="1400" dirty="0"/>
+              <a:t> </a:t>
+            </a:r>
+            <a:r>
+              <a:rPr lang="es-ES" sz="1400" dirty="0" err="1"/>
+              <a:t>historically</a:t>
+            </a:r>
+            <a:r>
+              <a:rPr lang="es-ES" sz="1400" dirty="0"/>
+              <a:t> </a:t>
+            </a:r>
+            <a:r>
+              <a:rPr lang="es-ES" sz="1400" dirty="0" err="1"/>
+              <a:t>had</a:t>
+            </a:r>
+            <a:r>
+              <a:rPr lang="es-ES" sz="1400" dirty="0"/>
+              <a:t> </a:t>
+            </a:r>
+            <a:r>
+              <a:rPr lang="es-ES" sz="1400" dirty="0" err="1"/>
+              <a:t>an</a:t>
+            </a:r>
+            <a:r>
+              <a:rPr lang="es-ES" sz="1400" dirty="0"/>
+              <a:t> </a:t>
+            </a:r>
+            <a:r>
+              <a:rPr lang="es-ES" sz="1400" dirty="0" err="1"/>
+              <a:t>international</a:t>
+            </a:r>
+            <a:r>
+              <a:rPr lang="es-ES" sz="1400" dirty="0"/>
+              <a:t> </a:t>
+            </a:r>
+            <a:r>
+              <a:rPr lang="es-ES" sz="1400" dirty="0" err="1"/>
+              <a:t>audience</a:t>
+            </a:r>
+            <a:r>
+              <a:rPr lang="es-ES" sz="1400" dirty="0"/>
+              <a:t>.</a:t>
+            </a:r>
+          </a:p>
+          <a:p>
+            <a:pPr rtl="0"/>
+            <a:r>
+              <a:rPr lang="es-ES" sz="1400" dirty="0" err="1"/>
+              <a:t>The</a:t>
+            </a:r>
+            <a:r>
+              <a:rPr lang="es-ES" sz="1400" dirty="0"/>
+              <a:t> American sport </a:t>
+            </a:r>
+            <a:r>
+              <a:rPr lang="es-ES" sz="1400" dirty="0" err="1"/>
+              <a:t>industry</a:t>
+            </a:r>
+            <a:r>
+              <a:rPr lang="es-ES" sz="1400" dirty="0"/>
+              <a:t> </a:t>
+            </a:r>
+            <a:r>
+              <a:rPr lang="es-ES" sz="1400" dirty="0" err="1"/>
+              <a:t>is</a:t>
+            </a:r>
+            <a:r>
+              <a:rPr lang="es-ES" sz="1400" dirty="0"/>
+              <a:t> </a:t>
+            </a:r>
+            <a:r>
+              <a:rPr lang="es-ES" sz="1400" dirty="0" err="1"/>
+              <a:t>the</a:t>
+            </a:r>
+            <a:r>
+              <a:rPr lang="es-ES" sz="1400" dirty="0"/>
+              <a:t> </a:t>
+            </a:r>
+            <a:r>
+              <a:rPr lang="es-ES" sz="1400" dirty="0" err="1"/>
+              <a:t>largest</a:t>
+            </a:r>
+            <a:r>
+              <a:rPr lang="es-ES" sz="1400" dirty="0"/>
+              <a:t> in </a:t>
+            </a:r>
+            <a:r>
+              <a:rPr lang="es-ES" sz="1400" dirty="0" err="1"/>
+              <a:t>the</a:t>
+            </a:r>
+            <a:r>
+              <a:rPr lang="es-ES" sz="1400" dirty="0"/>
+              <a:t> </a:t>
+            </a:r>
+            <a:r>
+              <a:rPr lang="es-ES" sz="1400" dirty="0" err="1"/>
+              <a:t>world</a:t>
+            </a:r>
+            <a:r>
+              <a:rPr lang="es-ES" sz="1400" dirty="0"/>
+              <a:t>, </a:t>
+            </a:r>
+            <a:r>
+              <a:rPr lang="es-ES" sz="1400" dirty="0" err="1"/>
+              <a:t>this</a:t>
+            </a:r>
+            <a:r>
+              <a:rPr lang="es-ES" sz="1400" dirty="0"/>
+              <a:t> </a:t>
+            </a:r>
+            <a:r>
+              <a:rPr lang="es-ES" sz="1400" dirty="0" err="1"/>
+              <a:t>appears</a:t>
+            </a:r>
+            <a:r>
+              <a:rPr lang="es-ES" sz="1400" dirty="0"/>
+              <a:t> </a:t>
+            </a:r>
+            <a:r>
+              <a:rPr lang="es-ES" sz="1400" dirty="0" err="1"/>
+              <a:t>to</a:t>
+            </a:r>
+            <a:r>
+              <a:rPr lang="es-ES" sz="1400" dirty="0"/>
+              <a:t> </a:t>
+            </a:r>
+            <a:r>
+              <a:rPr lang="es-ES" sz="1400" dirty="0" err="1"/>
+              <a:t>correlate</a:t>
+            </a:r>
+            <a:r>
+              <a:rPr lang="es-ES" sz="1400" dirty="0"/>
+              <a:t> </a:t>
+            </a:r>
+            <a:r>
+              <a:rPr lang="es-ES" sz="1400" dirty="0" err="1"/>
+              <a:t>with</a:t>
+            </a:r>
+            <a:r>
+              <a:rPr lang="es-ES" sz="1400" dirty="0"/>
+              <a:t> </a:t>
+            </a:r>
+            <a:r>
+              <a:rPr lang="es-ES" sz="1400" dirty="0" err="1"/>
+              <a:t>athlete</a:t>
+            </a:r>
+            <a:r>
+              <a:rPr lang="es-ES" sz="1400" dirty="0"/>
+              <a:t> salaries. </a:t>
+            </a:r>
+            <a:r>
+              <a:rPr lang="es-ES" sz="1400" dirty="0" err="1"/>
+              <a:t>We</a:t>
+            </a:r>
+            <a:r>
+              <a:rPr lang="es-ES" sz="1400" dirty="0"/>
+              <a:t> </a:t>
+            </a:r>
+            <a:r>
+              <a:rPr lang="es-ES" sz="1400" dirty="0" err="1"/>
+              <a:t>need</a:t>
+            </a:r>
+            <a:r>
+              <a:rPr lang="es-ES" sz="1400" dirty="0"/>
+              <a:t> more </a:t>
+            </a:r>
+            <a:r>
+              <a:rPr lang="es-ES" sz="1400" dirty="0" err="1"/>
+              <a:t>information</a:t>
+            </a:r>
+            <a:r>
+              <a:rPr lang="es-ES" sz="1400" dirty="0"/>
+              <a:t> </a:t>
+            </a:r>
+            <a:r>
+              <a:rPr lang="es-ES" sz="1400" dirty="0" err="1"/>
+              <a:t>to</a:t>
+            </a:r>
+            <a:r>
+              <a:rPr lang="es-ES" sz="1400" dirty="0"/>
+              <a:t> </a:t>
+            </a:r>
+            <a:r>
+              <a:rPr lang="es-ES" sz="1400" dirty="0" err="1"/>
+              <a:t>carry</a:t>
+            </a:r>
+            <a:r>
+              <a:rPr lang="es-ES" sz="1400" dirty="0"/>
+              <a:t> </a:t>
+            </a:r>
+            <a:r>
+              <a:rPr lang="es-ES" sz="1400" dirty="0" err="1"/>
+              <a:t>out</a:t>
+            </a:r>
+            <a:r>
+              <a:rPr lang="es-ES" sz="1400" dirty="0"/>
+              <a:t> a </a:t>
+            </a:r>
+            <a:r>
+              <a:rPr lang="es-ES" sz="1400" dirty="0" err="1"/>
+              <a:t>deeper</a:t>
+            </a:r>
+            <a:r>
+              <a:rPr lang="es-ES" sz="1400" dirty="0"/>
+              <a:t> análisis </a:t>
+            </a:r>
+            <a:r>
+              <a:rPr lang="es-ES" sz="1400" dirty="0" err="1"/>
+              <a:t>into</a:t>
+            </a:r>
+            <a:r>
+              <a:rPr lang="es-ES" sz="1400" dirty="0"/>
+              <a:t> </a:t>
+            </a:r>
+            <a:r>
+              <a:rPr lang="es-ES" sz="1400" dirty="0" err="1"/>
+              <a:t>salary</a:t>
+            </a:r>
+            <a:r>
+              <a:rPr lang="es-ES" sz="1400" dirty="0"/>
+              <a:t> drivers in </a:t>
+            </a:r>
+            <a:r>
+              <a:rPr lang="es-ES" sz="1400" dirty="0" err="1"/>
+              <a:t>the</a:t>
+            </a:r>
+            <a:r>
+              <a:rPr lang="es-ES" sz="1400" dirty="0"/>
+              <a:t> </a:t>
+            </a:r>
+            <a:r>
+              <a:rPr lang="es-ES" sz="1400" dirty="0" err="1"/>
+              <a:t>industry</a:t>
+            </a:r>
+            <a:r>
+              <a:rPr lang="es-ES" sz="1400"/>
+              <a:t>.</a:t>
+            </a:r>
+          </a:p>
+        </p:txBody>
+      </p:sp>
     </p:spTree>
     <p:extLst>
       <p:ext uri="{BB962C8B-B14F-4D97-AF65-F5344CB8AC3E}">
-        <p14:creationId xmlns:p14="http://schemas.microsoft.com/office/powerpoint/2010/main" val="921118608"/>
+        <p14:creationId xmlns:p14="http://schemas.microsoft.com/office/powerpoint/2010/main" val="1007431861"/>
       </p:ext>
     </p:extLst>
   </p:cSld>
@@ -13662,21 +14121,21 @@
           <p:cNvPr id="2" name="Título 1">
             <a:extLst>
               <a:ext uri="{FF2B5EF4-FFF2-40B4-BE49-F238E27FC236}">
-                <a16:creationId xmlns:a16="http://schemas.microsoft.com/office/drawing/2014/main" id="{B1FE5F11-B7B9-4B80-8C6A-A8A7A7190B77}"/>
-              </a:ext>
-            </a:extLst>
-          </p:cNvPr>
-          <p:cNvSpPr>
-            <a:spLocks noGrp="1"/>
-          </p:cNvSpPr>
-          <p:nvPr>
-            <p:ph type="ctrTitle"/>
-          </p:nvPr>
-        </p:nvSpPr>
-        <p:spPr>
-          <a:xfrm>
-            <a:off x="6389390" y="2571234"/>
-            <a:ext cx="5074920" cy="1715531"/>
+                <a16:creationId xmlns:a16="http://schemas.microsoft.com/office/drawing/2014/main" id="{09140014-73D5-419B-8867-972BB18D52D4}"/>
+              </a:ext>
+            </a:extLst>
+          </p:cNvPr>
+          <p:cNvSpPr>
+            <a:spLocks noGrp="1"/>
+          </p:cNvSpPr>
+          <p:nvPr>
+            <p:ph type="title"/>
+          </p:nvPr>
+        </p:nvSpPr>
+        <p:spPr>
+          <a:xfrm>
+            <a:off x="2933700" y="892177"/>
+            <a:ext cx="8421688" cy="1325563"/>
           </a:xfrm>
         </p:spPr>
         <p:txBody>
@@ -13689,16 +14148,263 @@
           <a:p>
             <a:pPr rtl="0"/>
             <a:r>
-              <a:rPr lang="en-US" sz="2800" dirty="0"/>
-              <a:t>Have top athlete earnings increased in real value over the past 30 years?</a:t>
-            </a:r>
-          </a:p>
-        </p:txBody>
-      </p:sp>
+              <a:rPr lang="es-ES" dirty="0"/>
+              <a:t>ÁREAS DE ENFOQUE</a:t>
+            </a:r>
+          </a:p>
+        </p:txBody>
+      </p:sp>
+      <p:sp>
+        <p:nvSpPr>
+          <p:cNvPr id="4" name="Marcador de contenido 3">
+            <a:extLst>
+              <a:ext uri="{FF2B5EF4-FFF2-40B4-BE49-F238E27FC236}">
+                <a16:creationId xmlns:a16="http://schemas.microsoft.com/office/drawing/2014/main" id="{33D8731E-4977-402E-8BFD-895B4D0544CC}"/>
+              </a:ext>
+            </a:extLst>
+          </p:cNvPr>
+          <p:cNvSpPr>
+            <a:spLocks noGrp="1"/>
+          </p:cNvSpPr>
+          <p:nvPr>
+            <p:ph sz="half" idx="2"/>
+          </p:nvPr>
+        </p:nvSpPr>
+        <p:spPr>
+          <a:xfrm>
+            <a:off x="2933700" y="3834606"/>
+            <a:ext cx="3924300" cy="1997867"/>
+          </a:xfrm>
+        </p:spPr>
+        <p:txBody>
+          <a:bodyPr rtlCol="0">
+            <a:normAutofit/>
+          </a:bodyPr>
+          <a:lstStyle>
+            <a:defPPr>
+              <a:defRPr lang="es-ES"/>
+            </a:defPPr>
+          </a:lstStyle>
+          <a:p>
+            <a:pPr rtl="0"/>
+            <a:r>
+              <a:rPr lang="es-ES" dirty="0"/>
+              <a:t>Desarrollar estrategias ganadoras para seguir a la vanguardia de la competencia</a:t>
+            </a:r>
+          </a:p>
+          <a:p>
+            <a:pPr rtl="0"/>
+            <a:r>
+              <a:rPr lang="es-ES" dirty="0"/>
+              <a:t>​Aprovechar los frutos obtenidos para identificar un valor en el terreno de juego</a:t>
+            </a:r>
+          </a:p>
+          <a:p>
+            <a:pPr rtl="0"/>
+            <a:r>
+              <a:rPr lang="es-ES" dirty="0"/>
+              <a:t>​Visualizar la convergencia dirigida al cliente</a:t>
+            </a:r>
+          </a:p>
+        </p:txBody>
+      </p:sp>
+      <p:sp>
+        <p:nvSpPr>
+          <p:cNvPr id="5" name="Marcador de texto 4">
+            <a:extLst>
+              <a:ext uri="{FF2B5EF4-FFF2-40B4-BE49-F238E27FC236}">
+                <a16:creationId xmlns:a16="http://schemas.microsoft.com/office/drawing/2014/main" id="{91CDEC5F-B8EE-4BC1-843F-13135E6E7AB2}"/>
+              </a:ext>
+            </a:extLst>
+          </p:cNvPr>
+          <p:cNvSpPr>
+            <a:spLocks noGrp="1"/>
+          </p:cNvSpPr>
+          <p:nvPr>
+            <p:ph type="body" sz="quarter" idx="3"/>
+          </p:nvPr>
+        </p:nvSpPr>
+        <p:spPr>
+          <a:xfrm>
+            <a:off x="7410173" y="2776936"/>
+            <a:ext cx="3943627" cy="823912"/>
+          </a:xfrm>
+        </p:spPr>
+        <p:txBody>
+          <a:bodyPr rtlCol="0"/>
+          <a:lstStyle>
+            <a:defPPr>
+              <a:defRPr lang="es-ES"/>
+            </a:defPPr>
+          </a:lstStyle>
+          <a:p>
+            <a:pPr rtl="0"/>
+            <a:r>
+              <a:rPr lang="es-ES" dirty="0"/>
+              <a:t>OPORTUNIDADES BASADAS EN LA NUBE</a:t>
+            </a:r>
+          </a:p>
+        </p:txBody>
+      </p:sp>
+      <p:sp>
+        <p:nvSpPr>
+          <p:cNvPr id="6" name="Marcador de contenido 5">
+            <a:extLst>
+              <a:ext uri="{FF2B5EF4-FFF2-40B4-BE49-F238E27FC236}">
+                <a16:creationId xmlns:a16="http://schemas.microsoft.com/office/drawing/2014/main" id="{50B65871-FA95-449A-B8BC-90486DE532EF}"/>
+              </a:ext>
+            </a:extLst>
+          </p:cNvPr>
+          <p:cNvSpPr>
+            <a:spLocks noGrp="1"/>
+          </p:cNvSpPr>
+          <p:nvPr>
+            <p:ph sz="quarter" idx="4"/>
+          </p:nvPr>
+        </p:nvSpPr>
+        <p:spPr>
+          <a:xfrm>
+            <a:off x="7410173" y="3834606"/>
+            <a:ext cx="3943627" cy="1997867"/>
+          </a:xfrm>
+        </p:spPr>
+        <p:txBody>
+          <a:bodyPr rtlCol="0">
+            <a:normAutofit/>
+          </a:bodyPr>
+          <a:lstStyle>
+            <a:defPPr>
+              <a:defRPr lang="es-ES"/>
+            </a:defPPr>
+          </a:lstStyle>
+          <a:p>
+            <a:pPr rtl="0"/>
+            <a:r>
+              <a:rPr lang="es-ES" dirty="0"/>
+              <a:t>Enfoques iterativos para una estrategia corporativa</a:t>
+            </a:r>
+          </a:p>
+          <a:p>
+            <a:pPr rtl="0"/>
+            <a:r>
+              <a:rPr lang="es-ES" dirty="0"/>
+              <a:t>​Establecer un marco de administración desde dentro</a:t>
+            </a:r>
+          </a:p>
+        </p:txBody>
+      </p:sp>
+      <p:sp>
+        <p:nvSpPr>
+          <p:cNvPr id="9" name="Marcador de número de diapositiva 8">
+            <a:extLst>
+              <a:ext uri="{FF2B5EF4-FFF2-40B4-BE49-F238E27FC236}">
+                <a16:creationId xmlns:a16="http://schemas.microsoft.com/office/drawing/2014/main" id="{C396FFDC-ADE8-4009-A466-A81787258E88}"/>
+              </a:ext>
+            </a:extLst>
+          </p:cNvPr>
+          <p:cNvSpPr>
+            <a:spLocks noGrp="1"/>
+          </p:cNvSpPr>
+          <p:nvPr>
+            <p:ph type="sldNum" sz="quarter" idx="12"/>
+          </p:nvPr>
+        </p:nvSpPr>
+        <p:spPr>
+          <a:xfrm>
+            <a:off x="8610600" y="6356350"/>
+            <a:ext cx="2743200" cy="365125"/>
+          </a:xfrm>
+        </p:spPr>
+        <p:txBody>
+          <a:bodyPr rtlCol="0"/>
+          <a:lstStyle>
+            <a:defPPr>
+              <a:defRPr lang="es-ES"/>
+            </a:defPPr>
+          </a:lstStyle>
+          <a:p>
+            <a:pPr rtl="0"/>
+            <a:fld id="{A49DFD55-3C28-40EF-9E31-A92D2E4017FF}" type="slidenum">
+              <a:rPr lang="es-ES" smtClean="0"/>
+              <a:pPr rtl="0"/>
+              <a:t>12</a:t>
+            </a:fld>
+            <a:endParaRPr lang="es-ES" dirty="0"/>
+          </a:p>
+        </p:txBody>
+      </p:sp>
+      <p:sp>
+        <p:nvSpPr>
+          <p:cNvPr id="15" name="Marcador de pie de página 4">
+            <a:extLst>
+              <a:ext uri="{FF2B5EF4-FFF2-40B4-BE49-F238E27FC236}">
+                <a16:creationId xmlns:a16="http://schemas.microsoft.com/office/drawing/2014/main" id="{D03417DB-B8B1-A6C2-EC39-D9E06005B059}"/>
+              </a:ext>
+            </a:extLst>
+          </p:cNvPr>
+          <p:cNvSpPr>
+            <a:spLocks noGrp="1"/>
+          </p:cNvSpPr>
+          <p:nvPr>
+            <p:ph type="ftr" sz="quarter" idx="11"/>
+          </p:nvPr>
+        </p:nvSpPr>
+        <p:spPr>
+          <a:xfrm>
+            <a:off x="2463800" y="6356350"/>
+            <a:ext cx="3479800" cy="365125"/>
+          </a:xfrm>
+        </p:spPr>
+        <p:txBody>
+          <a:bodyPr rtlCol="0"/>
+          <a:lstStyle>
+            <a:defPPr>
+              <a:defRPr lang="es-ES"/>
+            </a:defPPr>
+          </a:lstStyle>
+          <a:p>
+            <a:pPr rtl="0"/>
+            <a:r>
+              <a:rPr lang="es-ES" dirty="0"/>
+              <a:t>FORBES HIGHEST PAYING ATHLETES ANALYSIS</a:t>
+            </a:r>
+          </a:p>
+        </p:txBody>
+      </p:sp>
+      <p:pic>
+        <p:nvPicPr>
+          <p:cNvPr id="19" name="Picture 18">
+            <a:extLst>
+              <a:ext uri="{FF2B5EF4-FFF2-40B4-BE49-F238E27FC236}">
+                <a16:creationId xmlns:a16="http://schemas.microsoft.com/office/drawing/2014/main" id="{107FBD5C-404A-8952-57AD-16E7D834AE5E}"/>
+              </a:ext>
+            </a:extLst>
+          </p:cNvPr>
+          <p:cNvPicPr>
+            <a:picLocks noChangeAspect="1"/>
+          </p:cNvPicPr>
+          <p:nvPr/>
+        </p:nvPicPr>
+        <p:blipFill>
+          <a:blip r:embed="rId3"/>
+          <a:stretch>
+            <a:fillRect/>
+          </a:stretch>
+        </p:blipFill>
+        <p:spPr>
+          <a:xfrm>
+            <a:off x="0" y="177799"/>
+            <a:ext cx="12192000" cy="6502401"/>
+          </a:xfrm>
+          <a:prstGeom prst="rect">
+            <a:avLst/>
+          </a:prstGeom>
+        </p:spPr>
+      </p:pic>
     </p:spTree>
     <p:extLst>
       <p:ext uri="{BB962C8B-B14F-4D97-AF65-F5344CB8AC3E}">
-        <p14:creationId xmlns:p14="http://schemas.microsoft.com/office/powerpoint/2010/main" val="2150291328"/>
+        <p14:creationId xmlns:p14="http://schemas.microsoft.com/office/powerpoint/2010/main" val="921118608"/>
       </p:ext>
     </p:extLst>
   </p:cSld>
@@ -13730,21 +14436,21 @@
           <p:cNvPr id="2" name="Título 1">
             <a:extLst>
               <a:ext uri="{FF2B5EF4-FFF2-40B4-BE49-F238E27FC236}">
-                <a16:creationId xmlns:a16="http://schemas.microsoft.com/office/drawing/2014/main" id="{09140014-73D5-419B-8867-972BB18D52D4}"/>
-              </a:ext>
-            </a:extLst>
-          </p:cNvPr>
-          <p:cNvSpPr>
-            <a:spLocks noGrp="1"/>
-          </p:cNvSpPr>
-          <p:nvPr>
-            <p:ph type="title"/>
-          </p:nvPr>
-        </p:nvSpPr>
-        <p:spPr>
-          <a:xfrm>
-            <a:off x="2933700" y="892177"/>
-            <a:ext cx="8421688" cy="1325563"/>
+                <a16:creationId xmlns:a16="http://schemas.microsoft.com/office/drawing/2014/main" id="{B1FE5F11-B7B9-4B80-8C6A-A8A7A7190B77}"/>
+              </a:ext>
+            </a:extLst>
+          </p:cNvPr>
+          <p:cNvSpPr>
+            <a:spLocks noGrp="1"/>
+          </p:cNvSpPr>
+          <p:nvPr>
+            <p:ph type="ctrTitle"/>
+          </p:nvPr>
+        </p:nvSpPr>
+        <p:spPr>
+          <a:xfrm>
+            <a:off x="6389390" y="2571234"/>
+            <a:ext cx="5074920" cy="1715531"/>
           </a:xfrm>
         </p:spPr>
         <p:txBody>
@@ -13757,273 +14463,8 @@
           <a:p>
             <a:pPr rtl="0"/>
             <a:r>
-              <a:rPr lang="es-ES" dirty="0"/>
-              <a:t>ÁREAS DE ENFOQUE</a:t>
-            </a:r>
-          </a:p>
-        </p:txBody>
-      </p:sp>
-      <p:sp>
-        <p:nvSpPr>
-          <p:cNvPr id="4" name="Marcador de contenido 3">
-            <a:extLst>
-              <a:ext uri="{FF2B5EF4-FFF2-40B4-BE49-F238E27FC236}">
-                <a16:creationId xmlns:a16="http://schemas.microsoft.com/office/drawing/2014/main" id="{33D8731E-4977-402E-8BFD-895B4D0544CC}"/>
-              </a:ext>
-            </a:extLst>
-          </p:cNvPr>
-          <p:cNvSpPr>
-            <a:spLocks noGrp="1"/>
-          </p:cNvSpPr>
-          <p:nvPr>
-            <p:ph sz="half" idx="2"/>
-          </p:nvPr>
-        </p:nvSpPr>
-        <p:spPr>
-          <a:xfrm>
-            <a:off x="2933700" y="3834606"/>
-            <a:ext cx="3924300" cy="1997867"/>
-          </a:xfrm>
-        </p:spPr>
-        <p:txBody>
-          <a:bodyPr rtlCol="0">
-            <a:normAutofit/>
-          </a:bodyPr>
-          <a:lstStyle>
-            <a:defPPr>
-              <a:defRPr lang="es-ES"/>
-            </a:defPPr>
-          </a:lstStyle>
-          <a:p>
-            <a:pPr rtl="0"/>
-            <a:r>
-              <a:rPr lang="es-ES" dirty="0"/>
-              <a:t>Desarrollar estrategias ganadoras para seguir a la vanguardia de la competencia</a:t>
-            </a:r>
-          </a:p>
-          <a:p>
-            <a:pPr rtl="0"/>
-            <a:r>
-              <a:rPr lang="es-ES" dirty="0"/>
-              <a:t>​Aprovechar los frutos obtenidos para identificar un valor en el terreno de juego</a:t>
-            </a:r>
-          </a:p>
-          <a:p>
-            <a:pPr rtl="0"/>
-            <a:r>
-              <a:rPr lang="es-ES" dirty="0"/>
-              <a:t>​Visualizar la convergencia dirigida al cliente</a:t>
-            </a:r>
-          </a:p>
-        </p:txBody>
-      </p:sp>
-      <p:sp>
-        <p:nvSpPr>
-          <p:cNvPr id="6" name="Marcador de contenido 5">
-            <a:extLst>
-              <a:ext uri="{FF2B5EF4-FFF2-40B4-BE49-F238E27FC236}">
-                <a16:creationId xmlns:a16="http://schemas.microsoft.com/office/drawing/2014/main" id="{50B65871-FA95-449A-B8BC-90486DE532EF}"/>
-              </a:ext>
-            </a:extLst>
-          </p:cNvPr>
-          <p:cNvSpPr>
-            <a:spLocks noGrp="1"/>
-          </p:cNvSpPr>
-          <p:nvPr>
-            <p:ph sz="quarter" idx="4"/>
-          </p:nvPr>
-        </p:nvSpPr>
-        <p:spPr>
-          <a:xfrm>
-            <a:off x="7410173" y="3834606"/>
-            <a:ext cx="3943627" cy="1997867"/>
-          </a:xfrm>
-        </p:spPr>
-        <p:txBody>
-          <a:bodyPr rtlCol="0">
-            <a:normAutofit/>
-          </a:bodyPr>
-          <a:lstStyle>
-            <a:defPPr>
-              <a:defRPr lang="es-ES"/>
-            </a:defPPr>
-          </a:lstStyle>
-          <a:p>
-            <a:pPr rtl="0"/>
-            <a:r>
-              <a:rPr lang="es-ES" dirty="0"/>
-              <a:t>Enfoques iterativos para una estrategia corporativa</a:t>
-            </a:r>
-          </a:p>
-          <a:p>
-            <a:pPr rtl="0"/>
-            <a:r>
-              <a:rPr lang="es-ES" dirty="0"/>
-              <a:t>​Establecer un marco de administración desde dentro</a:t>
-            </a:r>
-          </a:p>
-        </p:txBody>
-      </p:sp>
-      <p:sp>
-        <p:nvSpPr>
-          <p:cNvPr id="9" name="Marcador de número de diapositiva 8">
-            <a:extLst>
-              <a:ext uri="{FF2B5EF4-FFF2-40B4-BE49-F238E27FC236}">
-                <a16:creationId xmlns:a16="http://schemas.microsoft.com/office/drawing/2014/main" id="{C396FFDC-ADE8-4009-A466-A81787258E88}"/>
-              </a:ext>
-            </a:extLst>
-          </p:cNvPr>
-          <p:cNvSpPr>
-            <a:spLocks noGrp="1"/>
-          </p:cNvSpPr>
-          <p:nvPr>
-            <p:ph type="sldNum" sz="quarter" idx="12"/>
-          </p:nvPr>
-        </p:nvSpPr>
-        <p:spPr>
-          <a:xfrm>
-            <a:off x="8610600" y="6356350"/>
-            <a:ext cx="2743200" cy="365125"/>
-          </a:xfrm>
-        </p:spPr>
-        <p:txBody>
-          <a:bodyPr rtlCol="0"/>
-          <a:lstStyle>
-            <a:defPPr>
-              <a:defRPr lang="es-ES"/>
-            </a:defPPr>
-          </a:lstStyle>
-          <a:p>
-            <a:pPr rtl="0"/>
-            <a:fld id="{A49DFD55-3C28-40EF-9E31-A92D2E4017FF}" type="slidenum">
-              <a:rPr lang="es-ES" smtClean="0"/>
-              <a:pPr rtl="0"/>
-              <a:t>13</a:t>
-            </a:fld>
-            <a:endParaRPr lang="es-ES" dirty="0"/>
-          </a:p>
-        </p:txBody>
-      </p:sp>
-      <p:pic>
-        <p:nvPicPr>
-          <p:cNvPr id="26" name="Picture 25" descr="A screen shot of a graph&#10;&#10;Description automatically generated">
-            <a:extLst>
-              <a:ext uri="{FF2B5EF4-FFF2-40B4-BE49-F238E27FC236}">
-                <a16:creationId xmlns:a16="http://schemas.microsoft.com/office/drawing/2014/main" id="{BC0C17C4-F1EB-C0F9-F242-781C31EB0F37}"/>
-              </a:ext>
-            </a:extLst>
-          </p:cNvPr>
-          <p:cNvPicPr>
-            <a:picLocks noChangeAspect="1"/>
-          </p:cNvPicPr>
-          <p:nvPr/>
-        </p:nvPicPr>
-        <p:blipFill>
-          <a:blip r:embed="rId3"/>
-          <a:stretch>
-            <a:fillRect/>
-          </a:stretch>
-        </p:blipFill>
-        <p:spPr>
-          <a:xfrm>
-            <a:off x="952500" y="0"/>
-            <a:ext cx="10287000" cy="6356350"/>
-          </a:xfrm>
-          <a:prstGeom prst="rect">
-            <a:avLst/>
-          </a:prstGeom>
-        </p:spPr>
-      </p:pic>
-      <p:sp>
-        <p:nvSpPr>
-          <p:cNvPr id="29" name="TextBox 28">
-            <a:extLst>
-              <a:ext uri="{FF2B5EF4-FFF2-40B4-BE49-F238E27FC236}">
-                <a16:creationId xmlns:a16="http://schemas.microsoft.com/office/drawing/2014/main" id="{993A9882-C951-B912-1FF9-566A5FD5F323}"/>
-              </a:ext>
-            </a:extLst>
-          </p:cNvPr>
-          <p:cNvSpPr txBox="1"/>
-          <p:nvPr/>
-        </p:nvSpPr>
-        <p:spPr>
-          <a:xfrm>
-            <a:off x="8880613" y="5693973"/>
-            <a:ext cx="1169918" cy="271850"/>
-          </a:xfrm>
-          <a:prstGeom prst="rect">
-            <a:avLst/>
-          </a:prstGeom>
-          <a:noFill/>
-        </p:spPr>
-        <p:txBody>
-          <a:bodyPr wrap="square">
-            <a:spAutoFit/>
-          </a:bodyPr>
-          <a:lstStyle/>
-          <a:p>
-            <a:pPr rtl="0"/>
-            <a:r>
-              <a:rPr lang="es-ES" sz="1100" dirty="0">
-                <a:solidFill>
-                  <a:schemeClr val="accent5"/>
-                </a:solidFill>
-              </a:rPr>
-              <a:t>R</a:t>
-            </a:r>
-            <a:r>
-              <a:rPr lang="es-ES" sz="1100" baseline="30000" dirty="0">
-                <a:solidFill>
-                  <a:schemeClr val="accent5"/>
-                </a:solidFill>
-              </a:rPr>
-              <a:t>2</a:t>
-            </a:r>
-            <a:r>
-              <a:rPr lang="es-ES" sz="1100" dirty="0">
-                <a:solidFill>
-                  <a:schemeClr val="accent5"/>
-                </a:solidFill>
-              </a:rPr>
-              <a:t> = 0.31</a:t>
-            </a:r>
-          </a:p>
-        </p:txBody>
-      </p:sp>
-      <p:sp>
-        <p:nvSpPr>
-          <p:cNvPr id="3" name="Marcador de pie de página 4">
-            <a:extLst>
-              <a:ext uri="{FF2B5EF4-FFF2-40B4-BE49-F238E27FC236}">
-                <a16:creationId xmlns:a16="http://schemas.microsoft.com/office/drawing/2014/main" id="{FB46CFE9-5C97-933E-ADB4-7BF400637106}"/>
-              </a:ext>
-            </a:extLst>
-          </p:cNvPr>
-          <p:cNvSpPr>
-            <a:spLocks noGrp="1"/>
-          </p:cNvSpPr>
-          <p:nvPr>
-            <p:ph type="ftr" sz="quarter" idx="11"/>
-          </p:nvPr>
-        </p:nvSpPr>
-        <p:spPr>
-          <a:xfrm>
-            <a:off x="4356100" y="6490814"/>
-            <a:ext cx="3479800" cy="365125"/>
-          </a:xfrm>
-        </p:spPr>
-        <p:txBody>
-          <a:bodyPr rtlCol="0"/>
-          <a:lstStyle>
-            <a:defPPr>
-              <a:defRPr lang="es-ES"/>
-            </a:defPPr>
-          </a:lstStyle>
-          <a:p>
-            <a:pPr rtl="0"/>
-            <a:r>
-              <a:rPr lang="es-ES" dirty="0"/>
-              <a:t>FORBES HIGHEST PAYING ATHLETES ANALYSIS</a:t>
+              <a:rPr lang="en-US" sz="2800" dirty="0"/>
+              <a:t>Have top athlete earnings increased in real value over the past 30 years?</a:t>
             </a:r>
           </a:p>
         </p:txBody>
@@ -14031,7 +14472,7 @@
     </p:spTree>
     <p:extLst>
       <p:ext uri="{BB962C8B-B14F-4D97-AF65-F5344CB8AC3E}">
-        <p14:creationId xmlns:p14="http://schemas.microsoft.com/office/powerpoint/2010/main" val="2179284411"/>
+        <p14:creationId xmlns:p14="http://schemas.microsoft.com/office/powerpoint/2010/main" val="2150291328"/>
       </p:ext>
     </p:extLst>
   </p:cSld>
@@ -14199,82 +14640,6 @@
       </p:sp>
       <p:sp>
         <p:nvSpPr>
-          <p:cNvPr id="7" name="Marcador de fecha 6">
-            <a:extLst>
-              <a:ext uri="{FF2B5EF4-FFF2-40B4-BE49-F238E27FC236}">
-                <a16:creationId xmlns:a16="http://schemas.microsoft.com/office/drawing/2014/main" id="{B2A46C4A-D036-4440-BB64-6754F4FF27C1}"/>
-              </a:ext>
-            </a:extLst>
-          </p:cNvPr>
-          <p:cNvSpPr>
-            <a:spLocks noGrp="1"/>
-          </p:cNvSpPr>
-          <p:nvPr>
-            <p:ph type="dt" sz="half" idx="10"/>
-          </p:nvPr>
-        </p:nvSpPr>
-        <p:spPr>
-          <a:xfrm>
-            <a:off x="838200" y="6356350"/>
-            <a:ext cx="2743200" cy="365125"/>
-          </a:xfrm>
-        </p:spPr>
-        <p:txBody>
-          <a:bodyPr rtlCol="0"/>
-          <a:lstStyle>
-            <a:defPPr>
-              <a:defRPr lang="es-ES"/>
-            </a:defPPr>
-          </a:lstStyle>
-          <a:p>
-            <a:pPr rtl="0"/>
-            <a:r>
-              <a:rPr lang="es-ES" dirty="0"/>
-              <a:t>20XX</a:t>
-            </a:r>
-          </a:p>
-        </p:txBody>
-      </p:sp>
-      <p:sp>
-        <p:nvSpPr>
-          <p:cNvPr id="8" name="Marcador de pie de página 7">
-            <a:extLst>
-              <a:ext uri="{FF2B5EF4-FFF2-40B4-BE49-F238E27FC236}">
-                <a16:creationId xmlns:a16="http://schemas.microsoft.com/office/drawing/2014/main" id="{905F172A-5D5D-43CD-A187-DA0D303F4144}"/>
-              </a:ext>
-            </a:extLst>
-          </p:cNvPr>
-          <p:cNvSpPr>
-            <a:spLocks noGrp="1"/>
-          </p:cNvSpPr>
-          <p:nvPr>
-            <p:ph type="ftr" sz="quarter" idx="11"/>
-          </p:nvPr>
-        </p:nvSpPr>
-        <p:spPr>
-          <a:xfrm>
-            <a:off x="4038600" y="6356350"/>
-            <a:ext cx="4114800" cy="365125"/>
-          </a:xfrm>
-        </p:spPr>
-        <p:txBody>
-          <a:bodyPr rtlCol="0"/>
-          <a:lstStyle>
-            <a:defPPr>
-              <a:defRPr lang="es-ES"/>
-            </a:defPPr>
-          </a:lstStyle>
-          <a:p>
-            <a:pPr rtl="0"/>
-            <a:r>
-              <a:rPr lang="es-ES" dirty="0"/>
-              <a:t>TÍTULO DE LA PRESENTACIÓN</a:t>
-            </a:r>
-          </a:p>
-        </p:txBody>
-      </p:sp>
-      <p:sp>
-        <p:nvSpPr>
           <p:cNvPr id="9" name="Marcador de número de diapositiva 8">
             <a:extLst>
               <a:ext uri="{FF2B5EF4-FFF2-40B4-BE49-F238E27FC236}">
@@ -14315,10 +14680,10 @@
       </p:sp>
       <p:pic>
         <p:nvPicPr>
-          <p:cNvPr id="5" name="Picture 4" descr="A screen shot of a graph&#10;&#10;Description automatically generated">
-            <a:extLst>
-              <a:ext uri="{FF2B5EF4-FFF2-40B4-BE49-F238E27FC236}">
-                <a16:creationId xmlns:a16="http://schemas.microsoft.com/office/drawing/2014/main" id="{B769AEE4-2F64-6F2C-79B0-EF29FBDD332A}"/>
+          <p:cNvPr id="26" name="Picture 25" descr="A screen shot of a graph&#10;&#10;Description automatically generated">
+            <a:extLst>
+              <a:ext uri="{FF2B5EF4-FFF2-40B4-BE49-F238E27FC236}">
+                <a16:creationId xmlns:a16="http://schemas.microsoft.com/office/drawing/2014/main" id="{BC0C17C4-F1EB-C0F9-F242-781C31EB0F37}"/>
               </a:ext>
             </a:extLst>
           </p:cNvPr>
@@ -14336,7 +14701,7 @@
         <p:spPr>
           <a:xfrm>
             <a:off x="952500" y="0"/>
-            <a:ext cx="10287000" cy="6858000"/>
+            <a:ext cx="10287000" cy="6356350"/>
           </a:xfrm>
           <a:prstGeom prst="rect">
             <a:avLst/>
@@ -14394,7 +14759,45 @@
                   <a:schemeClr val="accent5"/>
                 </a:solidFill>
               </a:rPr>
-              <a:t> = 0.52</a:t>
+              <a:t> = 0.31</a:t>
+            </a:r>
+          </a:p>
+        </p:txBody>
+      </p:sp>
+      <p:sp>
+        <p:nvSpPr>
+          <p:cNvPr id="3" name="Marcador de pie de página 4">
+            <a:extLst>
+              <a:ext uri="{FF2B5EF4-FFF2-40B4-BE49-F238E27FC236}">
+                <a16:creationId xmlns:a16="http://schemas.microsoft.com/office/drawing/2014/main" id="{FB46CFE9-5C97-933E-ADB4-7BF400637106}"/>
+              </a:ext>
+            </a:extLst>
+          </p:cNvPr>
+          <p:cNvSpPr>
+            <a:spLocks noGrp="1"/>
+          </p:cNvSpPr>
+          <p:nvPr>
+            <p:ph type="ftr" sz="quarter" idx="11"/>
+          </p:nvPr>
+        </p:nvSpPr>
+        <p:spPr>
+          <a:xfrm>
+            <a:off x="4356100" y="6490814"/>
+            <a:ext cx="3479800" cy="365125"/>
+          </a:xfrm>
+        </p:spPr>
+        <p:txBody>
+          <a:bodyPr rtlCol="0"/>
+          <a:lstStyle>
+            <a:defPPr>
+              <a:defRPr lang="es-ES"/>
+            </a:defPPr>
+          </a:lstStyle>
+          <a:p>
+            <a:pPr rtl="0"/>
+            <a:r>
+              <a:rPr lang="es-ES" dirty="0"/>
+              <a:t>FORBES HIGHEST PAYING ATHLETES ANALYSIS</a:t>
             </a:r>
           </a:p>
         </p:txBody>
@@ -14402,7 +14805,7 @@
     </p:spTree>
     <p:extLst>
       <p:ext uri="{BB962C8B-B14F-4D97-AF65-F5344CB8AC3E}">
-        <p14:creationId xmlns:p14="http://schemas.microsoft.com/office/powerpoint/2010/main" val="1930365717"/>
+        <p14:creationId xmlns:p14="http://schemas.microsoft.com/office/powerpoint/2010/main" val="2179284411"/>
       </p:ext>
     </p:extLst>
   </p:cSld>
@@ -14686,10 +15089,10 @@
       </p:sp>
       <p:pic>
         <p:nvPicPr>
-          <p:cNvPr id="13" name="Picture 12" descr="A screen shot of a graph&#10;&#10;Description automatically generated">
-            <a:extLst>
-              <a:ext uri="{FF2B5EF4-FFF2-40B4-BE49-F238E27FC236}">
-                <a16:creationId xmlns:a16="http://schemas.microsoft.com/office/drawing/2014/main" id="{E60AB1D9-9C5A-747D-509D-E89744A34532}"/>
+          <p:cNvPr id="5" name="Picture 4" descr="A screen shot of a graph&#10;&#10;Description automatically generated">
+            <a:extLst>
+              <a:ext uri="{FF2B5EF4-FFF2-40B4-BE49-F238E27FC236}">
+                <a16:creationId xmlns:a16="http://schemas.microsoft.com/office/drawing/2014/main" id="{B769AEE4-2F64-6F2C-79B0-EF29FBDD332A}"/>
               </a:ext>
             </a:extLst>
           </p:cNvPr>
@@ -14716,10 +15119,10 @@
       </p:pic>
       <p:sp>
         <p:nvSpPr>
-          <p:cNvPr id="14" name="TextBox 13">
-            <a:extLst>
-              <a:ext uri="{FF2B5EF4-FFF2-40B4-BE49-F238E27FC236}">
-                <a16:creationId xmlns:a16="http://schemas.microsoft.com/office/drawing/2014/main" id="{2BF54F40-9828-0201-78C6-602BD7F2FBF0}"/>
+          <p:cNvPr id="29" name="TextBox 28">
+            <a:extLst>
+              <a:ext uri="{FF2B5EF4-FFF2-40B4-BE49-F238E27FC236}">
+                <a16:creationId xmlns:a16="http://schemas.microsoft.com/office/drawing/2014/main" id="{993A9882-C951-B912-1FF9-566A5FD5F323}"/>
               </a:ext>
             </a:extLst>
           </p:cNvPr>
@@ -14728,7 +15131,7 @@
         </p:nvSpPr>
         <p:spPr>
           <a:xfrm>
-            <a:off x="8880613" y="5803303"/>
+            <a:off x="8880613" y="5693973"/>
             <a:ext cx="1169918" cy="271850"/>
           </a:xfrm>
           <a:prstGeom prst="rect">
@@ -14765,7 +15168,7 @@
                   <a:schemeClr val="accent5"/>
                 </a:solidFill>
               </a:rPr>
-              <a:t> = 0.25</a:t>
+              <a:t> = 0.52</a:t>
             </a:r>
           </a:p>
         </p:txBody>
@@ -14773,7 +15176,7 @@
     </p:spTree>
     <p:extLst>
       <p:ext uri="{BB962C8B-B14F-4D97-AF65-F5344CB8AC3E}">
-        <p14:creationId xmlns:p14="http://schemas.microsoft.com/office/powerpoint/2010/main" val="1417206755"/>
+        <p14:creationId xmlns:p14="http://schemas.microsoft.com/office/powerpoint/2010/main" val="1930365717"/>
       </p:ext>
     </p:extLst>
   </p:cSld>
@@ -14805,7 +15208,7 @@
           <p:cNvPr id="2" name="Título 1">
             <a:extLst>
               <a:ext uri="{FF2B5EF4-FFF2-40B4-BE49-F238E27FC236}">
-                <a16:creationId xmlns:a16="http://schemas.microsoft.com/office/drawing/2014/main" id="{42DD0E59-4C68-4F87-9821-23C69713D980}"/>
+                <a16:creationId xmlns:a16="http://schemas.microsoft.com/office/drawing/2014/main" id="{09140014-73D5-419B-8867-972BB18D52D4}"/>
               </a:ext>
             </a:extLst>
           </p:cNvPr>
@@ -14818,7 +15221,7 @@
         </p:nvSpPr>
         <p:spPr>
           <a:xfrm>
-            <a:off x="1885156" y="892177"/>
+            <a:off x="2933700" y="892177"/>
             <a:ext cx="8421688" cy="1325563"/>
           </a:xfrm>
         </p:spPr>
@@ -14833,35 +15236,37 @@
             <a:pPr rtl="0"/>
             <a:r>
               <a:rPr lang="es-ES" dirty="0"/>
-              <a:t>Conclusions</a:t>
-            </a:r>
-          </a:p>
-        </p:txBody>
-      </p:sp>
-      <p:sp>
-        <p:nvSpPr>
-          <p:cNvPr id="56" name="Marcador de fecha 55">
-            <a:extLst>
-              <a:ext uri="{FF2B5EF4-FFF2-40B4-BE49-F238E27FC236}">
-                <a16:creationId xmlns:a16="http://schemas.microsoft.com/office/drawing/2014/main" id="{B289356A-BDA0-4234-84F2-9F2F25D0D7BD}"/>
-              </a:ext>
-            </a:extLst>
-          </p:cNvPr>
-          <p:cNvSpPr>
-            <a:spLocks noGrp="1"/>
-          </p:cNvSpPr>
-          <p:nvPr>
-            <p:ph type="dt" sz="half" idx="10"/>
-          </p:nvPr>
-        </p:nvSpPr>
-        <p:spPr>
-          <a:xfrm>
-            <a:off x="838200" y="6356350"/>
-            <a:ext cx="2743200" cy="365125"/>
-          </a:xfrm>
-        </p:spPr>
-        <p:txBody>
-          <a:bodyPr rtlCol="0"/>
+              <a:t>ÁREAS DE ENFOQUE</a:t>
+            </a:r>
+          </a:p>
+        </p:txBody>
+      </p:sp>
+      <p:sp>
+        <p:nvSpPr>
+          <p:cNvPr id="4" name="Marcador de contenido 3">
+            <a:extLst>
+              <a:ext uri="{FF2B5EF4-FFF2-40B4-BE49-F238E27FC236}">
+                <a16:creationId xmlns:a16="http://schemas.microsoft.com/office/drawing/2014/main" id="{33D8731E-4977-402E-8BFD-895B4D0544CC}"/>
+              </a:ext>
+            </a:extLst>
+          </p:cNvPr>
+          <p:cNvSpPr>
+            <a:spLocks noGrp="1"/>
+          </p:cNvSpPr>
+          <p:nvPr>
+            <p:ph sz="half" idx="2"/>
+          </p:nvPr>
+        </p:nvSpPr>
+        <p:spPr>
+          <a:xfrm>
+            <a:off x="2933700" y="3834606"/>
+            <a:ext cx="3924300" cy="1997867"/>
+          </a:xfrm>
+        </p:spPr>
+        <p:txBody>
+          <a:bodyPr rtlCol="0">
+            <a:normAutofit/>
+          </a:bodyPr>
           <a:lstStyle>
             <a:defPPr>
               <a:defRPr lang="es-ES"/>
@@ -14871,35 +15276,51 @@
             <a:pPr rtl="0"/>
             <a:r>
               <a:rPr lang="es-ES" dirty="0"/>
-              <a:t>20XX</a:t>
-            </a:r>
-          </a:p>
-        </p:txBody>
-      </p:sp>
-      <p:sp>
-        <p:nvSpPr>
-          <p:cNvPr id="57" name="Marcador de pie de página 56">
-            <a:extLst>
-              <a:ext uri="{FF2B5EF4-FFF2-40B4-BE49-F238E27FC236}">
-                <a16:creationId xmlns:a16="http://schemas.microsoft.com/office/drawing/2014/main" id="{3A38BE84-957B-46B9-A315-4B5064DFF1A1}"/>
-              </a:ext>
-            </a:extLst>
-          </p:cNvPr>
-          <p:cNvSpPr>
-            <a:spLocks noGrp="1"/>
-          </p:cNvSpPr>
-          <p:nvPr>
-            <p:ph type="ftr" sz="quarter" idx="11"/>
-          </p:nvPr>
-        </p:nvSpPr>
-        <p:spPr>
-          <a:xfrm>
-            <a:off x="4038600" y="6356350"/>
-            <a:ext cx="4114800" cy="365125"/>
-          </a:xfrm>
-        </p:spPr>
-        <p:txBody>
-          <a:bodyPr rtlCol="0"/>
+              <a:t>Desarrollar estrategias ganadoras para seguir a la vanguardia de la competencia</a:t>
+            </a:r>
+          </a:p>
+          <a:p>
+            <a:pPr rtl="0"/>
+            <a:r>
+              <a:rPr lang="es-ES" dirty="0"/>
+              <a:t>​Aprovechar los frutos obtenidos para identificar un valor en el terreno de juego</a:t>
+            </a:r>
+          </a:p>
+          <a:p>
+            <a:pPr rtl="0"/>
+            <a:r>
+              <a:rPr lang="es-ES" dirty="0"/>
+              <a:t>​Visualizar la convergencia dirigida al cliente</a:t>
+            </a:r>
+          </a:p>
+        </p:txBody>
+      </p:sp>
+      <p:sp>
+        <p:nvSpPr>
+          <p:cNvPr id="6" name="Marcador de contenido 5">
+            <a:extLst>
+              <a:ext uri="{FF2B5EF4-FFF2-40B4-BE49-F238E27FC236}">
+                <a16:creationId xmlns:a16="http://schemas.microsoft.com/office/drawing/2014/main" id="{50B65871-FA95-449A-B8BC-90486DE532EF}"/>
+              </a:ext>
+            </a:extLst>
+          </p:cNvPr>
+          <p:cNvSpPr>
+            <a:spLocks noGrp="1"/>
+          </p:cNvSpPr>
+          <p:nvPr>
+            <p:ph sz="quarter" idx="4"/>
+          </p:nvPr>
+        </p:nvSpPr>
+        <p:spPr>
+          <a:xfrm>
+            <a:off x="7410173" y="3834606"/>
+            <a:ext cx="3943627" cy="1997867"/>
+          </a:xfrm>
+        </p:spPr>
+        <p:txBody>
+          <a:bodyPr rtlCol="0">
+            <a:normAutofit/>
+          </a:bodyPr>
           <a:lstStyle>
             <a:defPPr>
               <a:defRPr lang="es-ES"/>
@@ -14909,6 +15330,89 @@
             <a:pPr rtl="0"/>
             <a:r>
               <a:rPr lang="es-ES" dirty="0"/>
+              <a:t>Enfoques iterativos para una estrategia corporativa</a:t>
+            </a:r>
+          </a:p>
+          <a:p>
+            <a:pPr rtl="0"/>
+            <a:r>
+              <a:rPr lang="es-ES" dirty="0"/>
+              <a:t>​Establecer un marco de administración desde dentro</a:t>
+            </a:r>
+          </a:p>
+        </p:txBody>
+      </p:sp>
+      <p:sp>
+        <p:nvSpPr>
+          <p:cNvPr id="7" name="Marcador de fecha 6">
+            <a:extLst>
+              <a:ext uri="{FF2B5EF4-FFF2-40B4-BE49-F238E27FC236}">
+                <a16:creationId xmlns:a16="http://schemas.microsoft.com/office/drawing/2014/main" id="{B2A46C4A-D036-4440-BB64-6754F4FF27C1}"/>
+              </a:ext>
+            </a:extLst>
+          </p:cNvPr>
+          <p:cNvSpPr>
+            <a:spLocks noGrp="1"/>
+          </p:cNvSpPr>
+          <p:nvPr>
+            <p:ph type="dt" sz="half" idx="10"/>
+          </p:nvPr>
+        </p:nvSpPr>
+        <p:spPr>
+          <a:xfrm>
+            <a:off x="838200" y="6356350"/>
+            <a:ext cx="2743200" cy="365125"/>
+          </a:xfrm>
+        </p:spPr>
+        <p:txBody>
+          <a:bodyPr rtlCol="0"/>
+          <a:lstStyle>
+            <a:defPPr>
+              <a:defRPr lang="es-ES"/>
+            </a:defPPr>
+          </a:lstStyle>
+          <a:p>
+            <a:pPr rtl="0"/>
+            <a:r>
+              <a:rPr lang="es-ES" dirty="0"/>
+              <a:t>20XX</a:t>
+            </a:r>
+          </a:p>
+        </p:txBody>
+      </p:sp>
+      <p:sp>
+        <p:nvSpPr>
+          <p:cNvPr id="8" name="Marcador de pie de página 7">
+            <a:extLst>
+              <a:ext uri="{FF2B5EF4-FFF2-40B4-BE49-F238E27FC236}">
+                <a16:creationId xmlns:a16="http://schemas.microsoft.com/office/drawing/2014/main" id="{905F172A-5D5D-43CD-A187-DA0D303F4144}"/>
+              </a:ext>
+            </a:extLst>
+          </p:cNvPr>
+          <p:cNvSpPr>
+            <a:spLocks noGrp="1"/>
+          </p:cNvSpPr>
+          <p:nvPr>
+            <p:ph type="ftr" sz="quarter" idx="11"/>
+          </p:nvPr>
+        </p:nvSpPr>
+        <p:spPr>
+          <a:xfrm>
+            <a:off x="4038600" y="6356350"/>
+            <a:ext cx="4114800" cy="365125"/>
+          </a:xfrm>
+        </p:spPr>
+        <p:txBody>
+          <a:bodyPr rtlCol="0"/>
+          <a:lstStyle>
+            <a:defPPr>
+              <a:defRPr lang="es-ES"/>
+            </a:defPPr>
+          </a:lstStyle>
+          <a:p>
+            <a:pPr rtl="0"/>
+            <a:r>
+              <a:rPr lang="es-ES" dirty="0"/>
               <a:t>TÍTULO DE LA PRESENTACIÓN</a:t>
             </a:r>
           </a:p>
@@ -14916,10 +15420,10 @@
       </p:sp>
       <p:sp>
         <p:nvSpPr>
-          <p:cNvPr id="58" name="Marcador de número de diapositiva 57">
-            <a:extLst>
-              <a:ext uri="{FF2B5EF4-FFF2-40B4-BE49-F238E27FC236}">
-                <a16:creationId xmlns:a16="http://schemas.microsoft.com/office/drawing/2014/main" id="{E1900601-8B04-4FF3-B06F-6BEFAC6556D3}"/>
+          <p:cNvPr id="9" name="Marcador de número de diapositiva 8">
+            <a:extLst>
+              <a:ext uri="{FF2B5EF4-FFF2-40B4-BE49-F238E27FC236}">
+                <a16:creationId xmlns:a16="http://schemas.microsoft.com/office/drawing/2014/main" id="{C396FFDC-ADE8-4009-A466-A81787258E88}"/>
               </a:ext>
             </a:extLst>
           </p:cNvPr>
@@ -14954,76 +15458,96 @@
           </a:p>
         </p:txBody>
       </p:sp>
-      <p:sp>
-        <p:nvSpPr>
-          <p:cNvPr id="326" name="Marcador de texto 2">
-            <a:extLst>
-              <a:ext uri="{FF2B5EF4-FFF2-40B4-BE49-F238E27FC236}">
-                <a16:creationId xmlns:a16="http://schemas.microsoft.com/office/drawing/2014/main" id="{7B160DB7-BDF4-9939-C740-26EBBB3E0189}"/>
-              </a:ext>
-            </a:extLst>
-          </p:cNvPr>
-          <p:cNvSpPr>
-            <a:spLocks noGrp="1"/>
-          </p:cNvSpPr>
-          <p:nvPr>
-            <p:ph type="body" idx="1"/>
-          </p:nvPr>
-        </p:nvSpPr>
-        <p:spPr>
-          <a:xfrm>
-            <a:off x="1362074" y="2452812"/>
-            <a:ext cx="9605756" cy="2912564"/>
-          </a:xfrm>
-        </p:spPr>
-        <p:txBody>
-          <a:bodyPr rtlCol="0">
-            <a:normAutofit/>
+      <p:pic>
+        <p:nvPicPr>
+          <p:cNvPr id="13" name="Picture 12" descr="A screen shot of a graph&#10;&#10;Description automatically generated">
+            <a:extLst>
+              <a:ext uri="{FF2B5EF4-FFF2-40B4-BE49-F238E27FC236}">
+                <a16:creationId xmlns:a16="http://schemas.microsoft.com/office/drawing/2014/main" id="{E60AB1D9-9C5A-747D-509D-E89744A34532}"/>
+              </a:ext>
+            </a:extLst>
+          </p:cNvPr>
+          <p:cNvPicPr>
+            <a:picLocks noChangeAspect="1"/>
+          </p:cNvPicPr>
+          <p:nvPr/>
+        </p:nvPicPr>
+        <p:blipFill>
+          <a:blip r:embed="rId3"/>
+          <a:stretch>
+            <a:fillRect/>
+          </a:stretch>
+        </p:blipFill>
+        <p:spPr>
+          <a:xfrm>
+            <a:off x="952500" y="0"/>
+            <a:ext cx="10287000" cy="6858000"/>
+          </a:xfrm>
+          <a:prstGeom prst="rect">
+            <a:avLst/>
+          </a:prstGeom>
+        </p:spPr>
+      </p:pic>
+      <p:sp>
+        <p:nvSpPr>
+          <p:cNvPr id="14" name="TextBox 13">
+            <a:extLst>
+              <a:ext uri="{FF2B5EF4-FFF2-40B4-BE49-F238E27FC236}">
+                <a16:creationId xmlns:a16="http://schemas.microsoft.com/office/drawing/2014/main" id="{2BF54F40-9828-0201-78C6-602BD7F2FBF0}"/>
+              </a:ext>
+            </a:extLst>
+          </p:cNvPr>
+          <p:cNvSpPr txBox="1"/>
+          <p:nvPr/>
+        </p:nvSpPr>
+        <p:spPr>
+          <a:xfrm>
+            <a:off x="8880613" y="5803303"/>
+            <a:ext cx="1169918" cy="271850"/>
+          </a:xfrm>
+          <a:prstGeom prst="rect">
+            <a:avLst/>
+          </a:prstGeom>
+          <a:noFill/>
+        </p:spPr>
+        <p:txBody>
+          <a:bodyPr wrap="square">
+            <a:spAutoFit/>
           </a:bodyPr>
-          <a:lstStyle>
-            <a:defPPr>
-              <a:defRPr lang="es-ES"/>
-            </a:defPPr>
-          </a:lstStyle>
-          <a:p>
-            <a:pPr rtl="0"/>
-            <a:r>
-              <a:rPr lang="es-ES" sz="1400" dirty="0"/>
-              <a:t>There is a positive correlation between year and adjusted earnings, however only 31% of the variability is explained by the linear correlation model.</a:t>
-            </a:r>
-          </a:p>
-          <a:p>
-            <a:pPr rtl="0"/>
-            <a:endParaRPr lang="es-ES" sz="1400" dirty="0"/>
-          </a:p>
-          <a:p>
-            <a:pPr rtl="0"/>
-            <a:r>
-              <a:rPr lang="es-ES" sz="1400" dirty="0"/>
-              <a:t>If we remove the top earner every year, the linear regression explains 52% of the variability.</a:t>
-            </a:r>
-          </a:p>
-          <a:p>
-            <a:pPr rtl="0"/>
-            <a:endParaRPr lang="es-ES" sz="1400" dirty="0"/>
-          </a:p>
-          <a:p>
-            <a:pPr rtl="0"/>
-            <a:r>
-              <a:rPr lang="es-ES" sz="1400" dirty="0"/>
-              <a:t>Top earners positively skew the data</a:t>
-            </a:r>
-          </a:p>
-          <a:p>
-            <a:pPr rtl="0"/>
-            <a:endParaRPr lang="es-ES" sz="1400" dirty="0"/>
+          <a:lstStyle/>
+          <a:p>
+            <a:pPr rtl="0"/>
+            <a:r>
+              <a:rPr lang="es-ES" sz="1100" dirty="0">
+                <a:solidFill>
+                  <a:schemeClr val="accent5"/>
+                </a:solidFill>
+              </a:rPr>
+              <a:t>R</a:t>
+            </a:r>
+            <a:r>
+              <a:rPr lang="es-ES" sz="1100" baseline="30000" dirty="0">
+                <a:solidFill>
+                  <a:schemeClr val="accent5"/>
+                </a:solidFill>
+              </a:rPr>
+              <a:t>2</a:t>
+            </a:r>
+            <a:r>
+              <a:rPr lang="es-ES" sz="1100" dirty="0">
+                <a:solidFill>
+                  <a:schemeClr val="accent5"/>
+                </a:solidFill>
+              </a:rPr>
+              <a:t> = 0.25</a:t>
+            </a:r>
           </a:p>
         </p:txBody>
       </p:sp>
     </p:spTree>
     <p:extLst>
       <p:ext uri="{BB962C8B-B14F-4D97-AF65-F5344CB8AC3E}">
-        <p14:creationId xmlns:p14="http://schemas.microsoft.com/office/powerpoint/2010/main" val="707615222"/>
+        <p14:creationId xmlns:p14="http://schemas.microsoft.com/office/powerpoint/2010/main" val="1417206755"/>
       </p:ext>
     </p:extLst>
   </p:cSld>
@@ -15239,7 +15763,29 @@
             <a:pPr rtl="0"/>
             <a:r>
               <a:rPr lang="es-ES" sz="1400" dirty="0"/>
-              <a:t>ADD CONCLUSIONS HERE</a:t>
+              <a:t>There is a positive correlation between year and adjusted earnings, however only 31% of the variability is explained by the linear correlation model.</a:t>
+            </a:r>
+          </a:p>
+          <a:p>
+            <a:pPr rtl="0"/>
+            <a:endParaRPr lang="es-ES" sz="1400" dirty="0"/>
+          </a:p>
+          <a:p>
+            <a:pPr rtl="0"/>
+            <a:r>
+              <a:rPr lang="es-ES" sz="1400" dirty="0"/>
+              <a:t>If we remove the top earner every year, the linear regression explains 52% of the variability.</a:t>
+            </a:r>
+          </a:p>
+          <a:p>
+            <a:pPr rtl="0"/>
+            <a:endParaRPr lang="es-ES" sz="1400" dirty="0"/>
+          </a:p>
+          <a:p>
+            <a:pPr rtl="0"/>
+            <a:r>
+              <a:rPr lang="es-ES" sz="1400" dirty="0"/>
+              <a:t>Top earners positively skew the data</a:t>
             </a:r>
           </a:p>
           <a:p>
@@ -15251,7 +15797,7 @@
     </p:spTree>
     <p:extLst>
       <p:ext uri="{BB962C8B-B14F-4D97-AF65-F5344CB8AC3E}">
-        <p14:creationId xmlns:p14="http://schemas.microsoft.com/office/powerpoint/2010/main" val="1007431861"/>
+        <p14:creationId xmlns:p14="http://schemas.microsoft.com/office/powerpoint/2010/main" val="707615222"/>
       </p:ext>
     </p:extLst>
   </p:cSld>
@@ -19031,15 +19577,6 @@
 </file>
 
 <file path=customXml/item1.xml><?xml version="1.0" encoding="utf-8"?>
-<?mso-contentType ?>
-<FormTemplates xmlns="http://schemas.microsoft.com/sharepoint/v3/contenttype/forms">
-  <Display>DocumentLibraryForm</Display>
-  <Edit>DocumentLibraryForm</Edit>
-  <New>DocumentLibraryForm</New>
-</FormTemplates>
-</file>
-
-<file path=customXml/item2.xml><?xml version="1.0" encoding="utf-8"?>
 <ct:contentTypeSchema xmlns:ct="http://schemas.microsoft.com/office/2006/metadata/contentType" xmlns:ma="http://schemas.microsoft.com/office/2006/metadata/properties/metaAttributes" ct:_="" ma:_="" ma:contentTypeName="Document" ma:contentTypeID="0x01010079F111ED35F8CC479449609E8A0923A6" ma:contentTypeVersion="20" ma:contentTypeDescription="Create a new document." ma:contentTypeScope="" ma:versionID="1267097ee5f5874adfcc408041ae252e">
   <xsd:schema xmlns:xsd="http://www.w3.org/2001/XMLSchema" xmlns:xs="http://www.w3.org/2001/XMLSchema" xmlns:p="http://schemas.microsoft.com/office/2006/metadata/properties" xmlns:ns1="http://schemas.microsoft.com/sharepoint/v3" xmlns:ns2="71af3243-3dd4-4a8d-8c0d-dd76da1f02a5" xmlns:ns3="16c05727-aa75-4e4a-9b5f-8a80a1165891" xmlns:ns4="230e9df3-be65-4c73-a93b-d1236ebd677e" targetNamespace="http://schemas.microsoft.com/office/2006/metadata/properties" ma:root="true" ma:fieldsID="395891a93df65b14727750f2c06c306c" ns1:_="" ns2:_="" ns3:_="" ns4:_="">
     <xsd:import namespace="http://schemas.microsoft.com/sharepoint/v3"/>
@@ -19315,6 +19852,15 @@
 </ct:contentTypeSchema>
 </file>
 
+<file path=customXml/item2.xml><?xml version="1.0" encoding="utf-8"?>
+<?mso-contentType ?>
+<FormTemplates xmlns="http://schemas.microsoft.com/sharepoint/v3/contenttype/forms">
+  <Display>DocumentLibraryForm</Display>
+  <Edit>DocumentLibraryForm</Edit>
+  <New>DocumentLibraryForm</New>
+</FormTemplates>
+</file>
+
 <file path=customXml/item3.xml><?xml version="1.0" encoding="utf-8"?>
 <p:properties xmlns:p="http://schemas.microsoft.com/office/2006/metadata/properties" xmlns:xsi="http://www.w3.org/2001/XMLSchema-instance" xmlns:pc="http://schemas.microsoft.com/office/infopath/2007/PartnerControls">
   <documentManagement>
@@ -19335,14 +19881,6 @@
 </file>
 
 <file path=customXml/itemProps1.xml><?xml version="1.0" encoding="utf-8"?>
-<ds:datastoreItem xmlns:ds="http://schemas.openxmlformats.org/officeDocument/2006/customXml" ds:itemID="{0FD6FE22-81A0-4500-AFD0-342D21BB9A2C}">
-  <ds:schemaRefs>
-    <ds:schemaRef ds:uri="http://schemas.microsoft.com/sharepoint/v3/contenttype/forms"/>
-  </ds:schemaRefs>
-</ds:datastoreItem>
-</file>
-
-<file path=customXml/itemProps2.xml><?xml version="1.0" encoding="utf-8"?>
 <ds:datastoreItem xmlns:ds="http://schemas.openxmlformats.org/officeDocument/2006/customXml" ds:itemID="{CC96B61E-1B64-430F-934F-7D1B90028029}">
   <ds:schemaRefs>
     <ds:schemaRef ds:uri="http://schemas.microsoft.com/office/2006/metadata/contentType"/>
@@ -19359,6 +19897,14 @@
     <ds:schemaRef ds:uri="http://purl.org/dc/elements/1.1/"/>
     <ds:schemaRef ds:uri="http://purl.org/dc/terms/"/>
     <ds:schemaRef ds:uri="http://schemas.microsoft.com/internal/obd"/>
+  </ds:schemaRefs>
+</ds:datastoreItem>
+</file>
+
+<file path=customXml/itemProps2.xml><?xml version="1.0" encoding="utf-8"?>
+<ds:datastoreItem xmlns:ds="http://schemas.openxmlformats.org/officeDocument/2006/customXml" ds:itemID="{0FD6FE22-81A0-4500-AFD0-342D21BB9A2C}">
+  <ds:schemaRefs>
+    <ds:schemaRef ds:uri="http://schemas.microsoft.com/sharepoint/v3/contenttype/forms"/>
   </ds:schemaRefs>
 </ds:datastoreItem>
 </file>

--- a/Highest paying athletes.pptx
+++ b/Highest paying athletes.pptx
@@ -17,22 +17,22 @@
     <p:sldId id="262" r:id="rId8"/>
     <p:sldId id="276" r:id="rId9"/>
     <p:sldId id="277" r:id="rId10"/>
-    <p:sldId id="281" r:id="rId11"/>
-    <p:sldId id="288" r:id="rId12"/>
-    <p:sldId id="279" r:id="rId13"/>
-    <p:sldId id="260" r:id="rId14"/>
-    <p:sldId id="287" r:id="rId15"/>
-    <p:sldId id="280" r:id="rId16"/>
-    <p:sldId id="272" r:id="rId17"/>
-    <p:sldId id="283" r:id="rId18"/>
-    <p:sldId id="273" r:id="rId19"/>
-    <p:sldId id="282" r:id="rId20"/>
-    <p:sldId id="284" r:id="rId21"/>
-    <p:sldId id="275" r:id="rId22"/>
-    <p:sldId id="270" r:id="rId23"/>
-    <p:sldId id="285" r:id="rId24"/>
-    <p:sldId id="286" r:id="rId25"/>
-    <p:sldId id="266" r:id="rId26"/>
+    <p:sldId id="279" r:id="rId11"/>
+    <p:sldId id="260" r:id="rId12"/>
+    <p:sldId id="280" r:id="rId13"/>
+    <p:sldId id="272" r:id="rId14"/>
+    <p:sldId id="283" r:id="rId15"/>
+    <p:sldId id="282" r:id="rId16"/>
+    <p:sldId id="273" r:id="rId17"/>
+    <p:sldId id="285" r:id="rId18"/>
+    <p:sldId id="281" r:id="rId19"/>
+    <p:sldId id="275" r:id="rId20"/>
+    <p:sldId id="270" r:id="rId21"/>
+    <p:sldId id="284" r:id="rId22"/>
+    <p:sldId id="288" r:id="rId23"/>
+    <p:sldId id="286" r:id="rId24"/>
+    <p:sldId id="266" r:id="rId25"/>
+    <p:sldId id="287" r:id="rId26"/>
     <p:sldId id="271" r:id="rId27"/>
   </p:sldIdLst>
   <p:sldSz cx="12192000" cy="6858000"/>
@@ -2145,7 +2145,7 @@
     </p:spTree>
     <p:extLst>
       <p:ext uri="{BB962C8B-B14F-4D97-AF65-F5344CB8AC3E}">
-        <p14:creationId xmlns:p14="http://schemas.microsoft.com/office/powerpoint/2010/main" val="1252516763"/>
+        <p14:creationId xmlns:p14="http://schemas.microsoft.com/office/powerpoint/2010/main" val="1508356871"/>
       </p:ext>
     </p:extLst>
   </p:cSld>
@@ -2230,7 +2230,7 @@
     </p:spTree>
     <p:extLst>
       <p:ext uri="{BB962C8B-B14F-4D97-AF65-F5344CB8AC3E}">
-        <p14:creationId xmlns:p14="http://schemas.microsoft.com/office/powerpoint/2010/main" val="2572684225"/>
+        <p14:creationId xmlns:p14="http://schemas.microsoft.com/office/powerpoint/2010/main" val="1861511553"/>
       </p:ext>
     </p:extLst>
   </p:cSld>
@@ -2315,7 +2315,7 @@
     </p:spTree>
     <p:extLst>
       <p:ext uri="{BB962C8B-B14F-4D97-AF65-F5344CB8AC3E}">
-        <p14:creationId xmlns:p14="http://schemas.microsoft.com/office/powerpoint/2010/main" val="4064346090"/>
+        <p14:creationId xmlns:p14="http://schemas.microsoft.com/office/powerpoint/2010/main" val="3695295266"/>
       </p:ext>
     </p:extLst>
   </p:cSld>
@@ -2400,7 +2400,7 @@
     </p:spTree>
     <p:extLst>
       <p:ext uri="{BB962C8B-B14F-4D97-AF65-F5344CB8AC3E}">
-        <p14:creationId xmlns:p14="http://schemas.microsoft.com/office/powerpoint/2010/main" val="1508356871"/>
+        <p14:creationId xmlns:p14="http://schemas.microsoft.com/office/powerpoint/2010/main" val="2482573018"/>
       </p:ext>
     </p:extLst>
   </p:cSld>
@@ -2485,7 +2485,7 @@
     </p:spTree>
     <p:extLst>
       <p:ext uri="{BB962C8B-B14F-4D97-AF65-F5344CB8AC3E}">
-        <p14:creationId xmlns:p14="http://schemas.microsoft.com/office/powerpoint/2010/main" val="1861511553"/>
+        <p14:creationId xmlns:p14="http://schemas.microsoft.com/office/powerpoint/2010/main" val="2230030803"/>
       </p:ext>
     </p:extLst>
   </p:cSld>
@@ -2570,7 +2570,7 @@
     </p:spTree>
     <p:extLst>
       <p:ext uri="{BB962C8B-B14F-4D97-AF65-F5344CB8AC3E}">
-        <p14:creationId xmlns:p14="http://schemas.microsoft.com/office/powerpoint/2010/main" val="2482573018"/>
+        <p14:creationId xmlns:p14="http://schemas.microsoft.com/office/powerpoint/2010/main" val="2875452572"/>
       </p:ext>
     </p:extLst>
   </p:cSld>
@@ -2655,7 +2655,7 @@
     </p:spTree>
     <p:extLst>
       <p:ext uri="{BB962C8B-B14F-4D97-AF65-F5344CB8AC3E}">
-        <p14:creationId xmlns:p14="http://schemas.microsoft.com/office/powerpoint/2010/main" val="3695295266"/>
+        <p14:creationId xmlns:p14="http://schemas.microsoft.com/office/powerpoint/2010/main" val="3072382898"/>
       </p:ext>
     </p:extLst>
   </p:cSld>
@@ -2740,7 +2740,7 @@
     </p:spTree>
     <p:extLst>
       <p:ext uri="{BB962C8B-B14F-4D97-AF65-F5344CB8AC3E}">
-        <p14:creationId xmlns:p14="http://schemas.microsoft.com/office/powerpoint/2010/main" val="744345855"/>
+        <p14:creationId xmlns:p14="http://schemas.microsoft.com/office/powerpoint/2010/main" val="2482224959"/>
       </p:ext>
     </p:extLst>
   </p:cSld>
@@ -2825,7 +2825,7 @@
     </p:spTree>
     <p:extLst>
       <p:ext uri="{BB962C8B-B14F-4D97-AF65-F5344CB8AC3E}">
-        <p14:creationId xmlns:p14="http://schemas.microsoft.com/office/powerpoint/2010/main" val="3072382898"/>
+        <p14:creationId xmlns:p14="http://schemas.microsoft.com/office/powerpoint/2010/main" val="744345855"/>
       </p:ext>
     </p:extLst>
   </p:cSld>
@@ -2910,7 +2910,7 @@
     </p:spTree>
     <p:extLst>
       <p:ext uri="{BB962C8B-B14F-4D97-AF65-F5344CB8AC3E}">
-        <p14:creationId xmlns:p14="http://schemas.microsoft.com/office/powerpoint/2010/main" val="2482224959"/>
+        <p14:creationId xmlns:p14="http://schemas.microsoft.com/office/powerpoint/2010/main" val="4070786815"/>
       </p:ext>
     </p:extLst>
   </p:cSld>
@@ -3080,7 +3080,7 @@
     </p:spTree>
     <p:extLst>
       <p:ext uri="{BB962C8B-B14F-4D97-AF65-F5344CB8AC3E}">
-        <p14:creationId xmlns:p14="http://schemas.microsoft.com/office/powerpoint/2010/main" val="2230030803"/>
+        <p14:creationId xmlns:p14="http://schemas.microsoft.com/office/powerpoint/2010/main" val="324268012"/>
       </p:ext>
     </p:extLst>
   </p:cSld>
@@ -3165,7 +3165,7 @@
     </p:spTree>
     <p:extLst>
       <p:ext uri="{BB962C8B-B14F-4D97-AF65-F5344CB8AC3E}">
-        <p14:creationId xmlns:p14="http://schemas.microsoft.com/office/powerpoint/2010/main" val="324268012"/>
+        <p14:creationId xmlns:p14="http://schemas.microsoft.com/office/powerpoint/2010/main" val="954942207"/>
       </p:ext>
     </p:extLst>
   </p:cSld>
@@ -3250,7 +3250,7 @@
     </p:spTree>
     <p:extLst>
       <p:ext uri="{BB962C8B-B14F-4D97-AF65-F5344CB8AC3E}">
-        <p14:creationId xmlns:p14="http://schemas.microsoft.com/office/powerpoint/2010/main" val="954942207"/>
+        <p14:creationId xmlns:p14="http://schemas.microsoft.com/office/powerpoint/2010/main" val="2572684225"/>
       </p:ext>
     </p:extLst>
   </p:cSld>
@@ -3760,7 +3760,7 @@
     </p:spTree>
     <p:extLst>
       <p:ext uri="{BB962C8B-B14F-4D97-AF65-F5344CB8AC3E}">
-        <p14:creationId xmlns:p14="http://schemas.microsoft.com/office/powerpoint/2010/main" val="2875452572"/>
+        <p14:creationId xmlns:p14="http://schemas.microsoft.com/office/powerpoint/2010/main" val="3648304064"/>
       </p:ext>
     </p:extLst>
   </p:cSld>
@@ -3845,7 +3845,7 @@
     </p:spTree>
     <p:extLst>
       <p:ext uri="{BB962C8B-B14F-4D97-AF65-F5344CB8AC3E}">
-        <p14:creationId xmlns:p14="http://schemas.microsoft.com/office/powerpoint/2010/main" val="4070786815"/>
+        <p14:creationId xmlns:p14="http://schemas.microsoft.com/office/powerpoint/2010/main" val="1252516763"/>
       </p:ext>
     </p:extLst>
   </p:cSld>
@@ -3930,7 +3930,7 @@
     </p:spTree>
     <p:extLst>
       <p:ext uri="{BB962C8B-B14F-4D97-AF65-F5344CB8AC3E}">
-        <p14:creationId xmlns:p14="http://schemas.microsoft.com/office/powerpoint/2010/main" val="3648304064"/>
+        <p14:creationId xmlns:p14="http://schemas.microsoft.com/office/powerpoint/2010/main" val="4064346090"/>
       </p:ext>
     </p:extLst>
   </p:cSld>
@@ -13121,44 +13121,6 @@
       </p:sp>
       <p:sp>
         <p:nvSpPr>
-          <p:cNvPr id="5" name="Marcador de texto 4">
-            <a:extLst>
-              <a:ext uri="{FF2B5EF4-FFF2-40B4-BE49-F238E27FC236}">
-                <a16:creationId xmlns:a16="http://schemas.microsoft.com/office/drawing/2014/main" id="{91CDEC5F-B8EE-4BC1-843F-13135E6E7AB2}"/>
-              </a:ext>
-            </a:extLst>
-          </p:cNvPr>
-          <p:cNvSpPr>
-            <a:spLocks noGrp="1"/>
-          </p:cNvSpPr>
-          <p:nvPr>
-            <p:ph type="body" sz="quarter" idx="3"/>
-          </p:nvPr>
-        </p:nvSpPr>
-        <p:spPr>
-          <a:xfrm>
-            <a:off x="7410173" y="2776936"/>
-            <a:ext cx="3943627" cy="823912"/>
-          </a:xfrm>
-        </p:spPr>
-        <p:txBody>
-          <a:bodyPr rtlCol="0"/>
-          <a:lstStyle>
-            <a:defPPr>
-              <a:defRPr lang="es-ES"/>
-            </a:defPPr>
-          </a:lstStyle>
-          <a:p>
-            <a:pPr rtl="0"/>
-            <a:r>
-              <a:rPr lang="es-ES" dirty="0"/>
-              <a:t>OPORTUNIDADES BASADAS EN LA NUBE</a:t>
-            </a:r>
-          </a:p>
-        </p:txBody>
-      </p:sp>
-      <p:sp>
-        <p:nvSpPr>
           <p:cNvPr id="6" name="Marcador de contenido 5">
             <a:extLst>
               <a:ext uri="{FF2B5EF4-FFF2-40B4-BE49-F238E27FC236}">
@@ -13246,10 +13208,10 @@
       </p:sp>
       <p:pic>
         <p:nvPicPr>
-          <p:cNvPr id="29" name="Picture 28" descr="A screen shot of a computer&#10;&#10;Description automatically generated">
-            <a:extLst>
-              <a:ext uri="{FF2B5EF4-FFF2-40B4-BE49-F238E27FC236}">
-                <a16:creationId xmlns:a16="http://schemas.microsoft.com/office/drawing/2014/main" id="{032BEF06-BB08-6610-6B5F-24DC94B929B8}"/>
+          <p:cNvPr id="26" name="Picture 25" descr="A screen shot of a graph&#10;&#10;Description automatically generated">
+            <a:extLst>
+              <a:ext uri="{FF2B5EF4-FFF2-40B4-BE49-F238E27FC236}">
+                <a16:creationId xmlns:a16="http://schemas.microsoft.com/office/drawing/2014/main" id="{BC0C17C4-F1EB-C0F9-F242-781C31EB0F37}"/>
               </a:ext>
             </a:extLst>
           </p:cNvPr>
@@ -13266,8 +13228,8 @@
         </p:blipFill>
         <p:spPr>
           <a:xfrm>
-            <a:off x="313083" y="136525"/>
-            <a:ext cx="12192000" cy="6502401"/>
+            <a:off x="952500" y="0"/>
+            <a:ext cx="10287000" cy="6356350"/>
           </a:xfrm>
           <a:prstGeom prst="rect">
             <a:avLst/>
@@ -13276,10 +13238,66 @@
       </p:pic>
       <p:sp>
         <p:nvSpPr>
+          <p:cNvPr id="29" name="TextBox 28">
+            <a:extLst>
+              <a:ext uri="{FF2B5EF4-FFF2-40B4-BE49-F238E27FC236}">
+                <a16:creationId xmlns:a16="http://schemas.microsoft.com/office/drawing/2014/main" id="{993A9882-C951-B912-1FF9-566A5FD5F323}"/>
+              </a:ext>
+            </a:extLst>
+          </p:cNvPr>
+          <p:cNvSpPr txBox="1"/>
+          <p:nvPr/>
+        </p:nvSpPr>
+        <p:spPr>
+          <a:xfrm>
+            <a:off x="8839200" y="5316021"/>
+            <a:ext cx="1169918" cy="271850"/>
+          </a:xfrm>
+          <a:prstGeom prst="rect">
+            <a:avLst/>
+          </a:prstGeom>
+          <a:noFill/>
+        </p:spPr>
+        <p:txBody>
+          <a:bodyPr wrap="square">
+            <a:spAutoFit/>
+          </a:bodyPr>
+          <a:lstStyle/>
+          <a:p>
+            <a:pPr rtl="0"/>
+            <a:r>
+              <a:rPr lang="es-ES" sz="1100" dirty="0">
+                <a:solidFill>
+                  <a:schemeClr val="accent5"/>
+                </a:solidFill>
+              </a:rPr>
+              <a:t>R</a:t>
+            </a:r>
+            <a:r>
+              <a:rPr lang="es-ES" sz="1100" baseline="30000" dirty="0">
+                <a:solidFill>
+                  <a:schemeClr val="accent5"/>
+                </a:solidFill>
+              </a:rPr>
+              <a:t>2</a:t>
+            </a:r>
+            <a:r>
+              <a:rPr lang="es-ES" sz="1100" dirty="0">
+                <a:solidFill>
+                  <a:schemeClr val="accent5"/>
+                </a:solidFill>
+              </a:rPr>
+              <a:t> = 0.31</a:t>
+            </a:r>
+          </a:p>
+        </p:txBody>
+      </p:sp>
+      <p:sp>
+        <p:nvSpPr>
           <p:cNvPr id="3" name="Marcador de pie de página 4">
             <a:extLst>
               <a:ext uri="{FF2B5EF4-FFF2-40B4-BE49-F238E27FC236}">
-                <a16:creationId xmlns:a16="http://schemas.microsoft.com/office/drawing/2014/main" id="{7FB34D83-F248-FC04-631F-5DC3004200F9}"/>
+                <a16:creationId xmlns:a16="http://schemas.microsoft.com/office/drawing/2014/main" id="{FB46CFE9-5C97-933E-ADB4-7BF400637106}"/>
               </a:ext>
             </a:extLst>
           </p:cNvPr>
@@ -13292,7 +13310,7 @@
         </p:nvSpPr>
         <p:spPr>
           <a:xfrm>
-            <a:off x="2463800" y="6356350"/>
+            <a:off x="4356100" y="6490814"/>
             <a:ext cx="3479800" cy="365125"/>
           </a:xfrm>
         </p:spPr>
@@ -13315,7 +13333,7 @@
     </p:spTree>
     <p:extLst>
       <p:ext uri="{BB962C8B-B14F-4D97-AF65-F5344CB8AC3E}">
-        <p14:creationId xmlns:p14="http://schemas.microsoft.com/office/powerpoint/2010/main" val="1663780162"/>
+        <p14:creationId xmlns:p14="http://schemas.microsoft.com/office/powerpoint/2010/main" val="2179284411"/>
       </p:ext>
     </p:extLst>
   </p:cSld>
@@ -13436,28 +13454,30 @@
       </p:sp>
       <p:sp>
         <p:nvSpPr>
-          <p:cNvPr id="5" name="Marcador de texto 4">
-            <a:extLst>
-              <a:ext uri="{FF2B5EF4-FFF2-40B4-BE49-F238E27FC236}">
-                <a16:creationId xmlns:a16="http://schemas.microsoft.com/office/drawing/2014/main" id="{91CDEC5F-B8EE-4BC1-843F-13135E6E7AB2}"/>
-              </a:ext>
-            </a:extLst>
-          </p:cNvPr>
-          <p:cNvSpPr>
-            <a:spLocks noGrp="1"/>
-          </p:cNvSpPr>
-          <p:nvPr>
-            <p:ph type="body" sz="quarter" idx="3"/>
-          </p:nvPr>
-        </p:nvSpPr>
-        <p:spPr>
-          <a:xfrm>
-            <a:off x="7410173" y="2776936"/>
-            <a:ext cx="3943627" cy="823912"/>
-          </a:xfrm>
-        </p:spPr>
-        <p:txBody>
-          <a:bodyPr rtlCol="0"/>
+          <p:cNvPr id="6" name="Marcador de contenido 5">
+            <a:extLst>
+              <a:ext uri="{FF2B5EF4-FFF2-40B4-BE49-F238E27FC236}">
+                <a16:creationId xmlns:a16="http://schemas.microsoft.com/office/drawing/2014/main" id="{50B65871-FA95-449A-B8BC-90486DE532EF}"/>
+              </a:ext>
+            </a:extLst>
+          </p:cNvPr>
+          <p:cNvSpPr>
+            <a:spLocks noGrp="1"/>
+          </p:cNvSpPr>
+          <p:nvPr>
+            <p:ph sz="quarter" idx="4"/>
+          </p:nvPr>
+        </p:nvSpPr>
+        <p:spPr>
+          <a:xfrm>
+            <a:off x="7410173" y="3834606"/>
+            <a:ext cx="3943627" cy="1997867"/>
+          </a:xfrm>
+        </p:spPr>
+        <p:txBody>
+          <a:bodyPr rtlCol="0">
+            <a:normAutofit/>
+          </a:bodyPr>
           <a:lstStyle>
             <a:defPPr>
               <a:defRPr lang="es-ES"/>
@@ -13467,37 +13487,42 @@
             <a:pPr rtl="0"/>
             <a:r>
               <a:rPr lang="es-ES" dirty="0"/>
-              <a:t>OPORTUNIDADES BASADAS EN LA NUBE</a:t>
-            </a:r>
-          </a:p>
-        </p:txBody>
-      </p:sp>
-      <p:sp>
-        <p:nvSpPr>
-          <p:cNvPr id="6" name="Marcador de contenido 5">
-            <a:extLst>
-              <a:ext uri="{FF2B5EF4-FFF2-40B4-BE49-F238E27FC236}">
-                <a16:creationId xmlns:a16="http://schemas.microsoft.com/office/drawing/2014/main" id="{50B65871-FA95-449A-B8BC-90486DE532EF}"/>
-              </a:ext>
-            </a:extLst>
-          </p:cNvPr>
-          <p:cNvSpPr>
-            <a:spLocks noGrp="1"/>
-          </p:cNvSpPr>
-          <p:nvPr>
-            <p:ph sz="quarter" idx="4"/>
-          </p:nvPr>
-        </p:nvSpPr>
-        <p:spPr>
-          <a:xfrm>
-            <a:off x="7410173" y="3834606"/>
-            <a:ext cx="3943627" cy="1997867"/>
-          </a:xfrm>
-        </p:spPr>
-        <p:txBody>
-          <a:bodyPr rtlCol="0">
-            <a:normAutofit/>
-          </a:bodyPr>
+              <a:t>Enfoques iterativos para una estrategia corporativa</a:t>
+            </a:r>
+          </a:p>
+          <a:p>
+            <a:pPr rtl="0"/>
+            <a:r>
+              <a:rPr lang="es-ES" dirty="0"/>
+              <a:t>​Establecer un marco de administración desde dentro</a:t>
+            </a:r>
+          </a:p>
+        </p:txBody>
+      </p:sp>
+      <p:sp>
+        <p:nvSpPr>
+          <p:cNvPr id="7" name="Marcador de fecha 6">
+            <a:extLst>
+              <a:ext uri="{FF2B5EF4-FFF2-40B4-BE49-F238E27FC236}">
+                <a16:creationId xmlns:a16="http://schemas.microsoft.com/office/drawing/2014/main" id="{B2A46C4A-D036-4440-BB64-6754F4FF27C1}"/>
+              </a:ext>
+            </a:extLst>
+          </p:cNvPr>
+          <p:cNvSpPr>
+            <a:spLocks noGrp="1"/>
+          </p:cNvSpPr>
+          <p:nvPr>
+            <p:ph type="dt" sz="half" idx="10"/>
+          </p:nvPr>
+        </p:nvSpPr>
+        <p:spPr>
+          <a:xfrm>
+            <a:off x="838200" y="6356350"/>
+            <a:ext cx="2743200" cy="365125"/>
+          </a:xfrm>
+        </p:spPr>
+        <p:txBody>
+          <a:bodyPr rtlCol="0"/>
           <a:lstStyle>
             <a:defPPr>
               <a:defRPr lang="es-ES"/>
@@ -13507,14 +13532,45 @@
             <a:pPr rtl="0"/>
             <a:r>
               <a:rPr lang="es-ES" dirty="0"/>
-              <a:t>Enfoques iterativos para una estrategia corporativa</a:t>
-            </a:r>
-          </a:p>
+              <a:t>20XX</a:t>
+            </a:r>
+          </a:p>
+        </p:txBody>
+      </p:sp>
+      <p:sp>
+        <p:nvSpPr>
+          <p:cNvPr id="8" name="Marcador de pie de página 7">
+            <a:extLst>
+              <a:ext uri="{FF2B5EF4-FFF2-40B4-BE49-F238E27FC236}">
+                <a16:creationId xmlns:a16="http://schemas.microsoft.com/office/drawing/2014/main" id="{905F172A-5D5D-43CD-A187-DA0D303F4144}"/>
+              </a:ext>
+            </a:extLst>
+          </p:cNvPr>
+          <p:cNvSpPr>
+            <a:spLocks noGrp="1"/>
+          </p:cNvSpPr>
+          <p:nvPr>
+            <p:ph type="ftr" sz="quarter" idx="11"/>
+          </p:nvPr>
+        </p:nvSpPr>
+        <p:spPr>
+          <a:xfrm>
+            <a:off x="4038600" y="6356350"/>
+            <a:ext cx="4114800" cy="365125"/>
+          </a:xfrm>
+        </p:spPr>
+        <p:txBody>
+          <a:bodyPr rtlCol="0"/>
+          <a:lstStyle>
+            <a:defPPr>
+              <a:defRPr lang="es-ES"/>
+            </a:defPPr>
+          </a:lstStyle>
           <a:p>
             <a:pPr rtl="0"/>
             <a:r>
               <a:rPr lang="es-ES" dirty="0"/>
-              <a:t>​Establecer un marco de administración desde dentro</a:t>
+              <a:t>TÍTULO DE LA PRESENTACIÓN</a:t>
             </a:r>
           </a:p>
         </p:txBody>
@@ -13559,50 +13615,12 @@
           </a:p>
         </p:txBody>
       </p:sp>
-      <p:sp>
-        <p:nvSpPr>
-          <p:cNvPr id="15" name="Marcador de pie de página 4">
-            <a:extLst>
-              <a:ext uri="{FF2B5EF4-FFF2-40B4-BE49-F238E27FC236}">
-                <a16:creationId xmlns:a16="http://schemas.microsoft.com/office/drawing/2014/main" id="{D03417DB-B8B1-A6C2-EC39-D9E06005B059}"/>
-              </a:ext>
-            </a:extLst>
-          </p:cNvPr>
-          <p:cNvSpPr>
-            <a:spLocks noGrp="1"/>
-          </p:cNvSpPr>
-          <p:nvPr>
-            <p:ph type="ftr" sz="quarter" idx="11"/>
-          </p:nvPr>
-        </p:nvSpPr>
-        <p:spPr>
-          <a:xfrm>
-            <a:off x="2463800" y="6356350"/>
-            <a:ext cx="3479800" cy="365125"/>
-          </a:xfrm>
-        </p:spPr>
-        <p:txBody>
-          <a:bodyPr rtlCol="0"/>
-          <a:lstStyle>
-            <a:defPPr>
-              <a:defRPr lang="es-ES"/>
-            </a:defPPr>
-          </a:lstStyle>
-          <a:p>
-            <a:pPr rtl="0"/>
-            <a:r>
-              <a:rPr lang="es-ES" dirty="0"/>
-              <a:t>FORBES HIGHEST PAYING ATHLETES ANALYSIS</a:t>
-            </a:r>
-          </a:p>
-        </p:txBody>
-      </p:sp>
       <p:pic>
         <p:nvPicPr>
-          <p:cNvPr id="19" name="Picture 18">
-            <a:extLst>
-              <a:ext uri="{FF2B5EF4-FFF2-40B4-BE49-F238E27FC236}">
-                <a16:creationId xmlns:a16="http://schemas.microsoft.com/office/drawing/2014/main" id="{107FBD5C-404A-8952-57AD-16E7D834AE5E}"/>
+          <p:cNvPr id="5" name="Picture 4" descr="A screen shot of a graph&#10;&#10;Description automatically generated">
+            <a:extLst>
+              <a:ext uri="{FF2B5EF4-FFF2-40B4-BE49-F238E27FC236}">
+                <a16:creationId xmlns:a16="http://schemas.microsoft.com/office/drawing/2014/main" id="{B769AEE4-2F64-6F2C-79B0-EF29FBDD332A}"/>
               </a:ext>
             </a:extLst>
           </p:cNvPr>
@@ -13619,18 +13637,74 @@
         </p:blipFill>
         <p:spPr>
           <a:xfrm>
-            <a:off x="0" y="177799"/>
-            <a:ext cx="12192000" cy="6502401"/>
+            <a:off x="952500" y="0"/>
+            <a:ext cx="10287000" cy="6858000"/>
           </a:xfrm>
           <a:prstGeom prst="rect">
             <a:avLst/>
           </a:prstGeom>
         </p:spPr>
       </p:pic>
+      <p:sp>
+        <p:nvSpPr>
+          <p:cNvPr id="29" name="TextBox 28">
+            <a:extLst>
+              <a:ext uri="{FF2B5EF4-FFF2-40B4-BE49-F238E27FC236}">
+                <a16:creationId xmlns:a16="http://schemas.microsoft.com/office/drawing/2014/main" id="{993A9882-C951-B912-1FF9-566A5FD5F323}"/>
+              </a:ext>
+            </a:extLst>
+          </p:cNvPr>
+          <p:cNvSpPr txBox="1"/>
+          <p:nvPr/>
+        </p:nvSpPr>
+        <p:spPr>
+          <a:xfrm>
+            <a:off x="8880613" y="5693973"/>
+            <a:ext cx="1169918" cy="271850"/>
+          </a:xfrm>
+          <a:prstGeom prst="rect">
+            <a:avLst/>
+          </a:prstGeom>
+          <a:noFill/>
+        </p:spPr>
+        <p:txBody>
+          <a:bodyPr wrap="square">
+            <a:spAutoFit/>
+          </a:bodyPr>
+          <a:lstStyle/>
+          <a:p>
+            <a:pPr rtl="0"/>
+            <a:r>
+              <a:rPr lang="es-ES" sz="1100" dirty="0">
+                <a:solidFill>
+                  <a:schemeClr val="accent5"/>
+                </a:solidFill>
+              </a:rPr>
+              <a:t>R</a:t>
+            </a:r>
+            <a:r>
+              <a:rPr lang="es-ES" sz="1100" baseline="30000" dirty="0">
+                <a:solidFill>
+                  <a:schemeClr val="accent5"/>
+                </a:solidFill>
+              </a:rPr>
+              <a:t>2</a:t>
+            </a:r>
+            <a:r>
+              <a:rPr lang="es-ES" sz="1100" dirty="0">
+                <a:solidFill>
+                  <a:schemeClr val="accent5"/>
+                </a:solidFill>
+              </a:rPr>
+              <a:t> = 0.52</a:t>
+            </a:r>
+          </a:p>
+        </p:txBody>
+      </p:sp>
     </p:spTree>
     <p:extLst>
       <p:ext uri="{BB962C8B-B14F-4D97-AF65-F5344CB8AC3E}">
-        <p14:creationId xmlns:p14="http://schemas.microsoft.com/office/powerpoint/2010/main" val="921118608"/>
+        <p14:creationId xmlns:p14="http://schemas.microsoft.com/office/powerpoint/2010/main" val="1930365717"/>
       </p:ext>
     </p:extLst>
   </p:cSld>
@@ -13662,21 +13736,21 @@
           <p:cNvPr id="2" name="Título 1">
             <a:extLst>
               <a:ext uri="{FF2B5EF4-FFF2-40B4-BE49-F238E27FC236}">
-                <a16:creationId xmlns:a16="http://schemas.microsoft.com/office/drawing/2014/main" id="{B1FE5F11-B7B9-4B80-8C6A-A8A7A7190B77}"/>
-              </a:ext>
-            </a:extLst>
-          </p:cNvPr>
-          <p:cNvSpPr>
-            <a:spLocks noGrp="1"/>
-          </p:cNvSpPr>
-          <p:nvPr>
-            <p:ph type="ctrTitle"/>
-          </p:nvPr>
-        </p:nvSpPr>
-        <p:spPr>
-          <a:xfrm>
-            <a:off x="6389390" y="2571234"/>
-            <a:ext cx="5074920" cy="1715531"/>
+                <a16:creationId xmlns:a16="http://schemas.microsoft.com/office/drawing/2014/main" id="{42DD0E59-4C68-4F87-9821-23C69713D980}"/>
+              </a:ext>
+            </a:extLst>
+          </p:cNvPr>
+          <p:cNvSpPr>
+            <a:spLocks noGrp="1"/>
+          </p:cNvSpPr>
+          <p:nvPr>
+            <p:ph type="title"/>
+          </p:nvPr>
+        </p:nvSpPr>
+        <p:spPr>
+          <a:xfrm>
+            <a:off x="1885156" y="892177"/>
+            <a:ext cx="8421688" cy="1325563"/>
           </a:xfrm>
         </p:spPr>
         <p:txBody>
@@ -13689,16 +13763,198 @@
           <a:p>
             <a:pPr rtl="0"/>
             <a:r>
-              <a:rPr lang="en-US" sz="2800" dirty="0"/>
-              <a:t>Have top athlete earnings increased in real value over the past 30 years?</a:t>
-            </a:r>
+              <a:rPr lang="es-ES" dirty="0"/>
+              <a:t>Conclusions</a:t>
+            </a:r>
+          </a:p>
+        </p:txBody>
+      </p:sp>
+      <p:sp>
+        <p:nvSpPr>
+          <p:cNvPr id="56" name="Marcador de fecha 55">
+            <a:extLst>
+              <a:ext uri="{FF2B5EF4-FFF2-40B4-BE49-F238E27FC236}">
+                <a16:creationId xmlns:a16="http://schemas.microsoft.com/office/drawing/2014/main" id="{B289356A-BDA0-4234-84F2-9F2F25D0D7BD}"/>
+              </a:ext>
+            </a:extLst>
+          </p:cNvPr>
+          <p:cNvSpPr>
+            <a:spLocks noGrp="1"/>
+          </p:cNvSpPr>
+          <p:nvPr>
+            <p:ph type="dt" sz="half" idx="10"/>
+          </p:nvPr>
+        </p:nvSpPr>
+        <p:spPr>
+          <a:xfrm>
+            <a:off x="838200" y="6356350"/>
+            <a:ext cx="2743200" cy="365125"/>
+          </a:xfrm>
+        </p:spPr>
+        <p:txBody>
+          <a:bodyPr rtlCol="0"/>
+          <a:lstStyle>
+            <a:defPPr>
+              <a:defRPr lang="es-ES"/>
+            </a:defPPr>
+          </a:lstStyle>
+          <a:p>
+            <a:pPr rtl="0"/>
+            <a:r>
+              <a:rPr lang="es-ES" dirty="0"/>
+              <a:t>20XX</a:t>
+            </a:r>
+          </a:p>
+        </p:txBody>
+      </p:sp>
+      <p:sp>
+        <p:nvSpPr>
+          <p:cNvPr id="57" name="Marcador de pie de página 56">
+            <a:extLst>
+              <a:ext uri="{FF2B5EF4-FFF2-40B4-BE49-F238E27FC236}">
+                <a16:creationId xmlns:a16="http://schemas.microsoft.com/office/drawing/2014/main" id="{3A38BE84-957B-46B9-A315-4B5064DFF1A1}"/>
+              </a:ext>
+            </a:extLst>
+          </p:cNvPr>
+          <p:cNvSpPr>
+            <a:spLocks noGrp="1"/>
+          </p:cNvSpPr>
+          <p:nvPr>
+            <p:ph type="ftr" sz="quarter" idx="11"/>
+          </p:nvPr>
+        </p:nvSpPr>
+        <p:spPr>
+          <a:xfrm>
+            <a:off x="4038600" y="6356350"/>
+            <a:ext cx="4114800" cy="365125"/>
+          </a:xfrm>
+        </p:spPr>
+        <p:txBody>
+          <a:bodyPr rtlCol="0"/>
+          <a:lstStyle>
+            <a:defPPr>
+              <a:defRPr lang="es-ES"/>
+            </a:defPPr>
+          </a:lstStyle>
+          <a:p>
+            <a:pPr rtl="0"/>
+            <a:r>
+              <a:rPr lang="es-ES" dirty="0"/>
+              <a:t>TÍTULO DE LA PRESENTACIÓN</a:t>
+            </a:r>
+          </a:p>
+        </p:txBody>
+      </p:sp>
+      <p:sp>
+        <p:nvSpPr>
+          <p:cNvPr id="58" name="Marcador de número de diapositiva 57">
+            <a:extLst>
+              <a:ext uri="{FF2B5EF4-FFF2-40B4-BE49-F238E27FC236}">
+                <a16:creationId xmlns:a16="http://schemas.microsoft.com/office/drawing/2014/main" id="{E1900601-8B04-4FF3-B06F-6BEFAC6556D3}"/>
+              </a:ext>
+            </a:extLst>
+          </p:cNvPr>
+          <p:cNvSpPr>
+            <a:spLocks noGrp="1"/>
+          </p:cNvSpPr>
+          <p:nvPr>
+            <p:ph type="sldNum" sz="quarter" idx="12"/>
+          </p:nvPr>
+        </p:nvSpPr>
+        <p:spPr>
+          <a:xfrm>
+            <a:off x="8610600" y="6356350"/>
+            <a:ext cx="2743200" cy="365125"/>
+          </a:xfrm>
+        </p:spPr>
+        <p:txBody>
+          <a:bodyPr rtlCol="0"/>
+          <a:lstStyle>
+            <a:defPPr>
+              <a:defRPr lang="es-ES"/>
+            </a:defPPr>
+          </a:lstStyle>
+          <a:p>
+            <a:pPr rtl="0"/>
+            <a:fld id="{A49DFD55-3C28-40EF-9E31-A92D2E4017FF}" type="slidenum">
+              <a:rPr lang="es-ES" smtClean="0"/>
+              <a:pPr rtl="0"/>
+              <a:t>12</a:t>
+            </a:fld>
+            <a:endParaRPr lang="es-ES" dirty="0"/>
+          </a:p>
+        </p:txBody>
+      </p:sp>
+      <p:sp>
+        <p:nvSpPr>
+          <p:cNvPr id="326" name="Marcador de texto 2">
+            <a:extLst>
+              <a:ext uri="{FF2B5EF4-FFF2-40B4-BE49-F238E27FC236}">
+                <a16:creationId xmlns:a16="http://schemas.microsoft.com/office/drawing/2014/main" id="{7B160DB7-BDF4-9939-C740-26EBBB3E0189}"/>
+              </a:ext>
+            </a:extLst>
+          </p:cNvPr>
+          <p:cNvSpPr>
+            <a:spLocks noGrp="1"/>
+          </p:cNvSpPr>
+          <p:nvPr>
+            <p:ph type="body" idx="1"/>
+          </p:nvPr>
+        </p:nvSpPr>
+        <p:spPr>
+          <a:xfrm>
+            <a:off x="1362074" y="2452812"/>
+            <a:ext cx="9605756" cy="2912564"/>
+          </a:xfrm>
+        </p:spPr>
+        <p:txBody>
+          <a:bodyPr rtlCol="0">
+            <a:normAutofit/>
+          </a:bodyPr>
+          <a:lstStyle>
+            <a:defPPr>
+              <a:defRPr lang="es-ES"/>
+            </a:defPPr>
+          </a:lstStyle>
+          <a:p>
+            <a:pPr rtl="0"/>
+            <a:r>
+              <a:rPr lang="es-ES" sz="1400" dirty="0"/>
+              <a:t>There is a positive correlation between year and adjusted earnings, however only 31% of the variability is explained by the linear correlation model.</a:t>
+            </a:r>
+          </a:p>
+          <a:p>
+            <a:pPr rtl="0"/>
+            <a:endParaRPr lang="es-ES" sz="1400" dirty="0"/>
+          </a:p>
+          <a:p>
+            <a:pPr rtl="0"/>
+            <a:r>
+              <a:rPr lang="es-ES" sz="1400" dirty="0"/>
+              <a:t>If we remove the top earner every year, the linear regression explains 52% of the variability.</a:t>
+            </a:r>
+          </a:p>
+          <a:p>
+            <a:pPr rtl="0"/>
+            <a:endParaRPr lang="es-ES" sz="1400" dirty="0"/>
+          </a:p>
+          <a:p>
+            <a:pPr rtl="0"/>
+            <a:r>
+              <a:rPr lang="es-ES" sz="1400" dirty="0"/>
+              <a:t>Top earners positively skew the data</a:t>
+            </a:r>
+          </a:p>
+          <a:p>
+            <a:pPr rtl="0"/>
+            <a:endParaRPr lang="es-ES" sz="1400" dirty="0"/>
           </a:p>
         </p:txBody>
       </p:sp>
     </p:spTree>
     <p:extLst>
       <p:ext uri="{BB962C8B-B14F-4D97-AF65-F5344CB8AC3E}">
-        <p14:creationId xmlns:p14="http://schemas.microsoft.com/office/powerpoint/2010/main" val="2150291328"/>
+        <p14:creationId xmlns:p14="http://schemas.microsoft.com/office/powerpoint/2010/main" val="707615222"/>
       </p:ext>
     </p:extLst>
   </p:cSld>
@@ -13866,6 +14122,82 @@
       </p:sp>
       <p:sp>
         <p:nvSpPr>
+          <p:cNvPr id="7" name="Marcador de fecha 6">
+            <a:extLst>
+              <a:ext uri="{FF2B5EF4-FFF2-40B4-BE49-F238E27FC236}">
+                <a16:creationId xmlns:a16="http://schemas.microsoft.com/office/drawing/2014/main" id="{B2A46C4A-D036-4440-BB64-6754F4FF27C1}"/>
+              </a:ext>
+            </a:extLst>
+          </p:cNvPr>
+          <p:cNvSpPr>
+            <a:spLocks noGrp="1"/>
+          </p:cNvSpPr>
+          <p:nvPr>
+            <p:ph type="dt" sz="half" idx="10"/>
+          </p:nvPr>
+        </p:nvSpPr>
+        <p:spPr>
+          <a:xfrm>
+            <a:off x="838200" y="6356350"/>
+            <a:ext cx="2743200" cy="365125"/>
+          </a:xfrm>
+        </p:spPr>
+        <p:txBody>
+          <a:bodyPr rtlCol="0"/>
+          <a:lstStyle>
+            <a:defPPr>
+              <a:defRPr lang="es-ES"/>
+            </a:defPPr>
+          </a:lstStyle>
+          <a:p>
+            <a:pPr rtl="0"/>
+            <a:r>
+              <a:rPr lang="es-ES" dirty="0"/>
+              <a:t>20XX</a:t>
+            </a:r>
+          </a:p>
+        </p:txBody>
+      </p:sp>
+      <p:sp>
+        <p:nvSpPr>
+          <p:cNvPr id="8" name="Marcador de pie de página 7">
+            <a:extLst>
+              <a:ext uri="{FF2B5EF4-FFF2-40B4-BE49-F238E27FC236}">
+                <a16:creationId xmlns:a16="http://schemas.microsoft.com/office/drawing/2014/main" id="{905F172A-5D5D-43CD-A187-DA0D303F4144}"/>
+              </a:ext>
+            </a:extLst>
+          </p:cNvPr>
+          <p:cNvSpPr>
+            <a:spLocks noGrp="1"/>
+          </p:cNvSpPr>
+          <p:nvPr>
+            <p:ph type="ftr" sz="quarter" idx="11"/>
+          </p:nvPr>
+        </p:nvSpPr>
+        <p:spPr>
+          <a:xfrm>
+            <a:off x="4038600" y="6356350"/>
+            <a:ext cx="4114800" cy="365125"/>
+          </a:xfrm>
+        </p:spPr>
+        <p:txBody>
+          <a:bodyPr rtlCol="0"/>
+          <a:lstStyle>
+            <a:defPPr>
+              <a:defRPr lang="es-ES"/>
+            </a:defPPr>
+          </a:lstStyle>
+          <a:p>
+            <a:pPr rtl="0"/>
+            <a:r>
+              <a:rPr lang="es-ES" dirty="0"/>
+              <a:t>TÍTULO DE LA PRESENTACIÓN</a:t>
+            </a:r>
+          </a:p>
+        </p:txBody>
+      </p:sp>
+      <p:sp>
+        <p:nvSpPr>
           <p:cNvPr id="9" name="Marcador de número de diapositiva 8">
             <a:extLst>
               <a:ext uri="{FF2B5EF4-FFF2-40B4-BE49-F238E27FC236}">
@@ -13906,10 +14238,10 @@
       </p:sp>
       <p:pic>
         <p:nvPicPr>
-          <p:cNvPr id="26" name="Picture 25" descr="A screen shot of a graph&#10;&#10;Description automatically generated">
-            <a:extLst>
-              <a:ext uri="{FF2B5EF4-FFF2-40B4-BE49-F238E27FC236}">
-                <a16:creationId xmlns:a16="http://schemas.microsoft.com/office/drawing/2014/main" id="{BC0C17C4-F1EB-C0F9-F242-781C31EB0F37}"/>
+          <p:cNvPr id="13" name="Picture 12" descr="A screen shot of a graph&#10;&#10;Description automatically generated">
+            <a:extLst>
+              <a:ext uri="{FF2B5EF4-FFF2-40B4-BE49-F238E27FC236}">
+                <a16:creationId xmlns:a16="http://schemas.microsoft.com/office/drawing/2014/main" id="{E60AB1D9-9C5A-747D-509D-E89744A34532}"/>
               </a:ext>
             </a:extLst>
           </p:cNvPr>
@@ -13927,7 +14259,7 @@
         <p:spPr>
           <a:xfrm>
             <a:off x="952500" y="0"/>
-            <a:ext cx="10287000" cy="6356350"/>
+            <a:ext cx="10287000" cy="6858000"/>
           </a:xfrm>
           <a:prstGeom prst="rect">
             <a:avLst/>
@@ -13936,10 +14268,10 @@
       </p:pic>
       <p:sp>
         <p:nvSpPr>
-          <p:cNvPr id="29" name="TextBox 28">
-            <a:extLst>
-              <a:ext uri="{FF2B5EF4-FFF2-40B4-BE49-F238E27FC236}">
-                <a16:creationId xmlns:a16="http://schemas.microsoft.com/office/drawing/2014/main" id="{993A9882-C951-B912-1FF9-566A5FD5F323}"/>
+          <p:cNvPr id="14" name="TextBox 13">
+            <a:extLst>
+              <a:ext uri="{FF2B5EF4-FFF2-40B4-BE49-F238E27FC236}">
+                <a16:creationId xmlns:a16="http://schemas.microsoft.com/office/drawing/2014/main" id="{2BF54F40-9828-0201-78C6-602BD7F2FBF0}"/>
               </a:ext>
             </a:extLst>
           </p:cNvPr>
@@ -13948,7 +14280,7 @@
         </p:nvSpPr>
         <p:spPr>
           <a:xfrm>
-            <a:off x="8880613" y="5693973"/>
+            <a:off x="8880613" y="5803303"/>
             <a:ext cx="1169918" cy="271850"/>
           </a:xfrm>
           <a:prstGeom prst="rect">
@@ -13985,45 +14317,7 @@
                   <a:schemeClr val="accent5"/>
                 </a:solidFill>
               </a:rPr>
-              <a:t> = 0.31</a:t>
-            </a:r>
-          </a:p>
-        </p:txBody>
-      </p:sp>
-      <p:sp>
-        <p:nvSpPr>
-          <p:cNvPr id="3" name="Marcador de pie de página 4">
-            <a:extLst>
-              <a:ext uri="{FF2B5EF4-FFF2-40B4-BE49-F238E27FC236}">
-                <a16:creationId xmlns:a16="http://schemas.microsoft.com/office/drawing/2014/main" id="{FB46CFE9-5C97-933E-ADB4-7BF400637106}"/>
-              </a:ext>
-            </a:extLst>
-          </p:cNvPr>
-          <p:cNvSpPr>
-            <a:spLocks noGrp="1"/>
-          </p:cNvSpPr>
-          <p:nvPr>
-            <p:ph type="ftr" sz="quarter" idx="11"/>
-          </p:nvPr>
-        </p:nvSpPr>
-        <p:spPr>
-          <a:xfrm>
-            <a:off x="4356100" y="6490814"/>
-            <a:ext cx="3479800" cy="365125"/>
-          </a:xfrm>
-        </p:spPr>
-        <p:txBody>
-          <a:bodyPr rtlCol="0"/>
-          <a:lstStyle>
-            <a:defPPr>
-              <a:defRPr lang="es-ES"/>
-            </a:defPPr>
-          </a:lstStyle>
-          <a:p>
-            <a:pPr rtl="0"/>
-            <a:r>
-              <a:rPr lang="es-ES" dirty="0"/>
-              <a:t>FORBES HIGHEST PAYING ATHLETES ANALYSIS</a:t>
+              <a:t> = 0.25</a:t>
             </a:r>
           </a:p>
         </p:txBody>
@@ -14031,7 +14325,7 @@
     </p:spTree>
     <p:extLst>
       <p:ext uri="{BB962C8B-B14F-4D97-AF65-F5344CB8AC3E}">
-        <p14:creationId xmlns:p14="http://schemas.microsoft.com/office/powerpoint/2010/main" val="2179284411"/>
+        <p14:creationId xmlns:p14="http://schemas.microsoft.com/office/powerpoint/2010/main" val="1417206755"/>
       </p:ext>
     </p:extLst>
   </p:cSld>
@@ -14063,7 +14357,7 @@
           <p:cNvPr id="2" name="Título 1">
             <a:extLst>
               <a:ext uri="{FF2B5EF4-FFF2-40B4-BE49-F238E27FC236}">
-                <a16:creationId xmlns:a16="http://schemas.microsoft.com/office/drawing/2014/main" id="{09140014-73D5-419B-8867-972BB18D52D4}"/>
+                <a16:creationId xmlns:a16="http://schemas.microsoft.com/office/drawing/2014/main" id="{42DD0E59-4C68-4F87-9821-23C69713D980}"/>
               </a:ext>
             </a:extLst>
           </p:cNvPr>
@@ -14076,7 +14370,7 @@
         </p:nvSpPr>
         <p:spPr>
           <a:xfrm>
-            <a:off x="2933700" y="892177"/>
+            <a:off x="1885156" y="892177"/>
             <a:ext cx="8421688" cy="1325563"/>
           </a:xfrm>
         </p:spPr>
@@ -14091,37 +14385,35 @@
             <a:pPr rtl="0"/>
             <a:r>
               <a:rPr lang="es-ES" dirty="0"/>
-              <a:t>ÁREAS DE ENFOQUE</a:t>
-            </a:r>
-          </a:p>
-        </p:txBody>
-      </p:sp>
-      <p:sp>
-        <p:nvSpPr>
-          <p:cNvPr id="4" name="Marcador de contenido 3">
-            <a:extLst>
-              <a:ext uri="{FF2B5EF4-FFF2-40B4-BE49-F238E27FC236}">
-                <a16:creationId xmlns:a16="http://schemas.microsoft.com/office/drawing/2014/main" id="{33D8731E-4977-402E-8BFD-895B4D0544CC}"/>
-              </a:ext>
-            </a:extLst>
-          </p:cNvPr>
-          <p:cNvSpPr>
-            <a:spLocks noGrp="1"/>
-          </p:cNvSpPr>
-          <p:nvPr>
-            <p:ph sz="half" idx="2"/>
-          </p:nvPr>
-        </p:nvSpPr>
-        <p:spPr>
-          <a:xfrm>
-            <a:off x="2933700" y="3834606"/>
-            <a:ext cx="3924300" cy="1997867"/>
-          </a:xfrm>
-        </p:spPr>
-        <p:txBody>
-          <a:bodyPr rtlCol="0">
-            <a:normAutofit/>
-          </a:bodyPr>
+              <a:t>Conclusions</a:t>
+            </a:r>
+          </a:p>
+        </p:txBody>
+      </p:sp>
+      <p:sp>
+        <p:nvSpPr>
+          <p:cNvPr id="56" name="Marcador de fecha 55">
+            <a:extLst>
+              <a:ext uri="{FF2B5EF4-FFF2-40B4-BE49-F238E27FC236}">
+                <a16:creationId xmlns:a16="http://schemas.microsoft.com/office/drawing/2014/main" id="{B289356A-BDA0-4234-84F2-9F2F25D0D7BD}"/>
+              </a:ext>
+            </a:extLst>
+          </p:cNvPr>
+          <p:cNvSpPr>
+            <a:spLocks noGrp="1"/>
+          </p:cNvSpPr>
+          <p:nvPr>
+            <p:ph type="dt" sz="half" idx="10"/>
+          </p:nvPr>
+        </p:nvSpPr>
+        <p:spPr>
+          <a:xfrm>
+            <a:off x="838200" y="6356350"/>
+            <a:ext cx="2743200" cy="365125"/>
+          </a:xfrm>
+        </p:spPr>
+        <p:txBody>
+          <a:bodyPr rtlCol="0"/>
           <a:lstStyle>
             <a:defPPr>
               <a:defRPr lang="es-ES"/>
@@ -14131,51 +14423,35 @@
             <a:pPr rtl="0"/>
             <a:r>
               <a:rPr lang="es-ES" dirty="0"/>
-              <a:t>Desarrollar estrategias ganadoras para seguir a la vanguardia de la competencia</a:t>
-            </a:r>
-          </a:p>
-          <a:p>
-            <a:pPr rtl="0"/>
-            <a:r>
-              <a:rPr lang="es-ES" dirty="0"/>
-              <a:t>​Aprovechar los frutos obtenidos para identificar un valor en el terreno de juego</a:t>
-            </a:r>
-          </a:p>
-          <a:p>
-            <a:pPr rtl="0"/>
-            <a:r>
-              <a:rPr lang="es-ES" dirty="0"/>
-              <a:t>​Visualizar la convergencia dirigida al cliente</a:t>
-            </a:r>
-          </a:p>
-        </p:txBody>
-      </p:sp>
-      <p:sp>
-        <p:nvSpPr>
-          <p:cNvPr id="6" name="Marcador de contenido 5">
-            <a:extLst>
-              <a:ext uri="{FF2B5EF4-FFF2-40B4-BE49-F238E27FC236}">
-                <a16:creationId xmlns:a16="http://schemas.microsoft.com/office/drawing/2014/main" id="{50B65871-FA95-449A-B8BC-90486DE532EF}"/>
-              </a:ext>
-            </a:extLst>
-          </p:cNvPr>
-          <p:cNvSpPr>
-            <a:spLocks noGrp="1"/>
-          </p:cNvSpPr>
-          <p:nvPr>
-            <p:ph sz="quarter" idx="4"/>
-          </p:nvPr>
-        </p:nvSpPr>
-        <p:spPr>
-          <a:xfrm>
-            <a:off x="7410173" y="3834606"/>
-            <a:ext cx="3943627" cy="1997867"/>
-          </a:xfrm>
-        </p:spPr>
-        <p:txBody>
-          <a:bodyPr rtlCol="0">
-            <a:normAutofit/>
-          </a:bodyPr>
+              <a:t>20XX</a:t>
+            </a:r>
+          </a:p>
+        </p:txBody>
+      </p:sp>
+      <p:sp>
+        <p:nvSpPr>
+          <p:cNvPr id="57" name="Marcador de pie de página 56">
+            <a:extLst>
+              <a:ext uri="{FF2B5EF4-FFF2-40B4-BE49-F238E27FC236}">
+                <a16:creationId xmlns:a16="http://schemas.microsoft.com/office/drawing/2014/main" id="{3A38BE84-957B-46B9-A315-4B5064DFF1A1}"/>
+              </a:ext>
+            </a:extLst>
+          </p:cNvPr>
+          <p:cNvSpPr>
+            <a:spLocks noGrp="1"/>
+          </p:cNvSpPr>
+          <p:nvPr>
+            <p:ph type="ftr" sz="quarter" idx="11"/>
+          </p:nvPr>
+        </p:nvSpPr>
+        <p:spPr>
+          <a:xfrm>
+            <a:off x="4038600" y="6356350"/>
+            <a:ext cx="4114800" cy="365125"/>
+          </a:xfrm>
+        </p:spPr>
+        <p:txBody>
+          <a:bodyPr rtlCol="0"/>
           <a:lstStyle>
             <a:defPPr>
               <a:defRPr lang="es-ES"/>
@@ -14185,89 +14461,6 @@
             <a:pPr rtl="0"/>
             <a:r>
               <a:rPr lang="es-ES" dirty="0"/>
-              <a:t>Enfoques iterativos para una estrategia corporativa</a:t>
-            </a:r>
-          </a:p>
-          <a:p>
-            <a:pPr rtl="0"/>
-            <a:r>
-              <a:rPr lang="es-ES" dirty="0"/>
-              <a:t>​Establecer un marco de administración desde dentro</a:t>
-            </a:r>
-          </a:p>
-        </p:txBody>
-      </p:sp>
-      <p:sp>
-        <p:nvSpPr>
-          <p:cNvPr id="7" name="Marcador de fecha 6">
-            <a:extLst>
-              <a:ext uri="{FF2B5EF4-FFF2-40B4-BE49-F238E27FC236}">
-                <a16:creationId xmlns:a16="http://schemas.microsoft.com/office/drawing/2014/main" id="{B2A46C4A-D036-4440-BB64-6754F4FF27C1}"/>
-              </a:ext>
-            </a:extLst>
-          </p:cNvPr>
-          <p:cNvSpPr>
-            <a:spLocks noGrp="1"/>
-          </p:cNvSpPr>
-          <p:nvPr>
-            <p:ph type="dt" sz="half" idx="10"/>
-          </p:nvPr>
-        </p:nvSpPr>
-        <p:spPr>
-          <a:xfrm>
-            <a:off x="838200" y="6356350"/>
-            <a:ext cx="2743200" cy="365125"/>
-          </a:xfrm>
-        </p:spPr>
-        <p:txBody>
-          <a:bodyPr rtlCol="0"/>
-          <a:lstStyle>
-            <a:defPPr>
-              <a:defRPr lang="es-ES"/>
-            </a:defPPr>
-          </a:lstStyle>
-          <a:p>
-            <a:pPr rtl="0"/>
-            <a:r>
-              <a:rPr lang="es-ES" dirty="0"/>
-              <a:t>20XX</a:t>
-            </a:r>
-          </a:p>
-        </p:txBody>
-      </p:sp>
-      <p:sp>
-        <p:nvSpPr>
-          <p:cNvPr id="8" name="Marcador de pie de página 7">
-            <a:extLst>
-              <a:ext uri="{FF2B5EF4-FFF2-40B4-BE49-F238E27FC236}">
-                <a16:creationId xmlns:a16="http://schemas.microsoft.com/office/drawing/2014/main" id="{905F172A-5D5D-43CD-A187-DA0D303F4144}"/>
-              </a:ext>
-            </a:extLst>
-          </p:cNvPr>
-          <p:cNvSpPr>
-            <a:spLocks noGrp="1"/>
-          </p:cNvSpPr>
-          <p:nvPr>
-            <p:ph type="ftr" sz="quarter" idx="11"/>
-          </p:nvPr>
-        </p:nvSpPr>
-        <p:spPr>
-          <a:xfrm>
-            <a:off x="4038600" y="6356350"/>
-            <a:ext cx="4114800" cy="365125"/>
-          </a:xfrm>
-        </p:spPr>
-        <p:txBody>
-          <a:bodyPr rtlCol="0"/>
-          <a:lstStyle>
-            <a:defPPr>
-              <a:defRPr lang="es-ES"/>
-            </a:defPPr>
-          </a:lstStyle>
-          <a:p>
-            <a:pPr rtl="0"/>
-            <a:r>
-              <a:rPr lang="es-ES" dirty="0"/>
               <a:t>TÍTULO DE LA PRESENTACIÓN</a:t>
             </a:r>
           </a:p>
@@ -14275,10 +14468,10 @@
       </p:sp>
       <p:sp>
         <p:nvSpPr>
-          <p:cNvPr id="9" name="Marcador de número de diapositiva 8">
-            <a:extLst>
-              <a:ext uri="{FF2B5EF4-FFF2-40B4-BE49-F238E27FC236}">
-                <a16:creationId xmlns:a16="http://schemas.microsoft.com/office/drawing/2014/main" id="{C396FFDC-ADE8-4009-A466-A81787258E88}"/>
+          <p:cNvPr id="58" name="Marcador de número de diapositiva 57">
+            <a:extLst>
+              <a:ext uri="{FF2B5EF4-FFF2-40B4-BE49-F238E27FC236}">
+                <a16:creationId xmlns:a16="http://schemas.microsoft.com/office/drawing/2014/main" id="{E1900601-8B04-4FF3-B06F-6BEFAC6556D3}"/>
               </a:ext>
             </a:extLst>
           </p:cNvPr>
@@ -14313,96 +14506,54 @@
           </a:p>
         </p:txBody>
       </p:sp>
-      <p:pic>
-        <p:nvPicPr>
-          <p:cNvPr id="5" name="Picture 4" descr="A screen shot of a graph&#10;&#10;Description automatically generated">
-            <a:extLst>
-              <a:ext uri="{FF2B5EF4-FFF2-40B4-BE49-F238E27FC236}">
-                <a16:creationId xmlns:a16="http://schemas.microsoft.com/office/drawing/2014/main" id="{B769AEE4-2F64-6F2C-79B0-EF29FBDD332A}"/>
-              </a:ext>
-            </a:extLst>
-          </p:cNvPr>
-          <p:cNvPicPr>
-            <a:picLocks noChangeAspect="1"/>
-          </p:cNvPicPr>
-          <p:nvPr/>
-        </p:nvPicPr>
-        <p:blipFill>
-          <a:blip r:embed="rId3"/>
-          <a:stretch>
-            <a:fillRect/>
-          </a:stretch>
-        </p:blipFill>
-        <p:spPr>
-          <a:xfrm>
-            <a:off x="952500" y="0"/>
-            <a:ext cx="10287000" cy="6858000"/>
-          </a:xfrm>
-          <a:prstGeom prst="rect">
-            <a:avLst/>
-          </a:prstGeom>
-        </p:spPr>
-      </p:pic>
-      <p:sp>
-        <p:nvSpPr>
-          <p:cNvPr id="29" name="TextBox 28">
-            <a:extLst>
-              <a:ext uri="{FF2B5EF4-FFF2-40B4-BE49-F238E27FC236}">
-                <a16:creationId xmlns:a16="http://schemas.microsoft.com/office/drawing/2014/main" id="{993A9882-C951-B912-1FF9-566A5FD5F323}"/>
-              </a:ext>
-            </a:extLst>
-          </p:cNvPr>
-          <p:cNvSpPr txBox="1"/>
-          <p:nvPr/>
-        </p:nvSpPr>
-        <p:spPr>
-          <a:xfrm>
-            <a:off x="8880613" y="5693973"/>
-            <a:ext cx="1169918" cy="271850"/>
-          </a:xfrm>
-          <a:prstGeom prst="rect">
-            <a:avLst/>
-          </a:prstGeom>
-          <a:noFill/>
-        </p:spPr>
-        <p:txBody>
-          <a:bodyPr wrap="square">
-            <a:spAutoFit/>
+      <p:sp>
+        <p:nvSpPr>
+          <p:cNvPr id="326" name="Marcador de texto 2">
+            <a:extLst>
+              <a:ext uri="{FF2B5EF4-FFF2-40B4-BE49-F238E27FC236}">
+                <a16:creationId xmlns:a16="http://schemas.microsoft.com/office/drawing/2014/main" id="{7B160DB7-BDF4-9939-C740-26EBBB3E0189}"/>
+              </a:ext>
+            </a:extLst>
+          </p:cNvPr>
+          <p:cNvSpPr>
+            <a:spLocks noGrp="1"/>
+          </p:cNvSpPr>
+          <p:nvPr>
+            <p:ph type="body" idx="1"/>
+          </p:nvPr>
+        </p:nvSpPr>
+        <p:spPr>
+          <a:xfrm>
+            <a:off x="1362074" y="2452812"/>
+            <a:ext cx="9605756" cy="2912564"/>
+          </a:xfrm>
+        </p:spPr>
+        <p:txBody>
+          <a:bodyPr rtlCol="0">
+            <a:normAutofit/>
           </a:bodyPr>
-          <a:lstStyle/>
-          <a:p>
-            <a:pPr rtl="0"/>
-            <a:r>
-              <a:rPr lang="es-ES" sz="1100" dirty="0">
-                <a:solidFill>
-                  <a:schemeClr val="accent5"/>
-                </a:solidFill>
-              </a:rPr>
-              <a:t>R</a:t>
-            </a:r>
-            <a:r>
-              <a:rPr lang="es-ES" sz="1100" baseline="30000" dirty="0">
-                <a:solidFill>
-                  <a:schemeClr val="accent5"/>
-                </a:solidFill>
-              </a:rPr>
-              <a:t>2</a:t>
-            </a:r>
-            <a:r>
-              <a:rPr lang="es-ES" sz="1100" dirty="0">
-                <a:solidFill>
-                  <a:schemeClr val="accent5"/>
-                </a:solidFill>
-              </a:rPr>
-              <a:t> = 0.52</a:t>
-            </a:r>
+          <a:lstStyle>
+            <a:defPPr>
+              <a:defRPr lang="es-ES"/>
+            </a:defPPr>
+          </a:lstStyle>
+          <a:p>
+            <a:pPr rtl="0"/>
+            <a:r>
+              <a:rPr lang="es-ES" sz="1400" dirty="0"/>
+              <a:t>There are a </a:t>
+            </a:r>
+          </a:p>
+          <a:p>
+            <a:pPr rtl="0"/>
+            <a:endParaRPr lang="es-ES" sz="1400" dirty="0"/>
           </a:p>
         </p:txBody>
       </p:sp>
     </p:spTree>
     <p:extLst>
       <p:ext uri="{BB962C8B-B14F-4D97-AF65-F5344CB8AC3E}">
-        <p14:creationId xmlns:p14="http://schemas.microsoft.com/office/powerpoint/2010/main" val="1930365717"/>
+        <p14:creationId xmlns:p14="http://schemas.microsoft.com/office/powerpoint/2010/main" val="2491923539"/>
       </p:ext>
     </p:extLst>
   </p:cSld>
@@ -14434,21 +14585,21 @@
           <p:cNvPr id="2" name="Título 1">
             <a:extLst>
               <a:ext uri="{FF2B5EF4-FFF2-40B4-BE49-F238E27FC236}">
-                <a16:creationId xmlns:a16="http://schemas.microsoft.com/office/drawing/2014/main" id="{09140014-73D5-419B-8867-972BB18D52D4}"/>
-              </a:ext>
-            </a:extLst>
-          </p:cNvPr>
-          <p:cNvSpPr>
-            <a:spLocks noGrp="1"/>
-          </p:cNvSpPr>
-          <p:nvPr>
-            <p:ph type="title"/>
-          </p:nvPr>
-        </p:nvSpPr>
-        <p:spPr>
-          <a:xfrm>
-            <a:off x="2933700" y="892177"/>
-            <a:ext cx="8421688" cy="1325563"/>
+                <a16:creationId xmlns:a16="http://schemas.microsoft.com/office/drawing/2014/main" id="{B1FE5F11-B7B9-4B80-8C6A-A8A7A7190B77}"/>
+              </a:ext>
+            </a:extLst>
+          </p:cNvPr>
+          <p:cNvSpPr>
+            <a:spLocks noGrp="1"/>
+          </p:cNvSpPr>
+          <p:nvPr>
+            <p:ph type="ctrTitle"/>
+          </p:nvPr>
+        </p:nvSpPr>
+        <p:spPr>
+          <a:xfrm>
+            <a:off x="6458964" y="2945452"/>
+            <a:ext cx="5074920" cy="967095"/>
           </a:xfrm>
         </p:spPr>
         <p:txBody>
@@ -14461,311 +14612,8 @@
           <a:p>
             <a:pPr rtl="0"/>
             <a:r>
-              <a:rPr lang="es-ES" dirty="0"/>
-              <a:t>ÁREAS DE ENFOQUE</a:t>
-            </a:r>
-          </a:p>
-        </p:txBody>
-      </p:sp>
-      <p:sp>
-        <p:nvSpPr>
-          <p:cNvPr id="4" name="Marcador de contenido 3">
-            <a:extLst>
-              <a:ext uri="{FF2B5EF4-FFF2-40B4-BE49-F238E27FC236}">
-                <a16:creationId xmlns:a16="http://schemas.microsoft.com/office/drawing/2014/main" id="{33D8731E-4977-402E-8BFD-895B4D0544CC}"/>
-              </a:ext>
-            </a:extLst>
-          </p:cNvPr>
-          <p:cNvSpPr>
-            <a:spLocks noGrp="1"/>
-          </p:cNvSpPr>
-          <p:nvPr>
-            <p:ph sz="half" idx="2"/>
-          </p:nvPr>
-        </p:nvSpPr>
-        <p:spPr>
-          <a:xfrm>
-            <a:off x="2933700" y="3834606"/>
-            <a:ext cx="3924300" cy="1997867"/>
-          </a:xfrm>
-        </p:spPr>
-        <p:txBody>
-          <a:bodyPr rtlCol="0">
-            <a:normAutofit/>
-          </a:bodyPr>
-          <a:lstStyle>
-            <a:defPPr>
-              <a:defRPr lang="es-ES"/>
-            </a:defPPr>
-          </a:lstStyle>
-          <a:p>
-            <a:pPr rtl="0"/>
-            <a:r>
-              <a:rPr lang="es-ES" dirty="0"/>
-              <a:t>Desarrollar estrategias ganadoras para seguir a la vanguardia de la competencia</a:t>
-            </a:r>
-          </a:p>
-          <a:p>
-            <a:pPr rtl="0"/>
-            <a:r>
-              <a:rPr lang="es-ES" dirty="0"/>
-              <a:t>​Aprovechar los frutos obtenidos para identificar un valor en el terreno de juego</a:t>
-            </a:r>
-          </a:p>
-          <a:p>
-            <a:pPr rtl="0"/>
-            <a:r>
-              <a:rPr lang="es-ES" dirty="0"/>
-              <a:t>​Visualizar la convergencia dirigida al cliente</a:t>
-            </a:r>
-          </a:p>
-        </p:txBody>
-      </p:sp>
-      <p:sp>
-        <p:nvSpPr>
-          <p:cNvPr id="6" name="Marcador de contenido 5">
-            <a:extLst>
-              <a:ext uri="{FF2B5EF4-FFF2-40B4-BE49-F238E27FC236}">
-                <a16:creationId xmlns:a16="http://schemas.microsoft.com/office/drawing/2014/main" id="{50B65871-FA95-449A-B8BC-90486DE532EF}"/>
-              </a:ext>
-            </a:extLst>
-          </p:cNvPr>
-          <p:cNvSpPr>
-            <a:spLocks noGrp="1"/>
-          </p:cNvSpPr>
-          <p:nvPr>
-            <p:ph sz="quarter" idx="4"/>
-          </p:nvPr>
-        </p:nvSpPr>
-        <p:spPr>
-          <a:xfrm>
-            <a:off x="7410173" y="3834606"/>
-            <a:ext cx="3943627" cy="1997867"/>
-          </a:xfrm>
-        </p:spPr>
-        <p:txBody>
-          <a:bodyPr rtlCol="0">
-            <a:normAutofit/>
-          </a:bodyPr>
-          <a:lstStyle>
-            <a:defPPr>
-              <a:defRPr lang="es-ES"/>
-            </a:defPPr>
-          </a:lstStyle>
-          <a:p>
-            <a:pPr rtl="0"/>
-            <a:r>
-              <a:rPr lang="es-ES" dirty="0"/>
-              <a:t>Enfoques iterativos para una estrategia corporativa</a:t>
-            </a:r>
-          </a:p>
-          <a:p>
-            <a:pPr rtl="0"/>
-            <a:r>
-              <a:rPr lang="es-ES" dirty="0"/>
-              <a:t>​Establecer un marco de administración desde dentro</a:t>
-            </a:r>
-          </a:p>
-        </p:txBody>
-      </p:sp>
-      <p:sp>
-        <p:nvSpPr>
-          <p:cNvPr id="7" name="Marcador de fecha 6">
-            <a:extLst>
-              <a:ext uri="{FF2B5EF4-FFF2-40B4-BE49-F238E27FC236}">
-                <a16:creationId xmlns:a16="http://schemas.microsoft.com/office/drawing/2014/main" id="{B2A46C4A-D036-4440-BB64-6754F4FF27C1}"/>
-              </a:ext>
-            </a:extLst>
-          </p:cNvPr>
-          <p:cNvSpPr>
-            <a:spLocks noGrp="1"/>
-          </p:cNvSpPr>
-          <p:nvPr>
-            <p:ph type="dt" sz="half" idx="10"/>
-          </p:nvPr>
-        </p:nvSpPr>
-        <p:spPr>
-          <a:xfrm>
-            <a:off x="838200" y="6356350"/>
-            <a:ext cx="2743200" cy="365125"/>
-          </a:xfrm>
-        </p:spPr>
-        <p:txBody>
-          <a:bodyPr rtlCol="0"/>
-          <a:lstStyle>
-            <a:defPPr>
-              <a:defRPr lang="es-ES"/>
-            </a:defPPr>
-          </a:lstStyle>
-          <a:p>
-            <a:pPr rtl="0"/>
-            <a:r>
-              <a:rPr lang="es-ES" dirty="0"/>
-              <a:t>20XX</a:t>
-            </a:r>
-          </a:p>
-        </p:txBody>
-      </p:sp>
-      <p:sp>
-        <p:nvSpPr>
-          <p:cNvPr id="8" name="Marcador de pie de página 7">
-            <a:extLst>
-              <a:ext uri="{FF2B5EF4-FFF2-40B4-BE49-F238E27FC236}">
-                <a16:creationId xmlns:a16="http://schemas.microsoft.com/office/drawing/2014/main" id="{905F172A-5D5D-43CD-A187-DA0D303F4144}"/>
-              </a:ext>
-            </a:extLst>
-          </p:cNvPr>
-          <p:cNvSpPr>
-            <a:spLocks noGrp="1"/>
-          </p:cNvSpPr>
-          <p:nvPr>
-            <p:ph type="ftr" sz="quarter" idx="11"/>
-          </p:nvPr>
-        </p:nvSpPr>
-        <p:spPr>
-          <a:xfrm>
-            <a:off x="4038600" y="6356350"/>
-            <a:ext cx="4114800" cy="365125"/>
-          </a:xfrm>
-        </p:spPr>
-        <p:txBody>
-          <a:bodyPr rtlCol="0"/>
-          <a:lstStyle>
-            <a:defPPr>
-              <a:defRPr lang="es-ES"/>
-            </a:defPPr>
-          </a:lstStyle>
-          <a:p>
-            <a:pPr rtl="0"/>
-            <a:r>
-              <a:rPr lang="es-ES" dirty="0"/>
-              <a:t>TÍTULO DE LA PRESENTACIÓN</a:t>
-            </a:r>
-          </a:p>
-        </p:txBody>
-      </p:sp>
-      <p:sp>
-        <p:nvSpPr>
-          <p:cNvPr id="9" name="Marcador de número de diapositiva 8">
-            <a:extLst>
-              <a:ext uri="{FF2B5EF4-FFF2-40B4-BE49-F238E27FC236}">
-                <a16:creationId xmlns:a16="http://schemas.microsoft.com/office/drawing/2014/main" id="{C396FFDC-ADE8-4009-A466-A81787258E88}"/>
-              </a:ext>
-            </a:extLst>
-          </p:cNvPr>
-          <p:cNvSpPr>
-            <a:spLocks noGrp="1"/>
-          </p:cNvSpPr>
-          <p:nvPr>
-            <p:ph type="sldNum" sz="quarter" idx="12"/>
-          </p:nvPr>
-        </p:nvSpPr>
-        <p:spPr>
-          <a:xfrm>
-            <a:off x="8610600" y="6356350"/>
-            <a:ext cx="2743200" cy="365125"/>
-          </a:xfrm>
-        </p:spPr>
-        <p:txBody>
-          <a:bodyPr rtlCol="0"/>
-          <a:lstStyle>
-            <a:defPPr>
-              <a:defRPr lang="es-ES"/>
-            </a:defPPr>
-          </a:lstStyle>
-          <a:p>
-            <a:pPr rtl="0"/>
-            <a:fld id="{A49DFD55-3C28-40EF-9E31-A92D2E4017FF}" type="slidenum">
-              <a:rPr lang="es-ES" smtClean="0"/>
-              <a:pPr rtl="0"/>
-              <a:t>15</a:t>
-            </a:fld>
-            <a:endParaRPr lang="es-ES" dirty="0"/>
-          </a:p>
-        </p:txBody>
-      </p:sp>
-      <p:pic>
-        <p:nvPicPr>
-          <p:cNvPr id="13" name="Picture 12" descr="A screen shot of a graph&#10;&#10;Description automatically generated">
-            <a:extLst>
-              <a:ext uri="{FF2B5EF4-FFF2-40B4-BE49-F238E27FC236}">
-                <a16:creationId xmlns:a16="http://schemas.microsoft.com/office/drawing/2014/main" id="{E60AB1D9-9C5A-747D-509D-E89744A34532}"/>
-              </a:ext>
-            </a:extLst>
-          </p:cNvPr>
-          <p:cNvPicPr>
-            <a:picLocks noChangeAspect="1"/>
-          </p:cNvPicPr>
-          <p:nvPr/>
-        </p:nvPicPr>
-        <p:blipFill>
-          <a:blip r:embed="rId3"/>
-          <a:stretch>
-            <a:fillRect/>
-          </a:stretch>
-        </p:blipFill>
-        <p:spPr>
-          <a:xfrm>
-            <a:off x="952500" y="0"/>
-            <a:ext cx="10287000" cy="6858000"/>
-          </a:xfrm>
-          <a:prstGeom prst="rect">
-            <a:avLst/>
-          </a:prstGeom>
-        </p:spPr>
-      </p:pic>
-      <p:sp>
-        <p:nvSpPr>
-          <p:cNvPr id="14" name="TextBox 13">
-            <a:extLst>
-              <a:ext uri="{FF2B5EF4-FFF2-40B4-BE49-F238E27FC236}">
-                <a16:creationId xmlns:a16="http://schemas.microsoft.com/office/drawing/2014/main" id="{2BF54F40-9828-0201-78C6-602BD7F2FBF0}"/>
-              </a:ext>
-            </a:extLst>
-          </p:cNvPr>
-          <p:cNvSpPr txBox="1"/>
-          <p:nvPr/>
-        </p:nvSpPr>
-        <p:spPr>
-          <a:xfrm>
-            <a:off x="8880613" y="5803303"/>
-            <a:ext cx="1169918" cy="271850"/>
-          </a:xfrm>
-          <a:prstGeom prst="rect">
-            <a:avLst/>
-          </a:prstGeom>
-          <a:noFill/>
-        </p:spPr>
-        <p:txBody>
-          <a:bodyPr wrap="square">
-            <a:spAutoFit/>
-          </a:bodyPr>
-          <a:lstStyle/>
-          <a:p>
-            <a:pPr rtl="0"/>
-            <a:r>
-              <a:rPr lang="es-ES" sz="1100" dirty="0">
-                <a:solidFill>
-                  <a:schemeClr val="accent5"/>
-                </a:solidFill>
-              </a:rPr>
-              <a:t>R</a:t>
-            </a:r>
-            <a:r>
-              <a:rPr lang="es-ES" sz="1100" baseline="30000" dirty="0">
-                <a:solidFill>
-                  <a:schemeClr val="accent5"/>
-                </a:solidFill>
-              </a:rPr>
-              <a:t>2</a:t>
-            </a:r>
-            <a:r>
-              <a:rPr lang="es-ES" sz="1100" dirty="0">
-                <a:solidFill>
-                  <a:schemeClr val="accent5"/>
-                </a:solidFill>
-              </a:rPr>
-              <a:t> = 0.25</a:t>
+              <a:rPr lang="en-US" sz="2800" dirty="0"/>
+              <a:t>What sport pays its top athletes the most?</a:t>
             </a:r>
           </a:p>
         </p:txBody>
@@ -14773,7 +14621,7 @@
     </p:spTree>
     <p:extLst>
       <p:ext uri="{BB962C8B-B14F-4D97-AF65-F5344CB8AC3E}">
-        <p14:creationId xmlns:p14="http://schemas.microsoft.com/office/powerpoint/2010/main" val="1417206755"/>
+        <p14:creationId xmlns:p14="http://schemas.microsoft.com/office/powerpoint/2010/main" val="2448624756"/>
       </p:ext>
     </p:extLst>
   </p:cSld>
@@ -14805,7 +14653,7 @@
           <p:cNvPr id="2" name="Título 1">
             <a:extLst>
               <a:ext uri="{FF2B5EF4-FFF2-40B4-BE49-F238E27FC236}">
-                <a16:creationId xmlns:a16="http://schemas.microsoft.com/office/drawing/2014/main" id="{42DD0E59-4C68-4F87-9821-23C69713D980}"/>
+                <a16:creationId xmlns:a16="http://schemas.microsoft.com/office/drawing/2014/main" id="{09140014-73D5-419B-8867-972BB18D52D4}"/>
               </a:ext>
             </a:extLst>
           </p:cNvPr>
@@ -14818,7 +14666,7 @@
         </p:nvSpPr>
         <p:spPr>
           <a:xfrm>
-            <a:off x="1885156" y="892177"/>
+            <a:off x="2933700" y="892177"/>
             <a:ext cx="8421688" cy="1325563"/>
           </a:xfrm>
         </p:spPr>
@@ -14833,35 +14681,37 @@
             <a:pPr rtl="0"/>
             <a:r>
               <a:rPr lang="es-ES" dirty="0"/>
-              <a:t>Conclusions</a:t>
-            </a:r>
-          </a:p>
-        </p:txBody>
-      </p:sp>
-      <p:sp>
-        <p:nvSpPr>
-          <p:cNvPr id="56" name="Marcador de fecha 55">
-            <a:extLst>
-              <a:ext uri="{FF2B5EF4-FFF2-40B4-BE49-F238E27FC236}">
-                <a16:creationId xmlns:a16="http://schemas.microsoft.com/office/drawing/2014/main" id="{B289356A-BDA0-4234-84F2-9F2F25D0D7BD}"/>
-              </a:ext>
-            </a:extLst>
-          </p:cNvPr>
-          <p:cNvSpPr>
-            <a:spLocks noGrp="1"/>
-          </p:cNvSpPr>
-          <p:nvPr>
-            <p:ph type="dt" sz="half" idx="10"/>
-          </p:nvPr>
-        </p:nvSpPr>
-        <p:spPr>
-          <a:xfrm>
-            <a:off x="838200" y="6356350"/>
-            <a:ext cx="2743200" cy="365125"/>
-          </a:xfrm>
-        </p:spPr>
-        <p:txBody>
-          <a:bodyPr rtlCol="0"/>
+              <a:t>ÁREAS DE ENFOQUE</a:t>
+            </a:r>
+          </a:p>
+        </p:txBody>
+      </p:sp>
+      <p:sp>
+        <p:nvSpPr>
+          <p:cNvPr id="4" name="Marcador de contenido 3">
+            <a:extLst>
+              <a:ext uri="{FF2B5EF4-FFF2-40B4-BE49-F238E27FC236}">
+                <a16:creationId xmlns:a16="http://schemas.microsoft.com/office/drawing/2014/main" id="{33D8731E-4977-402E-8BFD-895B4D0544CC}"/>
+              </a:ext>
+            </a:extLst>
+          </p:cNvPr>
+          <p:cNvSpPr>
+            <a:spLocks noGrp="1"/>
+          </p:cNvSpPr>
+          <p:nvPr>
+            <p:ph sz="half" idx="2"/>
+          </p:nvPr>
+        </p:nvSpPr>
+        <p:spPr>
+          <a:xfrm>
+            <a:off x="2933700" y="3834606"/>
+            <a:ext cx="3924300" cy="1997867"/>
+          </a:xfrm>
+        </p:spPr>
+        <p:txBody>
+          <a:bodyPr rtlCol="0">
+            <a:normAutofit/>
+          </a:bodyPr>
           <a:lstStyle>
             <a:defPPr>
               <a:defRPr lang="es-ES"/>
@@ -14871,35 +14721,51 @@
             <a:pPr rtl="0"/>
             <a:r>
               <a:rPr lang="es-ES" dirty="0"/>
-              <a:t>20XX</a:t>
-            </a:r>
-          </a:p>
-        </p:txBody>
-      </p:sp>
-      <p:sp>
-        <p:nvSpPr>
-          <p:cNvPr id="57" name="Marcador de pie de página 56">
-            <a:extLst>
-              <a:ext uri="{FF2B5EF4-FFF2-40B4-BE49-F238E27FC236}">
-                <a16:creationId xmlns:a16="http://schemas.microsoft.com/office/drawing/2014/main" id="{3A38BE84-957B-46B9-A315-4B5064DFF1A1}"/>
-              </a:ext>
-            </a:extLst>
-          </p:cNvPr>
-          <p:cNvSpPr>
-            <a:spLocks noGrp="1"/>
-          </p:cNvSpPr>
-          <p:nvPr>
-            <p:ph type="ftr" sz="quarter" idx="11"/>
-          </p:nvPr>
-        </p:nvSpPr>
-        <p:spPr>
-          <a:xfrm>
-            <a:off x="4038600" y="6356350"/>
-            <a:ext cx="4114800" cy="365125"/>
-          </a:xfrm>
-        </p:spPr>
-        <p:txBody>
-          <a:bodyPr rtlCol="0"/>
+              <a:t>Desarrollar estrategias ganadoras para seguir a la vanguardia de la competencia</a:t>
+            </a:r>
+          </a:p>
+          <a:p>
+            <a:pPr rtl="0"/>
+            <a:r>
+              <a:rPr lang="es-ES" dirty="0"/>
+              <a:t>​Aprovechar los frutos obtenidos para identificar un valor en el terreno de juego</a:t>
+            </a:r>
+          </a:p>
+          <a:p>
+            <a:pPr rtl="0"/>
+            <a:r>
+              <a:rPr lang="es-ES" dirty="0"/>
+              <a:t>​Visualizar la convergencia dirigida al cliente</a:t>
+            </a:r>
+          </a:p>
+        </p:txBody>
+      </p:sp>
+      <p:sp>
+        <p:nvSpPr>
+          <p:cNvPr id="6" name="Marcador de contenido 5">
+            <a:extLst>
+              <a:ext uri="{FF2B5EF4-FFF2-40B4-BE49-F238E27FC236}">
+                <a16:creationId xmlns:a16="http://schemas.microsoft.com/office/drawing/2014/main" id="{50B65871-FA95-449A-B8BC-90486DE532EF}"/>
+              </a:ext>
+            </a:extLst>
+          </p:cNvPr>
+          <p:cNvSpPr>
+            <a:spLocks noGrp="1"/>
+          </p:cNvSpPr>
+          <p:nvPr>
+            <p:ph sz="quarter" idx="4"/>
+          </p:nvPr>
+        </p:nvSpPr>
+        <p:spPr>
+          <a:xfrm>
+            <a:off x="7410173" y="3834606"/>
+            <a:ext cx="3943627" cy="1997867"/>
+          </a:xfrm>
+        </p:spPr>
+        <p:txBody>
+          <a:bodyPr rtlCol="0">
+            <a:normAutofit/>
+          </a:bodyPr>
           <a:lstStyle>
             <a:defPPr>
               <a:defRPr lang="es-ES"/>
@@ -14909,6 +14775,89 @@
             <a:pPr rtl="0"/>
             <a:r>
               <a:rPr lang="es-ES" dirty="0"/>
+              <a:t>Enfoques iterativos para una estrategia corporativa</a:t>
+            </a:r>
+          </a:p>
+          <a:p>
+            <a:pPr rtl="0"/>
+            <a:r>
+              <a:rPr lang="es-ES" dirty="0"/>
+              <a:t>​Establecer un marco de administración desde dentro</a:t>
+            </a:r>
+          </a:p>
+        </p:txBody>
+      </p:sp>
+      <p:sp>
+        <p:nvSpPr>
+          <p:cNvPr id="7" name="Marcador de fecha 6">
+            <a:extLst>
+              <a:ext uri="{FF2B5EF4-FFF2-40B4-BE49-F238E27FC236}">
+                <a16:creationId xmlns:a16="http://schemas.microsoft.com/office/drawing/2014/main" id="{B2A46C4A-D036-4440-BB64-6754F4FF27C1}"/>
+              </a:ext>
+            </a:extLst>
+          </p:cNvPr>
+          <p:cNvSpPr>
+            <a:spLocks noGrp="1"/>
+          </p:cNvSpPr>
+          <p:nvPr>
+            <p:ph type="dt" sz="half" idx="10"/>
+          </p:nvPr>
+        </p:nvSpPr>
+        <p:spPr>
+          <a:xfrm>
+            <a:off x="838200" y="6356350"/>
+            <a:ext cx="2743200" cy="365125"/>
+          </a:xfrm>
+        </p:spPr>
+        <p:txBody>
+          <a:bodyPr rtlCol="0"/>
+          <a:lstStyle>
+            <a:defPPr>
+              <a:defRPr lang="es-ES"/>
+            </a:defPPr>
+          </a:lstStyle>
+          <a:p>
+            <a:pPr rtl="0"/>
+            <a:r>
+              <a:rPr lang="es-ES" dirty="0"/>
+              <a:t>20XX</a:t>
+            </a:r>
+          </a:p>
+        </p:txBody>
+      </p:sp>
+      <p:sp>
+        <p:nvSpPr>
+          <p:cNvPr id="8" name="Marcador de pie de página 7">
+            <a:extLst>
+              <a:ext uri="{FF2B5EF4-FFF2-40B4-BE49-F238E27FC236}">
+                <a16:creationId xmlns:a16="http://schemas.microsoft.com/office/drawing/2014/main" id="{905F172A-5D5D-43CD-A187-DA0D303F4144}"/>
+              </a:ext>
+            </a:extLst>
+          </p:cNvPr>
+          <p:cNvSpPr>
+            <a:spLocks noGrp="1"/>
+          </p:cNvSpPr>
+          <p:nvPr>
+            <p:ph type="ftr" sz="quarter" idx="11"/>
+          </p:nvPr>
+        </p:nvSpPr>
+        <p:spPr>
+          <a:xfrm>
+            <a:off x="4038600" y="6356350"/>
+            <a:ext cx="4114800" cy="365125"/>
+          </a:xfrm>
+        </p:spPr>
+        <p:txBody>
+          <a:bodyPr rtlCol="0"/>
+          <a:lstStyle>
+            <a:defPPr>
+              <a:defRPr lang="es-ES"/>
+            </a:defPPr>
+          </a:lstStyle>
+          <a:p>
+            <a:pPr rtl="0"/>
+            <a:r>
+              <a:rPr lang="es-ES" dirty="0"/>
               <a:t>TÍTULO DE LA PRESENTACIÓN</a:t>
             </a:r>
           </a:p>
@@ -14916,10 +14865,10 @@
       </p:sp>
       <p:sp>
         <p:nvSpPr>
-          <p:cNvPr id="58" name="Marcador de número de diapositiva 57">
-            <a:extLst>
-              <a:ext uri="{FF2B5EF4-FFF2-40B4-BE49-F238E27FC236}">
-                <a16:creationId xmlns:a16="http://schemas.microsoft.com/office/drawing/2014/main" id="{E1900601-8B04-4FF3-B06F-6BEFAC6556D3}"/>
+          <p:cNvPr id="9" name="Marcador de número de diapositiva 8">
+            <a:extLst>
+              <a:ext uri="{FF2B5EF4-FFF2-40B4-BE49-F238E27FC236}">
+                <a16:creationId xmlns:a16="http://schemas.microsoft.com/office/drawing/2014/main" id="{C396FFDC-ADE8-4009-A466-A81787258E88}"/>
               </a:ext>
             </a:extLst>
           </p:cNvPr>
@@ -14954,76 +14903,196 @@
           </a:p>
         </p:txBody>
       </p:sp>
-      <p:sp>
-        <p:nvSpPr>
-          <p:cNvPr id="326" name="Marcador de texto 2">
-            <a:extLst>
-              <a:ext uri="{FF2B5EF4-FFF2-40B4-BE49-F238E27FC236}">
-                <a16:creationId xmlns:a16="http://schemas.microsoft.com/office/drawing/2014/main" id="{7B160DB7-BDF4-9939-C740-26EBBB3E0189}"/>
-              </a:ext>
-            </a:extLst>
-          </p:cNvPr>
-          <p:cNvSpPr>
-            <a:spLocks noGrp="1"/>
-          </p:cNvSpPr>
-          <p:nvPr>
-            <p:ph type="body" idx="1"/>
-          </p:nvPr>
-        </p:nvSpPr>
-        <p:spPr>
-          <a:xfrm>
-            <a:off x="1362074" y="2452812"/>
-            <a:ext cx="9605756" cy="2912564"/>
-          </a:xfrm>
-        </p:spPr>
-        <p:txBody>
-          <a:bodyPr rtlCol="0">
-            <a:normAutofit/>
-          </a:bodyPr>
-          <a:lstStyle>
-            <a:defPPr>
-              <a:defRPr lang="es-ES"/>
-            </a:defPPr>
-          </a:lstStyle>
-          <a:p>
-            <a:pPr rtl="0"/>
-            <a:r>
-              <a:rPr lang="es-ES" sz="1400" dirty="0"/>
-              <a:t>There is a positive correlation between year and adjusted earnings, however only 31% of the variability is explained by the linear correlation model.</a:t>
-            </a:r>
-          </a:p>
-          <a:p>
-            <a:pPr rtl="0"/>
-            <a:endParaRPr lang="es-ES" sz="1400" dirty="0"/>
-          </a:p>
-          <a:p>
-            <a:pPr rtl="0"/>
-            <a:r>
-              <a:rPr lang="es-ES" sz="1400" dirty="0"/>
-              <a:t>If we remove the top earner every year, the linear regression explains 52% of the variability.</a:t>
-            </a:r>
-          </a:p>
-          <a:p>
-            <a:pPr rtl="0"/>
-            <a:endParaRPr lang="es-ES" sz="1400" dirty="0"/>
-          </a:p>
-          <a:p>
-            <a:pPr rtl="0"/>
-            <a:r>
-              <a:rPr lang="es-ES" sz="1400" dirty="0"/>
-              <a:t>Top earners positively skew the data</a:t>
-            </a:r>
-          </a:p>
-          <a:p>
-            <a:pPr rtl="0"/>
-            <a:endParaRPr lang="es-ES" sz="1400" dirty="0"/>
+      <p:pic>
+        <p:nvPicPr>
+          <p:cNvPr id="13" name="Picture 12" descr="A screen shot of a graph&#10;&#10;Description automatically generated">
+            <a:extLst>
+              <a:ext uri="{FF2B5EF4-FFF2-40B4-BE49-F238E27FC236}">
+                <a16:creationId xmlns:a16="http://schemas.microsoft.com/office/drawing/2014/main" id="{E60AB1D9-9C5A-747D-509D-E89744A34532}"/>
+              </a:ext>
+            </a:extLst>
+          </p:cNvPr>
+          <p:cNvPicPr>
+            <a:picLocks noChangeAspect="1"/>
+          </p:cNvPicPr>
+          <p:nvPr/>
+        </p:nvPicPr>
+        <p:blipFill>
+          <a:blip r:embed="rId3"/>
+          <a:stretch>
+            <a:fillRect/>
+          </a:stretch>
+        </p:blipFill>
+        <p:spPr>
+          <a:xfrm>
+            <a:off x="952500" y="-270704"/>
+            <a:ext cx="10287000" cy="6858000"/>
+          </a:xfrm>
+          <a:prstGeom prst="rect">
+            <a:avLst/>
+          </a:prstGeom>
+        </p:spPr>
+      </p:pic>
+      <p:sp>
+        <p:nvSpPr>
+          <p:cNvPr id="3" name="Oval 2">
+            <a:extLst>
+              <a:ext uri="{FF2B5EF4-FFF2-40B4-BE49-F238E27FC236}">
+                <a16:creationId xmlns:a16="http://schemas.microsoft.com/office/drawing/2014/main" id="{6998A596-109F-B8E6-01A0-E9158D7D8FC0}"/>
+              </a:ext>
+            </a:extLst>
+          </p:cNvPr>
+          <p:cNvSpPr/>
+          <p:nvPr/>
+        </p:nvSpPr>
+        <p:spPr>
+          <a:xfrm>
+            <a:off x="8379242" y="553419"/>
+            <a:ext cx="542236" cy="520008"/>
+          </a:xfrm>
+          <a:prstGeom prst="ellipse">
+            <a:avLst/>
+          </a:prstGeom>
+          <a:noFill/>
+          <a:ln w="28575">
+            <a:solidFill>
+              <a:srgbClr val="AE2012"/>
+            </a:solidFill>
+          </a:ln>
+        </p:spPr>
+        <p:style>
+          <a:lnRef idx="2">
+            <a:schemeClr val="accent1">
+              <a:shade val="15000"/>
+            </a:schemeClr>
+          </a:lnRef>
+          <a:fillRef idx="1">
+            <a:schemeClr val="accent1"/>
+          </a:fillRef>
+          <a:effectRef idx="0">
+            <a:schemeClr val="accent1"/>
+          </a:effectRef>
+          <a:fontRef idx="minor">
+            <a:schemeClr val="lt1"/>
+          </a:fontRef>
+        </p:style>
+        <p:txBody>
+          <a:bodyPr rtlCol="0" anchor="ctr"/>
+          <a:lstStyle/>
+          <a:p>
+            <a:pPr algn="ctr"/>
+            <a:endParaRPr lang="es-US" dirty="0"/>
+          </a:p>
+        </p:txBody>
+      </p:sp>
+      <p:sp>
+        <p:nvSpPr>
+          <p:cNvPr id="5" name="Oval 4">
+            <a:extLst>
+              <a:ext uri="{FF2B5EF4-FFF2-40B4-BE49-F238E27FC236}">
+                <a16:creationId xmlns:a16="http://schemas.microsoft.com/office/drawing/2014/main" id="{C7C02EDF-94D5-CA69-341D-1FC4D160C02F}"/>
+              </a:ext>
+            </a:extLst>
+          </p:cNvPr>
+          <p:cNvSpPr/>
+          <p:nvPr/>
+        </p:nvSpPr>
+        <p:spPr>
+          <a:xfrm>
+            <a:off x="9093212" y="1068592"/>
+            <a:ext cx="542236" cy="520008"/>
+          </a:xfrm>
+          <a:prstGeom prst="ellipse">
+            <a:avLst/>
+          </a:prstGeom>
+          <a:noFill/>
+          <a:ln w="28575">
+            <a:solidFill>
+              <a:srgbClr val="AE2012"/>
+            </a:solidFill>
+          </a:ln>
+        </p:spPr>
+        <p:style>
+          <a:lnRef idx="2">
+            <a:schemeClr val="accent1">
+              <a:shade val="15000"/>
+            </a:schemeClr>
+          </a:lnRef>
+          <a:fillRef idx="1">
+            <a:schemeClr val="accent1"/>
+          </a:fillRef>
+          <a:effectRef idx="0">
+            <a:schemeClr val="accent1"/>
+          </a:effectRef>
+          <a:fontRef idx="minor">
+            <a:schemeClr val="lt1"/>
+          </a:fontRef>
+        </p:style>
+        <p:txBody>
+          <a:bodyPr rtlCol="0" anchor="ctr"/>
+          <a:lstStyle/>
+          <a:p>
+            <a:pPr algn="ctr"/>
+            <a:endParaRPr lang="es-US" dirty="0"/>
+          </a:p>
+        </p:txBody>
+      </p:sp>
+      <p:sp>
+        <p:nvSpPr>
+          <p:cNvPr id="10" name="Oval 9">
+            <a:extLst>
+              <a:ext uri="{FF2B5EF4-FFF2-40B4-BE49-F238E27FC236}">
+                <a16:creationId xmlns:a16="http://schemas.microsoft.com/office/drawing/2014/main" id="{64A443F8-ECCA-45EA-A97B-BE2AF1627D03}"/>
+              </a:ext>
+            </a:extLst>
+          </p:cNvPr>
+          <p:cNvSpPr/>
+          <p:nvPr/>
+        </p:nvSpPr>
+        <p:spPr>
+          <a:xfrm>
+            <a:off x="8372608" y="2892446"/>
+            <a:ext cx="542236" cy="520008"/>
+          </a:xfrm>
+          <a:prstGeom prst="ellipse">
+            <a:avLst/>
+          </a:prstGeom>
+          <a:noFill/>
+          <a:ln w="28575">
+            <a:solidFill>
+              <a:srgbClr val="AE2012"/>
+            </a:solidFill>
+          </a:ln>
+        </p:spPr>
+        <p:style>
+          <a:lnRef idx="2">
+            <a:schemeClr val="accent1">
+              <a:shade val="15000"/>
+            </a:schemeClr>
+          </a:lnRef>
+          <a:fillRef idx="1">
+            <a:schemeClr val="accent1"/>
+          </a:fillRef>
+          <a:effectRef idx="0">
+            <a:schemeClr val="accent1"/>
+          </a:effectRef>
+          <a:fontRef idx="minor">
+            <a:schemeClr val="lt1"/>
+          </a:fontRef>
+        </p:style>
+        <p:txBody>
+          <a:bodyPr rtlCol="0" anchor="ctr"/>
+          <a:lstStyle/>
+          <a:p>
+            <a:pPr algn="ctr"/>
+            <a:endParaRPr lang="es-US" dirty="0"/>
           </a:p>
         </p:txBody>
       </p:sp>
     </p:spTree>
     <p:extLst>
       <p:ext uri="{BB962C8B-B14F-4D97-AF65-F5344CB8AC3E}">
-        <p14:creationId xmlns:p14="http://schemas.microsoft.com/office/powerpoint/2010/main" val="707615222"/>
+        <p14:creationId xmlns:p14="http://schemas.microsoft.com/office/powerpoint/2010/main" val="144498883"/>
       </p:ext>
     </p:extLst>
   </p:cSld>
@@ -15052,10 +15121,10 @@
       </p:grpSpPr>
       <p:sp>
         <p:nvSpPr>
-          <p:cNvPr id="2" name="Título 1">
-            <a:extLst>
-              <a:ext uri="{FF2B5EF4-FFF2-40B4-BE49-F238E27FC236}">
-                <a16:creationId xmlns:a16="http://schemas.microsoft.com/office/drawing/2014/main" id="{42DD0E59-4C68-4F87-9821-23C69713D980}"/>
+          <p:cNvPr id="3" name="Título 2">
+            <a:extLst>
+              <a:ext uri="{FF2B5EF4-FFF2-40B4-BE49-F238E27FC236}">
+                <a16:creationId xmlns:a16="http://schemas.microsoft.com/office/drawing/2014/main" id="{77762301-F83A-4BEA-9D11-E6C99FB574A8}"/>
               </a:ext>
             </a:extLst>
           </p:cNvPr>
@@ -15068,8 +15137,8 @@
         </p:nvSpPr>
         <p:spPr>
           <a:xfrm>
-            <a:off x="1885156" y="892177"/>
-            <a:ext cx="8421688" cy="1325563"/>
+            <a:off x="838200" y="365125"/>
+            <a:ext cx="10515600" cy="1325563"/>
           </a:xfrm>
         </p:spPr>
         <p:txBody>
@@ -15083,17 +15152,17 @@
             <a:pPr rtl="0"/>
             <a:r>
               <a:rPr lang="es-ES" dirty="0"/>
-              <a:t>Conclusions</a:t>
-            </a:r>
-          </a:p>
-        </p:txBody>
-      </p:sp>
-      <p:sp>
-        <p:nvSpPr>
-          <p:cNvPr id="56" name="Marcador de fecha 55">
-            <a:extLst>
-              <a:ext uri="{FF2B5EF4-FFF2-40B4-BE49-F238E27FC236}">
-                <a16:creationId xmlns:a16="http://schemas.microsoft.com/office/drawing/2014/main" id="{B289356A-BDA0-4234-84F2-9F2F25D0D7BD}"/>
+              <a:t>Top yearly earnings</a:t>
+            </a:r>
+          </a:p>
+        </p:txBody>
+      </p:sp>
+      <p:sp>
+        <p:nvSpPr>
+          <p:cNvPr id="6" name="Marcador de fecha 5">
+            <a:extLst>
+              <a:ext uri="{FF2B5EF4-FFF2-40B4-BE49-F238E27FC236}">
+                <a16:creationId xmlns:a16="http://schemas.microsoft.com/office/drawing/2014/main" id="{3627CC26-34EF-4BB9-B289-9EC56B07D1E6}"/>
               </a:ext>
             </a:extLst>
           </p:cNvPr>
@@ -15128,10 +15197,10 @@
       </p:sp>
       <p:sp>
         <p:nvSpPr>
-          <p:cNvPr id="57" name="Marcador de pie de página 56">
-            <a:extLst>
-              <a:ext uri="{FF2B5EF4-FFF2-40B4-BE49-F238E27FC236}">
-                <a16:creationId xmlns:a16="http://schemas.microsoft.com/office/drawing/2014/main" id="{3A38BE84-957B-46B9-A315-4B5064DFF1A1}"/>
+          <p:cNvPr id="7" name="Marcador de pie de página 6">
+            <a:extLst>
+              <a:ext uri="{FF2B5EF4-FFF2-40B4-BE49-F238E27FC236}">
+                <a16:creationId xmlns:a16="http://schemas.microsoft.com/office/drawing/2014/main" id="{4E98E6AD-9D37-499C-898E-ED12AC36D31D}"/>
               </a:ext>
             </a:extLst>
           </p:cNvPr>
@@ -15166,10 +15235,10 @@
       </p:sp>
       <p:sp>
         <p:nvSpPr>
-          <p:cNvPr id="58" name="Marcador de número de diapositiva 57">
-            <a:extLst>
-              <a:ext uri="{FF2B5EF4-FFF2-40B4-BE49-F238E27FC236}">
-                <a16:creationId xmlns:a16="http://schemas.microsoft.com/office/drawing/2014/main" id="{E1900601-8B04-4FF3-B06F-6BEFAC6556D3}"/>
+          <p:cNvPr id="8" name="Marcador de número de diapositiva 7">
+            <a:extLst>
+              <a:ext uri="{FF2B5EF4-FFF2-40B4-BE49-F238E27FC236}">
+                <a16:creationId xmlns:a16="http://schemas.microsoft.com/office/drawing/2014/main" id="{92908AF9-2A07-4B50-BC13-471792106EC8}"/>
               </a:ext>
             </a:extLst>
           </p:cNvPr>
@@ -15204,54 +15273,39 @@
           </a:p>
         </p:txBody>
       </p:sp>
-      <p:sp>
-        <p:nvSpPr>
-          <p:cNvPr id="326" name="Marcador de texto 2">
-            <a:extLst>
-              <a:ext uri="{FF2B5EF4-FFF2-40B4-BE49-F238E27FC236}">
-                <a16:creationId xmlns:a16="http://schemas.microsoft.com/office/drawing/2014/main" id="{7B160DB7-BDF4-9939-C740-26EBBB3E0189}"/>
-              </a:ext>
-            </a:extLst>
-          </p:cNvPr>
-          <p:cNvSpPr>
-            <a:spLocks noGrp="1"/>
-          </p:cNvSpPr>
-          <p:nvPr>
-            <p:ph type="body" idx="1"/>
-          </p:nvPr>
-        </p:nvSpPr>
-        <p:spPr>
-          <a:xfrm>
-            <a:off x="1362074" y="2452812"/>
-            <a:ext cx="9605756" cy="2912564"/>
-          </a:xfrm>
-        </p:spPr>
-        <p:txBody>
-          <a:bodyPr rtlCol="0">
-            <a:normAutofit/>
-          </a:bodyPr>
-          <a:lstStyle>
-            <a:defPPr>
-              <a:defRPr lang="es-ES"/>
-            </a:defPPr>
-          </a:lstStyle>
-          <a:p>
-            <a:pPr rtl="0"/>
-            <a:r>
-              <a:rPr lang="es-ES" sz="1400" dirty="0"/>
-              <a:t>ADD CONCLUSIONS HERE</a:t>
-            </a:r>
-          </a:p>
-          <a:p>
-            <a:pPr rtl="0"/>
-            <a:endParaRPr lang="es-ES" sz="1400" dirty="0"/>
-          </a:p>
-        </p:txBody>
-      </p:sp>
+      <p:pic>
+        <p:nvPicPr>
+          <p:cNvPr id="12" name="Picture 11">
+            <a:extLst>
+              <a:ext uri="{FF2B5EF4-FFF2-40B4-BE49-F238E27FC236}">
+                <a16:creationId xmlns:a16="http://schemas.microsoft.com/office/drawing/2014/main" id="{A612C06D-D748-DBF6-C6F2-9FD984C2E43C}"/>
+              </a:ext>
+            </a:extLst>
+          </p:cNvPr>
+          <p:cNvPicPr>
+            <a:picLocks noChangeAspect="1"/>
+          </p:cNvPicPr>
+          <p:nvPr/>
+        </p:nvPicPr>
+        <p:blipFill rotWithShape="1">
+          <a:blip r:embed="rId3"/>
+          <a:srcRect l="1029" t="899" r="4413" b="4063"/>
+          <a:stretch/>
+        </p:blipFill>
+        <p:spPr>
+          <a:xfrm>
+            <a:off x="331694" y="1564341"/>
+            <a:ext cx="11528612" cy="4173071"/>
+          </a:xfrm>
+          <a:prstGeom prst="rect">
+            <a:avLst/>
+          </a:prstGeom>
+        </p:spPr>
+      </p:pic>
     </p:spTree>
     <p:extLst>
       <p:ext uri="{BB962C8B-B14F-4D97-AF65-F5344CB8AC3E}">
-        <p14:creationId xmlns:p14="http://schemas.microsoft.com/office/powerpoint/2010/main" val="1007431861"/>
+        <p14:creationId xmlns:p14="http://schemas.microsoft.com/office/powerpoint/2010/main" val="2896385493"/>
       </p:ext>
     </p:extLst>
   </p:cSld>
@@ -15283,7 +15337,7 @@
           <p:cNvPr id="2" name="Título 1">
             <a:extLst>
               <a:ext uri="{FF2B5EF4-FFF2-40B4-BE49-F238E27FC236}">
-                <a16:creationId xmlns:a16="http://schemas.microsoft.com/office/drawing/2014/main" id="{09140014-73D5-419B-8867-972BB18D52D4}"/>
+                <a16:creationId xmlns:a16="http://schemas.microsoft.com/office/drawing/2014/main" id="{42DD0E59-4C68-4F87-9821-23C69713D980}"/>
               </a:ext>
             </a:extLst>
           </p:cNvPr>
@@ -15296,7 +15350,7 @@
         </p:nvSpPr>
         <p:spPr>
           <a:xfrm>
-            <a:off x="2933700" y="892177"/>
+            <a:off x="1885156" y="892177"/>
             <a:ext cx="8421688" cy="1325563"/>
           </a:xfrm>
         </p:spPr>
@@ -15311,37 +15365,35 @@
             <a:pPr rtl="0"/>
             <a:r>
               <a:rPr lang="es-ES" dirty="0"/>
-              <a:t>ÁREAS DE ENFOQUE</a:t>
-            </a:r>
-          </a:p>
-        </p:txBody>
-      </p:sp>
-      <p:sp>
-        <p:nvSpPr>
-          <p:cNvPr id="4" name="Marcador de contenido 3">
-            <a:extLst>
-              <a:ext uri="{FF2B5EF4-FFF2-40B4-BE49-F238E27FC236}">
-                <a16:creationId xmlns:a16="http://schemas.microsoft.com/office/drawing/2014/main" id="{33D8731E-4977-402E-8BFD-895B4D0544CC}"/>
-              </a:ext>
-            </a:extLst>
-          </p:cNvPr>
-          <p:cNvSpPr>
-            <a:spLocks noGrp="1"/>
-          </p:cNvSpPr>
-          <p:nvPr>
-            <p:ph sz="half" idx="2"/>
-          </p:nvPr>
-        </p:nvSpPr>
-        <p:spPr>
-          <a:xfrm>
-            <a:off x="2933700" y="3834606"/>
-            <a:ext cx="3924300" cy="1997867"/>
-          </a:xfrm>
-        </p:spPr>
-        <p:txBody>
-          <a:bodyPr rtlCol="0">
-            <a:normAutofit/>
-          </a:bodyPr>
+              <a:t>Conclusions</a:t>
+            </a:r>
+          </a:p>
+        </p:txBody>
+      </p:sp>
+      <p:sp>
+        <p:nvSpPr>
+          <p:cNvPr id="56" name="Marcador de fecha 55">
+            <a:extLst>
+              <a:ext uri="{FF2B5EF4-FFF2-40B4-BE49-F238E27FC236}">
+                <a16:creationId xmlns:a16="http://schemas.microsoft.com/office/drawing/2014/main" id="{B289356A-BDA0-4234-84F2-9F2F25D0D7BD}"/>
+              </a:ext>
+            </a:extLst>
+          </p:cNvPr>
+          <p:cNvSpPr>
+            <a:spLocks noGrp="1"/>
+          </p:cNvSpPr>
+          <p:nvPr>
+            <p:ph type="dt" sz="half" idx="10"/>
+          </p:nvPr>
+        </p:nvSpPr>
+        <p:spPr>
+          <a:xfrm>
+            <a:off x="838200" y="6356350"/>
+            <a:ext cx="2743200" cy="365125"/>
+          </a:xfrm>
+        </p:spPr>
+        <p:txBody>
+          <a:bodyPr rtlCol="0"/>
           <a:lstStyle>
             <a:defPPr>
               <a:defRPr lang="es-ES"/>
@@ -15351,51 +15403,35 @@
             <a:pPr rtl="0"/>
             <a:r>
               <a:rPr lang="es-ES" dirty="0"/>
-              <a:t>Desarrollar estrategias ganadoras para seguir a la vanguardia de la competencia</a:t>
-            </a:r>
-          </a:p>
-          <a:p>
-            <a:pPr rtl="0"/>
-            <a:r>
-              <a:rPr lang="es-ES" dirty="0"/>
-              <a:t>​Aprovechar los frutos obtenidos para identificar un valor en el terreno de juego</a:t>
-            </a:r>
-          </a:p>
-          <a:p>
-            <a:pPr rtl="0"/>
-            <a:r>
-              <a:rPr lang="es-ES" dirty="0"/>
-              <a:t>​Visualizar la convergencia dirigida al cliente</a:t>
-            </a:r>
-          </a:p>
-        </p:txBody>
-      </p:sp>
-      <p:sp>
-        <p:nvSpPr>
-          <p:cNvPr id="6" name="Marcador de contenido 5">
-            <a:extLst>
-              <a:ext uri="{FF2B5EF4-FFF2-40B4-BE49-F238E27FC236}">
-                <a16:creationId xmlns:a16="http://schemas.microsoft.com/office/drawing/2014/main" id="{50B65871-FA95-449A-B8BC-90486DE532EF}"/>
-              </a:ext>
-            </a:extLst>
-          </p:cNvPr>
-          <p:cNvSpPr>
-            <a:spLocks noGrp="1"/>
-          </p:cNvSpPr>
-          <p:nvPr>
-            <p:ph sz="quarter" idx="4"/>
-          </p:nvPr>
-        </p:nvSpPr>
-        <p:spPr>
-          <a:xfrm>
-            <a:off x="7410173" y="3834606"/>
-            <a:ext cx="3943627" cy="1997867"/>
-          </a:xfrm>
-        </p:spPr>
-        <p:txBody>
-          <a:bodyPr rtlCol="0">
-            <a:normAutofit/>
-          </a:bodyPr>
+              <a:t>20XX</a:t>
+            </a:r>
+          </a:p>
+        </p:txBody>
+      </p:sp>
+      <p:sp>
+        <p:nvSpPr>
+          <p:cNvPr id="57" name="Marcador de pie de página 56">
+            <a:extLst>
+              <a:ext uri="{FF2B5EF4-FFF2-40B4-BE49-F238E27FC236}">
+                <a16:creationId xmlns:a16="http://schemas.microsoft.com/office/drawing/2014/main" id="{3A38BE84-957B-46B9-A315-4B5064DFF1A1}"/>
+              </a:ext>
+            </a:extLst>
+          </p:cNvPr>
+          <p:cNvSpPr>
+            <a:spLocks noGrp="1"/>
+          </p:cNvSpPr>
+          <p:nvPr>
+            <p:ph type="ftr" sz="quarter" idx="11"/>
+          </p:nvPr>
+        </p:nvSpPr>
+        <p:spPr>
+          <a:xfrm>
+            <a:off x="4038600" y="6356350"/>
+            <a:ext cx="4114800" cy="365125"/>
+          </a:xfrm>
+        </p:spPr>
+        <p:txBody>
+          <a:bodyPr rtlCol="0"/>
           <a:lstStyle>
             <a:defPPr>
               <a:defRPr lang="es-ES"/>
@@ -15405,89 +15441,6 @@
             <a:pPr rtl="0"/>
             <a:r>
               <a:rPr lang="es-ES" dirty="0"/>
-              <a:t>Enfoques iterativos para una estrategia corporativa</a:t>
-            </a:r>
-          </a:p>
-          <a:p>
-            <a:pPr rtl="0"/>
-            <a:r>
-              <a:rPr lang="es-ES" dirty="0"/>
-              <a:t>​Establecer un marco de administración desde dentro</a:t>
-            </a:r>
-          </a:p>
-        </p:txBody>
-      </p:sp>
-      <p:sp>
-        <p:nvSpPr>
-          <p:cNvPr id="7" name="Marcador de fecha 6">
-            <a:extLst>
-              <a:ext uri="{FF2B5EF4-FFF2-40B4-BE49-F238E27FC236}">
-                <a16:creationId xmlns:a16="http://schemas.microsoft.com/office/drawing/2014/main" id="{B2A46C4A-D036-4440-BB64-6754F4FF27C1}"/>
-              </a:ext>
-            </a:extLst>
-          </p:cNvPr>
-          <p:cNvSpPr>
-            <a:spLocks noGrp="1"/>
-          </p:cNvSpPr>
-          <p:nvPr>
-            <p:ph type="dt" sz="half" idx="10"/>
-          </p:nvPr>
-        </p:nvSpPr>
-        <p:spPr>
-          <a:xfrm>
-            <a:off x="838200" y="6356350"/>
-            <a:ext cx="2743200" cy="365125"/>
-          </a:xfrm>
-        </p:spPr>
-        <p:txBody>
-          <a:bodyPr rtlCol="0"/>
-          <a:lstStyle>
-            <a:defPPr>
-              <a:defRPr lang="es-ES"/>
-            </a:defPPr>
-          </a:lstStyle>
-          <a:p>
-            <a:pPr rtl="0"/>
-            <a:r>
-              <a:rPr lang="es-ES" dirty="0"/>
-              <a:t>20XX</a:t>
-            </a:r>
-          </a:p>
-        </p:txBody>
-      </p:sp>
-      <p:sp>
-        <p:nvSpPr>
-          <p:cNvPr id="8" name="Marcador de pie de página 7">
-            <a:extLst>
-              <a:ext uri="{FF2B5EF4-FFF2-40B4-BE49-F238E27FC236}">
-                <a16:creationId xmlns:a16="http://schemas.microsoft.com/office/drawing/2014/main" id="{905F172A-5D5D-43CD-A187-DA0D303F4144}"/>
-              </a:ext>
-            </a:extLst>
-          </p:cNvPr>
-          <p:cNvSpPr>
-            <a:spLocks noGrp="1"/>
-          </p:cNvSpPr>
-          <p:nvPr>
-            <p:ph type="ftr" sz="quarter" idx="11"/>
-          </p:nvPr>
-        </p:nvSpPr>
-        <p:spPr>
-          <a:xfrm>
-            <a:off x="4038600" y="6356350"/>
-            <a:ext cx="4114800" cy="365125"/>
-          </a:xfrm>
-        </p:spPr>
-        <p:txBody>
-          <a:bodyPr rtlCol="0"/>
-          <a:lstStyle>
-            <a:defPPr>
-              <a:defRPr lang="es-ES"/>
-            </a:defPPr>
-          </a:lstStyle>
-          <a:p>
-            <a:pPr rtl="0"/>
-            <a:r>
-              <a:rPr lang="es-ES" dirty="0"/>
               <a:t>TÍTULO DE LA PRESENTACIÓN</a:t>
             </a:r>
           </a:p>
@@ -15495,10 +15448,10 @@
       </p:sp>
       <p:sp>
         <p:nvSpPr>
-          <p:cNvPr id="9" name="Marcador de número de diapositiva 8">
-            <a:extLst>
-              <a:ext uri="{FF2B5EF4-FFF2-40B4-BE49-F238E27FC236}">
-                <a16:creationId xmlns:a16="http://schemas.microsoft.com/office/drawing/2014/main" id="{C396FFDC-ADE8-4009-A466-A81787258E88}"/>
+          <p:cNvPr id="58" name="Marcador de número de diapositiva 57">
+            <a:extLst>
+              <a:ext uri="{FF2B5EF4-FFF2-40B4-BE49-F238E27FC236}">
+                <a16:creationId xmlns:a16="http://schemas.microsoft.com/office/drawing/2014/main" id="{E1900601-8B04-4FF3-B06F-6BEFAC6556D3}"/>
               </a:ext>
             </a:extLst>
           </p:cNvPr>
@@ -15533,196 +15486,54 @@
           </a:p>
         </p:txBody>
       </p:sp>
-      <p:pic>
-        <p:nvPicPr>
-          <p:cNvPr id="13" name="Picture 12" descr="A screen shot of a graph&#10;&#10;Description automatically generated">
-            <a:extLst>
-              <a:ext uri="{FF2B5EF4-FFF2-40B4-BE49-F238E27FC236}">
-                <a16:creationId xmlns:a16="http://schemas.microsoft.com/office/drawing/2014/main" id="{E60AB1D9-9C5A-747D-509D-E89744A34532}"/>
-              </a:ext>
-            </a:extLst>
-          </p:cNvPr>
-          <p:cNvPicPr>
-            <a:picLocks noChangeAspect="1"/>
-          </p:cNvPicPr>
-          <p:nvPr/>
-        </p:nvPicPr>
-        <p:blipFill>
-          <a:blip r:embed="rId3"/>
-          <a:stretch>
-            <a:fillRect/>
-          </a:stretch>
-        </p:blipFill>
-        <p:spPr>
-          <a:xfrm>
-            <a:off x="952500" y="-270704"/>
-            <a:ext cx="10287000" cy="6858000"/>
-          </a:xfrm>
-          <a:prstGeom prst="rect">
-            <a:avLst/>
-          </a:prstGeom>
-        </p:spPr>
-      </p:pic>
-      <p:sp>
-        <p:nvSpPr>
-          <p:cNvPr id="3" name="Oval 2">
-            <a:extLst>
-              <a:ext uri="{FF2B5EF4-FFF2-40B4-BE49-F238E27FC236}">
-                <a16:creationId xmlns:a16="http://schemas.microsoft.com/office/drawing/2014/main" id="{6998A596-109F-B8E6-01A0-E9158D7D8FC0}"/>
-              </a:ext>
-            </a:extLst>
-          </p:cNvPr>
-          <p:cNvSpPr/>
-          <p:nvPr/>
-        </p:nvSpPr>
-        <p:spPr>
-          <a:xfrm>
-            <a:off x="8379242" y="553419"/>
-            <a:ext cx="542236" cy="520008"/>
-          </a:xfrm>
-          <a:prstGeom prst="ellipse">
-            <a:avLst/>
-          </a:prstGeom>
-          <a:noFill/>
-          <a:ln w="28575">
-            <a:solidFill>
-              <a:srgbClr val="AE2012"/>
-            </a:solidFill>
-          </a:ln>
-        </p:spPr>
-        <p:style>
-          <a:lnRef idx="2">
-            <a:schemeClr val="accent1">
-              <a:shade val="15000"/>
-            </a:schemeClr>
-          </a:lnRef>
-          <a:fillRef idx="1">
-            <a:schemeClr val="accent1"/>
-          </a:fillRef>
-          <a:effectRef idx="0">
-            <a:schemeClr val="accent1"/>
-          </a:effectRef>
-          <a:fontRef idx="minor">
-            <a:schemeClr val="lt1"/>
-          </a:fontRef>
-        </p:style>
-        <p:txBody>
-          <a:bodyPr rtlCol="0" anchor="ctr"/>
-          <a:lstStyle/>
-          <a:p>
-            <a:pPr algn="ctr"/>
-            <a:endParaRPr lang="es-US" dirty="0"/>
-          </a:p>
-        </p:txBody>
-      </p:sp>
-      <p:sp>
-        <p:nvSpPr>
-          <p:cNvPr id="5" name="Oval 4">
-            <a:extLst>
-              <a:ext uri="{FF2B5EF4-FFF2-40B4-BE49-F238E27FC236}">
-                <a16:creationId xmlns:a16="http://schemas.microsoft.com/office/drawing/2014/main" id="{C7C02EDF-94D5-CA69-341D-1FC4D160C02F}"/>
-              </a:ext>
-            </a:extLst>
-          </p:cNvPr>
-          <p:cNvSpPr/>
-          <p:nvPr/>
-        </p:nvSpPr>
-        <p:spPr>
-          <a:xfrm>
-            <a:off x="9093212" y="1068592"/>
-            <a:ext cx="542236" cy="520008"/>
-          </a:xfrm>
-          <a:prstGeom prst="ellipse">
-            <a:avLst/>
-          </a:prstGeom>
-          <a:noFill/>
-          <a:ln w="28575">
-            <a:solidFill>
-              <a:srgbClr val="AE2012"/>
-            </a:solidFill>
-          </a:ln>
-        </p:spPr>
-        <p:style>
-          <a:lnRef idx="2">
-            <a:schemeClr val="accent1">
-              <a:shade val="15000"/>
-            </a:schemeClr>
-          </a:lnRef>
-          <a:fillRef idx="1">
-            <a:schemeClr val="accent1"/>
-          </a:fillRef>
-          <a:effectRef idx="0">
-            <a:schemeClr val="accent1"/>
-          </a:effectRef>
-          <a:fontRef idx="minor">
-            <a:schemeClr val="lt1"/>
-          </a:fontRef>
-        </p:style>
-        <p:txBody>
-          <a:bodyPr rtlCol="0" anchor="ctr"/>
-          <a:lstStyle/>
-          <a:p>
-            <a:pPr algn="ctr"/>
-            <a:endParaRPr lang="es-US" dirty="0"/>
-          </a:p>
-        </p:txBody>
-      </p:sp>
-      <p:sp>
-        <p:nvSpPr>
-          <p:cNvPr id="10" name="Oval 9">
-            <a:extLst>
-              <a:ext uri="{FF2B5EF4-FFF2-40B4-BE49-F238E27FC236}">
-                <a16:creationId xmlns:a16="http://schemas.microsoft.com/office/drawing/2014/main" id="{64A443F8-ECCA-45EA-A97B-BE2AF1627D03}"/>
-              </a:ext>
-            </a:extLst>
-          </p:cNvPr>
-          <p:cNvSpPr/>
-          <p:nvPr/>
-        </p:nvSpPr>
-        <p:spPr>
-          <a:xfrm>
-            <a:off x="8372608" y="2892446"/>
-            <a:ext cx="542236" cy="520008"/>
-          </a:xfrm>
-          <a:prstGeom prst="ellipse">
-            <a:avLst/>
-          </a:prstGeom>
-          <a:noFill/>
-          <a:ln w="28575">
-            <a:solidFill>
-              <a:srgbClr val="AE2012"/>
-            </a:solidFill>
-          </a:ln>
-        </p:spPr>
-        <p:style>
-          <a:lnRef idx="2">
-            <a:schemeClr val="accent1">
-              <a:shade val="15000"/>
-            </a:schemeClr>
-          </a:lnRef>
-          <a:fillRef idx="1">
-            <a:schemeClr val="accent1"/>
-          </a:fillRef>
-          <a:effectRef idx="0">
-            <a:schemeClr val="accent1"/>
-          </a:effectRef>
-          <a:fontRef idx="minor">
-            <a:schemeClr val="lt1"/>
-          </a:fontRef>
-        </p:style>
-        <p:txBody>
-          <a:bodyPr rtlCol="0" anchor="ctr"/>
-          <a:lstStyle/>
-          <a:p>
-            <a:pPr algn="ctr"/>
-            <a:endParaRPr lang="es-US" dirty="0"/>
+      <p:sp>
+        <p:nvSpPr>
+          <p:cNvPr id="326" name="Marcador de texto 2">
+            <a:extLst>
+              <a:ext uri="{FF2B5EF4-FFF2-40B4-BE49-F238E27FC236}">
+                <a16:creationId xmlns:a16="http://schemas.microsoft.com/office/drawing/2014/main" id="{7B160DB7-BDF4-9939-C740-26EBBB3E0189}"/>
+              </a:ext>
+            </a:extLst>
+          </p:cNvPr>
+          <p:cNvSpPr>
+            <a:spLocks noGrp="1"/>
+          </p:cNvSpPr>
+          <p:nvPr>
+            <p:ph type="body" idx="1"/>
+          </p:nvPr>
+        </p:nvSpPr>
+        <p:spPr>
+          <a:xfrm>
+            <a:off x="1362074" y="2452812"/>
+            <a:ext cx="9605756" cy="2912564"/>
+          </a:xfrm>
+        </p:spPr>
+        <p:txBody>
+          <a:bodyPr rtlCol="0">
+            <a:normAutofit/>
+          </a:bodyPr>
+          <a:lstStyle>
+            <a:defPPr>
+              <a:defRPr lang="es-ES"/>
+            </a:defPPr>
+          </a:lstStyle>
+          <a:p>
+            <a:pPr rtl="0"/>
+            <a:r>
+              <a:rPr lang="es-ES" sz="1400" dirty="0"/>
+              <a:t>ADD CONCLUSIONS HERE</a:t>
+            </a:r>
+          </a:p>
+          <a:p>
+            <a:pPr rtl="0"/>
+            <a:endParaRPr lang="es-ES" sz="1400" dirty="0"/>
           </a:p>
         </p:txBody>
       </p:sp>
     </p:spTree>
     <p:extLst>
       <p:ext uri="{BB962C8B-B14F-4D97-AF65-F5344CB8AC3E}">
-        <p14:creationId xmlns:p14="http://schemas.microsoft.com/office/powerpoint/2010/main" val="144498883"/>
+        <p14:creationId xmlns:p14="http://schemas.microsoft.com/office/powerpoint/2010/main" val="1007431861"/>
       </p:ext>
     </p:extLst>
   </p:cSld>
@@ -15751,10 +15562,10 @@
       </p:grpSpPr>
       <p:sp>
         <p:nvSpPr>
-          <p:cNvPr id="3" name="Título 2">
-            <a:extLst>
-              <a:ext uri="{FF2B5EF4-FFF2-40B4-BE49-F238E27FC236}">
-                <a16:creationId xmlns:a16="http://schemas.microsoft.com/office/drawing/2014/main" id="{77762301-F83A-4BEA-9D11-E6C99FB574A8}"/>
+          <p:cNvPr id="2" name="Título 1">
+            <a:extLst>
+              <a:ext uri="{FF2B5EF4-FFF2-40B4-BE49-F238E27FC236}">
+                <a16:creationId xmlns:a16="http://schemas.microsoft.com/office/drawing/2014/main" id="{09140014-73D5-419B-8867-972BB18D52D4}"/>
               </a:ext>
             </a:extLst>
           </p:cNvPr>
@@ -15767,8 +15578,8 @@
         </p:nvSpPr>
         <p:spPr>
           <a:xfrm>
-            <a:off x="838200" y="365125"/>
-            <a:ext cx="10515600" cy="1325563"/>
+            <a:off x="2933700" y="892177"/>
+            <a:ext cx="8421688" cy="1325563"/>
           </a:xfrm>
         </p:spPr>
         <p:txBody>
@@ -15782,35 +15593,37 @@
             <a:pPr rtl="0"/>
             <a:r>
               <a:rPr lang="es-ES" dirty="0"/>
-              <a:t>Top yearly earnings</a:t>
-            </a:r>
-          </a:p>
-        </p:txBody>
-      </p:sp>
-      <p:sp>
-        <p:nvSpPr>
-          <p:cNvPr id="6" name="Marcador de fecha 5">
-            <a:extLst>
-              <a:ext uri="{FF2B5EF4-FFF2-40B4-BE49-F238E27FC236}">
-                <a16:creationId xmlns:a16="http://schemas.microsoft.com/office/drawing/2014/main" id="{3627CC26-34EF-4BB9-B289-9EC56B07D1E6}"/>
-              </a:ext>
-            </a:extLst>
-          </p:cNvPr>
-          <p:cNvSpPr>
-            <a:spLocks noGrp="1"/>
-          </p:cNvSpPr>
-          <p:nvPr>
-            <p:ph type="dt" sz="half" idx="10"/>
-          </p:nvPr>
-        </p:nvSpPr>
-        <p:spPr>
-          <a:xfrm>
-            <a:off x="838200" y="6356350"/>
-            <a:ext cx="2743200" cy="365125"/>
-          </a:xfrm>
-        </p:spPr>
-        <p:txBody>
-          <a:bodyPr rtlCol="0"/>
+              <a:t>ÁREAS DE ENFOQUE</a:t>
+            </a:r>
+          </a:p>
+        </p:txBody>
+      </p:sp>
+      <p:sp>
+        <p:nvSpPr>
+          <p:cNvPr id="4" name="Marcador de contenido 3">
+            <a:extLst>
+              <a:ext uri="{FF2B5EF4-FFF2-40B4-BE49-F238E27FC236}">
+                <a16:creationId xmlns:a16="http://schemas.microsoft.com/office/drawing/2014/main" id="{33D8731E-4977-402E-8BFD-895B4D0544CC}"/>
+              </a:ext>
+            </a:extLst>
+          </p:cNvPr>
+          <p:cNvSpPr>
+            <a:spLocks noGrp="1"/>
+          </p:cNvSpPr>
+          <p:nvPr>
+            <p:ph sz="half" idx="2"/>
+          </p:nvPr>
+        </p:nvSpPr>
+        <p:spPr>
+          <a:xfrm>
+            <a:off x="2933700" y="3834606"/>
+            <a:ext cx="3924300" cy="1997867"/>
+          </a:xfrm>
+        </p:spPr>
+        <p:txBody>
+          <a:bodyPr rtlCol="0">
+            <a:normAutofit/>
+          </a:bodyPr>
           <a:lstStyle>
             <a:defPPr>
               <a:defRPr lang="es-ES"/>
@@ -15820,31 +15633,45 @@
             <a:pPr rtl="0"/>
             <a:r>
               <a:rPr lang="es-ES" dirty="0"/>
-              <a:t>20XX</a:t>
-            </a:r>
-          </a:p>
-        </p:txBody>
-      </p:sp>
-      <p:sp>
-        <p:nvSpPr>
-          <p:cNvPr id="7" name="Marcador de pie de página 6">
-            <a:extLst>
-              <a:ext uri="{FF2B5EF4-FFF2-40B4-BE49-F238E27FC236}">
-                <a16:creationId xmlns:a16="http://schemas.microsoft.com/office/drawing/2014/main" id="{4E98E6AD-9D37-499C-898E-ED12AC36D31D}"/>
-              </a:ext>
-            </a:extLst>
-          </p:cNvPr>
-          <p:cNvSpPr>
-            <a:spLocks noGrp="1"/>
-          </p:cNvSpPr>
-          <p:nvPr>
-            <p:ph type="ftr" sz="quarter" idx="11"/>
-          </p:nvPr>
-        </p:nvSpPr>
-        <p:spPr>
-          <a:xfrm>
-            <a:off x="4038600" y="6356350"/>
-            <a:ext cx="4114800" cy="365125"/>
+              <a:t>Desarrollar estrategias ganadoras para seguir a la vanguardia de la competencia</a:t>
+            </a:r>
+          </a:p>
+          <a:p>
+            <a:pPr rtl="0"/>
+            <a:r>
+              <a:rPr lang="es-ES" dirty="0"/>
+              <a:t>​Aprovechar los frutos obtenidos para identificar un valor en el terreno de juego</a:t>
+            </a:r>
+          </a:p>
+          <a:p>
+            <a:pPr rtl="0"/>
+            <a:r>
+              <a:rPr lang="es-ES" dirty="0"/>
+              <a:t>​Visualizar la convergencia dirigida al cliente</a:t>
+            </a:r>
+          </a:p>
+        </p:txBody>
+      </p:sp>
+      <p:sp>
+        <p:nvSpPr>
+          <p:cNvPr id="5" name="Marcador de texto 4">
+            <a:extLst>
+              <a:ext uri="{FF2B5EF4-FFF2-40B4-BE49-F238E27FC236}">
+                <a16:creationId xmlns:a16="http://schemas.microsoft.com/office/drawing/2014/main" id="{91CDEC5F-B8EE-4BC1-843F-13135E6E7AB2}"/>
+              </a:ext>
+            </a:extLst>
+          </p:cNvPr>
+          <p:cNvSpPr>
+            <a:spLocks noGrp="1"/>
+          </p:cNvSpPr>
+          <p:nvPr>
+            <p:ph type="body" sz="quarter" idx="3"/>
+          </p:nvPr>
+        </p:nvSpPr>
+        <p:spPr>
+          <a:xfrm>
+            <a:off x="7410173" y="2776936"/>
+            <a:ext cx="3943627" cy="823912"/>
           </a:xfrm>
         </p:spPr>
         <p:txBody>
@@ -15858,17 +15685,64 @@
             <a:pPr rtl="0"/>
             <a:r>
               <a:rPr lang="es-ES" dirty="0"/>
-              <a:t>TÍTULO DE LA PRESENTACIÓN</a:t>
-            </a:r>
-          </a:p>
-        </p:txBody>
-      </p:sp>
-      <p:sp>
-        <p:nvSpPr>
-          <p:cNvPr id="8" name="Marcador de número de diapositiva 7">
-            <a:extLst>
-              <a:ext uri="{FF2B5EF4-FFF2-40B4-BE49-F238E27FC236}">
-                <a16:creationId xmlns:a16="http://schemas.microsoft.com/office/drawing/2014/main" id="{92908AF9-2A07-4B50-BC13-471792106EC8}"/>
+              <a:t>OPORTUNIDADES BASADAS EN LA NUBE</a:t>
+            </a:r>
+          </a:p>
+        </p:txBody>
+      </p:sp>
+      <p:sp>
+        <p:nvSpPr>
+          <p:cNvPr id="6" name="Marcador de contenido 5">
+            <a:extLst>
+              <a:ext uri="{FF2B5EF4-FFF2-40B4-BE49-F238E27FC236}">
+                <a16:creationId xmlns:a16="http://schemas.microsoft.com/office/drawing/2014/main" id="{50B65871-FA95-449A-B8BC-90486DE532EF}"/>
+              </a:ext>
+            </a:extLst>
+          </p:cNvPr>
+          <p:cNvSpPr>
+            <a:spLocks noGrp="1"/>
+          </p:cNvSpPr>
+          <p:nvPr>
+            <p:ph sz="quarter" idx="4"/>
+          </p:nvPr>
+        </p:nvSpPr>
+        <p:spPr>
+          <a:xfrm>
+            <a:off x="10214890" y="3494485"/>
+            <a:ext cx="3724947" cy="1910727"/>
+          </a:xfrm>
+        </p:spPr>
+        <p:txBody>
+          <a:bodyPr rtlCol="0">
+            <a:normAutofit/>
+          </a:bodyPr>
+          <a:lstStyle>
+            <a:defPPr>
+              <a:defRPr lang="es-ES"/>
+            </a:defPPr>
+          </a:lstStyle>
+          <a:p>
+            <a:pPr rtl="0"/>
+            <a:r>
+              <a:rPr lang="es-ES" dirty="0"/>
+              <a:t>Enfoques iterativos para una estrategia corporativa</a:t>
+            </a:r>
+          </a:p>
+          <a:p>
+            <a:pPr rtl="0"/>
+            <a:r>
+              <a:rPr lang="es-ES" dirty="0"/>
+              <a:t>​Establecer un marco de administración desde dentro</a:t>
+            </a:r>
+          </a:p>
+        </p:txBody>
+      </p:sp>
+      <p:sp>
+        <p:nvSpPr>
+          <p:cNvPr id="9" name="Marcador de número de diapositiva 8">
+            <a:extLst>
+              <a:ext uri="{FF2B5EF4-FFF2-40B4-BE49-F238E27FC236}">
+                <a16:creationId xmlns:a16="http://schemas.microsoft.com/office/drawing/2014/main" id="{C396FFDC-ADE8-4009-A466-A81787258E88}"/>
               </a:ext>
             </a:extLst>
           </p:cNvPr>
@@ -15903,39 +15777,142 @@
           </a:p>
         </p:txBody>
       </p:sp>
+      <p:sp>
+        <p:nvSpPr>
+          <p:cNvPr id="15" name="Marcador de pie de página 4">
+            <a:extLst>
+              <a:ext uri="{FF2B5EF4-FFF2-40B4-BE49-F238E27FC236}">
+                <a16:creationId xmlns:a16="http://schemas.microsoft.com/office/drawing/2014/main" id="{D03417DB-B8B1-A6C2-EC39-D9E06005B059}"/>
+              </a:ext>
+            </a:extLst>
+          </p:cNvPr>
+          <p:cNvSpPr>
+            <a:spLocks noGrp="1"/>
+          </p:cNvSpPr>
+          <p:nvPr>
+            <p:ph type="ftr" sz="quarter" idx="11"/>
+          </p:nvPr>
+        </p:nvSpPr>
+        <p:spPr>
+          <a:xfrm>
+            <a:off x="2463800" y="6356350"/>
+            <a:ext cx="3479800" cy="365125"/>
+          </a:xfrm>
+        </p:spPr>
+        <p:txBody>
+          <a:bodyPr rtlCol="0"/>
+          <a:lstStyle>
+            <a:defPPr>
+              <a:defRPr lang="es-ES"/>
+            </a:defPPr>
+          </a:lstStyle>
+          <a:p>
+            <a:pPr rtl="0"/>
+            <a:r>
+              <a:rPr lang="es-ES" dirty="0"/>
+              <a:t>FORBES HIGHEST PAYING ATHLETES ANALYSIS</a:t>
+            </a:r>
+          </a:p>
+        </p:txBody>
+      </p:sp>
       <p:pic>
         <p:nvPicPr>
-          <p:cNvPr id="12" name="Picture 11">
-            <a:extLst>
-              <a:ext uri="{FF2B5EF4-FFF2-40B4-BE49-F238E27FC236}">
-                <a16:creationId xmlns:a16="http://schemas.microsoft.com/office/drawing/2014/main" id="{A612C06D-D748-DBF6-C6F2-9FD984C2E43C}"/>
+          <p:cNvPr id="3074" name="Picture 2">
+            <a:extLst>
+              <a:ext uri="{FF2B5EF4-FFF2-40B4-BE49-F238E27FC236}">
+                <a16:creationId xmlns:a16="http://schemas.microsoft.com/office/drawing/2014/main" id="{A006EAF0-CE30-5E85-45FF-109E2EAD59B7}"/>
               </a:ext>
             </a:extLst>
           </p:cNvPr>
           <p:cNvPicPr>
-            <a:picLocks noChangeAspect="1"/>
+            <a:picLocks noChangeAspect="1" noChangeArrowheads="1"/>
           </p:cNvPicPr>
           <p:nvPr/>
         </p:nvPicPr>
-        <p:blipFill rotWithShape="1">
-          <a:blip r:embed="rId3"/>
-          <a:srcRect l="1029" t="899" r="4413" b="4063"/>
-          <a:stretch/>
+        <p:blipFill>
+          <a:blip r:embed="rId3">
+            <a:extLst>
+              <a:ext uri="{28A0092B-C50C-407E-A947-70E740481C1C}">
+                <a14:useLocalDpi xmlns:a14="http://schemas.microsoft.com/office/drawing/2010/main" val="0"/>
+              </a:ext>
+            </a:extLst>
+          </a:blip>
+          <a:srcRect/>
+          <a:stretch>
+            <a:fillRect/>
+          </a:stretch>
         </p:blipFill>
-        <p:spPr>
-          <a:xfrm>
-            <a:off x="331694" y="1564341"/>
-            <a:ext cx="11528612" cy="4173071"/>
+        <p:spPr bwMode="auto">
+          <a:xfrm>
+            <a:off x="965243" y="502842"/>
+            <a:ext cx="4920177" cy="4946488"/>
           </a:xfrm>
           <a:prstGeom prst="rect">
             <a:avLst/>
           </a:prstGeom>
+          <a:noFill/>
+          <a:extLst>
+            <a:ext uri="{909E8E84-426E-40DD-AFC4-6F175D3DCCD1}">
+              <a14:hiddenFill xmlns:a14="http://schemas.microsoft.com/office/drawing/2010/main">
+                <a:solidFill>
+                  <a:srgbClr val="FFFFFF"/>
+                </a:solidFill>
+              </a14:hiddenFill>
+            </a:ext>
+          </a:extLst>
+        </p:spPr>
+      </p:pic>
+      <p:pic>
+        <p:nvPicPr>
+          <p:cNvPr id="3078" name="Picture 6">
+            <a:extLst>
+              <a:ext uri="{FF2B5EF4-FFF2-40B4-BE49-F238E27FC236}">
+                <a16:creationId xmlns:a16="http://schemas.microsoft.com/office/drawing/2014/main" id="{DF37C092-D923-2FA0-C69F-47732B0C3DF6}"/>
+              </a:ext>
+            </a:extLst>
+          </p:cNvPr>
+          <p:cNvPicPr>
+            <a:picLocks noChangeAspect="1" noChangeArrowheads="1"/>
+          </p:cNvPicPr>
+          <p:nvPr/>
+        </p:nvPicPr>
+        <p:blipFill>
+          <a:blip r:embed="rId4">
+            <a:extLst>
+              <a:ext uri="{28A0092B-C50C-407E-A947-70E740481C1C}">
+                <a14:useLocalDpi xmlns:a14="http://schemas.microsoft.com/office/drawing/2010/main" val="0"/>
+              </a:ext>
+            </a:extLst>
+          </a:blip>
+          <a:srcRect/>
+          <a:stretch>
+            <a:fillRect/>
+          </a:stretch>
+        </p:blipFill>
+        <p:spPr bwMode="auto">
+          <a:xfrm>
+            <a:off x="6306582" y="502843"/>
+            <a:ext cx="5071932" cy="4946487"/>
+          </a:xfrm>
+          <a:prstGeom prst="rect">
+            <a:avLst/>
+          </a:prstGeom>
+          <a:noFill/>
+          <a:extLst>
+            <a:ext uri="{909E8E84-426E-40DD-AFC4-6F175D3DCCD1}">
+              <a14:hiddenFill xmlns:a14="http://schemas.microsoft.com/office/drawing/2010/main">
+                <a:solidFill>
+                  <a:srgbClr val="FFFFFF"/>
+                </a:solidFill>
+              </a14:hiddenFill>
+            </a:ext>
+          </a:extLst>
         </p:spPr>
       </p:pic>
     </p:spTree>
     <p:extLst>
       <p:ext uri="{BB962C8B-B14F-4D97-AF65-F5344CB8AC3E}">
-        <p14:creationId xmlns:p14="http://schemas.microsoft.com/office/powerpoint/2010/main" val="2896385493"/>
+        <p14:creationId xmlns:p14="http://schemas.microsoft.com/office/powerpoint/2010/main" val="2262251188"/>
       </p:ext>
     </p:extLst>
   </p:cSld>
@@ -16129,21 +16106,21 @@
           <p:cNvPr id="2" name="Título 1">
             <a:extLst>
               <a:ext uri="{FF2B5EF4-FFF2-40B4-BE49-F238E27FC236}">
-                <a16:creationId xmlns:a16="http://schemas.microsoft.com/office/drawing/2014/main" id="{42DD0E59-4C68-4F87-9821-23C69713D980}"/>
-              </a:ext>
-            </a:extLst>
-          </p:cNvPr>
-          <p:cNvSpPr>
-            <a:spLocks noGrp="1"/>
-          </p:cNvSpPr>
-          <p:nvPr>
-            <p:ph type="title"/>
-          </p:nvPr>
-        </p:nvSpPr>
-        <p:spPr>
-          <a:xfrm>
-            <a:off x="1885156" y="892177"/>
-            <a:ext cx="8421688" cy="1325563"/>
+                <a16:creationId xmlns:a16="http://schemas.microsoft.com/office/drawing/2014/main" id="{B1FE5F11-B7B9-4B80-8C6A-A8A7A7190B77}"/>
+              </a:ext>
+            </a:extLst>
+          </p:cNvPr>
+          <p:cNvSpPr>
+            <a:spLocks noGrp="1"/>
+          </p:cNvSpPr>
+          <p:nvPr>
+            <p:ph type="ctrTitle"/>
+          </p:nvPr>
+        </p:nvSpPr>
+        <p:spPr>
+          <a:xfrm>
+            <a:off x="6458964" y="2945452"/>
+            <a:ext cx="5074920" cy="967095"/>
           </a:xfrm>
         </p:spPr>
         <p:txBody>
@@ -16156,176 +16133,16 @@
           <a:p>
             <a:pPr rtl="0"/>
             <a:r>
-              <a:rPr lang="es-ES" dirty="0"/>
-              <a:t>Conclusions</a:t>
-            </a:r>
-          </a:p>
-        </p:txBody>
-      </p:sp>
-      <p:sp>
-        <p:nvSpPr>
-          <p:cNvPr id="56" name="Marcador de fecha 55">
-            <a:extLst>
-              <a:ext uri="{FF2B5EF4-FFF2-40B4-BE49-F238E27FC236}">
-                <a16:creationId xmlns:a16="http://schemas.microsoft.com/office/drawing/2014/main" id="{B289356A-BDA0-4234-84F2-9F2F25D0D7BD}"/>
-              </a:ext>
-            </a:extLst>
-          </p:cNvPr>
-          <p:cNvSpPr>
-            <a:spLocks noGrp="1"/>
-          </p:cNvSpPr>
-          <p:nvPr>
-            <p:ph type="dt" sz="half" idx="10"/>
-          </p:nvPr>
-        </p:nvSpPr>
-        <p:spPr>
-          <a:xfrm>
-            <a:off x="838200" y="6356350"/>
-            <a:ext cx="2743200" cy="365125"/>
-          </a:xfrm>
-        </p:spPr>
-        <p:txBody>
-          <a:bodyPr rtlCol="0"/>
-          <a:lstStyle>
-            <a:defPPr>
-              <a:defRPr lang="es-ES"/>
-            </a:defPPr>
-          </a:lstStyle>
-          <a:p>
-            <a:pPr rtl="0"/>
-            <a:r>
-              <a:rPr lang="es-ES" dirty="0"/>
-              <a:t>20XX</a:t>
-            </a:r>
-          </a:p>
-        </p:txBody>
-      </p:sp>
-      <p:sp>
-        <p:nvSpPr>
-          <p:cNvPr id="57" name="Marcador de pie de página 56">
-            <a:extLst>
-              <a:ext uri="{FF2B5EF4-FFF2-40B4-BE49-F238E27FC236}">
-                <a16:creationId xmlns:a16="http://schemas.microsoft.com/office/drawing/2014/main" id="{3A38BE84-957B-46B9-A315-4B5064DFF1A1}"/>
-              </a:ext>
-            </a:extLst>
-          </p:cNvPr>
-          <p:cNvSpPr>
-            <a:spLocks noGrp="1"/>
-          </p:cNvSpPr>
-          <p:nvPr>
-            <p:ph type="ftr" sz="quarter" idx="11"/>
-          </p:nvPr>
-        </p:nvSpPr>
-        <p:spPr>
-          <a:xfrm>
-            <a:off x="4038600" y="6356350"/>
-            <a:ext cx="4114800" cy="365125"/>
-          </a:xfrm>
-        </p:spPr>
-        <p:txBody>
-          <a:bodyPr rtlCol="0"/>
-          <a:lstStyle>
-            <a:defPPr>
-              <a:defRPr lang="es-ES"/>
-            </a:defPPr>
-          </a:lstStyle>
-          <a:p>
-            <a:pPr rtl="0"/>
-            <a:r>
-              <a:rPr lang="es-ES" dirty="0"/>
-              <a:t>TÍTULO DE LA PRESENTACIÓN</a:t>
-            </a:r>
-          </a:p>
-        </p:txBody>
-      </p:sp>
-      <p:sp>
-        <p:nvSpPr>
-          <p:cNvPr id="58" name="Marcador de número de diapositiva 57">
-            <a:extLst>
-              <a:ext uri="{FF2B5EF4-FFF2-40B4-BE49-F238E27FC236}">
-                <a16:creationId xmlns:a16="http://schemas.microsoft.com/office/drawing/2014/main" id="{E1900601-8B04-4FF3-B06F-6BEFAC6556D3}"/>
-              </a:ext>
-            </a:extLst>
-          </p:cNvPr>
-          <p:cNvSpPr>
-            <a:spLocks noGrp="1"/>
-          </p:cNvSpPr>
-          <p:nvPr>
-            <p:ph type="sldNum" sz="quarter" idx="12"/>
-          </p:nvPr>
-        </p:nvSpPr>
-        <p:spPr>
-          <a:xfrm>
-            <a:off x="8610600" y="6356350"/>
-            <a:ext cx="2743200" cy="365125"/>
-          </a:xfrm>
-        </p:spPr>
-        <p:txBody>
-          <a:bodyPr rtlCol="0"/>
-          <a:lstStyle>
-            <a:defPPr>
-              <a:defRPr lang="es-ES"/>
-            </a:defPPr>
-          </a:lstStyle>
-          <a:p>
-            <a:pPr rtl="0"/>
-            <a:fld id="{A49DFD55-3C28-40EF-9E31-A92D2E4017FF}" type="slidenum">
-              <a:rPr lang="es-ES" smtClean="0"/>
-              <a:pPr rtl="0"/>
-              <a:t>20</a:t>
-            </a:fld>
-            <a:endParaRPr lang="es-ES" dirty="0"/>
-          </a:p>
-        </p:txBody>
-      </p:sp>
-      <p:sp>
-        <p:nvSpPr>
-          <p:cNvPr id="326" name="Marcador de texto 2">
-            <a:extLst>
-              <a:ext uri="{FF2B5EF4-FFF2-40B4-BE49-F238E27FC236}">
-                <a16:creationId xmlns:a16="http://schemas.microsoft.com/office/drawing/2014/main" id="{7B160DB7-BDF4-9939-C740-26EBBB3E0189}"/>
-              </a:ext>
-            </a:extLst>
-          </p:cNvPr>
-          <p:cNvSpPr>
-            <a:spLocks noGrp="1"/>
-          </p:cNvSpPr>
-          <p:nvPr>
-            <p:ph type="body" idx="1"/>
-          </p:nvPr>
-        </p:nvSpPr>
-        <p:spPr>
-          <a:xfrm>
-            <a:off x="1362074" y="2452812"/>
-            <a:ext cx="9605756" cy="2912564"/>
-          </a:xfrm>
-        </p:spPr>
-        <p:txBody>
-          <a:bodyPr rtlCol="0">
-            <a:normAutofit/>
-          </a:bodyPr>
-          <a:lstStyle>
-            <a:defPPr>
-              <a:defRPr lang="es-ES"/>
-            </a:defPPr>
-          </a:lstStyle>
-          <a:p>
-            <a:pPr rtl="0"/>
-            <a:r>
-              <a:rPr lang="es-ES" sz="1400" dirty="0"/>
-              <a:t>There are a </a:t>
-            </a:r>
-          </a:p>
-          <a:p>
-            <a:pPr rtl="0"/>
-            <a:endParaRPr lang="es-ES" sz="1400" dirty="0"/>
+              <a:rPr lang="en-US" sz="2800" dirty="0"/>
+              <a:t>Limitations and next steps</a:t>
+            </a:r>
           </a:p>
         </p:txBody>
       </p:sp>
     </p:spTree>
     <p:extLst>
       <p:ext uri="{BB962C8B-B14F-4D97-AF65-F5344CB8AC3E}">
-        <p14:creationId xmlns:p14="http://schemas.microsoft.com/office/powerpoint/2010/main" val="2491923539"/>
+        <p14:creationId xmlns:p14="http://schemas.microsoft.com/office/powerpoint/2010/main" val="3671601111"/>
       </p:ext>
     </p:extLst>
   </p:cSld>
@@ -16357,21 +16174,21 @@
           <p:cNvPr id="2" name="Título 1">
             <a:extLst>
               <a:ext uri="{FF2B5EF4-FFF2-40B4-BE49-F238E27FC236}">
-                <a16:creationId xmlns:a16="http://schemas.microsoft.com/office/drawing/2014/main" id="{B1FE5F11-B7B9-4B80-8C6A-A8A7A7190B77}"/>
-              </a:ext>
-            </a:extLst>
-          </p:cNvPr>
-          <p:cNvSpPr>
-            <a:spLocks noGrp="1"/>
-          </p:cNvSpPr>
-          <p:nvPr>
-            <p:ph type="ctrTitle"/>
-          </p:nvPr>
-        </p:nvSpPr>
-        <p:spPr>
-          <a:xfrm>
-            <a:off x="6458964" y="2945452"/>
-            <a:ext cx="5074920" cy="967095"/>
+                <a16:creationId xmlns:a16="http://schemas.microsoft.com/office/drawing/2014/main" id="{4518FC28-E0BD-4387-B8BE-9965D1A57FF1}"/>
+              </a:ext>
+            </a:extLst>
+          </p:cNvPr>
+          <p:cNvSpPr>
+            <a:spLocks noGrp="1"/>
+          </p:cNvSpPr>
+          <p:nvPr>
+            <p:ph type="title"/>
+          </p:nvPr>
+        </p:nvSpPr>
+        <p:spPr>
+          <a:xfrm>
+            <a:off x="5428430" y="502056"/>
+            <a:ext cx="5111750" cy="1204912"/>
           </a:xfrm>
         </p:spPr>
         <p:txBody>
@@ -16384,16 +16201,195 @@
           <a:p>
             <a:pPr rtl="0"/>
             <a:r>
-              <a:rPr lang="en-US" sz="2800" dirty="0"/>
-              <a:t>Limitations and next steps</a:t>
-            </a:r>
+              <a:rPr lang="es-ES" dirty="0"/>
+              <a:t>limitations</a:t>
+            </a:r>
+          </a:p>
+        </p:txBody>
+      </p:sp>
+      <p:sp>
+        <p:nvSpPr>
+          <p:cNvPr id="3" name="Marcador de texto 2">
+            <a:extLst>
+              <a:ext uri="{FF2B5EF4-FFF2-40B4-BE49-F238E27FC236}">
+                <a16:creationId xmlns:a16="http://schemas.microsoft.com/office/drawing/2014/main" id="{FED19BCA-B61F-4EA6-A1FB-CCA3BD8506FB}"/>
+              </a:ext>
+            </a:extLst>
+          </p:cNvPr>
+          <p:cNvSpPr>
+            <a:spLocks noGrp="1"/>
+          </p:cNvSpPr>
+          <p:nvPr>
+            <p:ph type="body" idx="1"/>
+          </p:nvPr>
+        </p:nvSpPr>
+        <p:spPr>
+          <a:xfrm>
+            <a:off x="5428430" y="2094275"/>
+            <a:ext cx="5550426" cy="2592781"/>
+          </a:xfrm>
+        </p:spPr>
+        <p:txBody>
+          <a:bodyPr rtlCol="0">
+            <a:normAutofit lnSpcReduction="10000"/>
+          </a:bodyPr>
+          <a:lstStyle>
+            <a:defPPr>
+              <a:defRPr lang="es-ES"/>
+            </a:defPPr>
+          </a:lstStyle>
+          <a:p>
+            <a:pPr marL="342900" indent="-342900" rtl="0">
+              <a:buFont typeface="Courier New" panose="02070309020205020404" pitchFamily="49" charset="0"/>
+              <a:buChar char="o"/>
+            </a:pPr>
+            <a:r>
+              <a:rPr lang="es-ES" dirty="0"/>
+              <a:t>Database only included top earners for every year 10. It would be interesting to understand if regional data behaves similarly when analyzing a larger sample of athlete earnings.</a:t>
+            </a:r>
+          </a:p>
+          <a:p>
+            <a:pPr marL="342900" indent="-342900" rtl="0">
+              <a:buFont typeface="Courier New" panose="02070309020205020404" pitchFamily="49" charset="0"/>
+              <a:buChar char="o"/>
+            </a:pPr>
+            <a:r>
+              <a:rPr lang="es-ES" dirty="0"/>
+              <a:t>We lacked industry data (ex. TV rights, number of spectators, team valuations) to carry out a correlation analysis to understand key drivers for earnings.</a:t>
+            </a:r>
+          </a:p>
+          <a:p>
+            <a:pPr marL="342900" indent="-342900" rtl="0">
+              <a:buFont typeface="Courier New" panose="02070309020205020404" pitchFamily="49" charset="0"/>
+              <a:buChar char="o"/>
+            </a:pPr>
+            <a:r>
+              <a:rPr lang="es-ES" dirty="0"/>
+              <a:t>When it comes to calculating average earnings by country when it comes to athletes there is a limitation in the form of us not having a large enough sample size to illustrate this effectively</a:t>
+            </a:r>
+          </a:p>
+        </p:txBody>
+      </p:sp>
+      <p:sp>
+        <p:nvSpPr>
+          <p:cNvPr id="4" name="Marcador de fecha 3">
+            <a:extLst>
+              <a:ext uri="{FF2B5EF4-FFF2-40B4-BE49-F238E27FC236}">
+                <a16:creationId xmlns:a16="http://schemas.microsoft.com/office/drawing/2014/main" id="{00560550-EE65-43CE-B899-F421E74287A1}"/>
+              </a:ext>
+            </a:extLst>
+          </p:cNvPr>
+          <p:cNvSpPr>
+            <a:spLocks noGrp="1"/>
+          </p:cNvSpPr>
+          <p:nvPr>
+            <p:ph type="dt" sz="half" idx="10"/>
+          </p:nvPr>
+        </p:nvSpPr>
+        <p:spPr>
+          <a:xfrm>
+            <a:off x="838200" y="6356350"/>
+            <a:ext cx="2743200" cy="365125"/>
+          </a:xfrm>
+        </p:spPr>
+        <p:txBody>
+          <a:bodyPr rtlCol="0"/>
+          <a:lstStyle>
+            <a:defPPr>
+              <a:defRPr lang="es-ES"/>
+            </a:defPPr>
+          </a:lstStyle>
+          <a:p>
+            <a:pPr rtl="0"/>
+            <a:r>
+              <a:rPr lang="es-ES" dirty="0"/>
+              <a:t>20XX</a:t>
+            </a:r>
+          </a:p>
+        </p:txBody>
+      </p:sp>
+      <p:sp>
+        <p:nvSpPr>
+          <p:cNvPr id="5" name="Marcador de pie de página 4">
+            <a:extLst>
+              <a:ext uri="{FF2B5EF4-FFF2-40B4-BE49-F238E27FC236}">
+                <a16:creationId xmlns:a16="http://schemas.microsoft.com/office/drawing/2014/main" id="{4135E32A-1A8C-43D2-9C6E-12887B4DEDFB}"/>
+              </a:ext>
+            </a:extLst>
+          </p:cNvPr>
+          <p:cNvSpPr>
+            <a:spLocks noGrp="1"/>
+          </p:cNvSpPr>
+          <p:nvPr>
+            <p:ph type="ftr" sz="quarter" idx="11"/>
+          </p:nvPr>
+        </p:nvSpPr>
+        <p:spPr>
+          <a:xfrm>
+            <a:off x="4038600" y="6356350"/>
+            <a:ext cx="4114800" cy="365125"/>
+          </a:xfrm>
+        </p:spPr>
+        <p:txBody>
+          <a:bodyPr rtlCol="0"/>
+          <a:lstStyle>
+            <a:defPPr>
+              <a:defRPr lang="es-ES"/>
+            </a:defPPr>
+          </a:lstStyle>
+          <a:p>
+            <a:pPr rtl="0"/>
+            <a:r>
+              <a:rPr lang="es-ES" dirty="0"/>
+              <a:t>TÍTULO DE LA PRESENTACIÓN</a:t>
+            </a:r>
+          </a:p>
+        </p:txBody>
+      </p:sp>
+      <p:sp>
+        <p:nvSpPr>
+          <p:cNvPr id="6" name="Marcador de número de diapositiva 5">
+            <a:extLst>
+              <a:ext uri="{FF2B5EF4-FFF2-40B4-BE49-F238E27FC236}">
+                <a16:creationId xmlns:a16="http://schemas.microsoft.com/office/drawing/2014/main" id="{7C4B8313-9270-4128-8674-3A3E42B806BC}"/>
+              </a:ext>
+            </a:extLst>
+          </p:cNvPr>
+          <p:cNvSpPr>
+            <a:spLocks noGrp="1"/>
+          </p:cNvSpPr>
+          <p:nvPr>
+            <p:ph type="sldNum" sz="quarter" idx="12"/>
+          </p:nvPr>
+        </p:nvSpPr>
+        <p:spPr>
+          <a:xfrm>
+            <a:off x="8610600" y="6356350"/>
+            <a:ext cx="2743200" cy="365125"/>
+          </a:xfrm>
+        </p:spPr>
+        <p:txBody>
+          <a:bodyPr rtlCol="0"/>
+          <a:lstStyle>
+            <a:defPPr>
+              <a:defRPr lang="es-ES"/>
+            </a:defPPr>
+          </a:lstStyle>
+          <a:p>
+            <a:pPr rtl="0"/>
+            <a:fld id="{A49DFD55-3C28-40EF-9E31-A92D2E4017FF}" type="slidenum">
+              <a:rPr lang="es-ES" smtClean="0"/>
+              <a:pPr rtl="0"/>
+              <a:t>21</a:t>
+            </a:fld>
+            <a:endParaRPr lang="es-ES" dirty="0"/>
           </a:p>
         </p:txBody>
       </p:sp>
     </p:spTree>
     <p:extLst>
       <p:ext uri="{BB962C8B-B14F-4D97-AF65-F5344CB8AC3E}">
-        <p14:creationId xmlns:p14="http://schemas.microsoft.com/office/powerpoint/2010/main" val="3671601111"/>
+        <p14:creationId xmlns:p14="http://schemas.microsoft.com/office/powerpoint/2010/main" val="1742861620"/>
       </p:ext>
     </p:extLst>
   </p:cSld>
@@ -16425,7 +16421,7 @@
           <p:cNvPr id="2" name="Título 1">
             <a:extLst>
               <a:ext uri="{FF2B5EF4-FFF2-40B4-BE49-F238E27FC236}">
-                <a16:creationId xmlns:a16="http://schemas.microsoft.com/office/drawing/2014/main" id="{4518FC28-E0BD-4387-B8BE-9965D1A57FF1}"/>
+                <a16:creationId xmlns:a16="http://schemas.microsoft.com/office/drawing/2014/main" id="{09140014-73D5-419B-8867-972BB18D52D4}"/>
               </a:ext>
             </a:extLst>
           </p:cNvPr>
@@ -16438,8 +16434,8 @@
         </p:nvSpPr>
         <p:spPr>
           <a:xfrm>
-            <a:off x="5428430" y="502056"/>
-            <a:ext cx="5111750" cy="1204912"/>
+            <a:off x="2933700" y="892177"/>
+            <a:ext cx="8421688" cy="1325563"/>
           </a:xfrm>
         </p:spPr>
         <p:txBody>
@@ -16453,36 +16449,36 @@
             <a:pPr rtl="0"/>
             <a:r>
               <a:rPr lang="es-ES" dirty="0"/>
-              <a:t>limitations</a:t>
-            </a:r>
-          </a:p>
-        </p:txBody>
-      </p:sp>
-      <p:sp>
-        <p:nvSpPr>
-          <p:cNvPr id="3" name="Marcador de texto 2">
-            <a:extLst>
-              <a:ext uri="{FF2B5EF4-FFF2-40B4-BE49-F238E27FC236}">
-                <a16:creationId xmlns:a16="http://schemas.microsoft.com/office/drawing/2014/main" id="{FED19BCA-B61F-4EA6-A1FB-CCA3BD8506FB}"/>
-              </a:ext>
-            </a:extLst>
-          </p:cNvPr>
-          <p:cNvSpPr>
-            <a:spLocks noGrp="1"/>
-          </p:cNvSpPr>
-          <p:nvPr>
-            <p:ph type="body" idx="1"/>
-          </p:nvPr>
-        </p:nvSpPr>
-        <p:spPr>
-          <a:xfrm>
-            <a:off x="5428430" y="2094275"/>
-            <a:ext cx="5550426" cy="2592781"/>
+              <a:t>ÁREAS DE ENFOQUE</a:t>
+            </a:r>
+          </a:p>
+        </p:txBody>
+      </p:sp>
+      <p:sp>
+        <p:nvSpPr>
+          <p:cNvPr id="4" name="Marcador de contenido 3">
+            <a:extLst>
+              <a:ext uri="{FF2B5EF4-FFF2-40B4-BE49-F238E27FC236}">
+                <a16:creationId xmlns:a16="http://schemas.microsoft.com/office/drawing/2014/main" id="{33D8731E-4977-402E-8BFD-895B4D0544CC}"/>
+              </a:ext>
+            </a:extLst>
+          </p:cNvPr>
+          <p:cNvSpPr>
+            <a:spLocks noGrp="1"/>
+          </p:cNvSpPr>
+          <p:nvPr>
+            <p:ph sz="half" idx="2"/>
+          </p:nvPr>
+        </p:nvSpPr>
+        <p:spPr>
+          <a:xfrm>
+            <a:off x="2933700" y="3834606"/>
+            <a:ext cx="3924300" cy="1997867"/>
           </a:xfrm>
         </p:spPr>
         <p:txBody>
           <a:bodyPr rtlCol="0">
-            <a:normAutofit lnSpcReduction="10000"/>
+            <a:normAutofit/>
           </a:bodyPr>
           <a:lstStyle>
             <a:defPPr>
@@ -16490,57 +16486,48 @@
             </a:defPPr>
           </a:lstStyle>
           <a:p>
-            <a:pPr marL="342900" indent="-342900" rtl="0">
-              <a:buFont typeface="Courier New" panose="02070309020205020404" pitchFamily="49" charset="0"/>
-              <a:buChar char="o"/>
-            </a:pPr>
+            <a:pPr rtl="0"/>
             <a:r>
               <a:rPr lang="es-ES" dirty="0"/>
-              <a:t>Database only included top earners for every year 10. It would be interesting to understand if regional data behaves similarly when analyzing a larger sample of athlete earnings.</a:t>
-            </a:r>
-          </a:p>
-          <a:p>
-            <a:pPr marL="342900" indent="-342900" rtl="0">
-              <a:buFont typeface="Courier New" panose="02070309020205020404" pitchFamily="49" charset="0"/>
-              <a:buChar char="o"/>
-            </a:pPr>
+              <a:t>Desarrollar estrategias ganadoras para seguir a la vanguardia de la competencia</a:t>
+            </a:r>
+          </a:p>
+          <a:p>
+            <a:pPr rtl="0"/>
             <a:r>
               <a:rPr lang="es-ES" dirty="0"/>
-              <a:t>We lacked industry data (ex. TV rights, number of spectators, team valuations) to carry out a correlation analysis to understand key drivers for earnings.</a:t>
-            </a:r>
-          </a:p>
-          <a:p>
-            <a:pPr marL="342900" indent="-342900" rtl="0">
-              <a:buFont typeface="Courier New" panose="02070309020205020404" pitchFamily="49" charset="0"/>
-              <a:buChar char="o"/>
-            </a:pPr>
+              <a:t>​Aprovechar los frutos obtenidos para identificar un valor en el terreno de juego</a:t>
+            </a:r>
+          </a:p>
+          <a:p>
+            <a:pPr rtl="0"/>
             <a:r>
               <a:rPr lang="es-ES" dirty="0"/>
-              <a:t>When it comes to calculating average earnings by country when it comes to athletes there is a limitation in the form of us not having a large enough sample size to illustrate this effectively</a:t>
-            </a:r>
-          </a:p>
-        </p:txBody>
-      </p:sp>
-      <p:sp>
-        <p:nvSpPr>
-          <p:cNvPr id="4" name="Marcador de fecha 3">
-            <a:extLst>
-              <a:ext uri="{FF2B5EF4-FFF2-40B4-BE49-F238E27FC236}">
-                <a16:creationId xmlns:a16="http://schemas.microsoft.com/office/drawing/2014/main" id="{00560550-EE65-43CE-B899-F421E74287A1}"/>
-              </a:ext>
-            </a:extLst>
-          </p:cNvPr>
-          <p:cNvSpPr>
-            <a:spLocks noGrp="1"/>
-          </p:cNvSpPr>
-          <p:nvPr>
-            <p:ph type="dt" sz="half" idx="10"/>
-          </p:nvPr>
-        </p:nvSpPr>
-        <p:spPr>
-          <a:xfrm>
-            <a:off x="838200" y="6356350"/>
-            <a:ext cx="2743200" cy="365125"/>
+              <a:t>​Visualizar la convergencia dirigida al cliente</a:t>
+            </a:r>
+          </a:p>
+        </p:txBody>
+      </p:sp>
+      <p:sp>
+        <p:nvSpPr>
+          <p:cNvPr id="5" name="Marcador de texto 4">
+            <a:extLst>
+              <a:ext uri="{FF2B5EF4-FFF2-40B4-BE49-F238E27FC236}">
+                <a16:creationId xmlns:a16="http://schemas.microsoft.com/office/drawing/2014/main" id="{91CDEC5F-B8EE-4BC1-843F-13135E6E7AB2}"/>
+              </a:ext>
+            </a:extLst>
+          </p:cNvPr>
+          <p:cNvSpPr>
+            <a:spLocks noGrp="1"/>
+          </p:cNvSpPr>
+          <p:nvPr>
+            <p:ph type="body" sz="quarter" idx="3"/>
+          </p:nvPr>
+        </p:nvSpPr>
+        <p:spPr>
+          <a:xfrm>
+            <a:off x="7410173" y="2776936"/>
+            <a:ext cx="3943627" cy="823912"/>
           </a:xfrm>
         </p:spPr>
         <p:txBody>
@@ -16554,35 +16541,37 @@
             <a:pPr rtl="0"/>
             <a:r>
               <a:rPr lang="es-ES" dirty="0"/>
-              <a:t>20XX</a:t>
-            </a:r>
-          </a:p>
-        </p:txBody>
-      </p:sp>
-      <p:sp>
-        <p:nvSpPr>
-          <p:cNvPr id="5" name="Marcador de pie de página 4">
-            <a:extLst>
-              <a:ext uri="{FF2B5EF4-FFF2-40B4-BE49-F238E27FC236}">
-                <a16:creationId xmlns:a16="http://schemas.microsoft.com/office/drawing/2014/main" id="{4135E32A-1A8C-43D2-9C6E-12887B4DEDFB}"/>
-              </a:ext>
-            </a:extLst>
-          </p:cNvPr>
-          <p:cNvSpPr>
-            <a:spLocks noGrp="1"/>
-          </p:cNvSpPr>
-          <p:nvPr>
-            <p:ph type="ftr" sz="quarter" idx="11"/>
-          </p:nvPr>
-        </p:nvSpPr>
-        <p:spPr>
-          <a:xfrm>
-            <a:off x="4038600" y="6356350"/>
-            <a:ext cx="4114800" cy="365125"/>
-          </a:xfrm>
-        </p:spPr>
-        <p:txBody>
-          <a:bodyPr rtlCol="0"/>
+              <a:t>OPORTUNIDADES BASADAS EN LA NUBE</a:t>
+            </a:r>
+          </a:p>
+        </p:txBody>
+      </p:sp>
+      <p:sp>
+        <p:nvSpPr>
+          <p:cNvPr id="6" name="Marcador de contenido 5">
+            <a:extLst>
+              <a:ext uri="{FF2B5EF4-FFF2-40B4-BE49-F238E27FC236}">
+                <a16:creationId xmlns:a16="http://schemas.microsoft.com/office/drawing/2014/main" id="{50B65871-FA95-449A-B8BC-90486DE532EF}"/>
+              </a:ext>
+            </a:extLst>
+          </p:cNvPr>
+          <p:cNvSpPr>
+            <a:spLocks noGrp="1"/>
+          </p:cNvSpPr>
+          <p:nvPr>
+            <p:ph sz="quarter" idx="4"/>
+          </p:nvPr>
+        </p:nvSpPr>
+        <p:spPr>
+          <a:xfrm>
+            <a:off x="7410173" y="3834606"/>
+            <a:ext cx="3943627" cy="1997867"/>
+          </a:xfrm>
+        </p:spPr>
+        <p:txBody>
+          <a:bodyPr rtlCol="0">
+            <a:normAutofit/>
+          </a:bodyPr>
           <a:lstStyle>
             <a:defPPr>
               <a:defRPr lang="es-ES"/>
@@ -16592,17 +16581,24 @@
             <a:pPr rtl="0"/>
             <a:r>
               <a:rPr lang="es-ES" dirty="0"/>
-              <a:t>TÍTULO DE LA PRESENTACIÓN</a:t>
-            </a:r>
-          </a:p>
-        </p:txBody>
-      </p:sp>
-      <p:sp>
-        <p:nvSpPr>
-          <p:cNvPr id="6" name="Marcador de número de diapositiva 5">
-            <a:extLst>
-              <a:ext uri="{FF2B5EF4-FFF2-40B4-BE49-F238E27FC236}">
-                <a16:creationId xmlns:a16="http://schemas.microsoft.com/office/drawing/2014/main" id="{7C4B8313-9270-4128-8674-3A3E42B806BC}"/>
+              <a:t>Enfoques iterativos para una estrategia corporativa</a:t>
+            </a:r>
+          </a:p>
+          <a:p>
+            <a:pPr rtl="0"/>
+            <a:r>
+              <a:rPr lang="es-ES" dirty="0"/>
+              <a:t>​Establecer un marco de administración desde dentro</a:t>
+            </a:r>
+          </a:p>
+        </p:txBody>
+      </p:sp>
+      <p:sp>
+        <p:nvSpPr>
+          <p:cNvPr id="9" name="Marcador de número de diapositiva 8">
+            <a:extLst>
+              <a:ext uri="{FF2B5EF4-FFF2-40B4-BE49-F238E27FC236}">
+                <a16:creationId xmlns:a16="http://schemas.microsoft.com/office/drawing/2014/main" id="{C396FFDC-ADE8-4009-A466-A81787258E88}"/>
               </a:ext>
             </a:extLst>
           </p:cNvPr>
@@ -16637,10 +16633,78 @@
           </a:p>
         </p:txBody>
       </p:sp>
+      <p:sp>
+        <p:nvSpPr>
+          <p:cNvPr id="15" name="Marcador de pie de página 4">
+            <a:extLst>
+              <a:ext uri="{FF2B5EF4-FFF2-40B4-BE49-F238E27FC236}">
+                <a16:creationId xmlns:a16="http://schemas.microsoft.com/office/drawing/2014/main" id="{D03417DB-B8B1-A6C2-EC39-D9E06005B059}"/>
+              </a:ext>
+            </a:extLst>
+          </p:cNvPr>
+          <p:cNvSpPr>
+            <a:spLocks noGrp="1"/>
+          </p:cNvSpPr>
+          <p:nvPr>
+            <p:ph type="ftr" sz="quarter" idx="11"/>
+          </p:nvPr>
+        </p:nvSpPr>
+        <p:spPr>
+          <a:xfrm>
+            <a:off x="2463800" y="6356350"/>
+            <a:ext cx="3479800" cy="365125"/>
+          </a:xfrm>
+        </p:spPr>
+        <p:txBody>
+          <a:bodyPr rtlCol="0"/>
+          <a:lstStyle>
+            <a:defPPr>
+              <a:defRPr lang="es-ES"/>
+            </a:defPPr>
+          </a:lstStyle>
+          <a:p>
+            <a:pPr rtl="0"/>
+            <a:r>
+              <a:rPr lang="es-ES" dirty="0"/>
+              <a:t>FORBES HIGHEST PAYING ATHLETES ANALYSIS</a:t>
+            </a:r>
+          </a:p>
+        </p:txBody>
+      </p:sp>
+      <p:pic>
+        <p:nvPicPr>
+          <p:cNvPr id="19" name="Picture 18">
+            <a:extLst>
+              <a:ext uri="{FF2B5EF4-FFF2-40B4-BE49-F238E27FC236}">
+                <a16:creationId xmlns:a16="http://schemas.microsoft.com/office/drawing/2014/main" id="{107FBD5C-404A-8952-57AD-16E7D834AE5E}"/>
+              </a:ext>
+            </a:extLst>
+          </p:cNvPr>
+          <p:cNvPicPr>
+            <a:picLocks noChangeAspect="1"/>
+          </p:cNvPicPr>
+          <p:nvPr/>
+        </p:nvPicPr>
+        <p:blipFill>
+          <a:blip r:embed="rId3"/>
+          <a:stretch>
+            <a:fillRect/>
+          </a:stretch>
+        </p:blipFill>
+        <p:spPr>
+          <a:xfrm>
+            <a:off x="0" y="177799"/>
+            <a:ext cx="12192000" cy="6502401"/>
+          </a:xfrm>
+          <a:prstGeom prst="rect">
+            <a:avLst/>
+          </a:prstGeom>
+        </p:spPr>
+      </p:pic>
     </p:spTree>
     <p:extLst>
       <p:ext uri="{BB962C8B-B14F-4D97-AF65-F5344CB8AC3E}">
-        <p14:creationId xmlns:p14="http://schemas.microsoft.com/office/powerpoint/2010/main" val="1742861620"/>
+        <p14:creationId xmlns:p14="http://schemas.microsoft.com/office/powerpoint/2010/main" val="921118608"/>
       </p:ext>
     </p:extLst>
   </p:cSld>
@@ -17759,8 +17823,8 @@
         </p:nvSpPr>
         <p:spPr>
           <a:xfrm>
-            <a:off x="6458964" y="2945452"/>
-            <a:ext cx="5074920" cy="967095"/>
+            <a:off x="6369830" y="2544344"/>
+            <a:ext cx="5439132" cy="1769311"/>
           </a:xfrm>
         </p:spPr>
         <p:txBody>
@@ -17774,7 +17838,7 @@
             <a:pPr rtl="0"/>
             <a:r>
               <a:rPr lang="en-US" sz="2800" dirty="0"/>
-              <a:t>What sport pays its top athletes the most?</a:t>
+              <a:t>Are american athletes paid more than their foreign counterparts? Does this differ by sport?</a:t>
             </a:r>
           </a:p>
         </p:txBody>
@@ -17782,7 +17846,7 @@
     </p:spTree>
     <p:extLst>
       <p:ext uri="{BB962C8B-B14F-4D97-AF65-F5344CB8AC3E}">
-        <p14:creationId xmlns:p14="http://schemas.microsoft.com/office/powerpoint/2010/main" val="2448624756"/>
+        <p14:creationId xmlns:p14="http://schemas.microsoft.com/office/powerpoint/2010/main" val="2879930823"/>
       </p:ext>
     </p:extLst>
   </p:cSld>
@@ -17957,8 +18021,8 @@
         </p:nvSpPr>
         <p:spPr>
           <a:xfrm>
-            <a:off x="10214890" y="3494485"/>
-            <a:ext cx="3724947" cy="1910727"/>
+            <a:off x="7410173" y="3834606"/>
+            <a:ext cx="3943627" cy="1997867"/>
           </a:xfrm>
         </p:spPr>
         <p:txBody>
@@ -18026,142 +18090,78 @@
           </a:p>
         </p:txBody>
       </p:sp>
-      <p:sp>
-        <p:nvSpPr>
-          <p:cNvPr id="15" name="Marcador de pie de página 4">
-            <a:extLst>
-              <a:ext uri="{FF2B5EF4-FFF2-40B4-BE49-F238E27FC236}">
-                <a16:creationId xmlns:a16="http://schemas.microsoft.com/office/drawing/2014/main" id="{D03417DB-B8B1-A6C2-EC39-D9E06005B059}"/>
-              </a:ext>
-            </a:extLst>
-          </p:cNvPr>
-          <p:cNvSpPr>
-            <a:spLocks noGrp="1"/>
-          </p:cNvSpPr>
-          <p:nvPr>
-            <p:ph type="ftr" sz="quarter" idx="11"/>
-          </p:nvPr>
-        </p:nvSpPr>
-        <p:spPr>
-          <a:xfrm>
-            <a:off x="2463800" y="6356350"/>
-            <a:ext cx="3479800" cy="365125"/>
-          </a:xfrm>
-        </p:spPr>
-        <p:txBody>
-          <a:bodyPr rtlCol="0"/>
-          <a:lstStyle>
-            <a:defPPr>
-              <a:defRPr lang="es-ES"/>
-            </a:defPPr>
-          </a:lstStyle>
-          <a:p>
-            <a:pPr rtl="0"/>
-            <a:r>
-              <a:rPr lang="es-ES" dirty="0"/>
-              <a:t>FORBES HIGHEST PAYING ATHLETES ANALYSIS</a:t>
-            </a:r>
-          </a:p>
-        </p:txBody>
-      </p:sp>
       <p:pic>
         <p:nvPicPr>
-          <p:cNvPr id="3074" name="Picture 2">
-            <a:extLst>
-              <a:ext uri="{FF2B5EF4-FFF2-40B4-BE49-F238E27FC236}">
-                <a16:creationId xmlns:a16="http://schemas.microsoft.com/office/drawing/2014/main" id="{A006EAF0-CE30-5E85-45FF-109E2EAD59B7}"/>
+          <p:cNvPr id="29" name="Picture 28" descr="A screen shot of a computer&#10;&#10;Description automatically generated">
+            <a:extLst>
+              <a:ext uri="{FF2B5EF4-FFF2-40B4-BE49-F238E27FC236}">
+                <a16:creationId xmlns:a16="http://schemas.microsoft.com/office/drawing/2014/main" id="{032BEF06-BB08-6610-6B5F-24DC94B929B8}"/>
               </a:ext>
             </a:extLst>
           </p:cNvPr>
           <p:cNvPicPr>
-            <a:picLocks noChangeAspect="1" noChangeArrowheads="1"/>
+            <a:picLocks noChangeAspect="1"/>
           </p:cNvPicPr>
           <p:nvPr/>
         </p:nvPicPr>
         <p:blipFill>
-          <a:blip r:embed="rId3">
-            <a:extLst>
-              <a:ext uri="{28A0092B-C50C-407E-A947-70E740481C1C}">
-                <a14:useLocalDpi xmlns:a14="http://schemas.microsoft.com/office/drawing/2010/main" val="0"/>
-              </a:ext>
-            </a:extLst>
-          </a:blip>
-          <a:srcRect/>
+          <a:blip r:embed="rId3"/>
           <a:stretch>
             <a:fillRect/>
           </a:stretch>
         </p:blipFill>
-        <p:spPr bwMode="auto">
-          <a:xfrm>
-            <a:off x="965243" y="502842"/>
-            <a:ext cx="4920177" cy="4946488"/>
+        <p:spPr>
+          <a:xfrm>
+            <a:off x="313083" y="136525"/>
+            <a:ext cx="12192000" cy="6502401"/>
           </a:xfrm>
           <a:prstGeom prst="rect">
             <a:avLst/>
           </a:prstGeom>
-          <a:noFill/>
-          <a:extLst>
-            <a:ext uri="{909E8E84-426E-40DD-AFC4-6F175D3DCCD1}">
-              <a14:hiddenFill xmlns:a14="http://schemas.microsoft.com/office/drawing/2010/main">
-                <a:solidFill>
-                  <a:srgbClr val="FFFFFF"/>
-                </a:solidFill>
-              </a14:hiddenFill>
-            </a:ext>
-          </a:extLst>
         </p:spPr>
       </p:pic>
-      <p:pic>
-        <p:nvPicPr>
-          <p:cNvPr id="3078" name="Picture 6">
-            <a:extLst>
-              <a:ext uri="{FF2B5EF4-FFF2-40B4-BE49-F238E27FC236}">
-                <a16:creationId xmlns:a16="http://schemas.microsoft.com/office/drawing/2014/main" id="{DF37C092-D923-2FA0-C69F-47732B0C3DF6}"/>
-              </a:ext>
-            </a:extLst>
-          </p:cNvPr>
-          <p:cNvPicPr>
-            <a:picLocks noChangeAspect="1" noChangeArrowheads="1"/>
-          </p:cNvPicPr>
-          <p:nvPr/>
-        </p:nvPicPr>
-        <p:blipFill>
-          <a:blip r:embed="rId4">
-            <a:extLst>
-              <a:ext uri="{28A0092B-C50C-407E-A947-70E740481C1C}">
-                <a14:useLocalDpi xmlns:a14="http://schemas.microsoft.com/office/drawing/2010/main" val="0"/>
-              </a:ext>
-            </a:extLst>
-          </a:blip>
-          <a:srcRect/>
-          <a:stretch>
-            <a:fillRect/>
-          </a:stretch>
-        </p:blipFill>
-        <p:spPr bwMode="auto">
-          <a:xfrm>
-            <a:off x="6306582" y="502843"/>
-            <a:ext cx="5071932" cy="4946487"/>
-          </a:xfrm>
-          <a:prstGeom prst="rect">
-            <a:avLst/>
-          </a:prstGeom>
-          <a:noFill/>
-          <a:extLst>
-            <a:ext uri="{909E8E84-426E-40DD-AFC4-6F175D3DCCD1}">
-              <a14:hiddenFill xmlns:a14="http://schemas.microsoft.com/office/drawing/2010/main">
-                <a:solidFill>
-                  <a:srgbClr val="FFFFFF"/>
-                </a:solidFill>
-              </a14:hiddenFill>
-            </a:ext>
-          </a:extLst>
-        </p:spPr>
-      </p:pic>
+      <p:sp>
+        <p:nvSpPr>
+          <p:cNvPr id="3" name="Marcador de pie de página 4">
+            <a:extLst>
+              <a:ext uri="{FF2B5EF4-FFF2-40B4-BE49-F238E27FC236}">
+                <a16:creationId xmlns:a16="http://schemas.microsoft.com/office/drawing/2014/main" id="{7FB34D83-F248-FC04-631F-5DC3004200F9}"/>
+              </a:ext>
+            </a:extLst>
+          </p:cNvPr>
+          <p:cNvSpPr>
+            <a:spLocks noGrp="1"/>
+          </p:cNvSpPr>
+          <p:nvPr>
+            <p:ph type="ftr" sz="quarter" idx="11"/>
+          </p:nvPr>
+        </p:nvSpPr>
+        <p:spPr>
+          <a:xfrm>
+            <a:off x="2463800" y="6356350"/>
+            <a:ext cx="3479800" cy="365125"/>
+          </a:xfrm>
+        </p:spPr>
+        <p:txBody>
+          <a:bodyPr rtlCol="0"/>
+          <a:lstStyle>
+            <a:defPPr>
+              <a:defRPr lang="es-ES"/>
+            </a:defPPr>
+          </a:lstStyle>
+          <a:p>
+            <a:pPr rtl="0"/>
+            <a:r>
+              <a:rPr lang="es-ES" dirty="0"/>
+              <a:t>FORBES HIGHEST PAYING ATHLETES ANALYSIS</a:t>
+            </a:r>
+          </a:p>
+        </p:txBody>
+      </p:sp>
     </p:spTree>
     <p:extLst>
       <p:ext uri="{BB962C8B-B14F-4D97-AF65-F5344CB8AC3E}">
-        <p14:creationId xmlns:p14="http://schemas.microsoft.com/office/powerpoint/2010/main" val="2262251188"/>
+        <p14:creationId xmlns:p14="http://schemas.microsoft.com/office/powerpoint/2010/main" val="1663780162"/>
       </p:ext>
     </p:extLst>
   </p:cSld>
@@ -18206,8 +18206,8 @@
         </p:nvSpPr>
         <p:spPr>
           <a:xfrm>
-            <a:off x="6369830" y="2544344"/>
-            <a:ext cx="5439132" cy="1769311"/>
+            <a:off x="6389390" y="2571234"/>
+            <a:ext cx="5074920" cy="1715531"/>
           </a:xfrm>
         </p:spPr>
         <p:txBody>
@@ -18221,7 +18221,7 @@
             <a:pPr rtl="0"/>
             <a:r>
               <a:rPr lang="en-US" sz="2800" dirty="0"/>
-              <a:t>Are american athletes paid more than their foreign counterparts? Does this differ by sport?</a:t>
+              <a:t>Have top athlete earnings increased in real value over the past 30 years?</a:t>
             </a:r>
           </a:p>
         </p:txBody>
@@ -18229,7 +18229,7 @@
     </p:spTree>
     <p:extLst>
       <p:ext uri="{BB962C8B-B14F-4D97-AF65-F5344CB8AC3E}">
-        <p14:creationId xmlns:p14="http://schemas.microsoft.com/office/powerpoint/2010/main" val="2879930823"/>
+        <p14:creationId xmlns:p14="http://schemas.microsoft.com/office/powerpoint/2010/main" val="2150291328"/>
       </p:ext>
     </p:extLst>
   </p:cSld>
@@ -19031,15 +19031,6 @@
 </file>
 
 <file path=customXml/item1.xml><?xml version="1.0" encoding="utf-8"?>
-<?mso-contentType ?>
-<FormTemplates xmlns="http://schemas.microsoft.com/sharepoint/v3/contenttype/forms">
-  <Display>DocumentLibraryForm</Display>
-  <Edit>DocumentLibraryForm</Edit>
-  <New>DocumentLibraryForm</New>
-</FormTemplates>
-</file>
-
-<file path=customXml/item2.xml><?xml version="1.0" encoding="utf-8"?>
 <ct:contentTypeSchema xmlns:ct="http://schemas.microsoft.com/office/2006/metadata/contentType" xmlns:ma="http://schemas.microsoft.com/office/2006/metadata/properties/metaAttributes" ct:_="" ma:_="" ma:contentTypeName="Document" ma:contentTypeID="0x01010079F111ED35F8CC479449609E8A0923A6" ma:contentTypeVersion="20" ma:contentTypeDescription="Create a new document." ma:contentTypeScope="" ma:versionID="1267097ee5f5874adfcc408041ae252e">
   <xsd:schema xmlns:xsd="http://www.w3.org/2001/XMLSchema" xmlns:xs="http://www.w3.org/2001/XMLSchema" xmlns:p="http://schemas.microsoft.com/office/2006/metadata/properties" xmlns:ns1="http://schemas.microsoft.com/sharepoint/v3" xmlns:ns2="71af3243-3dd4-4a8d-8c0d-dd76da1f02a5" xmlns:ns3="16c05727-aa75-4e4a-9b5f-8a80a1165891" xmlns:ns4="230e9df3-be65-4c73-a93b-d1236ebd677e" targetNamespace="http://schemas.microsoft.com/office/2006/metadata/properties" ma:root="true" ma:fieldsID="395891a93df65b14727750f2c06c306c" ns1:_="" ns2:_="" ns3:_="" ns4:_="">
     <xsd:import namespace="http://schemas.microsoft.com/sharepoint/v3"/>
@@ -19315,6 +19306,15 @@
 </ct:contentTypeSchema>
 </file>
 
+<file path=customXml/item2.xml><?xml version="1.0" encoding="utf-8"?>
+<?mso-contentType ?>
+<FormTemplates xmlns="http://schemas.microsoft.com/sharepoint/v3/contenttype/forms">
+  <Display>DocumentLibraryForm</Display>
+  <Edit>DocumentLibraryForm</Edit>
+  <New>DocumentLibraryForm</New>
+</FormTemplates>
+</file>
+
 <file path=customXml/item3.xml><?xml version="1.0" encoding="utf-8"?>
 <p:properties xmlns:p="http://schemas.microsoft.com/office/2006/metadata/properties" xmlns:xsi="http://www.w3.org/2001/XMLSchema-instance" xmlns:pc="http://schemas.microsoft.com/office/infopath/2007/PartnerControls">
   <documentManagement>
@@ -19335,14 +19335,6 @@
 </file>
 
 <file path=customXml/itemProps1.xml><?xml version="1.0" encoding="utf-8"?>
-<ds:datastoreItem xmlns:ds="http://schemas.openxmlformats.org/officeDocument/2006/customXml" ds:itemID="{0FD6FE22-81A0-4500-AFD0-342D21BB9A2C}">
-  <ds:schemaRefs>
-    <ds:schemaRef ds:uri="http://schemas.microsoft.com/sharepoint/v3/contenttype/forms"/>
-  </ds:schemaRefs>
-</ds:datastoreItem>
-</file>
-
-<file path=customXml/itemProps2.xml><?xml version="1.0" encoding="utf-8"?>
 <ds:datastoreItem xmlns:ds="http://schemas.openxmlformats.org/officeDocument/2006/customXml" ds:itemID="{CC96B61E-1B64-430F-934F-7D1B90028029}">
   <ds:schemaRefs>
     <ds:schemaRef ds:uri="http://schemas.microsoft.com/office/2006/metadata/contentType"/>
@@ -19359,6 +19351,14 @@
     <ds:schemaRef ds:uri="http://purl.org/dc/elements/1.1/"/>
     <ds:schemaRef ds:uri="http://purl.org/dc/terms/"/>
     <ds:schemaRef ds:uri="http://schemas.microsoft.com/internal/obd"/>
+  </ds:schemaRefs>
+</ds:datastoreItem>
+</file>
+
+<file path=customXml/itemProps2.xml><?xml version="1.0" encoding="utf-8"?>
+<ds:datastoreItem xmlns:ds="http://schemas.openxmlformats.org/officeDocument/2006/customXml" ds:itemID="{0FD6FE22-81A0-4500-AFD0-342D21BB9A2C}">
+  <ds:schemaRefs>
+    <ds:schemaRef ds:uri="http://schemas.microsoft.com/sharepoint/v3/contenttype/forms"/>
   </ds:schemaRefs>
 </ds:datastoreItem>
 </file>

--- a/Highest paying athletes.pptx
+++ b/Highest paying athletes.pptx
@@ -5,10 +5,10 @@
     <p:sldMasterId id="2147483648" r:id="rId4"/>
   </p:sldMasterIdLst>
   <p:notesMasterIdLst>
-    <p:notesMasterId r:id="rId28"/>
+    <p:notesMasterId r:id="rId30"/>
   </p:notesMasterIdLst>
   <p:handoutMasterIdLst>
-    <p:handoutMasterId r:id="rId29"/>
+    <p:handoutMasterId r:id="rId31"/>
   </p:handoutMasterIdLst>
   <p:sldIdLst>
     <p:sldId id="256" r:id="rId5"/>
@@ -27,13 +27,15 @@
     <p:sldId id="285" r:id="rId18"/>
     <p:sldId id="281" r:id="rId19"/>
     <p:sldId id="275" r:id="rId20"/>
-    <p:sldId id="270" r:id="rId21"/>
-    <p:sldId id="284" r:id="rId22"/>
-    <p:sldId id="288" r:id="rId23"/>
-    <p:sldId id="286" r:id="rId24"/>
-    <p:sldId id="266" r:id="rId25"/>
-    <p:sldId id="287" r:id="rId26"/>
-    <p:sldId id="271" r:id="rId27"/>
+    <p:sldId id="290" r:id="rId21"/>
+    <p:sldId id="270" r:id="rId22"/>
+    <p:sldId id="289" r:id="rId23"/>
+    <p:sldId id="284" r:id="rId24"/>
+    <p:sldId id="288" r:id="rId25"/>
+    <p:sldId id="286" r:id="rId26"/>
+    <p:sldId id="266" r:id="rId27"/>
+    <p:sldId id="287" r:id="rId28"/>
+    <p:sldId id="271" r:id="rId29"/>
   </p:sldIdLst>
   <p:sldSz cx="12192000" cy="6858000"/>
   <p:notesSz cx="6858000" cy="9144000"/>
@@ -2740,7 +2742,7 @@
     </p:spTree>
     <p:extLst>
       <p:ext uri="{BB962C8B-B14F-4D97-AF65-F5344CB8AC3E}">
-        <p14:creationId xmlns:p14="http://schemas.microsoft.com/office/powerpoint/2010/main" val="2482224959"/>
+        <p14:creationId xmlns:p14="http://schemas.microsoft.com/office/powerpoint/2010/main" val="1524502082"/>
       </p:ext>
     </p:extLst>
   </p:cSld>
@@ -2825,7 +2827,7 @@
     </p:spTree>
     <p:extLst>
       <p:ext uri="{BB962C8B-B14F-4D97-AF65-F5344CB8AC3E}">
-        <p14:creationId xmlns:p14="http://schemas.microsoft.com/office/powerpoint/2010/main" val="744345855"/>
+        <p14:creationId xmlns:p14="http://schemas.microsoft.com/office/powerpoint/2010/main" val="2482224959"/>
       </p:ext>
     </p:extLst>
   </p:cSld>
@@ -2910,7 +2912,7 @@
     </p:spTree>
     <p:extLst>
       <p:ext uri="{BB962C8B-B14F-4D97-AF65-F5344CB8AC3E}">
-        <p14:creationId xmlns:p14="http://schemas.microsoft.com/office/powerpoint/2010/main" val="4070786815"/>
+        <p14:creationId xmlns:p14="http://schemas.microsoft.com/office/powerpoint/2010/main" val="1780030628"/>
       </p:ext>
     </p:extLst>
   </p:cSld>
@@ -3080,7 +3082,7 @@
     </p:spTree>
     <p:extLst>
       <p:ext uri="{BB962C8B-B14F-4D97-AF65-F5344CB8AC3E}">
-        <p14:creationId xmlns:p14="http://schemas.microsoft.com/office/powerpoint/2010/main" val="324268012"/>
+        <p14:creationId xmlns:p14="http://schemas.microsoft.com/office/powerpoint/2010/main" val="744345855"/>
       </p:ext>
     </p:extLst>
   </p:cSld>
@@ -3165,7 +3167,7 @@
     </p:spTree>
     <p:extLst>
       <p:ext uri="{BB962C8B-B14F-4D97-AF65-F5344CB8AC3E}">
-        <p14:creationId xmlns:p14="http://schemas.microsoft.com/office/powerpoint/2010/main" val="954942207"/>
+        <p14:creationId xmlns:p14="http://schemas.microsoft.com/office/powerpoint/2010/main" val="4070786815"/>
       </p:ext>
     </p:extLst>
   </p:cSld>
@@ -3250,7 +3252,7 @@
     </p:spTree>
     <p:extLst>
       <p:ext uri="{BB962C8B-B14F-4D97-AF65-F5344CB8AC3E}">
-        <p14:creationId xmlns:p14="http://schemas.microsoft.com/office/powerpoint/2010/main" val="2572684225"/>
+        <p14:creationId xmlns:p14="http://schemas.microsoft.com/office/powerpoint/2010/main" val="324268012"/>
       </p:ext>
     </p:extLst>
   </p:cSld>
@@ -3327,6 +3329,176 @@
             <a:fld id="{22289C57-55D7-40A4-A101-E74FAC7A092B}" type="slidenum">
               <a:rPr lang="es-ES" smtClean="0"/>
               <a:t>23</a:t>
+            </a:fld>
+            <a:endParaRPr lang="es-ES" dirty="0"/>
+          </a:p>
+        </p:txBody>
+      </p:sp>
+    </p:spTree>
+    <p:extLst>
+      <p:ext uri="{BB962C8B-B14F-4D97-AF65-F5344CB8AC3E}">
+        <p14:creationId xmlns:p14="http://schemas.microsoft.com/office/powerpoint/2010/main" val="954942207"/>
+      </p:ext>
+    </p:extLst>
+  </p:cSld>
+  <p:clrMapOvr>
+    <a:masterClrMapping/>
+  </p:clrMapOvr>
+</p:notes>
+</file>
+
+<file path=ppt/notesSlides/notesSlide24.xml><?xml version="1.0" encoding="utf-8"?>
+<p:notes xmlns:a="http://schemas.openxmlformats.org/drawingml/2006/main" xmlns:r="http://schemas.openxmlformats.org/officeDocument/2006/relationships" xmlns:p="http://schemas.openxmlformats.org/presentationml/2006/main">
+  <p:cSld>
+    <p:spTree>
+      <p:nvGrpSpPr>
+        <p:cNvPr id="1" name=""/>
+        <p:cNvGrpSpPr/>
+        <p:nvPr/>
+      </p:nvGrpSpPr>
+      <p:grpSpPr>
+        <a:xfrm>
+          <a:off x="0" y="0"/>
+          <a:ext cx="0" cy="0"/>
+          <a:chOff x="0" y="0"/>
+          <a:chExt cx="0" cy="0"/>
+        </a:xfrm>
+      </p:grpSpPr>
+      <p:sp>
+        <p:nvSpPr>
+          <p:cNvPr id="2" name="Marcador de imagen de diapositiva 1"/>
+          <p:cNvSpPr>
+            <a:spLocks noGrp="1" noRot="1" noChangeAspect="1"/>
+          </p:cNvSpPr>
+          <p:nvPr>
+            <p:ph type="sldImg"/>
+          </p:nvPr>
+        </p:nvSpPr>
+        <p:spPr/>
+      </p:sp>
+      <p:sp>
+        <p:nvSpPr>
+          <p:cNvPr id="3" name="Marcador de notas 2"/>
+          <p:cNvSpPr>
+            <a:spLocks noGrp="1"/>
+          </p:cNvSpPr>
+          <p:nvPr>
+            <p:ph type="body" idx="1"/>
+          </p:nvPr>
+        </p:nvSpPr>
+        <p:spPr/>
+        <p:txBody>
+          <a:bodyPr/>
+          <a:lstStyle/>
+          <a:p>
+            <a:endParaRPr lang="es-ES" dirty="0"/>
+          </a:p>
+        </p:txBody>
+      </p:sp>
+      <p:sp>
+        <p:nvSpPr>
+          <p:cNvPr id="4" name="Marcador de número de diapositiva 3"/>
+          <p:cNvSpPr>
+            <a:spLocks noGrp="1"/>
+          </p:cNvSpPr>
+          <p:nvPr>
+            <p:ph type="sldNum" sz="quarter" idx="5"/>
+          </p:nvPr>
+        </p:nvSpPr>
+        <p:spPr/>
+        <p:txBody>
+          <a:bodyPr/>
+          <a:lstStyle/>
+          <a:p>
+            <a:pPr rtl="0"/>
+            <a:fld id="{22289C57-55D7-40A4-A101-E74FAC7A092B}" type="slidenum">
+              <a:rPr lang="es-ES" smtClean="0"/>
+              <a:t>24</a:t>
+            </a:fld>
+            <a:endParaRPr lang="es-ES" dirty="0"/>
+          </a:p>
+        </p:txBody>
+      </p:sp>
+    </p:spTree>
+    <p:extLst>
+      <p:ext uri="{BB962C8B-B14F-4D97-AF65-F5344CB8AC3E}">
+        <p14:creationId xmlns:p14="http://schemas.microsoft.com/office/powerpoint/2010/main" val="2572684225"/>
+      </p:ext>
+    </p:extLst>
+  </p:cSld>
+  <p:clrMapOvr>
+    <a:masterClrMapping/>
+  </p:clrMapOvr>
+</p:notes>
+</file>
+
+<file path=ppt/notesSlides/notesSlide25.xml><?xml version="1.0" encoding="utf-8"?>
+<p:notes xmlns:a="http://schemas.openxmlformats.org/drawingml/2006/main" xmlns:r="http://schemas.openxmlformats.org/officeDocument/2006/relationships" xmlns:p="http://schemas.openxmlformats.org/presentationml/2006/main">
+  <p:cSld>
+    <p:spTree>
+      <p:nvGrpSpPr>
+        <p:cNvPr id="1" name=""/>
+        <p:cNvGrpSpPr/>
+        <p:nvPr/>
+      </p:nvGrpSpPr>
+      <p:grpSpPr>
+        <a:xfrm>
+          <a:off x="0" y="0"/>
+          <a:ext cx="0" cy="0"/>
+          <a:chOff x="0" y="0"/>
+          <a:chExt cx="0" cy="0"/>
+        </a:xfrm>
+      </p:grpSpPr>
+      <p:sp>
+        <p:nvSpPr>
+          <p:cNvPr id="2" name="Marcador de imagen de diapositiva 1"/>
+          <p:cNvSpPr>
+            <a:spLocks noGrp="1" noRot="1" noChangeAspect="1"/>
+          </p:cNvSpPr>
+          <p:nvPr>
+            <p:ph type="sldImg"/>
+          </p:nvPr>
+        </p:nvSpPr>
+        <p:spPr/>
+      </p:sp>
+      <p:sp>
+        <p:nvSpPr>
+          <p:cNvPr id="3" name="Marcador de notas 2"/>
+          <p:cNvSpPr>
+            <a:spLocks noGrp="1"/>
+          </p:cNvSpPr>
+          <p:nvPr>
+            <p:ph type="body" idx="1"/>
+          </p:nvPr>
+        </p:nvSpPr>
+        <p:spPr/>
+        <p:txBody>
+          <a:bodyPr/>
+          <a:lstStyle/>
+          <a:p>
+            <a:endParaRPr lang="es-ES" dirty="0"/>
+          </a:p>
+        </p:txBody>
+      </p:sp>
+      <p:sp>
+        <p:nvSpPr>
+          <p:cNvPr id="4" name="Marcador de número de diapositiva 3"/>
+          <p:cNvSpPr>
+            <a:spLocks noGrp="1"/>
+          </p:cNvSpPr>
+          <p:nvPr>
+            <p:ph type="sldNum" sz="quarter" idx="5"/>
+          </p:nvPr>
+        </p:nvSpPr>
+        <p:spPr/>
+        <p:txBody>
+          <a:bodyPr/>
+          <a:lstStyle/>
+          <a:p>
+            <a:pPr rtl="0"/>
+            <a:fld id="{22289C57-55D7-40A4-A101-E74FAC7A092B}" type="slidenum">
+              <a:rPr lang="es-ES" smtClean="0"/>
+              <a:t>25</a:t>
             </a:fld>
             <a:endParaRPr lang="es-ES" dirty="0"/>
           </a:p>
@@ -13771,24 +13943,24 @@
       </p:sp>
       <p:sp>
         <p:nvSpPr>
-          <p:cNvPr id="56" name="Marcador de fecha 55">
-            <a:extLst>
-              <a:ext uri="{FF2B5EF4-FFF2-40B4-BE49-F238E27FC236}">
-                <a16:creationId xmlns:a16="http://schemas.microsoft.com/office/drawing/2014/main" id="{B289356A-BDA0-4234-84F2-9F2F25D0D7BD}"/>
-              </a:ext>
-            </a:extLst>
-          </p:cNvPr>
-          <p:cNvSpPr>
-            <a:spLocks noGrp="1"/>
-          </p:cNvSpPr>
-          <p:nvPr>
-            <p:ph type="dt" sz="half" idx="10"/>
-          </p:nvPr>
-        </p:nvSpPr>
-        <p:spPr>
-          <a:xfrm>
-            <a:off x="838200" y="6356350"/>
-            <a:ext cx="2743200" cy="365125"/>
+          <p:cNvPr id="57" name="Marcador de pie de página 56">
+            <a:extLst>
+              <a:ext uri="{FF2B5EF4-FFF2-40B4-BE49-F238E27FC236}">
+                <a16:creationId xmlns:a16="http://schemas.microsoft.com/office/drawing/2014/main" id="{3A38BE84-957B-46B9-A315-4B5064DFF1A1}"/>
+              </a:ext>
+            </a:extLst>
+          </p:cNvPr>
+          <p:cNvSpPr>
+            <a:spLocks noGrp="1"/>
+          </p:cNvSpPr>
+          <p:nvPr>
+            <p:ph type="ftr" sz="quarter" idx="11"/>
+          </p:nvPr>
+        </p:nvSpPr>
+        <p:spPr>
+          <a:xfrm>
+            <a:off x="4038600" y="6356350"/>
+            <a:ext cx="4114800" cy="365125"/>
           </a:xfrm>
         </p:spPr>
         <p:txBody>
@@ -13802,45 +13974,7 @@
             <a:pPr rtl="0"/>
             <a:r>
               <a:rPr lang="es-ES" dirty="0"/>
-              <a:t>20XX</a:t>
-            </a:r>
-          </a:p>
-        </p:txBody>
-      </p:sp>
-      <p:sp>
-        <p:nvSpPr>
-          <p:cNvPr id="57" name="Marcador de pie de página 56">
-            <a:extLst>
-              <a:ext uri="{FF2B5EF4-FFF2-40B4-BE49-F238E27FC236}">
-                <a16:creationId xmlns:a16="http://schemas.microsoft.com/office/drawing/2014/main" id="{3A38BE84-957B-46B9-A315-4B5064DFF1A1}"/>
-              </a:ext>
-            </a:extLst>
-          </p:cNvPr>
-          <p:cNvSpPr>
-            <a:spLocks noGrp="1"/>
-          </p:cNvSpPr>
-          <p:nvPr>
-            <p:ph type="ftr" sz="quarter" idx="11"/>
-          </p:nvPr>
-        </p:nvSpPr>
-        <p:spPr>
-          <a:xfrm>
-            <a:off x="4038600" y="6356350"/>
-            <a:ext cx="4114800" cy="365125"/>
-          </a:xfrm>
-        </p:spPr>
-        <p:txBody>
-          <a:bodyPr rtlCol="0"/>
-          <a:lstStyle>
-            <a:defPPr>
-              <a:defRPr lang="es-ES"/>
-            </a:defPPr>
-          </a:lstStyle>
-          <a:p>
-            <a:pPr rtl="0"/>
-            <a:r>
-              <a:rPr lang="es-ES" dirty="0"/>
-              <a:t>TÍTULO DE LA PRESENTACIÓN</a:t>
+              <a:t>FORBES HIGHEST PAYING ATHLETES ANALYSIS</a:t>
             </a:r>
           </a:p>
         </p:txBody>
@@ -14122,24 +14256,24 @@
       </p:sp>
       <p:sp>
         <p:nvSpPr>
-          <p:cNvPr id="7" name="Marcador de fecha 6">
-            <a:extLst>
-              <a:ext uri="{FF2B5EF4-FFF2-40B4-BE49-F238E27FC236}">
-                <a16:creationId xmlns:a16="http://schemas.microsoft.com/office/drawing/2014/main" id="{B2A46C4A-D036-4440-BB64-6754F4FF27C1}"/>
-              </a:ext>
-            </a:extLst>
-          </p:cNvPr>
-          <p:cNvSpPr>
-            <a:spLocks noGrp="1"/>
-          </p:cNvSpPr>
-          <p:nvPr>
-            <p:ph type="dt" sz="half" idx="10"/>
-          </p:nvPr>
-        </p:nvSpPr>
-        <p:spPr>
-          <a:xfrm>
-            <a:off x="838200" y="6356350"/>
-            <a:ext cx="2743200" cy="365125"/>
+          <p:cNvPr id="8" name="Marcador de pie de página 7">
+            <a:extLst>
+              <a:ext uri="{FF2B5EF4-FFF2-40B4-BE49-F238E27FC236}">
+                <a16:creationId xmlns:a16="http://schemas.microsoft.com/office/drawing/2014/main" id="{905F172A-5D5D-43CD-A187-DA0D303F4144}"/>
+              </a:ext>
+            </a:extLst>
+          </p:cNvPr>
+          <p:cNvSpPr>
+            <a:spLocks noGrp="1"/>
+          </p:cNvSpPr>
+          <p:nvPr>
+            <p:ph type="ftr" sz="quarter" idx="11"/>
+          </p:nvPr>
+        </p:nvSpPr>
+        <p:spPr>
+          <a:xfrm>
+            <a:off x="4038600" y="6356350"/>
+            <a:ext cx="4114800" cy="365125"/>
           </a:xfrm>
         </p:spPr>
         <p:txBody>
@@ -14153,45 +14287,7 @@
             <a:pPr rtl="0"/>
             <a:r>
               <a:rPr lang="es-ES" dirty="0"/>
-              <a:t>20XX</a:t>
-            </a:r>
-          </a:p>
-        </p:txBody>
-      </p:sp>
-      <p:sp>
-        <p:nvSpPr>
-          <p:cNvPr id="8" name="Marcador de pie de página 7">
-            <a:extLst>
-              <a:ext uri="{FF2B5EF4-FFF2-40B4-BE49-F238E27FC236}">
-                <a16:creationId xmlns:a16="http://schemas.microsoft.com/office/drawing/2014/main" id="{905F172A-5D5D-43CD-A187-DA0D303F4144}"/>
-              </a:ext>
-            </a:extLst>
-          </p:cNvPr>
-          <p:cNvSpPr>
-            <a:spLocks noGrp="1"/>
-          </p:cNvSpPr>
-          <p:nvPr>
-            <p:ph type="ftr" sz="quarter" idx="11"/>
-          </p:nvPr>
-        </p:nvSpPr>
-        <p:spPr>
-          <a:xfrm>
-            <a:off x="4038600" y="6356350"/>
-            <a:ext cx="4114800" cy="365125"/>
-          </a:xfrm>
-        </p:spPr>
-        <p:txBody>
-          <a:bodyPr rtlCol="0"/>
-          <a:lstStyle>
-            <a:defPPr>
-              <a:defRPr lang="es-ES"/>
-            </a:defPPr>
-          </a:lstStyle>
-          <a:p>
-            <a:pPr rtl="0"/>
-            <a:r>
-              <a:rPr lang="es-ES" dirty="0"/>
-              <a:t>TÍTULO DE LA PRESENTACIÓN</a:t>
+              <a:t>FORBES HIGHEST PAYING ATHLETES ANALYSIS</a:t>
             </a:r>
           </a:p>
         </p:txBody>
@@ -15121,10 +15217,10 @@
       </p:grpSpPr>
       <p:sp>
         <p:nvSpPr>
-          <p:cNvPr id="3" name="Título 2">
-            <a:extLst>
-              <a:ext uri="{FF2B5EF4-FFF2-40B4-BE49-F238E27FC236}">
-                <a16:creationId xmlns:a16="http://schemas.microsoft.com/office/drawing/2014/main" id="{77762301-F83A-4BEA-9D11-E6C99FB574A8}"/>
+          <p:cNvPr id="2" name="Título 1">
+            <a:extLst>
+              <a:ext uri="{FF2B5EF4-FFF2-40B4-BE49-F238E27FC236}">
+                <a16:creationId xmlns:a16="http://schemas.microsoft.com/office/drawing/2014/main" id="{09140014-73D5-419B-8867-972BB18D52D4}"/>
               </a:ext>
             </a:extLst>
           </p:cNvPr>
@@ -15137,8 +15233,8 @@
         </p:nvSpPr>
         <p:spPr>
           <a:xfrm>
-            <a:off x="838200" y="365125"/>
-            <a:ext cx="10515600" cy="1325563"/>
+            <a:off x="2933700" y="892177"/>
+            <a:ext cx="8421688" cy="1325563"/>
           </a:xfrm>
         </p:spPr>
         <p:txBody>
@@ -15152,35 +15248,37 @@
             <a:pPr rtl="0"/>
             <a:r>
               <a:rPr lang="es-ES" dirty="0"/>
-              <a:t>Top yearly earnings</a:t>
-            </a:r>
-          </a:p>
-        </p:txBody>
-      </p:sp>
-      <p:sp>
-        <p:nvSpPr>
-          <p:cNvPr id="6" name="Marcador de fecha 5">
-            <a:extLst>
-              <a:ext uri="{FF2B5EF4-FFF2-40B4-BE49-F238E27FC236}">
-                <a16:creationId xmlns:a16="http://schemas.microsoft.com/office/drawing/2014/main" id="{3627CC26-34EF-4BB9-B289-9EC56B07D1E6}"/>
-              </a:ext>
-            </a:extLst>
-          </p:cNvPr>
-          <p:cNvSpPr>
-            <a:spLocks noGrp="1"/>
-          </p:cNvSpPr>
-          <p:nvPr>
-            <p:ph type="dt" sz="half" idx="10"/>
-          </p:nvPr>
-        </p:nvSpPr>
-        <p:spPr>
-          <a:xfrm>
-            <a:off x="838200" y="6356350"/>
-            <a:ext cx="2743200" cy="365125"/>
-          </a:xfrm>
-        </p:spPr>
-        <p:txBody>
-          <a:bodyPr rtlCol="0"/>
+              <a:t>ÁREAS DE ENFOQUE</a:t>
+            </a:r>
+          </a:p>
+        </p:txBody>
+      </p:sp>
+      <p:sp>
+        <p:nvSpPr>
+          <p:cNvPr id="4" name="Marcador de contenido 3">
+            <a:extLst>
+              <a:ext uri="{FF2B5EF4-FFF2-40B4-BE49-F238E27FC236}">
+                <a16:creationId xmlns:a16="http://schemas.microsoft.com/office/drawing/2014/main" id="{33D8731E-4977-402E-8BFD-895B4D0544CC}"/>
+              </a:ext>
+            </a:extLst>
+          </p:cNvPr>
+          <p:cNvSpPr>
+            <a:spLocks noGrp="1"/>
+          </p:cNvSpPr>
+          <p:nvPr>
+            <p:ph sz="half" idx="2"/>
+          </p:nvPr>
+        </p:nvSpPr>
+        <p:spPr>
+          <a:xfrm>
+            <a:off x="2933700" y="3834606"/>
+            <a:ext cx="3924300" cy="1997867"/>
+          </a:xfrm>
+        </p:spPr>
+        <p:txBody>
+          <a:bodyPr rtlCol="0">
+            <a:normAutofit/>
+          </a:bodyPr>
           <a:lstStyle>
             <a:defPPr>
               <a:defRPr lang="es-ES"/>
@@ -15190,35 +15288,51 @@
             <a:pPr rtl="0"/>
             <a:r>
               <a:rPr lang="es-ES" dirty="0"/>
-              <a:t>20XX</a:t>
-            </a:r>
-          </a:p>
-        </p:txBody>
-      </p:sp>
-      <p:sp>
-        <p:nvSpPr>
-          <p:cNvPr id="7" name="Marcador de pie de página 6">
-            <a:extLst>
-              <a:ext uri="{FF2B5EF4-FFF2-40B4-BE49-F238E27FC236}">
-                <a16:creationId xmlns:a16="http://schemas.microsoft.com/office/drawing/2014/main" id="{4E98E6AD-9D37-499C-898E-ED12AC36D31D}"/>
-              </a:ext>
-            </a:extLst>
-          </p:cNvPr>
-          <p:cNvSpPr>
-            <a:spLocks noGrp="1"/>
-          </p:cNvSpPr>
-          <p:nvPr>
-            <p:ph type="ftr" sz="quarter" idx="11"/>
-          </p:nvPr>
-        </p:nvSpPr>
-        <p:spPr>
-          <a:xfrm>
-            <a:off x="4038600" y="6356350"/>
-            <a:ext cx="4114800" cy="365125"/>
-          </a:xfrm>
-        </p:spPr>
-        <p:txBody>
-          <a:bodyPr rtlCol="0"/>
+              <a:t>Desarrollar estrategias ganadoras para seguir a la vanguardia de la competencia</a:t>
+            </a:r>
+          </a:p>
+          <a:p>
+            <a:pPr rtl="0"/>
+            <a:r>
+              <a:rPr lang="es-ES" dirty="0"/>
+              <a:t>​Aprovechar los frutos obtenidos para identificar un valor en el terreno de juego</a:t>
+            </a:r>
+          </a:p>
+          <a:p>
+            <a:pPr rtl="0"/>
+            <a:r>
+              <a:rPr lang="es-ES" dirty="0"/>
+              <a:t>​Visualizar la convergencia dirigida al cliente</a:t>
+            </a:r>
+          </a:p>
+        </p:txBody>
+      </p:sp>
+      <p:sp>
+        <p:nvSpPr>
+          <p:cNvPr id="6" name="Marcador de contenido 5">
+            <a:extLst>
+              <a:ext uri="{FF2B5EF4-FFF2-40B4-BE49-F238E27FC236}">
+                <a16:creationId xmlns:a16="http://schemas.microsoft.com/office/drawing/2014/main" id="{50B65871-FA95-449A-B8BC-90486DE532EF}"/>
+              </a:ext>
+            </a:extLst>
+          </p:cNvPr>
+          <p:cNvSpPr>
+            <a:spLocks noGrp="1"/>
+          </p:cNvSpPr>
+          <p:nvPr>
+            <p:ph sz="quarter" idx="4"/>
+          </p:nvPr>
+        </p:nvSpPr>
+        <p:spPr>
+          <a:xfrm>
+            <a:off x="7410173" y="3834606"/>
+            <a:ext cx="3943627" cy="1997867"/>
+          </a:xfrm>
+        </p:spPr>
+        <p:txBody>
+          <a:bodyPr rtlCol="0">
+            <a:normAutofit/>
+          </a:bodyPr>
           <a:lstStyle>
             <a:defPPr>
               <a:defRPr lang="es-ES"/>
@@ -15228,6 +15342,89 @@
             <a:pPr rtl="0"/>
             <a:r>
               <a:rPr lang="es-ES" dirty="0"/>
+              <a:t>Enfoques iterativos para una estrategia corporativa</a:t>
+            </a:r>
+          </a:p>
+          <a:p>
+            <a:pPr rtl="0"/>
+            <a:r>
+              <a:rPr lang="es-ES" dirty="0"/>
+              <a:t>​Establecer un marco de administración desde dentro</a:t>
+            </a:r>
+          </a:p>
+        </p:txBody>
+      </p:sp>
+      <p:sp>
+        <p:nvSpPr>
+          <p:cNvPr id="7" name="Marcador de fecha 6">
+            <a:extLst>
+              <a:ext uri="{FF2B5EF4-FFF2-40B4-BE49-F238E27FC236}">
+                <a16:creationId xmlns:a16="http://schemas.microsoft.com/office/drawing/2014/main" id="{B2A46C4A-D036-4440-BB64-6754F4FF27C1}"/>
+              </a:ext>
+            </a:extLst>
+          </p:cNvPr>
+          <p:cNvSpPr>
+            <a:spLocks noGrp="1"/>
+          </p:cNvSpPr>
+          <p:nvPr>
+            <p:ph type="dt" sz="half" idx="10"/>
+          </p:nvPr>
+        </p:nvSpPr>
+        <p:spPr>
+          <a:xfrm>
+            <a:off x="838200" y="6356350"/>
+            <a:ext cx="2743200" cy="365125"/>
+          </a:xfrm>
+        </p:spPr>
+        <p:txBody>
+          <a:bodyPr rtlCol="0"/>
+          <a:lstStyle>
+            <a:defPPr>
+              <a:defRPr lang="es-ES"/>
+            </a:defPPr>
+          </a:lstStyle>
+          <a:p>
+            <a:pPr rtl="0"/>
+            <a:r>
+              <a:rPr lang="es-ES" dirty="0"/>
+              <a:t>20XX</a:t>
+            </a:r>
+          </a:p>
+        </p:txBody>
+      </p:sp>
+      <p:sp>
+        <p:nvSpPr>
+          <p:cNvPr id="8" name="Marcador de pie de página 7">
+            <a:extLst>
+              <a:ext uri="{FF2B5EF4-FFF2-40B4-BE49-F238E27FC236}">
+                <a16:creationId xmlns:a16="http://schemas.microsoft.com/office/drawing/2014/main" id="{905F172A-5D5D-43CD-A187-DA0D303F4144}"/>
+              </a:ext>
+            </a:extLst>
+          </p:cNvPr>
+          <p:cNvSpPr>
+            <a:spLocks noGrp="1"/>
+          </p:cNvSpPr>
+          <p:nvPr>
+            <p:ph type="ftr" sz="quarter" idx="11"/>
+          </p:nvPr>
+        </p:nvSpPr>
+        <p:spPr>
+          <a:xfrm>
+            <a:off x="4038600" y="6356350"/>
+            <a:ext cx="4114800" cy="365125"/>
+          </a:xfrm>
+        </p:spPr>
+        <p:txBody>
+          <a:bodyPr rtlCol="0"/>
+          <a:lstStyle>
+            <a:defPPr>
+              <a:defRPr lang="es-ES"/>
+            </a:defPPr>
+          </a:lstStyle>
+          <a:p>
+            <a:pPr rtl="0"/>
+            <a:r>
+              <a:rPr lang="es-ES" dirty="0"/>
               <a:t>TÍTULO DE LA PRESENTACIÓN</a:t>
             </a:r>
           </a:p>
@@ -15235,10 +15432,10 @@
       </p:sp>
       <p:sp>
         <p:nvSpPr>
-          <p:cNvPr id="8" name="Marcador de número de diapositiva 7">
-            <a:extLst>
-              <a:ext uri="{FF2B5EF4-FFF2-40B4-BE49-F238E27FC236}">
-                <a16:creationId xmlns:a16="http://schemas.microsoft.com/office/drawing/2014/main" id="{92908AF9-2A07-4B50-BC13-471792106EC8}"/>
+          <p:cNvPr id="9" name="Marcador de número de diapositiva 8">
+            <a:extLst>
+              <a:ext uri="{FF2B5EF4-FFF2-40B4-BE49-F238E27FC236}">
+                <a16:creationId xmlns:a16="http://schemas.microsoft.com/office/drawing/2014/main" id="{C396FFDC-ADE8-4009-A466-A81787258E88}"/>
               </a:ext>
             </a:extLst>
           </p:cNvPr>
@@ -15275,10 +15472,10 @@
       </p:sp>
       <p:pic>
         <p:nvPicPr>
-          <p:cNvPr id="12" name="Picture 11">
-            <a:extLst>
-              <a:ext uri="{FF2B5EF4-FFF2-40B4-BE49-F238E27FC236}">
-                <a16:creationId xmlns:a16="http://schemas.microsoft.com/office/drawing/2014/main" id="{A612C06D-D748-DBF6-C6F2-9FD984C2E43C}"/>
+          <p:cNvPr id="11" name="Picture 10">
+            <a:extLst>
+              <a:ext uri="{FF2B5EF4-FFF2-40B4-BE49-F238E27FC236}">
+                <a16:creationId xmlns:a16="http://schemas.microsoft.com/office/drawing/2014/main" id="{0014701C-A515-45B2-03F5-C4EF3D5AD0B3}"/>
               </a:ext>
             </a:extLst>
           </p:cNvPr>
@@ -15287,25 +15484,147 @@
           </p:cNvPicPr>
           <p:nvPr/>
         </p:nvPicPr>
-        <p:blipFill rotWithShape="1">
+        <p:blipFill>
           <a:blip r:embed="rId3"/>
-          <a:srcRect l="1029" t="899" r="4413" b="4063"/>
-          <a:stretch/>
+          <a:stretch>
+            <a:fillRect/>
+          </a:stretch>
         </p:blipFill>
         <p:spPr>
           <a:xfrm>
-            <a:off x="331694" y="1564341"/>
-            <a:ext cx="11528612" cy="4173071"/>
+            <a:off x="1085282" y="333698"/>
+            <a:ext cx="4437499" cy="5498775"/>
           </a:xfrm>
           <a:prstGeom prst="rect">
             <a:avLst/>
           </a:prstGeom>
         </p:spPr>
       </p:pic>
+      <p:pic>
+        <p:nvPicPr>
+          <p:cNvPr id="14" name="Picture 13">
+            <a:extLst>
+              <a:ext uri="{FF2B5EF4-FFF2-40B4-BE49-F238E27FC236}">
+                <a16:creationId xmlns:a16="http://schemas.microsoft.com/office/drawing/2014/main" id="{A881FA41-88CD-A684-62A8-FD4B7D8A17D4}"/>
+              </a:ext>
+            </a:extLst>
+          </p:cNvPr>
+          <p:cNvPicPr>
+            <a:picLocks noChangeAspect="1"/>
+          </p:cNvPicPr>
+          <p:nvPr/>
+        </p:nvPicPr>
+        <p:blipFill>
+          <a:blip r:embed="rId4"/>
+          <a:stretch>
+            <a:fillRect/>
+          </a:stretch>
+        </p:blipFill>
+        <p:spPr>
+          <a:xfrm>
+            <a:off x="7239001" y="333698"/>
+            <a:ext cx="4114800" cy="5498775"/>
+          </a:xfrm>
+          <a:prstGeom prst="rect">
+            <a:avLst/>
+          </a:prstGeom>
+        </p:spPr>
+      </p:pic>
+      <p:sp>
+        <p:nvSpPr>
+          <p:cNvPr id="15" name="TextBox 14">
+            <a:extLst>
+              <a:ext uri="{FF2B5EF4-FFF2-40B4-BE49-F238E27FC236}">
+                <a16:creationId xmlns:a16="http://schemas.microsoft.com/office/drawing/2014/main" id="{FF61D288-9C04-EAA5-40C4-740D1B4F638F}"/>
+              </a:ext>
+            </a:extLst>
+          </p:cNvPr>
+          <p:cNvSpPr txBox="1"/>
+          <p:nvPr/>
+        </p:nvSpPr>
+        <p:spPr>
+          <a:xfrm>
+            <a:off x="8280134" y="5909745"/>
+            <a:ext cx="2203704" cy="369332"/>
+          </a:xfrm>
+          <a:prstGeom prst="rect">
+            <a:avLst/>
+          </a:prstGeom>
+          <a:noFill/>
+        </p:spPr>
+        <p:txBody>
+          <a:bodyPr wrap="square" rtlCol="0">
+            <a:spAutoFit/>
+          </a:bodyPr>
+          <a:lstStyle/>
+          <a:p>
+            <a:r>
+              <a:rPr lang="en-US" dirty="0">
+                <a:solidFill>
+                  <a:schemeClr val="bg1"/>
+                </a:solidFill>
+              </a:rPr>
+              <a:t>Image from Forbes</a:t>
+            </a:r>
+          </a:p>
+        </p:txBody>
+      </p:sp>
+      <p:sp>
+        <p:nvSpPr>
+          <p:cNvPr id="16" name="TextBox 15">
+            <a:extLst>
+              <a:ext uri="{FF2B5EF4-FFF2-40B4-BE49-F238E27FC236}">
+                <a16:creationId xmlns:a16="http://schemas.microsoft.com/office/drawing/2014/main" id="{8E11B57D-925A-58EE-040B-FECEB23EABF7}"/>
+              </a:ext>
+            </a:extLst>
+          </p:cNvPr>
+          <p:cNvSpPr txBox="1"/>
+          <p:nvPr/>
+        </p:nvSpPr>
+        <p:spPr>
+          <a:xfrm>
+            <a:off x="2372109" y="5909745"/>
+            <a:ext cx="1863844" cy="369332"/>
+          </a:xfrm>
+          <a:prstGeom prst="rect">
+            <a:avLst/>
+          </a:prstGeom>
+          <a:noFill/>
+        </p:spPr>
+        <p:txBody>
+          <a:bodyPr wrap="none" rtlCol="0">
+            <a:spAutoFit/>
+          </a:bodyPr>
+          <a:lstStyle/>
+          <a:p>
+            <a:r>
+              <a:rPr lang="en-US" dirty="0">
+                <a:solidFill>
+                  <a:schemeClr val="bg1"/>
+                </a:solidFill>
+              </a:rPr>
+              <a:t>Photo from </a:t>
+            </a:r>
+            <a:r>
+              <a:rPr lang="en-US" dirty="0" err="1">
+                <a:solidFill>
+                  <a:schemeClr val="bg1"/>
+                </a:solidFill>
+              </a:rPr>
+              <a:t>Imdb</a:t>
+            </a:r>
+            <a:endParaRPr lang="en-US" dirty="0">
+              <a:solidFill>
+                <a:schemeClr val="bg1"/>
+              </a:solidFill>
+            </a:endParaRPr>
+          </a:p>
+        </p:txBody>
+      </p:sp>
     </p:spTree>
     <p:extLst>
       <p:ext uri="{BB962C8B-B14F-4D97-AF65-F5344CB8AC3E}">
-        <p14:creationId xmlns:p14="http://schemas.microsoft.com/office/powerpoint/2010/main" val="2896385493"/>
+        <p14:creationId xmlns:p14="http://schemas.microsoft.com/office/powerpoint/2010/main" val="4070989650"/>
       </p:ext>
     </p:extLst>
   </p:cSld>
@@ -15334,10 +15653,10 @@
       </p:grpSpPr>
       <p:sp>
         <p:nvSpPr>
-          <p:cNvPr id="2" name="Título 1">
-            <a:extLst>
-              <a:ext uri="{FF2B5EF4-FFF2-40B4-BE49-F238E27FC236}">
-                <a16:creationId xmlns:a16="http://schemas.microsoft.com/office/drawing/2014/main" id="{42DD0E59-4C68-4F87-9821-23C69713D980}"/>
+          <p:cNvPr id="3" name="Título 2">
+            <a:extLst>
+              <a:ext uri="{FF2B5EF4-FFF2-40B4-BE49-F238E27FC236}">
+                <a16:creationId xmlns:a16="http://schemas.microsoft.com/office/drawing/2014/main" id="{77762301-F83A-4BEA-9D11-E6C99FB574A8}"/>
               </a:ext>
             </a:extLst>
           </p:cNvPr>
@@ -15350,8 +15669,8 @@
         </p:nvSpPr>
         <p:spPr>
           <a:xfrm>
-            <a:off x="1885156" y="892177"/>
-            <a:ext cx="8421688" cy="1325563"/>
+            <a:off x="838200" y="365125"/>
+            <a:ext cx="10515600" cy="1325563"/>
           </a:xfrm>
         </p:spPr>
         <p:txBody>
@@ -15365,17 +15684,17 @@
             <a:pPr rtl="0"/>
             <a:r>
               <a:rPr lang="es-ES" dirty="0"/>
-              <a:t>Conclusions</a:t>
-            </a:r>
-          </a:p>
-        </p:txBody>
-      </p:sp>
-      <p:sp>
-        <p:nvSpPr>
-          <p:cNvPr id="56" name="Marcador de fecha 55">
-            <a:extLst>
-              <a:ext uri="{FF2B5EF4-FFF2-40B4-BE49-F238E27FC236}">
-                <a16:creationId xmlns:a16="http://schemas.microsoft.com/office/drawing/2014/main" id="{B289356A-BDA0-4234-84F2-9F2F25D0D7BD}"/>
+              <a:t>Top yearly earnings</a:t>
+            </a:r>
+          </a:p>
+        </p:txBody>
+      </p:sp>
+      <p:sp>
+        <p:nvSpPr>
+          <p:cNvPr id="6" name="Marcador de fecha 5">
+            <a:extLst>
+              <a:ext uri="{FF2B5EF4-FFF2-40B4-BE49-F238E27FC236}">
+                <a16:creationId xmlns:a16="http://schemas.microsoft.com/office/drawing/2014/main" id="{3627CC26-34EF-4BB9-B289-9EC56B07D1E6}"/>
               </a:ext>
             </a:extLst>
           </p:cNvPr>
@@ -15410,10 +15729,10 @@
       </p:sp>
       <p:sp>
         <p:nvSpPr>
-          <p:cNvPr id="57" name="Marcador de pie de página 56">
-            <a:extLst>
-              <a:ext uri="{FF2B5EF4-FFF2-40B4-BE49-F238E27FC236}">
-                <a16:creationId xmlns:a16="http://schemas.microsoft.com/office/drawing/2014/main" id="{3A38BE84-957B-46B9-A315-4B5064DFF1A1}"/>
+          <p:cNvPr id="7" name="Marcador de pie de página 6">
+            <a:extLst>
+              <a:ext uri="{FF2B5EF4-FFF2-40B4-BE49-F238E27FC236}">
+                <a16:creationId xmlns:a16="http://schemas.microsoft.com/office/drawing/2014/main" id="{4E98E6AD-9D37-499C-898E-ED12AC36D31D}"/>
               </a:ext>
             </a:extLst>
           </p:cNvPr>
@@ -15448,10 +15767,10 @@
       </p:sp>
       <p:sp>
         <p:nvSpPr>
-          <p:cNvPr id="58" name="Marcador de número de diapositiva 57">
-            <a:extLst>
-              <a:ext uri="{FF2B5EF4-FFF2-40B4-BE49-F238E27FC236}">
-                <a16:creationId xmlns:a16="http://schemas.microsoft.com/office/drawing/2014/main" id="{E1900601-8B04-4FF3-B06F-6BEFAC6556D3}"/>
+          <p:cNvPr id="8" name="Marcador de número de diapositiva 7">
+            <a:extLst>
+              <a:ext uri="{FF2B5EF4-FFF2-40B4-BE49-F238E27FC236}">
+                <a16:creationId xmlns:a16="http://schemas.microsoft.com/office/drawing/2014/main" id="{92908AF9-2A07-4B50-BC13-471792106EC8}"/>
               </a:ext>
             </a:extLst>
           </p:cNvPr>
@@ -15486,54 +15805,39 @@
           </a:p>
         </p:txBody>
       </p:sp>
-      <p:sp>
-        <p:nvSpPr>
-          <p:cNvPr id="326" name="Marcador de texto 2">
-            <a:extLst>
-              <a:ext uri="{FF2B5EF4-FFF2-40B4-BE49-F238E27FC236}">
-                <a16:creationId xmlns:a16="http://schemas.microsoft.com/office/drawing/2014/main" id="{7B160DB7-BDF4-9939-C740-26EBBB3E0189}"/>
-              </a:ext>
-            </a:extLst>
-          </p:cNvPr>
-          <p:cNvSpPr>
-            <a:spLocks noGrp="1"/>
-          </p:cNvSpPr>
-          <p:nvPr>
-            <p:ph type="body" idx="1"/>
-          </p:nvPr>
-        </p:nvSpPr>
-        <p:spPr>
-          <a:xfrm>
-            <a:off x="1362074" y="2452812"/>
-            <a:ext cx="9605756" cy="2912564"/>
-          </a:xfrm>
-        </p:spPr>
-        <p:txBody>
-          <a:bodyPr rtlCol="0">
-            <a:normAutofit/>
-          </a:bodyPr>
-          <a:lstStyle>
-            <a:defPPr>
-              <a:defRPr lang="es-ES"/>
-            </a:defPPr>
-          </a:lstStyle>
-          <a:p>
-            <a:pPr rtl="0"/>
-            <a:r>
-              <a:rPr lang="es-ES" sz="1400" dirty="0"/>
-              <a:t>ADD CONCLUSIONS HERE</a:t>
-            </a:r>
-          </a:p>
-          <a:p>
-            <a:pPr rtl="0"/>
-            <a:endParaRPr lang="es-ES" sz="1400" dirty="0"/>
-          </a:p>
-        </p:txBody>
-      </p:sp>
+      <p:pic>
+        <p:nvPicPr>
+          <p:cNvPr id="12" name="Picture 11">
+            <a:extLst>
+              <a:ext uri="{FF2B5EF4-FFF2-40B4-BE49-F238E27FC236}">
+                <a16:creationId xmlns:a16="http://schemas.microsoft.com/office/drawing/2014/main" id="{A612C06D-D748-DBF6-C6F2-9FD984C2E43C}"/>
+              </a:ext>
+            </a:extLst>
+          </p:cNvPr>
+          <p:cNvPicPr>
+            <a:picLocks noChangeAspect="1"/>
+          </p:cNvPicPr>
+          <p:nvPr/>
+        </p:nvPicPr>
+        <p:blipFill rotWithShape="1">
+          <a:blip r:embed="rId3"/>
+          <a:srcRect l="1029" t="899" r="4413" b="4063"/>
+          <a:stretch/>
+        </p:blipFill>
+        <p:spPr>
+          <a:xfrm>
+            <a:off x="331694" y="1564341"/>
+            <a:ext cx="11528612" cy="4173071"/>
+          </a:xfrm>
+          <a:prstGeom prst="rect">
+            <a:avLst/>
+          </a:prstGeom>
+        </p:spPr>
+      </p:pic>
     </p:spTree>
     <p:extLst>
       <p:ext uri="{BB962C8B-B14F-4D97-AF65-F5344CB8AC3E}">
-        <p14:creationId xmlns:p14="http://schemas.microsoft.com/office/powerpoint/2010/main" val="1007431861"/>
+        <p14:creationId xmlns:p14="http://schemas.microsoft.com/office/powerpoint/2010/main" val="2896385493"/>
       </p:ext>
     </p:extLst>
   </p:cSld>
@@ -15654,28 +15958,30 @@
       </p:sp>
       <p:sp>
         <p:nvSpPr>
-          <p:cNvPr id="5" name="Marcador de texto 4">
-            <a:extLst>
-              <a:ext uri="{FF2B5EF4-FFF2-40B4-BE49-F238E27FC236}">
-                <a16:creationId xmlns:a16="http://schemas.microsoft.com/office/drawing/2014/main" id="{91CDEC5F-B8EE-4BC1-843F-13135E6E7AB2}"/>
-              </a:ext>
-            </a:extLst>
-          </p:cNvPr>
-          <p:cNvSpPr>
-            <a:spLocks noGrp="1"/>
-          </p:cNvSpPr>
-          <p:nvPr>
-            <p:ph type="body" sz="quarter" idx="3"/>
-          </p:nvPr>
-        </p:nvSpPr>
-        <p:spPr>
-          <a:xfrm>
-            <a:off x="7410173" y="2776936"/>
-            <a:ext cx="3943627" cy="823912"/>
-          </a:xfrm>
-        </p:spPr>
-        <p:txBody>
-          <a:bodyPr rtlCol="0"/>
+          <p:cNvPr id="6" name="Marcador de contenido 5">
+            <a:extLst>
+              <a:ext uri="{FF2B5EF4-FFF2-40B4-BE49-F238E27FC236}">
+                <a16:creationId xmlns:a16="http://schemas.microsoft.com/office/drawing/2014/main" id="{50B65871-FA95-449A-B8BC-90486DE532EF}"/>
+              </a:ext>
+            </a:extLst>
+          </p:cNvPr>
+          <p:cNvSpPr>
+            <a:spLocks noGrp="1"/>
+          </p:cNvSpPr>
+          <p:nvPr>
+            <p:ph sz="quarter" idx="4"/>
+          </p:nvPr>
+        </p:nvSpPr>
+        <p:spPr>
+          <a:xfrm>
+            <a:off x="7410173" y="3834606"/>
+            <a:ext cx="3943627" cy="1997867"/>
+          </a:xfrm>
+        </p:spPr>
+        <p:txBody>
+          <a:bodyPr rtlCol="0">
+            <a:normAutofit/>
+          </a:bodyPr>
           <a:lstStyle>
             <a:defPPr>
               <a:defRPr lang="es-ES"/>
@@ -15685,37 +15991,42 @@
             <a:pPr rtl="0"/>
             <a:r>
               <a:rPr lang="es-ES" dirty="0"/>
-              <a:t>OPORTUNIDADES BASADAS EN LA NUBE</a:t>
-            </a:r>
-          </a:p>
-        </p:txBody>
-      </p:sp>
-      <p:sp>
-        <p:nvSpPr>
-          <p:cNvPr id="6" name="Marcador de contenido 5">
-            <a:extLst>
-              <a:ext uri="{FF2B5EF4-FFF2-40B4-BE49-F238E27FC236}">
-                <a16:creationId xmlns:a16="http://schemas.microsoft.com/office/drawing/2014/main" id="{50B65871-FA95-449A-B8BC-90486DE532EF}"/>
-              </a:ext>
-            </a:extLst>
-          </p:cNvPr>
-          <p:cNvSpPr>
-            <a:spLocks noGrp="1"/>
-          </p:cNvSpPr>
-          <p:nvPr>
-            <p:ph sz="quarter" idx="4"/>
-          </p:nvPr>
-        </p:nvSpPr>
-        <p:spPr>
-          <a:xfrm>
-            <a:off x="10214890" y="3494485"/>
-            <a:ext cx="3724947" cy="1910727"/>
-          </a:xfrm>
-        </p:spPr>
-        <p:txBody>
-          <a:bodyPr rtlCol="0">
-            <a:normAutofit/>
-          </a:bodyPr>
+              <a:t>Enfoques iterativos para una estrategia corporativa</a:t>
+            </a:r>
+          </a:p>
+          <a:p>
+            <a:pPr rtl="0"/>
+            <a:r>
+              <a:rPr lang="es-ES" dirty="0"/>
+              <a:t>​Establecer un marco de administración desde dentro</a:t>
+            </a:r>
+          </a:p>
+        </p:txBody>
+      </p:sp>
+      <p:sp>
+        <p:nvSpPr>
+          <p:cNvPr id="8" name="Marcador de pie de página 7">
+            <a:extLst>
+              <a:ext uri="{FF2B5EF4-FFF2-40B4-BE49-F238E27FC236}">
+                <a16:creationId xmlns:a16="http://schemas.microsoft.com/office/drawing/2014/main" id="{905F172A-5D5D-43CD-A187-DA0D303F4144}"/>
+              </a:ext>
+            </a:extLst>
+          </p:cNvPr>
+          <p:cNvSpPr>
+            <a:spLocks noGrp="1"/>
+          </p:cNvSpPr>
+          <p:nvPr>
+            <p:ph type="ftr" sz="quarter" idx="11"/>
+          </p:nvPr>
+        </p:nvSpPr>
+        <p:spPr>
+          <a:xfrm>
+            <a:off x="7324586" y="6250730"/>
+            <a:ext cx="4114800" cy="365125"/>
+          </a:xfrm>
+        </p:spPr>
+        <p:txBody>
+          <a:bodyPr rtlCol="0"/>
           <a:lstStyle>
             <a:defPPr>
               <a:defRPr lang="es-ES"/>
@@ -15725,14 +16036,7 @@
             <a:pPr rtl="0"/>
             <a:r>
               <a:rPr lang="es-ES" dirty="0"/>
-              <a:t>Enfoques iterativos para una estrategia corporativa</a:t>
-            </a:r>
-          </a:p>
-          <a:p>
-            <a:pPr rtl="0"/>
-            <a:r>
-              <a:rPr lang="es-ES" dirty="0"/>
-              <a:t>​Establecer un marco de administración desde dentro</a:t>
+              <a:t>FORBES HIGHEST PAYING ATHLETES ANALYSIS</a:t>
             </a:r>
           </a:p>
         </p:txBody>
@@ -15777,142 +16081,40 @@
           </a:p>
         </p:txBody>
       </p:sp>
-      <p:sp>
-        <p:nvSpPr>
-          <p:cNvPr id="15" name="Marcador de pie de página 4">
-            <a:extLst>
-              <a:ext uri="{FF2B5EF4-FFF2-40B4-BE49-F238E27FC236}">
-                <a16:creationId xmlns:a16="http://schemas.microsoft.com/office/drawing/2014/main" id="{D03417DB-B8B1-A6C2-EC39-D9E06005B059}"/>
-              </a:ext>
-            </a:extLst>
-          </p:cNvPr>
-          <p:cNvSpPr>
-            <a:spLocks noGrp="1"/>
-          </p:cNvSpPr>
-          <p:nvPr>
-            <p:ph type="ftr" sz="quarter" idx="11"/>
-          </p:nvPr>
-        </p:nvSpPr>
-        <p:spPr>
-          <a:xfrm>
-            <a:off x="2463800" y="6356350"/>
-            <a:ext cx="3479800" cy="365125"/>
-          </a:xfrm>
-        </p:spPr>
-        <p:txBody>
-          <a:bodyPr rtlCol="0"/>
-          <a:lstStyle>
-            <a:defPPr>
-              <a:defRPr lang="es-ES"/>
-            </a:defPPr>
-          </a:lstStyle>
-          <a:p>
-            <a:pPr rtl="0"/>
-            <a:r>
-              <a:rPr lang="es-ES" dirty="0"/>
-              <a:t>FORBES HIGHEST PAYING ATHLETES ANALYSIS</a:t>
-            </a:r>
-          </a:p>
-        </p:txBody>
-      </p:sp>
       <p:pic>
         <p:nvPicPr>
-          <p:cNvPr id="3074" name="Picture 2">
-            <a:extLst>
-              <a:ext uri="{FF2B5EF4-FFF2-40B4-BE49-F238E27FC236}">
-                <a16:creationId xmlns:a16="http://schemas.microsoft.com/office/drawing/2014/main" id="{A006EAF0-CE30-5E85-45FF-109E2EAD59B7}"/>
+          <p:cNvPr id="12" name="Picture 11">
+            <a:extLst>
+              <a:ext uri="{FF2B5EF4-FFF2-40B4-BE49-F238E27FC236}">
+                <a16:creationId xmlns:a16="http://schemas.microsoft.com/office/drawing/2014/main" id="{6A1B3BD1-61A8-5FB1-E2CA-6B055E9BE4D3}"/>
               </a:ext>
             </a:extLst>
           </p:cNvPr>
           <p:cNvPicPr>
-            <a:picLocks noChangeAspect="1" noChangeArrowheads="1"/>
+            <a:picLocks noChangeAspect="1"/>
           </p:cNvPicPr>
           <p:nvPr/>
         </p:nvPicPr>
         <p:blipFill>
-          <a:blip r:embed="rId3">
-            <a:extLst>
-              <a:ext uri="{28A0092B-C50C-407E-A947-70E740481C1C}">
-                <a14:useLocalDpi xmlns:a14="http://schemas.microsoft.com/office/drawing/2010/main" val="0"/>
-              </a:ext>
-            </a:extLst>
-          </a:blip>
-          <a:srcRect/>
+          <a:blip r:embed="rId3"/>
           <a:stretch>
             <a:fillRect/>
           </a:stretch>
         </p:blipFill>
-        <p:spPr bwMode="auto">
-          <a:xfrm>
-            <a:off x="965243" y="502842"/>
-            <a:ext cx="4920177" cy="4946488"/>
+        <p:spPr>
+          <a:xfrm>
+            <a:off x="1327199" y="33558"/>
+            <a:ext cx="6909257" cy="6687917"/>
           </a:xfrm>
           <a:prstGeom prst="rect">
             <a:avLst/>
           </a:prstGeom>
-          <a:noFill/>
-          <a:extLst>
-            <a:ext uri="{909E8E84-426E-40DD-AFC4-6F175D3DCCD1}">
-              <a14:hiddenFill xmlns:a14="http://schemas.microsoft.com/office/drawing/2010/main">
-                <a:solidFill>
-                  <a:srgbClr val="FFFFFF"/>
-                </a:solidFill>
-              </a14:hiddenFill>
-            </a:ext>
-          </a:extLst>
-        </p:spPr>
-      </p:pic>
-      <p:pic>
-        <p:nvPicPr>
-          <p:cNvPr id="3078" name="Picture 6">
-            <a:extLst>
-              <a:ext uri="{FF2B5EF4-FFF2-40B4-BE49-F238E27FC236}">
-                <a16:creationId xmlns:a16="http://schemas.microsoft.com/office/drawing/2014/main" id="{DF37C092-D923-2FA0-C69F-47732B0C3DF6}"/>
-              </a:ext>
-            </a:extLst>
-          </p:cNvPr>
-          <p:cNvPicPr>
-            <a:picLocks noChangeAspect="1" noChangeArrowheads="1"/>
-          </p:cNvPicPr>
-          <p:nvPr/>
-        </p:nvPicPr>
-        <p:blipFill>
-          <a:blip r:embed="rId4">
-            <a:extLst>
-              <a:ext uri="{28A0092B-C50C-407E-A947-70E740481C1C}">
-                <a14:useLocalDpi xmlns:a14="http://schemas.microsoft.com/office/drawing/2010/main" val="0"/>
-              </a:ext>
-            </a:extLst>
-          </a:blip>
-          <a:srcRect/>
-          <a:stretch>
-            <a:fillRect/>
-          </a:stretch>
-        </p:blipFill>
-        <p:spPr bwMode="auto">
-          <a:xfrm>
-            <a:off x="6306582" y="502843"/>
-            <a:ext cx="5071932" cy="4946487"/>
-          </a:xfrm>
-          <a:prstGeom prst="rect">
-            <a:avLst/>
-          </a:prstGeom>
-          <a:noFill/>
-          <a:extLst>
-            <a:ext uri="{909E8E84-426E-40DD-AFC4-6F175D3DCCD1}">
-              <a14:hiddenFill xmlns:a14="http://schemas.microsoft.com/office/drawing/2010/main">
-                <a:solidFill>
-                  <a:srgbClr val="FFFFFF"/>
-                </a:solidFill>
-              </a14:hiddenFill>
-            </a:ext>
-          </a:extLst>
         </p:spPr>
       </p:pic>
     </p:spTree>
     <p:extLst>
       <p:ext uri="{BB962C8B-B14F-4D97-AF65-F5344CB8AC3E}">
-        <p14:creationId xmlns:p14="http://schemas.microsoft.com/office/powerpoint/2010/main" val="2262251188"/>
+        <p14:creationId xmlns:p14="http://schemas.microsoft.com/office/powerpoint/2010/main" val="367634751"/>
       </p:ext>
     </p:extLst>
   </p:cSld>
@@ -16106,21 +16308,21 @@
           <p:cNvPr id="2" name="Título 1">
             <a:extLst>
               <a:ext uri="{FF2B5EF4-FFF2-40B4-BE49-F238E27FC236}">
-                <a16:creationId xmlns:a16="http://schemas.microsoft.com/office/drawing/2014/main" id="{B1FE5F11-B7B9-4B80-8C6A-A8A7A7190B77}"/>
-              </a:ext>
-            </a:extLst>
-          </p:cNvPr>
-          <p:cNvSpPr>
-            <a:spLocks noGrp="1"/>
-          </p:cNvSpPr>
-          <p:nvPr>
-            <p:ph type="ctrTitle"/>
-          </p:nvPr>
-        </p:nvSpPr>
-        <p:spPr>
-          <a:xfrm>
-            <a:off x="6458964" y="2945452"/>
-            <a:ext cx="5074920" cy="967095"/>
+                <a16:creationId xmlns:a16="http://schemas.microsoft.com/office/drawing/2014/main" id="{42DD0E59-4C68-4F87-9821-23C69713D980}"/>
+              </a:ext>
+            </a:extLst>
+          </p:cNvPr>
+          <p:cNvSpPr>
+            <a:spLocks noGrp="1"/>
+          </p:cNvSpPr>
+          <p:nvPr>
+            <p:ph type="title"/>
+          </p:nvPr>
+        </p:nvSpPr>
+        <p:spPr>
+          <a:xfrm>
+            <a:off x="1885156" y="892177"/>
+            <a:ext cx="8421688" cy="1325563"/>
           </a:xfrm>
         </p:spPr>
         <p:txBody>
@@ -16133,16 +16335,176 @@
           <a:p>
             <a:pPr rtl="0"/>
             <a:r>
-              <a:rPr lang="en-US" sz="2800" dirty="0"/>
-              <a:t>Limitations and next steps</a:t>
-            </a:r>
+              <a:rPr lang="es-ES" dirty="0"/>
+              <a:t>Conclusions</a:t>
+            </a:r>
+          </a:p>
+        </p:txBody>
+      </p:sp>
+      <p:sp>
+        <p:nvSpPr>
+          <p:cNvPr id="56" name="Marcador de fecha 55">
+            <a:extLst>
+              <a:ext uri="{FF2B5EF4-FFF2-40B4-BE49-F238E27FC236}">
+                <a16:creationId xmlns:a16="http://schemas.microsoft.com/office/drawing/2014/main" id="{B289356A-BDA0-4234-84F2-9F2F25D0D7BD}"/>
+              </a:ext>
+            </a:extLst>
+          </p:cNvPr>
+          <p:cNvSpPr>
+            <a:spLocks noGrp="1"/>
+          </p:cNvSpPr>
+          <p:nvPr>
+            <p:ph type="dt" sz="half" idx="10"/>
+          </p:nvPr>
+        </p:nvSpPr>
+        <p:spPr>
+          <a:xfrm>
+            <a:off x="838200" y="6356350"/>
+            <a:ext cx="2743200" cy="365125"/>
+          </a:xfrm>
+        </p:spPr>
+        <p:txBody>
+          <a:bodyPr rtlCol="0"/>
+          <a:lstStyle>
+            <a:defPPr>
+              <a:defRPr lang="es-ES"/>
+            </a:defPPr>
+          </a:lstStyle>
+          <a:p>
+            <a:pPr rtl="0"/>
+            <a:r>
+              <a:rPr lang="es-ES" dirty="0"/>
+              <a:t>20XX</a:t>
+            </a:r>
+          </a:p>
+        </p:txBody>
+      </p:sp>
+      <p:sp>
+        <p:nvSpPr>
+          <p:cNvPr id="57" name="Marcador de pie de página 56">
+            <a:extLst>
+              <a:ext uri="{FF2B5EF4-FFF2-40B4-BE49-F238E27FC236}">
+                <a16:creationId xmlns:a16="http://schemas.microsoft.com/office/drawing/2014/main" id="{3A38BE84-957B-46B9-A315-4B5064DFF1A1}"/>
+              </a:ext>
+            </a:extLst>
+          </p:cNvPr>
+          <p:cNvSpPr>
+            <a:spLocks noGrp="1"/>
+          </p:cNvSpPr>
+          <p:nvPr>
+            <p:ph type="ftr" sz="quarter" idx="11"/>
+          </p:nvPr>
+        </p:nvSpPr>
+        <p:spPr>
+          <a:xfrm>
+            <a:off x="4038600" y="6356350"/>
+            <a:ext cx="4114800" cy="365125"/>
+          </a:xfrm>
+        </p:spPr>
+        <p:txBody>
+          <a:bodyPr rtlCol="0"/>
+          <a:lstStyle>
+            <a:defPPr>
+              <a:defRPr lang="es-ES"/>
+            </a:defPPr>
+          </a:lstStyle>
+          <a:p>
+            <a:pPr rtl="0"/>
+            <a:r>
+              <a:rPr lang="es-ES" dirty="0"/>
+              <a:t>TÍTULO DE LA PRESENTACIÓN</a:t>
+            </a:r>
+          </a:p>
+        </p:txBody>
+      </p:sp>
+      <p:sp>
+        <p:nvSpPr>
+          <p:cNvPr id="58" name="Marcador de número de diapositiva 57">
+            <a:extLst>
+              <a:ext uri="{FF2B5EF4-FFF2-40B4-BE49-F238E27FC236}">
+                <a16:creationId xmlns:a16="http://schemas.microsoft.com/office/drawing/2014/main" id="{E1900601-8B04-4FF3-B06F-6BEFAC6556D3}"/>
+              </a:ext>
+            </a:extLst>
+          </p:cNvPr>
+          <p:cNvSpPr>
+            <a:spLocks noGrp="1"/>
+          </p:cNvSpPr>
+          <p:nvPr>
+            <p:ph type="sldNum" sz="quarter" idx="12"/>
+          </p:nvPr>
+        </p:nvSpPr>
+        <p:spPr>
+          <a:xfrm>
+            <a:off x="8610600" y="6356350"/>
+            <a:ext cx="2743200" cy="365125"/>
+          </a:xfrm>
+        </p:spPr>
+        <p:txBody>
+          <a:bodyPr rtlCol="0"/>
+          <a:lstStyle>
+            <a:defPPr>
+              <a:defRPr lang="es-ES"/>
+            </a:defPPr>
+          </a:lstStyle>
+          <a:p>
+            <a:pPr rtl="0"/>
+            <a:fld id="{A49DFD55-3C28-40EF-9E31-A92D2E4017FF}" type="slidenum">
+              <a:rPr lang="es-ES" smtClean="0"/>
+              <a:pPr rtl="0"/>
+              <a:t>20</a:t>
+            </a:fld>
+            <a:endParaRPr lang="es-ES" dirty="0"/>
+          </a:p>
+        </p:txBody>
+      </p:sp>
+      <p:sp>
+        <p:nvSpPr>
+          <p:cNvPr id="326" name="Marcador de texto 2">
+            <a:extLst>
+              <a:ext uri="{FF2B5EF4-FFF2-40B4-BE49-F238E27FC236}">
+                <a16:creationId xmlns:a16="http://schemas.microsoft.com/office/drawing/2014/main" id="{7B160DB7-BDF4-9939-C740-26EBBB3E0189}"/>
+              </a:ext>
+            </a:extLst>
+          </p:cNvPr>
+          <p:cNvSpPr>
+            <a:spLocks noGrp="1"/>
+          </p:cNvSpPr>
+          <p:nvPr>
+            <p:ph type="body" idx="1"/>
+          </p:nvPr>
+        </p:nvSpPr>
+        <p:spPr>
+          <a:xfrm>
+            <a:off x="1362074" y="2452812"/>
+            <a:ext cx="9605756" cy="2912564"/>
+          </a:xfrm>
+        </p:spPr>
+        <p:txBody>
+          <a:bodyPr rtlCol="0">
+            <a:normAutofit/>
+          </a:bodyPr>
+          <a:lstStyle>
+            <a:defPPr>
+              <a:defRPr lang="es-ES"/>
+            </a:defPPr>
+          </a:lstStyle>
+          <a:p>
+            <a:pPr rtl="0"/>
+            <a:r>
+              <a:rPr lang="es-ES" sz="1400" dirty="0"/>
+              <a:t>ADD CONCLUSIONS HERE</a:t>
+            </a:r>
+          </a:p>
+          <a:p>
+            <a:pPr rtl="0"/>
+            <a:endParaRPr lang="es-ES" sz="1400" dirty="0"/>
           </a:p>
         </p:txBody>
       </p:sp>
     </p:spTree>
     <p:extLst>
       <p:ext uri="{BB962C8B-B14F-4D97-AF65-F5344CB8AC3E}">
-        <p14:creationId xmlns:p14="http://schemas.microsoft.com/office/powerpoint/2010/main" val="3671601111"/>
+        <p14:creationId xmlns:p14="http://schemas.microsoft.com/office/powerpoint/2010/main" val="1007431861"/>
       </p:ext>
     </p:extLst>
   </p:cSld>
@@ -16174,7 +16536,7 @@
           <p:cNvPr id="2" name="Título 1">
             <a:extLst>
               <a:ext uri="{FF2B5EF4-FFF2-40B4-BE49-F238E27FC236}">
-                <a16:creationId xmlns:a16="http://schemas.microsoft.com/office/drawing/2014/main" id="{4518FC28-E0BD-4387-B8BE-9965D1A57FF1}"/>
+                <a16:creationId xmlns:a16="http://schemas.microsoft.com/office/drawing/2014/main" id="{09140014-73D5-419B-8867-972BB18D52D4}"/>
               </a:ext>
             </a:extLst>
           </p:cNvPr>
@@ -16187,8 +16549,8 @@
         </p:nvSpPr>
         <p:spPr>
           <a:xfrm>
-            <a:off x="5428430" y="502056"/>
-            <a:ext cx="5111750" cy="1204912"/>
+            <a:off x="2933700" y="892177"/>
+            <a:ext cx="8421688" cy="1325563"/>
           </a:xfrm>
         </p:spPr>
         <p:txBody>
@@ -16202,36 +16564,36 @@
             <a:pPr rtl="0"/>
             <a:r>
               <a:rPr lang="es-ES" dirty="0"/>
-              <a:t>limitations</a:t>
-            </a:r>
-          </a:p>
-        </p:txBody>
-      </p:sp>
-      <p:sp>
-        <p:nvSpPr>
-          <p:cNvPr id="3" name="Marcador de texto 2">
-            <a:extLst>
-              <a:ext uri="{FF2B5EF4-FFF2-40B4-BE49-F238E27FC236}">
-                <a16:creationId xmlns:a16="http://schemas.microsoft.com/office/drawing/2014/main" id="{FED19BCA-B61F-4EA6-A1FB-CCA3BD8506FB}"/>
-              </a:ext>
-            </a:extLst>
-          </p:cNvPr>
-          <p:cNvSpPr>
-            <a:spLocks noGrp="1"/>
-          </p:cNvSpPr>
-          <p:nvPr>
-            <p:ph type="body" idx="1"/>
-          </p:nvPr>
-        </p:nvSpPr>
-        <p:spPr>
-          <a:xfrm>
-            <a:off x="5428430" y="2094275"/>
-            <a:ext cx="5550426" cy="2592781"/>
+              <a:t>ÁREAS DE ENFOQUE</a:t>
+            </a:r>
+          </a:p>
+        </p:txBody>
+      </p:sp>
+      <p:sp>
+        <p:nvSpPr>
+          <p:cNvPr id="4" name="Marcador de contenido 3">
+            <a:extLst>
+              <a:ext uri="{FF2B5EF4-FFF2-40B4-BE49-F238E27FC236}">
+                <a16:creationId xmlns:a16="http://schemas.microsoft.com/office/drawing/2014/main" id="{33D8731E-4977-402E-8BFD-895B4D0544CC}"/>
+              </a:ext>
+            </a:extLst>
+          </p:cNvPr>
+          <p:cNvSpPr>
+            <a:spLocks noGrp="1"/>
+          </p:cNvSpPr>
+          <p:nvPr>
+            <p:ph sz="half" idx="2"/>
+          </p:nvPr>
+        </p:nvSpPr>
+        <p:spPr>
+          <a:xfrm>
+            <a:off x="2933700" y="3834606"/>
+            <a:ext cx="3924300" cy="1997867"/>
           </a:xfrm>
         </p:spPr>
         <p:txBody>
           <a:bodyPr rtlCol="0">
-            <a:normAutofit lnSpcReduction="10000"/>
+            <a:normAutofit/>
           </a:bodyPr>
           <a:lstStyle>
             <a:defPPr>
@@ -16239,57 +16601,48 @@
             </a:defPPr>
           </a:lstStyle>
           <a:p>
-            <a:pPr marL="342900" indent="-342900" rtl="0">
-              <a:buFont typeface="Courier New" panose="02070309020205020404" pitchFamily="49" charset="0"/>
-              <a:buChar char="o"/>
-            </a:pPr>
+            <a:pPr rtl="0"/>
             <a:r>
               <a:rPr lang="es-ES" dirty="0"/>
-              <a:t>Database only included top earners for every year 10. It would be interesting to understand if regional data behaves similarly when analyzing a larger sample of athlete earnings.</a:t>
-            </a:r>
-          </a:p>
-          <a:p>
-            <a:pPr marL="342900" indent="-342900" rtl="0">
-              <a:buFont typeface="Courier New" panose="02070309020205020404" pitchFamily="49" charset="0"/>
-              <a:buChar char="o"/>
-            </a:pPr>
+              <a:t>Desarrollar estrategias ganadoras para seguir a la vanguardia de la competencia</a:t>
+            </a:r>
+          </a:p>
+          <a:p>
+            <a:pPr rtl="0"/>
             <a:r>
               <a:rPr lang="es-ES" dirty="0"/>
-              <a:t>We lacked industry data (ex. TV rights, number of spectators, team valuations) to carry out a correlation analysis to understand key drivers for earnings.</a:t>
-            </a:r>
-          </a:p>
-          <a:p>
-            <a:pPr marL="342900" indent="-342900" rtl="0">
-              <a:buFont typeface="Courier New" panose="02070309020205020404" pitchFamily="49" charset="0"/>
-              <a:buChar char="o"/>
-            </a:pPr>
+              <a:t>​Aprovechar los frutos obtenidos para identificar un valor en el terreno de juego</a:t>
+            </a:r>
+          </a:p>
+          <a:p>
+            <a:pPr rtl="0"/>
             <a:r>
               <a:rPr lang="es-ES" dirty="0"/>
-              <a:t>When it comes to calculating average earnings by country when it comes to athletes there is a limitation in the form of us not having a large enough sample size to illustrate this effectively</a:t>
-            </a:r>
-          </a:p>
-        </p:txBody>
-      </p:sp>
-      <p:sp>
-        <p:nvSpPr>
-          <p:cNvPr id="4" name="Marcador de fecha 3">
-            <a:extLst>
-              <a:ext uri="{FF2B5EF4-FFF2-40B4-BE49-F238E27FC236}">
-                <a16:creationId xmlns:a16="http://schemas.microsoft.com/office/drawing/2014/main" id="{00560550-EE65-43CE-B899-F421E74287A1}"/>
-              </a:ext>
-            </a:extLst>
-          </p:cNvPr>
-          <p:cNvSpPr>
-            <a:spLocks noGrp="1"/>
-          </p:cNvSpPr>
-          <p:nvPr>
-            <p:ph type="dt" sz="half" idx="10"/>
-          </p:nvPr>
-        </p:nvSpPr>
-        <p:spPr>
-          <a:xfrm>
-            <a:off x="838200" y="6356350"/>
-            <a:ext cx="2743200" cy="365125"/>
+              <a:t>​Visualizar la convergencia dirigida al cliente</a:t>
+            </a:r>
+          </a:p>
+        </p:txBody>
+      </p:sp>
+      <p:sp>
+        <p:nvSpPr>
+          <p:cNvPr id="5" name="Marcador de texto 4">
+            <a:extLst>
+              <a:ext uri="{FF2B5EF4-FFF2-40B4-BE49-F238E27FC236}">
+                <a16:creationId xmlns:a16="http://schemas.microsoft.com/office/drawing/2014/main" id="{91CDEC5F-B8EE-4BC1-843F-13135E6E7AB2}"/>
+              </a:ext>
+            </a:extLst>
+          </p:cNvPr>
+          <p:cNvSpPr>
+            <a:spLocks noGrp="1"/>
+          </p:cNvSpPr>
+          <p:nvPr>
+            <p:ph type="body" sz="quarter" idx="3"/>
+          </p:nvPr>
+        </p:nvSpPr>
+        <p:spPr>
+          <a:xfrm>
+            <a:off x="7410173" y="2776936"/>
+            <a:ext cx="3943627" cy="823912"/>
           </a:xfrm>
         </p:spPr>
         <p:txBody>
@@ -16303,35 +16656,37 @@
             <a:pPr rtl="0"/>
             <a:r>
               <a:rPr lang="es-ES" dirty="0"/>
-              <a:t>20XX</a:t>
-            </a:r>
-          </a:p>
-        </p:txBody>
-      </p:sp>
-      <p:sp>
-        <p:nvSpPr>
-          <p:cNvPr id="5" name="Marcador de pie de página 4">
-            <a:extLst>
-              <a:ext uri="{FF2B5EF4-FFF2-40B4-BE49-F238E27FC236}">
-                <a16:creationId xmlns:a16="http://schemas.microsoft.com/office/drawing/2014/main" id="{4135E32A-1A8C-43D2-9C6E-12887B4DEDFB}"/>
-              </a:ext>
-            </a:extLst>
-          </p:cNvPr>
-          <p:cNvSpPr>
-            <a:spLocks noGrp="1"/>
-          </p:cNvSpPr>
-          <p:nvPr>
-            <p:ph type="ftr" sz="quarter" idx="11"/>
-          </p:nvPr>
-        </p:nvSpPr>
-        <p:spPr>
-          <a:xfrm>
-            <a:off x="4038600" y="6356350"/>
-            <a:ext cx="4114800" cy="365125"/>
-          </a:xfrm>
-        </p:spPr>
-        <p:txBody>
-          <a:bodyPr rtlCol="0"/>
+              <a:t>OPORTUNIDADES BASADAS EN LA NUBE</a:t>
+            </a:r>
+          </a:p>
+        </p:txBody>
+      </p:sp>
+      <p:sp>
+        <p:nvSpPr>
+          <p:cNvPr id="6" name="Marcador de contenido 5">
+            <a:extLst>
+              <a:ext uri="{FF2B5EF4-FFF2-40B4-BE49-F238E27FC236}">
+                <a16:creationId xmlns:a16="http://schemas.microsoft.com/office/drawing/2014/main" id="{50B65871-FA95-449A-B8BC-90486DE532EF}"/>
+              </a:ext>
+            </a:extLst>
+          </p:cNvPr>
+          <p:cNvSpPr>
+            <a:spLocks noGrp="1"/>
+          </p:cNvSpPr>
+          <p:nvPr>
+            <p:ph sz="quarter" idx="4"/>
+          </p:nvPr>
+        </p:nvSpPr>
+        <p:spPr>
+          <a:xfrm>
+            <a:off x="10214890" y="3494485"/>
+            <a:ext cx="3724947" cy="1910727"/>
+          </a:xfrm>
+        </p:spPr>
+        <p:txBody>
+          <a:bodyPr rtlCol="0">
+            <a:normAutofit/>
+          </a:bodyPr>
           <a:lstStyle>
             <a:defPPr>
               <a:defRPr lang="es-ES"/>
@@ -16341,17 +16696,24 @@
             <a:pPr rtl="0"/>
             <a:r>
               <a:rPr lang="es-ES" dirty="0"/>
-              <a:t>TÍTULO DE LA PRESENTACIÓN</a:t>
-            </a:r>
-          </a:p>
-        </p:txBody>
-      </p:sp>
-      <p:sp>
-        <p:nvSpPr>
-          <p:cNvPr id="6" name="Marcador de número de diapositiva 5">
-            <a:extLst>
-              <a:ext uri="{FF2B5EF4-FFF2-40B4-BE49-F238E27FC236}">
-                <a16:creationId xmlns:a16="http://schemas.microsoft.com/office/drawing/2014/main" id="{7C4B8313-9270-4128-8674-3A3E42B806BC}"/>
+              <a:t>Enfoques iterativos para una estrategia corporativa</a:t>
+            </a:r>
+          </a:p>
+          <a:p>
+            <a:pPr rtl="0"/>
+            <a:r>
+              <a:rPr lang="es-ES" dirty="0"/>
+              <a:t>​Establecer un marco de administración desde dentro</a:t>
+            </a:r>
+          </a:p>
+        </p:txBody>
+      </p:sp>
+      <p:sp>
+        <p:nvSpPr>
+          <p:cNvPr id="9" name="Marcador de número de diapositiva 8">
+            <a:extLst>
+              <a:ext uri="{FF2B5EF4-FFF2-40B4-BE49-F238E27FC236}">
+                <a16:creationId xmlns:a16="http://schemas.microsoft.com/office/drawing/2014/main" id="{C396FFDC-ADE8-4009-A466-A81787258E88}"/>
               </a:ext>
             </a:extLst>
           </p:cNvPr>
@@ -16386,10 +16748,142 @@
           </a:p>
         </p:txBody>
       </p:sp>
+      <p:sp>
+        <p:nvSpPr>
+          <p:cNvPr id="15" name="Marcador de pie de página 4">
+            <a:extLst>
+              <a:ext uri="{FF2B5EF4-FFF2-40B4-BE49-F238E27FC236}">
+                <a16:creationId xmlns:a16="http://schemas.microsoft.com/office/drawing/2014/main" id="{D03417DB-B8B1-A6C2-EC39-D9E06005B059}"/>
+              </a:ext>
+            </a:extLst>
+          </p:cNvPr>
+          <p:cNvSpPr>
+            <a:spLocks noGrp="1"/>
+          </p:cNvSpPr>
+          <p:nvPr>
+            <p:ph type="ftr" sz="quarter" idx="11"/>
+          </p:nvPr>
+        </p:nvSpPr>
+        <p:spPr>
+          <a:xfrm>
+            <a:off x="2463800" y="6356350"/>
+            <a:ext cx="3479800" cy="365125"/>
+          </a:xfrm>
+        </p:spPr>
+        <p:txBody>
+          <a:bodyPr rtlCol="0"/>
+          <a:lstStyle>
+            <a:defPPr>
+              <a:defRPr lang="es-ES"/>
+            </a:defPPr>
+          </a:lstStyle>
+          <a:p>
+            <a:pPr rtl="0"/>
+            <a:r>
+              <a:rPr lang="es-ES" dirty="0"/>
+              <a:t>FORBES HIGHEST PAYING ATHLETES ANALYSIS</a:t>
+            </a:r>
+          </a:p>
+        </p:txBody>
+      </p:sp>
+      <p:pic>
+        <p:nvPicPr>
+          <p:cNvPr id="3074" name="Picture 2">
+            <a:extLst>
+              <a:ext uri="{FF2B5EF4-FFF2-40B4-BE49-F238E27FC236}">
+                <a16:creationId xmlns:a16="http://schemas.microsoft.com/office/drawing/2014/main" id="{A006EAF0-CE30-5E85-45FF-109E2EAD59B7}"/>
+              </a:ext>
+            </a:extLst>
+          </p:cNvPr>
+          <p:cNvPicPr>
+            <a:picLocks noChangeAspect="1" noChangeArrowheads="1"/>
+          </p:cNvPicPr>
+          <p:nvPr/>
+        </p:nvPicPr>
+        <p:blipFill>
+          <a:blip r:embed="rId3">
+            <a:extLst>
+              <a:ext uri="{28A0092B-C50C-407E-A947-70E740481C1C}">
+                <a14:useLocalDpi xmlns:a14="http://schemas.microsoft.com/office/drawing/2010/main" val="0"/>
+              </a:ext>
+            </a:extLst>
+          </a:blip>
+          <a:srcRect/>
+          <a:stretch>
+            <a:fillRect/>
+          </a:stretch>
+        </p:blipFill>
+        <p:spPr bwMode="auto">
+          <a:xfrm>
+            <a:off x="965243" y="502842"/>
+            <a:ext cx="4920177" cy="4946488"/>
+          </a:xfrm>
+          <a:prstGeom prst="rect">
+            <a:avLst/>
+          </a:prstGeom>
+          <a:noFill/>
+          <a:extLst>
+            <a:ext uri="{909E8E84-426E-40DD-AFC4-6F175D3DCCD1}">
+              <a14:hiddenFill xmlns:a14="http://schemas.microsoft.com/office/drawing/2010/main">
+                <a:solidFill>
+                  <a:srgbClr val="FFFFFF"/>
+                </a:solidFill>
+              </a14:hiddenFill>
+            </a:ext>
+          </a:extLst>
+        </p:spPr>
+      </p:pic>
+      <p:pic>
+        <p:nvPicPr>
+          <p:cNvPr id="3078" name="Picture 6">
+            <a:extLst>
+              <a:ext uri="{FF2B5EF4-FFF2-40B4-BE49-F238E27FC236}">
+                <a16:creationId xmlns:a16="http://schemas.microsoft.com/office/drawing/2014/main" id="{DF37C092-D923-2FA0-C69F-47732B0C3DF6}"/>
+              </a:ext>
+            </a:extLst>
+          </p:cNvPr>
+          <p:cNvPicPr>
+            <a:picLocks noChangeAspect="1" noChangeArrowheads="1"/>
+          </p:cNvPicPr>
+          <p:nvPr/>
+        </p:nvPicPr>
+        <p:blipFill>
+          <a:blip r:embed="rId4">
+            <a:extLst>
+              <a:ext uri="{28A0092B-C50C-407E-A947-70E740481C1C}">
+                <a14:useLocalDpi xmlns:a14="http://schemas.microsoft.com/office/drawing/2010/main" val="0"/>
+              </a:ext>
+            </a:extLst>
+          </a:blip>
+          <a:srcRect/>
+          <a:stretch>
+            <a:fillRect/>
+          </a:stretch>
+        </p:blipFill>
+        <p:spPr bwMode="auto">
+          <a:xfrm>
+            <a:off x="6306582" y="502843"/>
+            <a:ext cx="5071932" cy="4946487"/>
+          </a:xfrm>
+          <a:prstGeom prst="rect">
+            <a:avLst/>
+          </a:prstGeom>
+          <a:noFill/>
+          <a:extLst>
+            <a:ext uri="{909E8E84-426E-40DD-AFC4-6F175D3DCCD1}">
+              <a14:hiddenFill xmlns:a14="http://schemas.microsoft.com/office/drawing/2010/main">
+                <a:solidFill>
+                  <a:srgbClr val="FFFFFF"/>
+                </a:solidFill>
+              </a14:hiddenFill>
+            </a:ext>
+          </a:extLst>
+        </p:spPr>
+      </p:pic>
     </p:spTree>
     <p:extLst>
       <p:ext uri="{BB962C8B-B14F-4D97-AF65-F5344CB8AC3E}">
-        <p14:creationId xmlns:p14="http://schemas.microsoft.com/office/powerpoint/2010/main" val="1742861620"/>
+        <p14:creationId xmlns:p14="http://schemas.microsoft.com/office/powerpoint/2010/main" val="2262251188"/>
       </p:ext>
     </p:extLst>
   </p:cSld>
@@ -16421,21 +16915,21 @@
           <p:cNvPr id="2" name="Título 1">
             <a:extLst>
               <a:ext uri="{FF2B5EF4-FFF2-40B4-BE49-F238E27FC236}">
-                <a16:creationId xmlns:a16="http://schemas.microsoft.com/office/drawing/2014/main" id="{09140014-73D5-419B-8867-972BB18D52D4}"/>
-              </a:ext>
-            </a:extLst>
-          </p:cNvPr>
-          <p:cNvSpPr>
-            <a:spLocks noGrp="1"/>
-          </p:cNvSpPr>
-          <p:nvPr>
-            <p:ph type="title"/>
-          </p:nvPr>
-        </p:nvSpPr>
-        <p:spPr>
-          <a:xfrm>
-            <a:off x="2933700" y="892177"/>
-            <a:ext cx="8421688" cy="1325563"/>
+                <a16:creationId xmlns:a16="http://schemas.microsoft.com/office/drawing/2014/main" id="{B1FE5F11-B7B9-4B80-8C6A-A8A7A7190B77}"/>
+              </a:ext>
+            </a:extLst>
+          </p:cNvPr>
+          <p:cNvSpPr>
+            <a:spLocks noGrp="1"/>
+          </p:cNvSpPr>
+          <p:nvPr>
+            <p:ph type="ctrTitle"/>
+          </p:nvPr>
+        </p:nvSpPr>
+        <p:spPr>
+          <a:xfrm>
+            <a:off x="6458964" y="2945452"/>
+            <a:ext cx="5074920" cy="967095"/>
           </a:xfrm>
         </p:spPr>
         <p:txBody>
@@ -16448,263 +16942,16 @@
           <a:p>
             <a:pPr rtl="0"/>
             <a:r>
-              <a:rPr lang="es-ES" dirty="0"/>
-              <a:t>ÁREAS DE ENFOQUE</a:t>
-            </a:r>
-          </a:p>
-        </p:txBody>
-      </p:sp>
-      <p:sp>
-        <p:nvSpPr>
-          <p:cNvPr id="4" name="Marcador de contenido 3">
-            <a:extLst>
-              <a:ext uri="{FF2B5EF4-FFF2-40B4-BE49-F238E27FC236}">
-                <a16:creationId xmlns:a16="http://schemas.microsoft.com/office/drawing/2014/main" id="{33D8731E-4977-402E-8BFD-895B4D0544CC}"/>
-              </a:ext>
-            </a:extLst>
-          </p:cNvPr>
-          <p:cNvSpPr>
-            <a:spLocks noGrp="1"/>
-          </p:cNvSpPr>
-          <p:nvPr>
-            <p:ph sz="half" idx="2"/>
-          </p:nvPr>
-        </p:nvSpPr>
-        <p:spPr>
-          <a:xfrm>
-            <a:off x="2933700" y="3834606"/>
-            <a:ext cx="3924300" cy="1997867"/>
-          </a:xfrm>
-        </p:spPr>
-        <p:txBody>
-          <a:bodyPr rtlCol="0">
-            <a:normAutofit/>
-          </a:bodyPr>
-          <a:lstStyle>
-            <a:defPPr>
-              <a:defRPr lang="es-ES"/>
-            </a:defPPr>
-          </a:lstStyle>
-          <a:p>
-            <a:pPr rtl="0"/>
-            <a:r>
-              <a:rPr lang="es-ES" dirty="0"/>
-              <a:t>Desarrollar estrategias ganadoras para seguir a la vanguardia de la competencia</a:t>
-            </a:r>
-          </a:p>
-          <a:p>
-            <a:pPr rtl="0"/>
-            <a:r>
-              <a:rPr lang="es-ES" dirty="0"/>
-              <a:t>​Aprovechar los frutos obtenidos para identificar un valor en el terreno de juego</a:t>
-            </a:r>
-          </a:p>
-          <a:p>
-            <a:pPr rtl="0"/>
-            <a:r>
-              <a:rPr lang="es-ES" dirty="0"/>
-              <a:t>​Visualizar la convergencia dirigida al cliente</a:t>
-            </a:r>
-          </a:p>
-        </p:txBody>
-      </p:sp>
-      <p:sp>
-        <p:nvSpPr>
-          <p:cNvPr id="5" name="Marcador de texto 4">
-            <a:extLst>
-              <a:ext uri="{FF2B5EF4-FFF2-40B4-BE49-F238E27FC236}">
-                <a16:creationId xmlns:a16="http://schemas.microsoft.com/office/drawing/2014/main" id="{91CDEC5F-B8EE-4BC1-843F-13135E6E7AB2}"/>
-              </a:ext>
-            </a:extLst>
-          </p:cNvPr>
-          <p:cNvSpPr>
-            <a:spLocks noGrp="1"/>
-          </p:cNvSpPr>
-          <p:nvPr>
-            <p:ph type="body" sz="quarter" idx="3"/>
-          </p:nvPr>
-        </p:nvSpPr>
-        <p:spPr>
-          <a:xfrm>
-            <a:off x="7410173" y="2776936"/>
-            <a:ext cx="3943627" cy="823912"/>
-          </a:xfrm>
-        </p:spPr>
-        <p:txBody>
-          <a:bodyPr rtlCol="0"/>
-          <a:lstStyle>
-            <a:defPPr>
-              <a:defRPr lang="es-ES"/>
-            </a:defPPr>
-          </a:lstStyle>
-          <a:p>
-            <a:pPr rtl="0"/>
-            <a:r>
-              <a:rPr lang="es-ES" dirty="0"/>
-              <a:t>OPORTUNIDADES BASADAS EN LA NUBE</a:t>
-            </a:r>
-          </a:p>
-        </p:txBody>
-      </p:sp>
-      <p:sp>
-        <p:nvSpPr>
-          <p:cNvPr id="6" name="Marcador de contenido 5">
-            <a:extLst>
-              <a:ext uri="{FF2B5EF4-FFF2-40B4-BE49-F238E27FC236}">
-                <a16:creationId xmlns:a16="http://schemas.microsoft.com/office/drawing/2014/main" id="{50B65871-FA95-449A-B8BC-90486DE532EF}"/>
-              </a:ext>
-            </a:extLst>
-          </p:cNvPr>
-          <p:cNvSpPr>
-            <a:spLocks noGrp="1"/>
-          </p:cNvSpPr>
-          <p:nvPr>
-            <p:ph sz="quarter" idx="4"/>
-          </p:nvPr>
-        </p:nvSpPr>
-        <p:spPr>
-          <a:xfrm>
-            <a:off x="7410173" y="3834606"/>
-            <a:ext cx="3943627" cy="1997867"/>
-          </a:xfrm>
-        </p:spPr>
-        <p:txBody>
-          <a:bodyPr rtlCol="0">
-            <a:normAutofit/>
-          </a:bodyPr>
-          <a:lstStyle>
-            <a:defPPr>
-              <a:defRPr lang="es-ES"/>
-            </a:defPPr>
-          </a:lstStyle>
-          <a:p>
-            <a:pPr rtl="0"/>
-            <a:r>
-              <a:rPr lang="es-ES" dirty="0"/>
-              <a:t>Enfoques iterativos para una estrategia corporativa</a:t>
-            </a:r>
-          </a:p>
-          <a:p>
-            <a:pPr rtl="0"/>
-            <a:r>
-              <a:rPr lang="es-ES" dirty="0"/>
-              <a:t>​Establecer un marco de administración desde dentro</a:t>
-            </a:r>
-          </a:p>
-        </p:txBody>
-      </p:sp>
-      <p:sp>
-        <p:nvSpPr>
-          <p:cNvPr id="9" name="Marcador de número de diapositiva 8">
-            <a:extLst>
-              <a:ext uri="{FF2B5EF4-FFF2-40B4-BE49-F238E27FC236}">
-                <a16:creationId xmlns:a16="http://schemas.microsoft.com/office/drawing/2014/main" id="{C396FFDC-ADE8-4009-A466-A81787258E88}"/>
-              </a:ext>
-            </a:extLst>
-          </p:cNvPr>
-          <p:cNvSpPr>
-            <a:spLocks noGrp="1"/>
-          </p:cNvSpPr>
-          <p:nvPr>
-            <p:ph type="sldNum" sz="quarter" idx="12"/>
-          </p:nvPr>
-        </p:nvSpPr>
-        <p:spPr>
-          <a:xfrm>
-            <a:off x="8610600" y="6356350"/>
-            <a:ext cx="2743200" cy="365125"/>
-          </a:xfrm>
-        </p:spPr>
-        <p:txBody>
-          <a:bodyPr rtlCol="0"/>
-          <a:lstStyle>
-            <a:defPPr>
-              <a:defRPr lang="es-ES"/>
-            </a:defPPr>
-          </a:lstStyle>
-          <a:p>
-            <a:pPr rtl="0"/>
-            <a:fld id="{A49DFD55-3C28-40EF-9E31-A92D2E4017FF}" type="slidenum">
-              <a:rPr lang="es-ES" smtClean="0"/>
-              <a:pPr rtl="0"/>
-              <a:t>22</a:t>
-            </a:fld>
-            <a:endParaRPr lang="es-ES" dirty="0"/>
-          </a:p>
-        </p:txBody>
-      </p:sp>
-      <p:sp>
-        <p:nvSpPr>
-          <p:cNvPr id="15" name="Marcador de pie de página 4">
-            <a:extLst>
-              <a:ext uri="{FF2B5EF4-FFF2-40B4-BE49-F238E27FC236}">
-                <a16:creationId xmlns:a16="http://schemas.microsoft.com/office/drawing/2014/main" id="{D03417DB-B8B1-A6C2-EC39-D9E06005B059}"/>
-              </a:ext>
-            </a:extLst>
-          </p:cNvPr>
-          <p:cNvSpPr>
-            <a:spLocks noGrp="1"/>
-          </p:cNvSpPr>
-          <p:nvPr>
-            <p:ph type="ftr" sz="quarter" idx="11"/>
-          </p:nvPr>
-        </p:nvSpPr>
-        <p:spPr>
-          <a:xfrm>
-            <a:off x="2463800" y="6356350"/>
-            <a:ext cx="3479800" cy="365125"/>
-          </a:xfrm>
-        </p:spPr>
-        <p:txBody>
-          <a:bodyPr rtlCol="0"/>
-          <a:lstStyle>
-            <a:defPPr>
-              <a:defRPr lang="es-ES"/>
-            </a:defPPr>
-          </a:lstStyle>
-          <a:p>
-            <a:pPr rtl="0"/>
-            <a:r>
-              <a:rPr lang="es-ES" dirty="0"/>
-              <a:t>FORBES HIGHEST PAYING ATHLETES ANALYSIS</a:t>
-            </a:r>
-          </a:p>
-        </p:txBody>
-      </p:sp>
-      <p:pic>
-        <p:nvPicPr>
-          <p:cNvPr id="19" name="Picture 18">
-            <a:extLst>
-              <a:ext uri="{FF2B5EF4-FFF2-40B4-BE49-F238E27FC236}">
-                <a16:creationId xmlns:a16="http://schemas.microsoft.com/office/drawing/2014/main" id="{107FBD5C-404A-8952-57AD-16E7D834AE5E}"/>
-              </a:ext>
-            </a:extLst>
-          </p:cNvPr>
-          <p:cNvPicPr>
-            <a:picLocks noChangeAspect="1"/>
-          </p:cNvPicPr>
-          <p:nvPr/>
-        </p:nvPicPr>
-        <p:blipFill>
-          <a:blip r:embed="rId3"/>
-          <a:stretch>
-            <a:fillRect/>
-          </a:stretch>
-        </p:blipFill>
-        <p:spPr>
-          <a:xfrm>
-            <a:off x="0" y="177799"/>
-            <a:ext cx="12192000" cy="6502401"/>
-          </a:xfrm>
-          <a:prstGeom prst="rect">
-            <a:avLst/>
-          </a:prstGeom>
-        </p:spPr>
-      </p:pic>
+              <a:rPr lang="en-US" sz="2800" dirty="0"/>
+              <a:t>Limitations and next steps</a:t>
+            </a:r>
+          </a:p>
+        </p:txBody>
+      </p:sp>
     </p:spTree>
     <p:extLst>
       <p:ext uri="{BB962C8B-B14F-4D97-AF65-F5344CB8AC3E}">
-        <p14:creationId xmlns:p14="http://schemas.microsoft.com/office/powerpoint/2010/main" val="921118608"/>
+        <p14:creationId xmlns:p14="http://schemas.microsoft.com/office/powerpoint/2010/main" val="3671601111"/>
       </p:ext>
     </p:extLst>
   </p:cSld>
@@ -16736,97 +16983,122 @@
           <p:cNvPr id="2" name="Título 1">
             <a:extLst>
               <a:ext uri="{FF2B5EF4-FFF2-40B4-BE49-F238E27FC236}">
-                <a16:creationId xmlns:a16="http://schemas.microsoft.com/office/drawing/2014/main" id="{8BDF1EDE-5423-435C-B149-87AB1BC22B83}"/>
-              </a:ext>
-            </a:extLst>
-          </p:cNvPr>
-          <p:cNvSpPr>
-            <a:spLocks noGrp="1"/>
-          </p:cNvSpPr>
-          <p:nvPr>
-            <p:ph type="ctrTitle"/>
-          </p:nvPr>
-        </p:nvSpPr>
-        <p:spPr>
-          <a:xfrm>
-            <a:off x="5221715" y="2666632"/>
-            <a:ext cx="4523715" cy="1524735"/>
-          </a:xfrm>
-        </p:spPr>
-        <p:txBody>
-          <a:bodyPr rtlCol="0" anchor="ctr"/>
+                <a16:creationId xmlns:a16="http://schemas.microsoft.com/office/drawing/2014/main" id="{4518FC28-E0BD-4387-B8BE-9965D1A57FF1}"/>
+              </a:ext>
+            </a:extLst>
+          </p:cNvPr>
+          <p:cNvSpPr>
+            <a:spLocks noGrp="1"/>
+          </p:cNvSpPr>
+          <p:nvPr>
+            <p:ph type="title"/>
+          </p:nvPr>
+        </p:nvSpPr>
+        <p:spPr>
+          <a:xfrm>
+            <a:off x="5428430" y="502056"/>
+            <a:ext cx="5111750" cy="1204912"/>
+          </a:xfrm>
+        </p:spPr>
+        <p:txBody>
+          <a:bodyPr rtlCol="0"/>
           <a:lstStyle>
             <a:defPPr>
               <a:defRPr lang="es-ES"/>
             </a:defPPr>
           </a:lstStyle>
           <a:p>
-            <a:pPr algn="ctr" rtl="0"/>
+            <a:pPr rtl="0"/>
             <a:r>
               <a:rPr lang="es-ES" dirty="0"/>
-              <a:t>Thanks!</a:t>
-            </a:r>
-          </a:p>
-        </p:txBody>
-      </p:sp>
-      <p:sp>
-        <p:nvSpPr>
-          <p:cNvPr id="4" name="Marcador de fecha 3">
-            <a:extLst>
-              <a:ext uri="{FF2B5EF4-FFF2-40B4-BE49-F238E27FC236}">
-                <a16:creationId xmlns:a16="http://schemas.microsoft.com/office/drawing/2014/main" id="{A47C7382-18E7-4821-8C61-461D6BBE08FC}"/>
-              </a:ext>
-            </a:extLst>
-          </p:cNvPr>
-          <p:cNvSpPr>
-            <a:spLocks noGrp="1"/>
-          </p:cNvSpPr>
-          <p:nvPr>
-            <p:ph type="dt" sz="half" idx="10"/>
-          </p:nvPr>
-        </p:nvSpPr>
-        <p:spPr>
-          <a:xfrm>
-            <a:off x="4267200" y="6356350"/>
-            <a:ext cx="1774371" cy="365125"/>
-          </a:xfrm>
-        </p:spPr>
-        <p:txBody>
-          <a:bodyPr rtlCol="0"/>
+              <a:t>limitations</a:t>
+            </a:r>
+          </a:p>
+        </p:txBody>
+      </p:sp>
+      <p:sp>
+        <p:nvSpPr>
+          <p:cNvPr id="3" name="Marcador de texto 2">
+            <a:extLst>
+              <a:ext uri="{FF2B5EF4-FFF2-40B4-BE49-F238E27FC236}">
+                <a16:creationId xmlns:a16="http://schemas.microsoft.com/office/drawing/2014/main" id="{FED19BCA-B61F-4EA6-A1FB-CCA3BD8506FB}"/>
+              </a:ext>
+            </a:extLst>
+          </p:cNvPr>
+          <p:cNvSpPr>
+            <a:spLocks noGrp="1"/>
+          </p:cNvSpPr>
+          <p:nvPr>
+            <p:ph type="body" idx="1"/>
+          </p:nvPr>
+        </p:nvSpPr>
+        <p:spPr>
+          <a:xfrm>
+            <a:off x="5428430" y="2094275"/>
+            <a:ext cx="5550426" cy="2592781"/>
+          </a:xfrm>
+        </p:spPr>
+        <p:txBody>
+          <a:bodyPr rtlCol="0">
+            <a:normAutofit lnSpcReduction="10000"/>
+          </a:bodyPr>
           <a:lstStyle>
             <a:defPPr>
               <a:defRPr lang="es-ES"/>
             </a:defPPr>
           </a:lstStyle>
           <a:p>
-            <a:pPr rtl="0"/>
+            <a:pPr marL="342900" indent="-342900" rtl="0">
+              <a:buFont typeface="Courier New" panose="02070309020205020404" pitchFamily="49" charset="0"/>
+              <a:buChar char="o"/>
+            </a:pPr>
             <a:r>
               <a:rPr lang="es-ES" dirty="0"/>
-              <a:t>20XX</a:t>
-            </a:r>
-          </a:p>
-        </p:txBody>
-      </p:sp>
-      <p:sp>
-        <p:nvSpPr>
-          <p:cNvPr id="5" name="Marcador de pie de página 4">
-            <a:extLst>
-              <a:ext uri="{FF2B5EF4-FFF2-40B4-BE49-F238E27FC236}">
-                <a16:creationId xmlns:a16="http://schemas.microsoft.com/office/drawing/2014/main" id="{3990FA1B-5022-47AB-A0AE-8F5C5797997C}"/>
-              </a:ext>
-            </a:extLst>
-          </p:cNvPr>
-          <p:cNvSpPr>
-            <a:spLocks noGrp="1"/>
-          </p:cNvSpPr>
-          <p:nvPr>
-            <p:ph type="ftr" sz="quarter" idx="11"/>
-          </p:nvPr>
-        </p:nvSpPr>
-        <p:spPr>
-          <a:xfrm>
-            <a:off x="6479721" y="6356350"/>
-            <a:ext cx="2661557" cy="365125"/>
+              <a:t>Database only included top earners for every year 10. It would be interesting to understand if regional data behaves similarly when analyzing a larger sample of athlete earnings.</a:t>
+            </a:r>
+          </a:p>
+          <a:p>
+            <a:pPr marL="342900" indent="-342900" rtl="0">
+              <a:buFont typeface="Courier New" panose="02070309020205020404" pitchFamily="49" charset="0"/>
+              <a:buChar char="o"/>
+            </a:pPr>
+            <a:r>
+              <a:rPr lang="es-ES" dirty="0"/>
+              <a:t>We lacked industry data (ex. TV rights, number of spectators, team valuations) to carry out a correlation analysis to understand key drivers for earnings.</a:t>
+            </a:r>
+          </a:p>
+          <a:p>
+            <a:pPr marL="342900" indent="-342900" rtl="0">
+              <a:buFont typeface="Courier New" panose="02070309020205020404" pitchFamily="49" charset="0"/>
+              <a:buChar char="o"/>
+            </a:pPr>
+            <a:r>
+              <a:rPr lang="es-ES" dirty="0"/>
+              <a:t>When it comes to calculating average earnings by country when it comes to athletes there is a limitation in the form of us not having a large enough sample size to illustrate this effectively</a:t>
+            </a:r>
+          </a:p>
+        </p:txBody>
+      </p:sp>
+      <p:sp>
+        <p:nvSpPr>
+          <p:cNvPr id="4" name="Marcador de fecha 3">
+            <a:extLst>
+              <a:ext uri="{FF2B5EF4-FFF2-40B4-BE49-F238E27FC236}">
+                <a16:creationId xmlns:a16="http://schemas.microsoft.com/office/drawing/2014/main" id="{00560550-EE65-43CE-B899-F421E74287A1}"/>
+              </a:ext>
+            </a:extLst>
+          </p:cNvPr>
+          <p:cNvSpPr>
+            <a:spLocks noGrp="1"/>
+          </p:cNvSpPr>
+          <p:nvPr>
+            <p:ph type="dt" sz="half" idx="10"/>
+          </p:nvPr>
+        </p:nvSpPr>
+        <p:spPr>
+          <a:xfrm>
+            <a:off x="838200" y="6356350"/>
+            <a:ext cx="2743200" cy="365125"/>
           </a:xfrm>
         </p:spPr>
         <p:txBody>
@@ -16840,6 +17112,44 @@
             <a:pPr rtl="0"/>
             <a:r>
               <a:rPr lang="es-ES" dirty="0"/>
+              <a:t>20XX</a:t>
+            </a:r>
+          </a:p>
+        </p:txBody>
+      </p:sp>
+      <p:sp>
+        <p:nvSpPr>
+          <p:cNvPr id="5" name="Marcador de pie de página 4">
+            <a:extLst>
+              <a:ext uri="{FF2B5EF4-FFF2-40B4-BE49-F238E27FC236}">
+                <a16:creationId xmlns:a16="http://schemas.microsoft.com/office/drawing/2014/main" id="{4135E32A-1A8C-43D2-9C6E-12887B4DEDFB}"/>
+              </a:ext>
+            </a:extLst>
+          </p:cNvPr>
+          <p:cNvSpPr>
+            <a:spLocks noGrp="1"/>
+          </p:cNvSpPr>
+          <p:nvPr>
+            <p:ph type="ftr" sz="quarter" idx="11"/>
+          </p:nvPr>
+        </p:nvSpPr>
+        <p:spPr>
+          <a:xfrm>
+            <a:off x="4038600" y="6356350"/>
+            <a:ext cx="4114800" cy="365125"/>
+          </a:xfrm>
+        </p:spPr>
+        <p:txBody>
+          <a:bodyPr rtlCol="0"/>
+          <a:lstStyle>
+            <a:defPPr>
+              <a:defRPr lang="es-ES"/>
+            </a:defPPr>
+          </a:lstStyle>
+          <a:p>
+            <a:pPr rtl="0"/>
+            <a:r>
+              <a:rPr lang="es-ES" dirty="0"/>
               <a:t>TÍTULO DE LA PRESENTACIÓN</a:t>
             </a:r>
           </a:p>
@@ -16850,7 +17160,7 @@
           <p:cNvPr id="6" name="Marcador de número de diapositiva 5">
             <a:extLst>
               <a:ext uri="{FF2B5EF4-FFF2-40B4-BE49-F238E27FC236}">
-                <a16:creationId xmlns:a16="http://schemas.microsoft.com/office/drawing/2014/main" id="{4C127D99-645F-4FCF-9573-FDFE2A344FA9}"/>
+                <a16:creationId xmlns:a16="http://schemas.microsoft.com/office/drawing/2014/main" id="{7C4B8313-9270-4128-8674-3A3E42B806BC}"/>
               </a:ext>
             </a:extLst>
           </p:cNvPr>
@@ -16863,8 +17173,8 @@
         </p:nvSpPr>
         <p:spPr>
           <a:xfrm>
-            <a:off x="9579428" y="6356350"/>
-            <a:ext cx="1774371" cy="365125"/>
+            <a:off x="8610600" y="6356350"/>
+            <a:ext cx="2743200" cy="365125"/>
           </a:xfrm>
         </p:spPr>
         <p:txBody>
@@ -16880,6 +17190,505 @@
               <a:rPr lang="es-ES" smtClean="0"/>
               <a:pPr rtl="0"/>
               <a:t>23</a:t>
+            </a:fld>
+            <a:endParaRPr lang="es-ES" dirty="0"/>
+          </a:p>
+        </p:txBody>
+      </p:sp>
+    </p:spTree>
+    <p:extLst>
+      <p:ext uri="{BB962C8B-B14F-4D97-AF65-F5344CB8AC3E}">
+        <p14:creationId xmlns:p14="http://schemas.microsoft.com/office/powerpoint/2010/main" val="1742861620"/>
+      </p:ext>
+    </p:extLst>
+  </p:cSld>
+  <p:clrMapOvr>
+    <a:masterClrMapping/>
+  </p:clrMapOvr>
+</p:sld>
+</file>
+
+<file path=ppt/slides/slide24.xml><?xml version="1.0" encoding="utf-8"?>
+<p:sld xmlns:a="http://schemas.openxmlformats.org/drawingml/2006/main" xmlns:r="http://schemas.openxmlformats.org/officeDocument/2006/relationships" xmlns:p="http://schemas.openxmlformats.org/presentationml/2006/main">
+  <p:cSld>
+    <p:spTree>
+      <p:nvGrpSpPr>
+        <p:cNvPr id="1" name=""/>
+        <p:cNvGrpSpPr/>
+        <p:nvPr/>
+      </p:nvGrpSpPr>
+      <p:grpSpPr>
+        <a:xfrm>
+          <a:off x="0" y="0"/>
+          <a:ext cx="0" cy="0"/>
+          <a:chOff x="0" y="0"/>
+          <a:chExt cx="0" cy="0"/>
+        </a:xfrm>
+      </p:grpSpPr>
+      <p:sp>
+        <p:nvSpPr>
+          <p:cNvPr id="2" name="Título 1">
+            <a:extLst>
+              <a:ext uri="{FF2B5EF4-FFF2-40B4-BE49-F238E27FC236}">
+                <a16:creationId xmlns:a16="http://schemas.microsoft.com/office/drawing/2014/main" id="{09140014-73D5-419B-8867-972BB18D52D4}"/>
+              </a:ext>
+            </a:extLst>
+          </p:cNvPr>
+          <p:cNvSpPr>
+            <a:spLocks noGrp="1"/>
+          </p:cNvSpPr>
+          <p:nvPr>
+            <p:ph type="title"/>
+          </p:nvPr>
+        </p:nvSpPr>
+        <p:spPr>
+          <a:xfrm>
+            <a:off x="2933700" y="892177"/>
+            <a:ext cx="8421688" cy="1325563"/>
+          </a:xfrm>
+        </p:spPr>
+        <p:txBody>
+          <a:bodyPr rtlCol="0"/>
+          <a:lstStyle>
+            <a:defPPr>
+              <a:defRPr lang="es-ES"/>
+            </a:defPPr>
+          </a:lstStyle>
+          <a:p>
+            <a:pPr rtl="0"/>
+            <a:r>
+              <a:rPr lang="es-ES" dirty="0"/>
+              <a:t>ÁREAS DE ENFOQUE</a:t>
+            </a:r>
+          </a:p>
+        </p:txBody>
+      </p:sp>
+      <p:sp>
+        <p:nvSpPr>
+          <p:cNvPr id="4" name="Marcador de contenido 3">
+            <a:extLst>
+              <a:ext uri="{FF2B5EF4-FFF2-40B4-BE49-F238E27FC236}">
+                <a16:creationId xmlns:a16="http://schemas.microsoft.com/office/drawing/2014/main" id="{33D8731E-4977-402E-8BFD-895B4D0544CC}"/>
+              </a:ext>
+            </a:extLst>
+          </p:cNvPr>
+          <p:cNvSpPr>
+            <a:spLocks noGrp="1"/>
+          </p:cNvSpPr>
+          <p:nvPr>
+            <p:ph sz="half" idx="2"/>
+          </p:nvPr>
+        </p:nvSpPr>
+        <p:spPr>
+          <a:xfrm>
+            <a:off x="2933700" y="3834606"/>
+            <a:ext cx="3924300" cy="1997867"/>
+          </a:xfrm>
+        </p:spPr>
+        <p:txBody>
+          <a:bodyPr rtlCol="0">
+            <a:normAutofit/>
+          </a:bodyPr>
+          <a:lstStyle>
+            <a:defPPr>
+              <a:defRPr lang="es-ES"/>
+            </a:defPPr>
+          </a:lstStyle>
+          <a:p>
+            <a:pPr rtl="0"/>
+            <a:r>
+              <a:rPr lang="es-ES" dirty="0"/>
+              <a:t>Desarrollar estrategias ganadoras para seguir a la vanguardia de la competencia</a:t>
+            </a:r>
+          </a:p>
+          <a:p>
+            <a:pPr rtl="0"/>
+            <a:r>
+              <a:rPr lang="es-ES" dirty="0"/>
+              <a:t>​Aprovechar los frutos obtenidos para identificar un valor en el terreno de juego</a:t>
+            </a:r>
+          </a:p>
+          <a:p>
+            <a:pPr rtl="0"/>
+            <a:r>
+              <a:rPr lang="es-ES" dirty="0"/>
+              <a:t>​Visualizar la convergencia dirigida al cliente</a:t>
+            </a:r>
+          </a:p>
+        </p:txBody>
+      </p:sp>
+      <p:sp>
+        <p:nvSpPr>
+          <p:cNvPr id="5" name="Marcador de texto 4">
+            <a:extLst>
+              <a:ext uri="{FF2B5EF4-FFF2-40B4-BE49-F238E27FC236}">
+                <a16:creationId xmlns:a16="http://schemas.microsoft.com/office/drawing/2014/main" id="{91CDEC5F-B8EE-4BC1-843F-13135E6E7AB2}"/>
+              </a:ext>
+            </a:extLst>
+          </p:cNvPr>
+          <p:cNvSpPr>
+            <a:spLocks noGrp="1"/>
+          </p:cNvSpPr>
+          <p:nvPr>
+            <p:ph type="body" sz="quarter" idx="3"/>
+          </p:nvPr>
+        </p:nvSpPr>
+        <p:spPr>
+          <a:xfrm>
+            <a:off x="7410173" y="2776936"/>
+            <a:ext cx="3943627" cy="823912"/>
+          </a:xfrm>
+        </p:spPr>
+        <p:txBody>
+          <a:bodyPr rtlCol="0"/>
+          <a:lstStyle>
+            <a:defPPr>
+              <a:defRPr lang="es-ES"/>
+            </a:defPPr>
+          </a:lstStyle>
+          <a:p>
+            <a:pPr rtl="0"/>
+            <a:r>
+              <a:rPr lang="es-ES" dirty="0"/>
+              <a:t>OPORTUNIDADES BASADAS EN LA NUBE</a:t>
+            </a:r>
+          </a:p>
+        </p:txBody>
+      </p:sp>
+      <p:sp>
+        <p:nvSpPr>
+          <p:cNvPr id="6" name="Marcador de contenido 5">
+            <a:extLst>
+              <a:ext uri="{FF2B5EF4-FFF2-40B4-BE49-F238E27FC236}">
+                <a16:creationId xmlns:a16="http://schemas.microsoft.com/office/drawing/2014/main" id="{50B65871-FA95-449A-B8BC-90486DE532EF}"/>
+              </a:ext>
+            </a:extLst>
+          </p:cNvPr>
+          <p:cNvSpPr>
+            <a:spLocks noGrp="1"/>
+          </p:cNvSpPr>
+          <p:nvPr>
+            <p:ph sz="quarter" idx="4"/>
+          </p:nvPr>
+        </p:nvSpPr>
+        <p:spPr>
+          <a:xfrm>
+            <a:off x="7410173" y="3834606"/>
+            <a:ext cx="3943627" cy="1997867"/>
+          </a:xfrm>
+        </p:spPr>
+        <p:txBody>
+          <a:bodyPr rtlCol="0">
+            <a:normAutofit/>
+          </a:bodyPr>
+          <a:lstStyle>
+            <a:defPPr>
+              <a:defRPr lang="es-ES"/>
+            </a:defPPr>
+          </a:lstStyle>
+          <a:p>
+            <a:pPr rtl="0"/>
+            <a:r>
+              <a:rPr lang="es-ES" dirty="0"/>
+              <a:t>Enfoques iterativos para una estrategia corporativa</a:t>
+            </a:r>
+          </a:p>
+          <a:p>
+            <a:pPr rtl="0"/>
+            <a:r>
+              <a:rPr lang="es-ES" dirty="0"/>
+              <a:t>​Establecer un marco de administración desde dentro</a:t>
+            </a:r>
+          </a:p>
+        </p:txBody>
+      </p:sp>
+      <p:sp>
+        <p:nvSpPr>
+          <p:cNvPr id="9" name="Marcador de número de diapositiva 8">
+            <a:extLst>
+              <a:ext uri="{FF2B5EF4-FFF2-40B4-BE49-F238E27FC236}">
+                <a16:creationId xmlns:a16="http://schemas.microsoft.com/office/drawing/2014/main" id="{C396FFDC-ADE8-4009-A466-A81787258E88}"/>
+              </a:ext>
+            </a:extLst>
+          </p:cNvPr>
+          <p:cNvSpPr>
+            <a:spLocks noGrp="1"/>
+          </p:cNvSpPr>
+          <p:nvPr>
+            <p:ph type="sldNum" sz="quarter" idx="12"/>
+          </p:nvPr>
+        </p:nvSpPr>
+        <p:spPr>
+          <a:xfrm>
+            <a:off x="8610600" y="6356350"/>
+            <a:ext cx="2743200" cy="365125"/>
+          </a:xfrm>
+        </p:spPr>
+        <p:txBody>
+          <a:bodyPr rtlCol="0"/>
+          <a:lstStyle>
+            <a:defPPr>
+              <a:defRPr lang="es-ES"/>
+            </a:defPPr>
+          </a:lstStyle>
+          <a:p>
+            <a:pPr rtl="0"/>
+            <a:fld id="{A49DFD55-3C28-40EF-9E31-A92D2E4017FF}" type="slidenum">
+              <a:rPr lang="es-ES" smtClean="0"/>
+              <a:pPr rtl="0"/>
+              <a:t>24</a:t>
+            </a:fld>
+            <a:endParaRPr lang="es-ES" dirty="0"/>
+          </a:p>
+        </p:txBody>
+      </p:sp>
+      <p:sp>
+        <p:nvSpPr>
+          <p:cNvPr id="15" name="Marcador de pie de página 4">
+            <a:extLst>
+              <a:ext uri="{FF2B5EF4-FFF2-40B4-BE49-F238E27FC236}">
+                <a16:creationId xmlns:a16="http://schemas.microsoft.com/office/drawing/2014/main" id="{D03417DB-B8B1-A6C2-EC39-D9E06005B059}"/>
+              </a:ext>
+            </a:extLst>
+          </p:cNvPr>
+          <p:cNvSpPr>
+            <a:spLocks noGrp="1"/>
+          </p:cNvSpPr>
+          <p:nvPr>
+            <p:ph type="ftr" sz="quarter" idx="11"/>
+          </p:nvPr>
+        </p:nvSpPr>
+        <p:spPr>
+          <a:xfrm>
+            <a:off x="2463800" y="6356350"/>
+            <a:ext cx="3479800" cy="365125"/>
+          </a:xfrm>
+        </p:spPr>
+        <p:txBody>
+          <a:bodyPr rtlCol="0"/>
+          <a:lstStyle>
+            <a:defPPr>
+              <a:defRPr lang="es-ES"/>
+            </a:defPPr>
+          </a:lstStyle>
+          <a:p>
+            <a:pPr rtl="0"/>
+            <a:r>
+              <a:rPr lang="es-ES" dirty="0"/>
+              <a:t>FORBES HIGHEST PAYING ATHLETES ANALYSIS</a:t>
+            </a:r>
+          </a:p>
+        </p:txBody>
+      </p:sp>
+      <p:pic>
+        <p:nvPicPr>
+          <p:cNvPr id="19" name="Picture 18">
+            <a:extLst>
+              <a:ext uri="{FF2B5EF4-FFF2-40B4-BE49-F238E27FC236}">
+                <a16:creationId xmlns:a16="http://schemas.microsoft.com/office/drawing/2014/main" id="{107FBD5C-404A-8952-57AD-16E7D834AE5E}"/>
+              </a:ext>
+            </a:extLst>
+          </p:cNvPr>
+          <p:cNvPicPr>
+            <a:picLocks noChangeAspect="1"/>
+          </p:cNvPicPr>
+          <p:nvPr/>
+        </p:nvPicPr>
+        <p:blipFill>
+          <a:blip r:embed="rId3"/>
+          <a:stretch>
+            <a:fillRect/>
+          </a:stretch>
+        </p:blipFill>
+        <p:spPr>
+          <a:xfrm>
+            <a:off x="0" y="177799"/>
+            <a:ext cx="12192000" cy="6502401"/>
+          </a:xfrm>
+          <a:prstGeom prst="rect">
+            <a:avLst/>
+          </a:prstGeom>
+        </p:spPr>
+      </p:pic>
+    </p:spTree>
+    <p:extLst>
+      <p:ext uri="{BB962C8B-B14F-4D97-AF65-F5344CB8AC3E}">
+        <p14:creationId xmlns:p14="http://schemas.microsoft.com/office/powerpoint/2010/main" val="921118608"/>
+      </p:ext>
+    </p:extLst>
+  </p:cSld>
+  <p:clrMapOvr>
+    <a:masterClrMapping/>
+  </p:clrMapOvr>
+</p:sld>
+</file>
+
+<file path=ppt/slides/slide25.xml><?xml version="1.0" encoding="utf-8"?>
+<p:sld xmlns:a="http://schemas.openxmlformats.org/drawingml/2006/main" xmlns:r="http://schemas.openxmlformats.org/officeDocument/2006/relationships" xmlns:p="http://schemas.openxmlformats.org/presentationml/2006/main">
+  <p:cSld>
+    <p:spTree>
+      <p:nvGrpSpPr>
+        <p:cNvPr id="1" name=""/>
+        <p:cNvGrpSpPr/>
+        <p:nvPr/>
+      </p:nvGrpSpPr>
+      <p:grpSpPr>
+        <a:xfrm>
+          <a:off x="0" y="0"/>
+          <a:ext cx="0" cy="0"/>
+          <a:chOff x="0" y="0"/>
+          <a:chExt cx="0" cy="0"/>
+        </a:xfrm>
+      </p:grpSpPr>
+      <p:sp>
+        <p:nvSpPr>
+          <p:cNvPr id="2" name="Título 1">
+            <a:extLst>
+              <a:ext uri="{FF2B5EF4-FFF2-40B4-BE49-F238E27FC236}">
+                <a16:creationId xmlns:a16="http://schemas.microsoft.com/office/drawing/2014/main" id="{8BDF1EDE-5423-435C-B149-87AB1BC22B83}"/>
+              </a:ext>
+            </a:extLst>
+          </p:cNvPr>
+          <p:cNvSpPr>
+            <a:spLocks noGrp="1"/>
+          </p:cNvSpPr>
+          <p:nvPr>
+            <p:ph type="ctrTitle"/>
+          </p:nvPr>
+        </p:nvSpPr>
+        <p:spPr>
+          <a:xfrm>
+            <a:off x="5221715" y="2666632"/>
+            <a:ext cx="4523715" cy="1524735"/>
+          </a:xfrm>
+        </p:spPr>
+        <p:txBody>
+          <a:bodyPr rtlCol="0" anchor="ctr"/>
+          <a:lstStyle>
+            <a:defPPr>
+              <a:defRPr lang="es-ES"/>
+            </a:defPPr>
+          </a:lstStyle>
+          <a:p>
+            <a:pPr algn="ctr" rtl="0"/>
+            <a:r>
+              <a:rPr lang="es-ES" dirty="0"/>
+              <a:t>Thanks!</a:t>
+            </a:r>
+          </a:p>
+        </p:txBody>
+      </p:sp>
+      <p:sp>
+        <p:nvSpPr>
+          <p:cNvPr id="4" name="Marcador de fecha 3">
+            <a:extLst>
+              <a:ext uri="{FF2B5EF4-FFF2-40B4-BE49-F238E27FC236}">
+                <a16:creationId xmlns:a16="http://schemas.microsoft.com/office/drawing/2014/main" id="{A47C7382-18E7-4821-8C61-461D6BBE08FC}"/>
+              </a:ext>
+            </a:extLst>
+          </p:cNvPr>
+          <p:cNvSpPr>
+            <a:spLocks noGrp="1"/>
+          </p:cNvSpPr>
+          <p:nvPr>
+            <p:ph type="dt" sz="half" idx="10"/>
+          </p:nvPr>
+        </p:nvSpPr>
+        <p:spPr>
+          <a:xfrm>
+            <a:off x="4267200" y="6356350"/>
+            <a:ext cx="1774371" cy="365125"/>
+          </a:xfrm>
+        </p:spPr>
+        <p:txBody>
+          <a:bodyPr rtlCol="0"/>
+          <a:lstStyle>
+            <a:defPPr>
+              <a:defRPr lang="es-ES"/>
+            </a:defPPr>
+          </a:lstStyle>
+          <a:p>
+            <a:pPr rtl="0"/>
+            <a:r>
+              <a:rPr lang="es-ES" dirty="0"/>
+              <a:t>20XX</a:t>
+            </a:r>
+          </a:p>
+        </p:txBody>
+      </p:sp>
+      <p:sp>
+        <p:nvSpPr>
+          <p:cNvPr id="5" name="Marcador de pie de página 4">
+            <a:extLst>
+              <a:ext uri="{FF2B5EF4-FFF2-40B4-BE49-F238E27FC236}">
+                <a16:creationId xmlns:a16="http://schemas.microsoft.com/office/drawing/2014/main" id="{3990FA1B-5022-47AB-A0AE-8F5C5797997C}"/>
+              </a:ext>
+            </a:extLst>
+          </p:cNvPr>
+          <p:cNvSpPr>
+            <a:spLocks noGrp="1"/>
+          </p:cNvSpPr>
+          <p:nvPr>
+            <p:ph type="ftr" sz="quarter" idx="11"/>
+          </p:nvPr>
+        </p:nvSpPr>
+        <p:spPr>
+          <a:xfrm>
+            <a:off x="6479721" y="6356350"/>
+            <a:ext cx="2661557" cy="365125"/>
+          </a:xfrm>
+        </p:spPr>
+        <p:txBody>
+          <a:bodyPr rtlCol="0"/>
+          <a:lstStyle>
+            <a:defPPr>
+              <a:defRPr lang="es-ES"/>
+            </a:defPPr>
+          </a:lstStyle>
+          <a:p>
+            <a:pPr rtl="0"/>
+            <a:r>
+              <a:rPr lang="es-ES" dirty="0"/>
+              <a:t>TÍTULO DE LA PRESENTACIÓN</a:t>
+            </a:r>
+          </a:p>
+        </p:txBody>
+      </p:sp>
+      <p:sp>
+        <p:nvSpPr>
+          <p:cNvPr id="6" name="Marcador de número de diapositiva 5">
+            <a:extLst>
+              <a:ext uri="{FF2B5EF4-FFF2-40B4-BE49-F238E27FC236}">
+                <a16:creationId xmlns:a16="http://schemas.microsoft.com/office/drawing/2014/main" id="{4C127D99-645F-4FCF-9573-FDFE2A344FA9}"/>
+              </a:ext>
+            </a:extLst>
+          </p:cNvPr>
+          <p:cNvSpPr>
+            <a:spLocks noGrp="1"/>
+          </p:cNvSpPr>
+          <p:nvPr>
+            <p:ph type="sldNum" sz="quarter" idx="12"/>
+          </p:nvPr>
+        </p:nvSpPr>
+        <p:spPr>
+          <a:xfrm>
+            <a:off x="9579428" y="6356350"/>
+            <a:ext cx="1774371" cy="365125"/>
+          </a:xfrm>
+        </p:spPr>
+        <p:txBody>
+          <a:bodyPr rtlCol="0"/>
+          <a:lstStyle>
+            <a:defPPr>
+              <a:defRPr lang="es-ES"/>
+            </a:defPPr>
+          </a:lstStyle>
+          <a:p>
+            <a:pPr rtl="0"/>
+            <a:fld id="{A49DFD55-3C28-40EF-9E31-A92D2E4017FF}" type="slidenum">
+              <a:rPr lang="es-ES" smtClean="0"/>
+              <a:pPr rtl="0"/>
+              <a:t>25</a:t>
             </a:fld>
             <a:endParaRPr lang="es-ES" dirty="0"/>
           </a:p>
@@ -19031,6 +19840,15 @@
 </file>
 
 <file path=customXml/item1.xml><?xml version="1.0" encoding="utf-8"?>
+<?mso-contentType ?>
+<FormTemplates xmlns="http://schemas.microsoft.com/sharepoint/v3/contenttype/forms">
+  <Display>DocumentLibraryForm</Display>
+  <Edit>DocumentLibraryForm</Edit>
+  <New>DocumentLibraryForm</New>
+</FormTemplates>
+</file>
+
+<file path=customXml/item2.xml><?xml version="1.0" encoding="utf-8"?>
 <ct:contentTypeSchema xmlns:ct="http://schemas.microsoft.com/office/2006/metadata/contentType" xmlns:ma="http://schemas.microsoft.com/office/2006/metadata/properties/metaAttributes" ct:_="" ma:_="" ma:contentTypeName="Document" ma:contentTypeID="0x01010079F111ED35F8CC479449609E8A0923A6" ma:contentTypeVersion="20" ma:contentTypeDescription="Create a new document." ma:contentTypeScope="" ma:versionID="1267097ee5f5874adfcc408041ae252e">
   <xsd:schema xmlns:xsd="http://www.w3.org/2001/XMLSchema" xmlns:xs="http://www.w3.org/2001/XMLSchema" xmlns:p="http://schemas.microsoft.com/office/2006/metadata/properties" xmlns:ns1="http://schemas.microsoft.com/sharepoint/v3" xmlns:ns2="71af3243-3dd4-4a8d-8c0d-dd76da1f02a5" xmlns:ns3="16c05727-aa75-4e4a-9b5f-8a80a1165891" xmlns:ns4="230e9df3-be65-4c73-a93b-d1236ebd677e" targetNamespace="http://schemas.microsoft.com/office/2006/metadata/properties" ma:root="true" ma:fieldsID="395891a93df65b14727750f2c06c306c" ns1:_="" ns2:_="" ns3:_="" ns4:_="">
     <xsd:import namespace="http://schemas.microsoft.com/sharepoint/v3"/>
@@ -19306,15 +20124,6 @@
 </ct:contentTypeSchema>
 </file>
 
-<file path=customXml/item2.xml><?xml version="1.0" encoding="utf-8"?>
-<?mso-contentType ?>
-<FormTemplates xmlns="http://schemas.microsoft.com/sharepoint/v3/contenttype/forms">
-  <Display>DocumentLibraryForm</Display>
-  <Edit>DocumentLibraryForm</Edit>
-  <New>DocumentLibraryForm</New>
-</FormTemplates>
-</file>
-
 <file path=customXml/item3.xml><?xml version="1.0" encoding="utf-8"?>
 <p:properties xmlns:p="http://schemas.microsoft.com/office/2006/metadata/properties" xmlns:xsi="http://www.w3.org/2001/XMLSchema-instance" xmlns:pc="http://schemas.microsoft.com/office/infopath/2007/PartnerControls">
   <documentManagement>
@@ -19335,6 +20144,14 @@
 </file>
 
 <file path=customXml/itemProps1.xml><?xml version="1.0" encoding="utf-8"?>
+<ds:datastoreItem xmlns:ds="http://schemas.openxmlformats.org/officeDocument/2006/customXml" ds:itemID="{0FD6FE22-81A0-4500-AFD0-342D21BB9A2C}">
+  <ds:schemaRefs>
+    <ds:schemaRef ds:uri="http://schemas.microsoft.com/sharepoint/v3/contenttype/forms"/>
+  </ds:schemaRefs>
+</ds:datastoreItem>
+</file>
+
+<file path=customXml/itemProps2.xml><?xml version="1.0" encoding="utf-8"?>
 <ds:datastoreItem xmlns:ds="http://schemas.openxmlformats.org/officeDocument/2006/customXml" ds:itemID="{CC96B61E-1B64-430F-934F-7D1B90028029}">
   <ds:schemaRefs>
     <ds:schemaRef ds:uri="http://schemas.microsoft.com/office/2006/metadata/contentType"/>
@@ -19351,14 +20168,6 @@
     <ds:schemaRef ds:uri="http://purl.org/dc/elements/1.1/"/>
     <ds:schemaRef ds:uri="http://purl.org/dc/terms/"/>
     <ds:schemaRef ds:uri="http://schemas.microsoft.com/internal/obd"/>
-  </ds:schemaRefs>
-</ds:datastoreItem>
-</file>
-
-<file path=customXml/itemProps2.xml><?xml version="1.0" encoding="utf-8"?>
-<ds:datastoreItem xmlns:ds="http://schemas.openxmlformats.org/officeDocument/2006/customXml" ds:itemID="{0FD6FE22-81A0-4500-AFD0-342D21BB9A2C}">
-  <ds:schemaRefs>
-    <ds:schemaRef ds:uri="http://schemas.microsoft.com/sharepoint/v3/contenttype/forms"/>
   </ds:schemaRefs>
 </ds:datastoreItem>
 </file>

--- a/Highest paying athletes.pptx
+++ b/Highest paying athletes.pptx
@@ -5,10 +5,10 @@
     <p:sldMasterId id="2147483648" r:id="rId4"/>
   </p:sldMasterIdLst>
   <p:notesMasterIdLst>
-    <p:notesMasterId r:id="rId30"/>
+    <p:notesMasterId r:id="rId31"/>
   </p:notesMasterIdLst>
   <p:handoutMasterIdLst>
-    <p:handoutMasterId r:id="rId31"/>
+    <p:handoutMasterId r:id="rId32"/>
   </p:handoutMasterIdLst>
   <p:sldIdLst>
     <p:sldId id="256" r:id="rId5"/>
@@ -26,16 +26,17 @@
     <p:sldId id="273" r:id="rId17"/>
     <p:sldId id="285" r:id="rId18"/>
     <p:sldId id="281" r:id="rId19"/>
-    <p:sldId id="275" r:id="rId20"/>
-    <p:sldId id="290" r:id="rId21"/>
-    <p:sldId id="270" r:id="rId22"/>
-    <p:sldId id="289" r:id="rId23"/>
-    <p:sldId id="284" r:id="rId24"/>
-    <p:sldId id="288" r:id="rId25"/>
-    <p:sldId id="286" r:id="rId26"/>
-    <p:sldId id="266" r:id="rId27"/>
-    <p:sldId id="287" r:id="rId28"/>
-    <p:sldId id="271" r:id="rId29"/>
+    <p:sldId id="291" r:id="rId20"/>
+    <p:sldId id="275" r:id="rId21"/>
+    <p:sldId id="290" r:id="rId22"/>
+    <p:sldId id="270" r:id="rId23"/>
+    <p:sldId id="289" r:id="rId24"/>
+    <p:sldId id="284" r:id="rId25"/>
+    <p:sldId id="288" r:id="rId26"/>
+    <p:sldId id="286" r:id="rId27"/>
+    <p:sldId id="266" r:id="rId28"/>
+    <p:sldId id="287" r:id="rId29"/>
+    <p:sldId id="271" r:id="rId30"/>
   </p:sldIdLst>
   <p:sldSz cx="12192000" cy="6858000"/>
   <p:notesSz cx="6858000" cy="9144000"/>
@@ -2657,7 +2658,7 @@
     </p:spTree>
     <p:extLst>
       <p:ext uri="{BB962C8B-B14F-4D97-AF65-F5344CB8AC3E}">
-        <p14:creationId xmlns:p14="http://schemas.microsoft.com/office/powerpoint/2010/main" val="3072382898"/>
+        <p14:creationId xmlns:p14="http://schemas.microsoft.com/office/powerpoint/2010/main" val="3527123899"/>
       </p:ext>
     </p:extLst>
   </p:cSld>
@@ -2742,7 +2743,7 @@
     </p:spTree>
     <p:extLst>
       <p:ext uri="{BB962C8B-B14F-4D97-AF65-F5344CB8AC3E}">
-        <p14:creationId xmlns:p14="http://schemas.microsoft.com/office/powerpoint/2010/main" val="1524502082"/>
+        <p14:creationId xmlns:p14="http://schemas.microsoft.com/office/powerpoint/2010/main" val="3072382898"/>
       </p:ext>
     </p:extLst>
   </p:cSld>
@@ -2827,7 +2828,7 @@
     </p:spTree>
     <p:extLst>
       <p:ext uri="{BB962C8B-B14F-4D97-AF65-F5344CB8AC3E}">
-        <p14:creationId xmlns:p14="http://schemas.microsoft.com/office/powerpoint/2010/main" val="2482224959"/>
+        <p14:creationId xmlns:p14="http://schemas.microsoft.com/office/powerpoint/2010/main" val="1524502082"/>
       </p:ext>
     </p:extLst>
   </p:cSld>
@@ -2912,7 +2913,7 @@
     </p:spTree>
     <p:extLst>
       <p:ext uri="{BB962C8B-B14F-4D97-AF65-F5344CB8AC3E}">
-        <p14:creationId xmlns:p14="http://schemas.microsoft.com/office/powerpoint/2010/main" val="1780030628"/>
+        <p14:creationId xmlns:p14="http://schemas.microsoft.com/office/powerpoint/2010/main" val="2482224959"/>
       </p:ext>
     </p:extLst>
   </p:cSld>
@@ -3082,7 +3083,7 @@
     </p:spTree>
     <p:extLst>
       <p:ext uri="{BB962C8B-B14F-4D97-AF65-F5344CB8AC3E}">
-        <p14:creationId xmlns:p14="http://schemas.microsoft.com/office/powerpoint/2010/main" val="744345855"/>
+        <p14:creationId xmlns:p14="http://schemas.microsoft.com/office/powerpoint/2010/main" val="1780030628"/>
       </p:ext>
     </p:extLst>
   </p:cSld>
@@ -3167,7 +3168,7 @@
     </p:spTree>
     <p:extLst>
       <p:ext uri="{BB962C8B-B14F-4D97-AF65-F5344CB8AC3E}">
-        <p14:creationId xmlns:p14="http://schemas.microsoft.com/office/powerpoint/2010/main" val="4070786815"/>
+        <p14:creationId xmlns:p14="http://schemas.microsoft.com/office/powerpoint/2010/main" val="744345855"/>
       </p:ext>
     </p:extLst>
   </p:cSld>
@@ -3252,7 +3253,7 @@
     </p:spTree>
     <p:extLst>
       <p:ext uri="{BB962C8B-B14F-4D97-AF65-F5344CB8AC3E}">
-        <p14:creationId xmlns:p14="http://schemas.microsoft.com/office/powerpoint/2010/main" val="324268012"/>
+        <p14:creationId xmlns:p14="http://schemas.microsoft.com/office/powerpoint/2010/main" val="4070786815"/>
       </p:ext>
     </p:extLst>
   </p:cSld>
@@ -3337,7 +3338,7 @@
     </p:spTree>
     <p:extLst>
       <p:ext uri="{BB962C8B-B14F-4D97-AF65-F5344CB8AC3E}">
-        <p14:creationId xmlns:p14="http://schemas.microsoft.com/office/powerpoint/2010/main" val="954942207"/>
+        <p14:creationId xmlns:p14="http://schemas.microsoft.com/office/powerpoint/2010/main" val="324268012"/>
       </p:ext>
     </p:extLst>
   </p:cSld>
@@ -3422,7 +3423,7 @@
     </p:spTree>
     <p:extLst>
       <p:ext uri="{BB962C8B-B14F-4D97-AF65-F5344CB8AC3E}">
-        <p14:creationId xmlns:p14="http://schemas.microsoft.com/office/powerpoint/2010/main" val="2572684225"/>
+        <p14:creationId xmlns:p14="http://schemas.microsoft.com/office/powerpoint/2010/main" val="954942207"/>
       </p:ext>
     </p:extLst>
   </p:cSld>
@@ -3499,6 +3500,91 @@
             <a:fld id="{22289C57-55D7-40A4-A101-E74FAC7A092B}" type="slidenum">
               <a:rPr lang="es-ES" smtClean="0"/>
               <a:t>25</a:t>
+            </a:fld>
+            <a:endParaRPr lang="es-ES" dirty="0"/>
+          </a:p>
+        </p:txBody>
+      </p:sp>
+    </p:spTree>
+    <p:extLst>
+      <p:ext uri="{BB962C8B-B14F-4D97-AF65-F5344CB8AC3E}">
+        <p14:creationId xmlns:p14="http://schemas.microsoft.com/office/powerpoint/2010/main" val="2572684225"/>
+      </p:ext>
+    </p:extLst>
+  </p:cSld>
+  <p:clrMapOvr>
+    <a:masterClrMapping/>
+  </p:clrMapOvr>
+</p:notes>
+</file>
+
+<file path=ppt/notesSlides/notesSlide26.xml><?xml version="1.0" encoding="utf-8"?>
+<p:notes xmlns:a="http://schemas.openxmlformats.org/drawingml/2006/main" xmlns:r="http://schemas.openxmlformats.org/officeDocument/2006/relationships" xmlns:p="http://schemas.openxmlformats.org/presentationml/2006/main">
+  <p:cSld>
+    <p:spTree>
+      <p:nvGrpSpPr>
+        <p:cNvPr id="1" name=""/>
+        <p:cNvGrpSpPr/>
+        <p:nvPr/>
+      </p:nvGrpSpPr>
+      <p:grpSpPr>
+        <a:xfrm>
+          <a:off x="0" y="0"/>
+          <a:ext cx="0" cy="0"/>
+          <a:chOff x="0" y="0"/>
+          <a:chExt cx="0" cy="0"/>
+        </a:xfrm>
+      </p:grpSpPr>
+      <p:sp>
+        <p:nvSpPr>
+          <p:cNvPr id="2" name="Marcador de imagen de diapositiva 1"/>
+          <p:cNvSpPr>
+            <a:spLocks noGrp="1" noRot="1" noChangeAspect="1"/>
+          </p:cNvSpPr>
+          <p:nvPr>
+            <p:ph type="sldImg"/>
+          </p:nvPr>
+        </p:nvSpPr>
+        <p:spPr/>
+      </p:sp>
+      <p:sp>
+        <p:nvSpPr>
+          <p:cNvPr id="3" name="Marcador de notas 2"/>
+          <p:cNvSpPr>
+            <a:spLocks noGrp="1"/>
+          </p:cNvSpPr>
+          <p:nvPr>
+            <p:ph type="body" idx="1"/>
+          </p:nvPr>
+        </p:nvSpPr>
+        <p:spPr/>
+        <p:txBody>
+          <a:bodyPr/>
+          <a:lstStyle/>
+          <a:p>
+            <a:endParaRPr lang="es-ES" dirty="0"/>
+          </a:p>
+        </p:txBody>
+      </p:sp>
+      <p:sp>
+        <p:nvSpPr>
+          <p:cNvPr id="4" name="Marcador de número de diapositiva 3"/>
+          <p:cNvSpPr>
+            <a:spLocks noGrp="1"/>
+          </p:cNvSpPr>
+          <p:nvPr>
+            <p:ph type="sldNum" sz="quarter" idx="5"/>
+          </p:nvPr>
+        </p:nvSpPr>
+        <p:spPr/>
+        <p:txBody>
+          <a:bodyPr/>
+          <a:lstStyle/>
+          <a:p>
+            <a:pPr rtl="0"/>
+            <a:fld id="{22289C57-55D7-40A4-A101-E74FAC7A092B}" type="slidenum">
+              <a:rPr lang="es-ES" smtClean="0"/>
+              <a:t>26</a:t>
             </a:fld>
             <a:endParaRPr lang="es-ES" dirty="0"/>
           </a:p>
@@ -14885,82 +14971,6 @@
       </p:sp>
       <p:sp>
         <p:nvSpPr>
-          <p:cNvPr id="7" name="Marcador de fecha 6">
-            <a:extLst>
-              <a:ext uri="{FF2B5EF4-FFF2-40B4-BE49-F238E27FC236}">
-                <a16:creationId xmlns:a16="http://schemas.microsoft.com/office/drawing/2014/main" id="{B2A46C4A-D036-4440-BB64-6754F4FF27C1}"/>
-              </a:ext>
-            </a:extLst>
-          </p:cNvPr>
-          <p:cNvSpPr>
-            <a:spLocks noGrp="1"/>
-          </p:cNvSpPr>
-          <p:nvPr>
-            <p:ph type="dt" sz="half" idx="10"/>
-          </p:nvPr>
-        </p:nvSpPr>
-        <p:spPr>
-          <a:xfrm>
-            <a:off x="838200" y="6356350"/>
-            <a:ext cx="2743200" cy="365125"/>
-          </a:xfrm>
-        </p:spPr>
-        <p:txBody>
-          <a:bodyPr rtlCol="0"/>
-          <a:lstStyle>
-            <a:defPPr>
-              <a:defRPr lang="es-ES"/>
-            </a:defPPr>
-          </a:lstStyle>
-          <a:p>
-            <a:pPr rtl="0"/>
-            <a:r>
-              <a:rPr lang="es-ES" dirty="0"/>
-              <a:t>20XX</a:t>
-            </a:r>
-          </a:p>
-        </p:txBody>
-      </p:sp>
-      <p:sp>
-        <p:nvSpPr>
-          <p:cNvPr id="8" name="Marcador de pie de página 7">
-            <a:extLst>
-              <a:ext uri="{FF2B5EF4-FFF2-40B4-BE49-F238E27FC236}">
-                <a16:creationId xmlns:a16="http://schemas.microsoft.com/office/drawing/2014/main" id="{905F172A-5D5D-43CD-A187-DA0D303F4144}"/>
-              </a:ext>
-            </a:extLst>
-          </p:cNvPr>
-          <p:cNvSpPr>
-            <a:spLocks noGrp="1"/>
-          </p:cNvSpPr>
-          <p:nvPr>
-            <p:ph type="ftr" sz="quarter" idx="11"/>
-          </p:nvPr>
-        </p:nvSpPr>
-        <p:spPr>
-          <a:xfrm>
-            <a:off x="4038600" y="6356350"/>
-            <a:ext cx="4114800" cy="365125"/>
-          </a:xfrm>
-        </p:spPr>
-        <p:txBody>
-          <a:bodyPr rtlCol="0"/>
-          <a:lstStyle>
-            <a:defPPr>
-              <a:defRPr lang="es-ES"/>
-            </a:defPPr>
-          </a:lstStyle>
-          <a:p>
-            <a:pPr rtl="0"/>
-            <a:r>
-              <a:rPr lang="es-ES" dirty="0"/>
-              <a:t>TÍTULO DE LA PRESENTACIÓN</a:t>
-            </a:r>
-          </a:p>
-        </p:txBody>
-      </p:sp>
-      <p:sp>
-        <p:nvSpPr>
           <p:cNvPr id="9" name="Marcador de número de diapositiva 8">
             <a:extLst>
               <a:ext uri="{FF2B5EF4-FFF2-40B4-BE49-F238E27FC236}">
@@ -15001,10 +15011,10 @@
       </p:sp>
       <p:pic>
         <p:nvPicPr>
-          <p:cNvPr id="13" name="Picture 12" descr="A screen shot of a graph&#10;&#10;Description automatically generated">
-            <a:extLst>
-              <a:ext uri="{FF2B5EF4-FFF2-40B4-BE49-F238E27FC236}">
-                <a16:creationId xmlns:a16="http://schemas.microsoft.com/office/drawing/2014/main" id="{E60AB1D9-9C5A-747D-509D-E89744A34532}"/>
+          <p:cNvPr id="12" name="Picture 11">
+            <a:extLst>
+              <a:ext uri="{FF2B5EF4-FFF2-40B4-BE49-F238E27FC236}">
+                <a16:creationId xmlns:a16="http://schemas.microsoft.com/office/drawing/2014/main" id="{CD8A96B9-9D83-6DF1-D009-6FD5AF978E41}"/>
               </a:ext>
             </a:extLst>
           </p:cNvPr>
@@ -15021,8 +15031,8 @@
         </p:blipFill>
         <p:spPr>
           <a:xfrm>
-            <a:off x="952500" y="-270704"/>
-            <a:ext cx="10287000" cy="6858000"/>
+            <a:off x="0" y="36511"/>
+            <a:ext cx="12192000" cy="6502401"/>
           </a:xfrm>
           <a:prstGeom prst="rect">
             <a:avLst/>
@@ -15031,164 +15041,46 @@
       </p:pic>
       <p:sp>
         <p:nvSpPr>
-          <p:cNvPr id="3" name="Oval 2">
-            <a:extLst>
-              <a:ext uri="{FF2B5EF4-FFF2-40B4-BE49-F238E27FC236}">
-                <a16:creationId xmlns:a16="http://schemas.microsoft.com/office/drawing/2014/main" id="{6998A596-109F-B8E6-01A0-E9158D7D8FC0}"/>
-              </a:ext>
-            </a:extLst>
-          </p:cNvPr>
-          <p:cNvSpPr/>
-          <p:nvPr/>
-        </p:nvSpPr>
-        <p:spPr>
-          <a:xfrm>
-            <a:off x="8379242" y="553419"/>
-            <a:ext cx="542236" cy="520008"/>
-          </a:xfrm>
-          <a:prstGeom prst="ellipse">
-            <a:avLst/>
-          </a:prstGeom>
-          <a:noFill/>
-          <a:ln w="28575">
-            <a:solidFill>
-              <a:srgbClr val="AE2012"/>
-            </a:solidFill>
-          </a:ln>
-        </p:spPr>
-        <p:style>
-          <a:lnRef idx="2">
-            <a:schemeClr val="accent1">
-              <a:shade val="15000"/>
-            </a:schemeClr>
-          </a:lnRef>
-          <a:fillRef idx="1">
-            <a:schemeClr val="accent1"/>
-          </a:fillRef>
-          <a:effectRef idx="0">
-            <a:schemeClr val="accent1"/>
-          </a:effectRef>
-          <a:fontRef idx="minor">
-            <a:schemeClr val="lt1"/>
-          </a:fontRef>
-        </p:style>
-        <p:txBody>
-          <a:bodyPr rtlCol="0" anchor="ctr"/>
-          <a:lstStyle/>
-          <a:p>
-            <a:pPr algn="ctr"/>
-            <a:endParaRPr lang="es-US" dirty="0"/>
-          </a:p>
-        </p:txBody>
-      </p:sp>
-      <p:sp>
-        <p:nvSpPr>
-          <p:cNvPr id="5" name="Oval 4">
-            <a:extLst>
-              <a:ext uri="{FF2B5EF4-FFF2-40B4-BE49-F238E27FC236}">
-                <a16:creationId xmlns:a16="http://schemas.microsoft.com/office/drawing/2014/main" id="{C7C02EDF-94D5-CA69-341D-1FC4D160C02F}"/>
-              </a:ext>
-            </a:extLst>
-          </p:cNvPr>
-          <p:cNvSpPr/>
-          <p:nvPr/>
-        </p:nvSpPr>
-        <p:spPr>
-          <a:xfrm>
-            <a:off x="9093212" y="1068592"/>
-            <a:ext cx="542236" cy="520008"/>
-          </a:xfrm>
-          <a:prstGeom prst="ellipse">
-            <a:avLst/>
-          </a:prstGeom>
-          <a:noFill/>
-          <a:ln w="28575">
-            <a:solidFill>
-              <a:srgbClr val="AE2012"/>
-            </a:solidFill>
-          </a:ln>
-        </p:spPr>
-        <p:style>
-          <a:lnRef idx="2">
-            <a:schemeClr val="accent1">
-              <a:shade val="15000"/>
-            </a:schemeClr>
-          </a:lnRef>
-          <a:fillRef idx="1">
-            <a:schemeClr val="accent1"/>
-          </a:fillRef>
-          <a:effectRef idx="0">
-            <a:schemeClr val="accent1"/>
-          </a:effectRef>
-          <a:fontRef idx="minor">
-            <a:schemeClr val="lt1"/>
-          </a:fontRef>
-        </p:style>
-        <p:txBody>
-          <a:bodyPr rtlCol="0" anchor="ctr"/>
-          <a:lstStyle/>
-          <a:p>
-            <a:pPr algn="ctr"/>
-            <a:endParaRPr lang="es-US" dirty="0"/>
-          </a:p>
-        </p:txBody>
-      </p:sp>
-      <p:sp>
-        <p:nvSpPr>
-          <p:cNvPr id="10" name="Oval 9">
-            <a:extLst>
-              <a:ext uri="{FF2B5EF4-FFF2-40B4-BE49-F238E27FC236}">
-                <a16:creationId xmlns:a16="http://schemas.microsoft.com/office/drawing/2014/main" id="{64A443F8-ECCA-45EA-A97B-BE2AF1627D03}"/>
-              </a:ext>
-            </a:extLst>
-          </p:cNvPr>
-          <p:cNvSpPr/>
-          <p:nvPr/>
-        </p:nvSpPr>
-        <p:spPr>
-          <a:xfrm>
-            <a:off x="8372608" y="2892446"/>
-            <a:ext cx="542236" cy="520008"/>
-          </a:xfrm>
-          <a:prstGeom prst="ellipse">
-            <a:avLst/>
-          </a:prstGeom>
-          <a:noFill/>
-          <a:ln w="28575">
-            <a:solidFill>
-              <a:srgbClr val="AE2012"/>
-            </a:solidFill>
-          </a:ln>
-        </p:spPr>
-        <p:style>
-          <a:lnRef idx="2">
-            <a:schemeClr val="accent1">
-              <a:shade val="15000"/>
-            </a:schemeClr>
-          </a:lnRef>
-          <a:fillRef idx="1">
-            <a:schemeClr val="accent1"/>
-          </a:fillRef>
-          <a:effectRef idx="0">
-            <a:schemeClr val="accent1"/>
-          </a:effectRef>
-          <a:fontRef idx="minor">
-            <a:schemeClr val="lt1"/>
-          </a:fontRef>
-        </p:style>
-        <p:txBody>
-          <a:bodyPr rtlCol="0" anchor="ctr"/>
-          <a:lstStyle/>
-          <a:p>
-            <a:pPr algn="ctr"/>
-            <a:endParaRPr lang="es-US" dirty="0"/>
+          <p:cNvPr id="16" name="Marcador de pie de página 56">
+            <a:extLst>
+              <a:ext uri="{FF2B5EF4-FFF2-40B4-BE49-F238E27FC236}">
+                <a16:creationId xmlns:a16="http://schemas.microsoft.com/office/drawing/2014/main" id="{CCB864C7-E6EE-4585-0CA8-B3318E44A37F}"/>
+              </a:ext>
+            </a:extLst>
+          </p:cNvPr>
+          <p:cNvSpPr>
+            <a:spLocks noGrp="1"/>
+          </p:cNvSpPr>
+          <p:nvPr>
+            <p:ph type="ftr" sz="quarter" idx="11"/>
+          </p:nvPr>
+        </p:nvSpPr>
+        <p:spPr>
+          <a:xfrm>
+            <a:off x="4038600" y="6356350"/>
+            <a:ext cx="4114800" cy="365125"/>
+          </a:xfrm>
+        </p:spPr>
+        <p:txBody>
+          <a:bodyPr rtlCol="0"/>
+          <a:lstStyle>
+            <a:defPPr>
+              <a:defRPr lang="es-ES"/>
+            </a:defPPr>
+          </a:lstStyle>
+          <a:p>
+            <a:pPr rtl="0"/>
+            <a:r>
+              <a:rPr lang="es-ES" dirty="0"/>
+              <a:t>FORBES HIGHEST PAYING ATHLETES ANALYSIS</a:t>
+            </a:r>
           </a:p>
         </p:txBody>
       </p:sp>
     </p:spTree>
     <p:extLst>
       <p:ext uri="{BB962C8B-B14F-4D97-AF65-F5344CB8AC3E}">
-        <p14:creationId xmlns:p14="http://schemas.microsoft.com/office/powerpoint/2010/main" val="144498883"/>
+        <p14:creationId xmlns:p14="http://schemas.microsoft.com/office/powerpoint/2010/main" val="3590459948"/>
       </p:ext>
     </p:extLst>
   </p:cSld>
@@ -15472,10 +15364,10 @@
       </p:sp>
       <p:pic>
         <p:nvPicPr>
-          <p:cNvPr id="11" name="Picture 10">
-            <a:extLst>
-              <a:ext uri="{FF2B5EF4-FFF2-40B4-BE49-F238E27FC236}">
-                <a16:creationId xmlns:a16="http://schemas.microsoft.com/office/drawing/2014/main" id="{0014701C-A515-45B2-03F5-C4EF3D5AD0B3}"/>
+          <p:cNvPr id="13" name="Picture 12" descr="A screen shot of a graph&#10;&#10;Description automatically generated">
+            <a:extLst>
+              <a:ext uri="{FF2B5EF4-FFF2-40B4-BE49-F238E27FC236}">
+                <a16:creationId xmlns:a16="http://schemas.microsoft.com/office/drawing/2014/main" id="{E60AB1D9-9C5A-747D-509D-E89744A34532}"/>
               </a:ext>
             </a:extLst>
           </p:cNvPr>
@@ -15492,139 +15384,174 @@
         </p:blipFill>
         <p:spPr>
           <a:xfrm>
-            <a:off x="1085282" y="333698"/>
-            <a:ext cx="4437499" cy="5498775"/>
+            <a:off x="952500" y="-270704"/>
+            <a:ext cx="10287000" cy="6858000"/>
           </a:xfrm>
           <a:prstGeom prst="rect">
             <a:avLst/>
           </a:prstGeom>
         </p:spPr>
       </p:pic>
-      <p:pic>
-        <p:nvPicPr>
-          <p:cNvPr id="14" name="Picture 13">
-            <a:extLst>
-              <a:ext uri="{FF2B5EF4-FFF2-40B4-BE49-F238E27FC236}">
-                <a16:creationId xmlns:a16="http://schemas.microsoft.com/office/drawing/2014/main" id="{A881FA41-88CD-A684-62A8-FD4B7D8A17D4}"/>
-              </a:ext>
-            </a:extLst>
-          </p:cNvPr>
-          <p:cNvPicPr>
-            <a:picLocks noChangeAspect="1"/>
-          </p:cNvPicPr>
+      <p:sp>
+        <p:nvSpPr>
+          <p:cNvPr id="3" name="Oval 2">
+            <a:extLst>
+              <a:ext uri="{FF2B5EF4-FFF2-40B4-BE49-F238E27FC236}">
+                <a16:creationId xmlns:a16="http://schemas.microsoft.com/office/drawing/2014/main" id="{6998A596-109F-B8E6-01A0-E9158D7D8FC0}"/>
+              </a:ext>
+            </a:extLst>
+          </p:cNvPr>
+          <p:cNvSpPr/>
           <p:nvPr/>
-        </p:nvPicPr>
-        <p:blipFill>
-          <a:blip r:embed="rId4"/>
-          <a:stretch>
-            <a:fillRect/>
-          </a:stretch>
-        </p:blipFill>
-        <p:spPr>
-          <a:xfrm>
-            <a:off x="7239001" y="333698"/>
-            <a:ext cx="4114800" cy="5498775"/>
-          </a:xfrm>
-          <a:prstGeom prst="rect">
-            <a:avLst/>
-          </a:prstGeom>
-        </p:spPr>
-      </p:pic>
-      <p:sp>
-        <p:nvSpPr>
-          <p:cNvPr id="15" name="TextBox 14">
-            <a:extLst>
-              <a:ext uri="{FF2B5EF4-FFF2-40B4-BE49-F238E27FC236}">
-                <a16:creationId xmlns:a16="http://schemas.microsoft.com/office/drawing/2014/main" id="{FF61D288-9C04-EAA5-40C4-740D1B4F638F}"/>
-              </a:ext>
-            </a:extLst>
-          </p:cNvPr>
-          <p:cNvSpPr txBox="1"/>
-          <p:nvPr/>
-        </p:nvSpPr>
-        <p:spPr>
-          <a:xfrm>
-            <a:off x="8280134" y="5909745"/>
-            <a:ext cx="2203704" cy="369332"/>
-          </a:xfrm>
-          <a:prstGeom prst="rect">
+        </p:nvSpPr>
+        <p:spPr>
+          <a:xfrm>
+            <a:off x="8379242" y="553419"/>
+            <a:ext cx="542236" cy="520008"/>
+          </a:xfrm>
+          <a:prstGeom prst="ellipse">
             <a:avLst/>
           </a:prstGeom>
           <a:noFill/>
-        </p:spPr>
-        <p:txBody>
-          <a:bodyPr wrap="square" rtlCol="0">
-            <a:spAutoFit/>
-          </a:bodyPr>
+          <a:ln w="28575">
+            <a:solidFill>
+              <a:srgbClr val="AE2012"/>
+            </a:solidFill>
+          </a:ln>
+        </p:spPr>
+        <p:style>
+          <a:lnRef idx="2">
+            <a:schemeClr val="accent1">
+              <a:shade val="15000"/>
+            </a:schemeClr>
+          </a:lnRef>
+          <a:fillRef idx="1">
+            <a:schemeClr val="accent1"/>
+          </a:fillRef>
+          <a:effectRef idx="0">
+            <a:schemeClr val="accent1"/>
+          </a:effectRef>
+          <a:fontRef idx="minor">
+            <a:schemeClr val="lt1"/>
+          </a:fontRef>
+        </p:style>
+        <p:txBody>
+          <a:bodyPr rtlCol="0" anchor="ctr"/>
           <a:lstStyle/>
           <a:p>
-            <a:r>
-              <a:rPr lang="en-US" dirty="0">
-                <a:solidFill>
-                  <a:schemeClr val="bg1"/>
-                </a:solidFill>
-              </a:rPr>
-              <a:t>Image from Forbes</a:t>
-            </a:r>
-          </a:p>
-        </p:txBody>
-      </p:sp>
-      <p:sp>
-        <p:nvSpPr>
-          <p:cNvPr id="16" name="TextBox 15">
-            <a:extLst>
-              <a:ext uri="{FF2B5EF4-FFF2-40B4-BE49-F238E27FC236}">
-                <a16:creationId xmlns:a16="http://schemas.microsoft.com/office/drawing/2014/main" id="{8E11B57D-925A-58EE-040B-FECEB23EABF7}"/>
-              </a:ext>
-            </a:extLst>
-          </p:cNvPr>
-          <p:cNvSpPr txBox="1"/>
+            <a:pPr algn="ctr"/>
+            <a:endParaRPr lang="es-US" dirty="0"/>
+          </a:p>
+        </p:txBody>
+      </p:sp>
+      <p:sp>
+        <p:nvSpPr>
+          <p:cNvPr id="5" name="Oval 4">
+            <a:extLst>
+              <a:ext uri="{FF2B5EF4-FFF2-40B4-BE49-F238E27FC236}">
+                <a16:creationId xmlns:a16="http://schemas.microsoft.com/office/drawing/2014/main" id="{C7C02EDF-94D5-CA69-341D-1FC4D160C02F}"/>
+              </a:ext>
+            </a:extLst>
+          </p:cNvPr>
+          <p:cNvSpPr/>
           <p:nvPr/>
         </p:nvSpPr>
         <p:spPr>
           <a:xfrm>
-            <a:off x="2372109" y="5909745"/>
-            <a:ext cx="1863844" cy="369332"/>
-          </a:xfrm>
-          <a:prstGeom prst="rect">
+            <a:off x="9093212" y="1068592"/>
+            <a:ext cx="542236" cy="520008"/>
+          </a:xfrm>
+          <a:prstGeom prst="ellipse">
             <a:avLst/>
           </a:prstGeom>
           <a:noFill/>
-        </p:spPr>
-        <p:txBody>
-          <a:bodyPr wrap="none" rtlCol="0">
-            <a:spAutoFit/>
-          </a:bodyPr>
+          <a:ln w="28575">
+            <a:solidFill>
+              <a:srgbClr val="AE2012"/>
+            </a:solidFill>
+          </a:ln>
+        </p:spPr>
+        <p:style>
+          <a:lnRef idx="2">
+            <a:schemeClr val="accent1">
+              <a:shade val="15000"/>
+            </a:schemeClr>
+          </a:lnRef>
+          <a:fillRef idx="1">
+            <a:schemeClr val="accent1"/>
+          </a:fillRef>
+          <a:effectRef idx="0">
+            <a:schemeClr val="accent1"/>
+          </a:effectRef>
+          <a:fontRef idx="minor">
+            <a:schemeClr val="lt1"/>
+          </a:fontRef>
+        </p:style>
+        <p:txBody>
+          <a:bodyPr rtlCol="0" anchor="ctr"/>
           <a:lstStyle/>
           <a:p>
-            <a:r>
-              <a:rPr lang="en-US" dirty="0">
-                <a:solidFill>
-                  <a:schemeClr val="bg1"/>
-                </a:solidFill>
-              </a:rPr>
-              <a:t>Photo from </a:t>
-            </a:r>
-            <a:r>
-              <a:rPr lang="en-US" dirty="0" err="1">
-                <a:solidFill>
-                  <a:schemeClr val="bg1"/>
-                </a:solidFill>
-              </a:rPr>
-              <a:t>Imdb</a:t>
-            </a:r>
-            <a:endParaRPr lang="en-US" dirty="0">
-              <a:solidFill>
-                <a:schemeClr val="bg1"/>
-              </a:solidFill>
-            </a:endParaRPr>
+            <a:pPr algn="ctr"/>
+            <a:endParaRPr lang="es-US" dirty="0"/>
+          </a:p>
+        </p:txBody>
+      </p:sp>
+      <p:sp>
+        <p:nvSpPr>
+          <p:cNvPr id="10" name="Oval 9">
+            <a:extLst>
+              <a:ext uri="{FF2B5EF4-FFF2-40B4-BE49-F238E27FC236}">
+                <a16:creationId xmlns:a16="http://schemas.microsoft.com/office/drawing/2014/main" id="{64A443F8-ECCA-45EA-A97B-BE2AF1627D03}"/>
+              </a:ext>
+            </a:extLst>
+          </p:cNvPr>
+          <p:cNvSpPr/>
+          <p:nvPr/>
+        </p:nvSpPr>
+        <p:spPr>
+          <a:xfrm>
+            <a:off x="8372608" y="2892446"/>
+            <a:ext cx="542236" cy="520008"/>
+          </a:xfrm>
+          <a:prstGeom prst="ellipse">
+            <a:avLst/>
+          </a:prstGeom>
+          <a:noFill/>
+          <a:ln w="28575">
+            <a:solidFill>
+              <a:srgbClr val="AE2012"/>
+            </a:solidFill>
+          </a:ln>
+        </p:spPr>
+        <p:style>
+          <a:lnRef idx="2">
+            <a:schemeClr val="accent1">
+              <a:shade val="15000"/>
+            </a:schemeClr>
+          </a:lnRef>
+          <a:fillRef idx="1">
+            <a:schemeClr val="accent1"/>
+          </a:fillRef>
+          <a:effectRef idx="0">
+            <a:schemeClr val="accent1"/>
+          </a:effectRef>
+          <a:fontRef idx="minor">
+            <a:schemeClr val="lt1"/>
+          </a:fontRef>
+        </p:style>
+        <p:txBody>
+          <a:bodyPr rtlCol="0" anchor="ctr"/>
+          <a:lstStyle/>
+          <a:p>
+            <a:pPr algn="ctr"/>
+            <a:endParaRPr lang="es-US" dirty="0"/>
           </a:p>
         </p:txBody>
       </p:sp>
     </p:spTree>
     <p:extLst>
       <p:ext uri="{BB962C8B-B14F-4D97-AF65-F5344CB8AC3E}">
-        <p14:creationId xmlns:p14="http://schemas.microsoft.com/office/powerpoint/2010/main" val="4070989650"/>
+        <p14:creationId xmlns:p14="http://schemas.microsoft.com/office/powerpoint/2010/main" val="144498883"/>
       </p:ext>
     </p:extLst>
   </p:cSld>
@@ -15653,10 +15580,10 @@
       </p:grpSpPr>
       <p:sp>
         <p:nvSpPr>
-          <p:cNvPr id="3" name="Título 2">
-            <a:extLst>
-              <a:ext uri="{FF2B5EF4-FFF2-40B4-BE49-F238E27FC236}">
-                <a16:creationId xmlns:a16="http://schemas.microsoft.com/office/drawing/2014/main" id="{77762301-F83A-4BEA-9D11-E6C99FB574A8}"/>
+          <p:cNvPr id="2" name="Título 1">
+            <a:extLst>
+              <a:ext uri="{FF2B5EF4-FFF2-40B4-BE49-F238E27FC236}">
+                <a16:creationId xmlns:a16="http://schemas.microsoft.com/office/drawing/2014/main" id="{09140014-73D5-419B-8867-972BB18D52D4}"/>
               </a:ext>
             </a:extLst>
           </p:cNvPr>
@@ -15669,8 +15596,8 @@
         </p:nvSpPr>
         <p:spPr>
           <a:xfrm>
-            <a:off x="838200" y="365125"/>
-            <a:ext cx="10515600" cy="1325563"/>
+            <a:off x="2933700" y="892177"/>
+            <a:ext cx="8421688" cy="1325563"/>
           </a:xfrm>
         </p:spPr>
         <p:txBody>
@@ -15684,35 +15611,37 @@
             <a:pPr rtl="0"/>
             <a:r>
               <a:rPr lang="es-ES" dirty="0"/>
-              <a:t>Top yearly earnings</a:t>
-            </a:r>
-          </a:p>
-        </p:txBody>
-      </p:sp>
-      <p:sp>
-        <p:nvSpPr>
-          <p:cNvPr id="6" name="Marcador de fecha 5">
-            <a:extLst>
-              <a:ext uri="{FF2B5EF4-FFF2-40B4-BE49-F238E27FC236}">
-                <a16:creationId xmlns:a16="http://schemas.microsoft.com/office/drawing/2014/main" id="{3627CC26-34EF-4BB9-B289-9EC56B07D1E6}"/>
-              </a:ext>
-            </a:extLst>
-          </p:cNvPr>
-          <p:cNvSpPr>
-            <a:spLocks noGrp="1"/>
-          </p:cNvSpPr>
-          <p:nvPr>
-            <p:ph type="dt" sz="half" idx="10"/>
-          </p:nvPr>
-        </p:nvSpPr>
-        <p:spPr>
-          <a:xfrm>
-            <a:off x="838200" y="6356350"/>
-            <a:ext cx="2743200" cy="365125"/>
-          </a:xfrm>
-        </p:spPr>
-        <p:txBody>
-          <a:bodyPr rtlCol="0"/>
+              <a:t>ÁREAS DE ENFOQUE</a:t>
+            </a:r>
+          </a:p>
+        </p:txBody>
+      </p:sp>
+      <p:sp>
+        <p:nvSpPr>
+          <p:cNvPr id="4" name="Marcador de contenido 3">
+            <a:extLst>
+              <a:ext uri="{FF2B5EF4-FFF2-40B4-BE49-F238E27FC236}">
+                <a16:creationId xmlns:a16="http://schemas.microsoft.com/office/drawing/2014/main" id="{33D8731E-4977-402E-8BFD-895B4D0544CC}"/>
+              </a:ext>
+            </a:extLst>
+          </p:cNvPr>
+          <p:cNvSpPr>
+            <a:spLocks noGrp="1"/>
+          </p:cNvSpPr>
+          <p:nvPr>
+            <p:ph sz="half" idx="2"/>
+          </p:nvPr>
+        </p:nvSpPr>
+        <p:spPr>
+          <a:xfrm>
+            <a:off x="2933700" y="3834606"/>
+            <a:ext cx="3924300" cy="1997867"/>
+          </a:xfrm>
+        </p:spPr>
+        <p:txBody>
+          <a:bodyPr rtlCol="0">
+            <a:normAutofit/>
+          </a:bodyPr>
           <a:lstStyle>
             <a:defPPr>
               <a:defRPr lang="es-ES"/>
@@ -15722,35 +15651,51 @@
             <a:pPr rtl="0"/>
             <a:r>
               <a:rPr lang="es-ES" dirty="0"/>
-              <a:t>20XX</a:t>
-            </a:r>
-          </a:p>
-        </p:txBody>
-      </p:sp>
-      <p:sp>
-        <p:nvSpPr>
-          <p:cNvPr id="7" name="Marcador de pie de página 6">
-            <a:extLst>
-              <a:ext uri="{FF2B5EF4-FFF2-40B4-BE49-F238E27FC236}">
-                <a16:creationId xmlns:a16="http://schemas.microsoft.com/office/drawing/2014/main" id="{4E98E6AD-9D37-499C-898E-ED12AC36D31D}"/>
-              </a:ext>
-            </a:extLst>
-          </p:cNvPr>
-          <p:cNvSpPr>
-            <a:spLocks noGrp="1"/>
-          </p:cNvSpPr>
-          <p:nvPr>
-            <p:ph type="ftr" sz="quarter" idx="11"/>
-          </p:nvPr>
-        </p:nvSpPr>
-        <p:spPr>
-          <a:xfrm>
-            <a:off x="4038600" y="6356350"/>
-            <a:ext cx="4114800" cy="365125"/>
-          </a:xfrm>
-        </p:spPr>
-        <p:txBody>
-          <a:bodyPr rtlCol="0"/>
+              <a:t>Desarrollar estrategias ganadoras para seguir a la vanguardia de la competencia</a:t>
+            </a:r>
+          </a:p>
+          <a:p>
+            <a:pPr rtl="0"/>
+            <a:r>
+              <a:rPr lang="es-ES" dirty="0"/>
+              <a:t>​Aprovechar los frutos obtenidos para identificar un valor en el terreno de juego</a:t>
+            </a:r>
+          </a:p>
+          <a:p>
+            <a:pPr rtl="0"/>
+            <a:r>
+              <a:rPr lang="es-ES" dirty="0"/>
+              <a:t>​Visualizar la convergencia dirigida al cliente</a:t>
+            </a:r>
+          </a:p>
+        </p:txBody>
+      </p:sp>
+      <p:sp>
+        <p:nvSpPr>
+          <p:cNvPr id="6" name="Marcador de contenido 5">
+            <a:extLst>
+              <a:ext uri="{FF2B5EF4-FFF2-40B4-BE49-F238E27FC236}">
+                <a16:creationId xmlns:a16="http://schemas.microsoft.com/office/drawing/2014/main" id="{50B65871-FA95-449A-B8BC-90486DE532EF}"/>
+              </a:ext>
+            </a:extLst>
+          </p:cNvPr>
+          <p:cNvSpPr>
+            <a:spLocks noGrp="1"/>
+          </p:cNvSpPr>
+          <p:nvPr>
+            <p:ph sz="quarter" idx="4"/>
+          </p:nvPr>
+        </p:nvSpPr>
+        <p:spPr>
+          <a:xfrm>
+            <a:off x="7410173" y="3834606"/>
+            <a:ext cx="3943627" cy="1997867"/>
+          </a:xfrm>
+        </p:spPr>
+        <p:txBody>
+          <a:bodyPr rtlCol="0">
+            <a:normAutofit/>
+          </a:bodyPr>
           <a:lstStyle>
             <a:defPPr>
               <a:defRPr lang="es-ES"/>
@@ -15760,6 +15705,89 @@
             <a:pPr rtl="0"/>
             <a:r>
               <a:rPr lang="es-ES" dirty="0"/>
+              <a:t>Enfoques iterativos para una estrategia corporativa</a:t>
+            </a:r>
+          </a:p>
+          <a:p>
+            <a:pPr rtl="0"/>
+            <a:r>
+              <a:rPr lang="es-ES" dirty="0"/>
+              <a:t>​Establecer un marco de administración desde dentro</a:t>
+            </a:r>
+          </a:p>
+        </p:txBody>
+      </p:sp>
+      <p:sp>
+        <p:nvSpPr>
+          <p:cNvPr id="7" name="Marcador de fecha 6">
+            <a:extLst>
+              <a:ext uri="{FF2B5EF4-FFF2-40B4-BE49-F238E27FC236}">
+                <a16:creationId xmlns:a16="http://schemas.microsoft.com/office/drawing/2014/main" id="{B2A46C4A-D036-4440-BB64-6754F4FF27C1}"/>
+              </a:ext>
+            </a:extLst>
+          </p:cNvPr>
+          <p:cNvSpPr>
+            <a:spLocks noGrp="1"/>
+          </p:cNvSpPr>
+          <p:nvPr>
+            <p:ph type="dt" sz="half" idx="10"/>
+          </p:nvPr>
+        </p:nvSpPr>
+        <p:spPr>
+          <a:xfrm>
+            <a:off x="838200" y="6356350"/>
+            <a:ext cx="2743200" cy="365125"/>
+          </a:xfrm>
+        </p:spPr>
+        <p:txBody>
+          <a:bodyPr rtlCol="0"/>
+          <a:lstStyle>
+            <a:defPPr>
+              <a:defRPr lang="es-ES"/>
+            </a:defPPr>
+          </a:lstStyle>
+          <a:p>
+            <a:pPr rtl="0"/>
+            <a:r>
+              <a:rPr lang="es-ES" dirty="0"/>
+              <a:t>20XX</a:t>
+            </a:r>
+          </a:p>
+        </p:txBody>
+      </p:sp>
+      <p:sp>
+        <p:nvSpPr>
+          <p:cNvPr id="8" name="Marcador de pie de página 7">
+            <a:extLst>
+              <a:ext uri="{FF2B5EF4-FFF2-40B4-BE49-F238E27FC236}">
+                <a16:creationId xmlns:a16="http://schemas.microsoft.com/office/drawing/2014/main" id="{905F172A-5D5D-43CD-A187-DA0D303F4144}"/>
+              </a:ext>
+            </a:extLst>
+          </p:cNvPr>
+          <p:cNvSpPr>
+            <a:spLocks noGrp="1"/>
+          </p:cNvSpPr>
+          <p:nvPr>
+            <p:ph type="ftr" sz="quarter" idx="11"/>
+          </p:nvPr>
+        </p:nvSpPr>
+        <p:spPr>
+          <a:xfrm>
+            <a:off x="4038600" y="6356350"/>
+            <a:ext cx="4114800" cy="365125"/>
+          </a:xfrm>
+        </p:spPr>
+        <p:txBody>
+          <a:bodyPr rtlCol="0"/>
+          <a:lstStyle>
+            <a:defPPr>
+              <a:defRPr lang="es-ES"/>
+            </a:defPPr>
+          </a:lstStyle>
+          <a:p>
+            <a:pPr rtl="0"/>
+            <a:r>
+              <a:rPr lang="es-ES" dirty="0"/>
               <a:t>TÍTULO DE LA PRESENTACIÓN</a:t>
             </a:r>
           </a:p>
@@ -15767,10 +15795,10 @@
       </p:sp>
       <p:sp>
         <p:nvSpPr>
-          <p:cNvPr id="8" name="Marcador de número de diapositiva 7">
-            <a:extLst>
-              <a:ext uri="{FF2B5EF4-FFF2-40B4-BE49-F238E27FC236}">
-                <a16:creationId xmlns:a16="http://schemas.microsoft.com/office/drawing/2014/main" id="{92908AF9-2A07-4B50-BC13-471792106EC8}"/>
+          <p:cNvPr id="9" name="Marcador de número de diapositiva 8">
+            <a:extLst>
+              <a:ext uri="{FF2B5EF4-FFF2-40B4-BE49-F238E27FC236}">
+                <a16:creationId xmlns:a16="http://schemas.microsoft.com/office/drawing/2014/main" id="{C396FFDC-ADE8-4009-A466-A81787258E88}"/>
               </a:ext>
             </a:extLst>
           </p:cNvPr>
@@ -15807,10 +15835,10 @@
       </p:sp>
       <p:pic>
         <p:nvPicPr>
-          <p:cNvPr id="12" name="Picture 11">
-            <a:extLst>
-              <a:ext uri="{FF2B5EF4-FFF2-40B4-BE49-F238E27FC236}">
-                <a16:creationId xmlns:a16="http://schemas.microsoft.com/office/drawing/2014/main" id="{A612C06D-D748-DBF6-C6F2-9FD984C2E43C}"/>
+          <p:cNvPr id="11" name="Picture 10">
+            <a:extLst>
+              <a:ext uri="{FF2B5EF4-FFF2-40B4-BE49-F238E27FC236}">
+                <a16:creationId xmlns:a16="http://schemas.microsoft.com/office/drawing/2014/main" id="{0014701C-A515-45B2-03F5-C4EF3D5AD0B3}"/>
               </a:ext>
             </a:extLst>
           </p:cNvPr>
@@ -15819,25 +15847,147 @@
           </p:cNvPicPr>
           <p:nvPr/>
         </p:nvPicPr>
-        <p:blipFill rotWithShape="1">
+        <p:blipFill>
           <a:blip r:embed="rId3"/>
-          <a:srcRect l="1029" t="899" r="4413" b="4063"/>
-          <a:stretch/>
+          <a:stretch>
+            <a:fillRect/>
+          </a:stretch>
         </p:blipFill>
         <p:spPr>
           <a:xfrm>
-            <a:off x="331694" y="1564341"/>
-            <a:ext cx="11528612" cy="4173071"/>
+            <a:off x="1085282" y="333698"/>
+            <a:ext cx="4437499" cy="5498775"/>
           </a:xfrm>
           <a:prstGeom prst="rect">
             <a:avLst/>
           </a:prstGeom>
         </p:spPr>
       </p:pic>
+      <p:pic>
+        <p:nvPicPr>
+          <p:cNvPr id="14" name="Picture 13">
+            <a:extLst>
+              <a:ext uri="{FF2B5EF4-FFF2-40B4-BE49-F238E27FC236}">
+                <a16:creationId xmlns:a16="http://schemas.microsoft.com/office/drawing/2014/main" id="{A881FA41-88CD-A684-62A8-FD4B7D8A17D4}"/>
+              </a:ext>
+            </a:extLst>
+          </p:cNvPr>
+          <p:cNvPicPr>
+            <a:picLocks noChangeAspect="1"/>
+          </p:cNvPicPr>
+          <p:nvPr/>
+        </p:nvPicPr>
+        <p:blipFill>
+          <a:blip r:embed="rId4"/>
+          <a:stretch>
+            <a:fillRect/>
+          </a:stretch>
+        </p:blipFill>
+        <p:spPr>
+          <a:xfrm>
+            <a:off x="7239001" y="333698"/>
+            <a:ext cx="4114800" cy="5498775"/>
+          </a:xfrm>
+          <a:prstGeom prst="rect">
+            <a:avLst/>
+          </a:prstGeom>
+        </p:spPr>
+      </p:pic>
+      <p:sp>
+        <p:nvSpPr>
+          <p:cNvPr id="15" name="TextBox 14">
+            <a:extLst>
+              <a:ext uri="{FF2B5EF4-FFF2-40B4-BE49-F238E27FC236}">
+                <a16:creationId xmlns:a16="http://schemas.microsoft.com/office/drawing/2014/main" id="{FF61D288-9C04-EAA5-40C4-740D1B4F638F}"/>
+              </a:ext>
+            </a:extLst>
+          </p:cNvPr>
+          <p:cNvSpPr txBox="1"/>
+          <p:nvPr/>
+        </p:nvSpPr>
+        <p:spPr>
+          <a:xfrm>
+            <a:off x="8280134" y="5909745"/>
+            <a:ext cx="2203704" cy="369332"/>
+          </a:xfrm>
+          <a:prstGeom prst="rect">
+            <a:avLst/>
+          </a:prstGeom>
+          <a:noFill/>
+        </p:spPr>
+        <p:txBody>
+          <a:bodyPr wrap="square" rtlCol="0">
+            <a:spAutoFit/>
+          </a:bodyPr>
+          <a:lstStyle/>
+          <a:p>
+            <a:r>
+              <a:rPr lang="en-US" dirty="0">
+                <a:solidFill>
+                  <a:schemeClr val="bg1"/>
+                </a:solidFill>
+              </a:rPr>
+              <a:t>Image from Forbes</a:t>
+            </a:r>
+          </a:p>
+        </p:txBody>
+      </p:sp>
+      <p:sp>
+        <p:nvSpPr>
+          <p:cNvPr id="16" name="TextBox 15">
+            <a:extLst>
+              <a:ext uri="{FF2B5EF4-FFF2-40B4-BE49-F238E27FC236}">
+                <a16:creationId xmlns:a16="http://schemas.microsoft.com/office/drawing/2014/main" id="{8E11B57D-925A-58EE-040B-FECEB23EABF7}"/>
+              </a:ext>
+            </a:extLst>
+          </p:cNvPr>
+          <p:cNvSpPr txBox="1"/>
+          <p:nvPr/>
+        </p:nvSpPr>
+        <p:spPr>
+          <a:xfrm>
+            <a:off x="2372109" y="5909745"/>
+            <a:ext cx="1863844" cy="369332"/>
+          </a:xfrm>
+          <a:prstGeom prst="rect">
+            <a:avLst/>
+          </a:prstGeom>
+          <a:noFill/>
+        </p:spPr>
+        <p:txBody>
+          <a:bodyPr wrap="none" rtlCol="0">
+            <a:spAutoFit/>
+          </a:bodyPr>
+          <a:lstStyle/>
+          <a:p>
+            <a:r>
+              <a:rPr lang="en-US" dirty="0">
+                <a:solidFill>
+                  <a:schemeClr val="bg1"/>
+                </a:solidFill>
+              </a:rPr>
+              <a:t>Photo from </a:t>
+            </a:r>
+            <a:r>
+              <a:rPr lang="en-US" dirty="0" err="1">
+                <a:solidFill>
+                  <a:schemeClr val="bg1"/>
+                </a:solidFill>
+              </a:rPr>
+              <a:t>Imdb</a:t>
+            </a:r>
+            <a:endParaRPr lang="en-US" dirty="0">
+              <a:solidFill>
+                <a:schemeClr val="bg1"/>
+              </a:solidFill>
+            </a:endParaRPr>
+          </a:p>
+        </p:txBody>
+      </p:sp>
     </p:spTree>
     <p:extLst>
       <p:ext uri="{BB962C8B-B14F-4D97-AF65-F5344CB8AC3E}">
-        <p14:creationId xmlns:p14="http://schemas.microsoft.com/office/powerpoint/2010/main" val="2896385493"/>
+        <p14:creationId xmlns:p14="http://schemas.microsoft.com/office/powerpoint/2010/main" val="4070989650"/>
       </p:ext>
     </p:extLst>
   </p:cSld>
@@ -15866,10 +16016,10 @@
       </p:grpSpPr>
       <p:sp>
         <p:nvSpPr>
-          <p:cNvPr id="2" name="Título 1">
-            <a:extLst>
-              <a:ext uri="{FF2B5EF4-FFF2-40B4-BE49-F238E27FC236}">
-                <a16:creationId xmlns:a16="http://schemas.microsoft.com/office/drawing/2014/main" id="{09140014-73D5-419B-8867-972BB18D52D4}"/>
+          <p:cNvPr id="3" name="Título 2">
+            <a:extLst>
+              <a:ext uri="{FF2B5EF4-FFF2-40B4-BE49-F238E27FC236}">
+                <a16:creationId xmlns:a16="http://schemas.microsoft.com/office/drawing/2014/main" id="{77762301-F83A-4BEA-9D11-E6C99FB574A8}"/>
               </a:ext>
             </a:extLst>
           </p:cNvPr>
@@ -15882,8 +16032,8 @@
         </p:nvSpPr>
         <p:spPr>
           <a:xfrm>
-            <a:off x="2933700" y="892177"/>
-            <a:ext cx="8421688" cy="1325563"/>
+            <a:off x="838200" y="365125"/>
+            <a:ext cx="10515600" cy="1325563"/>
           </a:xfrm>
         </p:spPr>
         <p:txBody>
@@ -15897,37 +16047,35 @@
             <a:pPr rtl="0"/>
             <a:r>
               <a:rPr lang="es-ES" dirty="0"/>
-              <a:t>ÁREAS DE ENFOQUE</a:t>
-            </a:r>
-          </a:p>
-        </p:txBody>
-      </p:sp>
-      <p:sp>
-        <p:nvSpPr>
-          <p:cNvPr id="4" name="Marcador de contenido 3">
-            <a:extLst>
-              <a:ext uri="{FF2B5EF4-FFF2-40B4-BE49-F238E27FC236}">
-                <a16:creationId xmlns:a16="http://schemas.microsoft.com/office/drawing/2014/main" id="{33D8731E-4977-402E-8BFD-895B4D0544CC}"/>
-              </a:ext>
-            </a:extLst>
-          </p:cNvPr>
-          <p:cNvSpPr>
-            <a:spLocks noGrp="1"/>
-          </p:cNvSpPr>
-          <p:nvPr>
-            <p:ph sz="half" idx="2"/>
-          </p:nvPr>
-        </p:nvSpPr>
-        <p:spPr>
-          <a:xfrm>
-            <a:off x="2933700" y="3834606"/>
-            <a:ext cx="3924300" cy="1997867"/>
-          </a:xfrm>
-        </p:spPr>
-        <p:txBody>
-          <a:bodyPr rtlCol="0">
-            <a:normAutofit/>
-          </a:bodyPr>
+              <a:t>Top yearly earnings</a:t>
+            </a:r>
+          </a:p>
+        </p:txBody>
+      </p:sp>
+      <p:sp>
+        <p:nvSpPr>
+          <p:cNvPr id="6" name="Marcador de fecha 5">
+            <a:extLst>
+              <a:ext uri="{FF2B5EF4-FFF2-40B4-BE49-F238E27FC236}">
+                <a16:creationId xmlns:a16="http://schemas.microsoft.com/office/drawing/2014/main" id="{3627CC26-34EF-4BB9-B289-9EC56B07D1E6}"/>
+              </a:ext>
+            </a:extLst>
+          </p:cNvPr>
+          <p:cNvSpPr>
+            <a:spLocks noGrp="1"/>
+          </p:cNvSpPr>
+          <p:nvPr>
+            <p:ph type="dt" sz="half" idx="10"/>
+          </p:nvPr>
+        </p:nvSpPr>
+        <p:spPr>
+          <a:xfrm>
+            <a:off x="838200" y="6356350"/>
+            <a:ext cx="2743200" cy="365125"/>
+          </a:xfrm>
+        </p:spPr>
+        <p:txBody>
+          <a:bodyPr rtlCol="0"/>
           <a:lstStyle>
             <a:defPPr>
               <a:defRPr lang="es-ES"/>
@@ -15937,51 +16085,35 @@
             <a:pPr rtl="0"/>
             <a:r>
               <a:rPr lang="es-ES" dirty="0"/>
-              <a:t>Desarrollar estrategias ganadoras para seguir a la vanguardia de la competencia</a:t>
-            </a:r>
-          </a:p>
-          <a:p>
-            <a:pPr rtl="0"/>
-            <a:r>
-              <a:rPr lang="es-ES" dirty="0"/>
-              <a:t>​Aprovechar los frutos obtenidos para identificar un valor en el terreno de juego</a:t>
-            </a:r>
-          </a:p>
-          <a:p>
-            <a:pPr rtl="0"/>
-            <a:r>
-              <a:rPr lang="es-ES" dirty="0"/>
-              <a:t>​Visualizar la convergencia dirigida al cliente</a:t>
-            </a:r>
-          </a:p>
-        </p:txBody>
-      </p:sp>
-      <p:sp>
-        <p:nvSpPr>
-          <p:cNvPr id="6" name="Marcador de contenido 5">
-            <a:extLst>
-              <a:ext uri="{FF2B5EF4-FFF2-40B4-BE49-F238E27FC236}">
-                <a16:creationId xmlns:a16="http://schemas.microsoft.com/office/drawing/2014/main" id="{50B65871-FA95-449A-B8BC-90486DE532EF}"/>
-              </a:ext>
-            </a:extLst>
-          </p:cNvPr>
-          <p:cNvSpPr>
-            <a:spLocks noGrp="1"/>
-          </p:cNvSpPr>
-          <p:nvPr>
-            <p:ph sz="quarter" idx="4"/>
-          </p:nvPr>
-        </p:nvSpPr>
-        <p:spPr>
-          <a:xfrm>
-            <a:off x="7410173" y="3834606"/>
-            <a:ext cx="3943627" cy="1997867"/>
-          </a:xfrm>
-        </p:spPr>
-        <p:txBody>
-          <a:bodyPr rtlCol="0">
-            <a:normAutofit/>
-          </a:bodyPr>
+              <a:t>20XX</a:t>
+            </a:r>
+          </a:p>
+        </p:txBody>
+      </p:sp>
+      <p:sp>
+        <p:nvSpPr>
+          <p:cNvPr id="7" name="Marcador de pie de página 6">
+            <a:extLst>
+              <a:ext uri="{FF2B5EF4-FFF2-40B4-BE49-F238E27FC236}">
+                <a16:creationId xmlns:a16="http://schemas.microsoft.com/office/drawing/2014/main" id="{4E98E6AD-9D37-499C-898E-ED12AC36D31D}"/>
+              </a:ext>
+            </a:extLst>
+          </p:cNvPr>
+          <p:cNvSpPr>
+            <a:spLocks noGrp="1"/>
+          </p:cNvSpPr>
+          <p:nvPr>
+            <p:ph type="ftr" sz="quarter" idx="11"/>
+          </p:nvPr>
+        </p:nvSpPr>
+        <p:spPr>
+          <a:xfrm>
+            <a:off x="4038600" y="6356350"/>
+            <a:ext cx="4114800" cy="365125"/>
+          </a:xfrm>
+        </p:spPr>
+        <p:txBody>
+          <a:bodyPr rtlCol="0"/>
           <a:lstStyle>
             <a:defPPr>
               <a:defRPr lang="es-ES"/>
@@ -15991,62 +16123,17 @@
             <a:pPr rtl="0"/>
             <a:r>
               <a:rPr lang="es-ES" dirty="0"/>
-              <a:t>Enfoques iterativos para una estrategia corporativa</a:t>
-            </a:r>
-          </a:p>
-          <a:p>
-            <a:pPr rtl="0"/>
-            <a:r>
-              <a:rPr lang="es-ES" dirty="0"/>
-              <a:t>​Establecer un marco de administración desde dentro</a:t>
-            </a:r>
-          </a:p>
-        </p:txBody>
-      </p:sp>
-      <p:sp>
-        <p:nvSpPr>
-          <p:cNvPr id="8" name="Marcador de pie de página 7">
-            <a:extLst>
-              <a:ext uri="{FF2B5EF4-FFF2-40B4-BE49-F238E27FC236}">
-                <a16:creationId xmlns:a16="http://schemas.microsoft.com/office/drawing/2014/main" id="{905F172A-5D5D-43CD-A187-DA0D303F4144}"/>
-              </a:ext>
-            </a:extLst>
-          </p:cNvPr>
-          <p:cNvSpPr>
-            <a:spLocks noGrp="1"/>
-          </p:cNvSpPr>
-          <p:nvPr>
-            <p:ph type="ftr" sz="quarter" idx="11"/>
-          </p:nvPr>
-        </p:nvSpPr>
-        <p:spPr>
-          <a:xfrm>
-            <a:off x="7324586" y="6250730"/>
-            <a:ext cx="4114800" cy="365125"/>
-          </a:xfrm>
-        </p:spPr>
-        <p:txBody>
-          <a:bodyPr rtlCol="0"/>
-          <a:lstStyle>
-            <a:defPPr>
-              <a:defRPr lang="es-ES"/>
-            </a:defPPr>
-          </a:lstStyle>
-          <a:p>
-            <a:pPr rtl="0"/>
-            <a:r>
-              <a:rPr lang="es-ES" dirty="0"/>
-              <a:t>FORBES HIGHEST PAYING ATHLETES ANALYSIS</a:t>
-            </a:r>
-          </a:p>
-        </p:txBody>
-      </p:sp>
-      <p:sp>
-        <p:nvSpPr>
-          <p:cNvPr id="9" name="Marcador de número de diapositiva 8">
-            <a:extLst>
-              <a:ext uri="{FF2B5EF4-FFF2-40B4-BE49-F238E27FC236}">
-                <a16:creationId xmlns:a16="http://schemas.microsoft.com/office/drawing/2014/main" id="{C396FFDC-ADE8-4009-A466-A81787258E88}"/>
+              <a:t>TÍTULO DE LA PRESENTACIÓN</a:t>
+            </a:r>
+          </a:p>
+        </p:txBody>
+      </p:sp>
+      <p:sp>
+        <p:nvSpPr>
+          <p:cNvPr id="8" name="Marcador de número de diapositiva 7">
+            <a:extLst>
+              <a:ext uri="{FF2B5EF4-FFF2-40B4-BE49-F238E27FC236}">
+                <a16:creationId xmlns:a16="http://schemas.microsoft.com/office/drawing/2014/main" id="{92908AF9-2A07-4B50-BC13-471792106EC8}"/>
               </a:ext>
             </a:extLst>
           </p:cNvPr>
@@ -16086,7 +16173,7 @@
           <p:cNvPr id="12" name="Picture 11">
             <a:extLst>
               <a:ext uri="{FF2B5EF4-FFF2-40B4-BE49-F238E27FC236}">
-                <a16:creationId xmlns:a16="http://schemas.microsoft.com/office/drawing/2014/main" id="{6A1B3BD1-61A8-5FB1-E2CA-6B055E9BE4D3}"/>
+                <a16:creationId xmlns:a16="http://schemas.microsoft.com/office/drawing/2014/main" id="{A612C06D-D748-DBF6-C6F2-9FD984C2E43C}"/>
               </a:ext>
             </a:extLst>
           </p:cNvPr>
@@ -16095,16 +16182,15 @@
           </p:cNvPicPr>
           <p:nvPr/>
         </p:nvPicPr>
-        <p:blipFill>
+        <p:blipFill rotWithShape="1">
           <a:blip r:embed="rId3"/>
-          <a:stretch>
-            <a:fillRect/>
-          </a:stretch>
+          <a:srcRect l="1029" t="899" r="4413" b="4063"/>
+          <a:stretch/>
         </p:blipFill>
         <p:spPr>
           <a:xfrm>
-            <a:off x="1327199" y="33558"/>
-            <a:ext cx="6909257" cy="6687917"/>
+            <a:off x="331694" y="1564341"/>
+            <a:ext cx="11528612" cy="4173071"/>
           </a:xfrm>
           <a:prstGeom prst="rect">
             <a:avLst/>
@@ -16114,7 +16200,7 @@
     </p:spTree>
     <p:extLst>
       <p:ext uri="{BB962C8B-B14F-4D97-AF65-F5344CB8AC3E}">
-        <p14:creationId xmlns:p14="http://schemas.microsoft.com/office/powerpoint/2010/main" val="367634751"/>
+        <p14:creationId xmlns:p14="http://schemas.microsoft.com/office/powerpoint/2010/main" val="2896385493"/>
       </p:ext>
     </p:extLst>
   </p:cSld>
@@ -16308,7 +16394,7 @@
           <p:cNvPr id="2" name="Título 1">
             <a:extLst>
               <a:ext uri="{FF2B5EF4-FFF2-40B4-BE49-F238E27FC236}">
-                <a16:creationId xmlns:a16="http://schemas.microsoft.com/office/drawing/2014/main" id="{42DD0E59-4C68-4F87-9821-23C69713D980}"/>
+                <a16:creationId xmlns:a16="http://schemas.microsoft.com/office/drawing/2014/main" id="{09140014-73D5-419B-8867-972BB18D52D4}"/>
               </a:ext>
             </a:extLst>
           </p:cNvPr>
@@ -16321,7 +16407,7 @@
         </p:nvSpPr>
         <p:spPr>
           <a:xfrm>
-            <a:off x="1885156" y="892177"/>
+            <a:off x="2933700" y="892177"/>
             <a:ext cx="8421688" cy="1325563"/>
           </a:xfrm>
         </p:spPr>
@@ -16336,35 +16422,37 @@
             <a:pPr rtl="0"/>
             <a:r>
               <a:rPr lang="es-ES" dirty="0"/>
-              <a:t>Conclusions</a:t>
-            </a:r>
-          </a:p>
-        </p:txBody>
-      </p:sp>
-      <p:sp>
-        <p:nvSpPr>
-          <p:cNvPr id="56" name="Marcador de fecha 55">
-            <a:extLst>
-              <a:ext uri="{FF2B5EF4-FFF2-40B4-BE49-F238E27FC236}">
-                <a16:creationId xmlns:a16="http://schemas.microsoft.com/office/drawing/2014/main" id="{B289356A-BDA0-4234-84F2-9F2F25D0D7BD}"/>
-              </a:ext>
-            </a:extLst>
-          </p:cNvPr>
-          <p:cNvSpPr>
-            <a:spLocks noGrp="1"/>
-          </p:cNvSpPr>
-          <p:nvPr>
-            <p:ph type="dt" sz="half" idx="10"/>
-          </p:nvPr>
-        </p:nvSpPr>
-        <p:spPr>
-          <a:xfrm>
-            <a:off x="838200" y="6356350"/>
-            <a:ext cx="2743200" cy="365125"/>
-          </a:xfrm>
-        </p:spPr>
-        <p:txBody>
-          <a:bodyPr rtlCol="0"/>
+              <a:t>ÁREAS DE ENFOQUE</a:t>
+            </a:r>
+          </a:p>
+        </p:txBody>
+      </p:sp>
+      <p:sp>
+        <p:nvSpPr>
+          <p:cNvPr id="4" name="Marcador de contenido 3">
+            <a:extLst>
+              <a:ext uri="{FF2B5EF4-FFF2-40B4-BE49-F238E27FC236}">
+                <a16:creationId xmlns:a16="http://schemas.microsoft.com/office/drawing/2014/main" id="{33D8731E-4977-402E-8BFD-895B4D0544CC}"/>
+              </a:ext>
+            </a:extLst>
+          </p:cNvPr>
+          <p:cNvSpPr>
+            <a:spLocks noGrp="1"/>
+          </p:cNvSpPr>
+          <p:nvPr>
+            <p:ph sz="half" idx="2"/>
+          </p:nvPr>
+        </p:nvSpPr>
+        <p:spPr>
+          <a:xfrm>
+            <a:off x="2933700" y="3834606"/>
+            <a:ext cx="3924300" cy="1997867"/>
+          </a:xfrm>
+        </p:spPr>
+        <p:txBody>
+          <a:bodyPr rtlCol="0">
+            <a:normAutofit/>
+          </a:bodyPr>
           <a:lstStyle>
             <a:defPPr>
               <a:defRPr lang="es-ES"/>
@@ -16374,35 +16462,51 @@
             <a:pPr rtl="0"/>
             <a:r>
               <a:rPr lang="es-ES" dirty="0"/>
-              <a:t>20XX</a:t>
-            </a:r>
-          </a:p>
-        </p:txBody>
-      </p:sp>
-      <p:sp>
-        <p:nvSpPr>
-          <p:cNvPr id="57" name="Marcador de pie de página 56">
-            <a:extLst>
-              <a:ext uri="{FF2B5EF4-FFF2-40B4-BE49-F238E27FC236}">
-                <a16:creationId xmlns:a16="http://schemas.microsoft.com/office/drawing/2014/main" id="{3A38BE84-957B-46B9-A315-4B5064DFF1A1}"/>
-              </a:ext>
-            </a:extLst>
-          </p:cNvPr>
-          <p:cNvSpPr>
-            <a:spLocks noGrp="1"/>
-          </p:cNvSpPr>
-          <p:nvPr>
-            <p:ph type="ftr" sz="quarter" idx="11"/>
-          </p:nvPr>
-        </p:nvSpPr>
-        <p:spPr>
-          <a:xfrm>
-            <a:off x="4038600" y="6356350"/>
-            <a:ext cx="4114800" cy="365125"/>
-          </a:xfrm>
-        </p:spPr>
-        <p:txBody>
-          <a:bodyPr rtlCol="0"/>
+              <a:t>Desarrollar estrategias ganadoras para seguir a la vanguardia de la competencia</a:t>
+            </a:r>
+          </a:p>
+          <a:p>
+            <a:pPr rtl="0"/>
+            <a:r>
+              <a:rPr lang="es-ES" dirty="0"/>
+              <a:t>​Aprovechar los frutos obtenidos para identificar un valor en el terreno de juego</a:t>
+            </a:r>
+          </a:p>
+          <a:p>
+            <a:pPr rtl="0"/>
+            <a:r>
+              <a:rPr lang="es-ES" dirty="0"/>
+              <a:t>​Visualizar la convergencia dirigida al cliente</a:t>
+            </a:r>
+          </a:p>
+        </p:txBody>
+      </p:sp>
+      <p:sp>
+        <p:nvSpPr>
+          <p:cNvPr id="6" name="Marcador de contenido 5">
+            <a:extLst>
+              <a:ext uri="{FF2B5EF4-FFF2-40B4-BE49-F238E27FC236}">
+                <a16:creationId xmlns:a16="http://schemas.microsoft.com/office/drawing/2014/main" id="{50B65871-FA95-449A-B8BC-90486DE532EF}"/>
+              </a:ext>
+            </a:extLst>
+          </p:cNvPr>
+          <p:cNvSpPr>
+            <a:spLocks noGrp="1"/>
+          </p:cNvSpPr>
+          <p:nvPr>
+            <p:ph sz="quarter" idx="4"/>
+          </p:nvPr>
+        </p:nvSpPr>
+        <p:spPr>
+          <a:xfrm>
+            <a:off x="7410173" y="3834606"/>
+            <a:ext cx="3943627" cy="1997867"/>
+          </a:xfrm>
+        </p:spPr>
+        <p:txBody>
+          <a:bodyPr rtlCol="0">
+            <a:normAutofit/>
+          </a:bodyPr>
           <a:lstStyle>
             <a:defPPr>
               <a:defRPr lang="es-ES"/>
@@ -16412,17 +16516,62 @@
             <a:pPr rtl="0"/>
             <a:r>
               <a:rPr lang="es-ES" dirty="0"/>
-              <a:t>TÍTULO DE LA PRESENTACIÓN</a:t>
-            </a:r>
-          </a:p>
-        </p:txBody>
-      </p:sp>
-      <p:sp>
-        <p:nvSpPr>
-          <p:cNvPr id="58" name="Marcador de número de diapositiva 57">
-            <a:extLst>
-              <a:ext uri="{FF2B5EF4-FFF2-40B4-BE49-F238E27FC236}">
-                <a16:creationId xmlns:a16="http://schemas.microsoft.com/office/drawing/2014/main" id="{E1900601-8B04-4FF3-B06F-6BEFAC6556D3}"/>
+              <a:t>Enfoques iterativos para una estrategia corporativa</a:t>
+            </a:r>
+          </a:p>
+          <a:p>
+            <a:pPr rtl="0"/>
+            <a:r>
+              <a:rPr lang="es-ES" dirty="0"/>
+              <a:t>​Establecer un marco de administración desde dentro</a:t>
+            </a:r>
+          </a:p>
+        </p:txBody>
+      </p:sp>
+      <p:sp>
+        <p:nvSpPr>
+          <p:cNvPr id="8" name="Marcador de pie de página 7">
+            <a:extLst>
+              <a:ext uri="{FF2B5EF4-FFF2-40B4-BE49-F238E27FC236}">
+                <a16:creationId xmlns:a16="http://schemas.microsoft.com/office/drawing/2014/main" id="{905F172A-5D5D-43CD-A187-DA0D303F4144}"/>
+              </a:ext>
+            </a:extLst>
+          </p:cNvPr>
+          <p:cNvSpPr>
+            <a:spLocks noGrp="1"/>
+          </p:cNvSpPr>
+          <p:nvPr>
+            <p:ph type="ftr" sz="quarter" idx="11"/>
+          </p:nvPr>
+        </p:nvSpPr>
+        <p:spPr>
+          <a:xfrm>
+            <a:off x="7324586" y="6250730"/>
+            <a:ext cx="4114800" cy="365125"/>
+          </a:xfrm>
+        </p:spPr>
+        <p:txBody>
+          <a:bodyPr rtlCol="0"/>
+          <a:lstStyle>
+            <a:defPPr>
+              <a:defRPr lang="es-ES"/>
+            </a:defPPr>
+          </a:lstStyle>
+          <a:p>
+            <a:pPr rtl="0"/>
+            <a:r>
+              <a:rPr lang="es-ES" dirty="0"/>
+              <a:t>FORBES HIGHEST PAYING ATHLETES ANALYSIS</a:t>
+            </a:r>
+          </a:p>
+        </p:txBody>
+      </p:sp>
+      <p:sp>
+        <p:nvSpPr>
+          <p:cNvPr id="9" name="Marcador de número de diapositiva 8">
+            <a:extLst>
+              <a:ext uri="{FF2B5EF4-FFF2-40B4-BE49-F238E27FC236}">
+                <a16:creationId xmlns:a16="http://schemas.microsoft.com/office/drawing/2014/main" id="{C396FFDC-ADE8-4009-A466-A81787258E88}"/>
               </a:ext>
             </a:extLst>
           </p:cNvPr>
@@ -16457,54 +16606,40 @@
           </a:p>
         </p:txBody>
       </p:sp>
-      <p:sp>
-        <p:nvSpPr>
-          <p:cNvPr id="326" name="Marcador de texto 2">
-            <a:extLst>
-              <a:ext uri="{FF2B5EF4-FFF2-40B4-BE49-F238E27FC236}">
-                <a16:creationId xmlns:a16="http://schemas.microsoft.com/office/drawing/2014/main" id="{7B160DB7-BDF4-9939-C740-26EBBB3E0189}"/>
-              </a:ext>
-            </a:extLst>
-          </p:cNvPr>
-          <p:cNvSpPr>
-            <a:spLocks noGrp="1"/>
-          </p:cNvSpPr>
-          <p:nvPr>
-            <p:ph type="body" idx="1"/>
-          </p:nvPr>
-        </p:nvSpPr>
-        <p:spPr>
-          <a:xfrm>
-            <a:off x="1362074" y="2452812"/>
-            <a:ext cx="9605756" cy="2912564"/>
-          </a:xfrm>
-        </p:spPr>
-        <p:txBody>
-          <a:bodyPr rtlCol="0">
-            <a:normAutofit/>
-          </a:bodyPr>
-          <a:lstStyle>
-            <a:defPPr>
-              <a:defRPr lang="es-ES"/>
-            </a:defPPr>
-          </a:lstStyle>
-          <a:p>
-            <a:pPr rtl="0"/>
-            <a:r>
-              <a:rPr lang="es-ES" sz="1400" dirty="0"/>
-              <a:t>ADD CONCLUSIONS HERE</a:t>
-            </a:r>
-          </a:p>
-          <a:p>
-            <a:pPr rtl="0"/>
-            <a:endParaRPr lang="es-ES" sz="1400" dirty="0"/>
-          </a:p>
-        </p:txBody>
-      </p:sp>
+      <p:pic>
+        <p:nvPicPr>
+          <p:cNvPr id="12" name="Picture 11">
+            <a:extLst>
+              <a:ext uri="{FF2B5EF4-FFF2-40B4-BE49-F238E27FC236}">
+                <a16:creationId xmlns:a16="http://schemas.microsoft.com/office/drawing/2014/main" id="{6A1B3BD1-61A8-5FB1-E2CA-6B055E9BE4D3}"/>
+              </a:ext>
+            </a:extLst>
+          </p:cNvPr>
+          <p:cNvPicPr>
+            <a:picLocks noChangeAspect="1"/>
+          </p:cNvPicPr>
+          <p:nvPr/>
+        </p:nvPicPr>
+        <p:blipFill>
+          <a:blip r:embed="rId3"/>
+          <a:stretch>
+            <a:fillRect/>
+          </a:stretch>
+        </p:blipFill>
+        <p:spPr>
+          <a:xfrm>
+            <a:off x="1327199" y="33558"/>
+            <a:ext cx="6909257" cy="6687917"/>
+          </a:xfrm>
+          <a:prstGeom prst="rect">
+            <a:avLst/>
+          </a:prstGeom>
+        </p:spPr>
+      </p:pic>
     </p:spTree>
     <p:extLst>
       <p:ext uri="{BB962C8B-B14F-4D97-AF65-F5344CB8AC3E}">
-        <p14:creationId xmlns:p14="http://schemas.microsoft.com/office/powerpoint/2010/main" val="1007431861"/>
+        <p14:creationId xmlns:p14="http://schemas.microsoft.com/office/powerpoint/2010/main" val="367634751"/>
       </p:ext>
     </p:extLst>
   </p:cSld>
@@ -16536,7 +16671,7 @@
           <p:cNvPr id="2" name="Título 1">
             <a:extLst>
               <a:ext uri="{FF2B5EF4-FFF2-40B4-BE49-F238E27FC236}">
-                <a16:creationId xmlns:a16="http://schemas.microsoft.com/office/drawing/2014/main" id="{09140014-73D5-419B-8867-972BB18D52D4}"/>
+                <a16:creationId xmlns:a16="http://schemas.microsoft.com/office/drawing/2014/main" id="{42DD0E59-4C68-4F87-9821-23C69713D980}"/>
               </a:ext>
             </a:extLst>
           </p:cNvPr>
@@ -16549,7 +16684,7 @@
         </p:nvSpPr>
         <p:spPr>
           <a:xfrm>
-            <a:off x="2933700" y="892177"/>
+            <a:off x="1885156" y="892177"/>
             <a:ext cx="8421688" cy="1325563"/>
           </a:xfrm>
         </p:spPr>
@@ -16564,37 +16699,35 @@
             <a:pPr rtl="0"/>
             <a:r>
               <a:rPr lang="es-ES" dirty="0"/>
-              <a:t>ÁREAS DE ENFOQUE</a:t>
-            </a:r>
-          </a:p>
-        </p:txBody>
-      </p:sp>
-      <p:sp>
-        <p:nvSpPr>
-          <p:cNvPr id="4" name="Marcador de contenido 3">
-            <a:extLst>
-              <a:ext uri="{FF2B5EF4-FFF2-40B4-BE49-F238E27FC236}">
-                <a16:creationId xmlns:a16="http://schemas.microsoft.com/office/drawing/2014/main" id="{33D8731E-4977-402E-8BFD-895B4D0544CC}"/>
-              </a:ext>
-            </a:extLst>
-          </p:cNvPr>
-          <p:cNvSpPr>
-            <a:spLocks noGrp="1"/>
-          </p:cNvSpPr>
-          <p:nvPr>
-            <p:ph sz="half" idx="2"/>
-          </p:nvPr>
-        </p:nvSpPr>
-        <p:spPr>
-          <a:xfrm>
-            <a:off x="2933700" y="3834606"/>
-            <a:ext cx="3924300" cy="1997867"/>
-          </a:xfrm>
-        </p:spPr>
-        <p:txBody>
-          <a:bodyPr rtlCol="0">
-            <a:normAutofit/>
-          </a:bodyPr>
+              <a:t>Conclusions</a:t>
+            </a:r>
+          </a:p>
+        </p:txBody>
+      </p:sp>
+      <p:sp>
+        <p:nvSpPr>
+          <p:cNvPr id="56" name="Marcador de fecha 55">
+            <a:extLst>
+              <a:ext uri="{FF2B5EF4-FFF2-40B4-BE49-F238E27FC236}">
+                <a16:creationId xmlns:a16="http://schemas.microsoft.com/office/drawing/2014/main" id="{B289356A-BDA0-4234-84F2-9F2F25D0D7BD}"/>
+              </a:ext>
+            </a:extLst>
+          </p:cNvPr>
+          <p:cNvSpPr>
+            <a:spLocks noGrp="1"/>
+          </p:cNvSpPr>
+          <p:nvPr>
+            <p:ph type="dt" sz="half" idx="10"/>
+          </p:nvPr>
+        </p:nvSpPr>
+        <p:spPr>
+          <a:xfrm>
+            <a:off x="838200" y="6356350"/>
+            <a:ext cx="2743200" cy="365125"/>
+          </a:xfrm>
+        </p:spPr>
+        <p:txBody>
+          <a:bodyPr rtlCol="0"/>
           <a:lstStyle>
             <a:defPPr>
               <a:defRPr lang="es-ES"/>
@@ -16604,45 +16737,31 @@
             <a:pPr rtl="0"/>
             <a:r>
               <a:rPr lang="es-ES" dirty="0"/>
-              <a:t>Desarrollar estrategias ganadoras para seguir a la vanguardia de la competencia</a:t>
-            </a:r>
-          </a:p>
-          <a:p>
-            <a:pPr rtl="0"/>
-            <a:r>
-              <a:rPr lang="es-ES" dirty="0"/>
-              <a:t>​Aprovechar los frutos obtenidos para identificar un valor en el terreno de juego</a:t>
-            </a:r>
-          </a:p>
-          <a:p>
-            <a:pPr rtl="0"/>
-            <a:r>
-              <a:rPr lang="es-ES" dirty="0"/>
-              <a:t>​Visualizar la convergencia dirigida al cliente</a:t>
-            </a:r>
-          </a:p>
-        </p:txBody>
-      </p:sp>
-      <p:sp>
-        <p:nvSpPr>
-          <p:cNvPr id="5" name="Marcador de texto 4">
-            <a:extLst>
-              <a:ext uri="{FF2B5EF4-FFF2-40B4-BE49-F238E27FC236}">
-                <a16:creationId xmlns:a16="http://schemas.microsoft.com/office/drawing/2014/main" id="{91CDEC5F-B8EE-4BC1-843F-13135E6E7AB2}"/>
-              </a:ext>
-            </a:extLst>
-          </p:cNvPr>
-          <p:cNvSpPr>
-            <a:spLocks noGrp="1"/>
-          </p:cNvSpPr>
-          <p:nvPr>
-            <p:ph type="body" sz="quarter" idx="3"/>
-          </p:nvPr>
-        </p:nvSpPr>
-        <p:spPr>
-          <a:xfrm>
-            <a:off x="7410173" y="2776936"/>
-            <a:ext cx="3943627" cy="823912"/>
+              <a:t>20XX</a:t>
+            </a:r>
+          </a:p>
+        </p:txBody>
+      </p:sp>
+      <p:sp>
+        <p:nvSpPr>
+          <p:cNvPr id="57" name="Marcador de pie de página 56">
+            <a:extLst>
+              <a:ext uri="{FF2B5EF4-FFF2-40B4-BE49-F238E27FC236}">
+                <a16:creationId xmlns:a16="http://schemas.microsoft.com/office/drawing/2014/main" id="{3A38BE84-957B-46B9-A315-4B5064DFF1A1}"/>
+              </a:ext>
+            </a:extLst>
+          </p:cNvPr>
+          <p:cNvSpPr>
+            <a:spLocks noGrp="1"/>
+          </p:cNvSpPr>
+          <p:nvPr>
+            <p:ph type="ftr" sz="quarter" idx="11"/>
+          </p:nvPr>
+        </p:nvSpPr>
+        <p:spPr>
+          <a:xfrm>
+            <a:off x="4038600" y="6356350"/>
+            <a:ext cx="4114800" cy="365125"/>
           </a:xfrm>
         </p:spPr>
         <p:txBody>
@@ -16656,64 +16775,17 @@
             <a:pPr rtl="0"/>
             <a:r>
               <a:rPr lang="es-ES" dirty="0"/>
-              <a:t>OPORTUNIDADES BASADAS EN LA NUBE</a:t>
-            </a:r>
-          </a:p>
-        </p:txBody>
-      </p:sp>
-      <p:sp>
-        <p:nvSpPr>
-          <p:cNvPr id="6" name="Marcador de contenido 5">
-            <a:extLst>
-              <a:ext uri="{FF2B5EF4-FFF2-40B4-BE49-F238E27FC236}">
-                <a16:creationId xmlns:a16="http://schemas.microsoft.com/office/drawing/2014/main" id="{50B65871-FA95-449A-B8BC-90486DE532EF}"/>
-              </a:ext>
-            </a:extLst>
-          </p:cNvPr>
-          <p:cNvSpPr>
-            <a:spLocks noGrp="1"/>
-          </p:cNvSpPr>
-          <p:nvPr>
-            <p:ph sz="quarter" idx="4"/>
-          </p:nvPr>
-        </p:nvSpPr>
-        <p:spPr>
-          <a:xfrm>
-            <a:off x="10214890" y="3494485"/>
-            <a:ext cx="3724947" cy="1910727"/>
-          </a:xfrm>
-        </p:spPr>
-        <p:txBody>
-          <a:bodyPr rtlCol="0">
-            <a:normAutofit/>
-          </a:bodyPr>
-          <a:lstStyle>
-            <a:defPPr>
-              <a:defRPr lang="es-ES"/>
-            </a:defPPr>
-          </a:lstStyle>
-          <a:p>
-            <a:pPr rtl="0"/>
-            <a:r>
-              <a:rPr lang="es-ES" dirty="0"/>
-              <a:t>Enfoques iterativos para una estrategia corporativa</a:t>
-            </a:r>
-          </a:p>
-          <a:p>
-            <a:pPr rtl="0"/>
-            <a:r>
-              <a:rPr lang="es-ES" dirty="0"/>
-              <a:t>​Establecer un marco de administración desde dentro</a:t>
-            </a:r>
-          </a:p>
-        </p:txBody>
-      </p:sp>
-      <p:sp>
-        <p:nvSpPr>
-          <p:cNvPr id="9" name="Marcador de número de diapositiva 8">
-            <a:extLst>
-              <a:ext uri="{FF2B5EF4-FFF2-40B4-BE49-F238E27FC236}">
-                <a16:creationId xmlns:a16="http://schemas.microsoft.com/office/drawing/2014/main" id="{C396FFDC-ADE8-4009-A466-A81787258E88}"/>
+              <a:t>TÍTULO DE LA PRESENTACIÓN</a:t>
+            </a:r>
+          </a:p>
+        </p:txBody>
+      </p:sp>
+      <p:sp>
+        <p:nvSpPr>
+          <p:cNvPr id="58" name="Marcador de número de diapositiva 57">
+            <a:extLst>
+              <a:ext uri="{FF2B5EF4-FFF2-40B4-BE49-F238E27FC236}">
+                <a16:creationId xmlns:a16="http://schemas.microsoft.com/office/drawing/2014/main" id="{E1900601-8B04-4FF3-B06F-6BEFAC6556D3}"/>
               </a:ext>
             </a:extLst>
           </p:cNvPr>
@@ -16750,28 +16822,30 @@
       </p:sp>
       <p:sp>
         <p:nvSpPr>
-          <p:cNvPr id="15" name="Marcador de pie de página 4">
-            <a:extLst>
-              <a:ext uri="{FF2B5EF4-FFF2-40B4-BE49-F238E27FC236}">
-                <a16:creationId xmlns:a16="http://schemas.microsoft.com/office/drawing/2014/main" id="{D03417DB-B8B1-A6C2-EC39-D9E06005B059}"/>
-              </a:ext>
-            </a:extLst>
-          </p:cNvPr>
-          <p:cNvSpPr>
-            <a:spLocks noGrp="1"/>
-          </p:cNvSpPr>
-          <p:nvPr>
-            <p:ph type="ftr" sz="quarter" idx="11"/>
-          </p:nvPr>
-        </p:nvSpPr>
-        <p:spPr>
-          <a:xfrm>
-            <a:off x="2463800" y="6356350"/>
-            <a:ext cx="3479800" cy="365125"/>
-          </a:xfrm>
-        </p:spPr>
-        <p:txBody>
-          <a:bodyPr rtlCol="0"/>
+          <p:cNvPr id="326" name="Marcador de texto 2">
+            <a:extLst>
+              <a:ext uri="{FF2B5EF4-FFF2-40B4-BE49-F238E27FC236}">
+                <a16:creationId xmlns:a16="http://schemas.microsoft.com/office/drawing/2014/main" id="{7B160DB7-BDF4-9939-C740-26EBBB3E0189}"/>
+              </a:ext>
+            </a:extLst>
+          </p:cNvPr>
+          <p:cNvSpPr>
+            <a:spLocks noGrp="1"/>
+          </p:cNvSpPr>
+          <p:nvPr>
+            <p:ph type="body" idx="1"/>
+          </p:nvPr>
+        </p:nvSpPr>
+        <p:spPr>
+          <a:xfrm>
+            <a:off x="1362074" y="2452812"/>
+            <a:ext cx="9605756" cy="2912564"/>
+          </a:xfrm>
+        </p:spPr>
+        <p:txBody>
+          <a:bodyPr rtlCol="0">
+            <a:normAutofit/>
+          </a:bodyPr>
           <a:lstStyle>
             <a:defPPr>
               <a:defRPr lang="es-ES"/>
@@ -16780,110 +16854,20 @@
           <a:p>
             <a:pPr rtl="0"/>
             <a:r>
-              <a:rPr lang="es-ES" dirty="0"/>
-              <a:t>FORBES HIGHEST PAYING ATHLETES ANALYSIS</a:t>
-            </a:r>
-          </a:p>
-        </p:txBody>
-      </p:sp>
-      <p:pic>
-        <p:nvPicPr>
-          <p:cNvPr id="3074" name="Picture 2">
-            <a:extLst>
-              <a:ext uri="{FF2B5EF4-FFF2-40B4-BE49-F238E27FC236}">
-                <a16:creationId xmlns:a16="http://schemas.microsoft.com/office/drawing/2014/main" id="{A006EAF0-CE30-5E85-45FF-109E2EAD59B7}"/>
-              </a:ext>
-            </a:extLst>
-          </p:cNvPr>
-          <p:cNvPicPr>
-            <a:picLocks noChangeAspect="1" noChangeArrowheads="1"/>
-          </p:cNvPicPr>
-          <p:nvPr/>
-        </p:nvPicPr>
-        <p:blipFill>
-          <a:blip r:embed="rId3">
-            <a:extLst>
-              <a:ext uri="{28A0092B-C50C-407E-A947-70E740481C1C}">
-                <a14:useLocalDpi xmlns:a14="http://schemas.microsoft.com/office/drawing/2010/main" val="0"/>
-              </a:ext>
-            </a:extLst>
-          </a:blip>
-          <a:srcRect/>
-          <a:stretch>
-            <a:fillRect/>
-          </a:stretch>
-        </p:blipFill>
-        <p:spPr bwMode="auto">
-          <a:xfrm>
-            <a:off x="965243" y="502842"/>
-            <a:ext cx="4920177" cy="4946488"/>
-          </a:xfrm>
-          <a:prstGeom prst="rect">
-            <a:avLst/>
-          </a:prstGeom>
-          <a:noFill/>
-          <a:extLst>
-            <a:ext uri="{909E8E84-426E-40DD-AFC4-6F175D3DCCD1}">
-              <a14:hiddenFill xmlns:a14="http://schemas.microsoft.com/office/drawing/2010/main">
-                <a:solidFill>
-                  <a:srgbClr val="FFFFFF"/>
-                </a:solidFill>
-              </a14:hiddenFill>
-            </a:ext>
-          </a:extLst>
-        </p:spPr>
-      </p:pic>
-      <p:pic>
-        <p:nvPicPr>
-          <p:cNvPr id="3078" name="Picture 6">
-            <a:extLst>
-              <a:ext uri="{FF2B5EF4-FFF2-40B4-BE49-F238E27FC236}">
-                <a16:creationId xmlns:a16="http://schemas.microsoft.com/office/drawing/2014/main" id="{DF37C092-D923-2FA0-C69F-47732B0C3DF6}"/>
-              </a:ext>
-            </a:extLst>
-          </p:cNvPr>
-          <p:cNvPicPr>
-            <a:picLocks noChangeAspect="1" noChangeArrowheads="1"/>
-          </p:cNvPicPr>
-          <p:nvPr/>
-        </p:nvPicPr>
-        <p:blipFill>
-          <a:blip r:embed="rId4">
-            <a:extLst>
-              <a:ext uri="{28A0092B-C50C-407E-A947-70E740481C1C}">
-                <a14:useLocalDpi xmlns:a14="http://schemas.microsoft.com/office/drawing/2010/main" val="0"/>
-              </a:ext>
-            </a:extLst>
-          </a:blip>
-          <a:srcRect/>
-          <a:stretch>
-            <a:fillRect/>
-          </a:stretch>
-        </p:blipFill>
-        <p:spPr bwMode="auto">
-          <a:xfrm>
-            <a:off x="6306582" y="502843"/>
-            <a:ext cx="5071932" cy="4946487"/>
-          </a:xfrm>
-          <a:prstGeom prst="rect">
-            <a:avLst/>
-          </a:prstGeom>
-          <a:noFill/>
-          <a:extLst>
-            <a:ext uri="{909E8E84-426E-40DD-AFC4-6F175D3DCCD1}">
-              <a14:hiddenFill xmlns:a14="http://schemas.microsoft.com/office/drawing/2010/main">
-                <a:solidFill>
-                  <a:srgbClr val="FFFFFF"/>
-                </a:solidFill>
-              </a14:hiddenFill>
-            </a:ext>
-          </a:extLst>
-        </p:spPr>
-      </p:pic>
+              <a:rPr lang="es-ES" sz="1400" dirty="0"/>
+              <a:t>ADD CONCLUSIONS HERE</a:t>
+            </a:r>
+          </a:p>
+          <a:p>
+            <a:pPr rtl="0"/>
+            <a:endParaRPr lang="es-ES" sz="1400" dirty="0"/>
+          </a:p>
+        </p:txBody>
+      </p:sp>
     </p:spTree>
     <p:extLst>
       <p:ext uri="{BB962C8B-B14F-4D97-AF65-F5344CB8AC3E}">
-        <p14:creationId xmlns:p14="http://schemas.microsoft.com/office/powerpoint/2010/main" val="2262251188"/>
+        <p14:creationId xmlns:p14="http://schemas.microsoft.com/office/powerpoint/2010/main" val="1007431861"/>
       </p:ext>
     </p:extLst>
   </p:cSld>
@@ -16915,21 +16899,21 @@
           <p:cNvPr id="2" name="Título 1">
             <a:extLst>
               <a:ext uri="{FF2B5EF4-FFF2-40B4-BE49-F238E27FC236}">
-                <a16:creationId xmlns:a16="http://schemas.microsoft.com/office/drawing/2014/main" id="{B1FE5F11-B7B9-4B80-8C6A-A8A7A7190B77}"/>
-              </a:ext>
-            </a:extLst>
-          </p:cNvPr>
-          <p:cNvSpPr>
-            <a:spLocks noGrp="1"/>
-          </p:cNvSpPr>
-          <p:nvPr>
-            <p:ph type="ctrTitle"/>
-          </p:nvPr>
-        </p:nvSpPr>
-        <p:spPr>
-          <a:xfrm>
-            <a:off x="6458964" y="2945452"/>
-            <a:ext cx="5074920" cy="967095"/>
+                <a16:creationId xmlns:a16="http://schemas.microsoft.com/office/drawing/2014/main" id="{09140014-73D5-419B-8867-972BB18D52D4}"/>
+              </a:ext>
+            </a:extLst>
+          </p:cNvPr>
+          <p:cNvSpPr>
+            <a:spLocks noGrp="1"/>
+          </p:cNvSpPr>
+          <p:nvPr>
+            <p:ph type="title"/>
+          </p:nvPr>
+        </p:nvSpPr>
+        <p:spPr>
+          <a:xfrm>
+            <a:off x="2933700" y="892177"/>
+            <a:ext cx="8421688" cy="1325563"/>
           </a:xfrm>
         </p:spPr>
         <p:txBody>
@@ -16942,16 +16926,327 @@
           <a:p>
             <a:pPr rtl="0"/>
             <a:r>
-              <a:rPr lang="en-US" sz="2800" dirty="0"/>
-              <a:t>Limitations and next steps</a:t>
-            </a:r>
-          </a:p>
-        </p:txBody>
-      </p:sp>
+              <a:rPr lang="es-ES" dirty="0"/>
+              <a:t>ÁREAS DE ENFOQUE</a:t>
+            </a:r>
+          </a:p>
+        </p:txBody>
+      </p:sp>
+      <p:sp>
+        <p:nvSpPr>
+          <p:cNvPr id="4" name="Marcador de contenido 3">
+            <a:extLst>
+              <a:ext uri="{FF2B5EF4-FFF2-40B4-BE49-F238E27FC236}">
+                <a16:creationId xmlns:a16="http://schemas.microsoft.com/office/drawing/2014/main" id="{33D8731E-4977-402E-8BFD-895B4D0544CC}"/>
+              </a:ext>
+            </a:extLst>
+          </p:cNvPr>
+          <p:cNvSpPr>
+            <a:spLocks noGrp="1"/>
+          </p:cNvSpPr>
+          <p:nvPr>
+            <p:ph sz="half" idx="2"/>
+          </p:nvPr>
+        </p:nvSpPr>
+        <p:spPr>
+          <a:xfrm>
+            <a:off x="2933700" y="3834606"/>
+            <a:ext cx="3924300" cy="1997867"/>
+          </a:xfrm>
+        </p:spPr>
+        <p:txBody>
+          <a:bodyPr rtlCol="0">
+            <a:normAutofit/>
+          </a:bodyPr>
+          <a:lstStyle>
+            <a:defPPr>
+              <a:defRPr lang="es-ES"/>
+            </a:defPPr>
+          </a:lstStyle>
+          <a:p>
+            <a:pPr rtl="0"/>
+            <a:r>
+              <a:rPr lang="es-ES" dirty="0"/>
+              <a:t>Desarrollar estrategias ganadoras para seguir a la vanguardia de la competencia</a:t>
+            </a:r>
+          </a:p>
+          <a:p>
+            <a:pPr rtl="0"/>
+            <a:r>
+              <a:rPr lang="es-ES" dirty="0"/>
+              <a:t>​Aprovechar los frutos obtenidos para identificar un valor en el terreno de juego</a:t>
+            </a:r>
+          </a:p>
+          <a:p>
+            <a:pPr rtl="0"/>
+            <a:r>
+              <a:rPr lang="es-ES" dirty="0"/>
+              <a:t>​Visualizar la convergencia dirigida al cliente</a:t>
+            </a:r>
+          </a:p>
+        </p:txBody>
+      </p:sp>
+      <p:sp>
+        <p:nvSpPr>
+          <p:cNvPr id="5" name="Marcador de texto 4">
+            <a:extLst>
+              <a:ext uri="{FF2B5EF4-FFF2-40B4-BE49-F238E27FC236}">
+                <a16:creationId xmlns:a16="http://schemas.microsoft.com/office/drawing/2014/main" id="{91CDEC5F-B8EE-4BC1-843F-13135E6E7AB2}"/>
+              </a:ext>
+            </a:extLst>
+          </p:cNvPr>
+          <p:cNvSpPr>
+            <a:spLocks noGrp="1"/>
+          </p:cNvSpPr>
+          <p:nvPr>
+            <p:ph type="body" sz="quarter" idx="3"/>
+          </p:nvPr>
+        </p:nvSpPr>
+        <p:spPr>
+          <a:xfrm>
+            <a:off x="7410173" y="2776936"/>
+            <a:ext cx="3943627" cy="823912"/>
+          </a:xfrm>
+        </p:spPr>
+        <p:txBody>
+          <a:bodyPr rtlCol="0"/>
+          <a:lstStyle>
+            <a:defPPr>
+              <a:defRPr lang="es-ES"/>
+            </a:defPPr>
+          </a:lstStyle>
+          <a:p>
+            <a:pPr rtl="0"/>
+            <a:r>
+              <a:rPr lang="es-ES" dirty="0"/>
+              <a:t>OPORTUNIDADES BASADAS EN LA NUBE</a:t>
+            </a:r>
+          </a:p>
+        </p:txBody>
+      </p:sp>
+      <p:sp>
+        <p:nvSpPr>
+          <p:cNvPr id="6" name="Marcador de contenido 5">
+            <a:extLst>
+              <a:ext uri="{FF2B5EF4-FFF2-40B4-BE49-F238E27FC236}">
+                <a16:creationId xmlns:a16="http://schemas.microsoft.com/office/drawing/2014/main" id="{50B65871-FA95-449A-B8BC-90486DE532EF}"/>
+              </a:ext>
+            </a:extLst>
+          </p:cNvPr>
+          <p:cNvSpPr>
+            <a:spLocks noGrp="1"/>
+          </p:cNvSpPr>
+          <p:nvPr>
+            <p:ph sz="quarter" idx="4"/>
+          </p:nvPr>
+        </p:nvSpPr>
+        <p:spPr>
+          <a:xfrm>
+            <a:off x="10214890" y="3494485"/>
+            <a:ext cx="3724947" cy="1910727"/>
+          </a:xfrm>
+        </p:spPr>
+        <p:txBody>
+          <a:bodyPr rtlCol="0">
+            <a:normAutofit/>
+          </a:bodyPr>
+          <a:lstStyle>
+            <a:defPPr>
+              <a:defRPr lang="es-ES"/>
+            </a:defPPr>
+          </a:lstStyle>
+          <a:p>
+            <a:pPr rtl="0"/>
+            <a:r>
+              <a:rPr lang="es-ES" dirty="0"/>
+              <a:t>Enfoques iterativos para una estrategia corporativa</a:t>
+            </a:r>
+          </a:p>
+          <a:p>
+            <a:pPr rtl="0"/>
+            <a:r>
+              <a:rPr lang="es-ES" dirty="0"/>
+              <a:t>​Establecer un marco de administración desde dentro</a:t>
+            </a:r>
+          </a:p>
+        </p:txBody>
+      </p:sp>
+      <p:sp>
+        <p:nvSpPr>
+          <p:cNvPr id="9" name="Marcador de número de diapositiva 8">
+            <a:extLst>
+              <a:ext uri="{FF2B5EF4-FFF2-40B4-BE49-F238E27FC236}">
+                <a16:creationId xmlns:a16="http://schemas.microsoft.com/office/drawing/2014/main" id="{C396FFDC-ADE8-4009-A466-A81787258E88}"/>
+              </a:ext>
+            </a:extLst>
+          </p:cNvPr>
+          <p:cNvSpPr>
+            <a:spLocks noGrp="1"/>
+          </p:cNvSpPr>
+          <p:nvPr>
+            <p:ph type="sldNum" sz="quarter" idx="12"/>
+          </p:nvPr>
+        </p:nvSpPr>
+        <p:spPr>
+          <a:xfrm>
+            <a:off x="8610600" y="6356350"/>
+            <a:ext cx="2743200" cy="365125"/>
+          </a:xfrm>
+        </p:spPr>
+        <p:txBody>
+          <a:bodyPr rtlCol="0"/>
+          <a:lstStyle>
+            <a:defPPr>
+              <a:defRPr lang="es-ES"/>
+            </a:defPPr>
+          </a:lstStyle>
+          <a:p>
+            <a:pPr rtl="0"/>
+            <a:fld id="{A49DFD55-3C28-40EF-9E31-A92D2E4017FF}" type="slidenum">
+              <a:rPr lang="es-ES" smtClean="0"/>
+              <a:pPr rtl="0"/>
+              <a:t>22</a:t>
+            </a:fld>
+            <a:endParaRPr lang="es-ES" dirty="0"/>
+          </a:p>
+        </p:txBody>
+      </p:sp>
+      <p:sp>
+        <p:nvSpPr>
+          <p:cNvPr id="15" name="Marcador de pie de página 4">
+            <a:extLst>
+              <a:ext uri="{FF2B5EF4-FFF2-40B4-BE49-F238E27FC236}">
+                <a16:creationId xmlns:a16="http://schemas.microsoft.com/office/drawing/2014/main" id="{D03417DB-B8B1-A6C2-EC39-D9E06005B059}"/>
+              </a:ext>
+            </a:extLst>
+          </p:cNvPr>
+          <p:cNvSpPr>
+            <a:spLocks noGrp="1"/>
+          </p:cNvSpPr>
+          <p:nvPr>
+            <p:ph type="ftr" sz="quarter" idx="11"/>
+          </p:nvPr>
+        </p:nvSpPr>
+        <p:spPr>
+          <a:xfrm>
+            <a:off x="2463800" y="6356350"/>
+            <a:ext cx="3479800" cy="365125"/>
+          </a:xfrm>
+        </p:spPr>
+        <p:txBody>
+          <a:bodyPr rtlCol="0"/>
+          <a:lstStyle>
+            <a:defPPr>
+              <a:defRPr lang="es-ES"/>
+            </a:defPPr>
+          </a:lstStyle>
+          <a:p>
+            <a:pPr rtl="0"/>
+            <a:r>
+              <a:rPr lang="es-ES" dirty="0"/>
+              <a:t>FORBES HIGHEST PAYING ATHLETES ANALYSIS</a:t>
+            </a:r>
+          </a:p>
+        </p:txBody>
+      </p:sp>
+      <p:pic>
+        <p:nvPicPr>
+          <p:cNvPr id="3074" name="Picture 2">
+            <a:extLst>
+              <a:ext uri="{FF2B5EF4-FFF2-40B4-BE49-F238E27FC236}">
+                <a16:creationId xmlns:a16="http://schemas.microsoft.com/office/drawing/2014/main" id="{A006EAF0-CE30-5E85-45FF-109E2EAD59B7}"/>
+              </a:ext>
+            </a:extLst>
+          </p:cNvPr>
+          <p:cNvPicPr>
+            <a:picLocks noChangeAspect="1" noChangeArrowheads="1"/>
+          </p:cNvPicPr>
+          <p:nvPr/>
+        </p:nvPicPr>
+        <p:blipFill>
+          <a:blip r:embed="rId3">
+            <a:extLst>
+              <a:ext uri="{28A0092B-C50C-407E-A947-70E740481C1C}">
+                <a14:useLocalDpi xmlns:a14="http://schemas.microsoft.com/office/drawing/2010/main" val="0"/>
+              </a:ext>
+            </a:extLst>
+          </a:blip>
+          <a:srcRect/>
+          <a:stretch>
+            <a:fillRect/>
+          </a:stretch>
+        </p:blipFill>
+        <p:spPr bwMode="auto">
+          <a:xfrm>
+            <a:off x="965243" y="502842"/>
+            <a:ext cx="4920177" cy="4946488"/>
+          </a:xfrm>
+          <a:prstGeom prst="rect">
+            <a:avLst/>
+          </a:prstGeom>
+          <a:noFill/>
+          <a:extLst>
+            <a:ext uri="{909E8E84-426E-40DD-AFC4-6F175D3DCCD1}">
+              <a14:hiddenFill xmlns:a14="http://schemas.microsoft.com/office/drawing/2010/main">
+                <a:solidFill>
+                  <a:srgbClr val="FFFFFF"/>
+                </a:solidFill>
+              </a14:hiddenFill>
+            </a:ext>
+          </a:extLst>
+        </p:spPr>
+      </p:pic>
+      <p:pic>
+        <p:nvPicPr>
+          <p:cNvPr id="3078" name="Picture 6">
+            <a:extLst>
+              <a:ext uri="{FF2B5EF4-FFF2-40B4-BE49-F238E27FC236}">
+                <a16:creationId xmlns:a16="http://schemas.microsoft.com/office/drawing/2014/main" id="{DF37C092-D923-2FA0-C69F-47732B0C3DF6}"/>
+              </a:ext>
+            </a:extLst>
+          </p:cNvPr>
+          <p:cNvPicPr>
+            <a:picLocks noChangeAspect="1" noChangeArrowheads="1"/>
+          </p:cNvPicPr>
+          <p:nvPr/>
+        </p:nvPicPr>
+        <p:blipFill>
+          <a:blip r:embed="rId4">
+            <a:extLst>
+              <a:ext uri="{28A0092B-C50C-407E-A947-70E740481C1C}">
+                <a14:useLocalDpi xmlns:a14="http://schemas.microsoft.com/office/drawing/2010/main" val="0"/>
+              </a:ext>
+            </a:extLst>
+          </a:blip>
+          <a:srcRect/>
+          <a:stretch>
+            <a:fillRect/>
+          </a:stretch>
+        </p:blipFill>
+        <p:spPr bwMode="auto">
+          <a:xfrm>
+            <a:off x="6306582" y="502843"/>
+            <a:ext cx="5071932" cy="4946487"/>
+          </a:xfrm>
+          <a:prstGeom prst="rect">
+            <a:avLst/>
+          </a:prstGeom>
+          <a:noFill/>
+          <a:extLst>
+            <a:ext uri="{909E8E84-426E-40DD-AFC4-6F175D3DCCD1}">
+              <a14:hiddenFill xmlns:a14="http://schemas.microsoft.com/office/drawing/2010/main">
+                <a:solidFill>
+                  <a:srgbClr val="FFFFFF"/>
+                </a:solidFill>
+              </a14:hiddenFill>
+            </a:ext>
+          </a:extLst>
+        </p:spPr>
+      </p:pic>
     </p:spTree>
     <p:extLst>
       <p:ext uri="{BB962C8B-B14F-4D97-AF65-F5344CB8AC3E}">
-        <p14:creationId xmlns:p14="http://schemas.microsoft.com/office/powerpoint/2010/main" val="3671601111"/>
+        <p14:creationId xmlns:p14="http://schemas.microsoft.com/office/powerpoint/2010/main" val="2262251188"/>
       </p:ext>
     </p:extLst>
   </p:cSld>
@@ -16983,21 +17278,21 @@
           <p:cNvPr id="2" name="Título 1">
             <a:extLst>
               <a:ext uri="{FF2B5EF4-FFF2-40B4-BE49-F238E27FC236}">
-                <a16:creationId xmlns:a16="http://schemas.microsoft.com/office/drawing/2014/main" id="{4518FC28-E0BD-4387-B8BE-9965D1A57FF1}"/>
-              </a:ext>
-            </a:extLst>
-          </p:cNvPr>
-          <p:cNvSpPr>
-            <a:spLocks noGrp="1"/>
-          </p:cNvSpPr>
-          <p:nvPr>
-            <p:ph type="title"/>
-          </p:nvPr>
-        </p:nvSpPr>
-        <p:spPr>
-          <a:xfrm>
-            <a:off x="5428430" y="502056"/>
-            <a:ext cx="5111750" cy="1204912"/>
+                <a16:creationId xmlns:a16="http://schemas.microsoft.com/office/drawing/2014/main" id="{B1FE5F11-B7B9-4B80-8C6A-A8A7A7190B77}"/>
+              </a:ext>
+            </a:extLst>
+          </p:cNvPr>
+          <p:cNvSpPr>
+            <a:spLocks noGrp="1"/>
+          </p:cNvSpPr>
+          <p:nvPr>
+            <p:ph type="ctrTitle"/>
+          </p:nvPr>
+        </p:nvSpPr>
+        <p:spPr>
+          <a:xfrm>
+            <a:off x="6458964" y="2945452"/>
+            <a:ext cx="5074920" cy="967095"/>
           </a:xfrm>
         </p:spPr>
         <p:txBody>
@@ -17010,195 +17305,16 @@
           <a:p>
             <a:pPr rtl="0"/>
             <a:r>
-              <a:rPr lang="es-ES" dirty="0"/>
-              <a:t>limitations</a:t>
-            </a:r>
-          </a:p>
-        </p:txBody>
-      </p:sp>
-      <p:sp>
-        <p:nvSpPr>
-          <p:cNvPr id="3" name="Marcador de texto 2">
-            <a:extLst>
-              <a:ext uri="{FF2B5EF4-FFF2-40B4-BE49-F238E27FC236}">
-                <a16:creationId xmlns:a16="http://schemas.microsoft.com/office/drawing/2014/main" id="{FED19BCA-B61F-4EA6-A1FB-CCA3BD8506FB}"/>
-              </a:ext>
-            </a:extLst>
-          </p:cNvPr>
-          <p:cNvSpPr>
-            <a:spLocks noGrp="1"/>
-          </p:cNvSpPr>
-          <p:nvPr>
-            <p:ph type="body" idx="1"/>
-          </p:nvPr>
-        </p:nvSpPr>
-        <p:spPr>
-          <a:xfrm>
-            <a:off x="5428430" y="2094275"/>
-            <a:ext cx="5550426" cy="2592781"/>
-          </a:xfrm>
-        </p:spPr>
-        <p:txBody>
-          <a:bodyPr rtlCol="0">
-            <a:normAutofit lnSpcReduction="10000"/>
-          </a:bodyPr>
-          <a:lstStyle>
-            <a:defPPr>
-              <a:defRPr lang="es-ES"/>
-            </a:defPPr>
-          </a:lstStyle>
-          <a:p>
-            <a:pPr marL="342900" indent="-342900" rtl="0">
-              <a:buFont typeface="Courier New" panose="02070309020205020404" pitchFamily="49" charset="0"/>
-              <a:buChar char="o"/>
-            </a:pPr>
-            <a:r>
-              <a:rPr lang="es-ES" dirty="0"/>
-              <a:t>Database only included top earners for every year 10. It would be interesting to understand if regional data behaves similarly when analyzing a larger sample of athlete earnings.</a:t>
-            </a:r>
-          </a:p>
-          <a:p>
-            <a:pPr marL="342900" indent="-342900" rtl="0">
-              <a:buFont typeface="Courier New" panose="02070309020205020404" pitchFamily="49" charset="0"/>
-              <a:buChar char="o"/>
-            </a:pPr>
-            <a:r>
-              <a:rPr lang="es-ES" dirty="0"/>
-              <a:t>We lacked industry data (ex. TV rights, number of spectators, team valuations) to carry out a correlation analysis to understand key drivers for earnings.</a:t>
-            </a:r>
-          </a:p>
-          <a:p>
-            <a:pPr marL="342900" indent="-342900" rtl="0">
-              <a:buFont typeface="Courier New" panose="02070309020205020404" pitchFamily="49" charset="0"/>
-              <a:buChar char="o"/>
-            </a:pPr>
-            <a:r>
-              <a:rPr lang="es-ES" dirty="0"/>
-              <a:t>When it comes to calculating average earnings by country when it comes to athletes there is a limitation in the form of us not having a large enough sample size to illustrate this effectively</a:t>
-            </a:r>
-          </a:p>
-        </p:txBody>
-      </p:sp>
-      <p:sp>
-        <p:nvSpPr>
-          <p:cNvPr id="4" name="Marcador de fecha 3">
-            <a:extLst>
-              <a:ext uri="{FF2B5EF4-FFF2-40B4-BE49-F238E27FC236}">
-                <a16:creationId xmlns:a16="http://schemas.microsoft.com/office/drawing/2014/main" id="{00560550-EE65-43CE-B899-F421E74287A1}"/>
-              </a:ext>
-            </a:extLst>
-          </p:cNvPr>
-          <p:cNvSpPr>
-            <a:spLocks noGrp="1"/>
-          </p:cNvSpPr>
-          <p:nvPr>
-            <p:ph type="dt" sz="half" idx="10"/>
-          </p:nvPr>
-        </p:nvSpPr>
-        <p:spPr>
-          <a:xfrm>
-            <a:off x="838200" y="6356350"/>
-            <a:ext cx="2743200" cy="365125"/>
-          </a:xfrm>
-        </p:spPr>
-        <p:txBody>
-          <a:bodyPr rtlCol="0"/>
-          <a:lstStyle>
-            <a:defPPr>
-              <a:defRPr lang="es-ES"/>
-            </a:defPPr>
-          </a:lstStyle>
-          <a:p>
-            <a:pPr rtl="0"/>
-            <a:r>
-              <a:rPr lang="es-ES" dirty="0"/>
-              <a:t>20XX</a:t>
-            </a:r>
-          </a:p>
-        </p:txBody>
-      </p:sp>
-      <p:sp>
-        <p:nvSpPr>
-          <p:cNvPr id="5" name="Marcador de pie de página 4">
-            <a:extLst>
-              <a:ext uri="{FF2B5EF4-FFF2-40B4-BE49-F238E27FC236}">
-                <a16:creationId xmlns:a16="http://schemas.microsoft.com/office/drawing/2014/main" id="{4135E32A-1A8C-43D2-9C6E-12887B4DEDFB}"/>
-              </a:ext>
-            </a:extLst>
-          </p:cNvPr>
-          <p:cNvSpPr>
-            <a:spLocks noGrp="1"/>
-          </p:cNvSpPr>
-          <p:nvPr>
-            <p:ph type="ftr" sz="quarter" idx="11"/>
-          </p:nvPr>
-        </p:nvSpPr>
-        <p:spPr>
-          <a:xfrm>
-            <a:off x="4038600" y="6356350"/>
-            <a:ext cx="4114800" cy="365125"/>
-          </a:xfrm>
-        </p:spPr>
-        <p:txBody>
-          <a:bodyPr rtlCol="0"/>
-          <a:lstStyle>
-            <a:defPPr>
-              <a:defRPr lang="es-ES"/>
-            </a:defPPr>
-          </a:lstStyle>
-          <a:p>
-            <a:pPr rtl="0"/>
-            <a:r>
-              <a:rPr lang="es-ES" dirty="0"/>
-              <a:t>TÍTULO DE LA PRESENTACIÓN</a:t>
-            </a:r>
-          </a:p>
-        </p:txBody>
-      </p:sp>
-      <p:sp>
-        <p:nvSpPr>
-          <p:cNvPr id="6" name="Marcador de número de diapositiva 5">
-            <a:extLst>
-              <a:ext uri="{FF2B5EF4-FFF2-40B4-BE49-F238E27FC236}">
-                <a16:creationId xmlns:a16="http://schemas.microsoft.com/office/drawing/2014/main" id="{7C4B8313-9270-4128-8674-3A3E42B806BC}"/>
-              </a:ext>
-            </a:extLst>
-          </p:cNvPr>
-          <p:cNvSpPr>
-            <a:spLocks noGrp="1"/>
-          </p:cNvSpPr>
-          <p:nvPr>
-            <p:ph type="sldNum" sz="quarter" idx="12"/>
-          </p:nvPr>
-        </p:nvSpPr>
-        <p:spPr>
-          <a:xfrm>
-            <a:off x="8610600" y="6356350"/>
-            <a:ext cx="2743200" cy="365125"/>
-          </a:xfrm>
-        </p:spPr>
-        <p:txBody>
-          <a:bodyPr rtlCol="0"/>
-          <a:lstStyle>
-            <a:defPPr>
-              <a:defRPr lang="es-ES"/>
-            </a:defPPr>
-          </a:lstStyle>
-          <a:p>
-            <a:pPr rtl="0"/>
-            <a:fld id="{A49DFD55-3C28-40EF-9E31-A92D2E4017FF}" type="slidenum">
-              <a:rPr lang="es-ES" smtClean="0"/>
-              <a:pPr rtl="0"/>
-              <a:t>23</a:t>
-            </a:fld>
-            <a:endParaRPr lang="es-ES" dirty="0"/>
+              <a:rPr lang="en-US" sz="2800" dirty="0"/>
+              <a:t>Limitations and next steps</a:t>
+            </a:r>
           </a:p>
         </p:txBody>
       </p:sp>
     </p:spTree>
     <p:extLst>
       <p:ext uri="{BB962C8B-B14F-4D97-AF65-F5344CB8AC3E}">
-        <p14:creationId xmlns:p14="http://schemas.microsoft.com/office/powerpoint/2010/main" val="1742861620"/>
+        <p14:creationId xmlns:p14="http://schemas.microsoft.com/office/powerpoint/2010/main" val="3671601111"/>
       </p:ext>
     </p:extLst>
   </p:cSld>
@@ -17230,7 +17346,7 @@
           <p:cNvPr id="2" name="Título 1">
             <a:extLst>
               <a:ext uri="{FF2B5EF4-FFF2-40B4-BE49-F238E27FC236}">
-                <a16:creationId xmlns:a16="http://schemas.microsoft.com/office/drawing/2014/main" id="{09140014-73D5-419B-8867-972BB18D52D4}"/>
+                <a16:creationId xmlns:a16="http://schemas.microsoft.com/office/drawing/2014/main" id="{4518FC28-E0BD-4387-B8BE-9965D1A57FF1}"/>
               </a:ext>
             </a:extLst>
           </p:cNvPr>
@@ -17243,8 +17359,8 @@
         </p:nvSpPr>
         <p:spPr>
           <a:xfrm>
-            <a:off x="2933700" y="892177"/>
-            <a:ext cx="8421688" cy="1325563"/>
+            <a:off x="5428430" y="502056"/>
+            <a:ext cx="5111750" cy="1204912"/>
           </a:xfrm>
         </p:spPr>
         <p:txBody>
@@ -17258,36 +17374,36 @@
             <a:pPr rtl="0"/>
             <a:r>
               <a:rPr lang="es-ES" dirty="0"/>
-              <a:t>ÁREAS DE ENFOQUE</a:t>
-            </a:r>
-          </a:p>
-        </p:txBody>
-      </p:sp>
-      <p:sp>
-        <p:nvSpPr>
-          <p:cNvPr id="4" name="Marcador de contenido 3">
-            <a:extLst>
-              <a:ext uri="{FF2B5EF4-FFF2-40B4-BE49-F238E27FC236}">
-                <a16:creationId xmlns:a16="http://schemas.microsoft.com/office/drawing/2014/main" id="{33D8731E-4977-402E-8BFD-895B4D0544CC}"/>
-              </a:ext>
-            </a:extLst>
-          </p:cNvPr>
-          <p:cNvSpPr>
-            <a:spLocks noGrp="1"/>
-          </p:cNvSpPr>
-          <p:nvPr>
-            <p:ph sz="half" idx="2"/>
-          </p:nvPr>
-        </p:nvSpPr>
-        <p:spPr>
-          <a:xfrm>
-            <a:off x="2933700" y="3834606"/>
-            <a:ext cx="3924300" cy="1997867"/>
+              <a:t>limitations</a:t>
+            </a:r>
+          </a:p>
+        </p:txBody>
+      </p:sp>
+      <p:sp>
+        <p:nvSpPr>
+          <p:cNvPr id="3" name="Marcador de texto 2">
+            <a:extLst>
+              <a:ext uri="{FF2B5EF4-FFF2-40B4-BE49-F238E27FC236}">
+                <a16:creationId xmlns:a16="http://schemas.microsoft.com/office/drawing/2014/main" id="{FED19BCA-B61F-4EA6-A1FB-CCA3BD8506FB}"/>
+              </a:ext>
+            </a:extLst>
+          </p:cNvPr>
+          <p:cNvSpPr>
+            <a:spLocks noGrp="1"/>
+          </p:cNvSpPr>
+          <p:nvPr>
+            <p:ph type="body" idx="1"/>
+          </p:nvPr>
+        </p:nvSpPr>
+        <p:spPr>
+          <a:xfrm>
+            <a:off x="5428430" y="2094275"/>
+            <a:ext cx="5550426" cy="2592781"/>
           </a:xfrm>
         </p:spPr>
         <p:txBody>
           <a:bodyPr rtlCol="0">
-            <a:normAutofit/>
+            <a:normAutofit lnSpcReduction="10000"/>
           </a:bodyPr>
           <a:lstStyle>
             <a:defPPr>
@@ -17295,48 +17411,57 @@
             </a:defPPr>
           </a:lstStyle>
           <a:p>
-            <a:pPr rtl="0"/>
+            <a:pPr marL="342900" indent="-342900" rtl="0">
+              <a:buFont typeface="Courier New" panose="02070309020205020404" pitchFamily="49" charset="0"/>
+              <a:buChar char="o"/>
+            </a:pPr>
             <a:r>
               <a:rPr lang="es-ES" dirty="0"/>
-              <a:t>Desarrollar estrategias ganadoras para seguir a la vanguardia de la competencia</a:t>
-            </a:r>
-          </a:p>
-          <a:p>
-            <a:pPr rtl="0"/>
+              <a:t>Database only included top earners for every year 10. It would be interesting to understand if regional data behaves similarly when analyzing a larger sample of athlete earnings.</a:t>
+            </a:r>
+          </a:p>
+          <a:p>
+            <a:pPr marL="342900" indent="-342900" rtl="0">
+              <a:buFont typeface="Courier New" panose="02070309020205020404" pitchFamily="49" charset="0"/>
+              <a:buChar char="o"/>
+            </a:pPr>
             <a:r>
               <a:rPr lang="es-ES" dirty="0"/>
-              <a:t>​Aprovechar los frutos obtenidos para identificar un valor en el terreno de juego</a:t>
-            </a:r>
-          </a:p>
-          <a:p>
-            <a:pPr rtl="0"/>
+              <a:t>We lacked industry data (ex. TV rights, number of spectators, team valuations) to carry out a correlation analysis to understand key drivers for earnings.</a:t>
+            </a:r>
+          </a:p>
+          <a:p>
+            <a:pPr marL="342900" indent="-342900" rtl="0">
+              <a:buFont typeface="Courier New" panose="02070309020205020404" pitchFamily="49" charset="0"/>
+              <a:buChar char="o"/>
+            </a:pPr>
             <a:r>
               <a:rPr lang="es-ES" dirty="0"/>
-              <a:t>​Visualizar la convergencia dirigida al cliente</a:t>
-            </a:r>
-          </a:p>
-        </p:txBody>
-      </p:sp>
-      <p:sp>
-        <p:nvSpPr>
-          <p:cNvPr id="5" name="Marcador de texto 4">
-            <a:extLst>
-              <a:ext uri="{FF2B5EF4-FFF2-40B4-BE49-F238E27FC236}">
-                <a16:creationId xmlns:a16="http://schemas.microsoft.com/office/drawing/2014/main" id="{91CDEC5F-B8EE-4BC1-843F-13135E6E7AB2}"/>
-              </a:ext>
-            </a:extLst>
-          </p:cNvPr>
-          <p:cNvSpPr>
-            <a:spLocks noGrp="1"/>
-          </p:cNvSpPr>
-          <p:nvPr>
-            <p:ph type="body" sz="quarter" idx="3"/>
-          </p:nvPr>
-        </p:nvSpPr>
-        <p:spPr>
-          <a:xfrm>
-            <a:off x="7410173" y="2776936"/>
-            <a:ext cx="3943627" cy="823912"/>
+              <a:t>When it comes to calculating average earnings by country when it comes to athletes there is a limitation in the form of us not having a large enough sample size to illustrate this effectively</a:t>
+            </a:r>
+          </a:p>
+        </p:txBody>
+      </p:sp>
+      <p:sp>
+        <p:nvSpPr>
+          <p:cNvPr id="4" name="Marcador de fecha 3">
+            <a:extLst>
+              <a:ext uri="{FF2B5EF4-FFF2-40B4-BE49-F238E27FC236}">
+                <a16:creationId xmlns:a16="http://schemas.microsoft.com/office/drawing/2014/main" id="{00560550-EE65-43CE-B899-F421E74287A1}"/>
+              </a:ext>
+            </a:extLst>
+          </p:cNvPr>
+          <p:cNvSpPr>
+            <a:spLocks noGrp="1"/>
+          </p:cNvSpPr>
+          <p:nvPr>
+            <p:ph type="dt" sz="half" idx="10"/>
+          </p:nvPr>
+        </p:nvSpPr>
+        <p:spPr>
+          <a:xfrm>
+            <a:off x="838200" y="6356350"/>
+            <a:ext cx="2743200" cy="365125"/>
           </a:xfrm>
         </p:spPr>
         <p:txBody>
@@ -17350,37 +17475,35 @@
             <a:pPr rtl="0"/>
             <a:r>
               <a:rPr lang="es-ES" dirty="0"/>
-              <a:t>OPORTUNIDADES BASADAS EN LA NUBE</a:t>
-            </a:r>
-          </a:p>
-        </p:txBody>
-      </p:sp>
-      <p:sp>
-        <p:nvSpPr>
-          <p:cNvPr id="6" name="Marcador de contenido 5">
-            <a:extLst>
-              <a:ext uri="{FF2B5EF4-FFF2-40B4-BE49-F238E27FC236}">
-                <a16:creationId xmlns:a16="http://schemas.microsoft.com/office/drawing/2014/main" id="{50B65871-FA95-449A-B8BC-90486DE532EF}"/>
-              </a:ext>
-            </a:extLst>
-          </p:cNvPr>
-          <p:cNvSpPr>
-            <a:spLocks noGrp="1"/>
-          </p:cNvSpPr>
-          <p:nvPr>
-            <p:ph sz="quarter" idx="4"/>
-          </p:nvPr>
-        </p:nvSpPr>
-        <p:spPr>
-          <a:xfrm>
-            <a:off x="7410173" y="3834606"/>
-            <a:ext cx="3943627" cy="1997867"/>
-          </a:xfrm>
-        </p:spPr>
-        <p:txBody>
-          <a:bodyPr rtlCol="0">
-            <a:normAutofit/>
-          </a:bodyPr>
+              <a:t>20XX</a:t>
+            </a:r>
+          </a:p>
+        </p:txBody>
+      </p:sp>
+      <p:sp>
+        <p:nvSpPr>
+          <p:cNvPr id="5" name="Marcador de pie de página 4">
+            <a:extLst>
+              <a:ext uri="{FF2B5EF4-FFF2-40B4-BE49-F238E27FC236}">
+                <a16:creationId xmlns:a16="http://schemas.microsoft.com/office/drawing/2014/main" id="{4135E32A-1A8C-43D2-9C6E-12887B4DEDFB}"/>
+              </a:ext>
+            </a:extLst>
+          </p:cNvPr>
+          <p:cNvSpPr>
+            <a:spLocks noGrp="1"/>
+          </p:cNvSpPr>
+          <p:nvPr>
+            <p:ph type="ftr" sz="quarter" idx="11"/>
+          </p:nvPr>
+        </p:nvSpPr>
+        <p:spPr>
+          <a:xfrm>
+            <a:off x="4038600" y="6356350"/>
+            <a:ext cx="4114800" cy="365125"/>
+          </a:xfrm>
+        </p:spPr>
+        <p:txBody>
+          <a:bodyPr rtlCol="0"/>
           <a:lstStyle>
             <a:defPPr>
               <a:defRPr lang="es-ES"/>
@@ -17390,24 +17513,17 @@
             <a:pPr rtl="0"/>
             <a:r>
               <a:rPr lang="es-ES" dirty="0"/>
-              <a:t>Enfoques iterativos para una estrategia corporativa</a:t>
-            </a:r>
-          </a:p>
-          <a:p>
-            <a:pPr rtl="0"/>
-            <a:r>
-              <a:rPr lang="es-ES" dirty="0"/>
-              <a:t>​Establecer un marco de administración desde dentro</a:t>
-            </a:r>
-          </a:p>
-        </p:txBody>
-      </p:sp>
-      <p:sp>
-        <p:nvSpPr>
-          <p:cNvPr id="9" name="Marcador de número de diapositiva 8">
-            <a:extLst>
-              <a:ext uri="{FF2B5EF4-FFF2-40B4-BE49-F238E27FC236}">
-                <a16:creationId xmlns:a16="http://schemas.microsoft.com/office/drawing/2014/main" id="{C396FFDC-ADE8-4009-A466-A81787258E88}"/>
+              <a:t>TÍTULO DE LA PRESENTACIÓN</a:t>
+            </a:r>
+          </a:p>
+        </p:txBody>
+      </p:sp>
+      <p:sp>
+        <p:nvSpPr>
+          <p:cNvPr id="6" name="Marcador de número de diapositiva 5">
+            <a:extLst>
+              <a:ext uri="{FF2B5EF4-FFF2-40B4-BE49-F238E27FC236}">
+                <a16:creationId xmlns:a16="http://schemas.microsoft.com/office/drawing/2014/main" id="{7C4B8313-9270-4128-8674-3A3E42B806BC}"/>
               </a:ext>
             </a:extLst>
           </p:cNvPr>
@@ -17442,78 +17558,10 @@
           </a:p>
         </p:txBody>
       </p:sp>
-      <p:sp>
-        <p:nvSpPr>
-          <p:cNvPr id="15" name="Marcador de pie de página 4">
-            <a:extLst>
-              <a:ext uri="{FF2B5EF4-FFF2-40B4-BE49-F238E27FC236}">
-                <a16:creationId xmlns:a16="http://schemas.microsoft.com/office/drawing/2014/main" id="{D03417DB-B8B1-A6C2-EC39-D9E06005B059}"/>
-              </a:ext>
-            </a:extLst>
-          </p:cNvPr>
-          <p:cNvSpPr>
-            <a:spLocks noGrp="1"/>
-          </p:cNvSpPr>
-          <p:nvPr>
-            <p:ph type="ftr" sz="quarter" idx="11"/>
-          </p:nvPr>
-        </p:nvSpPr>
-        <p:spPr>
-          <a:xfrm>
-            <a:off x="2463800" y="6356350"/>
-            <a:ext cx="3479800" cy="365125"/>
-          </a:xfrm>
-        </p:spPr>
-        <p:txBody>
-          <a:bodyPr rtlCol="0"/>
-          <a:lstStyle>
-            <a:defPPr>
-              <a:defRPr lang="es-ES"/>
-            </a:defPPr>
-          </a:lstStyle>
-          <a:p>
-            <a:pPr rtl="0"/>
-            <a:r>
-              <a:rPr lang="es-ES" dirty="0"/>
-              <a:t>FORBES HIGHEST PAYING ATHLETES ANALYSIS</a:t>
-            </a:r>
-          </a:p>
-        </p:txBody>
-      </p:sp>
-      <p:pic>
-        <p:nvPicPr>
-          <p:cNvPr id="19" name="Picture 18">
-            <a:extLst>
-              <a:ext uri="{FF2B5EF4-FFF2-40B4-BE49-F238E27FC236}">
-                <a16:creationId xmlns:a16="http://schemas.microsoft.com/office/drawing/2014/main" id="{107FBD5C-404A-8952-57AD-16E7D834AE5E}"/>
-              </a:ext>
-            </a:extLst>
-          </p:cNvPr>
-          <p:cNvPicPr>
-            <a:picLocks noChangeAspect="1"/>
-          </p:cNvPicPr>
-          <p:nvPr/>
-        </p:nvPicPr>
-        <p:blipFill>
-          <a:blip r:embed="rId3"/>
-          <a:stretch>
-            <a:fillRect/>
-          </a:stretch>
-        </p:blipFill>
-        <p:spPr>
-          <a:xfrm>
-            <a:off x="0" y="177799"/>
-            <a:ext cx="12192000" cy="6502401"/>
-          </a:xfrm>
-          <a:prstGeom prst="rect">
-            <a:avLst/>
-          </a:prstGeom>
-        </p:spPr>
-      </p:pic>
     </p:spTree>
     <p:extLst>
       <p:ext uri="{BB962C8B-B14F-4D97-AF65-F5344CB8AC3E}">
-        <p14:creationId xmlns:p14="http://schemas.microsoft.com/office/powerpoint/2010/main" val="921118608"/>
+        <p14:creationId xmlns:p14="http://schemas.microsoft.com/office/powerpoint/2010/main" val="1742861620"/>
       </p:ext>
     </p:extLst>
   </p:cSld>
@@ -17545,63 +17593,65 @@
           <p:cNvPr id="2" name="Título 1">
             <a:extLst>
               <a:ext uri="{FF2B5EF4-FFF2-40B4-BE49-F238E27FC236}">
-                <a16:creationId xmlns:a16="http://schemas.microsoft.com/office/drawing/2014/main" id="{8BDF1EDE-5423-435C-B149-87AB1BC22B83}"/>
-              </a:ext>
-            </a:extLst>
-          </p:cNvPr>
-          <p:cNvSpPr>
-            <a:spLocks noGrp="1"/>
-          </p:cNvSpPr>
-          <p:nvPr>
-            <p:ph type="ctrTitle"/>
-          </p:nvPr>
-        </p:nvSpPr>
-        <p:spPr>
-          <a:xfrm>
-            <a:off x="5221715" y="2666632"/>
-            <a:ext cx="4523715" cy="1524735"/>
-          </a:xfrm>
-        </p:spPr>
-        <p:txBody>
-          <a:bodyPr rtlCol="0" anchor="ctr"/>
+                <a16:creationId xmlns:a16="http://schemas.microsoft.com/office/drawing/2014/main" id="{09140014-73D5-419B-8867-972BB18D52D4}"/>
+              </a:ext>
+            </a:extLst>
+          </p:cNvPr>
+          <p:cNvSpPr>
+            <a:spLocks noGrp="1"/>
+          </p:cNvSpPr>
+          <p:nvPr>
+            <p:ph type="title"/>
+          </p:nvPr>
+        </p:nvSpPr>
+        <p:spPr>
+          <a:xfrm>
+            <a:off x="2933700" y="892177"/>
+            <a:ext cx="8421688" cy="1325563"/>
+          </a:xfrm>
+        </p:spPr>
+        <p:txBody>
+          <a:bodyPr rtlCol="0"/>
           <a:lstStyle>
             <a:defPPr>
               <a:defRPr lang="es-ES"/>
             </a:defPPr>
           </a:lstStyle>
           <a:p>
-            <a:pPr algn="ctr" rtl="0"/>
+            <a:pPr rtl="0"/>
             <a:r>
               <a:rPr lang="es-ES" dirty="0"/>
-              <a:t>Thanks!</a:t>
-            </a:r>
-          </a:p>
-        </p:txBody>
-      </p:sp>
-      <p:sp>
-        <p:nvSpPr>
-          <p:cNvPr id="4" name="Marcador de fecha 3">
-            <a:extLst>
-              <a:ext uri="{FF2B5EF4-FFF2-40B4-BE49-F238E27FC236}">
-                <a16:creationId xmlns:a16="http://schemas.microsoft.com/office/drawing/2014/main" id="{A47C7382-18E7-4821-8C61-461D6BBE08FC}"/>
-              </a:ext>
-            </a:extLst>
-          </p:cNvPr>
-          <p:cNvSpPr>
-            <a:spLocks noGrp="1"/>
-          </p:cNvSpPr>
-          <p:nvPr>
-            <p:ph type="dt" sz="half" idx="10"/>
-          </p:nvPr>
-        </p:nvSpPr>
-        <p:spPr>
-          <a:xfrm>
-            <a:off x="4267200" y="6356350"/>
-            <a:ext cx="1774371" cy="365125"/>
-          </a:xfrm>
-        </p:spPr>
-        <p:txBody>
-          <a:bodyPr rtlCol="0"/>
+              <a:t>ÁREAS DE ENFOQUE</a:t>
+            </a:r>
+          </a:p>
+        </p:txBody>
+      </p:sp>
+      <p:sp>
+        <p:nvSpPr>
+          <p:cNvPr id="4" name="Marcador de contenido 3">
+            <a:extLst>
+              <a:ext uri="{FF2B5EF4-FFF2-40B4-BE49-F238E27FC236}">
+                <a16:creationId xmlns:a16="http://schemas.microsoft.com/office/drawing/2014/main" id="{33D8731E-4977-402E-8BFD-895B4D0544CC}"/>
+              </a:ext>
+            </a:extLst>
+          </p:cNvPr>
+          <p:cNvSpPr>
+            <a:spLocks noGrp="1"/>
+          </p:cNvSpPr>
+          <p:nvPr>
+            <p:ph sz="half" idx="2"/>
+          </p:nvPr>
+        </p:nvSpPr>
+        <p:spPr>
+          <a:xfrm>
+            <a:off x="2933700" y="3834606"/>
+            <a:ext cx="3924300" cy="1997867"/>
+          </a:xfrm>
+        </p:spPr>
+        <p:txBody>
+          <a:bodyPr rtlCol="0">
+            <a:normAutofit/>
+          </a:bodyPr>
           <a:lstStyle>
             <a:defPPr>
               <a:defRPr lang="es-ES"/>
@@ -17611,31 +17661,45 @@
             <a:pPr rtl="0"/>
             <a:r>
               <a:rPr lang="es-ES" dirty="0"/>
-              <a:t>20XX</a:t>
-            </a:r>
-          </a:p>
-        </p:txBody>
-      </p:sp>
-      <p:sp>
-        <p:nvSpPr>
-          <p:cNvPr id="5" name="Marcador de pie de página 4">
-            <a:extLst>
-              <a:ext uri="{FF2B5EF4-FFF2-40B4-BE49-F238E27FC236}">
-                <a16:creationId xmlns:a16="http://schemas.microsoft.com/office/drawing/2014/main" id="{3990FA1B-5022-47AB-A0AE-8F5C5797997C}"/>
-              </a:ext>
-            </a:extLst>
-          </p:cNvPr>
-          <p:cNvSpPr>
-            <a:spLocks noGrp="1"/>
-          </p:cNvSpPr>
-          <p:nvPr>
-            <p:ph type="ftr" sz="quarter" idx="11"/>
-          </p:nvPr>
-        </p:nvSpPr>
-        <p:spPr>
-          <a:xfrm>
-            <a:off x="6479721" y="6356350"/>
-            <a:ext cx="2661557" cy="365125"/>
+              <a:t>Desarrollar estrategias ganadoras para seguir a la vanguardia de la competencia</a:t>
+            </a:r>
+          </a:p>
+          <a:p>
+            <a:pPr rtl="0"/>
+            <a:r>
+              <a:rPr lang="es-ES" dirty="0"/>
+              <a:t>​Aprovechar los frutos obtenidos para identificar un valor en el terreno de juego</a:t>
+            </a:r>
+          </a:p>
+          <a:p>
+            <a:pPr rtl="0"/>
+            <a:r>
+              <a:rPr lang="es-ES" dirty="0"/>
+              <a:t>​Visualizar la convergencia dirigida al cliente</a:t>
+            </a:r>
+          </a:p>
+        </p:txBody>
+      </p:sp>
+      <p:sp>
+        <p:nvSpPr>
+          <p:cNvPr id="5" name="Marcador de texto 4">
+            <a:extLst>
+              <a:ext uri="{FF2B5EF4-FFF2-40B4-BE49-F238E27FC236}">
+                <a16:creationId xmlns:a16="http://schemas.microsoft.com/office/drawing/2014/main" id="{91CDEC5F-B8EE-4BC1-843F-13135E6E7AB2}"/>
+              </a:ext>
+            </a:extLst>
+          </p:cNvPr>
+          <p:cNvSpPr>
+            <a:spLocks noGrp="1"/>
+          </p:cNvSpPr>
+          <p:nvPr>
+            <p:ph type="body" sz="quarter" idx="3"/>
+          </p:nvPr>
+        </p:nvSpPr>
+        <p:spPr>
+          <a:xfrm>
+            <a:off x="7410173" y="2776936"/>
+            <a:ext cx="3943627" cy="823912"/>
           </a:xfrm>
         </p:spPr>
         <p:txBody>
@@ -17649,17 +17713,64 @@
             <a:pPr rtl="0"/>
             <a:r>
               <a:rPr lang="es-ES" dirty="0"/>
-              <a:t>TÍTULO DE LA PRESENTACIÓN</a:t>
-            </a:r>
-          </a:p>
-        </p:txBody>
-      </p:sp>
-      <p:sp>
-        <p:nvSpPr>
-          <p:cNvPr id="6" name="Marcador de número de diapositiva 5">
-            <a:extLst>
-              <a:ext uri="{FF2B5EF4-FFF2-40B4-BE49-F238E27FC236}">
-                <a16:creationId xmlns:a16="http://schemas.microsoft.com/office/drawing/2014/main" id="{4C127D99-645F-4FCF-9573-FDFE2A344FA9}"/>
+              <a:t>OPORTUNIDADES BASADAS EN LA NUBE</a:t>
+            </a:r>
+          </a:p>
+        </p:txBody>
+      </p:sp>
+      <p:sp>
+        <p:nvSpPr>
+          <p:cNvPr id="6" name="Marcador de contenido 5">
+            <a:extLst>
+              <a:ext uri="{FF2B5EF4-FFF2-40B4-BE49-F238E27FC236}">
+                <a16:creationId xmlns:a16="http://schemas.microsoft.com/office/drawing/2014/main" id="{50B65871-FA95-449A-B8BC-90486DE532EF}"/>
+              </a:ext>
+            </a:extLst>
+          </p:cNvPr>
+          <p:cNvSpPr>
+            <a:spLocks noGrp="1"/>
+          </p:cNvSpPr>
+          <p:nvPr>
+            <p:ph sz="quarter" idx="4"/>
+          </p:nvPr>
+        </p:nvSpPr>
+        <p:spPr>
+          <a:xfrm>
+            <a:off x="7410173" y="3834606"/>
+            <a:ext cx="3943627" cy="1997867"/>
+          </a:xfrm>
+        </p:spPr>
+        <p:txBody>
+          <a:bodyPr rtlCol="0">
+            <a:normAutofit/>
+          </a:bodyPr>
+          <a:lstStyle>
+            <a:defPPr>
+              <a:defRPr lang="es-ES"/>
+            </a:defPPr>
+          </a:lstStyle>
+          <a:p>
+            <a:pPr rtl="0"/>
+            <a:r>
+              <a:rPr lang="es-ES" dirty="0"/>
+              <a:t>Enfoques iterativos para una estrategia corporativa</a:t>
+            </a:r>
+          </a:p>
+          <a:p>
+            <a:pPr rtl="0"/>
+            <a:r>
+              <a:rPr lang="es-ES" dirty="0"/>
+              <a:t>​Establecer un marco de administración desde dentro</a:t>
+            </a:r>
+          </a:p>
+        </p:txBody>
+      </p:sp>
+      <p:sp>
+        <p:nvSpPr>
+          <p:cNvPr id="9" name="Marcador de número de diapositiva 8">
+            <a:extLst>
+              <a:ext uri="{FF2B5EF4-FFF2-40B4-BE49-F238E27FC236}">
+                <a16:creationId xmlns:a16="http://schemas.microsoft.com/office/drawing/2014/main" id="{C396FFDC-ADE8-4009-A466-A81787258E88}"/>
               </a:ext>
             </a:extLst>
           </p:cNvPr>
@@ -17672,8 +17783,8 @@
         </p:nvSpPr>
         <p:spPr>
           <a:xfrm>
-            <a:off x="9579428" y="6356350"/>
-            <a:ext cx="1774371" cy="365125"/>
+            <a:off x="8610600" y="6356350"/>
+            <a:ext cx="2743200" cy="365125"/>
           </a:xfrm>
         </p:spPr>
         <p:txBody>
@@ -17689,6 +17800,258 @@
               <a:rPr lang="es-ES" smtClean="0"/>
               <a:pPr rtl="0"/>
               <a:t>25</a:t>
+            </a:fld>
+            <a:endParaRPr lang="es-ES" dirty="0"/>
+          </a:p>
+        </p:txBody>
+      </p:sp>
+      <p:sp>
+        <p:nvSpPr>
+          <p:cNvPr id="15" name="Marcador de pie de página 4">
+            <a:extLst>
+              <a:ext uri="{FF2B5EF4-FFF2-40B4-BE49-F238E27FC236}">
+                <a16:creationId xmlns:a16="http://schemas.microsoft.com/office/drawing/2014/main" id="{D03417DB-B8B1-A6C2-EC39-D9E06005B059}"/>
+              </a:ext>
+            </a:extLst>
+          </p:cNvPr>
+          <p:cNvSpPr>
+            <a:spLocks noGrp="1"/>
+          </p:cNvSpPr>
+          <p:nvPr>
+            <p:ph type="ftr" sz="quarter" idx="11"/>
+          </p:nvPr>
+        </p:nvSpPr>
+        <p:spPr>
+          <a:xfrm>
+            <a:off x="2463800" y="6356350"/>
+            <a:ext cx="3479800" cy="365125"/>
+          </a:xfrm>
+        </p:spPr>
+        <p:txBody>
+          <a:bodyPr rtlCol="0"/>
+          <a:lstStyle>
+            <a:defPPr>
+              <a:defRPr lang="es-ES"/>
+            </a:defPPr>
+          </a:lstStyle>
+          <a:p>
+            <a:pPr rtl="0"/>
+            <a:r>
+              <a:rPr lang="es-ES" dirty="0"/>
+              <a:t>FORBES HIGHEST PAYING ATHLETES ANALYSIS</a:t>
+            </a:r>
+          </a:p>
+        </p:txBody>
+      </p:sp>
+      <p:pic>
+        <p:nvPicPr>
+          <p:cNvPr id="19" name="Picture 18">
+            <a:extLst>
+              <a:ext uri="{FF2B5EF4-FFF2-40B4-BE49-F238E27FC236}">
+                <a16:creationId xmlns:a16="http://schemas.microsoft.com/office/drawing/2014/main" id="{107FBD5C-404A-8952-57AD-16E7D834AE5E}"/>
+              </a:ext>
+            </a:extLst>
+          </p:cNvPr>
+          <p:cNvPicPr>
+            <a:picLocks noChangeAspect="1"/>
+          </p:cNvPicPr>
+          <p:nvPr/>
+        </p:nvPicPr>
+        <p:blipFill>
+          <a:blip r:embed="rId3"/>
+          <a:stretch>
+            <a:fillRect/>
+          </a:stretch>
+        </p:blipFill>
+        <p:spPr>
+          <a:xfrm>
+            <a:off x="0" y="177799"/>
+            <a:ext cx="12192000" cy="6502401"/>
+          </a:xfrm>
+          <a:prstGeom prst="rect">
+            <a:avLst/>
+          </a:prstGeom>
+        </p:spPr>
+      </p:pic>
+    </p:spTree>
+    <p:extLst>
+      <p:ext uri="{BB962C8B-B14F-4D97-AF65-F5344CB8AC3E}">
+        <p14:creationId xmlns:p14="http://schemas.microsoft.com/office/powerpoint/2010/main" val="921118608"/>
+      </p:ext>
+    </p:extLst>
+  </p:cSld>
+  <p:clrMapOvr>
+    <a:masterClrMapping/>
+  </p:clrMapOvr>
+</p:sld>
+</file>
+
+<file path=ppt/slides/slide26.xml><?xml version="1.0" encoding="utf-8"?>
+<p:sld xmlns:a="http://schemas.openxmlformats.org/drawingml/2006/main" xmlns:r="http://schemas.openxmlformats.org/officeDocument/2006/relationships" xmlns:p="http://schemas.openxmlformats.org/presentationml/2006/main">
+  <p:cSld>
+    <p:spTree>
+      <p:nvGrpSpPr>
+        <p:cNvPr id="1" name=""/>
+        <p:cNvGrpSpPr/>
+        <p:nvPr/>
+      </p:nvGrpSpPr>
+      <p:grpSpPr>
+        <a:xfrm>
+          <a:off x="0" y="0"/>
+          <a:ext cx="0" cy="0"/>
+          <a:chOff x="0" y="0"/>
+          <a:chExt cx="0" cy="0"/>
+        </a:xfrm>
+      </p:grpSpPr>
+      <p:sp>
+        <p:nvSpPr>
+          <p:cNvPr id="2" name="Título 1">
+            <a:extLst>
+              <a:ext uri="{FF2B5EF4-FFF2-40B4-BE49-F238E27FC236}">
+                <a16:creationId xmlns:a16="http://schemas.microsoft.com/office/drawing/2014/main" id="{8BDF1EDE-5423-435C-B149-87AB1BC22B83}"/>
+              </a:ext>
+            </a:extLst>
+          </p:cNvPr>
+          <p:cNvSpPr>
+            <a:spLocks noGrp="1"/>
+          </p:cNvSpPr>
+          <p:nvPr>
+            <p:ph type="ctrTitle"/>
+          </p:nvPr>
+        </p:nvSpPr>
+        <p:spPr>
+          <a:xfrm>
+            <a:off x="5221715" y="2666632"/>
+            <a:ext cx="4523715" cy="1524735"/>
+          </a:xfrm>
+        </p:spPr>
+        <p:txBody>
+          <a:bodyPr rtlCol="0" anchor="ctr"/>
+          <a:lstStyle>
+            <a:defPPr>
+              <a:defRPr lang="es-ES"/>
+            </a:defPPr>
+          </a:lstStyle>
+          <a:p>
+            <a:pPr algn="ctr" rtl="0"/>
+            <a:r>
+              <a:rPr lang="es-ES" dirty="0"/>
+              <a:t>Thanks!</a:t>
+            </a:r>
+          </a:p>
+        </p:txBody>
+      </p:sp>
+      <p:sp>
+        <p:nvSpPr>
+          <p:cNvPr id="4" name="Marcador de fecha 3">
+            <a:extLst>
+              <a:ext uri="{FF2B5EF4-FFF2-40B4-BE49-F238E27FC236}">
+                <a16:creationId xmlns:a16="http://schemas.microsoft.com/office/drawing/2014/main" id="{A47C7382-18E7-4821-8C61-461D6BBE08FC}"/>
+              </a:ext>
+            </a:extLst>
+          </p:cNvPr>
+          <p:cNvSpPr>
+            <a:spLocks noGrp="1"/>
+          </p:cNvSpPr>
+          <p:nvPr>
+            <p:ph type="dt" sz="half" idx="10"/>
+          </p:nvPr>
+        </p:nvSpPr>
+        <p:spPr>
+          <a:xfrm>
+            <a:off x="4267200" y="6356350"/>
+            <a:ext cx="1774371" cy="365125"/>
+          </a:xfrm>
+        </p:spPr>
+        <p:txBody>
+          <a:bodyPr rtlCol="0"/>
+          <a:lstStyle>
+            <a:defPPr>
+              <a:defRPr lang="es-ES"/>
+            </a:defPPr>
+          </a:lstStyle>
+          <a:p>
+            <a:pPr rtl="0"/>
+            <a:r>
+              <a:rPr lang="es-ES" dirty="0"/>
+              <a:t>20XX</a:t>
+            </a:r>
+          </a:p>
+        </p:txBody>
+      </p:sp>
+      <p:sp>
+        <p:nvSpPr>
+          <p:cNvPr id="5" name="Marcador de pie de página 4">
+            <a:extLst>
+              <a:ext uri="{FF2B5EF4-FFF2-40B4-BE49-F238E27FC236}">
+                <a16:creationId xmlns:a16="http://schemas.microsoft.com/office/drawing/2014/main" id="{3990FA1B-5022-47AB-A0AE-8F5C5797997C}"/>
+              </a:ext>
+            </a:extLst>
+          </p:cNvPr>
+          <p:cNvSpPr>
+            <a:spLocks noGrp="1"/>
+          </p:cNvSpPr>
+          <p:nvPr>
+            <p:ph type="ftr" sz="quarter" idx="11"/>
+          </p:nvPr>
+        </p:nvSpPr>
+        <p:spPr>
+          <a:xfrm>
+            <a:off x="6479721" y="6356350"/>
+            <a:ext cx="2661557" cy="365125"/>
+          </a:xfrm>
+        </p:spPr>
+        <p:txBody>
+          <a:bodyPr rtlCol="0"/>
+          <a:lstStyle>
+            <a:defPPr>
+              <a:defRPr lang="es-ES"/>
+            </a:defPPr>
+          </a:lstStyle>
+          <a:p>
+            <a:pPr rtl="0"/>
+            <a:r>
+              <a:rPr lang="es-ES" dirty="0"/>
+              <a:t>TÍTULO DE LA PRESENTACIÓN</a:t>
+            </a:r>
+          </a:p>
+        </p:txBody>
+      </p:sp>
+      <p:sp>
+        <p:nvSpPr>
+          <p:cNvPr id="6" name="Marcador de número de diapositiva 5">
+            <a:extLst>
+              <a:ext uri="{FF2B5EF4-FFF2-40B4-BE49-F238E27FC236}">
+                <a16:creationId xmlns:a16="http://schemas.microsoft.com/office/drawing/2014/main" id="{4C127D99-645F-4FCF-9573-FDFE2A344FA9}"/>
+              </a:ext>
+            </a:extLst>
+          </p:cNvPr>
+          <p:cNvSpPr>
+            <a:spLocks noGrp="1"/>
+          </p:cNvSpPr>
+          <p:nvPr>
+            <p:ph type="sldNum" sz="quarter" idx="12"/>
+          </p:nvPr>
+        </p:nvSpPr>
+        <p:spPr>
+          <a:xfrm>
+            <a:off x="9579428" y="6356350"/>
+            <a:ext cx="1774371" cy="365125"/>
+          </a:xfrm>
+        </p:spPr>
+        <p:txBody>
+          <a:bodyPr rtlCol="0"/>
+          <a:lstStyle>
+            <a:defPPr>
+              <a:defRPr lang="es-ES"/>
+            </a:defPPr>
+          </a:lstStyle>
+          <a:p>
+            <a:pPr rtl="0"/>
+            <a:fld id="{A49DFD55-3C28-40EF-9E31-A92D2E4017FF}" type="slidenum">
+              <a:rPr lang="es-ES" smtClean="0"/>
+              <a:pPr rtl="0"/>
+              <a:t>26</a:t>
             </a:fld>
             <a:endParaRPr lang="es-ES" dirty="0"/>
           </a:p>
@@ -19840,15 +20203,6 @@
 </file>
 
 <file path=customXml/item1.xml><?xml version="1.0" encoding="utf-8"?>
-<?mso-contentType ?>
-<FormTemplates xmlns="http://schemas.microsoft.com/sharepoint/v3/contenttype/forms">
-  <Display>DocumentLibraryForm</Display>
-  <Edit>DocumentLibraryForm</Edit>
-  <New>DocumentLibraryForm</New>
-</FormTemplates>
-</file>
-
-<file path=customXml/item2.xml><?xml version="1.0" encoding="utf-8"?>
 <ct:contentTypeSchema xmlns:ct="http://schemas.microsoft.com/office/2006/metadata/contentType" xmlns:ma="http://schemas.microsoft.com/office/2006/metadata/properties/metaAttributes" ct:_="" ma:_="" ma:contentTypeName="Document" ma:contentTypeID="0x01010079F111ED35F8CC479449609E8A0923A6" ma:contentTypeVersion="20" ma:contentTypeDescription="Create a new document." ma:contentTypeScope="" ma:versionID="1267097ee5f5874adfcc408041ae252e">
   <xsd:schema xmlns:xsd="http://www.w3.org/2001/XMLSchema" xmlns:xs="http://www.w3.org/2001/XMLSchema" xmlns:p="http://schemas.microsoft.com/office/2006/metadata/properties" xmlns:ns1="http://schemas.microsoft.com/sharepoint/v3" xmlns:ns2="71af3243-3dd4-4a8d-8c0d-dd76da1f02a5" xmlns:ns3="16c05727-aa75-4e4a-9b5f-8a80a1165891" xmlns:ns4="230e9df3-be65-4c73-a93b-d1236ebd677e" targetNamespace="http://schemas.microsoft.com/office/2006/metadata/properties" ma:root="true" ma:fieldsID="395891a93df65b14727750f2c06c306c" ns1:_="" ns2:_="" ns3:_="" ns4:_="">
     <xsd:import namespace="http://schemas.microsoft.com/sharepoint/v3"/>
@@ -20124,6 +20478,15 @@
 </ct:contentTypeSchema>
 </file>
 
+<file path=customXml/item2.xml><?xml version="1.0" encoding="utf-8"?>
+<?mso-contentType ?>
+<FormTemplates xmlns="http://schemas.microsoft.com/sharepoint/v3/contenttype/forms">
+  <Display>DocumentLibraryForm</Display>
+  <Edit>DocumentLibraryForm</Edit>
+  <New>DocumentLibraryForm</New>
+</FormTemplates>
+</file>
+
 <file path=customXml/item3.xml><?xml version="1.0" encoding="utf-8"?>
 <p:properties xmlns:p="http://schemas.microsoft.com/office/2006/metadata/properties" xmlns:xsi="http://www.w3.org/2001/XMLSchema-instance" xmlns:pc="http://schemas.microsoft.com/office/infopath/2007/PartnerControls">
   <documentManagement>
@@ -20144,14 +20507,6 @@
 </file>
 
 <file path=customXml/itemProps1.xml><?xml version="1.0" encoding="utf-8"?>
-<ds:datastoreItem xmlns:ds="http://schemas.openxmlformats.org/officeDocument/2006/customXml" ds:itemID="{0FD6FE22-81A0-4500-AFD0-342D21BB9A2C}">
-  <ds:schemaRefs>
-    <ds:schemaRef ds:uri="http://schemas.microsoft.com/sharepoint/v3/contenttype/forms"/>
-  </ds:schemaRefs>
-</ds:datastoreItem>
-</file>
-
-<file path=customXml/itemProps2.xml><?xml version="1.0" encoding="utf-8"?>
 <ds:datastoreItem xmlns:ds="http://schemas.openxmlformats.org/officeDocument/2006/customXml" ds:itemID="{CC96B61E-1B64-430F-934F-7D1B90028029}">
   <ds:schemaRefs>
     <ds:schemaRef ds:uri="http://schemas.microsoft.com/office/2006/metadata/contentType"/>
@@ -20168,6 +20523,14 @@
     <ds:schemaRef ds:uri="http://purl.org/dc/elements/1.1/"/>
     <ds:schemaRef ds:uri="http://purl.org/dc/terms/"/>
     <ds:schemaRef ds:uri="http://schemas.microsoft.com/internal/obd"/>
+  </ds:schemaRefs>
+</ds:datastoreItem>
+</file>
+
+<file path=customXml/itemProps2.xml><?xml version="1.0" encoding="utf-8"?>
+<ds:datastoreItem xmlns:ds="http://schemas.openxmlformats.org/officeDocument/2006/customXml" ds:itemID="{0FD6FE22-81A0-4500-AFD0-342D21BB9A2C}">
+  <ds:schemaRefs>
+    <ds:schemaRef ds:uri="http://schemas.microsoft.com/sharepoint/v3/contenttype/forms"/>
   </ds:schemaRefs>
 </ds:datastoreItem>
 </file>

--- a/Highest paying athletes.pptx
+++ b/Highest paying athletes.pptx
@@ -5,10 +5,10 @@
     <p:sldMasterId id="2147483648" r:id="rId4"/>
   </p:sldMasterIdLst>
   <p:notesMasterIdLst>
-    <p:notesMasterId r:id="rId31"/>
+    <p:notesMasterId r:id="rId33"/>
   </p:notesMasterIdLst>
   <p:handoutMasterIdLst>
-    <p:handoutMasterId r:id="rId32"/>
+    <p:handoutMasterId r:id="rId34"/>
   </p:handoutMasterIdLst>
   <p:sldIdLst>
     <p:sldId id="256" r:id="rId5"/>
@@ -26,17 +26,19 @@
     <p:sldId id="273" r:id="rId17"/>
     <p:sldId id="285" r:id="rId18"/>
     <p:sldId id="281" r:id="rId19"/>
-    <p:sldId id="291" r:id="rId20"/>
-    <p:sldId id="275" r:id="rId21"/>
-    <p:sldId id="290" r:id="rId22"/>
-    <p:sldId id="270" r:id="rId23"/>
-    <p:sldId id="289" r:id="rId24"/>
-    <p:sldId id="284" r:id="rId25"/>
-    <p:sldId id="288" r:id="rId26"/>
-    <p:sldId id="286" r:id="rId27"/>
-    <p:sldId id="266" r:id="rId28"/>
-    <p:sldId id="287" r:id="rId29"/>
-    <p:sldId id="271" r:id="rId30"/>
+    <p:sldId id="292" r:id="rId20"/>
+    <p:sldId id="293" r:id="rId21"/>
+    <p:sldId id="291" r:id="rId22"/>
+    <p:sldId id="275" r:id="rId23"/>
+    <p:sldId id="290" r:id="rId24"/>
+    <p:sldId id="270" r:id="rId25"/>
+    <p:sldId id="289" r:id="rId26"/>
+    <p:sldId id="284" r:id="rId27"/>
+    <p:sldId id="288" r:id="rId28"/>
+    <p:sldId id="286" r:id="rId29"/>
+    <p:sldId id="266" r:id="rId30"/>
+    <p:sldId id="287" r:id="rId31"/>
+    <p:sldId id="271" r:id="rId32"/>
   </p:sldIdLst>
   <p:sldSz cx="12192000" cy="6858000"/>
   <p:notesSz cx="6858000" cy="9144000"/>
@@ -2658,7 +2660,7 @@
     </p:spTree>
     <p:extLst>
       <p:ext uri="{BB962C8B-B14F-4D97-AF65-F5344CB8AC3E}">
-        <p14:creationId xmlns:p14="http://schemas.microsoft.com/office/powerpoint/2010/main" val="3527123899"/>
+        <p14:creationId xmlns:p14="http://schemas.microsoft.com/office/powerpoint/2010/main" val="2050678020"/>
       </p:ext>
     </p:extLst>
   </p:cSld>
@@ -2743,7 +2745,7 @@
     </p:spTree>
     <p:extLst>
       <p:ext uri="{BB962C8B-B14F-4D97-AF65-F5344CB8AC3E}">
-        <p14:creationId xmlns:p14="http://schemas.microsoft.com/office/powerpoint/2010/main" val="3072382898"/>
+        <p14:creationId xmlns:p14="http://schemas.microsoft.com/office/powerpoint/2010/main" val="2954652686"/>
       </p:ext>
     </p:extLst>
   </p:cSld>
@@ -2828,7 +2830,7 @@
     </p:spTree>
     <p:extLst>
       <p:ext uri="{BB962C8B-B14F-4D97-AF65-F5344CB8AC3E}">
-        <p14:creationId xmlns:p14="http://schemas.microsoft.com/office/powerpoint/2010/main" val="1524502082"/>
+        <p14:creationId xmlns:p14="http://schemas.microsoft.com/office/powerpoint/2010/main" val="3527123899"/>
       </p:ext>
     </p:extLst>
   </p:cSld>
@@ -2913,7 +2915,7 @@
     </p:spTree>
     <p:extLst>
       <p:ext uri="{BB962C8B-B14F-4D97-AF65-F5344CB8AC3E}">
-        <p14:creationId xmlns:p14="http://schemas.microsoft.com/office/powerpoint/2010/main" val="2482224959"/>
+        <p14:creationId xmlns:p14="http://schemas.microsoft.com/office/powerpoint/2010/main" val="3072382898"/>
       </p:ext>
     </p:extLst>
   </p:cSld>
@@ -3083,7 +3085,7 @@
     </p:spTree>
     <p:extLst>
       <p:ext uri="{BB962C8B-B14F-4D97-AF65-F5344CB8AC3E}">
-        <p14:creationId xmlns:p14="http://schemas.microsoft.com/office/powerpoint/2010/main" val="1780030628"/>
+        <p14:creationId xmlns:p14="http://schemas.microsoft.com/office/powerpoint/2010/main" val="1524502082"/>
       </p:ext>
     </p:extLst>
   </p:cSld>
@@ -3168,7 +3170,7 @@
     </p:spTree>
     <p:extLst>
       <p:ext uri="{BB962C8B-B14F-4D97-AF65-F5344CB8AC3E}">
-        <p14:creationId xmlns:p14="http://schemas.microsoft.com/office/powerpoint/2010/main" val="744345855"/>
+        <p14:creationId xmlns:p14="http://schemas.microsoft.com/office/powerpoint/2010/main" val="2482224959"/>
       </p:ext>
     </p:extLst>
   </p:cSld>
@@ -3253,7 +3255,7 @@
     </p:spTree>
     <p:extLst>
       <p:ext uri="{BB962C8B-B14F-4D97-AF65-F5344CB8AC3E}">
-        <p14:creationId xmlns:p14="http://schemas.microsoft.com/office/powerpoint/2010/main" val="4070786815"/>
+        <p14:creationId xmlns:p14="http://schemas.microsoft.com/office/powerpoint/2010/main" val="1780030628"/>
       </p:ext>
     </p:extLst>
   </p:cSld>
@@ -3338,7 +3340,7 @@
     </p:spTree>
     <p:extLst>
       <p:ext uri="{BB962C8B-B14F-4D97-AF65-F5344CB8AC3E}">
-        <p14:creationId xmlns:p14="http://schemas.microsoft.com/office/powerpoint/2010/main" val="324268012"/>
+        <p14:creationId xmlns:p14="http://schemas.microsoft.com/office/powerpoint/2010/main" val="744345855"/>
       </p:ext>
     </p:extLst>
   </p:cSld>
@@ -3423,7 +3425,7 @@
     </p:spTree>
     <p:extLst>
       <p:ext uri="{BB962C8B-B14F-4D97-AF65-F5344CB8AC3E}">
-        <p14:creationId xmlns:p14="http://schemas.microsoft.com/office/powerpoint/2010/main" val="954942207"/>
+        <p14:creationId xmlns:p14="http://schemas.microsoft.com/office/powerpoint/2010/main" val="4070786815"/>
       </p:ext>
     </p:extLst>
   </p:cSld>
@@ -3508,7 +3510,7 @@
     </p:spTree>
     <p:extLst>
       <p:ext uri="{BB962C8B-B14F-4D97-AF65-F5344CB8AC3E}">
-        <p14:creationId xmlns:p14="http://schemas.microsoft.com/office/powerpoint/2010/main" val="2572684225"/>
+        <p14:creationId xmlns:p14="http://schemas.microsoft.com/office/powerpoint/2010/main" val="324268012"/>
       </p:ext>
     </p:extLst>
   </p:cSld>
@@ -3585,6 +3587,176 @@
             <a:fld id="{22289C57-55D7-40A4-A101-E74FAC7A092B}" type="slidenum">
               <a:rPr lang="es-ES" smtClean="0"/>
               <a:t>26</a:t>
+            </a:fld>
+            <a:endParaRPr lang="es-ES" dirty="0"/>
+          </a:p>
+        </p:txBody>
+      </p:sp>
+    </p:spTree>
+    <p:extLst>
+      <p:ext uri="{BB962C8B-B14F-4D97-AF65-F5344CB8AC3E}">
+        <p14:creationId xmlns:p14="http://schemas.microsoft.com/office/powerpoint/2010/main" val="954942207"/>
+      </p:ext>
+    </p:extLst>
+  </p:cSld>
+  <p:clrMapOvr>
+    <a:masterClrMapping/>
+  </p:clrMapOvr>
+</p:notes>
+</file>
+
+<file path=ppt/notesSlides/notesSlide27.xml><?xml version="1.0" encoding="utf-8"?>
+<p:notes xmlns:a="http://schemas.openxmlformats.org/drawingml/2006/main" xmlns:r="http://schemas.openxmlformats.org/officeDocument/2006/relationships" xmlns:p="http://schemas.openxmlformats.org/presentationml/2006/main">
+  <p:cSld>
+    <p:spTree>
+      <p:nvGrpSpPr>
+        <p:cNvPr id="1" name=""/>
+        <p:cNvGrpSpPr/>
+        <p:nvPr/>
+      </p:nvGrpSpPr>
+      <p:grpSpPr>
+        <a:xfrm>
+          <a:off x="0" y="0"/>
+          <a:ext cx="0" cy="0"/>
+          <a:chOff x="0" y="0"/>
+          <a:chExt cx="0" cy="0"/>
+        </a:xfrm>
+      </p:grpSpPr>
+      <p:sp>
+        <p:nvSpPr>
+          <p:cNvPr id="2" name="Marcador de imagen de diapositiva 1"/>
+          <p:cNvSpPr>
+            <a:spLocks noGrp="1" noRot="1" noChangeAspect="1"/>
+          </p:cNvSpPr>
+          <p:nvPr>
+            <p:ph type="sldImg"/>
+          </p:nvPr>
+        </p:nvSpPr>
+        <p:spPr/>
+      </p:sp>
+      <p:sp>
+        <p:nvSpPr>
+          <p:cNvPr id="3" name="Marcador de notas 2"/>
+          <p:cNvSpPr>
+            <a:spLocks noGrp="1"/>
+          </p:cNvSpPr>
+          <p:nvPr>
+            <p:ph type="body" idx="1"/>
+          </p:nvPr>
+        </p:nvSpPr>
+        <p:spPr/>
+        <p:txBody>
+          <a:bodyPr/>
+          <a:lstStyle/>
+          <a:p>
+            <a:endParaRPr lang="es-ES" dirty="0"/>
+          </a:p>
+        </p:txBody>
+      </p:sp>
+      <p:sp>
+        <p:nvSpPr>
+          <p:cNvPr id="4" name="Marcador de número de diapositiva 3"/>
+          <p:cNvSpPr>
+            <a:spLocks noGrp="1"/>
+          </p:cNvSpPr>
+          <p:nvPr>
+            <p:ph type="sldNum" sz="quarter" idx="5"/>
+          </p:nvPr>
+        </p:nvSpPr>
+        <p:spPr/>
+        <p:txBody>
+          <a:bodyPr/>
+          <a:lstStyle/>
+          <a:p>
+            <a:pPr rtl="0"/>
+            <a:fld id="{22289C57-55D7-40A4-A101-E74FAC7A092B}" type="slidenum">
+              <a:rPr lang="es-ES" smtClean="0"/>
+              <a:t>27</a:t>
+            </a:fld>
+            <a:endParaRPr lang="es-ES" dirty="0"/>
+          </a:p>
+        </p:txBody>
+      </p:sp>
+    </p:spTree>
+    <p:extLst>
+      <p:ext uri="{BB962C8B-B14F-4D97-AF65-F5344CB8AC3E}">
+        <p14:creationId xmlns:p14="http://schemas.microsoft.com/office/powerpoint/2010/main" val="2572684225"/>
+      </p:ext>
+    </p:extLst>
+  </p:cSld>
+  <p:clrMapOvr>
+    <a:masterClrMapping/>
+  </p:clrMapOvr>
+</p:notes>
+</file>
+
+<file path=ppt/notesSlides/notesSlide28.xml><?xml version="1.0" encoding="utf-8"?>
+<p:notes xmlns:a="http://schemas.openxmlformats.org/drawingml/2006/main" xmlns:r="http://schemas.openxmlformats.org/officeDocument/2006/relationships" xmlns:p="http://schemas.openxmlformats.org/presentationml/2006/main">
+  <p:cSld>
+    <p:spTree>
+      <p:nvGrpSpPr>
+        <p:cNvPr id="1" name=""/>
+        <p:cNvGrpSpPr/>
+        <p:nvPr/>
+      </p:nvGrpSpPr>
+      <p:grpSpPr>
+        <a:xfrm>
+          <a:off x="0" y="0"/>
+          <a:ext cx="0" cy="0"/>
+          <a:chOff x="0" y="0"/>
+          <a:chExt cx="0" cy="0"/>
+        </a:xfrm>
+      </p:grpSpPr>
+      <p:sp>
+        <p:nvSpPr>
+          <p:cNvPr id="2" name="Marcador de imagen de diapositiva 1"/>
+          <p:cNvSpPr>
+            <a:spLocks noGrp="1" noRot="1" noChangeAspect="1"/>
+          </p:cNvSpPr>
+          <p:nvPr>
+            <p:ph type="sldImg"/>
+          </p:nvPr>
+        </p:nvSpPr>
+        <p:spPr/>
+      </p:sp>
+      <p:sp>
+        <p:nvSpPr>
+          <p:cNvPr id="3" name="Marcador de notas 2"/>
+          <p:cNvSpPr>
+            <a:spLocks noGrp="1"/>
+          </p:cNvSpPr>
+          <p:nvPr>
+            <p:ph type="body" idx="1"/>
+          </p:nvPr>
+        </p:nvSpPr>
+        <p:spPr/>
+        <p:txBody>
+          <a:bodyPr/>
+          <a:lstStyle/>
+          <a:p>
+            <a:endParaRPr lang="es-ES" dirty="0"/>
+          </a:p>
+        </p:txBody>
+      </p:sp>
+      <p:sp>
+        <p:nvSpPr>
+          <p:cNvPr id="4" name="Marcador de número de diapositiva 3"/>
+          <p:cNvSpPr>
+            <a:spLocks noGrp="1"/>
+          </p:cNvSpPr>
+          <p:nvPr>
+            <p:ph type="sldNum" sz="quarter" idx="5"/>
+          </p:nvPr>
+        </p:nvSpPr>
+        <p:spPr/>
+        <p:txBody>
+          <a:bodyPr/>
+          <a:lstStyle/>
+          <a:p>
+            <a:pPr rtl="0"/>
+            <a:fld id="{22289C57-55D7-40A4-A101-E74FAC7A092B}" type="slidenum">
+              <a:rPr lang="es-ES" smtClean="0"/>
+              <a:t>28</a:t>
             </a:fld>
             <a:endParaRPr lang="es-ES" dirty="0"/>
           </a:p>
@@ -15009,12 +15181,50 @@
           </a:p>
         </p:txBody>
       </p:sp>
+      <p:sp>
+        <p:nvSpPr>
+          <p:cNvPr id="16" name="Marcador de pie de página 56">
+            <a:extLst>
+              <a:ext uri="{FF2B5EF4-FFF2-40B4-BE49-F238E27FC236}">
+                <a16:creationId xmlns:a16="http://schemas.microsoft.com/office/drawing/2014/main" id="{CCB864C7-E6EE-4585-0CA8-B3318E44A37F}"/>
+              </a:ext>
+            </a:extLst>
+          </p:cNvPr>
+          <p:cNvSpPr>
+            <a:spLocks noGrp="1"/>
+          </p:cNvSpPr>
+          <p:nvPr>
+            <p:ph type="ftr" sz="quarter" idx="11"/>
+          </p:nvPr>
+        </p:nvSpPr>
+        <p:spPr>
+          <a:xfrm>
+            <a:off x="4038600" y="6356350"/>
+            <a:ext cx="4114800" cy="365125"/>
+          </a:xfrm>
+        </p:spPr>
+        <p:txBody>
+          <a:bodyPr rtlCol="0"/>
+          <a:lstStyle>
+            <a:defPPr>
+              <a:defRPr lang="es-ES"/>
+            </a:defPPr>
+          </a:lstStyle>
+          <a:p>
+            <a:pPr rtl="0"/>
+            <a:r>
+              <a:rPr lang="es-ES" dirty="0"/>
+              <a:t>FORBES HIGHEST PAYING ATHLETES ANALYSIS</a:t>
+            </a:r>
+          </a:p>
+        </p:txBody>
+      </p:sp>
       <p:pic>
         <p:nvPicPr>
-          <p:cNvPr id="12" name="Picture 11">
-            <a:extLst>
-              <a:ext uri="{FF2B5EF4-FFF2-40B4-BE49-F238E27FC236}">
-                <a16:creationId xmlns:a16="http://schemas.microsoft.com/office/drawing/2014/main" id="{CD8A96B9-9D83-6DF1-D009-6FD5AF978E41}"/>
+          <p:cNvPr id="24" name="Picture 23">
+            <a:extLst>
+              <a:ext uri="{FF2B5EF4-FFF2-40B4-BE49-F238E27FC236}">
+                <a16:creationId xmlns:a16="http://schemas.microsoft.com/office/drawing/2014/main" id="{43F86848-F367-C172-5420-2F2DDD93E76B}"/>
               </a:ext>
             </a:extLst>
           </p:cNvPr>
@@ -15031,7 +15241,7 @@
         </p:blipFill>
         <p:spPr>
           <a:xfrm>
-            <a:off x="0" y="36511"/>
+            <a:off x="0" y="177799"/>
             <a:ext cx="12192000" cy="6502401"/>
           </a:xfrm>
           <a:prstGeom prst="rect">
@@ -15039,48 +15249,10 @@
           </a:prstGeom>
         </p:spPr>
       </p:pic>
-      <p:sp>
-        <p:nvSpPr>
-          <p:cNvPr id="16" name="Marcador de pie de página 56">
-            <a:extLst>
-              <a:ext uri="{FF2B5EF4-FFF2-40B4-BE49-F238E27FC236}">
-                <a16:creationId xmlns:a16="http://schemas.microsoft.com/office/drawing/2014/main" id="{CCB864C7-E6EE-4585-0CA8-B3318E44A37F}"/>
-              </a:ext>
-            </a:extLst>
-          </p:cNvPr>
-          <p:cNvSpPr>
-            <a:spLocks noGrp="1"/>
-          </p:cNvSpPr>
-          <p:nvPr>
-            <p:ph type="ftr" sz="quarter" idx="11"/>
-          </p:nvPr>
-        </p:nvSpPr>
-        <p:spPr>
-          <a:xfrm>
-            <a:off x="4038600" y="6356350"/>
-            <a:ext cx="4114800" cy="365125"/>
-          </a:xfrm>
-        </p:spPr>
-        <p:txBody>
-          <a:bodyPr rtlCol="0"/>
-          <a:lstStyle>
-            <a:defPPr>
-              <a:defRPr lang="es-ES"/>
-            </a:defPPr>
-          </a:lstStyle>
-          <a:p>
-            <a:pPr rtl="0"/>
-            <a:r>
-              <a:rPr lang="es-ES" dirty="0"/>
-              <a:t>FORBES HIGHEST PAYING ATHLETES ANALYSIS</a:t>
-            </a:r>
-          </a:p>
-        </p:txBody>
-      </p:sp>
     </p:spTree>
     <p:extLst>
       <p:ext uri="{BB962C8B-B14F-4D97-AF65-F5344CB8AC3E}">
-        <p14:creationId xmlns:p14="http://schemas.microsoft.com/office/powerpoint/2010/main" val="3590459948"/>
+        <p14:creationId xmlns:p14="http://schemas.microsoft.com/office/powerpoint/2010/main" val="384096794"/>
       </p:ext>
     </p:extLst>
   </p:cSld>
@@ -15248,82 +15420,6 @@
       </p:sp>
       <p:sp>
         <p:nvSpPr>
-          <p:cNvPr id="7" name="Marcador de fecha 6">
-            <a:extLst>
-              <a:ext uri="{FF2B5EF4-FFF2-40B4-BE49-F238E27FC236}">
-                <a16:creationId xmlns:a16="http://schemas.microsoft.com/office/drawing/2014/main" id="{B2A46C4A-D036-4440-BB64-6754F4FF27C1}"/>
-              </a:ext>
-            </a:extLst>
-          </p:cNvPr>
-          <p:cNvSpPr>
-            <a:spLocks noGrp="1"/>
-          </p:cNvSpPr>
-          <p:nvPr>
-            <p:ph type="dt" sz="half" idx="10"/>
-          </p:nvPr>
-        </p:nvSpPr>
-        <p:spPr>
-          <a:xfrm>
-            <a:off x="838200" y="6356350"/>
-            <a:ext cx="2743200" cy="365125"/>
-          </a:xfrm>
-        </p:spPr>
-        <p:txBody>
-          <a:bodyPr rtlCol="0"/>
-          <a:lstStyle>
-            <a:defPPr>
-              <a:defRPr lang="es-ES"/>
-            </a:defPPr>
-          </a:lstStyle>
-          <a:p>
-            <a:pPr rtl="0"/>
-            <a:r>
-              <a:rPr lang="es-ES" dirty="0"/>
-              <a:t>20XX</a:t>
-            </a:r>
-          </a:p>
-        </p:txBody>
-      </p:sp>
-      <p:sp>
-        <p:nvSpPr>
-          <p:cNvPr id="8" name="Marcador de pie de página 7">
-            <a:extLst>
-              <a:ext uri="{FF2B5EF4-FFF2-40B4-BE49-F238E27FC236}">
-                <a16:creationId xmlns:a16="http://schemas.microsoft.com/office/drawing/2014/main" id="{905F172A-5D5D-43CD-A187-DA0D303F4144}"/>
-              </a:ext>
-            </a:extLst>
-          </p:cNvPr>
-          <p:cNvSpPr>
-            <a:spLocks noGrp="1"/>
-          </p:cNvSpPr>
-          <p:nvPr>
-            <p:ph type="ftr" sz="quarter" idx="11"/>
-          </p:nvPr>
-        </p:nvSpPr>
-        <p:spPr>
-          <a:xfrm>
-            <a:off x="4038600" y="6356350"/>
-            <a:ext cx="4114800" cy="365125"/>
-          </a:xfrm>
-        </p:spPr>
-        <p:txBody>
-          <a:bodyPr rtlCol="0"/>
-          <a:lstStyle>
-            <a:defPPr>
-              <a:defRPr lang="es-ES"/>
-            </a:defPPr>
-          </a:lstStyle>
-          <a:p>
-            <a:pPr rtl="0"/>
-            <a:r>
-              <a:rPr lang="es-ES" dirty="0"/>
-              <a:t>TÍTULO DE LA PRESENTACIÓN</a:t>
-            </a:r>
-          </a:p>
-        </p:txBody>
-      </p:sp>
-      <p:sp>
-        <p:nvSpPr>
           <p:cNvPr id="9" name="Marcador de número de diapositiva 8">
             <a:extLst>
               <a:ext uri="{FF2B5EF4-FFF2-40B4-BE49-F238E27FC236}">
@@ -15362,12 +15458,50 @@
           </a:p>
         </p:txBody>
       </p:sp>
+      <p:sp>
+        <p:nvSpPr>
+          <p:cNvPr id="16" name="Marcador de pie de página 56">
+            <a:extLst>
+              <a:ext uri="{FF2B5EF4-FFF2-40B4-BE49-F238E27FC236}">
+                <a16:creationId xmlns:a16="http://schemas.microsoft.com/office/drawing/2014/main" id="{CCB864C7-E6EE-4585-0CA8-B3318E44A37F}"/>
+              </a:ext>
+            </a:extLst>
+          </p:cNvPr>
+          <p:cNvSpPr>
+            <a:spLocks noGrp="1"/>
+          </p:cNvSpPr>
+          <p:nvPr>
+            <p:ph type="ftr" sz="quarter" idx="11"/>
+          </p:nvPr>
+        </p:nvSpPr>
+        <p:spPr>
+          <a:xfrm>
+            <a:off x="4038600" y="6356350"/>
+            <a:ext cx="4114800" cy="365125"/>
+          </a:xfrm>
+        </p:spPr>
+        <p:txBody>
+          <a:bodyPr rtlCol="0"/>
+          <a:lstStyle>
+            <a:defPPr>
+              <a:defRPr lang="es-ES"/>
+            </a:defPPr>
+          </a:lstStyle>
+          <a:p>
+            <a:pPr rtl="0"/>
+            <a:r>
+              <a:rPr lang="es-ES" dirty="0"/>
+              <a:t>FORBES HIGHEST PAYING ATHLETES ANALYSIS</a:t>
+            </a:r>
+          </a:p>
+        </p:txBody>
+      </p:sp>
       <p:pic>
         <p:nvPicPr>
-          <p:cNvPr id="13" name="Picture 12" descr="A screen shot of a graph&#10;&#10;Description automatically generated">
-            <a:extLst>
-              <a:ext uri="{FF2B5EF4-FFF2-40B4-BE49-F238E27FC236}">
-                <a16:creationId xmlns:a16="http://schemas.microsoft.com/office/drawing/2014/main" id="{E60AB1D9-9C5A-747D-509D-E89744A34532}"/>
+          <p:cNvPr id="8" name="Picture 7">
+            <a:extLst>
+              <a:ext uri="{FF2B5EF4-FFF2-40B4-BE49-F238E27FC236}">
+                <a16:creationId xmlns:a16="http://schemas.microsoft.com/office/drawing/2014/main" id="{6CB5EC07-EC15-7284-387E-7D3E4B92E003}"/>
               </a:ext>
             </a:extLst>
           </p:cNvPr>
@@ -15384,174 +15518,18 @@
         </p:blipFill>
         <p:spPr>
           <a:xfrm>
-            <a:off x="952500" y="-270704"/>
-            <a:ext cx="10287000" cy="6858000"/>
+            <a:off x="0" y="177799"/>
+            <a:ext cx="12192000" cy="6502401"/>
           </a:xfrm>
           <a:prstGeom prst="rect">
             <a:avLst/>
           </a:prstGeom>
         </p:spPr>
       </p:pic>
-      <p:sp>
-        <p:nvSpPr>
-          <p:cNvPr id="3" name="Oval 2">
-            <a:extLst>
-              <a:ext uri="{FF2B5EF4-FFF2-40B4-BE49-F238E27FC236}">
-                <a16:creationId xmlns:a16="http://schemas.microsoft.com/office/drawing/2014/main" id="{6998A596-109F-B8E6-01A0-E9158D7D8FC0}"/>
-              </a:ext>
-            </a:extLst>
-          </p:cNvPr>
-          <p:cNvSpPr/>
-          <p:nvPr/>
-        </p:nvSpPr>
-        <p:spPr>
-          <a:xfrm>
-            <a:off x="8379242" y="553419"/>
-            <a:ext cx="542236" cy="520008"/>
-          </a:xfrm>
-          <a:prstGeom prst="ellipse">
-            <a:avLst/>
-          </a:prstGeom>
-          <a:noFill/>
-          <a:ln w="28575">
-            <a:solidFill>
-              <a:srgbClr val="AE2012"/>
-            </a:solidFill>
-          </a:ln>
-        </p:spPr>
-        <p:style>
-          <a:lnRef idx="2">
-            <a:schemeClr val="accent1">
-              <a:shade val="15000"/>
-            </a:schemeClr>
-          </a:lnRef>
-          <a:fillRef idx="1">
-            <a:schemeClr val="accent1"/>
-          </a:fillRef>
-          <a:effectRef idx="0">
-            <a:schemeClr val="accent1"/>
-          </a:effectRef>
-          <a:fontRef idx="minor">
-            <a:schemeClr val="lt1"/>
-          </a:fontRef>
-        </p:style>
-        <p:txBody>
-          <a:bodyPr rtlCol="0" anchor="ctr"/>
-          <a:lstStyle/>
-          <a:p>
-            <a:pPr algn="ctr"/>
-            <a:endParaRPr lang="es-US" dirty="0"/>
-          </a:p>
-        </p:txBody>
-      </p:sp>
-      <p:sp>
-        <p:nvSpPr>
-          <p:cNvPr id="5" name="Oval 4">
-            <a:extLst>
-              <a:ext uri="{FF2B5EF4-FFF2-40B4-BE49-F238E27FC236}">
-                <a16:creationId xmlns:a16="http://schemas.microsoft.com/office/drawing/2014/main" id="{C7C02EDF-94D5-CA69-341D-1FC4D160C02F}"/>
-              </a:ext>
-            </a:extLst>
-          </p:cNvPr>
-          <p:cNvSpPr/>
-          <p:nvPr/>
-        </p:nvSpPr>
-        <p:spPr>
-          <a:xfrm>
-            <a:off x="9093212" y="1068592"/>
-            <a:ext cx="542236" cy="520008"/>
-          </a:xfrm>
-          <a:prstGeom prst="ellipse">
-            <a:avLst/>
-          </a:prstGeom>
-          <a:noFill/>
-          <a:ln w="28575">
-            <a:solidFill>
-              <a:srgbClr val="AE2012"/>
-            </a:solidFill>
-          </a:ln>
-        </p:spPr>
-        <p:style>
-          <a:lnRef idx="2">
-            <a:schemeClr val="accent1">
-              <a:shade val="15000"/>
-            </a:schemeClr>
-          </a:lnRef>
-          <a:fillRef idx="1">
-            <a:schemeClr val="accent1"/>
-          </a:fillRef>
-          <a:effectRef idx="0">
-            <a:schemeClr val="accent1"/>
-          </a:effectRef>
-          <a:fontRef idx="minor">
-            <a:schemeClr val="lt1"/>
-          </a:fontRef>
-        </p:style>
-        <p:txBody>
-          <a:bodyPr rtlCol="0" anchor="ctr"/>
-          <a:lstStyle/>
-          <a:p>
-            <a:pPr algn="ctr"/>
-            <a:endParaRPr lang="es-US" dirty="0"/>
-          </a:p>
-        </p:txBody>
-      </p:sp>
-      <p:sp>
-        <p:nvSpPr>
-          <p:cNvPr id="10" name="Oval 9">
-            <a:extLst>
-              <a:ext uri="{FF2B5EF4-FFF2-40B4-BE49-F238E27FC236}">
-                <a16:creationId xmlns:a16="http://schemas.microsoft.com/office/drawing/2014/main" id="{64A443F8-ECCA-45EA-A97B-BE2AF1627D03}"/>
-              </a:ext>
-            </a:extLst>
-          </p:cNvPr>
-          <p:cNvSpPr/>
-          <p:nvPr/>
-        </p:nvSpPr>
-        <p:spPr>
-          <a:xfrm>
-            <a:off x="8372608" y="2892446"/>
-            <a:ext cx="542236" cy="520008"/>
-          </a:xfrm>
-          <a:prstGeom prst="ellipse">
-            <a:avLst/>
-          </a:prstGeom>
-          <a:noFill/>
-          <a:ln w="28575">
-            <a:solidFill>
-              <a:srgbClr val="AE2012"/>
-            </a:solidFill>
-          </a:ln>
-        </p:spPr>
-        <p:style>
-          <a:lnRef idx="2">
-            <a:schemeClr val="accent1">
-              <a:shade val="15000"/>
-            </a:schemeClr>
-          </a:lnRef>
-          <a:fillRef idx="1">
-            <a:schemeClr val="accent1"/>
-          </a:fillRef>
-          <a:effectRef idx="0">
-            <a:schemeClr val="accent1"/>
-          </a:effectRef>
-          <a:fontRef idx="minor">
-            <a:schemeClr val="lt1"/>
-          </a:fontRef>
-        </p:style>
-        <p:txBody>
-          <a:bodyPr rtlCol="0" anchor="ctr"/>
-          <a:lstStyle/>
-          <a:p>
-            <a:pPr algn="ctr"/>
-            <a:endParaRPr lang="es-US" dirty="0"/>
-          </a:p>
-        </p:txBody>
-      </p:sp>
     </p:spTree>
     <p:extLst>
       <p:ext uri="{BB962C8B-B14F-4D97-AF65-F5344CB8AC3E}">
-        <p14:creationId xmlns:p14="http://schemas.microsoft.com/office/powerpoint/2010/main" val="144498883"/>
+        <p14:creationId xmlns:p14="http://schemas.microsoft.com/office/powerpoint/2010/main" val="3769297908"/>
       </p:ext>
     </p:extLst>
   </p:cSld>
@@ -15719,82 +15697,6 @@
       </p:sp>
       <p:sp>
         <p:nvSpPr>
-          <p:cNvPr id="7" name="Marcador de fecha 6">
-            <a:extLst>
-              <a:ext uri="{FF2B5EF4-FFF2-40B4-BE49-F238E27FC236}">
-                <a16:creationId xmlns:a16="http://schemas.microsoft.com/office/drawing/2014/main" id="{B2A46C4A-D036-4440-BB64-6754F4FF27C1}"/>
-              </a:ext>
-            </a:extLst>
-          </p:cNvPr>
-          <p:cNvSpPr>
-            <a:spLocks noGrp="1"/>
-          </p:cNvSpPr>
-          <p:nvPr>
-            <p:ph type="dt" sz="half" idx="10"/>
-          </p:nvPr>
-        </p:nvSpPr>
-        <p:spPr>
-          <a:xfrm>
-            <a:off x="838200" y="6356350"/>
-            <a:ext cx="2743200" cy="365125"/>
-          </a:xfrm>
-        </p:spPr>
-        <p:txBody>
-          <a:bodyPr rtlCol="0"/>
-          <a:lstStyle>
-            <a:defPPr>
-              <a:defRPr lang="es-ES"/>
-            </a:defPPr>
-          </a:lstStyle>
-          <a:p>
-            <a:pPr rtl="0"/>
-            <a:r>
-              <a:rPr lang="es-ES" dirty="0"/>
-              <a:t>20XX</a:t>
-            </a:r>
-          </a:p>
-        </p:txBody>
-      </p:sp>
-      <p:sp>
-        <p:nvSpPr>
-          <p:cNvPr id="8" name="Marcador de pie de página 7">
-            <a:extLst>
-              <a:ext uri="{FF2B5EF4-FFF2-40B4-BE49-F238E27FC236}">
-                <a16:creationId xmlns:a16="http://schemas.microsoft.com/office/drawing/2014/main" id="{905F172A-5D5D-43CD-A187-DA0D303F4144}"/>
-              </a:ext>
-            </a:extLst>
-          </p:cNvPr>
-          <p:cNvSpPr>
-            <a:spLocks noGrp="1"/>
-          </p:cNvSpPr>
-          <p:nvPr>
-            <p:ph type="ftr" sz="quarter" idx="11"/>
-          </p:nvPr>
-        </p:nvSpPr>
-        <p:spPr>
-          <a:xfrm>
-            <a:off x="4038600" y="6356350"/>
-            <a:ext cx="4114800" cy="365125"/>
-          </a:xfrm>
-        </p:spPr>
-        <p:txBody>
-          <a:bodyPr rtlCol="0"/>
-          <a:lstStyle>
-            <a:defPPr>
-              <a:defRPr lang="es-ES"/>
-            </a:defPPr>
-          </a:lstStyle>
-          <a:p>
-            <a:pPr rtl="0"/>
-            <a:r>
-              <a:rPr lang="es-ES" dirty="0"/>
-              <a:t>TÍTULO DE LA PRESENTACIÓN</a:t>
-            </a:r>
-          </a:p>
-        </p:txBody>
-      </p:sp>
-      <p:sp>
-        <p:nvSpPr>
           <p:cNvPr id="9" name="Marcador de número de diapositiva 8">
             <a:extLst>
               <a:ext uri="{FF2B5EF4-FFF2-40B4-BE49-F238E27FC236}">
@@ -15835,10 +15737,10 @@
       </p:sp>
       <p:pic>
         <p:nvPicPr>
-          <p:cNvPr id="11" name="Picture 10">
-            <a:extLst>
-              <a:ext uri="{FF2B5EF4-FFF2-40B4-BE49-F238E27FC236}">
-                <a16:creationId xmlns:a16="http://schemas.microsoft.com/office/drawing/2014/main" id="{0014701C-A515-45B2-03F5-C4EF3D5AD0B3}"/>
+          <p:cNvPr id="12" name="Picture 11">
+            <a:extLst>
+              <a:ext uri="{FF2B5EF4-FFF2-40B4-BE49-F238E27FC236}">
+                <a16:creationId xmlns:a16="http://schemas.microsoft.com/office/drawing/2014/main" id="{CD8A96B9-9D83-6DF1-D009-6FD5AF978E41}"/>
               </a:ext>
             </a:extLst>
           </p:cNvPr>
@@ -15855,139 +15757,56 @@
         </p:blipFill>
         <p:spPr>
           <a:xfrm>
-            <a:off x="1085282" y="333698"/>
-            <a:ext cx="4437499" cy="5498775"/>
+            <a:off x="0" y="36511"/>
+            <a:ext cx="12192000" cy="6502401"/>
           </a:xfrm>
           <a:prstGeom prst="rect">
             <a:avLst/>
           </a:prstGeom>
         </p:spPr>
       </p:pic>
-      <p:pic>
-        <p:nvPicPr>
-          <p:cNvPr id="14" name="Picture 13">
-            <a:extLst>
-              <a:ext uri="{FF2B5EF4-FFF2-40B4-BE49-F238E27FC236}">
-                <a16:creationId xmlns:a16="http://schemas.microsoft.com/office/drawing/2014/main" id="{A881FA41-88CD-A684-62A8-FD4B7D8A17D4}"/>
-              </a:ext>
-            </a:extLst>
-          </p:cNvPr>
-          <p:cNvPicPr>
-            <a:picLocks noChangeAspect="1"/>
-          </p:cNvPicPr>
-          <p:nvPr/>
-        </p:nvPicPr>
-        <p:blipFill>
-          <a:blip r:embed="rId4"/>
-          <a:stretch>
-            <a:fillRect/>
-          </a:stretch>
-        </p:blipFill>
-        <p:spPr>
-          <a:xfrm>
-            <a:off x="7239001" y="333698"/>
-            <a:ext cx="4114800" cy="5498775"/>
-          </a:xfrm>
-          <a:prstGeom prst="rect">
-            <a:avLst/>
-          </a:prstGeom>
-        </p:spPr>
-      </p:pic>
-      <p:sp>
-        <p:nvSpPr>
-          <p:cNvPr id="15" name="TextBox 14">
-            <a:extLst>
-              <a:ext uri="{FF2B5EF4-FFF2-40B4-BE49-F238E27FC236}">
-                <a16:creationId xmlns:a16="http://schemas.microsoft.com/office/drawing/2014/main" id="{FF61D288-9C04-EAA5-40C4-740D1B4F638F}"/>
-              </a:ext>
-            </a:extLst>
-          </p:cNvPr>
-          <p:cNvSpPr txBox="1"/>
-          <p:nvPr/>
-        </p:nvSpPr>
-        <p:spPr>
-          <a:xfrm>
-            <a:off x="8280134" y="5909745"/>
-            <a:ext cx="2203704" cy="369332"/>
-          </a:xfrm>
-          <a:prstGeom prst="rect">
-            <a:avLst/>
-          </a:prstGeom>
-          <a:noFill/>
-        </p:spPr>
-        <p:txBody>
-          <a:bodyPr wrap="square" rtlCol="0">
-            <a:spAutoFit/>
-          </a:bodyPr>
-          <a:lstStyle/>
-          <a:p>
-            <a:r>
-              <a:rPr lang="en-US" dirty="0">
-                <a:solidFill>
-                  <a:schemeClr val="bg1"/>
-                </a:solidFill>
-              </a:rPr>
-              <a:t>Image from Forbes</a:t>
-            </a:r>
-          </a:p>
-        </p:txBody>
-      </p:sp>
-      <p:sp>
-        <p:nvSpPr>
-          <p:cNvPr id="16" name="TextBox 15">
-            <a:extLst>
-              <a:ext uri="{FF2B5EF4-FFF2-40B4-BE49-F238E27FC236}">
-                <a16:creationId xmlns:a16="http://schemas.microsoft.com/office/drawing/2014/main" id="{8E11B57D-925A-58EE-040B-FECEB23EABF7}"/>
-              </a:ext>
-            </a:extLst>
-          </p:cNvPr>
-          <p:cNvSpPr txBox="1"/>
-          <p:nvPr/>
-        </p:nvSpPr>
-        <p:spPr>
-          <a:xfrm>
-            <a:off x="2372109" y="5909745"/>
-            <a:ext cx="1863844" cy="369332"/>
-          </a:xfrm>
-          <a:prstGeom prst="rect">
-            <a:avLst/>
-          </a:prstGeom>
-          <a:noFill/>
-        </p:spPr>
-        <p:txBody>
-          <a:bodyPr wrap="none" rtlCol="0">
-            <a:spAutoFit/>
-          </a:bodyPr>
-          <a:lstStyle/>
-          <a:p>
-            <a:r>
-              <a:rPr lang="en-US" dirty="0">
-                <a:solidFill>
-                  <a:schemeClr val="bg1"/>
-                </a:solidFill>
-              </a:rPr>
-              <a:t>Photo from </a:t>
-            </a:r>
-            <a:r>
-              <a:rPr lang="en-US" dirty="0" err="1">
-                <a:solidFill>
-                  <a:schemeClr val="bg1"/>
-                </a:solidFill>
-              </a:rPr>
-              <a:t>Imdb</a:t>
-            </a:r>
-            <a:endParaRPr lang="en-US" dirty="0">
-              <a:solidFill>
-                <a:schemeClr val="bg1"/>
-              </a:solidFill>
-            </a:endParaRPr>
+      <p:sp>
+        <p:nvSpPr>
+          <p:cNvPr id="16" name="Marcador de pie de página 56">
+            <a:extLst>
+              <a:ext uri="{FF2B5EF4-FFF2-40B4-BE49-F238E27FC236}">
+                <a16:creationId xmlns:a16="http://schemas.microsoft.com/office/drawing/2014/main" id="{CCB864C7-E6EE-4585-0CA8-B3318E44A37F}"/>
+              </a:ext>
+            </a:extLst>
+          </p:cNvPr>
+          <p:cNvSpPr>
+            <a:spLocks noGrp="1"/>
+          </p:cNvSpPr>
+          <p:nvPr>
+            <p:ph type="ftr" sz="quarter" idx="11"/>
+          </p:nvPr>
+        </p:nvSpPr>
+        <p:spPr>
+          <a:xfrm>
+            <a:off x="4038600" y="6356350"/>
+            <a:ext cx="4114800" cy="365125"/>
+          </a:xfrm>
+        </p:spPr>
+        <p:txBody>
+          <a:bodyPr rtlCol="0"/>
+          <a:lstStyle>
+            <a:defPPr>
+              <a:defRPr lang="es-ES"/>
+            </a:defPPr>
+          </a:lstStyle>
+          <a:p>
+            <a:pPr rtl="0"/>
+            <a:r>
+              <a:rPr lang="es-ES" dirty="0"/>
+              <a:t>FORBES HIGHEST PAYING ATHLETES ANALYSIS</a:t>
+            </a:r>
           </a:p>
         </p:txBody>
       </p:sp>
     </p:spTree>
     <p:extLst>
       <p:ext uri="{BB962C8B-B14F-4D97-AF65-F5344CB8AC3E}">
-        <p14:creationId xmlns:p14="http://schemas.microsoft.com/office/powerpoint/2010/main" val="4070989650"/>
+        <p14:creationId xmlns:p14="http://schemas.microsoft.com/office/powerpoint/2010/main" val="3590459948"/>
       </p:ext>
     </p:extLst>
   </p:cSld>
@@ -16016,10 +15835,10 @@
       </p:grpSpPr>
       <p:sp>
         <p:nvSpPr>
-          <p:cNvPr id="3" name="Título 2">
-            <a:extLst>
-              <a:ext uri="{FF2B5EF4-FFF2-40B4-BE49-F238E27FC236}">
-                <a16:creationId xmlns:a16="http://schemas.microsoft.com/office/drawing/2014/main" id="{77762301-F83A-4BEA-9D11-E6C99FB574A8}"/>
+          <p:cNvPr id="2" name="Título 1">
+            <a:extLst>
+              <a:ext uri="{FF2B5EF4-FFF2-40B4-BE49-F238E27FC236}">
+                <a16:creationId xmlns:a16="http://schemas.microsoft.com/office/drawing/2014/main" id="{09140014-73D5-419B-8867-972BB18D52D4}"/>
               </a:ext>
             </a:extLst>
           </p:cNvPr>
@@ -16032,8 +15851,8 @@
         </p:nvSpPr>
         <p:spPr>
           <a:xfrm>
-            <a:off x="838200" y="365125"/>
-            <a:ext cx="10515600" cy="1325563"/>
+            <a:off x="2933700" y="892177"/>
+            <a:ext cx="8421688" cy="1325563"/>
           </a:xfrm>
         </p:spPr>
         <p:txBody>
@@ -16047,35 +15866,37 @@
             <a:pPr rtl="0"/>
             <a:r>
               <a:rPr lang="es-ES" dirty="0"/>
-              <a:t>Top yearly earnings</a:t>
-            </a:r>
-          </a:p>
-        </p:txBody>
-      </p:sp>
-      <p:sp>
-        <p:nvSpPr>
-          <p:cNvPr id="6" name="Marcador de fecha 5">
-            <a:extLst>
-              <a:ext uri="{FF2B5EF4-FFF2-40B4-BE49-F238E27FC236}">
-                <a16:creationId xmlns:a16="http://schemas.microsoft.com/office/drawing/2014/main" id="{3627CC26-34EF-4BB9-B289-9EC56B07D1E6}"/>
-              </a:ext>
-            </a:extLst>
-          </p:cNvPr>
-          <p:cNvSpPr>
-            <a:spLocks noGrp="1"/>
-          </p:cNvSpPr>
-          <p:nvPr>
-            <p:ph type="dt" sz="half" idx="10"/>
-          </p:nvPr>
-        </p:nvSpPr>
-        <p:spPr>
-          <a:xfrm>
-            <a:off x="838200" y="6356350"/>
-            <a:ext cx="2743200" cy="365125"/>
-          </a:xfrm>
-        </p:spPr>
-        <p:txBody>
-          <a:bodyPr rtlCol="0"/>
+              <a:t>ÁREAS DE ENFOQUE</a:t>
+            </a:r>
+          </a:p>
+        </p:txBody>
+      </p:sp>
+      <p:sp>
+        <p:nvSpPr>
+          <p:cNvPr id="4" name="Marcador de contenido 3">
+            <a:extLst>
+              <a:ext uri="{FF2B5EF4-FFF2-40B4-BE49-F238E27FC236}">
+                <a16:creationId xmlns:a16="http://schemas.microsoft.com/office/drawing/2014/main" id="{33D8731E-4977-402E-8BFD-895B4D0544CC}"/>
+              </a:ext>
+            </a:extLst>
+          </p:cNvPr>
+          <p:cNvSpPr>
+            <a:spLocks noGrp="1"/>
+          </p:cNvSpPr>
+          <p:nvPr>
+            <p:ph sz="half" idx="2"/>
+          </p:nvPr>
+        </p:nvSpPr>
+        <p:spPr>
+          <a:xfrm>
+            <a:off x="2933700" y="3834606"/>
+            <a:ext cx="3924300" cy="1997867"/>
+          </a:xfrm>
+        </p:spPr>
+        <p:txBody>
+          <a:bodyPr rtlCol="0">
+            <a:normAutofit/>
+          </a:bodyPr>
           <a:lstStyle>
             <a:defPPr>
               <a:defRPr lang="es-ES"/>
@@ -16085,35 +15906,51 @@
             <a:pPr rtl="0"/>
             <a:r>
               <a:rPr lang="es-ES" dirty="0"/>
-              <a:t>20XX</a:t>
-            </a:r>
-          </a:p>
-        </p:txBody>
-      </p:sp>
-      <p:sp>
-        <p:nvSpPr>
-          <p:cNvPr id="7" name="Marcador de pie de página 6">
-            <a:extLst>
-              <a:ext uri="{FF2B5EF4-FFF2-40B4-BE49-F238E27FC236}">
-                <a16:creationId xmlns:a16="http://schemas.microsoft.com/office/drawing/2014/main" id="{4E98E6AD-9D37-499C-898E-ED12AC36D31D}"/>
-              </a:ext>
-            </a:extLst>
-          </p:cNvPr>
-          <p:cNvSpPr>
-            <a:spLocks noGrp="1"/>
-          </p:cNvSpPr>
-          <p:nvPr>
-            <p:ph type="ftr" sz="quarter" idx="11"/>
-          </p:nvPr>
-        </p:nvSpPr>
-        <p:spPr>
-          <a:xfrm>
-            <a:off x="4038600" y="6356350"/>
-            <a:ext cx="4114800" cy="365125"/>
-          </a:xfrm>
-        </p:spPr>
-        <p:txBody>
-          <a:bodyPr rtlCol="0"/>
+              <a:t>Desarrollar estrategias ganadoras para seguir a la vanguardia de la competencia</a:t>
+            </a:r>
+          </a:p>
+          <a:p>
+            <a:pPr rtl="0"/>
+            <a:r>
+              <a:rPr lang="es-ES" dirty="0"/>
+              <a:t>​Aprovechar los frutos obtenidos para identificar un valor en el terreno de juego</a:t>
+            </a:r>
+          </a:p>
+          <a:p>
+            <a:pPr rtl="0"/>
+            <a:r>
+              <a:rPr lang="es-ES" dirty="0"/>
+              <a:t>​Visualizar la convergencia dirigida al cliente</a:t>
+            </a:r>
+          </a:p>
+        </p:txBody>
+      </p:sp>
+      <p:sp>
+        <p:nvSpPr>
+          <p:cNvPr id="6" name="Marcador de contenido 5">
+            <a:extLst>
+              <a:ext uri="{FF2B5EF4-FFF2-40B4-BE49-F238E27FC236}">
+                <a16:creationId xmlns:a16="http://schemas.microsoft.com/office/drawing/2014/main" id="{50B65871-FA95-449A-B8BC-90486DE532EF}"/>
+              </a:ext>
+            </a:extLst>
+          </p:cNvPr>
+          <p:cNvSpPr>
+            <a:spLocks noGrp="1"/>
+          </p:cNvSpPr>
+          <p:nvPr>
+            <p:ph sz="quarter" idx="4"/>
+          </p:nvPr>
+        </p:nvSpPr>
+        <p:spPr>
+          <a:xfrm>
+            <a:off x="7410173" y="3834606"/>
+            <a:ext cx="3943627" cy="1997867"/>
+          </a:xfrm>
+        </p:spPr>
+        <p:txBody>
+          <a:bodyPr rtlCol="0">
+            <a:normAutofit/>
+          </a:bodyPr>
           <a:lstStyle>
             <a:defPPr>
               <a:defRPr lang="es-ES"/>
@@ -16123,6 +15960,89 @@
             <a:pPr rtl="0"/>
             <a:r>
               <a:rPr lang="es-ES" dirty="0"/>
+              <a:t>Enfoques iterativos para una estrategia corporativa</a:t>
+            </a:r>
+          </a:p>
+          <a:p>
+            <a:pPr rtl="0"/>
+            <a:r>
+              <a:rPr lang="es-ES" dirty="0"/>
+              <a:t>​Establecer un marco de administración desde dentro</a:t>
+            </a:r>
+          </a:p>
+        </p:txBody>
+      </p:sp>
+      <p:sp>
+        <p:nvSpPr>
+          <p:cNvPr id="7" name="Marcador de fecha 6">
+            <a:extLst>
+              <a:ext uri="{FF2B5EF4-FFF2-40B4-BE49-F238E27FC236}">
+                <a16:creationId xmlns:a16="http://schemas.microsoft.com/office/drawing/2014/main" id="{B2A46C4A-D036-4440-BB64-6754F4FF27C1}"/>
+              </a:ext>
+            </a:extLst>
+          </p:cNvPr>
+          <p:cNvSpPr>
+            <a:spLocks noGrp="1"/>
+          </p:cNvSpPr>
+          <p:nvPr>
+            <p:ph type="dt" sz="half" idx="10"/>
+          </p:nvPr>
+        </p:nvSpPr>
+        <p:spPr>
+          <a:xfrm>
+            <a:off x="838200" y="6356350"/>
+            <a:ext cx="2743200" cy="365125"/>
+          </a:xfrm>
+        </p:spPr>
+        <p:txBody>
+          <a:bodyPr rtlCol="0"/>
+          <a:lstStyle>
+            <a:defPPr>
+              <a:defRPr lang="es-ES"/>
+            </a:defPPr>
+          </a:lstStyle>
+          <a:p>
+            <a:pPr rtl="0"/>
+            <a:r>
+              <a:rPr lang="es-ES" dirty="0"/>
+              <a:t>20XX</a:t>
+            </a:r>
+          </a:p>
+        </p:txBody>
+      </p:sp>
+      <p:sp>
+        <p:nvSpPr>
+          <p:cNvPr id="8" name="Marcador de pie de página 7">
+            <a:extLst>
+              <a:ext uri="{FF2B5EF4-FFF2-40B4-BE49-F238E27FC236}">
+                <a16:creationId xmlns:a16="http://schemas.microsoft.com/office/drawing/2014/main" id="{905F172A-5D5D-43CD-A187-DA0D303F4144}"/>
+              </a:ext>
+            </a:extLst>
+          </p:cNvPr>
+          <p:cNvSpPr>
+            <a:spLocks noGrp="1"/>
+          </p:cNvSpPr>
+          <p:nvPr>
+            <p:ph type="ftr" sz="quarter" idx="11"/>
+          </p:nvPr>
+        </p:nvSpPr>
+        <p:spPr>
+          <a:xfrm>
+            <a:off x="4038600" y="6356350"/>
+            <a:ext cx="4114800" cy="365125"/>
+          </a:xfrm>
+        </p:spPr>
+        <p:txBody>
+          <a:bodyPr rtlCol="0"/>
+          <a:lstStyle>
+            <a:defPPr>
+              <a:defRPr lang="es-ES"/>
+            </a:defPPr>
+          </a:lstStyle>
+          <a:p>
+            <a:pPr rtl="0"/>
+            <a:r>
+              <a:rPr lang="es-ES" dirty="0"/>
               <a:t>TÍTULO DE LA PRESENTACIÓN</a:t>
             </a:r>
           </a:p>
@@ -16130,10 +16050,10 @@
       </p:sp>
       <p:sp>
         <p:nvSpPr>
-          <p:cNvPr id="8" name="Marcador de número de diapositiva 7">
-            <a:extLst>
-              <a:ext uri="{FF2B5EF4-FFF2-40B4-BE49-F238E27FC236}">
-                <a16:creationId xmlns:a16="http://schemas.microsoft.com/office/drawing/2014/main" id="{92908AF9-2A07-4B50-BC13-471792106EC8}"/>
+          <p:cNvPr id="9" name="Marcador de número de diapositiva 8">
+            <a:extLst>
+              <a:ext uri="{FF2B5EF4-FFF2-40B4-BE49-F238E27FC236}">
+                <a16:creationId xmlns:a16="http://schemas.microsoft.com/office/drawing/2014/main" id="{C396FFDC-ADE8-4009-A466-A81787258E88}"/>
               </a:ext>
             </a:extLst>
           </p:cNvPr>
@@ -16170,10 +16090,10 @@
       </p:sp>
       <p:pic>
         <p:nvPicPr>
-          <p:cNvPr id="12" name="Picture 11">
-            <a:extLst>
-              <a:ext uri="{FF2B5EF4-FFF2-40B4-BE49-F238E27FC236}">
-                <a16:creationId xmlns:a16="http://schemas.microsoft.com/office/drawing/2014/main" id="{A612C06D-D748-DBF6-C6F2-9FD984C2E43C}"/>
+          <p:cNvPr id="13" name="Picture 12" descr="A screen shot of a graph&#10;&#10;Description automatically generated">
+            <a:extLst>
+              <a:ext uri="{FF2B5EF4-FFF2-40B4-BE49-F238E27FC236}">
+                <a16:creationId xmlns:a16="http://schemas.microsoft.com/office/drawing/2014/main" id="{E60AB1D9-9C5A-747D-509D-E89744A34532}"/>
               </a:ext>
             </a:extLst>
           </p:cNvPr>
@@ -16182,25 +16102,182 @@
           </p:cNvPicPr>
           <p:nvPr/>
         </p:nvPicPr>
-        <p:blipFill rotWithShape="1">
+        <p:blipFill>
           <a:blip r:embed="rId3"/>
-          <a:srcRect l="1029" t="899" r="4413" b="4063"/>
-          <a:stretch/>
+          <a:stretch>
+            <a:fillRect/>
+          </a:stretch>
         </p:blipFill>
         <p:spPr>
           <a:xfrm>
-            <a:off x="331694" y="1564341"/>
-            <a:ext cx="11528612" cy="4173071"/>
+            <a:off x="952500" y="-270704"/>
+            <a:ext cx="10287000" cy="6858000"/>
           </a:xfrm>
           <a:prstGeom prst="rect">
             <a:avLst/>
           </a:prstGeom>
         </p:spPr>
       </p:pic>
+      <p:sp>
+        <p:nvSpPr>
+          <p:cNvPr id="3" name="Oval 2">
+            <a:extLst>
+              <a:ext uri="{FF2B5EF4-FFF2-40B4-BE49-F238E27FC236}">
+                <a16:creationId xmlns:a16="http://schemas.microsoft.com/office/drawing/2014/main" id="{6998A596-109F-B8E6-01A0-E9158D7D8FC0}"/>
+              </a:ext>
+            </a:extLst>
+          </p:cNvPr>
+          <p:cNvSpPr/>
+          <p:nvPr/>
+        </p:nvSpPr>
+        <p:spPr>
+          <a:xfrm>
+            <a:off x="8379242" y="553419"/>
+            <a:ext cx="542236" cy="520008"/>
+          </a:xfrm>
+          <a:prstGeom prst="ellipse">
+            <a:avLst/>
+          </a:prstGeom>
+          <a:noFill/>
+          <a:ln w="28575">
+            <a:solidFill>
+              <a:srgbClr val="AE2012"/>
+            </a:solidFill>
+          </a:ln>
+        </p:spPr>
+        <p:style>
+          <a:lnRef idx="2">
+            <a:schemeClr val="accent1">
+              <a:shade val="15000"/>
+            </a:schemeClr>
+          </a:lnRef>
+          <a:fillRef idx="1">
+            <a:schemeClr val="accent1"/>
+          </a:fillRef>
+          <a:effectRef idx="0">
+            <a:schemeClr val="accent1"/>
+          </a:effectRef>
+          <a:fontRef idx="minor">
+            <a:schemeClr val="lt1"/>
+          </a:fontRef>
+        </p:style>
+        <p:txBody>
+          <a:bodyPr rtlCol="0" anchor="ctr"/>
+          <a:lstStyle/>
+          <a:p>
+            <a:pPr algn="ctr"/>
+            <a:endParaRPr lang="es-US" dirty="0"/>
+          </a:p>
+        </p:txBody>
+      </p:sp>
+      <p:sp>
+        <p:nvSpPr>
+          <p:cNvPr id="5" name="Oval 4">
+            <a:extLst>
+              <a:ext uri="{FF2B5EF4-FFF2-40B4-BE49-F238E27FC236}">
+                <a16:creationId xmlns:a16="http://schemas.microsoft.com/office/drawing/2014/main" id="{C7C02EDF-94D5-CA69-341D-1FC4D160C02F}"/>
+              </a:ext>
+            </a:extLst>
+          </p:cNvPr>
+          <p:cNvSpPr/>
+          <p:nvPr/>
+        </p:nvSpPr>
+        <p:spPr>
+          <a:xfrm>
+            <a:off x="9093212" y="1068592"/>
+            <a:ext cx="542236" cy="520008"/>
+          </a:xfrm>
+          <a:prstGeom prst="ellipse">
+            <a:avLst/>
+          </a:prstGeom>
+          <a:noFill/>
+          <a:ln w="28575">
+            <a:solidFill>
+              <a:srgbClr val="AE2012"/>
+            </a:solidFill>
+          </a:ln>
+        </p:spPr>
+        <p:style>
+          <a:lnRef idx="2">
+            <a:schemeClr val="accent1">
+              <a:shade val="15000"/>
+            </a:schemeClr>
+          </a:lnRef>
+          <a:fillRef idx="1">
+            <a:schemeClr val="accent1"/>
+          </a:fillRef>
+          <a:effectRef idx="0">
+            <a:schemeClr val="accent1"/>
+          </a:effectRef>
+          <a:fontRef idx="minor">
+            <a:schemeClr val="lt1"/>
+          </a:fontRef>
+        </p:style>
+        <p:txBody>
+          <a:bodyPr rtlCol="0" anchor="ctr"/>
+          <a:lstStyle/>
+          <a:p>
+            <a:pPr algn="ctr"/>
+            <a:endParaRPr lang="es-US" dirty="0"/>
+          </a:p>
+        </p:txBody>
+      </p:sp>
+      <p:sp>
+        <p:nvSpPr>
+          <p:cNvPr id="10" name="Oval 9">
+            <a:extLst>
+              <a:ext uri="{FF2B5EF4-FFF2-40B4-BE49-F238E27FC236}">
+                <a16:creationId xmlns:a16="http://schemas.microsoft.com/office/drawing/2014/main" id="{64A443F8-ECCA-45EA-A97B-BE2AF1627D03}"/>
+              </a:ext>
+            </a:extLst>
+          </p:cNvPr>
+          <p:cNvSpPr/>
+          <p:nvPr/>
+        </p:nvSpPr>
+        <p:spPr>
+          <a:xfrm>
+            <a:off x="8372608" y="2892446"/>
+            <a:ext cx="542236" cy="520008"/>
+          </a:xfrm>
+          <a:prstGeom prst="ellipse">
+            <a:avLst/>
+          </a:prstGeom>
+          <a:noFill/>
+          <a:ln w="28575">
+            <a:solidFill>
+              <a:srgbClr val="AE2012"/>
+            </a:solidFill>
+          </a:ln>
+        </p:spPr>
+        <p:style>
+          <a:lnRef idx="2">
+            <a:schemeClr val="accent1">
+              <a:shade val="15000"/>
+            </a:schemeClr>
+          </a:lnRef>
+          <a:fillRef idx="1">
+            <a:schemeClr val="accent1"/>
+          </a:fillRef>
+          <a:effectRef idx="0">
+            <a:schemeClr val="accent1"/>
+          </a:effectRef>
+          <a:fontRef idx="minor">
+            <a:schemeClr val="lt1"/>
+          </a:fontRef>
+        </p:style>
+        <p:txBody>
+          <a:bodyPr rtlCol="0" anchor="ctr"/>
+          <a:lstStyle/>
+          <a:p>
+            <a:pPr algn="ctr"/>
+            <a:endParaRPr lang="es-US" dirty="0"/>
+          </a:p>
+        </p:txBody>
+      </p:sp>
     </p:spTree>
     <p:extLst>
       <p:ext uri="{BB962C8B-B14F-4D97-AF65-F5344CB8AC3E}">
-        <p14:creationId xmlns:p14="http://schemas.microsoft.com/office/powerpoint/2010/main" val="2896385493"/>
+        <p14:creationId xmlns:p14="http://schemas.microsoft.com/office/powerpoint/2010/main" val="144498883"/>
       </p:ext>
     </p:extLst>
   </p:cSld>
@@ -16530,24 +16607,24 @@
       </p:sp>
       <p:sp>
         <p:nvSpPr>
-          <p:cNvPr id="8" name="Marcador de pie de página 7">
-            <a:extLst>
-              <a:ext uri="{FF2B5EF4-FFF2-40B4-BE49-F238E27FC236}">
-                <a16:creationId xmlns:a16="http://schemas.microsoft.com/office/drawing/2014/main" id="{905F172A-5D5D-43CD-A187-DA0D303F4144}"/>
-              </a:ext>
-            </a:extLst>
-          </p:cNvPr>
-          <p:cNvSpPr>
-            <a:spLocks noGrp="1"/>
-          </p:cNvSpPr>
-          <p:nvPr>
-            <p:ph type="ftr" sz="quarter" idx="11"/>
-          </p:nvPr>
-        </p:nvSpPr>
-        <p:spPr>
-          <a:xfrm>
-            <a:off x="7324586" y="6250730"/>
-            <a:ext cx="4114800" cy="365125"/>
+          <p:cNvPr id="7" name="Marcador de fecha 6">
+            <a:extLst>
+              <a:ext uri="{FF2B5EF4-FFF2-40B4-BE49-F238E27FC236}">
+                <a16:creationId xmlns:a16="http://schemas.microsoft.com/office/drawing/2014/main" id="{B2A46C4A-D036-4440-BB64-6754F4FF27C1}"/>
+              </a:ext>
+            </a:extLst>
+          </p:cNvPr>
+          <p:cNvSpPr>
+            <a:spLocks noGrp="1"/>
+          </p:cNvSpPr>
+          <p:nvPr>
+            <p:ph type="dt" sz="half" idx="10"/>
+          </p:nvPr>
+        </p:nvSpPr>
+        <p:spPr>
+          <a:xfrm>
+            <a:off x="838200" y="6356350"/>
+            <a:ext cx="2743200" cy="365125"/>
           </a:xfrm>
         </p:spPr>
         <p:txBody>
@@ -16561,7 +16638,45 @@
             <a:pPr rtl="0"/>
             <a:r>
               <a:rPr lang="es-ES" dirty="0"/>
-              <a:t>FORBES HIGHEST PAYING ATHLETES ANALYSIS</a:t>
+              <a:t>20XX</a:t>
+            </a:r>
+          </a:p>
+        </p:txBody>
+      </p:sp>
+      <p:sp>
+        <p:nvSpPr>
+          <p:cNvPr id="8" name="Marcador de pie de página 7">
+            <a:extLst>
+              <a:ext uri="{FF2B5EF4-FFF2-40B4-BE49-F238E27FC236}">
+                <a16:creationId xmlns:a16="http://schemas.microsoft.com/office/drawing/2014/main" id="{905F172A-5D5D-43CD-A187-DA0D303F4144}"/>
+              </a:ext>
+            </a:extLst>
+          </p:cNvPr>
+          <p:cNvSpPr>
+            <a:spLocks noGrp="1"/>
+          </p:cNvSpPr>
+          <p:nvPr>
+            <p:ph type="ftr" sz="quarter" idx="11"/>
+          </p:nvPr>
+        </p:nvSpPr>
+        <p:spPr>
+          <a:xfrm>
+            <a:off x="4038600" y="6356350"/>
+            <a:ext cx="4114800" cy="365125"/>
+          </a:xfrm>
+        </p:spPr>
+        <p:txBody>
+          <a:bodyPr rtlCol="0"/>
+          <a:lstStyle>
+            <a:defPPr>
+              <a:defRPr lang="es-ES"/>
+            </a:defPPr>
+          </a:lstStyle>
+          <a:p>
+            <a:pPr rtl="0"/>
+            <a:r>
+              <a:rPr lang="es-ES" dirty="0"/>
+              <a:t>TÍTULO DE LA PRESENTACIÓN</a:t>
             </a:r>
           </a:p>
         </p:txBody>
@@ -16608,10 +16723,10 @@
       </p:sp>
       <p:pic>
         <p:nvPicPr>
-          <p:cNvPr id="12" name="Picture 11">
-            <a:extLst>
-              <a:ext uri="{FF2B5EF4-FFF2-40B4-BE49-F238E27FC236}">
-                <a16:creationId xmlns:a16="http://schemas.microsoft.com/office/drawing/2014/main" id="{6A1B3BD1-61A8-5FB1-E2CA-6B055E9BE4D3}"/>
+          <p:cNvPr id="11" name="Picture 10">
+            <a:extLst>
+              <a:ext uri="{FF2B5EF4-FFF2-40B4-BE49-F238E27FC236}">
+                <a16:creationId xmlns:a16="http://schemas.microsoft.com/office/drawing/2014/main" id="{0014701C-A515-45B2-03F5-C4EF3D5AD0B3}"/>
               </a:ext>
             </a:extLst>
           </p:cNvPr>
@@ -16628,18 +16743,139 @@
         </p:blipFill>
         <p:spPr>
           <a:xfrm>
-            <a:off x="1327199" y="33558"/>
-            <a:ext cx="6909257" cy="6687917"/>
+            <a:off x="1085282" y="333698"/>
+            <a:ext cx="4437499" cy="5498775"/>
           </a:xfrm>
           <a:prstGeom prst="rect">
             <a:avLst/>
           </a:prstGeom>
         </p:spPr>
       </p:pic>
+      <p:pic>
+        <p:nvPicPr>
+          <p:cNvPr id="14" name="Picture 13">
+            <a:extLst>
+              <a:ext uri="{FF2B5EF4-FFF2-40B4-BE49-F238E27FC236}">
+                <a16:creationId xmlns:a16="http://schemas.microsoft.com/office/drawing/2014/main" id="{A881FA41-88CD-A684-62A8-FD4B7D8A17D4}"/>
+              </a:ext>
+            </a:extLst>
+          </p:cNvPr>
+          <p:cNvPicPr>
+            <a:picLocks noChangeAspect="1"/>
+          </p:cNvPicPr>
+          <p:nvPr/>
+        </p:nvPicPr>
+        <p:blipFill>
+          <a:blip r:embed="rId4"/>
+          <a:stretch>
+            <a:fillRect/>
+          </a:stretch>
+        </p:blipFill>
+        <p:spPr>
+          <a:xfrm>
+            <a:off x="7239001" y="333698"/>
+            <a:ext cx="4114800" cy="5498775"/>
+          </a:xfrm>
+          <a:prstGeom prst="rect">
+            <a:avLst/>
+          </a:prstGeom>
+        </p:spPr>
+      </p:pic>
+      <p:sp>
+        <p:nvSpPr>
+          <p:cNvPr id="15" name="TextBox 14">
+            <a:extLst>
+              <a:ext uri="{FF2B5EF4-FFF2-40B4-BE49-F238E27FC236}">
+                <a16:creationId xmlns:a16="http://schemas.microsoft.com/office/drawing/2014/main" id="{FF61D288-9C04-EAA5-40C4-740D1B4F638F}"/>
+              </a:ext>
+            </a:extLst>
+          </p:cNvPr>
+          <p:cNvSpPr txBox="1"/>
+          <p:nvPr/>
+        </p:nvSpPr>
+        <p:spPr>
+          <a:xfrm>
+            <a:off x="8280134" y="5909745"/>
+            <a:ext cx="2203704" cy="369332"/>
+          </a:xfrm>
+          <a:prstGeom prst="rect">
+            <a:avLst/>
+          </a:prstGeom>
+          <a:noFill/>
+        </p:spPr>
+        <p:txBody>
+          <a:bodyPr wrap="square" rtlCol="0">
+            <a:spAutoFit/>
+          </a:bodyPr>
+          <a:lstStyle/>
+          <a:p>
+            <a:r>
+              <a:rPr lang="en-US" dirty="0">
+                <a:solidFill>
+                  <a:schemeClr val="bg1"/>
+                </a:solidFill>
+              </a:rPr>
+              <a:t>Image from Forbes</a:t>
+            </a:r>
+          </a:p>
+        </p:txBody>
+      </p:sp>
+      <p:sp>
+        <p:nvSpPr>
+          <p:cNvPr id="16" name="TextBox 15">
+            <a:extLst>
+              <a:ext uri="{FF2B5EF4-FFF2-40B4-BE49-F238E27FC236}">
+                <a16:creationId xmlns:a16="http://schemas.microsoft.com/office/drawing/2014/main" id="{8E11B57D-925A-58EE-040B-FECEB23EABF7}"/>
+              </a:ext>
+            </a:extLst>
+          </p:cNvPr>
+          <p:cNvSpPr txBox="1"/>
+          <p:nvPr/>
+        </p:nvSpPr>
+        <p:spPr>
+          <a:xfrm>
+            <a:off x="2372109" y="5909745"/>
+            <a:ext cx="1863844" cy="369332"/>
+          </a:xfrm>
+          <a:prstGeom prst="rect">
+            <a:avLst/>
+          </a:prstGeom>
+          <a:noFill/>
+        </p:spPr>
+        <p:txBody>
+          <a:bodyPr wrap="none" rtlCol="0">
+            <a:spAutoFit/>
+          </a:bodyPr>
+          <a:lstStyle/>
+          <a:p>
+            <a:r>
+              <a:rPr lang="en-US" dirty="0">
+                <a:solidFill>
+                  <a:schemeClr val="bg1"/>
+                </a:solidFill>
+              </a:rPr>
+              <a:t>Photo from </a:t>
+            </a:r>
+            <a:r>
+              <a:rPr lang="en-US" dirty="0" err="1">
+                <a:solidFill>
+                  <a:schemeClr val="bg1"/>
+                </a:solidFill>
+              </a:rPr>
+              <a:t>Imdb</a:t>
+            </a:r>
+            <a:endParaRPr lang="en-US" dirty="0">
+              <a:solidFill>
+                <a:schemeClr val="bg1"/>
+              </a:solidFill>
+            </a:endParaRPr>
+          </a:p>
+        </p:txBody>
+      </p:sp>
     </p:spTree>
     <p:extLst>
       <p:ext uri="{BB962C8B-B14F-4D97-AF65-F5344CB8AC3E}">
-        <p14:creationId xmlns:p14="http://schemas.microsoft.com/office/powerpoint/2010/main" val="367634751"/>
+        <p14:creationId xmlns:p14="http://schemas.microsoft.com/office/powerpoint/2010/main" val="4070989650"/>
       </p:ext>
     </p:extLst>
   </p:cSld>
@@ -16668,10 +16904,10 @@
       </p:grpSpPr>
       <p:sp>
         <p:nvSpPr>
-          <p:cNvPr id="2" name="Título 1">
-            <a:extLst>
-              <a:ext uri="{FF2B5EF4-FFF2-40B4-BE49-F238E27FC236}">
-                <a16:creationId xmlns:a16="http://schemas.microsoft.com/office/drawing/2014/main" id="{42DD0E59-4C68-4F87-9821-23C69713D980}"/>
+          <p:cNvPr id="3" name="Título 2">
+            <a:extLst>
+              <a:ext uri="{FF2B5EF4-FFF2-40B4-BE49-F238E27FC236}">
+                <a16:creationId xmlns:a16="http://schemas.microsoft.com/office/drawing/2014/main" id="{77762301-F83A-4BEA-9D11-E6C99FB574A8}"/>
               </a:ext>
             </a:extLst>
           </p:cNvPr>
@@ -16684,8 +16920,8 @@
         </p:nvSpPr>
         <p:spPr>
           <a:xfrm>
-            <a:off x="1885156" y="892177"/>
-            <a:ext cx="8421688" cy="1325563"/>
+            <a:off x="838200" y="365125"/>
+            <a:ext cx="10515600" cy="1325563"/>
           </a:xfrm>
         </p:spPr>
         <p:txBody>
@@ -16699,17 +16935,17 @@
             <a:pPr rtl="0"/>
             <a:r>
               <a:rPr lang="es-ES" dirty="0"/>
-              <a:t>Conclusions</a:t>
-            </a:r>
-          </a:p>
-        </p:txBody>
-      </p:sp>
-      <p:sp>
-        <p:nvSpPr>
-          <p:cNvPr id="56" name="Marcador de fecha 55">
-            <a:extLst>
-              <a:ext uri="{FF2B5EF4-FFF2-40B4-BE49-F238E27FC236}">
-                <a16:creationId xmlns:a16="http://schemas.microsoft.com/office/drawing/2014/main" id="{B289356A-BDA0-4234-84F2-9F2F25D0D7BD}"/>
+              <a:t>Top yearly earnings</a:t>
+            </a:r>
+          </a:p>
+        </p:txBody>
+      </p:sp>
+      <p:sp>
+        <p:nvSpPr>
+          <p:cNvPr id="6" name="Marcador de fecha 5">
+            <a:extLst>
+              <a:ext uri="{FF2B5EF4-FFF2-40B4-BE49-F238E27FC236}">
+                <a16:creationId xmlns:a16="http://schemas.microsoft.com/office/drawing/2014/main" id="{3627CC26-34EF-4BB9-B289-9EC56B07D1E6}"/>
               </a:ext>
             </a:extLst>
           </p:cNvPr>
@@ -16744,10 +16980,10 @@
       </p:sp>
       <p:sp>
         <p:nvSpPr>
-          <p:cNvPr id="57" name="Marcador de pie de página 56">
-            <a:extLst>
-              <a:ext uri="{FF2B5EF4-FFF2-40B4-BE49-F238E27FC236}">
-                <a16:creationId xmlns:a16="http://schemas.microsoft.com/office/drawing/2014/main" id="{3A38BE84-957B-46B9-A315-4B5064DFF1A1}"/>
+          <p:cNvPr id="7" name="Marcador de pie de página 6">
+            <a:extLst>
+              <a:ext uri="{FF2B5EF4-FFF2-40B4-BE49-F238E27FC236}">
+                <a16:creationId xmlns:a16="http://schemas.microsoft.com/office/drawing/2014/main" id="{4E98E6AD-9D37-499C-898E-ED12AC36D31D}"/>
               </a:ext>
             </a:extLst>
           </p:cNvPr>
@@ -16782,10 +17018,10 @@
       </p:sp>
       <p:sp>
         <p:nvSpPr>
-          <p:cNvPr id="58" name="Marcador de número de diapositiva 57">
-            <a:extLst>
-              <a:ext uri="{FF2B5EF4-FFF2-40B4-BE49-F238E27FC236}">
-                <a16:creationId xmlns:a16="http://schemas.microsoft.com/office/drawing/2014/main" id="{E1900601-8B04-4FF3-B06F-6BEFAC6556D3}"/>
+          <p:cNvPr id="8" name="Marcador de número de diapositiva 7">
+            <a:extLst>
+              <a:ext uri="{FF2B5EF4-FFF2-40B4-BE49-F238E27FC236}">
+                <a16:creationId xmlns:a16="http://schemas.microsoft.com/office/drawing/2014/main" id="{92908AF9-2A07-4B50-BC13-471792106EC8}"/>
               </a:ext>
             </a:extLst>
           </p:cNvPr>
@@ -16820,54 +17056,39 @@
           </a:p>
         </p:txBody>
       </p:sp>
-      <p:sp>
-        <p:nvSpPr>
-          <p:cNvPr id="326" name="Marcador de texto 2">
-            <a:extLst>
-              <a:ext uri="{FF2B5EF4-FFF2-40B4-BE49-F238E27FC236}">
-                <a16:creationId xmlns:a16="http://schemas.microsoft.com/office/drawing/2014/main" id="{7B160DB7-BDF4-9939-C740-26EBBB3E0189}"/>
-              </a:ext>
-            </a:extLst>
-          </p:cNvPr>
-          <p:cNvSpPr>
-            <a:spLocks noGrp="1"/>
-          </p:cNvSpPr>
-          <p:nvPr>
-            <p:ph type="body" idx="1"/>
-          </p:nvPr>
-        </p:nvSpPr>
-        <p:spPr>
-          <a:xfrm>
-            <a:off x="1362074" y="2452812"/>
-            <a:ext cx="9605756" cy="2912564"/>
-          </a:xfrm>
-        </p:spPr>
-        <p:txBody>
-          <a:bodyPr rtlCol="0">
-            <a:normAutofit/>
-          </a:bodyPr>
-          <a:lstStyle>
-            <a:defPPr>
-              <a:defRPr lang="es-ES"/>
-            </a:defPPr>
-          </a:lstStyle>
-          <a:p>
-            <a:pPr rtl="0"/>
-            <a:r>
-              <a:rPr lang="es-ES" sz="1400" dirty="0"/>
-              <a:t>ADD CONCLUSIONS HERE</a:t>
-            </a:r>
-          </a:p>
-          <a:p>
-            <a:pPr rtl="0"/>
-            <a:endParaRPr lang="es-ES" sz="1400" dirty="0"/>
-          </a:p>
-        </p:txBody>
-      </p:sp>
+      <p:pic>
+        <p:nvPicPr>
+          <p:cNvPr id="12" name="Picture 11">
+            <a:extLst>
+              <a:ext uri="{FF2B5EF4-FFF2-40B4-BE49-F238E27FC236}">
+                <a16:creationId xmlns:a16="http://schemas.microsoft.com/office/drawing/2014/main" id="{A612C06D-D748-DBF6-C6F2-9FD984C2E43C}"/>
+              </a:ext>
+            </a:extLst>
+          </p:cNvPr>
+          <p:cNvPicPr>
+            <a:picLocks noChangeAspect="1"/>
+          </p:cNvPicPr>
+          <p:nvPr/>
+        </p:nvPicPr>
+        <p:blipFill rotWithShape="1">
+          <a:blip r:embed="rId3"/>
+          <a:srcRect l="1029" t="899" r="4413" b="4063"/>
+          <a:stretch/>
+        </p:blipFill>
+        <p:spPr>
+          <a:xfrm>
+            <a:off x="331694" y="1564341"/>
+            <a:ext cx="11528612" cy="4173071"/>
+          </a:xfrm>
+          <a:prstGeom prst="rect">
+            <a:avLst/>
+          </a:prstGeom>
+        </p:spPr>
+      </p:pic>
     </p:spTree>
     <p:extLst>
       <p:ext uri="{BB962C8B-B14F-4D97-AF65-F5344CB8AC3E}">
-        <p14:creationId xmlns:p14="http://schemas.microsoft.com/office/powerpoint/2010/main" val="1007431861"/>
+        <p14:creationId xmlns:p14="http://schemas.microsoft.com/office/powerpoint/2010/main" val="2896385493"/>
       </p:ext>
     </p:extLst>
   </p:cSld>
@@ -16988,28 +17209,30 @@
       </p:sp>
       <p:sp>
         <p:nvSpPr>
-          <p:cNvPr id="5" name="Marcador de texto 4">
-            <a:extLst>
-              <a:ext uri="{FF2B5EF4-FFF2-40B4-BE49-F238E27FC236}">
-                <a16:creationId xmlns:a16="http://schemas.microsoft.com/office/drawing/2014/main" id="{91CDEC5F-B8EE-4BC1-843F-13135E6E7AB2}"/>
-              </a:ext>
-            </a:extLst>
-          </p:cNvPr>
-          <p:cNvSpPr>
-            <a:spLocks noGrp="1"/>
-          </p:cNvSpPr>
-          <p:nvPr>
-            <p:ph type="body" sz="quarter" idx="3"/>
-          </p:nvPr>
-        </p:nvSpPr>
-        <p:spPr>
-          <a:xfrm>
-            <a:off x="7410173" y="2776936"/>
-            <a:ext cx="3943627" cy="823912"/>
-          </a:xfrm>
-        </p:spPr>
-        <p:txBody>
-          <a:bodyPr rtlCol="0"/>
+          <p:cNvPr id="6" name="Marcador de contenido 5">
+            <a:extLst>
+              <a:ext uri="{FF2B5EF4-FFF2-40B4-BE49-F238E27FC236}">
+                <a16:creationId xmlns:a16="http://schemas.microsoft.com/office/drawing/2014/main" id="{50B65871-FA95-449A-B8BC-90486DE532EF}"/>
+              </a:ext>
+            </a:extLst>
+          </p:cNvPr>
+          <p:cNvSpPr>
+            <a:spLocks noGrp="1"/>
+          </p:cNvSpPr>
+          <p:nvPr>
+            <p:ph sz="quarter" idx="4"/>
+          </p:nvPr>
+        </p:nvSpPr>
+        <p:spPr>
+          <a:xfrm>
+            <a:off x="7410173" y="3834606"/>
+            <a:ext cx="3943627" cy="1997867"/>
+          </a:xfrm>
+        </p:spPr>
+        <p:txBody>
+          <a:bodyPr rtlCol="0">
+            <a:normAutofit/>
+          </a:bodyPr>
           <a:lstStyle>
             <a:defPPr>
               <a:defRPr lang="es-ES"/>
@@ -17019,37 +17242,42 @@
             <a:pPr rtl="0"/>
             <a:r>
               <a:rPr lang="es-ES" dirty="0"/>
-              <a:t>OPORTUNIDADES BASADAS EN LA NUBE</a:t>
-            </a:r>
-          </a:p>
-        </p:txBody>
-      </p:sp>
-      <p:sp>
-        <p:nvSpPr>
-          <p:cNvPr id="6" name="Marcador de contenido 5">
-            <a:extLst>
-              <a:ext uri="{FF2B5EF4-FFF2-40B4-BE49-F238E27FC236}">
-                <a16:creationId xmlns:a16="http://schemas.microsoft.com/office/drawing/2014/main" id="{50B65871-FA95-449A-B8BC-90486DE532EF}"/>
-              </a:ext>
-            </a:extLst>
-          </p:cNvPr>
-          <p:cNvSpPr>
-            <a:spLocks noGrp="1"/>
-          </p:cNvSpPr>
-          <p:nvPr>
-            <p:ph sz="quarter" idx="4"/>
-          </p:nvPr>
-        </p:nvSpPr>
-        <p:spPr>
-          <a:xfrm>
-            <a:off x="10214890" y="3494485"/>
-            <a:ext cx="3724947" cy="1910727"/>
-          </a:xfrm>
-        </p:spPr>
-        <p:txBody>
-          <a:bodyPr rtlCol="0">
-            <a:normAutofit/>
-          </a:bodyPr>
+              <a:t>Enfoques iterativos para una estrategia corporativa</a:t>
+            </a:r>
+          </a:p>
+          <a:p>
+            <a:pPr rtl="0"/>
+            <a:r>
+              <a:rPr lang="es-ES" dirty="0"/>
+              <a:t>​Establecer un marco de administración desde dentro</a:t>
+            </a:r>
+          </a:p>
+        </p:txBody>
+      </p:sp>
+      <p:sp>
+        <p:nvSpPr>
+          <p:cNvPr id="8" name="Marcador de pie de página 7">
+            <a:extLst>
+              <a:ext uri="{FF2B5EF4-FFF2-40B4-BE49-F238E27FC236}">
+                <a16:creationId xmlns:a16="http://schemas.microsoft.com/office/drawing/2014/main" id="{905F172A-5D5D-43CD-A187-DA0D303F4144}"/>
+              </a:ext>
+            </a:extLst>
+          </p:cNvPr>
+          <p:cNvSpPr>
+            <a:spLocks noGrp="1"/>
+          </p:cNvSpPr>
+          <p:nvPr>
+            <p:ph type="ftr" sz="quarter" idx="11"/>
+          </p:nvPr>
+        </p:nvSpPr>
+        <p:spPr>
+          <a:xfrm>
+            <a:off x="7324586" y="6250730"/>
+            <a:ext cx="4114800" cy="365125"/>
+          </a:xfrm>
+        </p:spPr>
+        <p:txBody>
+          <a:bodyPr rtlCol="0"/>
           <a:lstStyle>
             <a:defPPr>
               <a:defRPr lang="es-ES"/>
@@ -17059,14 +17287,7 @@
             <a:pPr rtl="0"/>
             <a:r>
               <a:rPr lang="es-ES" dirty="0"/>
-              <a:t>Enfoques iterativos para una estrategia corporativa</a:t>
-            </a:r>
-          </a:p>
-          <a:p>
-            <a:pPr rtl="0"/>
-            <a:r>
-              <a:rPr lang="es-ES" dirty="0"/>
-              <a:t>​Establecer un marco de administración desde dentro</a:t>
+              <a:t>FORBES HIGHEST PAYING ATHLETES ANALYSIS</a:t>
             </a:r>
           </a:p>
         </p:txBody>
@@ -17111,142 +17332,40 @@
           </a:p>
         </p:txBody>
       </p:sp>
-      <p:sp>
-        <p:nvSpPr>
-          <p:cNvPr id="15" name="Marcador de pie de página 4">
-            <a:extLst>
-              <a:ext uri="{FF2B5EF4-FFF2-40B4-BE49-F238E27FC236}">
-                <a16:creationId xmlns:a16="http://schemas.microsoft.com/office/drawing/2014/main" id="{D03417DB-B8B1-A6C2-EC39-D9E06005B059}"/>
-              </a:ext>
-            </a:extLst>
-          </p:cNvPr>
-          <p:cNvSpPr>
-            <a:spLocks noGrp="1"/>
-          </p:cNvSpPr>
-          <p:nvPr>
-            <p:ph type="ftr" sz="quarter" idx="11"/>
-          </p:nvPr>
-        </p:nvSpPr>
-        <p:spPr>
-          <a:xfrm>
-            <a:off x="2463800" y="6356350"/>
-            <a:ext cx="3479800" cy="365125"/>
-          </a:xfrm>
-        </p:spPr>
-        <p:txBody>
-          <a:bodyPr rtlCol="0"/>
-          <a:lstStyle>
-            <a:defPPr>
-              <a:defRPr lang="es-ES"/>
-            </a:defPPr>
-          </a:lstStyle>
-          <a:p>
-            <a:pPr rtl="0"/>
-            <a:r>
-              <a:rPr lang="es-ES" dirty="0"/>
-              <a:t>FORBES HIGHEST PAYING ATHLETES ANALYSIS</a:t>
-            </a:r>
-          </a:p>
-        </p:txBody>
-      </p:sp>
       <p:pic>
         <p:nvPicPr>
-          <p:cNvPr id="3074" name="Picture 2">
-            <a:extLst>
-              <a:ext uri="{FF2B5EF4-FFF2-40B4-BE49-F238E27FC236}">
-                <a16:creationId xmlns:a16="http://schemas.microsoft.com/office/drawing/2014/main" id="{A006EAF0-CE30-5E85-45FF-109E2EAD59B7}"/>
+          <p:cNvPr id="12" name="Picture 11">
+            <a:extLst>
+              <a:ext uri="{FF2B5EF4-FFF2-40B4-BE49-F238E27FC236}">
+                <a16:creationId xmlns:a16="http://schemas.microsoft.com/office/drawing/2014/main" id="{6A1B3BD1-61A8-5FB1-E2CA-6B055E9BE4D3}"/>
               </a:ext>
             </a:extLst>
           </p:cNvPr>
           <p:cNvPicPr>
-            <a:picLocks noChangeAspect="1" noChangeArrowheads="1"/>
+            <a:picLocks noChangeAspect="1"/>
           </p:cNvPicPr>
           <p:nvPr/>
         </p:nvPicPr>
         <p:blipFill>
-          <a:blip r:embed="rId3">
-            <a:extLst>
-              <a:ext uri="{28A0092B-C50C-407E-A947-70E740481C1C}">
-                <a14:useLocalDpi xmlns:a14="http://schemas.microsoft.com/office/drawing/2010/main" val="0"/>
-              </a:ext>
-            </a:extLst>
-          </a:blip>
-          <a:srcRect/>
+          <a:blip r:embed="rId3"/>
           <a:stretch>
             <a:fillRect/>
           </a:stretch>
         </p:blipFill>
-        <p:spPr bwMode="auto">
-          <a:xfrm>
-            <a:off x="965243" y="502842"/>
-            <a:ext cx="4920177" cy="4946488"/>
+        <p:spPr>
+          <a:xfrm>
+            <a:off x="1327199" y="33558"/>
+            <a:ext cx="6909257" cy="6687917"/>
           </a:xfrm>
           <a:prstGeom prst="rect">
             <a:avLst/>
           </a:prstGeom>
-          <a:noFill/>
-          <a:extLst>
-            <a:ext uri="{909E8E84-426E-40DD-AFC4-6F175D3DCCD1}">
-              <a14:hiddenFill xmlns:a14="http://schemas.microsoft.com/office/drawing/2010/main">
-                <a:solidFill>
-                  <a:srgbClr val="FFFFFF"/>
-                </a:solidFill>
-              </a14:hiddenFill>
-            </a:ext>
-          </a:extLst>
-        </p:spPr>
-      </p:pic>
-      <p:pic>
-        <p:nvPicPr>
-          <p:cNvPr id="3078" name="Picture 6">
-            <a:extLst>
-              <a:ext uri="{FF2B5EF4-FFF2-40B4-BE49-F238E27FC236}">
-                <a16:creationId xmlns:a16="http://schemas.microsoft.com/office/drawing/2014/main" id="{DF37C092-D923-2FA0-C69F-47732B0C3DF6}"/>
-              </a:ext>
-            </a:extLst>
-          </p:cNvPr>
-          <p:cNvPicPr>
-            <a:picLocks noChangeAspect="1" noChangeArrowheads="1"/>
-          </p:cNvPicPr>
-          <p:nvPr/>
-        </p:nvPicPr>
-        <p:blipFill>
-          <a:blip r:embed="rId4">
-            <a:extLst>
-              <a:ext uri="{28A0092B-C50C-407E-A947-70E740481C1C}">
-                <a14:useLocalDpi xmlns:a14="http://schemas.microsoft.com/office/drawing/2010/main" val="0"/>
-              </a:ext>
-            </a:extLst>
-          </a:blip>
-          <a:srcRect/>
-          <a:stretch>
-            <a:fillRect/>
-          </a:stretch>
-        </p:blipFill>
-        <p:spPr bwMode="auto">
-          <a:xfrm>
-            <a:off x="6306582" y="502843"/>
-            <a:ext cx="5071932" cy="4946487"/>
-          </a:xfrm>
-          <a:prstGeom prst="rect">
-            <a:avLst/>
-          </a:prstGeom>
-          <a:noFill/>
-          <a:extLst>
-            <a:ext uri="{909E8E84-426E-40DD-AFC4-6F175D3DCCD1}">
-              <a14:hiddenFill xmlns:a14="http://schemas.microsoft.com/office/drawing/2010/main">
-                <a:solidFill>
-                  <a:srgbClr val="FFFFFF"/>
-                </a:solidFill>
-              </a14:hiddenFill>
-            </a:ext>
-          </a:extLst>
         </p:spPr>
       </p:pic>
     </p:spTree>
     <p:extLst>
       <p:ext uri="{BB962C8B-B14F-4D97-AF65-F5344CB8AC3E}">
-        <p14:creationId xmlns:p14="http://schemas.microsoft.com/office/powerpoint/2010/main" val="2262251188"/>
+        <p14:creationId xmlns:p14="http://schemas.microsoft.com/office/powerpoint/2010/main" val="367634751"/>
       </p:ext>
     </p:extLst>
   </p:cSld>
@@ -17278,21 +17397,21 @@
           <p:cNvPr id="2" name="Título 1">
             <a:extLst>
               <a:ext uri="{FF2B5EF4-FFF2-40B4-BE49-F238E27FC236}">
-                <a16:creationId xmlns:a16="http://schemas.microsoft.com/office/drawing/2014/main" id="{B1FE5F11-B7B9-4B80-8C6A-A8A7A7190B77}"/>
-              </a:ext>
-            </a:extLst>
-          </p:cNvPr>
-          <p:cNvSpPr>
-            <a:spLocks noGrp="1"/>
-          </p:cNvSpPr>
-          <p:nvPr>
-            <p:ph type="ctrTitle"/>
-          </p:nvPr>
-        </p:nvSpPr>
-        <p:spPr>
-          <a:xfrm>
-            <a:off x="6458964" y="2945452"/>
-            <a:ext cx="5074920" cy="967095"/>
+                <a16:creationId xmlns:a16="http://schemas.microsoft.com/office/drawing/2014/main" id="{42DD0E59-4C68-4F87-9821-23C69713D980}"/>
+              </a:ext>
+            </a:extLst>
+          </p:cNvPr>
+          <p:cNvSpPr>
+            <a:spLocks noGrp="1"/>
+          </p:cNvSpPr>
+          <p:nvPr>
+            <p:ph type="title"/>
+          </p:nvPr>
+        </p:nvSpPr>
+        <p:spPr>
+          <a:xfrm>
+            <a:off x="1885156" y="892177"/>
+            <a:ext cx="8421688" cy="1325563"/>
           </a:xfrm>
         </p:spPr>
         <p:txBody>
@@ -17305,16 +17424,176 @@
           <a:p>
             <a:pPr rtl="0"/>
             <a:r>
-              <a:rPr lang="en-US" sz="2800" dirty="0"/>
-              <a:t>Limitations and next steps</a:t>
-            </a:r>
+              <a:rPr lang="es-ES" dirty="0"/>
+              <a:t>Conclusions</a:t>
+            </a:r>
+          </a:p>
+        </p:txBody>
+      </p:sp>
+      <p:sp>
+        <p:nvSpPr>
+          <p:cNvPr id="56" name="Marcador de fecha 55">
+            <a:extLst>
+              <a:ext uri="{FF2B5EF4-FFF2-40B4-BE49-F238E27FC236}">
+                <a16:creationId xmlns:a16="http://schemas.microsoft.com/office/drawing/2014/main" id="{B289356A-BDA0-4234-84F2-9F2F25D0D7BD}"/>
+              </a:ext>
+            </a:extLst>
+          </p:cNvPr>
+          <p:cNvSpPr>
+            <a:spLocks noGrp="1"/>
+          </p:cNvSpPr>
+          <p:nvPr>
+            <p:ph type="dt" sz="half" idx="10"/>
+          </p:nvPr>
+        </p:nvSpPr>
+        <p:spPr>
+          <a:xfrm>
+            <a:off x="838200" y="6356350"/>
+            <a:ext cx="2743200" cy="365125"/>
+          </a:xfrm>
+        </p:spPr>
+        <p:txBody>
+          <a:bodyPr rtlCol="0"/>
+          <a:lstStyle>
+            <a:defPPr>
+              <a:defRPr lang="es-ES"/>
+            </a:defPPr>
+          </a:lstStyle>
+          <a:p>
+            <a:pPr rtl="0"/>
+            <a:r>
+              <a:rPr lang="es-ES" dirty="0"/>
+              <a:t>20XX</a:t>
+            </a:r>
+          </a:p>
+        </p:txBody>
+      </p:sp>
+      <p:sp>
+        <p:nvSpPr>
+          <p:cNvPr id="57" name="Marcador de pie de página 56">
+            <a:extLst>
+              <a:ext uri="{FF2B5EF4-FFF2-40B4-BE49-F238E27FC236}">
+                <a16:creationId xmlns:a16="http://schemas.microsoft.com/office/drawing/2014/main" id="{3A38BE84-957B-46B9-A315-4B5064DFF1A1}"/>
+              </a:ext>
+            </a:extLst>
+          </p:cNvPr>
+          <p:cNvSpPr>
+            <a:spLocks noGrp="1"/>
+          </p:cNvSpPr>
+          <p:nvPr>
+            <p:ph type="ftr" sz="quarter" idx="11"/>
+          </p:nvPr>
+        </p:nvSpPr>
+        <p:spPr>
+          <a:xfrm>
+            <a:off x="4038600" y="6356350"/>
+            <a:ext cx="4114800" cy="365125"/>
+          </a:xfrm>
+        </p:spPr>
+        <p:txBody>
+          <a:bodyPr rtlCol="0"/>
+          <a:lstStyle>
+            <a:defPPr>
+              <a:defRPr lang="es-ES"/>
+            </a:defPPr>
+          </a:lstStyle>
+          <a:p>
+            <a:pPr rtl="0"/>
+            <a:r>
+              <a:rPr lang="es-ES" dirty="0"/>
+              <a:t>TÍTULO DE LA PRESENTACIÓN</a:t>
+            </a:r>
+          </a:p>
+        </p:txBody>
+      </p:sp>
+      <p:sp>
+        <p:nvSpPr>
+          <p:cNvPr id="58" name="Marcador de número de diapositiva 57">
+            <a:extLst>
+              <a:ext uri="{FF2B5EF4-FFF2-40B4-BE49-F238E27FC236}">
+                <a16:creationId xmlns:a16="http://schemas.microsoft.com/office/drawing/2014/main" id="{E1900601-8B04-4FF3-B06F-6BEFAC6556D3}"/>
+              </a:ext>
+            </a:extLst>
+          </p:cNvPr>
+          <p:cNvSpPr>
+            <a:spLocks noGrp="1"/>
+          </p:cNvSpPr>
+          <p:nvPr>
+            <p:ph type="sldNum" sz="quarter" idx="12"/>
+          </p:nvPr>
+        </p:nvSpPr>
+        <p:spPr>
+          <a:xfrm>
+            <a:off x="8610600" y="6356350"/>
+            <a:ext cx="2743200" cy="365125"/>
+          </a:xfrm>
+        </p:spPr>
+        <p:txBody>
+          <a:bodyPr rtlCol="0"/>
+          <a:lstStyle>
+            <a:defPPr>
+              <a:defRPr lang="es-ES"/>
+            </a:defPPr>
+          </a:lstStyle>
+          <a:p>
+            <a:pPr rtl="0"/>
+            <a:fld id="{A49DFD55-3C28-40EF-9E31-A92D2E4017FF}" type="slidenum">
+              <a:rPr lang="es-ES" smtClean="0"/>
+              <a:pPr rtl="0"/>
+              <a:t>23</a:t>
+            </a:fld>
+            <a:endParaRPr lang="es-ES" dirty="0"/>
+          </a:p>
+        </p:txBody>
+      </p:sp>
+      <p:sp>
+        <p:nvSpPr>
+          <p:cNvPr id="326" name="Marcador de texto 2">
+            <a:extLst>
+              <a:ext uri="{FF2B5EF4-FFF2-40B4-BE49-F238E27FC236}">
+                <a16:creationId xmlns:a16="http://schemas.microsoft.com/office/drawing/2014/main" id="{7B160DB7-BDF4-9939-C740-26EBBB3E0189}"/>
+              </a:ext>
+            </a:extLst>
+          </p:cNvPr>
+          <p:cNvSpPr>
+            <a:spLocks noGrp="1"/>
+          </p:cNvSpPr>
+          <p:nvPr>
+            <p:ph type="body" idx="1"/>
+          </p:nvPr>
+        </p:nvSpPr>
+        <p:spPr>
+          <a:xfrm>
+            <a:off x="1362074" y="2452812"/>
+            <a:ext cx="9605756" cy="2912564"/>
+          </a:xfrm>
+        </p:spPr>
+        <p:txBody>
+          <a:bodyPr rtlCol="0">
+            <a:normAutofit/>
+          </a:bodyPr>
+          <a:lstStyle>
+            <a:defPPr>
+              <a:defRPr lang="es-ES"/>
+            </a:defPPr>
+          </a:lstStyle>
+          <a:p>
+            <a:pPr rtl="0"/>
+            <a:r>
+              <a:rPr lang="es-ES" sz="1400" dirty="0"/>
+              <a:t>ADD CONCLUSIONS HERE</a:t>
+            </a:r>
+          </a:p>
+          <a:p>
+            <a:pPr rtl="0"/>
+            <a:endParaRPr lang="es-ES" sz="1400" dirty="0"/>
           </a:p>
         </p:txBody>
       </p:sp>
     </p:spTree>
     <p:extLst>
       <p:ext uri="{BB962C8B-B14F-4D97-AF65-F5344CB8AC3E}">
-        <p14:creationId xmlns:p14="http://schemas.microsoft.com/office/powerpoint/2010/main" val="3671601111"/>
+        <p14:creationId xmlns:p14="http://schemas.microsoft.com/office/powerpoint/2010/main" val="1007431861"/>
       </p:ext>
     </p:extLst>
   </p:cSld>
@@ -17346,7 +17625,7 @@
           <p:cNvPr id="2" name="Título 1">
             <a:extLst>
               <a:ext uri="{FF2B5EF4-FFF2-40B4-BE49-F238E27FC236}">
-                <a16:creationId xmlns:a16="http://schemas.microsoft.com/office/drawing/2014/main" id="{4518FC28-E0BD-4387-B8BE-9965D1A57FF1}"/>
+                <a16:creationId xmlns:a16="http://schemas.microsoft.com/office/drawing/2014/main" id="{09140014-73D5-419B-8867-972BB18D52D4}"/>
               </a:ext>
             </a:extLst>
           </p:cNvPr>
@@ -17359,8 +17638,8 @@
         </p:nvSpPr>
         <p:spPr>
           <a:xfrm>
-            <a:off x="5428430" y="502056"/>
-            <a:ext cx="5111750" cy="1204912"/>
+            <a:off x="2933700" y="892177"/>
+            <a:ext cx="8421688" cy="1325563"/>
           </a:xfrm>
         </p:spPr>
         <p:txBody>
@@ -17374,36 +17653,36 @@
             <a:pPr rtl="0"/>
             <a:r>
               <a:rPr lang="es-ES" dirty="0"/>
-              <a:t>limitations</a:t>
-            </a:r>
-          </a:p>
-        </p:txBody>
-      </p:sp>
-      <p:sp>
-        <p:nvSpPr>
-          <p:cNvPr id="3" name="Marcador de texto 2">
-            <a:extLst>
-              <a:ext uri="{FF2B5EF4-FFF2-40B4-BE49-F238E27FC236}">
-                <a16:creationId xmlns:a16="http://schemas.microsoft.com/office/drawing/2014/main" id="{FED19BCA-B61F-4EA6-A1FB-CCA3BD8506FB}"/>
-              </a:ext>
-            </a:extLst>
-          </p:cNvPr>
-          <p:cNvSpPr>
-            <a:spLocks noGrp="1"/>
-          </p:cNvSpPr>
-          <p:nvPr>
-            <p:ph type="body" idx="1"/>
-          </p:nvPr>
-        </p:nvSpPr>
-        <p:spPr>
-          <a:xfrm>
-            <a:off x="5428430" y="2094275"/>
-            <a:ext cx="5550426" cy="2592781"/>
+              <a:t>ÁREAS DE ENFOQUE</a:t>
+            </a:r>
+          </a:p>
+        </p:txBody>
+      </p:sp>
+      <p:sp>
+        <p:nvSpPr>
+          <p:cNvPr id="4" name="Marcador de contenido 3">
+            <a:extLst>
+              <a:ext uri="{FF2B5EF4-FFF2-40B4-BE49-F238E27FC236}">
+                <a16:creationId xmlns:a16="http://schemas.microsoft.com/office/drawing/2014/main" id="{33D8731E-4977-402E-8BFD-895B4D0544CC}"/>
+              </a:ext>
+            </a:extLst>
+          </p:cNvPr>
+          <p:cNvSpPr>
+            <a:spLocks noGrp="1"/>
+          </p:cNvSpPr>
+          <p:nvPr>
+            <p:ph sz="half" idx="2"/>
+          </p:nvPr>
+        </p:nvSpPr>
+        <p:spPr>
+          <a:xfrm>
+            <a:off x="2933700" y="3834606"/>
+            <a:ext cx="3924300" cy="1997867"/>
           </a:xfrm>
         </p:spPr>
         <p:txBody>
           <a:bodyPr rtlCol="0">
-            <a:normAutofit lnSpcReduction="10000"/>
+            <a:normAutofit/>
           </a:bodyPr>
           <a:lstStyle>
             <a:defPPr>
@@ -17411,57 +17690,48 @@
             </a:defPPr>
           </a:lstStyle>
           <a:p>
-            <a:pPr marL="342900" indent="-342900" rtl="0">
-              <a:buFont typeface="Courier New" panose="02070309020205020404" pitchFamily="49" charset="0"/>
-              <a:buChar char="o"/>
-            </a:pPr>
+            <a:pPr rtl="0"/>
             <a:r>
               <a:rPr lang="es-ES" dirty="0"/>
-              <a:t>Database only included top earners for every year 10. It would be interesting to understand if regional data behaves similarly when analyzing a larger sample of athlete earnings.</a:t>
-            </a:r>
-          </a:p>
-          <a:p>
-            <a:pPr marL="342900" indent="-342900" rtl="0">
-              <a:buFont typeface="Courier New" panose="02070309020205020404" pitchFamily="49" charset="0"/>
-              <a:buChar char="o"/>
-            </a:pPr>
+              <a:t>Desarrollar estrategias ganadoras para seguir a la vanguardia de la competencia</a:t>
+            </a:r>
+          </a:p>
+          <a:p>
+            <a:pPr rtl="0"/>
             <a:r>
               <a:rPr lang="es-ES" dirty="0"/>
-              <a:t>We lacked industry data (ex. TV rights, number of spectators, team valuations) to carry out a correlation analysis to understand key drivers for earnings.</a:t>
-            </a:r>
-          </a:p>
-          <a:p>
-            <a:pPr marL="342900" indent="-342900" rtl="0">
-              <a:buFont typeface="Courier New" panose="02070309020205020404" pitchFamily="49" charset="0"/>
-              <a:buChar char="o"/>
-            </a:pPr>
+              <a:t>​Aprovechar los frutos obtenidos para identificar un valor en el terreno de juego</a:t>
+            </a:r>
+          </a:p>
+          <a:p>
+            <a:pPr rtl="0"/>
             <a:r>
               <a:rPr lang="es-ES" dirty="0"/>
-              <a:t>When it comes to calculating average earnings by country when it comes to athletes there is a limitation in the form of us not having a large enough sample size to illustrate this effectively</a:t>
-            </a:r>
-          </a:p>
-        </p:txBody>
-      </p:sp>
-      <p:sp>
-        <p:nvSpPr>
-          <p:cNvPr id="4" name="Marcador de fecha 3">
-            <a:extLst>
-              <a:ext uri="{FF2B5EF4-FFF2-40B4-BE49-F238E27FC236}">
-                <a16:creationId xmlns:a16="http://schemas.microsoft.com/office/drawing/2014/main" id="{00560550-EE65-43CE-B899-F421E74287A1}"/>
-              </a:ext>
-            </a:extLst>
-          </p:cNvPr>
-          <p:cNvSpPr>
-            <a:spLocks noGrp="1"/>
-          </p:cNvSpPr>
-          <p:nvPr>
-            <p:ph type="dt" sz="half" idx="10"/>
-          </p:nvPr>
-        </p:nvSpPr>
-        <p:spPr>
-          <a:xfrm>
-            <a:off x="838200" y="6356350"/>
-            <a:ext cx="2743200" cy="365125"/>
+              <a:t>​Visualizar la convergencia dirigida al cliente</a:t>
+            </a:r>
+          </a:p>
+        </p:txBody>
+      </p:sp>
+      <p:sp>
+        <p:nvSpPr>
+          <p:cNvPr id="5" name="Marcador de texto 4">
+            <a:extLst>
+              <a:ext uri="{FF2B5EF4-FFF2-40B4-BE49-F238E27FC236}">
+                <a16:creationId xmlns:a16="http://schemas.microsoft.com/office/drawing/2014/main" id="{91CDEC5F-B8EE-4BC1-843F-13135E6E7AB2}"/>
+              </a:ext>
+            </a:extLst>
+          </p:cNvPr>
+          <p:cNvSpPr>
+            <a:spLocks noGrp="1"/>
+          </p:cNvSpPr>
+          <p:nvPr>
+            <p:ph type="body" sz="quarter" idx="3"/>
+          </p:nvPr>
+        </p:nvSpPr>
+        <p:spPr>
+          <a:xfrm>
+            <a:off x="7410173" y="2776936"/>
+            <a:ext cx="3943627" cy="823912"/>
           </a:xfrm>
         </p:spPr>
         <p:txBody>
@@ -17475,35 +17745,37 @@
             <a:pPr rtl="0"/>
             <a:r>
               <a:rPr lang="es-ES" dirty="0"/>
-              <a:t>20XX</a:t>
-            </a:r>
-          </a:p>
-        </p:txBody>
-      </p:sp>
-      <p:sp>
-        <p:nvSpPr>
-          <p:cNvPr id="5" name="Marcador de pie de página 4">
-            <a:extLst>
-              <a:ext uri="{FF2B5EF4-FFF2-40B4-BE49-F238E27FC236}">
-                <a16:creationId xmlns:a16="http://schemas.microsoft.com/office/drawing/2014/main" id="{4135E32A-1A8C-43D2-9C6E-12887B4DEDFB}"/>
-              </a:ext>
-            </a:extLst>
-          </p:cNvPr>
-          <p:cNvSpPr>
-            <a:spLocks noGrp="1"/>
-          </p:cNvSpPr>
-          <p:nvPr>
-            <p:ph type="ftr" sz="quarter" idx="11"/>
-          </p:nvPr>
-        </p:nvSpPr>
-        <p:spPr>
-          <a:xfrm>
-            <a:off x="4038600" y="6356350"/>
-            <a:ext cx="4114800" cy="365125"/>
-          </a:xfrm>
-        </p:spPr>
-        <p:txBody>
-          <a:bodyPr rtlCol="0"/>
+              <a:t>OPORTUNIDADES BASADAS EN LA NUBE</a:t>
+            </a:r>
+          </a:p>
+        </p:txBody>
+      </p:sp>
+      <p:sp>
+        <p:nvSpPr>
+          <p:cNvPr id="6" name="Marcador de contenido 5">
+            <a:extLst>
+              <a:ext uri="{FF2B5EF4-FFF2-40B4-BE49-F238E27FC236}">
+                <a16:creationId xmlns:a16="http://schemas.microsoft.com/office/drawing/2014/main" id="{50B65871-FA95-449A-B8BC-90486DE532EF}"/>
+              </a:ext>
+            </a:extLst>
+          </p:cNvPr>
+          <p:cNvSpPr>
+            <a:spLocks noGrp="1"/>
+          </p:cNvSpPr>
+          <p:nvPr>
+            <p:ph sz="quarter" idx="4"/>
+          </p:nvPr>
+        </p:nvSpPr>
+        <p:spPr>
+          <a:xfrm>
+            <a:off x="10214890" y="3494485"/>
+            <a:ext cx="3724947" cy="1910727"/>
+          </a:xfrm>
+        </p:spPr>
+        <p:txBody>
+          <a:bodyPr rtlCol="0">
+            <a:normAutofit/>
+          </a:bodyPr>
           <a:lstStyle>
             <a:defPPr>
               <a:defRPr lang="es-ES"/>
@@ -17513,17 +17785,24 @@
             <a:pPr rtl="0"/>
             <a:r>
               <a:rPr lang="es-ES" dirty="0"/>
-              <a:t>TÍTULO DE LA PRESENTACIÓN</a:t>
-            </a:r>
-          </a:p>
-        </p:txBody>
-      </p:sp>
-      <p:sp>
-        <p:nvSpPr>
-          <p:cNvPr id="6" name="Marcador de número de diapositiva 5">
-            <a:extLst>
-              <a:ext uri="{FF2B5EF4-FFF2-40B4-BE49-F238E27FC236}">
-                <a16:creationId xmlns:a16="http://schemas.microsoft.com/office/drawing/2014/main" id="{7C4B8313-9270-4128-8674-3A3E42B806BC}"/>
+              <a:t>Enfoques iterativos para una estrategia corporativa</a:t>
+            </a:r>
+          </a:p>
+          <a:p>
+            <a:pPr rtl="0"/>
+            <a:r>
+              <a:rPr lang="es-ES" dirty="0"/>
+              <a:t>​Establecer un marco de administración desde dentro</a:t>
+            </a:r>
+          </a:p>
+        </p:txBody>
+      </p:sp>
+      <p:sp>
+        <p:nvSpPr>
+          <p:cNvPr id="9" name="Marcador de número de diapositiva 8">
+            <a:extLst>
+              <a:ext uri="{FF2B5EF4-FFF2-40B4-BE49-F238E27FC236}">
+                <a16:creationId xmlns:a16="http://schemas.microsoft.com/office/drawing/2014/main" id="{C396FFDC-ADE8-4009-A466-A81787258E88}"/>
               </a:ext>
             </a:extLst>
           </p:cNvPr>
@@ -17558,10 +17837,48 @@
           </a:p>
         </p:txBody>
       </p:sp>
+      <p:sp>
+        <p:nvSpPr>
+          <p:cNvPr id="15" name="Marcador de pie de página 4">
+            <a:extLst>
+              <a:ext uri="{FF2B5EF4-FFF2-40B4-BE49-F238E27FC236}">
+                <a16:creationId xmlns:a16="http://schemas.microsoft.com/office/drawing/2014/main" id="{D03417DB-B8B1-A6C2-EC39-D9E06005B059}"/>
+              </a:ext>
+            </a:extLst>
+          </p:cNvPr>
+          <p:cNvSpPr>
+            <a:spLocks noGrp="1"/>
+          </p:cNvSpPr>
+          <p:nvPr>
+            <p:ph type="ftr" sz="quarter" idx="11"/>
+          </p:nvPr>
+        </p:nvSpPr>
+        <p:spPr>
+          <a:xfrm>
+            <a:off x="2463800" y="6356350"/>
+            <a:ext cx="3479800" cy="365125"/>
+          </a:xfrm>
+        </p:spPr>
+        <p:txBody>
+          <a:bodyPr rtlCol="0"/>
+          <a:lstStyle>
+            <a:defPPr>
+              <a:defRPr lang="es-ES"/>
+            </a:defPPr>
+          </a:lstStyle>
+          <a:p>
+            <a:pPr rtl="0"/>
+            <a:r>
+              <a:rPr lang="es-ES" dirty="0"/>
+              <a:t>FORBES HIGHEST PAYING ATHLETES ANALYSIS</a:t>
+            </a:r>
+          </a:p>
+        </p:txBody>
+      </p:sp>
     </p:spTree>
     <p:extLst>
       <p:ext uri="{BB962C8B-B14F-4D97-AF65-F5344CB8AC3E}">
-        <p14:creationId xmlns:p14="http://schemas.microsoft.com/office/powerpoint/2010/main" val="1742861620"/>
+        <p14:creationId xmlns:p14="http://schemas.microsoft.com/office/powerpoint/2010/main" val="2262251188"/>
       </p:ext>
     </p:extLst>
   </p:cSld>
@@ -17593,21 +17910,21 @@
           <p:cNvPr id="2" name="Título 1">
             <a:extLst>
               <a:ext uri="{FF2B5EF4-FFF2-40B4-BE49-F238E27FC236}">
-                <a16:creationId xmlns:a16="http://schemas.microsoft.com/office/drawing/2014/main" id="{09140014-73D5-419B-8867-972BB18D52D4}"/>
-              </a:ext>
-            </a:extLst>
-          </p:cNvPr>
-          <p:cNvSpPr>
-            <a:spLocks noGrp="1"/>
-          </p:cNvSpPr>
-          <p:nvPr>
-            <p:ph type="title"/>
-          </p:nvPr>
-        </p:nvSpPr>
-        <p:spPr>
-          <a:xfrm>
-            <a:off x="2933700" y="892177"/>
-            <a:ext cx="8421688" cy="1325563"/>
+                <a16:creationId xmlns:a16="http://schemas.microsoft.com/office/drawing/2014/main" id="{B1FE5F11-B7B9-4B80-8C6A-A8A7A7190B77}"/>
+              </a:ext>
+            </a:extLst>
+          </p:cNvPr>
+          <p:cNvSpPr>
+            <a:spLocks noGrp="1"/>
+          </p:cNvSpPr>
+          <p:nvPr>
+            <p:ph type="ctrTitle"/>
+          </p:nvPr>
+        </p:nvSpPr>
+        <p:spPr>
+          <a:xfrm>
+            <a:off x="6458964" y="2945452"/>
+            <a:ext cx="5074920" cy="967095"/>
           </a:xfrm>
         </p:spPr>
         <p:txBody>
@@ -17620,263 +17937,16 @@
           <a:p>
             <a:pPr rtl="0"/>
             <a:r>
-              <a:rPr lang="es-ES" dirty="0"/>
-              <a:t>ÁREAS DE ENFOQUE</a:t>
-            </a:r>
-          </a:p>
-        </p:txBody>
-      </p:sp>
-      <p:sp>
-        <p:nvSpPr>
-          <p:cNvPr id="4" name="Marcador de contenido 3">
-            <a:extLst>
-              <a:ext uri="{FF2B5EF4-FFF2-40B4-BE49-F238E27FC236}">
-                <a16:creationId xmlns:a16="http://schemas.microsoft.com/office/drawing/2014/main" id="{33D8731E-4977-402E-8BFD-895B4D0544CC}"/>
-              </a:ext>
-            </a:extLst>
-          </p:cNvPr>
-          <p:cNvSpPr>
-            <a:spLocks noGrp="1"/>
-          </p:cNvSpPr>
-          <p:nvPr>
-            <p:ph sz="half" idx="2"/>
-          </p:nvPr>
-        </p:nvSpPr>
-        <p:spPr>
-          <a:xfrm>
-            <a:off x="2933700" y="3834606"/>
-            <a:ext cx="3924300" cy="1997867"/>
-          </a:xfrm>
-        </p:spPr>
-        <p:txBody>
-          <a:bodyPr rtlCol="0">
-            <a:normAutofit/>
-          </a:bodyPr>
-          <a:lstStyle>
-            <a:defPPr>
-              <a:defRPr lang="es-ES"/>
-            </a:defPPr>
-          </a:lstStyle>
-          <a:p>
-            <a:pPr rtl="0"/>
-            <a:r>
-              <a:rPr lang="es-ES" dirty="0"/>
-              <a:t>Desarrollar estrategias ganadoras para seguir a la vanguardia de la competencia</a:t>
-            </a:r>
-          </a:p>
-          <a:p>
-            <a:pPr rtl="0"/>
-            <a:r>
-              <a:rPr lang="es-ES" dirty="0"/>
-              <a:t>​Aprovechar los frutos obtenidos para identificar un valor en el terreno de juego</a:t>
-            </a:r>
-          </a:p>
-          <a:p>
-            <a:pPr rtl="0"/>
-            <a:r>
-              <a:rPr lang="es-ES" dirty="0"/>
-              <a:t>​Visualizar la convergencia dirigida al cliente</a:t>
-            </a:r>
-          </a:p>
-        </p:txBody>
-      </p:sp>
-      <p:sp>
-        <p:nvSpPr>
-          <p:cNvPr id="5" name="Marcador de texto 4">
-            <a:extLst>
-              <a:ext uri="{FF2B5EF4-FFF2-40B4-BE49-F238E27FC236}">
-                <a16:creationId xmlns:a16="http://schemas.microsoft.com/office/drawing/2014/main" id="{91CDEC5F-B8EE-4BC1-843F-13135E6E7AB2}"/>
-              </a:ext>
-            </a:extLst>
-          </p:cNvPr>
-          <p:cNvSpPr>
-            <a:spLocks noGrp="1"/>
-          </p:cNvSpPr>
-          <p:nvPr>
-            <p:ph type="body" sz="quarter" idx="3"/>
-          </p:nvPr>
-        </p:nvSpPr>
-        <p:spPr>
-          <a:xfrm>
-            <a:off x="7410173" y="2776936"/>
-            <a:ext cx="3943627" cy="823912"/>
-          </a:xfrm>
-        </p:spPr>
-        <p:txBody>
-          <a:bodyPr rtlCol="0"/>
-          <a:lstStyle>
-            <a:defPPr>
-              <a:defRPr lang="es-ES"/>
-            </a:defPPr>
-          </a:lstStyle>
-          <a:p>
-            <a:pPr rtl="0"/>
-            <a:r>
-              <a:rPr lang="es-ES" dirty="0"/>
-              <a:t>OPORTUNIDADES BASADAS EN LA NUBE</a:t>
-            </a:r>
-          </a:p>
-        </p:txBody>
-      </p:sp>
-      <p:sp>
-        <p:nvSpPr>
-          <p:cNvPr id="6" name="Marcador de contenido 5">
-            <a:extLst>
-              <a:ext uri="{FF2B5EF4-FFF2-40B4-BE49-F238E27FC236}">
-                <a16:creationId xmlns:a16="http://schemas.microsoft.com/office/drawing/2014/main" id="{50B65871-FA95-449A-B8BC-90486DE532EF}"/>
-              </a:ext>
-            </a:extLst>
-          </p:cNvPr>
-          <p:cNvSpPr>
-            <a:spLocks noGrp="1"/>
-          </p:cNvSpPr>
-          <p:nvPr>
-            <p:ph sz="quarter" idx="4"/>
-          </p:nvPr>
-        </p:nvSpPr>
-        <p:spPr>
-          <a:xfrm>
-            <a:off x="7410173" y="3834606"/>
-            <a:ext cx="3943627" cy="1997867"/>
-          </a:xfrm>
-        </p:spPr>
-        <p:txBody>
-          <a:bodyPr rtlCol="0">
-            <a:normAutofit/>
-          </a:bodyPr>
-          <a:lstStyle>
-            <a:defPPr>
-              <a:defRPr lang="es-ES"/>
-            </a:defPPr>
-          </a:lstStyle>
-          <a:p>
-            <a:pPr rtl="0"/>
-            <a:r>
-              <a:rPr lang="es-ES" dirty="0"/>
-              <a:t>Enfoques iterativos para una estrategia corporativa</a:t>
-            </a:r>
-          </a:p>
-          <a:p>
-            <a:pPr rtl="0"/>
-            <a:r>
-              <a:rPr lang="es-ES" dirty="0"/>
-              <a:t>​Establecer un marco de administración desde dentro</a:t>
-            </a:r>
-          </a:p>
-        </p:txBody>
-      </p:sp>
-      <p:sp>
-        <p:nvSpPr>
-          <p:cNvPr id="9" name="Marcador de número de diapositiva 8">
-            <a:extLst>
-              <a:ext uri="{FF2B5EF4-FFF2-40B4-BE49-F238E27FC236}">
-                <a16:creationId xmlns:a16="http://schemas.microsoft.com/office/drawing/2014/main" id="{C396FFDC-ADE8-4009-A466-A81787258E88}"/>
-              </a:ext>
-            </a:extLst>
-          </p:cNvPr>
-          <p:cNvSpPr>
-            <a:spLocks noGrp="1"/>
-          </p:cNvSpPr>
-          <p:nvPr>
-            <p:ph type="sldNum" sz="quarter" idx="12"/>
-          </p:nvPr>
-        </p:nvSpPr>
-        <p:spPr>
-          <a:xfrm>
-            <a:off x="8610600" y="6356350"/>
-            <a:ext cx="2743200" cy="365125"/>
-          </a:xfrm>
-        </p:spPr>
-        <p:txBody>
-          <a:bodyPr rtlCol="0"/>
-          <a:lstStyle>
-            <a:defPPr>
-              <a:defRPr lang="es-ES"/>
-            </a:defPPr>
-          </a:lstStyle>
-          <a:p>
-            <a:pPr rtl="0"/>
-            <a:fld id="{A49DFD55-3C28-40EF-9E31-A92D2E4017FF}" type="slidenum">
-              <a:rPr lang="es-ES" smtClean="0"/>
-              <a:pPr rtl="0"/>
-              <a:t>25</a:t>
-            </a:fld>
-            <a:endParaRPr lang="es-ES" dirty="0"/>
-          </a:p>
-        </p:txBody>
-      </p:sp>
-      <p:sp>
-        <p:nvSpPr>
-          <p:cNvPr id="15" name="Marcador de pie de página 4">
-            <a:extLst>
-              <a:ext uri="{FF2B5EF4-FFF2-40B4-BE49-F238E27FC236}">
-                <a16:creationId xmlns:a16="http://schemas.microsoft.com/office/drawing/2014/main" id="{D03417DB-B8B1-A6C2-EC39-D9E06005B059}"/>
-              </a:ext>
-            </a:extLst>
-          </p:cNvPr>
-          <p:cNvSpPr>
-            <a:spLocks noGrp="1"/>
-          </p:cNvSpPr>
-          <p:nvPr>
-            <p:ph type="ftr" sz="quarter" idx="11"/>
-          </p:nvPr>
-        </p:nvSpPr>
-        <p:spPr>
-          <a:xfrm>
-            <a:off x="2463800" y="6356350"/>
-            <a:ext cx="3479800" cy="365125"/>
-          </a:xfrm>
-        </p:spPr>
-        <p:txBody>
-          <a:bodyPr rtlCol="0"/>
-          <a:lstStyle>
-            <a:defPPr>
-              <a:defRPr lang="es-ES"/>
-            </a:defPPr>
-          </a:lstStyle>
-          <a:p>
-            <a:pPr rtl="0"/>
-            <a:r>
-              <a:rPr lang="es-ES" dirty="0"/>
-              <a:t>FORBES HIGHEST PAYING ATHLETES ANALYSIS</a:t>
-            </a:r>
-          </a:p>
-        </p:txBody>
-      </p:sp>
-      <p:pic>
-        <p:nvPicPr>
-          <p:cNvPr id="19" name="Picture 18">
-            <a:extLst>
-              <a:ext uri="{FF2B5EF4-FFF2-40B4-BE49-F238E27FC236}">
-                <a16:creationId xmlns:a16="http://schemas.microsoft.com/office/drawing/2014/main" id="{107FBD5C-404A-8952-57AD-16E7D834AE5E}"/>
-              </a:ext>
-            </a:extLst>
-          </p:cNvPr>
-          <p:cNvPicPr>
-            <a:picLocks noChangeAspect="1"/>
-          </p:cNvPicPr>
-          <p:nvPr/>
-        </p:nvPicPr>
-        <p:blipFill>
-          <a:blip r:embed="rId3"/>
-          <a:stretch>
-            <a:fillRect/>
-          </a:stretch>
-        </p:blipFill>
-        <p:spPr>
-          <a:xfrm>
-            <a:off x="0" y="177799"/>
-            <a:ext cx="12192000" cy="6502401"/>
-          </a:xfrm>
-          <a:prstGeom prst="rect">
-            <a:avLst/>
-          </a:prstGeom>
-        </p:spPr>
-      </p:pic>
+              <a:rPr lang="en-US" sz="2800" dirty="0"/>
+              <a:t>Limitations and next steps</a:t>
+            </a:r>
+          </a:p>
+        </p:txBody>
+      </p:sp>
     </p:spTree>
     <p:extLst>
       <p:ext uri="{BB962C8B-B14F-4D97-AF65-F5344CB8AC3E}">
-        <p14:creationId xmlns:p14="http://schemas.microsoft.com/office/powerpoint/2010/main" val="921118608"/>
+        <p14:creationId xmlns:p14="http://schemas.microsoft.com/office/powerpoint/2010/main" val="3671601111"/>
       </p:ext>
     </p:extLst>
   </p:cSld>
@@ -17908,97 +17978,122 @@
           <p:cNvPr id="2" name="Título 1">
             <a:extLst>
               <a:ext uri="{FF2B5EF4-FFF2-40B4-BE49-F238E27FC236}">
-                <a16:creationId xmlns:a16="http://schemas.microsoft.com/office/drawing/2014/main" id="{8BDF1EDE-5423-435C-B149-87AB1BC22B83}"/>
-              </a:ext>
-            </a:extLst>
-          </p:cNvPr>
-          <p:cNvSpPr>
-            <a:spLocks noGrp="1"/>
-          </p:cNvSpPr>
-          <p:nvPr>
-            <p:ph type="ctrTitle"/>
-          </p:nvPr>
-        </p:nvSpPr>
-        <p:spPr>
-          <a:xfrm>
-            <a:off x="5221715" y="2666632"/>
-            <a:ext cx="4523715" cy="1524735"/>
-          </a:xfrm>
-        </p:spPr>
-        <p:txBody>
-          <a:bodyPr rtlCol="0" anchor="ctr"/>
+                <a16:creationId xmlns:a16="http://schemas.microsoft.com/office/drawing/2014/main" id="{4518FC28-E0BD-4387-B8BE-9965D1A57FF1}"/>
+              </a:ext>
+            </a:extLst>
+          </p:cNvPr>
+          <p:cNvSpPr>
+            <a:spLocks noGrp="1"/>
+          </p:cNvSpPr>
+          <p:nvPr>
+            <p:ph type="title"/>
+          </p:nvPr>
+        </p:nvSpPr>
+        <p:spPr>
+          <a:xfrm>
+            <a:off x="5428430" y="502056"/>
+            <a:ext cx="5111750" cy="1204912"/>
+          </a:xfrm>
+        </p:spPr>
+        <p:txBody>
+          <a:bodyPr rtlCol="0"/>
           <a:lstStyle>
             <a:defPPr>
               <a:defRPr lang="es-ES"/>
             </a:defPPr>
           </a:lstStyle>
           <a:p>
-            <a:pPr algn="ctr" rtl="0"/>
+            <a:pPr rtl="0"/>
             <a:r>
               <a:rPr lang="es-ES" dirty="0"/>
-              <a:t>Thanks!</a:t>
-            </a:r>
-          </a:p>
-        </p:txBody>
-      </p:sp>
-      <p:sp>
-        <p:nvSpPr>
-          <p:cNvPr id="4" name="Marcador de fecha 3">
-            <a:extLst>
-              <a:ext uri="{FF2B5EF4-FFF2-40B4-BE49-F238E27FC236}">
-                <a16:creationId xmlns:a16="http://schemas.microsoft.com/office/drawing/2014/main" id="{A47C7382-18E7-4821-8C61-461D6BBE08FC}"/>
-              </a:ext>
-            </a:extLst>
-          </p:cNvPr>
-          <p:cNvSpPr>
-            <a:spLocks noGrp="1"/>
-          </p:cNvSpPr>
-          <p:nvPr>
-            <p:ph type="dt" sz="half" idx="10"/>
-          </p:nvPr>
-        </p:nvSpPr>
-        <p:spPr>
-          <a:xfrm>
-            <a:off x="4267200" y="6356350"/>
-            <a:ext cx="1774371" cy="365125"/>
-          </a:xfrm>
-        </p:spPr>
-        <p:txBody>
-          <a:bodyPr rtlCol="0"/>
+              <a:t>limitations</a:t>
+            </a:r>
+          </a:p>
+        </p:txBody>
+      </p:sp>
+      <p:sp>
+        <p:nvSpPr>
+          <p:cNvPr id="3" name="Marcador de texto 2">
+            <a:extLst>
+              <a:ext uri="{FF2B5EF4-FFF2-40B4-BE49-F238E27FC236}">
+                <a16:creationId xmlns:a16="http://schemas.microsoft.com/office/drawing/2014/main" id="{FED19BCA-B61F-4EA6-A1FB-CCA3BD8506FB}"/>
+              </a:ext>
+            </a:extLst>
+          </p:cNvPr>
+          <p:cNvSpPr>
+            <a:spLocks noGrp="1"/>
+          </p:cNvSpPr>
+          <p:nvPr>
+            <p:ph type="body" idx="1"/>
+          </p:nvPr>
+        </p:nvSpPr>
+        <p:spPr>
+          <a:xfrm>
+            <a:off x="5428430" y="2094275"/>
+            <a:ext cx="5550426" cy="2592781"/>
+          </a:xfrm>
+        </p:spPr>
+        <p:txBody>
+          <a:bodyPr rtlCol="0">
+            <a:normAutofit lnSpcReduction="10000"/>
+          </a:bodyPr>
           <a:lstStyle>
             <a:defPPr>
               <a:defRPr lang="es-ES"/>
             </a:defPPr>
           </a:lstStyle>
           <a:p>
-            <a:pPr rtl="0"/>
+            <a:pPr marL="342900" indent="-342900" rtl="0">
+              <a:buFont typeface="Courier New" panose="02070309020205020404" pitchFamily="49" charset="0"/>
+              <a:buChar char="o"/>
+            </a:pPr>
             <a:r>
               <a:rPr lang="es-ES" dirty="0"/>
-              <a:t>20XX</a:t>
-            </a:r>
-          </a:p>
-        </p:txBody>
-      </p:sp>
-      <p:sp>
-        <p:nvSpPr>
-          <p:cNvPr id="5" name="Marcador de pie de página 4">
-            <a:extLst>
-              <a:ext uri="{FF2B5EF4-FFF2-40B4-BE49-F238E27FC236}">
-                <a16:creationId xmlns:a16="http://schemas.microsoft.com/office/drawing/2014/main" id="{3990FA1B-5022-47AB-A0AE-8F5C5797997C}"/>
-              </a:ext>
-            </a:extLst>
-          </p:cNvPr>
-          <p:cNvSpPr>
-            <a:spLocks noGrp="1"/>
-          </p:cNvSpPr>
-          <p:nvPr>
-            <p:ph type="ftr" sz="quarter" idx="11"/>
-          </p:nvPr>
-        </p:nvSpPr>
-        <p:spPr>
-          <a:xfrm>
-            <a:off x="6479721" y="6356350"/>
-            <a:ext cx="2661557" cy="365125"/>
+              <a:t>Database only included top earners for every year 10. It would be interesting to understand if regional data behaves similarly when analyzing a larger sample of athlete earnings.</a:t>
+            </a:r>
+          </a:p>
+          <a:p>
+            <a:pPr marL="342900" indent="-342900" rtl="0">
+              <a:buFont typeface="Courier New" panose="02070309020205020404" pitchFamily="49" charset="0"/>
+              <a:buChar char="o"/>
+            </a:pPr>
+            <a:r>
+              <a:rPr lang="es-ES" dirty="0"/>
+              <a:t>We lacked industry data (ex. TV rights, number of spectators, team valuations) to carry out a correlation analysis to understand key drivers for earnings.</a:t>
+            </a:r>
+          </a:p>
+          <a:p>
+            <a:pPr marL="342900" indent="-342900" rtl="0">
+              <a:buFont typeface="Courier New" panose="02070309020205020404" pitchFamily="49" charset="0"/>
+              <a:buChar char="o"/>
+            </a:pPr>
+            <a:r>
+              <a:rPr lang="es-ES" dirty="0"/>
+              <a:t>When it comes to calculating average earnings by country when it comes to athletes there is a limitation in the form of us not having a large enough sample size to illustrate this effectively</a:t>
+            </a:r>
+          </a:p>
+        </p:txBody>
+      </p:sp>
+      <p:sp>
+        <p:nvSpPr>
+          <p:cNvPr id="4" name="Marcador de fecha 3">
+            <a:extLst>
+              <a:ext uri="{FF2B5EF4-FFF2-40B4-BE49-F238E27FC236}">
+                <a16:creationId xmlns:a16="http://schemas.microsoft.com/office/drawing/2014/main" id="{00560550-EE65-43CE-B899-F421E74287A1}"/>
+              </a:ext>
+            </a:extLst>
+          </p:cNvPr>
+          <p:cNvSpPr>
+            <a:spLocks noGrp="1"/>
+          </p:cNvSpPr>
+          <p:nvPr>
+            <p:ph type="dt" sz="half" idx="10"/>
+          </p:nvPr>
+        </p:nvSpPr>
+        <p:spPr>
+          <a:xfrm>
+            <a:off x="838200" y="6356350"/>
+            <a:ext cx="2743200" cy="365125"/>
           </a:xfrm>
         </p:spPr>
         <p:txBody>
@@ -18012,6 +18107,44 @@
             <a:pPr rtl="0"/>
             <a:r>
               <a:rPr lang="es-ES" dirty="0"/>
+              <a:t>20XX</a:t>
+            </a:r>
+          </a:p>
+        </p:txBody>
+      </p:sp>
+      <p:sp>
+        <p:nvSpPr>
+          <p:cNvPr id="5" name="Marcador de pie de página 4">
+            <a:extLst>
+              <a:ext uri="{FF2B5EF4-FFF2-40B4-BE49-F238E27FC236}">
+                <a16:creationId xmlns:a16="http://schemas.microsoft.com/office/drawing/2014/main" id="{4135E32A-1A8C-43D2-9C6E-12887B4DEDFB}"/>
+              </a:ext>
+            </a:extLst>
+          </p:cNvPr>
+          <p:cNvSpPr>
+            <a:spLocks noGrp="1"/>
+          </p:cNvSpPr>
+          <p:nvPr>
+            <p:ph type="ftr" sz="quarter" idx="11"/>
+          </p:nvPr>
+        </p:nvSpPr>
+        <p:spPr>
+          <a:xfrm>
+            <a:off x="4038600" y="6356350"/>
+            <a:ext cx="4114800" cy="365125"/>
+          </a:xfrm>
+        </p:spPr>
+        <p:txBody>
+          <a:bodyPr rtlCol="0"/>
+          <a:lstStyle>
+            <a:defPPr>
+              <a:defRPr lang="es-ES"/>
+            </a:defPPr>
+          </a:lstStyle>
+          <a:p>
+            <a:pPr rtl="0"/>
+            <a:r>
+              <a:rPr lang="es-ES" dirty="0"/>
               <a:t>TÍTULO DE LA PRESENTACIÓN</a:t>
             </a:r>
           </a:p>
@@ -18022,7 +18155,7 @@
           <p:cNvPr id="6" name="Marcador de número de diapositiva 5">
             <a:extLst>
               <a:ext uri="{FF2B5EF4-FFF2-40B4-BE49-F238E27FC236}">
-                <a16:creationId xmlns:a16="http://schemas.microsoft.com/office/drawing/2014/main" id="{4C127D99-645F-4FCF-9573-FDFE2A344FA9}"/>
+                <a16:creationId xmlns:a16="http://schemas.microsoft.com/office/drawing/2014/main" id="{7C4B8313-9270-4128-8674-3A3E42B806BC}"/>
               </a:ext>
             </a:extLst>
           </p:cNvPr>
@@ -18035,8 +18168,8 @@
         </p:nvSpPr>
         <p:spPr>
           <a:xfrm>
-            <a:off x="9579428" y="6356350"/>
-            <a:ext cx="1774371" cy="365125"/>
+            <a:off x="8610600" y="6356350"/>
+            <a:ext cx="2743200" cy="365125"/>
           </a:xfrm>
         </p:spPr>
         <p:txBody>
@@ -18052,6 +18185,505 @@
               <a:rPr lang="es-ES" smtClean="0"/>
               <a:pPr rtl="0"/>
               <a:t>26</a:t>
+            </a:fld>
+            <a:endParaRPr lang="es-ES" dirty="0"/>
+          </a:p>
+        </p:txBody>
+      </p:sp>
+    </p:spTree>
+    <p:extLst>
+      <p:ext uri="{BB962C8B-B14F-4D97-AF65-F5344CB8AC3E}">
+        <p14:creationId xmlns:p14="http://schemas.microsoft.com/office/powerpoint/2010/main" val="1742861620"/>
+      </p:ext>
+    </p:extLst>
+  </p:cSld>
+  <p:clrMapOvr>
+    <a:masterClrMapping/>
+  </p:clrMapOvr>
+</p:sld>
+</file>
+
+<file path=ppt/slides/slide27.xml><?xml version="1.0" encoding="utf-8"?>
+<p:sld xmlns:a="http://schemas.openxmlformats.org/drawingml/2006/main" xmlns:r="http://schemas.openxmlformats.org/officeDocument/2006/relationships" xmlns:p="http://schemas.openxmlformats.org/presentationml/2006/main">
+  <p:cSld>
+    <p:spTree>
+      <p:nvGrpSpPr>
+        <p:cNvPr id="1" name=""/>
+        <p:cNvGrpSpPr/>
+        <p:nvPr/>
+      </p:nvGrpSpPr>
+      <p:grpSpPr>
+        <a:xfrm>
+          <a:off x="0" y="0"/>
+          <a:ext cx="0" cy="0"/>
+          <a:chOff x="0" y="0"/>
+          <a:chExt cx="0" cy="0"/>
+        </a:xfrm>
+      </p:grpSpPr>
+      <p:sp>
+        <p:nvSpPr>
+          <p:cNvPr id="2" name="Título 1">
+            <a:extLst>
+              <a:ext uri="{FF2B5EF4-FFF2-40B4-BE49-F238E27FC236}">
+                <a16:creationId xmlns:a16="http://schemas.microsoft.com/office/drawing/2014/main" id="{09140014-73D5-419B-8867-972BB18D52D4}"/>
+              </a:ext>
+            </a:extLst>
+          </p:cNvPr>
+          <p:cNvSpPr>
+            <a:spLocks noGrp="1"/>
+          </p:cNvSpPr>
+          <p:nvPr>
+            <p:ph type="title"/>
+          </p:nvPr>
+        </p:nvSpPr>
+        <p:spPr>
+          <a:xfrm>
+            <a:off x="2933700" y="892177"/>
+            <a:ext cx="8421688" cy="1325563"/>
+          </a:xfrm>
+        </p:spPr>
+        <p:txBody>
+          <a:bodyPr rtlCol="0"/>
+          <a:lstStyle>
+            <a:defPPr>
+              <a:defRPr lang="es-ES"/>
+            </a:defPPr>
+          </a:lstStyle>
+          <a:p>
+            <a:pPr rtl="0"/>
+            <a:r>
+              <a:rPr lang="es-ES" dirty="0"/>
+              <a:t>ÁREAS DE ENFOQUE</a:t>
+            </a:r>
+          </a:p>
+        </p:txBody>
+      </p:sp>
+      <p:sp>
+        <p:nvSpPr>
+          <p:cNvPr id="4" name="Marcador de contenido 3">
+            <a:extLst>
+              <a:ext uri="{FF2B5EF4-FFF2-40B4-BE49-F238E27FC236}">
+                <a16:creationId xmlns:a16="http://schemas.microsoft.com/office/drawing/2014/main" id="{33D8731E-4977-402E-8BFD-895B4D0544CC}"/>
+              </a:ext>
+            </a:extLst>
+          </p:cNvPr>
+          <p:cNvSpPr>
+            <a:spLocks noGrp="1"/>
+          </p:cNvSpPr>
+          <p:nvPr>
+            <p:ph sz="half" idx="2"/>
+          </p:nvPr>
+        </p:nvSpPr>
+        <p:spPr>
+          <a:xfrm>
+            <a:off x="2933700" y="3834606"/>
+            <a:ext cx="3924300" cy="1997867"/>
+          </a:xfrm>
+        </p:spPr>
+        <p:txBody>
+          <a:bodyPr rtlCol="0">
+            <a:normAutofit/>
+          </a:bodyPr>
+          <a:lstStyle>
+            <a:defPPr>
+              <a:defRPr lang="es-ES"/>
+            </a:defPPr>
+          </a:lstStyle>
+          <a:p>
+            <a:pPr rtl="0"/>
+            <a:r>
+              <a:rPr lang="es-ES" dirty="0"/>
+              <a:t>Desarrollar estrategias ganadoras para seguir a la vanguardia de la competencia</a:t>
+            </a:r>
+          </a:p>
+          <a:p>
+            <a:pPr rtl="0"/>
+            <a:r>
+              <a:rPr lang="es-ES" dirty="0"/>
+              <a:t>​Aprovechar los frutos obtenidos para identificar un valor en el terreno de juego</a:t>
+            </a:r>
+          </a:p>
+          <a:p>
+            <a:pPr rtl="0"/>
+            <a:r>
+              <a:rPr lang="es-ES" dirty="0"/>
+              <a:t>​Visualizar la convergencia dirigida al cliente</a:t>
+            </a:r>
+          </a:p>
+        </p:txBody>
+      </p:sp>
+      <p:sp>
+        <p:nvSpPr>
+          <p:cNvPr id="5" name="Marcador de texto 4">
+            <a:extLst>
+              <a:ext uri="{FF2B5EF4-FFF2-40B4-BE49-F238E27FC236}">
+                <a16:creationId xmlns:a16="http://schemas.microsoft.com/office/drawing/2014/main" id="{91CDEC5F-B8EE-4BC1-843F-13135E6E7AB2}"/>
+              </a:ext>
+            </a:extLst>
+          </p:cNvPr>
+          <p:cNvSpPr>
+            <a:spLocks noGrp="1"/>
+          </p:cNvSpPr>
+          <p:nvPr>
+            <p:ph type="body" sz="quarter" idx="3"/>
+          </p:nvPr>
+        </p:nvSpPr>
+        <p:spPr>
+          <a:xfrm>
+            <a:off x="7410173" y="2776936"/>
+            <a:ext cx="3943627" cy="823912"/>
+          </a:xfrm>
+        </p:spPr>
+        <p:txBody>
+          <a:bodyPr rtlCol="0"/>
+          <a:lstStyle>
+            <a:defPPr>
+              <a:defRPr lang="es-ES"/>
+            </a:defPPr>
+          </a:lstStyle>
+          <a:p>
+            <a:pPr rtl="0"/>
+            <a:r>
+              <a:rPr lang="es-ES" dirty="0"/>
+              <a:t>OPORTUNIDADES BASADAS EN LA NUBE</a:t>
+            </a:r>
+          </a:p>
+        </p:txBody>
+      </p:sp>
+      <p:sp>
+        <p:nvSpPr>
+          <p:cNvPr id="6" name="Marcador de contenido 5">
+            <a:extLst>
+              <a:ext uri="{FF2B5EF4-FFF2-40B4-BE49-F238E27FC236}">
+                <a16:creationId xmlns:a16="http://schemas.microsoft.com/office/drawing/2014/main" id="{50B65871-FA95-449A-B8BC-90486DE532EF}"/>
+              </a:ext>
+            </a:extLst>
+          </p:cNvPr>
+          <p:cNvSpPr>
+            <a:spLocks noGrp="1"/>
+          </p:cNvSpPr>
+          <p:nvPr>
+            <p:ph sz="quarter" idx="4"/>
+          </p:nvPr>
+        </p:nvSpPr>
+        <p:spPr>
+          <a:xfrm>
+            <a:off x="7410173" y="3834606"/>
+            <a:ext cx="3943627" cy="1997867"/>
+          </a:xfrm>
+        </p:spPr>
+        <p:txBody>
+          <a:bodyPr rtlCol="0">
+            <a:normAutofit/>
+          </a:bodyPr>
+          <a:lstStyle>
+            <a:defPPr>
+              <a:defRPr lang="es-ES"/>
+            </a:defPPr>
+          </a:lstStyle>
+          <a:p>
+            <a:pPr rtl="0"/>
+            <a:r>
+              <a:rPr lang="es-ES" dirty="0"/>
+              <a:t>Enfoques iterativos para una estrategia corporativa</a:t>
+            </a:r>
+          </a:p>
+          <a:p>
+            <a:pPr rtl="0"/>
+            <a:r>
+              <a:rPr lang="es-ES" dirty="0"/>
+              <a:t>​Establecer un marco de administración desde dentro</a:t>
+            </a:r>
+          </a:p>
+        </p:txBody>
+      </p:sp>
+      <p:sp>
+        <p:nvSpPr>
+          <p:cNvPr id="9" name="Marcador de número de diapositiva 8">
+            <a:extLst>
+              <a:ext uri="{FF2B5EF4-FFF2-40B4-BE49-F238E27FC236}">
+                <a16:creationId xmlns:a16="http://schemas.microsoft.com/office/drawing/2014/main" id="{C396FFDC-ADE8-4009-A466-A81787258E88}"/>
+              </a:ext>
+            </a:extLst>
+          </p:cNvPr>
+          <p:cNvSpPr>
+            <a:spLocks noGrp="1"/>
+          </p:cNvSpPr>
+          <p:nvPr>
+            <p:ph type="sldNum" sz="quarter" idx="12"/>
+          </p:nvPr>
+        </p:nvSpPr>
+        <p:spPr>
+          <a:xfrm>
+            <a:off x="8610600" y="6356350"/>
+            <a:ext cx="2743200" cy="365125"/>
+          </a:xfrm>
+        </p:spPr>
+        <p:txBody>
+          <a:bodyPr rtlCol="0"/>
+          <a:lstStyle>
+            <a:defPPr>
+              <a:defRPr lang="es-ES"/>
+            </a:defPPr>
+          </a:lstStyle>
+          <a:p>
+            <a:pPr rtl="0"/>
+            <a:fld id="{A49DFD55-3C28-40EF-9E31-A92D2E4017FF}" type="slidenum">
+              <a:rPr lang="es-ES" smtClean="0"/>
+              <a:pPr rtl="0"/>
+              <a:t>27</a:t>
+            </a:fld>
+            <a:endParaRPr lang="es-ES" dirty="0"/>
+          </a:p>
+        </p:txBody>
+      </p:sp>
+      <p:sp>
+        <p:nvSpPr>
+          <p:cNvPr id="15" name="Marcador de pie de página 4">
+            <a:extLst>
+              <a:ext uri="{FF2B5EF4-FFF2-40B4-BE49-F238E27FC236}">
+                <a16:creationId xmlns:a16="http://schemas.microsoft.com/office/drawing/2014/main" id="{D03417DB-B8B1-A6C2-EC39-D9E06005B059}"/>
+              </a:ext>
+            </a:extLst>
+          </p:cNvPr>
+          <p:cNvSpPr>
+            <a:spLocks noGrp="1"/>
+          </p:cNvSpPr>
+          <p:nvPr>
+            <p:ph type="ftr" sz="quarter" idx="11"/>
+          </p:nvPr>
+        </p:nvSpPr>
+        <p:spPr>
+          <a:xfrm>
+            <a:off x="2463800" y="6356350"/>
+            <a:ext cx="3479800" cy="365125"/>
+          </a:xfrm>
+        </p:spPr>
+        <p:txBody>
+          <a:bodyPr rtlCol="0"/>
+          <a:lstStyle>
+            <a:defPPr>
+              <a:defRPr lang="es-ES"/>
+            </a:defPPr>
+          </a:lstStyle>
+          <a:p>
+            <a:pPr rtl="0"/>
+            <a:r>
+              <a:rPr lang="es-ES" dirty="0"/>
+              <a:t>FORBES HIGHEST PAYING ATHLETES ANALYSIS</a:t>
+            </a:r>
+          </a:p>
+        </p:txBody>
+      </p:sp>
+      <p:pic>
+        <p:nvPicPr>
+          <p:cNvPr id="19" name="Picture 18">
+            <a:extLst>
+              <a:ext uri="{FF2B5EF4-FFF2-40B4-BE49-F238E27FC236}">
+                <a16:creationId xmlns:a16="http://schemas.microsoft.com/office/drawing/2014/main" id="{107FBD5C-404A-8952-57AD-16E7D834AE5E}"/>
+              </a:ext>
+            </a:extLst>
+          </p:cNvPr>
+          <p:cNvPicPr>
+            <a:picLocks noChangeAspect="1"/>
+          </p:cNvPicPr>
+          <p:nvPr/>
+        </p:nvPicPr>
+        <p:blipFill>
+          <a:blip r:embed="rId3"/>
+          <a:stretch>
+            <a:fillRect/>
+          </a:stretch>
+        </p:blipFill>
+        <p:spPr>
+          <a:xfrm>
+            <a:off x="0" y="177799"/>
+            <a:ext cx="12192000" cy="6502401"/>
+          </a:xfrm>
+          <a:prstGeom prst="rect">
+            <a:avLst/>
+          </a:prstGeom>
+        </p:spPr>
+      </p:pic>
+    </p:spTree>
+    <p:extLst>
+      <p:ext uri="{BB962C8B-B14F-4D97-AF65-F5344CB8AC3E}">
+        <p14:creationId xmlns:p14="http://schemas.microsoft.com/office/powerpoint/2010/main" val="921118608"/>
+      </p:ext>
+    </p:extLst>
+  </p:cSld>
+  <p:clrMapOvr>
+    <a:masterClrMapping/>
+  </p:clrMapOvr>
+</p:sld>
+</file>
+
+<file path=ppt/slides/slide28.xml><?xml version="1.0" encoding="utf-8"?>
+<p:sld xmlns:a="http://schemas.openxmlformats.org/drawingml/2006/main" xmlns:r="http://schemas.openxmlformats.org/officeDocument/2006/relationships" xmlns:p="http://schemas.openxmlformats.org/presentationml/2006/main">
+  <p:cSld>
+    <p:spTree>
+      <p:nvGrpSpPr>
+        <p:cNvPr id="1" name=""/>
+        <p:cNvGrpSpPr/>
+        <p:nvPr/>
+      </p:nvGrpSpPr>
+      <p:grpSpPr>
+        <a:xfrm>
+          <a:off x="0" y="0"/>
+          <a:ext cx="0" cy="0"/>
+          <a:chOff x="0" y="0"/>
+          <a:chExt cx="0" cy="0"/>
+        </a:xfrm>
+      </p:grpSpPr>
+      <p:sp>
+        <p:nvSpPr>
+          <p:cNvPr id="2" name="Título 1">
+            <a:extLst>
+              <a:ext uri="{FF2B5EF4-FFF2-40B4-BE49-F238E27FC236}">
+                <a16:creationId xmlns:a16="http://schemas.microsoft.com/office/drawing/2014/main" id="{8BDF1EDE-5423-435C-B149-87AB1BC22B83}"/>
+              </a:ext>
+            </a:extLst>
+          </p:cNvPr>
+          <p:cNvSpPr>
+            <a:spLocks noGrp="1"/>
+          </p:cNvSpPr>
+          <p:nvPr>
+            <p:ph type="ctrTitle"/>
+          </p:nvPr>
+        </p:nvSpPr>
+        <p:spPr>
+          <a:xfrm>
+            <a:off x="5221715" y="2666632"/>
+            <a:ext cx="4523715" cy="1524735"/>
+          </a:xfrm>
+        </p:spPr>
+        <p:txBody>
+          <a:bodyPr rtlCol="0" anchor="ctr"/>
+          <a:lstStyle>
+            <a:defPPr>
+              <a:defRPr lang="es-ES"/>
+            </a:defPPr>
+          </a:lstStyle>
+          <a:p>
+            <a:pPr algn="ctr" rtl="0"/>
+            <a:r>
+              <a:rPr lang="es-ES" dirty="0"/>
+              <a:t>Thanks!</a:t>
+            </a:r>
+          </a:p>
+        </p:txBody>
+      </p:sp>
+      <p:sp>
+        <p:nvSpPr>
+          <p:cNvPr id="4" name="Marcador de fecha 3">
+            <a:extLst>
+              <a:ext uri="{FF2B5EF4-FFF2-40B4-BE49-F238E27FC236}">
+                <a16:creationId xmlns:a16="http://schemas.microsoft.com/office/drawing/2014/main" id="{A47C7382-18E7-4821-8C61-461D6BBE08FC}"/>
+              </a:ext>
+            </a:extLst>
+          </p:cNvPr>
+          <p:cNvSpPr>
+            <a:spLocks noGrp="1"/>
+          </p:cNvSpPr>
+          <p:nvPr>
+            <p:ph type="dt" sz="half" idx="10"/>
+          </p:nvPr>
+        </p:nvSpPr>
+        <p:spPr>
+          <a:xfrm>
+            <a:off x="4267200" y="6356350"/>
+            <a:ext cx="1774371" cy="365125"/>
+          </a:xfrm>
+        </p:spPr>
+        <p:txBody>
+          <a:bodyPr rtlCol="0"/>
+          <a:lstStyle>
+            <a:defPPr>
+              <a:defRPr lang="es-ES"/>
+            </a:defPPr>
+          </a:lstStyle>
+          <a:p>
+            <a:pPr rtl="0"/>
+            <a:r>
+              <a:rPr lang="es-ES" dirty="0"/>
+              <a:t>20XX</a:t>
+            </a:r>
+          </a:p>
+        </p:txBody>
+      </p:sp>
+      <p:sp>
+        <p:nvSpPr>
+          <p:cNvPr id="5" name="Marcador de pie de página 4">
+            <a:extLst>
+              <a:ext uri="{FF2B5EF4-FFF2-40B4-BE49-F238E27FC236}">
+                <a16:creationId xmlns:a16="http://schemas.microsoft.com/office/drawing/2014/main" id="{3990FA1B-5022-47AB-A0AE-8F5C5797997C}"/>
+              </a:ext>
+            </a:extLst>
+          </p:cNvPr>
+          <p:cNvSpPr>
+            <a:spLocks noGrp="1"/>
+          </p:cNvSpPr>
+          <p:nvPr>
+            <p:ph type="ftr" sz="quarter" idx="11"/>
+          </p:nvPr>
+        </p:nvSpPr>
+        <p:spPr>
+          <a:xfrm>
+            <a:off x="6479721" y="6356350"/>
+            <a:ext cx="2661557" cy="365125"/>
+          </a:xfrm>
+        </p:spPr>
+        <p:txBody>
+          <a:bodyPr rtlCol="0"/>
+          <a:lstStyle>
+            <a:defPPr>
+              <a:defRPr lang="es-ES"/>
+            </a:defPPr>
+          </a:lstStyle>
+          <a:p>
+            <a:pPr rtl="0"/>
+            <a:r>
+              <a:rPr lang="es-ES" dirty="0"/>
+              <a:t>TÍTULO DE LA PRESENTACIÓN</a:t>
+            </a:r>
+          </a:p>
+        </p:txBody>
+      </p:sp>
+      <p:sp>
+        <p:nvSpPr>
+          <p:cNvPr id="6" name="Marcador de número de diapositiva 5">
+            <a:extLst>
+              <a:ext uri="{FF2B5EF4-FFF2-40B4-BE49-F238E27FC236}">
+                <a16:creationId xmlns:a16="http://schemas.microsoft.com/office/drawing/2014/main" id="{4C127D99-645F-4FCF-9573-FDFE2A344FA9}"/>
+              </a:ext>
+            </a:extLst>
+          </p:cNvPr>
+          <p:cNvSpPr>
+            <a:spLocks noGrp="1"/>
+          </p:cNvSpPr>
+          <p:nvPr>
+            <p:ph type="sldNum" sz="quarter" idx="12"/>
+          </p:nvPr>
+        </p:nvSpPr>
+        <p:spPr>
+          <a:xfrm>
+            <a:off x="9579428" y="6356350"/>
+            <a:ext cx="1774371" cy="365125"/>
+          </a:xfrm>
+        </p:spPr>
+        <p:txBody>
+          <a:bodyPr rtlCol="0"/>
+          <a:lstStyle>
+            <a:defPPr>
+              <a:defRPr lang="es-ES"/>
+            </a:defPPr>
+          </a:lstStyle>
+          <a:p>
+            <a:pPr rtl="0"/>
+            <a:fld id="{A49DFD55-3C28-40EF-9E31-A92D2E4017FF}" type="slidenum">
+              <a:rPr lang="es-ES" smtClean="0"/>
+              <a:pPr rtl="0"/>
+              <a:t>28</a:t>
             </a:fld>
             <a:endParaRPr lang="es-ES" dirty="0"/>
           </a:p>
@@ -20203,6 +20835,15 @@
 </file>
 
 <file path=customXml/item1.xml><?xml version="1.0" encoding="utf-8"?>
+<?mso-contentType ?>
+<FormTemplates xmlns="http://schemas.microsoft.com/sharepoint/v3/contenttype/forms">
+  <Display>DocumentLibraryForm</Display>
+  <Edit>DocumentLibraryForm</Edit>
+  <New>DocumentLibraryForm</New>
+</FormTemplates>
+</file>
+
+<file path=customXml/item2.xml><?xml version="1.0" encoding="utf-8"?>
 <ct:contentTypeSchema xmlns:ct="http://schemas.microsoft.com/office/2006/metadata/contentType" xmlns:ma="http://schemas.microsoft.com/office/2006/metadata/properties/metaAttributes" ct:_="" ma:_="" ma:contentTypeName="Document" ma:contentTypeID="0x01010079F111ED35F8CC479449609E8A0923A6" ma:contentTypeVersion="20" ma:contentTypeDescription="Create a new document." ma:contentTypeScope="" ma:versionID="1267097ee5f5874adfcc408041ae252e">
   <xsd:schema xmlns:xsd="http://www.w3.org/2001/XMLSchema" xmlns:xs="http://www.w3.org/2001/XMLSchema" xmlns:p="http://schemas.microsoft.com/office/2006/metadata/properties" xmlns:ns1="http://schemas.microsoft.com/sharepoint/v3" xmlns:ns2="71af3243-3dd4-4a8d-8c0d-dd76da1f02a5" xmlns:ns3="16c05727-aa75-4e4a-9b5f-8a80a1165891" xmlns:ns4="230e9df3-be65-4c73-a93b-d1236ebd677e" targetNamespace="http://schemas.microsoft.com/office/2006/metadata/properties" ma:root="true" ma:fieldsID="395891a93df65b14727750f2c06c306c" ns1:_="" ns2:_="" ns3:_="" ns4:_="">
     <xsd:import namespace="http://schemas.microsoft.com/sharepoint/v3"/>
@@ -20478,15 +21119,6 @@
 </ct:contentTypeSchema>
 </file>
 
-<file path=customXml/item2.xml><?xml version="1.0" encoding="utf-8"?>
-<?mso-contentType ?>
-<FormTemplates xmlns="http://schemas.microsoft.com/sharepoint/v3/contenttype/forms">
-  <Display>DocumentLibraryForm</Display>
-  <Edit>DocumentLibraryForm</Edit>
-  <New>DocumentLibraryForm</New>
-</FormTemplates>
-</file>
-
 <file path=customXml/item3.xml><?xml version="1.0" encoding="utf-8"?>
 <p:properties xmlns:p="http://schemas.microsoft.com/office/2006/metadata/properties" xmlns:xsi="http://www.w3.org/2001/XMLSchema-instance" xmlns:pc="http://schemas.microsoft.com/office/infopath/2007/PartnerControls">
   <documentManagement>
@@ -20507,6 +21139,14 @@
 </file>
 
 <file path=customXml/itemProps1.xml><?xml version="1.0" encoding="utf-8"?>
+<ds:datastoreItem xmlns:ds="http://schemas.openxmlformats.org/officeDocument/2006/customXml" ds:itemID="{0FD6FE22-81A0-4500-AFD0-342D21BB9A2C}">
+  <ds:schemaRefs>
+    <ds:schemaRef ds:uri="http://schemas.microsoft.com/sharepoint/v3/contenttype/forms"/>
+  </ds:schemaRefs>
+</ds:datastoreItem>
+</file>
+
+<file path=customXml/itemProps2.xml><?xml version="1.0" encoding="utf-8"?>
 <ds:datastoreItem xmlns:ds="http://schemas.openxmlformats.org/officeDocument/2006/customXml" ds:itemID="{CC96B61E-1B64-430F-934F-7D1B90028029}">
   <ds:schemaRefs>
     <ds:schemaRef ds:uri="http://schemas.microsoft.com/office/2006/metadata/contentType"/>
@@ -20523,14 +21163,6 @@
     <ds:schemaRef ds:uri="http://purl.org/dc/elements/1.1/"/>
     <ds:schemaRef ds:uri="http://purl.org/dc/terms/"/>
     <ds:schemaRef ds:uri="http://schemas.microsoft.com/internal/obd"/>
-  </ds:schemaRefs>
-</ds:datastoreItem>
-</file>
-
-<file path=customXml/itemProps2.xml><?xml version="1.0" encoding="utf-8"?>
-<ds:datastoreItem xmlns:ds="http://schemas.openxmlformats.org/officeDocument/2006/customXml" ds:itemID="{0FD6FE22-81A0-4500-AFD0-342D21BB9A2C}">
-  <ds:schemaRefs>
-    <ds:schemaRef ds:uri="http://schemas.microsoft.com/sharepoint/v3/contenttype/forms"/>
   </ds:schemaRefs>
 </ds:datastoreItem>
 </file>

--- a/Highest paying athletes.pptx
+++ b/Highest paying athletes.pptx
@@ -5,10 +5,10 @@
     <p:sldMasterId id="2147483648" r:id="rId4"/>
   </p:sldMasterIdLst>
   <p:notesMasterIdLst>
-    <p:notesMasterId r:id="rId33"/>
+    <p:notesMasterId r:id="rId30"/>
   </p:notesMasterIdLst>
   <p:handoutMasterIdLst>
-    <p:handoutMasterId r:id="rId34"/>
+    <p:handoutMasterId r:id="rId31"/>
   </p:handoutMasterIdLst>
   <p:sldIdLst>
     <p:sldId id="256" r:id="rId5"/>
@@ -19,26 +19,23 @@
     <p:sldId id="277" r:id="rId10"/>
     <p:sldId id="279" r:id="rId11"/>
     <p:sldId id="260" r:id="rId12"/>
-    <p:sldId id="280" r:id="rId13"/>
-    <p:sldId id="272" r:id="rId14"/>
-    <p:sldId id="283" r:id="rId15"/>
-    <p:sldId id="282" r:id="rId16"/>
-    <p:sldId id="273" r:id="rId17"/>
-    <p:sldId id="285" r:id="rId18"/>
-    <p:sldId id="281" r:id="rId19"/>
-    <p:sldId id="292" r:id="rId20"/>
-    <p:sldId id="293" r:id="rId21"/>
-    <p:sldId id="291" r:id="rId22"/>
-    <p:sldId id="275" r:id="rId23"/>
-    <p:sldId id="290" r:id="rId24"/>
-    <p:sldId id="270" r:id="rId25"/>
-    <p:sldId id="289" r:id="rId26"/>
-    <p:sldId id="284" r:id="rId27"/>
-    <p:sldId id="288" r:id="rId28"/>
-    <p:sldId id="286" r:id="rId29"/>
-    <p:sldId id="266" r:id="rId30"/>
-    <p:sldId id="287" r:id="rId31"/>
-    <p:sldId id="271" r:id="rId32"/>
+    <p:sldId id="294" r:id="rId13"/>
+    <p:sldId id="280" r:id="rId14"/>
+    <p:sldId id="272" r:id="rId15"/>
+    <p:sldId id="283" r:id="rId16"/>
+    <p:sldId id="282" r:id="rId17"/>
+    <p:sldId id="281" r:id="rId18"/>
+    <p:sldId id="273" r:id="rId19"/>
+    <p:sldId id="275" r:id="rId20"/>
+    <p:sldId id="270" r:id="rId21"/>
+    <p:sldId id="290" r:id="rId22"/>
+    <p:sldId id="292" r:id="rId23"/>
+    <p:sldId id="293" r:id="rId24"/>
+    <p:sldId id="291" r:id="rId25"/>
+    <p:sldId id="285" r:id="rId26"/>
+    <p:sldId id="286" r:id="rId27"/>
+    <p:sldId id="266" r:id="rId28"/>
+    <p:sldId id="271" r:id="rId29"/>
   </p:sldIdLst>
   <p:sldSz cx="12192000" cy="6858000"/>
   <p:notesSz cx="6858000" cy="9144000"/>
@@ -151,7 +148,7 @@
 <file path=ppt/revisionInfo.xml><?xml version="1.0" encoding="utf-8"?>
 <p1510:revInfo xmlns:a="http://schemas.openxmlformats.org/drawingml/2006/main" xmlns:r="http://schemas.openxmlformats.org/officeDocument/2006/relationships" xmlns:p1510="http://schemas.microsoft.com/office/powerpoint/2015/10/main">
   <p1510:revLst>
-    <p1510:client id="{C888A48D-F230-4DC9-83B3-65F5A35436E2}" v="51" dt="2023-11-20T01:59:34.958"/>
+    <p1510:client id="{C888A48D-F230-4DC9-83B3-65F5A35436E2}" v="67" dt="2023-11-21T01:04:44.819"/>
   </p1510:revLst>
 </p1510:revInfo>
 </file>
@@ -161,7 +158,7 @@
   <pc:docChgLst>
     <pc:chgData name="Fernanda Valdez" userId="d7d7d7d74fc48452" providerId="LiveId" clId="{C888A48D-F230-4DC9-83B3-65F5A35436E2}"/>
     <pc:docChg chg="undo redo custSel addSld delSld modSld sldOrd">
-      <pc:chgData name="Fernanda Valdez" userId="d7d7d7d74fc48452" providerId="LiveId" clId="{C888A48D-F230-4DC9-83B3-65F5A35436E2}" dt="2023-11-20T02:03:42.642" v="3725" actId="1036"/>
+      <pc:chgData name="Fernanda Valdez" userId="d7d7d7d74fc48452" providerId="LiveId" clId="{C888A48D-F230-4DC9-83B3-65F5A35436E2}" dt="2023-11-21T01:05:33.691" v="4091" actId="1076"/>
       <pc:docMkLst>
         <pc:docMk/>
       </pc:docMkLst>
@@ -250,11 +247,19 @@
         </pc:sldMkLst>
       </pc:sldChg>
       <pc:sldChg chg="addSp delSp modSp mod">
-        <pc:chgData name="Fernanda Valdez" userId="d7d7d7d74fc48452" providerId="LiveId" clId="{C888A48D-F230-4DC9-83B3-65F5A35436E2}" dt="2023-11-19T23:45:38.989" v="367" actId="1076"/>
+        <pc:chgData name="Fernanda Valdez" userId="d7d7d7d74fc48452" providerId="LiveId" clId="{C888A48D-F230-4DC9-83B3-65F5A35436E2}" dt="2023-11-21T01:05:33.691" v="4091" actId="1076"/>
         <pc:sldMkLst>
           <pc:docMk/>
           <pc:sldMk cId="1663780162" sldId="260"/>
         </pc:sldMkLst>
+        <pc:spChg chg="mod">
+          <ac:chgData name="Fernanda Valdez" userId="d7d7d7d74fc48452" providerId="LiveId" clId="{C888A48D-F230-4DC9-83B3-65F5A35436E2}" dt="2023-11-21T01:05:33.691" v="4091" actId="1076"/>
+          <ac:spMkLst>
+            <pc:docMk/>
+            <pc:sldMk cId="1663780162" sldId="260"/>
+            <ac:spMk id="3" creationId="{7FB34D83-F248-FC04-631F-5DC3004200F9}"/>
+          </ac:spMkLst>
+        </pc:spChg>
         <pc:spChg chg="del">
           <ac:chgData name="Fernanda Valdez" userId="d7d7d7d74fc48452" providerId="LiveId" clId="{C888A48D-F230-4DC9-83B3-65F5A35436E2}" dt="2023-11-19T20:28:49.774" v="198" actId="478"/>
           <ac:spMkLst>
@@ -419,8 +424,8 @@
           </ac:spMkLst>
         </pc:spChg>
       </pc:sldChg>
-      <pc:sldChg chg="modSp mod ord">
-        <pc:chgData name="Fernanda Valdez" userId="d7d7d7d74fc48452" providerId="LiveId" clId="{C888A48D-F230-4DC9-83B3-65F5A35436E2}" dt="2023-11-20T02:03:42.642" v="3725" actId="1036"/>
+      <pc:sldChg chg="addSp delSp modSp mod ord">
+        <pc:chgData name="Fernanda Valdez" userId="d7d7d7d74fc48452" providerId="LiveId" clId="{C888A48D-F230-4DC9-83B3-65F5A35436E2}" dt="2023-11-21T01:04:52.060" v="4084" actId="478"/>
         <pc:sldMkLst>
           <pc:docMk/>
           <pc:sldMk cId="1742861620" sldId="266"/>
@@ -441,6 +446,30 @@
             <ac:spMk id="3" creationId="{FED19BCA-B61F-4EA6-A1FB-CCA3BD8506FB}"/>
           </ac:spMkLst>
         </pc:spChg>
+        <pc:spChg chg="del">
+          <ac:chgData name="Fernanda Valdez" userId="d7d7d7d74fc48452" providerId="LiveId" clId="{C888A48D-F230-4DC9-83B3-65F5A35436E2}" dt="2023-11-21T01:04:52.060" v="4084" actId="478"/>
+          <ac:spMkLst>
+            <pc:docMk/>
+            <pc:sldMk cId="1742861620" sldId="266"/>
+            <ac:spMk id="4" creationId="{00560550-EE65-43CE-B899-F421E74287A1}"/>
+          </ac:spMkLst>
+        </pc:spChg>
+        <pc:spChg chg="del">
+          <ac:chgData name="Fernanda Valdez" userId="d7d7d7d74fc48452" providerId="LiveId" clId="{C888A48D-F230-4DC9-83B3-65F5A35436E2}" dt="2023-11-21T01:04:39.739" v="4079" actId="478"/>
+          <ac:spMkLst>
+            <pc:docMk/>
+            <pc:sldMk cId="1742861620" sldId="266"/>
+            <ac:spMk id="5" creationId="{4135E32A-1A8C-43D2-9C6E-12887B4DEDFB}"/>
+          </ac:spMkLst>
+        </pc:spChg>
+        <pc:spChg chg="add mod">
+          <ac:chgData name="Fernanda Valdez" userId="d7d7d7d74fc48452" providerId="LiveId" clId="{C888A48D-F230-4DC9-83B3-65F5A35436E2}" dt="2023-11-21T01:04:39.918" v="4080"/>
+          <ac:spMkLst>
+            <pc:docMk/>
+            <pc:sldMk cId="1742861620" sldId="266"/>
+            <ac:spMk id="7" creationId="{5860982B-C8CF-1FD7-A84B-90C2BF420A7C}"/>
+          </ac:spMkLst>
+        </pc:spChg>
       </pc:sldChg>
       <pc:sldChg chg="del mod modShow">
         <pc:chgData name="Fernanda Valdez" userId="d7d7d7d74fc48452" providerId="LiveId" clId="{C888A48D-F230-4DC9-83B3-65F5A35436E2}" dt="2023-11-20T01:28:39.784" v="2486" actId="47"/>
@@ -457,11 +486,19 @@
         </pc:sldMkLst>
       </pc:sldChg>
       <pc:sldChg chg="addSp delSp modSp mod ord">
-        <pc:chgData name="Fernanda Valdez" userId="d7d7d7d74fc48452" providerId="LiveId" clId="{C888A48D-F230-4DC9-83B3-65F5A35436E2}" dt="2023-11-20T00:13:26.992" v="698" actId="1076"/>
+        <pc:chgData name="Fernanda Valdez" userId="d7d7d7d74fc48452" providerId="LiveId" clId="{C888A48D-F230-4DC9-83B3-65F5A35436E2}" dt="2023-11-21T01:05:08.732" v="4087" actId="478"/>
         <pc:sldMkLst>
           <pc:docMk/>
           <pc:sldMk cId="2896385493" sldId="270"/>
         </pc:sldMkLst>
+        <pc:spChg chg="add mod">
+          <ac:chgData name="Fernanda Valdez" userId="d7d7d7d74fc48452" providerId="LiveId" clId="{C888A48D-F230-4DC9-83B3-65F5A35436E2}" dt="2023-11-21T01:04:14.711" v="4074"/>
+          <ac:spMkLst>
+            <pc:docMk/>
+            <pc:sldMk cId="2896385493" sldId="270"/>
+            <ac:spMk id="2" creationId="{7E4CCB17-F94C-1680-8B00-B79BCF25DB6A}"/>
+          </ac:spMkLst>
+        </pc:spChg>
         <pc:spChg chg="mod">
           <ac:chgData name="Fernanda Valdez" userId="d7d7d7d74fc48452" providerId="LiveId" clId="{C888A48D-F230-4DC9-83B3-65F5A35436E2}" dt="2023-11-19T22:33:08.960" v="335" actId="14100"/>
           <ac:spMkLst>
@@ -476,6 +513,22 @@
             <pc:docMk/>
             <pc:sldMk cId="2896385493" sldId="270"/>
             <ac:spMk id="4" creationId="{DEBBD162-0453-99C8-9C45-3872707CCC8B}"/>
+          </ac:spMkLst>
+        </pc:spChg>
+        <pc:spChg chg="del">
+          <ac:chgData name="Fernanda Valdez" userId="d7d7d7d74fc48452" providerId="LiveId" clId="{C888A48D-F230-4DC9-83B3-65F5A35436E2}" dt="2023-11-21T01:05:08.732" v="4087" actId="478"/>
+          <ac:spMkLst>
+            <pc:docMk/>
+            <pc:sldMk cId="2896385493" sldId="270"/>
+            <ac:spMk id="6" creationId="{3627CC26-34EF-4BB9-B289-9EC56B07D1E6}"/>
+          </ac:spMkLst>
+        </pc:spChg>
+        <pc:spChg chg="del">
+          <ac:chgData name="Fernanda Valdez" userId="d7d7d7d74fc48452" providerId="LiveId" clId="{C888A48D-F230-4DC9-83B3-65F5A35436E2}" dt="2023-11-21T01:04:14.433" v="4073" actId="478"/>
+          <ac:spMkLst>
+            <pc:docMk/>
+            <pc:sldMk cId="2896385493" sldId="270"/>
+            <ac:spMk id="7" creationId="{4E98E6AD-9D37-499C-898E-ED12AC36D31D}"/>
           </ac:spMkLst>
         </pc:spChg>
         <pc:spChg chg="add del">
@@ -512,7 +565,7 @@
         </pc:picChg>
       </pc:sldChg>
       <pc:sldChg chg="addSp delSp modSp mod ord">
-        <pc:chgData name="Fernanda Valdez" userId="d7d7d7d74fc48452" providerId="LiveId" clId="{C888A48D-F230-4DC9-83B3-65F5A35436E2}" dt="2023-11-20T01:59:22.631" v="3058" actId="1076"/>
+        <pc:chgData name="Fernanda Valdez" userId="d7d7d7d74fc48452" providerId="LiveId" clId="{C888A48D-F230-4DC9-83B3-65F5A35436E2}" dt="2023-11-21T01:04:47.426" v="4083" actId="478"/>
         <pc:sldMkLst>
           <pc:docMk/>
           <pc:sldMk cId="1969787568" sldId="271"/>
@@ -525,12 +578,36 @@
             <ac:spMk id="2" creationId="{8BDF1EDE-5423-435C-B149-87AB1BC22B83}"/>
           </ac:spMkLst>
         </pc:spChg>
+        <pc:spChg chg="add mod">
+          <ac:chgData name="Fernanda Valdez" userId="d7d7d7d74fc48452" providerId="LiveId" clId="{C888A48D-F230-4DC9-83B3-65F5A35436E2}" dt="2023-11-21T01:04:44.819" v="4082"/>
+          <ac:spMkLst>
+            <pc:docMk/>
+            <pc:sldMk cId="1969787568" sldId="271"/>
+            <ac:spMk id="3" creationId="{5AEF9731-5139-723E-7B1F-C93735C9807A}"/>
+          </ac:spMkLst>
+        </pc:spChg>
         <pc:spChg chg="del">
           <ac:chgData name="Fernanda Valdez" userId="d7d7d7d74fc48452" providerId="LiveId" clId="{C888A48D-F230-4DC9-83B3-65F5A35436E2}" dt="2023-11-20T01:58:05.525" v="3043" actId="478"/>
           <ac:spMkLst>
             <pc:docMk/>
             <pc:sldMk cId="1969787568" sldId="271"/>
             <ac:spMk id="3" creationId="{AF64C29E-DF30-4DC6-AB95-2016F9A703B6}"/>
+          </ac:spMkLst>
+        </pc:spChg>
+        <pc:spChg chg="del">
+          <ac:chgData name="Fernanda Valdez" userId="d7d7d7d74fc48452" providerId="LiveId" clId="{C888A48D-F230-4DC9-83B3-65F5A35436E2}" dt="2023-11-21T01:04:47.426" v="4083" actId="478"/>
+          <ac:spMkLst>
+            <pc:docMk/>
+            <pc:sldMk cId="1969787568" sldId="271"/>
+            <ac:spMk id="4" creationId="{A47C7382-18E7-4821-8C61-461D6BBE08FC}"/>
+          </ac:spMkLst>
+        </pc:spChg>
+        <pc:spChg chg="del">
+          <ac:chgData name="Fernanda Valdez" userId="d7d7d7d74fc48452" providerId="LiveId" clId="{C888A48D-F230-4DC9-83B3-65F5A35436E2}" dt="2023-11-21T01:04:44.565" v="4081" actId="478"/>
+          <ac:spMkLst>
+            <pc:docMk/>
+            <pc:sldMk cId="1969787568" sldId="271"/>
+            <ac:spMk id="5" creationId="{3990FA1B-5022-47AB-A0AE-8F5C5797997C}"/>
           </ac:spMkLst>
         </pc:spChg>
         <pc:spChg chg="add del mod">
@@ -645,8 +722,8 @@
           </ac:picMkLst>
         </pc:picChg>
       </pc:sldChg>
-      <pc:sldChg chg="addSp delSp modSp add mod">
-        <pc:chgData name="Fernanda Valdez" userId="d7d7d7d74fc48452" providerId="LiveId" clId="{C888A48D-F230-4DC9-83B3-65F5A35436E2}" dt="2023-11-20T01:35:52.928" v="2597" actId="20577"/>
+      <pc:sldChg chg="addSp delSp modSp add mod ord">
+        <pc:chgData name="Fernanda Valdez" userId="d7d7d7d74fc48452" providerId="LiveId" clId="{C888A48D-F230-4DC9-83B3-65F5A35436E2}" dt="2023-11-21T00:33:28.898" v="3737"/>
         <pc:sldMkLst>
           <pc:docMk/>
           <pc:sldMk cId="1417206755" sldId="273"/>
@@ -730,8 +807,8 @@
           </ac:picMkLst>
         </pc:picChg>
       </pc:sldChg>
-      <pc:sldChg chg="addSp modSp add mod">
-        <pc:chgData name="Fernanda Valdez" userId="d7d7d7d74fc48452" providerId="LiveId" clId="{C888A48D-F230-4DC9-83B3-65F5A35436E2}" dt="2023-11-19T23:54:58.690" v="599" actId="1038"/>
+      <pc:sldChg chg="addSp delSp modSp add mod ord">
+        <pc:chgData name="Fernanda Valdez" userId="d7d7d7d74fc48452" providerId="LiveId" clId="{C888A48D-F230-4DC9-83B3-65F5A35436E2}" dt="2023-11-21T01:05:12.314" v="4088" actId="478"/>
         <pc:sldMkLst>
           <pc:docMk/>
           <pc:sldMk cId="144498883" sldId="275"/>
@@ -752,12 +829,36 @@
             <ac:spMk id="5" creationId="{C7C02EDF-94D5-CA69-341D-1FC4D160C02F}"/>
           </ac:spMkLst>
         </pc:spChg>
+        <pc:spChg chg="del">
+          <ac:chgData name="Fernanda Valdez" userId="d7d7d7d74fc48452" providerId="LiveId" clId="{C888A48D-F230-4DC9-83B3-65F5A35436E2}" dt="2023-11-21T01:05:12.314" v="4088" actId="478"/>
+          <ac:spMkLst>
+            <pc:docMk/>
+            <pc:sldMk cId="144498883" sldId="275"/>
+            <ac:spMk id="7" creationId="{B2A46C4A-D036-4440-BB64-6754F4FF27C1}"/>
+          </ac:spMkLst>
+        </pc:spChg>
+        <pc:spChg chg="del">
+          <ac:chgData name="Fernanda Valdez" userId="d7d7d7d74fc48452" providerId="LiveId" clId="{C888A48D-F230-4DC9-83B3-65F5A35436E2}" dt="2023-11-21T01:04:07.871" v="4071" actId="478"/>
+          <ac:spMkLst>
+            <pc:docMk/>
+            <pc:sldMk cId="144498883" sldId="275"/>
+            <ac:spMk id="8" creationId="{905F172A-5D5D-43CD-A187-DA0D303F4144}"/>
+          </ac:spMkLst>
+        </pc:spChg>
         <pc:spChg chg="add mod">
           <ac:chgData name="Fernanda Valdez" userId="d7d7d7d74fc48452" providerId="LiveId" clId="{C888A48D-F230-4DC9-83B3-65F5A35436E2}" dt="2023-11-19T23:54:58.690" v="599" actId="1038"/>
           <ac:spMkLst>
             <pc:docMk/>
             <pc:sldMk cId="144498883" sldId="275"/>
             <ac:spMk id="10" creationId="{64A443F8-ECCA-45EA-A97B-BE2AF1627D03}"/>
+          </ac:spMkLst>
+        </pc:spChg>
+        <pc:spChg chg="add mod">
+          <ac:chgData name="Fernanda Valdez" userId="d7d7d7d74fc48452" providerId="LiveId" clId="{C888A48D-F230-4DC9-83B3-65F5A35436E2}" dt="2023-11-21T01:04:08.147" v="4072"/>
+          <ac:spMkLst>
+            <pc:docMk/>
+            <pc:sldMk cId="144498883" sldId="275"/>
+            <ac:spMk id="11" creationId="{2475C3F1-E20F-BABD-33C7-F4584067D049}"/>
           </ac:spMkLst>
         </pc:spChg>
         <pc:picChg chg="mod">
@@ -1362,11 +1463,35 @@
         </pc:picChg>
       </pc:sldChg>
       <pc:sldChg chg="addSp delSp modSp add mod">
-        <pc:chgData name="Fernanda Valdez" userId="d7d7d7d74fc48452" providerId="LiveId" clId="{C888A48D-F230-4DC9-83B3-65F5A35436E2}" dt="2023-11-20T01:41:56.510" v="2812" actId="20577"/>
+        <pc:chgData name="Fernanda Valdez" userId="d7d7d7d74fc48452" providerId="LiveId" clId="{C888A48D-F230-4DC9-83B3-65F5A35436E2}" dt="2023-11-21T01:05:18.359" v="4089" actId="478"/>
         <pc:sldMkLst>
           <pc:docMk/>
           <pc:sldMk cId="1930365717" sldId="283"/>
         </pc:sldMkLst>
+        <pc:spChg chg="add mod">
+          <ac:chgData name="Fernanda Valdez" userId="d7d7d7d74fc48452" providerId="LiveId" clId="{C888A48D-F230-4DC9-83B3-65F5A35436E2}" dt="2023-11-21T01:03:59.334" v="4070"/>
+          <ac:spMkLst>
+            <pc:docMk/>
+            <pc:sldMk cId="1930365717" sldId="283"/>
+            <ac:spMk id="3" creationId="{2D8D136E-0B4C-751E-2B4F-894E43780027}"/>
+          </ac:spMkLst>
+        </pc:spChg>
+        <pc:spChg chg="del">
+          <ac:chgData name="Fernanda Valdez" userId="d7d7d7d74fc48452" providerId="LiveId" clId="{C888A48D-F230-4DC9-83B3-65F5A35436E2}" dt="2023-11-21T01:05:18.359" v="4089" actId="478"/>
+          <ac:spMkLst>
+            <pc:docMk/>
+            <pc:sldMk cId="1930365717" sldId="283"/>
+            <ac:spMk id="7" creationId="{B2A46C4A-D036-4440-BB64-6754F4FF27C1}"/>
+          </ac:spMkLst>
+        </pc:spChg>
+        <pc:spChg chg="del">
+          <ac:chgData name="Fernanda Valdez" userId="d7d7d7d74fc48452" providerId="LiveId" clId="{C888A48D-F230-4DC9-83B3-65F5A35436E2}" dt="2023-11-21T01:03:59.057" v="4069" actId="478"/>
+          <ac:spMkLst>
+            <pc:docMk/>
+            <pc:sldMk cId="1930365717" sldId="283"/>
+            <ac:spMk id="8" creationId="{905F172A-5D5D-43CD-A187-DA0D303F4144}"/>
+          </ac:spMkLst>
+        </pc:spChg>
         <pc:spChg chg="mod">
           <ac:chgData name="Fernanda Valdez" userId="d7d7d7d74fc48452" providerId="LiveId" clId="{C888A48D-F230-4DC9-83B3-65F5A35436E2}" dt="2023-11-20T01:41:56.510" v="2812" actId="20577"/>
           <ac:spMkLst>
@@ -1376,7 +1501,7 @@
           </ac:spMkLst>
         </pc:spChg>
         <pc:picChg chg="add mod ord">
-          <ac:chgData name="Fernanda Valdez" userId="d7d7d7d74fc48452" providerId="LiveId" clId="{C888A48D-F230-4DC9-83B3-65F5A35436E2}" dt="2023-11-20T01:41:47.342" v="2806" actId="171"/>
+          <ac:chgData name="Fernanda Valdez" userId="d7d7d7d74fc48452" providerId="LiveId" clId="{C888A48D-F230-4DC9-83B3-65F5A35436E2}" dt="2023-11-21T01:03:56.489" v="4068" actId="167"/>
           <ac:picMkLst>
             <pc:docMk/>
             <pc:sldMk cId="1930365717" sldId="283"/>
@@ -1392,8 +1517,8 @@
           </ac:picMkLst>
         </pc:picChg>
       </pc:sldChg>
-      <pc:sldChg chg="modSp add mod">
-        <pc:chgData name="Fernanda Valdez" userId="d7d7d7d74fc48452" providerId="LiveId" clId="{C888A48D-F230-4DC9-83B3-65F5A35436E2}" dt="2023-11-20T01:57:36.545" v="3038" actId="20577"/>
+      <pc:sldChg chg="modSp add del mod">
+        <pc:chgData name="Fernanda Valdez" userId="d7d7d7d74fc48452" providerId="LiveId" clId="{C888A48D-F230-4DC9-83B3-65F5A35436E2}" dt="2023-11-21T00:31:23.343" v="3732" actId="47"/>
         <pc:sldMkLst>
           <pc:docMk/>
           <pc:sldMk cId="1007431861" sldId="284"/>
@@ -1407,12 +1532,44 @@
           </ac:spMkLst>
         </pc:spChg>
       </pc:sldChg>
-      <pc:sldChg chg="add ord">
-        <pc:chgData name="Fernanda Valdez" userId="d7d7d7d74fc48452" providerId="LiveId" clId="{C888A48D-F230-4DC9-83B3-65F5A35436E2}" dt="2023-11-20T01:57:44.300" v="3041"/>
+      <pc:sldChg chg="addSp delSp modSp add mod ord">
+        <pc:chgData name="Fernanda Valdez" userId="d7d7d7d74fc48452" providerId="LiveId" clId="{C888A48D-F230-4DC9-83B3-65F5A35436E2}" dt="2023-11-21T01:04:59.126" v="4085" actId="478"/>
         <pc:sldMkLst>
           <pc:docMk/>
           <pc:sldMk cId="2491923539" sldId="285"/>
         </pc:sldMkLst>
+        <pc:spChg chg="add mod">
+          <ac:chgData name="Fernanda Valdez" userId="d7d7d7d74fc48452" providerId="LiveId" clId="{C888A48D-F230-4DC9-83B3-65F5A35436E2}" dt="2023-11-21T01:04:36.036" v="4078"/>
+          <ac:spMkLst>
+            <pc:docMk/>
+            <pc:sldMk cId="2491923539" sldId="285"/>
+            <ac:spMk id="3" creationId="{6CA59C1D-9F68-101D-633C-C4D139B5734F}"/>
+          </ac:spMkLst>
+        </pc:spChg>
+        <pc:spChg chg="del">
+          <ac:chgData name="Fernanda Valdez" userId="d7d7d7d74fc48452" providerId="LiveId" clId="{C888A48D-F230-4DC9-83B3-65F5A35436E2}" dt="2023-11-21T01:04:59.126" v="4085" actId="478"/>
+          <ac:spMkLst>
+            <pc:docMk/>
+            <pc:sldMk cId="2491923539" sldId="285"/>
+            <ac:spMk id="56" creationId="{B289356A-BDA0-4234-84F2-9F2F25D0D7BD}"/>
+          </ac:spMkLst>
+        </pc:spChg>
+        <pc:spChg chg="del">
+          <ac:chgData name="Fernanda Valdez" userId="d7d7d7d74fc48452" providerId="LiveId" clId="{C888A48D-F230-4DC9-83B3-65F5A35436E2}" dt="2023-11-21T01:04:35.831" v="4077" actId="478"/>
+          <ac:spMkLst>
+            <pc:docMk/>
+            <pc:sldMk cId="2491923539" sldId="285"/>
+            <ac:spMk id="57" creationId="{3A38BE84-957B-46B9-A315-4B5064DFF1A1}"/>
+          </ac:spMkLst>
+        </pc:spChg>
+        <pc:spChg chg="mod">
+          <ac:chgData name="Fernanda Valdez" userId="d7d7d7d74fc48452" providerId="LiveId" clId="{C888A48D-F230-4DC9-83B3-65F5A35436E2}" dt="2023-11-21T00:54:57.353" v="3982" actId="20577"/>
+          <ac:spMkLst>
+            <pc:docMk/>
+            <pc:sldMk cId="2491923539" sldId="285"/>
+            <ac:spMk id="326" creationId="{7B160DB7-BDF4-9939-C740-26EBBB3E0189}"/>
+          </ac:spMkLst>
+        </pc:spChg>
       </pc:sldChg>
       <pc:sldChg chg="modSp add mod">
         <pc:chgData name="Fernanda Valdez" userId="d7d7d7d74fc48452" providerId="LiveId" clId="{C888A48D-F230-4DC9-83B3-65F5A35436E2}" dt="2023-11-20T01:59:42.627" v="3086" actId="20577"/>
@@ -1426,6 +1583,206 @@
             <pc:docMk/>
             <pc:sldMk cId="3671601111" sldId="286"/>
             <ac:spMk id="2" creationId="{B1FE5F11-B7B9-4B80-8C6A-A8A7A7190B77}"/>
+          </ac:spMkLst>
+        </pc:spChg>
+      </pc:sldChg>
+      <pc:sldChg chg="del">
+        <pc:chgData name="Fernanda Valdez" userId="d7d7d7d74fc48452" providerId="LiveId" clId="{C888A48D-F230-4DC9-83B3-65F5A35436E2}" dt="2023-11-21T00:51:24.396" v="3774" actId="47"/>
+        <pc:sldMkLst>
+          <pc:docMk/>
+          <pc:sldMk cId="921118608" sldId="287"/>
+        </pc:sldMkLst>
+      </pc:sldChg>
+      <pc:sldChg chg="del">
+        <pc:chgData name="Fernanda Valdez" userId="d7d7d7d74fc48452" providerId="LiveId" clId="{C888A48D-F230-4DC9-83B3-65F5A35436E2}" dt="2023-11-21T00:31:24.777" v="3733" actId="47"/>
+        <pc:sldMkLst>
+          <pc:docMk/>
+          <pc:sldMk cId="2262251188" sldId="288"/>
+        </pc:sldMkLst>
+      </pc:sldChg>
+      <pc:sldChg chg="del">
+        <pc:chgData name="Fernanda Valdez" userId="d7d7d7d74fc48452" providerId="LiveId" clId="{C888A48D-F230-4DC9-83B3-65F5A35436E2}" dt="2023-11-21T00:27:20.791" v="3726" actId="47"/>
+        <pc:sldMkLst>
+          <pc:docMk/>
+          <pc:sldMk cId="367634751" sldId="289"/>
+        </pc:sldMkLst>
+      </pc:sldChg>
+      <pc:sldChg chg="addSp delSp modSp mod">
+        <pc:chgData name="Fernanda Valdez" userId="d7d7d7d74fc48452" providerId="LiveId" clId="{C888A48D-F230-4DC9-83B3-65F5A35436E2}" dt="2023-11-21T01:05:05.992" v="4086" actId="478"/>
+        <pc:sldMkLst>
+          <pc:docMk/>
+          <pc:sldMk cId="4070989650" sldId="290"/>
+        </pc:sldMkLst>
+        <pc:spChg chg="add mod">
+          <ac:chgData name="Fernanda Valdez" userId="d7d7d7d74fc48452" providerId="LiveId" clId="{C888A48D-F230-4DC9-83B3-65F5A35436E2}" dt="2023-11-21T01:04:18.771" v="4076"/>
+          <ac:spMkLst>
+            <pc:docMk/>
+            <pc:sldMk cId="4070989650" sldId="290"/>
+            <ac:spMk id="3" creationId="{2234F7FB-4E87-DB75-D173-F22A0F72BEA2}"/>
+          </ac:spMkLst>
+        </pc:spChg>
+        <pc:spChg chg="del">
+          <ac:chgData name="Fernanda Valdez" userId="d7d7d7d74fc48452" providerId="LiveId" clId="{C888A48D-F230-4DC9-83B3-65F5A35436E2}" dt="2023-11-21T01:05:05.992" v="4086" actId="478"/>
+          <ac:spMkLst>
+            <pc:docMk/>
+            <pc:sldMk cId="4070989650" sldId="290"/>
+            <ac:spMk id="7" creationId="{B2A46C4A-D036-4440-BB64-6754F4FF27C1}"/>
+          </ac:spMkLst>
+        </pc:spChg>
+        <pc:spChg chg="del">
+          <ac:chgData name="Fernanda Valdez" userId="d7d7d7d74fc48452" providerId="LiveId" clId="{C888A48D-F230-4DC9-83B3-65F5A35436E2}" dt="2023-11-21T01:04:18.584" v="4075" actId="478"/>
+          <ac:spMkLst>
+            <pc:docMk/>
+            <pc:sldMk cId="4070989650" sldId="290"/>
+            <ac:spMk id="8" creationId="{905F172A-5D5D-43CD-A187-DA0D303F4144}"/>
+          </ac:spMkLst>
+        </pc:spChg>
+      </pc:sldChg>
+      <pc:sldChg chg="addSp delSp modSp mod ord">
+        <pc:chgData name="Fernanda Valdez" userId="d7d7d7d74fc48452" providerId="LiveId" clId="{C888A48D-F230-4DC9-83B3-65F5A35436E2}" dt="2023-11-21T01:01:36.642" v="4008" actId="1076"/>
+        <pc:sldMkLst>
+          <pc:docMk/>
+          <pc:sldMk cId="3590459948" sldId="291"/>
+        </pc:sldMkLst>
+        <pc:spChg chg="del">
+          <ac:chgData name="Fernanda Valdez" userId="d7d7d7d74fc48452" providerId="LiveId" clId="{C888A48D-F230-4DC9-83B3-65F5A35436E2}" dt="2023-11-21T00:41:53.132" v="3749" actId="478"/>
+          <ac:spMkLst>
+            <pc:docMk/>
+            <pc:sldMk cId="3590459948" sldId="291"/>
+            <ac:spMk id="4" creationId="{33D8731E-4977-402E-8BFD-895B4D0544CC}"/>
+          </ac:spMkLst>
+        </pc:spChg>
+        <pc:spChg chg="add del mod">
+          <ac:chgData name="Fernanda Valdez" userId="d7d7d7d74fc48452" providerId="LiveId" clId="{C888A48D-F230-4DC9-83B3-65F5A35436E2}" dt="2023-11-21T00:41:59.604" v="3752" actId="478"/>
+          <ac:spMkLst>
+            <pc:docMk/>
+            <pc:sldMk cId="3590459948" sldId="291"/>
+            <ac:spMk id="5" creationId="{4B38A032-17C0-17CC-F9C2-C7D03CDF6A9D}"/>
+          </ac:spMkLst>
+        </pc:spChg>
+        <pc:picChg chg="add del mod">
+          <ac:chgData name="Fernanda Valdez" userId="d7d7d7d74fc48452" providerId="LiveId" clId="{C888A48D-F230-4DC9-83B3-65F5A35436E2}" dt="2023-11-21T01:00:02.682" v="3989" actId="478"/>
+          <ac:picMkLst>
+            <pc:docMk/>
+            <pc:sldMk cId="3590459948" sldId="291"/>
+            <ac:picMk id="7" creationId="{F4A6FC4A-55A2-F48B-2B77-8C7D377096ED}"/>
+          </ac:picMkLst>
+        </pc:picChg>
+        <pc:picChg chg="add del mod">
+          <ac:chgData name="Fernanda Valdez" userId="d7d7d7d74fc48452" providerId="LiveId" clId="{C888A48D-F230-4DC9-83B3-65F5A35436E2}" dt="2023-11-21T01:00:01.799" v="3988" actId="478"/>
+          <ac:picMkLst>
+            <pc:docMk/>
+            <pc:sldMk cId="3590459948" sldId="291"/>
+            <ac:picMk id="10" creationId="{986F552E-DD0A-7CF9-1566-61CEB4AFA556}"/>
+          </ac:picMkLst>
+        </pc:picChg>
+        <pc:picChg chg="del mod">
+          <ac:chgData name="Fernanda Valdez" userId="d7d7d7d74fc48452" providerId="LiveId" clId="{C888A48D-F230-4DC9-83B3-65F5A35436E2}" dt="2023-11-21T00:56:39.092" v="3984" actId="478"/>
+          <ac:picMkLst>
+            <pc:docMk/>
+            <pc:sldMk cId="3590459948" sldId="291"/>
+            <ac:picMk id="12" creationId="{CD8A96B9-9D83-6DF1-D009-6FD5AF978E41}"/>
+          </ac:picMkLst>
+        </pc:picChg>
+        <pc:picChg chg="add mod">
+          <ac:chgData name="Fernanda Valdez" userId="d7d7d7d74fc48452" providerId="LiveId" clId="{C888A48D-F230-4DC9-83B3-65F5A35436E2}" dt="2023-11-21T01:01:29.562" v="4006" actId="14100"/>
+          <ac:picMkLst>
+            <pc:docMk/>
+            <pc:sldMk cId="3590459948" sldId="291"/>
+            <ac:picMk id="13" creationId="{1DCDEA74-5FEA-D66C-9E69-5ACC279338FD}"/>
+          </ac:picMkLst>
+        </pc:picChg>
+        <pc:picChg chg="add del mod">
+          <ac:chgData name="Fernanda Valdez" userId="d7d7d7d74fc48452" providerId="LiveId" clId="{C888A48D-F230-4DC9-83B3-65F5A35436E2}" dt="2023-11-21T01:00:58.710" v="3998" actId="478"/>
+          <ac:picMkLst>
+            <pc:docMk/>
+            <pc:sldMk cId="3590459948" sldId="291"/>
+            <ac:picMk id="15" creationId="{1462D1F6-B14C-53C9-0291-F0BB6F2C2FE5}"/>
+          </ac:picMkLst>
+        </pc:picChg>
+        <pc:picChg chg="add mod">
+          <ac:chgData name="Fernanda Valdez" userId="d7d7d7d74fc48452" providerId="LiveId" clId="{C888A48D-F230-4DC9-83B3-65F5A35436E2}" dt="2023-11-21T01:01:36.642" v="4008" actId="1076"/>
+          <ac:picMkLst>
+            <pc:docMk/>
+            <pc:sldMk cId="3590459948" sldId="291"/>
+            <ac:picMk id="18" creationId="{E3B4B094-C3EB-A425-51A4-1E6D6FFBB92E}"/>
+          </ac:picMkLst>
+        </pc:picChg>
+      </pc:sldChg>
+      <pc:sldChg chg="addSp delSp modSp mod ord">
+        <pc:chgData name="Fernanda Valdez" userId="d7d7d7d74fc48452" providerId="LiveId" clId="{C888A48D-F230-4DC9-83B3-65F5A35436E2}" dt="2023-11-21T00:48:51.334" v="3770" actId="1076"/>
+        <pc:sldMkLst>
+          <pc:docMk/>
+          <pc:sldMk cId="384096794" sldId="292"/>
+        </pc:sldMkLst>
+        <pc:picChg chg="add del mod">
+          <ac:chgData name="Fernanda Valdez" userId="d7d7d7d74fc48452" providerId="LiveId" clId="{C888A48D-F230-4DC9-83B3-65F5A35436E2}" dt="2023-11-21T00:41:45.573" v="3746" actId="478"/>
+          <ac:picMkLst>
+            <pc:docMk/>
+            <pc:sldMk cId="384096794" sldId="292"/>
+            <ac:picMk id="5" creationId="{B491D58A-36ED-9C58-D596-7487F1507EB9}"/>
+          </ac:picMkLst>
+        </pc:picChg>
+        <pc:picChg chg="add mod">
+          <ac:chgData name="Fernanda Valdez" userId="d7d7d7d74fc48452" providerId="LiveId" clId="{C888A48D-F230-4DC9-83B3-65F5A35436E2}" dt="2023-11-21T00:48:51.334" v="3770" actId="1076"/>
+          <ac:picMkLst>
+            <pc:docMk/>
+            <pc:sldMk cId="384096794" sldId="292"/>
+            <ac:picMk id="8" creationId="{B70A4E4B-DCC5-8355-1A36-61183452524D}"/>
+          </ac:picMkLst>
+        </pc:picChg>
+        <pc:picChg chg="mod">
+          <ac:chgData name="Fernanda Valdez" userId="d7d7d7d74fc48452" providerId="LiveId" clId="{C888A48D-F230-4DC9-83B3-65F5A35436E2}" dt="2023-11-21T00:48:48.642" v="3769" actId="1076"/>
+          <ac:picMkLst>
+            <pc:docMk/>
+            <pc:sldMk cId="384096794" sldId="292"/>
+            <ac:picMk id="24" creationId="{43F86848-F367-C172-5420-2F2DDD93E76B}"/>
+          </ac:picMkLst>
+        </pc:picChg>
+      </pc:sldChg>
+      <pc:sldChg chg="addSp modSp mod ord">
+        <pc:chgData name="Fernanda Valdez" userId="d7d7d7d74fc48452" providerId="LiveId" clId="{C888A48D-F230-4DC9-83B3-65F5A35436E2}" dt="2023-11-21T00:49:00.795" v="3772" actId="1076"/>
+        <pc:sldMkLst>
+          <pc:docMk/>
+          <pc:sldMk cId="3769297908" sldId="293"/>
+        </pc:sldMkLst>
+        <pc:picChg chg="add mod">
+          <ac:chgData name="Fernanda Valdez" userId="d7d7d7d74fc48452" providerId="LiveId" clId="{C888A48D-F230-4DC9-83B3-65F5A35436E2}" dt="2023-11-21T00:49:00.795" v="3772" actId="1076"/>
+          <ac:picMkLst>
+            <pc:docMk/>
+            <pc:sldMk cId="3769297908" sldId="293"/>
+            <ac:picMk id="5" creationId="{15CEBC54-557F-6941-1E4F-12C647D9A3C2}"/>
+          </ac:picMkLst>
+        </pc:picChg>
+        <pc:picChg chg="mod">
+          <ac:chgData name="Fernanda Valdez" userId="d7d7d7d74fc48452" providerId="LiveId" clId="{C888A48D-F230-4DC9-83B3-65F5A35436E2}" dt="2023-11-21T00:48:58.502" v="3771" actId="1076"/>
+          <ac:picMkLst>
+            <pc:docMk/>
+            <pc:sldMk cId="3769297908" sldId="293"/>
+            <ac:picMk id="8" creationId="{6CB5EC07-EC15-7284-387E-7D3E4B92E003}"/>
+          </ac:picMkLst>
+        </pc:picChg>
+      </pc:sldChg>
+      <pc:sldChg chg="delSp modSp add mod">
+        <pc:chgData name="Fernanda Valdez" userId="d7d7d7d74fc48452" providerId="LiveId" clId="{C888A48D-F230-4DC9-83B3-65F5A35436E2}" dt="2023-11-21T01:05:21.846" v="4090" actId="478"/>
+        <pc:sldMkLst>
+          <pc:docMk/>
+          <pc:sldMk cId="1584942961" sldId="294"/>
+        </pc:sldMkLst>
+        <pc:spChg chg="del">
+          <ac:chgData name="Fernanda Valdez" userId="d7d7d7d74fc48452" providerId="LiveId" clId="{C888A48D-F230-4DC9-83B3-65F5A35436E2}" dt="2023-11-21T01:05:21.846" v="4090" actId="478"/>
+          <ac:spMkLst>
+            <pc:docMk/>
+            <pc:sldMk cId="1584942961" sldId="294"/>
+            <ac:spMk id="56" creationId="{B289356A-BDA0-4234-84F2-9F2F25D0D7BD}"/>
+          </ac:spMkLst>
+        </pc:spChg>
+        <pc:spChg chg="mod">
+          <ac:chgData name="Fernanda Valdez" userId="d7d7d7d74fc48452" providerId="LiveId" clId="{C888A48D-F230-4DC9-83B3-65F5A35436E2}" dt="2023-11-21T01:02:49.221" v="4067" actId="20577"/>
+          <ac:spMkLst>
+            <pc:docMk/>
+            <pc:sldMk cId="1584942961" sldId="294"/>
+            <ac:spMk id="57" creationId="{3A38BE84-957B-46B9-A315-4B5064DFF1A1}"/>
           </ac:spMkLst>
         </pc:spChg>
       </pc:sldChg>
@@ -2150,7 +2507,7 @@
     </p:spTree>
     <p:extLst>
       <p:ext uri="{BB962C8B-B14F-4D97-AF65-F5344CB8AC3E}">
-        <p14:creationId xmlns:p14="http://schemas.microsoft.com/office/powerpoint/2010/main" val="1508356871"/>
+        <p14:creationId xmlns:p14="http://schemas.microsoft.com/office/powerpoint/2010/main" val="4064346090"/>
       </p:ext>
     </p:extLst>
   </p:cSld>
@@ -2235,7 +2592,7 @@
     </p:spTree>
     <p:extLst>
       <p:ext uri="{BB962C8B-B14F-4D97-AF65-F5344CB8AC3E}">
-        <p14:creationId xmlns:p14="http://schemas.microsoft.com/office/powerpoint/2010/main" val="1861511553"/>
+        <p14:creationId xmlns:p14="http://schemas.microsoft.com/office/powerpoint/2010/main" val="1508356871"/>
       </p:ext>
     </p:extLst>
   </p:cSld>
@@ -2320,7 +2677,7 @@
     </p:spTree>
     <p:extLst>
       <p:ext uri="{BB962C8B-B14F-4D97-AF65-F5344CB8AC3E}">
-        <p14:creationId xmlns:p14="http://schemas.microsoft.com/office/powerpoint/2010/main" val="3695295266"/>
+        <p14:creationId xmlns:p14="http://schemas.microsoft.com/office/powerpoint/2010/main" val="1861511553"/>
       </p:ext>
     </p:extLst>
   </p:cSld>
@@ -2405,7 +2762,7 @@
     </p:spTree>
     <p:extLst>
       <p:ext uri="{BB962C8B-B14F-4D97-AF65-F5344CB8AC3E}">
-        <p14:creationId xmlns:p14="http://schemas.microsoft.com/office/powerpoint/2010/main" val="2482573018"/>
+        <p14:creationId xmlns:p14="http://schemas.microsoft.com/office/powerpoint/2010/main" val="3695295266"/>
       </p:ext>
     </p:extLst>
   </p:cSld>
@@ -2490,7 +2847,7 @@
     </p:spTree>
     <p:extLst>
       <p:ext uri="{BB962C8B-B14F-4D97-AF65-F5344CB8AC3E}">
-        <p14:creationId xmlns:p14="http://schemas.microsoft.com/office/powerpoint/2010/main" val="2230030803"/>
+        <p14:creationId xmlns:p14="http://schemas.microsoft.com/office/powerpoint/2010/main" val="2875452572"/>
       </p:ext>
     </p:extLst>
   </p:cSld>
@@ -2575,7 +2932,7 @@
     </p:spTree>
     <p:extLst>
       <p:ext uri="{BB962C8B-B14F-4D97-AF65-F5344CB8AC3E}">
-        <p14:creationId xmlns:p14="http://schemas.microsoft.com/office/powerpoint/2010/main" val="2875452572"/>
+        <p14:creationId xmlns:p14="http://schemas.microsoft.com/office/powerpoint/2010/main" val="2482573018"/>
       </p:ext>
     </p:extLst>
   </p:cSld>
@@ -2660,7 +3017,7 @@
     </p:spTree>
     <p:extLst>
       <p:ext uri="{BB962C8B-B14F-4D97-AF65-F5344CB8AC3E}">
-        <p14:creationId xmlns:p14="http://schemas.microsoft.com/office/powerpoint/2010/main" val="2050678020"/>
+        <p14:creationId xmlns:p14="http://schemas.microsoft.com/office/powerpoint/2010/main" val="3072382898"/>
       </p:ext>
     </p:extLst>
   </p:cSld>
@@ -2745,7 +3102,7 @@
     </p:spTree>
     <p:extLst>
       <p:ext uri="{BB962C8B-B14F-4D97-AF65-F5344CB8AC3E}">
-        <p14:creationId xmlns:p14="http://schemas.microsoft.com/office/powerpoint/2010/main" val="2954652686"/>
+        <p14:creationId xmlns:p14="http://schemas.microsoft.com/office/powerpoint/2010/main" val="2482224959"/>
       </p:ext>
     </p:extLst>
   </p:cSld>
@@ -2830,7 +3187,7 @@
     </p:spTree>
     <p:extLst>
       <p:ext uri="{BB962C8B-B14F-4D97-AF65-F5344CB8AC3E}">
-        <p14:creationId xmlns:p14="http://schemas.microsoft.com/office/powerpoint/2010/main" val="3527123899"/>
+        <p14:creationId xmlns:p14="http://schemas.microsoft.com/office/powerpoint/2010/main" val="1524502082"/>
       </p:ext>
     </p:extLst>
   </p:cSld>
@@ -2915,7 +3272,7 @@
     </p:spTree>
     <p:extLst>
       <p:ext uri="{BB962C8B-B14F-4D97-AF65-F5344CB8AC3E}">
-        <p14:creationId xmlns:p14="http://schemas.microsoft.com/office/powerpoint/2010/main" val="3072382898"/>
+        <p14:creationId xmlns:p14="http://schemas.microsoft.com/office/powerpoint/2010/main" val="2050678020"/>
       </p:ext>
     </p:extLst>
   </p:cSld>
@@ -3085,7 +3442,7 @@
     </p:spTree>
     <p:extLst>
       <p:ext uri="{BB962C8B-B14F-4D97-AF65-F5344CB8AC3E}">
-        <p14:creationId xmlns:p14="http://schemas.microsoft.com/office/powerpoint/2010/main" val="1524502082"/>
+        <p14:creationId xmlns:p14="http://schemas.microsoft.com/office/powerpoint/2010/main" val="2954652686"/>
       </p:ext>
     </p:extLst>
   </p:cSld>
@@ -3170,7 +3527,7 @@
     </p:spTree>
     <p:extLst>
       <p:ext uri="{BB962C8B-B14F-4D97-AF65-F5344CB8AC3E}">
-        <p14:creationId xmlns:p14="http://schemas.microsoft.com/office/powerpoint/2010/main" val="2482224959"/>
+        <p14:creationId xmlns:p14="http://schemas.microsoft.com/office/powerpoint/2010/main" val="3527123899"/>
       </p:ext>
     </p:extLst>
   </p:cSld>
@@ -3255,7 +3612,7 @@
     </p:spTree>
     <p:extLst>
       <p:ext uri="{BB962C8B-B14F-4D97-AF65-F5344CB8AC3E}">
-        <p14:creationId xmlns:p14="http://schemas.microsoft.com/office/powerpoint/2010/main" val="1780030628"/>
+        <p14:creationId xmlns:p14="http://schemas.microsoft.com/office/powerpoint/2010/main" val="2230030803"/>
       </p:ext>
     </p:extLst>
   </p:cSld>
@@ -3340,7 +3697,7 @@
     </p:spTree>
     <p:extLst>
       <p:ext uri="{BB962C8B-B14F-4D97-AF65-F5344CB8AC3E}">
-        <p14:creationId xmlns:p14="http://schemas.microsoft.com/office/powerpoint/2010/main" val="744345855"/>
+        <p14:creationId xmlns:p14="http://schemas.microsoft.com/office/powerpoint/2010/main" val="324268012"/>
       </p:ext>
     </p:extLst>
   </p:cSld>
@@ -3425,7 +3782,7 @@
     </p:spTree>
     <p:extLst>
       <p:ext uri="{BB962C8B-B14F-4D97-AF65-F5344CB8AC3E}">
-        <p14:creationId xmlns:p14="http://schemas.microsoft.com/office/powerpoint/2010/main" val="4070786815"/>
+        <p14:creationId xmlns:p14="http://schemas.microsoft.com/office/powerpoint/2010/main" val="954942207"/>
       </p:ext>
     </p:extLst>
   </p:cSld>
@@ -3502,261 +3859,6 @@
             <a:fld id="{22289C57-55D7-40A4-A101-E74FAC7A092B}" type="slidenum">
               <a:rPr lang="es-ES" smtClean="0"/>
               <a:t>25</a:t>
-            </a:fld>
-            <a:endParaRPr lang="es-ES" dirty="0"/>
-          </a:p>
-        </p:txBody>
-      </p:sp>
-    </p:spTree>
-    <p:extLst>
-      <p:ext uri="{BB962C8B-B14F-4D97-AF65-F5344CB8AC3E}">
-        <p14:creationId xmlns:p14="http://schemas.microsoft.com/office/powerpoint/2010/main" val="324268012"/>
-      </p:ext>
-    </p:extLst>
-  </p:cSld>
-  <p:clrMapOvr>
-    <a:masterClrMapping/>
-  </p:clrMapOvr>
-</p:notes>
-</file>
-
-<file path=ppt/notesSlides/notesSlide26.xml><?xml version="1.0" encoding="utf-8"?>
-<p:notes xmlns:a="http://schemas.openxmlformats.org/drawingml/2006/main" xmlns:r="http://schemas.openxmlformats.org/officeDocument/2006/relationships" xmlns:p="http://schemas.openxmlformats.org/presentationml/2006/main">
-  <p:cSld>
-    <p:spTree>
-      <p:nvGrpSpPr>
-        <p:cNvPr id="1" name=""/>
-        <p:cNvGrpSpPr/>
-        <p:nvPr/>
-      </p:nvGrpSpPr>
-      <p:grpSpPr>
-        <a:xfrm>
-          <a:off x="0" y="0"/>
-          <a:ext cx="0" cy="0"/>
-          <a:chOff x="0" y="0"/>
-          <a:chExt cx="0" cy="0"/>
-        </a:xfrm>
-      </p:grpSpPr>
-      <p:sp>
-        <p:nvSpPr>
-          <p:cNvPr id="2" name="Marcador de imagen de diapositiva 1"/>
-          <p:cNvSpPr>
-            <a:spLocks noGrp="1" noRot="1" noChangeAspect="1"/>
-          </p:cNvSpPr>
-          <p:nvPr>
-            <p:ph type="sldImg"/>
-          </p:nvPr>
-        </p:nvSpPr>
-        <p:spPr/>
-      </p:sp>
-      <p:sp>
-        <p:nvSpPr>
-          <p:cNvPr id="3" name="Marcador de notas 2"/>
-          <p:cNvSpPr>
-            <a:spLocks noGrp="1"/>
-          </p:cNvSpPr>
-          <p:nvPr>
-            <p:ph type="body" idx="1"/>
-          </p:nvPr>
-        </p:nvSpPr>
-        <p:spPr/>
-        <p:txBody>
-          <a:bodyPr/>
-          <a:lstStyle/>
-          <a:p>
-            <a:endParaRPr lang="es-ES" dirty="0"/>
-          </a:p>
-        </p:txBody>
-      </p:sp>
-      <p:sp>
-        <p:nvSpPr>
-          <p:cNvPr id="4" name="Marcador de número de diapositiva 3"/>
-          <p:cNvSpPr>
-            <a:spLocks noGrp="1"/>
-          </p:cNvSpPr>
-          <p:nvPr>
-            <p:ph type="sldNum" sz="quarter" idx="5"/>
-          </p:nvPr>
-        </p:nvSpPr>
-        <p:spPr/>
-        <p:txBody>
-          <a:bodyPr/>
-          <a:lstStyle/>
-          <a:p>
-            <a:pPr rtl="0"/>
-            <a:fld id="{22289C57-55D7-40A4-A101-E74FAC7A092B}" type="slidenum">
-              <a:rPr lang="es-ES" smtClean="0"/>
-              <a:t>26</a:t>
-            </a:fld>
-            <a:endParaRPr lang="es-ES" dirty="0"/>
-          </a:p>
-        </p:txBody>
-      </p:sp>
-    </p:spTree>
-    <p:extLst>
-      <p:ext uri="{BB962C8B-B14F-4D97-AF65-F5344CB8AC3E}">
-        <p14:creationId xmlns:p14="http://schemas.microsoft.com/office/powerpoint/2010/main" val="954942207"/>
-      </p:ext>
-    </p:extLst>
-  </p:cSld>
-  <p:clrMapOvr>
-    <a:masterClrMapping/>
-  </p:clrMapOvr>
-</p:notes>
-</file>
-
-<file path=ppt/notesSlides/notesSlide27.xml><?xml version="1.0" encoding="utf-8"?>
-<p:notes xmlns:a="http://schemas.openxmlformats.org/drawingml/2006/main" xmlns:r="http://schemas.openxmlformats.org/officeDocument/2006/relationships" xmlns:p="http://schemas.openxmlformats.org/presentationml/2006/main">
-  <p:cSld>
-    <p:spTree>
-      <p:nvGrpSpPr>
-        <p:cNvPr id="1" name=""/>
-        <p:cNvGrpSpPr/>
-        <p:nvPr/>
-      </p:nvGrpSpPr>
-      <p:grpSpPr>
-        <a:xfrm>
-          <a:off x="0" y="0"/>
-          <a:ext cx="0" cy="0"/>
-          <a:chOff x="0" y="0"/>
-          <a:chExt cx="0" cy="0"/>
-        </a:xfrm>
-      </p:grpSpPr>
-      <p:sp>
-        <p:nvSpPr>
-          <p:cNvPr id="2" name="Marcador de imagen de diapositiva 1"/>
-          <p:cNvSpPr>
-            <a:spLocks noGrp="1" noRot="1" noChangeAspect="1"/>
-          </p:cNvSpPr>
-          <p:nvPr>
-            <p:ph type="sldImg"/>
-          </p:nvPr>
-        </p:nvSpPr>
-        <p:spPr/>
-      </p:sp>
-      <p:sp>
-        <p:nvSpPr>
-          <p:cNvPr id="3" name="Marcador de notas 2"/>
-          <p:cNvSpPr>
-            <a:spLocks noGrp="1"/>
-          </p:cNvSpPr>
-          <p:nvPr>
-            <p:ph type="body" idx="1"/>
-          </p:nvPr>
-        </p:nvSpPr>
-        <p:spPr/>
-        <p:txBody>
-          <a:bodyPr/>
-          <a:lstStyle/>
-          <a:p>
-            <a:endParaRPr lang="es-ES" dirty="0"/>
-          </a:p>
-        </p:txBody>
-      </p:sp>
-      <p:sp>
-        <p:nvSpPr>
-          <p:cNvPr id="4" name="Marcador de número de diapositiva 3"/>
-          <p:cNvSpPr>
-            <a:spLocks noGrp="1"/>
-          </p:cNvSpPr>
-          <p:nvPr>
-            <p:ph type="sldNum" sz="quarter" idx="5"/>
-          </p:nvPr>
-        </p:nvSpPr>
-        <p:spPr/>
-        <p:txBody>
-          <a:bodyPr/>
-          <a:lstStyle/>
-          <a:p>
-            <a:pPr rtl="0"/>
-            <a:fld id="{22289C57-55D7-40A4-A101-E74FAC7A092B}" type="slidenum">
-              <a:rPr lang="es-ES" smtClean="0"/>
-              <a:t>27</a:t>
-            </a:fld>
-            <a:endParaRPr lang="es-ES" dirty="0"/>
-          </a:p>
-        </p:txBody>
-      </p:sp>
-    </p:spTree>
-    <p:extLst>
-      <p:ext uri="{BB962C8B-B14F-4D97-AF65-F5344CB8AC3E}">
-        <p14:creationId xmlns:p14="http://schemas.microsoft.com/office/powerpoint/2010/main" val="2572684225"/>
-      </p:ext>
-    </p:extLst>
-  </p:cSld>
-  <p:clrMapOvr>
-    <a:masterClrMapping/>
-  </p:clrMapOvr>
-</p:notes>
-</file>
-
-<file path=ppt/notesSlides/notesSlide28.xml><?xml version="1.0" encoding="utf-8"?>
-<p:notes xmlns:a="http://schemas.openxmlformats.org/drawingml/2006/main" xmlns:r="http://schemas.openxmlformats.org/officeDocument/2006/relationships" xmlns:p="http://schemas.openxmlformats.org/presentationml/2006/main">
-  <p:cSld>
-    <p:spTree>
-      <p:nvGrpSpPr>
-        <p:cNvPr id="1" name=""/>
-        <p:cNvGrpSpPr/>
-        <p:nvPr/>
-      </p:nvGrpSpPr>
-      <p:grpSpPr>
-        <a:xfrm>
-          <a:off x="0" y="0"/>
-          <a:ext cx="0" cy="0"/>
-          <a:chOff x="0" y="0"/>
-          <a:chExt cx="0" cy="0"/>
-        </a:xfrm>
-      </p:grpSpPr>
-      <p:sp>
-        <p:nvSpPr>
-          <p:cNvPr id="2" name="Marcador de imagen de diapositiva 1"/>
-          <p:cNvSpPr>
-            <a:spLocks noGrp="1" noRot="1" noChangeAspect="1"/>
-          </p:cNvSpPr>
-          <p:nvPr>
-            <p:ph type="sldImg"/>
-          </p:nvPr>
-        </p:nvSpPr>
-        <p:spPr/>
-      </p:sp>
-      <p:sp>
-        <p:nvSpPr>
-          <p:cNvPr id="3" name="Marcador de notas 2"/>
-          <p:cNvSpPr>
-            <a:spLocks noGrp="1"/>
-          </p:cNvSpPr>
-          <p:nvPr>
-            <p:ph type="body" idx="1"/>
-          </p:nvPr>
-        </p:nvSpPr>
-        <p:spPr/>
-        <p:txBody>
-          <a:bodyPr/>
-          <a:lstStyle/>
-          <a:p>
-            <a:endParaRPr lang="es-ES" dirty="0"/>
-          </a:p>
-        </p:txBody>
-      </p:sp>
-      <p:sp>
-        <p:nvSpPr>
-          <p:cNvPr id="4" name="Marcador de número de diapositiva 3"/>
-          <p:cNvSpPr>
-            <a:spLocks noGrp="1"/>
-          </p:cNvSpPr>
-          <p:nvPr>
-            <p:ph type="sldNum" sz="quarter" idx="5"/>
-          </p:nvPr>
-        </p:nvSpPr>
-        <p:spPr/>
-        <p:txBody>
-          <a:bodyPr/>
-          <a:lstStyle/>
-          <a:p>
-            <a:pPr rtl="0"/>
-            <a:fld id="{22289C57-55D7-40A4-A101-E74FAC7A092B}" type="slidenum">
-              <a:rPr lang="es-ES" smtClean="0"/>
-              <a:t>28</a:t>
             </a:fld>
             <a:endParaRPr lang="es-ES" dirty="0"/>
           </a:p>
@@ -4360,7 +4462,7 @@
     </p:spTree>
     <p:extLst>
       <p:ext uri="{BB962C8B-B14F-4D97-AF65-F5344CB8AC3E}">
-        <p14:creationId xmlns:p14="http://schemas.microsoft.com/office/powerpoint/2010/main" val="4064346090"/>
+        <p14:creationId xmlns:p14="http://schemas.microsoft.com/office/powerpoint/2010/main" val="744345855"/>
       </p:ext>
     </p:extLst>
   </p:cSld>
@@ -13462,21 +13564,21 @@
           <p:cNvPr id="2" name="Título 1">
             <a:extLst>
               <a:ext uri="{FF2B5EF4-FFF2-40B4-BE49-F238E27FC236}">
-                <a16:creationId xmlns:a16="http://schemas.microsoft.com/office/drawing/2014/main" id="{09140014-73D5-419B-8867-972BB18D52D4}"/>
-              </a:ext>
-            </a:extLst>
-          </p:cNvPr>
-          <p:cNvSpPr>
-            <a:spLocks noGrp="1"/>
-          </p:cNvSpPr>
-          <p:nvPr>
-            <p:ph type="title"/>
-          </p:nvPr>
-        </p:nvSpPr>
-        <p:spPr>
-          <a:xfrm>
-            <a:off x="2933700" y="892177"/>
-            <a:ext cx="8421688" cy="1325563"/>
+                <a16:creationId xmlns:a16="http://schemas.microsoft.com/office/drawing/2014/main" id="{B1FE5F11-B7B9-4B80-8C6A-A8A7A7190B77}"/>
+              </a:ext>
+            </a:extLst>
+          </p:cNvPr>
+          <p:cNvSpPr>
+            <a:spLocks noGrp="1"/>
+          </p:cNvSpPr>
+          <p:nvPr>
+            <p:ph type="ctrTitle"/>
+          </p:nvPr>
+        </p:nvSpPr>
+        <p:spPr>
+          <a:xfrm>
+            <a:off x="6389390" y="2571234"/>
+            <a:ext cx="5074920" cy="1715531"/>
           </a:xfrm>
         </p:spPr>
         <p:txBody>
@@ -13489,273 +13591,8 @@
           <a:p>
             <a:pPr rtl="0"/>
             <a:r>
-              <a:rPr lang="es-ES" dirty="0"/>
-              <a:t>ÁREAS DE ENFOQUE</a:t>
-            </a:r>
-          </a:p>
-        </p:txBody>
-      </p:sp>
-      <p:sp>
-        <p:nvSpPr>
-          <p:cNvPr id="4" name="Marcador de contenido 3">
-            <a:extLst>
-              <a:ext uri="{FF2B5EF4-FFF2-40B4-BE49-F238E27FC236}">
-                <a16:creationId xmlns:a16="http://schemas.microsoft.com/office/drawing/2014/main" id="{33D8731E-4977-402E-8BFD-895B4D0544CC}"/>
-              </a:ext>
-            </a:extLst>
-          </p:cNvPr>
-          <p:cNvSpPr>
-            <a:spLocks noGrp="1"/>
-          </p:cNvSpPr>
-          <p:nvPr>
-            <p:ph sz="half" idx="2"/>
-          </p:nvPr>
-        </p:nvSpPr>
-        <p:spPr>
-          <a:xfrm>
-            <a:off x="2933700" y="3834606"/>
-            <a:ext cx="3924300" cy="1997867"/>
-          </a:xfrm>
-        </p:spPr>
-        <p:txBody>
-          <a:bodyPr rtlCol="0">
-            <a:normAutofit/>
-          </a:bodyPr>
-          <a:lstStyle>
-            <a:defPPr>
-              <a:defRPr lang="es-ES"/>
-            </a:defPPr>
-          </a:lstStyle>
-          <a:p>
-            <a:pPr rtl="0"/>
-            <a:r>
-              <a:rPr lang="es-ES" dirty="0"/>
-              <a:t>Desarrollar estrategias ganadoras para seguir a la vanguardia de la competencia</a:t>
-            </a:r>
-          </a:p>
-          <a:p>
-            <a:pPr rtl="0"/>
-            <a:r>
-              <a:rPr lang="es-ES" dirty="0"/>
-              <a:t>​Aprovechar los frutos obtenidos para identificar un valor en el terreno de juego</a:t>
-            </a:r>
-          </a:p>
-          <a:p>
-            <a:pPr rtl="0"/>
-            <a:r>
-              <a:rPr lang="es-ES" dirty="0"/>
-              <a:t>​Visualizar la convergencia dirigida al cliente</a:t>
-            </a:r>
-          </a:p>
-        </p:txBody>
-      </p:sp>
-      <p:sp>
-        <p:nvSpPr>
-          <p:cNvPr id="6" name="Marcador de contenido 5">
-            <a:extLst>
-              <a:ext uri="{FF2B5EF4-FFF2-40B4-BE49-F238E27FC236}">
-                <a16:creationId xmlns:a16="http://schemas.microsoft.com/office/drawing/2014/main" id="{50B65871-FA95-449A-B8BC-90486DE532EF}"/>
-              </a:ext>
-            </a:extLst>
-          </p:cNvPr>
-          <p:cNvSpPr>
-            <a:spLocks noGrp="1"/>
-          </p:cNvSpPr>
-          <p:nvPr>
-            <p:ph sz="quarter" idx="4"/>
-          </p:nvPr>
-        </p:nvSpPr>
-        <p:spPr>
-          <a:xfrm>
-            <a:off x="7410173" y="3834606"/>
-            <a:ext cx="3943627" cy="1997867"/>
-          </a:xfrm>
-        </p:spPr>
-        <p:txBody>
-          <a:bodyPr rtlCol="0">
-            <a:normAutofit/>
-          </a:bodyPr>
-          <a:lstStyle>
-            <a:defPPr>
-              <a:defRPr lang="es-ES"/>
-            </a:defPPr>
-          </a:lstStyle>
-          <a:p>
-            <a:pPr rtl="0"/>
-            <a:r>
-              <a:rPr lang="es-ES" dirty="0"/>
-              <a:t>Enfoques iterativos para una estrategia corporativa</a:t>
-            </a:r>
-          </a:p>
-          <a:p>
-            <a:pPr rtl="0"/>
-            <a:r>
-              <a:rPr lang="es-ES" dirty="0"/>
-              <a:t>​Establecer un marco de administración desde dentro</a:t>
-            </a:r>
-          </a:p>
-        </p:txBody>
-      </p:sp>
-      <p:sp>
-        <p:nvSpPr>
-          <p:cNvPr id="9" name="Marcador de número de diapositiva 8">
-            <a:extLst>
-              <a:ext uri="{FF2B5EF4-FFF2-40B4-BE49-F238E27FC236}">
-                <a16:creationId xmlns:a16="http://schemas.microsoft.com/office/drawing/2014/main" id="{C396FFDC-ADE8-4009-A466-A81787258E88}"/>
-              </a:ext>
-            </a:extLst>
-          </p:cNvPr>
-          <p:cNvSpPr>
-            <a:spLocks noGrp="1"/>
-          </p:cNvSpPr>
-          <p:nvPr>
-            <p:ph type="sldNum" sz="quarter" idx="12"/>
-          </p:nvPr>
-        </p:nvSpPr>
-        <p:spPr>
-          <a:xfrm>
-            <a:off x="8610600" y="6356350"/>
-            <a:ext cx="2743200" cy="365125"/>
-          </a:xfrm>
-        </p:spPr>
-        <p:txBody>
-          <a:bodyPr rtlCol="0"/>
-          <a:lstStyle>
-            <a:defPPr>
-              <a:defRPr lang="es-ES"/>
-            </a:defPPr>
-          </a:lstStyle>
-          <a:p>
-            <a:pPr rtl="0"/>
-            <a:fld id="{A49DFD55-3C28-40EF-9E31-A92D2E4017FF}" type="slidenum">
-              <a:rPr lang="es-ES" smtClean="0"/>
-              <a:pPr rtl="0"/>
-              <a:t>10</a:t>
-            </a:fld>
-            <a:endParaRPr lang="es-ES" dirty="0"/>
-          </a:p>
-        </p:txBody>
-      </p:sp>
-      <p:pic>
-        <p:nvPicPr>
-          <p:cNvPr id="26" name="Picture 25" descr="A screen shot of a graph&#10;&#10;Description automatically generated">
-            <a:extLst>
-              <a:ext uri="{FF2B5EF4-FFF2-40B4-BE49-F238E27FC236}">
-                <a16:creationId xmlns:a16="http://schemas.microsoft.com/office/drawing/2014/main" id="{BC0C17C4-F1EB-C0F9-F242-781C31EB0F37}"/>
-              </a:ext>
-            </a:extLst>
-          </p:cNvPr>
-          <p:cNvPicPr>
-            <a:picLocks noChangeAspect="1"/>
-          </p:cNvPicPr>
-          <p:nvPr/>
-        </p:nvPicPr>
-        <p:blipFill>
-          <a:blip r:embed="rId3"/>
-          <a:stretch>
-            <a:fillRect/>
-          </a:stretch>
-        </p:blipFill>
-        <p:spPr>
-          <a:xfrm>
-            <a:off x="952500" y="0"/>
-            <a:ext cx="10287000" cy="6356350"/>
-          </a:xfrm>
-          <a:prstGeom prst="rect">
-            <a:avLst/>
-          </a:prstGeom>
-        </p:spPr>
-      </p:pic>
-      <p:sp>
-        <p:nvSpPr>
-          <p:cNvPr id="29" name="TextBox 28">
-            <a:extLst>
-              <a:ext uri="{FF2B5EF4-FFF2-40B4-BE49-F238E27FC236}">
-                <a16:creationId xmlns:a16="http://schemas.microsoft.com/office/drawing/2014/main" id="{993A9882-C951-B912-1FF9-566A5FD5F323}"/>
-              </a:ext>
-            </a:extLst>
-          </p:cNvPr>
-          <p:cNvSpPr txBox="1"/>
-          <p:nvPr/>
-        </p:nvSpPr>
-        <p:spPr>
-          <a:xfrm>
-            <a:off x="8839200" y="5316021"/>
-            <a:ext cx="1169918" cy="271850"/>
-          </a:xfrm>
-          <a:prstGeom prst="rect">
-            <a:avLst/>
-          </a:prstGeom>
-          <a:noFill/>
-        </p:spPr>
-        <p:txBody>
-          <a:bodyPr wrap="square">
-            <a:spAutoFit/>
-          </a:bodyPr>
-          <a:lstStyle/>
-          <a:p>
-            <a:pPr rtl="0"/>
-            <a:r>
-              <a:rPr lang="es-ES" sz="1100" dirty="0">
-                <a:solidFill>
-                  <a:schemeClr val="accent5"/>
-                </a:solidFill>
-              </a:rPr>
-              <a:t>R</a:t>
-            </a:r>
-            <a:r>
-              <a:rPr lang="es-ES" sz="1100" baseline="30000" dirty="0">
-                <a:solidFill>
-                  <a:schemeClr val="accent5"/>
-                </a:solidFill>
-              </a:rPr>
-              <a:t>2</a:t>
-            </a:r>
-            <a:r>
-              <a:rPr lang="es-ES" sz="1100" dirty="0">
-                <a:solidFill>
-                  <a:schemeClr val="accent5"/>
-                </a:solidFill>
-              </a:rPr>
-              <a:t> = 0.31</a:t>
-            </a:r>
-          </a:p>
-        </p:txBody>
-      </p:sp>
-      <p:sp>
-        <p:nvSpPr>
-          <p:cNvPr id="3" name="Marcador de pie de página 4">
-            <a:extLst>
-              <a:ext uri="{FF2B5EF4-FFF2-40B4-BE49-F238E27FC236}">
-                <a16:creationId xmlns:a16="http://schemas.microsoft.com/office/drawing/2014/main" id="{FB46CFE9-5C97-933E-ADB4-7BF400637106}"/>
-              </a:ext>
-            </a:extLst>
-          </p:cNvPr>
-          <p:cNvSpPr>
-            <a:spLocks noGrp="1"/>
-          </p:cNvSpPr>
-          <p:nvPr>
-            <p:ph type="ftr" sz="quarter" idx="11"/>
-          </p:nvPr>
-        </p:nvSpPr>
-        <p:spPr>
-          <a:xfrm>
-            <a:off x="4356100" y="6490814"/>
-            <a:ext cx="3479800" cy="365125"/>
-          </a:xfrm>
-        </p:spPr>
-        <p:txBody>
-          <a:bodyPr rtlCol="0"/>
-          <a:lstStyle>
-            <a:defPPr>
-              <a:defRPr lang="es-ES"/>
-            </a:defPPr>
-          </a:lstStyle>
-          <a:p>
-            <a:pPr rtl="0"/>
-            <a:r>
-              <a:rPr lang="es-ES" dirty="0"/>
-              <a:t>FORBES HIGHEST PAYING ATHLETES ANALYSIS</a:t>
+              <a:rPr lang="en-US" sz="2800" dirty="0"/>
+              <a:t>Have top athlete earnings increased in real value over the past 30 years?</a:t>
             </a:r>
           </a:p>
         </p:txBody>
@@ -13763,7 +13600,7 @@
     </p:spTree>
     <p:extLst>
       <p:ext uri="{BB962C8B-B14F-4D97-AF65-F5344CB8AC3E}">
-        <p14:creationId xmlns:p14="http://schemas.microsoft.com/office/powerpoint/2010/main" val="2179284411"/>
+        <p14:creationId xmlns:p14="http://schemas.microsoft.com/office/powerpoint/2010/main" val="2150291328"/>
       </p:ext>
     </p:extLst>
   </p:cSld>
@@ -13931,82 +13768,6 @@
       </p:sp>
       <p:sp>
         <p:nvSpPr>
-          <p:cNvPr id="7" name="Marcador de fecha 6">
-            <a:extLst>
-              <a:ext uri="{FF2B5EF4-FFF2-40B4-BE49-F238E27FC236}">
-                <a16:creationId xmlns:a16="http://schemas.microsoft.com/office/drawing/2014/main" id="{B2A46C4A-D036-4440-BB64-6754F4FF27C1}"/>
-              </a:ext>
-            </a:extLst>
-          </p:cNvPr>
-          <p:cNvSpPr>
-            <a:spLocks noGrp="1"/>
-          </p:cNvSpPr>
-          <p:nvPr>
-            <p:ph type="dt" sz="half" idx="10"/>
-          </p:nvPr>
-        </p:nvSpPr>
-        <p:spPr>
-          <a:xfrm>
-            <a:off x="838200" y="6356350"/>
-            <a:ext cx="2743200" cy="365125"/>
-          </a:xfrm>
-        </p:spPr>
-        <p:txBody>
-          <a:bodyPr rtlCol="0"/>
-          <a:lstStyle>
-            <a:defPPr>
-              <a:defRPr lang="es-ES"/>
-            </a:defPPr>
-          </a:lstStyle>
-          <a:p>
-            <a:pPr rtl="0"/>
-            <a:r>
-              <a:rPr lang="es-ES" dirty="0"/>
-              <a:t>20XX</a:t>
-            </a:r>
-          </a:p>
-        </p:txBody>
-      </p:sp>
-      <p:sp>
-        <p:nvSpPr>
-          <p:cNvPr id="8" name="Marcador de pie de página 7">
-            <a:extLst>
-              <a:ext uri="{FF2B5EF4-FFF2-40B4-BE49-F238E27FC236}">
-                <a16:creationId xmlns:a16="http://schemas.microsoft.com/office/drawing/2014/main" id="{905F172A-5D5D-43CD-A187-DA0D303F4144}"/>
-              </a:ext>
-            </a:extLst>
-          </p:cNvPr>
-          <p:cNvSpPr>
-            <a:spLocks noGrp="1"/>
-          </p:cNvSpPr>
-          <p:nvPr>
-            <p:ph type="ftr" sz="quarter" idx="11"/>
-          </p:nvPr>
-        </p:nvSpPr>
-        <p:spPr>
-          <a:xfrm>
-            <a:off x="4038600" y="6356350"/>
-            <a:ext cx="4114800" cy="365125"/>
-          </a:xfrm>
-        </p:spPr>
-        <p:txBody>
-          <a:bodyPr rtlCol="0"/>
-          <a:lstStyle>
-            <a:defPPr>
-              <a:defRPr lang="es-ES"/>
-            </a:defPPr>
-          </a:lstStyle>
-          <a:p>
-            <a:pPr rtl="0"/>
-            <a:r>
-              <a:rPr lang="es-ES" dirty="0"/>
-              <a:t>TÍTULO DE LA PRESENTACIÓN</a:t>
-            </a:r>
-          </a:p>
-        </p:txBody>
-      </p:sp>
-      <p:sp>
-        <p:nvSpPr>
           <p:cNvPr id="9" name="Marcador de número de diapositiva 8">
             <a:extLst>
               <a:ext uri="{FF2B5EF4-FFF2-40B4-BE49-F238E27FC236}">
@@ -14047,10 +13808,10 @@
       </p:sp>
       <p:pic>
         <p:nvPicPr>
-          <p:cNvPr id="5" name="Picture 4" descr="A screen shot of a graph&#10;&#10;Description automatically generated">
-            <a:extLst>
-              <a:ext uri="{FF2B5EF4-FFF2-40B4-BE49-F238E27FC236}">
-                <a16:creationId xmlns:a16="http://schemas.microsoft.com/office/drawing/2014/main" id="{B769AEE4-2F64-6F2C-79B0-EF29FBDD332A}"/>
+          <p:cNvPr id="26" name="Picture 25" descr="A screen shot of a graph&#10;&#10;Description automatically generated">
+            <a:extLst>
+              <a:ext uri="{FF2B5EF4-FFF2-40B4-BE49-F238E27FC236}">
+                <a16:creationId xmlns:a16="http://schemas.microsoft.com/office/drawing/2014/main" id="{BC0C17C4-F1EB-C0F9-F242-781C31EB0F37}"/>
               </a:ext>
             </a:extLst>
           </p:cNvPr>
@@ -14068,7 +13829,7 @@
         <p:spPr>
           <a:xfrm>
             <a:off x="952500" y="0"/>
-            <a:ext cx="10287000" cy="6858000"/>
+            <a:ext cx="10287000" cy="6356350"/>
           </a:xfrm>
           <a:prstGeom prst="rect">
             <a:avLst/>
@@ -14089,7 +13850,7 @@
         </p:nvSpPr>
         <p:spPr>
           <a:xfrm>
-            <a:off x="8880613" y="5693973"/>
+            <a:off x="8839200" y="5316021"/>
             <a:ext cx="1169918" cy="271850"/>
           </a:xfrm>
           <a:prstGeom prst="rect">
@@ -14126,7 +13887,45 @@
                   <a:schemeClr val="accent5"/>
                 </a:solidFill>
               </a:rPr>
-              <a:t> = 0.52</a:t>
+              <a:t> = 0.31</a:t>
+            </a:r>
+          </a:p>
+        </p:txBody>
+      </p:sp>
+      <p:sp>
+        <p:nvSpPr>
+          <p:cNvPr id="3" name="Marcador de pie de página 4">
+            <a:extLst>
+              <a:ext uri="{FF2B5EF4-FFF2-40B4-BE49-F238E27FC236}">
+                <a16:creationId xmlns:a16="http://schemas.microsoft.com/office/drawing/2014/main" id="{FB46CFE9-5C97-933E-ADB4-7BF400637106}"/>
+              </a:ext>
+            </a:extLst>
+          </p:cNvPr>
+          <p:cNvSpPr>
+            <a:spLocks noGrp="1"/>
+          </p:cNvSpPr>
+          <p:nvPr>
+            <p:ph type="ftr" sz="quarter" idx="11"/>
+          </p:nvPr>
+        </p:nvSpPr>
+        <p:spPr>
+          <a:xfrm>
+            <a:off x="4356100" y="6490814"/>
+            <a:ext cx="3479800" cy="365125"/>
+          </a:xfrm>
+        </p:spPr>
+        <p:txBody>
+          <a:bodyPr rtlCol="0"/>
+          <a:lstStyle>
+            <a:defPPr>
+              <a:defRPr lang="es-ES"/>
+            </a:defPPr>
+          </a:lstStyle>
+          <a:p>
+            <a:pPr rtl="0"/>
+            <a:r>
+              <a:rPr lang="es-ES" dirty="0"/>
+              <a:t>FORBES HIGHEST PAYING ATHLETES ANALYSIS</a:t>
             </a:r>
           </a:p>
         </p:txBody>
@@ -14134,7 +13933,7 @@
     </p:spTree>
     <p:extLst>
       <p:ext uri="{BB962C8B-B14F-4D97-AF65-F5344CB8AC3E}">
-        <p14:creationId xmlns:p14="http://schemas.microsoft.com/office/powerpoint/2010/main" val="1930365717"/>
+        <p14:creationId xmlns:p14="http://schemas.microsoft.com/office/powerpoint/2010/main" val="2179284411"/>
       </p:ext>
     </p:extLst>
   </p:cSld>
@@ -14161,12 +13960,42 @@
           <a:chExt cx="0" cy="0"/>
         </a:xfrm>
       </p:grpSpPr>
+      <p:pic>
+        <p:nvPicPr>
+          <p:cNvPr id="5" name="Picture 4" descr="A screen shot of a graph&#10;&#10;Description automatically generated">
+            <a:extLst>
+              <a:ext uri="{FF2B5EF4-FFF2-40B4-BE49-F238E27FC236}">
+                <a16:creationId xmlns:a16="http://schemas.microsoft.com/office/drawing/2014/main" id="{B769AEE4-2F64-6F2C-79B0-EF29FBDD332A}"/>
+              </a:ext>
+            </a:extLst>
+          </p:cNvPr>
+          <p:cNvPicPr>
+            <a:picLocks noChangeAspect="1"/>
+          </p:cNvPicPr>
+          <p:nvPr/>
+        </p:nvPicPr>
+        <p:blipFill>
+          <a:blip r:embed="rId3"/>
+          <a:stretch>
+            <a:fillRect/>
+          </a:stretch>
+        </p:blipFill>
+        <p:spPr>
+          <a:xfrm>
+            <a:off x="952500" y="0"/>
+            <a:ext cx="10287000" cy="6858000"/>
+          </a:xfrm>
+          <a:prstGeom prst="rect">
+            <a:avLst/>
+          </a:prstGeom>
+        </p:spPr>
+      </p:pic>
       <p:sp>
         <p:nvSpPr>
           <p:cNvPr id="2" name="Título 1">
             <a:extLst>
               <a:ext uri="{FF2B5EF4-FFF2-40B4-BE49-F238E27FC236}">
-                <a16:creationId xmlns:a16="http://schemas.microsoft.com/office/drawing/2014/main" id="{42DD0E59-4C68-4F87-9821-23C69713D980}"/>
+                <a16:creationId xmlns:a16="http://schemas.microsoft.com/office/drawing/2014/main" id="{09140014-73D5-419B-8867-972BB18D52D4}"/>
               </a:ext>
             </a:extLst>
           </p:cNvPr>
@@ -14179,7 +14008,7 @@
         </p:nvSpPr>
         <p:spPr>
           <a:xfrm>
-            <a:off x="1885156" y="892177"/>
+            <a:off x="2933700" y="892177"/>
             <a:ext cx="8421688" cy="1325563"/>
           </a:xfrm>
         </p:spPr>
@@ -14194,35 +14023,37 @@
             <a:pPr rtl="0"/>
             <a:r>
               <a:rPr lang="es-ES" dirty="0"/>
-              <a:t>Conclusions</a:t>
-            </a:r>
-          </a:p>
-        </p:txBody>
-      </p:sp>
-      <p:sp>
-        <p:nvSpPr>
-          <p:cNvPr id="57" name="Marcador de pie de página 56">
-            <a:extLst>
-              <a:ext uri="{FF2B5EF4-FFF2-40B4-BE49-F238E27FC236}">
-                <a16:creationId xmlns:a16="http://schemas.microsoft.com/office/drawing/2014/main" id="{3A38BE84-957B-46B9-A315-4B5064DFF1A1}"/>
-              </a:ext>
-            </a:extLst>
-          </p:cNvPr>
-          <p:cNvSpPr>
-            <a:spLocks noGrp="1"/>
-          </p:cNvSpPr>
-          <p:nvPr>
-            <p:ph type="ftr" sz="quarter" idx="11"/>
-          </p:nvPr>
-        </p:nvSpPr>
-        <p:spPr>
-          <a:xfrm>
-            <a:off x="4038600" y="6356350"/>
-            <a:ext cx="4114800" cy="365125"/>
-          </a:xfrm>
-        </p:spPr>
-        <p:txBody>
-          <a:bodyPr rtlCol="0"/>
+              <a:t>ÁREAS DE ENFOQUE</a:t>
+            </a:r>
+          </a:p>
+        </p:txBody>
+      </p:sp>
+      <p:sp>
+        <p:nvSpPr>
+          <p:cNvPr id="4" name="Marcador de contenido 3">
+            <a:extLst>
+              <a:ext uri="{FF2B5EF4-FFF2-40B4-BE49-F238E27FC236}">
+                <a16:creationId xmlns:a16="http://schemas.microsoft.com/office/drawing/2014/main" id="{33D8731E-4977-402E-8BFD-895B4D0544CC}"/>
+              </a:ext>
+            </a:extLst>
+          </p:cNvPr>
+          <p:cNvSpPr>
+            <a:spLocks noGrp="1"/>
+          </p:cNvSpPr>
+          <p:nvPr>
+            <p:ph sz="half" idx="2"/>
+          </p:nvPr>
+        </p:nvSpPr>
+        <p:spPr>
+          <a:xfrm>
+            <a:off x="2933700" y="3834606"/>
+            <a:ext cx="3924300" cy="1997867"/>
+          </a:xfrm>
+        </p:spPr>
+        <p:txBody>
+          <a:bodyPr rtlCol="0">
+            <a:normAutofit/>
+          </a:bodyPr>
           <a:lstStyle>
             <a:defPPr>
               <a:defRPr lang="es-ES"/>
@@ -14232,17 +14063,78 @@
             <a:pPr rtl="0"/>
             <a:r>
               <a:rPr lang="es-ES" dirty="0"/>
-              <a:t>FORBES HIGHEST PAYING ATHLETES ANALYSIS</a:t>
-            </a:r>
-          </a:p>
-        </p:txBody>
-      </p:sp>
-      <p:sp>
-        <p:nvSpPr>
-          <p:cNvPr id="58" name="Marcador de número de diapositiva 57">
-            <a:extLst>
-              <a:ext uri="{FF2B5EF4-FFF2-40B4-BE49-F238E27FC236}">
-                <a16:creationId xmlns:a16="http://schemas.microsoft.com/office/drawing/2014/main" id="{E1900601-8B04-4FF3-B06F-6BEFAC6556D3}"/>
+              <a:t>Desarrollar estrategias ganadoras para seguir a la vanguardia de la competencia</a:t>
+            </a:r>
+          </a:p>
+          <a:p>
+            <a:pPr rtl="0"/>
+            <a:r>
+              <a:rPr lang="es-ES" dirty="0"/>
+              <a:t>​Aprovechar los frutos obtenidos para identificar un valor en el terreno de juego</a:t>
+            </a:r>
+          </a:p>
+          <a:p>
+            <a:pPr rtl="0"/>
+            <a:r>
+              <a:rPr lang="es-ES" dirty="0"/>
+              <a:t>​Visualizar la convergencia dirigida al cliente</a:t>
+            </a:r>
+          </a:p>
+        </p:txBody>
+      </p:sp>
+      <p:sp>
+        <p:nvSpPr>
+          <p:cNvPr id="6" name="Marcador de contenido 5">
+            <a:extLst>
+              <a:ext uri="{FF2B5EF4-FFF2-40B4-BE49-F238E27FC236}">
+                <a16:creationId xmlns:a16="http://schemas.microsoft.com/office/drawing/2014/main" id="{50B65871-FA95-449A-B8BC-90486DE532EF}"/>
+              </a:ext>
+            </a:extLst>
+          </p:cNvPr>
+          <p:cNvSpPr>
+            <a:spLocks noGrp="1"/>
+          </p:cNvSpPr>
+          <p:nvPr>
+            <p:ph sz="quarter" idx="4"/>
+          </p:nvPr>
+        </p:nvSpPr>
+        <p:spPr>
+          <a:xfrm>
+            <a:off x="7410173" y="3834606"/>
+            <a:ext cx="3943627" cy="1997867"/>
+          </a:xfrm>
+        </p:spPr>
+        <p:txBody>
+          <a:bodyPr rtlCol="0">
+            <a:normAutofit/>
+          </a:bodyPr>
+          <a:lstStyle>
+            <a:defPPr>
+              <a:defRPr lang="es-ES"/>
+            </a:defPPr>
+          </a:lstStyle>
+          <a:p>
+            <a:pPr rtl="0"/>
+            <a:r>
+              <a:rPr lang="es-ES" dirty="0"/>
+              <a:t>Enfoques iterativos para una estrategia corporativa</a:t>
+            </a:r>
+          </a:p>
+          <a:p>
+            <a:pPr rtl="0"/>
+            <a:r>
+              <a:rPr lang="es-ES" dirty="0"/>
+              <a:t>​Establecer un marco de administración desde dentro</a:t>
+            </a:r>
+          </a:p>
+        </p:txBody>
+      </p:sp>
+      <p:sp>
+        <p:nvSpPr>
+          <p:cNvPr id="9" name="Marcador de número de diapositiva 8">
+            <a:extLst>
+              <a:ext uri="{FF2B5EF4-FFF2-40B4-BE49-F238E27FC236}">
+                <a16:creationId xmlns:a16="http://schemas.microsoft.com/office/drawing/2014/main" id="{C396FFDC-ADE8-4009-A466-A81787258E88}"/>
               </a:ext>
             </a:extLst>
           </p:cNvPr>
@@ -14279,30 +14171,84 @@
       </p:sp>
       <p:sp>
         <p:nvSpPr>
-          <p:cNvPr id="326" name="Marcador de texto 2">
-            <a:extLst>
-              <a:ext uri="{FF2B5EF4-FFF2-40B4-BE49-F238E27FC236}">
-                <a16:creationId xmlns:a16="http://schemas.microsoft.com/office/drawing/2014/main" id="{7B160DB7-BDF4-9939-C740-26EBBB3E0189}"/>
-              </a:ext>
-            </a:extLst>
-          </p:cNvPr>
-          <p:cNvSpPr>
-            <a:spLocks noGrp="1"/>
-          </p:cNvSpPr>
-          <p:nvPr>
-            <p:ph type="body" idx="1"/>
-          </p:nvPr>
-        </p:nvSpPr>
-        <p:spPr>
-          <a:xfrm>
-            <a:off x="1362074" y="2452812"/>
-            <a:ext cx="9605756" cy="2912564"/>
-          </a:xfrm>
-        </p:spPr>
-        <p:txBody>
-          <a:bodyPr rtlCol="0">
-            <a:normAutofit/>
+          <p:cNvPr id="29" name="TextBox 28">
+            <a:extLst>
+              <a:ext uri="{FF2B5EF4-FFF2-40B4-BE49-F238E27FC236}">
+                <a16:creationId xmlns:a16="http://schemas.microsoft.com/office/drawing/2014/main" id="{993A9882-C951-B912-1FF9-566A5FD5F323}"/>
+              </a:ext>
+            </a:extLst>
+          </p:cNvPr>
+          <p:cNvSpPr txBox="1"/>
+          <p:nvPr/>
+        </p:nvSpPr>
+        <p:spPr>
+          <a:xfrm>
+            <a:off x="8880613" y="5693973"/>
+            <a:ext cx="1169918" cy="271850"/>
+          </a:xfrm>
+          <a:prstGeom prst="rect">
+            <a:avLst/>
+          </a:prstGeom>
+          <a:noFill/>
+        </p:spPr>
+        <p:txBody>
+          <a:bodyPr wrap="square">
+            <a:spAutoFit/>
           </a:bodyPr>
+          <a:lstStyle/>
+          <a:p>
+            <a:pPr rtl="0"/>
+            <a:r>
+              <a:rPr lang="es-ES" sz="1100" dirty="0">
+                <a:solidFill>
+                  <a:schemeClr val="accent5"/>
+                </a:solidFill>
+              </a:rPr>
+              <a:t>R</a:t>
+            </a:r>
+            <a:r>
+              <a:rPr lang="es-ES" sz="1100" baseline="30000" dirty="0">
+                <a:solidFill>
+                  <a:schemeClr val="accent5"/>
+                </a:solidFill>
+              </a:rPr>
+              <a:t>2</a:t>
+            </a:r>
+            <a:r>
+              <a:rPr lang="es-ES" sz="1100" dirty="0">
+                <a:solidFill>
+                  <a:schemeClr val="accent5"/>
+                </a:solidFill>
+              </a:rPr>
+              <a:t> = 0.52</a:t>
+            </a:r>
+          </a:p>
+        </p:txBody>
+      </p:sp>
+      <p:sp>
+        <p:nvSpPr>
+          <p:cNvPr id="3" name="Marcador de pie de página 56">
+            <a:extLst>
+              <a:ext uri="{FF2B5EF4-FFF2-40B4-BE49-F238E27FC236}">
+                <a16:creationId xmlns:a16="http://schemas.microsoft.com/office/drawing/2014/main" id="{2D8D136E-0B4C-751E-2B4F-894E43780027}"/>
+              </a:ext>
+            </a:extLst>
+          </p:cNvPr>
+          <p:cNvSpPr>
+            <a:spLocks noGrp="1"/>
+          </p:cNvSpPr>
+          <p:nvPr>
+            <p:ph type="ftr" sz="quarter" idx="11"/>
+          </p:nvPr>
+        </p:nvSpPr>
+        <p:spPr>
+          <a:xfrm>
+            <a:off x="4038600" y="6356350"/>
+            <a:ext cx="4114800" cy="365125"/>
+          </a:xfrm>
+        </p:spPr>
+        <p:txBody>
+          <a:bodyPr rtlCol="0"/>
           <a:lstStyle>
             <a:defPPr>
               <a:defRPr lang="es-ES"/>
@@ -14311,42 +14257,16 @@
           <a:p>
             <a:pPr rtl="0"/>
             <a:r>
-              <a:rPr lang="es-ES" sz="1400" dirty="0"/>
-              <a:t>There is a positive correlation between year and adjusted earnings, however only 31% of the variability is explained by the linear correlation model.</a:t>
-            </a:r>
-          </a:p>
-          <a:p>
-            <a:pPr rtl="0"/>
-            <a:endParaRPr lang="es-ES" sz="1400" dirty="0"/>
-          </a:p>
-          <a:p>
-            <a:pPr rtl="0"/>
-            <a:r>
-              <a:rPr lang="es-ES" sz="1400" dirty="0"/>
-              <a:t>If we remove the top earner every year, the linear regression explains 52% of the variability.</a:t>
-            </a:r>
-          </a:p>
-          <a:p>
-            <a:pPr rtl="0"/>
-            <a:endParaRPr lang="es-ES" sz="1400" dirty="0"/>
-          </a:p>
-          <a:p>
-            <a:pPr rtl="0"/>
-            <a:r>
-              <a:rPr lang="es-ES" sz="1400" dirty="0"/>
-              <a:t>Top earners positively skew the data</a:t>
-            </a:r>
-          </a:p>
-          <a:p>
-            <a:pPr rtl="0"/>
-            <a:endParaRPr lang="es-ES" sz="1400" dirty="0"/>
+              <a:rPr lang="es-ES" dirty="0"/>
+              <a:t>FORBES HIGHEST PAYING ATHLETES</a:t>
+            </a:r>
           </a:p>
         </p:txBody>
       </p:sp>
     </p:spTree>
     <p:extLst>
       <p:ext uri="{BB962C8B-B14F-4D97-AF65-F5344CB8AC3E}">
-        <p14:creationId xmlns:p14="http://schemas.microsoft.com/office/powerpoint/2010/main" val="707615222"/>
+        <p14:creationId xmlns:p14="http://schemas.microsoft.com/office/powerpoint/2010/main" val="1930365717"/>
       </p:ext>
     </p:extLst>
   </p:cSld>
@@ -14378,7 +14298,7 @@
           <p:cNvPr id="2" name="Título 1">
             <a:extLst>
               <a:ext uri="{FF2B5EF4-FFF2-40B4-BE49-F238E27FC236}">
-                <a16:creationId xmlns:a16="http://schemas.microsoft.com/office/drawing/2014/main" id="{09140014-73D5-419B-8867-972BB18D52D4}"/>
+                <a16:creationId xmlns:a16="http://schemas.microsoft.com/office/drawing/2014/main" id="{42DD0E59-4C68-4F87-9821-23C69713D980}"/>
               </a:ext>
             </a:extLst>
           </p:cNvPr>
@@ -14391,7 +14311,7 @@
         </p:nvSpPr>
         <p:spPr>
           <a:xfrm>
-            <a:off x="2933700" y="892177"/>
+            <a:off x="1885156" y="892177"/>
             <a:ext cx="8421688" cy="1325563"/>
           </a:xfrm>
         </p:spPr>
@@ -14406,37 +14326,35 @@
             <a:pPr rtl="0"/>
             <a:r>
               <a:rPr lang="es-ES" dirty="0"/>
-              <a:t>ÁREAS DE ENFOQUE</a:t>
-            </a:r>
-          </a:p>
-        </p:txBody>
-      </p:sp>
-      <p:sp>
-        <p:nvSpPr>
-          <p:cNvPr id="4" name="Marcador de contenido 3">
-            <a:extLst>
-              <a:ext uri="{FF2B5EF4-FFF2-40B4-BE49-F238E27FC236}">
-                <a16:creationId xmlns:a16="http://schemas.microsoft.com/office/drawing/2014/main" id="{33D8731E-4977-402E-8BFD-895B4D0544CC}"/>
-              </a:ext>
-            </a:extLst>
-          </p:cNvPr>
-          <p:cNvSpPr>
-            <a:spLocks noGrp="1"/>
-          </p:cNvSpPr>
-          <p:nvPr>
-            <p:ph sz="half" idx="2"/>
-          </p:nvPr>
-        </p:nvSpPr>
-        <p:spPr>
-          <a:xfrm>
-            <a:off x="2933700" y="3834606"/>
-            <a:ext cx="3924300" cy="1997867"/>
-          </a:xfrm>
-        </p:spPr>
-        <p:txBody>
-          <a:bodyPr rtlCol="0">
-            <a:normAutofit/>
-          </a:bodyPr>
+              <a:t>Conclusions</a:t>
+            </a:r>
+          </a:p>
+        </p:txBody>
+      </p:sp>
+      <p:sp>
+        <p:nvSpPr>
+          <p:cNvPr id="57" name="Marcador de pie de página 56">
+            <a:extLst>
+              <a:ext uri="{FF2B5EF4-FFF2-40B4-BE49-F238E27FC236}">
+                <a16:creationId xmlns:a16="http://schemas.microsoft.com/office/drawing/2014/main" id="{3A38BE84-957B-46B9-A315-4B5064DFF1A1}"/>
+              </a:ext>
+            </a:extLst>
+          </p:cNvPr>
+          <p:cNvSpPr>
+            <a:spLocks noGrp="1"/>
+          </p:cNvSpPr>
+          <p:nvPr>
+            <p:ph type="ftr" sz="quarter" idx="11"/>
+          </p:nvPr>
+        </p:nvSpPr>
+        <p:spPr>
+          <a:xfrm>
+            <a:off x="4038600" y="6356350"/>
+            <a:ext cx="4114800" cy="365125"/>
+          </a:xfrm>
+        </p:spPr>
+        <p:txBody>
+          <a:bodyPr rtlCol="0"/>
           <a:lstStyle>
             <a:defPPr>
               <a:defRPr lang="es-ES"/>
@@ -14446,105 +14364,6 @@
             <a:pPr rtl="0"/>
             <a:r>
               <a:rPr lang="es-ES" dirty="0"/>
-              <a:t>Desarrollar estrategias ganadoras para seguir a la vanguardia de la competencia</a:t>
-            </a:r>
-          </a:p>
-          <a:p>
-            <a:pPr rtl="0"/>
-            <a:r>
-              <a:rPr lang="es-ES" dirty="0"/>
-              <a:t>​Aprovechar los frutos obtenidos para identificar un valor en el terreno de juego</a:t>
-            </a:r>
-          </a:p>
-          <a:p>
-            <a:pPr rtl="0"/>
-            <a:r>
-              <a:rPr lang="es-ES" dirty="0"/>
-              <a:t>​Visualizar la convergencia dirigida al cliente</a:t>
-            </a:r>
-          </a:p>
-        </p:txBody>
-      </p:sp>
-      <p:sp>
-        <p:nvSpPr>
-          <p:cNvPr id="6" name="Marcador de contenido 5">
-            <a:extLst>
-              <a:ext uri="{FF2B5EF4-FFF2-40B4-BE49-F238E27FC236}">
-                <a16:creationId xmlns:a16="http://schemas.microsoft.com/office/drawing/2014/main" id="{50B65871-FA95-449A-B8BC-90486DE532EF}"/>
-              </a:ext>
-            </a:extLst>
-          </p:cNvPr>
-          <p:cNvSpPr>
-            <a:spLocks noGrp="1"/>
-          </p:cNvSpPr>
-          <p:nvPr>
-            <p:ph sz="quarter" idx="4"/>
-          </p:nvPr>
-        </p:nvSpPr>
-        <p:spPr>
-          <a:xfrm>
-            <a:off x="7410173" y="3834606"/>
-            <a:ext cx="3943627" cy="1997867"/>
-          </a:xfrm>
-        </p:spPr>
-        <p:txBody>
-          <a:bodyPr rtlCol="0">
-            <a:normAutofit/>
-          </a:bodyPr>
-          <a:lstStyle>
-            <a:defPPr>
-              <a:defRPr lang="es-ES"/>
-            </a:defPPr>
-          </a:lstStyle>
-          <a:p>
-            <a:pPr rtl="0"/>
-            <a:r>
-              <a:rPr lang="es-ES" dirty="0"/>
-              <a:t>Enfoques iterativos para una estrategia corporativa</a:t>
-            </a:r>
-          </a:p>
-          <a:p>
-            <a:pPr rtl="0"/>
-            <a:r>
-              <a:rPr lang="es-ES" dirty="0"/>
-              <a:t>​Establecer un marco de administración desde dentro</a:t>
-            </a:r>
-          </a:p>
-        </p:txBody>
-      </p:sp>
-      <p:sp>
-        <p:nvSpPr>
-          <p:cNvPr id="8" name="Marcador de pie de página 7">
-            <a:extLst>
-              <a:ext uri="{FF2B5EF4-FFF2-40B4-BE49-F238E27FC236}">
-                <a16:creationId xmlns:a16="http://schemas.microsoft.com/office/drawing/2014/main" id="{905F172A-5D5D-43CD-A187-DA0D303F4144}"/>
-              </a:ext>
-            </a:extLst>
-          </p:cNvPr>
-          <p:cNvSpPr>
-            <a:spLocks noGrp="1"/>
-          </p:cNvSpPr>
-          <p:nvPr>
-            <p:ph type="ftr" sz="quarter" idx="11"/>
-          </p:nvPr>
-        </p:nvSpPr>
-        <p:spPr>
-          <a:xfrm>
-            <a:off x="4038600" y="6356350"/>
-            <a:ext cx="4114800" cy="365125"/>
-          </a:xfrm>
-        </p:spPr>
-        <p:txBody>
-          <a:bodyPr rtlCol="0"/>
-          <a:lstStyle>
-            <a:defPPr>
-              <a:defRPr lang="es-ES"/>
-            </a:defPPr>
-          </a:lstStyle>
-          <a:p>
-            <a:pPr rtl="0"/>
-            <a:r>
-              <a:rPr lang="es-ES" dirty="0"/>
               <a:t>FORBES HIGHEST PAYING ATHLETES ANALYSIS</a:t>
             </a:r>
           </a:p>
@@ -14552,10 +14371,10 @@
       </p:sp>
       <p:sp>
         <p:nvSpPr>
-          <p:cNvPr id="9" name="Marcador de número de diapositiva 8">
-            <a:extLst>
-              <a:ext uri="{FF2B5EF4-FFF2-40B4-BE49-F238E27FC236}">
-                <a16:creationId xmlns:a16="http://schemas.microsoft.com/office/drawing/2014/main" id="{C396FFDC-ADE8-4009-A466-A81787258E88}"/>
+          <p:cNvPr id="58" name="Marcador de número de diapositiva 57">
+            <a:extLst>
+              <a:ext uri="{FF2B5EF4-FFF2-40B4-BE49-F238E27FC236}">
+                <a16:creationId xmlns:a16="http://schemas.microsoft.com/office/drawing/2014/main" id="{E1900601-8B04-4FF3-B06F-6BEFAC6556D3}"/>
               </a:ext>
             </a:extLst>
           </p:cNvPr>
@@ -14590,96 +14409,76 @@
           </a:p>
         </p:txBody>
       </p:sp>
-      <p:pic>
-        <p:nvPicPr>
-          <p:cNvPr id="13" name="Picture 12" descr="A screen shot of a graph&#10;&#10;Description automatically generated">
-            <a:extLst>
-              <a:ext uri="{FF2B5EF4-FFF2-40B4-BE49-F238E27FC236}">
-                <a16:creationId xmlns:a16="http://schemas.microsoft.com/office/drawing/2014/main" id="{E60AB1D9-9C5A-747D-509D-E89744A34532}"/>
-              </a:ext>
-            </a:extLst>
-          </p:cNvPr>
-          <p:cNvPicPr>
-            <a:picLocks noChangeAspect="1"/>
-          </p:cNvPicPr>
-          <p:nvPr/>
-        </p:nvPicPr>
-        <p:blipFill>
-          <a:blip r:embed="rId3"/>
-          <a:stretch>
-            <a:fillRect/>
-          </a:stretch>
-        </p:blipFill>
-        <p:spPr>
-          <a:xfrm>
-            <a:off x="952500" y="0"/>
-            <a:ext cx="10287000" cy="6858000"/>
-          </a:xfrm>
-          <a:prstGeom prst="rect">
-            <a:avLst/>
-          </a:prstGeom>
-        </p:spPr>
-      </p:pic>
-      <p:sp>
-        <p:nvSpPr>
-          <p:cNvPr id="14" name="TextBox 13">
-            <a:extLst>
-              <a:ext uri="{FF2B5EF4-FFF2-40B4-BE49-F238E27FC236}">
-                <a16:creationId xmlns:a16="http://schemas.microsoft.com/office/drawing/2014/main" id="{2BF54F40-9828-0201-78C6-602BD7F2FBF0}"/>
-              </a:ext>
-            </a:extLst>
-          </p:cNvPr>
-          <p:cNvSpPr txBox="1"/>
-          <p:nvPr/>
-        </p:nvSpPr>
-        <p:spPr>
-          <a:xfrm>
-            <a:off x="8880613" y="5803303"/>
-            <a:ext cx="1169918" cy="271850"/>
-          </a:xfrm>
-          <a:prstGeom prst="rect">
-            <a:avLst/>
-          </a:prstGeom>
-          <a:noFill/>
-        </p:spPr>
-        <p:txBody>
-          <a:bodyPr wrap="square">
-            <a:spAutoFit/>
+      <p:sp>
+        <p:nvSpPr>
+          <p:cNvPr id="326" name="Marcador de texto 2">
+            <a:extLst>
+              <a:ext uri="{FF2B5EF4-FFF2-40B4-BE49-F238E27FC236}">
+                <a16:creationId xmlns:a16="http://schemas.microsoft.com/office/drawing/2014/main" id="{7B160DB7-BDF4-9939-C740-26EBBB3E0189}"/>
+              </a:ext>
+            </a:extLst>
+          </p:cNvPr>
+          <p:cNvSpPr>
+            <a:spLocks noGrp="1"/>
+          </p:cNvSpPr>
+          <p:nvPr>
+            <p:ph type="body" idx="1"/>
+          </p:nvPr>
+        </p:nvSpPr>
+        <p:spPr>
+          <a:xfrm>
+            <a:off x="1362074" y="2452812"/>
+            <a:ext cx="9605756" cy="2912564"/>
+          </a:xfrm>
+        </p:spPr>
+        <p:txBody>
+          <a:bodyPr rtlCol="0">
+            <a:normAutofit/>
           </a:bodyPr>
-          <a:lstStyle/>
-          <a:p>
-            <a:pPr rtl="0"/>
-            <a:r>
-              <a:rPr lang="es-ES" sz="1100" dirty="0">
-                <a:solidFill>
-                  <a:schemeClr val="accent5"/>
-                </a:solidFill>
-              </a:rPr>
-              <a:t>R</a:t>
-            </a:r>
-            <a:r>
-              <a:rPr lang="es-ES" sz="1100" baseline="30000" dirty="0">
-                <a:solidFill>
-                  <a:schemeClr val="accent5"/>
-                </a:solidFill>
-              </a:rPr>
-              <a:t>2</a:t>
-            </a:r>
-            <a:r>
-              <a:rPr lang="es-ES" sz="1100" dirty="0">
-                <a:solidFill>
-                  <a:schemeClr val="accent5"/>
-                </a:solidFill>
-              </a:rPr>
-              <a:t> = 0.25</a:t>
-            </a:r>
+          <a:lstStyle>
+            <a:defPPr>
+              <a:defRPr lang="es-ES"/>
+            </a:defPPr>
+          </a:lstStyle>
+          <a:p>
+            <a:pPr rtl="0"/>
+            <a:r>
+              <a:rPr lang="es-ES" sz="1400" dirty="0"/>
+              <a:t>There is a positive correlation between year and adjusted earnings, however only 31% of the variability is explained by the linear correlation model.</a:t>
+            </a:r>
+          </a:p>
+          <a:p>
+            <a:pPr rtl="0"/>
+            <a:endParaRPr lang="es-ES" sz="1400" dirty="0"/>
+          </a:p>
+          <a:p>
+            <a:pPr rtl="0"/>
+            <a:r>
+              <a:rPr lang="es-ES" sz="1400" dirty="0"/>
+              <a:t>If we remove the top earner every year, the linear regression explains 52% of the variability.</a:t>
+            </a:r>
+          </a:p>
+          <a:p>
+            <a:pPr rtl="0"/>
+            <a:endParaRPr lang="es-ES" sz="1400" dirty="0"/>
+          </a:p>
+          <a:p>
+            <a:pPr rtl="0"/>
+            <a:r>
+              <a:rPr lang="es-ES" sz="1400" dirty="0"/>
+              <a:t>Top earners positively skew the data</a:t>
+            </a:r>
+          </a:p>
+          <a:p>
+            <a:pPr rtl="0"/>
+            <a:endParaRPr lang="es-ES" sz="1400" dirty="0"/>
           </a:p>
         </p:txBody>
       </p:sp>
     </p:spTree>
     <p:extLst>
       <p:ext uri="{BB962C8B-B14F-4D97-AF65-F5344CB8AC3E}">
-        <p14:creationId xmlns:p14="http://schemas.microsoft.com/office/powerpoint/2010/main" val="1417206755"/>
+        <p14:creationId xmlns:p14="http://schemas.microsoft.com/office/powerpoint/2010/main" val="707615222"/>
       </p:ext>
     </p:extLst>
   </p:cSld>
@@ -14711,21 +14510,21 @@
           <p:cNvPr id="2" name="Título 1">
             <a:extLst>
               <a:ext uri="{FF2B5EF4-FFF2-40B4-BE49-F238E27FC236}">
-                <a16:creationId xmlns:a16="http://schemas.microsoft.com/office/drawing/2014/main" id="{42DD0E59-4C68-4F87-9821-23C69713D980}"/>
-              </a:ext>
-            </a:extLst>
-          </p:cNvPr>
-          <p:cNvSpPr>
-            <a:spLocks noGrp="1"/>
-          </p:cNvSpPr>
-          <p:nvPr>
-            <p:ph type="title"/>
-          </p:nvPr>
-        </p:nvSpPr>
-        <p:spPr>
-          <a:xfrm>
-            <a:off x="1885156" y="892177"/>
-            <a:ext cx="8421688" cy="1325563"/>
+                <a16:creationId xmlns:a16="http://schemas.microsoft.com/office/drawing/2014/main" id="{B1FE5F11-B7B9-4B80-8C6A-A8A7A7190B77}"/>
+              </a:ext>
+            </a:extLst>
+          </p:cNvPr>
+          <p:cNvSpPr>
+            <a:spLocks noGrp="1"/>
+          </p:cNvSpPr>
+          <p:nvPr>
+            <p:ph type="ctrTitle"/>
+          </p:nvPr>
+        </p:nvSpPr>
+        <p:spPr>
+          <a:xfrm>
+            <a:off x="6458964" y="2945452"/>
+            <a:ext cx="5074920" cy="967095"/>
           </a:xfrm>
         </p:spPr>
         <p:txBody>
@@ -14738,176 +14537,16 @@
           <a:p>
             <a:pPr rtl="0"/>
             <a:r>
-              <a:rPr lang="es-ES" dirty="0"/>
-              <a:t>Conclusions</a:t>
-            </a:r>
-          </a:p>
-        </p:txBody>
-      </p:sp>
-      <p:sp>
-        <p:nvSpPr>
-          <p:cNvPr id="56" name="Marcador de fecha 55">
-            <a:extLst>
-              <a:ext uri="{FF2B5EF4-FFF2-40B4-BE49-F238E27FC236}">
-                <a16:creationId xmlns:a16="http://schemas.microsoft.com/office/drawing/2014/main" id="{B289356A-BDA0-4234-84F2-9F2F25D0D7BD}"/>
-              </a:ext>
-            </a:extLst>
-          </p:cNvPr>
-          <p:cNvSpPr>
-            <a:spLocks noGrp="1"/>
-          </p:cNvSpPr>
-          <p:nvPr>
-            <p:ph type="dt" sz="half" idx="10"/>
-          </p:nvPr>
-        </p:nvSpPr>
-        <p:spPr>
-          <a:xfrm>
-            <a:off x="838200" y="6356350"/>
-            <a:ext cx="2743200" cy="365125"/>
-          </a:xfrm>
-        </p:spPr>
-        <p:txBody>
-          <a:bodyPr rtlCol="0"/>
-          <a:lstStyle>
-            <a:defPPr>
-              <a:defRPr lang="es-ES"/>
-            </a:defPPr>
-          </a:lstStyle>
-          <a:p>
-            <a:pPr rtl="0"/>
-            <a:r>
-              <a:rPr lang="es-ES" dirty="0"/>
-              <a:t>20XX</a:t>
-            </a:r>
-          </a:p>
-        </p:txBody>
-      </p:sp>
-      <p:sp>
-        <p:nvSpPr>
-          <p:cNvPr id="57" name="Marcador de pie de página 56">
-            <a:extLst>
-              <a:ext uri="{FF2B5EF4-FFF2-40B4-BE49-F238E27FC236}">
-                <a16:creationId xmlns:a16="http://schemas.microsoft.com/office/drawing/2014/main" id="{3A38BE84-957B-46B9-A315-4B5064DFF1A1}"/>
-              </a:ext>
-            </a:extLst>
-          </p:cNvPr>
-          <p:cNvSpPr>
-            <a:spLocks noGrp="1"/>
-          </p:cNvSpPr>
-          <p:nvPr>
-            <p:ph type="ftr" sz="quarter" idx="11"/>
-          </p:nvPr>
-        </p:nvSpPr>
-        <p:spPr>
-          <a:xfrm>
-            <a:off x="4038600" y="6356350"/>
-            <a:ext cx="4114800" cy="365125"/>
-          </a:xfrm>
-        </p:spPr>
-        <p:txBody>
-          <a:bodyPr rtlCol="0"/>
-          <a:lstStyle>
-            <a:defPPr>
-              <a:defRPr lang="es-ES"/>
-            </a:defPPr>
-          </a:lstStyle>
-          <a:p>
-            <a:pPr rtl="0"/>
-            <a:r>
-              <a:rPr lang="es-ES" dirty="0"/>
-              <a:t>TÍTULO DE LA PRESENTACIÓN</a:t>
-            </a:r>
-          </a:p>
-        </p:txBody>
-      </p:sp>
-      <p:sp>
-        <p:nvSpPr>
-          <p:cNvPr id="58" name="Marcador de número de diapositiva 57">
-            <a:extLst>
-              <a:ext uri="{FF2B5EF4-FFF2-40B4-BE49-F238E27FC236}">
-                <a16:creationId xmlns:a16="http://schemas.microsoft.com/office/drawing/2014/main" id="{E1900601-8B04-4FF3-B06F-6BEFAC6556D3}"/>
-              </a:ext>
-            </a:extLst>
-          </p:cNvPr>
-          <p:cNvSpPr>
-            <a:spLocks noGrp="1"/>
-          </p:cNvSpPr>
-          <p:nvPr>
-            <p:ph type="sldNum" sz="quarter" idx="12"/>
-          </p:nvPr>
-        </p:nvSpPr>
-        <p:spPr>
-          <a:xfrm>
-            <a:off x="8610600" y="6356350"/>
-            <a:ext cx="2743200" cy="365125"/>
-          </a:xfrm>
-        </p:spPr>
-        <p:txBody>
-          <a:bodyPr rtlCol="0"/>
-          <a:lstStyle>
-            <a:defPPr>
-              <a:defRPr lang="es-ES"/>
-            </a:defPPr>
-          </a:lstStyle>
-          <a:p>
-            <a:pPr rtl="0"/>
-            <a:fld id="{A49DFD55-3C28-40EF-9E31-A92D2E4017FF}" type="slidenum">
-              <a:rPr lang="es-ES" smtClean="0"/>
-              <a:pPr rtl="0"/>
-              <a:t>14</a:t>
-            </a:fld>
-            <a:endParaRPr lang="es-ES" dirty="0"/>
-          </a:p>
-        </p:txBody>
-      </p:sp>
-      <p:sp>
-        <p:nvSpPr>
-          <p:cNvPr id="326" name="Marcador de texto 2">
-            <a:extLst>
-              <a:ext uri="{FF2B5EF4-FFF2-40B4-BE49-F238E27FC236}">
-                <a16:creationId xmlns:a16="http://schemas.microsoft.com/office/drawing/2014/main" id="{7B160DB7-BDF4-9939-C740-26EBBB3E0189}"/>
-              </a:ext>
-            </a:extLst>
-          </p:cNvPr>
-          <p:cNvSpPr>
-            <a:spLocks noGrp="1"/>
-          </p:cNvSpPr>
-          <p:nvPr>
-            <p:ph type="body" idx="1"/>
-          </p:nvPr>
-        </p:nvSpPr>
-        <p:spPr>
-          <a:xfrm>
-            <a:off x="1362074" y="2452812"/>
-            <a:ext cx="9605756" cy="2912564"/>
-          </a:xfrm>
-        </p:spPr>
-        <p:txBody>
-          <a:bodyPr rtlCol="0">
-            <a:normAutofit/>
-          </a:bodyPr>
-          <a:lstStyle>
-            <a:defPPr>
-              <a:defRPr lang="es-ES"/>
-            </a:defPPr>
-          </a:lstStyle>
-          <a:p>
-            <a:pPr rtl="0"/>
-            <a:r>
-              <a:rPr lang="es-ES" sz="1400" dirty="0"/>
-              <a:t>There are a </a:t>
-            </a:r>
-          </a:p>
-          <a:p>
-            <a:pPr rtl="0"/>
-            <a:endParaRPr lang="es-ES" sz="1400" dirty="0"/>
+              <a:rPr lang="en-US" sz="2800" dirty="0"/>
+              <a:t>What sport pays its top athletes the most?</a:t>
+            </a:r>
           </a:p>
         </p:txBody>
       </p:sp>
     </p:spTree>
     <p:extLst>
       <p:ext uri="{BB962C8B-B14F-4D97-AF65-F5344CB8AC3E}">
-        <p14:creationId xmlns:p14="http://schemas.microsoft.com/office/powerpoint/2010/main" val="2491923539"/>
+        <p14:creationId xmlns:p14="http://schemas.microsoft.com/office/powerpoint/2010/main" val="2448624756"/>
       </p:ext>
     </p:extLst>
   </p:cSld>
@@ -14939,21 +14578,21 @@
           <p:cNvPr id="2" name="Título 1">
             <a:extLst>
               <a:ext uri="{FF2B5EF4-FFF2-40B4-BE49-F238E27FC236}">
-                <a16:creationId xmlns:a16="http://schemas.microsoft.com/office/drawing/2014/main" id="{B1FE5F11-B7B9-4B80-8C6A-A8A7A7190B77}"/>
-              </a:ext>
-            </a:extLst>
-          </p:cNvPr>
-          <p:cNvSpPr>
-            <a:spLocks noGrp="1"/>
-          </p:cNvSpPr>
-          <p:nvPr>
-            <p:ph type="ctrTitle"/>
-          </p:nvPr>
-        </p:nvSpPr>
-        <p:spPr>
-          <a:xfrm>
-            <a:off x="6458964" y="2945452"/>
-            <a:ext cx="5074920" cy="967095"/>
+                <a16:creationId xmlns:a16="http://schemas.microsoft.com/office/drawing/2014/main" id="{09140014-73D5-419B-8867-972BB18D52D4}"/>
+              </a:ext>
+            </a:extLst>
+          </p:cNvPr>
+          <p:cNvSpPr>
+            <a:spLocks noGrp="1"/>
+          </p:cNvSpPr>
+          <p:nvPr>
+            <p:ph type="title"/>
+          </p:nvPr>
+        </p:nvSpPr>
+        <p:spPr>
+          <a:xfrm>
+            <a:off x="2933700" y="892177"/>
+            <a:ext cx="8421688" cy="1325563"/>
           </a:xfrm>
         </p:spPr>
         <p:txBody>
@@ -14966,8 +14605,273 @@
           <a:p>
             <a:pPr rtl="0"/>
             <a:r>
-              <a:rPr lang="en-US" sz="2800" dirty="0"/>
-              <a:t>What sport pays its top athletes the most?</a:t>
+              <a:rPr lang="es-ES" dirty="0"/>
+              <a:t>ÁREAS DE ENFOQUE</a:t>
+            </a:r>
+          </a:p>
+        </p:txBody>
+      </p:sp>
+      <p:sp>
+        <p:nvSpPr>
+          <p:cNvPr id="4" name="Marcador de contenido 3">
+            <a:extLst>
+              <a:ext uri="{FF2B5EF4-FFF2-40B4-BE49-F238E27FC236}">
+                <a16:creationId xmlns:a16="http://schemas.microsoft.com/office/drawing/2014/main" id="{33D8731E-4977-402E-8BFD-895B4D0544CC}"/>
+              </a:ext>
+            </a:extLst>
+          </p:cNvPr>
+          <p:cNvSpPr>
+            <a:spLocks noGrp="1"/>
+          </p:cNvSpPr>
+          <p:nvPr>
+            <p:ph sz="half" idx="2"/>
+          </p:nvPr>
+        </p:nvSpPr>
+        <p:spPr>
+          <a:xfrm>
+            <a:off x="2933700" y="3834606"/>
+            <a:ext cx="3924300" cy="1997867"/>
+          </a:xfrm>
+        </p:spPr>
+        <p:txBody>
+          <a:bodyPr rtlCol="0">
+            <a:normAutofit/>
+          </a:bodyPr>
+          <a:lstStyle>
+            <a:defPPr>
+              <a:defRPr lang="es-ES"/>
+            </a:defPPr>
+          </a:lstStyle>
+          <a:p>
+            <a:pPr rtl="0"/>
+            <a:r>
+              <a:rPr lang="es-ES" dirty="0"/>
+              <a:t>Desarrollar estrategias ganadoras para seguir a la vanguardia de la competencia</a:t>
+            </a:r>
+          </a:p>
+          <a:p>
+            <a:pPr rtl="0"/>
+            <a:r>
+              <a:rPr lang="es-ES" dirty="0"/>
+              <a:t>​Aprovechar los frutos obtenidos para identificar un valor en el terreno de juego</a:t>
+            </a:r>
+          </a:p>
+          <a:p>
+            <a:pPr rtl="0"/>
+            <a:r>
+              <a:rPr lang="es-ES" dirty="0"/>
+              <a:t>​Visualizar la convergencia dirigida al cliente</a:t>
+            </a:r>
+          </a:p>
+        </p:txBody>
+      </p:sp>
+      <p:sp>
+        <p:nvSpPr>
+          <p:cNvPr id="6" name="Marcador de contenido 5">
+            <a:extLst>
+              <a:ext uri="{FF2B5EF4-FFF2-40B4-BE49-F238E27FC236}">
+                <a16:creationId xmlns:a16="http://schemas.microsoft.com/office/drawing/2014/main" id="{50B65871-FA95-449A-B8BC-90486DE532EF}"/>
+              </a:ext>
+            </a:extLst>
+          </p:cNvPr>
+          <p:cNvSpPr>
+            <a:spLocks noGrp="1"/>
+          </p:cNvSpPr>
+          <p:nvPr>
+            <p:ph sz="quarter" idx="4"/>
+          </p:nvPr>
+        </p:nvSpPr>
+        <p:spPr>
+          <a:xfrm>
+            <a:off x="7410173" y="3834606"/>
+            <a:ext cx="3943627" cy="1997867"/>
+          </a:xfrm>
+        </p:spPr>
+        <p:txBody>
+          <a:bodyPr rtlCol="0">
+            <a:normAutofit/>
+          </a:bodyPr>
+          <a:lstStyle>
+            <a:defPPr>
+              <a:defRPr lang="es-ES"/>
+            </a:defPPr>
+          </a:lstStyle>
+          <a:p>
+            <a:pPr rtl="0"/>
+            <a:r>
+              <a:rPr lang="es-ES" dirty="0"/>
+              <a:t>Enfoques iterativos para una estrategia corporativa</a:t>
+            </a:r>
+          </a:p>
+          <a:p>
+            <a:pPr rtl="0"/>
+            <a:r>
+              <a:rPr lang="es-ES" dirty="0"/>
+              <a:t>​Establecer un marco de administración desde dentro</a:t>
+            </a:r>
+          </a:p>
+        </p:txBody>
+      </p:sp>
+      <p:sp>
+        <p:nvSpPr>
+          <p:cNvPr id="8" name="Marcador de pie de página 7">
+            <a:extLst>
+              <a:ext uri="{FF2B5EF4-FFF2-40B4-BE49-F238E27FC236}">
+                <a16:creationId xmlns:a16="http://schemas.microsoft.com/office/drawing/2014/main" id="{905F172A-5D5D-43CD-A187-DA0D303F4144}"/>
+              </a:ext>
+            </a:extLst>
+          </p:cNvPr>
+          <p:cNvSpPr>
+            <a:spLocks noGrp="1"/>
+          </p:cNvSpPr>
+          <p:nvPr>
+            <p:ph type="ftr" sz="quarter" idx="11"/>
+          </p:nvPr>
+        </p:nvSpPr>
+        <p:spPr>
+          <a:xfrm>
+            <a:off x="4038600" y="6356350"/>
+            <a:ext cx="4114800" cy="365125"/>
+          </a:xfrm>
+        </p:spPr>
+        <p:txBody>
+          <a:bodyPr rtlCol="0"/>
+          <a:lstStyle>
+            <a:defPPr>
+              <a:defRPr lang="es-ES"/>
+            </a:defPPr>
+          </a:lstStyle>
+          <a:p>
+            <a:pPr rtl="0"/>
+            <a:r>
+              <a:rPr lang="es-ES" dirty="0"/>
+              <a:t>FORBES HIGHEST PAYING ATHLETES ANALYSIS</a:t>
+            </a:r>
+          </a:p>
+        </p:txBody>
+      </p:sp>
+      <p:sp>
+        <p:nvSpPr>
+          <p:cNvPr id="9" name="Marcador de número de diapositiva 8">
+            <a:extLst>
+              <a:ext uri="{FF2B5EF4-FFF2-40B4-BE49-F238E27FC236}">
+                <a16:creationId xmlns:a16="http://schemas.microsoft.com/office/drawing/2014/main" id="{C396FFDC-ADE8-4009-A466-A81787258E88}"/>
+              </a:ext>
+            </a:extLst>
+          </p:cNvPr>
+          <p:cNvSpPr>
+            <a:spLocks noGrp="1"/>
+          </p:cNvSpPr>
+          <p:nvPr>
+            <p:ph type="sldNum" sz="quarter" idx="12"/>
+          </p:nvPr>
+        </p:nvSpPr>
+        <p:spPr>
+          <a:xfrm>
+            <a:off x="8610600" y="6356350"/>
+            <a:ext cx="2743200" cy="365125"/>
+          </a:xfrm>
+        </p:spPr>
+        <p:txBody>
+          <a:bodyPr rtlCol="0"/>
+          <a:lstStyle>
+            <a:defPPr>
+              <a:defRPr lang="es-ES"/>
+            </a:defPPr>
+          </a:lstStyle>
+          <a:p>
+            <a:pPr rtl="0"/>
+            <a:fld id="{A49DFD55-3C28-40EF-9E31-A92D2E4017FF}" type="slidenum">
+              <a:rPr lang="es-ES" smtClean="0"/>
+              <a:pPr rtl="0"/>
+              <a:t>15</a:t>
+            </a:fld>
+            <a:endParaRPr lang="es-ES" dirty="0"/>
+          </a:p>
+        </p:txBody>
+      </p:sp>
+      <p:pic>
+        <p:nvPicPr>
+          <p:cNvPr id="13" name="Picture 12" descr="A screen shot of a graph&#10;&#10;Description automatically generated">
+            <a:extLst>
+              <a:ext uri="{FF2B5EF4-FFF2-40B4-BE49-F238E27FC236}">
+                <a16:creationId xmlns:a16="http://schemas.microsoft.com/office/drawing/2014/main" id="{E60AB1D9-9C5A-747D-509D-E89744A34532}"/>
+              </a:ext>
+            </a:extLst>
+          </p:cNvPr>
+          <p:cNvPicPr>
+            <a:picLocks noChangeAspect="1"/>
+          </p:cNvPicPr>
+          <p:nvPr/>
+        </p:nvPicPr>
+        <p:blipFill>
+          <a:blip r:embed="rId3"/>
+          <a:stretch>
+            <a:fillRect/>
+          </a:stretch>
+        </p:blipFill>
+        <p:spPr>
+          <a:xfrm>
+            <a:off x="952500" y="0"/>
+            <a:ext cx="10287000" cy="6858000"/>
+          </a:xfrm>
+          <a:prstGeom prst="rect">
+            <a:avLst/>
+          </a:prstGeom>
+        </p:spPr>
+      </p:pic>
+      <p:sp>
+        <p:nvSpPr>
+          <p:cNvPr id="14" name="TextBox 13">
+            <a:extLst>
+              <a:ext uri="{FF2B5EF4-FFF2-40B4-BE49-F238E27FC236}">
+                <a16:creationId xmlns:a16="http://schemas.microsoft.com/office/drawing/2014/main" id="{2BF54F40-9828-0201-78C6-602BD7F2FBF0}"/>
+              </a:ext>
+            </a:extLst>
+          </p:cNvPr>
+          <p:cNvSpPr txBox="1"/>
+          <p:nvPr/>
+        </p:nvSpPr>
+        <p:spPr>
+          <a:xfrm>
+            <a:off x="8880613" y="5803303"/>
+            <a:ext cx="1169918" cy="271850"/>
+          </a:xfrm>
+          <a:prstGeom prst="rect">
+            <a:avLst/>
+          </a:prstGeom>
+          <a:noFill/>
+        </p:spPr>
+        <p:txBody>
+          <a:bodyPr wrap="square">
+            <a:spAutoFit/>
+          </a:bodyPr>
+          <a:lstStyle/>
+          <a:p>
+            <a:pPr rtl="0"/>
+            <a:r>
+              <a:rPr lang="es-ES" sz="1100" dirty="0">
+                <a:solidFill>
+                  <a:schemeClr val="accent5"/>
+                </a:solidFill>
+              </a:rPr>
+              <a:t>R</a:t>
+            </a:r>
+            <a:r>
+              <a:rPr lang="es-ES" sz="1100" baseline="30000" dirty="0">
+                <a:solidFill>
+                  <a:schemeClr val="accent5"/>
+                </a:solidFill>
+              </a:rPr>
+              <a:t>2</a:t>
+            </a:r>
+            <a:r>
+              <a:rPr lang="es-ES" sz="1100" dirty="0">
+                <a:solidFill>
+                  <a:schemeClr val="accent5"/>
+                </a:solidFill>
+              </a:rPr>
+              <a:t> = 0.25</a:t>
             </a:r>
           </a:p>
         </p:txBody>
@@ -14975,7 +14879,7 @@
     </p:spTree>
     <p:extLst>
       <p:ext uri="{BB962C8B-B14F-4D97-AF65-F5344CB8AC3E}">
-        <p14:creationId xmlns:p14="http://schemas.microsoft.com/office/powerpoint/2010/main" val="2448624756"/>
+        <p14:creationId xmlns:p14="http://schemas.microsoft.com/office/powerpoint/2010/main" val="1417206755"/>
       </p:ext>
     </p:extLst>
   </p:cSld>
@@ -15181,50 +15085,12 @@
           </a:p>
         </p:txBody>
       </p:sp>
-      <p:sp>
-        <p:nvSpPr>
-          <p:cNvPr id="16" name="Marcador de pie de página 56">
-            <a:extLst>
-              <a:ext uri="{FF2B5EF4-FFF2-40B4-BE49-F238E27FC236}">
-                <a16:creationId xmlns:a16="http://schemas.microsoft.com/office/drawing/2014/main" id="{CCB864C7-E6EE-4585-0CA8-B3318E44A37F}"/>
-              </a:ext>
-            </a:extLst>
-          </p:cNvPr>
-          <p:cNvSpPr>
-            <a:spLocks noGrp="1"/>
-          </p:cNvSpPr>
-          <p:nvPr>
-            <p:ph type="ftr" sz="quarter" idx="11"/>
-          </p:nvPr>
-        </p:nvSpPr>
-        <p:spPr>
-          <a:xfrm>
-            <a:off x="4038600" y="6356350"/>
-            <a:ext cx="4114800" cy="365125"/>
-          </a:xfrm>
-        </p:spPr>
-        <p:txBody>
-          <a:bodyPr rtlCol="0"/>
-          <a:lstStyle>
-            <a:defPPr>
-              <a:defRPr lang="es-ES"/>
-            </a:defPPr>
-          </a:lstStyle>
-          <a:p>
-            <a:pPr rtl="0"/>
-            <a:r>
-              <a:rPr lang="es-ES" dirty="0"/>
-              <a:t>FORBES HIGHEST PAYING ATHLETES ANALYSIS</a:t>
-            </a:r>
-          </a:p>
-        </p:txBody>
-      </p:sp>
       <p:pic>
         <p:nvPicPr>
-          <p:cNvPr id="24" name="Picture 23">
-            <a:extLst>
-              <a:ext uri="{FF2B5EF4-FFF2-40B4-BE49-F238E27FC236}">
-                <a16:creationId xmlns:a16="http://schemas.microsoft.com/office/drawing/2014/main" id="{43F86848-F367-C172-5420-2F2DDD93E76B}"/>
+          <p:cNvPr id="13" name="Picture 12" descr="A screen shot of a graph&#10;&#10;Description automatically generated">
+            <a:extLst>
+              <a:ext uri="{FF2B5EF4-FFF2-40B4-BE49-F238E27FC236}">
+                <a16:creationId xmlns:a16="http://schemas.microsoft.com/office/drawing/2014/main" id="{E60AB1D9-9C5A-747D-509D-E89744A34532}"/>
               </a:ext>
             </a:extLst>
           </p:cNvPr>
@@ -15241,18 +15107,212 @@
         </p:blipFill>
         <p:spPr>
           <a:xfrm>
-            <a:off x="0" y="177799"/>
-            <a:ext cx="12192000" cy="6502401"/>
+            <a:off x="952500" y="-270704"/>
+            <a:ext cx="10287000" cy="6858000"/>
           </a:xfrm>
           <a:prstGeom prst="rect">
             <a:avLst/>
           </a:prstGeom>
         </p:spPr>
       </p:pic>
+      <p:sp>
+        <p:nvSpPr>
+          <p:cNvPr id="3" name="Oval 2">
+            <a:extLst>
+              <a:ext uri="{FF2B5EF4-FFF2-40B4-BE49-F238E27FC236}">
+                <a16:creationId xmlns:a16="http://schemas.microsoft.com/office/drawing/2014/main" id="{6998A596-109F-B8E6-01A0-E9158D7D8FC0}"/>
+              </a:ext>
+            </a:extLst>
+          </p:cNvPr>
+          <p:cNvSpPr/>
+          <p:nvPr/>
+        </p:nvSpPr>
+        <p:spPr>
+          <a:xfrm>
+            <a:off x="8379242" y="553419"/>
+            <a:ext cx="542236" cy="520008"/>
+          </a:xfrm>
+          <a:prstGeom prst="ellipse">
+            <a:avLst/>
+          </a:prstGeom>
+          <a:noFill/>
+          <a:ln w="28575">
+            <a:solidFill>
+              <a:srgbClr val="AE2012"/>
+            </a:solidFill>
+          </a:ln>
+        </p:spPr>
+        <p:style>
+          <a:lnRef idx="2">
+            <a:schemeClr val="accent1">
+              <a:shade val="15000"/>
+            </a:schemeClr>
+          </a:lnRef>
+          <a:fillRef idx="1">
+            <a:schemeClr val="accent1"/>
+          </a:fillRef>
+          <a:effectRef idx="0">
+            <a:schemeClr val="accent1"/>
+          </a:effectRef>
+          <a:fontRef idx="minor">
+            <a:schemeClr val="lt1"/>
+          </a:fontRef>
+        </p:style>
+        <p:txBody>
+          <a:bodyPr rtlCol="0" anchor="ctr"/>
+          <a:lstStyle/>
+          <a:p>
+            <a:pPr algn="ctr"/>
+            <a:endParaRPr lang="es-US" dirty="0"/>
+          </a:p>
+        </p:txBody>
+      </p:sp>
+      <p:sp>
+        <p:nvSpPr>
+          <p:cNvPr id="5" name="Oval 4">
+            <a:extLst>
+              <a:ext uri="{FF2B5EF4-FFF2-40B4-BE49-F238E27FC236}">
+                <a16:creationId xmlns:a16="http://schemas.microsoft.com/office/drawing/2014/main" id="{C7C02EDF-94D5-CA69-341D-1FC4D160C02F}"/>
+              </a:ext>
+            </a:extLst>
+          </p:cNvPr>
+          <p:cNvSpPr/>
+          <p:nvPr/>
+        </p:nvSpPr>
+        <p:spPr>
+          <a:xfrm>
+            <a:off x="9093212" y="1068592"/>
+            <a:ext cx="542236" cy="520008"/>
+          </a:xfrm>
+          <a:prstGeom prst="ellipse">
+            <a:avLst/>
+          </a:prstGeom>
+          <a:noFill/>
+          <a:ln w="28575">
+            <a:solidFill>
+              <a:srgbClr val="AE2012"/>
+            </a:solidFill>
+          </a:ln>
+        </p:spPr>
+        <p:style>
+          <a:lnRef idx="2">
+            <a:schemeClr val="accent1">
+              <a:shade val="15000"/>
+            </a:schemeClr>
+          </a:lnRef>
+          <a:fillRef idx="1">
+            <a:schemeClr val="accent1"/>
+          </a:fillRef>
+          <a:effectRef idx="0">
+            <a:schemeClr val="accent1"/>
+          </a:effectRef>
+          <a:fontRef idx="minor">
+            <a:schemeClr val="lt1"/>
+          </a:fontRef>
+        </p:style>
+        <p:txBody>
+          <a:bodyPr rtlCol="0" anchor="ctr"/>
+          <a:lstStyle/>
+          <a:p>
+            <a:pPr algn="ctr"/>
+            <a:endParaRPr lang="es-US" dirty="0"/>
+          </a:p>
+        </p:txBody>
+      </p:sp>
+      <p:sp>
+        <p:nvSpPr>
+          <p:cNvPr id="10" name="Oval 9">
+            <a:extLst>
+              <a:ext uri="{FF2B5EF4-FFF2-40B4-BE49-F238E27FC236}">
+                <a16:creationId xmlns:a16="http://schemas.microsoft.com/office/drawing/2014/main" id="{64A443F8-ECCA-45EA-A97B-BE2AF1627D03}"/>
+              </a:ext>
+            </a:extLst>
+          </p:cNvPr>
+          <p:cNvSpPr/>
+          <p:nvPr/>
+        </p:nvSpPr>
+        <p:spPr>
+          <a:xfrm>
+            <a:off x="8372608" y="2892446"/>
+            <a:ext cx="542236" cy="520008"/>
+          </a:xfrm>
+          <a:prstGeom prst="ellipse">
+            <a:avLst/>
+          </a:prstGeom>
+          <a:noFill/>
+          <a:ln w="28575">
+            <a:solidFill>
+              <a:srgbClr val="AE2012"/>
+            </a:solidFill>
+          </a:ln>
+        </p:spPr>
+        <p:style>
+          <a:lnRef idx="2">
+            <a:schemeClr val="accent1">
+              <a:shade val="15000"/>
+            </a:schemeClr>
+          </a:lnRef>
+          <a:fillRef idx="1">
+            <a:schemeClr val="accent1"/>
+          </a:fillRef>
+          <a:effectRef idx="0">
+            <a:schemeClr val="accent1"/>
+          </a:effectRef>
+          <a:fontRef idx="minor">
+            <a:schemeClr val="lt1"/>
+          </a:fontRef>
+        </p:style>
+        <p:txBody>
+          <a:bodyPr rtlCol="0" anchor="ctr"/>
+          <a:lstStyle/>
+          <a:p>
+            <a:pPr algn="ctr"/>
+            <a:endParaRPr lang="es-US" dirty="0"/>
+          </a:p>
+        </p:txBody>
+      </p:sp>
+      <p:sp>
+        <p:nvSpPr>
+          <p:cNvPr id="11" name="Marcador de pie de página 56">
+            <a:extLst>
+              <a:ext uri="{FF2B5EF4-FFF2-40B4-BE49-F238E27FC236}">
+                <a16:creationId xmlns:a16="http://schemas.microsoft.com/office/drawing/2014/main" id="{2475C3F1-E20F-BABD-33C7-F4584067D049}"/>
+              </a:ext>
+            </a:extLst>
+          </p:cNvPr>
+          <p:cNvSpPr>
+            <a:spLocks noGrp="1"/>
+          </p:cNvSpPr>
+          <p:nvPr>
+            <p:ph type="ftr" sz="quarter" idx="11"/>
+          </p:nvPr>
+        </p:nvSpPr>
+        <p:spPr>
+          <a:xfrm>
+            <a:off x="4038600" y="6356350"/>
+            <a:ext cx="4114800" cy="365125"/>
+          </a:xfrm>
+        </p:spPr>
+        <p:txBody>
+          <a:bodyPr rtlCol="0"/>
+          <a:lstStyle>
+            <a:defPPr>
+              <a:defRPr lang="es-ES"/>
+            </a:defPPr>
+          </a:lstStyle>
+          <a:p>
+            <a:pPr rtl="0"/>
+            <a:r>
+              <a:rPr lang="es-ES" dirty="0"/>
+              <a:t>FORBES HIGHEST PAYING ATHLETES</a:t>
+            </a:r>
+          </a:p>
+        </p:txBody>
+      </p:sp>
     </p:spTree>
     <p:extLst>
       <p:ext uri="{BB962C8B-B14F-4D97-AF65-F5344CB8AC3E}">
-        <p14:creationId xmlns:p14="http://schemas.microsoft.com/office/powerpoint/2010/main" val="384096794"/>
+        <p14:creationId xmlns:p14="http://schemas.microsoft.com/office/powerpoint/2010/main" val="144498883"/>
       </p:ext>
     </p:extLst>
   </p:cSld>
@@ -15281,10 +15341,10 @@
       </p:grpSpPr>
       <p:sp>
         <p:nvSpPr>
-          <p:cNvPr id="2" name="Título 1">
-            <a:extLst>
-              <a:ext uri="{FF2B5EF4-FFF2-40B4-BE49-F238E27FC236}">
-                <a16:creationId xmlns:a16="http://schemas.microsoft.com/office/drawing/2014/main" id="{09140014-73D5-419B-8867-972BB18D52D4}"/>
+          <p:cNvPr id="3" name="Título 2">
+            <a:extLst>
+              <a:ext uri="{FF2B5EF4-FFF2-40B4-BE49-F238E27FC236}">
+                <a16:creationId xmlns:a16="http://schemas.microsoft.com/office/drawing/2014/main" id="{77762301-F83A-4BEA-9D11-E6C99FB574A8}"/>
               </a:ext>
             </a:extLst>
           </p:cNvPr>
@@ -15297,8 +15357,8 @@
         </p:nvSpPr>
         <p:spPr>
           <a:xfrm>
-            <a:off x="2933700" y="892177"/>
-            <a:ext cx="8421688" cy="1325563"/>
+            <a:off x="838200" y="365125"/>
+            <a:ext cx="10515600" cy="1325563"/>
           </a:xfrm>
         </p:spPr>
         <p:txBody>
@@ -15312,118 +15372,17 @@
             <a:pPr rtl="0"/>
             <a:r>
               <a:rPr lang="es-ES" dirty="0"/>
-              <a:t>ÁREAS DE ENFOQUE</a:t>
-            </a:r>
-          </a:p>
-        </p:txBody>
-      </p:sp>
-      <p:sp>
-        <p:nvSpPr>
-          <p:cNvPr id="4" name="Marcador de contenido 3">
-            <a:extLst>
-              <a:ext uri="{FF2B5EF4-FFF2-40B4-BE49-F238E27FC236}">
-                <a16:creationId xmlns:a16="http://schemas.microsoft.com/office/drawing/2014/main" id="{33D8731E-4977-402E-8BFD-895B4D0544CC}"/>
-              </a:ext>
-            </a:extLst>
-          </p:cNvPr>
-          <p:cNvSpPr>
-            <a:spLocks noGrp="1"/>
-          </p:cNvSpPr>
-          <p:nvPr>
-            <p:ph sz="half" idx="2"/>
-          </p:nvPr>
-        </p:nvSpPr>
-        <p:spPr>
-          <a:xfrm>
-            <a:off x="2933700" y="3834606"/>
-            <a:ext cx="3924300" cy="1997867"/>
-          </a:xfrm>
-        </p:spPr>
-        <p:txBody>
-          <a:bodyPr rtlCol="0">
-            <a:normAutofit/>
-          </a:bodyPr>
-          <a:lstStyle>
-            <a:defPPr>
-              <a:defRPr lang="es-ES"/>
-            </a:defPPr>
-          </a:lstStyle>
-          <a:p>
-            <a:pPr rtl="0"/>
-            <a:r>
-              <a:rPr lang="es-ES" dirty="0"/>
-              <a:t>Desarrollar estrategias ganadoras para seguir a la vanguardia de la competencia</a:t>
-            </a:r>
-          </a:p>
-          <a:p>
-            <a:pPr rtl="0"/>
-            <a:r>
-              <a:rPr lang="es-ES" dirty="0"/>
-              <a:t>​Aprovechar los frutos obtenidos para identificar un valor en el terreno de juego</a:t>
-            </a:r>
-          </a:p>
-          <a:p>
-            <a:pPr rtl="0"/>
-            <a:r>
-              <a:rPr lang="es-ES" dirty="0"/>
-              <a:t>​Visualizar la convergencia dirigida al cliente</a:t>
-            </a:r>
-          </a:p>
-        </p:txBody>
-      </p:sp>
-      <p:sp>
-        <p:nvSpPr>
-          <p:cNvPr id="6" name="Marcador de contenido 5">
-            <a:extLst>
-              <a:ext uri="{FF2B5EF4-FFF2-40B4-BE49-F238E27FC236}">
-                <a16:creationId xmlns:a16="http://schemas.microsoft.com/office/drawing/2014/main" id="{50B65871-FA95-449A-B8BC-90486DE532EF}"/>
-              </a:ext>
-            </a:extLst>
-          </p:cNvPr>
-          <p:cNvSpPr>
-            <a:spLocks noGrp="1"/>
-          </p:cNvSpPr>
-          <p:nvPr>
-            <p:ph sz="quarter" idx="4"/>
-          </p:nvPr>
-        </p:nvSpPr>
-        <p:spPr>
-          <a:xfrm>
-            <a:off x="7410173" y="3834606"/>
-            <a:ext cx="3943627" cy="1997867"/>
-          </a:xfrm>
-        </p:spPr>
-        <p:txBody>
-          <a:bodyPr rtlCol="0">
-            <a:normAutofit/>
-          </a:bodyPr>
-          <a:lstStyle>
-            <a:defPPr>
-              <a:defRPr lang="es-ES"/>
-            </a:defPPr>
-          </a:lstStyle>
-          <a:p>
-            <a:pPr rtl="0"/>
-            <a:r>
-              <a:rPr lang="es-ES" dirty="0"/>
-              <a:t>Enfoques iterativos para una estrategia corporativa</a:t>
-            </a:r>
-          </a:p>
-          <a:p>
-            <a:pPr rtl="0"/>
-            <a:r>
-              <a:rPr lang="es-ES" dirty="0"/>
-              <a:t>​Establecer un marco de administración desde dentro</a:t>
-            </a:r>
-          </a:p>
-        </p:txBody>
-      </p:sp>
-      <p:sp>
-        <p:nvSpPr>
-          <p:cNvPr id="9" name="Marcador de número de diapositiva 8">
-            <a:extLst>
-              <a:ext uri="{FF2B5EF4-FFF2-40B4-BE49-F238E27FC236}">
-                <a16:creationId xmlns:a16="http://schemas.microsoft.com/office/drawing/2014/main" id="{C396FFDC-ADE8-4009-A466-A81787258E88}"/>
+              <a:t>Top yearly earnings</a:t>
+            </a:r>
+          </a:p>
+        </p:txBody>
+      </p:sp>
+      <p:sp>
+        <p:nvSpPr>
+          <p:cNvPr id="8" name="Marcador de número de diapositiva 7">
+            <a:extLst>
+              <a:ext uri="{FF2B5EF4-FFF2-40B4-BE49-F238E27FC236}">
+                <a16:creationId xmlns:a16="http://schemas.microsoft.com/office/drawing/2014/main" id="{92908AF9-2A07-4B50-BC13-471792106EC8}"/>
               </a:ext>
             </a:extLst>
           </p:cNvPr>
@@ -15458,50 +15417,12 @@
           </a:p>
         </p:txBody>
       </p:sp>
-      <p:sp>
-        <p:nvSpPr>
-          <p:cNvPr id="16" name="Marcador de pie de página 56">
-            <a:extLst>
-              <a:ext uri="{FF2B5EF4-FFF2-40B4-BE49-F238E27FC236}">
-                <a16:creationId xmlns:a16="http://schemas.microsoft.com/office/drawing/2014/main" id="{CCB864C7-E6EE-4585-0CA8-B3318E44A37F}"/>
-              </a:ext>
-            </a:extLst>
-          </p:cNvPr>
-          <p:cNvSpPr>
-            <a:spLocks noGrp="1"/>
-          </p:cNvSpPr>
-          <p:nvPr>
-            <p:ph type="ftr" sz="quarter" idx="11"/>
-          </p:nvPr>
-        </p:nvSpPr>
-        <p:spPr>
-          <a:xfrm>
-            <a:off x="4038600" y="6356350"/>
-            <a:ext cx="4114800" cy="365125"/>
-          </a:xfrm>
-        </p:spPr>
-        <p:txBody>
-          <a:bodyPr rtlCol="0"/>
-          <a:lstStyle>
-            <a:defPPr>
-              <a:defRPr lang="es-ES"/>
-            </a:defPPr>
-          </a:lstStyle>
-          <a:p>
-            <a:pPr rtl="0"/>
-            <a:r>
-              <a:rPr lang="es-ES" dirty="0"/>
-              <a:t>FORBES HIGHEST PAYING ATHLETES ANALYSIS</a:t>
-            </a:r>
-          </a:p>
-        </p:txBody>
-      </p:sp>
       <p:pic>
         <p:nvPicPr>
-          <p:cNvPr id="8" name="Picture 7">
-            <a:extLst>
-              <a:ext uri="{FF2B5EF4-FFF2-40B4-BE49-F238E27FC236}">
-                <a16:creationId xmlns:a16="http://schemas.microsoft.com/office/drawing/2014/main" id="{6CB5EC07-EC15-7284-387E-7D3E4B92E003}"/>
+          <p:cNvPr id="12" name="Picture 11">
+            <a:extLst>
+              <a:ext uri="{FF2B5EF4-FFF2-40B4-BE49-F238E27FC236}">
+                <a16:creationId xmlns:a16="http://schemas.microsoft.com/office/drawing/2014/main" id="{A612C06D-D748-DBF6-C6F2-9FD984C2E43C}"/>
               </a:ext>
             </a:extLst>
           </p:cNvPr>
@@ -15510,26 +15431,63 @@
           </p:cNvPicPr>
           <p:nvPr/>
         </p:nvPicPr>
-        <p:blipFill>
+        <p:blipFill rotWithShape="1">
           <a:blip r:embed="rId3"/>
-          <a:stretch>
-            <a:fillRect/>
-          </a:stretch>
+          <a:srcRect l="1029" t="899" r="4413" b="4063"/>
+          <a:stretch/>
         </p:blipFill>
         <p:spPr>
           <a:xfrm>
-            <a:off x="0" y="177799"/>
-            <a:ext cx="12192000" cy="6502401"/>
+            <a:off x="331694" y="1564341"/>
+            <a:ext cx="11528612" cy="4173071"/>
           </a:xfrm>
           <a:prstGeom prst="rect">
             <a:avLst/>
           </a:prstGeom>
         </p:spPr>
       </p:pic>
+      <p:sp>
+        <p:nvSpPr>
+          <p:cNvPr id="2" name="Marcador de pie de página 56">
+            <a:extLst>
+              <a:ext uri="{FF2B5EF4-FFF2-40B4-BE49-F238E27FC236}">
+                <a16:creationId xmlns:a16="http://schemas.microsoft.com/office/drawing/2014/main" id="{7E4CCB17-F94C-1680-8B00-B79BCF25DB6A}"/>
+              </a:ext>
+            </a:extLst>
+          </p:cNvPr>
+          <p:cNvSpPr>
+            <a:spLocks noGrp="1"/>
+          </p:cNvSpPr>
+          <p:nvPr>
+            <p:ph type="ftr" sz="quarter" idx="11"/>
+          </p:nvPr>
+        </p:nvSpPr>
+        <p:spPr>
+          <a:xfrm>
+            <a:off x="4038600" y="6356350"/>
+            <a:ext cx="4114800" cy="365125"/>
+          </a:xfrm>
+        </p:spPr>
+        <p:txBody>
+          <a:bodyPr rtlCol="0"/>
+          <a:lstStyle>
+            <a:defPPr>
+              <a:defRPr lang="es-ES"/>
+            </a:defPPr>
+          </a:lstStyle>
+          <a:p>
+            <a:pPr rtl="0"/>
+            <a:r>
+              <a:rPr lang="es-ES" dirty="0"/>
+              <a:t>FORBES HIGHEST PAYING ATHLETES</a:t>
+            </a:r>
+          </a:p>
+        </p:txBody>
+      </p:sp>
     </p:spTree>
     <p:extLst>
       <p:ext uri="{BB962C8B-B14F-4D97-AF65-F5344CB8AC3E}">
-        <p14:creationId xmlns:p14="http://schemas.microsoft.com/office/powerpoint/2010/main" val="3769297908"/>
+        <p14:creationId xmlns:p14="http://schemas.microsoft.com/office/powerpoint/2010/main" val="2896385493"/>
       </p:ext>
     </p:extLst>
   </p:cSld>
@@ -15737,10 +15695,10 @@
       </p:sp>
       <p:pic>
         <p:nvPicPr>
-          <p:cNvPr id="12" name="Picture 11">
-            <a:extLst>
-              <a:ext uri="{FF2B5EF4-FFF2-40B4-BE49-F238E27FC236}">
-                <a16:creationId xmlns:a16="http://schemas.microsoft.com/office/drawing/2014/main" id="{CD8A96B9-9D83-6DF1-D009-6FD5AF978E41}"/>
+          <p:cNvPr id="11" name="Picture 10">
+            <a:extLst>
+              <a:ext uri="{FF2B5EF4-FFF2-40B4-BE49-F238E27FC236}">
+                <a16:creationId xmlns:a16="http://schemas.microsoft.com/office/drawing/2014/main" id="{0014701C-A515-45B2-03F5-C4EF3D5AD0B3}"/>
               </a:ext>
             </a:extLst>
           </p:cNvPr>
@@ -15757,20 +15715,141 @@
         </p:blipFill>
         <p:spPr>
           <a:xfrm>
-            <a:off x="0" y="36511"/>
-            <a:ext cx="12192000" cy="6502401"/>
+            <a:off x="1085282" y="333698"/>
+            <a:ext cx="4437499" cy="5498775"/>
           </a:xfrm>
           <a:prstGeom prst="rect">
             <a:avLst/>
           </a:prstGeom>
         </p:spPr>
       </p:pic>
-      <p:sp>
-        <p:nvSpPr>
-          <p:cNvPr id="16" name="Marcador de pie de página 56">
-            <a:extLst>
-              <a:ext uri="{FF2B5EF4-FFF2-40B4-BE49-F238E27FC236}">
-                <a16:creationId xmlns:a16="http://schemas.microsoft.com/office/drawing/2014/main" id="{CCB864C7-E6EE-4585-0CA8-B3318E44A37F}"/>
+      <p:pic>
+        <p:nvPicPr>
+          <p:cNvPr id="14" name="Picture 13">
+            <a:extLst>
+              <a:ext uri="{FF2B5EF4-FFF2-40B4-BE49-F238E27FC236}">
+                <a16:creationId xmlns:a16="http://schemas.microsoft.com/office/drawing/2014/main" id="{A881FA41-88CD-A684-62A8-FD4B7D8A17D4}"/>
+              </a:ext>
+            </a:extLst>
+          </p:cNvPr>
+          <p:cNvPicPr>
+            <a:picLocks noChangeAspect="1"/>
+          </p:cNvPicPr>
+          <p:nvPr/>
+        </p:nvPicPr>
+        <p:blipFill>
+          <a:blip r:embed="rId4"/>
+          <a:stretch>
+            <a:fillRect/>
+          </a:stretch>
+        </p:blipFill>
+        <p:spPr>
+          <a:xfrm>
+            <a:off x="7239001" y="333698"/>
+            <a:ext cx="4114800" cy="5498775"/>
+          </a:xfrm>
+          <a:prstGeom prst="rect">
+            <a:avLst/>
+          </a:prstGeom>
+        </p:spPr>
+      </p:pic>
+      <p:sp>
+        <p:nvSpPr>
+          <p:cNvPr id="15" name="TextBox 14">
+            <a:extLst>
+              <a:ext uri="{FF2B5EF4-FFF2-40B4-BE49-F238E27FC236}">
+                <a16:creationId xmlns:a16="http://schemas.microsoft.com/office/drawing/2014/main" id="{FF61D288-9C04-EAA5-40C4-740D1B4F638F}"/>
+              </a:ext>
+            </a:extLst>
+          </p:cNvPr>
+          <p:cNvSpPr txBox="1"/>
+          <p:nvPr/>
+        </p:nvSpPr>
+        <p:spPr>
+          <a:xfrm>
+            <a:off x="8280134" y="5909745"/>
+            <a:ext cx="2203704" cy="369332"/>
+          </a:xfrm>
+          <a:prstGeom prst="rect">
+            <a:avLst/>
+          </a:prstGeom>
+          <a:noFill/>
+        </p:spPr>
+        <p:txBody>
+          <a:bodyPr wrap="square" rtlCol="0">
+            <a:spAutoFit/>
+          </a:bodyPr>
+          <a:lstStyle/>
+          <a:p>
+            <a:r>
+              <a:rPr lang="en-US" dirty="0">
+                <a:solidFill>
+                  <a:schemeClr val="bg1"/>
+                </a:solidFill>
+              </a:rPr>
+              <a:t>Image from Forbes</a:t>
+            </a:r>
+          </a:p>
+        </p:txBody>
+      </p:sp>
+      <p:sp>
+        <p:nvSpPr>
+          <p:cNvPr id="16" name="TextBox 15">
+            <a:extLst>
+              <a:ext uri="{FF2B5EF4-FFF2-40B4-BE49-F238E27FC236}">
+                <a16:creationId xmlns:a16="http://schemas.microsoft.com/office/drawing/2014/main" id="{8E11B57D-925A-58EE-040B-FECEB23EABF7}"/>
+              </a:ext>
+            </a:extLst>
+          </p:cNvPr>
+          <p:cNvSpPr txBox="1"/>
+          <p:nvPr/>
+        </p:nvSpPr>
+        <p:spPr>
+          <a:xfrm>
+            <a:off x="2372109" y="5909745"/>
+            <a:ext cx="1863844" cy="369332"/>
+          </a:xfrm>
+          <a:prstGeom prst="rect">
+            <a:avLst/>
+          </a:prstGeom>
+          <a:noFill/>
+        </p:spPr>
+        <p:txBody>
+          <a:bodyPr wrap="none" rtlCol="0">
+            <a:spAutoFit/>
+          </a:bodyPr>
+          <a:lstStyle/>
+          <a:p>
+            <a:r>
+              <a:rPr lang="en-US" dirty="0">
+                <a:solidFill>
+                  <a:schemeClr val="bg1"/>
+                </a:solidFill>
+              </a:rPr>
+              <a:t>Photo from </a:t>
+            </a:r>
+            <a:r>
+              <a:rPr lang="en-US" dirty="0" err="1">
+                <a:solidFill>
+                  <a:schemeClr val="bg1"/>
+                </a:solidFill>
+              </a:rPr>
+              <a:t>Imdb</a:t>
+            </a:r>
+            <a:endParaRPr lang="en-US" dirty="0">
+              <a:solidFill>
+                <a:schemeClr val="bg1"/>
+              </a:solidFill>
+            </a:endParaRPr>
+          </a:p>
+        </p:txBody>
+      </p:sp>
+      <p:sp>
+        <p:nvSpPr>
+          <p:cNvPr id="3" name="Marcador de pie de página 56">
+            <a:extLst>
+              <a:ext uri="{FF2B5EF4-FFF2-40B4-BE49-F238E27FC236}">
+                <a16:creationId xmlns:a16="http://schemas.microsoft.com/office/drawing/2014/main" id="{2234F7FB-4E87-DB75-D173-F22A0F72BEA2}"/>
               </a:ext>
             </a:extLst>
           </p:cNvPr>
@@ -15798,7 +15877,7 @@
             <a:pPr rtl="0"/>
             <a:r>
               <a:rPr lang="es-ES" dirty="0"/>
-              <a:t>FORBES HIGHEST PAYING ATHLETES ANALYSIS</a:t>
+              <a:t>FORBES HIGHEST PAYING ATHLETES</a:t>
             </a:r>
           </a:p>
         </p:txBody>
@@ -15806,7 +15885,7 @@
     </p:spTree>
     <p:extLst>
       <p:ext uri="{BB962C8B-B14F-4D97-AF65-F5344CB8AC3E}">
-        <p14:creationId xmlns:p14="http://schemas.microsoft.com/office/powerpoint/2010/main" val="3590459948"/>
+        <p14:creationId xmlns:p14="http://schemas.microsoft.com/office/powerpoint/2010/main" val="4070989650"/>
       </p:ext>
     </p:extLst>
   </p:cSld>
@@ -15974,82 +16053,6 @@
       </p:sp>
       <p:sp>
         <p:nvSpPr>
-          <p:cNvPr id="7" name="Marcador de fecha 6">
-            <a:extLst>
-              <a:ext uri="{FF2B5EF4-FFF2-40B4-BE49-F238E27FC236}">
-                <a16:creationId xmlns:a16="http://schemas.microsoft.com/office/drawing/2014/main" id="{B2A46C4A-D036-4440-BB64-6754F4FF27C1}"/>
-              </a:ext>
-            </a:extLst>
-          </p:cNvPr>
-          <p:cNvSpPr>
-            <a:spLocks noGrp="1"/>
-          </p:cNvSpPr>
-          <p:nvPr>
-            <p:ph type="dt" sz="half" idx="10"/>
-          </p:nvPr>
-        </p:nvSpPr>
-        <p:spPr>
-          <a:xfrm>
-            <a:off x="838200" y="6356350"/>
-            <a:ext cx="2743200" cy="365125"/>
-          </a:xfrm>
-        </p:spPr>
-        <p:txBody>
-          <a:bodyPr rtlCol="0"/>
-          <a:lstStyle>
-            <a:defPPr>
-              <a:defRPr lang="es-ES"/>
-            </a:defPPr>
-          </a:lstStyle>
-          <a:p>
-            <a:pPr rtl="0"/>
-            <a:r>
-              <a:rPr lang="es-ES" dirty="0"/>
-              <a:t>20XX</a:t>
-            </a:r>
-          </a:p>
-        </p:txBody>
-      </p:sp>
-      <p:sp>
-        <p:nvSpPr>
-          <p:cNvPr id="8" name="Marcador de pie de página 7">
-            <a:extLst>
-              <a:ext uri="{FF2B5EF4-FFF2-40B4-BE49-F238E27FC236}">
-                <a16:creationId xmlns:a16="http://schemas.microsoft.com/office/drawing/2014/main" id="{905F172A-5D5D-43CD-A187-DA0D303F4144}"/>
-              </a:ext>
-            </a:extLst>
-          </p:cNvPr>
-          <p:cNvSpPr>
-            <a:spLocks noGrp="1"/>
-          </p:cNvSpPr>
-          <p:nvPr>
-            <p:ph type="ftr" sz="quarter" idx="11"/>
-          </p:nvPr>
-        </p:nvSpPr>
-        <p:spPr>
-          <a:xfrm>
-            <a:off x="4038600" y="6356350"/>
-            <a:ext cx="4114800" cy="365125"/>
-          </a:xfrm>
-        </p:spPr>
-        <p:txBody>
-          <a:bodyPr rtlCol="0"/>
-          <a:lstStyle>
-            <a:defPPr>
-              <a:defRPr lang="es-ES"/>
-            </a:defPPr>
-          </a:lstStyle>
-          <a:p>
-            <a:pPr rtl="0"/>
-            <a:r>
-              <a:rPr lang="es-ES" dirty="0"/>
-              <a:t>TÍTULO DE LA PRESENTACIÓN</a:t>
-            </a:r>
-          </a:p>
-        </p:txBody>
-      </p:sp>
-      <p:sp>
-        <p:nvSpPr>
           <p:cNvPr id="9" name="Marcador de número de diapositiva 8">
             <a:extLst>
               <a:ext uri="{FF2B5EF4-FFF2-40B4-BE49-F238E27FC236}">
@@ -16088,12 +16091,50 @@
           </a:p>
         </p:txBody>
       </p:sp>
+      <p:sp>
+        <p:nvSpPr>
+          <p:cNvPr id="16" name="Marcador de pie de página 56">
+            <a:extLst>
+              <a:ext uri="{FF2B5EF4-FFF2-40B4-BE49-F238E27FC236}">
+                <a16:creationId xmlns:a16="http://schemas.microsoft.com/office/drawing/2014/main" id="{CCB864C7-E6EE-4585-0CA8-B3318E44A37F}"/>
+              </a:ext>
+            </a:extLst>
+          </p:cNvPr>
+          <p:cNvSpPr>
+            <a:spLocks noGrp="1"/>
+          </p:cNvSpPr>
+          <p:nvPr>
+            <p:ph type="ftr" sz="quarter" idx="11"/>
+          </p:nvPr>
+        </p:nvSpPr>
+        <p:spPr>
+          <a:xfrm>
+            <a:off x="4038600" y="6356350"/>
+            <a:ext cx="4114800" cy="365125"/>
+          </a:xfrm>
+        </p:spPr>
+        <p:txBody>
+          <a:bodyPr rtlCol="0"/>
+          <a:lstStyle>
+            <a:defPPr>
+              <a:defRPr lang="es-ES"/>
+            </a:defPPr>
+          </a:lstStyle>
+          <a:p>
+            <a:pPr rtl="0"/>
+            <a:r>
+              <a:rPr lang="es-ES" dirty="0"/>
+              <a:t>FORBES HIGHEST PAYING ATHLETES ANALYSIS</a:t>
+            </a:r>
+          </a:p>
+        </p:txBody>
+      </p:sp>
       <p:pic>
         <p:nvPicPr>
-          <p:cNvPr id="13" name="Picture 12" descr="A screen shot of a graph&#10;&#10;Description automatically generated">
-            <a:extLst>
-              <a:ext uri="{FF2B5EF4-FFF2-40B4-BE49-F238E27FC236}">
-                <a16:creationId xmlns:a16="http://schemas.microsoft.com/office/drawing/2014/main" id="{E60AB1D9-9C5A-747D-509D-E89744A34532}"/>
+          <p:cNvPr id="24" name="Picture 23">
+            <a:extLst>
+              <a:ext uri="{FF2B5EF4-FFF2-40B4-BE49-F238E27FC236}">
+                <a16:creationId xmlns:a16="http://schemas.microsoft.com/office/drawing/2014/main" id="{43F86848-F367-C172-5420-2F2DDD93E76B}"/>
               </a:ext>
             </a:extLst>
           </p:cNvPr>
@@ -16110,174 +16151,48 @@
         </p:blipFill>
         <p:spPr>
           <a:xfrm>
-            <a:off x="952500" y="-270704"/>
-            <a:ext cx="10287000" cy="6858000"/>
+            <a:off x="-88280" y="0"/>
+            <a:ext cx="6823344" cy="3639117"/>
           </a:xfrm>
           <a:prstGeom prst="rect">
             <a:avLst/>
           </a:prstGeom>
         </p:spPr>
       </p:pic>
-      <p:sp>
-        <p:nvSpPr>
-          <p:cNvPr id="3" name="Oval 2">
-            <a:extLst>
-              <a:ext uri="{FF2B5EF4-FFF2-40B4-BE49-F238E27FC236}">
-                <a16:creationId xmlns:a16="http://schemas.microsoft.com/office/drawing/2014/main" id="{6998A596-109F-B8E6-01A0-E9158D7D8FC0}"/>
-              </a:ext>
-            </a:extLst>
-          </p:cNvPr>
-          <p:cNvSpPr/>
+      <p:pic>
+        <p:nvPicPr>
+          <p:cNvPr id="8" name="Picture 7" descr="A screen shot of a graph&#10;&#10;Description automatically generated">
+            <a:extLst>
+              <a:ext uri="{FF2B5EF4-FFF2-40B4-BE49-F238E27FC236}">
+                <a16:creationId xmlns:a16="http://schemas.microsoft.com/office/drawing/2014/main" id="{B70A4E4B-DCC5-8355-1A36-61183452524D}"/>
+              </a:ext>
+            </a:extLst>
+          </p:cNvPr>
+          <p:cNvPicPr>
+            <a:picLocks noChangeAspect="1"/>
+          </p:cNvPicPr>
           <p:nvPr/>
-        </p:nvSpPr>
-        <p:spPr>
-          <a:xfrm>
-            <a:off x="8379242" y="553419"/>
-            <a:ext cx="542236" cy="520008"/>
-          </a:xfrm>
-          <a:prstGeom prst="ellipse">
+        </p:nvPicPr>
+        <p:blipFill>
+          <a:blip r:embed="rId4"/>
+          <a:stretch>
+            <a:fillRect/>
+          </a:stretch>
+        </p:blipFill>
+        <p:spPr>
+          <a:xfrm>
+            <a:off x="5604979" y="2899794"/>
+            <a:ext cx="6823345" cy="3639118"/>
+          </a:xfrm>
+          <a:prstGeom prst="rect">
             <a:avLst/>
           </a:prstGeom>
-          <a:noFill/>
-          <a:ln w="28575">
-            <a:solidFill>
-              <a:srgbClr val="AE2012"/>
-            </a:solidFill>
-          </a:ln>
-        </p:spPr>
-        <p:style>
-          <a:lnRef idx="2">
-            <a:schemeClr val="accent1">
-              <a:shade val="15000"/>
-            </a:schemeClr>
-          </a:lnRef>
-          <a:fillRef idx="1">
-            <a:schemeClr val="accent1"/>
-          </a:fillRef>
-          <a:effectRef idx="0">
-            <a:schemeClr val="accent1"/>
-          </a:effectRef>
-          <a:fontRef idx="minor">
-            <a:schemeClr val="lt1"/>
-          </a:fontRef>
-        </p:style>
-        <p:txBody>
-          <a:bodyPr rtlCol="0" anchor="ctr"/>
-          <a:lstStyle/>
-          <a:p>
-            <a:pPr algn="ctr"/>
-            <a:endParaRPr lang="es-US" dirty="0"/>
-          </a:p>
-        </p:txBody>
-      </p:sp>
-      <p:sp>
-        <p:nvSpPr>
-          <p:cNvPr id="5" name="Oval 4">
-            <a:extLst>
-              <a:ext uri="{FF2B5EF4-FFF2-40B4-BE49-F238E27FC236}">
-                <a16:creationId xmlns:a16="http://schemas.microsoft.com/office/drawing/2014/main" id="{C7C02EDF-94D5-CA69-341D-1FC4D160C02F}"/>
-              </a:ext>
-            </a:extLst>
-          </p:cNvPr>
-          <p:cNvSpPr/>
-          <p:nvPr/>
-        </p:nvSpPr>
-        <p:spPr>
-          <a:xfrm>
-            <a:off x="9093212" y="1068592"/>
-            <a:ext cx="542236" cy="520008"/>
-          </a:xfrm>
-          <a:prstGeom prst="ellipse">
-            <a:avLst/>
-          </a:prstGeom>
-          <a:noFill/>
-          <a:ln w="28575">
-            <a:solidFill>
-              <a:srgbClr val="AE2012"/>
-            </a:solidFill>
-          </a:ln>
-        </p:spPr>
-        <p:style>
-          <a:lnRef idx="2">
-            <a:schemeClr val="accent1">
-              <a:shade val="15000"/>
-            </a:schemeClr>
-          </a:lnRef>
-          <a:fillRef idx="1">
-            <a:schemeClr val="accent1"/>
-          </a:fillRef>
-          <a:effectRef idx="0">
-            <a:schemeClr val="accent1"/>
-          </a:effectRef>
-          <a:fontRef idx="minor">
-            <a:schemeClr val="lt1"/>
-          </a:fontRef>
-        </p:style>
-        <p:txBody>
-          <a:bodyPr rtlCol="0" anchor="ctr"/>
-          <a:lstStyle/>
-          <a:p>
-            <a:pPr algn="ctr"/>
-            <a:endParaRPr lang="es-US" dirty="0"/>
-          </a:p>
-        </p:txBody>
-      </p:sp>
-      <p:sp>
-        <p:nvSpPr>
-          <p:cNvPr id="10" name="Oval 9">
-            <a:extLst>
-              <a:ext uri="{FF2B5EF4-FFF2-40B4-BE49-F238E27FC236}">
-                <a16:creationId xmlns:a16="http://schemas.microsoft.com/office/drawing/2014/main" id="{64A443F8-ECCA-45EA-A97B-BE2AF1627D03}"/>
-              </a:ext>
-            </a:extLst>
-          </p:cNvPr>
-          <p:cNvSpPr/>
-          <p:nvPr/>
-        </p:nvSpPr>
-        <p:spPr>
-          <a:xfrm>
-            <a:off x="8372608" y="2892446"/>
-            <a:ext cx="542236" cy="520008"/>
-          </a:xfrm>
-          <a:prstGeom prst="ellipse">
-            <a:avLst/>
-          </a:prstGeom>
-          <a:noFill/>
-          <a:ln w="28575">
-            <a:solidFill>
-              <a:srgbClr val="AE2012"/>
-            </a:solidFill>
-          </a:ln>
-        </p:spPr>
-        <p:style>
-          <a:lnRef idx="2">
-            <a:schemeClr val="accent1">
-              <a:shade val="15000"/>
-            </a:schemeClr>
-          </a:lnRef>
-          <a:fillRef idx="1">
-            <a:schemeClr val="accent1"/>
-          </a:fillRef>
-          <a:effectRef idx="0">
-            <a:schemeClr val="accent1"/>
-          </a:effectRef>
-          <a:fontRef idx="minor">
-            <a:schemeClr val="lt1"/>
-          </a:fontRef>
-        </p:style>
-        <p:txBody>
-          <a:bodyPr rtlCol="0" anchor="ctr"/>
-          <a:lstStyle/>
-          <a:p>
-            <a:pPr algn="ctr"/>
-            <a:endParaRPr lang="es-US" dirty="0"/>
-          </a:p>
-        </p:txBody>
-      </p:sp>
+        </p:spPr>
+      </p:pic>
     </p:spTree>
     <p:extLst>
       <p:ext uri="{BB962C8B-B14F-4D97-AF65-F5344CB8AC3E}">
-        <p14:creationId xmlns:p14="http://schemas.microsoft.com/office/powerpoint/2010/main" val="144498883"/>
+        <p14:creationId xmlns:p14="http://schemas.microsoft.com/office/powerpoint/2010/main" val="384096794"/>
       </p:ext>
     </p:extLst>
   </p:cSld>
@@ -16607,82 +16522,6 @@
       </p:sp>
       <p:sp>
         <p:nvSpPr>
-          <p:cNvPr id="7" name="Marcador de fecha 6">
-            <a:extLst>
-              <a:ext uri="{FF2B5EF4-FFF2-40B4-BE49-F238E27FC236}">
-                <a16:creationId xmlns:a16="http://schemas.microsoft.com/office/drawing/2014/main" id="{B2A46C4A-D036-4440-BB64-6754F4FF27C1}"/>
-              </a:ext>
-            </a:extLst>
-          </p:cNvPr>
-          <p:cNvSpPr>
-            <a:spLocks noGrp="1"/>
-          </p:cNvSpPr>
-          <p:nvPr>
-            <p:ph type="dt" sz="half" idx="10"/>
-          </p:nvPr>
-        </p:nvSpPr>
-        <p:spPr>
-          <a:xfrm>
-            <a:off x="838200" y="6356350"/>
-            <a:ext cx="2743200" cy="365125"/>
-          </a:xfrm>
-        </p:spPr>
-        <p:txBody>
-          <a:bodyPr rtlCol="0"/>
-          <a:lstStyle>
-            <a:defPPr>
-              <a:defRPr lang="es-ES"/>
-            </a:defPPr>
-          </a:lstStyle>
-          <a:p>
-            <a:pPr rtl="0"/>
-            <a:r>
-              <a:rPr lang="es-ES" dirty="0"/>
-              <a:t>20XX</a:t>
-            </a:r>
-          </a:p>
-        </p:txBody>
-      </p:sp>
-      <p:sp>
-        <p:nvSpPr>
-          <p:cNvPr id="8" name="Marcador de pie de página 7">
-            <a:extLst>
-              <a:ext uri="{FF2B5EF4-FFF2-40B4-BE49-F238E27FC236}">
-                <a16:creationId xmlns:a16="http://schemas.microsoft.com/office/drawing/2014/main" id="{905F172A-5D5D-43CD-A187-DA0D303F4144}"/>
-              </a:ext>
-            </a:extLst>
-          </p:cNvPr>
-          <p:cNvSpPr>
-            <a:spLocks noGrp="1"/>
-          </p:cNvSpPr>
-          <p:nvPr>
-            <p:ph type="ftr" sz="quarter" idx="11"/>
-          </p:nvPr>
-        </p:nvSpPr>
-        <p:spPr>
-          <a:xfrm>
-            <a:off x="4038600" y="6356350"/>
-            <a:ext cx="4114800" cy="365125"/>
-          </a:xfrm>
-        </p:spPr>
-        <p:txBody>
-          <a:bodyPr rtlCol="0"/>
-          <a:lstStyle>
-            <a:defPPr>
-              <a:defRPr lang="es-ES"/>
-            </a:defPPr>
-          </a:lstStyle>
-          <a:p>
-            <a:pPr rtl="0"/>
-            <a:r>
-              <a:rPr lang="es-ES" dirty="0"/>
-              <a:t>TÍTULO DE LA PRESENTACIÓN</a:t>
-            </a:r>
-          </a:p>
-        </p:txBody>
-      </p:sp>
-      <p:sp>
-        <p:nvSpPr>
           <p:cNvPr id="9" name="Marcador de número de diapositiva 8">
             <a:extLst>
               <a:ext uri="{FF2B5EF4-FFF2-40B4-BE49-F238E27FC236}">
@@ -16721,12 +16560,50 @@
           </a:p>
         </p:txBody>
       </p:sp>
+      <p:sp>
+        <p:nvSpPr>
+          <p:cNvPr id="16" name="Marcador de pie de página 56">
+            <a:extLst>
+              <a:ext uri="{FF2B5EF4-FFF2-40B4-BE49-F238E27FC236}">
+                <a16:creationId xmlns:a16="http://schemas.microsoft.com/office/drawing/2014/main" id="{CCB864C7-E6EE-4585-0CA8-B3318E44A37F}"/>
+              </a:ext>
+            </a:extLst>
+          </p:cNvPr>
+          <p:cNvSpPr>
+            <a:spLocks noGrp="1"/>
+          </p:cNvSpPr>
+          <p:nvPr>
+            <p:ph type="ftr" sz="quarter" idx="11"/>
+          </p:nvPr>
+        </p:nvSpPr>
+        <p:spPr>
+          <a:xfrm>
+            <a:off x="4038600" y="6356350"/>
+            <a:ext cx="4114800" cy="365125"/>
+          </a:xfrm>
+        </p:spPr>
+        <p:txBody>
+          <a:bodyPr rtlCol="0"/>
+          <a:lstStyle>
+            <a:defPPr>
+              <a:defRPr lang="es-ES"/>
+            </a:defPPr>
+          </a:lstStyle>
+          <a:p>
+            <a:pPr rtl="0"/>
+            <a:r>
+              <a:rPr lang="es-ES" dirty="0"/>
+              <a:t>FORBES HIGHEST PAYING ATHLETES ANALYSIS</a:t>
+            </a:r>
+          </a:p>
+        </p:txBody>
+      </p:sp>
       <p:pic>
         <p:nvPicPr>
-          <p:cNvPr id="11" name="Picture 10">
-            <a:extLst>
-              <a:ext uri="{FF2B5EF4-FFF2-40B4-BE49-F238E27FC236}">
-                <a16:creationId xmlns:a16="http://schemas.microsoft.com/office/drawing/2014/main" id="{0014701C-A515-45B2-03F5-C4EF3D5AD0B3}"/>
+          <p:cNvPr id="8" name="Picture 7">
+            <a:extLst>
+              <a:ext uri="{FF2B5EF4-FFF2-40B4-BE49-F238E27FC236}">
+                <a16:creationId xmlns:a16="http://schemas.microsoft.com/office/drawing/2014/main" id="{6CB5EC07-EC15-7284-387E-7D3E4B92E003}"/>
               </a:ext>
             </a:extLst>
           </p:cNvPr>
@@ -16743,8 +16620,8 @@
         </p:blipFill>
         <p:spPr>
           <a:xfrm>
-            <a:off x="1085282" y="333698"/>
-            <a:ext cx="4437499" cy="5498775"/>
+            <a:off x="114300" y="0"/>
+            <a:ext cx="6294848" cy="3357253"/>
           </a:xfrm>
           <a:prstGeom prst="rect">
             <a:avLst/>
@@ -16753,10 +16630,10 @@
       </p:pic>
       <p:pic>
         <p:nvPicPr>
-          <p:cNvPr id="14" name="Picture 13">
-            <a:extLst>
-              <a:ext uri="{FF2B5EF4-FFF2-40B4-BE49-F238E27FC236}">
-                <a16:creationId xmlns:a16="http://schemas.microsoft.com/office/drawing/2014/main" id="{A881FA41-88CD-A684-62A8-FD4B7D8A17D4}"/>
+          <p:cNvPr id="5" name="Picture 4" descr="A screenshot of a computer screen&#10;&#10;Description automatically generated">
+            <a:extLst>
+              <a:ext uri="{FF2B5EF4-FFF2-40B4-BE49-F238E27FC236}">
+                <a16:creationId xmlns:a16="http://schemas.microsoft.com/office/drawing/2014/main" id="{15CEBC54-557F-6941-1E4F-12C647D9A3C2}"/>
               </a:ext>
             </a:extLst>
           </p:cNvPr>
@@ -16773,109 +16650,18 @@
         </p:blipFill>
         <p:spPr>
           <a:xfrm>
-            <a:off x="7239001" y="333698"/>
-            <a:ext cx="4114800" cy="5498775"/>
+            <a:off x="5649119" y="2741617"/>
+            <a:ext cx="6294848" cy="3357253"/>
           </a:xfrm>
           <a:prstGeom prst="rect">
             <a:avLst/>
           </a:prstGeom>
         </p:spPr>
       </p:pic>
-      <p:sp>
-        <p:nvSpPr>
-          <p:cNvPr id="15" name="TextBox 14">
-            <a:extLst>
-              <a:ext uri="{FF2B5EF4-FFF2-40B4-BE49-F238E27FC236}">
-                <a16:creationId xmlns:a16="http://schemas.microsoft.com/office/drawing/2014/main" id="{FF61D288-9C04-EAA5-40C4-740D1B4F638F}"/>
-              </a:ext>
-            </a:extLst>
-          </p:cNvPr>
-          <p:cNvSpPr txBox="1"/>
-          <p:nvPr/>
-        </p:nvSpPr>
-        <p:spPr>
-          <a:xfrm>
-            <a:off x="8280134" y="5909745"/>
-            <a:ext cx="2203704" cy="369332"/>
-          </a:xfrm>
-          <a:prstGeom prst="rect">
-            <a:avLst/>
-          </a:prstGeom>
-          <a:noFill/>
-        </p:spPr>
-        <p:txBody>
-          <a:bodyPr wrap="square" rtlCol="0">
-            <a:spAutoFit/>
-          </a:bodyPr>
-          <a:lstStyle/>
-          <a:p>
-            <a:r>
-              <a:rPr lang="en-US" dirty="0">
-                <a:solidFill>
-                  <a:schemeClr val="bg1"/>
-                </a:solidFill>
-              </a:rPr>
-              <a:t>Image from Forbes</a:t>
-            </a:r>
-          </a:p>
-        </p:txBody>
-      </p:sp>
-      <p:sp>
-        <p:nvSpPr>
-          <p:cNvPr id="16" name="TextBox 15">
-            <a:extLst>
-              <a:ext uri="{FF2B5EF4-FFF2-40B4-BE49-F238E27FC236}">
-                <a16:creationId xmlns:a16="http://schemas.microsoft.com/office/drawing/2014/main" id="{8E11B57D-925A-58EE-040B-FECEB23EABF7}"/>
-              </a:ext>
-            </a:extLst>
-          </p:cNvPr>
-          <p:cNvSpPr txBox="1"/>
-          <p:nvPr/>
-        </p:nvSpPr>
-        <p:spPr>
-          <a:xfrm>
-            <a:off x="2372109" y="5909745"/>
-            <a:ext cx="1863844" cy="369332"/>
-          </a:xfrm>
-          <a:prstGeom prst="rect">
-            <a:avLst/>
-          </a:prstGeom>
-          <a:noFill/>
-        </p:spPr>
-        <p:txBody>
-          <a:bodyPr wrap="none" rtlCol="0">
-            <a:spAutoFit/>
-          </a:bodyPr>
-          <a:lstStyle/>
-          <a:p>
-            <a:r>
-              <a:rPr lang="en-US" dirty="0">
-                <a:solidFill>
-                  <a:schemeClr val="bg1"/>
-                </a:solidFill>
-              </a:rPr>
-              <a:t>Photo from </a:t>
-            </a:r>
-            <a:r>
-              <a:rPr lang="en-US" dirty="0" err="1">
-                <a:solidFill>
-                  <a:schemeClr val="bg1"/>
-                </a:solidFill>
-              </a:rPr>
-              <a:t>Imdb</a:t>
-            </a:r>
-            <a:endParaRPr lang="en-US" dirty="0">
-              <a:solidFill>
-                <a:schemeClr val="bg1"/>
-              </a:solidFill>
-            </a:endParaRPr>
-          </a:p>
-        </p:txBody>
-      </p:sp>
     </p:spTree>
     <p:extLst>
       <p:ext uri="{BB962C8B-B14F-4D97-AF65-F5344CB8AC3E}">
-        <p14:creationId xmlns:p14="http://schemas.microsoft.com/office/powerpoint/2010/main" val="4070989650"/>
+        <p14:creationId xmlns:p14="http://schemas.microsoft.com/office/powerpoint/2010/main" val="3769297908"/>
       </p:ext>
     </p:extLst>
   </p:cSld>
@@ -16904,10 +16690,10 @@
       </p:grpSpPr>
       <p:sp>
         <p:nvSpPr>
-          <p:cNvPr id="3" name="Título 2">
-            <a:extLst>
-              <a:ext uri="{FF2B5EF4-FFF2-40B4-BE49-F238E27FC236}">
-                <a16:creationId xmlns:a16="http://schemas.microsoft.com/office/drawing/2014/main" id="{77762301-F83A-4BEA-9D11-E6C99FB574A8}"/>
+          <p:cNvPr id="2" name="Título 1">
+            <a:extLst>
+              <a:ext uri="{FF2B5EF4-FFF2-40B4-BE49-F238E27FC236}">
+                <a16:creationId xmlns:a16="http://schemas.microsoft.com/office/drawing/2014/main" id="{09140014-73D5-419B-8867-972BB18D52D4}"/>
               </a:ext>
             </a:extLst>
           </p:cNvPr>
@@ -16920,8 +16706,8 @@
         </p:nvSpPr>
         <p:spPr>
           <a:xfrm>
-            <a:off x="838200" y="365125"/>
-            <a:ext cx="10515600" cy="1325563"/>
+            <a:off x="2933700" y="892177"/>
+            <a:ext cx="8421688" cy="1325563"/>
           </a:xfrm>
         </p:spPr>
         <p:txBody>
@@ -16935,35 +16721,37 @@
             <a:pPr rtl="0"/>
             <a:r>
               <a:rPr lang="es-ES" dirty="0"/>
-              <a:t>Top yearly earnings</a:t>
-            </a:r>
-          </a:p>
-        </p:txBody>
-      </p:sp>
-      <p:sp>
-        <p:nvSpPr>
-          <p:cNvPr id="6" name="Marcador de fecha 5">
-            <a:extLst>
-              <a:ext uri="{FF2B5EF4-FFF2-40B4-BE49-F238E27FC236}">
-                <a16:creationId xmlns:a16="http://schemas.microsoft.com/office/drawing/2014/main" id="{3627CC26-34EF-4BB9-B289-9EC56B07D1E6}"/>
-              </a:ext>
-            </a:extLst>
-          </p:cNvPr>
-          <p:cNvSpPr>
-            <a:spLocks noGrp="1"/>
-          </p:cNvSpPr>
-          <p:nvPr>
-            <p:ph type="dt" sz="half" idx="10"/>
-          </p:nvPr>
-        </p:nvSpPr>
-        <p:spPr>
-          <a:xfrm>
-            <a:off x="838200" y="6356350"/>
-            <a:ext cx="2743200" cy="365125"/>
-          </a:xfrm>
-        </p:spPr>
-        <p:txBody>
-          <a:bodyPr rtlCol="0"/>
+              <a:t>ÁREAS DE ENFOQUE</a:t>
+            </a:r>
+          </a:p>
+        </p:txBody>
+      </p:sp>
+      <p:sp>
+        <p:nvSpPr>
+          <p:cNvPr id="6" name="Marcador de contenido 5">
+            <a:extLst>
+              <a:ext uri="{FF2B5EF4-FFF2-40B4-BE49-F238E27FC236}">
+                <a16:creationId xmlns:a16="http://schemas.microsoft.com/office/drawing/2014/main" id="{50B65871-FA95-449A-B8BC-90486DE532EF}"/>
+              </a:ext>
+            </a:extLst>
+          </p:cNvPr>
+          <p:cNvSpPr>
+            <a:spLocks noGrp="1"/>
+          </p:cNvSpPr>
+          <p:nvPr>
+            <p:ph sz="quarter" idx="4"/>
+          </p:nvPr>
+        </p:nvSpPr>
+        <p:spPr>
+          <a:xfrm>
+            <a:off x="7410173" y="3834606"/>
+            <a:ext cx="3943627" cy="1997867"/>
+          </a:xfrm>
+        </p:spPr>
+        <p:txBody>
+          <a:bodyPr rtlCol="0">
+            <a:normAutofit/>
+          </a:bodyPr>
           <a:lstStyle>
             <a:defPPr>
               <a:defRPr lang="es-ES"/>
@@ -16973,55 +16761,24 @@
             <a:pPr rtl="0"/>
             <a:r>
               <a:rPr lang="es-ES" dirty="0"/>
-              <a:t>20XX</a:t>
-            </a:r>
-          </a:p>
-        </p:txBody>
-      </p:sp>
-      <p:sp>
-        <p:nvSpPr>
-          <p:cNvPr id="7" name="Marcador de pie de página 6">
-            <a:extLst>
-              <a:ext uri="{FF2B5EF4-FFF2-40B4-BE49-F238E27FC236}">
-                <a16:creationId xmlns:a16="http://schemas.microsoft.com/office/drawing/2014/main" id="{4E98E6AD-9D37-499C-898E-ED12AC36D31D}"/>
-              </a:ext>
-            </a:extLst>
-          </p:cNvPr>
-          <p:cNvSpPr>
-            <a:spLocks noGrp="1"/>
-          </p:cNvSpPr>
-          <p:nvPr>
-            <p:ph type="ftr" sz="quarter" idx="11"/>
-          </p:nvPr>
-        </p:nvSpPr>
-        <p:spPr>
-          <a:xfrm>
-            <a:off x="4038600" y="6356350"/>
-            <a:ext cx="4114800" cy="365125"/>
-          </a:xfrm>
-        </p:spPr>
-        <p:txBody>
-          <a:bodyPr rtlCol="0"/>
-          <a:lstStyle>
-            <a:defPPr>
-              <a:defRPr lang="es-ES"/>
-            </a:defPPr>
-          </a:lstStyle>
+              <a:t>Enfoques iterativos para una estrategia corporativa</a:t>
+            </a:r>
+          </a:p>
           <a:p>
             <a:pPr rtl="0"/>
             <a:r>
               <a:rPr lang="es-ES" dirty="0"/>
-              <a:t>TÍTULO DE LA PRESENTACIÓN</a:t>
-            </a:r>
-          </a:p>
-        </p:txBody>
-      </p:sp>
-      <p:sp>
-        <p:nvSpPr>
-          <p:cNvPr id="8" name="Marcador de número de diapositiva 7">
-            <a:extLst>
-              <a:ext uri="{FF2B5EF4-FFF2-40B4-BE49-F238E27FC236}">
-                <a16:creationId xmlns:a16="http://schemas.microsoft.com/office/drawing/2014/main" id="{92908AF9-2A07-4B50-BC13-471792106EC8}"/>
+              <a:t>​Establecer un marco de administración desde dentro</a:t>
+            </a:r>
+          </a:p>
+        </p:txBody>
+      </p:sp>
+      <p:sp>
+        <p:nvSpPr>
+          <p:cNvPr id="9" name="Marcador de número de diapositiva 8">
+            <a:extLst>
+              <a:ext uri="{FF2B5EF4-FFF2-40B4-BE49-F238E27FC236}">
+                <a16:creationId xmlns:a16="http://schemas.microsoft.com/office/drawing/2014/main" id="{C396FFDC-ADE8-4009-A466-A81787258E88}"/>
               </a:ext>
             </a:extLst>
           </p:cNvPr>
@@ -17056,12 +16813,50 @@
           </a:p>
         </p:txBody>
       </p:sp>
+      <p:sp>
+        <p:nvSpPr>
+          <p:cNvPr id="16" name="Marcador de pie de página 56">
+            <a:extLst>
+              <a:ext uri="{FF2B5EF4-FFF2-40B4-BE49-F238E27FC236}">
+                <a16:creationId xmlns:a16="http://schemas.microsoft.com/office/drawing/2014/main" id="{CCB864C7-E6EE-4585-0CA8-B3318E44A37F}"/>
+              </a:ext>
+            </a:extLst>
+          </p:cNvPr>
+          <p:cNvSpPr>
+            <a:spLocks noGrp="1"/>
+          </p:cNvSpPr>
+          <p:nvPr>
+            <p:ph type="ftr" sz="quarter" idx="11"/>
+          </p:nvPr>
+        </p:nvSpPr>
+        <p:spPr>
+          <a:xfrm>
+            <a:off x="4038600" y="6356350"/>
+            <a:ext cx="4114800" cy="365125"/>
+          </a:xfrm>
+        </p:spPr>
+        <p:txBody>
+          <a:bodyPr rtlCol="0"/>
+          <a:lstStyle>
+            <a:defPPr>
+              <a:defRPr lang="es-ES"/>
+            </a:defPPr>
+          </a:lstStyle>
+          <a:p>
+            <a:pPr rtl="0"/>
+            <a:r>
+              <a:rPr lang="es-ES" dirty="0"/>
+              <a:t>FORBES HIGHEST PAYING ATHLETES ANALYSIS</a:t>
+            </a:r>
+          </a:p>
+        </p:txBody>
+      </p:sp>
       <p:pic>
         <p:nvPicPr>
-          <p:cNvPr id="12" name="Picture 11">
-            <a:extLst>
-              <a:ext uri="{FF2B5EF4-FFF2-40B4-BE49-F238E27FC236}">
-                <a16:creationId xmlns:a16="http://schemas.microsoft.com/office/drawing/2014/main" id="{A612C06D-D748-DBF6-C6F2-9FD984C2E43C}"/>
+          <p:cNvPr id="13" name="Picture 12" descr="A screen shot of a graph&#10;&#10;Description automatically generated">
+            <a:extLst>
+              <a:ext uri="{FF2B5EF4-FFF2-40B4-BE49-F238E27FC236}">
+                <a16:creationId xmlns:a16="http://schemas.microsoft.com/office/drawing/2014/main" id="{1DCDEA74-5FEA-D66C-9E69-5ACC279338FD}"/>
               </a:ext>
             </a:extLst>
           </p:cNvPr>
@@ -17070,15 +16865,46 @@
           </p:cNvPicPr>
           <p:nvPr/>
         </p:nvPicPr>
-        <p:blipFill rotWithShape="1">
+        <p:blipFill>
           <a:blip r:embed="rId3"/>
-          <a:srcRect l="1029" t="899" r="4413" b="4063"/>
-          <a:stretch/>
+          <a:stretch>
+            <a:fillRect/>
+          </a:stretch>
         </p:blipFill>
         <p:spPr>
           <a:xfrm>
-            <a:off x="331694" y="1564341"/>
-            <a:ext cx="11528612" cy="4173071"/>
+            <a:off x="5759777" y="2883495"/>
+            <a:ext cx="6667795" cy="3556158"/>
+          </a:xfrm>
+          <a:prstGeom prst="rect">
+            <a:avLst/>
+          </a:prstGeom>
+        </p:spPr>
+      </p:pic>
+      <p:pic>
+        <p:nvPicPr>
+          <p:cNvPr id="18" name="Picture 17" descr="A graph with green and black lines&#10;&#10;Description automatically generated with medium confidence">
+            <a:extLst>
+              <a:ext uri="{FF2B5EF4-FFF2-40B4-BE49-F238E27FC236}">
+                <a16:creationId xmlns:a16="http://schemas.microsoft.com/office/drawing/2014/main" id="{E3B4B094-C3EB-A425-51A4-1E6D6FFBB92E}"/>
+              </a:ext>
+            </a:extLst>
+          </p:cNvPr>
+          <p:cNvPicPr>
+            <a:picLocks noChangeAspect="1"/>
+          </p:cNvPicPr>
+          <p:nvPr/>
+        </p:nvPicPr>
+        <p:blipFill>
+          <a:blip r:embed="rId4"/>
+          <a:stretch>
+            <a:fillRect/>
+          </a:stretch>
+        </p:blipFill>
+        <p:spPr>
+          <a:xfrm>
+            <a:off x="65988" y="-103390"/>
+            <a:ext cx="6856512" cy="3656807"/>
           </a:xfrm>
           <a:prstGeom prst="rect">
             <a:avLst/>
@@ -17088,7 +16914,7 @@
     </p:spTree>
     <p:extLst>
       <p:ext uri="{BB962C8B-B14F-4D97-AF65-F5344CB8AC3E}">
-        <p14:creationId xmlns:p14="http://schemas.microsoft.com/office/powerpoint/2010/main" val="2896385493"/>
+        <p14:creationId xmlns:p14="http://schemas.microsoft.com/office/powerpoint/2010/main" val="3590459948"/>
       </p:ext>
     </p:extLst>
   </p:cSld>
@@ -17120,7 +16946,7 @@
           <p:cNvPr id="2" name="Título 1">
             <a:extLst>
               <a:ext uri="{FF2B5EF4-FFF2-40B4-BE49-F238E27FC236}">
-                <a16:creationId xmlns:a16="http://schemas.microsoft.com/office/drawing/2014/main" id="{09140014-73D5-419B-8867-972BB18D52D4}"/>
+                <a16:creationId xmlns:a16="http://schemas.microsoft.com/office/drawing/2014/main" id="{42DD0E59-4C68-4F87-9821-23C69713D980}"/>
               </a:ext>
             </a:extLst>
           </p:cNvPr>
@@ -17133,7 +16959,7 @@
         </p:nvSpPr>
         <p:spPr>
           <a:xfrm>
-            <a:off x="2933700" y="892177"/>
+            <a:off x="1885156" y="892177"/>
             <a:ext cx="8421688" cy="1325563"/>
           </a:xfrm>
         </p:spPr>
@@ -17148,156 +16974,17 @@
             <a:pPr rtl="0"/>
             <a:r>
               <a:rPr lang="es-ES" dirty="0"/>
-              <a:t>ÁREAS DE ENFOQUE</a:t>
-            </a:r>
-          </a:p>
-        </p:txBody>
-      </p:sp>
-      <p:sp>
-        <p:nvSpPr>
-          <p:cNvPr id="4" name="Marcador de contenido 3">
-            <a:extLst>
-              <a:ext uri="{FF2B5EF4-FFF2-40B4-BE49-F238E27FC236}">
-                <a16:creationId xmlns:a16="http://schemas.microsoft.com/office/drawing/2014/main" id="{33D8731E-4977-402E-8BFD-895B4D0544CC}"/>
-              </a:ext>
-            </a:extLst>
-          </p:cNvPr>
-          <p:cNvSpPr>
-            <a:spLocks noGrp="1"/>
-          </p:cNvSpPr>
-          <p:nvPr>
-            <p:ph sz="half" idx="2"/>
-          </p:nvPr>
-        </p:nvSpPr>
-        <p:spPr>
-          <a:xfrm>
-            <a:off x="2933700" y="3834606"/>
-            <a:ext cx="3924300" cy="1997867"/>
-          </a:xfrm>
-        </p:spPr>
-        <p:txBody>
-          <a:bodyPr rtlCol="0">
-            <a:normAutofit/>
-          </a:bodyPr>
-          <a:lstStyle>
-            <a:defPPr>
-              <a:defRPr lang="es-ES"/>
-            </a:defPPr>
-          </a:lstStyle>
-          <a:p>
-            <a:pPr rtl="0"/>
-            <a:r>
-              <a:rPr lang="es-ES" dirty="0"/>
-              <a:t>Desarrollar estrategias ganadoras para seguir a la vanguardia de la competencia</a:t>
-            </a:r>
-          </a:p>
-          <a:p>
-            <a:pPr rtl="0"/>
-            <a:r>
-              <a:rPr lang="es-ES" dirty="0"/>
-              <a:t>​Aprovechar los frutos obtenidos para identificar un valor en el terreno de juego</a:t>
-            </a:r>
-          </a:p>
-          <a:p>
-            <a:pPr rtl="0"/>
-            <a:r>
-              <a:rPr lang="es-ES" dirty="0"/>
-              <a:t>​Visualizar la convergencia dirigida al cliente</a:t>
-            </a:r>
-          </a:p>
-        </p:txBody>
-      </p:sp>
-      <p:sp>
-        <p:nvSpPr>
-          <p:cNvPr id="6" name="Marcador de contenido 5">
-            <a:extLst>
-              <a:ext uri="{FF2B5EF4-FFF2-40B4-BE49-F238E27FC236}">
-                <a16:creationId xmlns:a16="http://schemas.microsoft.com/office/drawing/2014/main" id="{50B65871-FA95-449A-B8BC-90486DE532EF}"/>
-              </a:ext>
-            </a:extLst>
-          </p:cNvPr>
-          <p:cNvSpPr>
-            <a:spLocks noGrp="1"/>
-          </p:cNvSpPr>
-          <p:nvPr>
-            <p:ph sz="quarter" idx="4"/>
-          </p:nvPr>
-        </p:nvSpPr>
-        <p:spPr>
-          <a:xfrm>
-            <a:off x="7410173" y="3834606"/>
-            <a:ext cx="3943627" cy="1997867"/>
-          </a:xfrm>
-        </p:spPr>
-        <p:txBody>
-          <a:bodyPr rtlCol="0">
-            <a:normAutofit/>
-          </a:bodyPr>
-          <a:lstStyle>
-            <a:defPPr>
-              <a:defRPr lang="es-ES"/>
-            </a:defPPr>
-          </a:lstStyle>
-          <a:p>
-            <a:pPr rtl="0"/>
-            <a:r>
-              <a:rPr lang="es-ES" dirty="0"/>
-              <a:t>Enfoques iterativos para una estrategia corporativa</a:t>
-            </a:r>
-          </a:p>
-          <a:p>
-            <a:pPr rtl="0"/>
-            <a:r>
-              <a:rPr lang="es-ES" dirty="0"/>
-              <a:t>​Establecer un marco de administración desde dentro</a:t>
-            </a:r>
-          </a:p>
-        </p:txBody>
-      </p:sp>
-      <p:sp>
-        <p:nvSpPr>
-          <p:cNvPr id="8" name="Marcador de pie de página 7">
-            <a:extLst>
-              <a:ext uri="{FF2B5EF4-FFF2-40B4-BE49-F238E27FC236}">
-                <a16:creationId xmlns:a16="http://schemas.microsoft.com/office/drawing/2014/main" id="{905F172A-5D5D-43CD-A187-DA0D303F4144}"/>
-              </a:ext>
-            </a:extLst>
-          </p:cNvPr>
-          <p:cNvSpPr>
-            <a:spLocks noGrp="1"/>
-          </p:cNvSpPr>
-          <p:nvPr>
-            <p:ph type="ftr" sz="quarter" idx="11"/>
-          </p:nvPr>
-        </p:nvSpPr>
-        <p:spPr>
-          <a:xfrm>
-            <a:off x="7324586" y="6250730"/>
-            <a:ext cx="4114800" cy="365125"/>
-          </a:xfrm>
-        </p:spPr>
-        <p:txBody>
-          <a:bodyPr rtlCol="0"/>
-          <a:lstStyle>
-            <a:defPPr>
-              <a:defRPr lang="es-ES"/>
-            </a:defPPr>
-          </a:lstStyle>
-          <a:p>
-            <a:pPr rtl="0"/>
-            <a:r>
-              <a:rPr lang="es-ES" dirty="0"/>
-              <a:t>FORBES HIGHEST PAYING ATHLETES ANALYSIS</a:t>
-            </a:r>
-          </a:p>
-        </p:txBody>
-      </p:sp>
-      <p:sp>
-        <p:nvSpPr>
-          <p:cNvPr id="9" name="Marcador de número de diapositiva 8">
-            <a:extLst>
-              <a:ext uri="{FF2B5EF4-FFF2-40B4-BE49-F238E27FC236}">
-                <a16:creationId xmlns:a16="http://schemas.microsoft.com/office/drawing/2014/main" id="{C396FFDC-ADE8-4009-A466-A81787258E88}"/>
+              <a:t>Conclusions</a:t>
+            </a:r>
+          </a:p>
+        </p:txBody>
+      </p:sp>
+      <p:sp>
+        <p:nvSpPr>
+          <p:cNvPr id="58" name="Marcador de número de diapositiva 57">
+            <a:extLst>
+              <a:ext uri="{FF2B5EF4-FFF2-40B4-BE49-F238E27FC236}">
+                <a16:creationId xmlns:a16="http://schemas.microsoft.com/office/drawing/2014/main" id="{E1900601-8B04-4FF3-B06F-6BEFAC6556D3}"/>
               </a:ext>
             </a:extLst>
           </p:cNvPr>
@@ -17332,40 +17019,110 @@
           </a:p>
         </p:txBody>
       </p:sp>
-      <p:pic>
-        <p:nvPicPr>
-          <p:cNvPr id="12" name="Picture 11">
-            <a:extLst>
-              <a:ext uri="{FF2B5EF4-FFF2-40B4-BE49-F238E27FC236}">
-                <a16:creationId xmlns:a16="http://schemas.microsoft.com/office/drawing/2014/main" id="{6A1B3BD1-61A8-5FB1-E2CA-6B055E9BE4D3}"/>
-              </a:ext>
-            </a:extLst>
-          </p:cNvPr>
-          <p:cNvPicPr>
-            <a:picLocks noChangeAspect="1"/>
-          </p:cNvPicPr>
-          <p:nvPr/>
-        </p:nvPicPr>
-        <p:blipFill>
-          <a:blip r:embed="rId3"/>
-          <a:stretch>
-            <a:fillRect/>
-          </a:stretch>
-        </p:blipFill>
-        <p:spPr>
-          <a:xfrm>
-            <a:off x="1327199" y="33558"/>
-            <a:ext cx="6909257" cy="6687917"/>
-          </a:xfrm>
-          <a:prstGeom prst="rect">
-            <a:avLst/>
-          </a:prstGeom>
-        </p:spPr>
-      </p:pic>
+      <p:sp>
+        <p:nvSpPr>
+          <p:cNvPr id="326" name="Marcador de texto 2">
+            <a:extLst>
+              <a:ext uri="{FF2B5EF4-FFF2-40B4-BE49-F238E27FC236}">
+                <a16:creationId xmlns:a16="http://schemas.microsoft.com/office/drawing/2014/main" id="{7B160DB7-BDF4-9939-C740-26EBBB3E0189}"/>
+              </a:ext>
+            </a:extLst>
+          </p:cNvPr>
+          <p:cNvSpPr>
+            <a:spLocks noGrp="1"/>
+          </p:cNvSpPr>
+          <p:nvPr>
+            <p:ph type="body" idx="1"/>
+          </p:nvPr>
+        </p:nvSpPr>
+        <p:spPr>
+          <a:xfrm>
+            <a:off x="1362074" y="2452812"/>
+            <a:ext cx="9605756" cy="1845811"/>
+          </a:xfrm>
+        </p:spPr>
+        <p:txBody>
+          <a:bodyPr rtlCol="0">
+            <a:normAutofit lnSpcReduction="10000"/>
+          </a:bodyPr>
+          <a:lstStyle>
+            <a:defPPr>
+              <a:defRPr lang="es-ES"/>
+            </a:defPPr>
+          </a:lstStyle>
+          <a:p>
+            <a:pPr rtl="0"/>
+            <a:r>
+              <a:rPr lang="en-US" sz="1400" dirty="0"/>
+              <a:t>Even tough aggregated earnings are the highest for Per capita earnings are higher in individual sports than they are in team sports.</a:t>
+            </a:r>
+          </a:p>
+          <a:p>
+            <a:pPr rtl="0"/>
+            <a:r>
+              <a:rPr lang="en-US" sz="1400" dirty="0"/>
+              <a:t>Certain athletes earn well compared to others based on whether or not they are participating in a team sport or as an individual.</a:t>
+            </a:r>
+          </a:p>
+          <a:p>
+            <a:pPr rtl="0"/>
+            <a:r>
+              <a:rPr lang="en-US" sz="1400" dirty="0"/>
+              <a:t>Boxing performs well overall due certain events that skew the overall pay information such as mega-fights.</a:t>
+            </a:r>
+          </a:p>
+          <a:p>
+            <a:pPr rtl="0"/>
+            <a:r>
+              <a:rPr lang="en-US" sz="1400" dirty="0"/>
+              <a:t>There are sports that have an audience in the USA that aren’t available around the world and which would could potentially skew information. </a:t>
+            </a:r>
+            <a:endParaRPr lang="es-ES" sz="1400" dirty="0"/>
+          </a:p>
+        </p:txBody>
+      </p:sp>
+      <p:sp>
+        <p:nvSpPr>
+          <p:cNvPr id="3" name="Marcador de pie de página 56">
+            <a:extLst>
+              <a:ext uri="{FF2B5EF4-FFF2-40B4-BE49-F238E27FC236}">
+                <a16:creationId xmlns:a16="http://schemas.microsoft.com/office/drawing/2014/main" id="{6CA59C1D-9F68-101D-633C-C4D139B5734F}"/>
+              </a:ext>
+            </a:extLst>
+          </p:cNvPr>
+          <p:cNvSpPr>
+            <a:spLocks noGrp="1"/>
+          </p:cNvSpPr>
+          <p:nvPr>
+            <p:ph type="ftr" sz="quarter" idx="11"/>
+          </p:nvPr>
+        </p:nvSpPr>
+        <p:spPr>
+          <a:xfrm>
+            <a:off x="4038600" y="6356350"/>
+            <a:ext cx="4114800" cy="365125"/>
+          </a:xfrm>
+        </p:spPr>
+        <p:txBody>
+          <a:bodyPr rtlCol="0"/>
+          <a:lstStyle>
+            <a:defPPr>
+              <a:defRPr lang="es-ES"/>
+            </a:defPPr>
+          </a:lstStyle>
+          <a:p>
+            <a:pPr rtl="0"/>
+            <a:r>
+              <a:rPr lang="es-ES" dirty="0"/>
+              <a:t>FORBES HIGHEST PAYING ATHLETES</a:t>
+            </a:r>
+          </a:p>
+        </p:txBody>
+      </p:sp>
     </p:spTree>
     <p:extLst>
       <p:ext uri="{BB962C8B-B14F-4D97-AF65-F5344CB8AC3E}">
-        <p14:creationId xmlns:p14="http://schemas.microsoft.com/office/powerpoint/2010/main" val="367634751"/>
+        <p14:creationId xmlns:p14="http://schemas.microsoft.com/office/powerpoint/2010/main" val="2491923539"/>
       </p:ext>
     </p:extLst>
   </p:cSld>
@@ -17397,21 +17154,21 @@
           <p:cNvPr id="2" name="Título 1">
             <a:extLst>
               <a:ext uri="{FF2B5EF4-FFF2-40B4-BE49-F238E27FC236}">
-                <a16:creationId xmlns:a16="http://schemas.microsoft.com/office/drawing/2014/main" id="{42DD0E59-4C68-4F87-9821-23C69713D980}"/>
-              </a:ext>
-            </a:extLst>
-          </p:cNvPr>
-          <p:cNvSpPr>
-            <a:spLocks noGrp="1"/>
-          </p:cNvSpPr>
-          <p:nvPr>
-            <p:ph type="title"/>
-          </p:nvPr>
-        </p:nvSpPr>
-        <p:spPr>
-          <a:xfrm>
-            <a:off x="1885156" y="892177"/>
-            <a:ext cx="8421688" cy="1325563"/>
+                <a16:creationId xmlns:a16="http://schemas.microsoft.com/office/drawing/2014/main" id="{B1FE5F11-B7B9-4B80-8C6A-A8A7A7190B77}"/>
+              </a:ext>
+            </a:extLst>
+          </p:cNvPr>
+          <p:cNvSpPr>
+            <a:spLocks noGrp="1"/>
+          </p:cNvSpPr>
+          <p:nvPr>
+            <p:ph type="ctrTitle"/>
+          </p:nvPr>
+        </p:nvSpPr>
+        <p:spPr>
+          <a:xfrm>
+            <a:off x="6458964" y="2945452"/>
+            <a:ext cx="5074920" cy="967095"/>
           </a:xfrm>
         </p:spPr>
         <p:txBody>
@@ -17424,176 +17181,16 @@
           <a:p>
             <a:pPr rtl="0"/>
             <a:r>
-              <a:rPr lang="es-ES" dirty="0"/>
-              <a:t>Conclusions</a:t>
-            </a:r>
-          </a:p>
-        </p:txBody>
-      </p:sp>
-      <p:sp>
-        <p:nvSpPr>
-          <p:cNvPr id="56" name="Marcador de fecha 55">
-            <a:extLst>
-              <a:ext uri="{FF2B5EF4-FFF2-40B4-BE49-F238E27FC236}">
-                <a16:creationId xmlns:a16="http://schemas.microsoft.com/office/drawing/2014/main" id="{B289356A-BDA0-4234-84F2-9F2F25D0D7BD}"/>
-              </a:ext>
-            </a:extLst>
-          </p:cNvPr>
-          <p:cNvSpPr>
-            <a:spLocks noGrp="1"/>
-          </p:cNvSpPr>
-          <p:nvPr>
-            <p:ph type="dt" sz="half" idx="10"/>
-          </p:nvPr>
-        </p:nvSpPr>
-        <p:spPr>
-          <a:xfrm>
-            <a:off x="838200" y="6356350"/>
-            <a:ext cx="2743200" cy="365125"/>
-          </a:xfrm>
-        </p:spPr>
-        <p:txBody>
-          <a:bodyPr rtlCol="0"/>
-          <a:lstStyle>
-            <a:defPPr>
-              <a:defRPr lang="es-ES"/>
-            </a:defPPr>
-          </a:lstStyle>
-          <a:p>
-            <a:pPr rtl="0"/>
-            <a:r>
-              <a:rPr lang="es-ES" dirty="0"/>
-              <a:t>20XX</a:t>
-            </a:r>
-          </a:p>
-        </p:txBody>
-      </p:sp>
-      <p:sp>
-        <p:nvSpPr>
-          <p:cNvPr id="57" name="Marcador de pie de página 56">
-            <a:extLst>
-              <a:ext uri="{FF2B5EF4-FFF2-40B4-BE49-F238E27FC236}">
-                <a16:creationId xmlns:a16="http://schemas.microsoft.com/office/drawing/2014/main" id="{3A38BE84-957B-46B9-A315-4B5064DFF1A1}"/>
-              </a:ext>
-            </a:extLst>
-          </p:cNvPr>
-          <p:cNvSpPr>
-            <a:spLocks noGrp="1"/>
-          </p:cNvSpPr>
-          <p:nvPr>
-            <p:ph type="ftr" sz="quarter" idx="11"/>
-          </p:nvPr>
-        </p:nvSpPr>
-        <p:spPr>
-          <a:xfrm>
-            <a:off x="4038600" y="6356350"/>
-            <a:ext cx="4114800" cy="365125"/>
-          </a:xfrm>
-        </p:spPr>
-        <p:txBody>
-          <a:bodyPr rtlCol="0"/>
-          <a:lstStyle>
-            <a:defPPr>
-              <a:defRPr lang="es-ES"/>
-            </a:defPPr>
-          </a:lstStyle>
-          <a:p>
-            <a:pPr rtl="0"/>
-            <a:r>
-              <a:rPr lang="es-ES" dirty="0"/>
-              <a:t>TÍTULO DE LA PRESENTACIÓN</a:t>
-            </a:r>
-          </a:p>
-        </p:txBody>
-      </p:sp>
-      <p:sp>
-        <p:nvSpPr>
-          <p:cNvPr id="58" name="Marcador de número de diapositiva 57">
-            <a:extLst>
-              <a:ext uri="{FF2B5EF4-FFF2-40B4-BE49-F238E27FC236}">
-                <a16:creationId xmlns:a16="http://schemas.microsoft.com/office/drawing/2014/main" id="{E1900601-8B04-4FF3-B06F-6BEFAC6556D3}"/>
-              </a:ext>
-            </a:extLst>
-          </p:cNvPr>
-          <p:cNvSpPr>
-            <a:spLocks noGrp="1"/>
-          </p:cNvSpPr>
-          <p:nvPr>
-            <p:ph type="sldNum" sz="quarter" idx="12"/>
-          </p:nvPr>
-        </p:nvSpPr>
-        <p:spPr>
-          <a:xfrm>
-            <a:off x="8610600" y="6356350"/>
-            <a:ext cx="2743200" cy="365125"/>
-          </a:xfrm>
-        </p:spPr>
-        <p:txBody>
-          <a:bodyPr rtlCol="0"/>
-          <a:lstStyle>
-            <a:defPPr>
-              <a:defRPr lang="es-ES"/>
-            </a:defPPr>
-          </a:lstStyle>
-          <a:p>
-            <a:pPr rtl="0"/>
-            <a:fld id="{A49DFD55-3C28-40EF-9E31-A92D2E4017FF}" type="slidenum">
-              <a:rPr lang="es-ES" smtClean="0"/>
-              <a:pPr rtl="0"/>
-              <a:t>23</a:t>
-            </a:fld>
-            <a:endParaRPr lang="es-ES" dirty="0"/>
-          </a:p>
-        </p:txBody>
-      </p:sp>
-      <p:sp>
-        <p:nvSpPr>
-          <p:cNvPr id="326" name="Marcador de texto 2">
-            <a:extLst>
-              <a:ext uri="{FF2B5EF4-FFF2-40B4-BE49-F238E27FC236}">
-                <a16:creationId xmlns:a16="http://schemas.microsoft.com/office/drawing/2014/main" id="{7B160DB7-BDF4-9939-C740-26EBBB3E0189}"/>
-              </a:ext>
-            </a:extLst>
-          </p:cNvPr>
-          <p:cNvSpPr>
-            <a:spLocks noGrp="1"/>
-          </p:cNvSpPr>
-          <p:nvPr>
-            <p:ph type="body" idx="1"/>
-          </p:nvPr>
-        </p:nvSpPr>
-        <p:spPr>
-          <a:xfrm>
-            <a:off x="1362074" y="2452812"/>
-            <a:ext cx="9605756" cy="2912564"/>
-          </a:xfrm>
-        </p:spPr>
-        <p:txBody>
-          <a:bodyPr rtlCol="0">
-            <a:normAutofit/>
-          </a:bodyPr>
-          <a:lstStyle>
-            <a:defPPr>
-              <a:defRPr lang="es-ES"/>
-            </a:defPPr>
-          </a:lstStyle>
-          <a:p>
-            <a:pPr rtl="0"/>
-            <a:r>
-              <a:rPr lang="es-ES" sz="1400" dirty="0"/>
-              <a:t>ADD CONCLUSIONS HERE</a:t>
-            </a:r>
-          </a:p>
-          <a:p>
-            <a:pPr rtl="0"/>
-            <a:endParaRPr lang="es-ES" sz="1400" dirty="0"/>
+              <a:rPr lang="en-US" sz="2800" dirty="0"/>
+              <a:t>Limitations and next steps</a:t>
+            </a:r>
           </a:p>
         </p:txBody>
       </p:sp>
     </p:spTree>
     <p:extLst>
       <p:ext uri="{BB962C8B-B14F-4D97-AF65-F5344CB8AC3E}">
-        <p14:creationId xmlns:p14="http://schemas.microsoft.com/office/powerpoint/2010/main" val="1007431861"/>
+        <p14:creationId xmlns:p14="http://schemas.microsoft.com/office/powerpoint/2010/main" val="3671601111"/>
       </p:ext>
     </p:extLst>
   </p:cSld>
@@ -17625,7 +17222,7 @@
           <p:cNvPr id="2" name="Título 1">
             <a:extLst>
               <a:ext uri="{FF2B5EF4-FFF2-40B4-BE49-F238E27FC236}">
-                <a16:creationId xmlns:a16="http://schemas.microsoft.com/office/drawing/2014/main" id="{09140014-73D5-419B-8867-972BB18D52D4}"/>
+                <a16:creationId xmlns:a16="http://schemas.microsoft.com/office/drawing/2014/main" id="{4518FC28-E0BD-4387-B8BE-9965D1A57FF1}"/>
               </a:ext>
             </a:extLst>
           </p:cNvPr>
@@ -17638,8 +17235,8 @@
         </p:nvSpPr>
         <p:spPr>
           <a:xfrm>
-            <a:off x="2933700" y="892177"/>
-            <a:ext cx="8421688" cy="1325563"/>
+            <a:off x="5428430" y="502056"/>
+            <a:ext cx="5111750" cy="1204912"/>
           </a:xfrm>
         </p:spPr>
         <p:txBody>
@@ -17653,36 +17250,36 @@
             <a:pPr rtl="0"/>
             <a:r>
               <a:rPr lang="es-ES" dirty="0"/>
-              <a:t>ÁREAS DE ENFOQUE</a:t>
-            </a:r>
-          </a:p>
-        </p:txBody>
-      </p:sp>
-      <p:sp>
-        <p:nvSpPr>
-          <p:cNvPr id="4" name="Marcador de contenido 3">
-            <a:extLst>
-              <a:ext uri="{FF2B5EF4-FFF2-40B4-BE49-F238E27FC236}">
-                <a16:creationId xmlns:a16="http://schemas.microsoft.com/office/drawing/2014/main" id="{33D8731E-4977-402E-8BFD-895B4D0544CC}"/>
-              </a:ext>
-            </a:extLst>
-          </p:cNvPr>
-          <p:cNvSpPr>
-            <a:spLocks noGrp="1"/>
-          </p:cNvSpPr>
-          <p:nvPr>
-            <p:ph sz="half" idx="2"/>
-          </p:nvPr>
-        </p:nvSpPr>
-        <p:spPr>
-          <a:xfrm>
-            <a:off x="2933700" y="3834606"/>
-            <a:ext cx="3924300" cy="1997867"/>
+              <a:t>limitations</a:t>
+            </a:r>
+          </a:p>
+        </p:txBody>
+      </p:sp>
+      <p:sp>
+        <p:nvSpPr>
+          <p:cNvPr id="3" name="Marcador de texto 2">
+            <a:extLst>
+              <a:ext uri="{FF2B5EF4-FFF2-40B4-BE49-F238E27FC236}">
+                <a16:creationId xmlns:a16="http://schemas.microsoft.com/office/drawing/2014/main" id="{FED19BCA-B61F-4EA6-A1FB-CCA3BD8506FB}"/>
+              </a:ext>
+            </a:extLst>
+          </p:cNvPr>
+          <p:cNvSpPr>
+            <a:spLocks noGrp="1"/>
+          </p:cNvSpPr>
+          <p:nvPr>
+            <p:ph type="body" idx="1"/>
+          </p:nvPr>
+        </p:nvSpPr>
+        <p:spPr>
+          <a:xfrm>
+            <a:off x="5428430" y="2094275"/>
+            <a:ext cx="5550426" cy="2592781"/>
           </a:xfrm>
         </p:spPr>
         <p:txBody>
           <a:bodyPr rtlCol="0">
-            <a:normAutofit/>
+            <a:normAutofit lnSpcReduction="10000"/>
           </a:bodyPr>
           <a:lstStyle>
             <a:defPPr>
@@ -17690,119 +17287,43 @@
             </a:defPPr>
           </a:lstStyle>
           <a:p>
-            <a:pPr rtl="0"/>
+            <a:pPr marL="342900" indent="-342900" rtl="0">
+              <a:buFont typeface="Courier New" panose="02070309020205020404" pitchFamily="49" charset="0"/>
+              <a:buChar char="o"/>
+            </a:pPr>
             <a:r>
               <a:rPr lang="es-ES" dirty="0"/>
-              <a:t>Desarrollar estrategias ganadoras para seguir a la vanguardia de la competencia</a:t>
-            </a:r>
-          </a:p>
-          <a:p>
-            <a:pPr rtl="0"/>
+              <a:t>Database only included top earners for every year 10. It would be interesting to understand if regional data behaves similarly when analyzing a larger sample of athlete earnings.</a:t>
+            </a:r>
+          </a:p>
+          <a:p>
+            <a:pPr marL="342900" indent="-342900" rtl="0">
+              <a:buFont typeface="Courier New" panose="02070309020205020404" pitchFamily="49" charset="0"/>
+              <a:buChar char="o"/>
+            </a:pPr>
             <a:r>
               <a:rPr lang="es-ES" dirty="0"/>
-              <a:t>​Aprovechar los frutos obtenidos para identificar un valor en el terreno de juego</a:t>
-            </a:r>
-          </a:p>
-          <a:p>
-            <a:pPr rtl="0"/>
+              <a:t>We lacked industry data (ex. TV rights, number of spectators, team valuations) to carry out a correlation analysis to understand key drivers for earnings.</a:t>
+            </a:r>
+          </a:p>
+          <a:p>
+            <a:pPr marL="342900" indent="-342900" rtl="0">
+              <a:buFont typeface="Courier New" panose="02070309020205020404" pitchFamily="49" charset="0"/>
+              <a:buChar char="o"/>
+            </a:pPr>
             <a:r>
               <a:rPr lang="es-ES" dirty="0"/>
-              <a:t>​Visualizar la convergencia dirigida al cliente</a:t>
-            </a:r>
-          </a:p>
-        </p:txBody>
-      </p:sp>
-      <p:sp>
-        <p:nvSpPr>
-          <p:cNvPr id="5" name="Marcador de texto 4">
-            <a:extLst>
-              <a:ext uri="{FF2B5EF4-FFF2-40B4-BE49-F238E27FC236}">
-                <a16:creationId xmlns:a16="http://schemas.microsoft.com/office/drawing/2014/main" id="{91CDEC5F-B8EE-4BC1-843F-13135E6E7AB2}"/>
-              </a:ext>
-            </a:extLst>
-          </p:cNvPr>
-          <p:cNvSpPr>
-            <a:spLocks noGrp="1"/>
-          </p:cNvSpPr>
-          <p:nvPr>
-            <p:ph type="body" sz="quarter" idx="3"/>
-          </p:nvPr>
-        </p:nvSpPr>
-        <p:spPr>
-          <a:xfrm>
-            <a:off x="7410173" y="2776936"/>
-            <a:ext cx="3943627" cy="823912"/>
-          </a:xfrm>
-        </p:spPr>
-        <p:txBody>
-          <a:bodyPr rtlCol="0"/>
-          <a:lstStyle>
-            <a:defPPr>
-              <a:defRPr lang="es-ES"/>
-            </a:defPPr>
-          </a:lstStyle>
-          <a:p>
-            <a:pPr rtl="0"/>
-            <a:r>
-              <a:rPr lang="es-ES" dirty="0"/>
-              <a:t>OPORTUNIDADES BASADAS EN LA NUBE</a:t>
-            </a:r>
-          </a:p>
-        </p:txBody>
-      </p:sp>
-      <p:sp>
-        <p:nvSpPr>
-          <p:cNvPr id="6" name="Marcador de contenido 5">
-            <a:extLst>
-              <a:ext uri="{FF2B5EF4-FFF2-40B4-BE49-F238E27FC236}">
-                <a16:creationId xmlns:a16="http://schemas.microsoft.com/office/drawing/2014/main" id="{50B65871-FA95-449A-B8BC-90486DE532EF}"/>
-              </a:ext>
-            </a:extLst>
-          </p:cNvPr>
-          <p:cNvSpPr>
-            <a:spLocks noGrp="1"/>
-          </p:cNvSpPr>
-          <p:nvPr>
-            <p:ph sz="quarter" idx="4"/>
-          </p:nvPr>
-        </p:nvSpPr>
-        <p:spPr>
-          <a:xfrm>
-            <a:off x="10214890" y="3494485"/>
-            <a:ext cx="3724947" cy="1910727"/>
-          </a:xfrm>
-        </p:spPr>
-        <p:txBody>
-          <a:bodyPr rtlCol="0">
-            <a:normAutofit/>
-          </a:bodyPr>
-          <a:lstStyle>
-            <a:defPPr>
-              <a:defRPr lang="es-ES"/>
-            </a:defPPr>
-          </a:lstStyle>
-          <a:p>
-            <a:pPr rtl="0"/>
-            <a:r>
-              <a:rPr lang="es-ES" dirty="0"/>
-              <a:t>Enfoques iterativos para una estrategia corporativa</a:t>
-            </a:r>
-          </a:p>
-          <a:p>
-            <a:pPr rtl="0"/>
-            <a:r>
-              <a:rPr lang="es-ES" dirty="0"/>
-              <a:t>​Establecer un marco de administración desde dentro</a:t>
-            </a:r>
-          </a:p>
-        </p:txBody>
-      </p:sp>
-      <p:sp>
-        <p:nvSpPr>
-          <p:cNvPr id="9" name="Marcador de número de diapositiva 8">
-            <a:extLst>
-              <a:ext uri="{FF2B5EF4-FFF2-40B4-BE49-F238E27FC236}">
-                <a16:creationId xmlns:a16="http://schemas.microsoft.com/office/drawing/2014/main" id="{C396FFDC-ADE8-4009-A466-A81787258E88}"/>
+              <a:t>When it comes to calculating average earnings by country when it comes to athletes there is a limitation in the form of us not having a large enough sample size to illustrate this effectively</a:t>
+            </a:r>
+          </a:p>
+        </p:txBody>
+      </p:sp>
+      <p:sp>
+        <p:nvSpPr>
+          <p:cNvPr id="6" name="Marcador de número de diapositiva 5">
+            <a:extLst>
+              <a:ext uri="{FF2B5EF4-FFF2-40B4-BE49-F238E27FC236}">
+                <a16:creationId xmlns:a16="http://schemas.microsoft.com/office/drawing/2014/main" id="{7C4B8313-9270-4128-8674-3A3E42B806BC}"/>
               </a:ext>
             </a:extLst>
           </p:cNvPr>
@@ -17839,10 +17360,10 @@
       </p:sp>
       <p:sp>
         <p:nvSpPr>
-          <p:cNvPr id="15" name="Marcador de pie de página 4">
-            <a:extLst>
-              <a:ext uri="{FF2B5EF4-FFF2-40B4-BE49-F238E27FC236}">
-                <a16:creationId xmlns:a16="http://schemas.microsoft.com/office/drawing/2014/main" id="{D03417DB-B8B1-A6C2-EC39-D9E06005B059}"/>
+          <p:cNvPr id="7" name="Marcador de pie de página 56">
+            <a:extLst>
+              <a:ext uri="{FF2B5EF4-FFF2-40B4-BE49-F238E27FC236}">
+                <a16:creationId xmlns:a16="http://schemas.microsoft.com/office/drawing/2014/main" id="{5860982B-C8CF-1FD7-A84B-90C2BF420A7C}"/>
               </a:ext>
             </a:extLst>
           </p:cNvPr>
@@ -17855,8 +17376,8 @@
         </p:nvSpPr>
         <p:spPr>
           <a:xfrm>
-            <a:off x="2463800" y="6356350"/>
-            <a:ext cx="3479800" cy="365125"/>
+            <a:off x="4038600" y="6356350"/>
+            <a:ext cx="4114800" cy="365125"/>
           </a:xfrm>
         </p:spPr>
         <p:txBody>
@@ -17870,7 +17391,7 @@
             <a:pPr rtl="0"/>
             <a:r>
               <a:rPr lang="es-ES" dirty="0"/>
-              <a:t>FORBES HIGHEST PAYING ATHLETES ANALYSIS</a:t>
+              <a:t>FORBES HIGHEST PAYING ATHLETES</a:t>
             </a:r>
           </a:p>
         </p:txBody>
@@ -17878,7 +17399,7 @@
     </p:spTree>
     <p:extLst>
       <p:ext uri="{BB962C8B-B14F-4D97-AF65-F5344CB8AC3E}">
-        <p14:creationId xmlns:p14="http://schemas.microsoft.com/office/powerpoint/2010/main" val="2262251188"/>
+        <p14:creationId xmlns:p14="http://schemas.microsoft.com/office/powerpoint/2010/main" val="1742861620"/>
       </p:ext>
     </p:extLst>
   </p:cSld>
@@ -17910,7 +17431,7 @@
           <p:cNvPr id="2" name="Título 1">
             <a:extLst>
               <a:ext uri="{FF2B5EF4-FFF2-40B4-BE49-F238E27FC236}">
-                <a16:creationId xmlns:a16="http://schemas.microsoft.com/office/drawing/2014/main" id="{B1FE5F11-B7B9-4B80-8C6A-A8A7A7190B77}"/>
+                <a16:creationId xmlns:a16="http://schemas.microsoft.com/office/drawing/2014/main" id="{8BDF1EDE-5423-435C-B149-87AB1BC22B83}"/>
               </a:ext>
             </a:extLst>
           </p:cNvPr>
@@ -17923,76 +17444,46 @@
         </p:nvSpPr>
         <p:spPr>
           <a:xfrm>
-            <a:off x="6458964" y="2945452"/>
-            <a:ext cx="5074920" cy="967095"/>
-          </a:xfrm>
-        </p:spPr>
-        <p:txBody>
-          <a:bodyPr rtlCol="0"/>
+            <a:off x="5221715" y="2666632"/>
+            <a:ext cx="4523715" cy="1524735"/>
+          </a:xfrm>
+        </p:spPr>
+        <p:txBody>
+          <a:bodyPr rtlCol="0" anchor="ctr"/>
           <a:lstStyle>
             <a:defPPr>
               <a:defRPr lang="es-ES"/>
             </a:defPPr>
           </a:lstStyle>
           <a:p>
-            <a:pPr rtl="0"/>
-            <a:r>
-              <a:rPr lang="en-US" sz="2800" dirty="0"/>
-              <a:t>Limitations and next steps</a:t>
-            </a:r>
-          </a:p>
-        </p:txBody>
-      </p:sp>
-    </p:spTree>
-    <p:extLst>
-      <p:ext uri="{BB962C8B-B14F-4D97-AF65-F5344CB8AC3E}">
-        <p14:creationId xmlns:p14="http://schemas.microsoft.com/office/powerpoint/2010/main" val="3671601111"/>
-      </p:ext>
-    </p:extLst>
-  </p:cSld>
-  <p:clrMapOvr>
-    <a:masterClrMapping/>
-  </p:clrMapOvr>
-</p:sld>
-</file>
-
-<file path=ppt/slides/slide26.xml><?xml version="1.0" encoding="utf-8"?>
-<p:sld xmlns:a="http://schemas.openxmlformats.org/drawingml/2006/main" xmlns:r="http://schemas.openxmlformats.org/officeDocument/2006/relationships" xmlns:p="http://schemas.openxmlformats.org/presentationml/2006/main">
-  <p:cSld>
-    <p:spTree>
-      <p:nvGrpSpPr>
-        <p:cNvPr id="1" name=""/>
-        <p:cNvGrpSpPr/>
-        <p:nvPr/>
-      </p:nvGrpSpPr>
-      <p:grpSpPr>
-        <a:xfrm>
-          <a:off x="0" y="0"/>
-          <a:ext cx="0" cy="0"/>
-          <a:chOff x="0" y="0"/>
-          <a:chExt cx="0" cy="0"/>
-        </a:xfrm>
-      </p:grpSpPr>
-      <p:sp>
-        <p:nvSpPr>
-          <p:cNvPr id="2" name="Título 1">
-            <a:extLst>
-              <a:ext uri="{FF2B5EF4-FFF2-40B4-BE49-F238E27FC236}">
-                <a16:creationId xmlns:a16="http://schemas.microsoft.com/office/drawing/2014/main" id="{4518FC28-E0BD-4387-B8BE-9965D1A57FF1}"/>
-              </a:ext>
-            </a:extLst>
-          </p:cNvPr>
-          <p:cNvSpPr>
-            <a:spLocks noGrp="1"/>
-          </p:cNvSpPr>
-          <p:nvPr>
-            <p:ph type="title"/>
-          </p:nvPr>
-        </p:nvSpPr>
-        <p:spPr>
-          <a:xfrm>
-            <a:off x="5428430" y="502056"/>
-            <a:ext cx="5111750" cy="1204912"/>
+            <a:pPr algn="ctr" rtl="0"/>
+            <a:r>
+              <a:rPr lang="es-ES" dirty="0"/>
+              <a:t>Thanks!</a:t>
+            </a:r>
+          </a:p>
+        </p:txBody>
+      </p:sp>
+      <p:sp>
+        <p:nvSpPr>
+          <p:cNvPr id="6" name="Marcador de número de diapositiva 5">
+            <a:extLst>
+              <a:ext uri="{FF2B5EF4-FFF2-40B4-BE49-F238E27FC236}">
+                <a16:creationId xmlns:a16="http://schemas.microsoft.com/office/drawing/2014/main" id="{4C127D99-645F-4FCF-9573-FDFE2A344FA9}"/>
+              </a:ext>
+            </a:extLst>
+          </p:cNvPr>
+          <p:cNvSpPr>
+            <a:spLocks noGrp="1"/>
+          </p:cNvSpPr>
+          <p:nvPr>
+            <p:ph type="sldNum" sz="quarter" idx="12"/>
+          </p:nvPr>
+        </p:nvSpPr>
+        <p:spPr>
+          <a:xfrm>
+            <a:off x="9579428" y="6356350"/>
+            <a:ext cx="1774371" cy="365125"/>
           </a:xfrm>
         </p:spPr>
         <p:txBody>
@@ -18004,688 +17495,50 @@
           </a:lstStyle>
           <a:p>
             <a:pPr rtl="0"/>
-            <a:r>
-              <a:rPr lang="es-ES" dirty="0"/>
-              <a:t>limitations</a:t>
-            </a:r>
-          </a:p>
-        </p:txBody>
-      </p:sp>
-      <p:sp>
-        <p:nvSpPr>
-          <p:cNvPr id="3" name="Marcador de texto 2">
-            <a:extLst>
-              <a:ext uri="{FF2B5EF4-FFF2-40B4-BE49-F238E27FC236}">
-                <a16:creationId xmlns:a16="http://schemas.microsoft.com/office/drawing/2014/main" id="{FED19BCA-B61F-4EA6-A1FB-CCA3BD8506FB}"/>
-              </a:ext>
-            </a:extLst>
-          </p:cNvPr>
-          <p:cNvSpPr>
-            <a:spLocks noGrp="1"/>
-          </p:cNvSpPr>
-          <p:nvPr>
-            <p:ph type="body" idx="1"/>
-          </p:nvPr>
-        </p:nvSpPr>
-        <p:spPr>
-          <a:xfrm>
-            <a:off x="5428430" y="2094275"/>
-            <a:ext cx="5550426" cy="2592781"/>
-          </a:xfrm>
-        </p:spPr>
-        <p:txBody>
-          <a:bodyPr rtlCol="0">
-            <a:normAutofit lnSpcReduction="10000"/>
-          </a:bodyPr>
+            <a:fld id="{A49DFD55-3C28-40EF-9E31-A92D2E4017FF}" type="slidenum">
+              <a:rPr lang="es-ES" smtClean="0"/>
+              <a:pPr rtl="0"/>
+              <a:t>25</a:t>
+            </a:fld>
+            <a:endParaRPr lang="es-ES" dirty="0"/>
+          </a:p>
+        </p:txBody>
+      </p:sp>
+      <p:sp>
+        <p:nvSpPr>
+          <p:cNvPr id="3" name="Marcador de pie de página 56">
+            <a:extLst>
+              <a:ext uri="{FF2B5EF4-FFF2-40B4-BE49-F238E27FC236}">
+                <a16:creationId xmlns:a16="http://schemas.microsoft.com/office/drawing/2014/main" id="{5AEF9731-5139-723E-7B1F-C93735C9807A}"/>
+              </a:ext>
+            </a:extLst>
+          </p:cNvPr>
+          <p:cNvSpPr>
+            <a:spLocks noGrp="1"/>
+          </p:cNvSpPr>
+          <p:nvPr>
+            <p:ph type="ftr" sz="quarter" idx="11"/>
+          </p:nvPr>
+        </p:nvSpPr>
+        <p:spPr>
+          <a:xfrm>
+            <a:off x="4038600" y="6356350"/>
+            <a:ext cx="4114800" cy="365125"/>
+          </a:xfrm>
+        </p:spPr>
+        <p:txBody>
+          <a:bodyPr rtlCol="0"/>
           <a:lstStyle>
             <a:defPPr>
               <a:defRPr lang="es-ES"/>
             </a:defPPr>
           </a:lstStyle>
           <a:p>
-            <a:pPr marL="342900" indent="-342900" rtl="0">
-              <a:buFont typeface="Courier New" panose="02070309020205020404" pitchFamily="49" charset="0"/>
-              <a:buChar char="o"/>
-            </a:pPr>
+            <a:pPr rtl="0"/>
             <a:r>
               <a:rPr lang="es-ES" dirty="0"/>
-              <a:t>Database only included top earners for every year 10. It would be interesting to understand if regional data behaves similarly when analyzing a larger sample of athlete earnings.</a:t>
-            </a:r>
-          </a:p>
-          <a:p>
-            <a:pPr marL="342900" indent="-342900" rtl="0">
-              <a:buFont typeface="Courier New" panose="02070309020205020404" pitchFamily="49" charset="0"/>
-              <a:buChar char="o"/>
-            </a:pPr>
-            <a:r>
-              <a:rPr lang="es-ES" dirty="0"/>
-              <a:t>We lacked industry data (ex. TV rights, number of spectators, team valuations) to carry out a correlation analysis to understand key drivers for earnings.</a:t>
-            </a:r>
-          </a:p>
-          <a:p>
-            <a:pPr marL="342900" indent="-342900" rtl="0">
-              <a:buFont typeface="Courier New" panose="02070309020205020404" pitchFamily="49" charset="0"/>
-              <a:buChar char="o"/>
-            </a:pPr>
-            <a:r>
-              <a:rPr lang="es-ES" dirty="0"/>
-              <a:t>When it comes to calculating average earnings by country when it comes to athletes there is a limitation in the form of us not having a large enough sample size to illustrate this effectively</a:t>
-            </a:r>
-          </a:p>
-        </p:txBody>
-      </p:sp>
-      <p:sp>
-        <p:nvSpPr>
-          <p:cNvPr id="4" name="Marcador de fecha 3">
-            <a:extLst>
-              <a:ext uri="{FF2B5EF4-FFF2-40B4-BE49-F238E27FC236}">
-                <a16:creationId xmlns:a16="http://schemas.microsoft.com/office/drawing/2014/main" id="{00560550-EE65-43CE-B899-F421E74287A1}"/>
-              </a:ext>
-            </a:extLst>
-          </p:cNvPr>
-          <p:cNvSpPr>
-            <a:spLocks noGrp="1"/>
-          </p:cNvSpPr>
-          <p:nvPr>
-            <p:ph type="dt" sz="half" idx="10"/>
-          </p:nvPr>
-        </p:nvSpPr>
-        <p:spPr>
-          <a:xfrm>
-            <a:off x="838200" y="6356350"/>
-            <a:ext cx="2743200" cy="365125"/>
-          </a:xfrm>
-        </p:spPr>
-        <p:txBody>
-          <a:bodyPr rtlCol="0"/>
-          <a:lstStyle>
-            <a:defPPr>
-              <a:defRPr lang="es-ES"/>
-            </a:defPPr>
-          </a:lstStyle>
-          <a:p>
-            <a:pPr rtl="0"/>
-            <a:r>
-              <a:rPr lang="es-ES" dirty="0"/>
-              <a:t>20XX</a:t>
-            </a:r>
-          </a:p>
-        </p:txBody>
-      </p:sp>
-      <p:sp>
-        <p:nvSpPr>
-          <p:cNvPr id="5" name="Marcador de pie de página 4">
-            <a:extLst>
-              <a:ext uri="{FF2B5EF4-FFF2-40B4-BE49-F238E27FC236}">
-                <a16:creationId xmlns:a16="http://schemas.microsoft.com/office/drawing/2014/main" id="{4135E32A-1A8C-43D2-9C6E-12887B4DEDFB}"/>
-              </a:ext>
-            </a:extLst>
-          </p:cNvPr>
-          <p:cNvSpPr>
-            <a:spLocks noGrp="1"/>
-          </p:cNvSpPr>
-          <p:nvPr>
-            <p:ph type="ftr" sz="quarter" idx="11"/>
-          </p:nvPr>
-        </p:nvSpPr>
-        <p:spPr>
-          <a:xfrm>
-            <a:off x="4038600" y="6356350"/>
-            <a:ext cx="4114800" cy="365125"/>
-          </a:xfrm>
-        </p:spPr>
-        <p:txBody>
-          <a:bodyPr rtlCol="0"/>
-          <a:lstStyle>
-            <a:defPPr>
-              <a:defRPr lang="es-ES"/>
-            </a:defPPr>
-          </a:lstStyle>
-          <a:p>
-            <a:pPr rtl="0"/>
-            <a:r>
-              <a:rPr lang="es-ES" dirty="0"/>
-              <a:t>TÍTULO DE LA PRESENTACIÓN</a:t>
-            </a:r>
-          </a:p>
-        </p:txBody>
-      </p:sp>
-      <p:sp>
-        <p:nvSpPr>
-          <p:cNvPr id="6" name="Marcador de número de diapositiva 5">
-            <a:extLst>
-              <a:ext uri="{FF2B5EF4-FFF2-40B4-BE49-F238E27FC236}">
-                <a16:creationId xmlns:a16="http://schemas.microsoft.com/office/drawing/2014/main" id="{7C4B8313-9270-4128-8674-3A3E42B806BC}"/>
-              </a:ext>
-            </a:extLst>
-          </p:cNvPr>
-          <p:cNvSpPr>
-            <a:spLocks noGrp="1"/>
-          </p:cNvSpPr>
-          <p:nvPr>
-            <p:ph type="sldNum" sz="quarter" idx="12"/>
-          </p:nvPr>
-        </p:nvSpPr>
-        <p:spPr>
-          <a:xfrm>
-            <a:off x="8610600" y="6356350"/>
-            <a:ext cx="2743200" cy="365125"/>
-          </a:xfrm>
-        </p:spPr>
-        <p:txBody>
-          <a:bodyPr rtlCol="0"/>
-          <a:lstStyle>
-            <a:defPPr>
-              <a:defRPr lang="es-ES"/>
-            </a:defPPr>
-          </a:lstStyle>
-          <a:p>
-            <a:pPr rtl="0"/>
-            <a:fld id="{A49DFD55-3C28-40EF-9E31-A92D2E4017FF}" type="slidenum">
-              <a:rPr lang="es-ES" smtClean="0"/>
-              <a:pPr rtl="0"/>
-              <a:t>26</a:t>
-            </a:fld>
-            <a:endParaRPr lang="es-ES" dirty="0"/>
-          </a:p>
-        </p:txBody>
-      </p:sp>
-    </p:spTree>
-    <p:extLst>
-      <p:ext uri="{BB962C8B-B14F-4D97-AF65-F5344CB8AC3E}">
-        <p14:creationId xmlns:p14="http://schemas.microsoft.com/office/powerpoint/2010/main" val="1742861620"/>
-      </p:ext>
-    </p:extLst>
-  </p:cSld>
-  <p:clrMapOvr>
-    <a:masterClrMapping/>
-  </p:clrMapOvr>
-</p:sld>
-</file>
-
-<file path=ppt/slides/slide27.xml><?xml version="1.0" encoding="utf-8"?>
-<p:sld xmlns:a="http://schemas.openxmlformats.org/drawingml/2006/main" xmlns:r="http://schemas.openxmlformats.org/officeDocument/2006/relationships" xmlns:p="http://schemas.openxmlformats.org/presentationml/2006/main">
-  <p:cSld>
-    <p:spTree>
-      <p:nvGrpSpPr>
-        <p:cNvPr id="1" name=""/>
-        <p:cNvGrpSpPr/>
-        <p:nvPr/>
-      </p:nvGrpSpPr>
-      <p:grpSpPr>
-        <a:xfrm>
-          <a:off x="0" y="0"/>
-          <a:ext cx="0" cy="0"/>
-          <a:chOff x="0" y="0"/>
-          <a:chExt cx="0" cy="0"/>
-        </a:xfrm>
-      </p:grpSpPr>
-      <p:sp>
-        <p:nvSpPr>
-          <p:cNvPr id="2" name="Título 1">
-            <a:extLst>
-              <a:ext uri="{FF2B5EF4-FFF2-40B4-BE49-F238E27FC236}">
-                <a16:creationId xmlns:a16="http://schemas.microsoft.com/office/drawing/2014/main" id="{09140014-73D5-419B-8867-972BB18D52D4}"/>
-              </a:ext>
-            </a:extLst>
-          </p:cNvPr>
-          <p:cNvSpPr>
-            <a:spLocks noGrp="1"/>
-          </p:cNvSpPr>
-          <p:nvPr>
-            <p:ph type="title"/>
-          </p:nvPr>
-        </p:nvSpPr>
-        <p:spPr>
-          <a:xfrm>
-            <a:off x="2933700" y="892177"/>
-            <a:ext cx="8421688" cy="1325563"/>
-          </a:xfrm>
-        </p:spPr>
-        <p:txBody>
-          <a:bodyPr rtlCol="0"/>
-          <a:lstStyle>
-            <a:defPPr>
-              <a:defRPr lang="es-ES"/>
-            </a:defPPr>
-          </a:lstStyle>
-          <a:p>
-            <a:pPr rtl="0"/>
-            <a:r>
-              <a:rPr lang="es-ES" dirty="0"/>
-              <a:t>ÁREAS DE ENFOQUE</a:t>
-            </a:r>
-          </a:p>
-        </p:txBody>
-      </p:sp>
-      <p:sp>
-        <p:nvSpPr>
-          <p:cNvPr id="4" name="Marcador de contenido 3">
-            <a:extLst>
-              <a:ext uri="{FF2B5EF4-FFF2-40B4-BE49-F238E27FC236}">
-                <a16:creationId xmlns:a16="http://schemas.microsoft.com/office/drawing/2014/main" id="{33D8731E-4977-402E-8BFD-895B4D0544CC}"/>
-              </a:ext>
-            </a:extLst>
-          </p:cNvPr>
-          <p:cNvSpPr>
-            <a:spLocks noGrp="1"/>
-          </p:cNvSpPr>
-          <p:nvPr>
-            <p:ph sz="half" idx="2"/>
-          </p:nvPr>
-        </p:nvSpPr>
-        <p:spPr>
-          <a:xfrm>
-            <a:off x="2933700" y="3834606"/>
-            <a:ext cx="3924300" cy="1997867"/>
-          </a:xfrm>
-        </p:spPr>
-        <p:txBody>
-          <a:bodyPr rtlCol="0">
-            <a:normAutofit/>
-          </a:bodyPr>
-          <a:lstStyle>
-            <a:defPPr>
-              <a:defRPr lang="es-ES"/>
-            </a:defPPr>
-          </a:lstStyle>
-          <a:p>
-            <a:pPr rtl="0"/>
-            <a:r>
-              <a:rPr lang="es-ES" dirty="0"/>
-              <a:t>Desarrollar estrategias ganadoras para seguir a la vanguardia de la competencia</a:t>
-            </a:r>
-          </a:p>
-          <a:p>
-            <a:pPr rtl="0"/>
-            <a:r>
-              <a:rPr lang="es-ES" dirty="0"/>
-              <a:t>​Aprovechar los frutos obtenidos para identificar un valor en el terreno de juego</a:t>
-            </a:r>
-          </a:p>
-          <a:p>
-            <a:pPr rtl="0"/>
-            <a:r>
-              <a:rPr lang="es-ES" dirty="0"/>
-              <a:t>​Visualizar la convergencia dirigida al cliente</a:t>
-            </a:r>
-          </a:p>
-        </p:txBody>
-      </p:sp>
-      <p:sp>
-        <p:nvSpPr>
-          <p:cNvPr id="5" name="Marcador de texto 4">
-            <a:extLst>
-              <a:ext uri="{FF2B5EF4-FFF2-40B4-BE49-F238E27FC236}">
-                <a16:creationId xmlns:a16="http://schemas.microsoft.com/office/drawing/2014/main" id="{91CDEC5F-B8EE-4BC1-843F-13135E6E7AB2}"/>
-              </a:ext>
-            </a:extLst>
-          </p:cNvPr>
-          <p:cNvSpPr>
-            <a:spLocks noGrp="1"/>
-          </p:cNvSpPr>
-          <p:nvPr>
-            <p:ph type="body" sz="quarter" idx="3"/>
-          </p:nvPr>
-        </p:nvSpPr>
-        <p:spPr>
-          <a:xfrm>
-            <a:off x="7410173" y="2776936"/>
-            <a:ext cx="3943627" cy="823912"/>
-          </a:xfrm>
-        </p:spPr>
-        <p:txBody>
-          <a:bodyPr rtlCol="0"/>
-          <a:lstStyle>
-            <a:defPPr>
-              <a:defRPr lang="es-ES"/>
-            </a:defPPr>
-          </a:lstStyle>
-          <a:p>
-            <a:pPr rtl="0"/>
-            <a:r>
-              <a:rPr lang="es-ES" dirty="0"/>
-              <a:t>OPORTUNIDADES BASADAS EN LA NUBE</a:t>
-            </a:r>
-          </a:p>
-        </p:txBody>
-      </p:sp>
-      <p:sp>
-        <p:nvSpPr>
-          <p:cNvPr id="6" name="Marcador de contenido 5">
-            <a:extLst>
-              <a:ext uri="{FF2B5EF4-FFF2-40B4-BE49-F238E27FC236}">
-                <a16:creationId xmlns:a16="http://schemas.microsoft.com/office/drawing/2014/main" id="{50B65871-FA95-449A-B8BC-90486DE532EF}"/>
-              </a:ext>
-            </a:extLst>
-          </p:cNvPr>
-          <p:cNvSpPr>
-            <a:spLocks noGrp="1"/>
-          </p:cNvSpPr>
-          <p:nvPr>
-            <p:ph sz="quarter" idx="4"/>
-          </p:nvPr>
-        </p:nvSpPr>
-        <p:spPr>
-          <a:xfrm>
-            <a:off x="7410173" y="3834606"/>
-            <a:ext cx="3943627" cy="1997867"/>
-          </a:xfrm>
-        </p:spPr>
-        <p:txBody>
-          <a:bodyPr rtlCol="0">
-            <a:normAutofit/>
-          </a:bodyPr>
-          <a:lstStyle>
-            <a:defPPr>
-              <a:defRPr lang="es-ES"/>
-            </a:defPPr>
-          </a:lstStyle>
-          <a:p>
-            <a:pPr rtl="0"/>
-            <a:r>
-              <a:rPr lang="es-ES" dirty="0"/>
-              <a:t>Enfoques iterativos para una estrategia corporativa</a:t>
-            </a:r>
-          </a:p>
-          <a:p>
-            <a:pPr rtl="0"/>
-            <a:r>
-              <a:rPr lang="es-ES" dirty="0"/>
-              <a:t>​Establecer un marco de administración desde dentro</a:t>
-            </a:r>
-          </a:p>
-        </p:txBody>
-      </p:sp>
-      <p:sp>
-        <p:nvSpPr>
-          <p:cNvPr id="9" name="Marcador de número de diapositiva 8">
-            <a:extLst>
-              <a:ext uri="{FF2B5EF4-FFF2-40B4-BE49-F238E27FC236}">
-                <a16:creationId xmlns:a16="http://schemas.microsoft.com/office/drawing/2014/main" id="{C396FFDC-ADE8-4009-A466-A81787258E88}"/>
-              </a:ext>
-            </a:extLst>
-          </p:cNvPr>
-          <p:cNvSpPr>
-            <a:spLocks noGrp="1"/>
-          </p:cNvSpPr>
-          <p:nvPr>
-            <p:ph type="sldNum" sz="quarter" idx="12"/>
-          </p:nvPr>
-        </p:nvSpPr>
-        <p:spPr>
-          <a:xfrm>
-            <a:off x="8610600" y="6356350"/>
-            <a:ext cx="2743200" cy="365125"/>
-          </a:xfrm>
-        </p:spPr>
-        <p:txBody>
-          <a:bodyPr rtlCol="0"/>
-          <a:lstStyle>
-            <a:defPPr>
-              <a:defRPr lang="es-ES"/>
-            </a:defPPr>
-          </a:lstStyle>
-          <a:p>
-            <a:pPr rtl="0"/>
-            <a:fld id="{A49DFD55-3C28-40EF-9E31-A92D2E4017FF}" type="slidenum">
-              <a:rPr lang="es-ES" smtClean="0"/>
-              <a:pPr rtl="0"/>
-              <a:t>27</a:t>
-            </a:fld>
-            <a:endParaRPr lang="es-ES" dirty="0"/>
-          </a:p>
-        </p:txBody>
-      </p:sp>
-      <p:sp>
-        <p:nvSpPr>
-          <p:cNvPr id="15" name="Marcador de pie de página 4">
-            <a:extLst>
-              <a:ext uri="{FF2B5EF4-FFF2-40B4-BE49-F238E27FC236}">
-                <a16:creationId xmlns:a16="http://schemas.microsoft.com/office/drawing/2014/main" id="{D03417DB-B8B1-A6C2-EC39-D9E06005B059}"/>
-              </a:ext>
-            </a:extLst>
-          </p:cNvPr>
-          <p:cNvSpPr>
-            <a:spLocks noGrp="1"/>
-          </p:cNvSpPr>
-          <p:nvPr>
-            <p:ph type="ftr" sz="quarter" idx="11"/>
-          </p:nvPr>
-        </p:nvSpPr>
-        <p:spPr>
-          <a:xfrm>
-            <a:off x="2463800" y="6356350"/>
-            <a:ext cx="3479800" cy="365125"/>
-          </a:xfrm>
-        </p:spPr>
-        <p:txBody>
-          <a:bodyPr rtlCol="0"/>
-          <a:lstStyle>
-            <a:defPPr>
-              <a:defRPr lang="es-ES"/>
-            </a:defPPr>
-          </a:lstStyle>
-          <a:p>
-            <a:pPr rtl="0"/>
-            <a:r>
-              <a:rPr lang="es-ES" dirty="0"/>
-              <a:t>FORBES HIGHEST PAYING ATHLETES ANALYSIS</a:t>
-            </a:r>
-          </a:p>
-        </p:txBody>
-      </p:sp>
-      <p:pic>
-        <p:nvPicPr>
-          <p:cNvPr id="19" name="Picture 18">
-            <a:extLst>
-              <a:ext uri="{FF2B5EF4-FFF2-40B4-BE49-F238E27FC236}">
-                <a16:creationId xmlns:a16="http://schemas.microsoft.com/office/drawing/2014/main" id="{107FBD5C-404A-8952-57AD-16E7D834AE5E}"/>
-              </a:ext>
-            </a:extLst>
-          </p:cNvPr>
-          <p:cNvPicPr>
-            <a:picLocks noChangeAspect="1"/>
-          </p:cNvPicPr>
-          <p:nvPr/>
-        </p:nvPicPr>
-        <p:blipFill>
-          <a:blip r:embed="rId3"/>
-          <a:stretch>
-            <a:fillRect/>
-          </a:stretch>
-        </p:blipFill>
-        <p:spPr>
-          <a:xfrm>
-            <a:off x="0" y="177799"/>
-            <a:ext cx="12192000" cy="6502401"/>
-          </a:xfrm>
-          <a:prstGeom prst="rect">
-            <a:avLst/>
-          </a:prstGeom>
-        </p:spPr>
-      </p:pic>
-    </p:spTree>
-    <p:extLst>
-      <p:ext uri="{BB962C8B-B14F-4D97-AF65-F5344CB8AC3E}">
-        <p14:creationId xmlns:p14="http://schemas.microsoft.com/office/powerpoint/2010/main" val="921118608"/>
-      </p:ext>
-    </p:extLst>
-  </p:cSld>
-  <p:clrMapOvr>
-    <a:masterClrMapping/>
-  </p:clrMapOvr>
-</p:sld>
-</file>
-
-<file path=ppt/slides/slide28.xml><?xml version="1.0" encoding="utf-8"?>
-<p:sld xmlns:a="http://schemas.openxmlformats.org/drawingml/2006/main" xmlns:r="http://schemas.openxmlformats.org/officeDocument/2006/relationships" xmlns:p="http://schemas.openxmlformats.org/presentationml/2006/main">
-  <p:cSld>
-    <p:spTree>
-      <p:nvGrpSpPr>
-        <p:cNvPr id="1" name=""/>
-        <p:cNvGrpSpPr/>
-        <p:nvPr/>
-      </p:nvGrpSpPr>
-      <p:grpSpPr>
-        <a:xfrm>
-          <a:off x="0" y="0"/>
-          <a:ext cx="0" cy="0"/>
-          <a:chOff x="0" y="0"/>
-          <a:chExt cx="0" cy="0"/>
-        </a:xfrm>
-      </p:grpSpPr>
-      <p:sp>
-        <p:nvSpPr>
-          <p:cNvPr id="2" name="Título 1">
-            <a:extLst>
-              <a:ext uri="{FF2B5EF4-FFF2-40B4-BE49-F238E27FC236}">
-                <a16:creationId xmlns:a16="http://schemas.microsoft.com/office/drawing/2014/main" id="{8BDF1EDE-5423-435C-B149-87AB1BC22B83}"/>
-              </a:ext>
-            </a:extLst>
-          </p:cNvPr>
-          <p:cNvSpPr>
-            <a:spLocks noGrp="1"/>
-          </p:cNvSpPr>
-          <p:nvPr>
-            <p:ph type="ctrTitle"/>
-          </p:nvPr>
-        </p:nvSpPr>
-        <p:spPr>
-          <a:xfrm>
-            <a:off x="5221715" y="2666632"/>
-            <a:ext cx="4523715" cy="1524735"/>
-          </a:xfrm>
-        </p:spPr>
-        <p:txBody>
-          <a:bodyPr rtlCol="0" anchor="ctr"/>
-          <a:lstStyle>
-            <a:defPPr>
-              <a:defRPr lang="es-ES"/>
-            </a:defPPr>
-          </a:lstStyle>
-          <a:p>
-            <a:pPr algn="ctr" rtl="0"/>
-            <a:r>
-              <a:rPr lang="es-ES" dirty="0"/>
-              <a:t>Thanks!</a:t>
-            </a:r>
-          </a:p>
-        </p:txBody>
-      </p:sp>
-      <p:sp>
-        <p:nvSpPr>
-          <p:cNvPr id="4" name="Marcador de fecha 3">
-            <a:extLst>
-              <a:ext uri="{FF2B5EF4-FFF2-40B4-BE49-F238E27FC236}">
-                <a16:creationId xmlns:a16="http://schemas.microsoft.com/office/drawing/2014/main" id="{A47C7382-18E7-4821-8C61-461D6BBE08FC}"/>
-              </a:ext>
-            </a:extLst>
-          </p:cNvPr>
-          <p:cNvSpPr>
-            <a:spLocks noGrp="1"/>
-          </p:cNvSpPr>
-          <p:nvPr>
-            <p:ph type="dt" sz="half" idx="10"/>
-          </p:nvPr>
-        </p:nvSpPr>
-        <p:spPr>
-          <a:xfrm>
-            <a:off x="4267200" y="6356350"/>
-            <a:ext cx="1774371" cy="365125"/>
-          </a:xfrm>
-        </p:spPr>
-        <p:txBody>
-          <a:bodyPr rtlCol="0"/>
-          <a:lstStyle>
-            <a:defPPr>
-              <a:defRPr lang="es-ES"/>
-            </a:defPPr>
-          </a:lstStyle>
-          <a:p>
-            <a:pPr rtl="0"/>
-            <a:r>
-              <a:rPr lang="es-ES" dirty="0"/>
-              <a:t>20XX</a:t>
-            </a:r>
-          </a:p>
-        </p:txBody>
-      </p:sp>
-      <p:sp>
-        <p:nvSpPr>
-          <p:cNvPr id="5" name="Marcador de pie de página 4">
-            <a:extLst>
-              <a:ext uri="{FF2B5EF4-FFF2-40B4-BE49-F238E27FC236}">
-                <a16:creationId xmlns:a16="http://schemas.microsoft.com/office/drawing/2014/main" id="{3990FA1B-5022-47AB-A0AE-8F5C5797997C}"/>
-              </a:ext>
-            </a:extLst>
-          </p:cNvPr>
-          <p:cNvSpPr>
-            <a:spLocks noGrp="1"/>
-          </p:cNvSpPr>
-          <p:nvPr>
-            <p:ph type="ftr" sz="quarter" idx="11"/>
-          </p:nvPr>
-        </p:nvSpPr>
-        <p:spPr>
-          <a:xfrm>
-            <a:off x="6479721" y="6356350"/>
-            <a:ext cx="2661557" cy="365125"/>
-          </a:xfrm>
-        </p:spPr>
-        <p:txBody>
-          <a:bodyPr rtlCol="0"/>
-          <a:lstStyle>
-            <a:defPPr>
-              <a:defRPr lang="es-ES"/>
-            </a:defPPr>
-          </a:lstStyle>
-          <a:p>
-            <a:pPr rtl="0"/>
-            <a:r>
-              <a:rPr lang="es-ES" dirty="0"/>
-              <a:t>TÍTULO DE LA PRESENTACIÓN</a:t>
-            </a:r>
-          </a:p>
-        </p:txBody>
-      </p:sp>
-      <p:sp>
-        <p:nvSpPr>
-          <p:cNvPr id="6" name="Marcador de número de diapositiva 5">
-            <a:extLst>
-              <a:ext uri="{FF2B5EF4-FFF2-40B4-BE49-F238E27FC236}">
-                <a16:creationId xmlns:a16="http://schemas.microsoft.com/office/drawing/2014/main" id="{4C127D99-645F-4FCF-9573-FDFE2A344FA9}"/>
-              </a:ext>
-            </a:extLst>
-          </p:cNvPr>
-          <p:cNvSpPr>
-            <a:spLocks noGrp="1"/>
-          </p:cNvSpPr>
-          <p:nvPr>
-            <p:ph type="sldNum" sz="quarter" idx="12"/>
-          </p:nvPr>
-        </p:nvSpPr>
-        <p:spPr>
-          <a:xfrm>
-            <a:off x="9579428" y="6356350"/>
-            <a:ext cx="1774371" cy="365125"/>
-          </a:xfrm>
-        </p:spPr>
-        <p:txBody>
-          <a:bodyPr rtlCol="0"/>
-          <a:lstStyle>
-            <a:defPPr>
-              <a:defRPr lang="es-ES"/>
-            </a:defPPr>
-          </a:lstStyle>
-          <a:p>
-            <a:pPr rtl="0"/>
-            <a:fld id="{A49DFD55-3C28-40EF-9E31-A92D2E4017FF}" type="slidenum">
-              <a:rPr lang="es-ES" smtClean="0"/>
-              <a:pPr rtl="0"/>
-              <a:t>28</a:t>
-            </a:fld>
-            <a:endParaRPr lang="es-ES" dirty="0"/>
+              <a:t>FORBES HIGHEST PAYING ATHLETES</a:t>
+            </a:r>
           </a:p>
         </p:txBody>
       </p:sp>
@@ -19942,7 +18795,7 @@
         </p:nvSpPr>
         <p:spPr>
           <a:xfrm>
-            <a:off x="2463800" y="6356350"/>
+            <a:off x="4669183" y="6390680"/>
             <a:ext cx="3479800" cy="365125"/>
           </a:xfrm>
         </p:spPr>
@@ -19997,21 +18850,21 @@
           <p:cNvPr id="2" name="Título 1">
             <a:extLst>
               <a:ext uri="{FF2B5EF4-FFF2-40B4-BE49-F238E27FC236}">
-                <a16:creationId xmlns:a16="http://schemas.microsoft.com/office/drawing/2014/main" id="{B1FE5F11-B7B9-4B80-8C6A-A8A7A7190B77}"/>
-              </a:ext>
-            </a:extLst>
-          </p:cNvPr>
-          <p:cNvSpPr>
-            <a:spLocks noGrp="1"/>
-          </p:cNvSpPr>
-          <p:nvPr>
-            <p:ph type="ctrTitle"/>
-          </p:nvPr>
-        </p:nvSpPr>
-        <p:spPr>
-          <a:xfrm>
-            <a:off x="6389390" y="2571234"/>
-            <a:ext cx="5074920" cy="1715531"/>
+                <a16:creationId xmlns:a16="http://schemas.microsoft.com/office/drawing/2014/main" id="{42DD0E59-4C68-4F87-9821-23C69713D980}"/>
+              </a:ext>
+            </a:extLst>
+          </p:cNvPr>
+          <p:cNvSpPr>
+            <a:spLocks noGrp="1"/>
+          </p:cNvSpPr>
+          <p:nvPr>
+            <p:ph type="title"/>
+          </p:nvPr>
+        </p:nvSpPr>
+        <p:spPr>
+          <a:xfrm>
+            <a:off x="1885156" y="892177"/>
+            <a:ext cx="8421688" cy="1325563"/>
           </a:xfrm>
         </p:spPr>
         <p:txBody>
@@ -20024,8 +18877,676 @@
           <a:p>
             <a:pPr rtl="0"/>
             <a:r>
-              <a:rPr lang="en-US" sz="2800" dirty="0"/>
-              <a:t>Have top athlete earnings increased in real value over the past 30 years?</a:t>
+              <a:rPr lang="es-ES" dirty="0"/>
+              <a:t>Conclusions</a:t>
+            </a:r>
+          </a:p>
+        </p:txBody>
+      </p:sp>
+      <p:sp>
+        <p:nvSpPr>
+          <p:cNvPr id="57" name="Marcador de pie de página 56">
+            <a:extLst>
+              <a:ext uri="{FF2B5EF4-FFF2-40B4-BE49-F238E27FC236}">
+                <a16:creationId xmlns:a16="http://schemas.microsoft.com/office/drawing/2014/main" id="{3A38BE84-957B-46B9-A315-4B5064DFF1A1}"/>
+              </a:ext>
+            </a:extLst>
+          </p:cNvPr>
+          <p:cNvSpPr>
+            <a:spLocks noGrp="1"/>
+          </p:cNvSpPr>
+          <p:nvPr>
+            <p:ph type="ftr" sz="quarter" idx="11"/>
+          </p:nvPr>
+        </p:nvSpPr>
+        <p:spPr>
+          <a:xfrm>
+            <a:off x="4038600" y="6356350"/>
+            <a:ext cx="4114800" cy="365125"/>
+          </a:xfrm>
+        </p:spPr>
+        <p:txBody>
+          <a:bodyPr rtlCol="0"/>
+          <a:lstStyle>
+            <a:defPPr>
+              <a:defRPr lang="es-ES"/>
+            </a:defPPr>
+          </a:lstStyle>
+          <a:p>
+            <a:pPr rtl="0"/>
+            <a:r>
+              <a:rPr lang="es-ES" dirty="0"/>
+              <a:t>FORBES HIGHEST PAYING ATHLETES</a:t>
+            </a:r>
+          </a:p>
+        </p:txBody>
+      </p:sp>
+      <p:sp>
+        <p:nvSpPr>
+          <p:cNvPr id="58" name="Marcador de número de diapositiva 57">
+            <a:extLst>
+              <a:ext uri="{FF2B5EF4-FFF2-40B4-BE49-F238E27FC236}">
+                <a16:creationId xmlns:a16="http://schemas.microsoft.com/office/drawing/2014/main" id="{E1900601-8B04-4FF3-B06F-6BEFAC6556D3}"/>
+              </a:ext>
+            </a:extLst>
+          </p:cNvPr>
+          <p:cNvSpPr>
+            <a:spLocks noGrp="1"/>
+          </p:cNvSpPr>
+          <p:nvPr>
+            <p:ph type="sldNum" sz="quarter" idx="12"/>
+          </p:nvPr>
+        </p:nvSpPr>
+        <p:spPr>
+          <a:xfrm>
+            <a:off x="8610600" y="6356350"/>
+            <a:ext cx="2743200" cy="365125"/>
+          </a:xfrm>
+        </p:spPr>
+        <p:txBody>
+          <a:bodyPr rtlCol="0"/>
+          <a:lstStyle>
+            <a:defPPr>
+              <a:defRPr lang="es-ES"/>
+            </a:defPPr>
+          </a:lstStyle>
+          <a:p>
+            <a:pPr rtl="0"/>
+            <a:fld id="{A49DFD55-3C28-40EF-9E31-A92D2E4017FF}" type="slidenum">
+              <a:rPr lang="es-ES" smtClean="0"/>
+              <a:pPr rtl="0"/>
+              <a:t>9</a:t>
+            </a:fld>
+            <a:endParaRPr lang="es-ES" dirty="0"/>
+          </a:p>
+        </p:txBody>
+      </p:sp>
+      <p:sp>
+        <p:nvSpPr>
+          <p:cNvPr id="326" name="Marcador de texto 2">
+            <a:extLst>
+              <a:ext uri="{FF2B5EF4-FFF2-40B4-BE49-F238E27FC236}">
+                <a16:creationId xmlns:a16="http://schemas.microsoft.com/office/drawing/2014/main" id="{7B160DB7-BDF4-9939-C740-26EBBB3E0189}"/>
+              </a:ext>
+            </a:extLst>
+          </p:cNvPr>
+          <p:cNvSpPr>
+            <a:spLocks noGrp="1"/>
+          </p:cNvSpPr>
+          <p:nvPr>
+            <p:ph type="body" idx="1"/>
+          </p:nvPr>
+        </p:nvSpPr>
+        <p:spPr>
+          <a:xfrm>
+            <a:off x="1362074" y="2452812"/>
+            <a:ext cx="9605756" cy="2912564"/>
+          </a:xfrm>
+        </p:spPr>
+        <p:txBody>
+          <a:bodyPr rtlCol="0">
+            <a:normAutofit/>
+          </a:bodyPr>
+          <a:lstStyle>
+            <a:defPPr>
+              <a:defRPr lang="es-ES"/>
+            </a:defPPr>
+          </a:lstStyle>
+          <a:p>
+            <a:pPr rtl="0"/>
+            <a:r>
+              <a:rPr lang="es-ES" sz="1400" dirty="0"/>
+              <a:t>66% </a:t>
+            </a:r>
+            <a:r>
+              <a:rPr lang="es-ES" sz="1400" dirty="0" err="1"/>
+              <a:t>of</a:t>
+            </a:r>
+            <a:r>
+              <a:rPr lang="es-ES" sz="1400" dirty="0"/>
+              <a:t> </a:t>
+            </a:r>
+            <a:r>
+              <a:rPr lang="es-ES" sz="1400" dirty="0" err="1"/>
+              <a:t>earnings</a:t>
+            </a:r>
+            <a:r>
+              <a:rPr lang="es-ES" sz="1400" dirty="0"/>
+              <a:t> (US$ 5,696 MM) </a:t>
+            </a:r>
+            <a:r>
+              <a:rPr lang="es-ES" sz="1400" dirty="0" err="1"/>
+              <a:t>go</a:t>
+            </a:r>
+            <a:r>
+              <a:rPr lang="es-ES" sz="1400" dirty="0"/>
+              <a:t> </a:t>
+            </a:r>
+            <a:r>
+              <a:rPr lang="es-ES" sz="1400" dirty="0" err="1"/>
+              <a:t>to</a:t>
+            </a:r>
+            <a:r>
+              <a:rPr lang="es-ES" sz="1400" dirty="0"/>
+              <a:t> USA </a:t>
+            </a:r>
+            <a:r>
+              <a:rPr lang="es-ES" sz="1400" dirty="0" err="1"/>
+              <a:t>athletes</a:t>
+            </a:r>
+            <a:r>
+              <a:rPr lang="es-ES" sz="1400" dirty="0"/>
+              <a:t>. </a:t>
+            </a:r>
+            <a:r>
+              <a:rPr lang="es-ES" sz="1400" dirty="0" err="1"/>
+              <a:t>Over</a:t>
+            </a:r>
+            <a:r>
+              <a:rPr lang="es-ES" sz="1400" dirty="0"/>
+              <a:t> US$ 2 MM </a:t>
+            </a:r>
+            <a:r>
+              <a:rPr lang="es-ES" sz="1400" dirty="0" err="1"/>
+              <a:t>of</a:t>
+            </a:r>
+            <a:r>
+              <a:rPr lang="es-ES" sz="1400" dirty="0"/>
+              <a:t> </a:t>
+            </a:r>
+            <a:r>
+              <a:rPr lang="es-ES" sz="1400" dirty="0" err="1"/>
+              <a:t>those</a:t>
+            </a:r>
+            <a:r>
+              <a:rPr lang="es-ES" sz="1400" dirty="0"/>
+              <a:t> </a:t>
+            </a:r>
+            <a:r>
+              <a:rPr lang="es-ES" sz="1400" dirty="0" err="1"/>
+              <a:t>earnings</a:t>
+            </a:r>
+            <a:r>
+              <a:rPr lang="es-ES" sz="1400" dirty="0"/>
+              <a:t> come </a:t>
+            </a:r>
+            <a:r>
+              <a:rPr lang="es-ES" sz="1400" dirty="0" err="1"/>
+              <a:t>from</a:t>
+            </a:r>
+            <a:r>
+              <a:rPr lang="es-ES" sz="1400" dirty="0"/>
+              <a:t> </a:t>
+            </a:r>
+            <a:r>
+              <a:rPr lang="es-ES" sz="1400" dirty="0" err="1"/>
+              <a:t>Basketball</a:t>
+            </a:r>
+            <a:r>
+              <a:rPr lang="es-ES" sz="1400" dirty="0"/>
+              <a:t>.</a:t>
+            </a:r>
+          </a:p>
+          <a:p>
+            <a:pPr rtl="0"/>
+            <a:r>
+              <a:rPr lang="es-ES" sz="1400" dirty="0" err="1"/>
+              <a:t>There</a:t>
+            </a:r>
+            <a:r>
+              <a:rPr lang="es-ES" sz="1400" dirty="0"/>
+              <a:t> </a:t>
+            </a:r>
+            <a:r>
+              <a:rPr lang="es-ES" sz="1400" dirty="0" err="1"/>
+              <a:t>is</a:t>
+            </a:r>
+            <a:r>
+              <a:rPr lang="es-ES" sz="1400" dirty="0"/>
+              <a:t> a </a:t>
+            </a:r>
+            <a:r>
+              <a:rPr lang="es-ES" sz="1400" dirty="0" err="1"/>
+              <a:t>clear</a:t>
+            </a:r>
+            <a:r>
+              <a:rPr lang="es-ES" sz="1400" dirty="0"/>
+              <a:t> </a:t>
+            </a:r>
+            <a:r>
+              <a:rPr lang="es-ES" sz="1400" dirty="0" err="1"/>
+              <a:t>difference</a:t>
+            </a:r>
+            <a:r>
+              <a:rPr lang="es-ES" sz="1400" dirty="0"/>
+              <a:t> in top </a:t>
+            </a:r>
+            <a:r>
+              <a:rPr lang="es-ES" sz="1400" dirty="0" err="1"/>
+              <a:t>paid</a:t>
+            </a:r>
+            <a:r>
+              <a:rPr lang="es-ES" sz="1400" dirty="0"/>
+              <a:t> </a:t>
+            </a:r>
+            <a:r>
+              <a:rPr lang="es-ES" sz="1400" dirty="0" err="1"/>
+              <a:t>athlete</a:t>
+            </a:r>
+            <a:r>
+              <a:rPr lang="es-ES" sz="1400" dirty="0"/>
+              <a:t> </a:t>
+            </a:r>
+            <a:r>
+              <a:rPr lang="es-ES" sz="1400" dirty="0" err="1"/>
+              <a:t>nationality</a:t>
+            </a:r>
+            <a:r>
+              <a:rPr lang="es-ES" sz="1400" dirty="0"/>
+              <a:t> </a:t>
+            </a:r>
+            <a:r>
+              <a:rPr lang="es-ES" sz="1400" dirty="0" err="1"/>
+              <a:t>depending</a:t>
+            </a:r>
+            <a:r>
+              <a:rPr lang="es-ES" sz="1400" dirty="0"/>
+              <a:t> </a:t>
+            </a:r>
+            <a:r>
+              <a:rPr lang="es-ES" sz="1400" dirty="0" err="1"/>
+              <a:t>on</a:t>
+            </a:r>
+            <a:r>
+              <a:rPr lang="es-ES" sz="1400" dirty="0"/>
+              <a:t> </a:t>
+            </a:r>
+            <a:r>
+              <a:rPr lang="es-ES" sz="1400" dirty="0" err="1"/>
+              <a:t>sports</a:t>
+            </a:r>
+            <a:r>
+              <a:rPr lang="es-ES" sz="1400" dirty="0"/>
+              <a:t>. </a:t>
+            </a:r>
+            <a:r>
+              <a:rPr lang="es-ES" sz="1400" dirty="0" err="1"/>
+              <a:t>Baketball</a:t>
+            </a:r>
+            <a:r>
+              <a:rPr lang="es-ES" sz="1400" dirty="0"/>
+              <a:t>, American </a:t>
+            </a:r>
+            <a:r>
+              <a:rPr lang="es-ES" sz="1400" dirty="0" err="1"/>
+              <a:t>Football</a:t>
+            </a:r>
+            <a:r>
+              <a:rPr lang="es-ES" sz="1400" dirty="0"/>
+              <a:t>, </a:t>
+            </a:r>
+            <a:r>
+              <a:rPr lang="es-ES" sz="1400" dirty="0" err="1"/>
+              <a:t>Golfing</a:t>
+            </a:r>
+            <a:r>
+              <a:rPr lang="es-ES" sz="1400" dirty="0"/>
+              <a:t> and </a:t>
+            </a:r>
+            <a:r>
+              <a:rPr lang="es-ES" sz="1400" dirty="0" err="1"/>
+              <a:t>Boxing</a:t>
+            </a:r>
+            <a:r>
+              <a:rPr lang="es-ES" sz="1400" dirty="0"/>
+              <a:t> are </a:t>
+            </a:r>
+            <a:r>
+              <a:rPr lang="es-ES" sz="1400" dirty="0" err="1"/>
+              <a:t>predominantly</a:t>
+            </a:r>
+            <a:r>
+              <a:rPr lang="es-ES" sz="1400" dirty="0"/>
+              <a:t> </a:t>
+            </a:r>
+            <a:r>
+              <a:rPr lang="es-ES" sz="1400" dirty="0" err="1"/>
+              <a:t>american</a:t>
+            </a:r>
+            <a:r>
+              <a:rPr lang="es-ES" sz="1400" dirty="0"/>
+              <a:t> </a:t>
+            </a:r>
+            <a:r>
+              <a:rPr lang="es-ES" sz="1400" dirty="0" err="1"/>
+              <a:t>while</a:t>
+            </a:r>
+            <a:r>
+              <a:rPr lang="es-ES" sz="1400" dirty="0"/>
+              <a:t> F1, Soccer and </a:t>
+            </a:r>
+            <a:r>
+              <a:rPr lang="es-ES" sz="1400" dirty="0" err="1"/>
+              <a:t>Tennis</a:t>
+            </a:r>
+            <a:r>
+              <a:rPr lang="es-ES" sz="1400" dirty="0"/>
+              <a:t> are </a:t>
+            </a:r>
+            <a:r>
+              <a:rPr lang="es-ES" sz="1400" dirty="0" err="1"/>
+              <a:t>predominantly</a:t>
+            </a:r>
+            <a:r>
+              <a:rPr lang="es-ES" sz="1400" dirty="0"/>
+              <a:t> </a:t>
+            </a:r>
+            <a:r>
+              <a:rPr lang="es-ES" sz="1400" dirty="0" err="1"/>
+              <a:t>international</a:t>
+            </a:r>
+            <a:r>
+              <a:rPr lang="es-ES" sz="1400" dirty="0"/>
+              <a:t>. </a:t>
+            </a:r>
+            <a:r>
+              <a:rPr lang="es-ES" sz="1400" dirty="0" err="1"/>
+              <a:t>This</a:t>
+            </a:r>
+            <a:r>
+              <a:rPr lang="es-ES" sz="1400" dirty="0"/>
+              <a:t> </a:t>
+            </a:r>
+            <a:r>
+              <a:rPr lang="es-ES" sz="1400" dirty="0" err="1"/>
+              <a:t>matches</a:t>
+            </a:r>
+            <a:r>
+              <a:rPr lang="es-ES" sz="1400" dirty="0"/>
+              <a:t> </a:t>
+            </a:r>
+            <a:r>
+              <a:rPr lang="es-ES" sz="1400" dirty="0" err="1"/>
+              <a:t>sports</a:t>
+            </a:r>
+            <a:r>
+              <a:rPr lang="es-ES" sz="1400" dirty="0"/>
+              <a:t> </a:t>
+            </a:r>
+            <a:r>
+              <a:rPr lang="es-ES" sz="1400" dirty="0" err="1"/>
+              <a:t>popularity</a:t>
+            </a:r>
+            <a:r>
+              <a:rPr lang="es-ES" sz="1400" dirty="0"/>
+              <a:t> as F1, Soccer and </a:t>
+            </a:r>
+            <a:r>
+              <a:rPr lang="es-ES" sz="1400" dirty="0" err="1"/>
+              <a:t>Tennis</a:t>
+            </a:r>
+            <a:r>
+              <a:rPr lang="es-ES" sz="1400" dirty="0"/>
+              <a:t> are </a:t>
+            </a:r>
+            <a:r>
+              <a:rPr lang="es-ES" sz="1400" dirty="0" err="1"/>
+              <a:t>sports</a:t>
+            </a:r>
+            <a:r>
+              <a:rPr lang="es-ES" sz="1400" dirty="0"/>
+              <a:t> </a:t>
+            </a:r>
+            <a:r>
+              <a:rPr lang="es-ES" sz="1400" dirty="0" err="1"/>
+              <a:t>that</a:t>
+            </a:r>
+            <a:r>
+              <a:rPr lang="es-ES" sz="1400" dirty="0"/>
+              <a:t> </a:t>
+            </a:r>
+            <a:r>
+              <a:rPr lang="es-ES" sz="1400" dirty="0" err="1"/>
+              <a:t>have</a:t>
+            </a:r>
+            <a:r>
+              <a:rPr lang="es-ES" sz="1400" dirty="0"/>
+              <a:t> </a:t>
+            </a:r>
+            <a:r>
+              <a:rPr lang="es-ES" sz="1400" dirty="0" err="1"/>
+              <a:t>historically</a:t>
+            </a:r>
+            <a:r>
+              <a:rPr lang="es-ES" sz="1400" dirty="0"/>
+              <a:t> </a:t>
+            </a:r>
+            <a:r>
+              <a:rPr lang="es-ES" sz="1400" dirty="0" err="1"/>
+              <a:t>had</a:t>
+            </a:r>
+            <a:r>
+              <a:rPr lang="es-ES" sz="1400" dirty="0"/>
+              <a:t> </a:t>
+            </a:r>
+            <a:r>
+              <a:rPr lang="es-ES" sz="1400" dirty="0" err="1"/>
+              <a:t>an</a:t>
+            </a:r>
+            <a:r>
+              <a:rPr lang="es-ES" sz="1400" dirty="0"/>
+              <a:t> </a:t>
+            </a:r>
+            <a:r>
+              <a:rPr lang="es-ES" sz="1400" dirty="0" err="1"/>
+              <a:t>international</a:t>
+            </a:r>
+            <a:r>
+              <a:rPr lang="es-ES" sz="1400" dirty="0"/>
+              <a:t> </a:t>
+            </a:r>
+            <a:r>
+              <a:rPr lang="es-ES" sz="1400" dirty="0" err="1"/>
+              <a:t>audience</a:t>
+            </a:r>
+            <a:r>
+              <a:rPr lang="es-ES" sz="1400" dirty="0"/>
+              <a:t>.</a:t>
+            </a:r>
+          </a:p>
+          <a:p>
+            <a:pPr rtl="0"/>
+            <a:r>
+              <a:rPr lang="es-ES" sz="1400" dirty="0" err="1"/>
+              <a:t>The</a:t>
+            </a:r>
+            <a:r>
+              <a:rPr lang="es-ES" sz="1400" dirty="0"/>
+              <a:t> American sport </a:t>
+            </a:r>
+            <a:r>
+              <a:rPr lang="es-ES" sz="1400" dirty="0" err="1"/>
+              <a:t>industry</a:t>
+            </a:r>
+            <a:r>
+              <a:rPr lang="es-ES" sz="1400" dirty="0"/>
+              <a:t> </a:t>
+            </a:r>
+            <a:r>
+              <a:rPr lang="es-ES" sz="1400" dirty="0" err="1"/>
+              <a:t>is</a:t>
+            </a:r>
+            <a:r>
+              <a:rPr lang="es-ES" sz="1400" dirty="0"/>
+              <a:t> </a:t>
+            </a:r>
+            <a:r>
+              <a:rPr lang="es-ES" sz="1400" dirty="0" err="1"/>
+              <a:t>the</a:t>
+            </a:r>
+            <a:r>
+              <a:rPr lang="es-ES" sz="1400" dirty="0"/>
+              <a:t> </a:t>
+            </a:r>
+            <a:r>
+              <a:rPr lang="es-ES" sz="1400" dirty="0" err="1"/>
+              <a:t>largest</a:t>
+            </a:r>
+            <a:r>
+              <a:rPr lang="es-ES" sz="1400" dirty="0"/>
+              <a:t> in </a:t>
+            </a:r>
+            <a:r>
+              <a:rPr lang="es-ES" sz="1400" dirty="0" err="1"/>
+              <a:t>the</a:t>
+            </a:r>
+            <a:r>
+              <a:rPr lang="es-ES" sz="1400" dirty="0"/>
+              <a:t> </a:t>
+            </a:r>
+            <a:r>
+              <a:rPr lang="es-ES" sz="1400" dirty="0" err="1"/>
+              <a:t>world</a:t>
+            </a:r>
+            <a:r>
+              <a:rPr lang="es-ES" sz="1400" dirty="0"/>
+              <a:t>, </a:t>
+            </a:r>
+            <a:r>
+              <a:rPr lang="es-ES" sz="1400" dirty="0" err="1"/>
+              <a:t>this</a:t>
+            </a:r>
+            <a:r>
+              <a:rPr lang="es-ES" sz="1400" dirty="0"/>
+              <a:t> </a:t>
+            </a:r>
+            <a:r>
+              <a:rPr lang="es-ES" sz="1400" dirty="0" err="1"/>
+              <a:t>appears</a:t>
+            </a:r>
+            <a:r>
+              <a:rPr lang="es-ES" sz="1400" dirty="0"/>
+              <a:t> </a:t>
+            </a:r>
+            <a:r>
+              <a:rPr lang="es-ES" sz="1400" dirty="0" err="1"/>
+              <a:t>to</a:t>
+            </a:r>
+            <a:r>
+              <a:rPr lang="es-ES" sz="1400" dirty="0"/>
+              <a:t> </a:t>
+            </a:r>
+            <a:r>
+              <a:rPr lang="es-ES" sz="1400" dirty="0" err="1"/>
+              <a:t>correlate</a:t>
+            </a:r>
+            <a:r>
+              <a:rPr lang="es-ES" sz="1400" dirty="0"/>
+              <a:t> </a:t>
+            </a:r>
+            <a:r>
+              <a:rPr lang="es-ES" sz="1400" dirty="0" err="1"/>
+              <a:t>with</a:t>
+            </a:r>
+            <a:r>
+              <a:rPr lang="es-ES" sz="1400" dirty="0"/>
+              <a:t> </a:t>
+            </a:r>
+            <a:r>
+              <a:rPr lang="es-ES" sz="1400" dirty="0" err="1"/>
+              <a:t>athlete</a:t>
+            </a:r>
+            <a:r>
+              <a:rPr lang="es-ES" sz="1400" dirty="0"/>
+              <a:t> salaries. </a:t>
+            </a:r>
+            <a:r>
+              <a:rPr lang="es-ES" sz="1400" dirty="0" err="1"/>
+              <a:t>We</a:t>
+            </a:r>
+            <a:r>
+              <a:rPr lang="es-ES" sz="1400" dirty="0"/>
+              <a:t> </a:t>
+            </a:r>
+            <a:r>
+              <a:rPr lang="es-ES" sz="1400" dirty="0" err="1"/>
+              <a:t>need</a:t>
+            </a:r>
+            <a:r>
+              <a:rPr lang="es-ES" sz="1400" dirty="0"/>
+              <a:t> more </a:t>
+            </a:r>
+            <a:r>
+              <a:rPr lang="es-ES" sz="1400" dirty="0" err="1"/>
+              <a:t>information</a:t>
+            </a:r>
+            <a:r>
+              <a:rPr lang="es-ES" sz="1400" dirty="0"/>
+              <a:t> </a:t>
+            </a:r>
+            <a:r>
+              <a:rPr lang="es-ES" sz="1400" dirty="0" err="1"/>
+              <a:t>to</a:t>
+            </a:r>
+            <a:r>
+              <a:rPr lang="es-ES" sz="1400" dirty="0"/>
+              <a:t> </a:t>
+            </a:r>
+            <a:r>
+              <a:rPr lang="es-ES" sz="1400" dirty="0" err="1"/>
+              <a:t>carry</a:t>
+            </a:r>
+            <a:r>
+              <a:rPr lang="es-ES" sz="1400" dirty="0"/>
+              <a:t> </a:t>
+            </a:r>
+            <a:r>
+              <a:rPr lang="es-ES" sz="1400" dirty="0" err="1"/>
+              <a:t>out</a:t>
+            </a:r>
+            <a:r>
+              <a:rPr lang="es-ES" sz="1400" dirty="0"/>
+              <a:t> a </a:t>
+            </a:r>
+            <a:r>
+              <a:rPr lang="es-ES" sz="1400" dirty="0" err="1"/>
+              <a:t>deeper</a:t>
+            </a:r>
+            <a:r>
+              <a:rPr lang="es-ES" sz="1400" dirty="0"/>
+              <a:t> análisis </a:t>
+            </a:r>
+            <a:r>
+              <a:rPr lang="es-ES" sz="1400" dirty="0" err="1"/>
+              <a:t>into</a:t>
+            </a:r>
+            <a:r>
+              <a:rPr lang="es-ES" sz="1400" dirty="0"/>
+              <a:t> </a:t>
+            </a:r>
+            <a:r>
+              <a:rPr lang="es-ES" sz="1400" dirty="0" err="1"/>
+              <a:t>salary</a:t>
+            </a:r>
+            <a:r>
+              <a:rPr lang="es-ES" sz="1400" dirty="0"/>
+              <a:t> drivers in </a:t>
+            </a:r>
+            <a:r>
+              <a:rPr lang="es-ES" sz="1400" dirty="0" err="1"/>
+              <a:t>the</a:t>
+            </a:r>
+            <a:r>
+              <a:rPr lang="es-ES" sz="1400" dirty="0"/>
+              <a:t> </a:t>
+            </a:r>
+            <a:r>
+              <a:rPr lang="es-ES" sz="1400" dirty="0" err="1"/>
+              <a:t>industry</a:t>
+            </a:r>
+            <a:r>
+              <a:rPr lang="es-ES" sz="1400"/>
+              <a:t>.</a:t>
             </a:r>
           </a:p>
         </p:txBody>
@@ -20033,7 +19554,7 @@
     </p:spTree>
     <p:extLst>
       <p:ext uri="{BB962C8B-B14F-4D97-AF65-F5344CB8AC3E}">
-        <p14:creationId xmlns:p14="http://schemas.microsoft.com/office/powerpoint/2010/main" val="2150291328"/>
+        <p14:creationId xmlns:p14="http://schemas.microsoft.com/office/powerpoint/2010/main" val="1584942961"/>
       </p:ext>
     </p:extLst>
   </p:cSld>
@@ -20835,15 +20356,6 @@
 </file>
 
 <file path=customXml/item1.xml><?xml version="1.0" encoding="utf-8"?>
-<?mso-contentType ?>
-<FormTemplates xmlns="http://schemas.microsoft.com/sharepoint/v3/contenttype/forms">
-  <Display>DocumentLibraryForm</Display>
-  <Edit>DocumentLibraryForm</Edit>
-  <New>DocumentLibraryForm</New>
-</FormTemplates>
-</file>
-
-<file path=customXml/item2.xml><?xml version="1.0" encoding="utf-8"?>
 <ct:contentTypeSchema xmlns:ct="http://schemas.microsoft.com/office/2006/metadata/contentType" xmlns:ma="http://schemas.microsoft.com/office/2006/metadata/properties/metaAttributes" ct:_="" ma:_="" ma:contentTypeName="Document" ma:contentTypeID="0x01010079F111ED35F8CC479449609E8A0923A6" ma:contentTypeVersion="20" ma:contentTypeDescription="Create a new document." ma:contentTypeScope="" ma:versionID="1267097ee5f5874adfcc408041ae252e">
   <xsd:schema xmlns:xsd="http://www.w3.org/2001/XMLSchema" xmlns:xs="http://www.w3.org/2001/XMLSchema" xmlns:p="http://schemas.microsoft.com/office/2006/metadata/properties" xmlns:ns1="http://schemas.microsoft.com/sharepoint/v3" xmlns:ns2="71af3243-3dd4-4a8d-8c0d-dd76da1f02a5" xmlns:ns3="16c05727-aa75-4e4a-9b5f-8a80a1165891" xmlns:ns4="230e9df3-be65-4c73-a93b-d1236ebd677e" targetNamespace="http://schemas.microsoft.com/office/2006/metadata/properties" ma:root="true" ma:fieldsID="395891a93df65b14727750f2c06c306c" ns1:_="" ns2:_="" ns3:_="" ns4:_="">
     <xsd:import namespace="http://schemas.microsoft.com/sharepoint/v3"/>
@@ -21119,6 +20631,15 @@
 </ct:contentTypeSchema>
 </file>
 
+<file path=customXml/item2.xml><?xml version="1.0" encoding="utf-8"?>
+<?mso-contentType ?>
+<FormTemplates xmlns="http://schemas.microsoft.com/sharepoint/v3/contenttype/forms">
+  <Display>DocumentLibraryForm</Display>
+  <Edit>DocumentLibraryForm</Edit>
+  <New>DocumentLibraryForm</New>
+</FormTemplates>
+</file>
+
 <file path=customXml/item3.xml><?xml version="1.0" encoding="utf-8"?>
 <p:properties xmlns:p="http://schemas.microsoft.com/office/2006/metadata/properties" xmlns:xsi="http://www.w3.org/2001/XMLSchema-instance" xmlns:pc="http://schemas.microsoft.com/office/infopath/2007/PartnerControls">
   <documentManagement>
@@ -21139,14 +20660,6 @@
 </file>
 
 <file path=customXml/itemProps1.xml><?xml version="1.0" encoding="utf-8"?>
-<ds:datastoreItem xmlns:ds="http://schemas.openxmlformats.org/officeDocument/2006/customXml" ds:itemID="{0FD6FE22-81A0-4500-AFD0-342D21BB9A2C}">
-  <ds:schemaRefs>
-    <ds:schemaRef ds:uri="http://schemas.microsoft.com/sharepoint/v3/contenttype/forms"/>
-  </ds:schemaRefs>
-</ds:datastoreItem>
-</file>
-
-<file path=customXml/itemProps2.xml><?xml version="1.0" encoding="utf-8"?>
 <ds:datastoreItem xmlns:ds="http://schemas.openxmlformats.org/officeDocument/2006/customXml" ds:itemID="{CC96B61E-1B64-430F-934F-7D1B90028029}">
   <ds:schemaRefs>
     <ds:schemaRef ds:uri="http://schemas.microsoft.com/office/2006/metadata/contentType"/>
@@ -21163,6 +20676,14 @@
     <ds:schemaRef ds:uri="http://purl.org/dc/elements/1.1/"/>
     <ds:schemaRef ds:uri="http://purl.org/dc/terms/"/>
     <ds:schemaRef ds:uri="http://schemas.microsoft.com/internal/obd"/>
+  </ds:schemaRefs>
+</ds:datastoreItem>
+</file>
+
+<file path=customXml/itemProps2.xml><?xml version="1.0" encoding="utf-8"?>
+<ds:datastoreItem xmlns:ds="http://schemas.openxmlformats.org/officeDocument/2006/customXml" ds:itemID="{0FD6FE22-81A0-4500-AFD0-342D21BB9A2C}">
+  <ds:schemaRefs>
+    <ds:schemaRef ds:uri="http://schemas.microsoft.com/sharepoint/v3/contenttype/forms"/>
   </ds:schemaRefs>
 </ds:datastoreItem>
 </file>

--- a/Highest paying athletes.pptx
+++ b/Highest paying athletes.pptx
@@ -5,10 +5,10 @@
     <p:sldMasterId id="2147483648" r:id="rId4"/>
   </p:sldMasterIdLst>
   <p:notesMasterIdLst>
-    <p:notesMasterId r:id="rId30"/>
+    <p:notesMasterId r:id="rId33"/>
   </p:notesMasterIdLst>
   <p:handoutMasterIdLst>
-    <p:handoutMasterId r:id="rId31"/>
+    <p:handoutMasterId r:id="rId34"/>
   </p:handoutMasterIdLst>
   <p:sldIdLst>
     <p:sldId id="256" r:id="rId5"/>
@@ -18,24 +18,27 @@
     <p:sldId id="276" r:id="rId9"/>
     <p:sldId id="277" r:id="rId10"/>
     <p:sldId id="279" r:id="rId11"/>
-    <p:sldId id="260" r:id="rId12"/>
-    <p:sldId id="294" r:id="rId13"/>
-    <p:sldId id="280" r:id="rId14"/>
-    <p:sldId id="272" r:id="rId15"/>
-    <p:sldId id="283" r:id="rId16"/>
-    <p:sldId id="282" r:id="rId17"/>
-    <p:sldId id="281" r:id="rId18"/>
-    <p:sldId id="273" r:id="rId19"/>
-    <p:sldId id="275" r:id="rId20"/>
-    <p:sldId id="270" r:id="rId21"/>
-    <p:sldId id="290" r:id="rId22"/>
-    <p:sldId id="292" r:id="rId23"/>
-    <p:sldId id="293" r:id="rId24"/>
-    <p:sldId id="291" r:id="rId25"/>
-    <p:sldId id="285" r:id="rId26"/>
-    <p:sldId id="286" r:id="rId27"/>
-    <p:sldId id="266" r:id="rId28"/>
-    <p:sldId id="271" r:id="rId29"/>
+    <p:sldId id="295" r:id="rId12"/>
+    <p:sldId id="260" r:id="rId13"/>
+    <p:sldId id="294" r:id="rId14"/>
+    <p:sldId id="280" r:id="rId15"/>
+    <p:sldId id="296" r:id="rId16"/>
+    <p:sldId id="272" r:id="rId17"/>
+    <p:sldId id="283" r:id="rId18"/>
+    <p:sldId id="282" r:id="rId19"/>
+    <p:sldId id="281" r:id="rId20"/>
+    <p:sldId id="297" r:id="rId21"/>
+    <p:sldId id="273" r:id="rId22"/>
+    <p:sldId id="275" r:id="rId23"/>
+    <p:sldId id="270" r:id="rId24"/>
+    <p:sldId id="290" r:id="rId25"/>
+    <p:sldId id="292" r:id="rId26"/>
+    <p:sldId id="293" r:id="rId27"/>
+    <p:sldId id="291" r:id="rId28"/>
+    <p:sldId id="285" r:id="rId29"/>
+    <p:sldId id="286" r:id="rId30"/>
+    <p:sldId id="266" r:id="rId31"/>
+    <p:sldId id="271" r:id="rId32"/>
   </p:sldIdLst>
   <p:sldSz cx="12192000" cy="6858000"/>
   <p:notesSz cx="6858000" cy="9144000"/>
@@ -148,7 +151,7 @@
 <file path=ppt/revisionInfo.xml><?xml version="1.0" encoding="utf-8"?>
 <p1510:revInfo xmlns:a="http://schemas.openxmlformats.org/drawingml/2006/main" xmlns:r="http://schemas.openxmlformats.org/officeDocument/2006/relationships" xmlns:p1510="http://schemas.microsoft.com/office/powerpoint/2015/10/main">
   <p1510:revLst>
-    <p1510:client id="{C888A48D-F230-4DC9-83B3-65F5A35436E2}" v="67" dt="2023-11-21T01:04:44.819"/>
+    <p1510:client id="{C888A48D-F230-4DC9-83B3-65F5A35436E2}" v="70" dt="2023-11-21T01:13:31.701"/>
   </p1510:revLst>
 </p1510:revInfo>
 </file>
@@ -158,7 +161,7 @@
   <pc:docChgLst>
     <pc:chgData name="Fernanda Valdez" userId="d7d7d7d74fc48452" providerId="LiveId" clId="{C888A48D-F230-4DC9-83B3-65F5A35436E2}"/>
     <pc:docChg chg="undo redo custSel addSld delSld modSld sldOrd">
-      <pc:chgData name="Fernanda Valdez" userId="d7d7d7d74fc48452" providerId="LiveId" clId="{C888A48D-F230-4DC9-83B3-65F5A35436E2}" dt="2023-11-21T01:05:33.691" v="4091" actId="1076"/>
+      <pc:chgData name="Fernanda Valdez" userId="d7d7d7d74fc48452" providerId="LiveId" clId="{C888A48D-F230-4DC9-83B3-65F5A35436E2}" dt="2023-11-21T01:14:23.397" v="4474" actId="20577"/>
       <pc:docMkLst>
         <pc:docMk/>
       </pc:docMkLst>
@@ -1786,6 +1789,59 @@
           </ac:spMkLst>
         </pc:spChg>
       </pc:sldChg>
+      <pc:sldChg chg="modSp add mod">
+        <pc:chgData name="Fernanda Valdez" userId="d7d7d7d74fc48452" providerId="LiveId" clId="{C888A48D-F230-4DC9-83B3-65F5A35436E2}" dt="2023-11-21T01:12:02.379" v="4229" actId="1076"/>
+        <pc:sldMkLst>
+          <pc:docMk/>
+          <pc:sldMk cId="1068870747" sldId="295"/>
+        </pc:sldMkLst>
+        <pc:spChg chg="mod">
+          <ac:chgData name="Fernanda Valdez" userId="d7d7d7d74fc48452" providerId="LiveId" clId="{C888A48D-F230-4DC9-83B3-65F5A35436E2}" dt="2023-11-21T01:11:41.158" v="4223" actId="1076"/>
+          <ac:spMkLst>
+            <pc:docMk/>
+            <pc:sldMk cId="1068870747" sldId="295"/>
+            <ac:spMk id="2" creationId="{4518FC28-E0BD-4387-B8BE-9965D1A57FF1}"/>
+          </ac:spMkLst>
+        </pc:spChg>
+        <pc:spChg chg="mod">
+          <ac:chgData name="Fernanda Valdez" userId="d7d7d7d74fc48452" providerId="LiveId" clId="{C888A48D-F230-4DC9-83B3-65F5A35436E2}" dt="2023-11-21T01:12:02.379" v="4229" actId="1076"/>
+          <ac:spMkLst>
+            <pc:docMk/>
+            <pc:sldMk cId="1068870747" sldId="295"/>
+            <ac:spMk id="3" creationId="{FED19BCA-B61F-4EA6-A1FB-CCA3BD8506FB}"/>
+          </ac:spMkLst>
+        </pc:spChg>
+      </pc:sldChg>
+      <pc:sldChg chg="modSp add mod">
+        <pc:chgData name="Fernanda Valdez" userId="d7d7d7d74fc48452" providerId="LiveId" clId="{C888A48D-F230-4DC9-83B3-65F5A35436E2}" dt="2023-11-21T01:13:23.437" v="4400" actId="20577"/>
+        <pc:sldMkLst>
+          <pc:docMk/>
+          <pc:sldMk cId="3001216136" sldId="296"/>
+        </pc:sldMkLst>
+        <pc:spChg chg="mod">
+          <ac:chgData name="Fernanda Valdez" userId="d7d7d7d74fc48452" providerId="LiveId" clId="{C888A48D-F230-4DC9-83B3-65F5A35436E2}" dt="2023-11-21T01:13:23.437" v="4400" actId="20577"/>
+          <ac:spMkLst>
+            <pc:docMk/>
+            <pc:sldMk cId="3001216136" sldId="296"/>
+            <ac:spMk id="3" creationId="{FED19BCA-B61F-4EA6-A1FB-CCA3BD8506FB}"/>
+          </ac:spMkLst>
+        </pc:spChg>
+      </pc:sldChg>
+      <pc:sldChg chg="modSp add mod">
+        <pc:chgData name="Fernanda Valdez" userId="d7d7d7d74fc48452" providerId="LiveId" clId="{C888A48D-F230-4DC9-83B3-65F5A35436E2}" dt="2023-11-21T01:14:23.397" v="4474" actId="20577"/>
+        <pc:sldMkLst>
+          <pc:docMk/>
+          <pc:sldMk cId="2996984801" sldId="297"/>
+        </pc:sldMkLst>
+        <pc:spChg chg="mod">
+          <ac:chgData name="Fernanda Valdez" userId="d7d7d7d74fc48452" providerId="LiveId" clId="{C888A48D-F230-4DC9-83B3-65F5A35436E2}" dt="2023-11-21T01:14:23.397" v="4474" actId="20577"/>
+          <ac:spMkLst>
+            <pc:docMk/>
+            <pc:sldMk cId="2996984801" sldId="297"/>
+            <ac:spMk id="3" creationId="{FED19BCA-B61F-4EA6-A1FB-CCA3BD8506FB}"/>
+          </ac:spMkLst>
+        </pc:spChg>
+      </pc:sldChg>
     </pc:docChg>
   </pc:docChgLst>
 </pc:chgInfo>
@@ -2507,7 +2563,7 @@
     </p:spTree>
     <p:extLst>
       <p:ext uri="{BB962C8B-B14F-4D97-AF65-F5344CB8AC3E}">
-        <p14:creationId xmlns:p14="http://schemas.microsoft.com/office/powerpoint/2010/main" val="4064346090"/>
+        <p14:creationId xmlns:p14="http://schemas.microsoft.com/office/powerpoint/2010/main" val="744345855"/>
       </p:ext>
     </p:extLst>
   </p:cSld>
@@ -2592,7 +2648,7 @@
     </p:spTree>
     <p:extLst>
       <p:ext uri="{BB962C8B-B14F-4D97-AF65-F5344CB8AC3E}">
-        <p14:creationId xmlns:p14="http://schemas.microsoft.com/office/powerpoint/2010/main" val="1508356871"/>
+        <p14:creationId xmlns:p14="http://schemas.microsoft.com/office/powerpoint/2010/main" val="4064346090"/>
       </p:ext>
     </p:extLst>
   </p:cSld>
@@ -2677,7 +2733,7 @@
     </p:spTree>
     <p:extLst>
       <p:ext uri="{BB962C8B-B14F-4D97-AF65-F5344CB8AC3E}">
-        <p14:creationId xmlns:p14="http://schemas.microsoft.com/office/powerpoint/2010/main" val="1861511553"/>
+        <p14:creationId xmlns:p14="http://schemas.microsoft.com/office/powerpoint/2010/main" val="3455149220"/>
       </p:ext>
     </p:extLst>
   </p:cSld>
@@ -2762,7 +2818,7 @@
     </p:spTree>
     <p:extLst>
       <p:ext uri="{BB962C8B-B14F-4D97-AF65-F5344CB8AC3E}">
-        <p14:creationId xmlns:p14="http://schemas.microsoft.com/office/powerpoint/2010/main" val="3695295266"/>
+        <p14:creationId xmlns:p14="http://schemas.microsoft.com/office/powerpoint/2010/main" val="1508356871"/>
       </p:ext>
     </p:extLst>
   </p:cSld>
@@ -2847,7 +2903,7 @@
     </p:spTree>
     <p:extLst>
       <p:ext uri="{BB962C8B-B14F-4D97-AF65-F5344CB8AC3E}">
-        <p14:creationId xmlns:p14="http://schemas.microsoft.com/office/powerpoint/2010/main" val="2875452572"/>
+        <p14:creationId xmlns:p14="http://schemas.microsoft.com/office/powerpoint/2010/main" val="1861511553"/>
       </p:ext>
     </p:extLst>
   </p:cSld>
@@ -2932,7 +2988,7 @@
     </p:spTree>
     <p:extLst>
       <p:ext uri="{BB962C8B-B14F-4D97-AF65-F5344CB8AC3E}">
-        <p14:creationId xmlns:p14="http://schemas.microsoft.com/office/powerpoint/2010/main" val="2482573018"/>
+        <p14:creationId xmlns:p14="http://schemas.microsoft.com/office/powerpoint/2010/main" val="3695295266"/>
       </p:ext>
     </p:extLst>
   </p:cSld>
@@ -3017,7 +3073,7 @@
     </p:spTree>
     <p:extLst>
       <p:ext uri="{BB962C8B-B14F-4D97-AF65-F5344CB8AC3E}">
-        <p14:creationId xmlns:p14="http://schemas.microsoft.com/office/powerpoint/2010/main" val="3072382898"/>
+        <p14:creationId xmlns:p14="http://schemas.microsoft.com/office/powerpoint/2010/main" val="2875452572"/>
       </p:ext>
     </p:extLst>
   </p:cSld>
@@ -3102,7 +3158,7 @@
     </p:spTree>
     <p:extLst>
       <p:ext uri="{BB962C8B-B14F-4D97-AF65-F5344CB8AC3E}">
-        <p14:creationId xmlns:p14="http://schemas.microsoft.com/office/powerpoint/2010/main" val="2482224959"/>
+        <p14:creationId xmlns:p14="http://schemas.microsoft.com/office/powerpoint/2010/main" val="1586950644"/>
       </p:ext>
     </p:extLst>
   </p:cSld>
@@ -3187,7 +3243,7 @@
     </p:spTree>
     <p:extLst>
       <p:ext uri="{BB962C8B-B14F-4D97-AF65-F5344CB8AC3E}">
-        <p14:creationId xmlns:p14="http://schemas.microsoft.com/office/powerpoint/2010/main" val="1524502082"/>
+        <p14:creationId xmlns:p14="http://schemas.microsoft.com/office/powerpoint/2010/main" val="2482573018"/>
       </p:ext>
     </p:extLst>
   </p:cSld>
@@ -3272,7 +3328,7 @@
     </p:spTree>
     <p:extLst>
       <p:ext uri="{BB962C8B-B14F-4D97-AF65-F5344CB8AC3E}">
-        <p14:creationId xmlns:p14="http://schemas.microsoft.com/office/powerpoint/2010/main" val="2050678020"/>
+        <p14:creationId xmlns:p14="http://schemas.microsoft.com/office/powerpoint/2010/main" val="3072382898"/>
       </p:ext>
     </p:extLst>
   </p:cSld>
@@ -3442,7 +3498,7 @@
     </p:spTree>
     <p:extLst>
       <p:ext uri="{BB962C8B-B14F-4D97-AF65-F5344CB8AC3E}">
-        <p14:creationId xmlns:p14="http://schemas.microsoft.com/office/powerpoint/2010/main" val="2954652686"/>
+        <p14:creationId xmlns:p14="http://schemas.microsoft.com/office/powerpoint/2010/main" val="2482224959"/>
       </p:ext>
     </p:extLst>
   </p:cSld>
@@ -3527,7 +3583,7 @@
     </p:spTree>
     <p:extLst>
       <p:ext uri="{BB962C8B-B14F-4D97-AF65-F5344CB8AC3E}">
-        <p14:creationId xmlns:p14="http://schemas.microsoft.com/office/powerpoint/2010/main" val="3527123899"/>
+        <p14:creationId xmlns:p14="http://schemas.microsoft.com/office/powerpoint/2010/main" val="1524502082"/>
       </p:ext>
     </p:extLst>
   </p:cSld>
@@ -3612,7 +3668,7 @@
     </p:spTree>
     <p:extLst>
       <p:ext uri="{BB962C8B-B14F-4D97-AF65-F5344CB8AC3E}">
-        <p14:creationId xmlns:p14="http://schemas.microsoft.com/office/powerpoint/2010/main" val="2230030803"/>
+        <p14:creationId xmlns:p14="http://schemas.microsoft.com/office/powerpoint/2010/main" val="2050678020"/>
       </p:ext>
     </p:extLst>
   </p:cSld>
@@ -3697,7 +3753,7 @@
     </p:spTree>
     <p:extLst>
       <p:ext uri="{BB962C8B-B14F-4D97-AF65-F5344CB8AC3E}">
-        <p14:creationId xmlns:p14="http://schemas.microsoft.com/office/powerpoint/2010/main" val="324268012"/>
+        <p14:creationId xmlns:p14="http://schemas.microsoft.com/office/powerpoint/2010/main" val="2954652686"/>
       </p:ext>
     </p:extLst>
   </p:cSld>
@@ -3782,7 +3838,7 @@
     </p:spTree>
     <p:extLst>
       <p:ext uri="{BB962C8B-B14F-4D97-AF65-F5344CB8AC3E}">
-        <p14:creationId xmlns:p14="http://schemas.microsoft.com/office/powerpoint/2010/main" val="954942207"/>
+        <p14:creationId xmlns:p14="http://schemas.microsoft.com/office/powerpoint/2010/main" val="3527123899"/>
       </p:ext>
     </p:extLst>
   </p:cSld>
@@ -3859,6 +3915,261 @@
             <a:fld id="{22289C57-55D7-40A4-A101-E74FAC7A092B}" type="slidenum">
               <a:rPr lang="es-ES" smtClean="0"/>
               <a:t>25</a:t>
+            </a:fld>
+            <a:endParaRPr lang="es-ES" dirty="0"/>
+          </a:p>
+        </p:txBody>
+      </p:sp>
+    </p:spTree>
+    <p:extLst>
+      <p:ext uri="{BB962C8B-B14F-4D97-AF65-F5344CB8AC3E}">
+        <p14:creationId xmlns:p14="http://schemas.microsoft.com/office/powerpoint/2010/main" val="2230030803"/>
+      </p:ext>
+    </p:extLst>
+  </p:cSld>
+  <p:clrMapOvr>
+    <a:masterClrMapping/>
+  </p:clrMapOvr>
+</p:notes>
+</file>
+
+<file path=ppt/notesSlides/notesSlide26.xml><?xml version="1.0" encoding="utf-8"?>
+<p:notes xmlns:a="http://schemas.openxmlformats.org/drawingml/2006/main" xmlns:r="http://schemas.openxmlformats.org/officeDocument/2006/relationships" xmlns:p="http://schemas.openxmlformats.org/presentationml/2006/main">
+  <p:cSld>
+    <p:spTree>
+      <p:nvGrpSpPr>
+        <p:cNvPr id="1" name=""/>
+        <p:cNvGrpSpPr/>
+        <p:nvPr/>
+      </p:nvGrpSpPr>
+      <p:grpSpPr>
+        <a:xfrm>
+          <a:off x="0" y="0"/>
+          <a:ext cx="0" cy="0"/>
+          <a:chOff x="0" y="0"/>
+          <a:chExt cx="0" cy="0"/>
+        </a:xfrm>
+      </p:grpSpPr>
+      <p:sp>
+        <p:nvSpPr>
+          <p:cNvPr id="2" name="Marcador de imagen de diapositiva 1"/>
+          <p:cNvSpPr>
+            <a:spLocks noGrp="1" noRot="1" noChangeAspect="1"/>
+          </p:cNvSpPr>
+          <p:nvPr>
+            <p:ph type="sldImg"/>
+          </p:nvPr>
+        </p:nvSpPr>
+        <p:spPr/>
+      </p:sp>
+      <p:sp>
+        <p:nvSpPr>
+          <p:cNvPr id="3" name="Marcador de notas 2"/>
+          <p:cNvSpPr>
+            <a:spLocks noGrp="1"/>
+          </p:cNvSpPr>
+          <p:nvPr>
+            <p:ph type="body" idx="1"/>
+          </p:nvPr>
+        </p:nvSpPr>
+        <p:spPr/>
+        <p:txBody>
+          <a:bodyPr/>
+          <a:lstStyle/>
+          <a:p>
+            <a:endParaRPr lang="es-ES" dirty="0"/>
+          </a:p>
+        </p:txBody>
+      </p:sp>
+      <p:sp>
+        <p:nvSpPr>
+          <p:cNvPr id="4" name="Marcador de número de diapositiva 3"/>
+          <p:cNvSpPr>
+            <a:spLocks noGrp="1"/>
+          </p:cNvSpPr>
+          <p:nvPr>
+            <p:ph type="sldNum" sz="quarter" idx="5"/>
+          </p:nvPr>
+        </p:nvSpPr>
+        <p:spPr/>
+        <p:txBody>
+          <a:bodyPr/>
+          <a:lstStyle/>
+          <a:p>
+            <a:pPr rtl="0"/>
+            <a:fld id="{22289C57-55D7-40A4-A101-E74FAC7A092B}" type="slidenum">
+              <a:rPr lang="es-ES" smtClean="0"/>
+              <a:t>26</a:t>
+            </a:fld>
+            <a:endParaRPr lang="es-ES" dirty="0"/>
+          </a:p>
+        </p:txBody>
+      </p:sp>
+    </p:spTree>
+    <p:extLst>
+      <p:ext uri="{BB962C8B-B14F-4D97-AF65-F5344CB8AC3E}">
+        <p14:creationId xmlns:p14="http://schemas.microsoft.com/office/powerpoint/2010/main" val="324268012"/>
+      </p:ext>
+    </p:extLst>
+  </p:cSld>
+  <p:clrMapOvr>
+    <a:masterClrMapping/>
+  </p:clrMapOvr>
+</p:notes>
+</file>
+
+<file path=ppt/notesSlides/notesSlide27.xml><?xml version="1.0" encoding="utf-8"?>
+<p:notes xmlns:a="http://schemas.openxmlformats.org/drawingml/2006/main" xmlns:r="http://schemas.openxmlformats.org/officeDocument/2006/relationships" xmlns:p="http://schemas.openxmlformats.org/presentationml/2006/main">
+  <p:cSld>
+    <p:spTree>
+      <p:nvGrpSpPr>
+        <p:cNvPr id="1" name=""/>
+        <p:cNvGrpSpPr/>
+        <p:nvPr/>
+      </p:nvGrpSpPr>
+      <p:grpSpPr>
+        <a:xfrm>
+          <a:off x="0" y="0"/>
+          <a:ext cx="0" cy="0"/>
+          <a:chOff x="0" y="0"/>
+          <a:chExt cx="0" cy="0"/>
+        </a:xfrm>
+      </p:grpSpPr>
+      <p:sp>
+        <p:nvSpPr>
+          <p:cNvPr id="2" name="Marcador de imagen de diapositiva 1"/>
+          <p:cNvSpPr>
+            <a:spLocks noGrp="1" noRot="1" noChangeAspect="1"/>
+          </p:cNvSpPr>
+          <p:nvPr>
+            <p:ph type="sldImg"/>
+          </p:nvPr>
+        </p:nvSpPr>
+        <p:spPr/>
+      </p:sp>
+      <p:sp>
+        <p:nvSpPr>
+          <p:cNvPr id="3" name="Marcador de notas 2"/>
+          <p:cNvSpPr>
+            <a:spLocks noGrp="1"/>
+          </p:cNvSpPr>
+          <p:nvPr>
+            <p:ph type="body" idx="1"/>
+          </p:nvPr>
+        </p:nvSpPr>
+        <p:spPr/>
+        <p:txBody>
+          <a:bodyPr/>
+          <a:lstStyle/>
+          <a:p>
+            <a:endParaRPr lang="es-ES" dirty="0"/>
+          </a:p>
+        </p:txBody>
+      </p:sp>
+      <p:sp>
+        <p:nvSpPr>
+          <p:cNvPr id="4" name="Marcador de número de diapositiva 3"/>
+          <p:cNvSpPr>
+            <a:spLocks noGrp="1"/>
+          </p:cNvSpPr>
+          <p:nvPr>
+            <p:ph type="sldNum" sz="quarter" idx="5"/>
+          </p:nvPr>
+        </p:nvSpPr>
+        <p:spPr/>
+        <p:txBody>
+          <a:bodyPr/>
+          <a:lstStyle/>
+          <a:p>
+            <a:pPr rtl="0"/>
+            <a:fld id="{22289C57-55D7-40A4-A101-E74FAC7A092B}" type="slidenum">
+              <a:rPr lang="es-ES" smtClean="0"/>
+              <a:t>27</a:t>
+            </a:fld>
+            <a:endParaRPr lang="es-ES" dirty="0"/>
+          </a:p>
+        </p:txBody>
+      </p:sp>
+    </p:spTree>
+    <p:extLst>
+      <p:ext uri="{BB962C8B-B14F-4D97-AF65-F5344CB8AC3E}">
+        <p14:creationId xmlns:p14="http://schemas.microsoft.com/office/powerpoint/2010/main" val="954942207"/>
+      </p:ext>
+    </p:extLst>
+  </p:cSld>
+  <p:clrMapOvr>
+    <a:masterClrMapping/>
+  </p:clrMapOvr>
+</p:notes>
+</file>
+
+<file path=ppt/notesSlides/notesSlide28.xml><?xml version="1.0" encoding="utf-8"?>
+<p:notes xmlns:a="http://schemas.openxmlformats.org/drawingml/2006/main" xmlns:r="http://schemas.openxmlformats.org/officeDocument/2006/relationships" xmlns:p="http://schemas.openxmlformats.org/presentationml/2006/main">
+  <p:cSld>
+    <p:spTree>
+      <p:nvGrpSpPr>
+        <p:cNvPr id="1" name=""/>
+        <p:cNvGrpSpPr/>
+        <p:nvPr/>
+      </p:nvGrpSpPr>
+      <p:grpSpPr>
+        <a:xfrm>
+          <a:off x="0" y="0"/>
+          <a:ext cx="0" cy="0"/>
+          <a:chOff x="0" y="0"/>
+          <a:chExt cx="0" cy="0"/>
+        </a:xfrm>
+      </p:grpSpPr>
+      <p:sp>
+        <p:nvSpPr>
+          <p:cNvPr id="2" name="Marcador de imagen de diapositiva 1"/>
+          <p:cNvSpPr>
+            <a:spLocks noGrp="1" noRot="1" noChangeAspect="1"/>
+          </p:cNvSpPr>
+          <p:nvPr>
+            <p:ph type="sldImg"/>
+          </p:nvPr>
+        </p:nvSpPr>
+        <p:spPr/>
+      </p:sp>
+      <p:sp>
+        <p:nvSpPr>
+          <p:cNvPr id="3" name="Marcador de notas 2"/>
+          <p:cNvSpPr>
+            <a:spLocks noGrp="1"/>
+          </p:cNvSpPr>
+          <p:nvPr>
+            <p:ph type="body" idx="1"/>
+          </p:nvPr>
+        </p:nvSpPr>
+        <p:spPr/>
+        <p:txBody>
+          <a:bodyPr/>
+          <a:lstStyle/>
+          <a:p>
+            <a:endParaRPr lang="es-ES" dirty="0"/>
+          </a:p>
+        </p:txBody>
+      </p:sp>
+      <p:sp>
+        <p:nvSpPr>
+          <p:cNvPr id="4" name="Marcador de número de diapositiva 3"/>
+          <p:cNvSpPr>
+            <a:spLocks noGrp="1"/>
+          </p:cNvSpPr>
+          <p:nvPr>
+            <p:ph type="sldNum" sz="quarter" idx="5"/>
+          </p:nvPr>
+        </p:nvSpPr>
+        <p:spPr/>
+        <p:txBody>
+          <a:bodyPr/>
+          <a:lstStyle/>
+          <a:p>
+            <a:pPr rtl="0"/>
+            <a:fld id="{22289C57-55D7-40A4-A101-E74FAC7A092B}" type="slidenum">
+              <a:rPr lang="es-ES" smtClean="0"/>
+              <a:t>28</a:t>
             </a:fld>
             <a:endParaRPr lang="es-ES" dirty="0"/>
           </a:p>
@@ -4377,7 +4688,7 @@
     </p:spTree>
     <p:extLst>
       <p:ext uri="{BB962C8B-B14F-4D97-AF65-F5344CB8AC3E}">
-        <p14:creationId xmlns:p14="http://schemas.microsoft.com/office/powerpoint/2010/main" val="1252516763"/>
+        <p14:creationId xmlns:p14="http://schemas.microsoft.com/office/powerpoint/2010/main" val="2041633866"/>
       </p:ext>
     </p:extLst>
   </p:cSld>
@@ -4462,7 +4773,7 @@
     </p:spTree>
     <p:extLst>
       <p:ext uri="{BB962C8B-B14F-4D97-AF65-F5344CB8AC3E}">
-        <p14:creationId xmlns:p14="http://schemas.microsoft.com/office/powerpoint/2010/main" val="744345855"/>
+        <p14:creationId xmlns:p14="http://schemas.microsoft.com/office/powerpoint/2010/main" val="1252516763"/>
       </p:ext>
     </p:extLst>
   </p:cSld>
@@ -13564,21 +13875,21 @@
           <p:cNvPr id="2" name="Título 1">
             <a:extLst>
               <a:ext uri="{FF2B5EF4-FFF2-40B4-BE49-F238E27FC236}">
-                <a16:creationId xmlns:a16="http://schemas.microsoft.com/office/drawing/2014/main" id="{B1FE5F11-B7B9-4B80-8C6A-A8A7A7190B77}"/>
-              </a:ext>
-            </a:extLst>
-          </p:cNvPr>
-          <p:cNvSpPr>
-            <a:spLocks noGrp="1"/>
-          </p:cNvSpPr>
-          <p:nvPr>
-            <p:ph type="ctrTitle"/>
-          </p:nvPr>
-        </p:nvSpPr>
-        <p:spPr>
-          <a:xfrm>
-            <a:off x="6389390" y="2571234"/>
-            <a:ext cx="5074920" cy="1715531"/>
+                <a16:creationId xmlns:a16="http://schemas.microsoft.com/office/drawing/2014/main" id="{42DD0E59-4C68-4F87-9821-23C69713D980}"/>
+              </a:ext>
+            </a:extLst>
+          </p:cNvPr>
+          <p:cNvSpPr>
+            <a:spLocks noGrp="1"/>
+          </p:cNvSpPr>
+          <p:nvPr>
+            <p:ph type="title"/>
+          </p:nvPr>
+        </p:nvSpPr>
+        <p:spPr>
+          <a:xfrm>
+            <a:off x="1885156" y="892177"/>
+            <a:ext cx="8421688" cy="1325563"/>
           </a:xfrm>
         </p:spPr>
         <p:txBody>
@@ -13591,8 +13902,676 @@
           <a:p>
             <a:pPr rtl="0"/>
             <a:r>
-              <a:rPr lang="en-US" sz="2800" dirty="0"/>
-              <a:t>Have top athlete earnings increased in real value over the past 30 years?</a:t>
+              <a:rPr lang="es-ES" dirty="0"/>
+              <a:t>Conclusions</a:t>
+            </a:r>
+          </a:p>
+        </p:txBody>
+      </p:sp>
+      <p:sp>
+        <p:nvSpPr>
+          <p:cNvPr id="57" name="Marcador de pie de página 56">
+            <a:extLst>
+              <a:ext uri="{FF2B5EF4-FFF2-40B4-BE49-F238E27FC236}">
+                <a16:creationId xmlns:a16="http://schemas.microsoft.com/office/drawing/2014/main" id="{3A38BE84-957B-46B9-A315-4B5064DFF1A1}"/>
+              </a:ext>
+            </a:extLst>
+          </p:cNvPr>
+          <p:cNvSpPr>
+            <a:spLocks noGrp="1"/>
+          </p:cNvSpPr>
+          <p:nvPr>
+            <p:ph type="ftr" sz="quarter" idx="11"/>
+          </p:nvPr>
+        </p:nvSpPr>
+        <p:spPr>
+          <a:xfrm>
+            <a:off x="4038600" y="6356350"/>
+            <a:ext cx="4114800" cy="365125"/>
+          </a:xfrm>
+        </p:spPr>
+        <p:txBody>
+          <a:bodyPr rtlCol="0"/>
+          <a:lstStyle>
+            <a:defPPr>
+              <a:defRPr lang="es-ES"/>
+            </a:defPPr>
+          </a:lstStyle>
+          <a:p>
+            <a:pPr rtl="0"/>
+            <a:r>
+              <a:rPr lang="es-ES" dirty="0"/>
+              <a:t>FORBES HIGHEST PAYING ATHLETES</a:t>
+            </a:r>
+          </a:p>
+        </p:txBody>
+      </p:sp>
+      <p:sp>
+        <p:nvSpPr>
+          <p:cNvPr id="58" name="Marcador de número de diapositiva 57">
+            <a:extLst>
+              <a:ext uri="{FF2B5EF4-FFF2-40B4-BE49-F238E27FC236}">
+                <a16:creationId xmlns:a16="http://schemas.microsoft.com/office/drawing/2014/main" id="{E1900601-8B04-4FF3-B06F-6BEFAC6556D3}"/>
+              </a:ext>
+            </a:extLst>
+          </p:cNvPr>
+          <p:cNvSpPr>
+            <a:spLocks noGrp="1"/>
+          </p:cNvSpPr>
+          <p:nvPr>
+            <p:ph type="sldNum" sz="quarter" idx="12"/>
+          </p:nvPr>
+        </p:nvSpPr>
+        <p:spPr>
+          <a:xfrm>
+            <a:off x="8610600" y="6356350"/>
+            <a:ext cx="2743200" cy="365125"/>
+          </a:xfrm>
+        </p:spPr>
+        <p:txBody>
+          <a:bodyPr rtlCol="0"/>
+          <a:lstStyle>
+            <a:defPPr>
+              <a:defRPr lang="es-ES"/>
+            </a:defPPr>
+          </a:lstStyle>
+          <a:p>
+            <a:pPr rtl="0"/>
+            <a:fld id="{A49DFD55-3C28-40EF-9E31-A92D2E4017FF}" type="slidenum">
+              <a:rPr lang="es-ES" smtClean="0"/>
+              <a:pPr rtl="0"/>
+              <a:t>10</a:t>
+            </a:fld>
+            <a:endParaRPr lang="es-ES" dirty="0"/>
+          </a:p>
+        </p:txBody>
+      </p:sp>
+      <p:sp>
+        <p:nvSpPr>
+          <p:cNvPr id="326" name="Marcador de texto 2">
+            <a:extLst>
+              <a:ext uri="{FF2B5EF4-FFF2-40B4-BE49-F238E27FC236}">
+                <a16:creationId xmlns:a16="http://schemas.microsoft.com/office/drawing/2014/main" id="{7B160DB7-BDF4-9939-C740-26EBBB3E0189}"/>
+              </a:ext>
+            </a:extLst>
+          </p:cNvPr>
+          <p:cNvSpPr>
+            <a:spLocks noGrp="1"/>
+          </p:cNvSpPr>
+          <p:nvPr>
+            <p:ph type="body" idx="1"/>
+          </p:nvPr>
+        </p:nvSpPr>
+        <p:spPr>
+          <a:xfrm>
+            <a:off x="1362074" y="2452812"/>
+            <a:ext cx="9605756" cy="2912564"/>
+          </a:xfrm>
+        </p:spPr>
+        <p:txBody>
+          <a:bodyPr rtlCol="0">
+            <a:normAutofit/>
+          </a:bodyPr>
+          <a:lstStyle>
+            <a:defPPr>
+              <a:defRPr lang="es-ES"/>
+            </a:defPPr>
+          </a:lstStyle>
+          <a:p>
+            <a:pPr rtl="0"/>
+            <a:r>
+              <a:rPr lang="es-ES" sz="1400" dirty="0"/>
+              <a:t>66% </a:t>
+            </a:r>
+            <a:r>
+              <a:rPr lang="es-ES" sz="1400" dirty="0" err="1"/>
+              <a:t>of</a:t>
+            </a:r>
+            <a:r>
+              <a:rPr lang="es-ES" sz="1400" dirty="0"/>
+              <a:t> </a:t>
+            </a:r>
+            <a:r>
+              <a:rPr lang="es-ES" sz="1400" dirty="0" err="1"/>
+              <a:t>earnings</a:t>
+            </a:r>
+            <a:r>
+              <a:rPr lang="es-ES" sz="1400" dirty="0"/>
+              <a:t> (US$ 5,696 MM) </a:t>
+            </a:r>
+            <a:r>
+              <a:rPr lang="es-ES" sz="1400" dirty="0" err="1"/>
+              <a:t>go</a:t>
+            </a:r>
+            <a:r>
+              <a:rPr lang="es-ES" sz="1400" dirty="0"/>
+              <a:t> </a:t>
+            </a:r>
+            <a:r>
+              <a:rPr lang="es-ES" sz="1400" dirty="0" err="1"/>
+              <a:t>to</a:t>
+            </a:r>
+            <a:r>
+              <a:rPr lang="es-ES" sz="1400" dirty="0"/>
+              <a:t> USA </a:t>
+            </a:r>
+            <a:r>
+              <a:rPr lang="es-ES" sz="1400" dirty="0" err="1"/>
+              <a:t>athletes</a:t>
+            </a:r>
+            <a:r>
+              <a:rPr lang="es-ES" sz="1400" dirty="0"/>
+              <a:t>. </a:t>
+            </a:r>
+            <a:r>
+              <a:rPr lang="es-ES" sz="1400" dirty="0" err="1"/>
+              <a:t>Over</a:t>
+            </a:r>
+            <a:r>
+              <a:rPr lang="es-ES" sz="1400" dirty="0"/>
+              <a:t> US$ 2 MM </a:t>
+            </a:r>
+            <a:r>
+              <a:rPr lang="es-ES" sz="1400" dirty="0" err="1"/>
+              <a:t>of</a:t>
+            </a:r>
+            <a:r>
+              <a:rPr lang="es-ES" sz="1400" dirty="0"/>
+              <a:t> </a:t>
+            </a:r>
+            <a:r>
+              <a:rPr lang="es-ES" sz="1400" dirty="0" err="1"/>
+              <a:t>those</a:t>
+            </a:r>
+            <a:r>
+              <a:rPr lang="es-ES" sz="1400" dirty="0"/>
+              <a:t> </a:t>
+            </a:r>
+            <a:r>
+              <a:rPr lang="es-ES" sz="1400" dirty="0" err="1"/>
+              <a:t>earnings</a:t>
+            </a:r>
+            <a:r>
+              <a:rPr lang="es-ES" sz="1400" dirty="0"/>
+              <a:t> come </a:t>
+            </a:r>
+            <a:r>
+              <a:rPr lang="es-ES" sz="1400" dirty="0" err="1"/>
+              <a:t>from</a:t>
+            </a:r>
+            <a:r>
+              <a:rPr lang="es-ES" sz="1400" dirty="0"/>
+              <a:t> </a:t>
+            </a:r>
+            <a:r>
+              <a:rPr lang="es-ES" sz="1400" dirty="0" err="1"/>
+              <a:t>Basketball</a:t>
+            </a:r>
+            <a:r>
+              <a:rPr lang="es-ES" sz="1400" dirty="0"/>
+              <a:t>.</a:t>
+            </a:r>
+          </a:p>
+          <a:p>
+            <a:pPr rtl="0"/>
+            <a:r>
+              <a:rPr lang="es-ES" sz="1400" dirty="0" err="1"/>
+              <a:t>There</a:t>
+            </a:r>
+            <a:r>
+              <a:rPr lang="es-ES" sz="1400" dirty="0"/>
+              <a:t> </a:t>
+            </a:r>
+            <a:r>
+              <a:rPr lang="es-ES" sz="1400" dirty="0" err="1"/>
+              <a:t>is</a:t>
+            </a:r>
+            <a:r>
+              <a:rPr lang="es-ES" sz="1400" dirty="0"/>
+              <a:t> a </a:t>
+            </a:r>
+            <a:r>
+              <a:rPr lang="es-ES" sz="1400" dirty="0" err="1"/>
+              <a:t>clear</a:t>
+            </a:r>
+            <a:r>
+              <a:rPr lang="es-ES" sz="1400" dirty="0"/>
+              <a:t> </a:t>
+            </a:r>
+            <a:r>
+              <a:rPr lang="es-ES" sz="1400" dirty="0" err="1"/>
+              <a:t>difference</a:t>
+            </a:r>
+            <a:r>
+              <a:rPr lang="es-ES" sz="1400" dirty="0"/>
+              <a:t> in top </a:t>
+            </a:r>
+            <a:r>
+              <a:rPr lang="es-ES" sz="1400" dirty="0" err="1"/>
+              <a:t>paid</a:t>
+            </a:r>
+            <a:r>
+              <a:rPr lang="es-ES" sz="1400" dirty="0"/>
+              <a:t> </a:t>
+            </a:r>
+            <a:r>
+              <a:rPr lang="es-ES" sz="1400" dirty="0" err="1"/>
+              <a:t>athlete</a:t>
+            </a:r>
+            <a:r>
+              <a:rPr lang="es-ES" sz="1400" dirty="0"/>
+              <a:t> </a:t>
+            </a:r>
+            <a:r>
+              <a:rPr lang="es-ES" sz="1400" dirty="0" err="1"/>
+              <a:t>nationality</a:t>
+            </a:r>
+            <a:r>
+              <a:rPr lang="es-ES" sz="1400" dirty="0"/>
+              <a:t> </a:t>
+            </a:r>
+            <a:r>
+              <a:rPr lang="es-ES" sz="1400" dirty="0" err="1"/>
+              <a:t>depending</a:t>
+            </a:r>
+            <a:r>
+              <a:rPr lang="es-ES" sz="1400" dirty="0"/>
+              <a:t> </a:t>
+            </a:r>
+            <a:r>
+              <a:rPr lang="es-ES" sz="1400" dirty="0" err="1"/>
+              <a:t>on</a:t>
+            </a:r>
+            <a:r>
+              <a:rPr lang="es-ES" sz="1400" dirty="0"/>
+              <a:t> </a:t>
+            </a:r>
+            <a:r>
+              <a:rPr lang="es-ES" sz="1400" dirty="0" err="1"/>
+              <a:t>sports</a:t>
+            </a:r>
+            <a:r>
+              <a:rPr lang="es-ES" sz="1400" dirty="0"/>
+              <a:t>. </a:t>
+            </a:r>
+            <a:r>
+              <a:rPr lang="es-ES" sz="1400" dirty="0" err="1"/>
+              <a:t>Baketball</a:t>
+            </a:r>
+            <a:r>
+              <a:rPr lang="es-ES" sz="1400" dirty="0"/>
+              <a:t>, American </a:t>
+            </a:r>
+            <a:r>
+              <a:rPr lang="es-ES" sz="1400" dirty="0" err="1"/>
+              <a:t>Football</a:t>
+            </a:r>
+            <a:r>
+              <a:rPr lang="es-ES" sz="1400" dirty="0"/>
+              <a:t>, </a:t>
+            </a:r>
+            <a:r>
+              <a:rPr lang="es-ES" sz="1400" dirty="0" err="1"/>
+              <a:t>Golfing</a:t>
+            </a:r>
+            <a:r>
+              <a:rPr lang="es-ES" sz="1400" dirty="0"/>
+              <a:t> and </a:t>
+            </a:r>
+            <a:r>
+              <a:rPr lang="es-ES" sz="1400" dirty="0" err="1"/>
+              <a:t>Boxing</a:t>
+            </a:r>
+            <a:r>
+              <a:rPr lang="es-ES" sz="1400" dirty="0"/>
+              <a:t> are </a:t>
+            </a:r>
+            <a:r>
+              <a:rPr lang="es-ES" sz="1400" dirty="0" err="1"/>
+              <a:t>predominantly</a:t>
+            </a:r>
+            <a:r>
+              <a:rPr lang="es-ES" sz="1400" dirty="0"/>
+              <a:t> </a:t>
+            </a:r>
+            <a:r>
+              <a:rPr lang="es-ES" sz="1400" dirty="0" err="1"/>
+              <a:t>american</a:t>
+            </a:r>
+            <a:r>
+              <a:rPr lang="es-ES" sz="1400" dirty="0"/>
+              <a:t> </a:t>
+            </a:r>
+            <a:r>
+              <a:rPr lang="es-ES" sz="1400" dirty="0" err="1"/>
+              <a:t>while</a:t>
+            </a:r>
+            <a:r>
+              <a:rPr lang="es-ES" sz="1400" dirty="0"/>
+              <a:t> F1, Soccer and </a:t>
+            </a:r>
+            <a:r>
+              <a:rPr lang="es-ES" sz="1400" dirty="0" err="1"/>
+              <a:t>Tennis</a:t>
+            </a:r>
+            <a:r>
+              <a:rPr lang="es-ES" sz="1400" dirty="0"/>
+              <a:t> are </a:t>
+            </a:r>
+            <a:r>
+              <a:rPr lang="es-ES" sz="1400" dirty="0" err="1"/>
+              <a:t>predominantly</a:t>
+            </a:r>
+            <a:r>
+              <a:rPr lang="es-ES" sz="1400" dirty="0"/>
+              <a:t> </a:t>
+            </a:r>
+            <a:r>
+              <a:rPr lang="es-ES" sz="1400" dirty="0" err="1"/>
+              <a:t>international</a:t>
+            </a:r>
+            <a:r>
+              <a:rPr lang="es-ES" sz="1400" dirty="0"/>
+              <a:t>. </a:t>
+            </a:r>
+            <a:r>
+              <a:rPr lang="es-ES" sz="1400" dirty="0" err="1"/>
+              <a:t>This</a:t>
+            </a:r>
+            <a:r>
+              <a:rPr lang="es-ES" sz="1400" dirty="0"/>
+              <a:t> </a:t>
+            </a:r>
+            <a:r>
+              <a:rPr lang="es-ES" sz="1400" dirty="0" err="1"/>
+              <a:t>matches</a:t>
+            </a:r>
+            <a:r>
+              <a:rPr lang="es-ES" sz="1400" dirty="0"/>
+              <a:t> </a:t>
+            </a:r>
+            <a:r>
+              <a:rPr lang="es-ES" sz="1400" dirty="0" err="1"/>
+              <a:t>sports</a:t>
+            </a:r>
+            <a:r>
+              <a:rPr lang="es-ES" sz="1400" dirty="0"/>
+              <a:t> </a:t>
+            </a:r>
+            <a:r>
+              <a:rPr lang="es-ES" sz="1400" dirty="0" err="1"/>
+              <a:t>popularity</a:t>
+            </a:r>
+            <a:r>
+              <a:rPr lang="es-ES" sz="1400" dirty="0"/>
+              <a:t> as F1, Soccer and </a:t>
+            </a:r>
+            <a:r>
+              <a:rPr lang="es-ES" sz="1400" dirty="0" err="1"/>
+              <a:t>Tennis</a:t>
+            </a:r>
+            <a:r>
+              <a:rPr lang="es-ES" sz="1400" dirty="0"/>
+              <a:t> are </a:t>
+            </a:r>
+            <a:r>
+              <a:rPr lang="es-ES" sz="1400" dirty="0" err="1"/>
+              <a:t>sports</a:t>
+            </a:r>
+            <a:r>
+              <a:rPr lang="es-ES" sz="1400" dirty="0"/>
+              <a:t> </a:t>
+            </a:r>
+            <a:r>
+              <a:rPr lang="es-ES" sz="1400" dirty="0" err="1"/>
+              <a:t>that</a:t>
+            </a:r>
+            <a:r>
+              <a:rPr lang="es-ES" sz="1400" dirty="0"/>
+              <a:t> </a:t>
+            </a:r>
+            <a:r>
+              <a:rPr lang="es-ES" sz="1400" dirty="0" err="1"/>
+              <a:t>have</a:t>
+            </a:r>
+            <a:r>
+              <a:rPr lang="es-ES" sz="1400" dirty="0"/>
+              <a:t> </a:t>
+            </a:r>
+            <a:r>
+              <a:rPr lang="es-ES" sz="1400" dirty="0" err="1"/>
+              <a:t>historically</a:t>
+            </a:r>
+            <a:r>
+              <a:rPr lang="es-ES" sz="1400" dirty="0"/>
+              <a:t> </a:t>
+            </a:r>
+            <a:r>
+              <a:rPr lang="es-ES" sz="1400" dirty="0" err="1"/>
+              <a:t>had</a:t>
+            </a:r>
+            <a:r>
+              <a:rPr lang="es-ES" sz="1400" dirty="0"/>
+              <a:t> </a:t>
+            </a:r>
+            <a:r>
+              <a:rPr lang="es-ES" sz="1400" dirty="0" err="1"/>
+              <a:t>an</a:t>
+            </a:r>
+            <a:r>
+              <a:rPr lang="es-ES" sz="1400" dirty="0"/>
+              <a:t> </a:t>
+            </a:r>
+            <a:r>
+              <a:rPr lang="es-ES" sz="1400" dirty="0" err="1"/>
+              <a:t>international</a:t>
+            </a:r>
+            <a:r>
+              <a:rPr lang="es-ES" sz="1400" dirty="0"/>
+              <a:t> </a:t>
+            </a:r>
+            <a:r>
+              <a:rPr lang="es-ES" sz="1400" dirty="0" err="1"/>
+              <a:t>audience</a:t>
+            </a:r>
+            <a:r>
+              <a:rPr lang="es-ES" sz="1400" dirty="0"/>
+              <a:t>.</a:t>
+            </a:r>
+          </a:p>
+          <a:p>
+            <a:pPr rtl="0"/>
+            <a:r>
+              <a:rPr lang="es-ES" sz="1400" dirty="0" err="1"/>
+              <a:t>The</a:t>
+            </a:r>
+            <a:r>
+              <a:rPr lang="es-ES" sz="1400" dirty="0"/>
+              <a:t> American sport </a:t>
+            </a:r>
+            <a:r>
+              <a:rPr lang="es-ES" sz="1400" dirty="0" err="1"/>
+              <a:t>industry</a:t>
+            </a:r>
+            <a:r>
+              <a:rPr lang="es-ES" sz="1400" dirty="0"/>
+              <a:t> </a:t>
+            </a:r>
+            <a:r>
+              <a:rPr lang="es-ES" sz="1400" dirty="0" err="1"/>
+              <a:t>is</a:t>
+            </a:r>
+            <a:r>
+              <a:rPr lang="es-ES" sz="1400" dirty="0"/>
+              <a:t> </a:t>
+            </a:r>
+            <a:r>
+              <a:rPr lang="es-ES" sz="1400" dirty="0" err="1"/>
+              <a:t>the</a:t>
+            </a:r>
+            <a:r>
+              <a:rPr lang="es-ES" sz="1400" dirty="0"/>
+              <a:t> </a:t>
+            </a:r>
+            <a:r>
+              <a:rPr lang="es-ES" sz="1400" dirty="0" err="1"/>
+              <a:t>largest</a:t>
+            </a:r>
+            <a:r>
+              <a:rPr lang="es-ES" sz="1400" dirty="0"/>
+              <a:t> in </a:t>
+            </a:r>
+            <a:r>
+              <a:rPr lang="es-ES" sz="1400" dirty="0" err="1"/>
+              <a:t>the</a:t>
+            </a:r>
+            <a:r>
+              <a:rPr lang="es-ES" sz="1400" dirty="0"/>
+              <a:t> </a:t>
+            </a:r>
+            <a:r>
+              <a:rPr lang="es-ES" sz="1400" dirty="0" err="1"/>
+              <a:t>world</a:t>
+            </a:r>
+            <a:r>
+              <a:rPr lang="es-ES" sz="1400" dirty="0"/>
+              <a:t>, </a:t>
+            </a:r>
+            <a:r>
+              <a:rPr lang="es-ES" sz="1400" dirty="0" err="1"/>
+              <a:t>this</a:t>
+            </a:r>
+            <a:r>
+              <a:rPr lang="es-ES" sz="1400" dirty="0"/>
+              <a:t> </a:t>
+            </a:r>
+            <a:r>
+              <a:rPr lang="es-ES" sz="1400" dirty="0" err="1"/>
+              <a:t>appears</a:t>
+            </a:r>
+            <a:r>
+              <a:rPr lang="es-ES" sz="1400" dirty="0"/>
+              <a:t> </a:t>
+            </a:r>
+            <a:r>
+              <a:rPr lang="es-ES" sz="1400" dirty="0" err="1"/>
+              <a:t>to</a:t>
+            </a:r>
+            <a:r>
+              <a:rPr lang="es-ES" sz="1400" dirty="0"/>
+              <a:t> </a:t>
+            </a:r>
+            <a:r>
+              <a:rPr lang="es-ES" sz="1400" dirty="0" err="1"/>
+              <a:t>correlate</a:t>
+            </a:r>
+            <a:r>
+              <a:rPr lang="es-ES" sz="1400" dirty="0"/>
+              <a:t> </a:t>
+            </a:r>
+            <a:r>
+              <a:rPr lang="es-ES" sz="1400" dirty="0" err="1"/>
+              <a:t>with</a:t>
+            </a:r>
+            <a:r>
+              <a:rPr lang="es-ES" sz="1400" dirty="0"/>
+              <a:t> </a:t>
+            </a:r>
+            <a:r>
+              <a:rPr lang="es-ES" sz="1400" dirty="0" err="1"/>
+              <a:t>athlete</a:t>
+            </a:r>
+            <a:r>
+              <a:rPr lang="es-ES" sz="1400" dirty="0"/>
+              <a:t> salaries. </a:t>
+            </a:r>
+            <a:r>
+              <a:rPr lang="es-ES" sz="1400" dirty="0" err="1"/>
+              <a:t>We</a:t>
+            </a:r>
+            <a:r>
+              <a:rPr lang="es-ES" sz="1400" dirty="0"/>
+              <a:t> </a:t>
+            </a:r>
+            <a:r>
+              <a:rPr lang="es-ES" sz="1400" dirty="0" err="1"/>
+              <a:t>need</a:t>
+            </a:r>
+            <a:r>
+              <a:rPr lang="es-ES" sz="1400" dirty="0"/>
+              <a:t> more </a:t>
+            </a:r>
+            <a:r>
+              <a:rPr lang="es-ES" sz="1400" dirty="0" err="1"/>
+              <a:t>information</a:t>
+            </a:r>
+            <a:r>
+              <a:rPr lang="es-ES" sz="1400" dirty="0"/>
+              <a:t> </a:t>
+            </a:r>
+            <a:r>
+              <a:rPr lang="es-ES" sz="1400" dirty="0" err="1"/>
+              <a:t>to</a:t>
+            </a:r>
+            <a:r>
+              <a:rPr lang="es-ES" sz="1400" dirty="0"/>
+              <a:t> </a:t>
+            </a:r>
+            <a:r>
+              <a:rPr lang="es-ES" sz="1400" dirty="0" err="1"/>
+              <a:t>carry</a:t>
+            </a:r>
+            <a:r>
+              <a:rPr lang="es-ES" sz="1400" dirty="0"/>
+              <a:t> </a:t>
+            </a:r>
+            <a:r>
+              <a:rPr lang="es-ES" sz="1400" dirty="0" err="1"/>
+              <a:t>out</a:t>
+            </a:r>
+            <a:r>
+              <a:rPr lang="es-ES" sz="1400" dirty="0"/>
+              <a:t> a </a:t>
+            </a:r>
+            <a:r>
+              <a:rPr lang="es-ES" sz="1400" dirty="0" err="1"/>
+              <a:t>deeper</a:t>
+            </a:r>
+            <a:r>
+              <a:rPr lang="es-ES" sz="1400" dirty="0"/>
+              <a:t> análisis </a:t>
+            </a:r>
+            <a:r>
+              <a:rPr lang="es-ES" sz="1400" dirty="0" err="1"/>
+              <a:t>into</a:t>
+            </a:r>
+            <a:r>
+              <a:rPr lang="es-ES" sz="1400" dirty="0"/>
+              <a:t> </a:t>
+            </a:r>
+            <a:r>
+              <a:rPr lang="es-ES" sz="1400" dirty="0" err="1"/>
+              <a:t>salary</a:t>
+            </a:r>
+            <a:r>
+              <a:rPr lang="es-ES" sz="1400" dirty="0"/>
+              <a:t> drivers in </a:t>
+            </a:r>
+            <a:r>
+              <a:rPr lang="es-ES" sz="1400" dirty="0" err="1"/>
+              <a:t>the</a:t>
+            </a:r>
+            <a:r>
+              <a:rPr lang="es-ES" sz="1400" dirty="0"/>
+              <a:t> </a:t>
+            </a:r>
+            <a:r>
+              <a:rPr lang="es-ES" sz="1400" dirty="0" err="1"/>
+              <a:t>industry</a:t>
+            </a:r>
+            <a:r>
+              <a:rPr lang="es-ES" sz="1400"/>
+              <a:t>.</a:t>
             </a:r>
           </a:p>
         </p:txBody>
@@ -13600,7 +14579,7 @@
     </p:spTree>
     <p:extLst>
       <p:ext uri="{BB962C8B-B14F-4D97-AF65-F5344CB8AC3E}">
-        <p14:creationId xmlns:p14="http://schemas.microsoft.com/office/powerpoint/2010/main" val="2150291328"/>
+        <p14:creationId xmlns:p14="http://schemas.microsoft.com/office/powerpoint/2010/main" val="1584942961"/>
       </p:ext>
     </p:extLst>
   </p:cSld>
@@ -13632,21 +14611,21 @@
           <p:cNvPr id="2" name="Título 1">
             <a:extLst>
               <a:ext uri="{FF2B5EF4-FFF2-40B4-BE49-F238E27FC236}">
-                <a16:creationId xmlns:a16="http://schemas.microsoft.com/office/drawing/2014/main" id="{09140014-73D5-419B-8867-972BB18D52D4}"/>
-              </a:ext>
-            </a:extLst>
-          </p:cNvPr>
-          <p:cNvSpPr>
-            <a:spLocks noGrp="1"/>
-          </p:cNvSpPr>
-          <p:nvPr>
-            <p:ph type="title"/>
-          </p:nvPr>
-        </p:nvSpPr>
-        <p:spPr>
-          <a:xfrm>
-            <a:off x="2933700" y="892177"/>
-            <a:ext cx="8421688" cy="1325563"/>
+                <a16:creationId xmlns:a16="http://schemas.microsoft.com/office/drawing/2014/main" id="{B1FE5F11-B7B9-4B80-8C6A-A8A7A7190B77}"/>
+              </a:ext>
+            </a:extLst>
+          </p:cNvPr>
+          <p:cNvSpPr>
+            <a:spLocks noGrp="1"/>
+          </p:cNvSpPr>
+          <p:nvPr>
+            <p:ph type="ctrTitle"/>
+          </p:nvPr>
+        </p:nvSpPr>
+        <p:spPr>
+          <a:xfrm>
+            <a:off x="6389390" y="2571234"/>
+            <a:ext cx="5074920" cy="1715531"/>
           </a:xfrm>
         </p:spPr>
         <p:txBody>
@@ -13659,273 +14638,8 @@
           <a:p>
             <a:pPr rtl="0"/>
             <a:r>
-              <a:rPr lang="es-ES" dirty="0"/>
-              <a:t>ÁREAS DE ENFOQUE</a:t>
-            </a:r>
-          </a:p>
-        </p:txBody>
-      </p:sp>
-      <p:sp>
-        <p:nvSpPr>
-          <p:cNvPr id="4" name="Marcador de contenido 3">
-            <a:extLst>
-              <a:ext uri="{FF2B5EF4-FFF2-40B4-BE49-F238E27FC236}">
-                <a16:creationId xmlns:a16="http://schemas.microsoft.com/office/drawing/2014/main" id="{33D8731E-4977-402E-8BFD-895B4D0544CC}"/>
-              </a:ext>
-            </a:extLst>
-          </p:cNvPr>
-          <p:cNvSpPr>
-            <a:spLocks noGrp="1"/>
-          </p:cNvSpPr>
-          <p:nvPr>
-            <p:ph sz="half" idx="2"/>
-          </p:nvPr>
-        </p:nvSpPr>
-        <p:spPr>
-          <a:xfrm>
-            <a:off x="2933700" y="3834606"/>
-            <a:ext cx="3924300" cy="1997867"/>
-          </a:xfrm>
-        </p:spPr>
-        <p:txBody>
-          <a:bodyPr rtlCol="0">
-            <a:normAutofit/>
-          </a:bodyPr>
-          <a:lstStyle>
-            <a:defPPr>
-              <a:defRPr lang="es-ES"/>
-            </a:defPPr>
-          </a:lstStyle>
-          <a:p>
-            <a:pPr rtl="0"/>
-            <a:r>
-              <a:rPr lang="es-ES" dirty="0"/>
-              <a:t>Desarrollar estrategias ganadoras para seguir a la vanguardia de la competencia</a:t>
-            </a:r>
-          </a:p>
-          <a:p>
-            <a:pPr rtl="0"/>
-            <a:r>
-              <a:rPr lang="es-ES" dirty="0"/>
-              <a:t>​Aprovechar los frutos obtenidos para identificar un valor en el terreno de juego</a:t>
-            </a:r>
-          </a:p>
-          <a:p>
-            <a:pPr rtl="0"/>
-            <a:r>
-              <a:rPr lang="es-ES" dirty="0"/>
-              <a:t>​Visualizar la convergencia dirigida al cliente</a:t>
-            </a:r>
-          </a:p>
-        </p:txBody>
-      </p:sp>
-      <p:sp>
-        <p:nvSpPr>
-          <p:cNvPr id="6" name="Marcador de contenido 5">
-            <a:extLst>
-              <a:ext uri="{FF2B5EF4-FFF2-40B4-BE49-F238E27FC236}">
-                <a16:creationId xmlns:a16="http://schemas.microsoft.com/office/drawing/2014/main" id="{50B65871-FA95-449A-B8BC-90486DE532EF}"/>
-              </a:ext>
-            </a:extLst>
-          </p:cNvPr>
-          <p:cNvSpPr>
-            <a:spLocks noGrp="1"/>
-          </p:cNvSpPr>
-          <p:nvPr>
-            <p:ph sz="quarter" idx="4"/>
-          </p:nvPr>
-        </p:nvSpPr>
-        <p:spPr>
-          <a:xfrm>
-            <a:off x="7410173" y="3834606"/>
-            <a:ext cx="3943627" cy="1997867"/>
-          </a:xfrm>
-        </p:spPr>
-        <p:txBody>
-          <a:bodyPr rtlCol="0">
-            <a:normAutofit/>
-          </a:bodyPr>
-          <a:lstStyle>
-            <a:defPPr>
-              <a:defRPr lang="es-ES"/>
-            </a:defPPr>
-          </a:lstStyle>
-          <a:p>
-            <a:pPr rtl="0"/>
-            <a:r>
-              <a:rPr lang="es-ES" dirty="0"/>
-              <a:t>Enfoques iterativos para una estrategia corporativa</a:t>
-            </a:r>
-          </a:p>
-          <a:p>
-            <a:pPr rtl="0"/>
-            <a:r>
-              <a:rPr lang="es-ES" dirty="0"/>
-              <a:t>​Establecer un marco de administración desde dentro</a:t>
-            </a:r>
-          </a:p>
-        </p:txBody>
-      </p:sp>
-      <p:sp>
-        <p:nvSpPr>
-          <p:cNvPr id="9" name="Marcador de número de diapositiva 8">
-            <a:extLst>
-              <a:ext uri="{FF2B5EF4-FFF2-40B4-BE49-F238E27FC236}">
-                <a16:creationId xmlns:a16="http://schemas.microsoft.com/office/drawing/2014/main" id="{C396FFDC-ADE8-4009-A466-A81787258E88}"/>
-              </a:ext>
-            </a:extLst>
-          </p:cNvPr>
-          <p:cNvSpPr>
-            <a:spLocks noGrp="1"/>
-          </p:cNvSpPr>
-          <p:nvPr>
-            <p:ph type="sldNum" sz="quarter" idx="12"/>
-          </p:nvPr>
-        </p:nvSpPr>
-        <p:spPr>
-          <a:xfrm>
-            <a:off x="8610600" y="6356350"/>
-            <a:ext cx="2743200" cy="365125"/>
-          </a:xfrm>
-        </p:spPr>
-        <p:txBody>
-          <a:bodyPr rtlCol="0"/>
-          <a:lstStyle>
-            <a:defPPr>
-              <a:defRPr lang="es-ES"/>
-            </a:defPPr>
-          </a:lstStyle>
-          <a:p>
-            <a:pPr rtl="0"/>
-            <a:fld id="{A49DFD55-3C28-40EF-9E31-A92D2E4017FF}" type="slidenum">
-              <a:rPr lang="es-ES" smtClean="0"/>
-              <a:pPr rtl="0"/>
-              <a:t>11</a:t>
-            </a:fld>
-            <a:endParaRPr lang="es-ES" dirty="0"/>
-          </a:p>
-        </p:txBody>
-      </p:sp>
-      <p:pic>
-        <p:nvPicPr>
-          <p:cNvPr id="26" name="Picture 25" descr="A screen shot of a graph&#10;&#10;Description automatically generated">
-            <a:extLst>
-              <a:ext uri="{FF2B5EF4-FFF2-40B4-BE49-F238E27FC236}">
-                <a16:creationId xmlns:a16="http://schemas.microsoft.com/office/drawing/2014/main" id="{BC0C17C4-F1EB-C0F9-F242-781C31EB0F37}"/>
-              </a:ext>
-            </a:extLst>
-          </p:cNvPr>
-          <p:cNvPicPr>
-            <a:picLocks noChangeAspect="1"/>
-          </p:cNvPicPr>
-          <p:nvPr/>
-        </p:nvPicPr>
-        <p:blipFill>
-          <a:blip r:embed="rId3"/>
-          <a:stretch>
-            <a:fillRect/>
-          </a:stretch>
-        </p:blipFill>
-        <p:spPr>
-          <a:xfrm>
-            <a:off x="952500" y="0"/>
-            <a:ext cx="10287000" cy="6356350"/>
-          </a:xfrm>
-          <a:prstGeom prst="rect">
-            <a:avLst/>
-          </a:prstGeom>
-        </p:spPr>
-      </p:pic>
-      <p:sp>
-        <p:nvSpPr>
-          <p:cNvPr id="29" name="TextBox 28">
-            <a:extLst>
-              <a:ext uri="{FF2B5EF4-FFF2-40B4-BE49-F238E27FC236}">
-                <a16:creationId xmlns:a16="http://schemas.microsoft.com/office/drawing/2014/main" id="{993A9882-C951-B912-1FF9-566A5FD5F323}"/>
-              </a:ext>
-            </a:extLst>
-          </p:cNvPr>
-          <p:cNvSpPr txBox="1"/>
-          <p:nvPr/>
-        </p:nvSpPr>
-        <p:spPr>
-          <a:xfrm>
-            <a:off x="8839200" y="5316021"/>
-            <a:ext cx="1169918" cy="271850"/>
-          </a:xfrm>
-          <a:prstGeom prst="rect">
-            <a:avLst/>
-          </a:prstGeom>
-          <a:noFill/>
-        </p:spPr>
-        <p:txBody>
-          <a:bodyPr wrap="square">
-            <a:spAutoFit/>
-          </a:bodyPr>
-          <a:lstStyle/>
-          <a:p>
-            <a:pPr rtl="0"/>
-            <a:r>
-              <a:rPr lang="es-ES" sz="1100" dirty="0">
-                <a:solidFill>
-                  <a:schemeClr val="accent5"/>
-                </a:solidFill>
-              </a:rPr>
-              <a:t>R</a:t>
-            </a:r>
-            <a:r>
-              <a:rPr lang="es-ES" sz="1100" baseline="30000" dirty="0">
-                <a:solidFill>
-                  <a:schemeClr val="accent5"/>
-                </a:solidFill>
-              </a:rPr>
-              <a:t>2</a:t>
-            </a:r>
-            <a:r>
-              <a:rPr lang="es-ES" sz="1100" dirty="0">
-                <a:solidFill>
-                  <a:schemeClr val="accent5"/>
-                </a:solidFill>
-              </a:rPr>
-              <a:t> = 0.31</a:t>
-            </a:r>
-          </a:p>
-        </p:txBody>
-      </p:sp>
-      <p:sp>
-        <p:nvSpPr>
-          <p:cNvPr id="3" name="Marcador de pie de página 4">
-            <a:extLst>
-              <a:ext uri="{FF2B5EF4-FFF2-40B4-BE49-F238E27FC236}">
-                <a16:creationId xmlns:a16="http://schemas.microsoft.com/office/drawing/2014/main" id="{FB46CFE9-5C97-933E-ADB4-7BF400637106}"/>
-              </a:ext>
-            </a:extLst>
-          </p:cNvPr>
-          <p:cNvSpPr>
-            <a:spLocks noGrp="1"/>
-          </p:cNvSpPr>
-          <p:nvPr>
-            <p:ph type="ftr" sz="quarter" idx="11"/>
-          </p:nvPr>
-        </p:nvSpPr>
-        <p:spPr>
-          <a:xfrm>
-            <a:off x="4356100" y="6490814"/>
-            <a:ext cx="3479800" cy="365125"/>
-          </a:xfrm>
-        </p:spPr>
-        <p:txBody>
-          <a:bodyPr rtlCol="0"/>
-          <a:lstStyle>
-            <a:defPPr>
-              <a:defRPr lang="es-ES"/>
-            </a:defPPr>
-          </a:lstStyle>
-          <a:p>
-            <a:pPr rtl="0"/>
-            <a:r>
-              <a:rPr lang="es-ES" dirty="0"/>
-              <a:t>FORBES HIGHEST PAYING ATHLETES ANALYSIS</a:t>
+              <a:rPr lang="en-US" sz="2800" dirty="0"/>
+              <a:t>Have top athlete earnings increased in real value over the past 30 years?</a:t>
             </a:r>
           </a:p>
         </p:txBody>
@@ -13933,7 +14647,7 @@
     </p:spTree>
     <p:extLst>
       <p:ext uri="{BB962C8B-B14F-4D97-AF65-F5344CB8AC3E}">
-        <p14:creationId xmlns:p14="http://schemas.microsoft.com/office/powerpoint/2010/main" val="2179284411"/>
+        <p14:creationId xmlns:p14="http://schemas.microsoft.com/office/powerpoint/2010/main" val="2150291328"/>
       </p:ext>
     </p:extLst>
   </p:cSld>
@@ -13960,42 +14674,12 @@
           <a:chExt cx="0" cy="0"/>
         </a:xfrm>
       </p:grpSpPr>
-      <p:pic>
-        <p:nvPicPr>
-          <p:cNvPr id="5" name="Picture 4" descr="A screen shot of a graph&#10;&#10;Description automatically generated">
-            <a:extLst>
-              <a:ext uri="{FF2B5EF4-FFF2-40B4-BE49-F238E27FC236}">
-                <a16:creationId xmlns:a16="http://schemas.microsoft.com/office/drawing/2014/main" id="{B769AEE4-2F64-6F2C-79B0-EF29FBDD332A}"/>
-              </a:ext>
-            </a:extLst>
-          </p:cNvPr>
-          <p:cNvPicPr>
-            <a:picLocks noChangeAspect="1"/>
-          </p:cNvPicPr>
-          <p:nvPr/>
-        </p:nvPicPr>
-        <p:blipFill>
-          <a:blip r:embed="rId3"/>
-          <a:stretch>
-            <a:fillRect/>
-          </a:stretch>
-        </p:blipFill>
-        <p:spPr>
-          <a:xfrm>
-            <a:off x="952500" y="0"/>
-            <a:ext cx="10287000" cy="6858000"/>
-          </a:xfrm>
-          <a:prstGeom prst="rect">
-            <a:avLst/>
-          </a:prstGeom>
-        </p:spPr>
-      </p:pic>
       <p:sp>
         <p:nvSpPr>
           <p:cNvPr id="2" name="Título 1">
             <a:extLst>
               <a:ext uri="{FF2B5EF4-FFF2-40B4-BE49-F238E27FC236}">
-                <a16:creationId xmlns:a16="http://schemas.microsoft.com/office/drawing/2014/main" id="{09140014-73D5-419B-8867-972BB18D52D4}"/>
+                <a16:creationId xmlns:a16="http://schemas.microsoft.com/office/drawing/2014/main" id="{4518FC28-E0BD-4387-B8BE-9965D1A57FF1}"/>
               </a:ext>
             </a:extLst>
           </p:cNvPr>
@@ -14008,46 +14692,49 @@
         </p:nvSpPr>
         <p:spPr>
           <a:xfrm>
-            <a:off x="2933700" y="892177"/>
-            <a:ext cx="8421688" cy="1325563"/>
-          </a:xfrm>
-        </p:spPr>
-        <p:txBody>
-          <a:bodyPr rtlCol="0"/>
+            <a:off x="5984612" y="2366126"/>
+            <a:ext cx="5111750" cy="594605"/>
+          </a:xfrm>
+        </p:spPr>
+        <p:txBody>
+          <a:bodyPr rtlCol="0">
+            <a:normAutofit/>
+          </a:bodyPr>
           <a:lstStyle>
             <a:defPPr>
               <a:defRPr lang="es-ES"/>
             </a:defPPr>
           </a:lstStyle>
           <a:p>
-            <a:pPr rtl="0"/>
-            <a:r>
-              <a:rPr lang="es-ES" dirty="0"/>
-              <a:t>ÁREAS DE ENFOQUE</a:t>
-            </a:r>
-          </a:p>
-        </p:txBody>
-      </p:sp>
-      <p:sp>
-        <p:nvSpPr>
-          <p:cNvPr id="4" name="Marcador de contenido 3">
-            <a:extLst>
-              <a:ext uri="{FF2B5EF4-FFF2-40B4-BE49-F238E27FC236}">
-                <a16:creationId xmlns:a16="http://schemas.microsoft.com/office/drawing/2014/main" id="{33D8731E-4977-402E-8BFD-895B4D0544CC}"/>
-              </a:ext>
-            </a:extLst>
-          </p:cNvPr>
-          <p:cNvSpPr>
-            <a:spLocks noGrp="1"/>
-          </p:cNvSpPr>
-          <p:nvPr>
-            <p:ph sz="half" idx="2"/>
-          </p:nvPr>
-        </p:nvSpPr>
-        <p:spPr>
-          <a:xfrm>
-            <a:off x="2933700" y="3834606"/>
-            <a:ext cx="3924300" cy="1997867"/>
+            <a:pPr algn="ctr" rtl="0"/>
+            <a:r>
+              <a:rPr lang="es-ES" sz="3600" dirty="0" err="1"/>
+              <a:t>hypothesis</a:t>
+            </a:r>
+            <a:endParaRPr lang="es-ES" sz="3600" dirty="0"/>
+          </a:p>
+        </p:txBody>
+      </p:sp>
+      <p:sp>
+        <p:nvSpPr>
+          <p:cNvPr id="3" name="Marcador de texto 2">
+            <a:extLst>
+              <a:ext uri="{FF2B5EF4-FFF2-40B4-BE49-F238E27FC236}">
+                <a16:creationId xmlns:a16="http://schemas.microsoft.com/office/drawing/2014/main" id="{FED19BCA-B61F-4EA6-A1FB-CCA3BD8506FB}"/>
+              </a:ext>
+            </a:extLst>
+          </p:cNvPr>
+          <p:cNvSpPr>
+            <a:spLocks noGrp="1"/>
+          </p:cNvSpPr>
+          <p:nvPr>
+            <p:ph type="body" idx="1"/>
+          </p:nvPr>
+        </p:nvSpPr>
+        <p:spPr>
+          <a:xfrm>
+            <a:off x="5851393" y="3076257"/>
+            <a:ext cx="5518413" cy="705486"/>
           </a:xfrm>
         </p:spPr>
         <p:txBody>
@@ -14060,81 +14747,84 @@
             </a:defPPr>
           </a:lstStyle>
           <a:p>
-            <a:pPr rtl="0"/>
-            <a:r>
-              <a:rPr lang="es-ES" dirty="0"/>
-              <a:t>Desarrollar estrategias ganadoras para seguir a la vanguardia de la competencia</a:t>
-            </a:r>
-          </a:p>
-          <a:p>
-            <a:pPr rtl="0"/>
-            <a:r>
-              <a:rPr lang="es-ES" dirty="0"/>
-              <a:t>​Aprovechar los frutos obtenidos para identificar un valor en el terreno de juego</a:t>
-            </a:r>
-          </a:p>
-          <a:p>
-            <a:pPr rtl="0"/>
-            <a:r>
-              <a:rPr lang="es-ES" dirty="0"/>
-              <a:t>​Visualizar la convergencia dirigida al cliente</a:t>
-            </a:r>
-          </a:p>
-        </p:txBody>
-      </p:sp>
-      <p:sp>
-        <p:nvSpPr>
-          <p:cNvPr id="6" name="Marcador de contenido 5">
-            <a:extLst>
-              <a:ext uri="{FF2B5EF4-FFF2-40B4-BE49-F238E27FC236}">
-                <a16:creationId xmlns:a16="http://schemas.microsoft.com/office/drawing/2014/main" id="{50B65871-FA95-449A-B8BC-90486DE532EF}"/>
-              </a:ext>
-            </a:extLst>
-          </p:cNvPr>
-          <p:cNvSpPr>
-            <a:spLocks noGrp="1"/>
-          </p:cNvSpPr>
-          <p:nvPr>
-            <p:ph sz="quarter" idx="4"/>
-          </p:nvPr>
-        </p:nvSpPr>
-        <p:spPr>
-          <a:xfrm>
-            <a:off x="7410173" y="3834606"/>
-            <a:ext cx="3943627" cy="1997867"/>
-          </a:xfrm>
-        </p:spPr>
-        <p:txBody>
-          <a:bodyPr rtlCol="0">
-            <a:normAutofit/>
-          </a:bodyPr>
-          <a:lstStyle>
-            <a:defPPr>
-              <a:defRPr lang="es-ES"/>
-            </a:defPPr>
-          </a:lstStyle>
-          <a:p>
-            <a:pPr rtl="0"/>
-            <a:r>
-              <a:rPr lang="es-ES" dirty="0"/>
-              <a:t>Enfoques iterativos para una estrategia corporativa</a:t>
-            </a:r>
-          </a:p>
-          <a:p>
-            <a:pPr rtl="0"/>
-            <a:r>
-              <a:rPr lang="es-ES" dirty="0"/>
-              <a:t>​Establecer un marco de administración desde dentro</a:t>
-            </a:r>
-          </a:p>
-        </p:txBody>
-      </p:sp>
-      <p:sp>
-        <p:nvSpPr>
-          <p:cNvPr id="9" name="Marcador de número de diapositiva 8">
-            <a:extLst>
-              <a:ext uri="{FF2B5EF4-FFF2-40B4-BE49-F238E27FC236}">
-                <a16:creationId xmlns:a16="http://schemas.microsoft.com/office/drawing/2014/main" id="{C396FFDC-ADE8-4009-A466-A81787258E88}"/>
+            <a:pPr algn="just" rtl="0"/>
+            <a:r>
+              <a:rPr lang="es-ES" sz="1600" dirty="0"/>
+              <a:t>Real </a:t>
+            </a:r>
+            <a:r>
+              <a:rPr lang="es-ES" sz="1600" dirty="0" err="1"/>
+              <a:t>earnings</a:t>
+            </a:r>
+            <a:r>
+              <a:rPr lang="es-ES" sz="1600" dirty="0"/>
+              <a:t> </a:t>
+            </a:r>
+            <a:r>
+              <a:rPr lang="es-ES" sz="1600" dirty="0" err="1"/>
+              <a:t>have</a:t>
+            </a:r>
+            <a:r>
+              <a:rPr lang="es-ES" sz="1600" dirty="0"/>
+              <a:t> </a:t>
+            </a:r>
+            <a:r>
+              <a:rPr lang="es-ES" sz="1600" dirty="0" err="1"/>
+              <a:t>increased</a:t>
+            </a:r>
+            <a:r>
+              <a:rPr lang="es-ES" sz="1600" dirty="0"/>
+              <a:t> </a:t>
+            </a:r>
+            <a:r>
+              <a:rPr lang="es-ES" sz="1600" dirty="0" err="1"/>
+              <a:t>over</a:t>
+            </a:r>
+            <a:r>
+              <a:rPr lang="es-ES" sz="1600" dirty="0"/>
+              <a:t> </a:t>
+            </a:r>
+            <a:r>
+              <a:rPr lang="es-ES" sz="1600" dirty="0" err="1"/>
+              <a:t>the</a:t>
+            </a:r>
+            <a:r>
+              <a:rPr lang="es-ES" sz="1600" dirty="0"/>
+              <a:t> </a:t>
+            </a:r>
+            <a:r>
+              <a:rPr lang="es-ES" sz="1600" dirty="0" err="1"/>
+              <a:t>past</a:t>
+            </a:r>
+            <a:r>
+              <a:rPr lang="es-ES" sz="1600" dirty="0"/>
+              <a:t> </a:t>
+            </a:r>
+            <a:r>
+              <a:rPr lang="es-ES" sz="1600" dirty="0" err="1"/>
+              <a:t>thirty</a:t>
+            </a:r>
+            <a:r>
+              <a:rPr lang="es-ES" sz="1600" dirty="0"/>
+              <a:t> </a:t>
+            </a:r>
+            <a:r>
+              <a:rPr lang="es-ES" sz="1600" dirty="0" err="1"/>
+              <a:t>years</a:t>
+            </a:r>
+            <a:r>
+              <a:rPr lang="es-ES" sz="1600" dirty="0"/>
+              <a:t>.</a:t>
+            </a:r>
+          </a:p>
+        </p:txBody>
+      </p:sp>
+      <p:sp>
+        <p:nvSpPr>
+          <p:cNvPr id="6" name="Marcador de número de diapositiva 5">
+            <a:extLst>
+              <a:ext uri="{FF2B5EF4-FFF2-40B4-BE49-F238E27FC236}">
+                <a16:creationId xmlns:a16="http://schemas.microsoft.com/office/drawing/2014/main" id="{7C4B8313-9270-4128-8674-3A3E42B806BC}"/>
               </a:ext>
             </a:extLst>
           </p:cNvPr>
@@ -14171,66 +14861,10 @@
       </p:sp>
       <p:sp>
         <p:nvSpPr>
-          <p:cNvPr id="29" name="TextBox 28">
-            <a:extLst>
-              <a:ext uri="{FF2B5EF4-FFF2-40B4-BE49-F238E27FC236}">
-                <a16:creationId xmlns:a16="http://schemas.microsoft.com/office/drawing/2014/main" id="{993A9882-C951-B912-1FF9-566A5FD5F323}"/>
-              </a:ext>
-            </a:extLst>
-          </p:cNvPr>
-          <p:cNvSpPr txBox="1"/>
-          <p:nvPr/>
-        </p:nvSpPr>
-        <p:spPr>
-          <a:xfrm>
-            <a:off x="8880613" y="5693973"/>
-            <a:ext cx="1169918" cy="271850"/>
-          </a:xfrm>
-          <a:prstGeom prst="rect">
-            <a:avLst/>
-          </a:prstGeom>
-          <a:noFill/>
-        </p:spPr>
-        <p:txBody>
-          <a:bodyPr wrap="square">
-            <a:spAutoFit/>
-          </a:bodyPr>
-          <a:lstStyle/>
-          <a:p>
-            <a:pPr rtl="0"/>
-            <a:r>
-              <a:rPr lang="es-ES" sz="1100" dirty="0">
-                <a:solidFill>
-                  <a:schemeClr val="accent5"/>
-                </a:solidFill>
-              </a:rPr>
-              <a:t>R</a:t>
-            </a:r>
-            <a:r>
-              <a:rPr lang="es-ES" sz="1100" baseline="30000" dirty="0">
-                <a:solidFill>
-                  <a:schemeClr val="accent5"/>
-                </a:solidFill>
-              </a:rPr>
-              <a:t>2</a:t>
-            </a:r>
-            <a:r>
-              <a:rPr lang="es-ES" sz="1100" dirty="0">
-                <a:solidFill>
-                  <a:schemeClr val="accent5"/>
-                </a:solidFill>
-              </a:rPr>
-              <a:t> = 0.52</a:t>
-            </a:r>
-          </a:p>
-        </p:txBody>
-      </p:sp>
-      <p:sp>
-        <p:nvSpPr>
-          <p:cNvPr id="3" name="Marcador de pie de página 56">
-            <a:extLst>
-              <a:ext uri="{FF2B5EF4-FFF2-40B4-BE49-F238E27FC236}">
-                <a16:creationId xmlns:a16="http://schemas.microsoft.com/office/drawing/2014/main" id="{2D8D136E-0B4C-751E-2B4F-894E43780027}"/>
+          <p:cNvPr id="7" name="Marcador de pie de página 56">
+            <a:extLst>
+              <a:ext uri="{FF2B5EF4-FFF2-40B4-BE49-F238E27FC236}">
+                <a16:creationId xmlns:a16="http://schemas.microsoft.com/office/drawing/2014/main" id="{5860982B-C8CF-1FD7-A84B-90C2BF420A7C}"/>
               </a:ext>
             </a:extLst>
           </p:cNvPr>
@@ -14266,7 +14900,7 @@
     </p:spTree>
     <p:extLst>
       <p:ext uri="{BB962C8B-B14F-4D97-AF65-F5344CB8AC3E}">
-        <p14:creationId xmlns:p14="http://schemas.microsoft.com/office/powerpoint/2010/main" val="1930365717"/>
+        <p14:creationId xmlns:p14="http://schemas.microsoft.com/office/powerpoint/2010/main" val="3001216136"/>
       </p:ext>
     </p:extLst>
   </p:cSld>
@@ -14298,7 +14932,7 @@
           <p:cNvPr id="2" name="Título 1">
             <a:extLst>
               <a:ext uri="{FF2B5EF4-FFF2-40B4-BE49-F238E27FC236}">
-                <a16:creationId xmlns:a16="http://schemas.microsoft.com/office/drawing/2014/main" id="{42DD0E59-4C68-4F87-9821-23C69713D980}"/>
+                <a16:creationId xmlns:a16="http://schemas.microsoft.com/office/drawing/2014/main" id="{09140014-73D5-419B-8867-972BB18D52D4}"/>
               </a:ext>
             </a:extLst>
           </p:cNvPr>
@@ -14311,7 +14945,7 @@
         </p:nvSpPr>
         <p:spPr>
           <a:xfrm>
-            <a:off x="1885156" y="892177"/>
+            <a:off x="2933700" y="892177"/>
             <a:ext cx="8421688" cy="1325563"/>
           </a:xfrm>
         </p:spPr>
@@ -14326,35 +14960,37 @@
             <a:pPr rtl="0"/>
             <a:r>
               <a:rPr lang="es-ES" dirty="0"/>
-              <a:t>Conclusions</a:t>
-            </a:r>
-          </a:p>
-        </p:txBody>
-      </p:sp>
-      <p:sp>
-        <p:nvSpPr>
-          <p:cNvPr id="57" name="Marcador de pie de página 56">
-            <a:extLst>
-              <a:ext uri="{FF2B5EF4-FFF2-40B4-BE49-F238E27FC236}">
-                <a16:creationId xmlns:a16="http://schemas.microsoft.com/office/drawing/2014/main" id="{3A38BE84-957B-46B9-A315-4B5064DFF1A1}"/>
-              </a:ext>
-            </a:extLst>
-          </p:cNvPr>
-          <p:cNvSpPr>
-            <a:spLocks noGrp="1"/>
-          </p:cNvSpPr>
-          <p:nvPr>
-            <p:ph type="ftr" sz="quarter" idx="11"/>
-          </p:nvPr>
-        </p:nvSpPr>
-        <p:spPr>
-          <a:xfrm>
-            <a:off x="4038600" y="6356350"/>
-            <a:ext cx="4114800" cy="365125"/>
-          </a:xfrm>
-        </p:spPr>
-        <p:txBody>
-          <a:bodyPr rtlCol="0"/>
+              <a:t>ÁREAS DE ENFOQUE</a:t>
+            </a:r>
+          </a:p>
+        </p:txBody>
+      </p:sp>
+      <p:sp>
+        <p:nvSpPr>
+          <p:cNvPr id="4" name="Marcador de contenido 3">
+            <a:extLst>
+              <a:ext uri="{FF2B5EF4-FFF2-40B4-BE49-F238E27FC236}">
+                <a16:creationId xmlns:a16="http://schemas.microsoft.com/office/drawing/2014/main" id="{33D8731E-4977-402E-8BFD-895B4D0544CC}"/>
+              </a:ext>
+            </a:extLst>
+          </p:cNvPr>
+          <p:cNvSpPr>
+            <a:spLocks noGrp="1"/>
+          </p:cNvSpPr>
+          <p:nvPr>
+            <p:ph sz="half" idx="2"/>
+          </p:nvPr>
+        </p:nvSpPr>
+        <p:spPr>
+          <a:xfrm>
+            <a:off x="2933700" y="3834606"/>
+            <a:ext cx="3924300" cy="1997867"/>
+          </a:xfrm>
+        </p:spPr>
+        <p:txBody>
+          <a:bodyPr rtlCol="0">
+            <a:normAutofit/>
+          </a:bodyPr>
           <a:lstStyle>
             <a:defPPr>
               <a:defRPr lang="es-ES"/>
@@ -14364,17 +15000,78 @@
             <a:pPr rtl="0"/>
             <a:r>
               <a:rPr lang="es-ES" dirty="0"/>
-              <a:t>FORBES HIGHEST PAYING ATHLETES ANALYSIS</a:t>
-            </a:r>
-          </a:p>
-        </p:txBody>
-      </p:sp>
-      <p:sp>
-        <p:nvSpPr>
-          <p:cNvPr id="58" name="Marcador de número de diapositiva 57">
-            <a:extLst>
-              <a:ext uri="{FF2B5EF4-FFF2-40B4-BE49-F238E27FC236}">
-                <a16:creationId xmlns:a16="http://schemas.microsoft.com/office/drawing/2014/main" id="{E1900601-8B04-4FF3-B06F-6BEFAC6556D3}"/>
+              <a:t>Desarrollar estrategias ganadoras para seguir a la vanguardia de la competencia</a:t>
+            </a:r>
+          </a:p>
+          <a:p>
+            <a:pPr rtl="0"/>
+            <a:r>
+              <a:rPr lang="es-ES" dirty="0"/>
+              <a:t>​Aprovechar los frutos obtenidos para identificar un valor en el terreno de juego</a:t>
+            </a:r>
+          </a:p>
+          <a:p>
+            <a:pPr rtl="0"/>
+            <a:r>
+              <a:rPr lang="es-ES" dirty="0"/>
+              <a:t>​Visualizar la convergencia dirigida al cliente</a:t>
+            </a:r>
+          </a:p>
+        </p:txBody>
+      </p:sp>
+      <p:sp>
+        <p:nvSpPr>
+          <p:cNvPr id="6" name="Marcador de contenido 5">
+            <a:extLst>
+              <a:ext uri="{FF2B5EF4-FFF2-40B4-BE49-F238E27FC236}">
+                <a16:creationId xmlns:a16="http://schemas.microsoft.com/office/drawing/2014/main" id="{50B65871-FA95-449A-B8BC-90486DE532EF}"/>
+              </a:ext>
+            </a:extLst>
+          </p:cNvPr>
+          <p:cNvSpPr>
+            <a:spLocks noGrp="1"/>
+          </p:cNvSpPr>
+          <p:nvPr>
+            <p:ph sz="quarter" idx="4"/>
+          </p:nvPr>
+        </p:nvSpPr>
+        <p:spPr>
+          <a:xfrm>
+            <a:off x="7410173" y="3834606"/>
+            <a:ext cx="3943627" cy="1997867"/>
+          </a:xfrm>
+        </p:spPr>
+        <p:txBody>
+          <a:bodyPr rtlCol="0">
+            <a:normAutofit/>
+          </a:bodyPr>
+          <a:lstStyle>
+            <a:defPPr>
+              <a:defRPr lang="es-ES"/>
+            </a:defPPr>
+          </a:lstStyle>
+          <a:p>
+            <a:pPr rtl="0"/>
+            <a:r>
+              <a:rPr lang="es-ES" dirty="0"/>
+              <a:t>Enfoques iterativos para una estrategia corporativa</a:t>
+            </a:r>
+          </a:p>
+          <a:p>
+            <a:pPr rtl="0"/>
+            <a:r>
+              <a:rPr lang="es-ES" dirty="0"/>
+              <a:t>​Establecer un marco de administración desde dentro</a:t>
+            </a:r>
+          </a:p>
+        </p:txBody>
+      </p:sp>
+      <p:sp>
+        <p:nvSpPr>
+          <p:cNvPr id="9" name="Marcador de número de diapositiva 8">
+            <a:extLst>
+              <a:ext uri="{FF2B5EF4-FFF2-40B4-BE49-F238E27FC236}">
+                <a16:creationId xmlns:a16="http://schemas.microsoft.com/office/drawing/2014/main" id="{C396FFDC-ADE8-4009-A466-A81787258E88}"/>
               </a:ext>
             </a:extLst>
           </p:cNvPr>
@@ -14409,32 +15106,116 @@
           </a:p>
         </p:txBody>
       </p:sp>
-      <p:sp>
-        <p:nvSpPr>
-          <p:cNvPr id="326" name="Marcador de texto 2">
-            <a:extLst>
-              <a:ext uri="{FF2B5EF4-FFF2-40B4-BE49-F238E27FC236}">
-                <a16:creationId xmlns:a16="http://schemas.microsoft.com/office/drawing/2014/main" id="{7B160DB7-BDF4-9939-C740-26EBBB3E0189}"/>
-              </a:ext>
-            </a:extLst>
-          </p:cNvPr>
-          <p:cNvSpPr>
-            <a:spLocks noGrp="1"/>
-          </p:cNvSpPr>
-          <p:nvPr>
-            <p:ph type="body" idx="1"/>
-          </p:nvPr>
-        </p:nvSpPr>
-        <p:spPr>
-          <a:xfrm>
-            <a:off x="1362074" y="2452812"/>
-            <a:ext cx="9605756" cy="2912564"/>
-          </a:xfrm>
-        </p:spPr>
-        <p:txBody>
-          <a:bodyPr rtlCol="0">
-            <a:normAutofit/>
+      <p:pic>
+        <p:nvPicPr>
+          <p:cNvPr id="26" name="Picture 25" descr="A screen shot of a graph&#10;&#10;Description automatically generated">
+            <a:extLst>
+              <a:ext uri="{FF2B5EF4-FFF2-40B4-BE49-F238E27FC236}">
+                <a16:creationId xmlns:a16="http://schemas.microsoft.com/office/drawing/2014/main" id="{BC0C17C4-F1EB-C0F9-F242-781C31EB0F37}"/>
+              </a:ext>
+            </a:extLst>
+          </p:cNvPr>
+          <p:cNvPicPr>
+            <a:picLocks noChangeAspect="1"/>
+          </p:cNvPicPr>
+          <p:nvPr/>
+        </p:nvPicPr>
+        <p:blipFill>
+          <a:blip r:embed="rId3"/>
+          <a:stretch>
+            <a:fillRect/>
+          </a:stretch>
+        </p:blipFill>
+        <p:spPr>
+          <a:xfrm>
+            <a:off x="952500" y="0"/>
+            <a:ext cx="10287000" cy="6356350"/>
+          </a:xfrm>
+          <a:prstGeom prst="rect">
+            <a:avLst/>
+          </a:prstGeom>
+        </p:spPr>
+      </p:pic>
+      <p:sp>
+        <p:nvSpPr>
+          <p:cNvPr id="29" name="TextBox 28">
+            <a:extLst>
+              <a:ext uri="{FF2B5EF4-FFF2-40B4-BE49-F238E27FC236}">
+                <a16:creationId xmlns:a16="http://schemas.microsoft.com/office/drawing/2014/main" id="{993A9882-C951-B912-1FF9-566A5FD5F323}"/>
+              </a:ext>
+            </a:extLst>
+          </p:cNvPr>
+          <p:cNvSpPr txBox="1"/>
+          <p:nvPr/>
+        </p:nvSpPr>
+        <p:spPr>
+          <a:xfrm>
+            <a:off x="8839200" y="5316021"/>
+            <a:ext cx="1169918" cy="271850"/>
+          </a:xfrm>
+          <a:prstGeom prst="rect">
+            <a:avLst/>
+          </a:prstGeom>
+          <a:noFill/>
+        </p:spPr>
+        <p:txBody>
+          <a:bodyPr wrap="square">
+            <a:spAutoFit/>
           </a:bodyPr>
+          <a:lstStyle/>
+          <a:p>
+            <a:pPr rtl="0"/>
+            <a:r>
+              <a:rPr lang="es-ES" sz="1100" dirty="0">
+                <a:solidFill>
+                  <a:schemeClr val="accent5"/>
+                </a:solidFill>
+              </a:rPr>
+              <a:t>R</a:t>
+            </a:r>
+            <a:r>
+              <a:rPr lang="es-ES" sz="1100" baseline="30000" dirty="0">
+                <a:solidFill>
+                  <a:schemeClr val="accent5"/>
+                </a:solidFill>
+              </a:rPr>
+              <a:t>2</a:t>
+            </a:r>
+            <a:r>
+              <a:rPr lang="es-ES" sz="1100" dirty="0">
+                <a:solidFill>
+                  <a:schemeClr val="accent5"/>
+                </a:solidFill>
+              </a:rPr>
+              <a:t> = 0.31</a:t>
+            </a:r>
+          </a:p>
+        </p:txBody>
+      </p:sp>
+      <p:sp>
+        <p:nvSpPr>
+          <p:cNvPr id="3" name="Marcador de pie de página 4">
+            <a:extLst>
+              <a:ext uri="{FF2B5EF4-FFF2-40B4-BE49-F238E27FC236}">
+                <a16:creationId xmlns:a16="http://schemas.microsoft.com/office/drawing/2014/main" id="{FB46CFE9-5C97-933E-ADB4-7BF400637106}"/>
+              </a:ext>
+            </a:extLst>
+          </p:cNvPr>
+          <p:cNvSpPr>
+            <a:spLocks noGrp="1"/>
+          </p:cNvSpPr>
+          <p:nvPr>
+            <p:ph type="ftr" sz="quarter" idx="11"/>
+          </p:nvPr>
+        </p:nvSpPr>
+        <p:spPr>
+          <a:xfrm>
+            <a:off x="4356100" y="6490814"/>
+            <a:ext cx="3479800" cy="365125"/>
+          </a:xfrm>
+        </p:spPr>
+        <p:txBody>
+          <a:bodyPr rtlCol="0"/>
           <a:lstStyle>
             <a:defPPr>
               <a:defRPr lang="es-ES"/>
@@ -14443,42 +15224,16 @@
           <a:p>
             <a:pPr rtl="0"/>
             <a:r>
-              <a:rPr lang="es-ES" sz="1400" dirty="0"/>
-              <a:t>There is a positive correlation between year and adjusted earnings, however only 31% of the variability is explained by the linear correlation model.</a:t>
-            </a:r>
-          </a:p>
-          <a:p>
-            <a:pPr rtl="0"/>
-            <a:endParaRPr lang="es-ES" sz="1400" dirty="0"/>
-          </a:p>
-          <a:p>
-            <a:pPr rtl="0"/>
-            <a:r>
-              <a:rPr lang="es-ES" sz="1400" dirty="0"/>
-              <a:t>If we remove the top earner every year, the linear regression explains 52% of the variability.</a:t>
-            </a:r>
-          </a:p>
-          <a:p>
-            <a:pPr rtl="0"/>
-            <a:endParaRPr lang="es-ES" sz="1400" dirty="0"/>
-          </a:p>
-          <a:p>
-            <a:pPr rtl="0"/>
-            <a:r>
-              <a:rPr lang="es-ES" sz="1400" dirty="0"/>
-              <a:t>Top earners positively skew the data</a:t>
-            </a:r>
-          </a:p>
-          <a:p>
-            <a:pPr rtl="0"/>
-            <a:endParaRPr lang="es-ES" sz="1400" dirty="0"/>
+              <a:rPr lang="es-ES" dirty="0"/>
+              <a:t>FORBES HIGHEST PAYING ATHLETES ANALYSIS</a:t>
+            </a:r>
           </a:p>
         </p:txBody>
       </p:sp>
     </p:spTree>
     <p:extLst>
       <p:ext uri="{BB962C8B-B14F-4D97-AF65-F5344CB8AC3E}">
-        <p14:creationId xmlns:p14="http://schemas.microsoft.com/office/powerpoint/2010/main" val="707615222"/>
+        <p14:creationId xmlns:p14="http://schemas.microsoft.com/office/powerpoint/2010/main" val="2179284411"/>
       </p:ext>
     </p:extLst>
   </p:cSld>
@@ -14505,26 +15260,56 @@
           <a:chExt cx="0" cy="0"/>
         </a:xfrm>
       </p:grpSpPr>
+      <p:pic>
+        <p:nvPicPr>
+          <p:cNvPr id="5" name="Picture 4" descr="A screen shot of a graph&#10;&#10;Description automatically generated">
+            <a:extLst>
+              <a:ext uri="{FF2B5EF4-FFF2-40B4-BE49-F238E27FC236}">
+                <a16:creationId xmlns:a16="http://schemas.microsoft.com/office/drawing/2014/main" id="{B769AEE4-2F64-6F2C-79B0-EF29FBDD332A}"/>
+              </a:ext>
+            </a:extLst>
+          </p:cNvPr>
+          <p:cNvPicPr>
+            <a:picLocks noChangeAspect="1"/>
+          </p:cNvPicPr>
+          <p:nvPr/>
+        </p:nvPicPr>
+        <p:blipFill>
+          <a:blip r:embed="rId3"/>
+          <a:stretch>
+            <a:fillRect/>
+          </a:stretch>
+        </p:blipFill>
+        <p:spPr>
+          <a:xfrm>
+            <a:off x="952500" y="0"/>
+            <a:ext cx="10287000" cy="6858000"/>
+          </a:xfrm>
+          <a:prstGeom prst="rect">
+            <a:avLst/>
+          </a:prstGeom>
+        </p:spPr>
+      </p:pic>
       <p:sp>
         <p:nvSpPr>
           <p:cNvPr id="2" name="Título 1">
             <a:extLst>
               <a:ext uri="{FF2B5EF4-FFF2-40B4-BE49-F238E27FC236}">
-                <a16:creationId xmlns:a16="http://schemas.microsoft.com/office/drawing/2014/main" id="{B1FE5F11-B7B9-4B80-8C6A-A8A7A7190B77}"/>
-              </a:ext>
-            </a:extLst>
-          </p:cNvPr>
-          <p:cNvSpPr>
-            <a:spLocks noGrp="1"/>
-          </p:cNvSpPr>
-          <p:nvPr>
-            <p:ph type="ctrTitle"/>
-          </p:nvPr>
-        </p:nvSpPr>
-        <p:spPr>
-          <a:xfrm>
-            <a:off x="6458964" y="2945452"/>
-            <a:ext cx="5074920" cy="967095"/>
+                <a16:creationId xmlns:a16="http://schemas.microsoft.com/office/drawing/2014/main" id="{09140014-73D5-419B-8867-972BB18D52D4}"/>
+              </a:ext>
+            </a:extLst>
+          </p:cNvPr>
+          <p:cNvSpPr>
+            <a:spLocks noGrp="1"/>
+          </p:cNvSpPr>
+          <p:nvPr>
+            <p:ph type="title"/>
+          </p:nvPr>
+        </p:nvSpPr>
+        <p:spPr>
+          <a:xfrm>
+            <a:off x="2933700" y="892177"/>
+            <a:ext cx="8421688" cy="1325563"/>
           </a:xfrm>
         </p:spPr>
         <p:txBody>
@@ -14537,8 +15322,243 @@
           <a:p>
             <a:pPr rtl="0"/>
             <a:r>
-              <a:rPr lang="en-US" sz="2800" dirty="0"/>
-              <a:t>What sport pays its top athletes the most?</a:t>
+              <a:rPr lang="es-ES" dirty="0"/>
+              <a:t>ÁREAS DE ENFOQUE</a:t>
+            </a:r>
+          </a:p>
+        </p:txBody>
+      </p:sp>
+      <p:sp>
+        <p:nvSpPr>
+          <p:cNvPr id="4" name="Marcador de contenido 3">
+            <a:extLst>
+              <a:ext uri="{FF2B5EF4-FFF2-40B4-BE49-F238E27FC236}">
+                <a16:creationId xmlns:a16="http://schemas.microsoft.com/office/drawing/2014/main" id="{33D8731E-4977-402E-8BFD-895B4D0544CC}"/>
+              </a:ext>
+            </a:extLst>
+          </p:cNvPr>
+          <p:cNvSpPr>
+            <a:spLocks noGrp="1"/>
+          </p:cNvSpPr>
+          <p:nvPr>
+            <p:ph sz="half" idx="2"/>
+          </p:nvPr>
+        </p:nvSpPr>
+        <p:spPr>
+          <a:xfrm>
+            <a:off x="2933700" y="3834606"/>
+            <a:ext cx="3924300" cy="1997867"/>
+          </a:xfrm>
+        </p:spPr>
+        <p:txBody>
+          <a:bodyPr rtlCol="0">
+            <a:normAutofit/>
+          </a:bodyPr>
+          <a:lstStyle>
+            <a:defPPr>
+              <a:defRPr lang="es-ES"/>
+            </a:defPPr>
+          </a:lstStyle>
+          <a:p>
+            <a:pPr rtl="0"/>
+            <a:r>
+              <a:rPr lang="es-ES" dirty="0"/>
+              <a:t>Desarrollar estrategias ganadoras para seguir a la vanguardia de la competencia</a:t>
+            </a:r>
+          </a:p>
+          <a:p>
+            <a:pPr rtl="0"/>
+            <a:r>
+              <a:rPr lang="es-ES" dirty="0"/>
+              <a:t>​Aprovechar los frutos obtenidos para identificar un valor en el terreno de juego</a:t>
+            </a:r>
+          </a:p>
+          <a:p>
+            <a:pPr rtl="0"/>
+            <a:r>
+              <a:rPr lang="es-ES" dirty="0"/>
+              <a:t>​Visualizar la convergencia dirigida al cliente</a:t>
+            </a:r>
+          </a:p>
+        </p:txBody>
+      </p:sp>
+      <p:sp>
+        <p:nvSpPr>
+          <p:cNvPr id="6" name="Marcador de contenido 5">
+            <a:extLst>
+              <a:ext uri="{FF2B5EF4-FFF2-40B4-BE49-F238E27FC236}">
+                <a16:creationId xmlns:a16="http://schemas.microsoft.com/office/drawing/2014/main" id="{50B65871-FA95-449A-B8BC-90486DE532EF}"/>
+              </a:ext>
+            </a:extLst>
+          </p:cNvPr>
+          <p:cNvSpPr>
+            <a:spLocks noGrp="1"/>
+          </p:cNvSpPr>
+          <p:nvPr>
+            <p:ph sz="quarter" idx="4"/>
+          </p:nvPr>
+        </p:nvSpPr>
+        <p:spPr>
+          <a:xfrm>
+            <a:off x="7410173" y="3834606"/>
+            <a:ext cx="3943627" cy="1997867"/>
+          </a:xfrm>
+        </p:spPr>
+        <p:txBody>
+          <a:bodyPr rtlCol="0">
+            <a:normAutofit/>
+          </a:bodyPr>
+          <a:lstStyle>
+            <a:defPPr>
+              <a:defRPr lang="es-ES"/>
+            </a:defPPr>
+          </a:lstStyle>
+          <a:p>
+            <a:pPr rtl="0"/>
+            <a:r>
+              <a:rPr lang="es-ES" dirty="0"/>
+              <a:t>Enfoques iterativos para una estrategia corporativa</a:t>
+            </a:r>
+          </a:p>
+          <a:p>
+            <a:pPr rtl="0"/>
+            <a:r>
+              <a:rPr lang="es-ES" dirty="0"/>
+              <a:t>​Establecer un marco de administración desde dentro</a:t>
+            </a:r>
+          </a:p>
+        </p:txBody>
+      </p:sp>
+      <p:sp>
+        <p:nvSpPr>
+          <p:cNvPr id="9" name="Marcador de número de diapositiva 8">
+            <a:extLst>
+              <a:ext uri="{FF2B5EF4-FFF2-40B4-BE49-F238E27FC236}">
+                <a16:creationId xmlns:a16="http://schemas.microsoft.com/office/drawing/2014/main" id="{C396FFDC-ADE8-4009-A466-A81787258E88}"/>
+              </a:ext>
+            </a:extLst>
+          </p:cNvPr>
+          <p:cNvSpPr>
+            <a:spLocks noGrp="1"/>
+          </p:cNvSpPr>
+          <p:nvPr>
+            <p:ph type="sldNum" sz="quarter" idx="12"/>
+          </p:nvPr>
+        </p:nvSpPr>
+        <p:spPr>
+          <a:xfrm>
+            <a:off x="8610600" y="6356350"/>
+            <a:ext cx="2743200" cy="365125"/>
+          </a:xfrm>
+        </p:spPr>
+        <p:txBody>
+          <a:bodyPr rtlCol="0"/>
+          <a:lstStyle>
+            <a:defPPr>
+              <a:defRPr lang="es-ES"/>
+            </a:defPPr>
+          </a:lstStyle>
+          <a:p>
+            <a:pPr rtl="0"/>
+            <a:fld id="{A49DFD55-3C28-40EF-9E31-A92D2E4017FF}" type="slidenum">
+              <a:rPr lang="es-ES" smtClean="0"/>
+              <a:pPr rtl="0"/>
+              <a:t>14</a:t>
+            </a:fld>
+            <a:endParaRPr lang="es-ES" dirty="0"/>
+          </a:p>
+        </p:txBody>
+      </p:sp>
+      <p:sp>
+        <p:nvSpPr>
+          <p:cNvPr id="29" name="TextBox 28">
+            <a:extLst>
+              <a:ext uri="{FF2B5EF4-FFF2-40B4-BE49-F238E27FC236}">
+                <a16:creationId xmlns:a16="http://schemas.microsoft.com/office/drawing/2014/main" id="{993A9882-C951-B912-1FF9-566A5FD5F323}"/>
+              </a:ext>
+            </a:extLst>
+          </p:cNvPr>
+          <p:cNvSpPr txBox="1"/>
+          <p:nvPr/>
+        </p:nvSpPr>
+        <p:spPr>
+          <a:xfrm>
+            <a:off x="8880613" y="5693973"/>
+            <a:ext cx="1169918" cy="271850"/>
+          </a:xfrm>
+          <a:prstGeom prst="rect">
+            <a:avLst/>
+          </a:prstGeom>
+          <a:noFill/>
+        </p:spPr>
+        <p:txBody>
+          <a:bodyPr wrap="square">
+            <a:spAutoFit/>
+          </a:bodyPr>
+          <a:lstStyle/>
+          <a:p>
+            <a:pPr rtl="0"/>
+            <a:r>
+              <a:rPr lang="es-ES" sz="1100" dirty="0">
+                <a:solidFill>
+                  <a:schemeClr val="accent5"/>
+                </a:solidFill>
+              </a:rPr>
+              <a:t>R</a:t>
+            </a:r>
+            <a:r>
+              <a:rPr lang="es-ES" sz="1100" baseline="30000" dirty="0">
+                <a:solidFill>
+                  <a:schemeClr val="accent5"/>
+                </a:solidFill>
+              </a:rPr>
+              <a:t>2</a:t>
+            </a:r>
+            <a:r>
+              <a:rPr lang="es-ES" sz="1100" dirty="0">
+                <a:solidFill>
+                  <a:schemeClr val="accent5"/>
+                </a:solidFill>
+              </a:rPr>
+              <a:t> = 0.52</a:t>
+            </a:r>
+          </a:p>
+        </p:txBody>
+      </p:sp>
+      <p:sp>
+        <p:nvSpPr>
+          <p:cNvPr id="3" name="Marcador de pie de página 56">
+            <a:extLst>
+              <a:ext uri="{FF2B5EF4-FFF2-40B4-BE49-F238E27FC236}">
+                <a16:creationId xmlns:a16="http://schemas.microsoft.com/office/drawing/2014/main" id="{2D8D136E-0B4C-751E-2B4F-894E43780027}"/>
+              </a:ext>
+            </a:extLst>
+          </p:cNvPr>
+          <p:cNvSpPr>
+            <a:spLocks noGrp="1"/>
+          </p:cNvSpPr>
+          <p:nvPr>
+            <p:ph type="ftr" sz="quarter" idx="11"/>
+          </p:nvPr>
+        </p:nvSpPr>
+        <p:spPr>
+          <a:xfrm>
+            <a:off x="4038600" y="6356350"/>
+            <a:ext cx="4114800" cy="365125"/>
+          </a:xfrm>
+        </p:spPr>
+        <p:txBody>
+          <a:bodyPr rtlCol="0"/>
+          <a:lstStyle>
+            <a:defPPr>
+              <a:defRPr lang="es-ES"/>
+            </a:defPPr>
+          </a:lstStyle>
+          <a:p>
+            <a:pPr rtl="0"/>
+            <a:r>
+              <a:rPr lang="es-ES" dirty="0"/>
+              <a:t>FORBES HIGHEST PAYING ATHLETES</a:t>
             </a:r>
           </a:p>
         </p:txBody>
@@ -14546,7 +15566,7 @@
     </p:spTree>
     <p:extLst>
       <p:ext uri="{BB962C8B-B14F-4D97-AF65-F5344CB8AC3E}">
-        <p14:creationId xmlns:p14="http://schemas.microsoft.com/office/powerpoint/2010/main" val="2448624756"/>
+        <p14:creationId xmlns:p14="http://schemas.microsoft.com/office/powerpoint/2010/main" val="1930365717"/>
       </p:ext>
     </p:extLst>
   </p:cSld>
@@ -14578,7 +15598,7 @@
           <p:cNvPr id="2" name="Título 1">
             <a:extLst>
               <a:ext uri="{FF2B5EF4-FFF2-40B4-BE49-F238E27FC236}">
-                <a16:creationId xmlns:a16="http://schemas.microsoft.com/office/drawing/2014/main" id="{09140014-73D5-419B-8867-972BB18D52D4}"/>
+                <a16:creationId xmlns:a16="http://schemas.microsoft.com/office/drawing/2014/main" id="{42DD0E59-4C68-4F87-9821-23C69713D980}"/>
               </a:ext>
             </a:extLst>
           </p:cNvPr>
@@ -14591,7 +15611,7 @@
         </p:nvSpPr>
         <p:spPr>
           <a:xfrm>
-            <a:off x="2933700" y="892177"/>
+            <a:off x="1885156" y="892177"/>
             <a:ext cx="8421688" cy="1325563"/>
           </a:xfrm>
         </p:spPr>
@@ -14606,37 +15626,35 @@
             <a:pPr rtl="0"/>
             <a:r>
               <a:rPr lang="es-ES" dirty="0"/>
-              <a:t>ÁREAS DE ENFOQUE</a:t>
-            </a:r>
-          </a:p>
-        </p:txBody>
-      </p:sp>
-      <p:sp>
-        <p:nvSpPr>
-          <p:cNvPr id="4" name="Marcador de contenido 3">
-            <a:extLst>
-              <a:ext uri="{FF2B5EF4-FFF2-40B4-BE49-F238E27FC236}">
-                <a16:creationId xmlns:a16="http://schemas.microsoft.com/office/drawing/2014/main" id="{33D8731E-4977-402E-8BFD-895B4D0544CC}"/>
-              </a:ext>
-            </a:extLst>
-          </p:cNvPr>
-          <p:cNvSpPr>
-            <a:spLocks noGrp="1"/>
-          </p:cNvSpPr>
-          <p:nvPr>
-            <p:ph sz="half" idx="2"/>
-          </p:nvPr>
-        </p:nvSpPr>
-        <p:spPr>
-          <a:xfrm>
-            <a:off x="2933700" y="3834606"/>
-            <a:ext cx="3924300" cy="1997867"/>
-          </a:xfrm>
-        </p:spPr>
-        <p:txBody>
-          <a:bodyPr rtlCol="0">
-            <a:normAutofit/>
-          </a:bodyPr>
+              <a:t>Conclusions</a:t>
+            </a:r>
+          </a:p>
+        </p:txBody>
+      </p:sp>
+      <p:sp>
+        <p:nvSpPr>
+          <p:cNvPr id="57" name="Marcador de pie de página 56">
+            <a:extLst>
+              <a:ext uri="{FF2B5EF4-FFF2-40B4-BE49-F238E27FC236}">
+                <a16:creationId xmlns:a16="http://schemas.microsoft.com/office/drawing/2014/main" id="{3A38BE84-957B-46B9-A315-4B5064DFF1A1}"/>
+              </a:ext>
+            </a:extLst>
+          </p:cNvPr>
+          <p:cNvSpPr>
+            <a:spLocks noGrp="1"/>
+          </p:cNvSpPr>
+          <p:nvPr>
+            <p:ph type="ftr" sz="quarter" idx="11"/>
+          </p:nvPr>
+        </p:nvSpPr>
+        <p:spPr>
+          <a:xfrm>
+            <a:off x="4038600" y="6356350"/>
+            <a:ext cx="4114800" cy="365125"/>
+          </a:xfrm>
+        </p:spPr>
+        <p:txBody>
+          <a:bodyPr rtlCol="0"/>
           <a:lstStyle>
             <a:defPPr>
               <a:defRPr lang="es-ES"/>
@@ -14646,105 +15664,6 @@
             <a:pPr rtl="0"/>
             <a:r>
               <a:rPr lang="es-ES" dirty="0"/>
-              <a:t>Desarrollar estrategias ganadoras para seguir a la vanguardia de la competencia</a:t>
-            </a:r>
-          </a:p>
-          <a:p>
-            <a:pPr rtl="0"/>
-            <a:r>
-              <a:rPr lang="es-ES" dirty="0"/>
-              <a:t>​Aprovechar los frutos obtenidos para identificar un valor en el terreno de juego</a:t>
-            </a:r>
-          </a:p>
-          <a:p>
-            <a:pPr rtl="0"/>
-            <a:r>
-              <a:rPr lang="es-ES" dirty="0"/>
-              <a:t>​Visualizar la convergencia dirigida al cliente</a:t>
-            </a:r>
-          </a:p>
-        </p:txBody>
-      </p:sp>
-      <p:sp>
-        <p:nvSpPr>
-          <p:cNvPr id="6" name="Marcador de contenido 5">
-            <a:extLst>
-              <a:ext uri="{FF2B5EF4-FFF2-40B4-BE49-F238E27FC236}">
-                <a16:creationId xmlns:a16="http://schemas.microsoft.com/office/drawing/2014/main" id="{50B65871-FA95-449A-B8BC-90486DE532EF}"/>
-              </a:ext>
-            </a:extLst>
-          </p:cNvPr>
-          <p:cNvSpPr>
-            <a:spLocks noGrp="1"/>
-          </p:cNvSpPr>
-          <p:nvPr>
-            <p:ph sz="quarter" idx="4"/>
-          </p:nvPr>
-        </p:nvSpPr>
-        <p:spPr>
-          <a:xfrm>
-            <a:off x="7410173" y="3834606"/>
-            <a:ext cx="3943627" cy="1997867"/>
-          </a:xfrm>
-        </p:spPr>
-        <p:txBody>
-          <a:bodyPr rtlCol="0">
-            <a:normAutofit/>
-          </a:bodyPr>
-          <a:lstStyle>
-            <a:defPPr>
-              <a:defRPr lang="es-ES"/>
-            </a:defPPr>
-          </a:lstStyle>
-          <a:p>
-            <a:pPr rtl="0"/>
-            <a:r>
-              <a:rPr lang="es-ES" dirty="0"/>
-              <a:t>Enfoques iterativos para una estrategia corporativa</a:t>
-            </a:r>
-          </a:p>
-          <a:p>
-            <a:pPr rtl="0"/>
-            <a:r>
-              <a:rPr lang="es-ES" dirty="0"/>
-              <a:t>​Establecer un marco de administración desde dentro</a:t>
-            </a:r>
-          </a:p>
-        </p:txBody>
-      </p:sp>
-      <p:sp>
-        <p:nvSpPr>
-          <p:cNvPr id="8" name="Marcador de pie de página 7">
-            <a:extLst>
-              <a:ext uri="{FF2B5EF4-FFF2-40B4-BE49-F238E27FC236}">
-                <a16:creationId xmlns:a16="http://schemas.microsoft.com/office/drawing/2014/main" id="{905F172A-5D5D-43CD-A187-DA0D303F4144}"/>
-              </a:ext>
-            </a:extLst>
-          </p:cNvPr>
-          <p:cNvSpPr>
-            <a:spLocks noGrp="1"/>
-          </p:cNvSpPr>
-          <p:nvPr>
-            <p:ph type="ftr" sz="quarter" idx="11"/>
-          </p:nvPr>
-        </p:nvSpPr>
-        <p:spPr>
-          <a:xfrm>
-            <a:off x="4038600" y="6356350"/>
-            <a:ext cx="4114800" cy="365125"/>
-          </a:xfrm>
-        </p:spPr>
-        <p:txBody>
-          <a:bodyPr rtlCol="0"/>
-          <a:lstStyle>
-            <a:defPPr>
-              <a:defRPr lang="es-ES"/>
-            </a:defPPr>
-          </a:lstStyle>
-          <a:p>
-            <a:pPr rtl="0"/>
-            <a:r>
-              <a:rPr lang="es-ES" dirty="0"/>
               <a:t>FORBES HIGHEST PAYING ATHLETES ANALYSIS</a:t>
             </a:r>
           </a:p>
@@ -14752,10 +15671,10 @@
       </p:sp>
       <p:sp>
         <p:nvSpPr>
-          <p:cNvPr id="9" name="Marcador de número de diapositiva 8">
-            <a:extLst>
-              <a:ext uri="{FF2B5EF4-FFF2-40B4-BE49-F238E27FC236}">
-                <a16:creationId xmlns:a16="http://schemas.microsoft.com/office/drawing/2014/main" id="{C396FFDC-ADE8-4009-A466-A81787258E88}"/>
+          <p:cNvPr id="58" name="Marcador de número de diapositiva 57">
+            <a:extLst>
+              <a:ext uri="{FF2B5EF4-FFF2-40B4-BE49-F238E27FC236}">
+                <a16:creationId xmlns:a16="http://schemas.microsoft.com/office/drawing/2014/main" id="{E1900601-8B04-4FF3-B06F-6BEFAC6556D3}"/>
               </a:ext>
             </a:extLst>
           </p:cNvPr>
@@ -14790,96 +15709,76 @@
           </a:p>
         </p:txBody>
       </p:sp>
-      <p:pic>
-        <p:nvPicPr>
-          <p:cNvPr id="13" name="Picture 12" descr="A screen shot of a graph&#10;&#10;Description automatically generated">
-            <a:extLst>
-              <a:ext uri="{FF2B5EF4-FFF2-40B4-BE49-F238E27FC236}">
-                <a16:creationId xmlns:a16="http://schemas.microsoft.com/office/drawing/2014/main" id="{E60AB1D9-9C5A-747D-509D-E89744A34532}"/>
-              </a:ext>
-            </a:extLst>
-          </p:cNvPr>
-          <p:cNvPicPr>
-            <a:picLocks noChangeAspect="1"/>
-          </p:cNvPicPr>
-          <p:nvPr/>
-        </p:nvPicPr>
-        <p:blipFill>
-          <a:blip r:embed="rId3"/>
-          <a:stretch>
-            <a:fillRect/>
-          </a:stretch>
-        </p:blipFill>
-        <p:spPr>
-          <a:xfrm>
-            <a:off x="952500" y="0"/>
-            <a:ext cx="10287000" cy="6858000"/>
-          </a:xfrm>
-          <a:prstGeom prst="rect">
-            <a:avLst/>
-          </a:prstGeom>
-        </p:spPr>
-      </p:pic>
-      <p:sp>
-        <p:nvSpPr>
-          <p:cNvPr id="14" name="TextBox 13">
-            <a:extLst>
-              <a:ext uri="{FF2B5EF4-FFF2-40B4-BE49-F238E27FC236}">
-                <a16:creationId xmlns:a16="http://schemas.microsoft.com/office/drawing/2014/main" id="{2BF54F40-9828-0201-78C6-602BD7F2FBF0}"/>
-              </a:ext>
-            </a:extLst>
-          </p:cNvPr>
-          <p:cNvSpPr txBox="1"/>
-          <p:nvPr/>
-        </p:nvSpPr>
-        <p:spPr>
-          <a:xfrm>
-            <a:off x="8880613" y="5803303"/>
-            <a:ext cx="1169918" cy="271850"/>
-          </a:xfrm>
-          <a:prstGeom prst="rect">
-            <a:avLst/>
-          </a:prstGeom>
-          <a:noFill/>
-        </p:spPr>
-        <p:txBody>
-          <a:bodyPr wrap="square">
-            <a:spAutoFit/>
+      <p:sp>
+        <p:nvSpPr>
+          <p:cNvPr id="326" name="Marcador de texto 2">
+            <a:extLst>
+              <a:ext uri="{FF2B5EF4-FFF2-40B4-BE49-F238E27FC236}">
+                <a16:creationId xmlns:a16="http://schemas.microsoft.com/office/drawing/2014/main" id="{7B160DB7-BDF4-9939-C740-26EBBB3E0189}"/>
+              </a:ext>
+            </a:extLst>
+          </p:cNvPr>
+          <p:cNvSpPr>
+            <a:spLocks noGrp="1"/>
+          </p:cNvSpPr>
+          <p:nvPr>
+            <p:ph type="body" idx="1"/>
+          </p:nvPr>
+        </p:nvSpPr>
+        <p:spPr>
+          <a:xfrm>
+            <a:off x="1362074" y="2452812"/>
+            <a:ext cx="9605756" cy="2912564"/>
+          </a:xfrm>
+        </p:spPr>
+        <p:txBody>
+          <a:bodyPr rtlCol="0">
+            <a:normAutofit/>
           </a:bodyPr>
-          <a:lstStyle/>
-          <a:p>
-            <a:pPr rtl="0"/>
-            <a:r>
-              <a:rPr lang="es-ES" sz="1100" dirty="0">
-                <a:solidFill>
-                  <a:schemeClr val="accent5"/>
-                </a:solidFill>
-              </a:rPr>
-              <a:t>R</a:t>
-            </a:r>
-            <a:r>
-              <a:rPr lang="es-ES" sz="1100" baseline="30000" dirty="0">
-                <a:solidFill>
-                  <a:schemeClr val="accent5"/>
-                </a:solidFill>
-              </a:rPr>
-              <a:t>2</a:t>
-            </a:r>
-            <a:r>
-              <a:rPr lang="es-ES" sz="1100" dirty="0">
-                <a:solidFill>
-                  <a:schemeClr val="accent5"/>
-                </a:solidFill>
-              </a:rPr>
-              <a:t> = 0.25</a:t>
-            </a:r>
+          <a:lstStyle>
+            <a:defPPr>
+              <a:defRPr lang="es-ES"/>
+            </a:defPPr>
+          </a:lstStyle>
+          <a:p>
+            <a:pPr rtl="0"/>
+            <a:r>
+              <a:rPr lang="es-ES" sz="1400" dirty="0"/>
+              <a:t>There is a positive correlation between year and adjusted earnings, however only 31% of the variability is explained by the linear correlation model.</a:t>
+            </a:r>
+          </a:p>
+          <a:p>
+            <a:pPr rtl="0"/>
+            <a:endParaRPr lang="es-ES" sz="1400" dirty="0"/>
+          </a:p>
+          <a:p>
+            <a:pPr rtl="0"/>
+            <a:r>
+              <a:rPr lang="es-ES" sz="1400" dirty="0"/>
+              <a:t>If we remove the top earner every year, the linear regression explains 52% of the variability.</a:t>
+            </a:r>
+          </a:p>
+          <a:p>
+            <a:pPr rtl="0"/>
+            <a:endParaRPr lang="es-ES" sz="1400" dirty="0"/>
+          </a:p>
+          <a:p>
+            <a:pPr rtl="0"/>
+            <a:r>
+              <a:rPr lang="es-ES" sz="1400" dirty="0"/>
+              <a:t>Top earners positively skew the data</a:t>
+            </a:r>
+          </a:p>
+          <a:p>
+            <a:pPr rtl="0"/>
+            <a:endParaRPr lang="es-ES" sz="1400" dirty="0"/>
           </a:p>
         </p:txBody>
       </p:sp>
     </p:spTree>
     <p:extLst>
       <p:ext uri="{BB962C8B-B14F-4D97-AF65-F5344CB8AC3E}">
-        <p14:creationId xmlns:p14="http://schemas.microsoft.com/office/powerpoint/2010/main" val="1417206755"/>
+        <p14:creationId xmlns:p14="http://schemas.microsoft.com/office/powerpoint/2010/main" val="707615222"/>
       </p:ext>
     </p:extLst>
   </p:cSld>
@@ -14911,21 +15810,21 @@
           <p:cNvPr id="2" name="Título 1">
             <a:extLst>
               <a:ext uri="{FF2B5EF4-FFF2-40B4-BE49-F238E27FC236}">
-                <a16:creationId xmlns:a16="http://schemas.microsoft.com/office/drawing/2014/main" id="{09140014-73D5-419B-8867-972BB18D52D4}"/>
-              </a:ext>
-            </a:extLst>
-          </p:cNvPr>
-          <p:cNvSpPr>
-            <a:spLocks noGrp="1"/>
-          </p:cNvSpPr>
-          <p:nvPr>
-            <p:ph type="title"/>
-          </p:nvPr>
-        </p:nvSpPr>
-        <p:spPr>
-          <a:xfrm>
-            <a:off x="2933700" y="892177"/>
-            <a:ext cx="8421688" cy="1325563"/>
+                <a16:creationId xmlns:a16="http://schemas.microsoft.com/office/drawing/2014/main" id="{B1FE5F11-B7B9-4B80-8C6A-A8A7A7190B77}"/>
+              </a:ext>
+            </a:extLst>
+          </p:cNvPr>
+          <p:cNvSpPr>
+            <a:spLocks noGrp="1"/>
+          </p:cNvSpPr>
+          <p:nvPr>
+            <p:ph type="ctrTitle"/>
+          </p:nvPr>
+        </p:nvSpPr>
+        <p:spPr>
+          <a:xfrm>
+            <a:off x="6458964" y="2945452"/>
+            <a:ext cx="5074920" cy="967095"/>
           </a:xfrm>
         </p:spPr>
         <p:txBody>
@@ -14938,373 +15837,8 @@
           <a:p>
             <a:pPr rtl="0"/>
             <a:r>
-              <a:rPr lang="es-ES" dirty="0"/>
-              <a:t>ÁREAS DE ENFOQUE</a:t>
-            </a:r>
-          </a:p>
-        </p:txBody>
-      </p:sp>
-      <p:sp>
-        <p:nvSpPr>
-          <p:cNvPr id="4" name="Marcador de contenido 3">
-            <a:extLst>
-              <a:ext uri="{FF2B5EF4-FFF2-40B4-BE49-F238E27FC236}">
-                <a16:creationId xmlns:a16="http://schemas.microsoft.com/office/drawing/2014/main" id="{33D8731E-4977-402E-8BFD-895B4D0544CC}"/>
-              </a:ext>
-            </a:extLst>
-          </p:cNvPr>
-          <p:cNvSpPr>
-            <a:spLocks noGrp="1"/>
-          </p:cNvSpPr>
-          <p:nvPr>
-            <p:ph sz="half" idx="2"/>
-          </p:nvPr>
-        </p:nvSpPr>
-        <p:spPr>
-          <a:xfrm>
-            <a:off x="2933700" y="3834606"/>
-            <a:ext cx="3924300" cy="1997867"/>
-          </a:xfrm>
-        </p:spPr>
-        <p:txBody>
-          <a:bodyPr rtlCol="0">
-            <a:normAutofit/>
-          </a:bodyPr>
-          <a:lstStyle>
-            <a:defPPr>
-              <a:defRPr lang="es-ES"/>
-            </a:defPPr>
-          </a:lstStyle>
-          <a:p>
-            <a:pPr rtl="0"/>
-            <a:r>
-              <a:rPr lang="es-ES" dirty="0"/>
-              <a:t>Desarrollar estrategias ganadoras para seguir a la vanguardia de la competencia</a:t>
-            </a:r>
-          </a:p>
-          <a:p>
-            <a:pPr rtl="0"/>
-            <a:r>
-              <a:rPr lang="es-ES" dirty="0"/>
-              <a:t>​Aprovechar los frutos obtenidos para identificar un valor en el terreno de juego</a:t>
-            </a:r>
-          </a:p>
-          <a:p>
-            <a:pPr rtl="0"/>
-            <a:r>
-              <a:rPr lang="es-ES" dirty="0"/>
-              <a:t>​Visualizar la convergencia dirigida al cliente</a:t>
-            </a:r>
-          </a:p>
-        </p:txBody>
-      </p:sp>
-      <p:sp>
-        <p:nvSpPr>
-          <p:cNvPr id="6" name="Marcador de contenido 5">
-            <a:extLst>
-              <a:ext uri="{FF2B5EF4-FFF2-40B4-BE49-F238E27FC236}">
-                <a16:creationId xmlns:a16="http://schemas.microsoft.com/office/drawing/2014/main" id="{50B65871-FA95-449A-B8BC-90486DE532EF}"/>
-              </a:ext>
-            </a:extLst>
-          </p:cNvPr>
-          <p:cNvSpPr>
-            <a:spLocks noGrp="1"/>
-          </p:cNvSpPr>
-          <p:nvPr>
-            <p:ph sz="quarter" idx="4"/>
-          </p:nvPr>
-        </p:nvSpPr>
-        <p:spPr>
-          <a:xfrm>
-            <a:off x="7410173" y="3834606"/>
-            <a:ext cx="3943627" cy="1997867"/>
-          </a:xfrm>
-        </p:spPr>
-        <p:txBody>
-          <a:bodyPr rtlCol="0">
-            <a:normAutofit/>
-          </a:bodyPr>
-          <a:lstStyle>
-            <a:defPPr>
-              <a:defRPr lang="es-ES"/>
-            </a:defPPr>
-          </a:lstStyle>
-          <a:p>
-            <a:pPr rtl="0"/>
-            <a:r>
-              <a:rPr lang="es-ES" dirty="0"/>
-              <a:t>Enfoques iterativos para una estrategia corporativa</a:t>
-            </a:r>
-          </a:p>
-          <a:p>
-            <a:pPr rtl="0"/>
-            <a:r>
-              <a:rPr lang="es-ES" dirty="0"/>
-              <a:t>​Establecer un marco de administración desde dentro</a:t>
-            </a:r>
-          </a:p>
-        </p:txBody>
-      </p:sp>
-      <p:sp>
-        <p:nvSpPr>
-          <p:cNvPr id="9" name="Marcador de número de diapositiva 8">
-            <a:extLst>
-              <a:ext uri="{FF2B5EF4-FFF2-40B4-BE49-F238E27FC236}">
-                <a16:creationId xmlns:a16="http://schemas.microsoft.com/office/drawing/2014/main" id="{C396FFDC-ADE8-4009-A466-A81787258E88}"/>
-              </a:ext>
-            </a:extLst>
-          </p:cNvPr>
-          <p:cNvSpPr>
-            <a:spLocks noGrp="1"/>
-          </p:cNvSpPr>
-          <p:nvPr>
-            <p:ph type="sldNum" sz="quarter" idx="12"/>
-          </p:nvPr>
-        </p:nvSpPr>
-        <p:spPr>
-          <a:xfrm>
-            <a:off x="8610600" y="6356350"/>
-            <a:ext cx="2743200" cy="365125"/>
-          </a:xfrm>
-        </p:spPr>
-        <p:txBody>
-          <a:bodyPr rtlCol="0"/>
-          <a:lstStyle>
-            <a:defPPr>
-              <a:defRPr lang="es-ES"/>
-            </a:defPPr>
-          </a:lstStyle>
-          <a:p>
-            <a:pPr rtl="0"/>
-            <a:fld id="{A49DFD55-3C28-40EF-9E31-A92D2E4017FF}" type="slidenum">
-              <a:rPr lang="es-ES" smtClean="0"/>
-              <a:pPr rtl="0"/>
-              <a:t>16</a:t>
-            </a:fld>
-            <a:endParaRPr lang="es-ES" dirty="0"/>
-          </a:p>
-        </p:txBody>
-      </p:sp>
-      <p:pic>
-        <p:nvPicPr>
-          <p:cNvPr id="13" name="Picture 12" descr="A screen shot of a graph&#10;&#10;Description automatically generated">
-            <a:extLst>
-              <a:ext uri="{FF2B5EF4-FFF2-40B4-BE49-F238E27FC236}">
-                <a16:creationId xmlns:a16="http://schemas.microsoft.com/office/drawing/2014/main" id="{E60AB1D9-9C5A-747D-509D-E89744A34532}"/>
-              </a:ext>
-            </a:extLst>
-          </p:cNvPr>
-          <p:cNvPicPr>
-            <a:picLocks noChangeAspect="1"/>
-          </p:cNvPicPr>
-          <p:nvPr/>
-        </p:nvPicPr>
-        <p:blipFill>
-          <a:blip r:embed="rId3"/>
-          <a:stretch>
-            <a:fillRect/>
-          </a:stretch>
-        </p:blipFill>
-        <p:spPr>
-          <a:xfrm>
-            <a:off x="952500" y="-270704"/>
-            <a:ext cx="10287000" cy="6858000"/>
-          </a:xfrm>
-          <a:prstGeom prst="rect">
-            <a:avLst/>
-          </a:prstGeom>
-        </p:spPr>
-      </p:pic>
-      <p:sp>
-        <p:nvSpPr>
-          <p:cNvPr id="3" name="Oval 2">
-            <a:extLst>
-              <a:ext uri="{FF2B5EF4-FFF2-40B4-BE49-F238E27FC236}">
-                <a16:creationId xmlns:a16="http://schemas.microsoft.com/office/drawing/2014/main" id="{6998A596-109F-B8E6-01A0-E9158D7D8FC0}"/>
-              </a:ext>
-            </a:extLst>
-          </p:cNvPr>
-          <p:cNvSpPr/>
-          <p:nvPr/>
-        </p:nvSpPr>
-        <p:spPr>
-          <a:xfrm>
-            <a:off x="8379242" y="553419"/>
-            <a:ext cx="542236" cy="520008"/>
-          </a:xfrm>
-          <a:prstGeom prst="ellipse">
-            <a:avLst/>
-          </a:prstGeom>
-          <a:noFill/>
-          <a:ln w="28575">
-            <a:solidFill>
-              <a:srgbClr val="AE2012"/>
-            </a:solidFill>
-          </a:ln>
-        </p:spPr>
-        <p:style>
-          <a:lnRef idx="2">
-            <a:schemeClr val="accent1">
-              <a:shade val="15000"/>
-            </a:schemeClr>
-          </a:lnRef>
-          <a:fillRef idx="1">
-            <a:schemeClr val="accent1"/>
-          </a:fillRef>
-          <a:effectRef idx="0">
-            <a:schemeClr val="accent1"/>
-          </a:effectRef>
-          <a:fontRef idx="minor">
-            <a:schemeClr val="lt1"/>
-          </a:fontRef>
-        </p:style>
-        <p:txBody>
-          <a:bodyPr rtlCol="0" anchor="ctr"/>
-          <a:lstStyle/>
-          <a:p>
-            <a:pPr algn="ctr"/>
-            <a:endParaRPr lang="es-US" dirty="0"/>
-          </a:p>
-        </p:txBody>
-      </p:sp>
-      <p:sp>
-        <p:nvSpPr>
-          <p:cNvPr id="5" name="Oval 4">
-            <a:extLst>
-              <a:ext uri="{FF2B5EF4-FFF2-40B4-BE49-F238E27FC236}">
-                <a16:creationId xmlns:a16="http://schemas.microsoft.com/office/drawing/2014/main" id="{C7C02EDF-94D5-CA69-341D-1FC4D160C02F}"/>
-              </a:ext>
-            </a:extLst>
-          </p:cNvPr>
-          <p:cNvSpPr/>
-          <p:nvPr/>
-        </p:nvSpPr>
-        <p:spPr>
-          <a:xfrm>
-            <a:off x="9093212" y="1068592"/>
-            <a:ext cx="542236" cy="520008"/>
-          </a:xfrm>
-          <a:prstGeom prst="ellipse">
-            <a:avLst/>
-          </a:prstGeom>
-          <a:noFill/>
-          <a:ln w="28575">
-            <a:solidFill>
-              <a:srgbClr val="AE2012"/>
-            </a:solidFill>
-          </a:ln>
-        </p:spPr>
-        <p:style>
-          <a:lnRef idx="2">
-            <a:schemeClr val="accent1">
-              <a:shade val="15000"/>
-            </a:schemeClr>
-          </a:lnRef>
-          <a:fillRef idx="1">
-            <a:schemeClr val="accent1"/>
-          </a:fillRef>
-          <a:effectRef idx="0">
-            <a:schemeClr val="accent1"/>
-          </a:effectRef>
-          <a:fontRef idx="minor">
-            <a:schemeClr val="lt1"/>
-          </a:fontRef>
-        </p:style>
-        <p:txBody>
-          <a:bodyPr rtlCol="0" anchor="ctr"/>
-          <a:lstStyle/>
-          <a:p>
-            <a:pPr algn="ctr"/>
-            <a:endParaRPr lang="es-US" dirty="0"/>
-          </a:p>
-        </p:txBody>
-      </p:sp>
-      <p:sp>
-        <p:nvSpPr>
-          <p:cNvPr id="10" name="Oval 9">
-            <a:extLst>
-              <a:ext uri="{FF2B5EF4-FFF2-40B4-BE49-F238E27FC236}">
-                <a16:creationId xmlns:a16="http://schemas.microsoft.com/office/drawing/2014/main" id="{64A443F8-ECCA-45EA-A97B-BE2AF1627D03}"/>
-              </a:ext>
-            </a:extLst>
-          </p:cNvPr>
-          <p:cNvSpPr/>
-          <p:nvPr/>
-        </p:nvSpPr>
-        <p:spPr>
-          <a:xfrm>
-            <a:off x="8372608" y="2892446"/>
-            <a:ext cx="542236" cy="520008"/>
-          </a:xfrm>
-          <a:prstGeom prst="ellipse">
-            <a:avLst/>
-          </a:prstGeom>
-          <a:noFill/>
-          <a:ln w="28575">
-            <a:solidFill>
-              <a:srgbClr val="AE2012"/>
-            </a:solidFill>
-          </a:ln>
-        </p:spPr>
-        <p:style>
-          <a:lnRef idx="2">
-            <a:schemeClr val="accent1">
-              <a:shade val="15000"/>
-            </a:schemeClr>
-          </a:lnRef>
-          <a:fillRef idx="1">
-            <a:schemeClr val="accent1"/>
-          </a:fillRef>
-          <a:effectRef idx="0">
-            <a:schemeClr val="accent1"/>
-          </a:effectRef>
-          <a:fontRef idx="minor">
-            <a:schemeClr val="lt1"/>
-          </a:fontRef>
-        </p:style>
-        <p:txBody>
-          <a:bodyPr rtlCol="0" anchor="ctr"/>
-          <a:lstStyle/>
-          <a:p>
-            <a:pPr algn="ctr"/>
-            <a:endParaRPr lang="es-US" dirty="0"/>
-          </a:p>
-        </p:txBody>
-      </p:sp>
-      <p:sp>
-        <p:nvSpPr>
-          <p:cNvPr id="11" name="Marcador de pie de página 56">
-            <a:extLst>
-              <a:ext uri="{FF2B5EF4-FFF2-40B4-BE49-F238E27FC236}">
-                <a16:creationId xmlns:a16="http://schemas.microsoft.com/office/drawing/2014/main" id="{2475C3F1-E20F-BABD-33C7-F4584067D049}"/>
-              </a:ext>
-            </a:extLst>
-          </p:cNvPr>
-          <p:cNvSpPr>
-            <a:spLocks noGrp="1"/>
-          </p:cNvSpPr>
-          <p:nvPr>
-            <p:ph type="ftr" sz="quarter" idx="11"/>
-          </p:nvPr>
-        </p:nvSpPr>
-        <p:spPr>
-          <a:xfrm>
-            <a:off x="4038600" y="6356350"/>
-            <a:ext cx="4114800" cy="365125"/>
-          </a:xfrm>
-        </p:spPr>
-        <p:txBody>
-          <a:bodyPr rtlCol="0"/>
-          <a:lstStyle>
-            <a:defPPr>
-              <a:defRPr lang="es-ES"/>
-            </a:defPPr>
-          </a:lstStyle>
-          <a:p>
-            <a:pPr rtl="0"/>
-            <a:r>
-              <a:rPr lang="es-ES" dirty="0"/>
-              <a:t>FORBES HIGHEST PAYING ATHLETES</a:t>
+              <a:rPr lang="en-US" sz="2800" dirty="0"/>
+              <a:t>What sport pays its top athletes the most?</a:t>
             </a:r>
           </a:p>
         </p:txBody>
@@ -15312,7 +15846,7 @@
     </p:spTree>
     <p:extLst>
       <p:ext uri="{BB962C8B-B14F-4D97-AF65-F5344CB8AC3E}">
-        <p14:creationId xmlns:p14="http://schemas.microsoft.com/office/powerpoint/2010/main" val="144498883"/>
+        <p14:creationId xmlns:p14="http://schemas.microsoft.com/office/powerpoint/2010/main" val="2448624756"/>
       </p:ext>
     </p:extLst>
   </p:cSld>
@@ -15341,10 +15875,10 @@
       </p:grpSpPr>
       <p:sp>
         <p:nvSpPr>
-          <p:cNvPr id="3" name="Título 2">
-            <a:extLst>
-              <a:ext uri="{FF2B5EF4-FFF2-40B4-BE49-F238E27FC236}">
-                <a16:creationId xmlns:a16="http://schemas.microsoft.com/office/drawing/2014/main" id="{77762301-F83A-4BEA-9D11-E6C99FB574A8}"/>
+          <p:cNvPr id="2" name="Título 1">
+            <a:extLst>
+              <a:ext uri="{FF2B5EF4-FFF2-40B4-BE49-F238E27FC236}">
+                <a16:creationId xmlns:a16="http://schemas.microsoft.com/office/drawing/2014/main" id="{4518FC28-E0BD-4387-B8BE-9965D1A57FF1}"/>
               </a:ext>
             </a:extLst>
           </p:cNvPr>
@@ -15357,32 +15891,99 @@
         </p:nvSpPr>
         <p:spPr>
           <a:xfrm>
-            <a:off x="838200" y="365125"/>
-            <a:ext cx="10515600" cy="1325563"/>
-          </a:xfrm>
-        </p:spPr>
-        <p:txBody>
-          <a:bodyPr rtlCol="0"/>
+            <a:off x="5984612" y="2366126"/>
+            <a:ext cx="5111750" cy="594605"/>
+          </a:xfrm>
+        </p:spPr>
+        <p:txBody>
+          <a:bodyPr rtlCol="0">
+            <a:normAutofit/>
+          </a:bodyPr>
           <a:lstStyle>
             <a:defPPr>
               <a:defRPr lang="es-ES"/>
             </a:defPPr>
           </a:lstStyle>
           <a:p>
-            <a:pPr rtl="0"/>
-            <a:r>
-              <a:rPr lang="es-ES" dirty="0"/>
-              <a:t>Top yearly earnings</a:t>
-            </a:r>
-          </a:p>
-        </p:txBody>
-      </p:sp>
-      <p:sp>
-        <p:nvSpPr>
-          <p:cNvPr id="8" name="Marcador de número de diapositiva 7">
-            <a:extLst>
-              <a:ext uri="{FF2B5EF4-FFF2-40B4-BE49-F238E27FC236}">
-                <a16:creationId xmlns:a16="http://schemas.microsoft.com/office/drawing/2014/main" id="{92908AF9-2A07-4B50-BC13-471792106EC8}"/>
+            <a:pPr algn="ctr" rtl="0"/>
+            <a:r>
+              <a:rPr lang="es-ES" sz="3600" dirty="0" err="1"/>
+              <a:t>hypothesis</a:t>
+            </a:r>
+            <a:endParaRPr lang="es-ES" sz="3600" dirty="0"/>
+          </a:p>
+        </p:txBody>
+      </p:sp>
+      <p:sp>
+        <p:nvSpPr>
+          <p:cNvPr id="3" name="Marcador de texto 2">
+            <a:extLst>
+              <a:ext uri="{FF2B5EF4-FFF2-40B4-BE49-F238E27FC236}">
+                <a16:creationId xmlns:a16="http://schemas.microsoft.com/office/drawing/2014/main" id="{FED19BCA-B61F-4EA6-A1FB-CCA3BD8506FB}"/>
+              </a:ext>
+            </a:extLst>
+          </p:cNvPr>
+          <p:cNvSpPr>
+            <a:spLocks noGrp="1"/>
+          </p:cNvSpPr>
+          <p:nvPr>
+            <p:ph type="body" idx="1"/>
+          </p:nvPr>
+        </p:nvSpPr>
+        <p:spPr>
+          <a:xfrm>
+            <a:off x="5851393" y="3076257"/>
+            <a:ext cx="5518413" cy="705486"/>
+          </a:xfrm>
+        </p:spPr>
+        <p:txBody>
+          <a:bodyPr rtlCol="0">
+            <a:normAutofit/>
+          </a:bodyPr>
+          <a:lstStyle>
+            <a:defPPr>
+              <a:defRPr lang="es-ES"/>
+            </a:defPPr>
+          </a:lstStyle>
+          <a:p>
+            <a:pPr algn="just" rtl="0"/>
+            <a:r>
+              <a:rPr lang="es-ES" sz="1600" dirty="0"/>
+              <a:t>NBA and NFL </a:t>
+            </a:r>
+            <a:r>
+              <a:rPr lang="es-ES" sz="1600" dirty="0" err="1"/>
+              <a:t>players</a:t>
+            </a:r>
+            <a:r>
+              <a:rPr lang="es-ES" sz="1600" dirty="0"/>
+              <a:t> are </a:t>
+            </a:r>
+            <a:r>
+              <a:rPr lang="es-ES" sz="1600" dirty="0" err="1"/>
+              <a:t>the</a:t>
+            </a:r>
+            <a:r>
+              <a:rPr lang="es-ES" sz="1600" dirty="0"/>
+              <a:t> top </a:t>
+            </a:r>
+            <a:r>
+              <a:rPr lang="es-ES" sz="1600" dirty="0" err="1"/>
+              <a:t>earners</a:t>
+            </a:r>
+            <a:r>
+              <a:rPr lang="es-ES" sz="1600" dirty="0"/>
+              <a:t>. </a:t>
+            </a:r>
+          </a:p>
+        </p:txBody>
+      </p:sp>
+      <p:sp>
+        <p:nvSpPr>
+          <p:cNvPr id="6" name="Marcador de número de diapositiva 5">
+            <a:extLst>
+              <a:ext uri="{FF2B5EF4-FFF2-40B4-BE49-F238E27FC236}">
+                <a16:creationId xmlns:a16="http://schemas.microsoft.com/office/drawing/2014/main" id="{7C4B8313-9270-4128-8674-3A3E42B806BC}"/>
               </a:ext>
             </a:extLst>
           </p:cNvPr>
@@ -15417,41 +16018,12 @@
           </a:p>
         </p:txBody>
       </p:sp>
-      <p:pic>
-        <p:nvPicPr>
-          <p:cNvPr id="12" name="Picture 11">
-            <a:extLst>
-              <a:ext uri="{FF2B5EF4-FFF2-40B4-BE49-F238E27FC236}">
-                <a16:creationId xmlns:a16="http://schemas.microsoft.com/office/drawing/2014/main" id="{A612C06D-D748-DBF6-C6F2-9FD984C2E43C}"/>
-              </a:ext>
-            </a:extLst>
-          </p:cNvPr>
-          <p:cNvPicPr>
-            <a:picLocks noChangeAspect="1"/>
-          </p:cNvPicPr>
-          <p:nvPr/>
-        </p:nvPicPr>
-        <p:blipFill rotWithShape="1">
-          <a:blip r:embed="rId3"/>
-          <a:srcRect l="1029" t="899" r="4413" b="4063"/>
-          <a:stretch/>
-        </p:blipFill>
-        <p:spPr>
-          <a:xfrm>
-            <a:off x="331694" y="1564341"/>
-            <a:ext cx="11528612" cy="4173071"/>
-          </a:xfrm>
-          <a:prstGeom prst="rect">
-            <a:avLst/>
-          </a:prstGeom>
-        </p:spPr>
-      </p:pic>
-      <p:sp>
-        <p:nvSpPr>
-          <p:cNvPr id="2" name="Marcador de pie de página 56">
-            <a:extLst>
-              <a:ext uri="{FF2B5EF4-FFF2-40B4-BE49-F238E27FC236}">
-                <a16:creationId xmlns:a16="http://schemas.microsoft.com/office/drawing/2014/main" id="{7E4CCB17-F94C-1680-8B00-B79BCF25DB6A}"/>
+      <p:sp>
+        <p:nvSpPr>
+          <p:cNvPr id="7" name="Marcador de pie de página 56">
+            <a:extLst>
+              <a:ext uri="{FF2B5EF4-FFF2-40B4-BE49-F238E27FC236}">
+                <a16:creationId xmlns:a16="http://schemas.microsoft.com/office/drawing/2014/main" id="{5860982B-C8CF-1FD7-A84B-90C2BF420A7C}"/>
               </a:ext>
             </a:extLst>
           </p:cNvPr>
@@ -15487,7 +16059,7 @@
     </p:spTree>
     <p:extLst>
       <p:ext uri="{BB962C8B-B14F-4D97-AF65-F5344CB8AC3E}">
-        <p14:creationId xmlns:p14="http://schemas.microsoft.com/office/powerpoint/2010/main" val="2896385493"/>
+        <p14:creationId xmlns:p14="http://schemas.microsoft.com/office/powerpoint/2010/main" val="2996984801"/>
       </p:ext>
     </p:extLst>
   </p:cSld>
@@ -15655,6 +16227,44 @@
       </p:sp>
       <p:sp>
         <p:nvSpPr>
+          <p:cNvPr id="8" name="Marcador de pie de página 7">
+            <a:extLst>
+              <a:ext uri="{FF2B5EF4-FFF2-40B4-BE49-F238E27FC236}">
+                <a16:creationId xmlns:a16="http://schemas.microsoft.com/office/drawing/2014/main" id="{905F172A-5D5D-43CD-A187-DA0D303F4144}"/>
+              </a:ext>
+            </a:extLst>
+          </p:cNvPr>
+          <p:cNvSpPr>
+            <a:spLocks noGrp="1"/>
+          </p:cNvSpPr>
+          <p:nvPr>
+            <p:ph type="ftr" sz="quarter" idx="11"/>
+          </p:nvPr>
+        </p:nvSpPr>
+        <p:spPr>
+          <a:xfrm>
+            <a:off x="4038600" y="6356350"/>
+            <a:ext cx="4114800" cy="365125"/>
+          </a:xfrm>
+        </p:spPr>
+        <p:txBody>
+          <a:bodyPr rtlCol="0"/>
+          <a:lstStyle>
+            <a:defPPr>
+              <a:defRPr lang="es-ES"/>
+            </a:defPPr>
+          </a:lstStyle>
+          <a:p>
+            <a:pPr rtl="0"/>
+            <a:r>
+              <a:rPr lang="es-ES" dirty="0"/>
+              <a:t>FORBES HIGHEST PAYING ATHLETES ANALYSIS</a:t>
+            </a:r>
+          </a:p>
+        </p:txBody>
+      </p:sp>
+      <p:sp>
+        <p:nvSpPr>
           <p:cNvPr id="9" name="Marcador de número de diapositiva 8">
             <a:extLst>
               <a:ext uri="{FF2B5EF4-FFF2-40B4-BE49-F238E27FC236}">
@@ -15695,10 +16305,10 @@
       </p:sp>
       <p:pic>
         <p:nvPicPr>
-          <p:cNvPr id="11" name="Picture 10">
-            <a:extLst>
-              <a:ext uri="{FF2B5EF4-FFF2-40B4-BE49-F238E27FC236}">
-                <a16:creationId xmlns:a16="http://schemas.microsoft.com/office/drawing/2014/main" id="{0014701C-A515-45B2-03F5-C4EF3D5AD0B3}"/>
+          <p:cNvPr id="13" name="Picture 12" descr="A screen shot of a graph&#10;&#10;Description automatically generated">
+            <a:extLst>
+              <a:ext uri="{FF2B5EF4-FFF2-40B4-BE49-F238E27FC236}">
+                <a16:creationId xmlns:a16="http://schemas.microsoft.com/office/drawing/2014/main" id="{E60AB1D9-9C5A-747D-509D-E89744A34532}"/>
               </a:ext>
             </a:extLst>
           </p:cNvPr>
@@ -15715,50 +16325,20 @@
         </p:blipFill>
         <p:spPr>
           <a:xfrm>
-            <a:off x="1085282" y="333698"/>
-            <a:ext cx="4437499" cy="5498775"/>
+            <a:off x="952500" y="0"/>
+            <a:ext cx="10287000" cy="6858000"/>
           </a:xfrm>
           <a:prstGeom prst="rect">
             <a:avLst/>
           </a:prstGeom>
         </p:spPr>
       </p:pic>
-      <p:pic>
-        <p:nvPicPr>
-          <p:cNvPr id="14" name="Picture 13">
-            <a:extLst>
-              <a:ext uri="{FF2B5EF4-FFF2-40B4-BE49-F238E27FC236}">
-                <a16:creationId xmlns:a16="http://schemas.microsoft.com/office/drawing/2014/main" id="{A881FA41-88CD-A684-62A8-FD4B7D8A17D4}"/>
-              </a:ext>
-            </a:extLst>
-          </p:cNvPr>
-          <p:cNvPicPr>
-            <a:picLocks noChangeAspect="1"/>
-          </p:cNvPicPr>
-          <p:nvPr/>
-        </p:nvPicPr>
-        <p:blipFill>
-          <a:blip r:embed="rId4"/>
-          <a:stretch>
-            <a:fillRect/>
-          </a:stretch>
-        </p:blipFill>
-        <p:spPr>
-          <a:xfrm>
-            <a:off x="7239001" y="333698"/>
-            <a:ext cx="4114800" cy="5498775"/>
-          </a:xfrm>
-          <a:prstGeom prst="rect">
-            <a:avLst/>
-          </a:prstGeom>
-        </p:spPr>
-      </p:pic>
-      <p:sp>
-        <p:nvSpPr>
-          <p:cNvPr id="15" name="TextBox 14">
-            <a:extLst>
-              <a:ext uri="{FF2B5EF4-FFF2-40B4-BE49-F238E27FC236}">
-                <a16:creationId xmlns:a16="http://schemas.microsoft.com/office/drawing/2014/main" id="{FF61D288-9C04-EAA5-40C4-740D1B4F638F}"/>
+      <p:sp>
+        <p:nvSpPr>
+          <p:cNvPr id="14" name="TextBox 13">
+            <a:extLst>
+              <a:ext uri="{FF2B5EF4-FFF2-40B4-BE49-F238E27FC236}">
+                <a16:creationId xmlns:a16="http://schemas.microsoft.com/office/drawing/2014/main" id="{2BF54F40-9828-0201-78C6-602BD7F2FBF0}"/>
               </a:ext>
             </a:extLst>
           </p:cNvPr>
@@ -15767,8 +16347,8 @@
         </p:nvSpPr>
         <p:spPr>
           <a:xfrm>
-            <a:off x="8280134" y="5909745"/>
-            <a:ext cx="2203704" cy="369332"/>
+            <a:off x="8880613" y="5803303"/>
+            <a:ext cx="1169918" cy="271850"/>
           </a:xfrm>
           <a:prstGeom prst="rect">
             <a:avLst/>
@@ -15776,108 +16356,35 @@
           <a:noFill/>
         </p:spPr>
         <p:txBody>
-          <a:bodyPr wrap="square" rtlCol="0">
+          <a:bodyPr wrap="square">
             <a:spAutoFit/>
           </a:bodyPr>
           <a:lstStyle/>
           <a:p>
-            <a:r>
-              <a:rPr lang="en-US" dirty="0">
+            <a:pPr rtl="0"/>
+            <a:r>
+              <a:rPr lang="es-ES" sz="1100" dirty="0">
                 <a:solidFill>
-                  <a:schemeClr val="bg1"/>
+                  <a:schemeClr val="accent5"/>
                 </a:solidFill>
               </a:rPr>
-              <a:t>Image from Forbes</a:t>
-            </a:r>
-          </a:p>
-        </p:txBody>
-      </p:sp>
-      <p:sp>
-        <p:nvSpPr>
-          <p:cNvPr id="16" name="TextBox 15">
-            <a:extLst>
-              <a:ext uri="{FF2B5EF4-FFF2-40B4-BE49-F238E27FC236}">
-                <a16:creationId xmlns:a16="http://schemas.microsoft.com/office/drawing/2014/main" id="{8E11B57D-925A-58EE-040B-FECEB23EABF7}"/>
-              </a:ext>
-            </a:extLst>
-          </p:cNvPr>
-          <p:cNvSpPr txBox="1"/>
-          <p:nvPr/>
-        </p:nvSpPr>
-        <p:spPr>
-          <a:xfrm>
-            <a:off x="2372109" y="5909745"/>
-            <a:ext cx="1863844" cy="369332"/>
-          </a:xfrm>
-          <a:prstGeom prst="rect">
-            <a:avLst/>
-          </a:prstGeom>
-          <a:noFill/>
-        </p:spPr>
-        <p:txBody>
-          <a:bodyPr wrap="none" rtlCol="0">
-            <a:spAutoFit/>
-          </a:bodyPr>
-          <a:lstStyle/>
-          <a:p>
-            <a:r>
-              <a:rPr lang="en-US" dirty="0">
+              <a:t>R</a:t>
+            </a:r>
+            <a:r>
+              <a:rPr lang="es-ES" sz="1100" baseline="30000" dirty="0">
                 <a:solidFill>
-                  <a:schemeClr val="bg1"/>
+                  <a:schemeClr val="accent5"/>
                 </a:solidFill>
               </a:rPr>
-              <a:t>Photo from </a:t>
-            </a:r>
-            <a:r>
-              <a:rPr lang="en-US" dirty="0" err="1">
+              <a:t>2</a:t>
+            </a:r>
+            <a:r>
+              <a:rPr lang="es-ES" sz="1100" dirty="0">
                 <a:solidFill>
-                  <a:schemeClr val="bg1"/>
+                  <a:schemeClr val="accent5"/>
                 </a:solidFill>
               </a:rPr>
-              <a:t>Imdb</a:t>
-            </a:r>
-            <a:endParaRPr lang="en-US" dirty="0">
-              <a:solidFill>
-                <a:schemeClr val="bg1"/>
-              </a:solidFill>
-            </a:endParaRPr>
-          </a:p>
-        </p:txBody>
-      </p:sp>
-      <p:sp>
-        <p:nvSpPr>
-          <p:cNvPr id="3" name="Marcador de pie de página 56">
-            <a:extLst>
-              <a:ext uri="{FF2B5EF4-FFF2-40B4-BE49-F238E27FC236}">
-                <a16:creationId xmlns:a16="http://schemas.microsoft.com/office/drawing/2014/main" id="{2234F7FB-4E87-DB75-D173-F22A0F72BEA2}"/>
-              </a:ext>
-            </a:extLst>
-          </p:cNvPr>
-          <p:cNvSpPr>
-            <a:spLocks noGrp="1"/>
-          </p:cNvSpPr>
-          <p:nvPr>
-            <p:ph type="ftr" sz="quarter" idx="11"/>
-          </p:nvPr>
-        </p:nvSpPr>
-        <p:spPr>
-          <a:xfrm>
-            <a:off x="4038600" y="6356350"/>
-            <a:ext cx="4114800" cy="365125"/>
-          </a:xfrm>
-        </p:spPr>
-        <p:txBody>
-          <a:bodyPr rtlCol="0"/>
-          <a:lstStyle>
-            <a:defPPr>
-              <a:defRPr lang="es-ES"/>
-            </a:defPPr>
-          </a:lstStyle>
-          <a:p>
-            <a:pPr rtl="0"/>
-            <a:r>
-              <a:rPr lang="es-ES" dirty="0"/>
-              <a:t>FORBES HIGHEST PAYING ATHLETES</a:t>
+              <a:t> = 0.25</a:t>
             </a:r>
           </a:p>
         </p:txBody>
@@ -15885,7 +16392,7 @@
     </p:spTree>
     <p:extLst>
       <p:ext uri="{BB962C8B-B14F-4D97-AF65-F5344CB8AC3E}">
-        <p14:creationId xmlns:p14="http://schemas.microsoft.com/office/powerpoint/2010/main" val="4070989650"/>
+        <p14:creationId xmlns:p14="http://schemas.microsoft.com/office/powerpoint/2010/main" val="1417206755"/>
       </p:ext>
     </p:extLst>
   </p:cSld>
@@ -16091,50 +16598,12 @@
           </a:p>
         </p:txBody>
       </p:sp>
-      <p:sp>
-        <p:nvSpPr>
-          <p:cNvPr id="16" name="Marcador de pie de página 56">
-            <a:extLst>
-              <a:ext uri="{FF2B5EF4-FFF2-40B4-BE49-F238E27FC236}">
-                <a16:creationId xmlns:a16="http://schemas.microsoft.com/office/drawing/2014/main" id="{CCB864C7-E6EE-4585-0CA8-B3318E44A37F}"/>
-              </a:ext>
-            </a:extLst>
-          </p:cNvPr>
-          <p:cNvSpPr>
-            <a:spLocks noGrp="1"/>
-          </p:cNvSpPr>
-          <p:nvPr>
-            <p:ph type="ftr" sz="quarter" idx="11"/>
-          </p:nvPr>
-        </p:nvSpPr>
-        <p:spPr>
-          <a:xfrm>
-            <a:off x="4038600" y="6356350"/>
-            <a:ext cx="4114800" cy="365125"/>
-          </a:xfrm>
-        </p:spPr>
-        <p:txBody>
-          <a:bodyPr rtlCol="0"/>
-          <a:lstStyle>
-            <a:defPPr>
-              <a:defRPr lang="es-ES"/>
-            </a:defPPr>
-          </a:lstStyle>
-          <a:p>
-            <a:pPr rtl="0"/>
-            <a:r>
-              <a:rPr lang="es-ES" dirty="0"/>
-              <a:t>FORBES HIGHEST PAYING ATHLETES ANALYSIS</a:t>
-            </a:r>
-          </a:p>
-        </p:txBody>
-      </p:sp>
       <p:pic>
         <p:nvPicPr>
-          <p:cNvPr id="24" name="Picture 23">
-            <a:extLst>
-              <a:ext uri="{FF2B5EF4-FFF2-40B4-BE49-F238E27FC236}">
-                <a16:creationId xmlns:a16="http://schemas.microsoft.com/office/drawing/2014/main" id="{43F86848-F367-C172-5420-2F2DDD93E76B}"/>
+          <p:cNvPr id="13" name="Picture 12" descr="A screen shot of a graph&#10;&#10;Description automatically generated">
+            <a:extLst>
+              <a:ext uri="{FF2B5EF4-FFF2-40B4-BE49-F238E27FC236}">
+                <a16:creationId xmlns:a16="http://schemas.microsoft.com/office/drawing/2014/main" id="{E60AB1D9-9C5A-747D-509D-E89744A34532}"/>
               </a:ext>
             </a:extLst>
           </p:cNvPr>
@@ -16151,48 +16620,212 @@
         </p:blipFill>
         <p:spPr>
           <a:xfrm>
-            <a:off x="-88280" y="0"/>
-            <a:ext cx="6823344" cy="3639117"/>
+            <a:off x="952500" y="-270704"/>
+            <a:ext cx="10287000" cy="6858000"/>
           </a:xfrm>
           <a:prstGeom prst="rect">
             <a:avLst/>
           </a:prstGeom>
         </p:spPr>
       </p:pic>
-      <p:pic>
-        <p:nvPicPr>
-          <p:cNvPr id="8" name="Picture 7" descr="A screen shot of a graph&#10;&#10;Description automatically generated">
-            <a:extLst>
-              <a:ext uri="{FF2B5EF4-FFF2-40B4-BE49-F238E27FC236}">
-                <a16:creationId xmlns:a16="http://schemas.microsoft.com/office/drawing/2014/main" id="{B70A4E4B-DCC5-8355-1A36-61183452524D}"/>
-              </a:ext>
-            </a:extLst>
-          </p:cNvPr>
-          <p:cNvPicPr>
-            <a:picLocks noChangeAspect="1"/>
-          </p:cNvPicPr>
+      <p:sp>
+        <p:nvSpPr>
+          <p:cNvPr id="3" name="Oval 2">
+            <a:extLst>
+              <a:ext uri="{FF2B5EF4-FFF2-40B4-BE49-F238E27FC236}">
+                <a16:creationId xmlns:a16="http://schemas.microsoft.com/office/drawing/2014/main" id="{6998A596-109F-B8E6-01A0-E9158D7D8FC0}"/>
+              </a:ext>
+            </a:extLst>
+          </p:cNvPr>
+          <p:cNvSpPr/>
           <p:nvPr/>
-        </p:nvPicPr>
-        <p:blipFill>
-          <a:blip r:embed="rId4"/>
-          <a:stretch>
-            <a:fillRect/>
-          </a:stretch>
-        </p:blipFill>
-        <p:spPr>
-          <a:xfrm>
-            <a:off x="5604979" y="2899794"/>
-            <a:ext cx="6823345" cy="3639118"/>
-          </a:xfrm>
-          <a:prstGeom prst="rect">
+        </p:nvSpPr>
+        <p:spPr>
+          <a:xfrm>
+            <a:off x="8379242" y="553419"/>
+            <a:ext cx="542236" cy="520008"/>
+          </a:xfrm>
+          <a:prstGeom prst="ellipse">
             <a:avLst/>
           </a:prstGeom>
-        </p:spPr>
-      </p:pic>
+          <a:noFill/>
+          <a:ln w="28575">
+            <a:solidFill>
+              <a:srgbClr val="AE2012"/>
+            </a:solidFill>
+          </a:ln>
+        </p:spPr>
+        <p:style>
+          <a:lnRef idx="2">
+            <a:schemeClr val="accent1">
+              <a:shade val="15000"/>
+            </a:schemeClr>
+          </a:lnRef>
+          <a:fillRef idx="1">
+            <a:schemeClr val="accent1"/>
+          </a:fillRef>
+          <a:effectRef idx="0">
+            <a:schemeClr val="accent1"/>
+          </a:effectRef>
+          <a:fontRef idx="minor">
+            <a:schemeClr val="lt1"/>
+          </a:fontRef>
+        </p:style>
+        <p:txBody>
+          <a:bodyPr rtlCol="0" anchor="ctr"/>
+          <a:lstStyle/>
+          <a:p>
+            <a:pPr algn="ctr"/>
+            <a:endParaRPr lang="es-US" dirty="0"/>
+          </a:p>
+        </p:txBody>
+      </p:sp>
+      <p:sp>
+        <p:nvSpPr>
+          <p:cNvPr id="5" name="Oval 4">
+            <a:extLst>
+              <a:ext uri="{FF2B5EF4-FFF2-40B4-BE49-F238E27FC236}">
+                <a16:creationId xmlns:a16="http://schemas.microsoft.com/office/drawing/2014/main" id="{C7C02EDF-94D5-CA69-341D-1FC4D160C02F}"/>
+              </a:ext>
+            </a:extLst>
+          </p:cNvPr>
+          <p:cNvSpPr/>
+          <p:nvPr/>
+        </p:nvSpPr>
+        <p:spPr>
+          <a:xfrm>
+            <a:off x="9093212" y="1068592"/>
+            <a:ext cx="542236" cy="520008"/>
+          </a:xfrm>
+          <a:prstGeom prst="ellipse">
+            <a:avLst/>
+          </a:prstGeom>
+          <a:noFill/>
+          <a:ln w="28575">
+            <a:solidFill>
+              <a:srgbClr val="AE2012"/>
+            </a:solidFill>
+          </a:ln>
+        </p:spPr>
+        <p:style>
+          <a:lnRef idx="2">
+            <a:schemeClr val="accent1">
+              <a:shade val="15000"/>
+            </a:schemeClr>
+          </a:lnRef>
+          <a:fillRef idx="1">
+            <a:schemeClr val="accent1"/>
+          </a:fillRef>
+          <a:effectRef idx="0">
+            <a:schemeClr val="accent1"/>
+          </a:effectRef>
+          <a:fontRef idx="minor">
+            <a:schemeClr val="lt1"/>
+          </a:fontRef>
+        </p:style>
+        <p:txBody>
+          <a:bodyPr rtlCol="0" anchor="ctr"/>
+          <a:lstStyle/>
+          <a:p>
+            <a:pPr algn="ctr"/>
+            <a:endParaRPr lang="es-US" dirty="0"/>
+          </a:p>
+        </p:txBody>
+      </p:sp>
+      <p:sp>
+        <p:nvSpPr>
+          <p:cNvPr id="10" name="Oval 9">
+            <a:extLst>
+              <a:ext uri="{FF2B5EF4-FFF2-40B4-BE49-F238E27FC236}">
+                <a16:creationId xmlns:a16="http://schemas.microsoft.com/office/drawing/2014/main" id="{64A443F8-ECCA-45EA-A97B-BE2AF1627D03}"/>
+              </a:ext>
+            </a:extLst>
+          </p:cNvPr>
+          <p:cNvSpPr/>
+          <p:nvPr/>
+        </p:nvSpPr>
+        <p:spPr>
+          <a:xfrm>
+            <a:off x="8372608" y="2892446"/>
+            <a:ext cx="542236" cy="520008"/>
+          </a:xfrm>
+          <a:prstGeom prst="ellipse">
+            <a:avLst/>
+          </a:prstGeom>
+          <a:noFill/>
+          <a:ln w="28575">
+            <a:solidFill>
+              <a:srgbClr val="AE2012"/>
+            </a:solidFill>
+          </a:ln>
+        </p:spPr>
+        <p:style>
+          <a:lnRef idx="2">
+            <a:schemeClr val="accent1">
+              <a:shade val="15000"/>
+            </a:schemeClr>
+          </a:lnRef>
+          <a:fillRef idx="1">
+            <a:schemeClr val="accent1"/>
+          </a:fillRef>
+          <a:effectRef idx="0">
+            <a:schemeClr val="accent1"/>
+          </a:effectRef>
+          <a:fontRef idx="minor">
+            <a:schemeClr val="lt1"/>
+          </a:fontRef>
+        </p:style>
+        <p:txBody>
+          <a:bodyPr rtlCol="0" anchor="ctr"/>
+          <a:lstStyle/>
+          <a:p>
+            <a:pPr algn="ctr"/>
+            <a:endParaRPr lang="es-US" dirty="0"/>
+          </a:p>
+        </p:txBody>
+      </p:sp>
+      <p:sp>
+        <p:nvSpPr>
+          <p:cNvPr id="11" name="Marcador de pie de página 56">
+            <a:extLst>
+              <a:ext uri="{FF2B5EF4-FFF2-40B4-BE49-F238E27FC236}">
+                <a16:creationId xmlns:a16="http://schemas.microsoft.com/office/drawing/2014/main" id="{2475C3F1-E20F-BABD-33C7-F4584067D049}"/>
+              </a:ext>
+            </a:extLst>
+          </p:cNvPr>
+          <p:cNvSpPr>
+            <a:spLocks noGrp="1"/>
+          </p:cNvSpPr>
+          <p:nvPr>
+            <p:ph type="ftr" sz="quarter" idx="11"/>
+          </p:nvPr>
+        </p:nvSpPr>
+        <p:spPr>
+          <a:xfrm>
+            <a:off x="4038600" y="6356350"/>
+            <a:ext cx="4114800" cy="365125"/>
+          </a:xfrm>
+        </p:spPr>
+        <p:txBody>
+          <a:bodyPr rtlCol="0"/>
+          <a:lstStyle>
+            <a:defPPr>
+              <a:defRPr lang="es-ES"/>
+            </a:defPPr>
+          </a:lstStyle>
+          <a:p>
+            <a:pPr rtl="0"/>
+            <a:r>
+              <a:rPr lang="es-ES" dirty="0"/>
+              <a:t>FORBES HIGHEST PAYING ATHLETES</a:t>
+            </a:r>
+          </a:p>
+        </p:txBody>
+      </p:sp>
     </p:spTree>
     <p:extLst>
       <p:ext uri="{BB962C8B-B14F-4D97-AF65-F5344CB8AC3E}">
-        <p14:creationId xmlns:p14="http://schemas.microsoft.com/office/powerpoint/2010/main" val="384096794"/>
+        <p14:creationId xmlns:p14="http://schemas.microsoft.com/office/powerpoint/2010/main" val="144498883"/>
       </p:ext>
     </p:extLst>
   </p:cSld>
@@ -16383,10 +17016,10 @@
       </p:grpSpPr>
       <p:sp>
         <p:nvSpPr>
-          <p:cNvPr id="2" name="Título 1">
-            <a:extLst>
-              <a:ext uri="{FF2B5EF4-FFF2-40B4-BE49-F238E27FC236}">
-                <a16:creationId xmlns:a16="http://schemas.microsoft.com/office/drawing/2014/main" id="{09140014-73D5-419B-8867-972BB18D52D4}"/>
+          <p:cNvPr id="3" name="Título 2">
+            <a:extLst>
+              <a:ext uri="{FF2B5EF4-FFF2-40B4-BE49-F238E27FC236}">
+                <a16:creationId xmlns:a16="http://schemas.microsoft.com/office/drawing/2014/main" id="{77762301-F83A-4BEA-9D11-E6C99FB574A8}"/>
               </a:ext>
             </a:extLst>
           </p:cNvPr>
@@ -16399,8 +17032,8 @@
         </p:nvSpPr>
         <p:spPr>
           <a:xfrm>
-            <a:off x="2933700" y="892177"/>
-            <a:ext cx="8421688" cy="1325563"/>
+            <a:off x="838200" y="365125"/>
+            <a:ext cx="10515600" cy="1325563"/>
           </a:xfrm>
         </p:spPr>
         <p:txBody>
@@ -16414,118 +17047,17 @@
             <a:pPr rtl="0"/>
             <a:r>
               <a:rPr lang="es-ES" dirty="0"/>
-              <a:t>ÁREAS DE ENFOQUE</a:t>
-            </a:r>
-          </a:p>
-        </p:txBody>
-      </p:sp>
-      <p:sp>
-        <p:nvSpPr>
-          <p:cNvPr id="4" name="Marcador de contenido 3">
-            <a:extLst>
-              <a:ext uri="{FF2B5EF4-FFF2-40B4-BE49-F238E27FC236}">
-                <a16:creationId xmlns:a16="http://schemas.microsoft.com/office/drawing/2014/main" id="{33D8731E-4977-402E-8BFD-895B4D0544CC}"/>
-              </a:ext>
-            </a:extLst>
-          </p:cNvPr>
-          <p:cNvSpPr>
-            <a:spLocks noGrp="1"/>
-          </p:cNvSpPr>
-          <p:nvPr>
-            <p:ph sz="half" idx="2"/>
-          </p:nvPr>
-        </p:nvSpPr>
-        <p:spPr>
-          <a:xfrm>
-            <a:off x="2933700" y="3834606"/>
-            <a:ext cx="3924300" cy="1997867"/>
-          </a:xfrm>
-        </p:spPr>
-        <p:txBody>
-          <a:bodyPr rtlCol="0">
-            <a:normAutofit/>
-          </a:bodyPr>
-          <a:lstStyle>
-            <a:defPPr>
-              <a:defRPr lang="es-ES"/>
-            </a:defPPr>
-          </a:lstStyle>
-          <a:p>
-            <a:pPr rtl="0"/>
-            <a:r>
-              <a:rPr lang="es-ES" dirty="0"/>
-              <a:t>Desarrollar estrategias ganadoras para seguir a la vanguardia de la competencia</a:t>
-            </a:r>
-          </a:p>
-          <a:p>
-            <a:pPr rtl="0"/>
-            <a:r>
-              <a:rPr lang="es-ES" dirty="0"/>
-              <a:t>​Aprovechar los frutos obtenidos para identificar un valor en el terreno de juego</a:t>
-            </a:r>
-          </a:p>
-          <a:p>
-            <a:pPr rtl="0"/>
-            <a:r>
-              <a:rPr lang="es-ES" dirty="0"/>
-              <a:t>​Visualizar la convergencia dirigida al cliente</a:t>
-            </a:r>
-          </a:p>
-        </p:txBody>
-      </p:sp>
-      <p:sp>
-        <p:nvSpPr>
-          <p:cNvPr id="6" name="Marcador de contenido 5">
-            <a:extLst>
-              <a:ext uri="{FF2B5EF4-FFF2-40B4-BE49-F238E27FC236}">
-                <a16:creationId xmlns:a16="http://schemas.microsoft.com/office/drawing/2014/main" id="{50B65871-FA95-449A-B8BC-90486DE532EF}"/>
-              </a:ext>
-            </a:extLst>
-          </p:cNvPr>
-          <p:cNvSpPr>
-            <a:spLocks noGrp="1"/>
-          </p:cNvSpPr>
-          <p:nvPr>
-            <p:ph sz="quarter" idx="4"/>
-          </p:nvPr>
-        </p:nvSpPr>
-        <p:spPr>
-          <a:xfrm>
-            <a:off x="7410173" y="3834606"/>
-            <a:ext cx="3943627" cy="1997867"/>
-          </a:xfrm>
-        </p:spPr>
-        <p:txBody>
-          <a:bodyPr rtlCol="0">
-            <a:normAutofit/>
-          </a:bodyPr>
-          <a:lstStyle>
-            <a:defPPr>
-              <a:defRPr lang="es-ES"/>
-            </a:defPPr>
-          </a:lstStyle>
-          <a:p>
-            <a:pPr rtl="0"/>
-            <a:r>
-              <a:rPr lang="es-ES" dirty="0"/>
-              <a:t>Enfoques iterativos para una estrategia corporativa</a:t>
-            </a:r>
-          </a:p>
-          <a:p>
-            <a:pPr rtl="0"/>
-            <a:r>
-              <a:rPr lang="es-ES" dirty="0"/>
-              <a:t>​Establecer un marco de administración desde dentro</a:t>
-            </a:r>
-          </a:p>
-        </p:txBody>
-      </p:sp>
-      <p:sp>
-        <p:nvSpPr>
-          <p:cNvPr id="9" name="Marcador de número de diapositiva 8">
-            <a:extLst>
-              <a:ext uri="{FF2B5EF4-FFF2-40B4-BE49-F238E27FC236}">
-                <a16:creationId xmlns:a16="http://schemas.microsoft.com/office/drawing/2014/main" id="{C396FFDC-ADE8-4009-A466-A81787258E88}"/>
+              <a:t>Top yearly earnings</a:t>
+            </a:r>
+          </a:p>
+        </p:txBody>
+      </p:sp>
+      <p:sp>
+        <p:nvSpPr>
+          <p:cNvPr id="8" name="Marcador de número de diapositiva 7">
+            <a:extLst>
+              <a:ext uri="{FF2B5EF4-FFF2-40B4-BE49-F238E27FC236}">
+                <a16:creationId xmlns:a16="http://schemas.microsoft.com/office/drawing/2014/main" id="{92908AF9-2A07-4B50-BC13-471792106EC8}"/>
               </a:ext>
             </a:extLst>
           </p:cNvPr>
@@ -16560,50 +17092,12 @@
           </a:p>
         </p:txBody>
       </p:sp>
-      <p:sp>
-        <p:nvSpPr>
-          <p:cNvPr id="16" name="Marcador de pie de página 56">
-            <a:extLst>
-              <a:ext uri="{FF2B5EF4-FFF2-40B4-BE49-F238E27FC236}">
-                <a16:creationId xmlns:a16="http://schemas.microsoft.com/office/drawing/2014/main" id="{CCB864C7-E6EE-4585-0CA8-B3318E44A37F}"/>
-              </a:ext>
-            </a:extLst>
-          </p:cNvPr>
-          <p:cNvSpPr>
-            <a:spLocks noGrp="1"/>
-          </p:cNvSpPr>
-          <p:nvPr>
-            <p:ph type="ftr" sz="quarter" idx="11"/>
-          </p:nvPr>
-        </p:nvSpPr>
-        <p:spPr>
-          <a:xfrm>
-            <a:off x="4038600" y="6356350"/>
-            <a:ext cx="4114800" cy="365125"/>
-          </a:xfrm>
-        </p:spPr>
-        <p:txBody>
-          <a:bodyPr rtlCol="0"/>
-          <a:lstStyle>
-            <a:defPPr>
-              <a:defRPr lang="es-ES"/>
-            </a:defPPr>
-          </a:lstStyle>
-          <a:p>
-            <a:pPr rtl="0"/>
-            <a:r>
-              <a:rPr lang="es-ES" dirty="0"/>
-              <a:t>FORBES HIGHEST PAYING ATHLETES ANALYSIS</a:t>
-            </a:r>
-          </a:p>
-        </p:txBody>
-      </p:sp>
       <p:pic>
         <p:nvPicPr>
-          <p:cNvPr id="8" name="Picture 7">
-            <a:extLst>
-              <a:ext uri="{FF2B5EF4-FFF2-40B4-BE49-F238E27FC236}">
-                <a16:creationId xmlns:a16="http://schemas.microsoft.com/office/drawing/2014/main" id="{6CB5EC07-EC15-7284-387E-7D3E4B92E003}"/>
+          <p:cNvPr id="12" name="Picture 11">
+            <a:extLst>
+              <a:ext uri="{FF2B5EF4-FFF2-40B4-BE49-F238E27FC236}">
+                <a16:creationId xmlns:a16="http://schemas.microsoft.com/office/drawing/2014/main" id="{A612C06D-D748-DBF6-C6F2-9FD984C2E43C}"/>
               </a:ext>
             </a:extLst>
           </p:cNvPr>
@@ -16612,56 +17106,63 @@
           </p:cNvPicPr>
           <p:nvPr/>
         </p:nvPicPr>
-        <p:blipFill>
+        <p:blipFill rotWithShape="1">
           <a:blip r:embed="rId3"/>
-          <a:stretch>
-            <a:fillRect/>
-          </a:stretch>
+          <a:srcRect l="1029" t="899" r="4413" b="4063"/>
+          <a:stretch/>
         </p:blipFill>
         <p:spPr>
           <a:xfrm>
-            <a:off x="114300" y="0"/>
-            <a:ext cx="6294848" cy="3357253"/>
+            <a:off x="331694" y="1564341"/>
+            <a:ext cx="11528612" cy="4173071"/>
           </a:xfrm>
           <a:prstGeom prst="rect">
             <a:avLst/>
           </a:prstGeom>
         </p:spPr>
       </p:pic>
-      <p:pic>
-        <p:nvPicPr>
-          <p:cNvPr id="5" name="Picture 4" descr="A screenshot of a computer screen&#10;&#10;Description automatically generated">
-            <a:extLst>
-              <a:ext uri="{FF2B5EF4-FFF2-40B4-BE49-F238E27FC236}">
-                <a16:creationId xmlns:a16="http://schemas.microsoft.com/office/drawing/2014/main" id="{15CEBC54-557F-6941-1E4F-12C647D9A3C2}"/>
-              </a:ext>
-            </a:extLst>
-          </p:cNvPr>
-          <p:cNvPicPr>
-            <a:picLocks noChangeAspect="1"/>
-          </p:cNvPicPr>
-          <p:nvPr/>
-        </p:nvPicPr>
-        <p:blipFill>
-          <a:blip r:embed="rId4"/>
-          <a:stretch>
-            <a:fillRect/>
-          </a:stretch>
-        </p:blipFill>
-        <p:spPr>
-          <a:xfrm>
-            <a:off x="5649119" y="2741617"/>
-            <a:ext cx="6294848" cy="3357253"/>
-          </a:xfrm>
-          <a:prstGeom prst="rect">
-            <a:avLst/>
-          </a:prstGeom>
-        </p:spPr>
-      </p:pic>
+      <p:sp>
+        <p:nvSpPr>
+          <p:cNvPr id="2" name="Marcador de pie de página 56">
+            <a:extLst>
+              <a:ext uri="{FF2B5EF4-FFF2-40B4-BE49-F238E27FC236}">
+                <a16:creationId xmlns:a16="http://schemas.microsoft.com/office/drawing/2014/main" id="{7E4CCB17-F94C-1680-8B00-B79BCF25DB6A}"/>
+              </a:ext>
+            </a:extLst>
+          </p:cNvPr>
+          <p:cNvSpPr>
+            <a:spLocks noGrp="1"/>
+          </p:cNvSpPr>
+          <p:nvPr>
+            <p:ph type="ftr" sz="quarter" idx="11"/>
+          </p:nvPr>
+        </p:nvSpPr>
+        <p:spPr>
+          <a:xfrm>
+            <a:off x="4038600" y="6356350"/>
+            <a:ext cx="4114800" cy="365125"/>
+          </a:xfrm>
+        </p:spPr>
+        <p:txBody>
+          <a:bodyPr rtlCol="0"/>
+          <a:lstStyle>
+            <a:defPPr>
+              <a:defRPr lang="es-ES"/>
+            </a:defPPr>
+          </a:lstStyle>
+          <a:p>
+            <a:pPr rtl="0"/>
+            <a:r>
+              <a:rPr lang="es-ES" dirty="0"/>
+              <a:t>FORBES HIGHEST PAYING ATHLETES</a:t>
+            </a:r>
+          </a:p>
+        </p:txBody>
+      </p:sp>
     </p:spTree>
     <p:extLst>
       <p:ext uri="{BB962C8B-B14F-4D97-AF65-F5344CB8AC3E}">
-        <p14:creationId xmlns:p14="http://schemas.microsoft.com/office/powerpoint/2010/main" val="3769297908"/>
+        <p14:creationId xmlns:p14="http://schemas.microsoft.com/office/powerpoint/2010/main" val="2896385493"/>
       </p:ext>
     </p:extLst>
   </p:cSld>
@@ -16728,6 +17229,60 @@
       </p:sp>
       <p:sp>
         <p:nvSpPr>
+          <p:cNvPr id="4" name="Marcador de contenido 3">
+            <a:extLst>
+              <a:ext uri="{FF2B5EF4-FFF2-40B4-BE49-F238E27FC236}">
+                <a16:creationId xmlns:a16="http://schemas.microsoft.com/office/drawing/2014/main" id="{33D8731E-4977-402E-8BFD-895B4D0544CC}"/>
+              </a:ext>
+            </a:extLst>
+          </p:cNvPr>
+          <p:cNvSpPr>
+            <a:spLocks noGrp="1"/>
+          </p:cNvSpPr>
+          <p:nvPr>
+            <p:ph sz="half" idx="2"/>
+          </p:nvPr>
+        </p:nvSpPr>
+        <p:spPr>
+          <a:xfrm>
+            <a:off x="2933700" y="3834606"/>
+            <a:ext cx="3924300" cy="1997867"/>
+          </a:xfrm>
+        </p:spPr>
+        <p:txBody>
+          <a:bodyPr rtlCol="0">
+            <a:normAutofit/>
+          </a:bodyPr>
+          <a:lstStyle>
+            <a:defPPr>
+              <a:defRPr lang="es-ES"/>
+            </a:defPPr>
+          </a:lstStyle>
+          <a:p>
+            <a:pPr rtl="0"/>
+            <a:r>
+              <a:rPr lang="es-ES" dirty="0"/>
+              <a:t>Desarrollar estrategias ganadoras para seguir a la vanguardia de la competencia</a:t>
+            </a:r>
+          </a:p>
+          <a:p>
+            <a:pPr rtl="0"/>
+            <a:r>
+              <a:rPr lang="es-ES" dirty="0"/>
+              <a:t>​Aprovechar los frutos obtenidos para identificar un valor en el terreno de juego</a:t>
+            </a:r>
+          </a:p>
+          <a:p>
+            <a:pPr rtl="0"/>
+            <a:r>
+              <a:rPr lang="es-ES" dirty="0"/>
+              <a:t>​Visualizar la convergencia dirigida al cliente</a:t>
+            </a:r>
+          </a:p>
+        </p:txBody>
+      </p:sp>
+      <p:sp>
+        <p:nvSpPr>
           <p:cNvPr id="6" name="Marcador de contenido 5">
             <a:extLst>
               <a:ext uri="{FF2B5EF4-FFF2-40B4-BE49-F238E27FC236}">
@@ -16813,50 +17368,12 @@
           </a:p>
         </p:txBody>
       </p:sp>
-      <p:sp>
-        <p:nvSpPr>
-          <p:cNvPr id="16" name="Marcador de pie de página 56">
-            <a:extLst>
-              <a:ext uri="{FF2B5EF4-FFF2-40B4-BE49-F238E27FC236}">
-                <a16:creationId xmlns:a16="http://schemas.microsoft.com/office/drawing/2014/main" id="{CCB864C7-E6EE-4585-0CA8-B3318E44A37F}"/>
-              </a:ext>
-            </a:extLst>
-          </p:cNvPr>
-          <p:cNvSpPr>
-            <a:spLocks noGrp="1"/>
-          </p:cNvSpPr>
-          <p:nvPr>
-            <p:ph type="ftr" sz="quarter" idx="11"/>
-          </p:nvPr>
-        </p:nvSpPr>
-        <p:spPr>
-          <a:xfrm>
-            <a:off x="4038600" y="6356350"/>
-            <a:ext cx="4114800" cy="365125"/>
-          </a:xfrm>
-        </p:spPr>
-        <p:txBody>
-          <a:bodyPr rtlCol="0"/>
-          <a:lstStyle>
-            <a:defPPr>
-              <a:defRPr lang="es-ES"/>
-            </a:defPPr>
-          </a:lstStyle>
-          <a:p>
-            <a:pPr rtl="0"/>
-            <a:r>
-              <a:rPr lang="es-ES" dirty="0"/>
-              <a:t>FORBES HIGHEST PAYING ATHLETES ANALYSIS</a:t>
-            </a:r>
-          </a:p>
-        </p:txBody>
-      </p:sp>
       <p:pic>
         <p:nvPicPr>
-          <p:cNvPr id="13" name="Picture 12" descr="A screen shot of a graph&#10;&#10;Description automatically generated">
-            <a:extLst>
-              <a:ext uri="{FF2B5EF4-FFF2-40B4-BE49-F238E27FC236}">
-                <a16:creationId xmlns:a16="http://schemas.microsoft.com/office/drawing/2014/main" id="{1DCDEA74-5FEA-D66C-9E69-5ACC279338FD}"/>
+          <p:cNvPr id="11" name="Picture 10">
+            <a:extLst>
+              <a:ext uri="{FF2B5EF4-FFF2-40B4-BE49-F238E27FC236}">
+                <a16:creationId xmlns:a16="http://schemas.microsoft.com/office/drawing/2014/main" id="{0014701C-A515-45B2-03F5-C4EF3D5AD0B3}"/>
               </a:ext>
             </a:extLst>
           </p:cNvPr>
@@ -16873,8 +17390,8 @@
         </p:blipFill>
         <p:spPr>
           <a:xfrm>
-            <a:off x="5759777" y="2883495"/>
-            <a:ext cx="6667795" cy="3556158"/>
+            <a:off x="1085282" y="333698"/>
+            <a:ext cx="4437499" cy="5498775"/>
           </a:xfrm>
           <a:prstGeom prst="rect">
             <a:avLst/>
@@ -16883,10 +17400,10 @@
       </p:pic>
       <p:pic>
         <p:nvPicPr>
-          <p:cNvPr id="18" name="Picture 17" descr="A graph with green and black lines&#10;&#10;Description automatically generated with medium confidence">
-            <a:extLst>
-              <a:ext uri="{FF2B5EF4-FFF2-40B4-BE49-F238E27FC236}">
-                <a16:creationId xmlns:a16="http://schemas.microsoft.com/office/drawing/2014/main" id="{E3B4B094-C3EB-A425-51A4-1E6D6FFBB92E}"/>
+          <p:cNvPr id="14" name="Picture 13">
+            <a:extLst>
+              <a:ext uri="{FF2B5EF4-FFF2-40B4-BE49-F238E27FC236}">
+                <a16:creationId xmlns:a16="http://schemas.microsoft.com/office/drawing/2014/main" id="{A881FA41-88CD-A684-62A8-FD4B7D8A17D4}"/>
               </a:ext>
             </a:extLst>
           </p:cNvPr>
@@ -16903,18 +17420,147 @@
         </p:blipFill>
         <p:spPr>
           <a:xfrm>
-            <a:off x="65988" y="-103390"/>
-            <a:ext cx="6856512" cy="3656807"/>
+            <a:off x="7239001" y="333698"/>
+            <a:ext cx="4114800" cy="5498775"/>
           </a:xfrm>
           <a:prstGeom prst="rect">
             <a:avLst/>
           </a:prstGeom>
         </p:spPr>
       </p:pic>
+      <p:sp>
+        <p:nvSpPr>
+          <p:cNvPr id="15" name="TextBox 14">
+            <a:extLst>
+              <a:ext uri="{FF2B5EF4-FFF2-40B4-BE49-F238E27FC236}">
+                <a16:creationId xmlns:a16="http://schemas.microsoft.com/office/drawing/2014/main" id="{FF61D288-9C04-EAA5-40C4-740D1B4F638F}"/>
+              </a:ext>
+            </a:extLst>
+          </p:cNvPr>
+          <p:cNvSpPr txBox="1"/>
+          <p:nvPr/>
+        </p:nvSpPr>
+        <p:spPr>
+          <a:xfrm>
+            <a:off x="8280134" y="5909745"/>
+            <a:ext cx="2203704" cy="369332"/>
+          </a:xfrm>
+          <a:prstGeom prst="rect">
+            <a:avLst/>
+          </a:prstGeom>
+          <a:noFill/>
+        </p:spPr>
+        <p:txBody>
+          <a:bodyPr wrap="square" rtlCol="0">
+            <a:spAutoFit/>
+          </a:bodyPr>
+          <a:lstStyle/>
+          <a:p>
+            <a:r>
+              <a:rPr lang="en-US" dirty="0">
+                <a:solidFill>
+                  <a:schemeClr val="bg1"/>
+                </a:solidFill>
+              </a:rPr>
+              <a:t>Image from Forbes</a:t>
+            </a:r>
+          </a:p>
+        </p:txBody>
+      </p:sp>
+      <p:sp>
+        <p:nvSpPr>
+          <p:cNvPr id="16" name="TextBox 15">
+            <a:extLst>
+              <a:ext uri="{FF2B5EF4-FFF2-40B4-BE49-F238E27FC236}">
+                <a16:creationId xmlns:a16="http://schemas.microsoft.com/office/drawing/2014/main" id="{8E11B57D-925A-58EE-040B-FECEB23EABF7}"/>
+              </a:ext>
+            </a:extLst>
+          </p:cNvPr>
+          <p:cNvSpPr txBox="1"/>
+          <p:nvPr/>
+        </p:nvSpPr>
+        <p:spPr>
+          <a:xfrm>
+            <a:off x="2372109" y="5909745"/>
+            <a:ext cx="1863844" cy="369332"/>
+          </a:xfrm>
+          <a:prstGeom prst="rect">
+            <a:avLst/>
+          </a:prstGeom>
+          <a:noFill/>
+        </p:spPr>
+        <p:txBody>
+          <a:bodyPr wrap="none" rtlCol="0">
+            <a:spAutoFit/>
+          </a:bodyPr>
+          <a:lstStyle/>
+          <a:p>
+            <a:r>
+              <a:rPr lang="en-US" dirty="0">
+                <a:solidFill>
+                  <a:schemeClr val="bg1"/>
+                </a:solidFill>
+              </a:rPr>
+              <a:t>Photo from </a:t>
+            </a:r>
+            <a:r>
+              <a:rPr lang="en-US" dirty="0" err="1">
+                <a:solidFill>
+                  <a:schemeClr val="bg1"/>
+                </a:solidFill>
+              </a:rPr>
+              <a:t>Imdb</a:t>
+            </a:r>
+            <a:endParaRPr lang="en-US" dirty="0">
+              <a:solidFill>
+                <a:schemeClr val="bg1"/>
+              </a:solidFill>
+            </a:endParaRPr>
+          </a:p>
+        </p:txBody>
+      </p:sp>
+      <p:sp>
+        <p:nvSpPr>
+          <p:cNvPr id="3" name="Marcador de pie de página 56">
+            <a:extLst>
+              <a:ext uri="{FF2B5EF4-FFF2-40B4-BE49-F238E27FC236}">
+                <a16:creationId xmlns:a16="http://schemas.microsoft.com/office/drawing/2014/main" id="{2234F7FB-4E87-DB75-D173-F22A0F72BEA2}"/>
+              </a:ext>
+            </a:extLst>
+          </p:cNvPr>
+          <p:cNvSpPr>
+            <a:spLocks noGrp="1"/>
+          </p:cNvSpPr>
+          <p:nvPr>
+            <p:ph type="ftr" sz="quarter" idx="11"/>
+          </p:nvPr>
+        </p:nvSpPr>
+        <p:spPr>
+          <a:xfrm>
+            <a:off x="4038600" y="6356350"/>
+            <a:ext cx="4114800" cy="365125"/>
+          </a:xfrm>
+        </p:spPr>
+        <p:txBody>
+          <a:bodyPr rtlCol="0"/>
+          <a:lstStyle>
+            <a:defPPr>
+              <a:defRPr lang="es-ES"/>
+            </a:defPPr>
+          </a:lstStyle>
+          <a:p>
+            <a:pPr rtl="0"/>
+            <a:r>
+              <a:rPr lang="es-ES" dirty="0"/>
+              <a:t>FORBES HIGHEST PAYING ATHLETES</a:t>
+            </a:r>
+          </a:p>
+        </p:txBody>
+      </p:sp>
     </p:spTree>
     <p:extLst>
       <p:ext uri="{BB962C8B-B14F-4D97-AF65-F5344CB8AC3E}">
-        <p14:creationId xmlns:p14="http://schemas.microsoft.com/office/powerpoint/2010/main" val="3590459948"/>
+        <p14:creationId xmlns:p14="http://schemas.microsoft.com/office/powerpoint/2010/main" val="4070989650"/>
       </p:ext>
     </p:extLst>
   </p:cSld>
@@ -16946,7 +17592,7 @@
           <p:cNvPr id="2" name="Título 1">
             <a:extLst>
               <a:ext uri="{FF2B5EF4-FFF2-40B4-BE49-F238E27FC236}">
-                <a16:creationId xmlns:a16="http://schemas.microsoft.com/office/drawing/2014/main" id="{42DD0E59-4C68-4F87-9821-23C69713D980}"/>
+                <a16:creationId xmlns:a16="http://schemas.microsoft.com/office/drawing/2014/main" id="{09140014-73D5-419B-8867-972BB18D52D4}"/>
               </a:ext>
             </a:extLst>
           </p:cNvPr>
@@ -16959,7 +17605,7 @@
         </p:nvSpPr>
         <p:spPr>
           <a:xfrm>
-            <a:off x="1885156" y="892177"/>
+            <a:off x="2933700" y="892177"/>
             <a:ext cx="8421688" cy="1325563"/>
           </a:xfrm>
         </p:spPr>
@@ -16974,17 +17620,118 @@
             <a:pPr rtl="0"/>
             <a:r>
               <a:rPr lang="es-ES" dirty="0"/>
-              <a:t>Conclusions</a:t>
-            </a:r>
-          </a:p>
-        </p:txBody>
-      </p:sp>
-      <p:sp>
-        <p:nvSpPr>
-          <p:cNvPr id="58" name="Marcador de número de diapositiva 57">
-            <a:extLst>
-              <a:ext uri="{FF2B5EF4-FFF2-40B4-BE49-F238E27FC236}">
-                <a16:creationId xmlns:a16="http://schemas.microsoft.com/office/drawing/2014/main" id="{E1900601-8B04-4FF3-B06F-6BEFAC6556D3}"/>
+              <a:t>ÁREAS DE ENFOQUE</a:t>
+            </a:r>
+          </a:p>
+        </p:txBody>
+      </p:sp>
+      <p:sp>
+        <p:nvSpPr>
+          <p:cNvPr id="4" name="Marcador de contenido 3">
+            <a:extLst>
+              <a:ext uri="{FF2B5EF4-FFF2-40B4-BE49-F238E27FC236}">
+                <a16:creationId xmlns:a16="http://schemas.microsoft.com/office/drawing/2014/main" id="{33D8731E-4977-402E-8BFD-895B4D0544CC}"/>
+              </a:ext>
+            </a:extLst>
+          </p:cNvPr>
+          <p:cNvSpPr>
+            <a:spLocks noGrp="1"/>
+          </p:cNvSpPr>
+          <p:nvPr>
+            <p:ph sz="half" idx="2"/>
+          </p:nvPr>
+        </p:nvSpPr>
+        <p:spPr>
+          <a:xfrm>
+            <a:off x="2933700" y="3834606"/>
+            <a:ext cx="3924300" cy="1997867"/>
+          </a:xfrm>
+        </p:spPr>
+        <p:txBody>
+          <a:bodyPr rtlCol="0">
+            <a:normAutofit/>
+          </a:bodyPr>
+          <a:lstStyle>
+            <a:defPPr>
+              <a:defRPr lang="es-ES"/>
+            </a:defPPr>
+          </a:lstStyle>
+          <a:p>
+            <a:pPr rtl="0"/>
+            <a:r>
+              <a:rPr lang="es-ES" dirty="0"/>
+              <a:t>Desarrollar estrategias ganadoras para seguir a la vanguardia de la competencia</a:t>
+            </a:r>
+          </a:p>
+          <a:p>
+            <a:pPr rtl="0"/>
+            <a:r>
+              <a:rPr lang="es-ES" dirty="0"/>
+              <a:t>​Aprovechar los frutos obtenidos para identificar un valor en el terreno de juego</a:t>
+            </a:r>
+          </a:p>
+          <a:p>
+            <a:pPr rtl="0"/>
+            <a:r>
+              <a:rPr lang="es-ES" dirty="0"/>
+              <a:t>​Visualizar la convergencia dirigida al cliente</a:t>
+            </a:r>
+          </a:p>
+        </p:txBody>
+      </p:sp>
+      <p:sp>
+        <p:nvSpPr>
+          <p:cNvPr id="6" name="Marcador de contenido 5">
+            <a:extLst>
+              <a:ext uri="{FF2B5EF4-FFF2-40B4-BE49-F238E27FC236}">
+                <a16:creationId xmlns:a16="http://schemas.microsoft.com/office/drawing/2014/main" id="{50B65871-FA95-449A-B8BC-90486DE532EF}"/>
+              </a:ext>
+            </a:extLst>
+          </p:cNvPr>
+          <p:cNvSpPr>
+            <a:spLocks noGrp="1"/>
+          </p:cNvSpPr>
+          <p:nvPr>
+            <p:ph sz="quarter" idx="4"/>
+          </p:nvPr>
+        </p:nvSpPr>
+        <p:spPr>
+          <a:xfrm>
+            <a:off x="7410173" y="3834606"/>
+            <a:ext cx="3943627" cy="1997867"/>
+          </a:xfrm>
+        </p:spPr>
+        <p:txBody>
+          <a:bodyPr rtlCol="0">
+            <a:normAutofit/>
+          </a:bodyPr>
+          <a:lstStyle>
+            <a:defPPr>
+              <a:defRPr lang="es-ES"/>
+            </a:defPPr>
+          </a:lstStyle>
+          <a:p>
+            <a:pPr rtl="0"/>
+            <a:r>
+              <a:rPr lang="es-ES" dirty="0"/>
+              <a:t>Enfoques iterativos para una estrategia corporativa</a:t>
+            </a:r>
+          </a:p>
+          <a:p>
+            <a:pPr rtl="0"/>
+            <a:r>
+              <a:rPr lang="es-ES" dirty="0"/>
+              <a:t>​Establecer un marco de administración desde dentro</a:t>
+            </a:r>
+          </a:p>
+        </p:txBody>
+      </p:sp>
+      <p:sp>
+        <p:nvSpPr>
+          <p:cNvPr id="9" name="Marcador de número de diapositiva 8">
+            <a:extLst>
+              <a:ext uri="{FF2B5EF4-FFF2-40B4-BE49-F238E27FC236}">
+                <a16:creationId xmlns:a16="http://schemas.microsoft.com/office/drawing/2014/main" id="{C396FFDC-ADE8-4009-A466-A81787258E88}"/>
               </a:ext>
             </a:extLst>
           </p:cNvPr>
@@ -17021,30 +17768,28 @@
       </p:sp>
       <p:sp>
         <p:nvSpPr>
-          <p:cNvPr id="326" name="Marcador de texto 2">
-            <a:extLst>
-              <a:ext uri="{FF2B5EF4-FFF2-40B4-BE49-F238E27FC236}">
-                <a16:creationId xmlns:a16="http://schemas.microsoft.com/office/drawing/2014/main" id="{7B160DB7-BDF4-9939-C740-26EBBB3E0189}"/>
-              </a:ext>
-            </a:extLst>
-          </p:cNvPr>
-          <p:cNvSpPr>
-            <a:spLocks noGrp="1"/>
-          </p:cNvSpPr>
-          <p:nvPr>
-            <p:ph type="body" idx="1"/>
-          </p:nvPr>
-        </p:nvSpPr>
-        <p:spPr>
-          <a:xfrm>
-            <a:off x="1362074" y="2452812"/>
-            <a:ext cx="9605756" cy="1845811"/>
-          </a:xfrm>
-        </p:spPr>
-        <p:txBody>
-          <a:bodyPr rtlCol="0">
-            <a:normAutofit lnSpcReduction="10000"/>
-          </a:bodyPr>
+          <p:cNvPr id="16" name="Marcador de pie de página 56">
+            <a:extLst>
+              <a:ext uri="{FF2B5EF4-FFF2-40B4-BE49-F238E27FC236}">
+                <a16:creationId xmlns:a16="http://schemas.microsoft.com/office/drawing/2014/main" id="{CCB864C7-E6EE-4585-0CA8-B3318E44A37F}"/>
+              </a:ext>
+            </a:extLst>
+          </p:cNvPr>
+          <p:cNvSpPr>
+            <a:spLocks noGrp="1"/>
+          </p:cNvSpPr>
+          <p:nvPr>
+            <p:ph type="ftr" sz="quarter" idx="11"/>
+          </p:nvPr>
+        </p:nvSpPr>
+        <p:spPr>
+          <a:xfrm>
+            <a:off x="4038600" y="6356350"/>
+            <a:ext cx="4114800" cy="365125"/>
+          </a:xfrm>
+        </p:spPr>
+        <p:txBody>
+          <a:bodyPr rtlCol="0"/>
           <a:lstStyle>
             <a:defPPr>
               <a:defRPr lang="es-ES"/>
@@ -17053,76 +17798,76 @@
           <a:p>
             <a:pPr rtl="0"/>
             <a:r>
-              <a:rPr lang="en-US" sz="1400" dirty="0"/>
-              <a:t>Even tough aggregated earnings are the highest for Per capita earnings are higher in individual sports than they are in team sports.</a:t>
-            </a:r>
-          </a:p>
-          <a:p>
-            <a:pPr rtl="0"/>
-            <a:r>
-              <a:rPr lang="en-US" sz="1400" dirty="0"/>
-              <a:t>Certain athletes earn well compared to others based on whether or not they are participating in a team sport or as an individual.</a:t>
-            </a:r>
-          </a:p>
-          <a:p>
-            <a:pPr rtl="0"/>
-            <a:r>
-              <a:rPr lang="en-US" sz="1400" dirty="0"/>
-              <a:t>Boxing performs well overall due certain events that skew the overall pay information such as mega-fights.</a:t>
-            </a:r>
-          </a:p>
-          <a:p>
-            <a:pPr rtl="0"/>
-            <a:r>
-              <a:rPr lang="en-US" sz="1400" dirty="0"/>
-              <a:t>There are sports that have an audience in the USA that aren’t available around the world and which would could potentially skew information. </a:t>
-            </a:r>
-            <a:endParaRPr lang="es-ES" sz="1400" dirty="0"/>
-          </a:p>
-        </p:txBody>
-      </p:sp>
-      <p:sp>
-        <p:nvSpPr>
-          <p:cNvPr id="3" name="Marcador de pie de página 56">
-            <a:extLst>
-              <a:ext uri="{FF2B5EF4-FFF2-40B4-BE49-F238E27FC236}">
-                <a16:creationId xmlns:a16="http://schemas.microsoft.com/office/drawing/2014/main" id="{6CA59C1D-9F68-101D-633C-C4D139B5734F}"/>
-              </a:ext>
-            </a:extLst>
-          </p:cNvPr>
-          <p:cNvSpPr>
-            <a:spLocks noGrp="1"/>
-          </p:cNvSpPr>
-          <p:nvPr>
-            <p:ph type="ftr" sz="quarter" idx="11"/>
-          </p:nvPr>
-        </p:nvSpPr>
-        <p:spPr>
-          <a:xfrm>
-            <a:off x="4038600" y="6356350"/>
-            <a:ext cx="4114800" cy="365125"/>
-          </a:xfrm>
-        </p:spPr>
-        <p:txBody>
-          <a:bodyPr rtlCol="0"/>
-          <a:lstStyle>
-            <a:defPPr>
-              <a:defRPr lang="es-ES"/>
-            </a:defPPr>
-          </a:lstStyle>
-          <a:p>
-            <a:pPr rtl="0"/>
-            <a:r>
               <a:rPr lang="es-ES" dirty="0"/>
-              <a:t>FORBES HIGHEST PAYING ATHLETES</a:t>
-            </a:r>
-          </a:p>
-        </p:txBody>
-      </p:sp>
+              <a:t>FORBES HIGHEST PAYING ATHLETES ANALYSIS</a:t>
+            </a:r>
+          </a:p>
+        </p:txBody>
+      </p:sp>
+      <p:pic>
+        <p:nvPicPr>
+          <p:cNvPr id="24" name="Picture 23">
+            <a:extLst>
+              <a:ext uri="{FF2B5EF4-FFF2-40B4-BE49-F238E27FC236}">
+                <a16:creationId xmlns:a16="http://schemas.microsoft.com/office/drawing/2014/main" id="{43F86848-F367-C172-5420-2F2DDD93E76B}"/>
+              </a:ext>
+            </a:extLst>
+          </p:cNvPr>
+          <p:cNvPicPr>
+            <a:picLocks noChangeAspect="1"/>
+          </p:cNvPicPr>
+          <p:nvPr/>
+        </p:nvPicPr>
+        <p:blipFill>
+          <a:blip r:embed="rId3"/>
+          <a:stretch>
+            <a:fillRect/>
+          </a:stretch>
+        </p:blipFill>
+        <p:spPr>
+          <a:xfrm>
+            <a:off x="-88280" y="0"/>
+            <a:ext cx="6823344" cy="3639117"/>
+          </a:xfrm>
+          <a:prstGeom prst="rect">
+            <a:avLst/>
+          </a:prstGeom>
+        </p:spPr>
+      </p:pic>
+      <p:pic>
+        <p:nvPicPr>
+          <p:cNvPr id="8" name="Picture 7" descr="A screen shot of a graph&#10;&#10;Description automatically generated">
+            <a:extLst>
+              <a:ext uri="{FF2B5EF4-FFF2-40B4-BE49-F238E27FC236}">
+                <a16:creationId xmlns:a16="http://schemas.microsoft.com/office/drawing/2014/main" id="{B70A4E4B-DCC5-8355-1A36-61183452524D}"/>
+              </a:ext>
+            </a:extLst>
+          </p:cNvPr>
+          <p:cNvPicPr>
+            <a:picLocks noChangeAspect="1"/>
+          </p:cNvPicPr>
+          <p:nvPr/>
+        </p:nvPicPr>
+        <p:blipFill>
+          <a:blip r:embed="rId4"/>
+          <a:stretch>
+            <a:fillRect/>
+          </a:stretch>
+        </p:blipFill>
+        <p:spPr>
+          <a:xfrm>
+            <a:off x="5604979" y="2899794"/>
+            <a:ext cx="6823345" cy="3639118"/>
+          </a:xfrm>
+          <a:prstGeom prst="rect">
+            <a:avLst/>
+          </a:prstGeom>
+        </p:spPr>
+      </p:pic>
     </p:spTree>
     <p:extLst>
       <p:ext uri="{BB962C8B-B14F-4D97-AF65-F5344CB8AC3E}">
-        <p14:creationId xmlns:p14="http://schemas.microsoft.com/office/powerpoint/2010/main" val="2491923539"/>
+        <p14:creationId xmlns:p14="http://schemas.microsoft.com/office/powerpoint/2010/main" val="384096794"/>
       </p:ext>
     </p:extLst>
   </p:cSld>
@@ -17154,21 +17899,21 @@
           <p:cNvPr id="2" name="Título 1">
             <a:extLst>
               <a:ext uri="{FF2B5EF4-FFF2-40B4-BE49-F238E27FC236}">
-                <a16:creationId xmlns:a16="http://schemas.microsoft.com/office/drawing/2014/main" id="{B1FE5F11-B7B9-4B80-8C6A-A8A7A7190B77}"/>
-              </a:ext>
-            </a:extLst>
-          </p:cNvPr>
-          <p:cNvSpPr>
-            <a:spLocks noGrp="1"/>
-          </p:cNvSpPr>
-          <p:nvPr>
-            <p:ph type="ctrTitle"/>
-          </p:nvPr>
-        </p:nvSpPr>
-        <p:spPr>
-          <a:xfrm>
-            <a:off x="6458964" y="2945452"/>
-            <a:ext cx="5074920" cy="967095"/>
+                <a16:creationId xmlns:a16="http://schemas.microsoft.com/office/drawing/2014/main" id="{09140014-73D5-419B-8867-972BB18D52D4}"/>
+              </a:ext>
+            </a:extLst>
+          </p:cNvPr>
+          <p:cNvSpPr>
+            <a:spLocks noGrp="1"/>
+          </p:cNvSpPr>
+          <p:nvPr>
+            <p:ph type="title"/>
+          </p:nvPr>
+        </p:nvSpPr>
+        <p:spPr>
+          <a:xfrm>
+            <a:off x="2933700" y="892177"/>
+            <a:ext cx="8421688" cy="1325563"/>
           </a:xfrm>
         </p:spPr>
         <p:txBody>
@@ -17181,16 +17926,255 @@
           <a:p>
             <a:pPr rtl="0"/>
             <a:r>
-              <a:rPr lang="en-US" sz="2800" dirty="0"/>
-              <a:t>Limitations and next steps</a:t>
-            </a:r>
-          </a:p>
-        </p:txBody>
-      </p:sp>
+              <a:rPr lang="es-ES" dirty="0"/>
+              <a:t>ÁREAS DE ENFOQUE</a:t>
+            </a:r>
+          </a:p>
+        </p:txBody>
+      </p:sp>
+      <p:sp>
+        <p:nvSpPr>
+          <p:cNvPr id="4" name="Marcador de contenido 3">
+            <a:extLst>
+              <a:ext uri="{FF2B5EF4-FFF2-40B4-BE49-F238E27FC236}">
+                <a16:creationId xmlns:a16="http://schemas.microsoft.com/office/drawing/2014/main" id="{33D8731E-4977-402E-8BFD-895B4D0544CC}"/>
+              </a:ext>
+            </a:extLst>
+          </p:cNvPr>
+          <p:cNvSpPr>
+            <a:spLocks noGrp="1"/>
+          </p:cNvSpPr>
+          <p:nvPr>
+            <p:ph sz="half" idx="2"/>
+          </p:nvPr>
+        </p:nvSpPr>
+        <p:spPr>
+          <a:xfrm>
+            <a:off x="2933700" y="3834606"/>
+            <a:ext cx="3924300" cy="1997867"/>
+          </a:xfrm>
+        </p:spPr>
+        <p:txBody>
+          <a:bodyPr rtlCol="0">
+            <a:normAutofit/>
+          </a:bodyPr>
+          <a:lstStyle>
+            <a:defPPr>
+              <a:defRPr lang="es-ES"/>
+            </a:defPPr>
+          </a:lstStyle>
+          <a:p>
+            <a:pPr rtl="0"/>
+            <a:r>
+              <a:rPr lang="es-ES" dirty="0"/>
+              <a:t>Desarrollar estrategias ganadoras para seguir a la vanguardia de la competencia</a:t>
+            </a:r>
+          </a:p>
+          <a:p>
+            <a:pPr rtl="0"/>
+            <a:r>
+              <a:rPr lang="es-ES" dirty="0"/>
+              <a:t>​Aprovechar los frutos obtenidos para identificar un valor en el terreno de juego</a:t>
+            </a:r>
+          </a:p>
+          <a:p>
+            <a:pPr rtl="0"/>
+            <a:r>
+              <a:rPr lang="es-ES" dirty="0"/>
+              <a:t>​Visualizar la convergencia dirigida al cliente</a:t>
+            </a:r>
+          </a:p>
+        </p:txBody>
+      </p:sp>
+      <p:sp>
+        <p:nvSpPr>
+          <p:cNvPr id="6" name="Marcador de contenido 5">
+            <a:extLst>
+              <a:ext uri="{FF2B5EF4-FFF2-40B4-BE49-F238E27FC236}">
+                <a16:creationId xmlns:a16="http://schemas.microsoft.com/office/drawing/2014/main" id="{50B65871-FA95-449A-B8BC-90486DE532EF}"/>
+              </a:ext>
+            </a:extLst>
+          </p:cNvPr>
+          <p:cNvSpPr>
+            <a:spLocks noGrp="1"/>
+          </p:cNvSpPr>
+          <p:nvPr>
+            <p:ph sz="quarter" idx="4"/>
+          </p:nvPr>
+        </p:nvSpPr>
+        <p:spPr>
+          <a:xfrm>
+            <a:off x="7410173" y="3834606"/>
+            <a:ext cx="3943627" cy="1997867"/>
+          </a:xfrm>
+        </p:spPr>
+        <p:txBody>
+          <a:bodyPr rtlCol="0">
+            <a:normAutofit/>
+          </a:bodyPr>
+          <a:lstStyle>
+            <a:defPPr>
+              <a:defRPr lang="es-ES"/>
+            </a:defPPr>
+          </a:lstStyle>
+          <a:p>
+            <a:pPr rtl="0"/>
+            <a:r>
+              <a:rPr lang="es-ES" dirty="0"/>
+              <a:t>Enfoques iterativos para una estrategia corporativa</a:t>
+            </a:r>
+          </a:p>
+          <a:p>
+            <a:pPr rtl="0"/>
+            <a:r>
+              <a:rPr lang="es-ES" dirty="0"/>
+              <a:t>​Establecer un marco de administración desde dentro</a:t>
+            </a:r>
+          </a:p>
+        </p:txBody>
+      </p:sp>
+      <p:sp>
+        <p:nvSpPr>
+          <p:cNvPr id="9" name="Marcador de número de diapositiva 8">
+            <a:extLst>
+              <a:ext uri="{FF2B5EF4-FFF2-40B4-BE49-F238E27FC236}">
+                <a16:creationId xmlns:a16="http://schemas.microsoft.com/office/drawing/2014/main" id="{C396FFDC-ADE8-4009-A466-A81787258E88}"/>
+              </a:ext>
+            </a:extLst>
+          </p:cNvPr>
+          <p:cNvSpPr>
+            <a:spLocks noGrp="1"/>
+          </p:cNvSpPr>
+          <p:nvPr>
+            <p:ph type="sldNum" sz="quarter" idx="12"/>
+          </p:nvPr>
+        </p:nvSpPr>
+        <p:spPr>
+          <a:xfrm>
+            <a:off x="8610600" y="6356350"/>
+            <a:ext cx="2743200" cy="365125"/>
+          </a:xfrm>
+        </p:spPr>
+        <p:txBody>
+          <a:bodyPr rtlCol="0"/>
+          <a:lstStyle>
+            <a:defPPr>
+              <a:defRPr lang="es-ES"/>
+            </a:defPPr>
+          </a:lstStyle>
+          <a:p>
+            <a:pPr rtl="0"/>
+            <a:fld id="{A49DFD55-3C28-40EF-9E31-A92D2E4017FF}" type="slidenum">
+              <a:rPr lang="es-ES" smtClean="0"/>
+              <a:pPr rtl="0"/>
+              <a:t>23</a:t>
+            </a:fld>
+            <a:endParaRPr lang="es-ES" dirty="0"/>
+          </a:p>
+        </p:txBody>
+      </p:sp>
+      <p:sp>
+        <p:nvSpPr>
+          <p:cNvPr id="16" name="Marcador de pie de página 56">
+            <a:extLst>
+              <a:ext uri="{FF2B5EF4-FFF2-40B4-BE49-F238E27FC236}">
+                <a16:creationId xmlns:a16="http://schemas.microsoft.com/office/drawing/2014/main" id="{CCB864C7-E6EE-4585-0CA8-B3318E44A37F}"/>
+              </a:ext>
+            </a:extLst>
+          </p:cNvPr>
+          <p:cNvSpPr>
+            <a:spLocks noGrp="1"/>
+          </p:cNvSpPr>
+          <p:nvPr>
+            <p:ph type="ftr" sz="quarter" idx="11"/>
+          </p:nvPr>
+        </p:nvSpPr>
+        <p:spPr>
+          <a:xfrm>
+            <a:off x="4038600" y="6356350"/>
+            <a:ext cx="4114800" cy="365125"/>
+          </a:xfrm>
+        </p:spPr>
+        <p:txBody>
+          <a:bodyPr rtlCol="0"/>
+          <a:lstStyle>
+            <a:defPPr>
+              <a:defRPr lang="es-ES"/>
+            </a:defPPr>
+          </a:lstStyle>
+          <a:p>
+            <a:pPr rtl="0"/>
+            <a:r>
+              <a:rPr lang="es-ES" dirty="0"/>
+              <a:t>FORBES HIGHEST PAYING ATHLETES ANALYSIS</a:t>
+            </a:r>
+          </a:p>
+        </p:txBody>
+      </p:sp>
+      <p:pic>
+        <p:nvPicPr>
+          <p:cNvPr id="8" name="Picture 7">
+            <a:extLst>
+              <a:ext uri="{FF2B5EF4-FFF2-40B4-BE49-F238E27FC236}">
+                <a16:creationId xmlns:a16="http://schemas.microsoft.com/office/drawing/2014/main" id="{6CB5EC07-EC15-7284-387E-7D3E4B92E003}"/>
+              </a:ext>
+            </a:extLst>
+          </p:cNvPr>
+          <p:cNvPicPr>
+            <a:picLocks noChangeAspect="1"/>
+          </p:cNvPicPr>
+          <p:nvPr/>
+        </p:nvPicPr>
+        <p:blipFill>
+          <a:blip r:embed="rId3"/>
+          <a:stretch>
+            <a:fillRect/>
+          </a:stretch>
+        </p:blipFill>
+        <p:spPr>
+          <a:xfrm>
+            <a:off x="114300" y="0"/>
+            <a:ext cx="6294848" cy="3357253"/>
+          </a:xfrm>
+          <a:prstGeom prst="rect">
+            <a:avLst/>
+          </a:prstGeom>
+        </p:spPr>
+      </p:pic>
+      <p:pic>
+        <p:nvPicPr>
+          <p:cNvPr id="5" name="Picture 4" descr="A screenshot of a computer screen&#10;&#10;Description automatically generated">
+            <a:extLst>
+              <a:ext uri="{FF2B5EF4-FFF2-40B4-BE49-F238E27FC236}">
+                <a16:creationId xmlns:a16="http://schemas.microsoft.com/office/drawing/2014/main" id="{15CEBC54-557F-6941-1E4F-12C647D9A3C2}"/>
+              </a:ext>
+            </a:extLst>
+          </p:cNvPr>
+          <p:cNvPicPr>
+            <a:picLocks noChangeAspect="1"/>
+          </p:cNvPicPr>
+          <p:nvPr/>
+        </p:nvPicPr>
+        <p:blipFill>
+          <a:blip r:embed="rId4"/>
+          <a:stretch>
+            <a:fillRect/>
+          </a:stretch>
+        </p:blipFill>
+        <p:spPr>
+          <a:xfrm>
+            <a:off x="5649119" y="2741617"/>
+            <a:ext cx="6294848" cy="3357253"/>
+          </a:xfrm>
+          <a:prstGeom prst="rect">
+            <a:avLst/>
+          </a:prstGeom>
+        </p:spPr>
+      </p:pic>
     </p:spTree>
     <p:extLst>
       <p:ext uri="{BB962C8B-B14F-4D97-AF65-F5344CB8AC3E}">
-        <p14:creationId xmlns:p14="http://schemas.microsoft.com/office/powerpoint/2010/main" val="3671601111"/>
+        <p14:creationId xmlns:p14="http://schemas.microsoft.com/office/powerpoint/2010/main" val="3769297908"/>
       </p:ext>
     </p:extLst>
   </p:cSld>
@@ -17222,7 +18206,7 @@
           <p:cNvPr id="2" name="Título 1">
             <a:extLst>
               <a:ext uri="{FF2B5EF4-FFF2-40B4-BE49-F238E27FC236}">
-                <a16:creationId xmlns:a16="http://schemas.microsoft.com/office/drawing/2014/main" id="{4518FC28-E0BD-4387-B8BE-9965D1A57FF1}"/>
+                <a16:creationId xmlns:a16="http://schemas.microsoft.com/office/drawing/2014/main" id="{09140014-73D5-419B-8867-972BB18D52D4}"/>
               </a:ext>
             </a:extLst>
           </p:cNvPr>
@@ -17235,8 +18219,8 @@
         </p:nvSpPr>
         <p:spPr>
           <a:xfrm>
-            <a:off x="5428430" y="502056"/>
-            <a:ext cx="5111750" cy="1204912"/>
+            <a:off x="2933700" y="892177"/>
+            <a:ext cx="8421688" cy="1325563"/>
           </a:xfrm>
         </p:spPr>
         <p:txBody>
@@ -17250,36 +18234,36 @@
             <a:pPr rtl="0"/>
             <a:r>
               <a:rPr lang="es-ES" dirty="0"/>
-              <a:t>limitations</a:t>
-            </a:r>
-          </a:p>
-        </p:txBody>
-      </p:sp>
-      <p:sp>
-        <p:nvSpPr>
-          <p:cNvPr id="3" name="Marcador de texto 2">
-            <a:extLst>
-              <a:ext uri="{FF2B5EF4-FFF2-40B4-BE49-F238E27FC236}">
-                <a16:creationId xmlns:a16="http://schemas.microsoft.com/office/drawing/2014/main" id="{FED19BCA-B61F-4EA6-A1FB-CCA3BD8506FB}"/>
-              </a:ext>
-            </a:extLst>
-          </p:cNvPr>
-          <p:cNvSpPr>
-            <a:spLocks noGrp="1"/>
-          </p:cNvSpPr>
-          <p:nvPr>
-            <p:ph type="body" idx="1"/>
-          </p:nvPr>
-        </p:nvSpPr>
-        <p:spPr>
-          <a:xfrm>
-            <a:off x="5428430" y="2094275"/>
-            <a:ext cx="5550426" cy="2592781"/>
+              <a:t>ÁREAS DE ENFOQUE</a:t>
+            </a:r>
+          </a:p>
+        </p:txBody>
+      </p:sp>
+      <p:sp>
+        <p:nvSpPr>
+          <p:cNvPr id="6" name="Marcador de contenido 5">
+            <a:extLst>
+              <a:ext uri="{FF2B5EF4-FFF2-40B4-BE49-F238E27FC236}">
+                <a16:creationId xmlns:a16="http://schemas.microsoft.com/office/drawing/2014/main" id="{50B65871-FA95-449A-B8BC-90486DE532EF}"/>
+              </a:ext>
+            </a:extLst>
+          </p:cNvPr>
+          <p:cNvSpPr>
+            <a:spLocks noGrp="1"/>
+          </p:cNvSpPr>
+          <p:nvPr>
+            <p:ph sz="quarter" idx="4"/>
+          </p:nvPr>
+        </p:nvSpPr>
+        <p:spPr>
+          <a:xfrm>
+            <a:off x="7410173" y="3834606"/>
+            <a:ext cx="3943627" cy="1997867"/>
           </a:xfrm>
         </p:spPr>
         <p:txBody>
           <a:bodyPr rtlCol="0">
-            <a:normAutofit lnSpcReduction="10000"/>
+            <a:normAutofit/>
           </a:bodyPr>
           <a:lstStyle>
             <a:defPPr>
@@ -17287,43 +18271,27 @@
             </a:defPPr>
           </a:lstStyle>
           <a:p>
-            <a:pPr marL="342900" indent="-342900" rtl="0">
-              <a:buFont typeface="Courier New" panose="02070309020205020404" pitchFamily="49" charset="0"/>
-              <a:buChar char="o"/>
-            </a:pPr>
+            <a:pPr rtl="0"/>
             <a:r>
               <a:rPr lang="es-ES" dirty="0"/>
-              <a:t>Database only included top earners for every year 10. It would be interesting to understand if regional data behaves similarly when analyzing a larger sample of athlete earnings.</a:t>
-            </a:r>
-          </a:p>
-          <a:p>
-            <a:pPr marL="342900" indent="-342900" rtl="0">
-              <a:buFont typeface="Courier New" panose="02070309020205020404" pitchFamily="49" charset="0"/>
-              <a:buChar char="o"/>
-            </a:pPr>
+              <a:t>Enfoques iterativos para una estrategia corporativa</a:t>
+            </a:r>
+          </a:p>
+          <a:p>
+            <a:pPr rtl="0"/>
             <a:r>
               <a:rPr lang="es-ES" dirty="0"/>
-              <a:t>We lacked industry data (ex. TV rights, number of spectators, team valuations) to carry out a correlation analysis to understand key drivers for earnings.</a:t>
-            </a:r>
-          </a:p>
-          <a:p>
-            <a:pPr marL="342900" indent="-342900" rtl="0">
-              <a:buFont typeface="Courier New" panose="02070309020205020404" pitchFamily="49" charset="0"/>
-              <a:buChar char="o"/>
-            </a:pPr>
-            <a:r>
-              <a:rPr lang="es-ES" dirty="0"/>
-              <a:t>When it comes to calculating average earnings by country when it comes to athletes there is a limitation in the form of us not having a large enough sample size to illustrate this effectively</a:t>
-            </a:r>
-          </a:p>
-        </p:txBody>
-      </p:sp>
-      <p:sp>
-        <p:nvSpPr>
-          <p:cNvPr id="6" name="Marcador de número de diapositiva 5">
-            <a:extLst>
-              <a:ext uri="{FF2B5EF4-FFF2-40B4-BE49-F238E27FC236}">
-                <a16:creationId xmlns:a16="http://schemas.microsoft.com/office/drawing/2014/main" id="{7C4B8313-9270-4128-8674-3A3E42B806BC}"/>
+              <a:t>​Establecer un marco de administración desde dentro</a:t>
+            </a:r>
+          </a:p>
+        </p:txBody>
+      </p:sp>
+      <p:sp>
+        <p:nvSpPr>
+          <p:cNvPr id="9" name="Marcador de número de diapositiva 8">
+            <a:extLst>
+              <a:ext uri="{FF2B5EF4-FFF2-40B4-BE49-F238E27FC236}">
+                <a16:creationId xmlns:a16="http://schemas.microsoft.com/office/drawing/2014/main" id="{C396FFDC-ADE8-4009-A466-A81787258E88}"/>
               </a:ext>
             </a:extLst>
           </p:cNvPr>
@@ -17360,10 +18328,10 @@
       </p:sp>
       <p:sp>
         <p:nvSpPr>
-          <p:cNvPr id="7" name="Marcador de pie de página 56">
-            <a:extLst>
-              <a:ext uri="{FF2B5EF4-FFF2-40B4-BE49-F238E27FC236}">
-                <a16:creationId xmlns:a16="http://schemas.microsoft.com/office/drawing/2014/main" id="{5860982B-C8CF-1FD7-A84B-90C2BF420A7C}"/>
+          <p:cNvPr id="16" name="Marcador de pie de página 56">
+            <a:extLst>
+              <a:ext uri="{FF2B5EF4-FFF2-40B4-BE49-F238E27FC236}">
+                <a16:creationId xmlns:a16="http://schemas.microsoft.com/office/drawing/2014/main" id="{CCB864C7-E6EE-4585-0CA8-B3318E44A37F}"/>
               </a:ext>
             </a:extLst>
           </p:cNvPr>
@@ -17391,15 +18359,75 @@
             <a:pPr rtl="0"/>
             <a:r>
               <a:rPr lang="es-ES" dirty="0"/>
-              <a:t>FORBES HIGHEST PAYING ATHLETES</a:t>
-            </a:r>
-          </a:p>
-        </p:txBody>
-      </p:sp>
+              <a:t>FORBES HIGHEST PAYING ATHLETES ANALYSIS</a:t>
+            </a:r>
+          </a:p>
+        </p:txBody>
+      </p:sp>
+      <p:pic>
+        <p:nvPicPr>
+          <p:cNvPr id="13" name="Picture 12" descr="A screen shot of a graph&#10;&#10;Description automatically generated">
+            <a:extLst>
+              <a:ext uri="{FF2B5EF4-FFF2-40B4-BE49-F238E27FC236}">
+                <a16:creationId xmlns:a16="http://schemas.microsoft.com/office/drawing/2014/main" id="{1DCDEA74-5FEA-D66C-9E69-5ACC279338FD}"/>
+              </a:ext>
+            </a:extLst>
+          </p:cNvPr>
+          <p:cNvPicPr>
+            <a:picLocks noChangeAspect="1"/>
+          </p:cNvPicPr>
+          <p:nvPr/>
+        </p:nvPicPr>
+        <p:blipFill>
+          <a:blip r:embed="rId3"/>
+          <a:stretch>
+            <a:fillRect/>
+          </a:stretch>
+        </p:blipFill>
+        <p:spPr>
+          <a:xfrm>
+            <a:off x="5759777" y="2883495"/>
+            <a:ext cx="6667795" cy="3556158"/>
+          </a:xfrm>
+          <a:prstGeom prst="rect">
+            <a:avLst/>
+          </a:prstGeom>
+        </p:spPr>
+      </p:pic>
+      <p:pic>
+        <p:nvPicPr>
+          <p:cNvPr id="18" name="Picture 17" descr="A graph with green and black lines&#10;&#10;Description automatically generated with medium confidence">
+            <a:extLst>
+              <a:ext uri="{FF2B5EF4-FFF2-40B4-BE49-F238E27FC236}">
+                <a16:creationId xmlns:a16="http://schemas.microsoft.com/office/drawing/2014/main" id="{E3B4B094-C3EB-A425-51A4-1E6D6FFBB92E}"/>
+              </a:ext>
+            </a:extLst>
+          </p:cNvPr>
+          <p:cNvPicPr>
+            <a:picLocks noChangeAspect="1"/>
+          </p:cNvPicPr>
+          <p:nvPr/>
+        </p:nvPicPr>
+        <p:blipFill>
+          <a:blip r:embed="rId4"/>
+          <a:stretch>
+            <a:fillRect/>
+          </a:stretch>
+        </p:blipFill>
+        <p:spPr>
+          <a:xfrm>
+            <a:off x="65988" y="-103390"/>
+            <a:ext cx="6856512" cy="3656807"/>
+          </a:xfrm>
+          <a:prstGeom prst="rect">
+            <a:avLst/>
+          </a:prstGeom>
+        </p:spPr>
+      </p:pic>
     </p:spTree>
     <p:extLst>
       <p:ext uri="{BB962C8B-B14F-4D97-AF65-F5344CB8AC3E}">
-        <p14:creationId xmlns:p14="http://schemas.microsoft.com/office/powerpoint/2010/main" val="1742861620"/>
+        <p14:creationId xmlns:p14="http://schemas.microsoft.com/office/powerpoint/2010/main" val="3590459948"/>
       </p:ext>
     </p:extLst>
   </p:cSld>
@@ -17431,45 +18459,45 @@
           <p:cNvPr id="2" name="Título 1">
             <a:extLst>
               <a:ext uri="{FF2B5EF4-FFF2-40B4-BE49-F238E27FC236}">
-                <a16:creationId xmlns:a16="http://schemas.microsoft.com/office/drawing/2014/main" id="{8BDF1EDE-5423-435C-B149-87AB1BC22B83}"/>
-              </a:ext>
-            </a:extLst>
-          </p:cNvPr>
-          <p:cNvSpPr>
-            <a:spLocks noGrp="1"/>
-          </p:cNvSpPr>
-          <p:nvPr>
-            <p:ph type="ctrTitle"/>
-          </p:nvPr>
-        </p:nvSpPr>
-        <p:spPr>
-          <a:xfrm>
-            <a:off x="5221715" y="2666632"/>
-            <a:ext cx="4523715" cy="1524735"/>
-          </a:xfrm>
-        </p:spPr>
-        <p:txBody>
-          <a:bodyPr rtlCol="0" anchor="ctr"/>
+                <a16:creationId xmlns:a16="http://schemas.microsoft.com/office/drawing/2014/main" id="{42DD0E59-4C68-4F87-9821-23C69713D980}"/>
+              </a:ext>
+            </a:extLst>
+          </p:cNvPr>
+          <p:cNvSpPr>
+            <a:spLocks noGrp="1"/>
+          </p:cNvSpPr>
+          <p:nvPr>
+            <p:ph type="title"/>
+          </p:nvPr>
+        </p:nvSpPr>
+        <p:spPr>
+          <a:xfrm>
+            <a:off x="1885156" y="892177"/>
+            <a:ext cx="8421688" cy="1325563"/>
+          </a:xfrm>
+        </p:spPr>
+        <p:txBody>
+          <a:bodyPr rtlCol="0"/>
           <a:lstStyle>
             <a:defPPr>
               <a:defRPr lang="es-ES"/>
             </a:defPPr>
           </a:lstStyle>
           <a:p>
-            <a:pPr algn="ctr" rtl="0"/>
+            <a:pPr rtl="0"/>
             <a:r>
               <a:rPr lang="es-ES" dirty="0"/>
-              <a:t>Thanks!</a:t>
-            </a:r>
-          </a:p>
-        </p:txBody>
-      </p:sp>
-      <p:sp>
-        <p:nvSpPr>
-          <p:cNvPr id="6" name="Marcador de número de diapositiva 5">
-            <a:extLst>
-              <a:ext uri="{FF2B5EF4-FFF2-40B4-BE49-F238E27FC236}">
-                <a16:creationId xmlns:a16="http://schemas.microsoft.com/office/drawing/2014/main" id="{4C127D99-645F-4FCF-9573-FDFE2A344FA9}"/>
+              <a:t>Conclusions</a:t>
+            </a:r>
+          </a:p>
+        </p:txBody>
+      </p:sp>
+      <p:sp>
+        <p:nvSpPr>
+          <p:cNvPr id="58" name="Marcador de número de diapositiva 57">
+            <a:extLst>
+              <a:ext uri="{FF2B5EF4-FFF2-40B4-BE49-F238E27FC236}">
+                <a16:creationId xmlns:a16="http://schemas.microsoft.com/office/drawing/2014/main" id="{E1900601-8B04-4FF3-B06F-6BEFAC6556D3}"/>
               </a:ext>
             </a:extLst>
           </p:cNvPr>
@@ -17482,8 +18510,8 @@
         </p:nvSpPr>
         <p:spPr>
           <a:xfrm>
-            <a:off x="9579428" y="6356350"/>
-            <a:ext cx="1774371" cy="365125"/>
+            <a:off x="8610600" y="6356350"/>
+            <a:ext cx="2743200" cy="365125"/>
           </a:xfrm>
         </p:spPr>
         <p:txBody>
@@ -17499,6 +18527,491 @@
               <a:rPr lang="es-ES" smtClean="0"/>
               <a:pPr rtl="0"/>
               <a:t>25</a:t>
+            </a:fld>
+            <a:endParaRPr lang="es-ES" dirty="0"/>
+          </a:p>
+        </p:txBody>
+      </p:sp>
+      <p:sp>
+        <p:nvSpPr>
+          <p:cNvPr id="326" name="Marcador de texto 2">
+            <a:extLst>
+              <a:ext uri="{FF2B5EF4-FFF2-40B4-BE49-F238E27FC236}">
+                <a16:creationId xmlns:a16="http://schemas.microsoft.com/office/drawing/2014/main" id="{7B160DB7-BDF4-9939-C740-26EBBB3E0189}"/>
+              </a:ext>
+            </a:extLst>
+          </p:cNvPr>
+          <p:cNvSpPr>
+            <a:spLocks noGrp="1"/>
+          </p:cNvSpPr>
+          <p:nvPr>
+            <p:ph type="body" idx="1"/>
+          </p:nvPr>
+        </p:nvSpPr>
+        <p:spPr>
+          <a:xfrm>
+            <a:off x="1362074" y="2452812"/>
+            <a:ext cx="9605756" cy="1845811"/>
+          </a:xfrm>
+        </p:spPr>
+        <p:txBody>
+          <a:bodyPr rtlCol="0">
+            <a:normAutofit lnSpcReduction="10000"/>
+          </a:bodyPr>
+          <a:lstStyle>
+            <a:defPPr>
+              <a:defRPr lang="es-ES"/>
+            </a:defPPr>
+          </a:lstStyle>
+          <a:p>
+            <a:pPr rtl="0"/>
+            <a:r>
+              <a:rPr lang="en-US" sz="1400" dirty="0"/>
+              <a:t>Even tough aggregated earnings are the highest for Per capita earnings are higher in individual sports than they are in team sports.</a:t>
+            </a:r>
+          </a:p>
+          <a:p>
+            <a:pPr rtl="0"/>
+            <a:r>
+              <a:rPr lang="en-US" sz="1400" dirty="0"/>
+              <a:t>Certain athletes earn well compared to others based on whether or not they are participating in a team sport or as an individual.</a:t>
+            </a:r>
+          </a:p>
+          <a:p>
+            <a:pPr rtl="0"/>
+            <a:r>
+              <a:rPr lang="en-US" sz="1400" dirty="0"/>
+              <a:t>Boxing performs well overall due certain events that skew the overall pay information such as mega-fights.</a:t>
+            </a:r>
+          </a:p>
+          <a:p>
+            <a:pPr rtl="0"/>
+            <a:r>
+              <a:rPr lang="en-US" sz="1400" dirty="0"/>
+              <a:t>There are sports that have an audience in the USA that aren’t available around the world and which would could potentially skew information. </a:t>
+            </a:r>
+            <a:endParaRPr lang="es-ES" sz="1400" dirty="0"/>
+          </a:p>
+        </p:txBody>
+      </p:sp>
+      <p:sp>
+        <p:nvSpPr>
+          <p:cNvPr id="3" name="Marcador de pie de página 56">
+            <a:extLst>
+              <a:ext uri="{FF2B5EF4-FFF2-40B4-BE49-F238E27FC236}">
+                <a16:creationId xmlns:a16="http://schemas.microsoft.com/office/drawing/2014/main" id="{6CA59C1D-9F68-101D-633C-C4D139B5734F}"/>
+              </a:ext>
+            </a:extLst>
+          </p:cNvPr>
+          <p:cNvSpPr>
+            <a:spLocks noGrp="1"/>
+          </p:cNvSpPr>
+          <p:nvPr>
+            <p:ph type="ftr" sz="quarter" idx="11"/>
+          </p:nvPr>
+        </p:nvSpPr>
+        <p:spPr>
+          <a:xfrm>
+            <a:off x="4038600" y="6356350"/>
+            <a:ext cx="4114800" cy="365125"/>
+          </a:xfrm>
+        </p:spPr>
+        <p:txBody>
+          <a:bodyPr rtlCol="0"/>
+          <a:lstStyle>
+            <a:defPPr>
+              <a:defRPr lang="es-ES"/>
+            </a:defPPr>
+          </a:lstStyle>
+          <a:p>
+            <a:pPr rtl="0"/>
+            <a:r>
+              <a:rPr lang="es-ES" dirty="0"/>
+              <a:t>FORBES HIGHEST PAYING ATHLETES</a:t>
+            </a:r>
+          </a:p>
+        </p:txBody>
+      </p:sp>
+    </p:spTree>
+    <p:extLst>
+      <p:ext uri="{BB962C8B-B14F-4D97-AF65-F5344CB8AC3E}">
+        <p14:creationId xmlns:p14="http://schemas.microsoft.com/office/powerpoint/2010/main" val="2491923539"/>
+      </p:ext>
+    </p:extLst>
+  </p:cSld>
+  <p:clrMapOvr>
+    <a:masterClrMapping/>
+  </p:clrMapOvr>
+</p:sld>
+</file>
+
+<file path=ppt/slides/slide26.xml><?xml version="1.0" encoding="utf-8"?>
+<p:sld xmlns:a="http://schemas.openxmlformats.org/drawingml/2006/main" xmlns:r="http://schemas.openxmlformats.org/officeDocument/2006/relationships" xmlns:p="http://schemas.openxmlformats.org/presentationml/2006/main">
+  <p:cSld>
+    <p:spTree>
+      <p:nvGrpSpPr>
+        <p:cNvPr id="1" name=""/>
+        <p:cNvGrpSpPr/>
+        <p:nvPr/>
+      </p:nvGrpSpPr>
+      <p:grpSpPr>
+        <a:xfrm>
+          <a:off x="0" y="0"/>
+          <a:ext cx="0" cy="0"/>
+          <a:chOff x="0" y="0"/>
+          <a:chExt cx="0" cy="0"/>
+        </a:xfrm>
+      </p:grpSpPr>
+      <p:sp>
+        <p:nvSpPr>
+          <p:cNvPr id="2" name="Título 1">
+            <a:extLst>
+              <a:ext uri="{FF2B5EF4-FFF2-40B4-BE49-F238E27FC236}">
+                <a16:creationId xmlns:a16="http://schemas.microsoft.com/office/drawing/2014/main" id="{B1FE5F11-B7B9-4B80-8C6A-A8A7A7190B77}"/>
+              </a:ext>
+            </a:extLst>
+          </p:cNvPr>
+          <p:cNvSpPr>
+            <a:spLocks noGrp="1"/>
+          </p:cNvSpPr>
+          <p:nvPr>
+            <p:ph type="ctrTitle"/>
+          </p:nvPr>
+        </p:nvSpPr>
+        <p:spPr>
+          <a:xfrm>
+            <a:off x="6458964" y="2945452"/>
+            <a:ext cx="5074920" cy="967095"/>
+          </a:xfrm>
+        </p:spPr>
+        <p:txBody>
+          <a:bodyPr rtlCol="0"/>
+          <a:lstStyle>
+            <a:defPPr>
+              <a:defRPr lang="es-ES"/>
+            </a:defPPr>
+          </a:lstStyle>
+          <a:p>
+            <a:pPr rtl="0"/>
+            <a:r>
+              <a:rPr lang="en-US" sz="2800" dirty="0"/>
+              <a:t>Limitations and next steps</a:t>
+            </a:r>
+          </a:p>
+        </p:txBody>
+      </p:sp>
+    </p:spTree>
+    <p:extLst>
+      <p:ext uri="{BB962C8B-B14F-4D97-AF65-F5344CB8AC3E}">
+        <p14:creationId xmlns:p14="http://schemas.microsoft.com/office/powerpoint/2010/main" val="3671601111"/>
+      </p:ext>
+    </p:extLst>
+  </p:cSld>
+  <p:clrMapOvr>
+    <a:masterClrMapping/>
+  </p:clrMapOvr>
+</p:sld>
+</file>
+
+<file path=ppt/slides/slide27.xml><?xml version="1.0" encoding="utf-8"?>
+<p:sld xmlns:a="http://schemas.openxmlformats.org/drawingml/2006/main" xmlns:r="http://schemas.openxmlformats.org/officeDocument/2006/relationships" xmlns:p="http://schemas.openxmlformats.org/presentationml/2006/main">
+  <p:cSld>
+    <p:spTree>
+      <p:nvGrpSpPr>
+        <p:cNvPr id="1" name=""/>
+        <p:cNvGrpSpPr/>
+        <p:nvPr/>
+      </p:nvGrpSpPr>
+      <p:grpSpPr>
+        <a:xfrm>
+          <a:off x="0" y="0"/>
+          <a:ext cx="0" cy="0"/>
+          <a:chOff x="0" y="0"/>
+          <a:chExt cx="0" cy="0"/>
+        </a:xfrm>
+      </p:grpSpPr>
+      <p:sp>
+        <p:nvSpPr>
+          <p:cNvPr id="2" name="Título 1">
+            <a:extLst>
+              <a:ext uri="{FF2B5EF4-FFF2-40B4-BE49-F238E27FC236}">
+                <a16:creationId xmlns:a16="http://schemas.microsoft.com/office/drawing/2014/main" id="{4518FC28-E0BD-4387-B8BE-9965D1A57FF1}"/>
+              </a:ext>
+            </a:extLst>
+          </p:cNvPr>
+          <p:cNvSpPr>
+            <a:spLocks noGrp="1"/>
+          </p:cNvSpPr>
+          <p:nvPr>
+            <p:ph type="title"/>
+          </p:nvPr>
+        </p:nvSpPr>
+        <p:spPr>
+          <a:xfrm>
+            <a:off x="5428430" y="502056"/>
+            <a:ext cx="5111750" cy="1204912"/>
+          </a:xfrm>
+        </p:spPr>
+        <p:txBody>
+          <a:bodyPr rtlCol="0"/>
+          <a:lstStyle>
+            <a:defPPr>
+              <a:defRPr lang="es-ES"/>
+            </a:defPPr>
+          </a:lstStyle>
+          <a:p>
+            <a:pPr rtl="0"/>
+            <a:r>
+              <a:rPr lang="es-ES" dirty="0"/>
+              <a:t>limitations</a:t>
+            </a:r>
+          </a:p>
+        </p:txBody>
+      </p:sp>
+      <p:sp>
+        <p:nvSpPr>
+          <p:cNvPr id="3" name="Marcador de texto 2">
+            <a:extLst>
+              <a:ext uri="{FF2B5EF4-FFF2-40B4-BE49-F238E27FC236}">
+                <a16:creationId xmlns:a16="http://schemas.microsoft.com/office/drawing/2014/main" id="{FED19BCA-B61F-4EA6-A1FB-CCA3BD8506FB}"/>
+              </a:ext>
+            </a:extLst>
+          </p:cNvPr>
+          <p:cNvSpPr>
+            <a:spLocks noGrp="1"/>
+          </p:cNvSpPr>
+          <p:nvPr>
+            <p:ph type="body" idx="1"/>
+          </p:nvPr>
+        </p:nvSpPr>
+        <p:spPr>
+          <a:xfrm>
+            <a:off x="5428430" y="2094275"/>
+            <a:ext cx="5550426" cy="2592781"/>
+          </a:xfrm>
+        </p:spPr>
+        <p:txBody>
+          <a:bodyPr rtlCol="0">
+            <a:normAutofit lnSpcReduction="10000"/>
+          </a:bodyPr>
+          <a:lstStyle>
+            <a:defPPr>
+              <a:defRPr lang="es-ES"/>
+            </a:defPPr>
+          </a:lstStyle>
+          <a:p>
+            <a:pPr marL="342900" indent="-342900" rtl="0">
+              <a:buFont typeface="Courier New" panose="02070309020205020404" pitchFamily="49" charset="0"/>
+              <a:buChar char="o"/>
+            </a:pPr>
+            <a:r>
+              <a:rPr lang="es-ES" dirty="0"/>
+              <a:t>Database only included top earners for every year 10. It would be interesting to understand if regional data behaves similarly when analyzing a larger sample of athlete earnings.</a:t>
+            </a:r>
+          </a:p>
+          <a:p>
+            <a:pPr marL="342900" indent="-342900" rtl="0">
+              <a:buFont typeface="Courier New" panose="02070309020205020404" pitchFamily="49" charset="0"/>
+              <a:buChar char="o"/>
+            </a:pPr>
+            <a:r>
+              <a:rPr lang="es-ES" dirty="0"/>
+              <a:t>We lacked industry data (ex. TV rights, number of spectators, team valuations) to carry out a correlation analysis to understand key drivers for earnings.</a:t>
+            </a:r>
+          </a:p>
+          <a:p>
+            <a:pPr marL="342900" indent="-342900" rtl="0">
+              <a:buFont typeface="Courier New" panose="02070309020205020404" pitchFamily="49" charset="0"/>
+              <a:buChar char="o"/>
+            </a:pPr>
+            <a:r>
+              <a:rPr lang="es-ES" dirty="0"/>
+              <a:t>When it comes to calculating average earnings by country when it comes to athletes there is a limitation in the form of us not having a large enough sample size to illustrate this effectively</a:t>
+            </a:r>
+          </a:p>
+        </p:txBody>
+      </p:sp>
+      <p:sp>
+        <p:nvSpPr>
+          <p:cNvPr id="6" name="Marcador de número de diapositiva 5">
+            <a:extLst>
+              <a:ext uri="{FF2B5EF4-FFF2-40B4-BE49-F238E27FC236}">
+                <a16:creationId xmlns:a16="http://schemas.microsoft.com/office/drawing/2014/main" id="{7C4B8313-9270-4128-8674-3A3E42B806BC}"/>
+              </a:ext>
+            </a:extLst>
+          </p:cNvPr>
+          <p:cNvSpPr>
+            <a:spLocks noGrp="1"/>
+          </p:cNvSpPr>
+          <p:nvPr>
+            <p:ph type="sldNum" sz="quarter" idx="12"/>
+          </p:nvPr>
+        </p:nvSpPr>
+        <p:spPr>
+          <a:xfrm>
+            <a:off x="8610600" y="6356350"/>
+            <a:ext cx="2743200" cy="365125"/>
+          </a:xfrm>
+        </p:spPr>
+        <p:txBody>
+          <a:bodyPr rtlCol="0"/>
+          <a:lstStyle>
+            <a:defPPr>
+              <a:defRPr lang="es-ES"/>
+            </a:defPPr>
+          </a:lstStyle>
+          <a:p>
+            <a:pPr rtl="0"/>
+            <a:fld id="{A49DFD55-3C28-40EF-9E31-A92D2E4017FF}" type="slidenum">
+              <a:rPr lang="es-ES" smtClean="0"/>
+              <a:pPr rtl="0"/>
+              <a:t>27</a:t>
+            </a:fld>
+            <a:endParaRPr lang="es-ES" dirty="0"/>
+          </a:p>
+        </p:txBody>
+      </p:sp>
+      <p:sp>
+        <p:nvSpPr>
+          <p:cNvPr id="7" name="Marcador de pie de página 56">
+            <a:extLst>
+              <a:ext uri="{FF2B5EF4-FFF2-40B4-BE49-F238E27FC236}">
+                <a16:creationId xmlns:a16="http://schemas.microsoft.com/office/drawing/2014/main" id="{5860982B-C8CF-1FD7-A84B-90C2BF420A7C}"/>
+              </a:ext>
+            </a:extLst>
+          </p:cNvPr>
+          <p:cNvSpPr>
+            <a:spLocks noGrp="1"/>
+          </p:cNvSpPr>
+          <p:nvPr>
+            <p:ph type="ftr" sz="quarter" idx="11"/>
+          </p:nvPr>
+        </p:nvSpPr>
+        <p:spPr>
+          <a:xfrm>
+            <a:off x="4038600" y="6356350"/>
+            <a:ext cx="4114800" cy="365125"/>
+          </a:xfrm>
+        </p:spPr>
+        <p:txBody>
+          <a:bodyPr rtlCol="0"/>
+          <a:lstStyle>
+            <a:defPPr>
+              <a:defRPr lang="es-ES"/>
+            </a:defPPr>
+          </a:lstStyle>
+          <a:p>
+            <a:pPr rtl="0"/>
+            <a:r>
+              <a:rPr lang="es-ES" dirty="0"/>
+              <a:t>FORBES HIGHEST PAYING ATHLETES</a:t>
+            </a:r>
+          </a:p>
+        </p:txBody>
+      </p:sp>
+    </p:spTree>
+    <p:extLst>
+      <p:ext uri="{BB962C8B-B14F-4D97-AF65-F5344CB8AC3E}">
+        <p14:creationId xmlns:p14="http://schemas.microsoft.com/office/powerpoint/2010/main" val="1742861620"/>
+      </p:ext>
+    </p:extLst>
+  </p:cSld>
+  <p:clrMapOvr>
+    <a:masterClrMapping/>
+  </p:clrMapOvr>
+</p:sld>
+</file>
+
+<file path=ppt/slides/slide28.xml><?xml version="1.0" encoding="utf-8"?>
+<p:sld xmlns:a="http://schemas.openxmlformats.org/drawingml/2006/main" xmlns:r="http://schemas.openxmlformats.org/officeDocument/2006/relationships" xmlns:p="http://schemas.openxmlformats.org/presentationml/2006/main">
+  <p:cSld>
+    <p:spTree>
+      <p:nvGrpSpPr>
+        <p:cNvPr id="1" name=""/>
+        <p:cNvGrpSpPr/>
+        <p:nvPr/>
+      </p:nvGrpSpPr>
+      <p:grpSpPr>
+        <a:xfrm>
+          <a:off x="0" y="0"/>
+          <a:ext cx="0" cy="0"/>
+          <a:chOff x="0" y="0"/>
+          <a:chExt cx="0" cy="0"/>
+        </a:xfrm>
+      </p:grpSpPr>
+      <p:sp>
+        <p:nvSpPr>
+          <p:cNvPr id="2" name="Título 1">
+            <a:extLst>
+              <a:ext uri="{FF2B5EF4-FFF2-40B4-BE49-F238E27FC236}">
+                <a16:creationId xmlns:a16="http://schemas.microsoft.com/office/drawing/2014/main" id="{8BDF1EDE-5423-435C-B149-87AB1BC22B83}"/>
+              </a:ext>
+            </a:extLst>
+          </p:cNvPr>
+          <p:cNvSpPr>
+            <a:spLocks noGrp="1"/>
+          </p:cNvSpPr>
+          <p:nvPr>
+            <p:ph type="ctrTitle"/>
+          </p:nvPr>
+        </p:nvSpPr>
+        <p:spPr>
+          <a:xfrm>
+            <a:off x="5221715" y="2666632"/>
+            <a:ext cx="4523715" cy="1524735"/>
+          </a:xfrm>
+        </p:spPr>
+        <p:txBody>
+          <a:bodyPr rtlCol="0" anchor="ctr"/>
+          <a:lstStyle>
+            <a:defPPr>
+              <a:defRPr lang="es-ES"/>
+            </a:defPPr>
+          </a:lstStyle>
+          <a:p>
+            <a:pPr algn="ctr" rtl="0"/>
+            <a:r>
+              <a:rPr lang="es-ES" dirty="0"/>
+              <a:t>Thanks!</a:t>
+            </a:r>
+          </a:p>
+        </p:txBody>
+      </p:sp>
+      <p:sp>
+        <p:nvSpPr>
+          <p:cNvPr id="6" name="Marcador de número de diapositiva 5">
+            <a:extLst>
+              <a:ext uri="{FF2B5EF4-FFF2-40B4-BE49-F238E27FC236}">
+                <a16:creationId xmlns:a16="http://schemas.microsoft.com/office/drawing/2014/main" id="{4C127D99-645F-4FCF-9573-FDFE2A344FA9}"/>
+              </a:ext>
+            </a:extLst>
+          </p:cNvPr>
+          <p:cNvSpPr>
+            <a:spLocks noGrp="1"/>
+          </p:cNvSpPr>
+          <p:nvPr>
+            <p:ph type="sldNum" sz="quarter" idx="12"/>
+          </p:nvPr>
+        </p:nvSpPr>
+        <p:spPr>
+          <a:xfrm>
+            <a:off x="9579428" y="6356350"/>
+            <a:ext cx="1774371" cy="365125"/>
+          </a:xfrm>
+        </p:spPr>
+        <p:txBody>
+          <a:bodyPr rtlCol="0"/>
+          <a:lstStyle>
+            <a:defPPr>
+              <a:defRPr lang="es-ES"/>
+            </a:defPPr>
+          </a:lstStyle>
+          <a:p>
+            <a:pPr rtl="0"/>
+            <a:fld id="{A49DFD55-3C28-40EF-9E31-A92D2E4017FF}" type="slidenum">
+              <a:rPr lang="es-ES" smtClean="0"/>
+              <a:pPr rtl="0"/>
+              <a:t>28</a:t>
             </a:fld>
             <a:endParaRPr lang="es-ES" dirty="0"/>
           </a:p>
@@ -18535,7 +20048,7 @@
           <p:cNvPr id="2" name="Título 1">
             <a:extLst>
               <a:ext uri="{FF2B5EF4-FFF2-40B4-BE49-F238E27FC236}">
-                <a16:creationId xmlns:a16="http://schemas.microsoft.com/office/drawing/2014/main" id="{09140014-73D5-419B-8867-972BB18D52D4}"/>
+                <a16:creationId xmlns:a16="http://schemas.microsoft.com/office/drawing/2014/main" id="{4518FC28-E0BD-4387-B8BE-9965D1A57FF1}"/>
               </a:ext>
             </a:extLst>
           </p:cNvPr>
@@ -18548,46 +20061,49 @@
         </p:nvSpPr>
         <p:spPr>
           <a:xfrm>
-            <a:off x="2933700" y="892177"/>
-            <a:ext cx="8421688" cy="1325563"/>
-          </a:xfrm>
-        </p:spPr>
-        <p:txBody>
-          <a:bodyPr rtlCol="0"/>
+            <a:off x="5984612" y="2366126"/>
+            <a:ext cx="5111750" cy="594605"/>
+          </a:xfrm>
+        </p:spPr>
+        <p:txBody>
+          <a:bodyPr rtlCol="0">
+            <a:normAutofit/>
+          </a:bodyPr>
           <a:lstStyle>
             <a:defPPr>
               <a:defRPr lang="es-ES"/>
             </a:defPPr>
           </a:lstStyle>
           <a:p>
-            <a:pPr rtl="0"/>
-            <a:r>
-              <a:rPr lang="es-ES" dirty="0"/>
-              <a:t>ÁREAS DE ENFOQUE</a:t>
-            </a:r>
-          </a:p>
-        </p:txBody>
-      </p:sp>
-      <p:sp>
-        <p:nvSpPr>
-          <p:cNvPr id="4" name="Marcador de contenido 3">
-            <a:extLst>
-              <a:ext uri="{FF2B5EF4-FFF2-40B4-BE49-F238E27FC236}">
-                <a16:creationId xmlns:a16="http://schemas.microsoft.com/office/drawing/2014/main" id="{33D8731E-4977-402E-8BFD-895B4D0544CC}"/>
-              </a:ext>
-            </a:extLst>
-          </p:cNvPr>
-          <p:cNvSpPr>
-            <a:spLocks noGrp="1"/>
-          </p:cNvSpPr>
-          <p:nvPr>
-            <p:ph sz="half" idx="2"/>
-          </p:nvPr>
-        </p:nvSpPr>
-        <p:spPr>
-          <a:xfrm>
-            <a:off x="2933700" y="3834606"/>
-            <a:ext cx="3924300" cy="1997867"/>
+            <a:pPr algn="ctr" rtl="0"/>
+            <a:r>
+              <a:rPr lang="es-ES" sz="3600" dirty="0" err="1"/>
+              <a:t>hypothesis</a:t>
+            </a:r>
+            <a:endParaRPr lang="es-ES" sz="3600" dirty="0"/>
+          </a:p>
+        </p:txBody>
+      </p:sp>
+      <p:sp>
+        <p:nvSpPr>
+          <p:cNvPr id="3" name="Marcador de texto 2">
+            <a:extLst>
+              <a:ext uri="{FF2B5EF4-FFF2-40B4-BE49-F238E27FC236}">
+                <a16:creationId xmlns:a16="http://schemas.microsoft.com/office/drawing/2014/main" id="{FED19BCA-B61F-4EA6-A1FB-CCA3BD8506FB}"/>
+              </a:ext>
+            </a:extLst>
+          </p:cNvPr>
+          <p:cNvSpPr>
+            <a:spLocks noGrp="1"/>
+          </p:cNvSpPr>
+          <p:nvPr>
+            <p:ph type="body" idx="1"/>
+          </p:nvPr>
+        </p:nvSpPr>
+        <p:spPr>
+          <a:xfrm>
+            <a:off x="5851393" y="3076257"/>
+            <a:ext cx="5518413" cy="705486"/>
           </a:xfrm>
         </p:spPr>
         <p:txBody>
@@ -18600,119 +20116,65 @@
             </a:defPPr>
           </a:lstStyle>
           <a:p>
-            <a:pPr rtl="0"/>
-            <a:r>
-              <a:rPr lang="es-ES" dirty="0"/>
-              <a:t>Desarrollar estrategias ganadoras para seguir a la vanguardia de la competencia</a:t>
-            </a:r>
-          </a:p>
-          <a:p>
-            <a:pPr rtl="0"/>
-            <a:r>
-              <a:rPr lang="es-ES" dirty="0"/>
-              <a:t>​Aprovechar los frutos obtenidos para identificar un valor en el terreno de juego</a:t>
-            </a:r>
-          </a:p>
-          <a:p>
-            <a:pPr rtl="0"/>
-            <a:r>
-              <a:rPr lang="es-ES" dirty="0"/>
-              <a:t>​Visualizar la convergencia dirigida al cliente</a:t>
-            </a:r>
-          </a:p>
-        </p:txBody>
-      </p:sp>
-      <p:sp>
-        <p:nvSpPr>
-          <p:cNvPr id="5" name="Marcador de texto 4">
-            <a:extLst>
-              <a:ext uri="{FF2B5EF4-FFF2-40B4-BE49-F238E27FC236}">
-                <a16:creationId xmlns:a16="http://schemas.microsoft.com/office/drawing/2014/main" id="{91CDEC5F-B8EE-4BC1-843F-13135E6E7AB2}"/>
-              </a:ext>
-            </a:extLst>
-          </p:cNvPr>
-          <p:cNvSpPr>
-            <a:spLocks noGrp="1"/>
-          </p:cNvSpPr>
-          <p:nvPr>
-            <p:ph type="body" sz="quarter" idx="3"/>
-          </p:nvPr>
-        </p:nvSpPr>
-        <p:spPr>
-          <a:xfrm>
-            <a:off x="7410173" y="2776936"/>
-            <a:ext cx="3943627" cy="823912"/>
-          </a:xfrm>
-        </p:spPr>
-        <p:txBody>
-          <a:bodyPr rtlCol="0"/>
-          <a:lstStyle>
-            <a:defPPr>
-              <a:defRPr lang="es-ES"/>
-            </a:defPPr>
-          </a:lstStyle>
-          <a:p>
-            <a:pPr rtl="0"/>
-            <a:r>
-              <a:rPr lang="es-ES" dirty="0"/>
-              <a:t>OPORTUNIDADES BASADAS EN LA NUBE</a:t>
-            </a:r>
-          </a:p>
-        </p:txBody>
-      </p:sp>
-      <p:sp>
-        <p:nvSpPr>
-          <p:cNvPr id="6" name="Marcador de contenido 5">
-            <a:extLst>
-              <a:ext uri="{FF2B5EF4-FFF2-40B4-BE49-F238E27FC236}">
-                <a16:creationId xmlns:a16="http://schemas.microsoft.com/office/drawing/2014/main" id="{50B65871-FA95-449A-B8BC-90486DE532EF}"/>
-              </a:ext>
-            </a:extLst>
-          </p:cNvPr>
-          <p:cNvSpPr>
-            <a:spLocks noGrp="1"/>
-          </p:cNvSpPr>
-          <p:nvPr>
-            <p:ph sz="quarter" idx="4"/>
-          </p:nvPr>
-        </p:nvSpPr>
-        <p:spPr>
-          <a:xfrm>
-            <a:off x="7410173" y="3834606"/>
-            <a:ext cx="3943627" cy="1997867"/>
-          </a:xfrm>
-        </p:spPr>
-        <p:txBody>
-          <a:bodyPr rtlCol="0">
-            <a:normAutofit/>
-          </a:bodyPr>
-          <a:lstStyle>
-            <a:defPPr>
-              <a:defRPr lang="es-ES"/>
-            </a:defPPr>
-          </a:lstStyle>
-          <a:p>
-            <a:pPr rtl="0"/>
-            <a:r>
-              <a:rPr lang="es-ES" dirty="0"/>
-              <a:t>Enfoques iterativos para una estrategia corporativa</a:t>
-            </a:r>
-          </a:p>
-          <a:p>
-            <a:pPr rtl="0"/>
-            <a:r>
-              <a:rPr lang="es-ES" dirty="0"/>
-              <a:t>​Establecer un marco de administración desde dentro</a:t>
-            </a:r>
-          </a:p>
-        </p:txBody>
-      </p:sp>
-      <p:sp>
-        <p:nvSpPr>
-          <p:cNvPr id="9" name="Marcador de número de diapositiva 8">
-            <a:extLst>
-              <a:ext uri="{FF2B5EF4-FFF2-40B4-BE49-F238E27FC236}">
-                <a16:creationId xmlns:a16="http://schemas.microsoft.com/office/drawing/2014/main" id="{C396FFDC-ADE8-4009-A466-A81787258E88}"/>
+            <a:pPr algn="just" rtl="0"/>
+            <a:r>
+              <a:rPr lang="es-ES" sz="1600" dirty="0"/>
+              <a:t>American </a:t>
+            </a:r>
+            <a:r>
+              <a:rPr lang="es-ES" sz="1600" dirty="0" err="1"/>
+              <a:t>athletes</a:t>
+            </a:r>
+            <a:r>
+              <a:rPr lang="es-ES" sz="1600" dirty="0"/>
+              <a:t> </a:t>
+            </a:r>
+            <a:r>
+              <a:rPr lang="es-ES" sz="1600" dirty="0" err="1"/>
+              <a:t>earn</a:t>
+            </a:r>
+            <a:r>
+              <a:rPr lang="es-ES" sz="1600" dirty="0"/>
+              <a:t> more </a:t>
+            </a:r>
+            <a:r>
+              <a:rPr lang="es-ES" sz="1600" dirty="0" err="1"/>
+              <a:t>than</a:t>
+            </a:r>
+            <a:r>
+              <a:rPr lang="es-ES" sz="1600" dirty="0"/>
+              <a:t> </a:t>
+            </a:r>
+            <a:r>
+              <a:rPr lang="es-ES" sz="1600" dirty="0" err="1"/>
+              <a:t>their</a:t>
+            </a:r>
+            <a:r>
+              <a:rPr lang="es-ES" sz="1600" dirty="0"/>
+              <a:t> </a:t>
+            </a:r>
+            <a:r>
+              <a:rPr lang="es-ES" sz="1600" dirty="0" err="1"/>
+              <a:t>international</a:t>
+            </a:r>
+            <a:r>
+              <a:rPr lang="es-ES" sz="1600" dirty="0"/>
+              <a:t> </a:t>
+            </a:r>
+            <a:r>
+              <a:rPr lang="es-ES" sz="1600" dirty="0" err="1"/>
+              <a:t>counterparts</a:t>
+            </a:r>
+            <a:endParaRPr lang="es-ES" sz="1600" dirty="0"/>
+          </a:p>
+        </p:txBody>
+      </p:sp>
+      <p:sp>
+        <p:nvSpPr>
+          <p:cNvPr id="6" name="Marcador de número de diapositiva 5">
+            <a:extLst>
+              <a:ext uri="{FF2B5EF4-FFF2-40B4-BE49-F238E27FC236}">
+                <a16:creationId xmlns:a16="http://schemas.microsoft.com/office/drawing/2014/main" id="{7C4B8313-9270-4128-8674-3A3E42B806BC}"/>
               </a:ext>
             </a:extLst>
           </p:cNvPr>
@@ -18747,42 +20209,12 @@
           </a:p>
         </p:txBody>
       </p:sp>
-      <p:pic>
-        <p:nvPicPr>
-          <p:cNvPr id="29" name="Picture 28" descr="A screen shot of a computer&#10;&#10;Description automatically generated">
-            <a:extLst>
-              <a:ext uri="{FF2B5EF4-FFF2-40B4-BE49-F238E27FC236}">
-                <a16:creationId xmlns:a16="http://schemas.microsoft.com/office/drawing/2014/main" id="{032BEF06-BB08-6610-6B5F-24DC94B929B8}"/>
-              </a:ext>
-            </a:extLst>
-          </p:cNvPr>
-          <p:cNvPicPr>
-            <a:picLocks noChangeAspect="1"/>
-          </p:cNvPicPr>
-          <p:nvPr/>
-        </p:nvPicPr>
-        <p:blipFill>
-          <a:blip r:embed="rId3"/>
-          <a:stretch>
-            <a:fillRect/>
-          </a:stretch>
-        </p:blipFill>
-        <p:spPr>
-          <a:xfrm>
-            <a:off x="313083" y="136525"/>
-            <a:ext cx="12192000" cy="6502401"/>
-          </a:xfrm>
-          <a:prstGeom prst="rect">
-            <a:avLst/>
-          </a:prstGeom>
-        </p:spPr>
-      </p:pic>
-      <p:sp>
-        <p:nvSpPr>
-          <p:cNvPr id="3" name="Marcador de pie de página 4">
-            <a:extLst>
-              <a:ext uri="{FF2B5EF4-FFF2-40B4-BE49-F238E27FC236}">
-                <a16:creationId xmlns:a16="http://schemas.microsoft.com/office/drawing/2014/main" id="{7FB34D83-F248-FC04-631F-5DC3004200F9}"/>
+      <p:sp>
+        <p:nvSpPr>
+          <p:cNvPr id="7" name="Marcador de pie de página 56">
+            <a:extLst>
+              <a:ext uri="{FF2B5EF4-FFF2-40B4-BE49-F238E27FC236}">
+                <a16:creationId xmlns:a16="http://schemas.microsoft.com/office/drawing/2014/main" id="{5860982B-C8CF-1FD7-A84B-90C2BF420A7C}"/>
               </a:ext>
             </a:extLst>
           </p:cNvPr>
@@ -18795,8 +20227,8 @@
         </p:nvSpPr>
         <p:spPr>
           <a:xfrm>
-            <a:off x="4669183" y="6390680"/>
-            <a:ext cx="3479800" cy="365125"/>
+            <a:off x="4038600" y="6356350"/>
+            <a:ext cx="4114800" cy="365125"/>
           </a:xfrm>
         </p:spPr>
         <p:txBody>
@@ -18810,7 +20242,7 @@
             <a:pPr rtl="0"/>
             <a:r>
               <a:rPr lang="es-ES" dirty="0"/>
-              <a:t>FORBES HIGHEST PAYING ATHLETES ANALYSIS</a:t>
+              <a:t>FORBES HIGHEST PAYING ATHLETES</a:t>
             </a:r>
           </a:p>
         </p:txBody>
@@ -18818,7 +20250,7 @@
     </p:spTree>
     <p:extLst>
       <p:ext uri="{BB962C8B-B14F-4D97-AF65-F5344CB8AC3E}">
-        <p14:creationId xmlns:p14="http://schemas.microsoft.com/office/powerpoint/2010/main" val="1663780162"/>
+        <p14:creationId xmlns:p14="http://schemas.microsoft.com/office/powerpoint/2010/main" val="1068870747"/>
       </p:ext>
     </p:extLst>
   </p:cSld>
@@ -18850,7 +20282,7 @@
           <p:cNvPr id="2" name="Título 1">
             <a:extLst>
               <a:ext uri="{FF2B5EF4-FFF2-40B4-BE49-F238E27FC236}">
-                <a16:creationId xmlns:a16="http://schemas.microsoft.com/office/drawing/2014/main" id="{42DD0E59-4C68-4F87-9821-23C69713D980}"/>
+                <a16:creationId xmlns:a16="http://schemas.microsoft.com/office/drawing/2014/main" id="{09140014-73D5-419B-8867-972BB18D52D4}"/>
               </a:ext>
             </a:extLst>
           </p:cNvPr>
@@ -18863,7 +20295,7 @@
         </p:nvSpPr>
         <p:spPr>
           <a:xfrm>
-            <a:off x="1885156" y="892177"/>
+            <a:off x="2933700" y="892177"/>
             <a:ext cx="8421688" cy="1325563"/>
           </a:xfrm>
         </p:spPr>
@@ -18878,35 +20310,37 @@
             <a:pPr rtl="0"/>
             <a:r>
               <a:rPr lang="es-ES" dirty="0"/>
-              <a:t>Conclusions</a:t>
-            </a:r>
-          </a:p>
-        </p:txBody>
-      </p:sp>
-      <p:sp>
-        <p:nvSpPr>
-          <p:cNvPr id="57" name="Marcador de pie de página 56">
-            <a:extLst>
-              <a:ext uri="{FF2B5EF4-FFF2-40B4-BE49-F238E27FC236}">
-                <a16:creationId xmlns:a16="http://schemas.microsoft.com/office/drawing/2014/main" id="{3A38BE84-957B-46B9-A315-4B5064DFF1A1}"/>
-              </a:ext>
-            </a:extLst>
-          </p:cNvPr>
-          <p:cNvSpPr>
-            <a:spLocks noGrp="1"/>
-          </p:cNvSpPr>
-          <p:nvPr>
-            <p:ph type="ftr" sz="quarter" idx="11"/>
-          </p:nvPr>
-        </p:nvSpPr>
-        <p:spPr>
-          <a:xfrm>
-            <a:off x="4038600" y="6356350"/>
-            <a:ext cx="4114800" cy="365125"/>
-          </a:xfrm>
-        </p:spPr>
-        <p:txBody>
-          <a:bodyPr rtlCol="0"/>
+              <a:t>ÁREAS DE ENFOQUE</a:t>
+            </a:r>
+          </a:p>
+        </p:txBody>
+      </p:sp>
+      <p:sp>
+        <p:nvSpPr>
+          <p:cNvPr id="4" name="Marcador de contenido 3">
+            <a:extLst>
+              <a:ext uri="{FF2B5EF4-FFF2-40B4-BE49-F238E27FC236}">
+                <a16:creationId xmlns:a16="http://schemas.microsoft.com/office/drawing/2014/main" id="{33D8731E-4977-402E-8BFD-895B4D0544CC}"/>
+              </a:ext>
+            </a:extLst>
+          </p:cNvPr>
+          <p:cNvSpPr>
+            <a:spLocks noGrp="1"/>
+          </p:cNvSpPr>
+          <p:nvPr>
+            <p:ph sz="half" idx="2"/>
+          </p:nvPr>
+        </p:nvSpPr>
+        <p:spPr>
+          <a:xfrm>
+            <a:off x="2933700" y="3834606"/>
+            <a:ext cx="3924300" cy="1997867"/>
+          </a:xfrm>
+        </p:spPr>
+        <p:txBody>
+          <a:bodyPr rtlCol="0">
+            <a:normAutofit/>
+          </a:bodyPr>
           <a:lstStyle>
             <a:defPPr>
               <a:defRPr lang="es-ES"/>
@@ -18916,17 +20350,116 @@
             <a:pPr rtl="0"/>
             <a:r>
               <a:rPr lang="es-ES" dirty="0"/>
-              <a:t>FORBES HIGHEST PAYING ATHLETES</a:t>
-            </a:r>
-          </a:p>
-        </p:txBody>
-      </p:sp>
-      <p:sp>
-        <p:nvSpPr>
-          <p:cNvPr id="58" name="Marcador de número de diapositiva 57">
-            <a:extLst>
-              <a:ext uri="{FF2B5EF4-FFF2-40B4-BE49-F238E27FC236}">
-                <a16:creationId xmlns:a16="http://schemas.microsoft.com/office/drawing/2014/main" id="{E1900601-8B04-4FF3-B06F-6BEFAC6556D3}"/>
+              <a:t>Desarrollar estrategias ganadoras para seguir a la vanguardia de la competencia</a:t>
+            </a:r>
+          </a:p>
+          <a:p>
+            <a:pPr rtl="0"/>
+            <a:r>
+              <a:rPr lang="es-ES" dirty="0"/>
+              <a:t>​Aprovechar los frutos obtenidos para identificar un valor en el terreno de juego</a:t>
+            </a:r>
+          </a:p>
+          <a:p>
+            <a:pPr rtl="0"/>
+            <a:r>
+              <a:rPr lang="es-ES" dirty="0"/>
+              <a:t>​Visualizar la convergencia dirigida al cliente</a:t>
+            </a:r>
+          </a:p>
+        </p:txBody>
+      </p:sp>
+      <p:sp>
+        <p:nvSpPr>
+          <p:cNvPr id="5" name="Marcador de texto 4">
+            <a:extLst>
+              <a:ext uri="{FF2B5EF4-FFF2-40B4-BE49-F238E27FC236}">
+                <a16:creationId xmlns:a16="http://schemas.microsoft.com/office/drawing/2014/main" id="{91CDEC5F-B8EE-4BC1-843F-13135E6E7AB2}"/>
+              </a:ext>
+            </a:extLst>
+          </p:cNvPr>
+          <p:cNvSpPr>
+            <a:spLocks noGrp="1"/>
+          </p:cNvSpPr>
+          <p:nvPr>
+            <p:ph type="body" sz="quarter" idx="3"/>
+          </p:nvPr>
+        </p:nvSpPr>
+        <p:spPr>
+          <a:xfrm>
+            <a:off x="7410173" y="2776936"/>
+            <a:ext cx="3943627" cy="823912"/>
+          </a:xfrm>
+        </p:spPr>
+        <p:txBody>
+          <a:bodyPr rtlCol="0"/>
+          <a:lstStyle>
+            <a:defPPr>
+              <a:defRPr lang="es-ES"/>
+            </a:defPPr>
+          </a:lstStyle>
+          <a:p>
+            <a:pPr rtl="0"/>
+            <a:r>
+              <a:rPr lang="es-ES" dirty="0"/>
+              <a:t>OPORTUNIDADES BASADAS EN LA NUBE</a:t>
+            </a:r>
+          </a:p>
+        </p:txBody>
+      </p:sp>
+      <p:sp>
+        <p:nvSpPr>
+          <p:cNvPr id="6" name="Marcador de contenido 5">
+            <a:extLst>
+              <a:ext uri="{FF2B5EF4-FFF2-40B4-BE49-F238E27FC236}">
+                <a16:creationId xmlns:a16="http://schemas.microsoft.com/office/drawing/2014/main" id="{50B65871-FA95-449A-B8BC-90486DE532EF}"/>
+              </a:ext>
+            </a:extLst>
+          </p:cNvPr>
+          <p:cNvSpPr>
+            <a:spLocks noGrp="1"/>
+          </p:cNvSpPr>
+          <p:nvPr>
+            <p:ph sz="quarter" idx="4"/>
+          </p:nvPr>
+        </p:nvSpPr>
+        <p:spPr>
+          <a:xfrm>
+            <a:off x="7410173" y="3834606"/>
+            <a:ext cx="3943627" cy="1997867"/>
+          </a:xfrm>
+        </p:spPr>
+        <p:txBody>
+          <a:bodyPr rtlCol="0">
+            <a:normAutofit/>
+          </a:bodyPr>
+          <a:lstStyle>
+            <a:defPPr>
+              <a:defRPr lang="es-ES"/>
+            </a:defPPr>
+          </a:lstStyle>
+          <a:p>
+            <a:pPr rtl="0"/>
+            <a:r>
+              <a:rPr lang="es-ES" dirty="0"/>
+              <a:t>Enfoques iterativos para una estrategia corporativa</a:t>
+            </a:r>
+          </a:p>
+          <a:p>
+            <a:pPr rtl="0"/>
+            <a:r>
+              <a:rPr lang="es-ES" dirty="0"/>
+              <a:t>​Establecer un marco de administración desde dentro</a:t>
+            </a:r>
+          </a:p>
+        </p:txBody>
+      </p:sp>
+      <p:sp>
+        <p:nvSpPr>
+          <p:cNvPr id="9" name="Marcador de número de diapositiva 8">
+            <a:extLst>
+              <a:ext uri="{FF2B5EF4-FFF2-40B4-BE49-F238E27FC236}">
+                <a16:creationId xmlns:a16="http://schemas.microsoft.com/office/drawing/2014/main" id="{C396FFDC-ADE8-4009-A466-A81787258E88}"/>
               </a:ext>
             </a:extLst>
           </p:cNvPr>
@@ -18961,32 +20494,60 @@
           </a:p>
         </p:txBody>
       </p:sp>
-      <p:sp>
-        <p:nvSpPr>
-          <p:cNvPr id="326" name="Marcador de texto 2">
-            <a:extLst>
-              <a:ext uri="{FF2B5EF4-FFF2-40B4-BE49-F238E27FC236}">
-                <a16:creationId xmlns:a16="http://schemas.microsoft.com/office/drawing/2014/main" id="{7B160DB7-BDF4-9939-C740-26EBBB3E0189}"/>
-              </a:ext>
-            </a:extLst>
-          </p:cNvPr>
-          <p:cNvSpPr>
-            <a:spLocks noGrp="1"/>
-          </p:cNvSpPr>
-          <p:nvPr>
-            <p:ph type="body" idx="1"/>
-          </p:nvPr>
-        </p:nvSpPr>
-        <p:spPr>
-          <a:xfrm>
-            <a:off x="1362074" y="2452812"/>
-            <a:ext cx="9605756" cy="2912564"/>
-          </a:xfrm>
-        </p:spPr>
-        <p:txBody>
-          <a:bodyPr rtlCol="0">
-            <a:normAutofit/>
-          </a:bodyPr>
+      <p:pic>
+        <p:nvPicPr>
+          <p:cNvPr id="29" name="Picture 28" descr="A screen shot of a computer&#10;&#10;Description automatically generated">
+            <a:extLst>
+              <a:ext uri="{FF2B5EF4-FFF2-40B4-BE49-F238E27FC236}">
+                <a16:creationId xmlns:a16="http://schemas.microsoft.com/office/drawing/2014/main" id="{032BEF06-BB08-6610-6B5F-24DC94B929B8}"/>
+              </a:ext>
+            </a:extLst>
+          </p:cNvPr>
+          <p:cNvPicPr>
+            <a:picLocks noChangeAspect="1"/>
+          </p:cNvPicPr>
+          <p:nvPr/>
+        </p:nvPicPr>
+        <p:blipFill>
+          <a:blip r:embed="rId3"/>
+          <a:stretch>
+            <a:fillRect/>
+          </a:stretch>
+        </p:blipFill>
+        <p:spPr>
+          <a:xfrm>
+            <a:off x="313083" y="136525"/>
+            <a:ext cx="12192000" cy="6502401"/>
+          </a:xfrm>
+          <a:prstGeom prst="rect">
+            <a:avLst/>
+          </a:prstGeom>
+        </p:spPr>
+      </p:pic>
+      <p:sp>
+        <p:nvSpPr>
+          <p:cNvPr id="3" name="Marcador de pie de página 4">
+            <a:extLst>
+              <a:ext uri="{FF2B5EF4-FFF2-40B4-BE49-F238E27FC236}">
+                <a16:creationId xmlns:a16="http://schemas.microsoft.com/office/drawing/2014/main" id="{7FB34D83-F248-FC04-631F-5DC3004200F9}"/>
+              </a:ext>
+            </a:extLst>
+          </p:cNvPr>
+          <p:cNvSpPr>
+            <a:spLocks noGrp="1"/>
+          </p:cNvSpPr>
+          <p:nvPr>
+            <p:ph type="ftr" sz="quarter" idx="11"/>
+          </p:nvPr>
+        </p:nvSpPr>
+        <p:spPr>
+          <a:xfrm>
+            <a:off x="4669183" y="6390680"/>
+            <a:ext cx="3479800" cy="365125"/>
+          </a:xfrm>
+        </p:spPr>
+        <p:txBody>
+          <a:bodyPr rtlCol="0"/>
           <a:lstStyle>
             <a:defPPr>
               <a:defRPr lang="es-ES"/>
@@ -18995,558 +20556,8 @@
           <a:p>
             <a:pPr rtl="0"/>
             <a:r>
-              <a:rPr lang="es-ES" sz="1400" dirty="0"/>
-              <a:t>66% </a:t>
-            </a:r>
-            <a:r>
-              <a:rPr lang="es-ES" sz="1400" dirty="0" err="1"/>
-              <a:t>of</a:t>
-            </a:r>
-            <a:r>
-              <a:rPr lang="es-ES" sz="1400" dirty="0"/>
-              <a:t> </a:t>
-            </a:r>
-            <a:r>
-              <a:rPr lang="es-ES" sz="1400" dirty="0" err="1"/>
-              <a:t>earnings</a:t>
-            </a:r>
-            <a:r>
-              <a:rPr lang="es-ES" sz="1400" dirty="0"/>
-              <a:t> (US$ 5,696 MM) </a:t>
-            </a:r>
-            <a:r>
-              <a:rPr lang="es-ES" sz="1400" dirty="0" err="1"/>
-              <a:t>go</a:t>
-            </a:r>
-            <a:r>
-              <a:rPr lang="es-ES" sz="1400" dirty="0"/>
-              <a:t> </a:t>
-            </a:r>
-            <a:r>
-              <a:rPr lang="es-ES" sz="1400" dirty="0" err="1"/>
-              <a:t>to</a:t>
-            </a:r>
-            <a:r>
-              <a:rPr lang="es-ES" sz="1400" dirty="0"/>
-              <a:t> USA </a:t>
-            </a:r>
-            <a:r>
-              <a:rPr lang="es-ES" sz="1400" dirty="0" err="1"/>
-              <a:t>athletes</a:t>
-            </a:r>
-            <a:r>
-              <a:rPr lang="es-ES" sz="1400" dirty="0"/>
-              <a:t>. </a:t>
-            </a:r>
-            <a:r>
-              <a:rPr lang="es-ES" sz="1400" dirty="0" err="1"/>
-              <a:t>Over</a:t>
-            </a:r>
-            <a:r>
-              <a:rPr lang="es-ES" sz="1400" dirty="0"/>
-              <a:t> US$ 2 MM </a:t>
-            </a:r>
-            <a:r>
-              <a:rPr lang="es-ES" sz="1400" dirty="0" err="1"/>
-              <a:t>of</a:t>
-            </a:r>
-            <a:r>
-              <a:rPr lang="es-ES" sz="1400" dirty="0"/>
-              <a:t> </a:t>
-            </a:r>
-            <a:r>
-              <a:rPr lang="es-ES" sz="1400" dirty="0" err="1"/>
-              <a:t>those</a:t>
-            </a:r>
-            <a:r>
-              <a:rPr lang="es-ES" sz="1400" dirty="0"/>
-              <a:t> </a:t>
-            </a:r>
-            <a:r>
-              <a:rPr lang="es-ES" sz="1400" dirty="0" err="1"/>
-              <a:t>earnings</a:t>
-            </a:r>
-            <a:r>
-              <a:rPr lang="es-ES" sz="1400" dirty="0"/>
-              <a:t> come </a:t>
-            </a:r>
-            <a:r>
-              <a:rPr lang="es-ES" sz="1400" dirty="0" err="1"/>
-              <a:t>from</a:t>
-            </a:r>
-            <a:r>
-              <a:rPr lang="es-ES" sz="1400" dirty="0"/>
-              <a:t> </a:t>
-            </a:r>
-            <a:r>
-              <a:rPr lang="es-ES" sz="1400" dirty="0" err="1"/>
-              <a:t>Basketball</a:t>
-            </a:r>
-            <a:r>
-              <a:rPr lang="es-ES" sz="1400" dirty="0"/>
-              <a:t>.</a:t>
-            </a:r>
-          </a:p>
-          <a:p>
-            <a:pPr rtl="0"/>
-            <a:r>
-              <a:rPr lang="es-ES" sz="1400" dirty="0" err="1"/>
-              <a:t>There</a:t>
-            </a:r>
-            <a:r>
-              <a:rPr lang="es-ES" sz="1400" dirty="0"/>
-              <a:t> </a:t>
-            </a:r>
-            <a:r>
-              <a:rPr lang="es-ES" sz="1400" dirty="0" err="1"/>
-              <a:t>is</a:t>
-            </a:r>
-            <a:r>
-              <a:rPr lang="es-ES" sz="1400" dirty="0"/>
-              <a:t> a </a:t>
-            </a:r>
-            <a:r>
-              <a:rPr lang="es-ES" sz="1400" dirty="0" err="1"/>
-              <a:t>clear</a:t>
-            </a:r>
-            <a:r>
-              <a:rPr lang="es-ES" sz="1400" dirty="0"/>
-              <a:t> </a:t>
-            </a:r>
-            <a:r>
-              <a:rPr lang="es-ES" sz="1400" dirty="0" err="1"/>
-              <a:t>difference</a:t>
-            </a:r>
-            <a:r>
-              <a:rPr lang="es-ES" sz="1400" dirty="0"/>
-              <a:t> in top </a:t>
-            </a:r>
-            <a:r>
-              <a:rPr lang="es-ES" sz="1400" dirty="0" err="1"/>
-              <a:t>paid</a:t>
-            </a:r>
-            <a:r>
-              <a:rPr lang="es-ES" sz="1400" dirty="0"/>
-              <a:t> </a:t>
-            </a:r>
-            <a:r>
-              <a:rPr lang="es-ES" sz="1400" dirty="0" err="1"/>
-              <a:t>athlete</a:t>
-            </a:r>
-            <a:r>
-              <a:rPr lang="es-ES" sz="1400" dirty="0"/>
-              <a:t> </a:t>
-            </a:r>
-            <a:r>
-              <a:rPr lang="es-ES" sz="1400" dirty="0" err="1"/>
-              <a:t>nationality</a:t>
-            </a:r>
-            <a:r>
-              <a:rPr lang="es-ES" sz="1400" dirty="0"/>
-              <a:t> </a:t>
-            </a:r>
-            <a:r>
-              <a:rPr lang="es-ES" sz="1400" dirty="0" err="1"/>
-              <a:t>depending</a:t>
-            </a:r>
-            <a:r>
-              <a:rPr lang="es-ES" sz="1400" dirty="0"/>
-              <a:t> </a:t>
-            </a:r>
-            <a:r>
-              <a:rPr lang="es-ES" sz="1400" dirty="0" err="1"/>
-              <a:t>on</a:t>
-            </a:r>
-            <a:r>
-              <a:rPr lang="es-ES" sz="1400" dirty="0"/>
-              <a:t> </a:t>
-            </a:r>
-            <a:r>
-              <a:rPr lang="es-ES" sz="1400" dirty="0" err="1"/>
-              <a:t>sports</a:t>
-            </a:r>
-            <a:r>
-              <a:rPr lang="es-ES" sz="1400" dirty="0"/>
-              <a:t>. </a:t>
-            </a:r>
-            <a:r>
-              <a:rPr lang="es-ES" sz="1400" dirty="0" err="1"/>
-              <a:t>Baketball</a:t>
-            </a:r>
-            <a:r>
-              <a:rPr lang="es-ES" sz="1400" dirty="0"/>
-              <a:t>, American </a:t>
-            </a:r>
-            <a:r>
-              <a:rPr lang="es-ES" sz="1400" dirty="0" err="1"/>
-              <a:t>Football</a:t>
-            </a:r>
-            <a:r>
-              <a:rPr lang="es-ES" sz="1400" dirty="0"/>
-              <a:t>, </a:t>
-            </a:r>
-            <a:r>
-              <a:rPr lang="es-ES" sz="1400" dirty="0" err="1"/>
-              <a:t>Golfing</a:t>
-            </a:r>
-            <a:r>
-              <a:rPr lang="es-ES" sz="1400" dirty="0"/>
-              <a:t> and </a:t>
-            </a:r>
-            <a:r>
-              <a:rPr lang="es-ES" sz="1400" dirty="0" err="1"/>
-              <a:t>Boxing</a:t>
-            </a:r>
-            <a:r>
-              <a:rPr lang="es-ES" sz="1400" dirty="0"/>
-              <a:t> are </a:t>
-            </a:r>
-            <a:r>
-              <a:rPr lang="es-ES" sz="1400" dirty="0" err="1"/>
-              <a:t>predominantly</a:t>
-            </a:r>
-            <a:r>
-              <a:rPr lang="es-ES" sz="1400" dirty="0"/>
-              <a:t> </a:t>
-            </a:r>
-            <a:r>
-              <a:rPr lang="es-ES" sz="1400" dirty="0" err="1"/>
-              <a:t>american</a:t>
-            </a:r>
-            <a:r>
-              <a:rPr lang="es-ES" sz="1400" dirty="0"/>
-              <a:t> </a:t>
-            </a:r>
-            <a:r>
-              <a:rPr lang="es-ES" sz="1400" dirty="0" err="1"/>
-              <a:t>while</a:t>
-            </a:r>
-            <a:r>
-              <a:rPr lang="es-ES" sz="1400" dirty="0"/>
-              <a:t> F1, Soccer and </a:t>
-            </a:r>
-            <a:r>
-              <a:rPr lang="es-ES" sz="1400" dirty="0" err="1"/>
-              <a:t>Tennis</a:t>
-            </a:r>
-            <a:r>
-              <a:rPr lang="es-ES" sz="1400" dirty="0"/>
-              <a:t> are </a:t>
-            </a:r>
-            <a:r>
-              <a:rPr lang="es-ES" sz="1400" dirty="0" err="1"/>
-              <a:t>predominantly</a:t>
-            </a:r>
-            <a:r>
-              <a:rPr lang="es-ES" sz="1400" dirty="0"/>
-              <a:t> </a:t>
-            </a:r>
-            <a:r>
-              <a:rPr lang="es-ES" sz="1400" dirty="0" err="1"/>
-              <a:t>international</a:t>
-            </a:r>
-            <a:r>
-              <a:rPr lang="es-ES" sz="1400" dirty="0"/>
-              <a:t>. </a:t>
-            </a:r>
-            <a:r>
-              <a:rPr lang="es-ES" sz="1400" dirty="0" err="1"/>
-              <a:t>This</a:t>
-            </a:r>
-            <a:r>
-              <a:rPr lang="es-ES" sz="1400" dirty="0"/>
-              <a:t> </a:t>
-            </a:r>
-            <a:r>
-              <a:rPr lang="es-ES" sz="1400" dirty="0" err="1"/>
-              <a:t>matches</a:t>
-            </a:r>
-            <a:r>
-              <a:rPr lang="es-ES" sz="1400" dirty="0"/>
-              <a:t> </a:t>
-            </a:r>
-            <a:r>
-              <a:rPr lang="es-ES" sz="1400" dirty="0" err="1"/>
-              <a:t>sports</a:t>
-            </a:r>
-            <a:r>
-              <a:rPr lang="es-ES" sz="1400" dirty="0"/>
-              <a:t> </a:t>
-            </a:r>
-            <a:r>
-              <a:rPr lang="es-ES" sz="1400" dirty="0" err="1"/>
-              <a:t>popularity</a:t>
-            </a:r>
-            <a:r>
-              <a:rPr lang="es-ES" sz="1400" dirty="0"/>
-              <a:t> as F1, Soccer and </a:t>
-            </a:r>
-            <a:r>
-              <a:rPr lang="es-ES" sz="1400" dirty="0" err="1"/>
-              <a:t>Tennis</a:t>
-            </a:r>
-            <a:r>
-              <a:rPr lang="es-ES" sz="1400" dirty="0"/>
-              <a:t> are </a:t>
-            </a:r>
-            <a:r>
-              <a:rPr lang="es-ES" sz="1400" dirty="0" err="1"/>
-              <a:t>sports</a:t>
-            </a:r>
-            <a:r>
-              <a:rPr lang="es-ES" sz="1400" dirty="0"/>
-              <a:t> </a:t>
-            </a:r>
-            <a:r>
-              <a:rPr lang="es-ES" sz="1400" dirty="0" err="1"/>
-              <a:t>that</a:t>
-            </a:r>
-            <a:r>
-              <a:rPr lang="es-ES" sz="1400" dirty="0"/>
-              <a:t> </a:t>
-            </a:r>
-            <a:r>
-              <a:rPr lang="es-ES" sz="1400" dirty="0" err="1"/>
-              <a:t>have</a:t>
-            </a:r>
-            <a:r>
-              <a:rPr lang="es-ES" sz="1400" dirty="0"/>
-              <a:t> </a:t>
-            </a:r>
-            <a:r>
-              <a:rPr lang="es-ES" sz="1400" dirty="0" err="1"/>
-              <a:t>historically</a:t>
-            </a:r>
-            <a:r>
-              <a:rPr lang="es-ES" sz="1400" dirty="0"/>
-              <a:t> </a:t>
-            </a:r>
-            <a:r>
-              <a:rPr lang="es-ES" sz="1400" dirty="0" err="1"/>
-              <a:t>had</a:t>
-            </a:r>
-            <a:r>
-              <a:rPr lang="es-ES" sz="1400" dirty="0"/>
-              <a:t> </a:t>
-            </a:r>
-            <a:r>
-              <a:rPr lang="es-ES" sz="1400" dirty="0" err="1"/>
-              <a:t>an</a:t>
-            </a:r>
-            <a:r>
-              <a:rPr lang="es-ES" sz="1400" dirty="0"/>
-              <a:t> </a:t>
-            </a:r>
-            <a:r>
-              <a:rPr lang="es-ES" sz="1400" dirty="0" err="1"/>
-              <a:t>international</a:t>
-            </a:r>
-            <a:r>
-              <a:rPr lang="es-ES" sz="1400" dirty="0"/>
-              <a:t> </a:t>
-            </a:r>
-            <a:r>
-              <a:rPr lang="es-ES" sz="1400" dirty="0" err="1"/>
-              <a:t>audience</a:t>
-            </a:r>
-            <a:r>
-              <a:rPr lang="es-ES" sz="1400" dirty="0"/>
-              <a:t>.</a:t>
-            </a:r>
-          </a:p>
-          <a:p>
-            <a:pPr rtl="0"/>
-            <a:r>
-              <a:rPr lang="es-ES" sz="1400" dirty="0" err="1"/>
-              <a:t>The</a:t>
-            </a:r>
-            <a:r>
-              <a:rPr lang="es-ES" sz="1400" dirty="0"/>
-              <a:t> American sport </a:t>
-            </a:r>
-            <a:r>
-              <a:rPr lang="es-ES" sz="1400" dirty="0" err="1"/>
-              <a:t>industry</a:t>
-            </a:r>
-            <a:r>
-              <a:rPr lang="es-ES" sz="1400" dirty="0"/>
-              <a:t> </a:t>
-            </a:r>
-            <a:r>
-              <a:rPr lang="es-ES" sz="1400" dirty="0" err="1"/>
-              <a:t>is</a:t>
-            </a:r>
-            <a:r>
-              <a:rPr lang="es-ES" sz="1400" dirty="0"/>
-              <a:t> </a:t>
-            </a:r>
-            <a:r>
-              <a:rPr lang="es-ES" sz="1400" dirty="0" err="1"/>
-              <a:t>the</a:t>
-            </a:r>
-            <a:r>
-              <a:rPr lang="es-ES" sz="1400" dirty="0"/>
-              <a:t> </a:t>
-            </a:r>
-            <a:r>
-              <a:rPr lang="es-ES" sz="1400" dirty="0" err="1"/>
-              <a:t>largest</a:t>
-            </a:r>
-            <a:r>
-              <a:rPr lang="es-ES" sz="1400" dirty="0"/>
-              <a:t> in </a:t>
-            </a:r>
-            <a:r>
-              <a:rPr lang="es-ES" sz="1400" dirty="0" err="1"/>
-              <a:t>the</a:t>
-            </a:r>
-            <a:r>
-              <a:rPr lang="es-ES" sz="1400" dirty="0"/>
-              <a:t> </a:t>
-            </a:r>
-            <a:r>
-              <a:rPr lang="es-ES" sz="1400" dirty="0" err="1"/>
-              <a:t>world</a:t>
-            </a:r>
-            <a:r>
-              <a:rPr lang="es-ES" sz="1400" dirty="0"/>
-              <a:t>, </a:t>
-            </a:r>
-            <a:r>
-              <a:rPr lang="es-ES" sz="1400" dirty="0" err="1"/>
-              <a:t>this</a:t>
-            </a:r>
-            <a:r>
-              <a:rPr lang="es-ES" sz="1400" dirty="0"/>
-              <a:t> </a:t>
-            </a:r>
-            <a:r>
-              <a:rPr lang="es-ES" sz="1400" dirty="0" err="1"/>
-              <a:t>appears</a:t>
-            </a:r>
-            <a:r>
-              <a:rPr lang="es-ES" sz="1400" dirty="0"/>
-              <a:t> </a:t>
-            </a:r>
-            <a:r>
-              <a:rPr lang="es-ES" sz="1400" dirty="0" err="1"/>
-              <a:t>to</a:t>
-            </a:r>
-            <a:r>
-              <a:rPr lang="es-ES" sz="1400" dirty="0"/>
-              <a:t> </a:t>
-            </a:r>
-            <a:r>
-              <a:rPr lang="es-ES" sz="1400" dirty="0" err="1"/>
-              <a:t>correlate</a:t>
-            </a:r>
-            <a:r>
-              <a:rPr lang="es-ES" sz="1400" dirty="0"/>
-              <a:t> </a:t>
-            </a:r>
-            <a:r>
-              <a:rPr lang="es-ES" sz="1400" dirty="0" err="1"/>
-              <a:t>with</a:t>
-            </a:r>
-            <a:r>
-              <a:rPr lang="es-ES" sz="1400" dirty="0"/>
-              <a:t> </a:t>
-            </a:r>
-            <a:r>
-              <a:rPr lang="es-ES" sz="1400" dirty="0" err="1"/>
-              <a:t>athlete</a:t>
-            </a:r>
-            <a:r>
-              <a:rPr lang="es-ES" sz="1400" dirty="0"/>
-              <a:t> salaries. </a:t>
-            </a:r>
-            <a:r>
-              <a:rPr lang="es-ES" sz="1400" dirty="0" err="1"/>
-              <a:t>We</a:t>
-            </a:r>
-            <a:r>
-              <a:rPr lang="es-ES" sz="1400" dirty="0"/>
-              <a:t> </a:t>
-            </a:r>
-            <a:r>
-              <a:rPr lang="es-ES" sz="1400" dirty="0" err="1"/>
-              <a:t>need</a:t>
-            </a:r>
-            <a:r>
-              <a:rPr lang="es-ES" sz="1400" dirty="0"/>
-              <a:t> more </a:t>
-            </a:r>
-            <a:r>
-              <a:rPr lang="es-ES" sz="1400" dirty="0" err="1"/>
-              <a:t>information</a:t>
-            </a:r>
-            <a:r>
-              <a:rPr lang="es-ES" sz="1400" dirty="0"/>
-              <a:t> </a:t>
-            </a:r>
-            <a:r>
-              <a:rPr lang="es-ES" sz="1400" dirty="0" err="1"/>
-              <a:t>to</a:t>
-            </a:r>
-            <a:r>
-              <a:rPr lang="es-ES" sz="1400" dirty="0"/>
-              <a:t> </a:t>
-            </a:r>
-            <a:r>
-              <a:rPr lang="es-ES" sz="1400" dirty="0" err="1"/>
-              <a:t>carry</a:t>
-            </a:r>
-            <a:r>
-              <a:rPr lang="es-ES" sz="1400" dirty="0"/>
-              <a:t> </a:t>
-            </a:r>
-            <a:r>
-              <a:rPr lang="es-ES" sz="1400" dirty="0" err="1"/>
-              <a:t>out</a:t>
-            </a:r>
-            <a:r>
-              <a:rPr lang="es-ES" sz="1400" dirty="0"/>
-              <a:t> a </a:t>
-            </a:r>
-            <a:r>
-              <a:rPr lang="es-ES" sz="1400" dirty="0" err="1"/>
-              <a:t>deeper</a:t>
-            </a:r>
-            <a:r>
-              <a:rPr lang="es-ES" sz="1400" dirty="0"/>
-              <a:t> análisis </a:t>
-            </a:r>
-            <a:r>
-              <a:rPr lang="es-ES" sz="1400" dirty="0" err="1"/>
-              <a:t>into</a:t>
-            </a:r>
-            <a:r>
-              <a:rPr lang="es-ES" sz="1400" dirty="0"/>
-              <a:t> </a:t>
-            </a:r>
-            <a:r>
-              <a:rPr lang="es-ES" sz="1400" dirty="0" err="1"/>
-              <a:t>salary</a:t>
-            </a:r>
-            <a:r>
-              <a:rPr lang="es-ES" sz="1400" dirty="0"/>
-              <a:t> drivers in </a:t>
-            </a:r>
-            <a:r>
-              <a:rPr lang="es-ES" sz="1400" dirty="0" err="1"/>
-              <a:t>the</a:t>
-            </a:r>
-            <a:r>
-              <a:rPr lang="es-ES" sz="1400" dirty="0"/>
-              <a:t> </a:t>
-            </a:r>
-            <a:r>
-              <a:rPr lang="es-ES" sz="1400" dirty="0" err="1"/>
-              <a:t>industry</a:t>
-            </a:r>
-            <a:r>
-              <a:rPr lang="es-ES" sz="1400"/>
-              <a:t>.</a:t>
+              <a:rPr lang="es-ES" dirty="0"/>
+              <a:t>FORBES HIGHEST PAYING ATHLETES ANALYSIS</a:t>
             </a:r>
           </a:p>
         </p:txBody>
@@ -19554,7 +20565,7 @@
     </p:spTree>
     <p:extLst>
       <p:ext uri="{BB962C8B-B14F-4D97-AF65-F5344CB8AC3E}">
-        <p14:creationId xmlns:p14="http://schemas.microsoft.com/office/powerpoint/2010/main" val="1584942961"/>
+        <p14:creationId xmlns:p14="http://schemas.microsoft.com/office/powerpoint/2010/main" val="1663780162"/>
       </p:ext>
     </p:extLst>
   </p:cSld>
@@ -20356,6 +21367,15 @@
 </file>
 
 <file path=customXml/item1.xml><?xml version="1.0" encoding="utf-8"?>
+<?mso-contentType ?>
+<FormTemplates xmlns="http://schemas.microsoft.com/sharepoint/v3/contenttype/forms">
+  <Display>DocumentLibraryForm</Display>
+  <Edit>DocumentLibraryForm</Edit>
+  <New>DocumentLibraryForm</New>
+</FormTemplates>
+</file>
+
+<file path=customXml/item2.xml><?xml version="1.0" encoding="utf-8"?>
 <ct:contentTypeSchema xmlns:ct="http://schemas.microsoft.com/office/2006/metadata/contentType" xmlns:ma="http://schemas.microsoft.com/office/2006/metadata/properties/metaAttributes" ct:_="" ma:_="" ma:contentTypeName="Document" ma:contentTypeID="0x01010079F111ED35F8CC479449609E8A0923A6" ma:contentTypeVersion="20" ma:contentTypeDescription="Create a new document." ma:contentTypeScope="" ma:versionID="1267097ee5f5874adfcc408041ae252e">
   <xsd:schema xmlns:xsd="http://www.w3.org/2001/XMLSchema" xmlns:xs="http://www.w3.org/2001/XMLSchema" xmlns:p="http://schemas.microsoft.com/office/2006/metadata/properties" xmlns:ns1="http://schemas.microsoft.com/sharepoint/v3" xmlns:ns2="71af3243-3dd4-4a8d-8c0d-dd76da1f02a5" xmlns:ns3="16c05727-aa75-4e4a-9b5f-8a80a1165891" xmlns:ns4="230e9df3-be65-4c73-a93b-d1236ebd677e" targetNamespace="http://schemas.microsoft.com/office/2006/metadata/properties" ma:root="true" ma:fieldsID="395891a93df65b14727750f2c06c306c" ns1:_="" ns2:_="" ns3:_="" ns4:_="">
     <xsd:import namespace="http://schemas.microsoft.com/sharepoint/v3"/>
@@ -20631,15 +21651,6 @@
 </ct:contentTypeSchema>
 </file>
 
-<file path=customXml/item2.xml><?xml version="1.0" encoding="utf-8"?>
-<?mso-contentType ?>
-<FormTemplates xmlns="http://schemas.microsoft.com/sharepoint/v3/contenttype/forms">
-  <Display>DocumentLibraryForm</Display>
-  <Edit>DocumentLibraryForm</Edit>
-  <New>DocumentLibraryForm</New>
-</FormTemplates>
-</file>
-
 <file path=customXml/item3.xml><?xml version="1.0" encoding="utf-8"?>
 <p:properties xmlns:p="http://schemas.microsoft.com/office/2006/metadata/properties" xmlns:xsi="http://www.w3.org/2001/XMLSchema-instance" xmlns:pc="http://schemas.microsoft.com/office/infopath/2007/PartnerControls">
   <documentManagement>
@@ -20660,6 +21671,14 @@
 </file>
 
 <file path=customXml/itemProps1.xml><?xml version="1.0" encoding="utf-8"?>
+<ds:datastoreItem xmlns:ds="http://schemas.openxmlformats.org/officeDocument/2006/customXml" ds:itemID="{0FD6FE22-81A0-4500-AFD0-342D21BB9A2C}">
+  <ds:schemaRefs>
+    <ds:schemaRef ds:uri="http://schemas.microsoft.com/sharepoint/v3/contenttype/forms"/>
+  </ds:schemaRefs>
+</ds:datastoreItem>
+</file>
+
+<file path=customXml/itemProps2.xml><?xml version="1.0" encoding="utf-8"?>
 <ds:datastoreItem xmlns:ds="http://schemas.openxmlformats.org/officeDocument/2006/customXml" ds:itemID="{CC96B61E-1B64-430F-934F-7D1B90028029}">
   <ds:schemaRefs>
     <ds:schemaRef ds:uri="http://schemas.microsoft.com/office/2006/metadata/contentType"/>
@@ -20676,14 +21695,6 @@
     <ds:schemaRef ds:uri="http://purl.org/dc/elements/1.1/"/>
     <ds:schemaRef ds:uri="http://purl.org/dc/terms/"/>
     <ds:schemaRef ds:uri="http://schemas.microsoft.com/internal/obd"/>
-  </ds:schemaRefs>
-</ds:datastoreItem>
-</file>
-
-<file path=customXml/itemProps2.xml><?xml version="1.0" encoding="utf-8"?>
-<ds:datastoreItem xmlns:ds="http://schemas.openxmlformats.org/officeDocument/2006/customXml" ds:itemID="{0FD6FE22-81A0-4500-AFD0-342D21BB9A2C}">
-  <ds:schemaRefs>
-    <ds:schemaRef ds:uri="http://schemas.microsoft.com/sharepoint/v3/contenttype/forms"/>
   </ds:schemaRefs>
 </ds:datastoreItem>
 </file>
